--- a/learn_cpp/docs/C++语言培训.pptx
+++ b/learn_cpp/docs/C++语言培训.pptx
@@ -7,17 +7,27 @@
   <p:sldIdLst>
     <p:sldId id="256" r:id="rId2"/>
     <p:sldId id="257" r:id="rId3"/>
-    <p:sldId id="258" r:id="rId4"/>
-    <p:sldId id="259" r:id="rId5"/>
-    <p:sldId id="260" r:id="rId6"/>
-    <p:sldId id="261" r:id="rId7"/>
-    <p:sldId id="262" r:id="rId8"/>
-    <p:sldId id="263" r:id="rId9"/>
-    <p:sldId id="264" r:id="rId10"/>
-    <p:sldId id="265" r:id="rId11"/>
-    <p:sldId id="266" r:id="rId12"/>
-    <p:sldId id="267" r:id="rId13"/>
-    <p:sldId id="268" r:id="rId14"/>
+    <p:sldId id="274" r:id="rId4"/>
+    <p:sldId id="275" r:id="rId5"/>
+    <p:sldId id="276" r:id="rId6"/>
+    <p:sldId id="269" r:id="rId7"/>
+    <p:sldId id="279" r:id="rId8"/>
+    <p:sldId id="270" r:id="rId9"/>
+    <p:sldId id="271" r:id="rId10"/>
+    <p:sldId id="278" r:id="rId11"/>
+    <p:sldId id="272" r:id="rId12"/>
+    <p:sldId id="277" r:id="rId13"/>
+    <p:sldId id="258" r:id="rId14"/>
+    <p:sldId id="259" r:id="rId15"/>
+    <p:sldId id="260" r:id="rId16"/>
+    <p:sldId id="261" r:id="rId17"/>
+    <p:sldId id="262" r:id="rId18"/>
+    <p:sldId id="263" r:id="rId19"/>
+    <p:sldId id="264" r:id="rId20"/>
+    <p:sldId id="265" r:id="rId21"/>
+    <p:sldId id="266" r:id="rId22"/>
+    <p:sldId id="267" r:id="rId23"/>
+    <p:sldId id="268" r:id="rId24"/>
   </p:sldIdLst>
   <p:sldSz cx="12192000" cy="6858000"/>
   <p:notesSz cx="6858000" cy="9144000"/>
@@ -313,7 +323,7 @@
             <a:fld id="{B61BEF0D-F0BB-DE4B-95CE-6DB70DBA9567}" type="datetimeFigureOut">
               <a:rPr lang="en-US" dirty="0"/>
               <a:pPr/>
-              <a:t>12/21/2024</a:t>
+              <a:t>2/24/2025</a:t>
             </a:fld>
             <a:endParaRPr lang="en-US" dirty="0"/>
           </a:p>
@@ -648,7 +658,7 @@
             <a:fld id="{B61BEF0D-F0BB-DE4B-95CE-6DB70DBA9567}" type="datetimeFigureOut">
               <a:rPr lang="en-US" dirty="0"/>
               <a:pPr/>
-              <a:t>12/21/2024</a:t>
+              <a:t>2/24/2025</a:t>
             </a:fld>
             <a:endParaRPr lang="en-US" dirty="0"/>
           </a:p>
@@ -1046,7 +1056,7 @@
             <a:fld id="{B61BEF0D-F0BB-DE4B-95CE-6DB70DBA9567}" type="datetimeFigureOut">
               <a:rPr lang="en-US" dirty="0"/>
               <a:pPr/>
-              <a:t>12/21/2024</a:t>
+              <a:t>2/24/2025</a:t>
             </a:fld>
             <a:endParaRPr lang="en-US" dirty="0"/>
           </a:p>
@@ -1379,7 +1389,7 @@
             <a:fld id="{B61BEF0D-F0BB-DE4B-95CE-6DB70DBA9567}" type="datetimeFigureOut">
               <a:rPr lang="en-US" dirty="0"/>
               <a:pPr/>
-              <a:t>12/21/2024</a:t>
+              <a:t>2/24/2025</a:t>
             </a:fld>
             <a:endParaRPr lang="en-US" dirty="0"/>
           </a:p>
@@ -1696,7 +1706,7 @@
             <a:fld id="{B61BEF0D-F0BB-DE4B-95CE-6DB70DBA9567}" type="datetimeFigureOut">
               <a:rPr lang="en-US" dirty="0"/>
               <a:pPr/>
-              <a:t>12/21/2024</a:t>
+              <a:t>2/24/2025</a:t>
             </a:fld>
             <a:endParaRPr lang="en-US" dirty="0"/>
           </a:p>
@@ -2089,7 +2099,7 @@
             <a:fld id="{B61BEF0D-F0BB-DE4B-95CE-6DB70DBA9567}" type="datetimeFigureOut">
               <a:rPr lang="en-US" dirty="0"/>
               <a:pPr/>
-              <a:t>12/21/2024</a:t>
+              <a:t>2/24/2025</a:t>
             </a:fld>
             <a:endParaRPr lang="en-US" dirty="0"/>
           </a:p>
@@ -2343,7 +2353,7 @@
             <a:fld id="{B61BEF0D-F0BB-DE4B-95CE-6DB70DBA9567}" type="datetimeFigureOut">
               <a:rPr lang="en-US" dirty="0"/>
               <a:pPr/>
-              <a:t>12/21/2024</a:t>
+              <a:t>2/24/2025</a:t>
             </a:fld>
             <a:endParaRPr lang="en-US" dirty="0"/>
           </a:p>
@@ -2602,7 +2612,7 @@
             <a:fld id="{B61BEF0D-F0BB-DE4B-95CE-6DB70DBA9567}" type="datetimeFigureOut">
               <a:rPr lang="en-US" dirty="0"/>
               <a:pPr/>
-              <a:t>12/21/2024</a:t>
+              <a:t>2/24/2025</a:t>
             </a:fld>
             <a:endParaRPr lang="en-US" dirty="0"/>
           </a:p>
@@ -2861,7 +2871,7 @@
             <a:fld id="{B61BEF0D-F0BB-DE4B-95CE-6DB70DBA9567}" type="datetimeFigureOut">
               <a:rPr lang="en-US" dirty="0"/>
               <a:pPr/>
-              <a:t>12/21/2024</a:t>
+              <a:t>2/24/2025</a:t>
             </a:fld>
             <a:endParaRPr lang="en-US" dirty="0"/>
           </a:p>
@@ -3187,7 +3197,7 @@
             <a:fld id="{B61BEF0D-F0BB-DE4B-95CE-6DB70DBA9567}" type="datetimeFigureOut">
               <a:rPr lang="en-US" dirty="0"/>
               <a:pPr/>
-              <a:t>12/21/2024</a:t>
+              <a:t>2/24/2025</a:t>
             </a:fld>
             <a:endParaRPr lang="en-US" dirty="0"/>
           </a:p>
@@ -3507,7 +3517,7 @@
             <a:fld id="{B61BEF0D-F0BB-DE4B-95CE-6DB70DBA9567}" type="datetimeFigureOut">
               <a:rPr lang="en-US" dirty="0"/>
               <a:pPr/>
-              <a:t>12/21/2024</a:t>
+              <a:t>2/24/2025</a:t>
             </a:fld>
             <a:endParaRPr lang="en-US" dirty="0"/>
           </a:p>
@@ -3990,7 +4000,7 @@
             <a:fld id="{B61BEF0D-F0BB-DE4B-95CE-6DB70DBA9567}" type="datetimeFigureOut">
               <a:rPr lang="en-US" dirty="0"/>
               <a:pPr/>
-              <a:t>12/21/2024</a:t>
+              <a:t>2/24/2025</a:t>
             </a:fld>
             <a:endParaRPr lang="en-US" dirty="0"/>
           </a:p>
@@ -4192,7 +4202,7 @@
             <a:fld id="{B61BEF0D-F0BB-DE4B-95CE-6DB70DBA9567}" type="datetimeFigureOut">
               <a:rPr lang="en-US" dirty="0"/>
               <a:pPr/>
-              <a:t>12/21/2024</a:t>
+              <a:t>2/24/2025</a:t>
             </a:fld>
             <a:endParaRPr lang="en-US" dirty="0"/>
           </a:p>
@@ -4366,7 +4376,7 @@
             <a:fld id="{B61BEF0D-F0BB-DE4B-95CE-6DB70DBA9567}" type="datetimeFigureOut">
               <a:rPr lang="en-US" dirty="0"/>
               <a:pPr/>
-              <a:t>12/21/2024</a:t>
+              <a:t>2/24/2025</a:t>
             </a:fld>
             <a:endParaRPr lang="en-US" dirty="0"/>
           </a:p>
@@ -4696,7 +4706,7 @@
             <a:fld id="{B61BEF0D-F0BB-DE4B-95CE-6DB70DBA9567}" type="datetimeFigureOut">
               <a:rPr lang="en-US" dirty="0"/>
               <a:pPr/>
-              <a:t>12/21/2024</a:t>
+              <a:t>2/24/2025</a:t>
             </a:fld>
             <a:endParaRPr lang="en-US" dirty="0"/>
           </a:p>
@@ -5038,7 +5048,7 @@
             <a:fld id="{B61BEF0D-F0BB-DE4B-95CE-6DB70DBA9567}" type="datetimeFigureOut">
               <a:rPr lang="en-US" dirty="0"/>
               <a:pPr/>
-              <a:t>12/21/2024</a:t>
+              <a:t>2/24/2025</a:t>
             </a:fld>
             <a:endParaRPr lang="en-US" dirty="0"/>
           </a:p>
@@ -7152,7 +7162,7 @@
             <a:fld id="{B61BEF0D-F0BB-DE4B-95CE-6DB70DBA9567}" type="datetimeFigureOut">
               <a:rPr lang="en-US" dirty="0"/>
               <a:pPr/>
-              <a:t>12/21/2024</a:t>
+              <a:t>2/24/2025</a:t>
             </a:fld>
             <a:endParaRPr lang="en-US" dirty="0"/>
           </a:p>
@@ -7765,216 +7775,57 @@
           <a:lstStyle/>
           <a:p>
             <a:r>
-              <a:rPr lang="zh-CN" altLang="en-US" b="1" dirty="0" smtClean="0">
-                <a:latin typeface="华文楷体" pitchFamily="2" charset="-122"/>
-                <a:ea typeface="华文楷体" pitchFamily="2" charset="-122"/>
-              </a:rPr>
-              <a:t>第</a:t>
-            </a:r>
-            <a:r>
-              <a:rPr lang="en-US" altLang="zh-CN" b="1" dirty="0" smtClean="0">
-                <a:latin typeface="华文楷体" pitchFamily="2" charset="-122"/>
-                <a:ea typeface="华文楷体" pitchFamily="2" charset="-122"/>
-              </a:rPr>
-              <a:t>9</a:t>
-            </a:r>
-            <a:r>
-              <a:rPr lang="zh-CN" altLang="en-US" b="1" dirty="0" smtClean="0">
-                <a:latin typeface="华文楷体" pitchFamily="2" charset="-122"/>
-                <a:ea typeface="华文楷体" pitchFamily="2" charset="-122"/>
-              </a:rPr>
-              <a:t>章  </a:t>
-            </a:r>
-            <a:r>
-              <a:rPr lang="en-US" altLang="zh-CN" b="1" dirty="0">
-                <a:latin typeface="华文楷体" pitchFamily="2" charset="-122"/>
-                <a:ea typeface="华文楷体" pitchFamily="2" charset="-122"/>
-              </a:rPr>
-              <a:t>C++11</a:t>
-            </a:r>
-            <a:r>
-              <a:rPr lang="zh-CN" altLang="en-US" b="1" dirty="0">
-                <a:latin typeface="华文楷体" pitchFamily="2" charset="-122"/>
-                <a:ea typeface="华文楷体" pitchFamily="2" charset="-122"/>
-              </a:rPr>
-              <a:t>及以后特性</a:t>
+              <a:rPr lang="zh-CN" altLang="en-US" dirty="0"/>
+              <a:t>编译运行</a:t>
+            </a:r>
+            <a:r>
+              <a:rPr lang="en-US" altLang="zh-CN" dirty="0" smtClean="0"/>
+              <a:t>C++</a:t>
+            </a:r>
+            <a:r>
+              <a:rPr lang="zh-CN" altLang="en-US" dirty="0" smtClean="0"/>
+              <a:t>程序</a:t>
             </a:r>
             <a:endParaRPr lang="zh-CN" altLang="en-US" dirty="0"/>
           </a:p>
         </p:txBody>
       </p:sp>
-      <p:sp>
-        <p:nvSpPr>
-          <p:cNvPr id="3" name="内容占位符 2"/>
-          <p:cNvSpPr>
-            <a:spLocks noGrp="1"/>
-          </p:cNvSpPr>
+      <p:pic>
+        <p:nvPicPr>
+          <p:cNvPr id="4" name="内容占位符 3"/>
+          <p:cNvPicPr>
+            <a:picLocks noGrp="1" noChangeAspect="1"/>
+          </p:cNvPicPr>
           <p:nvPr>
             <p:ph idx="1"/>
           </p:nvPr>
-        </p:nvSpPr>
-        <p:spPr/>
-        <p:txBody>
-          <a:bodyPr/>
-          <a:lstStyle/>
-          <a:p>
-            <a:r>
-              <a:rPr lang="en-US" altLang="zh-CN" dirty="0"/>
-              <a:t>Lambda</a:t>
-            </a:r>
-            <a:r>
-              <a:rPr lang="zh-CN" altLang="en-US" dirty="0"/>
-              <a:t>表达式：如何使用</a:t>
-            </a:r>
-            <a:r>
-              <a:rPr lang="en-US" altLang="zh-CN" dirty="0"/>
-              <a:t>Lambda</a:t>
-            </a:r>
-            <a:r>
-              <a:rPr lang="zh-CN" altLang="en-US" dirty="0"/>
-              <a:t>简化代码。</a:t>
-            </a:r>
-          </a:p>
-          <a:p>
-            <a:r>
-              <a:rPr lang="zh-CN" altLang="en-US" dirty="0"/>
-              <a:t>智能指针：如何使用</a:t>
-            </a:r>
-            <a:r>
-              <a:rPr lang="en-US" altLang="zh-CN" dirty="0" err="1"/>
-              <a:t>shared_ptr</a:t>
-            </a:r>
-            <a:r>
-              <a:rPr lang="zh-CN" altLang="en-US" dirty="0"/>
-              <a:t>、</a:t>
-            </a:r>
-            <a:r>
-              <a:rPr lang="en-US" altLang="zh-CN" dirty="0" err="1"/>
-              <a:t>unique_ptr</a:t>
-            </a:r>
-            <a:r>
-              <a:rPr lang="zh-CN" altLang="en-US" dirty="0"/>
-              <a:t>等智能指针管理内存。</a:t>
-            </a:r>
-          </a:p>
-          <a:p>
-            <a:r>
-              <a:rPr lang="zh-CN" altLang="en-US" dirty="0"/>
-              <a:t>线程与并发：</a:t>
-            </a:r>
-            <a:r>
-              <a:rPr lang="en-US" altLang="zh-CN" dirty="0" err="1"/>
-              <a:t>std</a:t>
-            </a:r>
-            <a:r>
-              <a:rPr lang="en-US" altLang="zh-CN" dirty="0"/>
-              <a:t>::thread</a:t>
-            </a:r>
-            <a:r>
-              <a:rPr lang="zh-CN" altLang="en-US" dirty="0"/>
-              <a:t>、</a:t>
-            </a:r>
-            <a:r>
-              <a:rPr lang="en-US" altLang="zh-CN" dirty="0" err="1"/>
-              <a:t>std</a:t>
-            </a:r>
-            <a:r>
-              <a:rPr lang="en-US" altLang="zh-CN" dirty="0"/>
-              <a:t>::</a:t>
-            </a:r>
-            <a:r>
-              <a:rPr lang="en-US" altLang="zh-CN" dirty="0" err="1"/>
-              <a:t>mutex</a:t>
-            </a:r>
-            <a:r>
-              <a:rPr lang="zh-CN" altLang="en-US" dirty="0"/>
-              <a:t>、</a:t>
-            </a:r>
-            <a:r>
-              <a:rPr lang="en-US" altLang="zh-CN" dirty="0" err="1"/>
-              <a:t>std</a:t>
-            </a:r>
-            <a:r>
-              <a:rPr lang="en-US" altLang="zh-CN" dirty="0"/>
-              <a:t>::</a:t>
-            </a:r>
-            <a:r>
-              <a:rPr lang="en-US" altLang="zh-CN" dirty="0" err="1"/>
-              <a:t>async</a:t>
-            </a:r>
-            <a:r>
-              <a:rPr lang="zh-CN" altLang="en-US" dirty="0"/>
-              <a:t>等并发编程工具。</a:t>
-            </a:r>
-          </a:p>
-          <a:p>
-            <a:r>
-              <a:rPr lang="zh-CN" altLang="en-US" dirty="0"/>
-              <a:t>右值引用与移动语义：</a:t>
-            </a:r>
-            <a:r>
-              <a:rPr lang="en-US" altLang="zh-CN" dirty="0" err="1"/>
-              <a:t>std</a:t>
-            </a:r>
-            <a:r>
-              <a:rPr lang="en-US" altLang="zh-CN" dirty="0"/>
-              <a:t>::move</a:t>
-            </a:r>
-            <a:r>
-              <a:rPr lang="zh-CN" altLang="en-US" dirty="0"/>
-              <a:t>、</a:t>
-            </a:r>
-            <a:r>
-              <a:rPr lang="en-US" altLang="zh-CN" dirty="0" err="1"/>
-              <a:t>std</a:t>
-            </a:r>
-            <a:r>
-              <a:rPr lang="en-US" altLang="zh-CN" dirty="0"/>
-              <a:t>::forward</a:t>
-            </a:r>
-            <a:r>
-              <a:rPr lang="zh-CN" altLang="en-US" dirty="0"/>
-              <a:t>、移动构造函数和移动赋值运算符。</a:t>
-            </a:r>
-          </a:p>
-          <a:p>
-            <a:r>
-              <a:rPr lang="en-US" altLang="zh-CN" dirty="0" err="1"/>
-              <a:t>std</a:t>
-            </a:r>
-            <a:r>
-              <a:rPr lang="en-US" altLang="zh-CN" dirty="0"/>
-              <a:t>::</a:t>
-            </a:r>
-            <a:r>
-              <a:rPr lang="en-US" altLang="zh-CN" dirty="0" err="1"/>
-              <a:t>chrono</a:t>
-            </a:r>
-            <a:r>
-              <a:rPr lang="zh-CN" altLang="en-US" dirty="0"/>
-              <a:t>库：时间测量和延时功能。</a:t>
-            </a:r>
-            <a:endParaRPr lang="zh-CN" altLang="en-US" dirty="0"/>
-          </a:p>
-        </p:txBody>
-      </p:sp>
+        </p:nvPicPr>
+        <p:blipFill>
+          <a:blip r:embed="rId2"/>
+          <a:stretch>
+            <a:fillRect/>
+          </a:stretch>
+        </p:blipFill>
+        <p:spPr>
+          <a:xfrm>
+            <a:off x="5075544" y="2133600"/>
+            <a:ext cx="3942738" cy="3778250"/>
+          </a:xfrm>
+          <a:prstGeom prst="rect">
+            <a:avLst/>
+          </a:prstGeom>
+        </p:spPr>
+      </p:pic>
     </p:spTree>
     <p:extLst>
       <p:ext uri="{BB962C8B-B14F-4D97-AF65-F5344CB8AC3E}">
-        <p14:creationId xmlns:p14="http://schemas.microsoft.com/office/powerpoint/2010/main" val="1295629135"/>
+        <p14:creationId xmlns:p14="http://schemas.microsoft.com/office/powerpoint/2010/main" val="3513800957"/>
       </p:ext>
     </p:extLst>
   </p:cSld>
   <p:clrMapOvr>
     <a:masterClrMapping/>
   </p:clrMapOvr>
-  <p:timing>
-    <p:tnLst>
-      <p:par>
-        <p:cTn id="1" dur="indefinite" restart="never" nodeType="tmRoot"/>
-      </p:par>
-    </p:tnLst>
-  </p:timing>
 </p:sld>
 </file>
 
@@ -8011,41 +7862,14 @@
           <a:lstStyle/>
           <a:p>
             <a:r>
-              <a:rPr lang="zh-CN" altLang="en-US" b="1" dirty="0">
-                <a:latin typeface="华文楷体" pitchFamily="2" charset="-122"/>
-                <a:ea typeface="华文楷体" pitchFamily="2" charset="-122"/>
-              </a:rPr>
-              <a:t>第</a:t>
-            </a:r>
-            <a:r>
-              <a:rPr lang="en-US" altLang="zh-CN" b="1" dirty="0" smtClean="0">
-                <a:latin typeface="华文楷体" pitchFamily="2" charset="-122"/>
-                <a:ea typeface="华文楷体" pitchFamily="2" charset="-122"/>
-              </a:rPr>
-              <a:t>10</a:t>
-            </a:r>
-            <a:r>
-              <a:rPr lang="zh-CN" altLang="en-US" b="1" dirty="0" smtClean="0">
-                <a:latin typeface="华文楷体" pitchFamily="2" charset="-122"/>
-                <a:ea typeface="华文楷体" pitchFamily="2" charset="-122"/>
-              </a:rPr>
-              <a:t>章  </a:t>
-            </a:r>
-            <a:r>
-              <a:rPr lang="en-US" altLang="zh-CN" b="1" dirty="0">
-                <a:latin typeface="华文楷体" pitchFamily="2" charset="-122"/>
-                <a:ea typeface="华文楷体" pitchFamily="2" charset="-122"/>
-              </a:rPr>
+              <a:rPr lang="en-US" altLang="zh-CN" b="1" dirty="0"/>
               <a:t>C++</a:t>
             </a:r>
             <a:r>
-              <a:rPr lang="zh-CN" altLang="en-US" b="1" dirty="0">
-                <a:latin typeface="华文楷体" pitchFamily="2" charset="-122"/>
-                <a:ea typeface="华文楷体" pitchFamily="2" charset="-122"/>
-              </a:rPr>
-              <a:t>设计模式</a:t>
-            </a:r>
-            <a:endParaRPr lang="zh-CN" altLang="en-US" dirty="0"/>
+              <a:rPr lang="zh-CN" altLang="zh-CN" b="1" dirty="0"/>
+              <a:t>开发环境</a:t>
+            </a:r>
+            <a:endParaRPr lang="zh-CN" altLang="en-US" b="1" dirty="0"/>
           </a:p>
         </p:txBody>
       </p:sp>
@@ -8065,27 +7889,146 @@
           <a:lstStyle/>
           <a:p>
             <a:r>
-              <a:rPr lang="zh-CN" altLang="en-US" dirty="0"/>
-              <a:t>单例模式：如何实现和应用单例模式。</a:t>
-            </a:r>
-          </a:p>
-          <a:p>
-            <a:r>
-              <a:rPr lang="zh-CN" altLang="en-US" dirty="0"/>
-              <a:t>工厂模式：使用工厂模式来创建对象。</a:t>
-            </a:r>
-          </a:p>
-          <a:p>
-            <a:r>
-              <a:rPr lang="zh-CN" altLang="en-US" dirty="0"/>
-              <a:t>观察者模式：如何实现和应用观察者模式。</a:t>
-            </a:r>
-          </a:p>
-          <a:p>
-            <a:r>
-              <a:rPr lang="zh-CN" altLang="en-US" dirty="0"/>
-              <a:t>策略模式：定义一系列算法，将每一个算法封装起来。</a:t>
-            </a:r>
+              <a:rPr lang="zh-CN" altLang="en-US" dirty="0" smtClean="0"/>
+              <a:t>安装</a:t>
+            </a:r>
+            <a:r>
+              <a:rPr lang="en-US" altLang="zh-CN" dirty="0" err="1"/>
+              <a:t>Qt</a:t>
+            </a:r>
+            <a:r>
+              <a:rPr lang="en-US" altLang="zh-CN" dirty="0"/>
+              <a:t> IDE</a:t>
+            </a:r>
+            <a:r>
+              <a:rPr lang="zh-CN" altLang="en-US" dirty="0"/>
+              <a:t>：</a:t>
+            </a:r>
+          </a:p>
+          <a:p>
+            <a:r>
+              <a:rPr lang="zh-CN" altLang="en-US" dirty="0" smtClean="0"/>
+              <a:t>下载</a:t>
+            </a:r>
+            <a:r>
+              <a:rPr lang="zh-CN" altLang="en-US" dirty="0"/>
+              <a:t>并安装</a:t>
+            </a:r>
+            <a:r>
+              <a:rPr lang="en-US" altLang="zh-CN" dirty="0" err="1"/>
+              <a:t>Qt</a:t>
+            </a:r>
+            <a:r>
+              <a:rPr lang="zh-CN" altLang="en-US" dirty="0"/>
+              <a:t>。</a:t>
+            </a:r>
+          </a:p>
+          <a:p>
+            <a:pPr lvl="1"/>
+            <a:r>
+              <a:rPr lang="zh-CN" altLang="en-US" dirty="0" smtClean="0"/>
+              <a:t>打开</a:t>
+            </a:r>
+            <a:r>
+              <a:rPr lang="en-US" altLang="zh-CN" dirty="0" err="1"/>
+              <a:t>Qt</a:t>
+            </a:r>
+            <a:r>
+              <a:rPr lang="en-US" altLang="zh-CN" dirty="0"/>
+              <a:t> Creator</a:t>
+            </a:r>
+            <a:r>
+              <a:rPr lang="zh-CN" altLang="en-US" dirty="0"/>
+              <a:t>，创建一个新的</a:t>
+            </a:r>
+            <a:r>
+              <a:rPr lang="en-US" altLang="zh-CN" dirty="0"/>
+              <a:t>C++</a:t>
+            </a:r>
+            <a:r>
+              <a:rPr lang="zh-CN" altLang="en-US" dirty="0"/>
+              <a:t>项目。</a:t>
+            </a:r>
+          </a:p>
+          <a:p>
+            <a:pPr lvl="1"/>
+            <a:r>
+              <a:rPr lang="zh-CN" altLang="en-US" dirty="0" smtClean="0"/>
+              <a:t>配置</a:t>
+            </a:r>
+            <a:r>
+              <a:rPr lang="en-US" altLang="zh-CN" dirty="0" err="1"/>
+              <a:t>CMake</a:t>
+            </a:r>
+            <a:r>
+              <a:rPr lang="zh-CN" altLang="en-US" dirty="0"/>
+              <a:t>文件，确保</a:t>
+            </a:r>
+            <a:r>
+              <a:rPr lang="en-US" altLang="zh-CN" dirty="0" err="1"/>
+              <a:t>Qt</a:t>
+            </a:r>
+            <a:r>
+              <a:rPr lang="en-US" altLang="zh-CN" dirty="0"/>
+              <a:t> Creator</a:t>
+            </a:r>
+            <a:r>
+              <a:rPr lang="zh-CN" altLang="en-US" dirty="0"/>
+              <a:t>能够正确编译项目。</a:t>
+            </a:r>
+          </a:p>
+          <a:p>
+            <a:r>
+              <a:rPr lang="en-US" altLang="zh-CN" dirty="0" err="1" smtClean="0"/>
+              <a:t>CMake</a:t>
+            </a:r>
+            <a:r>
+              <a:rPr lang="zh-CN" altLang="en-US" dirty="0"/>
+              <a:t>配置： </a:t>
+            </a:r>
+            <a:endParaRPr lang="en-US" altLang="zh-CN" dirty="0"/>
+          </a:p>
+          <a:p>
+            <a:pPr lvl="1"/>
+            <a:r>
+              <a:rPr lang="en-US" altLang="zh-CN" dirty="0" smtClean="0"/>
+              <a:t>	</a:t>
+            </a:r>
+            <a:r>
+              <a:rPr lang="zh-CN" altLang="en-US" dirty="0" smtClean="0"/>
+              <a:t>使用</a:t>
+            </a:r>
+            <a:r>
+              <a:rPr lang="en-US" altLang="zh-CN" dirty="0" err="1"/>
+              <a:t>CMake</a:t>
+            </a:r>
+            <a:r>
+              <a:rPr lang="zh-CN" altLang="en-US" dirty="0"/>
+              <a:t>来管理项目构建，确保跨平台的可移植性</a:t>
+            </a:r>
+            <a:r>
+              <a:rPr lang="zh-CN" altLang="en-US" dirty="0" smtClean="0"/>
+              <a:t>。</a:t>
+            </a:r>
+            <a:endParaRPr lang="en-US" altLang="zh-CN" dirty="0" smtClean="0"/>
+          </a:p>
+          <a:p>
+            <a:pPr lvl="1"/>
+            <a:r>
+              <a:rPr lang="en-US" altLang="zh-CN" dirty="0"/>
+              <a:t>	</a:t>
+            </a:r>
+            <a:r>
+              <a:rPr lang="en-US" altLang="zh-CN" dirty="0" smtClean="0"/>
+              <a:t>CMakeLists.txt</a:t>
+            </a:r>
+            <a:r>
+              <a:rPr lang="zh-CN" altLang="en-US" dirty="0" smtClean="0"/>
+              <a:t>示例</a:t>
+            </a:r>
+            <a:endParaRPr lang="zh-CN" altLang="en-US" dirty="0"/>
+          </a:p>
+          <a:p>
             <a:endParaRPr lang="zh-CN" altLang="en-US" dirty="0"/>
           </a:p>
         </p:txBody>
@@ -8093,20 +8036,13 @@
     </p:spTree>
     <p:extLst>
       <p:ext uri="{BB962C8B-B14F-4D97-AF65-F5344CB8AC3E}">
-        <p14:creationId xmlns:p14="http://schemas.microsoft.com/office/powerpoint/2010/main" val="4116617042"/>
+        <p14:creationId xmlns:p14="http://schemas.microsoft.com/office/powerpoint/2010/main" val="784493637"/>
       </p:ext>
     </p:extLst>
   </p:cSld>
   <p:clrMapOvr>
     <a:masterClrMapping/>
   </p:clrMapOvr>
-  <p:timing>
-    <p:tnLst>
-      <p:par>
-        <p:cTn id="1" dur="indefinite" restart="never" nodeType="tmRoot"/>
-      </p:par>
-    </p:tnLst>
-  </p:timing>
 </p:sld>
 </file>
 
@@ -8143,39 +8079,12 @@
           <a:lstStyle/>
           <a:p>
             <a:r>
-              <a:rPr lang="zh-CN" altLang="en-US" b="1" dirty="0">
-                <a:latin typeface="华文楷体" pitchFamily="2" charset="-122"/>
-                <a:ea typeface="华文楷体" pitchFamily="2" charset="-122"/>
-              </a:rPr>
-              <a:t>第</a:t>
-            </a:r>
-            <a:r>
-              <a:rPr lang="en-US" altLang="zh-CN" b="1" dirty="0" smtClean="0">
-                <a:latin typeface="华文楷体" pitchFamily="2" charset="-122"/>
-                <a:ea typeface="华文楷体" pitchFamily="2" charset="-122"/>
-              </a:rPr>
-              <a:t>11</a:t>
-            </a:r>
-            <a:r>
-              <a:rPr lang="zh-CN" altLang="en-US" b="1" dirty="0" smtClean="0">
-                <a:latin typeface="华文楷体" pitchFamily="2" charset="-122"/>
-                <a:ea typeface="华文楷体" pitchFamily="2" charset="-122"/>
-              </a:rPr>
-              <a:t>章  </a:t>
-            </a:r>
-            <a:r>
-              <a:rPr lang="en-US" altLang="zh-CN" b="1" dirty="0">
-                <a:latin typeface="华文楷体" pitchFamily="2" charset="-122"/>
-                <a:ea typeface="华文楷体" pitchFamily="2" charset="-122"/>
-              </a:rPr>
-              <a:t>C++</a:t>
-            </a:r>
-            <a:r>
-              <a:rPr lang="zh-CN" altLang="en-US" b="1" dirty="0">
-                <a:latin typeface="华文楷体" pitchFamily="2" charset="-122"/>
-                <a:ea typeface="华文楷体" pitchFamily="2" charset="-122"/>
-              </a:rPr>
-              <a:t>进阶</a:t>
+              <a:rPr lang="en-US" altLang="zh-CN" dirty="0" smtClean="0"/>
+              <a:t>1.4 </a:t>
+            </a:r>
+            <a:r>
+              <a:rPr lang="zh-CN" altLang="zh-CN" b="1" dirty="0"/>
+              <a:t>课后练习</a:t>
             </a:r>
             <a:endParaRPr lang="zh-CN" altLang="en-US" dirty="0"/>
           </a:p>
@@ -8197,76 +8106,62 @@
           <a:lstStyle/>
           <a:p>
             <a:r>
-              <a:rPr lang="zh-CN" altLang="en-US" dirty="0"/>
-              <a:t>模板编程：函数模板、类模板、模板特化与偏特化、模板元编程。</a:t>
-            </a:r>
-          </a:p>
-          <a:p>
+              <a:rPr lang="zh-CN" altLang="en-US" dirty="0" smtClean="0"/>
+              <a:t>安装</a:t>
+            </a:r>
+            <a:r>
+              <a:rPr lang="en-US" altLang="zh-CN" dirty="0" smtClean="0"/>
+              <a:t>QT</a:t>
+            </a:r>
+          </a:p>
+          <a:p>
+            <a:r>
+              <a:rPr lang="zh-CN" altLang="en-US" dirty="0"/>
+              <a:t>编写一个</a:t>
+            </a:r>
             <a:r>
               <a:rPr lang="en-US" altLang="zh-CN" dirty="0"/>
               <a:t>C++</a:t>
             </a:r>
             <a:r>
               <a:rPr lang="zh-CN" altLang="en-US" dirty="0"/>
-              <a:t>与</a:t>
-            </a:r>
+              <a:t>程序，输出以下内容到控制台</a:t>
+            </a:r>
+            <a:r>
+              <a:rPr lang="zh-CN" altLang="en-US" dirty="0" smtClean="0"/>
+              <a:t>：</a:t>
+            </a:r>
+            <a:endParaRPr lang="en-US" altLang="zh-CN" dirty="0" smtClean="0"/>
+          </a:p>
+          <a:p>
+            <a:pPr marL="0" indent="0">
+              <a:buNone/>
+            </a:pPr>
             <a:r>
               <a:rPr lang="en-US" altLang="zh-CN" dirty="0"/>
-              <a:t>C</a:t>
-            </a:r>
-            <a:r>
-              <a:rPr lang="zh-CN" altLang="en-US" dirty="0"/>
-              <a:t>的互操作性：如何在</a:t>
-            </a:r>
+              <a:t>	Hello, World!</a:t>
+            </a:r>
+          </a:p>
+          <a:p>
+            <a:pPr marL="0" indent="0">
+              <a:buNone/>
+            </a:pPr>
+            <a:r>
+              <a:rPr lang="en-US" altLang="zh-CN" smtClean="0"/>
+              <a:t>	Welcome </a:t>
+            </a:r>
+            <a:r>
+              <a:rPr lang="en-US" altLang="zh-CN"/>
+              <a:t>to C++ programming!</a:t>
+            </a:r>
+          </a:p>
+          <a:p>
+            <a:pPr marL="0" indent="0">
+              <a:buNone/>
+            </a:pPr>
             <a:r>
               <a:rPr lang="en-US" altLang="zh-CN" dirty="0"/>
-              <a:t>C++</a:t>
-            </a:r>
-            <a:r>
-              <a:rPr lang="zh-CN" altLang="en-US" dirty="0"/>
-              <a:t>中调用</a:t>
-            </a:r>
-            <a:r>
-              <a:rPr lang="en-US" altLang="zh-CN" dirty="0"/>
-              <a:t>C</a:t>
-            </a:r>
-            <a:r>
-              <a:rPr lang="zh-CN" altLang="en-US" dirty="0"/>
-              <a:t>语言代码。</a:t>
-            </a:r>
-          </a:p>
-          <a:p>
-            <a:r>
-              <a:rPr lang="en-US" altLang="zh-CN" dirty="0"/>
-              <a:t>C++</a:t>
-            </a:r>
-            <a:r>
-              <a:rPr lang="zh-CN" altLang="en-US" dirty="0"/>
-              <a:t>与外部库集成：使用外部库（如</a:t>
-            </a:r>
-            <a:r>
-              <a:rPr lang="en-US" altLang="zh-CN" dirty="0"/>
-              <a:t>Boost</a:t>
-            </a:r>
-            <a:r>
-              <a:rPr lang="zh-CN" altLang="en-US" dirty="0"/>
-              <a:t>、</a:t>
-            </a:r>
-            <a:r>
-              <a:rPr lang="en-US" altLang="zh-CN" dirty="0" err="1"/>
-              <a:t>Qt</a:t>
-            </a:r>
-            <a:r>
-              <a:rPr lang="zh-CN" altLang="en-US" dirty="0"/>
-              <a:t>、</a:t>
-            </a:r>
-            <a:r>
-              <a:rPr lang="en-US" altLang="zh-CN" dirty="0" err="1"/>
-              <a:t>OpenCV</a:t>
-            </a:r>
-            <a:r>
-              <a:rPr lang="zh-CN" altLang="en-US" dirty="0"/>
-              <a:t>等）进行开发。</a:t>
+              <a:t>	</a:t>
             </a:r>
             <a:endParaRPr lang="zh-CN" altLang="en-US" dirty="0"/>
           </a:p>
@@ -8275,20 +8170,13 @@
     </p:spTree>
     <p:extLst>
       <p:ext uri="{BB962C8B-B14F-4D97-AF65-F5344CB8AC3E}">
-        <p14:creationId xmlns:p14="http://schemas.microsoft.com/office/powerpoint/2010/main" val="2783617826"/>
+        <p14:creationId xmlns:p14="http://schemas.microsoft.com/office/powerpoint/2010/main" val="1489805018"/>
       </p:ext>
     </p:extLst>
   </p:cSld>
   <p:clrMapOvr>
     <a:masterClrMapping/>
   </p:clrMapOvr>
-  <p:timing>
-    <p:tnLst>
-      <p:par>
-        <p:cTn id="1" dur="indefinite" restart="never" nodeType="tmRoot"/>
-      </p:par>
-    </p:tnLst>
-  </p:timing>
 </p:sld>
 </file>
 
@@ -8325,10 +8213,227 @@
           <a:lstStyle/>
           <a:p>
             <a:r>
+              <a:rPr lang="zh-CN" altLang="en-US" b="1" dirty="0" smtClean="0">
+                <a:latin typeface="华文楷体" pitchFamily="2" charset="-122"/>
+                <a:ea typeface="华文楷体" pitchFamily="2" charset="-122"/>
+              </a:rPr>
+              <a:t>第</a:t>
+            </a:r>
+            <a:r>
+              <a:rPr lang="en-US" altLang="zh-CN" b="1" dirty="0" smtClean="0">
+                <a:latin typeface="华文楷体" pitchFamily="2" charset="-122"/>
+                <a:ea typeface="华文楷体" pitchFamily="2" charset="-122"/>
+              </a:rPr>
+              <a:t>2</a:t>
+            </a:r>
+            <a:r>
+              <a:rPr lang="zh-CN" altLang="en-US" b="1" dirty="0" smtClean="0">
+                <a:latin typeface="华文楷体" pitchFamily="2" charset="-122"/>
+                <a:ea typeface="华文楷体" pitchFamily="2" charset="-122"/>
+              </a:rPr>
+              <a:t>章  </a:t>
+            </a:r>
+            <a:r>
+              <a:rPr lang="en-US" altLang="zh-CN" b="1" dirty="0">
+                <a:latin typeface="华文楷体" pitchFamily="2" charset="-122"/>
+                <a:ea typeface="华文楷体" pitchFamily="2" charset="-122"/>
+              </a:rPr>
+              <a:t>C++</a:t>
+            </a:r>
+            <a:r>
               <a:rPr lang="zh-CN" altLang="en-US" b="1" dirty="0">
                 <a:latin typeface="华文楷体" pitchFamily="2" charset="-122"/>
                 <a:ea typeface="华文楷体" pitchFamily="2" charset="-122"/>
               </a:rPr>
+              <a:t>基础语法</a:t>
+            </a:r>
+            <a:endParaRPr lang="zh-CN" altLang="en-US" dirty="0"/>
+          </a:p>
+        </p:txBody>
+      </p:sp>
+      <p:sp>
+        <p:nvSpPr>
+          <p:cNvPr id="3" name="内容占位符 2"/>
+          <p:cNvSpPr>
+            <a:spLocks noGrp="1"/>
+          </p:cNvSpPr>
+          <p:nvPr>
+            <p:ph idx="1"/>
+          </p:nvPr>
+        </p:nvSpPr>
+        <p:spPr/>
+        <p:txBody>
+          <a:bodyPr/>
+          <a:lstStyle/>
+          <a:p>
+            <a:r>
+              <a:rPr lang="zh-CN" altLang="en-US" dirty="0"/>
+              <a:t>数据类型与变量：整数、浮点数、字符、布尔类型。</a:t>
+            </a:r>
+          </a:p>
+          <a:p>
+            <a:r>
+              <a:rPr lang="zh-CN" altLang="en-US" dirty="0"/>
+              <a:t>常量与枚举：常量、</a:t>
+            </a:r>
+            <a:r>
+              <a:rPr lang="en-US" altLang="zh-CN" dirty="0"/>
+              <a:t>#define</a:t>
+            </a:r>
+            <a:r>
+              <a:rPr lang="zh-CN" altLang="en-US" dirty="0"/>
+              <a:t>、</a:t>
+            </a:r>
+            <a:r>
+              <a:rPr lang="en-US" altLang="zh-CN" dirty="0" err="1"/>
+              <a:t>enum</a:t>
+            </a:r>
+            <a:r>
+              <a:rPr lang="zh-CN" altLang="en-US" dirty="0"/>
+              <a:t>。</a:t>
+            </a:r>
+          </a:p>
+          <a:p>
+            <a:r>
+              <a:rPr lang="zh-CN" altLang="en-US" dirty="0"/>
+              <a:t>运算符：算术运算符、关系运算符、逻辑运算符、位运算符、赋值运算符。</a:t>
+            </a:r>
+          </a:p>
+          <a:p>
+            <a:r>
+              <a:rPr lang="zh-CN" altLang="en-US" dirty="0"/>
+              <a:t>控制语句：条件语句（</a:t>
+            </a:r>
+            <a:r>
+              <a:rPr lang="en-US" altLang="zh-CN" dirty="0"/>
+              <a:t>if</a:t>
+            </a:r>
+            <a:r>
+              <a:rPr lang="zh-CN" altLang="en-US" dirty="0"/>
+              <a:t>、</a:t>
+            </a:r>
+            <a:r>
+              <a:rPr lang="en-US" altLang="zh-CN" dirty="0"/>
+              <a:t>else</a:t>
+            </a:r>
+            <a:r>
+              <a:rPr lang="zh-CN" altLang="en-US" dirty="0"/>
+              <a:t>、</a:t>
+            </a:r>
+            <a:r>
+              <a:rPr lang="en-US" altLang="zh-CN" dirty="0"/>
+              <a:t>switch</a:t>
+            </a:r>
+            <a:r>
+              <a:rPr lang="zh-CN" altLang="en-US" dirty="0"/>
+              <a:t>）、循环语句（</a:t>
+            </a:r>
+            <a:r>
+              <a:rPr lang="en-US" altLang="zh-CN" dirty="0"/>
+              <a:t>for</a:t>
+            </a:r>
+            <a:r>
+              <a:rPr lang="zh-CN" altLang="en-US" dirty="0"/>
+              <a:t>、</a:t>
+            </a:r>
+            <a:r>
+              <a:rPr lang="en-US" altLang="zh-CN" dirty="0"/>
+              <a:t>while</a:t>
+            </a:r>
+            <a:r>
+              <a:rPr lang="zh-CN" altLang="en-US" dirty="0"/>
+              <a:t>、</a:t>
+            </a:r>
+            <a:r>
+              <a:rPr lang="en-US" altLang="zh-CN" dirty="0"/>
+              <a:t>do-while</a:t>
+            </a:r>
+            <a:r>
+              <a:rPr lang="zh-CN" altLang="en-US" dirty="0"/>
+              <a:t>）。</a:t>
+            </a:r>
+          </a:p>
+          <a:p>
+            <a:r>
+              <a:rPr lang="zh-CN" altLang="en-US" dirty="0"/>
+              <a:t>输入与输出：使用</a:t>
+            </a:r>
+            <a:r>
+              <a:rPr lang="en-US" altLang="zh-CN" dirty="0" err="1"/>
+              <a:t>cin</a:t>
+            </a:r>
+            <a:r>
+              <a:rPr lang="zh-CN" altLang="en-US" dirty="0"/>
+              <a:t>和</a:t>
+            </a:r>
+            <a:r>
+              <a:rPr lang="en-US" altLang="zh-CN" dirty="0" err="1"/>
+              <a:t>cout</a:t>
+            </a:r>
+            <a:r>
+              <a:rPr lang="zh-CN" altLang="en-US" dirty="0"/>
+              <a:t>进行数据输入输出。</a:t>
+            </a:r>
+          </a:p>
+        </p:txBody>
+      </p:sp>
+    </p:spTree>
+    <p:extLst>
+      <p:ext uri="{BB962C8B-B14F-4D97-AF65-F5344CB8AC3E}">
+        <p14:creationId xmlns:p14="http://schemas.microsoft.com/office/powerpoint/2010/main" val="444530801"/>
+      </p:ext>
+    </p:extLst>
+  </p:cSld>
+  <p:clrMapOvr>
+    <a:masterClrMapping/>
+  </p:clrMapOvr>
+  <p:timing>
+    <p:tnLst>
+      <p:par>
+        <p:cTn id="1" dur="indefinite" restart="never" nodeType="tmRoot"/>
+      </p:par>
+    </p:tnLst>
+  </p:timing>
+</p:sld>
+</file>
+
+<file path=ppt/slides/slide14.xml><?xml version="1.0" encoding="utf-8"?>
+<p:sld xmlns:a="http://schemas.openxmlformats.org/drawingml/2006/main" xmlns:r="http://schemas.openxmlformats.org/officeDocument/2006/relationships" xmlns:p="http://schemas.openxmlformats.org/presentationml/2006/main">
+  <p:cSld>
+    <p:spTree>
+      <p:nvGrpSpPr>
+        <p:cNvPr id="1" name=""/>
+        <p:cNvGrpSpPr/>
+        <p:nvPr/>
+      </p:nvGrpSpPr>
+      <p:grpSpPr>
+        <a:xfrm>
+          <a:off x="0" y="0"/>
+          <a:ext cx="0" cy="0"/>
+          <a:chOff x="0" y="0"/>
+          <a:chExt cx="0" cy="0"/>
+        </a:xfrm>
+      </p:grpSpPr>
+      <p:sp>
+        <p:nvSpPr>
+          <p:cNvPr id="2" name="标题 1"/>
+          <p:cNvSpPr>
+            <a:spLocks noGrp="1"/>
+          </p:cNvSpPr>
+          <p:nvPr>
+            <p:ph type="title"/>
+          </p:nvPr>
+        </p:nvSpPr>
+        <p:spPr/>
+        <p:txBody>
+          <a:bodyPr/>
+          <a:lstStyle/>
+          <a:p>
+            <a:r>
+              <a:rPr lang="zh-CN" altLang="en-US" b="1" dirty="0" smtClean="0">
+                <a:latin typeface="华文楷体" pitchFamily="2" charset="-122"/>
+                <a:ea typeface="华文楷体" pitchFamily="2" charset="-122"/>
+              </a:rPr>
               <a:t>第</a:t>
             </a:r>
             <a:r>
@@ -8336,14 +8441,14 @@
                 <a:latin typeface="华文楷体" pitchFamily="2" charset="-122"/>
                 <a:ea typeface="华文楷体" pitchFamily="2" charset="-122"/>
               </a:rPr>
-              <a:t>12</a:t>
-            </a:r>
-            <a:r>
-              <a:rPr lang="zh-CN" altLang="en-US" b="1" smtClean="0">
+              <a:t>3</a:t>
+            </a:r>
+            <a:r>
+              <a:rPr lang="zh-CN" altLang="en-US" b="1" dirty="0">
                 <a:latin typeface="华文楷体" pitchFamily="2" charset="-122"/>
                 <a:ea typeface="华文楷体" pitchFamily="2" charset="-122"/>
               </a:rPr>
-              <a:t>章  总和练习</a:t>
+              <a:t>章函数与数组</a:t>
             </a:r>
             <a:endParaRPr lang="zh-CN" altLang="en-US" dirty="0"/>
           </a:p>
@@ -8365,25 +8470,825 @@
           <a:lstStyle/>
           <a:p>
             <a:r>
-              <a:rPr lang="en-US" altLang="zh-CN" dirty="0"/>
-              <a:t>1.1 </a:t>
-            </a:r>
-            <a:r>
-              <a:rPr lang="zh-CN" altLang="en-US" dirty="0"/>
-              <a:t>什么是</a:t>
-            </a:r>
-            <a:r>
-              <a:rPr lang="zh-CN" altLang="en-US" dirty="0" smtClean="0"/>
-              <a:t>计算机程序</a:t>
-            </a:r>
-            <a:endParaRPr lang="zh-CN" altLang="en-US" dirty="0"/>
+              <a:rPr lang="zh-CN" altLang="en-US" dirty="0"/>
+              <a:t>函数定义与调用：参数传递（值传递、引用传递）、返回值。</a:t>
+            </a:r>
+          </a:p>
+          <a:p>
+            <a:r>
+              <a:rPr lang="zh-CN" altLang="en-US" dirty="0"/>
+              <a:t>函数重载与递归：函数重载规则、递归函数的使用与优化。</a:t>
+            </a:r>
+          </a:p>
+          <a:p>
+            <a:r>
+              <a:rPr lang="zh-CN" altLang="en-US" dirty="0"/>
+              <a:t>数组：一维数组、二维数组的定义与使用，数组与指针的关系。</a:t>
+            </a:r>
           </a:p>
         </p:txBody>
       </p:sp>
     </p:spTree>
     <p:extLst>
       <p:ext uri="{BB962C8B-B14F-4D97-AF65-F5344CB8AC3E}">
-        <p14:creationId xmlns:p14="http://schemas.microsoft.com/office/powerpoint/2010/main" val="1064233169"/>
+        <p14:creationId xmlns:p14="http://schemas.microsoft.com/office/powerpoint/2010/main" val="3528018120"/>
+      </p:ext>
+    </p:extLst>
+  </p:cSld>
+  <p:clrMapOvr>
+    <a:masterClrMapping/>
+  </p:clrMapOvr>
+  <p:timing>
+    <p:tnLst>
+      <p:par>
+        <p:cTn id="1" dur="indefinite" restart="never" nodeType="tmRoot"/>
+      </p:par>
+    </p:tnLst>
+  </p:timing>
+</p:sld>
+</file>
+
+<file path=ppt/slides/slide15.xml><?xml version="1.0" encoding="utf-8"?>
+<p:sld xmlns:a="http://schemas.openxmlformats.org/drawingml/2006/main" xmlns:r="http://schemas.openxmlformats.org/officeDocument/2006/relationships" xmlns:p="http://schemas.openxmlformats.org/presentationml/2006/main">
+  <p:cSld>
+    <p:spTree>
+      <p:nvGrpSpPr>
+        <p:cNvPr id="1" name=""/>
+        <p:cNvGrpSpPr/>
+        <p:nvPr/>
+      </p:nvGrpSpPr>
+      <p:grpSpPr>
+        <a:xfrm>
+          <a:off x="0" y="0"/>
+          <a:ext cx="0" cy="0"/>
+          <a:chOff x="0" y="0"/>
+          <a:chExt cx="0" cy="0"/>
+        </a:xfrm>
+      </p:grpSpPr>
+      <p:sp>
+        <p:nvSpPr>
+          <p:cNvPr id="2" name="标题 1"/>
+          <p:cNvSpPr>
+            <a:spLocks noGrp="1"/>
+          </p:cNvSpPr>
+          <p:nvPr>
+            <p:ph type="title"/>
+          </p:nvPr>
+        </p:nvSpPr>
+        <p:spPr/>
+        <p:txBody>
+          <a:bodyPr/>
+          <a:lstStyle/>
+          <a:p>
+            <a:r>
+              <a:rPr lang="zh-CN" altLang="en-US" b="1" dirty="0" smtClean="0">
+                <a:latin typeface="华文楷体" pitchFamily="2" charset="-122"/>
+                <a:ea typeface="华文楷体" pitchFamily="2" charset="-122"/>
+              </a:rPr>
+              <a:t>第</a:t>
+            </a:r>
+            <a:r>
+              <a:rPr lang="en-US" altLang="zh-CN" b="1" dirty="0" smtClean="0">
+                <a:latin typeface="华文楷体" pitchFamily="2" charset="-122"/>
+                <a:ea typeface="华文楷体" pitchFamily="2" charset="-122"/>
+              </a:rPr>
+              <a:t>4</a:t>
+            </a:r>
+            <a:r>
+              <a:rPr lang="zh-CN" altLang="en-US" b="1" dirty="0">
+                <a:latin typeface="华文楷体" pitchFamily="2" charset="-122"/>
+                <a:ea typeface="华文楷体" pitchFamily="2" charset="-122"/>
+              </a:rPr>
+              <a:t>章面向对象编程（</a:t>
+            </a:r>
+            <a:r>
+              <a:rPr lang="en-US" altLang="zh-CN" b="1" dirty="0">
+                <a:latin typeface="华文楷体" pitchFamily="2" charset="-122"/>
+                <a:ea typeface="华文楷体" pitchFamily="2" charset="-122"/>
+              </a:rPr>
+              <a:t>OOP</a:t>
+            </a:r>
+            <a:r>
+              <a:rPr lang="zh-CN" altLang="en-US" b="1" dirty="0">
+                <a:latin typeface="华文楷体" pitchFamily="2" charset="-122"/>
+                <a:ea typeface="华文楷体" pitchFamily="2" charset="-122"/>
+              </a:rPr>
+              <a:t>）基础</a:t>
+            </a:r>
+            <a:endParaRPr lang="zh-CN" altLang="en-US" dirty="0"/>
+          </a:p>
+        </p:txBody>
+      </p:sp>
+      <p:sp>
+        <p:nvSpPr>
+          <p:cNvPr id="3" name="内容占位符 2"/>
+          <p:cNvSpPr>
+            <a:spLocks noGrp="1"/>
+          </p:cNvSpPr>
+          <p:nvPr>
+            <p:ph idx="1"/>
+          </p:nvPr>
+        </p:nvSpPr>
+        <p:spPr/>
+        <p:txBody>
+          <a:bodyPr/>
+          <a:lstStyle/>
+          <a:p>
+            <a:r>
+              <a:rPr lang="zh-CN" altLang="en-US" dirty="0"/>
+              <a:t>类与对象：定义类、创建对象、构造函数与析构函数。</a:t>
+            </a:r>
+          </a:p>
+          <a:p>
+            <a:r>
+              <a:rPr lang="zh-CN" altLang="en-US" dirty="0"/>
+              <a:t>封装：访问控制修饰符（</a:t>
+            </a:r>
+            <a:r>
+              <a:rPr lang="en-US" altLang="zh-CN" dirty="0"/>
+              <a:t>public</a:t>
+            </a:r>
+            <a:r>
+              <a:rPr lang="zh-CN" altLang="en-US" dirty="0"/>
+              <a:t>、</a:t>
+            </a:r>
+            <a:r>
+              <a:rPr lang="en-US" altLang="zh-CN" dirty="0"/>
+              <a:t>private</a:t>
+            </a:r>
+            <a:r>
+              <a:rPr lang="zh-CN" altLang="en-US" dirty="0"/>
+              <a:t>、</a:t>
+            </a:r>
+            <a:r>
+              <a:rPr lang="en-US" altLang="zh-CN" dirty="0"/>
+              <a:t>protected</a:t>
+            </a:r>
+            <a:r>
+              <a:rPr lang="zh-CN" altLang="en-US" dirty="0"/>
+              <a:t>）。</a:t>
+            </a:r>
+          </a:p>
+          <a:p>
+            <a:r>
+              <a:rPr lang="zh-CN" altLang="en-US" dirty="0"/>
+              <a:t>继承：继承的概念、基类与派生类、多重继承。</a:t>
+            </a:r>
+          </a:p>
+          <a:p>
+            <a:r>
+              <a:rPr lang="zh-CN" altLang="en-US" dirty="0"/>
+              <a:t>多态：虚函数、纯虚函数、虚函数的重写、运行时多态。</a:t>
+            </a:r>
+          </a:p>
+        </p:txBody>
+      </p:sp>
+    </p:spTree>
+    <p:extLst>
+      <p:ext uri="{BB962C8B-B14F-4D97-AF65-F5344CB8AC3E}">
+        <p14:creationId xmlns:p14="http://schemas.microsoft.com/office/powerpoint/2010/main" val="2413468171"/>
+      </p:ext>
+    </p:extLst>
+  </p:cSld>
+  <p:clrMapOvr>
+    <a:masterClrMapping/>
+  </p:clrMapOvr>
+  <p:timing>
+    <p:tnLst>
+      <p:par>
+        <p:cTn id="1" dur="indefinite" restart="never" nodeType="tmRoot"/>
+      </p:par>
+    </p:tnLst>
+  </p:timing>
+</p:sld>
+</file>
+
+<file path=ppt/slides/slide16.xml><?xml version="1.0" encoding="utf-8"?>
+<p:sld xmlns:a="http://schemas.openxmlformats.org/drawingml/2006/main" xmlns:r="http://schemas.openxmlformats.org/officeDocument/2006/relationships" xmlns:p="http://schemas.openxmlformats.org/presentationml/2006/main">
+  <p:cSld>
+    <p:spTree>
+      <p:nvGrpSpPr>
+        <p:cNvPr id="1" name=""/>
+        <p:cNvGrpSpPr/>
+        <p:nvPr/>
+      </p:nvGrpSpPr>
+      <p:grpSpPr>
+        <a:xfrm>
+          <a:off x="0" y="0"/>
+          <a:ext cx="0" cy="0"/>
+          <a:chOff x="0" y="0"/>
+          <a:chExt cx="0" cy="0"/>
+        </a:xfrm>
+      </p:grpSpPr>
+      <p:sp>
+        <p:nvSpPr>
+          <p:cNvPr id="2" name="标题 1"/>
+          <p:cNvSpPr>
+            <a:spLocks noGrp="1"/>
+          </p:cNvSpPr>
+          <p:nvPr>
+            <p:ph type="title"/>
+          </p:nvPr>
+        </p:nvSpPr>
+        <p:spPr/>
+        <p:txBody>
+          <a:bodyPr/>
+          <a:lstStyle/>
+          <a:p>
+            <a:r>
+              <a:rPr lang="zh-CN" altLang="en-US" b="1" dirty="0" smtClean="0">
+                <a:latin typeface="华文楷体" pitchFamily="2" charset="-122"/>
+                <a:ea typeface="华文楷体" pitchFamily="2" charset="-122"/>
+              </a:rPr>
+              <a:t>第</a:t>
+            </a:r>
+            <a:r>
+              <a:rPr lang="en-US" altLang="zh-CN" b="1" dirty="0" smtClean="0">
+                <a:latin typeface="华文楷体" pitchFamily="2" charset="-122"/>
+                <a:ea typeface="华文楷体" pitchFamily="2" charset="-122"/>
+              </a:rPr>
+              <a:t>5</a:t>
+            </a:r>
+            <a:r>
+              <a:rPr lang="zh-CN" altLang="en-US" b="1" dirty="0" smtClean="0">
+                <a:latin typeface="华文楷体" pitchFamily="2" charset="-122"/>
+                <a:ea typeface="华文楷体" pitchFamily="2" charset="-122"/>
+              </a:rPr>
+              <a:t>章 指针</a:t>
+            </a:r>
+            <a:r>
+              <a:rPr lang="zh-CN" altLang="en-US" b="1" dirty="0">
+                <a:latin typeface="华文楷体" pitchFamily="2" charset="-122"/>
+                <a:ea typeface="华文楷体" pitchFamily="2" charset="-122"/>
+              </a:rPr>
+              <a:t>与动态内存管理</a:t>
+            </a:r>
+            <a:endParaRPr lang="zh-CN" altLang="en-US" dirty="0"/>
+          </a:p>
+        </p:txBody>
+      </p:sp>
+      <p:sp>
+        <p:nvSpPr>
+          <p:cNvPr id="3" name="内容占位符 2"/>
+          <p:cNvSpPr>
+            <a:spLocks noGrp="1"/>
+          </p:cNvSpPr>
+          <p:nvPr>
+            <p:ph idx="1"/>
+          </p:nvPr>
+        </p:nvSpPr>
+        <p:spPr/>
+        <p:txBody>
+          <a:bodyPr/>
+          <a:lstStyle/>
+          <a:p>
+            <a:r>
+              <a:rPr lang="zh-CN" altLang="en-US" dirty="0" smtClean="0"/>
+              <a:t>指针基础：指针的定义、解引用、指针运算。</a:t>
+            </a:r>
+          </a:p>
+          <a:p>
+            <a:r>
+              <a:rPr lang="zh-CN" altLang="en-US" dirty="0" smtClean="0"/>
+              <a:t>指针与数组：数组名作为指针，指针与数组的关系。</a:t>
+            </a:r>
+          </a:p>
+          <a:p>
+            <a:r>
+              <a:rPr lang="zh-CN" altLang="en-US" dirty="0" smtClean="0"/>
+              <a:t>动态内存管理：</a:t>
+            </a:r>
+            <a:r>
+              <a:rPr lang="en-US" altLang="zh-CN" dirty="0" smtClean="0"/>
+              <a:t>new</a:t>
+            </a:r>
+            <a:r>
+              <a:rPr lang="zh-CN" altLang="en-US" dirty="0" smtClean="0"/>
+              <a:t>、</a:t>
+            </a:r>
+            <a:r>
+              <a:rPr lang="en-US" altLang="zh-CN" dirty="0" smtClean="0"/>
+              <a:t>delete</a:t>
+            </a:r>
+            <a:r>
+              <a:rPr lang="zh-CN" altLang="en-US" dirty="0" smtClean="0"/>
+              <a:t>、</a:t>
+            </a:r>
+            <a:r>
+              <a:rPr lang="en-US" altLang="zh-CN" dirty="0" smtClean="0"/>
+              <a:t>new[]</a:t>
+            </a:r>
+            <a:r>
+              <a:rPr lang="zh-CN" altLang="en-US" dirty="0" smtClean="0"/>
+              <a:t>、</a:t>
+            </a:r>
+            <a:r>
+              <a:rPr lang="en-US" altLang="zh-CN" dirty="0" smtClean="0"/>
+              <a:t>delete[]</a:t>
+            </a:r>
+            <a:r>
+              <a:rPr lang="zh-CN" altLang="en-US" dirty="0" smtClean="0"/>
+              <a:t>。</a:t>
+            </a:r>
+          </a:p>
+          <a:p>
+            <a:r>
+              <a:rPr lang="zh-CN" altLang="en-US" dirty="0" smtClean="0"/>
+              <a:t>内存泄漏与指针悬挂：避免内存泄漏，指针的安全使用。</a:t>
+            </a:r>
+            <a:endParaRPr lang="zh-CN" altLang="en-US" dirty="0"/>
+          </a:p>
+        </p:txBody>
+      </p:sp>
+    </p:spTree>
+    <p:extLst>
+      <p:ext uri="{BB962C8B-B14F-4D97-AF65-F5344CB8AC3E}">
+        <p14:creationId xmlns:p14="http://schemas.microsoft.com/office/powerpoint/2010/main" val="3183063327"/>
+      </p:ext>
+    </p:extLst>
+  </p:cSld>
+  <p:clrMapOvr>
+    <a:masterClrMapping/>
+  </p:clrMapOvr>
+  <p:timing>
+    <p:tnLst>
+      <p:par>
+        <p:cTn id="1" dur="indefinite" restart="never" nodeType="tmRoot"/>
+      </p:par>
+    </p:tnLst>
+  </p:timing>
+</p:sld>
+</file>
+
+<file path=ppt/slides/slide17.xml><?xml version="1.0" encoding="utf-8"?>
+<p:sld xmlns:a="http://schemas.openxmlformats.org/drawingml/2006/main" xmlns:r="http://schemas.openxmlformats.org/officeDocument/2006/relationships" xmlns:p="http://schemas.openxmlformats.org/presentationml/2006/main">
+  <p:cSld>
+    <p:spTree>
+      <p:nvGrpSpPr>
+        <p:cNvPr id="1" name=""/>
+        <p:cNvGrpSpPr/>
+        <p:nvPr/>
+      </p:nvGrpSpPr>
+      <p:grpSpPr>
+        <a:xfrm>
+          <a:off x="0" y="0"/>
+          <a:ext cx="0" cy="0"/>
+          <a:chOff x="0" y="0"/>
+          <a:chExt cx="0" cy="0"/>
+        </a:xfrm>
+      </p:grpSpPr>
+      <p:sp>
+        <p:nvSpPr>
+          <p:cNvPr id="2" name="标题 1"/>
+          <p:cNvSpPr>
+            <a:spLocks noGrp="1"/>
+          </p:cNvSpPr>
+          <p:nvPr>
+            <p:ph type="title"/>
+          </p:nvPr>
+        </p:nvSpPr>
+        <p:spPr/>
+        <p:txBody>
+          <a:bodyPr/>
+          <a:lstStyle/>
+          <a:p>
+            <a:r>
+              <a:rPr lang="zh-CN" altLang="en-US" b="1" dirty="0" smtClean="0">
+                <a:latin typeface="华文楷体" pitchFamily="2" charset="-122"/>
+                <a:ea typeface="华文楷体" pitchFamily="2" charset="-122"/>
+              </a:rPr>
+              <a:t>第</a:t>
+            </a:r>
+            <a:r>
+              <a:rPr lang="en-US" altLang="zh-CN" b="1" dirty="0" smtClean="0">
+                <a:latin typeface="华文楷体" pitchFamily="2" charset="-122"/>
+                <a:ea typeface="华文楷体" pitchFamily="2" charset="-122"/>
+              </a:rPr>
+              <a:t>6</a:t>
+            </a:r>
+            <a:r>
+              <a:rPr lang="zh-CN" altLang="en-US" b="1" dirty="0" smtClean="0">
+                <a:latin typeface="华文楷体" pitchFamily="2" charset="-122"/>
+                <a:ea typeface="华文楷体" pitchFamily="2" charset="-122"/>
+              </a:rPr>
+              <a:t>章  </a:t>
+            </a:r>
+            <a:r>
+              <a:rPr lang="en-US" altLang="zh-CN" b="1" dirty="0">
+                <a:latin typeface="华文楷体" pitchFamily="2" charset="-122"/>
+                <a:ea typeface="华文楷体" pitchFamily="2" charset="-122"/>
+              </a:rPr>
+              <a:t>STL</a:t>
+            </a:r>
+            <a:r>
+              <a:rPr lang="zh-CN" altLang="en-US" b="1" dirty="0">
+                <a:latin typeface="华文楷体" pitchFamily="2" charset="-122"/>
+                <a:ea typeface="华文楷体" pitchFamily="2" charset="-122"/>
+              </a:rPr>
+              <a:t>（标准模板库）</a:t>
+            </a:r>
+            <a:endParaRPr lang="zh-CN" altLang="en-US" dirty="0"/>
+          </a:p>
+        </p:txBody>
+      </p:sp>
+      <p:sp>
+        <p:nvSpPr>
+          <p:cNvPr id="3" name="内容占位符 2"/>
+          <p:cNvSpPr>
+            <a:spLocks noGrp="1"/>
+          </p:cNvSpPr>
+          <p:nvPr>
+            <p:ph idx="1"/>
+          </p:nvPr>
+        </p:nvSpPr>
+        <p:spPr/>
+        <p:txBody>
+          <a:bodyPr/>
+          <a:lstStyle/>
+          <a:p>
+            <a:r>
+              <a:rPr lang="en-US" altLang="zh-CN" dirty="0"/>
+              <a:t>STL</a:t>
+            </a:r>
+            <a:r>
+              <a:rPr lang="zh-CN" altLang="en-US" dirty="0"/>
+              <a:t>概述：</a:t>
+            </a:r>
+            <a:r>
+              <a:rPr lang="en-US" altLang="zh-CN" dirty="0"/>
+              <a:t>STL</a:t>
+            </a:r>
+            <a:r>
+              <a:rPr lang="zh-CN" altLang="en-US" dirty="0"/>
+              <a:t>的组成部分（容器、算法、迭代器）。</a:t>
+            </a:r>
+          </a:p>
+          <a:p>
+            <a:r>
+              <a:rPr lang="zh-CN" altLang="en-US" dirty="0"/>
+              <a:t>容器：</a:t>
+            </a:r>
+            <a:r>
+              <a:rPr lang="en-US" altLang="zh-CN" dirty="0"/>
+              <a:t>vector</a:t>
+            </a:r>
+            <a:r>
+              <a:rPr lang="zh-CN" altLang="en-US" dirty="0"/>
+              <a:t>、</a:t>
+            </a:r>
+            <a:r>
+              <a:rPr lang="en-US" altLang="zh-CN" dirty="0"/>
+              <a:t>list</a:t>
+            </a:r>
+            <a:r>
+              <a:rPr lang="zh-CN" altLang="en-US" dirty="0"/>
+              <a:t>、</a:t>
+            </a:r>
+            <a:r>
+              <a:rPr lang="en-US" altLang="zh-CN" dirty="0"/>
+              <a:t>map</a:t>
+            </a:r>
+            <a:r>
+              <a:rPr lang="zh-CN" altLang="en-US" dirty="0"/>
+              <a:t>、</a:t>
+            </a:r>
+            <a:r>
+              <a:rPr lang="en-US" altLang="zh-CN" dirty="0"/>
+              <a:t>set</a:t>
+            </a:r>
+            <a:r>
+              <a:rPr lang="zh-CN" altLang="en-US" dirty="0"/>
+              <a:t>、</a:t>
+            </a:r>
+            <a:r>
+              <a:rPr lang="en-US" altLang="zh-CN" dirty="0" err="1"/>
+              <a:t>deque</a:t>
+            </a:r>
+            <a:r>
+              <a:rPr lang="zh-CN" altLang="en-US" dirty="0"/>
+              <a:t>等。</a:t>
+            </a:r>
+          </a:p>
+          <a:p>
+            <a:r>
+              <a:rPr lang="zh-CN" altLang="en-US" dirty="0"/>
+              <a:t>算法：排序、查找、删除、替换等常用算法。</a:t>
+            </a:r>
+          </a:p>
+          <a:p>
+            <a:r>
+              <a:rPr lang="zh-CN" altLang="en-US" dirty="0"/>
+              <a:t>迭代器：容器的迭代器使用方法。</a:t>
+            </a:r>
+          </a:p>
+          <a:p>
+            <a:r>
+              <a:rPr lang="zh-CN" altLang="en-US" dirty="0"/>
+              <a:t>智能指针：</a:t>
+            </a:r>
+            <a:r>
+              <a:rPr lang="en-US" altLang="zh-CN" dirty="0" err="1"/>
+              <a:t>shared_ptr</a:t>
+            </a:r>
+            <a:r>
+              <a:rPr lang="zh-CN" altLang="en-US" dirty="0"/>
+              <a:t>、</a:t>
+            </a:r>
+            <a:r>
+              <a:rPr lang="en-US" altLang="zh-CN" dirty="0" err="1"/>
+              <a:t>unique_ptr</a:t>
+            </a:r>
+            <a:r>
+              <a:rPr lang="zh-CN" altLang="en-US" dirty="0"/>
+              <a:t>、</a:t>
+            </a:r>
+            <a:r>
+              <a:rPr lang="en-US" altLang="zh-CN" dirty="0" err="1"/>
+              <a:t>weak_ptr</a:t>
+            </a:r>
+            <a:r>
+              <a:rPr lang="zh-CN" altLang="en-US" dirty="0"/>
+              <a:t>。</a:t>
+            </a:r>
+          </a:p>
+        </p:txBody>
+      </p:sp>
+    </p:spTree>
+    <p:extLst>
+      <p:ext uri="{BB962C8B-B14F-4D97-AF65-F5344CB8AC3E}">
+        <p14:creationId xmlns:p14="http://schemas.microsoft.com/office/powerpoint/2010/main" val="201415056"/>
+      </p:ext>
+    </p:extLst>
+  </p:cSld>
+  <p:clrMapOvr>
+    <a:masterClrMapping/>
+  </p:clrMapOvr>
+  <p:timing>
+    <p:tnLst>
+      <p:par>
+        <p:cTn id="1" dur="indefinite" restart="never" nodeType="tmRoot"/>
+      </p:par>
+    </p:tnLst>
+  </p:timing>
+</p:sld>
+</file>
+
+<file path=ppt/slides/slide18.xml><?xml version="1.0" encoding="utf-8"?>
+<p:sld xmlns:a="http://schemas.openxmlformats.org/drawingml/2006/main" xmlns:r="http://schemas.openxmlformats.org/officeDocument/2006/relationships" xmlns:p="http://schemas.openxmlformats.org/presentationml/2006/main">
+  <p:cSld>
+    <p:spTree>
+      <p:nvGrpSpPr>
+        <p:cNvPr id="1" name=""/>
+        <p:cNvGrpSpPr/>
+        <p:nvPr/>
+      </p:nvGrpSpPr>
+      <p:grpSpPr>
+        <a:xfrm>
+          <a:off x="0" y="0"/>
+          <a:ext cx="0" cy="0"/>
+          <a:chOff x="0" y="0"/>
+          <a:chExt cx="0" cy="0"/>
+        </a:xfrm>
+      </p:grpSpPr>
+      <p:sp>
+        <p:nvSpPr>
+          <p:cNvPr id="2" name="标题 1"/>
+          <p:cNvSpPr>
+            <a:spLocks noGrp="1"/>
+          </p:cNvSpPr>
+          <p:nvPr>
+            <p:ph type="title"/>
+          </p:nvPr>
+        </p:nvSpPr>
+        <p:spPr/>
+        <p:txBody>
+          <a:bodyPr/>
+          <a:lstStyle/>
+          <a:p>
+            <a:r>
+              <a:rPr lang="zh-CN" altLang="en-US" b="1" dirty="0" smtClean="0">
+                <a:latin typeface="华文楷体" pitchFamily="2" charset="-122"/>
+                <a:ea typeface="华文楷体" pitchFamily="2" charset="-122"/>
+              </a:rPr>
+              <a:t>第</a:t>
+            </a:r>
+            <a:r>
+              <a:rPr lang="en-US" altLang="zh-CN" b="1" dirty="0" smtClean="0">
+                <a:latin typeface="华文楷体" pitchFamily="2" charset="-122"/>
+                <a:ea typeface="华文楷体" pitchFamily="2" charset="-122"/>
+              </a:rPr>
+              <a:t>7</a:t>
+            </a:r>
+            <a:r>
+              <a:rPr lang="zh-CN" altLang="en-US" b="1" dirty="0">
+                <a:latin typeface="华文楷体" pitchFamily="2" charset="-122"/>
+                <a:ea typeface="华文楷体" pitchFamily="2" charset="-122"/>
+              </a:rPr>
+              <a:t>章异常处理</a:t>
+            </a:r>
+            <a:endParaRPr lang="zh-CN" altLang="en-US" dirty="0"/>
+          </a:p>
+        </p:txBody>
+      </p:sp>
+      <p:sp>
+        <p:nvSpPr>
+          <p:cNvPr id="3" name="内容占位符 2"/>
+          <p:cNvSpPr>
+            <a:spLocks noGrp="1"/>
+          </p:cNvSpPr>
+          <p:nvPr>
+            <p:ph idx="1"/>
+          </p:nvPr>
+        </p:nvSpPr>
+        <p:spPr/>
+        <p:txBody>
+          <a:bodyPr/>
+          <a:lstStyle/>
+          <a:p>
+            <a:r>
+              <a:rPr lang="zh-CN" altLang="en-US" dirty="0"/>
+              <a:t>异常概念：异常的定义、捕获、抛出。</a:t>
+            </a:r>
+          </a:p>
+          <a:p>
+            <a:r>
+              <a:rPr lang="en-US" altLang="zh-CN" dirty="0"/>
+              <a:t>try-catch</a:t>
+            </a:r>
+            <a:r>
+              <a:rPr lang="zh-CN" altLang="en-US" dirty="0"/>
+              <a:t>语句：基本语法、捕获多种异常。</a:t>
+            </a:r>
+          </a:p>
+          <a:p>
+            <a:r>
+              <a:rPr lang="zh-CN" altLang="en-US" dirty="0"/>
+              <a:t>自定义异常类：如何创建自定义异常类型。</a:t>
+            </a:r>
+          </a:p>
+          <a:p>
+            <a:r>
+              <a:rPr lang="zh-CN" altLang="en-US" dirty="0"/>
+              <a:t>异常安全：异常安全的编程原则（基本保证、强保证）。</a:t>
+            </a:r>
+          </a:p>
+        </p:txBody>
+      </p:sp>
+    </p:spTree>
+    <p:extLst>
+      <p:ext uri="{BB962C8B-B14F-4D97-AF65-F5344CB8AC3E}">
+        <p14:creationId xmlns:p14="http://schemas.microsoft.com/office/powerpoint/2010/main" val="2102593440"/>
+      </p:ext>
+    </p:extLst>
+  </p:cSld>
+  <p:clrMapOvr>
+    <a:masterClrMapping/>
+  </p:clrMapOvr>
+  <p:timing>
+    <p:tnLst>
+      <p:par>
+        <p:cTn id="1" dur="indefinite" restart="never" nodeType="tmRoot"/>
+      </p:par>
+    </p:tnLst>
+  </p:timing>
+</p:sld>
+</file>
+
+<file path=ppt/slides/slide19.xml><?xml version="1.0" encoding="utf-8"?>
+<p:sld xmlns:a="http://schemas.openxmlformats.org/drawingml/2006/main" xmlns:r="http://schemas.openxmlformats.org/officeDocument/2006/relationships" xmlns:p="http://schemas.openxmlformats.org/presentationml/2006/main">
+  <p:cSld>
+    <p:spTree>
+      <p:nvGrpSpPr>
+        <p:cNvPr id="1" name=""/>
+        <p:cNvGrpSpPr/>
+        <p:nvPr/>
+      </p:nvGrpSpPr>
+      <p:grpSpPr>
+        <a:xfrm>
+          <a:off x="0" y="0"/>
+          <a:ext cx="0" cy="0"/>
+          <a:chOff x="0" y="0"/>
+          <a:chExt cx="0" cy="0"/>
+        </a:xfrm>
+      </p:grpSpPr>
+      <p:sp>
+        <p:nvSpPr>
+          <p:cNvPr id="2" name="标题 1"/>
+          <p:cNvSpPr>
+            <a:spLocks noGrp="1"/>
+          </p:cNvSpPr>
+          <p:nvPr>
+            <p:ph type="title"/>
+          </p:nvPr>
+        </p:nvSpPr>
+        <p:spPr/>
+        <p:txBody>
+          <a:bodyPr/>
+          <a:lstStyle/>
+          <a:p>
+            <a:r>
+              <a:rPr lang="zh-CN" altLang="en-US" b="1" dirty="0" smtClean="0">
+                <a:latin typeface="华文楷体" pitchFamily="2" charset="-122"/>
+                <a:ea typeface="华文楷体" pitchFamily="2" charset="-122"/>
+              </a:rPr>
+              <a:t>第</a:t>
+            </a:r>
+            <a:r>
+              <a:rPr lang="en-US" altLang="zh-CN" b="1" dirty="0" smtClean="0">
+                <a:latin typeface="华文楷体" pitchFamily="2" charset="-122"/>
+                <a:ea typeface="华文楷体" pitchFamily="2" charset="-122"/>
+              </a:rPr>
+              <a:t>8</a:t>
+            </a:r>
+            <a:r>
+              <a:rPr lang="zh-CN" altLang="en-US" b="1" dirty="0">
+                <a:latin typeface="华文楷体" pitchFamily="2" charset="-122"/>
+                <a:ea typeface="华文楷体" pitchFamily="2" charset="-122"/>
+              </a:rPr>
+              <a:t>章文件操作</a:t>
+            </a:r>
+            <a:endParaRPr lang="zh-CN" altLang="en-US" dirty="0"/>
+          </a:p>
+        </p:txBody>
+      </p:sp>
+      <p:sp>
+        <p:nvSpPr>
+          <p:cNvPr id="3" name="内容占位符 2"/>
+          <p:cNvSpPr>
+            <a:spLocks noGrp="1"/>
+          </p:cNvSpPr>
+          <p:nvPr>
+            <p:ph idx="1"/>
+          </p:nvPr>
+        </p:nvSpPr>
+        <p:spPr/>
+        <p:txBody>
+          <a:bodyPr/>
+          <a:lstStyle/>
+          <a:p>
+            <a:r>
+              <a:rPr lang="zh-CN" altLang="en-US" dirty="0"/>
+              <a:t>文件输入输出：使用</a:t>
+            </a:r>
+            <a:r>
+              <a:rPr lang="en-US" altLang="zh-CN" dirty="0" err="1"/>
+              <a:t>fstream</a:t>
+            </a:r>
+            <a:r>
+              <a:rPr lang="zh-CN" altLang="en-US" dirty="0"/>
+              <a:t>进行文件读写。</a:t>
+            </a:r>
+          </a:p>
+          <a:p>
+            <a:r>
+              <a:rPr lang="zh-CN" altLang="en-US" dirty="0"/>
+              <a:t>文本文件与二进制文件：处理文本文件和二进制文件的不同方式。</a:t>
+            </a:r>
+          </a:p>
+          <a:p>
+            <a:r>
+              <a:rPr lang="zh-CN" altLang="en-US" dirty="0"/>
+              <a:t>文件指针与流控制：</a:t>
+            </a:r>
+            <a:r>
+              <a:rPr lang="en-US" altLang="zh-CN" dirty="0" err="1"/>
+              <a:t>seekg</a:t>
+            </a:r>
+            <a:r>
+              <a:rPr lang="zh-CN" altLang="en-US" dirty="0"/>
+              <a:t>、</a:t>
+            </a:r>
+            <a:r>
+              <a:rPr lang="en-US" altLang="zh-CN" dirty="0" err="1"/>
+              <a:t>seekp</a:t>
+            </a:r>
+            <a:r>
+              <a:rPr lang="zh-CN" altLang="en-US" dirty="0"/>
+              <a:t>、</a:t>
+            </a:r>
+            <a:r>
+              <a:rPr lang="en-US" altLang="zh-CN" dirty="0" err="1"/>
+              <a:t>tellg</a:t>
+            </a:r>
+            <a:r>
+              <a:rPr lang="zh-CN" altLang="en-US" dirty="0"/>
+              <a:t>、</a:t>
+            </a:r>
+            <a:r>
+              <a:rPr lang="en-US" altLang="zh-CN" dirty="0" err="1"/>
+              <a:t>tellp</a:t>
+            </a:r>
+            <a:r>
+              <a:rPr lang="zh-CN" altLang="en-US" dirty="0"/>
+              <a:t>。</a:t>
+            </a:r>
+          </a:p>
+        </p:txBody>
+      </p:sp>
+    </p:spTree>
+    <p:extLst>
+      <p:ext uri="{BB962C8B-B14F-4D97-AF65-F5344CB8AC3E}">
+        <p14:creationId xmlns:p14="http://schemas.microsoft.com/office/powerpoint/2010/main" val="2309702231"/>
       </p:ext>
     </p:extLst>
   </p:cSld>
@@ -8487,90 +9392,46 @@
           <a:lstStyle/>
           <a:p>
             <a:r>
+              <a:rPr lang="zh-CN" altLang="en-US" dirty="0" smtClean="0"/>
+              <a:t>编程模式</a:t>
+            </a:r>
+            <a:endParaRPr lang="en-US" altLang="zh-CN" dirty="0" smtClean="0"/>
+          </a:p>
+          <a:p>
+            <a:r>
+              <a:rPr lang="en-US" altLang="zh-CN" dirty="0" smtClean="0"/>
+              <a:t>C</a:t>
+            </a:r>
+            <a:r>
               <a:rPr lang="en-US" altLang="zh-CN" dirty="0"/>
-              <a:t>C++</a:t>
-            </a:r>
-            <a:r>
-              <a:rPr lang="zh-CN" altLang="en-US" dirty="0"/>
-              <a:t>语言概述：</a:t>
+              <a:t>++</a:t>
+            </a:r>
+            <a:r>
+              <a:rPr lang="zh-CN" altLang="en-US" dirty="0"/>
+              <a:t>语言</a:t>
+            </a:r>
+            <a:r>
+              <a:rPr lang="zh-CN" altLang="en-US" dirty="0" smtClean="0"/>
+              <a:t>概述</a:t>
+            </a:r>
+            <a:endParaRPr lang="zh-CN" altLang="en-US" dirty="0"/>
+          </a:p>
+          <a:p>
+            <a:r>
+              <a:rPr lang="en-US" altLang="zh-CN" dirty="0" smtClean="0"/>
+              <a:t>C</a:t>
             </a:r>
             <a:r>
               <a:rPr lang="en-US" altLang="zh-CN" dirty="0"/>
-              <a:t>C++</a:t>
-            </a:r>
-            <a:r>
-              <a:rPr lang="zh-CN" altLang="en-US" dirty="0"/>
-              <a:t>的起源、发展历程和应用领域。</a:t>
-            </a:r>
-          </a:p>
-          <a:p>
-            <a:r>
-              <a:rPr lang="en-US" altLang="zh-CN" dirty="0"/>
-              <a:t>C++</a:t>
-            </a:r>
-            <a:r>
-              <a:rPr lang="zh-CN" altLang="en-US" dirty="0"/>
-              <a:t>与</a:t>
-            </a:r>
-            <a:r>
-              <a:rPr lang="en-US" altLang="zh-CN" dirty="0"/>
-              <a:t>C</a:t>
-            </a:r>
-            <a:r>
-              <a:rPr lang="zh-CN" altLang="en-US" dirty="0"/>
-              <a:t>语言的区别：面向对象、类和对象、构造函数和析构函数等。</a:t>
-            </a:r>
-          </a:p>
-          <a:p>
-            <a:r>
-              <a:rPr lang="en-US" altLang="zh-CN" dirty="0"/>
-              <a:t>C++</a:t>
-            </a:r>
-            <a:r>
-              <a:rPr lang="zh-CN" altLang="en-US" dirty="0"/>
-              <a:t>的编译过程：预处理、编译、链接和执行。</a:t>
-            </a:r>
-          </a:p>
-          <a:p>
-            <a:r>
-              <a:rPr lang="en-US" altLang="zh-CN" dirty="0"/>
-              <a:t>C++</a:t>
-            </a:r>
-            <a:r>
-              <a:rPr lang="zh-CN" altLang="en-US" dirty="0"/>
-              <a:t>开发环境：安装和配置</a:t>
-            </a:r>
-            <a:r>
-              <a:rPr lang="en-US" altLang="zh-CN" dirty="0"/>
-              <a:t>IDE</a:t>
-            </a:r>
-            <a:r>
-              <a:rPr lang="zh-CN" altLang="en-US" dirty="0"/>
-              <a:t>（如</a:t>
-            </a:r>
-            <a:r>
-              <a:rPr lang="en-US" altLang="zh-CN" dirty="0"/>
-              <a:t>Visual Studio</a:t>
-            </a:r>
-            <a:r>
-              <a:rPr lang="zh-CN" altLang="en-US" dirty="0"/>
-              <a:t>、</a:t>
-            </a:r>
-            <a:r>
-              <a:rPr lang="en-US" altLang="zh-CN" dirty="0" err="1"/>
-              <a:t>CLion</a:t>
-            </a:r>
-            <a:r>
-              <a:rPr lang="zh-CN" altLang="en-US" dirty="0"/>
-              <a:t>、</a:t>
-            </a:r>
-            <a:r>
-              <a:rPr lang="en-US" altLang="zh-CN" dirty="0"/>
-              <a:t>Code::Blocks</a:t>
-            </a:r>
-            <a:r>
-              <a:rPr lang="zh-CN" altLang="en-US" dirty="0"/>
-              <a:t>等）。</a:t>
+              <a:t>++</a:t>
+            </a:r>
+            <a:r>
+              <a:rPr lang="zh-CN" altLang="en-US" dirty="0"/>
+              <a:t>开发</a:t>
+            </a:r>
+            <a:r>
+              <a:rPr lang="zh-CN" altLang="en-US" dirty="0" smtClean="0"/>
+              <a:t>环境</a:t>
             </a:r>
             <a:endParaRPr lang="zh-CN" altLang="en-US" dirty="0"/>
           </a:p>
@@ -8580,6 +9441,671 @@
     <p:extLst>
       <p:ext uri="{BB962C8B-B14F-4D97-AF65-F5344CB8AC3E}">
         <p14:creationId xmlns:p14="http://schemas.microsoft.com/office/powerpoint/2010/main" val="2837951588"/>
+      </p:ext>
+    </p:extLst>
+  </p:cSld>
+  <p:clrMapOvr>
+    <a:masterClrMapping/>
+  </p:clrMapOvr>
+  <p:timing>
+    <p:tnLst>
+      <p:par>
+        <p:cTn id="1" dur="indefinite" restart="never" nodeType="tmRoot"/>
+      </p:par>
+    </p:tnLst>
+  </p:timing>
+</p:sld>
+</file>
+
+<file path=ppt/slides/slide20.xml><?xml version="1.0" encoding="utf-8"?>
+<p:sld xmlns:a="http://schemas.openxmlformats.org/drawingml/2006/main" xmlns:r="http://schemas.openxmlformats.org/officeDocument/2006/relationships" xmlns:p="http://schemas.openxmlformats.org/presentationml/2006/main">
+  <p:cSld>
+    <p:spTree>
+      <p:nvGrpSpPr>
+        <p:cNvPr id="1" name=""/>
+        <p:cNvGrpSpPr/>
+        <p:nvPr/>
+      </p:nvGrpSpPr>
+      <p:grpSpPr>
+        <a:xfrm>
+          <a:off x="0" y="0"/>
+          <a:ext cx="0" cy="0"/>
+          <a:chOff x="0" y="0"/>
+          <a:chExt cx="0" cy="0"/>
+        </a:xfrm>
+      </p:grpSpPr>
+      <p:sp>
+        <p:nvSpPr>
+          <p:cNvPr id="2" name="标题 1"/>
+          <p:cNvSpPr>
+            <a:spLocks noGrp="1"/>
+          </p:cNvSpPr>
+          <p:nvPr>
+            <p:ph type="title"/>
+          </p:nvPr>
+        </p:nvSpPr>
+        <p:spPr/>
+        <p:txBody>
+          <a:bodyPr/>
+          <a:lstStyle/>
+          <a:p>
+            <a:r>
+              <a:rPr lang="zh-CN" altLang="en-US" b="1" dirty="0" smtClean="0">
+                <a:latin typeface="华文楷体" pitchFamily="2" charset="-122"/>
+                <a:ea typeface="华文楷体" pitchFamily="2" charset="-122"/>
+              </a:rPr>
+              <a:t>第</a:t>
+            </a:r>
+            <a:r>
+              <a:rPr lang="en-US" altLang="zh-CN" b="1" dirty="0" smtClean="0">
+                <a:latin typeface="华文楷体" pitchFamily="2" charset="-122"/>
+                <a:ea typeface="华文楷体" pitchFamily="2" charset="-122"/>
+              </a:rPr>
+              <a:t>9</a:t>
+            </a:r>
+            <a:r>
+              <a:rPr lang="zh-CN" altLang="en-US" b="1" dirty="0" smtClean="0">
+                <a:latin typeface="华文楷体" pitchFamily="2" charset="-122"/>
+                <a:ea typeface="华文楷体" pitchFamily="2" charset="-122"/>
+              </a:rPr>
+              <a:t>章  </a:t>
+            </a:r>
+            <a:r>
+              <a:rPr lang="en-US" altLang="zh-CN" b="1" dirty="0">
+                <a:latin typeface="华文楷体" pitchFamily="2" charset="-122"/>
+                <a:ea typeface="华文楷体" pitchFamily="2" charset="-122"/>
+              </a:rPr>
+              <a:t>C++11</a:t>
+            </a:r>
+            <a:r>
+              <a:rPr lang="zh-CN" altLang="en-US" b="1" dirty="0">
+                <a:latin typeface="华文楷体" pitchFamily="2" charset="-122"/>
+                <a:ea typeface="华文楷体" pitchFamily="2" charset="-122"/>
+              </a:rPr>
+              <a:t>及以后特性</a:t>
+            </a:r>
+            <a:endParaRPr lang="zh-CN" altLang="en-US" dirty="0"/>
+          </a:p>
+        </p:txBody>
+      </p:sp>
+      <p:sp>
+        <p:nvSpPr>
+          <p:cNvPr id="3" name="内容占位符 2"/>
+          <p:cNvSpPr>
+            <a:spLocks noGrp="1"/>
+          </p:cNvSpPr>
+          <p:nvPr>
+            <p:ph idx="1"/>
+          </p:nvPr>
+        </p:nvSpPr>
+        <p:spPr/>
+        <p:txBody>
+          <a:bodyPr/>
+          <a:lstStyle/>
+          <a:p>
+            <a:r>
+              <a:rPr lang="en-US" altLang="zh-CN" dirty="0"/>
+              <a:t>Lambda</a:t>
+            </a:r>
+            <a:r>
+              <a:rPr lang="zh-CN" altLang="en-US" dirty="0"/>
+              <a:t>表达式：如何使用</a:t>
+            </a:r>
+            <a:r>
+              <a:rPr lang="en-US" altLang="zh-CN" dirty="0"/>
+              <a:t>Lambda</a:t>
+            </a:r>
+            <a:r>
+              <a:rPr lang="zh-CN" altLang="en-US" dirty="0"/>
+              <a:t>简化代码。</a:t>
+            </a:r>
+          </a:p>
+          <a:p>
+            <a:r>
+              <a:rPr lang="zh-CN" altLang="en-US" dirty="0"/>
+              <a:t>智能指针：如何使用</a:t>
+            </a:r>
+            <a:r>
+              <a:rPr lang="en-US" altLang="zh-CN" dirty="0" err="1"/>
+              <a:t>shared_ptr</a:t>
+            </a:r>
+            <a:r>
+              <a:rPr lang="zh-CN" altLang="en-US" dirty="0"/>
+              <a:t>、</a:t>
+            </a:r>
+            <a:r>
+              <a:rPr lang="en-US" altLang="zh-CN" dirty="0" err="1"/>
+              <a:t>unique_ptr</a:t>
+            </a:r>
+            <a:r>
+              <a:rPr lang="zh-CN" altLang="en-US" dirty="0"/>
+              <a:t>等智能指针管理内存。</a:t>
+            </a:r>
+          </a:p>
+          <a:p>
+            <a:r>
+              <a:rPr lang="zh-CN" altLang="en-US" dirty="0"/>
+              <a:t>线程与并发：</a:t>
+            </a:r>
+            <a:r>
+              <a:rPr lang="en-US" altLang="zh-CN" dirty="0" err="1"/>
+              <a:t>std</a:t>
+            </a:r>
+            <a:r>
+              <a:rPr lang="en-US" altLang="zh-CN" dirty="0"/>
+              <a:t>::thread</a:t>
+            </a:r>
+            <a:r>
+              <a:rPr lang="zh-CN" altLang="en-US" dirty="0"/>
+              <a:t>、</a:t>
+            </a:r>
+            <a:r>
+              <a:rPr lang="en-US" altLang="zh-CN" dirty="0" err="1"/>
+              <a:t>std</a:t>
+            </a:r>
+            <a:r>
+              <a:rPr lang="en-US" altLang="zh-CN" dirty="0"/>
+              <a:t>::</a:t>
+            </a:r>
+            <a:r>
+              <a:rPr lang="en-US" altLang="zh-CN" dirty="0" err="1"/>
+              <a:t>mutex</a:t>
+            </a:r>
+            <a:r>
+              <a:rPr lang="zh-CN" altLang="en-US" dirty="0"/>
+              <a:t>、</a:t>
+            </a:r>
+            <a:r>
+              <a:rPr lang="en-US" altLang="zh-CN" dirty="0" err="1"/>
+              <a:t>std</a:t>
+            </a:r>
+            <a:r>
+              <a:rPr lang="en-US" altLang="zh-CN" dirty="0"/>
+              <a:t>::</a:t>
+            </a:r>
+            <a:r>
+              <a:rPr lang="en-US" altLang="zh-CN" dirty="0" err="1"/>
+              <a:t>async</a:t>
+            </a:r>
+            <a:r>
+              <a:rPr lang="zh-CN" altLang="en-US" dirty="0"/>
+              <a:t>等并发编程工具。</a:t>
+            </a:r>
+          </a:p>
+          <a:p>
+            <a:r>
+              <a:rPr lang="zh-CN" altLang="en-US" dirty="0"/>
+              <a:t>右值引用与移动语义：</a:t>
+            </a:r>
+            <a:r>
+              <a:rPr lang="en-US" altLang="zh-CN" dirty="0" err="1"/>
+              <a:t>std</a:t>
+            </a:r>
+            <a:r>
+              <a:rPr lang="en-US" altLang="zh-CN" dirty="0"/>
+              <a:t>::move</a:t>
+            </a:r>
+            <a:r>
+              <a:rPr lang="zh-CN" altLang="en-US" dirty="0"/>
+              <a:t>、</a:t>
+            </a:r>
+            <a:r>
+              <a:rPr lang="en-US" altLang="zh-CN" dirty="0" err="1"/>
+              <a:t>std</a:t>
+            </a:r>
+            <a:r>
+              <a:rPr lang="en-US" altLang="zh-CN" dirty="0"/>
+              <a:t>::forward</a:t>
+            </a:r>
+            <a:r>
+              <a:rPr lang="zh-CN" altLang="en-US" dirty="0"/>
+              <a:t>、移动构造函数和移动赋值运算符。</a:t>
+            </a:r>
+          </a:p>
+          <a:p>
+            <a:r>
+              <a:rPr lang="en-US" altLang="zh-CN" dirty="0" err="1"/>
+              <a:t>std</a:t>
+            </a:r>
+            <a:r>
+              <a:rPr lang="en-US" altLang="zh-CN" dirty="0"/>
+              <a:t>::</a:t>
+            </a:r>
+            <a:r>
+              <a:rPr lang="en-US" altLang="zh-CN" dirty="0" err="1"/>
+              <a:t>chrono</a:t>
+            </a:r>
+            <a:r>
+              <a:rPr lang="zh-CN" altLang="en-US" dirty="0"/>
+              <a:t>库：时间测量和延时功能。</a:t>
+            </a:r>
+          </a:p>
+        </p:txBody>
+      </p:sp>
+    </p:spTree>
+    <p:extLst>
+      <p:ext uri="{BB962C8B-B14F-4D97-AF65-F5344CB8AC3E}">
+        <p14:creationId xmlns:p14="http://schemas.microsoft.com/office/powerpoint/2010/main" val="1295629135"/>
+      </p:ext>
+    </p:extLst>
+  </p:cSld>
+  <p:clrMapOvr>
+    <a:masterClrMapping/>
+  </p:clrMapOvr>
+  <p:timing>
+    <p:tnLst>
+      <p:par>
+        <p:cTn id="1" dur="indefinite" restart="never" nodeType="tmRoot"/>
+      </p:par>
+    </p:tnLst>
+  </p:timing>
+</p:sld>
+</file>
+
+<file path=ppt/slides/slide21.xml><?xml version="1.0" encoding="utf-8"?>
+<p:sld xmlns:a="http://schemas.openxmlformats.org/drawingml/2006/main" xmlns:r="http://schemas.openxmlformats.org/officeDocument/2006/relationships" xmlns:p="http://schemas.openxmlformats.org/presentationml/2006/main">
+  <p:cSld>
+    <p:spTree>
+      <p:nvGrpSpPr>
+        <p:cNvPr id="1" name=""/>
+        <p:cNvGrpSpPr/>
+        <p:nvPr/>
+      </p:nvGrpSpPr>
+      <p:grpSpPr>
+        <a:xfrm>
+          <a:off x="0" y="0"/>
+          <a:ext cx="0" cy="0"/>
+          <a:chOff x="0" y="0"/>
+          <a:chExt cx="0" cy="0"/>
+        </a:xfrm>
+      </p:grpSpPr>
+      <p:sp>
+        <p:nvSpPr>
+          <p:cNvPr id="2" name="标题 1"/>
+          <p:cNvSpPr>
+            <a:spLocks noGrp="1"/>
+          </p:cNvSpPr>
+          <p:nvPr>
+            <p:ph type="title"/>
+          </p:nvPr>
+        </p:nvSpPr>
+        <p:spPr/>
+        <p:txBody>
+          <a:bodyPr/>
+          <a:lstStyle/>
+          <a:p>
+            <a:r>
+              <a:rPr lang="zh-CN" altLang="en-US" b="1" dirty="0">
+                <a:latin typeface="华文楷体" pitchFamily="2" charset="-122"/>
+                <a:ea typeface="华文楷体" pitchFamily="2" charset="-122"/>
+              </a:rPr>
+              <a:t>第</a:t>
+            </a:r>
+            <a:r>
+              <a:rPr lang="en-US" altLang="zh-CN" b="1" dirty="0" smtClean="0">
+                <a:latin typeface="华文楷体" pitchFamily="2" charset="-122"/>
+                <a:ea typeface="华文楷体" pitchFamily="2" charset="-122"/>
+              </a:rPr>
+              <a:t>10</a:t>
+            </a:r>
+            <a:r>
+              <a:rPr lang="zh-CN" altLang="en-US" b="1" dirty="0" smtClean="0">
+                <a:latin typeface="华文楷体" pitchFamily="2" charset="-122"/>
+                <a:ea typeface="华文楷体" pitchFamily="2" charset="-122"/>
+              </a:rPr>
+              <a:t>章  </a:t>
+            </a:r>
+            <a:r>
+              <a:rPr lang="en-US" altLang="zh-CN" b="1" dirty="0">
+                <a:latin typeface="华文楷体" pitchFamily="2" charset="-122"/>
+                <a:ea typeface="华文楷体" pitchFamily="2" charset="-122"/>
+              </a:rPr>
+              <a:t>C++</a:t>
+            </a:r>
+            <a:r>
+              <a:rPr lang="zh-CN" altLang="en-US" b="1" dirty="0">
+                <a:latin typeface="华文楷体" pitchFamily="2" charset="-122"/>
+                <a:ea typeface="华文楷体" pitchFamily="2" charset="-122"/>
+              </a:rPr>
+              <a:t>设计模式</a:t>
+            </a:r>
+            <a:endParaRPr lang="zh-CN" altLang="en-US" dirty="0"/>
+          </a:p>
+        </p:txBody>
+      </p:sp>
+      <p:sp>
+        <p:nvSpPr>
+          <p:cNvPr id="3" name="内容占位符 2"/>
+          <p:cNvSpPr>
+            <a:spLocks noGrp="1"/>
+          </p:cNvSpPr>
+          <p:nvPr>
+            <p:ph idx="1"/>
+          </p:nvPr>
+        </p:nvSpPr>
+        <p:spPr/>
+        <p:txBody>
+          <a:bodyPr/>
+          <a:lstStyle/>
+          <a:p>
+            <a:r>
+              <a:rPr lang="zh-CN" altLang="en-US" dirty="0"/>
+              <a:t>单例模式：如何实现和应用单例模式。</a:t>
+            </a:r>
+          </a:p>
+          <a:p>
+            <a:r>
+              <a:rPr lang="zh-CN" altLang="en-US" dirty="0"/>
+              <a:t>工厂模式：使用工厂模式来创建对象。</a:t>
+            </a:r>
+          </a:p>
+          <a:p>
+            <a:r>
+              <a:rPr lang="zh-CN" altLang="en-US" dirty="0"/>
+              <a:t>观察者模式：如何实现和应用观察者模式。</a:t>
+            </a:r>
+          </a:p>
+          <a:p>
+            <a:r>
+              <a:rPr lang="zh-CN" altLang="en-US" dirty="0"/>
+              <a:t>策略模式：定义一系列算法，将每一个算法封装起来。</a:t>
+            </a:r>
+          </a:p>
+        </p:txBody>
+      </p:sp>
+    </p:spTree>
+    <p:extLst>
+      <p:ext uri="{BB962C8B-B14F-4D97-AF65-F5344CB8AC3E}">
+        <p14:creationId xmlns:p14="http://schemas.microsoft.com/office/powerpoint/2010/main" val="4116617042"/>
+      </p:ext>
+    </p:extLst>
+  </p:cSld>
+  <p:clrMapOvr>
+    <a:masterClrMapping/>
+  </p:clrMapOvr>
+  <p:timing>
+    <p:tnLst>
+      <p:par>
+        <p:cTn id="1" dur="indefinite" restart="never" nodeType="tmRoot"/>
+      </p:par>
+    </p:tnLst>
+  </p:timing>
+</p:sld>
+</file>
+
+<file path=ppt/slides/slide22.xml><?xml version="1.0" encoding="utf-8"?>
+<p:sld xmlns:a="http://schemas.openxmlformats.org/drawingml/2006/main" xmlns:r="http://schemas.openxmlformats.org/officeDocument/2006/relationships" xmlns:p="http://schemas.openxmlformats.org/presentationml/2006/main">
+  <p:cSld>
+    <p:spTree>
+      <p:nvGrpSpPr>
+        <p:cNvPr id="1" name=""/>
+        <p:cNvGrpSpPr/>
+        <p:nvPr/>
+      </p:nvGrpSpPr>
+      <p:grpSpPr>
+        <a:xfrm>
+          <a:off x="0" y="0"/>
+          <a:ext cx="0" cy="0"/>
+          <a:chOff x="0" y="0"/>
+          <a:chExt cx="0" cy="0"/>
+        </a:xfrm>
+      </p:grpSpPr>
+      <p:sp>
+        <p:nvSpPr>
+          <p:cNvPr id="2" name="标题 1"/>
+          <p:cNvSpPr>
+            <a:spLocks noGrp="1"/>
+          </p:cNvSpPr>
+          <p:nvPr>
+            <p:ph type="title"/>
+          </p:nvPr>
+        </p:nvSpPr>
+        <p:spPr/>
+        <p:txBody>
+          <a:bodyPr/>
+          <a:lstStyle/>
+          <a:p>
+            <a:r>
+              <a:rPr lang="zh-CN" altLang="en-US" b="1" dirty="0">
+                <a:latin typeface="华文楷体" pitchFamily="2" charset="-122"/>
+                <a:ea typeface="华文楷体" pitchFamily="2" charset="-122"/>
+              </a:rPr>
+              <a:t>第</a:t>
+            </a:r>
+            <a:r>
+              <a:rPr lang="en-US" altLang="zh-CN" b="1" dirty="0" smtClean="0">
+                <a:latin typeface="华文楷体" pitchFamily="2" charset="-122"/>
+                <a:ea typeface="华文楷体" pitchFamily="2" charset="-122"/>
+              </a:rPr>
+              <a:t>11</a:t>
+            </a:r>
+            <a:r>
+              <a:rPr lang="zh-CN" altLang="en-US" b="1" dirty="0" smtClean="0">
+                <a:latin typeface="华文楷体" pitchFamily="2" charset="-122"/>
+                <a:ea typeface="华文楷体" pitchFamily="2" charset="-122"/>
+              </a:rPr>
+              <a:t>章  </a:t>
+            </a:r>
+            <a:r>
+              <a:rPr lang="en-US" altLang="zh-CN" b="1" dirty="0">
+                <a:latin typeface="华文楷体" pitchFamily="2" charset="-122"/>
+                <a:ea typeface="华文楷体" pitchFamily="2" charset="-122"/>
+              </a:rPr>
+              <a:t>C++</a:t>
+            </a:r>
+            <a:r>
+              <a:rPr lang="zh-CN" altLang="en-US" b="1" dirty="0">
+                <a:latin typeface="华文楷体" pitchFamily="2" charset="-122"/>
+                <a:ea typeface="华文楷体" pitchFamily="2" charset="-122"/>
+              </a:rPr>
+              <a:t>进阶</a:t>
+            </a:r>
+            <a:endParaRPr lang="zh-CN" altLang="en-US" dirty="0"/>
+          </a:p>
+        </p:txBody>
+      </p:sp>
+      <p:sp>
+        <p:nvSpPr>
+          <p:cNvPr id="3" name="内容占位符 2"/>
+          <p:cNvSpPr>
+            <a:spLocks noGrp="1"/>
+          </p:cNvSpPr>
+          <p:nvPr>
+            <p:ph idx="1"/>
+          </p:nvPr>
+        </p:nvSpPr>
+        <p:spPr/>
+        <p:txBody>
+          <a:bodyPr/>
+          <a:lstStyle/>
+          <a:p>
+            <a:r>
+              <a:rPr lang="zh-CN" altLang="en-US" dirty="0"/>
+              <a:t>模板编程：函数模板、类模板、模板特化与偏特化、模板元编程。</a:t>
+            </a:r>
+          </a:p>
+          <a:p>
+            <a:r>
+              <a:rPr lang="en-US" altLang="zh-CN" dirty="0"/>
+              <a:t>C++</a:t>
+            </a:r>
+            <a:r>
+              <a:rPr lang="zh-CN" altLang="en-US" dirty="0"/>
+              <a:t>与</a:t>
+            </a:r>
+            <a:r>
+              <a:rPr lang="en-US" altLang="zh-CN" dirty="0"/>
+              <a:t>C</a:t>
+            </a:r>
+            <a:r>
+              <a:rPr lang="zh-CN" altLang="en-US" dirty="0"/>
+              <a:t>的互操作性：如何在</a:t>
+            </a:r>
+            <a:r>
+              <a:rPr lang="en-US" altLang="zh-CN" dirty="0"/>
+              <a:t>C++</a:t>
+            </a:r>
+            <a:r>
+              <a:rPr lang="zh-CN" altLang="en-US" dirty="0"/>
+              <a:t>中调用</a:t>
+            </a:r>
+            <a:r>
+              <a:rPr lang="en-US" altLang="zh-CN" dirty="0"/>
+              <a:t>C</a:t>
+            </a:r>
+            <a:r>
+              <a:rPr lang="zh-CN" altLang="en-US" dirty="0"/>
+              <a:t>语言代码。</a:t>
+            </a:r>
+          </a:p>
+          <a:p>
+            <a:r>
+              <a:rPr lang="en-US" altLang="zh-CN" dirty="0"/>
+              <a:t>C++</a:t>
+            </a:r>
+            <a:r>
+              <a:rPr lang="zh-CN" altLang="en-US" dirty="0"/>
+              <a:t>与外部库集成：使用外部库（如</a:t>
+            </a:r>
+            <a:r>
+              <a:rPr lang="en-US" altLang="zh-CN" dirty="0"/>
+              <a:t>Boost</a:t>
+            </a:r>
+            <a:r>
+              <a:rPr lang="zh-CN" altLang="en-US" dirty="0"/>
+              <a:t>、</a:t>
+            </a:r>
+            <a:r>
+              <a:rPr lang="en-US" altLang="zh-CN" dirty="0" err="1"/>
+              <a:t>Qt</a:t>
+            </a:r>
+            <a:r>
+              <a:rPr lang="zh-CN" altLang="en-US" dirty="0"/>
+              <a:t>、</a:t>
+            </a:r>
+            <a:r>
+              <a:rPr lang="en-US" altLang="zh-CN" dirty="0" err="1"/>
+              <a:t>OpenCV</a:t>
+            </a:r>
+            <a:r>
+              <a:rPr lang="zh-CN" altLang="en-US" dirty="0"/>
+              <a:t>等）进行开发。</a:t>
+            </a:r>
+          </a:p>
+        </p:txBody>
+      </p:sp>
+    </p:spTree>
+    <p:extLst>
+      <p:ext uri="{BB962C8B-B14F-4D97-AF65-F5344CB8AC3E}">
+        <p14:creationId xmlns:p14="http://schemas.microsoft.com/office/powerpoint/2010/main" val="2783617826"/>
+      </p:ext>
+    </p:extLst>
+  </p:cSld>
+  <p:clrMapOvr>
+    <a:masterClrMapping/>
+  </p:clrMapOvr>
+  <p:timing>
+    <p:tnLst>
+      <p:par>
+        <p:cTn id="1" dur="indefinite" restart="never" nodeType="tmRoot"/>
+      </p:par>
+    </p:tnLst>
+  </p:timing>
+</p:sld>
+</file>
+
+<file path=ppt/slides/slide23.xml><?xml version="1.0" encoding="utf-8"?>
+<p:sld xmlns:a="http://schemas.openxmlformats.org/drawingml/2006/main" xmlns:r="http://schemas.openxmlformats.org/officeDocument/2006/relationships" xmlns:p="http://schemas.openxmlformats.org/presentationml/2006/main">
+  <p:cSld>
+    <p:spTree>
+      <p:nvGrpSpPr>
+        <p:cNvPr id="1" name=""/>
+        <p:cNvGrpSpPr/>
+        <p:nvPr/>
+      </p:nvGrpSpPr>
+      <p:grpSpPr>
+        <a:xfrm>
+          <a:off x="0" y="0"/>
+          <a:ext cx="0" cy="0"/>
+          <a:chOff x="0" y="0"/>
+          <a:chExt cx="0" cy="0"/>
+        </a:xfrm>
+      </p:grpSpPr>
+      <p:sp>
+        <p:nvSpPr>
+          <p:cNvPr id="2" name="标题 1"/>
+          <p:cNvSpPr>
+            <a:spLocks noGrp="1"/>
+          </p:cNvSpPr>
+          <p:nvPr>
+            <p:ph type="title"/>
+          </p:nvPr>
+        </p:nvSpPr>
+        <p:spPr/>
+        <p:txBody>
+          <a:bodyPr/>
+          <a:lstStyle/>
+          <a:p>
+            <a:r>
+              <a:rPr lang="zh-CN" altLang="en-US" b="1" dirty="0">
+                <a:latin typeface="华文楷体" pitchFamily="2" charset="-122"/>
+                <a:ea typeface="华文楷体" pitchFamily="2" charset="-122"/>
+              </a:rPr>
+              <a:t>第</a:t>
+            </a:r>
+            <a:r>
+              <a:rPr lang="en-US" altLang="zh-CN" b="1" dirty="0" smtClean="0">
+                <a:latin typeface="华文楷体" pitchFamily="2" charset="-122"/>
+                <a:ea typeface="华文楷体" pitchFamily="2" charset="-122"/>
+              </a:rPr>
+              <a:t>12</a:t>
+            </a:r>
+            <a:r>
+              <a:rPr lang="zh-CN" altLang="en-US" b="1" smtClean="0">
+                <a:latin typeface="华文楷体" pitchFamily="2" charset="-122"/>
+                <a:ea typeface="华文楷体" pitchFamily="2" charset="-122"/>
+              </a:rPr>
+              <a:t>章  总和练习</a:t>
+            </a:r>
+            <a:endParaRPr lang="zh-CN" altLang="en-US" dirty="0"/>
+          </a:p>
+        </p:txBody>
+      </p:sp>
+      <p:sp>
+        <p:nvSpPr>
+          <p:cNvPr id="3" name="内容占位符 2"/>
+          <p:cNvSpPr>
+            <a:spLocks noGrp="1"/>
+          </p:cNvSpPr>
+          <p:nvPr>
+            <p:ph idx="1"/>
+          </p:nvPr>
+        </p:nvSpPr>
+        <p:spPr/>
+        <p:txBody>
+          <a:bodyPr/>
+          <a:lstStyle/>
+          <a:p>
+            <a:r>
+              <a:rPr lang="en-US" altLang="zh-CN" dirty="0"/>
+              <a:t>1.1 </a:t>
+            </a:r>
+            <a:r>
+              <a:rPr lang="zh-CN" altLang="en-US" dirty="0"/>
+              <a:t>什么是</a:t>
+            </a:r>
+            <a:r>
+              <a:rPr lang="zh-CN" altLang="en-US" dirty="0" smtClean="0"/>
+              <a:t>计算机程序</a:t>
+            </a:r>
+            <a:endParaRPr lang="zh-CN" altLang="en-US" dirty="0"/>
+          </a:p>
+        </p:txBody>
+      </p:sp>
+    </p:spTree>
+    <p:extLst>
+      <p:ext uri="{BB962C8B-B14F-4D97-AF65-F5344CB8AC3E}">
+        <p14:creationId xmlns:p14="http://schemas.microsoft.com/office/powerpoint/2010/main" val="1064233169"/>
       </p:ext>
     </p:extLst>
   </p:cSld>
@@ -8629,39 +10155,22 @@
           <a:lstStyle/>
           <a:p>
             <a:r>
+              <a:rPr lang="en-US" altLang="zh-CN" b="1" dirty="0" smtClean="0"/>
+              <a:t>1.1</a:t>
+            </a:r>
+            <a:r>
+              <a:rPr lang="en-US" altLang="zh-CN" b="1" dirty="0" smtClean="0">
+                <a:latin typeface="华文楷体" pitchFamily="2" charset="-122"/>
+                <a:ea typeface="华文楷体" pitchFamily="2" charset="-122"/>
+              </a:rPr>
+              <a:t> </a:t>
+            </a:r>
+            <a:r>
               <a:rPr lang="zh-CN" altLang="en-US" b="1" dirty="0" smtClean="0">
                 <a:latin typeface="华文楷体" pitchFamily="2" charset="-122"/>
                 <a:ea typeface="华文楷体" pitchFamily="2" charset="-122"/>
               </a:rPr>
-              <a:t>第</a:t>
-            </a:r>
-            <a:r>
-              <a:rPr lang="en-US" altLang="zh-CN" b="1" dirty="0" smtClean="0">
-                <a:latin typeface="华文楷体" pitchFamily="2" charset="-122"/>
-                <a:ea typeface="华文楷体" pitchFamily="2" charset="-122"/>
-              </a:rPr>
-              <a:t>2</a:t>
-            </a:r>
-            <a:r>
-              <a:rPr lang="zh-CN" altLang="en-US" b="1" dirty="0" smtClean="0">
-                <a:latin typeface="华文楷体" pitchFamily="2" charset="-122"/>
-                <a:ea typeface="华文楷体" pitchFamily="2" charset="-122"/>
-              </a:rPr>
-              <a:t>章  </a:t>
-            </a:r>
-            <a:r>
-              <a:rPr lang="en-US" altLang="zh-CN" b="1" dirty="0">
-                <a:latin typeface="华文楷体" pitchFamily="2" charset="-122"/>
-                <a:ea typeface="华文楷体" pitchFamily="2" charset="-122"/>
-              </a:rPr>
-              <a:t>C++</a:t>
-            </a:r>
-            <a:r>
-              <a:rPr lang="zh-CN" altLang="en-US" b="1" dirty="0">
-                <a:latin typeface="华文楷体" pitchFamily="2" charset="-122"/>
-                <a:ea typeface="华文楷体" pitchFamily="2" charset="-122"/>
-              </a:rPr>
-              <a:t>基础语法</a:t>
+              <a:t>编程模式</a:t>
             </a:r>
             <a:endParaRPr lang="zh-CN" altLang="en-US" dirty="0"/>
           </a:p>
@@ -8683,134 +10192,121 @@
           <a:lstStyle/>
           <a:p>
             <a:r>
-              <a:rPr lang="zh-CN" altLang="en-US" dirty="0"/>
-              <a:t>数据类型与变量：整数、浮点数、字符、布尔类型。</a:t>
-            </a:r>
-          </a:p>
-          <a:p>
-            <a:r>
-              <a:rPr lang="zh-CN" altLang="en-US" dirty="0"/>
-              <a:t>常量与枚举：常量、</a:t>
+              <a:rPr lang="zh-CN" altLang="en-US" b="1" dirty="0"/>
+              <a:t>面向过程编程（</a:t>
+            </a:r>
+            <a:r>
+              <a:rPr lang="en-US" altLang="zh-CN" b="1" dirty="0"/>
+              <a:t>POP</a:t>
+            </a:r>
+            <a:r>
+              <a:rPr lang="zh-CN" altLang="en-US" b="1" dirty="0"/>
+              <a:t>，</a:t>
+            </a:r>
+            <a:r>
+              <a:rPr lang="en-US" altLang="zh-CN" b="1" dirty="0"/>
+              <a:t>Procedural Programming</a:t>
+            </a:r>
+            <a:r>
+              <a:rPr lang="zh-CN" altLang="en-US" b="1" dirty="0" smtClean="0"/>
+              <a:t>）</a:t>
+            </a:r>
+            <a:endParaRPr lang="en-US" altLang="zh-CN" b="1" dirty="0" smtClean="0"/>
+          </a:p>
+          <a:p>
+            <a:pPr marL="0" indent="0">
+              <a:buNone/>
+            </a:pPr>
+            <a:r>
+              <a:rPr lang="en-US" altLang="zh-CN" b="1" dirty="0"/>
+              <a:t>	</a:t>
             </a:r>
             <a:r>
               <a:rPr lang="en-US" altLang="zh-CN" dirty="0"/>
-              <a:t>#define</a:t>
-            </a:r>
-            <a:r>
-              <a:rPr lang="zh-CN" altLang="en-US" dirty="0"/>
-              <a:t>、</a:t>
-            </a:r>
-            <a:r>
-              <a:rPr lang="en-US" altLang="zh-CN" dirty="0" err="1"/>
-              <a:t>enum</a:t>
-            </a:r>
-            <a:r>
-              <a:rPr lang="zh-CN" altLang="en-US" dirty="0"/>
+              <a:t>C</a:t>
+            </a:r>
+            <a:r>
+              <a:rPr lang="zh-CN" altLang="en-US" dirty="0"/>
+              <a:t>语言就是一种典型的面向过程编程语言</a:t>
+            </a:r>
+            <a:r>
+              <a:rPr lang="zh-CN" altLang="en-US" dirty="0" smtClean="0"/>
               <a:t>。</a:t>
             </a:r>
-          </a:p>
-          <a:p>
-            <a:r>
-              <a:rPr lang="zh-CN" altLang="en-US" dirty="0"/>
-              <a:t>运算符：算术运算符、关系运算符、逻辑运算符、位运算符、赋值运算符。</a:t>
-            </a:r>
-          </a:p>
-          <a:p>
-            <a:r>
-              <a:rPr lang="zh-CN" altLang="en-US" dirty="0"/>
-              <a:t>控制语句：条件语句（</a:t>
+            <a:endParaRPr lang="en-US" altLang="zh-CN" b="1" dirty="0" smtClean="0"/>
+          </a:p>
+          <a:p>
+            <a:r>
+              <a:rPr lang="zh-CN" altLang="en-US" b="1" dirty="0" smtClean="0"/>
+              <a:t>面向对象编程（</a:t>
+            </a:r>
+            <a:r>
+              <a:rPr lang="en-US" altLang="zh-CN" b="1" dirty="0" smtClean="0"/>
+              <a:t>OOP</a:t>
+            </a:r>
+            <a:r>
+              <a:rPr lang="zh-CN" altLang="en-US" b="1" dirty="0" smtClean="0"/>
+              <a:t>，</a:t>
+            </a:r>
+            <a:r>
+              <a:rPr lang="en-US" altLang="zh-CN" b="1" dirty="0" smtClean="0"/>
+              <a:t>Object-Oriented Programming</a:t>
+            </a:r>
+            <a:r>
+              <a:rPr lang="zh-CN" altLang="en-US" b="1" dirty="0" smtClean="0"/>
+              <a:t>）</a:t>
+            </a:r>
+            <a:endParaRPr lang="en-US" altLang="zh-CN" b="1" dirty="0" smtClean="0"/>
+          </a:p>
+          <a:p>
+            <a:pPr marL="0" indent="0">
+              <a:buNone/>
+            </a:pPr>
+            <a:r>
+              <a:rPr lang="en-US" altLang="zh-CN" dirty="0" smtClean="0"/>
+              <a:t>	C</a:t>
             </a:r>
             <a:r>
               <a:rPr lang="en-US" altLang="zh-CN" dirty="0"/>
-              <a:t>if</a:t>
-            </a:r>
-            <a:r>
-              <a:rPr lang="zh-CN" altLang="en-US" dirty="0"/>
-              <a:t>、</a:t>
-            </a:r>
-            <a:r>
-              <a:rPr lang="en-US" altLang="zh-CN" dirty="0"/>
-              <a:t>else</a:t>
-            </a:r>
-            <a:r>
-              <a:rPr lang="zh-CN" altLang="en-US" dirty="0"/>
-              <a:t>、</a:t>
-            </a:r>
-            <a:r>
-              <a:rPr lang="en-US" altLang="zh-CN" dirty="0"/>
-              <a:t>switch</a:t>
-            </a:r>
-            <a:r>
-              <a:rPr lang="zh-CN" altLang="en-US" dirty="0"/>
-              <a:t>）、循环语句（</a:t>
-            </a:r>
-            <a:r>
-              <a:rPr lang="en-US" altLang="zh-CN" dirty="0"/>
-              <a:t>for</a:t>
-            </a:r>
-            <a:r>
-              <a:rPr lang="zh-CN" altLang="en-US" dirty="0"/>
-              <a:t>、</a:t>
-            </a:r>
-            <a:r>
-              <a:rPr lang="en-US" altLang="zh-CN" dirty="0"/>
-              <a:t>while</a:t>
-            </a:r>
-            <a:r>
-              <a:rPr lang="zh-CN" altLang="en-US" dirty="0"/>
-              <a:t>、</a:t>
-            </a:r>
-            <a:r>
-              <a:rPr lang="en-US" altLang="zh-CN" dirty="0"/>
-              <a:t>do-while</a:t>
-            </a:r>
-            <a:r>
-              <a:rPr lang="zh-CN" altLang="en-US" dirty="0"/>
-              <a:t>）。</a:t>
-            </a:r>
-          </a:p>
-          <a:p>
-            <a:r>
-              <a:rPr lang="zh-CN" altLang="en-US" dirty="0"/>
-              <a:t>输入与输出：使用</a:t>
-            </a:r>
-            <a:r>
-              <a:rPr lang="en-US" altLang="zh-CN" dirty="0" err="1"/>
-              <a:t>cin</a:t>
-            </a:r>
-            <a:r>
-              <a:rPr lang="zh-CN" altLang="en-US" dirty="0"/>
-              <a:t>和</a:t>
-            </a:r>
-            <a:r>
-              <a:rPr lang="en-US" altLang="zh-CN" dirty="0" err="1"/>
-              <a:t>cout</a:t>
-            </a:r>
-            <a:r>
-              <a:rPr lang="zh-CN" altLang="en-US" dirty="0"/>
-              <a:t>进行数据输入输出。</a:t>
-            </a:r>
-            <a:endParaRPr lang="zh-CN" altLang="en-US" dirty="0"/>
+              <a:t>++</a:t>
+            </a:r>
+            <a:r>
+              <a:rPr lang="zh-CN" altLang="en-US" dirty="0"/>
+              <a:t>就是一种典型的面向对象编程语言。</a:t>
+            </a:r>
+            <a:endParaRPr lang="en-US" altLang="zh-CN" dirty="0"/>
+          </a:p>
+          <a:p>
+            <a:r>
+              <a:rPr lang="zh-CN" altLang="en-US" b="1" dirty="0" smtClean="0"/>
+              <a:t>区别 </a:t>
+            </a:r>
+            <a:r>
+              <a:rPr lang="en-US" altLang="zh-CN" b="1" dirty="0" smtClean="0"/>
+              <a:t>- </a:t>
+            </a:r>
+            <a:r>
+              <a:rPr lang="zh-CN" altLang="en-US" b="1" dirty="0" smtClean="0"/>
+              <a:t>面向过程和面向对象</a:t>
+            </a:r>
+            <a:r>
+              <a:rPr lang="en-US" altLang="zh-CN" b="1" dirty="0" smtClean="0"/>
+              <a:t>	</a:t>
+            </a:r>
+            <a:endParaRPr lang="zh-CN" altLang="en-US" b="1" dirty="0"/>
           </a:p>
         </p:txBody>
       </p:sp>
     </p:spTree>
     <p:extLst>
       <p:ext uri="{BB962C8B-B14F-4D97-AF65-F5344CB8AC3E}">
-        <p14:creationId xmlns:p14="http://schemas.microsoft.com/office/powerpoint/2010/main" val="444530801"/>
+        <p14:creationId xmlns:p14="http://schemas.microsoft.com/office/powerpoint/2010/main" val="486804640"/>
       </p:ext>
     </p:extLst>
   </p:cSld>
   <p:clrMapOvr>
     <a:masterClrMapping/>
   </p:clrMapOvr>
-  <p:timing>
-    <p:tnLst>
-      <p:par>
-        <p:cTn id="1" dur="indefinite" restart="never" nodeType="tmRoot"/>
-      </p:par>
-    </p:tnLst>
-  </p:timing>
 </p:sld>
 </file>
 
@@ -8843,65 +10339,100 @@
         </p:nvSpPr>
         <p:spPr/>
         <p:txBody>
+          <a:bodyPr>
+            <a:normAutofit/>
+          </a:bodyPr>
+          <a:lstStyle/>
+          <a:p>
+            <a:r>
+              <a:rPr lang="zh-CN" altLang="en-US" b="1" dirty="0"/>
+              <a:t>面向过程</a:t>
+            </a:r>
+            <a:r>
+              <a:rPr lang="zh-CN" altLang="en-US" b="1" dirty="0" smtClean="0"/>
+              <a:t>编程</a:t>
+            </a:r>
+            <a:endParaRPr lang="zh-CN" altLang="en-US" dirty="0"/>
+          </a:p>
+        </p:txBody>
+      </p:sp>
+      <p:sp>
+        <p:nvSpPr>
+          <p:cNvPr id="3" name="内容占位符 2"/>
+          <p:cNvSpPr>
+            <a:spLocks noGrp="1"/>
+          </p:cNvSpPr>
+          <p:nvPr>
+            <p:ph idx="1"/>
+          </p:nvPr>
+        </p:nvSpPr>
+        <p:spPr/>
+        <p:txBody>
           <a:bodyPr/>
           <a:lstStyle/>
           <a:p>
             <a:r>
-              <a:rPr lang="zh-CN" altLang="en-US" b="1" dirty="0" smtClean="0">
-                <a:latin typeface="华文楷体" pitchFamily="2" charset="-122"/>
-                <a:ea typeface="华文楷体" pitchFamily="2" charset="-122"/>
-              </a:rPr>
-              <a:t>第</a:t>
-            </a:r>
-            <a:r>
-              <a:rPr lang="en-US" altLang="zh-CN" b="1" dirty="0" smtClean="0">
-                <a:latin typeface="华文楷体" pitchFamily="2" charset="-122"/>
-                <a:ea typeface="华文楷体" pitchFamily="2" charset="-122"/>
-              </a:rPr>
-              <a:t>3</a:t>
-            </a:r>
-            <a:r>
-              <a:rPr lang="zh-CN" altLang="en-US" b="1" dirty="0">
-                <a:latin typeface="华文楷体" pitchFamily="2" charset="-122"/>
-                <a:ea typeface="华文楷体" pitchFamily="2" charset="-122"/>
-              </a:rPr>
-              <a:t>章函数与数组</a:t>
-            </a:r>
-            <a:endParaRPr lang="zh-CN" altLang="en-US" dirty="0"/>
-          </a:p>
-        </p:txBody>
-      </p:sp>
-      <p:sp>
-        <p:nvSpPr>
-          <p:cNvPr id="3" name="内容占位符 2"/>
-          <p:cNvSpPr>
-            <a:spLocks noGrp="1"/>
-          </p:cNvSpPr>
-          <p:nvPr>
-            <p:ph idx="1"/>
-          </p:nvPr>
-        </p:nvSpPr>
-        <p:spPr/>
-        <p:txBody>
-          <a:bodyPr/>
-          <a:lstStyle/>
-          <a:p>
-            <a:r>
-              <a:rPr lang="zh-CN" altLang="en-US" dirty="0"/>
-              <a:t>函数定义与调用：参数传递（值传递、引用传递）、返回值。</a:t>
-            </a:r>
-          </a:p>
-          <a:p>
-            <a:r>
-              <a:rPr lang="zh-CN" altLang="en-US" dirty="0"/>
-              <a:t>函数重载与递归：函数重载规则、递归函数的使用与优化。</a:t>
-            </a:r>
-          </a:p>
-          <a:p>
-            <a:r>
-              <a:rPr lang="zh-CN" altLang="en-US" dirty="0"/>
-              <a:t>数组：一维数组、二维数组的定义与使用，数组与指针的关系。</a:t>
-            </a:r>
+              <a:rPr lang="zh-CN" altLang="en-US" b="1" dirty="0"/>
+              <a:t>面向过程编程</a:t>
+            </a:r>
+            <a:r>
+              <a:rPr lang="zh-CN" altLang="en-US" dirty="0"/>
+              <a:t>（</a:t>
+            </a:r>
+            <a:r>
+              <a:rPr lang="en-US" altLang="zh-CN" dirty="0"/>
+              <a:t>Procedural Programming</a:t>
+            </a:r>
+            <a:r>
+              <a:rPr lang="zh-CN" altLang="en-US" dirty="0"/>
+              <a:t>）是一种基于过程（函数）来组织代码的编程范式。程序由一系列的过程（即函数）组成，这些过程通过操作数据来实现程序的功能。数据和功能是分离的，数据通常是通过参数传递到函数中进行处理。</a:t>
+            </a:r>
+          </a:p>
+          <a:p>
+            <a:pPr lvl="1"/>
+            <a:r>
+              <a:rPr lang="zh-CN" altLang="en-US" b="1" dirty="0"/>
+              <a:t>设计理念：</a:t>
+            </a:r>
+            <a:r>
+              <a:rPr lang="zh-CN" altLang="en-US" dirty="0"/>
+              <a:t> 强调功能的实现（即“如何做”），通过一系列函数来逐步完成任务。</a:t>
+            </a:r>
+          </a:p>
+          <a:p>
+            <a:pPr lvl="1"/>
+            <a:r>
+              <a:rPr lang="zh-CN" altLang="en-US" b="1" dirty="0"/>
+              <a:t>程序结构：</a:t>
+            </a:r>
+            <a:r>
+              <a:rPr lang="zh-CN" altLang="en-US" dirty="0"/>
+              <a:t> 程序的核心是函数，函数通过参数接收数据，并对数据进行处理。函数与数据分离。</a:t>
+            </a:r>
+          </a:p>
+          <a:p>
+            <a:pPr lvl="1"/>
+            <a:r>
+              <a:rPr lang="zh-CN" altLang="en-US" b="1" dirty="0"/>
+              <a:t>优点：</a:t>
+            </a:r>
+            <a:r>
+              <a:rPr lang="zh-CN" altLang="en-US" dirty="0"/>
+              <a:t> 简单、易于理解，适用于小型或功能相对简单的程序。</a:t>
+            </a:r>
+          </a:p>
+          <a:p>
+            <a:pPr lvl="1"/>
+            <a:r>
+              <a:rPr lang="zh-CN" altLang="en-US" b="1" dirty="0"/>
+              <a:t>缺点：</a:t>
+            </a:r>
+            <a:r>
+              <a:rPr lang="zh-CN" altLang="en-US" dirty="0"/>
+              <a:t> 随着程序复杂度增加，难以管理和扩展，代码重复度高，维护起来困难。</a:t>
+            </a:r>
+          </a:p>
+          <a:p>
             <a:endParaRPr lang="zh-CN" altLang="en-US" dirty="0"/>
           </a:p>
         </p:txBody>
@@ -8909,20 +10440,13 @@
     </p:spTree>
     <p:extLst>
       <p:ext uri="{BB962C8B-B14F-4D97-AF65-F5344CB8AC3E}">
-        <p14:creationId xmlns:p14="http://schemas.microsoft.com/office/powerpoint/2010/main" val="3528018120"/>
+        <p14:creationId xmlns:p14="http://schemas.microsoft.com/office/powerpoint/2010/main" val="1754708858"/>
       </p:ext>
     </p:extLst>
   </p:cSld>
   <p:clrMapOvr>
     <a:masterClrMapping/>
   </p:clrMapOvr>
-  <p:timing>
-    <p:tnLst>
-      <p:par>
-        <p:cTn id="1" dur="indefinite" restart="never" nodeType="tmRoot"/>
-      </p:par>
-    </p:tnLst>
-  </p:timing>
 </p:sld>
 </file>
 
@@ -8959,41 +10483,9 @@
           <a:lstStyle/>
           <a:p>
             <a:r>
-              <a:rPr lang="zh-CN" altLang="en-US" b="1" dirty="0" smtClean="0">
-                <a:latin typeface="华文楷体" pitchFamily="2" charset="-122"/>
-                <a:ea typeface="华文楷体" pitchFamily="2" charset="-122"/>
-              </a:rPr>
-              <a:t>第</a:t>
-            </a:r>
-            <a:r>
-              <a:rPr lang="en-US" altLang="zh-CN" b="1" dirty="0" smtClean="0">
-                <a:latin typeface="华文楷体" pitchFamily="2" charset="-122"/>
-                <a:ea typeface="华文楷体" pitchFamily="2" charset="-122"/>
-              </a:rPr>
-              <a:t>4</a:t>
-            </a:r>
-            <a:r>
-              <a:rPr lang="zh-CN" altLang="en-US" b="1" dirty="0">
-                <a:latin typeface="华文楷体" pitchFamily="2" charset="-122"/>
-                <a:ea typeface="华文楷体" pitchFamily="2" charset="-122"/>
-              </a:rPr>
-              <a:t>章面向对象编程（</a:t>
-            </a:r>
-            <a:r>
-              <a:rPr lang="en-US" altLang="zh-CN" b="1" dirty="0">
-                <a:latin typeface="华文楷体" pitchFamily="2" charset="-122"/>
-                <a:ea typeface="华文楷体" pitchFamily="2" charset="-122"/>
-              </a:rPr>
-              <a:t>OOP</a:t>
-            </a:r>
-            <a:r>
-              <a:rPr lang="zh-CN" altLang="en-US" b="1" dirty="0">
-                <a:latin typeface="华文楷体" pitchFamily="2" charset="-122"/>
-                <a:ea typeface="华文楷体" pitchFamily="2" charset="-122"/>
-              </a:rPr>
-              <a:t>）基础</a:t>
-            </a:r>
-            <a:endParaRPr lang="zh-CN" altLang="en-US" dirty="0"/>
+              <a:rPr lang="zh-CN" altLang="en-US" b="1" dirty="0"/>
+              <a:t>面向对象编程</a:t>
+            </a:r>
           </a:p>
         </p:txBody>
       </p:sp>
@@ -9013,51 +10505,75 @@
           <a:lstStyle/>
           <a:p>
             <a:r>
-              <a:rPr lang="zh-CN" altLang="en-US" dirty="0"/>
-              <a:t>类与对象：定义类、创建对象、构造函数与析构函数。</a:t>
-            </a:r>
-          </a:p>
-          <a:p>
-            <a:r>
-              <a:rPr lang="zh-CN" altLang="en-US" dirty="0"/>
-              <a:t>封装：访问控制修饰符（</a:t>
+              <a:rPr lang="zh-CN" altLang="en-US" b="1" dirty="0"/>
+              <a:t>面向对象编程</a:t>
+            </a:r>
+            <a:r>
+              <a:rPr lang="zh-CN" altLang="en-US" dirty="0"/>
+              <a:t>（</a:t>
             </a:r>
             <a:r>
               <a:rPr lang="en-US" altLang="zh-CN" dirty="0"/>
-              <a:t>public</a:t>
-            </a:r>
-            <a:r>
-              <a:rPr lang="zh-CN" altLang="en-US" dirty="0"/>
-              <a:t>、</a:t>
+              <a:t>Object-Oriented Programming</a:t>
+            </a:r>
+            <a:r>
+              <a:rPr lang="zh-CN" altLang="en-US" dirty="0"/>
+              <a:t>）是一种将数据和对数据的操作结合在一起，封装成对象的编程范式。每个对象都有自己的数据和操作这些数据的方法。</a:t>
             </a:r>
             <a:r>
               <a:rPr lang="en-US" altLang="zh-CN" dirty="0"/>
-              <a:t>private</a:t>
-            </a:r>
-            <a:r>
-              <a:rPr lang="zh-CN" altLang="en-US" dirty="0"/>
-              <a:t>、</a:t>
-            </a:r>
-            <a:r>
-              <a:rPr lang="en-US" altLang="zh-CN" dirty="0"/>
-              <a:t>protected</a:t>
-            </a:r>
-            <a:r>
-              <a:rPr lang="zh-CN" altLang="en-US" dirty="0"/>
-              <a:t>）。</a:t>
-            </a:r>
-          </a:p>
-          <a:p>
-            <a:r>
-              <a:rPr lang="zh-CN" altLang="en-US" dirty="0"/>
-              <a:t>继承：继承的概念、基类与派生类、多重继承。</a:t>
-            </a:r>
-          </a:p>
-          <a:p>
-            <a:r>
-              <a:rPr lang="zh-CN" altLang="en-US" dirty="0"/>
-              <a:t>多态：虚函数、纯虚函数、虚函数的重写、运行时多态。</a:t>
-            </a:r>
+              <a:t>OOP</a:t>
+            </a:r>
+            <a:r>
+              <a:rPr lang="zh-CN" altLang="en-US" dirty="0"/>
+              <a:t>强调通过类和对象来组织程序，以便实现更高效的代码复用和更好的模块化设计。</a:t>
+            </a:r>
+          </a:p>
+          <a:p>
+            <a:pPr lvl="1"/>
+            <a:r>
+              <a:rPr lang="zh-CN" altLang="en-US" b="1" dirty="0"/>
+              <a:t>设计理念：</a:t>
+            </a:r>
+            <a:r>
+              <a:rPr lang="zh-CN" altLang="en-US" dirty="0"/>
+              <a:t> 强调“做什么”的问题，通过定义类来封装数据和行为（即“什么做什么”），更关注系统的行为。</a:t>
+            </a:r>
+          </a:p>
+          <a:p>
+            <a:pPr lvl="1"/>
+            <a:r>
+              <a:rPr lang="zh-CN" altLang="en-US" b="1" dirty="0"/>
+              <a:t>程序结构：</a:t>
+            </a:r>
+            <a:r>
+              <a:rPr lang="zh-CN" altLang="en-US" dirty="0"/>
+              <a:t> 程序的核心是类和对象。类是对现实世界的抽象，类中既包含数据（成员变量），也包含操作数据的行为（成员方法）。</a:t>
+            </a:r>
+          </a:p>
+          <a:p>
+            <a:pPr lvl="1"/>
+            <a:r>
+              <a:rPr lang="zh-CN" altLang="en-US" b="1" dirty="0"/>
+              <a:t>优点：</a:t>
+            </a:r>
+            <a:r>
+              <a:rPr lang="zh-CN" altLang="en-US" dirty="0"/>
+              <a:t> 代码重用性高，易于扩展，具有更好的模块化和维护性。</a:t>
+            </a:r>
+          </a:p>
+          <a:p>
+            <a:pPr lvl="1"/>
+            <a:r>
+              <a:rPr lang="zh-CN" altLang="en-US" b="1" dirty="0"/>
+              <a:t>缺点：</a:t>
+            </a:r>
+            <a:r>
+              <a:rPr lang="zh-CN" altLang="en-US" dirty="0"/>
+              <a:t> 对比面向过程，初学者可能会觉得更加复杂。</a:t>
+            </a:r>
+          </a:p>
+          <a:p>
             <a:endParaRPr lang="zh-CN" altLang="en-US" dirty="0"/>
           </a:p>
         </p:txBody>
@@ -9065,20 +10581,13 @@
     </p:spTree>
     <p:extLst>
       <p:ext uri="{BB962C8B-B14F-4D97-AF65-F5344CB8AC3E}">
-        <p14:creationId xmlns:p14="http://schemas.microsoft.com/office/powerpoint/2010/main" val="2413468171"/>
+        <p14:creationId xmlns:p14="http://schemas.microsoft.com/office/powerpoint/2010/main" val="870103892"/>
       </p:ext>
     </p:extLst>
   </p:cSld>
   <p:clrMapOvr>
     <a:masterClrMapping/>
   </p:clrMapOvr>
-  <p:timing>
-    <p:tnLst>
-      <p:par>
-        <p:cTn id="1" dur="indefinite" restart="never" nodeType="tmRoot"/>
-      </p:par>
-    </p:tnLst>
-  </p:timing>
 </p:sld>
 </file>
 
@@ -9115,33 +10624,20 @@
           <a:lstStyle/>
           <a:p>
             <a:r>
-              <a:rPr lang="zh-CN" altLang="en-US" b="1" dirty="0" smtClean="0">
-                <a:latin typeface="华文楷体" pitchFamily="2" charset="-122"/>
-                <a:ea typeface="华文楷体" pitchFamily="2" charset="-122"/>
-              </a:rPr>
-              <a:t>第</a:t>
-            </a:r>
-            <a:r>
-              <a:rPr lang="en-US" altLang="zh-CN" b="1" dirty="0" smtClean="0">
-                <a:latin typeface="华文楷体" pitchFamily="2" charset="-122"/>
-                <a:ea typeface="华文楷体" pitchFamily="2" charset="-122"/>
-              </a:rPr>
-              <a:t>5</a:t>
-            </a:r>
-            <a:r>
-              <a:rPr lang="zh-CN" altLang="en-US" b="1" dirty="0" smtClean="0">
-                <a:latin typeface="华文楷体" pitchFamily="2" charset="-122"/>
-                <a:ea typeface="华文楷体" pitchFamily="2" charset="-122"/>
-              </a:rPr>
-              <a:t>章 指针</a:t>
-            </a:r>
-            <a:r>
-              <a:rPr lang="zh-CN" altLang="en-US" b="1" dirty="0">
-                <a:latin typeface="华文楷体" pitchFamily="2" charset="-122"/>
-                <a:ea typeface="华文楷体" pitchFamily="2" charset="-122"/>
-              </a:rPr>
-              <a:t>与动态内存管理</a:t>
-            </a:r>
+              <a:rPr lang="en-US" altLang="zh-CN" b="1" dirty="0" smtClean="0"/>
+              <a:t>1.2 </a:t>
+            </a:r>
+            <a:r>
+              <a:rPr lang="en-US" altLang="zh-CN" b="1" dirty="0"/>
+              <a:t>C++</a:t>
+            </a:r>
+            <a:r>
+              <a:rPr lang="zh-CN" altLang="zh-CN" b="1" dirty="0"/>
+              <a:t>语言概述</a:t>
+            </a:r>
+            <a:br>
+              <a:rPr lang="zh-CN" altLang="zh-CN" b="1" dirty="0"/>
+            </a:br>
             <a:endParaRPr lang="zh-CN" altLang="en-US" dirty="0"/>
           </a:p>
         </p:txBody>
@@ -9162,59 +10658,221 @@
           <a:lstStyle/>
           <a:p>
             <a:r>
-              <a:rPr lang="zh-CN" altLang="en-US" dirty="0" smtClean="0"/>
-              <a:t>指针基础：指针的定义、解引用、指针运算。</a:t>
-            </a:r>
-          </a:p>
-          <a:p>
-            <a:r>
-              <a:rPr lang="zh-CN" altLang="en-US" dirty="0" smtClean="0"/>
-              <a:t>指针与数组：数组名作为指针，指针与数组的关系。</a:t>
-            </a:r>
-          </a:p>
-          <a:p>
-            <a:r>
-              <a:rPr lang="zh-CN" altLang="en-US" dirty="0" smtClean="0"/>
-              <a:t>动态内存管理：</a:t>
-            </a:r>
+              <a:rPr lang="en-US" altLang="zh-CN" b="1" dirty="0"/>
+              <a:t>C++</a:t>
+            </a:r>
+            <a:r>
+              <a:rPr lang="zh-CN" altLang="zh-CN" b="1" dirty="0"/>
+              <a:t>的起源与发展历程</a:t>
+            </a:r>
+          </a:p>
+          <a:p>
+            <a:pPr marL="0" indent="0">
+              <a:buNone/>
+            </a:pPr>
             <a:r>
               <a:rPr lang="en-US" altLang="zh-CN" dirty="0" smtClean="0"/>
-              <a:t>new</a:t>
-            </a:r>
-            <a:r>
-              <a:rPr lang="zh-CN" altLang="en-US" dirty="0" smtClean="0"/>
-              <a:t>、</a:t>
+              <a:t>	C</a:t>
+            </a:r>
+            <a:r>
+              <a:rPr lang="en-US" altLang="zh-CN" dirty="0"/>
+              <a:t>++</a:t>
+            </a:r>
+            <a:r>
+              <a:rPr lang="zh-CN" altLang="zh-CN" dirty="0"/>
+              <a:t>最初由</a:t>
+            </a:r>
+            <a:r>
+              <a:rPr lang="en-US" altLang="zh-CN" dirty="0"/>
+              <a:t>Bjarne </a:t>
+            </a:r>
+            <a:r>
+              <a:rPr lang="en-US" altLang="zh-CN" dirty="0" err="1"/>
+              <a:t>Stroustrup</a:t>
+            </a:r>
+            <a:r>
+              <a:rPr lang="zh-CN" altLang="zh-CN" dirty="0"/>
+              <a:t>于</a:t>
+            </a:r>
+            <a:r>
+              <a:rPr lang="en-US" altLang="zh-CN" dirty="0"/>
+              <a:t>1979</a:t>
+            </a:r>
+            <a:r>
+              <a:rPr lang="zh-CN" altLang="zh-CN" dirty="0"/>
+              <a:t>年在贝尔实验室开发，旨在扩展</a:t>
+            </a:r>
+            <a:r>
+              <a:rPr lang="en-US" altLang="zh-CN" dirty="0"/>
+              <a:t>C</a:t>
+            </a:r>
+            <a:r>
+              <a:rPr lang="zh-CN" altLang="zh-CN" dirty="0"/>
+              <a:t>语言以</a:t>
+            </a:r>
+            <a:r>
+              <a:rPr lang="zh-CN" altLang="zh-CN" dirty="0" smtClean="0"/>
+              <a:t>支持</a:t>
             </a:r>
             <a:r>
               <a:rPr lang="en-US" altLang="zh-CN" dirty="0" smtClean="0"/>
-              <a:t>delete</a:t>
-            </a:r>
-            <a:r>
-              <a:rPr lang="zh-CN" altLang="en-US" dirty="0" smtClean="0"/>
-              <a:t>、</a:t>
+              <a:t>	</a:t>
+            </a:r>
+            <a:r>
+              <a:rPr lang="zh-CN" altLang="zh-CN" dirty="0" smtClean="0"/>
+              <a:t>面向对象</a:t>
+            </a:r>
+            <a:r>
+              <a:rPr lang="zh-CN" altLang="zh-CN" dirty="0"/>
+              <a:t>编程。它兼具面向过程和面向对象的特性，广泛应用于系统软件、应用</a:t>
+            </a:r>
+            <a:r>
+              <a:rPr lang="zh-CN" altLang="zh-CN" dirty="0" smtClean="0"/>
+              <a:t>程</a:t>
             </a:r>
             <a:r>
               <a:rPr lang="en-US" altLang="zh-CN" dirty="0" smtClean="0"/>
-              <a:t>new[]</a:t>
-            </a:r>
-            <a:r>
-              <a:rPr lang="zh-CN" altLang="en-US" dirty="0" smtClean="0"/>
-              <a:t>、</a:t>
-            </a:r>
+              <a:t>	</a:t>
+            </a:r>
+            <a:r>
+              <a:rPr lang="zh-CN" altLang="zh-CN" dirty="0" smtClean="0"/>
+              <a:t>序</a:t>
+            </a:r>
+            <a:r>
+              <a:rPr lang="zh-CN" altLang="zh-CN" dirty="0"/>
+              <a:t>、游戏开发、嵌入式系统等多个领域</a:t>
+            </a:r>
+            <a:r>
+              <a:rPr lang="zh-CN" altLang="zh-CN" dirty="0" smtClean="0"/>
+              <a:t>。</a:t>
+            </a:r>
+            <a:endParaRPr lang="en-US" altLang="zh-CN" dirty="0" smtClean="0"/>
+          </a:p>
+          <a:p>
+            <a:r>
+              <a:rPr lang="en-US" altLang="zh-CN" b="1" dirty="0"/>
+              <a:t>C++</a:t>
+            </a:r>
+            <a:r>
+              <a:rPr lang="zh-CN" altLang="zh-CN" b="1" dirty="0"/>
+              <a:t>与</a:t>
+            </a:r>
+            <a:r>
+              <a:rPr lang="en-US" altLang="zh-CN" b="1" dirty="0"/>
+              <a:t>C</a:t>
+            </a:r>
+            <a:r>
+              <a:rPr lang="zh-CN" altLang="zh-CN" b="1" dirty="0"/>
+              <a:t>语言的区别</a:t>
+            </a:r>
+          </a:p>
+          <a:p>
+            <a:pPr lvl="1"/>
             <a:r>
               <a:rPr lang="en-US" altLang="zh-CN" dirty="0" smtClean="0"/>
-              <a:t>delete[]</a:t>
-            </a:r>
-            <a:r>
-              <a:rPr lang="zh-CN" altLang="en-US" dirty="0" smtClean="0"/>
-              <a:t>。</a:t>
-            </a:r>
-          </a:p>
-          <a:p>
-            <a:r>
-              <a:rPr lang="zh-CN" altLang="en-US" dirty="0" smtClean="0"/>
-              <a:t>内存泄漏与指针悬挂：避免内存泄漏，指针的安全使用。</a:t>
-            </a:r>
+              <a:t>C++</a:t>
+            </a:r>
+            <a:r>
+              <a:rPr lang="zh-CN" altLang="zh-CN" dirty="0" smtClean="0"/>
+              <a:t>比</a:t>
+            </a:r>
+            <a:r>
+              <a:rPr lang="en-US" altLang="zh-CN" dirty="0" smtClean="0"/>
+              <a:t>C</a:t>
+            </a:r>
+            <a:r>
+              <a:rPr lang="zh-CN" altLang="zh-CN" dirty="0" smtClean="0"/>
+              <a:t>语言在面向对象编程（</a:t>
+            </a:r>
+            <a:r>
+              <a:rPr lang="en-US" altLang="zh-CN" dirty="0" smtClean="0"/>
+              <a:t>OOP</a:t>
+            </a:r>
+            <a:r>
+              <a:rPr lang="zh-CN" altLang="zh-CN" dirty="0" smtClean="0"/>
+              <a:t>）方面做了大量扩展。以下是主要的区别：</a:t>
+            </a:r>
+          </a:p>
+          <a:p>
+            <a:pPr lvl="1"/>
+            <a:r>
+              <a:rPr lang="zh-CN" altLang="zh-CN" b="1" dirty="0" smtClean="0"/>
+              <a:t>面向对象</a:t>
+            </a:r>
+            <a:r>
+              <a:rPr lang="zh-CN" altLang="zh-CN" dirty="0" smtClean="0"/>
+              <a:t>：</a:t>
+            </a:r>
+            <a:r>
+              <a:rPr lang="en-US" altLang="zh-CN" dirty="0" smtClean="0"/>
+              <a:t>C++</a:t>
+            </a:r>
+            <a:r>
+              <a:rPr lang="zh-CN" altLang="zh-CN" dirty="0" smtClean="0"/>
+              <a:t>引入了类（</a:t>
+            </a:r>
+            <a:r>
+              <a:rPr lang="en-US" altLang="zh-CN" dirty="0" smtClean="0"/>
+              <a:t>Class</a:t>
+            </a:r>
+            <a:r>
+              <a:rPr lang="zh-CN" altLang="zh-CN" dirty="0" smtClean="0"/>
+              <a:t>）和对象（</a:t>
+            </a:r>
+            <a:r>
+              <a:rPr lang="en-US" altLang="zh-CN" dirty="0" smtClean="0"/>
+              <a:t>Object</a:t>
+            </a:r>
+            <a:r>
+              <a:rPr lang="zh-CN" altLang="zh-CN" dirty="0" smtClean="0"/>
+              <a:t>）的概念，支持封装、继承和多态。</a:t>
+            </a:r>
+          </a:p>
+          <a:p>
+            <a:pPr lvl="1"/>
+            <a:r>
+              <a:rPr lang="zh-CN" altLang="zh-CN" b="1" dirty="0" smtClean="0"/>
+              <a:t>构造函数与析构函数</a:t>
+            </a:r>
+            <a:r>
+              <a:rPr lang="zh-CN" altLang="zh-CN" dirty="0" smtClean="0"/>
+              <a:t>：</a:t>
+            </a:r>
+            <a:r>
+              <a:rPr lang="en-US" altLang="zh-CN" dirty="0" smtClean="0"/>
+              <a:t>C++</a:t>
+            </a:r>
+            <a:r>
+              <a:rPr lang="zh-CN" altLang="zh-CN" dirty="0" smtClean="0"/>
+              <a:t>引入了构造函数和析构函数，用于对象的初始化与销毁。</a:t>
+            </a:r>
+          </a:p>
+          <a:p>
+            <a:pPr lvl="1"/>
+            <a:r>
+              <a:rPr lang="zh-CN" altLang="zh-CN" b="1" dirty="0" smtClean="0"/>
+              <a:t>函数重载</a:t>
+            </a:r>
+            <a:r>
+              <a:rPr lang="zh-CN" altLang="zh-CN" dirty="0" smtClean="0"/>
+              <a:t>：</a:t>
+            </a:r>
+            <a:r>
+              <a:rPr lang="en-US" altLang="zh-CN" dirty="0" smtClean="0"/>
+              <a:t>C++</a:t>
+            </a:r>
+            <a:r>
+              <a:rPr lang="zh-CN" altLang="zh-CN" dirty="0" smtClean="0"/>
+              <a:t>允许函数名重载，可以根据参数类型或数量来选择不同的函数实现。</a:t>
+            </a:r>
+          </a:p>
+          <a:p>
+            <a:pPr marL="0" indent="0">
+              <a:buNone/>
+            </a:pPr>
+            <a:endParaRPr lang="zh-CN" altLang="zh-CN" dirty="0"/>
+          </a:p>
+          <a:p>
             <a:endParaRPr lang="zh-CN" altLang="en-US" dirty="0"/>
           </a:p>
         </p:txBody>
@@ -9222,20 +10880,13 @@
     </p:spTree>
     <p:extLst>
       <p:ext uri="{BB962C8B-B14F-4D97-AF65-F5344CB8AC3E}">
-        <p14:creationId xmlns:p14="http://schemas.microsoft.com/office/powerpoint/2010/main" val="3183063327"/>
+        <p14:creationId xmlns:p14="http://schemas.microsoft.com/office/powerpoint/2010/main" val="2881265208"/>
       </p:ext>
     </p:extLst>
   </p:cSld>
   <p:clrMapOvr>
     <a:masterClrMapping/>
   </p:clrMapOvr>
-  <p:timing>
-    <p:tnLst>
-      <p:par>
-        <p:cTn id="1" dur="indefinite" restart="never" nodeType="tmRoot"/>
-      </p:par>
-    </p:tnLst>
-  </p:timing>
 </p:sld>
 </file>
 
@@ -9272,184 +10923,334 @@
           <a:lstStyle/>
           <a:p>
             <a:r>
-              <a:rPr lang="zh-CN" altLang="en-US" b="1" dirty="0" smtClean="0">
-                <a:latin typeface="华文楷体" pitchFamily="2" charset="-122"/>
-                <a:ea typeface="华文楷体" pitchFamily="2" charset="-122"/>
-              </a:rPr>
-              <a:t>第</a:t>
-            </a:r>
-            <a:r>
-              <a:rPr lang="en-US" altLang="zh-CN" b="1" dirty="0" smtClean="0">
-                <a:latin typeface="华文楷体" pitchFamily="2" charset="-122"/>
-                <a:ea typeface="华文楷体" pitchFamily="2" charset="-122"/>
-              </a:rPr>
-              <a:t>6</a:t>
-            </a:r>
-            <a:r>
-              <a:rPr lang="zh-CN" altLang="en-US" b="1" dirty="0" smtClean="0">
-                <a:latin typeface="华文楷体" pitchFamily="2" charset="-122"/>
-                <a:ea typeface="华文楷体" pitchFamily="2" charset="-122"/>
-              </a:rPr>
-              <a:t>章  </a:t>
-            </a:r>
-            <a:r>
-              <a:rPr lang="en-US" altLang="zh-CN" b="1" dirty="0">
-                <a:latin typeface="华文楷体" pitchFamily="2" charset="-122"/>
-                <a:ea typeface="华文楷体" pitchFamily="2" charset="-122"/>
-              </a:rPr>
-              <a:t>STL</a:t>
-            </a:r>
-            <a:r>
-              <a:rPr lang="zh-CN" altLang="en-US" b="1" dirty="0">
-                <a:latin typeface="华文楷体" pitchFamily="2" charset="-122"/>
-                <a:ea typeface="华文楷体" pitchFamily="2" charset="-122"/>
-              </a:rPr>
-              <a:t>（标准模板库）</a:t>
-            </a:r>
+              <a:rPr lang="zh-CN" altLang="en-US" dirty="0"/>
+              <a:t>最简单的</a:t>
+            </a:r>
+            <a:r>
+              <a:rPr lang="en-US" altLang="zh-CN" dirty="0" smtClean="0"/>
+              <a:t>C++</a:t>
+            </a:r>
+            <a:r>
+              <a:rPr lang="zh-CN" altLang="en-US" dirty="0" smtClean="0"/>
+              <a:t>语言</a:t>
+            </a:r>
+            <a:r>
+              <a:rPr lang="zh-CN" altLang="en-US" dirty="0"/>
+              <a:t>程序</a:t>
+            </a:r>
+          </a:p>
+        </p:txBody>
+      </p:sp>
+      <p:sp>
+        <p:nvSpPr>
+          <p:cNvPr id="3" name="内容占位符 2"/>
+          <p:cNvSpPr>
+            <a:spLocks noGrp="1"/>
+          </p:cNvSpPr>
+          <p:nvPr>
+            <p:ph idx="1"/>
+          </p:nvPr>
+        </p:nvSpPr>
+        <p:spPr/>
+        <p:txBody>
+          <a:bodyPr>
+            <a:normAutofit fontScale="85000" lnSpcReduction="20000"/>
+          </a:bodyPr>
+          <a:lstStyle/>
+          <a:p>
+            <a:pPr marL="0" indent="0">
+              <a:buNone/>
+            </a:pPr>
+            <a:r>
+              <a:rPr lang="en-US" altLang="zh-CN" dirty="0"/>
+              <a:t>#include &lt;</a:t>
+            </a:r>
+            <a:r>
+              <a:rPr lang="en-US" altLang="zh-CN" dirty="0" err="1"/>
+              <a:t>iostream</a:t>
+            </a:r>
+            <a:r>
+              <a:rPr lang="en-US" altLang="zh-CN" dirty="0"/>
+              <a:t>&gt; // </a:t>
+            </a:r>
+            <a:r>
+              <a:rPr lang="zh-CN" altLang="en-US" dirty="0"/>
+              <a:t>引入输入输出流库</a:t>
+            </a:r>
+          </a:p>
+          <a:p>
+            <a:pPr marL="0" indent="0">
+              <a:buNone/>
+            </a:pPr>
             <a:endParaRPr lang="zh-CN" altLang="en-US" dirty="0"/>
           </a:p>
-        </p:txBody>
-      </p:sp>
-      <p:sp>
-        <p:nvSpPr>
-          <p:cNvPr id="3" name="内容占位符 2"/>
-          <p:cNvSpPr>
-            <a:spLocks noGrp="1"/>
-          </p:cNvSpPr>
-          <p:nvPr>
-            <p:ph idx="1"/>
-          </p:nvPr>
-        </p:nvSpPr>
-        <p:spPr/>
-        <p:txBody>
-          <a:bodyPr/>
-          <a:lstStyle/>
-          <a:p>
+          <a:p>
+            <a:pPr marL="0" indent="0">
+              <a:buNone/>
+            </a:pPr>
+            <a:r>
+              <a:rPr lang="en-US" altLang="zh-CN" dirty="0" err="1"/>
+              <a:t>int</a:t>
+            </a:r>
             <a:r>
               <a:rPr lang="en-US" altLang="zh-CN" dirty="0"/>
-              <a:t>STL</a:t>
-            </a:r>
-            <a:r>
-              <a:rPr lang="zh-CN" altLang="en-US" dirty="0"/>
-              <a:t>概述：</a:t>
-            </a:r>
+              <a:t> main() {</a:t>
+            </a:r>
+          </a:p>
+          <a:p>
+            <a:pPr marL="0" indent="0">
+              <a:buNone/>
+            </a:pPr>
             <a:r>
               <a:rPr lang="en-US" altLang="zh-CN" dirty="0"/>
-              <a:t>STL</a:t>
-            </a:r>
-            <a:r>
-              <a:rPr lang="zh-CN" altLang="en-US" dirty="0"/>
-              <a:t>的组成部分（容器、算法、迭代器）。</a:t>
-            </a:r>
-          </a:p>
-          <a:p>
-            <a:r>
-              <a:rPr lang="zh-CN" altLang="en-US" dirty="0"/>
-              <a:t>容器：</a:t>
+              <a:t>    // </a:t>
+            </a:r>
+            <a:r>
+              <a:rPr lang="zh-CN" altLang="en-US" dirty="0"/>
+              <a:t>输出 </a:t>
             </a:r>
             <a:r>
               <a:rPr lang="en-US" altLang="zh-CN" dirty="0"/>
-              <a:t>vector</a:t>
-            </a:r>
-            <a:r>
-              <a:rPr lang="zh-CN" altLang="en-US" dirty="0"/>
-              <a:t>、</a:t>
+              <a:t>"Hello, World!" </a:t>
+            </a:r>
+            <a:r>
+              <a:rPr lang="zh-CN" altLang="en-US" dirty="0"/>
+              <a:t>到控制台</a:t>
+            </a:r>
+          </a:p>
+          <a:p>
+            <a:pPr marL="0" indent="0">
+              <a:buNone/>
+            </a:pPr>
+            <a:r>
+              <a:rPr lang="zh-CN" altLang="en-US" dirty="0"/>
+              <a:t>    </a:t>
+            </a:r>
+            <a:r>
+              <a:rPr lang="en-US" altLang="zh-CN" dirty="0" err="1"/>
+              <a:t>std</a:t>
             </a:r>
             <a:r>
               <a:rPr lang="en-US" altLang="zh-CN" dirty="0"/>
-              <a:t>list</a:t>
-            </a:r>
-            <a:r>
-              <a:rPr lang="zh-CN" altLang="en-US" dirty="0"/>
-              <a:t>、</a:t>
+              <a:t>::</a:t>
+            </a:r>
+            <a:r>
+              <a:rPr lang="en-US" altLang="zh-CN" dirty="0" err="1"/>
+              <a:t>cout</a:t>
             </a:r>
             <a:r>
               <a:rPr lang="en-US" altLang="zh-CN" dirty="0"/>
-              <a:t>map</a:t>
-            </a:r>
-            <a:r>
-              <a:rPr lang="zh-CN" altLang="en-US" dirty="0"/>
-              <a:t>、</a:t>
+              <a:t> &lt;&lt; "Hello, World!" &lt;&lt; </a:t>
+            </a:r>
+            <a:r>
+              <a:rPr lang="en-US" altLang="zh-CN" dirty="0" err="1"/>
+              <a:t>std</a:t>
             </a:r>
             <a:r>
               <a:rPr lang="en-US" altLang="zh-CN" dirty="0"/>
-              <a:t>set</a:t>
-            </a:r>
-            <a:r>
-              <a:rPr lang="zh-CN" altLang="en-US" dirty="0"/>
-              <a:t>、</a:t>
+              <a:t>::</a:t>
             </a:r>
             <a:r>
               <a:rPr lang="en-US" altLang="zh-CN" dirty="0" err="1"/>
-              <a:t>deque</a:t>
-            </a:r>
-            <a:r>
-              <a:rPr lang="zh-CN" altLang="en-US" dirty="0"/>
-              <a:t>等。</a:t>
-            </a:r>
-          </a:p>
-          <a:p>
-            <a:r>
-              <a:rPr lang="zh-CN" altLang="en-US" dirty="0"/>
-              <a:t>算法：排序、查找、删除、替换等常用算法。</a:t>
-            </a:r>
-          </a:p>
-          <a:p>
-            <a:r>
-              <a:rPr lang="zh-CN" altLang="en-US" dirty="0"/>
-              <a:t>迭代器：容器的迭代器使用方法。</a:t>
-            </a:r>
-          </a:p>
-          <a:p>
-            <a:r>
-              <a:rPr lang="zh-CN" altLang="en-US" dirty="0"/>
-              <a:t>智能指针：</a:t>
+              <a:t>endl</a:t>
+            </a:r>
+            <a:r>
+              <a:rPr lang="en-US" altLang="zh-CN" dirty="0"/>
+              <a:t>;</a:t>
+            </a:r>
+          </a:p>
+          <a:p>
+            <a:pPr marL="0" indent="0">
+              <a:buNone/>
+            </a:pPr>
+            <a:r>
+              <a:rPr lang="en-US" altLang="zh-CN" dirty="0"/>
+              <a:t>    return 0; // </a:t>
+            </a:r>
+            <a:r>
+              <a:rPr lang="zh-CN" altLang="en-US" dirty="0"/>
+              <a:t>返回 </a:t>
+            </a:r>
+            <a:r>
+              <a:rPr lang="en-US" altLang="zh-CN" dirty="0"/>
+              <a:t>0</a:t>
+            </a:r>
+            <a:r>
+              <a:rPr lang="zh-CN" altLang="en-US" dirty="0"/>
+              <a:t>，表示程序成功结束</a:t>
+            </a:r>
+          </a:p>
+          <a:p>
+            <a:pPr marL="0" indent="0">
+              <a:buNone/>
+            </a:pPr>
+            <a:r>
+              <a:rPr lang="en-US" altLang="zh-CN" dirty="0" smtClean="0"/>
+              <a:t>}</a:t>
+            </a:r>
+          </a:p>
+          <a:p>
+            <a:pPr marL="0" indent="0">
+              <a:buNone/>
+            </a:pPr>
+            <a:endParaRPr lang="en-US" altLang="zh-CN" dirty="0"/>
+          </a:p>
+          <a:p>
+            <a:pPr marL="0" indent="0">
+              <a:buNone/>
+            </a:pPr>
+            <a:r>
+              <a:rPr lang="en-US" altLang="zh-CN" dirty="0"/>
+              <a:t>#include &lt;</a:t>
             </a:r>
             <a:r>
               <a:rPr lang="en-US" altLang="zh-CN" dirty="0" err="1"/>
-              <a:t>shared_ptr</a:t>
-            </a:r>
-            <a:r>
-              <a:rPr lang="zh-CN" altLang="en-US" dirty="0"/>
-              <a:t>、</a:t>
+              <a:t>iostream</a:t>
+            </a:r>
+            <a:r>
+              <a:rPr lang="en-US" altLang="zh-CN" dirty="0"/>
+              <a:t>&gt;</a:t>
+            </a:r>
+            <a:r>
+              <a:rPr lang="zh-CN" altLang="en-US" dirty="0"/>
+              <a:t>：引入</a:t>
+            </a:r>
+            <a:r>
+              <a:rPr lang="en-US" altLang="zh-CN" dirty="0"/>
+              <a:t>C++</a:t>
+            </a:r>
+            <a:r>
+              <a:rPr lang="zh-CN" altLang="en-US" dirty="0"/>
+              <a:t>标准库中的输入输出流库，允许程序使用</a:t>
             </a:r>
             <a:r>
               <a:rPr lang="en-US" altLang="zh-CN" dirty="0" err="1"/>
-              <a:t>unique_ptr</a:t>
-            </a:r>
-            <a:r>
-              <a:rPr lang="zh-CN" altLang="en-US" dirty="0"/>
-              <a:t>、</a:t>
+              <a:t>std</a:t>
+            </a:r>
+            <a:r>
+              <a:rPr lang="en-US" altLang="zh-CN" dirty="0"/>
+              <a:t>::</a:t>
             </a:r>
             <a:r>
               <a:rPr lang="en-US" altLang="zh-CN" dirty="0" err="1"/>
-              <a:t>weak_ptr</a:t>
-            </a:r>
-            <a:r>
-              <a:rPr lang="zh-CN" altLang="en-US" dirty="0"/>
-              <a:t>。</a:t>
-            </a:r>
-            <a:endParaRPr lang="zh-CN" altLang="en-US" dirty="0"/>
+              <a:t>cout</a:t>
+            </a:r>
+            <a:r>
+              <a:rPr lang="zh-CN" altLang="en-US" dirty="0"/>
+              <a:t>来输出文本。</a:t>
+            </a:r>
+          </a:p>
+          <a:p>
+            <a:pPr marL="0" indent="0">
+              <a:buNone/>
+            </a:pPr>
+            <a:r>
+              <a:rPr lang="en-US" altLang="zh-CN" dirty="0" err="1"/>
+              <a:t>int</a:t>
+            </a:r>
+            <a:r>
+              <a:rPr lang="en-US" altLang="zh-CN" dirty="0"/>
+              <a:t> main()</a:t>
+            </a:r>
+            <a:r>
+              <a:rPr lang="zh-CN" altLang="en-US" dirty="0"/>
+              <a:t>：</a:t>
+            </a:r>
+            <a:r>
+              <a:rPr lang="en-US" altLang="zh-CN" dirty="0"/>
+              <a:t>C++</a:t>
+            </a:r>
+            <a:r>
+              <a:rPr lang="zh-CN" altLang="en-US" dirty="0"/>
+              <a:t>程序的入口点，所有的</a:t>
+            </a:r>
+            <a:r>
+              <a:rPr lang="en-US" altLang="zh-CN" dirty="0"/>
+              <a:t>C++</a:t>
+            </a:r>
+            <a:r>
+              <a:rPr lang="zh-CN" altLang="en-US" dirty="0"/>
+              <a:t>程序都从</a:t>
+            </a:r>
+            <a:r>
+              <a:rPr lang="en-US" altLang="zh-CN" dirty="0"/>
+              <a:t>main</a:t>
+            </a:r>
+            <a:r>
+              <a:rPr lang="zh-CN" altLang="en-US" dirty="0"/>
+              <a:t>函数开始执行。</a:t>
+            </a:r>
+          </a:p>
+          <a:p>
+            <a:pPr marL="0" indent="0">
+              <a:buNone/>
+            </a:pPr>
+            <a:r>
+              <a:rPr lang="en-US" altLang="zh-CN" dirty="0" err="1"/>
+              <a:t>std</a:t>
+            </a:r>
+            <a:r>
+              <a:rPr lang="en-US" altLang="zh-CN" dirty="0"/>
+              <a:t>::</a:t>
+            </a:r>
+            <a:r>
+              <a:rPr lang="en-US" altLang="zh-CN" dirty="0" err="1"/>
+              <a:t>cout</a:t>
+            </a:r>
+            <a:r>
+              <a:rPr lang="zh-CN" altLang="en-US" dirty="0"/>
+              <a:t>：用于输出数据到控制台的对象。</a:t>
+            </a:r>
+            <a:r>
+              <a:rPr lang="en-US" altLang="zh-CN" dirty="0" err="1"/>
+              <a:t>std</a:t>
+            </a:r>
+            <a:r>
+              <a:rPr lang="en-US" altLang="zh-CN" dirty="0"/>
+              <a:t>::</a:t>
+            </a:r>
+            <a:r>
+              <a:rPr lang="en-US" altLang="zh-CN" dirty="0" err="1"/>
+              <a:t>endl</a:t>
+            </a:r>
+            <a:r>
+              <a:rPr lang="zh-CN" altLang="en-US" dirty="0"/>
+              <a:t>用于输出换行符。</a:t>
+            </a:r>
+          </a:p>
+          <a:p>
+            <a:pPr marL="0" indent="0">
+              <a:buNone/>
+            </a:pPr>
+            <a:r>
+              <a:rPr lang="en-US" altLang="zh-CN" dirty="0"/>
+              <a:t>return 0;</a:t>
+            </a:r>
+            <a:r>
+              <a:rPr lang="zh-CN" altLang="en-US" dirty="0"/>
+              <a:t>：返回</a:t>
+            </a:r>
+            <a:r>
+              <a:rPr lang="en-US" altLang="zh-CN" dirty="0"/>
+              <a:t>0</a:t>
+            </a:r>
+            <a:r>
+              <a:rPr lang="zh-CN" altLang="en-US" dirty="0"/>
+              <a:t>表示程序成功运行。</a:t>
+            </a:r>
           </a:p>
         </p:txBody>
       </p:sp>
     </p:spTree>
     <p:extLst>
       <p:ext uri="{BB962C8B-B14F-4D97-AF65-F5344CB8AC3E}">
-        <p14:creationId xmlns:p14="http://schemas.microsoft.com/office/powerpoint/2010/main" val="201415056"/>
+        <p14:creationId xmlns:p14="http://schemas.microsoft.com/office/powerpoint/2010/main" val="3060536385"/>
       </p:ext>
     </p:extLst>
   </p:cSld>
   <p:clrMapOvr>
     <a:masterClrMapping/>
   </p:clrMapOvr>
-  <p:timing>
-    <p:tnLst>
-      <p:par>
-        <p:cTn id="1" dur="indefinite" restart="never" nodeType="tmRoot"/>
-      </p:par>
-    </p:tnLst>
-  </p:timing>
 </p:sld>
 </file>
 
@@ -9482,74 +11283,70 @@
         </p:nvSpPr>
         <p:spPr/>
         <p:txBody>
+          <a:bodyPr>
+            <a:normAutofit fontScale="90000"/>
+          </a:bodyPr>
+          <a:lstStyle/>
+          <a:p>
+            <a:r>
+              <a:rPr lang="en-US" altLang="zh-CN" b="1" dirty="0" smtClean="0"/>
+              <a:t>1.3 </a:t>
+            </a:r>
+            <a:r>
+              <a:rPr lang="zh-CN" altLang="zh-CN" b="1" dirty="0"/>
+              <a:t>开发环境</a:t>
+            </a:r>
+            <a:br>
+              <a:rPr lang="zh-CN" altLang="zh-CN" b="1" dirty="0"/>
+            </a:br>
+            <a:r>
+              <a:rPr lang="zh-CN" altLang="zh-CN" b="1" dirty="0"/>
+              <a:t/>
+            </a:r>
+            <a:br>
+              <a:rPr lang="zh-CN" altLang="zh-CN" b="1" dirty="0"/>
+            </a:br>
+            <a:endParaRPr lang="zh-CN" altLang="en-US" dirty="0"/>
+          </a:p>
+        </p:txBody>
+      </p:sp>
+      <p:sp>
+        <p:nvSpPr>
+          <p:cNvPr id="3" name="内容占位符 2"/>
+          <p:cNvSpPr>
+            <a:spLocks noGrp="1"/>
+          </p:cNvSpPr>
+          <p:nvPr>
+            <p:ph idx="1"/>
+          </p:nvPr>
+        </p:nvSpPr>
+        <p:spPr/>
+        <p:txBody>
           <a:bodyPr/>
           <a:lstStyle/>
           <a:p>
             <a:r>
-              <a:rPr lang="zh-CN" altLang="en-US" b="1" dirty="0" smtClean="0">
-                <a:latin typeface="华文楷体" pitchFamily="2" charset="-122"/>
-                <a:ea typeface="华文楷体" pitchFamily="2" charset="-122"/>
-              </a:rPr>
-              <a:t>第</a:t>
-            </a:r>
-            <a:r>
-              <a:rPr lang="en-US" altLang="zh-CN" b="1" dirty="0" smtClean="0">
-                <a:latin typeface="华文楷体" pitchFamily="2" charset="-122"/>
-                <a:ea typeface="华文楷体" pitchFamily="2" charset="-122"/>
-              </a:rPr>
-              <a:t>7</a:t>
-            </a:r>
-            <a:r>
-              <a:rPr lang="zh-CN" altLang="en-US" b="1" dirty="0">
-                <a:latin typeface="华文楷体" pitchFamily="2" charset="-122"/>
-                <a:ea typeface="华文楷体" pitchFamily="2" charset="-122"/>
-              </a:rPr>
-              <a:t>章异常处理</a:t>
-            </a:r>
-            <a:endParaRPr lang="zh-CN" altLang="en-US" dirty="0"/>
-          </a:p>
-        </p:txBody>
-      </p:sp>
-      <p:sp>
-        <p:nvSpPr>
-          <p:cNvPr id="3" name="内容占位符 2"/>
-          <p:cNvSpPr>
-            <a:spLocks noGrp="1"/>
-          </p:cNvSpPr>
-          <p:nvPr>
-            <p:ph idx="1"/>
-          </p:nvPr>
-        </p:nvSpPr>
-        <p:spPr/>
-        <p:txBody>
-          <a:bodyPr/>
-          <a:lstStyle/>
-          <a:p>
-            <a:r>
-              <a:rPr lang="zh-CN" altLang="en-US" dirty="0"/>
-              <a:t>异常概念：异常的定义、捕获、抛出。</a:t>
-            </a:r>
-          </a:p>
-          <a:p>
-            <a:r>
               <a:rPr lang="en-US" altLang="zh-CN" dirty="0"/>
-              <a:t>try-catch</a:t>
-            </a:r>
-            <a:r>
-              <a:rPr lang="zh-CN" altLang="en-US" dirty="0"/>
-              <a:t>语句：基本语法、捕获多种异常。</a:t>
-            </a:r>
-          </a:p>
-          <a:p>
-            <a:r>
-              <a:rPr lang="zh-CN" altLang="en-US" dirty="0"/>
-              <a:t>自定义异常类：如何创建自定义异常类型。</a:t>
-            </a:r>
-          </a:p>
-          <a:p>
-            <a:r>
-              <a:rPr lang="zh-CN" altLang="en-US" dirty="0"/>
-              <a:t>异常安全：异常安全的编程原则（基本保证、强保证）。</a:t>
+              <a:t>C++</a:t>
+            </a:r>
+            <a:r>
+              <a:rPr lang="zh-CN" altLang="zh-CN" dirty="0"/>
+              <a:t>的编译</a:t>
+            </a:r>
+            <a:r>
+              <a:rPr lang="zh-CN" altLang="zh-CN" dirty="0" smtClean="0"/>
+              <a:t>过程</a:t>
+            </a:r>
+            <a:endParaRPr lang="en-US" altLang="zh-CN" dirty="0" smtClean="0"/>
+          </a:p>
+          <a:p>
+            <a:r>
+              <a:rPr lang="en-US" altLang="zh-CN" dirty="0"/>
+              <a:t>C++</a:t>
+            </a:r>
+            <a:r>
+              <a:rPr lang="zh-CN" altLang="zh-CN" dirty="0"/>
+              <a:t>开发环境</a:t>
             </a:r>
             <a:endParaRPr lang="zh-CN" altLang="en-US" dirty="0"/>
           </a:p>
@@ -9558,20 +11355,13 @@
     </p:spTree>
     <p:extLst>
       <p:ext uri="{BB962C8B-B14F-4D97-AF65-F5344CB8AC3E}">
-        <p14:creationId xmlns:p14="http://schemas.microsoft.com/office/powerpoint/2010/main" val="2102593440"/>
+        <p14:creationId xmlns:p14="http://schemas.microsoft.com/office/powerpoint/2010/main" val="3987127715"/>
       </p:ext>
     </p:extLst>
   </p:cSld>
   <p:clrMapOvr>
     <a:masterClrMapping/>
   </p:clrMapOvr>
-  <p:timing>
-    <p:tnLst>
-      <p:par>
-        <p:cTn id="1" dur="indefinite" restart="never" nodeType="tmRoot"/>
-      </p:par>
-    </p:tnLst>
-  </p:timing>
 </p:sld>
 </file>
 
@@ -9608,26 +11398,20 @@
           <a:lstStyle/>
           <a:p>
             <a:r>
-              <a:rPr lang="zh-CN" altLang="en-US" b="1" dirty="0" smtClean="0">
-                <a:latin typeface="华文楷体" pitchFamily="2" charset="-122"/>
-                <a:ea typeface="华文楷体" pitchFamily="2" charset="-122"/>
-              </a:rPr>
-              <a:t>第</a:t>
-            </a:r>
-            <a:r>
-              <a:rPr lang="en-US" altLang="zh-CN" b="1" dirty="0" smtClean="0">
-                <a:latin typeface="华文楷体" pitchFamily="2" charset="-122"/>
-                <a:ea typeface="华文楷体" pitchFamily="2" charset="-122"/>
-              </a:rPr>
-              <a:t>8</a:t>
-            </a:r>
-            <a:r>
-              <a:rPr lang="zh-CN" altLang="en-US" b="1" dirty="0">
-                <a:latin typeface="华文楷体" pitchFamily="2" charset="-122"/>
-                <a:ea typeface="华文楷体" pitchFamily="2" charset="-122"/>
-              </a:rPr>
-              <a:t>章文件操作</a:t>
-            </a:r>
+              <a:rPr lang="en-US" altLang="zh-CN" b="1" dirty="0"/>
+              <a:t>C++</a:t>
+            </a:r>
+            <a:r>
+              <a:rPr lang="zh-CN" altLang="zh-CN" b="1" dirty="0"/>
+              <a:t>的编译过程</a:t>
+            </a:r>
+            <a:r>
+              <a:rPr lang="en-US" altLang="zh-CN" dirty="0"/>
+              <a:t/>
+            </a:r>
+            <a:br>
+              <a:rPr lang="en-US" altLang="zh-CN" dirty="0"/>
+            </a:br>
             <a:endParaRPr lang="zh-CN" altLang="en-US" dirty="0"/>
           </a:p>
         </p:txBody>
@@ -9648,82 +11432,106 @@
           <a:lstStyle/>
           <a:p>
             <a:r>
-              <a:rPr lang="zh-CN" altLang="en-US" dirty="0"/>
-              <a:t>文件输入输出：使用</a:t>
+              <a:rPr lang="en-US" altLang="zh-CN" dirty="0"/>
+              <a:t>C++</a:t>
+            </a:r>
+            <a:r>
+              <a:rPr lang="zh-CN" altLang="en-US" dirty="0"/>
+              <a:t>的编译过程通常包括以下几个步骤：</a:t>
+            </a:r>
+          </a:p>
+          <a:p>
+            <a:pPr lvl="1"/>
+            <a:r>
+              <a:rPr lang="en-US" altLang="zh-CN" dirty="0"/>
+              <a:t>1.	</a:t>
+            </a:r>
+            <a:r>
+              <a:rPr lang="zh-CN" altLang="en-US" dirty="0"/>
+              <a:t>预处理：编译器将源代码中的预处理指令（如</a:t>
+            </a:r>
+            <a:r>
+              <a:rPr lang="en-US" altLang="zh-CN" dirty="0"/>
+              <a:t>#include</a:t>
+            </a:r>
+            <a:r>
+              <a:rPr lang="zh-CN" altLang="en-US" dirty="0"/>
+              <a:t>、</a:t>
+            </a:r>
+            <a:r>
+              <a:rPr lang="en-US" altLang="zh-CN" dirty="0"/>
+              <a:t>#define</a:t>
+            </a:r>
+            <a:r>
+              <a:rPr lang="zh-CN" altLang="en-US" dirty="0"/>
+              <a:t>等）进行处理，生成一个预处理后的代码文件。</a:t>
+            </a:r>
+          </a:p>
+          <a:p>
+            <a:pPr lvl="1"/>
+            <a:r>
+              <a:rPr lang="en-US" altLang="zh-CN" dirty="0"/>
+              <a:t>2.	</a:t>
+            </a:r>
+            <a:r>
+              <a:rPr lang="zh-CN" altLang="en-US" dirty="0"/>
+              <a:t>编译：预处理后的代码被编译器转换为汇编语言，生成目标文件（</a:t>
+            </a:r>
+            <a:r>
+              <a:rPr lang="en-US" altLang="zh-CN" dirty="0"/>
+              <a:t>.o</a:t>
+            </a:r>
+            <a:r>
+              <a:rPr lang="zh-CN" altLang="en-US" dirty="0"/>
+              <a:t>或</a:t>
+            </a:r>
+            <a:r>
+              <a:rPr lang="en-US" altLang="zh-CN" dirty="0"/>
+              <a:t>.</a:t>
             </a:r>
             <a:r>
               <a:rPr lang="en-US" altLang="zh-CN" dirty="0" err="1"/>
-              <a:t>fstream</a:t>
-            </a:r>
-            <a:r>
-              <a:rPr lang="zh-CN" altLang="en-US" dirty="0"/>
-              <a:t>进行文件读写。</a:t>
-            </a:r>
-          </a:p>
-          <a:p>
-            <a:r>
-              <a:rPr lang="zh-CN" altLang="en-US" dirty="0"/>
-              <a:t>文本文件与二进制文件：处理文本文件和二进制文件的不同方式。</a:t>
-            </a:r>
-          </a:p>
-          <a:p>
-            <a:r>
-              <a:rPr lang="zh-CN" altLang="en-US" dirty="0"/>
-              <a:t>文件指针与流控制：</a:t>
-            </a:r>
-            <a:r>
-              <a:rPr lang="en-US" altLang="zh-CN" dirty="0" err="1"/>
-              <a:t>seekg</a:t>
-            </a:r>
-            <a:r>
-              <a:rPr lang="zh-CN" altLang="en-US" dirty="0"/>
-              <a:t>、</a:t>
-            </a:r>
-            <a:r>
-              <a:rPr lang="en-US" altLang="zh-CN" dirty="0" err="1"/>
-              <a:t>seekp</a:t>
-            </a:r>
-            <a:r>
-              <a:rPr lang="zh-CN" altLang="en-US" dirty="0"/>
-              <a:t>、</a:t>
-            </a:r>
-            <a:r>
-              <a:rPr lang="en-US" altLang="zh-CN" dirty="0" err="1"/>
-              <a:t>tellg</a:t>
-            </a:r>
-            <a:r>
-              <a:rPr lang="zh-CN" altLang="en-US" dirty="0"/>
-              <a:t>、</a:t>
-            </a:r>
-            <a:r>
-              <a:rPr lang="en-US" altLang="zh-CN" dirty="0" err="1"/>
-              <a:t>tellp</a:t>
-            </a:r>
-            <a:r>
-              <a:rPr lang="zh-CN" altLang="en-US" dirty="0"/>
-              <a:t>。</a:t>
-            </a:r>
-            <a:endParaRPr lang="zh-CN" altLang="en-US" dirty="0"/>
+              <a:t>obj</a:t>
+            </a:r>
+            <a:r>
+              <a:rPr lang="zh-CN" altLang="en-US" dirty="0"/>
+              <a:t>）。</a:t>
+            </a:r>
+          </a:p>
+          <a:p>
+            <a:pPr lvl="1"/>
+            <a:r>
+              <a:rPr lang="en-US" altLang="zh-CN" dirty="0"/>
+              <a:t>3.	</a:t>
+            </a:r>
+            <a:r>
+              <a:rPr lang="zh-CN" altLang="en-US" dirty="0"/>
+              <a:t>链接：链接器将目标文件和库文件合并，生成可执行文件。</a:t>
+            </a:r>
+          </a:p>
+          <a:p>
+            <a:pPr lvl="1"/>
+            <a:r>
+              <a:rPr lang="en-US" altLang="zh-CN" dirty="0"/>
+              <a:t>4.	</a:t>
+            </a:r>
+            <a:r>
+              <a:rPr lang="zh-CN" altLang="en-US" dirty="0"/>
+              <a:t>执行：执行生成的可执行文件。</a:t>
+            </a:r>
           </a:p>
         </p:txBody>
       </p:sp>
     </p:spTree>
     <p:extLst>
       <p:ext uri="{BB962C8B-B14F-4D97-AF65-F5344CB8AC3E}">
-        <p14:creationId xmlns:p14="http://schemas.microsoft.com/office/powerpoint/2010/main" val="2309702231"/>
+        <p14:creationId xmlns:p14="http://schemas.microsoft.com/office/powerpoint/2010/main" val="1203553544"/>
       </p:ext>
     </p:extLst>
   </p:cSld>
   <p:clrMapOvr>
     <a:masterClrMapping/>
   </p:clrMapOvr>
-  <p:timing>
-    <p:tnLst>
-      <p:par>
-        <p:cTn id="1" dur="indefinite" restart="never" nodeType="tmRoot"/>
-      </p:par>
-    </p:tnLst>
-  </p:timing>
 </p:sld>
 </file>
 

--- a/learn_cpp/docs/C++语言培训.pptx
+++ b/learn_cpp/docs/C++语言培训.pptx
@@ -10,24 +10,26 @@
     <p:sldId id="274" r:id="rId4"/>
     <p:sldId id="275" r:id="rId5"/>
     <p:sldId id="276" r:id="rId6"/>
-    <p:sldId id="269" r:id="rId7"/>
-    <p:sldId id="279" r:id="rId8"/>
-    <p:sldId id="270" r:id="rId9"/>
-    <p:sldId id="271" r:id="rId10"/>
-    <p:sldId id="278" r:id="rId11"/>
-    <p:sldId id="272" r:id="rId12"/>
-    <p:sldId id="277" r:id="rId13"/>
-    <p:sldId id="258" r:id="rId14"/>
-    <p:sldId id="259" r:id="rId15"/>
-    <p:sldId id="260" r:id="rId16"/>
-    <p:sldId id="261" r:id="rId17"/>
-    <p:sldId id="262" r:id="rId18"/>
-    <p:sldId id="263" r:id="rId19"/>
-    <p:sldId id="264" r:id="rId20"/>
-    <p:sldId id="265" r:id="rId21"/>
-    <p:sldId id="266" r:id="rId22"/>
-    <p:sldId id="267" r:id="rId23"/>
-    <p:sldId id="268" r:id="rId24"/>
+    <p:sldId id="281" r:id="rId7"/>
+    <p:sldId id="280" r:id="rId8"/>
+    <p:sldId id="269" r:id="rId9"/>
+    <p:sldId id="279" r:id="rId10"/>
+    <p:sldId id="270" r:id="rId11"/>
+    <p:sldId id="271" r:id="rId12"/>
+    <p:sldId id="278" r:id="rId13"/>
+    <p:sldId id="272" r:id="rId14"/>
+    <p:sldId id="277" r:id="rId15"/>
+    <p:sldId id="258" r:id="rId16"/>
+    <p:sldId id="259" r:id="rId17"/>
+    <p:sldId id="260" r:id="rId18"/>
+    <p:sldId id="261" r:id="rId19"/>
+    <p:sldId id="262" r:id="rId20"/>
+    <p:sldId id="263" r:id="rId21"/>
+    <p:sldId id="264" r:id="rId22"/>
+    <p:sldId id="265" r:id="rId23"/>
+    <p:sldId id="266" r:id="rId24"/>
+    <p:sldId id="267" r:id="rId25"/>
+    <p:sldId id="268" r:id="rId26"/>
   </p:sldIdLst>
   <p:sldSz cx="12192000" cy="6858000"/>
   <p:notesSz cx="6858000" cy="9144000"/>
@@ -323,7 +325,7 @@
             <a:fld id="{B61BEF0D-F0BB-DE4B-95CE-6DB70DBA9567}" type="datetimeFigureOut">
               <a:rPr lang="en-US" dirty="0"/>
               <a:pPr/>
-              <a:t>2/24/2025</a:t>
+              <a:t>2/25/2025</a:t>
             </a:fld>
             <a:endParaRPr lang="en-US" dirty="0"/>
           </a:p>
@@ -658,7 +660,7 @@
             <a:fld id="{B61BEF0D-F0BB-DE4B-95CE-6DB70DBA9567}" type="datetimeFigureOut">
               <a:rPr lang="en-US" dirty="0"/>
               <a:pPr/>
-              <a:t>2/24/2025</a:t>
+              <a:t>2/25/2025</a:t>
             </a:fld>
             <a:endParaRPr lang="en-US" dirty="0"/>
           </a:p>
@@ -1056,7 +1058,7 @@
             <a:fld id="{B61BEF0D-F0BB-DE4B-95CE-6DB70DBA9567}" type="datetimeFigureOut">
               <a:rPr lang="en-US" dirty="0"/>
               <a:pPr/>
-              <a:t>2/24/2025</a:t>
+              <a:t>2/25/2025</a:t>
             </a:fld>
             <a:endParaRPr lang="en-US" dirty="0"/>
           </a:p>
@@ -1389,7 +1391,7 @@
             <a:fld id="{B61BEF0D-F0BB-DE4B-95CE-6DB70DBA9567}" type="datetimeFigureOut">
               <a:rPr lang="en-US" dirty="0"/>
               <a:pPr/>
-              <a:t>2/24/2025</a:t>
+              <a:t>2/25/2025</a:t>
             </a:fld>
             <a:endParaRPr lang="en-US" dirty="0"/>
           </a:p>
@@ -1706,7 +1708,7 @@
             <a:fld id="{B61BEF0D-F0BB-DE4B-95CE-6DB70DBA9567}" type="datetimeFigureOut">
               <a:rPr lang="en-US" dirty="0"/>
               <a:pPr/>
-              <a:t>2/24/2025</a:t>
+              <a:t>2/25/2025</a:t>
             </a:fld>
             <a:endParaRPr lang="en-US" dirty="0"/>
           </a:p>
@@ -2099,7 +2101,7 @@
             <a:fld id="{B61BEF0D-F0BB-DE4B-95CE-6DB70DBA9567}" type="datetimeFigureOut">
               <a:rPr lang="en-US" dirty="0"/>
               <a:pPr/>
-              <a:t>2/24/2025</a:t>
+              <a:t>2/25/2025</a:t>
             </a:fld>
             <a:endParaRPr lang="en-US" dirty="0"/>
           </a:p>
@@ -2353,7 +2355,7 @@
             <a:fld id="{B61BEF0D-F0BB-DE4B-95CE-6DB70DBA9567}" type="datetimeFigureOut">
               <a:rPr lang="en-US" dirty="0"/>
               <a:pPr/>
-              <a:t>2/24/2025</a:t>
+              <a:t>2/25/2025</a:t>
             </a:fld>
             <a:endParaRPr lang="en-US" dirty="0"/>
           </a:p>
@@ -2612,7 +2614,7 @@
             <a:fld id="{B61BEF0D-F0BB-DE4B-95CE-6DB70DBA9567}" type="datetimeFigureOut">
               <a:rPr lang="en-US" dirty="0"/>
               <a:pPr/>
-              <a:t>2/24/2025</a:t>
+              <a:t>2/25/2025</a:t>
             </a:fld>
             <a:endParaRPr lang="en-US" dirty="0"/>
           </a:p>
@@ -2871,7 +2873,7 @@
             <a:fld id="{B61BEF0D-F0BB-DE4B-95CE-6DB70DBA9567}" type="datetimeFigureOut">
               <a:rPr lang="en-US" dirty="0"/>
               <a:pPr/>
-              <a:t>2/24/2025</a:t>
+              <a:t>2/25/2025</a:t>
             </a:fld>
             <a:endParaRPr lang="en-US" dirty="0"/>
           </a:p>
@@ -3197,7 +3199,7 @@
             <a:fld id="{B61BEF0D-F0BB-DE4B-95CE-6DB70DBA9567}" type="datetimeFigureOut">
               <a:rPr lang="en-US" dirty="0"/>
               <a:pPr/>
-              <a:t>2/24/2025</a:t>
+              <a:t>2/25/2025</a:t>
             </a:fld>
             <a:endParaRPr lang="en-US" dirty="0"/>
           </a:p>
@@ -3517,7 +3519,7 @@
             <a:fld id="{B61BEF0D-F0BB-DE4B-95CE-6DB70DBA9567}" type="datetimeFigureOut">
               <a:rPr lang="en-US" dirty="0"/>
               <a:pPr/>
-              <a:t>2/24/2025</a:t>
+              <a:t>2/25/2025</a:t>
             </a:fld>
             <a:endParaRPr lang="en-US" dirty="0"/>
           </a:p>
@@ -4000,7 +4002,7 @@
             <a:fld id="{B61BEF0D-F0BB-DE4B-95CE-6DB70DBA9567}" type="datetimeFigureOut">
               <a:rPr lang="en-US" dirty="0"/>
               <a:pPr/>
-              <a:t>2/24/2025</a:t>
+              <a:t>2/25/2025</a:t>
             </a:fld>
             <a:endParaRPr lang="en-US" dirty="0"/>
           </a:p>
@@ -4202,7 +4204,7 @@
             <a:fld id="{B61BEF0D-F0BB-DE4B-95CE-6DB70DBA9567}" type="datetimeFigureOut">
               <a:rPr lang="en-US" dirty="0"/>
               <a:pPr/>
-              <a:t>2/24/2025</a:t>
+              <a:t>2/25/2025</a:t>
             </a:fld>
             <a:endParaRPr lang="en-US" dirty="0"/>
           </a:p>
@@ -4376,7 +4378,7 @@
             <a:fld id="{B61BEF0D-F0BB-DE4B-95CE-6DB70DBA9567}" type="datetimeFigureOut">
               <a:rPr lang="en-US" dirty="0"/>
               <a:pPr/>
-              <a:t>2/24/2025</a:t>
+              <a:t>2/25/2025</a:t>
             </a:fld>
             <a:endParaRPr lang="en-US" dirty="0"/>
           </a:p>
@@ -4706,7 +4708,7 @@
             <a:fld id="{B61BEF0D-F0BB-DE4B-95CE-6DB70DBA9567}" type="datetimeFigureOut">
               <a:rPr lang="en-US" dirty="0"/>
               <a:pPr/>
-              <a:t>2/24/2025</a:t>
+              <a:t>2/25/2025</a:t>
             </a:fld>
             <a:endParaRPr lang="en-US" dirty="0"/>
           </a:p>
@@ -5048,7 +5050,7 @@
             <a:fld id="{B61BEF0D-F0BB-DE4B-95CE-6DB70DBA9567}" type="datetimeFigureOut">
               <a:rPr lang="en-US" dirty="0"/>
               <a:pPr/>
-              <a:t>2/24/2025</a:t>
+              <a:t>2/25/2025</a:t>
             </a:fld>
             <a:endParaRPr lang="en-US" dirty="0"/>
           </a:p>
@@ -7162,7 +7164,7 @@
             <a:fld id="{B61BEF0D-F0BB-DE4B-95CE-6DB70DBA9567}" type="datetimeFigureOut">
               <a:rPr lang="en-US" dirty="0"/>
               <a:pPr/>
-              <a:t>2/24/2025</a:t>
+              <a:t>2/25/2025</a:t>
             </a:fld>
             <a:endParaRPr lang="en-US" dirty="0"/>
           </a:p>
@@ -7771,6 +7773,301 @@
         </p:nvSpPr>
         <p:spPr/>
         <p:txBody>
+          <a:bodyPr>
+            <a:normAutofit fontScale="90000"/>
+          </a:bodyPr>
+          <a:lstStyle/>
+          <a:p>
+            <a:r>
+              <a:rPr lang="en-US" altLang="zh-CN" b="1" dirty="0" smtClean="0"/>
+              <a:t>1.3 </a:t>
+            </a:r>
+            <a:r>
+              <a:rPr lang="zh-CN" altLang="zh-CN" b="1" dirty="0"/>
+              <a:t>开发环境</a:t>
+            </a:r>
+            <a:br>
+              <a:rPr lang="zh-CN" altLang="zh-CN" b="1" dirty="0"/>
+            </a:br>
+            <a:r>
+              <a:rPr lang="zh-CN" altLang="zh-CN" b="1" dirty="0"/>
+              <a:t/>
+            </a:r>
+            <a:br>
+              <a:rPr lang="zh-CN" altLang="zh-CN" b="1" dirty="0"/>
+            </a:br>
+            <a:endParaRPr lang="zh-CN" altLang="en-US" dirty="0"/>
+          </a:p>
+        </p:txBody>
+      </p:sp>
+      <p:sp>
+        <p:nvSpPr>
+          <p:cNvPr id="3" name="内容占位符 2"/>
+          <p:cNvSpPr>
+            <a:spLocks noGrp="1"/>
+          </p:cNvSpPr>
+          <p:nvPr>
+            <p:ph idx="1"/>
+          </p:nvPr>
+        </p:nvSpPr>
+        <p:spPr/>
+        <p:txBody>
+          <a:bodyPr/>
+          <a:lstStyle/>
+          <a:p>
+            <a:r>
+              <a:rPr lang="en-US" altLang="zh-CN" dirty="0"/>
+              <a:t>C++</a:t>
+            </a:r>
+            <a:r>
+              <a:rPr lang="zh-CN" altLang="zh-CN" dirty="0"/>
+              <a:t>的编译</a:t>
+            </a:r>
+            <a:r>
+              <a:rPr lang="zh-CN" altLang="zh-CN" dirty="0" smtClean="0"/>
+              <a:t>过程</a:t>
+            </a:r>
+            <a:endParaRPr lang="en-US" altLang="zh-CN" dirty="0" smtClean="0"/>
+          </a:p>
+          <a:p>
+            <a:r>
+              <a:rPr lang="en-US" altLang="zh-CN" dirty="0"/>
+              <a:t>C++</a:t>
+            </a:r>
+            <a:r>
+              <a:rPr lang="zh-CN" altLang="zh-CN" dirty="0"/>
+              <a:t>开发环境</a:t>
+            </a:r>
+            <a:endParaRPr lang="zh-CN" altLang="en-US" dirty="0"/>
+          </a:p>
+        </p:txBody>
+      </p:sp>
+    </p:spTree>
+    <p:extLst>
+      <p:ext uri="{BB962C8B-B14F-4D97-AF65-F5344CB8AC3E}">
+        <p14:creationId xmlns:p14="http://schemas.microsoft.com/office/powerpoint/2010/main" val="3987127715"/>
+      </p:ext>
+    </p:extLst>
+  </p:cSld>
+  <p:clrMapOvr>
+    <a:masterClrMapping/>
+  </p:clrMapOvr>
+  <p:timing>
+    <p:tnLst>
+      <p:par>
+        <p:cTn id="1" dur="indefinite" restart="never" nodeType="tmRoot"/>
+      </p:par>
+    </p:tnLst>
+  </p:timing>
+</p:sld>
+</file>
+
+<file path=ppt/slides/slide11.xml><?xml version="1.0" encoding="utf-8"?>
+<p:sld xmlns:a="http://schemas.openxmlformats.org/drawingml/2006/main" xmlns:r="http://schemas.openxmlformats.org/officeDocument/2006/relationships" xmlns:p="http://schemas.openxmlformats.org/presentationml/2006/main">
+  <p:cSld>
+    <p:spTree>
+      <p:nvGrpSpPr>
+        <p:cNvPr id="1" name=""/>
+        <p:cNvGrpSpPr/>
+        <p:nvPr/>
+      </p:nvGrpSpPr>
+      <p:grpSpPr>
+        <a:xfrm>
+          <a:off x="0" y="0"/>
+          <a:ext cx="0" cy="0"/>
+          <a:chOff x="0" y="0"/>
+          <a:chExt cx="0" cy="0"/>
+        </a:xfrm>
+      </p:grpSpPr>
+      <p:sp>
+        <p:nvSpPr>
+          <p:cNvPr id="2" name="标题 1"/>
+          <p:cNvSpPr>
+            <a:spLocks noGrp="1"/>
+          </p:cNvSpPr>
+          <p:nvPr>
+            <p:ph type="title"/>
+          </p:nvPr>
+        </p:nvSpPr>
+        <p:spPr/>
+        <p:txBody>
+          <a:bodyPr/>
+          <a:lstStyle/>
+          <a:p>
+            <a:r>
+              <a:rPr lang="en-US" altLang="zh-CN" b="1" dirty="0"/>
+              <a:t>C++</a:t>
+            </a:r>
+            <a:r>
+              <a:rPr lang="zh-CN" altLang="zh-CN" b="1" dirty="0"/>
+              <a:t>的编译过程</a:t>
+            </a:r>
+            <a:r>
+              <a:rPr lang="en-US" altLang="zh-CN" dirty="0"/>
+              <a:t/>
+            </a:r>
+            <a:br>
+              <a:rPr lang="en-US" altLang="zh-CN" dirty="0"/>
+            </a:br>
+            <a:endParaRPr lang="zh-CN" altLang="en-US" dirty="0"/>
+          </a:p>
+        </p:txBody>
+      </p:sp>
+      <p:sp>
+        <p:nvSpPr>
+          <p:cNvPr id="3" name="内容占位符 2"/>
+          <p:cNvSpPr>
+            <a:spLocks noGrp="1"/>
+          </p:cNvSpPr>
+          <p:nvPr>
+            <p:ph idx="1"/>
+          </p:nvPr>
+        </p:nvSpPr>
+        <p:spPr/>
+        <p:txBody>
+          <a:bodyPr/>
+          <a:lstStyle/>
+          <a:p>
+            <a:r>
+              <a:rPr lang="en-US" altLang="zh-CN" dirty="0"/>
+              <a:t>C++</a:t>
+            </a:r>
+            <a:r>
+              <a:rPr lang="zh-CN" altLang="en-US" dirty="0"/>
+              <a:t>的编译过程通常包括以下几个步骤：</a:t>
+            </a:r>
+          </a:p>
+          <a:p>
+            <a:pPr lvl="1"/>
+            <a:r>
+              <a:rPr lang="en-US" altLang="zh-CN" dirty="0"/>
+              <a:t>1.	</a:t>
+            </a:r>
+            <a:r>
+              <a:rPr lang="zh-CN" altLang="en-US" dirty="0"/>
+              <a:t>预处理：编译器将源代码中的预处理指令（如</a:t>
+            </a:r>
+            <a:r>
+              <a:rPr lang="en-US" altLang="zh-CN" dirty="0"/>
+              <a:t>#include</a:t>
+            </a:r>
+            <a:r>
+              <a:rPr lang="zh-CN" altLang="en-US" dirty="0"/>
+              <a:t>、</a:t>
+            </a:r>
+            <a:r>
+              <a:rPr lang="en-US" altLang="zh-CN" dirty="0"/>
+              <a:t>#define</a:t>
+            </a:r>
+            <a:r>
+              <a:rPr lang="zh-CN" altLang="en-US" dirty="0"/>
+              <a:t>等）进行处理，生成一个预处理后的代码文件。</a:t>
+            </a:r>
+          </a:p>
+          <a:p>
+            <a:pPr lvl="1"/>
+            <a:r>
+              <a:rPr lang="en-US" altLang="zh-CN" dirty="0"/>
+              <a:t>2.	</a:t>
+            </a:r>
+            <a:r>
+              <a:rPr lang="zh-CN" altLang="en-US" dirty="0"/>
+              <a:t>编译：预处理后的代码被编译器转换为汇编语言，生成目标文件（</a:t>
+            </a:r>
+            <a:r>
+              <a:rPr lang="en-US" altLang="zh-CN" dirty="0"/>
+              <a:t>.o</a:t>
+            </a:r>
+            <a:r>
+              <a:rPr lang="zh-CN" altLang="en-US" dirty="0"/>
+              <a:t>或</a:t>
+            </a:r>
+            <a:r>
+              <a:rPr lang="en-US" altLang="zh-CN" dirty="0"/>
+              <a:t>.</a:t>
+            </a:r>
+            <a:r>
+              <a:rPr lang="en-US" altLang="zh-CN" dirty="0" err="1"/>
+              <a:t>obj</a:t>
+            </a:r>
+            <a:r>
+              <a:rPr lang="zh-CN" altLang="en-US" dirty="0"/>
+              <a:t>）。</a:t>
+            </a:r>
+          </a:p>
+          <a:p>
+            <a:pPr lvl="1"/>
+            <a:r>
+              <a:rPr lang="en-US" altLang="zh-CN" dirty="0"/>
+              <a:t>3.	</a:t>
+            </a:r>
+            <a:r>
+              <a:rPr lang="zh-CN" altLang="en-US" dirty="0"/>
+              <a:t>链接：链接器将目标文件和库文件合并，生成可执行文件。</a:t>
+            </a:r>
+          </a:p>
+          <a:p>
+            <a:pPr lvl="1"/>
+            <a:r>
+              <a:rPr lang="en-US" altLang="zh-CN" dirty="0"/>
+              <a:t>4.	</a:t>
+            </a:r>
+            <a:r>
+              <a:rPr lang="zh-CN" altLang="en-US" dirty="0"/>
+              <a:t>执行：执行生成的可执行文件。</a:t>
+            </a:r>
+          </a:p>
+        </p:txBody>
+      </p:sp>
+    </p:spTree>
+    <p:extLst>
+      <p:ext uri="{BB962C8B-B14F-4D97-AF65-F5344CB8AC3E}">
+        <p14:creationId xmlns:p14="http://schemas.microsoft.com/office/powerpoint/2010/main" val="1203553544"/>
+      </p:ext>
+    </p:extLst>
+  </p:cSld>
+  <p:clrMapOvr>
+    <a:masterClrMapping/>
+  </p:clrMapOvr>
+  <p:timing>
+    <p:tnLst>
+      <p:par>
+        <p:cTn id="1" dur="indefinite" restart="never" nodeType="tmRoot"/>
+      </p:par>
+    </p:tnLst>
+  </p:timing>
+</p:sld>
+</file>
+
+<file path=ppt/slides/slide12.xml><?xml version="1.0" encoding="utf-8"?>
+<p:sld xmlns:a="http://schemas.openxmlformats.org/drawingml/2006/main" xmlns:r="http://schemas.openxmlformats.org/officeDocument/2006/relationships" xmlns:p="http://schemas.openxmlformats.org/presentationml/2006/main">
+  <p:cSld>
+    <p:spTree>
+      <p:nvGrpSpPr>
+        <p:cNvPr id="1" name=""/>
+        <p:cNvGrpSpPr/>
+        <p:nvPr/>
+      </p:nvGrpSpPr>
+      <p:grpSpPr>
+        <a:xfrm>
+          <a:off x="0" y="0"/>
+          <a:ext cx="0" cy="0"/>
+          <a:chOff x="0" y="0"/>
+          <a:chExt cx="0" cy="0"/>
+        </a:xfrm>
+      </p:grpSpPr>
+      <p:sp>
+        <p:nvSpPr>
+          <p:cNvPr id="2" name="标题 1"/>
+          <p:cNvSpPr>
+            <a:spLocks noGrp="1"/>
+          </p:cNvSpPr>
+          <p:nvPr>
+            <p:ph type="title"/>
+          </p:nvPr>
+        </p:nvSpPr>
+        <p:spPr/>
+        <p:txBody>
           <a:bodyPr/>
           <a:lstStyle/>
           <a:p>
@@ -7826,357 +8123,13 @@
   <p:clrMapOvr>
     <a:masterClrMapping/>
   </p:clrMapOvr>
-</p:sld>
-</file>
-
-<file path=ppt/slides/slide11.xml><?xml version="1.0" encoding="utf-8"?>
-<p:sld xmlns:a="http://schemas.openxmlformats.org/drawingml/2006/main" xmlns:r="http://schemas.openxmlformats.org/officeDocument/2006/relationships" xmlns:p="http://schemas.openxmlformats.org/presentationml/2006/main">
-  <p:cSld>
-    <p:spTree>
-      <p:nvGrpSpPr>
-        <p:cNvPr id="1" name=""/>
-        <p:cNvGrpSpPr/>
-        <p:nvPr/>
-      </p:nvGrpSpPr>
-      <p:grpSpPr>
-        <a:xfrm>
-          <a:off x="0" y="0"/>
-          <a:ext cx="0" cy="0"/>
-          <a:chOff x="0" y="0"/>
-          <a:chExt cx="0" cy="0"/>
-        </a:xfrm>
-      </p:grpSpPr>
-      <p:sp>
-        <p:nvSpPr>
-          <p:cNvPr id="2" name="标题 1"/>
-          <p:cNvSpPr>
-            <a:spLocks noGrp="1"/>
-          </p:cNvSpPr>
-          <p:nvPr>
-            <p:ph type="title"/>
-          </p:nvPr>
-        </p:nvSpPr>
-        <p:spPr/>
-        <p:txBody>
-          <a:bodyPr/>
-          <a:lstStyle/>
-          <a:p>
-            <a:r>
-              <a:rPr lang="en-US" altLang="zh-CN" b="1" dirty="0"/>
-              <a:t>C++</a:t>
-            </a:r>
-            <a:r>
-              <a:rPr lang="zh-CN" altLang="zh-CN" b="1" dirty="0"/>
-              <a:t>开发环境</a:t>
-            </a:r>
-            <a:endParaRPr lang="zh-CN" altLang="en-US" b="1" dirty="0"/>
-          </a:p>
-        </p:txBody>
-      </p:sp>
-      <p:sp>
-        <p:nvSpPr>
-          <p:cNvPr id="3" name="内容占位符 2"/>
-          <p:cNvSpPr>
-            <a:spLocks noGrp="1"/>
-          </p:cNvSpPr>
-          <p:nvPr>
-            <p:ph idx="1"/>
-          </p:nvPr>
-        </p:nvSpPr>
-        <p:spPr/>
-        <p:txBody>
-          <a:bodyPr/>
-          <a:lstStyle/>
-          <a:p>
-            <a:r>
-              <a:rPr lang="zh-CN" altLang="en-US" dirty="0" smtClean="0"/>
-              <a:t>安装</a:t>
-            </a:r>
-            <a:r>
-              <a:rPr lang="en-US" altLang="zh-CN" dirty="0" err="1"/>
-              <a:t>Qt</a:t>
-            </a:r>
-            <a:r>
-              <a:rPr lang="en-US" altLang="zh-CN" dirty="0"/>
-              <a:t> IDE</a:t>
-            </a:r>
-            <a:r>
-              <a:rPr lang="zh-CN" altLang="en-US" dirty="0"/>
-              <a:t>：</a:t>
-            </a:r>
-          </a:p>
-          <a:p>
-            <a:r>
-              <a:rPr lang="zh-CN" altLang="en-US" dirty="0" smtClean="0"/>
-              <a:t>下载</a:t>
-            </a:r>
-            <a:r>
-              <a:rPr lang="zh-CN" altLang="en-US" dirty="0"/>
-              <a:t>并安装</a:t>
-            </a:r>
-            <a:r>
-              <a:rPr lang="en-US" altLang="zh-CN" dirty="0" err="1"/>
-              <a:t>Qt</a:t>
-            </a:r>
-            <a:r>
-              <a:rPr lang="zh-CN" altLang="en-US" dirty="0"/>
-              <a:t>。</a:t>
-            </a:r>
-          </a:p>
-          <a:p>
-            <a:pPr lvl="1"/>
-            <a:r>
-              <a:rPr lang="zh-CN" altLang="en-US" dirty="0" smtClean="0"/>
-              <a:t>打开</a:t>
-            </a:r>
-            <a:r>
-              <a:rPr lang="en-US" altLang="zh-CN" dirty="0" err="1"/>
-              <a:t>Qt</a:t>
-            </a:r>
-            <a:r>
-              <a:rPr lang="en-US" altLang="zh-CN" dirty="0"/>
-              <a:t> Creator</a:t>
-            </a:r>
-            <a:r>
-              <a:rPr lang="zh-CN" altLang="en-US" dirty="0"/>
-              <a:t>，创建一个新的</a:t>
-            </a:r>
-            <a:r>
-              <a:rPr lang="en-US" altLang="zh-CN" dirty="0"/>
-              <a:t>C++</a:t>
-            </a:r>
-            <a:r>
-              <a:rPr lang="zh-CN" altLang="en-US" dirty="0"/>
-              <a:t>项目。</a:t>
-            </a:r>
-          </a:p>
-          <a:p>
-            <a:pPr lvl="1"/>
-            <a:r>
-              <a:rPr lang="zh-CN" altLang="en-US" dirty="0" smtClean="0"/>
-              <a:t>配置</a:t>
-            </a:r>
-            <a:r>
-              <a:rPr lang="en-US" altLang="zh-CN" dirty="0" err="1"/>
-              <a:t>CMake</a:t>
-            </a:r>
-            <a:r>
-              <a:rPr lang="zh-CN" altLang="en-US" dirty="0"/>
-              <a:t>文件，确保</a:t>
-            </a:r>
-            <a:r>
-              <a:rPr lang="en-US" altLang="zh-CN" dirty="0" err="1"/>
-              <a:t>Qt</a:t>
-            </a:r>
-            <a:r>
-              <a:rPr lang="en-US" altLang="zh-CN" dirty="0"/>
-              <a:t> Creator</a:t>
-            </a:r>
-            <a:r>
-              <a:rPr lang="zh-CN" altLang="en-US" dirty="0"/>
-              <a:t>能够正确编译项目。</a:t>
-            </a:r>
-          </a:p>
-          <a:p>
-            <a:r>
-              <a:rPr lang="en-US" altLang="zh-CN" dirty="0" err="1" smtClean="0"/>
-              <a:t>CMake</a:t>
-            </a:r>
-            <a:r>
-              <a:rPr lang="zh-CN" altLang="en-US" dirty="0"/>
-              <a:t>配置： </a:t>
-            </a:r>
-            <a:endParaRPr lang="en-US" altLang="zh-CN" dirty="0"/>
-          </a:p>
-          <a:p>
-            <a:pPr lvl="1"/>
-            <a:r>
-              <a:rPr lang="en-US" altLang="zh-CN" dirty="0" smtClean="0"/>
-              <a:t>	</a:t>
-            </a:r>
-            <a:r>
-              <a:rPr lang="zh-CN" altLang="en-US" dirty="0" smtClean="0"/>
-              <a:t>使用</a:t>
-            </a:r>
-            <a:r>
-              <a:rPr lang="en-US" altLang="zh-CN" dirty="0" err="1"/>
-              <a:t>CMake</a:t>
-            </a:r>
-            <a:r>
-              <a:rPr lang="zh-CN" altLang="en-US" dirty="0"/>
-              <a:t>来管理项目构建，确保跨平台的可移植性</a:t>
-            </a:r>
-            <a:r>
-              <a:rPr lang="zh-CN" altLang="en-US" dirty="0" smtClean="0"/>
-              <a:t>。</a:t>
-            </a:r>
-            <a:endParaRPr lang="en-US" altLang="zh-CN" dirty="0" smtClean="0"/>
-          </a:p>
-          <a:p>
-            <a:pPr lvl="1"/>
-            <a:r>
-              <a:rPr lang="en-US" altLang="zh-CN" dirty="0"/>
-              <a:t>	</a:t>
-            </a:r>
-            <a:r>
-              <a:rPr lang="en-US" altLang="zh-CN" dirty="0" smtClean="0"/>
-              <a:t>CMakeLists.txt</a:t>
-            </a:r>
-            <a:r>
-              <a:rPr lang="zh-CN" altLang="en-US" dirty="0" smtClean="0"/>
-              <a:t>示例</a:t>
-            </a:r>
-            <a:endParaRPr lang="zh-CN" altLang="en-US" dirty="0"/>
-          </a:p>
-          <a:p>
-            <a:endParaRPr lang="zh-CN" altLang="en-US" dirty="0"/>
-          </a:p>
-        </p:txBody>
-      </p:sp>
-    </p:spTree>
-    <p:extLst>
-      <p:ext uri="{BB962C8B-B14F-4D97-AF65-F5344CB8AC3E}">
-        <p14:creationId xmlns:p14="http://schemas.microsoft.com/office/powerpoint/2010/main" val="784493637"/>
-      </p:ext>
-    </p:extLst>
-  </p:cSld>
-  <p:clrMapOvr>
-    <a:masterClrMapping/>
-  </p:clrMapOvr>
-</p:sld>
-</file>
-
-<file path=ppt/slides/slide12.xml><?xml version="1.0" encoding="utf-8"?>
-<p:sld xmlns:a="http://schemas.openxmlformats.org/drawingml/2006/main" xmlns:r="http://schemas.openxmlformats.org/officeDocument/2006/relationships" xmlns:p="http://schemas.openxmlformats.org/presentationml/2006/main">
-  <p:cSld>
-    <p:spTree>
-      <p:nvGrpSpPr>
-        <p:cNvPr id="1" name=""/>
-        <p:cNvGrpSpPr/>
-        <p:nvPr/>
-      </p:nvGrpSpPr>
-      <p:grpSpPr>
-        <a:xfrm>
-          <a:off x="0" y="0"/>
-          <a:ext cx="0" cy="0"/>
-          <a:chOff x="0" y="0"/>
-          <a:chExt cx="0" cy="0"/>
-        </a:xfrm>
-      </p:grpSpPr>
-      <p:sp>
-        <p:nvSpPr>
-          <p:cNvPr id="2" name="标题 1"/>
-          <p:cNvSpPr>
-            <a:spLocks noGrp="1"/>
-          </p:cNvSpPr>
-          <p:nvPr>
-            <p:ph type="title"/>
-          </p:nvPr>
-        </p:nvSpPr>
-        <p:spPr/>
-        <p:txBody>
-          <a:bodyPr/>
-          <a:lstStyle/>
-          <a:p>
-            <a:r>
-              <a:rPr lang="en-US" altLang="zh-CN" dirty="0" smtClean="0"/>
-              <a:t>1.4 </a:t>
-            </a:r>
-            <a:r>
-              <a:rPr lang="zh-CN" altLang="zh-CN" b="1" dirty="0"/>
-              <a:t>课后练习</a:t>
-            </a:r>
-            <a:endParaRPr lang="zh-CN" altLang="en-US" dirty="0"/>
-          </a:p>
-        </p:txBody>
-      </p:sp>
-      <p:sp>
-        <p:nvSpPr>
-          <p:cNvPr id="3" name="内容占位符 2"/>
-          <p:cNvSpPr>
-            <a:spLocks noGrp="1"/>
-          </p:cNvSpPr>
-          <p:nvPr>
-            <p:ph idx="1"/>
-          </p:nvPr>
-        </p:nvSpPr>
-        <p:spPr/>
-        <p:txBody>
-          <a:bodyPr/>
-          <a:lstStyle/>
-          <a:p>
-            <a:r>
-              <a:rPr lang="zh-CN" altLang="en-US" dirty="0" smtClean="0"/>
-              <a:t>安装</a:t>
-            </a:r>
-            <a:r>
-              <a:rPr lang="en-US" altLang="zh-CN" dirty="0" smtClean="0"/>
-              <a:t>QT</a:t>
-            </a:r>
-          </a:p>
-          <a:p>
-            <a:r>
-              <a:rPr lang="zh-CN" altLang="en-US" dirty="0"/>
-              <a:t>编写一个</a:t>
-            </a:r>
-            <a:r>
-              <a:rPr lang="en-US" altLang="zh-CN" dirty="0"/>
-              <a:t>C++</a:t>
-            </a:r>
-            <a:r>
-              <a:rPr lang="zh-CN" altLang="en-US" dirty="0"/>
-              <a:t>程序，输出以下内容到控制台</a:t>
-            </a:r>
-            <a:r>
-              <a:rPr lang="zh-CN" altLang="en-US" dirty="0" smtClean="0"/>
-              <a:t>：</a:t>
-            </a:r>
-            <a:endParaRPr lang="en-US" altLang="zh-CN" dirty="0" smtClean="0"/>
-          </a:p>
-          <a:p>
-            <a:pPr marL="0" indent="0">
-              <a:buNone/>
-            </a:pPr>
-            <a:r>
-              <a:rPr lang="en-US" altLang="zh-CN" dirty="0"/>
-              <a:t>	Hello, World!</a:t>
-            </a:r>
-          </a:p>
-          <a:p>
-            <a:pPr marL="0" indent="0">
-              <a:buNone/>
-            </a:pPr>
-            <a:r>
-              <a:rPr lang="en-US" altLang="zh-CN" smtClean="0"/>
-              <a:t>	Welcome </a:t>
-            </a:r>
-            <a:r>
-              <a:rPr lang="en-US" altLang="zh-CN"/>
-              <a:t>to C++ programming!</a:t>
-            </a:r>
-          </a:p>
-          <a:p>
-            <a:pPr marL="0" indent="0">
-              <a:buNone/>
-            </a:pPr>
-            <a:r>
-              <a:rPr lang="en-US" altLang="zh-CN" dirty="0"/>
-              <a:t>	</a:t>
-            </a:r>
-            <a:endParaRPr lang="zh-CN" altLang="en-US" dirty="0"/>
-          </a:p>
-        </p:txBody>
-      </p:sp>
-    </p:spTree>
-    <p:extLst>
-      <p:ext uri="{BB962C8B-B14F-4D97-AF65-F5344CB8AC3E}">
-        <p14:creationId xmlns:p14="http://schemas.microsoft.com/office/powerpoint/2010/main" val="1489805018"/>
-      </p:ext>
-    </p:extLst>
-  </p:cSld>
-  <p:clrMapOvr>
-    <a:masterClrMapping/>
-  </p:clrMapOvr>
+  <p:timing>
+    <p:tnLst>
+      <p:par>
+        <p:cTn id="1" dur="indefinite" restart="never" nodeType="tmRoot"/>
+      </p:par>
+    </p:tnLst>
+  </p:timing>
 </p:sld>
 </file>
 
@@ -8213,41 +8166,14 @@
           <a:lstStyle/>
           <a:p>
             <a:r>
-              <a:rPr lang="zh-CN" altLang="en-US" b="1" dirty="0" smtClean="0">
-                <a:latin typeface="华文楷体" pitchFamily="2" charset="-122"/>
-                <a:ea typeface="华文楷体" pitchFamily="2" charset="-122"/>
-              </a:rPr>
-              <a:t>第</a:t>
-            </a:r>
-            <a:r>
-              <a:rPr lang="en-US" altLang="zh-CN" b="1" dirty="0" smtClean="0">
-                <a:latin typeface="华文楷体" pitchFamily="2" charset="-122"/>
-                <a:ea typeface="华文楷体" pitchFamily="2" charset="-122"/>
-              </a:rPr>
-              <a:t>2</a:t>
-            </a:r>
-            <a:r>
-              <a:rPr lang="zh-CN" altLang="en-US" b="1" dirty="0" smtClean="0">
-                <a:latin typeface="华文楷体" pitchFamily="2" charset="-122"/>
-                <a:ea typeface="华文楷体" pitchFamily="2" charset="-122"/>
-              </a:rPr>
-              <a:t>章  </a:t>
-            </a:r>
-            <a:r>
-              <a:rPr lang="en-US" altLang="zh-CN" b="1" dirty="0">
-                <a:latin typeface="华文楷体" pitchFamily="2" charset="-122"/>
-                <a:ea typeface="华文楷体" pitchFamily="2" charset="-122"/>
-              </a:rPr>
+              <a:rPr lang="en-US" altLang="zh-CN" b="1" dirty="0"/>
               <a:t>C++</a:t>
             </a:r>
             <a:r>
-              <a:rPr lang="zh-CN" altLang="en-US" b="1" dirty="0">
-                <a:latin typeface="华文楷体" pitchFamily="2" charset="-122"/>
-                <a:ea typeface="华文楷体" pitchFamily="2" charset="-122"/>
-              </a:rPr>
-              <a:t>基础语法</a:t>
-            </a:r>
-            <a:endParaRPr lang="zh-CN" altLang="en-US" dirty="0"/>
+              <a:rPr lang="zh-CN" altLang="zh-CN" b="1" dirty="0"/>
+              <a:t>开发环境</a:t>
+            </a:r>
+            <a:endParaRPr lang="zh-CN" altLang="en-US" b="1" dirty="0"/>
           </a:p>
         </p:txBody>
       </p:sp>
@@ -8267,26 +8193,34 @@
           <a:lstStyle/>
           <a:p>
             <a:r>
-              <a:rPr lang="zh-CN" altLang="en-US" dirty="0"/>
-              <a:t>数据类型与变量：整数、浮点数、字符、布尔类型。</a:t>
-            </a:r>
-          </a:p>
-          <a:p>
-            <a:r>
-              <a:rPr lang="zh-CN" altLang="en-US" dirty="0"/>
-              <a:t>常量与枚举：常量、</a:t>
+              <a:rPr lang="zh-CN" altLang="en-US" dirty="0" smtClean="0"/>
+              <a:t>安装</a:t>
+            </a:r>
+            <a:r>
+              <a:rPr lang="en-US" altLang="zh-CN" dirty="0" err="1"/>
+              <a:t>Qt</a:t>
             </a:r>
             <a:r>
               <a:rPr lang="en-US" altLang="zh-CN" dirty="0"/>
-              <a:t>#define</a:t>
-            </a:r>
-            <a:r>
-              <a:rPr lang="zh-CN" altLang="en-US" dirty="0"/>
-              <a:t>、</a:t>
+              <a:t> IDE</a:t>
+            </a:r>
+            <a:r>
+              <a:rPr lang="zh-CN" altLang="en-US" dirty="0"/>
+              <a:t>：</a:t>
+            </a:r>
+          </a:p>
+          <a:p>
+            <a:r>
+              <a:rPr lang="zh-CN" altLang="en-US" dirty="0" smtClean="0"/>
+              <a:t>下载</a:t>
+            </a:r>
+            <a:r>
+              <a:rPr lang="zh-CN" altLang="en-US" dirty="0"/>
+              <a:t>并安装</a:t>
             </a:r>
             <a:r>
               <a:rPr lang="en-US" altLang="zh-CN" dirty="0" err="1"/>
-              <a:t>enum</a:t>
+              <a:t>Qt</a:t>
             </a:r>
             <a:r>
               <a:rPr lang="zh-CN" altLang="en-US" dirty="0"/>
@@ -8294,93 +8228,119 @@
             </a:r>
           </a:p>
           <a:p>
-            <a:r>
-              <a:rPr lang="zh-CN" altLang="en-US" dirty="0"/>
-              <a:t>运算符：算术运算符、关系运算符、逻辑运算符、位运算符、赋值运算符。</a:t>
-            </a:r>
-          </a:p>
-          <a:p>
-            <a:r>
-              <a:rPr lang="zh-CN" altLang="en-US" dirty="0"/>
-              <a:t>控制语句：条件语句（</a:t>
+            <a:pPr lvl="1"/>
+            <a:r>
+              <a:rPr lang="zh-CN" altLang="en-US" dirty="0" smtClean="0"/>
+              <a:t>打开</a:t>
+            </a:r>
+            <a:r>
+              <a:rPr lang="en-US" altLang="zh-CN" dirty="0" err="1"/>
+              <a:t>Qt</a:t>
             </a:r>
             <a:r>
               <a:rPr lang="en-US" altLang="zh-CN" dirty="0"/>
-              <a:t>if</a:t>
-            </a:r>
-            <a:r>
-              <a:rPr lang="zh-CN" altLang="en-US" dirty="0"/>
-              <a:t>、</a:t>
+              <a:t> Creator</a:t>
+            </a:r>
+            <a:r>
+              <a:rPr lang="zh-CN" altLang="en-US" dirty="0"/>
+              <a:t>，创建一个新的</a:t>
             </a:r>
             <a:r>
               <a:rPr lang="en-US" altLang="zh-CN" dirty="0"/>
-              <a:t>else</a:t>
-            </a:r>
-            <a:r>
-              <a:rPr lang="zh-CN" altLang="en-US" dirty="0"/>
-              <a:t>、</a:t>
+              <a:t>C++</a:t>
+            </a:r>
+            <a:r>
+              <a:rPr lang="zh-CN" altLang="en-US" dirty="0"/>
+              <a:t>项目。</a:t>
+            </a:r>
+          </a:p>
+          <a:p>
+            <a:pPr lvl="1"/>
+            <a:r>
+              <a:rPr lang="zh-CN" altLang="en-US" dirty="0" smtClean="0"/>
+              <a:t>配置</a:t>
+            </a:r>
+            <a:r>
+              <a:rPr lang="en-US" altLang="zh-CN" dirty="0" err="1"/>
+              <a:t>CMake</a:t>
+            </a:r>
+            <a:r>
+              <a:rPr lang="zh-CN" altLang="en-US" dirty="0"/>
+              <a:t>文件，确保</a:t>
+            </a:r>
+            <a:r>
+              <a:rPr lang="en-US" altLang="zh-CN" dirty="0" err="1"/>
+              <a:t>Qt</a:t>
             </a:r>
             <a:r>
               <a:rPr lang="en-US" altLang="zh-CN" dirty="0"/>
-              <a:t>switch</a:t>
-            </a:r>
-            <a:r>
-              <a:rPr lang="zh-CN" altLang="en-US" dirty="0"/>
-              <a:t>）、循环语句（</a:t>
-            </a:r>
+              <a:t> Creator</a:t>
+            </a:r>
+            <a:r>
+              <a:rPr lang="zh-CN" altLang="en-US" dirty="0"/>
+              <a:t>能够正确编译项目。</a:t>
+            </a:r>
+          </a:p>
+          <a:p>
+            <a:r>
+              <a:rPr lang="en-US" altLang="zh-CN" dirty="0" err="1" smtClean="0"/>
+              <a:t>CMake</a:t>
+            </a:r>
+            <a:r>
+              <a:rPr lang="zh-CN" altLang="en-US" dirty="0"/>
+              <a:t>配置： </a:t>
+            </a:r>
+            <a:endParaRPr lang="en-US" altLang="zh-CN" dirty="0"/>
+          </a:p>
+          <a:p>
+            <a:pPr lvl="1"/>
+            <a:r>
+              <a:rPr lang="en-US" altLang="zh-CN" dirty="0" smtClean="0"/>
+              <a:t>	</a:t>
+            </a:r>
+            <a:r>
+              <a:rPr lang="zh-CN" altLang="en-US" dirty="0" smtClean="0"/>
+              <a:t>使用</a:t>
+            </a:r>
+            <a:r>
+              <a:rPr lang="en-US" altLang="zh-CN" dirty="0" err="1"/>
+              <a:t>CMake</a:t>
+            </a:r>
+            <a:r>
+              <a:rPr lang="zh-CN" altLang="en-US" dirty="0"/>
+              <a:t>来管理项目构建，确保跨平台的可移植性</a:t>
+            </a:r>
+            <a:r>
+              <a:rPr lang="zh-CN" altLang="en-US" dirty="0" smtClean="0"/>
+              <a:t>。</a:t>
+            </a:r>
+            <a:endParaRPr lang="en-US" altLang="zh-CN" dirty="0" smtClean="0"/>
+          </a:p>
+          <a:p>
+            <a:pPr lvl="1"/>
             <a:r>
               <a:rPr lang="en-US" altLang="zh-CN" dirty="0"/>
-              <a:t>for</a:t>
-            </a:r>
-            <a:r>
-              <a:rPr lang="zh-CN" altLang="en-US" dirty="0"/>
-              <a:t>、</a:t>
-            </a:r>
-            <a:r>
-              <a:rPr lang="en-US" altLang="zh-CN" dirty="0"/>
-              <a:t>while</a:t>
-            </a:r>
-            <a:r>
-              <a:rPr lang="zh-CN" altLang="en-US" dirty="0"/>
-              <a:t>、</a:t>
-            </a:r>
-            <a:r>
-              <a:rPr lang="en-US" altLang="zh-CN" dirty="0"/>
-              <a:t>do-while</a:t>
-            </a:r>
-            <a:r>
-              <a:rPr lang="zh-CN" altLang="en-US" dirty="0"/>
-              <a:t>）。</a:t>
-            </a:r>
-          </a:p>
-          <a:p>
-            <a:r>
-              <a:rPr lang="zh-CN" altLang="en-US" dirty="0"/>
-              <a:t>输入与输出：使用</a:t>
-            </a:r>
-            <a:r>
-              <a:rPr lang="en-US" altLang="zh-CN" dirty="0" err="1"/>
-              <a:t>cin</a:t>
-            </a:r>
-            <a:r>
-              <a:rPr lang="zh-CN" altLang="en-US" dirty="0"/>
-              <a:t>和</a:t>
-            </a:r>
-            <a:r>
-              <a:rPr lang="en-US" altLang="zh-CN" dirty="0" err="1"/>
-              <a:t>cout</a:t>
-            </a:r>
-            <a:r>
-              <a:rPr lang="zh-CN" altLang="en-US" dirty="0"/>
-              <a:t>进行数据输入输出。</a:t>
-            </a:r>
+              <a:t>	</a:t>
+            </a:r>
+            <a:r>
+              <a:rPr lang="en-US" altLang="zh-CN" dirty="0" smtClean="0"/>
+              <a:t>CMakeLists.txt</a:t>
+            </a:r>
+            <a:r>
+              <a:rPr lang="zh-CN" altLang="en-US" dirty="0" smtClean="0"/>
+              <a:t>示例</a:t>
+            </a:r>
+            <a:endParaRPr lang="zh-CN" altLang="en-US" dirty="0"/>
+          </a:p>
+          <a:p>
+            <a:endParaRPr lang="zh-CN" altLang="en-US" dirty="0"/>
           </a:p>
         </p:txBody>
       </p:sp>
     </p:spTree>
     <p:extLst>
       <p:ext uri="{BB962C8B-B14F-4D97-AF65-F5344CB8AC3E}">
-        <p14:creationId xmlns:p14="http://schemas.microsoft.com/office/powerpoint/2010/main" val="444530801"/>
+        <p14:creationId xmlns:p14="http://schemas.microsoft.com/office/powerpoint/2010/main" val="784493637"/>
       </p:ext>
     </p:extLst>
   </p:cSld>
@@ -8430,25 +8390,12 @@
           <a:lstStyle/>
           <a:p>
             <a:r>
-              <a:rPr lang="zh-CN" altLang="en-US" b="1" dirty="0" smtClean="0">
-                <a:latin typeface="华文楷体" pitchFamily="2" charset="-122"/>
-                <a:ea typeface="华文楷体" pitchFamily="2" charset="-122"/>
-              </a:rPr>
-              <a:t>第</a:t>
-            </a:r>
-            <a:r>
-              <a:rPr lang="en-US" altLang="zh-CN" b="1" dirty="0" smtClean="0">
-                <a:latin typeface="华文楷体" pitchFamily="2" charset="-122"/>
-                <a:ea typeface="华文楷体" pitchFamily="2" charset="-122"/>
-              </a:rPr>
-              <a:t>3</a:t>
-            </a:r>
-            <a:r>
-              <a:rPr lang="zh-CN" altLang="en-US" b="1" dirty="0">
-                <a:latin typeface="华文楷体" pitchFamily="2" charset="-122"/>
-                <a:ea typeface="华文楷体" pitchFamily="2" charset="-122"/>
-              </a:rPr>
-              <a:t>章函数与数组</a:t>
+              <a:rPr lang="en-US" altLang="zh-CN" dirty="0" smtClean="0"/>
+              <a:t>1.4 </a:t>
+            </a:r>
+            <a:r>
+              <a:rPr lang="zh-CN" altLang="zh-CN" b="1" dirty="0"/>
+              <a:t>课后练习</a:t>
             </a:r>
             <a:endParaRPr lang="zh-CN" altLang="en-US" dirty="0"/>
           </a:p>
@@ -8470,28 +8417,71 @@
           <a:lstStyle/>
           <a:p>
             <a:r>
-              <a:rPr lang="zh-CN" altLang="en-US" dirty="0"/>
-              <a:t>函数定义与调用：参数传递（值传递、引用传递）、返回值。</a:t>
-            </a:r>
-          </a:p>
-          <a:p>
-            <a:r>
-              <a:rPr lang="zh-CN" altLang="en-US" dirty="0"/>
-              <a:t>函数重载与递归：函数重载规则、递归函数的使用与优化。</a:t>
-            </a:r>
-          </a:p>
-          <a:p>
-            <a:r>
-              <a:rPr lang="zh-CN" altLang="en-US" dirty="0"/>
-              <a:t>数组：一维数组、二维数组的定义与使用，数组与指针的关系。</a:t>
-            </a:r>
+              <a:rPr lang="zh-CN" altLang="en-US" dirty="0" smtClean="0"/>
+              <a:t>安装</a:t>
+            </a:r>
+            <a:r>
+              <a:rPr lang="en-US" altLang="zh-CN" dirty="0" smtClean="0"/>
+              <a:t>QT</a:t>
+            </a:r>
+          </a:p>
+          <a:p>
+            <a:r>
+              <a:rPr lang="zh-CN" altLang="en-US" dirty="0"/>
+              <a:t>编写一个</a:t>
+            </a:r>
+            <a:r>
+              <a:rPr lang="en-US" altLang="zh-CN" dirty="0"/>
+              <a:t>C++</a:t>
+            </a:r>
+            <a:r>
+              <a:rPr lang="zh-CN" altLang="en-US" dirty="0"/>
+              <a:t>程序，输出以下内容到控制台</a:t>
+            </a:r>
+            <a:r>
+              <a:rPr lang="zh-CN" altLang="en-US" dirty="0" smtClean="0"/>
+              <a:t>：</a:t>
+            </a:r>
+            <a:endParaRPr lang="en-US" altLang="zh-CN" dirty="0" smtClean="0"/>
+          </a:p>
+          <a:p>
+            <a:pPr marL="0" indent="0">
+              <a:buNone/>
+            </a:pPr>
+            <a:r>
+              <a:rPr lang="en-US" altLang="zh-CN" dirty="0"/>
+              <a:t>	Hello, World!</a:t>
+            </a:r>
+          </a:p>
+          <a:p>
+            <a:pPr marL="0" indent="0">
+              <a:buNone/>
+            </a:pPr>
+            <a:r>
+              <a:rPr lang="en-US" altLang="zh-CN" dirty="0" smtClean="0"/>
+              <a:t>	Welcome </a:t>
+            </a:r>
+            <a:r>
+              <a:rPr lang="en-US" altLang="zh-CN" dirty="0"/>
+              <a:t>to C++ programming!</a:t>
+            </a:r>
+          </a:p>
+          <a:p>
+            <a:pPr marL="0" indent="0">
+              <a:buNone/>
+            </a:pPr>
+            <a:r>
+              <a:rPr lang="en-US" altLang="zh-CN" dirty="0"/>
+              <a:t>	</a:t>
+            </a:r>
+            <a:endParaRPr lang="zh-CN" altLang="en-US" dirty="0"/>
           </a:p>
         </p:txBody>
       </p:sp>
     </p:spTree>
     <p:extLst>
       <p:ext uri="{BB962C8B-B14F-4D97-AF65-F5344CB8AC3E}">
-        <p14:creationId xmlns:p14="http://schemas.microsoft.com/office/powerpoint/2010/main" val="3528018120"/>
+        <p14:creationId xmlns:p14="http://schemas.microsoft.com/office/powerpoint/2010/main" val="1489805018"/>
       </p:ext>
     </p:extLst>
   </p:cSld>
@@ -8552,28 +8542,28 @@
                 <a:latin typeface="华文楷体" pitchFamily="2" charset="-122"/>
                 <a:ea typeface="华文楷体" pitchFamily="2" charset="-122"/>
               </a:rPr>
-              <a:t>4</a:t>
+              <a:t>2</a:t>
+            </a:r>
+            <a:r>
+              <a:rPr lang="zh-CN" altLang="en-US" b="1" dirty="0" smtClean="0">
+                <a:latin typeface="华文楷体" pitchFamily="2" charset="-122"/>
+                <a:ea typeface="华文楷体" pitchFamily="2" charset="-122"/>
+              </a:rPr>
+              <a:t>章  </a:t>
+            </a:r>
+            <a:r>
+              <a:rPr lang="en-US" altLang="zh-CN" b="1" dirty="0">
+                <a:latin typeface="华文楷体" pitchFamily="2" charset="-122"/>
+                <a:ea typeface="华文楷体" pitchFamily="2" charset="-122"/>
+              </a:rPr>
+              <a:t>C++</a:t>
             </a:r>
             <a:r>
               <a:rPr lang="zh-CN" altLang="en-US" b="1" dirty="0">
                 <a:latin typeface="华文楷体" pitchFamily="2" charset="-122"/>
                 <a:ea typeface="华文楷体" pitchFamily="2" charset="-122"/>
               </a:rPr>
-              <a:t>章面向对象编程（</a:t>
-            </a:r>
-            <a:r>
-              <a:rPr lang="en-US" altLang="zh-CN" b="1" dirty="0">
-                <a:latin typeface="华文楷体" pitchFamily="2" charset="-122"/>
-                <a:ea typeface="华文楷体" pitchFamily="2" charset="-122"/>
-              </a:rPr>
-              <a:t>OOP</a:t>
-            </a:r>
-            <a:r>
-              <a:rPr lang="zh-CN" altLang="en-US" b="1" dirty="0">
-                <a:latin typeface="华文楷体" pitchFamily="2" charset="-122"/>
-                <a:ea typeface="华文楷体" pitchFamily="2" charset="-122"/>
-              </a:rPr>
-              <a:t>）基础</a:t>
+              <a:t>基础语法</a:t>
             </a:r>
             <a:endParaRPr lang="zh-CN" altLang="en-US" dirty="0"/>
           </a:p>
@@ -8596,25 +8586,45 @@
           <a:p>
             <a:r>
               <a:rPr lang="zh-CN" altLang="en-US" dirty="0"/>
-              <a:t>类与对象：定义类、创建对象、构造函数与析构函数。</a:t>
-            </a:r>
-          </a:p>
-          <a:p>
-            <a:r>
-              <a:rPr lang="zh-CN" altLang="en-US" dirty="0"/>
-              <a:t>封装：访问控制修饰符（</a:t>
+              <a:t>数据类型与变量：整数、浮点数、字符、布尔类型。</a:t>
+            </a:r>
+          </a:p>
+          <a:p>
+            <a:r>
+              <a:rPr lang="zh-CN" altLang="en-US" dirty="0"/>
+              <a:t>常量与枚举：常量、</a:t>
             </a:r>
             <a:r>
               <a:rPr lang="en-US" altLang="zh-CN" dirty="0"/>
-              <a:t>public</a:t>
+              <a:t>#define</a:t>
             </a:r>
             <a:r>
               <a:rPr lang="zh-CN" altLang="en-US" dirty="0"/>
               <a:t>、</a:t>
             </a:r>
             <a:r>
+              <a:rPr lang="en-US" altLang="zh-CN" dirty="0" err="1"/>
+              <a:t>enum</a:t>
+            </a:r>
+            <a:r>
+              <a:rPr lang="zh-CN" altLang="en-US" dirty="0"/>
+              <a:t>。</a:t>
+            </a:r>
+          </a:p>
+          <a:p>
+            <a:r>
+              <a:rPr lang="zh-CN" altLang="en-US" dirty="0"/>
+              <a:t>运算符：算术运算符、关系运算符、逻辑运算符、位运算符、赋值运算符。</a:t>
+            </a:r>
+          </a:p>
+          <a:p>
+            <a:r>
+              <a:rPr lang="zh-CN" altLang="en-US" dirty="0"/>
+              <a:t>控制语句：条件语句（</a:t>
+            </a:r>
+            <a:r>
               <a:rPr lang="en-US" altLang="zh-CN" dirty="0"/>
-              <a:t>private</a:t>
+              <a:t>if</a:t>
             </a:r>
             <a:r>
               <a:rPr lang="zh-CN" altLang="en-US" dirty="0"/>
@@ -8622,7 +8632,39 @@
             </a:r>
             <a:r>
               <a:rPr lang="en-US" altLang="zh-CN" dirty="0"/>
-              <a:t>protected</a:t>
+              <a:t>else</a:t>
+            </a:r>
+            <a:r>
+              <a:rPr lang="zh-CN" altLang="en-US" dirty="0"/>
+              <a:t>、</a:t>
+            </a:r>
+            <a:r>
+              <a:rPr lang="en-US" altLang="zh-CN" dirty="0"/>
+              <a:t>switch</a:t>
+            </a:r>
+            <a:r>
+              <a:rPr lang="zh-CN" altLang="en-US" dirty="0"/>
+              <a:t>）、循环语句（</a:t>
+            </a:r>
+            <a:r>
+              <a:rPr lang="en-US" altLang="zh-CN" dirty="0"/>
+              <a:t>for</a:t>
+            </a:r>
+            <a:r>
+              <a:rPr lang="zh-CN" altLang="en-US" dirty="0"/>
+              <a:t>、</a:t>
+            </a:r>
+            <a:r>
+              <a:rPr lang="en-US" altLang="zh-CN" dirty="0"/>
+              <a:t>while</a:t>
+            </a:r>
+            <a:r>
+              <a:rPr lang="zh-CN" altLang="en-US" dirty="0"/>
+              <a:t>、</a:t>
+            </a:r>
+            <a:r>
+              <a:rPr lang="en-US" altLang="zh-CN" dirty="0"/>
+              <a:t>do-while</a:t>
             </a:r>
             <a:r>
               <a:rPr lang="zh-CN" altLang="en-US" dirty="0"/>
@@ -8632,13 +8674,23 @@
           <a:p>
             <a:r>
               <a:rPr lang="zh-CN" altLang="en-US" dirty="0"/>
-              <a:t>继承：继承的概念、基类与派生类、多重继承。</a:t>
-            </a:r>
-          </a:p>
-          <a:p>
-            <a:r>
-              <a:rPr lang="zh-CN" altLang="en-US" dirty="0"/>
-              <a:t>多态：虚函数、纯虚函数、虚函数的重写、运行时多态。</a:t>
+              <a:t>输入与输出：使用</a:t>
+            </a:r>
+            <a:r>
+              <a:rPr lang="en-US" altLang="zh-CN" dirty="0" err="1"/>
+              <a:t>cin</a:t>
+            </a:r>
+            <a:r>
+              <a:rPr lang="zh-CN" altLang="en-US" dirty="0"/>
+              <a:t>和</a:t>
+            </a:r>
+            <a:r>
+              <a:rPr lang="en-US" altLang="zh-CN" dirty="0" err="1"/>
+              <a:t>cout</a:t>
+            </a:r>
+            <a:r>
+              <a:rPr lang="zh-CN" altLang="en-US" dirty="0"/>
+              <a:t>进行数据输入输出。</a:t>
             </a:r>
           </a:p>
         </p:txBody>
@@ -8646,7 +8698,7 @@
     </p:spTree>
     <p:extLst>
       <p:ext uri="{BB962C8B-B14F-4D97-AF65-F5344CB8AC3E}">
-        <p14:creationId xmlns:p14="http://schemas.microsoft.com/office/powerpoint/2010/main" val="2413468171"/>
+        <p14:creationId xmlns:p14="http://schemas.microsoft.com/office/powerpoint/2010/main" val="444530801"/>
       </p:ext>
     </p:extLst>
   </p:cSld>
@@ -8707,21 +8759,14 @@
                 <a:latin typeface="华文楷体" pitchFamily="2" charset="-122"/>
                 <a:ea typeface="华文楷体" pitchFamily="2" charset="-122"/>
               </a:rPr>
-              <a:t>5</a:t>
-            </a:r>
-            <a:r>
-              <a:rPr lang="zh-CN" altLang="en-US" b="1" dirty="0" smtClean="0">
-                <a:latin typeface="华文楷体" pitchFamily="2" charset="-122"/>
-                <a:ea typeface="华文楷体" pitchFamily="2" charset="-122"/>
-              </a:rPr>
-              <a:t>章 指针</a:t>
+              <a:t>3</a:t>
             </a:r>
             <a:r>
               <a:rPr lang="zh-CN" altLang="en-US" b="1" dirty="0">
                 <a:latin typeface="华文楷体" pitchFamily="2" charset="-122"/>
                 <a:ea typeface="华文楷体" pitchFamily="2" charset="-122"/>
               </a:rPr>
-              <a:t>与动态内存管理</a:t>
+              <a:t>章函数与数组</a:t>
             </a:r>
             <a:endParaRPr lang="zh-CN" altLang="en-US" dirty="0"/>
           </a:p>
@@ -8743,67 +8788,28 @@
           <a:lstStyle/>
           <a:p>
             <a:r>
-              <a:rPr lang="zh-CN" altLang="en-US" dirty="0" smtClean="0"/>
-              <a:t>指针基础：指针的定义、解引用、指针运算。</a:t>
-            </a:r>
-          </a:p>
-          <a:p>
-            <a:r>
-              <a:rPr lang="zh-CN" altLang="en-US" dirty="0" smtClean="0"/>
-              <a:t>指针与数组：数组名作为指针，指针与数组的关系。</a:t>
-            </a:r>
-          </a:p>
-          <a:p>
-            <a:r>
-              <a:rPr lang="zh-CN" altLang="en-US" dirty="0" smtClean="0"/>
-              <a:t>动态内存管理：</a:t>
-            </a:r>
-            <a:r>
-              <a:rPr lang="en-US" altLang="zh-CN" dirty="0" smtClean="0"/>
-              <a:t>new</a:t>
-            </a:r>
-            <a:r>
-              <a:rPr lang="zh-CN" altLang="en-US" dirty="0" smtClean="0"/>
-              <a:t>、</a:t>
-            </a:r>
-            <a:r>
-              <a:rPr lang="en-US" altLang="zh-CN" dirty="0" smtClean="0"/>
-              <a:t>delete</a:t>
-            </a:r>
-            <a:r>
-              <a:rPr lang="zh-CN" altLang="en-US" dirty="0" smtClean="0"/>
-              <a:t>、</a:t>
-            </a:r>
-            <a:r>
-              <a:rPr lang="en-US" altLang="zh-CN" dirty="0" smtClean="0"/>
-              <a:t>new[]</a:t>
-            </a:r>
-            <a:r>
-              <a:rPr lang="zh-CN" altLang="en-US" dirty="0" smtClean="0"/>
-              <a:t>、</a:t>
-            </a:r>
-            <a:r>
-              <a:rPr lang="en-US" altLang="zh-CN" dirty="0" smtClean="0"/>
-              <a:t>delete[]</a:t>
-            </a:r>
-            <a:r>
-              <a:rPr lang="zh-CN" altLang="en-US" dirty="0" smtClean="0"/>
-              <a:t>。</a:t>
-            </a:r>
-          </a:p>
-          <a:p>
-            <a:r>
-              <a:rPr lang="zh-CN" altLang="en-US" dirty="0" smtClean="0"/>
-              <a:t>内存泄漏与指针悬挂：避免内存泄漏，指针的安全使用。</a:t>
-            </a:r>
-            <a:endParaRPr lang="zh-CN" altLang="en-US" dirty="0"/>
+              <a:rPr lang="zh-CN" altLang="en-US" dirty="0"/>
+              <a:t>函数定义与调用：参数传递（值传递、引用传递）、返回值。</a:t>
+            </a:r>
+          </a:p>
+          <a:p>
+            <a:r>
+              <a:rPr lang="zh-CN" altLang="en-US" dirty="0"/>
+              <a:t>函数重载与递归：函数重载规则、递归函数的使用与优化。</a:t>
+            </a:r>
+          </a:p>
+          <a:p>
+            <a:r>
+              <a:rPr lang="zh-CN" altLang="en-US" dirty="0"/>
+              <a:t>数组：一维数组、二维数组的定义与使用，数组与指针的关系。</a:t>
+            </a:r>
           </a:p>
         </p:txBody>
       </p:sp>
     </p:spTree>
     <p:extLst>
       <p:ext uri="{BB962C8B-B14F-4D97-AF65-F5344CB8AC3E}">
-        <p14:creationId xmlns:p14="http://schemas.microsoft.com/office/powerpoint/2010/main" val="3183063327"/>
+        <p14:creationId xmlns:p14="http://schemas.microsoft.com/office/powerpoint/2010/main" val="3528018120"/>
       </p:ext>
     </p:extLst>
   </p:cSld>
@@ -8864,28 +8870,28 @@
                 <a:latin typeface="华文楷体" pitchFamily="2" charset="-122"/>
                 <a:ea typeface="华文楷体" pitchFamily="2" charset="-122"/>
               </a:rPr>
-              <a:t>6</a:t>
-            </a:r>
-            <a:r>
-              <a:rPr lang="zh-CN" altLang="en-US" b="1" dirty="0" smtClean="0">
+              <a:t>4</a:t>
+            </a:r>
+            <a:r>
+              <a:rPr lang="zh-CN" altLang="en-US" b="1" dirty="0">
                 <a:latin typeface="华文楷体" pitchFamily="2" charset="-122"/>
                 <a:ea typeface="华文楷体" pitchFamily="2" charset="-122"/>
               </a:rPr>
-              <a:t>章  </a:t>
+              <a:t>章面向对象编程（</a:t>
             </a:r>
             <a:r>
               <a:rPr lang="en-US" altLang="zh-CN" b="1" dirty="0">
                 <a:latin typeface="华文楷体" pitchFamily="2" charset="-122"/>
                 <a:ea typeface="华文楷体" pitchFamily="2" charset="-122"/>
               </a:rPr>
-              <a:t>STL</a:t>
+              <a:t>OOP</a:t>
             </a:r>
             <a:r>
               <a:rPr lang="zh-CN" altLang="en-US" b="1" dirty="0">
                 <a:latin typeface="华文楷体" pitchFamily="2" charset="-122"/>
                 <a:ea typeface="华文楷体" pitchFamily="2" charset="-122"/>
               </a:rPr>
-              <a:t>（标准模板库）</a:t>
+              <a:t>）基础</a:t>
             </a:r>
             <a:endParaRPr lang="zh-CN" altLang="en-US" dirty="0"/>
           </a:p>
@@ -8907,108 +8913,50 @@
           <a:lstStyle/>
           <a:p>
             <a:r>
+              <a:rPr lang="zh-CN" altLang="en-US" dirty="0"/>
+              <a:t>类与对象：定义类、创建对象、构造函数与析构函数。</a:t>
+            </a:r>
+          </a:p>
+          <a:p>
+            <a:r>
+              <a:rPr lang="zh-CN" altLang="en-US" dirty="0"/>
+              <a:t>封装：访问控制修饰符（</a:t>
+            </a:r>
+            <a:r>
               <a:rPr lang="en-US" altLang="zh-CN" dirty="0"/>
-              <a:t>STL</a:t>
-            </a:r>
-            <a:r>
-              <a:rPr lang="zh-CN" altLang="en-US" dirty="0"/>
-              <a:t>概述：</a:t>
+              <a:t>public</a:t>
+            </a:r>
+            <a:r>
+              <a:rPr lang="zh-CN" altLang="en-US" dirty="0"/>
+              <a:t>、</a:t>
             </a:r>
             <a:r>
               <a:rPr lang="en-US" altLang="zh-CN" dirty="0"/>
-              <a:t>STL</a:t>
-            </a:r>
-            <a:r>
-              <a:rPr lang="zh-CN" altLang="en-US" dirty="0"/>
-              <a:t>的组成部分（容器、算法、迭代器）。</a:t>
-            </a:r>
-          </a:p>
-          <a:p>
-            <a:r>
-              <a:rPr lang="zh-CN" altLang="en-US" dirty="0"/>
-              <a:t>容器：</a:t>
+              <a:t>private</a:t>
+            </a:r>
+            <a:r>
+              <a:rPr lang="zh-CN" altLang="en-US" dirty="0"/>
+              <a:t>、</a:t>
             </a:r>
             <a:r>
               <a:rPr lang="en-US" altLang="zh-CN" dirty="0"/>
-              <a:t>vector</a:t>
-            </a:r>
-            <a:r>
-              <a:rPr lang="zh-CN" altLang="en-US" dirty="0"/>
-              <a:t>、</a:t>
-            </a:r>
-            <a:r>
-              <a:rPr lang="en-US" altLang="zh-CN" dirty="0"/>
-              <a:t>list</a:t>
-            </a:r>
-            <a:r>
-              <a:rPr lang="zh-CN" altLang="en-US" dirty="0"/>
-              <a:t>、</a:t>
-            </a:r>
-            <a:r>
-              <a:rPr lang="en-US" altLang="zh-CN" dirty="0"/>
-              <a:t>map</a:t>
-            </a:r>
-            <a:r>
-              <a:rPr lang="zh-CN" altLang="en-US" dirty="0"/>
-              <a:t>、</a:t>
-            </a:r>
-            <a:r>
-              <a:rPr lang="en-US" altLang="zh-CN" dirty="0"/>
-              <a:t>set</a:t>
-            </a:r>
-            <a:r>
-              <a:rPr lang="zh-CN" altLang="en-US" dirty="0"/>
-              <a:t>、</a:t>
-            </a:r>
-            <a:r>
-              <a:rPr lang="en-US" altLang="zh-CN" dirty="0" err="1"/>
-              <a:t>deque</a:t>
-            </a:r>
-            <a:r>
-              <a:rPr lang="zh-CN" altLang="en-US" dirty="0"/>
-              <a:t>等。</a:t>
-            </a:r>
-          </a:p>
-          <a:p>
-            <a:r>
-              <a:rPr lang="zh-CN" altLang="en-US" dirty="0"/>
-              <a:t>算法：排序、查找、删除、替换等常用算法。</a:t>
-            </a:r>
-          </a:p>
-          <a:p>
-            <a:r>
-              <a:rPr lang="zh-CN" altLang="en-US" dirty="0"/>
-              <a:t>迭代器：容器的迭代器使用方法。</a:t>
-            </a:r>
-          </a:p>
-          <a:p>
-            <a:r>
-              <a:rPr lang="zh-CN" altLang="en-US" dirty="0"/>
-              <a:t>智能指针：</a:t>
-            </a:r>
-            <a:r>
-              <a:rPr lang="en-US" altLang="zh-CN" dirty="0" err="1"/>
-              <a:t>shared_ptr</a:t>
-            </a:r>
-            <a:r>
-              <a:rPr lang="zh-CN" altLang="en-US" dirty="0"/>
-              <a:t>、</a:t>
-            </a:r>
-            <a:r>
-              <a:rPr lang="en-US" altLang="zh-CN" dirty="0" err="1"/>
-              <a:t>unique_ptr</a:t>
-            </a:r>
-            <a:r>
-              <a:rPr lang="zh-CN" altLang="en-US" dirty="0"/>
-              <a:t>、</a:t>
-            </a:r>
-            <a:r>
-              <a:rPr lang="en-US" altLang="zh-CN" dirty="0" err="1"/>
-              <a:t>weak_ptr</a:t>
-            </a:r>
-            <a:r>
-              <a:rPr lang="zh-CN" altLang="en-US" dirty="0"/>
-              <a:t>。</a:t>
+              <a:t>protected</a:t>
+            </a:r>
+            <a:r>
+              <a:rPr lang="zh-CN" altLang="en-US" dirty="0"/>
+              <a:t>）。</a:t>
+            </a:r>
+          </a:p>
+          <a:p>
+            <a:r>
+              <a:rPr lang="zh-CN" altLang="en-US" dirty="0"/>
+              <a:t>继承：继承的概念、基类与派生类、多重继承。</a:t>
+            </a:r>
+          </a:p>
+          <a:p>
+            <a:r>
+              <a:rPr lang="zh-CN" altLang="en-US" dirty="0"/>
+              <a:t>多态：虚函数、纯虚函数、虚函数的重写、运行时多态。</a:t>
             </a:r>
           </a:p>
         </p:txBody>
@@ -9016,7 +8964,7 @@
     </p:spTree>
     <p:extLst>
       <p:ext uri="{BB962C8B-B14F-4D97-AF65-F5344CB8AC3E}">
-        <p14:creationId xmlns:p14="http://schemas.microsoft.com/office/powerpoint/2010/main" val="201415056"/>
+        <p14:creationId xmlns:p14="http://schemas.microsoft.com/office/powerpoint/2010/main" val="2413468171"/>
       </p:ext>
     </p:extLst>
   </p:cSld>
@@ -9077,14 +9025,21 @@
                 <a:latin typeface="华文楷体" pitchFamily="2" charset="-122"/>
                 <a:ea typeface="华文楷体" pitchFamily="2" charset="-122"/>
               </a:rPr>
-              <a:t>7</a:t>
+              <a:t>5</a:t>
+            </a:r>
+            <a:r>
+              <a:rPr lang="zh-CN" altLang="en-US" b="1" dirty="0" smtClean="0">
+                <a:latin typeface="华文楷体" pitchFamily="2" charset="-122"/>
+                <a:ea typeface="华文楷体" pitchFamily="2" charset="-122"/>
+              </a:rPr>
+              <a:t>章 指针</a:t>
             </a:r>
             <a:r>
               <a:rPr lang="zh-CN" altLang="en-US" b="1" dirty="0">
                 <a:latin typeface="华文楷体" pitchFamily="2" charset="-122"/>
                 <a:ea typeface="华文楷体" pitchFamily="2" charset="-122"/>
               </a:rPr>
-              <a:t>章异常处理</a:t>
+              <a:t>与动态内存管理</a:t>
             </a:r>
             <a:endParaRPr lang="zh-CN" altLang="en-US" dirty="0"/>
           </a:p>
@@ -9106,38 +9061,67 @@
           <a:lstStyle/>
           <a:p>
             <a:r>
-              <a:rPr lang="zh-CN" altLang="en-US" dirty="0"/>
-              <a:t>异常概念：异常的定义、捕获、抛出。</a:t>
-            </a:r>
-          </a:p>
-          <a:p>
-            <a:r>
-              <a:rPr lang="en-US" altLang="zh-CN" dirty="0"/>
-              <a:t>try-catch</a:t>
-            </a:r>
-            <a:r>
-              <a:rPr lang="zh-CN" altLang="en-US" dirty="0"/>
-              <a:t>语句：基本语法、捕获多种异常。</a:t>
-            </a:r>
-          </a:p>
-          <a:p>
-            <a:r>
-              <a:rPr lang="zh-CN" altLang="en-US" dirty="0"/>
-              <a:t>自定义异常类：如何创建自定义异常类型。</a:t>
-            </a:r>
-          </a:p>
-          <a:p>
-            <a:r>
-              <a:rPr lang="zh-CN" altLang="en-US" dirty="0"/>
-              <a:t>异常安全：异常安全的编程原则（基本保证、强保证）。</a:t>
-            </a:r>
+              <a:rPr lang="zh-CN" altLang="en-US" dirty="0" smtClean="0"/>
+              <a:t>指针基础：指针的定义、解引用、指针运算。</a:t>
+            </a:r>
+          </a:p>
+          <a:p>
+            <a:r>
+              <a:rPr lang="zh-CN" altLang="en-US" dirty="0" smtClean="0"/>
+              <a:t>指针与数组：数组名作为指针，指针与数组的关系。</a:t>
+            </a:r>
+          </a:p>
+          <a:p>
+            <a:r>
+              <a:rPr lang="zh-CN" altLang="en-US" dirty="0" smtClean="0"/>
+              <a:t>动态内存管理：</a:t>
+            </a:r>
+            <a:r>
+              <a:rPr lang="en-US" altLang="zh-CN" dirty="0" smtClean="0"/>
+              <a:t>new</a:t>
+            </a:r>
+            <a:r>
+              <a:rPr lang="zh-CN" altLang="en-US" dirty="0" smtClean="0"/>
+              <a:t>、</a:t>
+            </a:r>
+            <a:r>
+              <a:rPr lang="en-US" altLang="zh-CN" dirty="0" smtClean="0"/>
+              <a:t>delete</a:t>
+            </a:r>
+            <a:r>
+              <a:rPr lang="zh-CN" altLang="en-US" dirty="0" smtClean="0"/>
+              <a:t>、</a:t>
+            </a:r>
+            <a:r>
+              <a:rPr lang="en-US" altLang="zh-CN" dirty="0" smtClean="0"/>
+              <a:t>new[]</a:t>
+            </a:r>
+            <a:r>
+              <a:rPr lang="zh-CN" altLang="en-US" dirty="0" smtClean="0"/>
+              <a:t>、</a:t>
+            </a:r>
+            <a:r>
+              <a:rPr lang="en-US" altLang="zh-CN" dirty="0" smtClean="0"/>
+              <a:t>delete[]</a:t>
+            </a:r>
+            <a:r>
+              <a:rPr lang="zh-CN" altLang="en-US" dirty="0" smtClean="0"/>
+              <a:t>。</a:t>
+            </a:r>
+          </a:p>
+          <a:p>
+            <a:r>
+              <a:rPr lang="zh-CN" altLang="en-US" dirty="0" smtClean="0"/>
+              <a:t>内存泄漏与指针悬挂：避免内存泄漏，指针的安全使用。</a:t>
+            </a:r>
+            <a:endParaRPr lang="zh-CN" altLang="en-US" dirty="0"/>
           </a:p>
         </p:txBody>
       </p:sp>
     </p:spTree>
     <p:extLst>
       <p:ext uri="{BB962C8B-B14F-4D97-AF65-F5344CB8AC3E}">
-        <p14:creationId xmlns:p14="http://schemas.microsoft.com/office/powerpoint/2010/main" val="2102593440"/>
+        <p14:creationId xmlns:p14="http://schemas.microsoft.com/office/powerpoint/2010/main" val="3183063327"/>
       </p:ext>
     </p:extLst>
   </p:cSld>
@@ -9198,14 +9182,28 @@
                 <a:latin typeface="华文楷体" pitchFamily="2" charset="-122"/>
                 <a:ea typeface="华文楷体" pitchFamily="2" charset="-122"/>
               </a:rPr>
-              <a:t>8</a:t>
+              <a:t>6</a:t>
+            </a:r>
+            <a:r>
+              <a:rPr lang="zh-CN" altLang="en-US" b="1" dirty="0" smtClean="0">
+                <a:latin typeface="华文楷体" pitchFamily="2" charset="-122"/>
+                <a:ea typeface="华文楷体" pitchFamily="2" charset="-122"/>
+              </a:rPr>
+              <a:t>章  </a:t>
+            </a:r>
+            <a:r>
+              <a:rPr lang="en-US" altLang="zh-CN" b="1" dirty="0">
+                <a:latin typeface="华文楷体" pitchFamily="2" charset="-122"/>
+                <a:ea typeface="华文楷体" pitchFamily="2" charset="-122"/>
+              </a:rPr>
+              <a:t>STL</a:t>
             </a:r>
             <a:r>
               <a:rPr lang="zh-CN" altLang="en-US" b="1" dirty="0">
                 <a:latin typeface="华文楷体" pitchFamily="2" charset="-122"/>
                 <a:ea typeface="华文楷体" pitchFamily="2" charset="-122"/>
               </a:rPr>
-              <a:t>章文件操作</a:t>
+              <a:t>（标准模板库）</a:t>
             </a:r>
             <a:endParaRPr lang="zh-CN" altLang="en-US" dirty="0"/>
           </a:p>
@@ -9227,32 +9225,88 @@
           <a:lstStyle/>
           <a:p>
             <a:r>
-              <a:rPr lang="zh-CN" altLang="en-US" dirty="0"/>
-              <a:t>文件输入输出：使用</a:t>
+              <a:rPr lang="en-US" altLang="zh-CN" dirty="0"/>
+              <a:t>STL</a:t>
+            </a:r>
+            <a:r>
+              <a:rPr lang="zh-CN" altLang="en-US" dirty="0"/>
+              <a:t>概述：</a:t>
+            </a:r>
+            <a:r>
+              <a:rPr lang="en-US" altLang="zh-CN" dirty="0"/>
+              <a:t>STL</a:t>
+            </a:r>
+            <a:r>
+              <a:rPr lang="zh-CN" altLang="en-US" dirty="0"/>
+              <a:t>的组成部分（容器、算法、迭代器）。</a:t>
+            </a:r>
+          </a:p>
+          <a:p>
+            <a:r>
+              <a:rPr lang="zh-CN" altLang="en-US" dirty="0"/>
+              <a:t>容器：</a:t>
+            </a:r>
+            <a:r>
+              <a:rPr lang="en-US" altLang="zh-CN" dirty="0"/>
+              <a:t>vector</a:t>
+            </a:r>
+            <a:r>
+              <a:rPr lang="zh-CN" altLang="en-US" dirty="0"/>
+              <a:t>、</a:t>
+            </a:r>
+            <a:r>
+              <a:rPr lang="en-US" altLang="zh-CN" dirty="0"/>
+              <a:t>list</a:t>
+            </a:r>
+            <a:r>
+              <a:rPr lang="zh-CN" altLang="en-US" dirty="0"/>
+              <a:t>、</a:t>
+            </a:r>
+            <a:r>
+              <a:rPr lang="en-US" altLang="zh-CN" dirty="0"/>
+              <a:t>map</a:t>
+            </a:r>
+            <a:r>
+              <a:rPr lang="zh-CN" altLang="en-US" dirty="0"/>
+              <a:t>、</a:t>
+            </a:r>
+            <a:r>
+              <a:rPr lang="en-US" altLang="zh-CN" dirty="0"/>
+              <a:t>set</a:t>
+            </a:r>
+            <a:r>
+              <a:rPr lang="zh-CN" altLang="en-US" dirty="0"/>
+              <a:t>、</a:t>
             </a:r>
             <a:r>
               <a:rPr lang="en-US" altLang="zh-CN" dirty="0" err="1"/>
-              <a:t>fstream</a:t>
-            </a:r>
-            <a:r>
-              <a:rPr lang="zh-CN" altLang="en-US" dirty="0"/>
-              <a:t>进行文件读写。</a:t>
-            </a:r>
-          </a:p>
-          <a:p>
-            <a:r>
-              <a:rPr lang="zh-CN" altLang="en-US" dirty="0"/>
-              <a:t>文本文件与二进制文件：处理文本文件和二进制文件的不同方式。</a:t>
-            </a:r>
-          </a:p>
-          <a:p>
-            <a:r>
-              <a:rPr lang="zh-CN" altLang="en-US" dirty="0"/>
-              <a:t>文件指针与流控制：</a:t>
+              <a:t>deque</a:t>
+            </a:r>
+            <a:r>
+              <a:rPr lang="zh-CN" altLang="en-US" dirty="0"/>
+              <a:t>等。</a:t>
+            </a:r>
+          </a:p>
+          <a:p>
+            <a:r>
+              <a:rPr lang="zh-CN" altLang="en-US" dirty="0"/>
+              <a:t>算法：排序、查找、删除、替换等常用算法。</a:t>
+            </a:r>
+          </a:p>
+          <a:p>
+            <a:r>
+              <a:rPr lang="zh-CN" altLang="en-US" dirty="0"/>
+              <a:t>迭代器：容器的迭代器使用方法。</a:t>
+            </a:r>
+          </a:p>
+          <a:p>
+            <a:r>
+              <a:rPr lang="zh-CN" altLang="en-US" dirty="0"/>
+              <a:t>智能指针：</a:t>
             </a:r>
             <a:r>
               <a:rPr lang="en-US" altLang="zh-CN" dirty="0" err="1"/>
-              <a:t>seekg</a:t>
+              <a:t>shared_ptr</a:t>
             </a:r>
             <a:r>
               <a:rPr lang="zh-CN" altLang="en-US" dirty="0"/>
@@ -9260,7 +9314,7 @@
             </a:r>
             <a:r>
               <a:rPr lang="en-US" altLang="zh-CN" dirty="0" err="1"/>
-              <a:t>seekp</a:t>
+              <a:t>unique_ptr</a:t>
             </a:r>
             <a:r>
               <a:rPr lang="zh-CN" altLang="en-US" dirty="0"/>
@@ -9268,15 +9322,7 @@
             </a:r>
             <a:r>
               <a:rPr lang="en-US" altLang="zh-CN" dirty="0" err="1"/>
-              <a:t>tellg</a:t>
-            </a:r>
-            <a:r>
-              <a:rPr lang="zh-CN" altLang="en-US" dirty="0"/>
-              <a:t>、</a:t>
-            </a:r>
-            <a:r>
-              <a:rPr lang="en-US" altLang="zh-CN" dirty="0" err="1"/>
-              <a:t>tellp</a:t>
+              <a:t>weak_ptr</a:t>
             </a:r>
             <a:r>
               <a:rPr lang="zh-CN" altLang="en-US" dirty="0"/>
@@ -9288,7 +9334,7 @@
     </p:spTree>
     <p:extLst>
       <p:ext uri="{BB962C8B-B14F-4D97-AF65-F5344CB8AC3E}">
-        <p14:creationId xmlns:p14="http://schemas.microsoft.com/office/powerpoint/2010/main" val="2309702231"/>
+        <p14:creationId xmlns:p14="http://schemas.microsoft.com/office/powerpoint/2010/main" val="201415056"/>
       </p:ext>
     </p:extLst>
   </p:cSld>
@@ -9501,28 +9547,14 @@
                 <a:latin typeface="华文楷体" pitchFamily="2" charset="-122"/>
                 <a:ea typeface="华文楷体" pitchFamily="2" charset="-122"/>
               </a:rPr>
-              <a:t>9</a:t>
-            </a:r>
-            <a:r>
-              <a:rPr lang="zh-CN" altLang="en-US" b="1" dirty="0" smtClean="0">
-                <a:latin typeface="华文楷体" pitchFamily="2" charset="-122"/>
-                <a:ea typeface="华文楷体" pitchFamily="2" charset="-122"/>
-              </a:rPr>
-              <a:t>章  </a:t>
-            </a:r>
-            <a:r>
-              <a:rPr lang="en-US" altLang="zh-CN" b="1" dirty="0">
-                <a:latin typeface="华文楷体" pitchFamily="2" charset="-122"/>
-                <a:ea typeface="华文楷体" pitchFamily="2" charset="-122"/>
-              </a:rPr>
-              <a:t>C++11</a:t>
+              <a:t>7</a:t>
             </a:r>
             <a:r>
               <a:rPr lang="zh-CN" altLang="en-US" b="1" dirty="0">
                 <a:latin typeface="华文楷体" pitchFamily="2" charset="-122"/>
                 <a:ea typeface="华文楷体" pitchFamily="2" charset="-122"/>
               </a:rPr>
-              <a:t>及以后特性</a:t>
+              <a:t>章异常处理</a:t>
             </a:r>
             <a:endParaRPr lang="zh-CN" altLang="en-US" dirty="0"/>
           </a:p>
@@ -9544,140 +9576,30 @@
           <a:lstStyle/>
           <a:p>
             <a:r>
+              <a:rPr lang="zh-CN" altLang="en-US" dirty="0"/>
+              <a:t>异常概念：异常的定义、捕获、抛出。</a:t>
+            </a:r>
+          </a:p>
+          <a:p>
+            <a:r>
               <a:rPr lang="en-US" altLang="zh-CN" dirty="0"/>
-              <a:t>Lambda</a:t>
-            </a:r>
-            <a:r>
-              <a:rPr lang="zh-CN" altLang="en-US" dirty="0"/>
-              <a:t>表达式：如何使用</a:t>
-            </a:r>
-            <a:r>
-              <a:rPr lang="en-US" altLang="zh-CN" dirty="0"/>
-              <a:t>Lambda</a:t>
-            </a:r>
-            <a:r>
-              <a:rPr lang="zh-CN" altLang="en-US" dirty="0"/>
-              <a:t>简化代码。</a:t>
-            </a:r>
-          </a:p>
-          <a:p>
-            <a:r>
-              <a:rPr lang="zh-CN" altLang="en-US" dirty="0"/>
-              <a:t>智能指针：如何使用</a:t>
-            </a:r>
-            <a:r>
-              <a:rPr lang="en-US" altLang="zh-CN" dirty="0" err="1"/>
-              <a:t>shared_ptr</a:t>
-            </a:r>
-            <a:r>
-              <a:rPr lang="zh-CN" altLang="en-US" dirty="0"/>
-              <a:t>、</a:t>
-            </a:r>
-            <a:r>
-              <a:rPr lang="en-US" altLang="zh-CN" dirty="0" err="1"/>
-              <a:t>unique_ptr</a:t>
-            </a:r>
-            <a:r>
-              <a:rPr lang="zh-CN" altLang="en-US" dirty="0"/>
-              <a:t>等智能指针管理内存。</a:t>
-            </a:r>
-          </a:p>
-          <a:p>
-            <a:r>
-              <a:rPr lang="zh-CN" altLang="en-US" dirty="0"/>
-              <a:t>线程与并发：</a:t>
-            </a:r>
-            <a:r>
-              <a:rPr lang="en-US" altLang="zh-CN" dirty="0" err="1"/>
-              <a:t>std</a:t>
-            </a:r>
-            <a:r>
-              <a:rPr lang="en-US" altLang="zh-CN" dirty="0"/>
-              <a:t>::thread</a:t>
-            </a:r>
-            <a:r>
-              <a:rPr lang="zh-CN" altLang="en-US" dirty="0"/>
-              <a:t>、</a:t>
-            </a:r>
-            <a:r>
-              <a:rPr lang="en-US" altLang="zh-CN" dirty="0" err="1"/>
-              <a:t>std</a:t>
-            </a:r>
-            <a:r>
-              <a:rPr lang="en-US" altLang="zh-CN" dirty="0"/>
-              <a:t>::</a:t>
-            </a:r>
-            <a:r>
-              <a:rPr lang="en-US" altLang="zh-CN" dirty="0" err="1"/>
-              <a:t>mutex</a:t>
-            </a:r>
-            <a:r>
-              <a:rPr lang="zh-CN" altLang="en-US" dirty="0"/>
-              <a:t>、</a:t>
-            </a:r>
-            <a:r>
-              <a:rPr lang="en-US" altLang="zh-CN" dirty="0" err="1"/>
-              <a:t>std</a:t>
-            </a:r>
-            <a:r>
-              <a:rPr lang="en-US" altLang="zh-CN" dirty="0"/>
-              <a:t>::</a:t>
-            </a:r>
-            <a:r>
-              <a:rPr lang="en-US" altLang="zh-CN" dirty="0" err="1"/>
-              <a:t>async</a:t>
-            </a:r>
-            <a:r>
-              <a:rPr lang="zh-CN" altLang="en-US" dirty="0"/>
-              <a:t>等并发编程工具。</a:t>
-            </a:r>
-          </a:p>
-          <a:p>
-            <a:r>
-              <a:rPr lang="zh-CN" altLang="en-US" dirty="0"/>
-              <a:t>右值引用与移动语义：</a:t>
-            </a:r>
-            <a:r>
-              <a:rPr lang="en-US" altLang="zh-CN" dirty="0" err="1"/>
-              <a:t>std</a:t>
-            </a:r>
-            <a:r>
-              <a:rPr lang="en-US" altLang="zh-CN" dirty="0"/>
-              <a:t>::move</a:t>
-            </a:r>
-            <a:r>
-              <a:rPr lang="zh-CN" altLang="en-US" dirty="0"/>
-              <a:t>、</a:t>
-            </a:r>
-            <a:r>
-              <a:rPr lang="en-US" altLang="zh-CN" dirty="0" err="1"/>
-              <a:t>std</a:t>
-            </a:r>
-            <a:r>
-              <a:rPr lang="en-US" altLang="zh-CN" dirty="0"/>
-              <a:t>::forward</a:t>
-            </a:r>
-            <a:r>
-              <a:rPr lang="zh-CN" altLang="en-US" dirty="0"/>
-              <a:t>、移动构造函数和移动赋值运算符。</a:t>
-            </a:r>
-          </a:p>
-          <a:p>
-            <a:r>
-              <a:rPr lang="en-US" altLang="zh-CN" dirty="0" err="1"/>
-              <a:t>std</a:t>
-            </a:r>
-            <a:r>
-              <a:rPr lang="en-US" altLang="zh-CN" dirty="0"/>
-              <a:t>::</a:t>
-            </a:r>
-            <a:r>
-              <a:rPr lang="en-US" altLang="zh-CN" dirty="0" err="1"/>
-              <a:t>chrono</a:t>
-            </a:r>
-            <a:r>
-              <a:rPr lang="zh-CN" altLang="en-US" dirty="0"/>
-              <a:t>库：时间测量和延时功能。</a:t>
+              <a:t>try-catch</a:t>
+            </a:r>
+            <a:r>
+              <a:rPr lang="zh-CN" altLang="en-US" dirty="0"/>
+              <a:t>语句：基本语法、捕获多种异常。</a:t>
+            </a:r>
+          </a:p>
+          <a:p>
+            <a:r>
+              <a:rPr lang="zh-CN" altLang="en-US" dirty="0"/>
+              <a:t>自定义异常类：如何创建自定义异常类型。</a:t>
+            </a:r>
+          </a:p>
+          <a:p>
+            <a:r>
+              <a:rPr lang="zh-CN" altLang="en-US" dirty="0"/>
+              <a:t>异常安全：异常安全的编程原则（基本保证、强保证）。</a:t>
             </a:r>
           </a:p>
         </p:txBody>
@@ -9685,7 +9607,7 @@
     </p:spTree>
     <p:extLst>
       <p:ext uri="{BB962C8B-B14F-4D97-AF65-F5344CB8AC3E}">
-        <p14:creationId xmlns:p14="http://schemas.microsoft.com/office/powerpoint/2010/main" val="1295629135"/>
+        <p14:creationId xmlns:p14="http://schemas.microsoft.com/office/powerpoint/2010/main" val="2102593440"/>
       </p:ext>
     </p:extLst>
   </p:cSld>
@@ -9735,39 +9657,25 @@
           <a:lstStyle/>
           <a:p>
             <a:r>
+              <a:rPr lang="zh-CN" altLang="en-US" b="1" dirty="0" smtClean="0">
+                <a:latin typeface="华文楷体" pitchFamily="2" charset="-122"/>
+                <a:ea typeface="华文楷体" pitchFamily="2" charset="-122"/>
+              </a:rPr>
+              <a:t>第</a:t>
+            </a:r>
+            <a:r>
+              <a:rPr lang="en-US" altLang="zh-CN" b="1" dirty="0" smtClean="0">
+                <a:latin typeface="华文楷体" pitchFamily="2" charset="-122"/>
+                <a:ea typeface="华文楷体" pitchFamily="2" charset="-122"/>
+              </a:rPr>
+              <a:t>8</a:t>
+            </a:r>
+            <a:r>
               <a:rPr lang="zh-CN" altLang="en-US" b="1" dirty="0">
                 <a:latin typeface="华文楷体" pitchFamily="2" charset="-122"/>
                 <a:ea typeface="华文楷体" pitchFamily="2" charset="-122"/>
               </a:rPr>
-              <a:t>第</a:t>
-            </a:r>
-            <a:r>
-              <a:rPr lang="en-US" altLang="zh-CN" b="1" dirty="0" smtClean="0">
-                <a:latin typeface="华文楷体" pitchFamily="2" charset="-122"/>
-                <a:ea typeface="华文楷体" pitchFamily="2" charset="-122"/>
-              </a:rPr>
-              <a:t>10</a:t>
-            </a:r>
-            <a:r>
-              <a:rPr lang="zh-CN" altLang="en-US" b="1" dirty="0" smtClean="0">
-                <a:latin typeface="华文楷体" pitchFamily="2" charset="-122"/>
-                <a:ea typeface="华文楷体" pitchFamily="2" charset="-122"/>
-              </a:rPr>
-              <a:t>章  </a:t>
-            </a:r>
-            <a:r>
-              <a:rPr lang="en-US" altLang="zh-CN" b="1" dirty="0">
-                <a:latin typeface="华文楷体" pitchFamily="2" charset="-122"/>
-                <a:ea typeface="华文楷体" pitchFamily="2" charset="-122"/>
-              </a:rPr>
-              <a:t>C++</a:t>
-            </a:r>
-            <a:r>
-              <a:rPr lang="zh-CN" altLang="en-US" b="1" dirty="0">
-                <a:latin typeface="华文楷体" pitchFamily="2" charset="-122"/>
-                <a:ea typeface="华文楷体" pitchFamily="2" charset="-122"/>
-              </a:rPr>
-              <a:t>设计模式</a:t>
+              <a:t>章文件操作</a:t>
             </a:r>
             <a:endParaRPr lang="zh-CN" altLang="en-US" dirty="0"/>
           </a:p>
@@ -9790,25 +9698,59 @@
           <a:p>
             <a:r>
               <a:rPr lang="zh-CN" altLang="en-US" dirty="0"/>
-              <a:t>单例模式：如何实现和应用单例模式。</a:t>
-            </a:r>
-          </a:p>
-          <a:p>
-            <a:r>
-              <a:rPr lang="zh-CN" altLang="en-US" dirty="0"/>
-              <a:t>工厂模式：使用工厂模式来创建对象。</a:t>
-            </a:r>
-          </a:p>
-          <a:p>
-            <a:r>
-              <a:rPr lang="zh-CN" altLang="en-US" dirty="0"/>
-              <a:t>观察者模式：如何实现和应用观察者模式。</a:t>
-            </a:r>
-          </a:p>
-          <a:p>
-            <a:r>
-              <a:rPr lang="zh-CN" altLang="en-US" dirty="0"/>
-              <a:t>策略模式：定义一系列算法，将每一个算法封装起来。</a:t>
+              <a:t>文件输入输出：使用</a:t>
+            </a:r>
+            <a:r>
+              <a:rPr lang="en-US" altLang="zh-CN" dirty="0" err="1"/>
+              <a:t>fstream</a:t>
+            </a:r>
+            <a:r>
+              <a:rPr lang="zh-CN" altLang="en-US" dirty="0"/>
+              <a:t>进行文件读写。</a:t>
+            </a:r>
+          </a:p>
+          <a:p>
+            <a:r>
+              <a:rPr lang="zh-CN" altLang="en-US" dirty="0"/>
+              <a:t>文本文件与二进制文件：处理文本文件和二进制文件的不同方式。</a:t>
+            </a:r>
+          </a:p>
+          <a:p>
+            <a:r>
+              <a:rPr lang="zh-CN" altLang="en-US" dirty="0"/>
+              <a:t>文件指针与流控制：</a:t>
+            </a:r>
+            <a:r>
+              <a:rPr lang="en-US" altLang="zh-CN" dirty="0" err="1"/>
+              <a:t>seekg</a:t>
+            </a:r>
+            <a:r>
+              <a:rPr lang="zh-CN" altLang="en-US" dirty="0"/>
+              <a:t>、</a:t>
+            </a:r>
+            <a:r>
+              <a:rPr lang="en-US" altLang="zh-CN" dirty="0" err="1"/>
+              <a:t>seekp</a:t>
+            </a:r>
+            <a:r>
+              <a:rPr lang="zh-CN" altLang="en-US" dirty="0"/>
+              <a:t>、</a:t>
+            </a:r>
+            <a:r>
+              <a:rPr lang="en-US" altLang="zh-CN" dirty="0" err="1"/>
+              <a:t>tellg</a:t>
+            </a:r>
+            <a:r>
+              <a:rPr lang="zh-CN" altLang="en-US" dirty="0"/>
+              <a:t>、</a:t>
+            </a:r>
+            <a:r>
+              <a:rPr lang="en-US" altLang="zh-CN" dirty="0" err="1"/>
+              <a:t>tellp</a:t>
+            </a:r>
+            <a:r>
+              <a:rPr lang="zh-CN" altLang="en-US" dirty="0"/>
+              <a:t>。</a:t>
             </a:r>
           </a:p>
         </p:txBody>
@@ -9816,7 +9758,7 @@
     </p:spTree>
     <p:extLst>
       <p:ext uri="{BB962C8B-B14F-4D97-AF65-F5344CB8AC3E}">
-        <p14:creationId xmlns:p14="http://schemas.microsoft.com/office/powerpoint/2010/main" val="4116617042"/>
+        <p14:creationId xmlns:p14="http://schemas.microsoft.com/office/powerpoint/2010/main" val="2309702231"/>
       </p:ext>
     </p:extLst>
   </p:cSld>
@@ -9866,6 +9808,382 @@
           <a:lstStyle/>
           <a:p>
             <a:r>
+              <a:rPr lang="zh-CN" altLang="en-US" b="1" dirty="0" smtClean="0">
+                <a:latin typeface="华文楷体" pitchFamily="2" charset="-122"/>
+                <a:ea typeface="华文楷体" pitchFamily="2" charset="-122"/>
+              </a:rPr>
+              <a:t>第</a:t>
+            </a:r>
+            <a:r>
+              <a:rPr lang="en-US" altLang="zh-CN" b="1" dirty="0" smtClean="0">
+                <a:latin typeface="华文楷体" pitchFamily="2" charset="-122"/>
+                <a:ea typeface="华文楷体" pitchFamily="2" charset="-122"/>
+              </a:rPr>
+              <a:t>9</a:t>
+            </a:r>
+            <a:r>
+              <a:rPr lang="zh-CN" altLang="en-US" b="1" dirty="0" smtClean="0">
+                <a:latin typeface="华文楷体" pitchFamily="2" charset="-122"/>
+                <a:ea typeface="华文楷体" pitchFamily="2" charset="-122"/>
+              </a:rPr>
+              <a:t>章  </a:t>
+            </a:r>
+            <a:r>
+              <a:rPr lang="en-US" altLang="zh-CN" b="1" dirty="0">
+                <a:latin typeface="华文楷体" pitchFamily="2" charset="-122"/>
+                <a:ea typeface="华文楷体" pitchFamily="2" charset="-122"/>
+              </a:rPr>
+              <a:t>C++11</a:t>
+            </a:r>
+            <a:r>
+              <a:rPr lang="zh-CN" altLang="en-US" b="1" dirty="0">
+                <a:latin typeface="华文楷体" pitchFamily="2" charset="-122"/>
+                <a:ea typeface="华文楷体" pitchFamily="2" charset="-122"/>
+              </a:rPr>
+              <a:t>及以后特性</a:t>
+            </a:r>
+            <a:endParaRPr lang="zh-CN" altLang="en-US" dirty="0"/>
+          </a:p>
+        </p:txBody>
+      </p:sp>
+      <p:sp>
+        <p:nvSpPr>
+          <p:cNvPr id="3" name="内容占位符 2"/>
+          <p:cNvSpPr>
+            <a:spLocks noGrp="1"/>
+          </p:cNvSpPr>
+          <p:nvPr>
+            <p:ph idx="1"/>
+          </p:nvPr>
+        </p:nvSpPr>
+        <p:spPr/>
+        <p:txBody>
+          <a:bodyPr/>
+          <a:lstStyle/>
+          <a:p>
+            <a:r>
+              <a:rPr lang="en-US" altLang="zh-CN" dirty="0"/>
+              <a:t>Lambda</a:t>
+            </a:r>
+            <a:r>
+              <a:rPr lang="zh-CN" altLang="en-US" dirty="0"/>
+              <a:t>表达式：如何使用</a:t>
+            </a:r>
+            <a:r>
+              <a:rPr lang="en-US" altLang="zh-CN" dirty="0"/>
+              <a:t>Lambda</a:t>
+            </a:r>
+            <a:r>
+              <a:rPr lang="zh-CN" altLang="en-US" dirty="0"/>
+              <a:t>简化代码。</a:t>
+            </a:r>
+          </a:p>
+          <a:p>
+            <a:r>
+              <a:rPr lang="zh-CN" altLang="en-US" dirty="0"/>
+              <a:t>智能指针：如何使用</a:t>
+            </a:r>
+            <a:r>
+              <a:rPr lang="en-US" altLang="zh-CN" dirty="0" err="1"/>
+              <a:t>shared_ptr</a:t>
+            </a:r>
+            <a:r>
+              <a:rPr lang="zh-CN" altLang="en-US" dirty="0"/>
+              <a:t>、</a:t>
+            </a:r>
+            <a:r>
+              <a:rPr lang="en-US" altLang="zh-CN" dirty="0" err="1"/>
+              <a:t>unique_ptr</a:t>
+            </a:r>
+            <a:r>
+              <a:rPr lang="zh-CN" altLang="en-US" dirty="0"/>
+              <a:t>等智能指针管理内存。</a:t>
+            </a:r>
+          </a:p>
+          <a:p>
+            <a:r>
+              <a:rPr lang="zh-CN" altLang="en-US" dirty="0"/>
+              <a:t>线程与并发：</a:t>
+            </a:r>
+            <a:r>
+              <a:rPr lang="en-US" altLang="zh-CN" dirty="0" err="1"/>
+              <a:t>std</a:t>
+            </a:r>
+            <a:r>
+              <a:rPr lang="en-US" altLang="zh-CN" dirty="0"/>
+              <a:t>::thread</a:t>
+            </a:r>
+            <a:r>
+              <a:rPr lang="zh-CN" altLang="en-US" dirty="0"/>
+              <a:t>、</a:t>
+            </a:r>
+            <a:r>
+              <a:rPr lang="en-US" altLang="zh-CN" dirty="0" err="1"/>
+              <a:t>std</a:t>
+            </a:r>
+            <a:r>
+              <a:rPr lang="en-US" altLang="zh-CN" dirty="0"/>
+              <a:t>::</a:t>
+            </a:r>
+            <a:r>
+              <a:rPr lang="en-US" altLang="zh-CN" dirty="0" err="1"/>
+              <a:t>mutex</a:t>
+            </a:r>
+            <a:r>
+              <a:rPr lang="zh-CN" altLang="en-US" dirty="0"/>
+              <a:t>、</a:t>
+            </a:r>
+            <a:r>
+              <a:rPr lang="en-US" altLang="zh-CN" dirty="0" err="1"/>
+              <a:t>std</a:t>
+            </a:r>
+            <a:r>
+              <a:rPr lang="en-US" altLang="zh-CN" dirty="0"/>
+              <a:t>::</a:t>
+            </a:r>
+            <a:r>
+              <a:rPr lang="en-US" altLang="zh-CN" dirty="0" err="1"/>
+              <a:t>async</a:t>
+            </a:r>
+            <a:r>
+              <a:rPr lang="zh-CN" altLang="en-US" dirty="0"/>
+              <a:t>等并发编程工具。</a:t>
+            </a:r>
+          </a:p>
+          <a:p>
+            <a:r>
+              <a:rPr lang="zh-CN" altLang="en-US" dirty="0"/>
+              <a:t>右值引用与移动语义：</a:t>
+            </a:r>
+            <a:r>
+              <a:rPr lang="en-US" altLang="zh-CN" dirty="0" err="1"/>
+              <a:t>std</a:t>
+            </a:r>
+            <a:r>
+              <a:rPr lang="en-US" altLang="zh-CN" dirty="0"/>
+              <a:t>::move</a:t>
+            </a:r>
+            <a:r>
+              <a:rPr lang="zh-CN" altLang="en-US" dirty="0"/>
+              <a:t>、</a:t>
+            </a:r>
+            <a:r>
+              <a:rPr lang="en-US" altLang="zh-CN" dirty="0" err="1"/>
+              <a:t>std</a:t>
+            </a:r>
+            <a:r>
+              <a:rPr lang="en-US" altLang="zh-CN" dirty="0"/>
+              <a:t>::forward</a:t>
+            </a:r>
+            <a:r>
+              <a:rPr lang="zh-CN" altLang="en-US" dirty="0"/>
+              <a:t>、移动构造函数和移动赋值运算符。</a:t>
+            </a:r>
+          </a:p>
+          <a:p>
+            <a:r>
+              <a:rPr lang="en-US" altLang="zh-CN" dirty="0" err="1"/>
+              <a:t>std</a:t>
+            </a:r>
+            <a:r>
+              <a:rPr lang="en-US" altLang="zh-CN" dirty="0"/>
+              <a:t>::</a:t>
+            </a:r>
+            <a:r>
+              <a:rPr lang="en-US" altLang="zh-CN" dirty="0" err="1"/>
+              <a:t>chrono</a:t>
+            </a:r>
+            <a:r>
+              <a:rPr lang="zh-CN" altLang="en-US" dirty="0"/>
+              <a:t>库：时间测量和延时功能。</a:t>
+            </a:r>
+          </a:p>
+        </p:txBody>
+      </p:sp>
+    </p:spTree>
+    <p:extLst>
+      <p:ext uri="{BB962C8B-B14F-4D97-AF65-F5344CB8AC3E}">
+        <p14:creationId xmlns:p14="http://schemas.microsoft.com/office/powerpoint/2010/main" val="1295629135"/>
+      </p:ext>
+    </p:extLst>
+  </p:cSld>
+  <p:clrMapOvr>
+    <a:masterClrMapping/>
+  </p:clrMapOvr>
+  <p:timing>
+    <p:tnLst>
+      <p:par>
+        <p:cTn id="1" dur="indefinite" restart="never" nodeType="tmRoot"/>
+      </p:par>
+    </p:tnLst>
+  </p:timing>
+</p:sld>
+</file>
+
+<file path=ppt/slides/slide23.xml><?xml version="1.0" encoding="utf-8"?>
+<p:sld xmlns:a="http://schemas.openxmlformats.org/drawingml/2006/main" xmlns:r="http://schemas.openxmlformats.org/officeDocument/2006/relationships" xmlns:p="http://schemas.openxmlformats.org/presentationml/2006/main">
+  <p:cSld>
+    <p:spTree>
+      <p:nvGrpSpPr>
+        <p:cNvPr id="1" name=""/>
+        <p:cNvGrpSpPr/>
+        <p:nvPr/>
+      </p:nvGrpSpPr>
+      <p:grpSpPr>
+        <a:xfrm>
+          <a:off x="0" y="0"/>
+          <a:ext cx="0" cy="0"/>
+          <a:chOff x="0" y="0"/>
+          <a:chExt cx="0" cy="0"/>
+        </a:xfrm>
+      </p:grpSpPr>
+      <p:sp>
+        <p:nvSpPr>
+          <p:cNvPr id="2" name="标题 1"/>
+          <p:cNvSpPr>
+            <a:spLocks noGrp="1"/>
+          </p:cNvSpPr>
+          <p:nvPr>
+            <p:ph type="title"/>
+          </p:nvPr>
+        </p:nvSpPr>
+        <p:spPr/>
+        <p:txBody>
+          <a:bodyPr/>
+          <a:lstStyle/>
+          <a:p>
+            <a:r>
+              <a:rPr lang="zh-CN" altLang="en-US" b="1" dirty="0">
+                <a:latin typeface="华文楷体" pitchFamily="2" charset="-122"/>
+                <a:ea typeface="华文楷体" pitchFamily="2" charset="-122"/>
+              </a:rPr>
+              <a:t>第</a:t>
+            </a:r>
+            <a:r>
+              <a:rPr lang="en-US" altLang="zh-CN" b="1" dirty="0" smtClean="0">
+                <a:latin typeface="华文楷体" pitchFamily="2" charset="-122"/>
+                <a:ea typeface="华文楷体" pitchFamily="2" charset="-122"/>
+              </a:rPr>
+              <a:t>10</a:t>
+            </a:r>
+            <a:r>
+              <a:rPr lang="zh-CN" altLang="en-US" b="1" dirty="0" smtClean="0">
+                <a:latin typeface="华文楷体" pitchFamily="2" charset="-122"/>
+                <a:ea typeface="华文楷体" pitchFamily="2" charset="-122"/>
+              </a:rPr>
+              <a:t>章  </a:t>
+            </a:r>
+            <a:r>
+              <a:rPr lang="en-US" altLang="zh-CN" b="1" dirty="0">
+                <a:latin typeface="华文楷体" pitchFamily="2" charset="-122"/>
+                <a:ea typeface="华文楷体" pitchFamily="2" charset="-122"/>
+              </a:rPr>
+              <a:t>C++</a:t>
+            </a:r>
+            <a:r>
+              <a:rPr lang="zh-CN" altLang="en-US" b="1" dirty="0">
+                <a:latin typeface="华文楷体" pitchFamily="2" charset="-122"/>
+                <a:ea typeface="华文楷体" pitchFamily="2" charset="-122"/>
+              </a:rPr>
+              <a:t>设计模式</a:t>
+            </a:r>
+            <a:endParaRPr lang="zh-CN" altLang="en-US" dirty="0"/>
+          </a:p>
+        </p:txBody>
+      </p:sp>
+      <p:sp>
+        <p:nvSpPr>
+          <p:cNvPr id="3" name="内容占位符 2"/>
+          <p:cNvSpPr>
+            <a:spLocks noGrp="1"/>
+          </p:cNvSpPr>
+          <p:nvPr>
+            <p:ph idx="1"/>
+          </p:nvPr>
+        </p:nvSpPr>
+        <p:spPr/>
+        <p:txBody>
+          <a:bodyPr/>
+          <a:lstStyle/>
+          <a:p>
+            <a:r>
+              <a:rPr lang="zh-CN" altLang="en-US" dirty="0"/>
+              <a:t>单例模式：如何实现和应用单例模式。</a:t>
+            </a:r>
+          </a:p>
+          <a:p>
+            <a:r>
+              <a:rPr lang="zh-CN" altLang="en-US" dirty="0"/>
+              <a:t>工厂模式：使用工厂模式来创建对象。</a:t>
+            </a:r>
+          </a:p>
+          <a:p>
+            <a:r>
+              <a:rPr lang="zh-CN" altLang="en-US" dirty="0"/>
+              <a:t>观察者模式：如何实现和应用观察者模式。</a:t>
+            </a:r>
+          </a:p>
+          <a:p>
+            <a:r>
+              <a:rPr lang="zh-CN" altLang="en-US" dirty="0"/>
+              <a:t>策略模式：定义一系列算法，将每一个算法封装起来。</a:t>
+            </a:r>
+          </a:p>
+        </p:txBody>
+      </p:sp>
+    </p:spTree>
+    <p:extLst>
+      <p:ext uri="{BB962C8B-B14F-4D97-AF65-F5344CB8AC3E}">
+        <p14:creationId xmlns:p14="http://schemas.microsoft.com/office/powerpoint/2010/main" val="4116617042"/>
+      </p:ext>
+    </p:extLst>
+  </p:cSld>
+  <p:clrMapOvr>
+    <a:masterClrMapping/>
+  </p:clrMapOvr>
+  <p:timing>
+    <p:tnLst>
+      <p:par>
+        <p:cTn id="1" dur="indefinite" restart="never" nodeType="tmRoot"/>
+      </p:par>
+    </p:tnLst>
+  </p:timing>
+</p:sld>
+</file>
+
+<file path=ppt/slides/slide24.xml><?xml version="1.0" encoding="utf-8"?>
+<p:sld xmlns:a="http://schemas.openxmlformats.org/drawingml/2006/main" xmlns:r="http://schemas.openxmlformats.org/officeDocument/2006/relationships" xmlns:p="http://schemas.openxmlformats.org/presentationml/2006/main">
+  <p:cSld>
+    <p:spTree>
+      <p:nvGrpSpPr>
+        <p:cNvPr id="1" name=""/>
+        <p:cNvGrpSpPr/>
+        <p:nvPr/>
+      </p:nvGrpSpPr>
+      <p:grpSpPr>
+        <a:xfrm>
+          <a:off x="0" y="0"/>
+          <a:ext cx="0" cy="0"/>
+          <a:chOff x="0" y="0"/>
+          <a:chExt cx="0" cy="0"/>
+        </a:xfrm>
+      </p:grpSpPr>
+      <p:sp>
+        <p:nvSpPr>
+          <p:cNvPr id="2" name="标题 1"/>
+          <p:cNvSpPr>
+            <a:spLocks noGrp="1"/>
+          </p:cNvSpPr>
+          <p:nvPr>
+            <p:ph type="title"/>
+          </p:nvPr>
+        </p:nvSpPr>
+        <p:spPr/>
+        <p:txBody>
+          <a:bodyPr/>
+          <a:lstStyle/>
+          <a:p>
+            <a:r>
               <a:rPr lang="zh-CN" altLang="en-US" b="1" dirty="0">
                 <a:latin typeface="华文楷体" pitchFamily="2" charset="-122"/>
                 <a:ea typeface="华文楷体" pitchFamily="2" charset="-122"/>
@@ -10014,7 +10332,7 @@
 </p:sld>
 </file>
 
-<file path=ppt/slides/slide23.xml><?xml version="1.0" encoding="utf-8"?>
+<file path=ppt/slides/slide25.xml><?xml version="1.0" encoding="utf-8"?>
 <p:sld xmlns:a="http://schemas.openxmlformats.org/drawingml/2006/main" xmlns:r="http://schemas.openxmlformats.org/officeDocument/2006/relationships" xmlns:p="http://schemas.openxmlformats.org/presentationml/2006/main">
   <p:cSld>
     <p:spTree>
@@ -10307,6 +10625,13 @@
   <p:clrMapOvr>
     <a:masterClrMapping/>
   </p:clrMapOvr>
+  <p:timing>
+    <p:tnLst>
+      <p:par>
+        <p:cTn id="1" dur="indefinite" restart="never" nodeType="tmRoot"/>
+      </p:par>
+    </p:tnLst>
+  </p:timing>
 </p:sld>
 </file>
 
@@ -10372,63 +10697,63 @@
           <a:lstStyle/>
           <a:p>
             <a:r>
-              <a:rPr lang="zh-CN" altLang="en-US" b="1" dirty="0"/>
+              <a:rPr lang="zh-CN" altLang="en-US" b="1" dirty="0" smtClean="0"/>
               <a:t>面向过程编程</a:t>
             </a:r>
             <a:r>
-              <a:rPr lang="zh-CN" altLang="en-US" dirty="0"/>
+              <a:rPr lang="zh-CN" altLang="en-US" dirty="0" smtClean="0"/>
               <a:t>（</a:t>
             </a:r>
             <a:r>
-              <a:rPr lang="en-US" altLang="zh-CN" dirty="0"/>
+              <a:rPr lang="en-US" altLang="zh-CN" dirty="0" smtClean="0"/>
               <a:t>Procedural Programming</a:t>
             </a:r>
             <a:r>
-              <a:rPr lang="zh-CN" altLang="en-US" dirty="0"/>
+              <a:rPr lang="zh-CN" altLang="en-US" dirty="0" smtClean="0"/>
               <a:t>）是一种基于过程（函数）来组织代码的编程范式。程序由一系列的过程（即函数）组成，这些过程通过操作数据来实现程序的功能。数据和功能是分离的，数据通常是通过参数传递到函数中进行处理。</a:t>
             </a:r>
           </a:p>
           <a:p>
             <a:pPr lvl="1"/>
             <a:r>
-              <a:rPr lang="zh-CN" altLang="en-US" b="1" dirty="0"/>
+              <a:rPr lang="zh-CN" altLang="en-US" b="1" dirty="0" smtClean="0"/>
               <a:t>设计理念：</a:t>
             </a:r>
             <a:r>
-              <a:rPr lang="zh-CN" altLang="en-US" dirty="0"/>
+              <a:rPr lang="zh-CN" altLang="en-US" dirty="0" smtClean="0"/>
               <a:t> 强调功能的实现（即“如何做”），通过一系列函数来逐步完成任务。</a:t>
             </a:r>
           </a:p>
           <a:p>
             <a:pPr lvl="1"/>
             <a:r>
-              <a:rPr lang="zh-CN" altLang="en-US" b="1" dirty="0"/>
+              <a:rPr lang="zh-CN" altLang="en-US" b="1" dirty="0" smtClean="0"/>
               <a:t>程序结构：</a:t>
             </a:r>
             <a:r>
-              <a:rPr lang="zh-CN" altLang="en-US" dirty="0"/>
+              <a:rPr lang="zh-CN" altLang="en-US" dirty="0" smtClean="0"/>
               <a:t> 程序的核心是函数，函数通过参数接收数据，并对数据进行处理。函数与数据分离。</a:t>
             </a:r>
           </a:p>
           <a:p>
             <a:pPr lvl="1"/>
             <a:r>
-              <a:rPr lang="zh-CN" altLang="en-US" b="1" dirty="0"/>
+              <a:rPr lang="zh-CN" altLang="en-US" b="1" dirty="0" smtClean="0"/>
               <a:t>优点：</a:t>
             </a:r>
             <a:r>
-              <a:rPr lang="zh-CN" altLang="en-US" dirty="0"/>
+              <a:rPr lang="zh-CN" altLang="en-US" dirty="0" smtClean="0"/>
               <a:t> 简单、易于理解，适用于小型或功能相对简单的程序。</a:t>
             </a:r>
           </a:p>
           <a:p>
             <a:pPr lvl="1"/>
             <a:r>
-              <a:rPr lang="zh-CN" altLang="en-US" b="1" dirty="0"/>
+              <a:rPr lang="zh-CN" altLang="en-US" b="1" dirty="0" smtClean="0"/>
               <a:t>缺点：</a:t>
             </a:r>
             <a:r>
-              <a:rPr lang="zh-CN" altLang="en-US" dirty="0"/>
+              <a:rPr lang="zh-CN" altLang="en-US" dirty="0" smtClean="0"/>
               <a:t> 随着程序复杂度增加，难以管理和扩展，代码重复度高，维护起来困难。</a:t>
             </a:r>
           </a:p>
@@ -10447,6 +10772,13 @@
   <p:clrMapOvr>
     <a:masterClrMapping/>
   </p:clrMapOvr>
+  <p:timing>
+    <p:tnLst>
+      <p:par>
+        <p:cTn id="1" dur="indefinite" restart="never" nodeType="tmRoot"/>
+      </p:par>
+    </p:tnLst>
+  </p:timing>
 </p:sld>
 </file>
 
@@ -10588,6 +10920,13 @@
   <p:clrMapOvr>
     <a:masterClrMapping/>
   </p:clrMapOvr>
+  <p:timing>
+    <p:tnLst>
+      <p:par>
+        <p:cTn id="1" dur="indefinite" restart="never" nodeType="tmRoot"/>
+      </p:par>
+    </p:tnLst>
+  </p:timing>
 </p:sld>
 </file>
 
@@ -10624,269 +10963,64 @@
           <a:lstStyle/>
           <a:p>
             <a:r>
-              <a:rPr lang="en-US" altLang="zh-CN" b="1" dirty="0" smtClean="0"/>
-              <a:t>1.2 </a:t>
+              <a:rPr lang="zh-CN" altLang="en-US" b="1" dirty="0"/>
+              <a:t>区别 </a:t>
             </a:r>
             <a:r>
               <a:rPr lang="en-US" altLang="zh-CN" b="1" dirty="0"/>
-              <a:t>C++</a:t>
-            </a:r>
-            <a:r>
-              <a:rPr lang="zh-CN" altLang="zh-CN" b="1" dirty="0"/>
-              <a:t>语言概述</a:t>
-            </a:r>
-            <a:br>
-              <a:rPr lang="zh-CN" altLang="zh-CN" b="1" dirty="0"/>
-            </a:br>
+              <a:t>- </a:t>
+            </a:r>
+            <a:r>
+              <a:rPr lang="zh-CN" altLang="en-US" b="1" dirty="0"/>
+              <a:t>面向过程和面向对象</a:t>
+            </a:r>
             <a:endParaRPr lang="zh-CN" altLang="en-US" dirty="0"/>
           </a:p>
         </p:txBody>
       </p:sp>
-      <p:sp>
-        <p:nvSpPr>
-          <p:cNvPr id="3" name="内容占位符 2"/>
-          <p:cNvSpPr>
-            <a:spLocks noGrp="1"/>
-          </p:cNvSpPr>
+      <p:pic>
+        <p:nvPicPr>
+          <p:cNvPr id="9" name="内容占位符 8"/>
+          <p:cNvPicPr>
+            <a:picLocks noGrp="1" noChangeAspect="1"/>
+          </p:cNvPicPr>
           <p:nvPr>
             <p:ph idx="1"/>
           </p:nvPr>
-        </p:nvSpPr>
-        <p:spPr/>
-        <p:txBody>
-          <a:bodyPr/>
-          <a:lstStyle/>
-          <a:p>
-            <a:r>
-              <a:rPr lang="en-US" altLang="zh-CN" b="1" dirty="0"/>
-              <a:t>C++</a:t>
-            </a:r>
-            <a:r>
-              <a:rPr lang="zh-CN" altLang="zh-CN" b="1" dirty="0"/>
-              <a:t>的起源与发展历程</a:t>
-            </a:r>
-          </a:p>
-          <a:p>
-            <a:pPr marL="0" indent="0">
-              <a:buNone/>
-            </a:pPr>
-            <a:r>
-              <a:rPr lang="en-US" altLang="zh-CN" dirty="0" smtClean="0"/>
-              <a:t>	C</a:t>
-            </a:r>
-            <a:r>
-              <a:rPr lang="en-US" altLang="zh-CN" dirty="0"/>
-              <a:t>++</a:t>
-            </a:r>
-            <a:r>
-              <a:rPr lang="zh-CN" altLang="zh-CN" dirty="0"/>
-              <a:t>最初由</a:t>
-            </a:r>
-            <a:r>
-              <a:rPr lang="en-US" altLang="zh-CN" dirty="0"/>
-              <a:t>Bjarne </a:t>
-            </a:r>
-            <a:r>
-              <a:rPr lang="en-US" altLang="zh-CN" dirty="0" err="1"/>
-              <a:t>Stroustrup</a:t>
-            </a:r>
-            <a:r>
-              <a:rPr lang="zh-CN" altLang="zh-CN" dirty="0"/>
-              <a:t>于</a:t>
-            </a:r>
-            <a:r>
-              <a:rPr lang="en-US" altLang="zh-CN" dirty="0"/>
-              <a:t>1979</a:t>
-            </a:r>
-            <a:r>
-              <a:rPr lang="zh-CN" altLang="zh-CN" dirty="0"/>
-              <a:t>年在贝尔实验室开发，旨在扩展</a:t>
-            </a:r>
-            <a:r>
-              <a:rPr lang="en-US" altLang="zh-CN" dirty="0"/>
-              <a:t>C</a:t>
-            </a:r>
-            <a:r>
-              <a:rPr lang="zh-CN" altLang="zh-CN" dirty="0"/>
-              <a:t>语言以</a:t>
-            </a:r>
-            <a:r>
-              <a:rPr lang="zh-CN" altLang="zh-CN" dirty="0" smtClean="0"/>
-              <a:t>支持</a:t>
-            </a:r>
-            <a:r>
-              <a:rPr lang="en-US" altLang="zh-CN" dirty="0" smtClean="0"/>
-              <a:t>	</a:t>
-            </a:r>
-            <a:r>
-              <a:rPr lang="zh-CN" altLang="zh-CN" dirty="0" smtClean="0"/>
-              <a:t>面向对象</a:t>
-            </a:r>
-            <a:r>
-              <a:rPr lang="zh-CN" altLang="zh-CN" dirty="0"/>
-              <a:t>编程。它兼具面向过程和面向对象的特性，广泛应用于系统软件、应用</a:t>
-            </a:r>
-            <a:r>
-              <a:rPr lang="zh-CN" altLang="zh-CN" dirty="0" smtClean="0"/>
-              <a:t>程</a:t>
-            </a:r>
-            <a:r>
-              <a:rPr lang="en-US" altLang="zh-CN" dirty="0" smtClean="0"/>
-              <a:t>	</a:t>
-            </a:r>
-            <a:r>
-              <a:rPr lang="zh-CN" altLang="zh-CN" dirty="0" smtClean="0"/>
-              <a:t>序</a:t>
-            </a:r>
-            <a:r>
-              <a:rPr lang="zh-CN" altLang="zh-CN" dirty="0"/>
-              <a:t>、游戏开发、嵌入式系统等多个领域</a:t>
-            </a:r>
-            <a:r>
-              <a:rPr lang="zh-CN" altLang="zh-CN" dirty="0" smtClean="0"/>
-              <a:t>。</a:t>
-            </a:r>
-            <a:endParaRPr lang="en-US" altLang="zh-CN" dirty="0" smtClean="0"/>
-          </a:p>
-          <a:p>
-            <a:r>
-              <a:rPr lang="en-US" altLang="zh-CN" b="1" dirty="0"/>
-              <a:t>C++</a:t>
-            </a:r>
-            <a:r>
-              <a:rPr lang="zh-CN" altLang="zh-CN" b="1" dirty="0"/>
-              <a:t>与</a:t>
-            </a:r>
-            <a:r>
-              <a:rPr lang="en-US" altLang="zh-CN" b="1" dirty="0"/>
-              <a:t>C</a:t>
-            </a:r>
-            <a:r>
-              <a:rPr lang="zh-CN" altLang="zh-CN" b="1" dirty="0"/>
-              <a:t>语言的区别</a:t>
-            </a:r>
-          </a:p>
-          <a:p>
-            <a:pPr lvl="1"/>
-            <a:r>
-              <a:rPr lang="en-US" altLang="zh-CN" dirty="0" smtClean="0"/>
-              <a:t>C++</a:t>
-            </a:r>
-            <a:r>
-              <a:rPr lang="zh-CN" altLang="zh-CN" dirty="0" smtClean="0"/>
-              <a:t>比</a:t>
-            </a:r>
-            <a:r>
-              <a:rPr lang="en-US" altLang="zh-CN" dirty="0" smtClean="0"/>
-              <a:t>C</a:t>
-            </a:r>
-            <a:r>
-              <a:rPr lang="zh-CN" altLang="zh-CN" dirty="0" smtClean="0"/>
-              <a:t>语言在面向对象编程（</a:t>
-            </a:r>
-            <a:r>
-              <a:rPr lang="en-US" altLang="zh-CN" dirty="0" smtClean="0"/>
-              <a:t>OOP</a:t>
-            </a:r>
-            <a:r>
-              <a:rPr lang="zh-CN" altLang="zh-CN" dirty="0" smtClean="0"/>
-              <a:t>）方面做了大量扩展。以下是主要的区别：</a:t>
-            </a:r>
-          </a:p>
-          <a:p>
-            <a:pPr lvl="1"/>
-            <a:r>
-              <a:rPr lang="zh-CN" altLang="zh-CN" b="1" dirty="0" smtClean="0"/>
-              <a:t>面向对象</a:t>
-            </a:r>
-            <a:r>
-              <a:rPr lang="zh-CN" altLang="zh-CN" dirty="0" smtClean="0"/>
-              <a:t>：</a:t>
-            </a:r>
-            <a:r>
-              <a:rPr lang="en-US" altLang="zh-CN" dirty="0" smtClean="0"/>
-              <a:t>C++</a:t>
-            </a:r>
-            <a:r>
-              <a:rPr lang="zh-CN" altLang="zh-CN" dirty="0" smtClean="0"/>
-              <a:t>引入了类（</a:t>
-            </a:r>
-            <a:r>
-              <a:rPr lang="en-US" altLang="zh-CN" dirty="0" smtClean="0"/>
-              <a:t>Class</a:t>
-            </a:r>
-            <a:r>
-              <a:rPr lang="zh-CN" altLang="zh-CN" dirty="0" smtClean="0"/>
-              <a:t>）和对象（</a:t>
-            </a:r>
-            <a:r>
-              <a:rPr lang="en-US" altLang="zh-CN" dirty="0" smtClean="0"/>
-              <a:t>Object</a:t>
-            </a:r>
-            <a:r>
-              <a:rPr lang="zh-CN" altLang="zh-CN" dirty="0" smtClean="0"/>
-              <a:t>）的概念，支持封装、继承和多态。</a:t>
-            </a:r>
-          </a:p>
-          <a:p>
-            <a:pPr lvl="1"/>
-            <a:r>
-              <a:rPr lang="zh-CN" altLang="zh-CN" b="1" dirty="0" smtClean="0"/>
-              <a:t>构造函数与析构函数</a:t>
-            </a:r>
-            <a:r>
-              <a:rPr lang="zh-CN" altLang="zh-CN" dirty="0" smtClean="0"/>
-              <a:t>：</a:t>
-            </a:r>
-            <a:r>
-              <a:rPr lang="en-US" altLang="zh-CN" dirty="0" smtClean="0"/>
-              <a:t>C++</a:t>
-            </a:r>
-            <a:r>
-              <a:rPr lang="zh-CN" altLang="zh-CN" dirty="0" smtClean="0"/>
-              <a:t>引入了构造函数和析构函数，用于对象的初始化与销毁。</a:t>
-            </a:r>
-          </a:p>
-          <a:p>
-            <a:pPr lvl="1"/>
-            <a:r>
-              <a:rPr lang="zh-CN" altLang="zh-CN" b="1" dirty="0" smtClean="0"/>
-              <a:t>函数重载</a:t>
-            </a:r>
-            <a:r>
-              <a:rPr lang="zh-CN" altLang="zh-CN" dirty="0" smtClean="0"/>
-              <a:t>：</a:t>
-            </a:r>
-            <a:r>
-              <a:rPr lang="en-US" altLang="zh-CN" dirty="0" smtClean="0"/>
-              <a:t>C++</a:t>
-            </a:r>
-            <a:r>
-              <a:rPr lang="zh-CN" altLang="zh-CN" dirty="0" smtClean="0"/>
-              <a:t>允许函数名重载，可以根据参数类型或数量来选择不同的函数实现。</a:t>
-            </a:r>
-          </a:p>
-          <a:p>
-            <a:pPr marL="0" indent="0">
-              <a:buNone/>
-            </a:pPr>
-            <a:endParaRPr lang="zh-CN" altLang="zh-CN" dirty="0"/>
-          </a:p>
-          <a:p>
-            <a:endParaRPr lang="zh-CN" altLang="en-US" dirty="0"/>
-          </a:p>
-        </p:txBody>
-      </p:sp>
+        </p:nvPicPr>
+        <p:blipFill>
+          <a:blip r:embed="rId2"/>
+          <a:stretch>
+            <a:fillRect/>
+          </a:stretch>
+        </p:blipFill>
+        <p:spPr>
+          <a:xfrm>
+            <a:off x="3808926" y="1993557"/>
+            <a:ext cx="3362071" cy="3778250"/>
+          </a:xfrm>
+          <a:prstGeom prst="rect">
+            <a:avLst/>
+          </a:prstGeom>
+        </p:spPr>
+      </p:pic>
     </p:spTree>
     <p:extLst>
       <p:ext uri="{BB962C8B-B14F-4D97-AF65-F5344CB8AC3E}">
-        <p14:creationId xmlns:p14="http://schemas.microsoft.com/office/powerpoint/2010/main" val="2881265208"/>
+        <p14:creationId xmlns:p14="http://schemas.microsoft.com/office/powerpoint/2010/main" val="2001259653"/>
       </p:ext>
     </p:extLst>
   </p:cSld>
   <p:clrMapOvr>
     <a:masterClrMapping/>
   </p:clrMapOvr>
+  <p:timing>
+    <p:tnLst>
+      <p:par>
+        <p:cTn id="1" dur="indefinite" restart="never" nodeType="tmRoot"/>
+      </p:par>
+    </p:tnLst>
+  </p:timing>
 </p:sld>
 </file>
 
@@ -10923,334 +11057,63 @@
           <a:lstStyle/>
           <a:p>
             <a:r>
-              <a:rPr lang="zh-CN" altLang="en-US" dirty="0"/>
-              <a:t>最简单的</a:t>
-            </a:r>
-            <a:r>
-              <a:rPr lang="en-US" altLang="zh-CN" dirty="0" smtClean="0"/>
-              <a:t>C++</a:t>
-            </a:r>
-            <a:r>
-              <a:rPr lang="zh-CN" altLang="en-US" dirty="0" smtClean="0"/>
-              <a:t>语言</a:t>
-            </a:r>
-            <a:r>
-              <a:rPr lang="zh-CN" altLang="en-US" dirty="0"/>
-              <a:t>程序</a:t>
-            </a:r>
-          </a:p>
-        </p:txBody>
-      </p:sp>
-      <p:sp>
-        <p:nvSpPr>
-          <p:cNvPr id="3" name="内容占位符 2"/>
-          <p:cNvSpPr>
-            <a:spLocks noGrp="1"/>
-          </p:cNvSpPr>
+              <a:rPr lang="zh-CN" altLang="en-US" b="1" dirty="0"/>
+              <a:t>区别 </a:t>
+            </a:r>
+            <a:r>
+              <a:rPr lang="en-US" altLang="zh-CN" b="1" dirty="0"/>
+              <a:t>- </a:t>
+            </a:r>
+            <a:r>
+              <a:rPr lang="zh-CN" altLang="en-US" b="1" dirty="0"/>
+              <a:t>面向过程和面向对象</a:t>
+            </a:r>
+          </a:p>
+        </p:txBody>
+      </p:sp>
+      <p:pic>
+        <p:nvPicPr>
+          <p:cNvPr id="6" name="内容占位符 5"/>
+          <p:cNvPicPr>
+            <a:picLocks noGrp="1" noChangeAspect="1"/>
+          </p:cNvPicPr>
           <p:nvPr>
             <p:ph idx="1"/>
           </p:nvPr>
-        </p:nvSpPr>
-        <p:spPr/>
-        <p:txBody>
-          <a:bodyPr>
-            <a:normAutofit fontScale="85000" lnSpcReduction="20000"/>
-          </a:bodyPr>
-          <a:lstStyle/>
-          <a:p>
-            <a:pPr marL="0" indent="0">
-              <a:buNone/>
-            </a:pPr>
-            <a:r>
-              <a:rPr lang="en-US" altLang="zh-CN" dirty="0"/>
-              <a:t>#include &lt;</a:t>
-            </a:r>
-            <a:r>
-              <a:rPr lang="en-US" altLang="zh-CN" dirty="0" err="1"/>
-              <a:t>iostream</a:t>
-            </a:r>
-            <a:r>
-              <a:rPr lang="en-US" altLang="zh-CN" dirty="0"/>
-              <a:t>&gt; // </a:t>
-            </a:r>
-            <a:r>
-              <a:rPr lang="zh-CN" altLang="en-US" dirty="0"/>
-              <a:t>引入输入输出流库</a:t>
-            </a:r>
-          </a:p>
-          <a:p>
-            <a:pPr marL="0" indent="0">
-              <a:buNone/>
-            </a:pPr>
-            <a:endParaRPr lang="zh-CN" altLang="en-US" dirty="0"/>
-          </a:p>
-          <a:p>
-            <a:pPr marL="0" indent="0">
-              <a:buNone/>
-            </a:pPr>
-            <a:r>
-              <a:rPr lang="en-US" altLang="zh-CN" dirty="0" err="1"/>
-              <a:t>int</a:t>
-            </a:r>
-            <a:r>
-              <a:rPr lang="en-US" altLang="zh-CN" dirty="0"/>
-              <a:t> main() {</a:t>
-            </a:r>
-          </a:p>
-          <a:p>
-            <a:pPr marL="0" indent="0">
-              <a:buNone/>
-            </a:pPr>
-            <a:r>
-              <a:rPr lang="en-US" altLang="zh-CN" dirty="0"/>
-              <a:t>    // </a:t>
-            </a:r>
-            <a:r>
-              <a:rPr lang="zh-CN" altLang="en-US" dirty="0"/>
-              <a:t>输出 </a:t>
-            </a:r>
-            <a:r>
-              <a:rPr lang="en-US" altLang="zh-CN" dirty="0"/>
-              <a:t>"Hello, World!" </a:t>
-            </a:r>
-            <a:r>
-              <a:rPr lang="zh-CN" altLang="en-US" dirty="0"/>
-              <a:t>到控制台</a:t>
-            </a:r>
-          </a:p>
-          <a:p>
-            <a:pPr marL="0" indent="0">
-              <a:buNone/>
-            </a:pPr>
-            <a:r>
-              <a:rPr lang="zh-CN" altLang="en-US" dirty="0"/>
-              <a:t>    </a:t>
-            </a:r>
-            <a:r>
-              <a:rPr lang="en-US" altLang="zh-CN" dirty="0" err="1"/>
-              <a:t>std</a:t>
-            </a:r>
-            <a:r>
-              <a:rPr lang="en-US" altLang="zh-CN" dirty="0"/>
-              <a:t>::</a:t>
-            </a:r>
-            <a:r>
-              <a:rPr lang="en-US" altLang="zh-CN" dirty="0" err="1"/>
-              <a:t>cout</a:t>
-            </a:r>
-            <a:r>
-              <a:rPr lang="en-US" altLang="zh-CN" dirty="0"/>
-              <a:t> &lt;&lt; "Hello, World!" &lt;&lt; </a:t>
-            </a:r>
-            <a:r>
-              <a:rPr lang="en-US" altLang="zh-CN" dirty="0" err="1"/>
-              <a:t>std</a:t>
-            </a:r>
-            <a:r>
-              <a:rPr lang="en-US" altLang="zh-CN" dirty="0"/>
-              <a:t>::</a:t>
-            </a:r>
-            <a:r>
-              <a:rPr lang="en-US" altLang="zh-CN" dirty="0" err="1"/>
-              <a:t>endl</a:t>
-            </a:r>
-            <a:r>
-              <a:rPr lang="en-US" altLang="zh-CN" dirty="0"/>
-              <a:t>;</a:t>
-            </a:r>
-          </a:p>
-          <a:p>
-            <a:pPr marL="0" indent="0">
-              <a:buNone/>
-            </a:pPr>
-            <a:r>
-              <a:rPr lang="en-US" altLang="zh-CN" dirty="0"/>
-              <a:t>    return 0; // </a:t>
-            </a:r>
-            <a:r>
-              <a:rPr lang="zh-CN" altLang="en-US" dirty="0"/>
-              <a:t>返回 </a:t>
-            </a:r>
-            <a:r>
-              <a:rPr lang="en-US" altLang="zh-CN" dirty="0"/>
-              <a:t>0</a:t>
-            </a:r>
-            <a:r>
-              <a:rPr lang="zh-CN" altLang="en-US" dirty="0"/>
-              <a:t>，表示程序成功结束</a:t>
-            </a:r>
-          </a:p>
-          <a:p>
-            <a:pPr marL="0" indent="0">
-              <a:buNone/>
-            </a:pPr>
-            <a:r>
-              <a:rPr lang="en-US" altLang="zh-CN" dirty="0" smtClean="0"/>
-              <a:t>}</a:t>
-            </a:r>
-          </a:p>
-          <a:p>
-            <a:pPr marL="0" indent="0">
-              <a:buNone/>
-            </a:pPr>
-            <a:endParaRPr lang="en-US" altLang="zh-CN" dirty="0"/>
-          </a:p>
-          <a:p>
-            <a:pPr marL="0" indent="0">
-              <a:buNone/>
-            </a:pPr>
-            <a:r>
-              <a:rPr lang="en-US" altLang="zh-CN" dirty="0"/>
-              <a:t>#include &lt;</a:t>
-            </a:r>
-            <a:r>
-              <a:rPr lang="en-US" altLang="zh-CN" dirty="0" err="1"/>
-              <a:t>iostream</a:t>
-            </a:r>
-            <a:r>
-              <a:rPr lang="en-US" altLang="zh-CN" dirty="0"/>
-              <a:t>&gt;</a:t>
-            </a:r>
-            <a:r>
-              <a:rPr lang="zh-CN" altLang="en-US" dirty="0"/>
-              <a:t>：引入</a:t>
-            </a:r>
-            <a:r>
-              <a:rPr lang="en-US" altLang="zh-CN" dirty="0"/>
-              <a:t>C++</a:t>
-            </a:r>
-            <a:r>
-              <a:rPr lang="zh-CN" altLang="en-US" dirty="0"/>
-              <a:t>标准库中的输入输出流库，允许程序使用</a:t>
-            </a:r>
-            <a:r>
-              <a:rPr lang="en-US" altLang="zh-CN" dirty="0" err="1"/>
-              <a:t>std</a:t>
-            </a:r>
-            <a:r>
-              <a:rPr lang="en-US" altLang="zh-CN" dirty="0"/>
-              <a:t>::</a:t>
-            </a:r>
-            <a:r>
-              <a:rPr lang="en-US" altLang="zh-CN" dirty="0" err="1"/>
-              <a:t>cout</a:t>
-            </a:r>
-            <a:r>
-              <a:rPr lang="zh-CN" altLang="en-US" dirty="0"/>
-              <a:t>来输出文本。</a:t>
-            </a:r>
-          </a:p>
-          <a:p>
-            <a:pPr marL="0" indent="0">
-              <a:buNone/>
-            </a:pPr>
-            <a:r>
-              <a:rPr lang="en-US" altLang="zh-CN" dirty="0" err="1"/>
-              <a:t>int</a:t>
-            </a:r>
-            <a:r>
-              <a:rPr lang="en-US" altLang="zh-CN" dirty="0"/>
-              <a:t> main()</a:t>
-            </a:r>
-            <a:r>
-              <a:rPr lang="zh-CN" altLang="en-US" dirty="0"/>
-              <a:t>：</a:t>
-            </a:r>
-            <a:r>
-              <a:rPr lang="en-US" altLang="zh-CN" dirty="0"/>
-              <a:t>C++</a:t>
-            </a:r>
-            <a:r>
-              <a:rPr lang="zh-CN" altLang="en-US" dirty="0"/>
-              <a:t>程序的入口点，所有的</a:t>
-            </a:r>
-            <a:r>
-              <a:rPr lang="en-US" altLang="zh-CN" dirty="0"/>
-              <a:t>C++</a:t>
-            </a:r>
-            <a:r>
-              <a:rPr lang="zh-CN" altLang="en-US" dirty="0"/>
-              <a:t>程序都从</a:t>
-            </a:r>
-            <a:r>
-              <a:rPr lang="en-US" altLang="zh-CN" dirty="0"/>
-              <a:t>main</a:t>
-            </a:r>
-            <a:r>
-              <a:rPr lang="zh-CN" altLang="en-US" dirty="0"/>
-              <a:t>函数开始执行。</a:t>
-            </a:r>
-          </a:p>
-          <a:p>
-            <a:pPr marL="0" indent="0">
-              <a:buNone/>
-            </a:pPr>
-            <a:r>
-              <a:rPr lang="en-US" altLang="zh-CN" dirty="0" err="1"/>
-              <a:t>std</a:t>
-            </a:r>
-            <a:r>
-              <a:rPr lang="en-US" altLang="zh-CN" dirty="0"/>
-              <a:t>::</a:t>
-            </a:r>
-            <a:r>
-              <a:rPr lang="en-US" altLang="zh-CN" dirty="0" err="1"/>
-              <a:t>cout</a:t>
-            </a:r>
-            <a:r>
-              <a:rPr lang="zh-CN" altLang="en-US" dirty="0"/>
-              <a:t>：用于输出数据到控制台的对象。</a:t>
-            </a:r>
-            <a:r>
-              <a:rPr lang="en-US" altLang="zh-CN" dirty="0" err="1"/>
-              <a:t>std</a:t>
-            </a:r>
-            <a:r>
-              <a:rPr lang="en-US" altLang="zh-CN" dirty="0"/>
-              <a:t>::</a:t>
-            </a:r>
-            <a:r>
-              <a:rPr lang="en-US" altLang="zh-CN" dirty="0" err="1"/>
-              <a:t>endl</a:t>
-            </a:r>
-            <a:r>
-              <a:rPr lang="zh-CN" altLang="en-US" dirty="0"/>
-              <a:t>用于输出换行符。</a:t>
-            </a:r>
-          </a:p>
-          <a:p>
-            <a:pPr marL="0" indent="0">
-              <a:buNone/>
-            </a:pPr>
-            <a:r>
-              <a:rPr lang="en-US" altLang="zh-CN" dirty="0"/>
-              <a:t>return 0;</a:t>
-            </a:r>
-            <a:r>
-              <a:rPr lang="zh-CN" altLang="en-US" dirty="0"/>
-              <a:t>：返回</a:t>
-            </a:r>
-            <a:r>
-              <a:rPr lang="en-US" altLang="zh-CN" dirty="0"/>
-              <a:t>0</a:t>
-            </a:r>
-            <a:r>
-              <a:rPr lang="zh-CN" altLang="en-US" dirty="0"/>
-              <a:t>表示程序成功运行。</a:t>
-            </a:r>
-          </a:p>
-        </p:txBody>
-      </p:sp>
+        </p:nvPicPr>
+        <p:blipFill>
+          <a:blip r:embed="rId2"/>
+          <a:stretch>
+            <a:fillRect/>
+          </a:stretch>
+        </p:blipFill>
+        <p:spPr>
+          <a:xfrm>
+            <a:off x="3425240" y="2100648"/>
+            <a:ext cx="4211819" cy="3778250"/>
+          </a:xfrm>
+          <a:prstGeom prst="rect">
+            <a:avLst/>
+          </a:prstGeom>
+        </p:spPr>
+      </p:pic>
     </p:spTree>
     <p:extLst>
       <p:ext uri="{BB962C8B-B14F-4D97-AF65-F5344CB8AC3E}">
-        <p14:creationId xmlns:p14="http://schemas.microsoft.com/office/powerpoint/2010/main" val="3060536385"/>
+        <p14:creationId xmlns:p14="http://schemas.microsoft.com/office/powerpoint/2010/main" val="1193873002"/>
       </p:ext>
     </p:extLst>
   </p:cSld>
   <p:clrMapOvr>
     <a:masterClrMapping/>
   </p:clrMapOvr>
+  <p:timing>
+    <p:tnLst>
+      <p:par>
+        <p:cTn id="1" dur="indefinite" restart="never" nodeType="tmRoot"/>
+      </p:par>
+    </p:tnLst>
+  </p:timing>
 </p:sld>
 </file>
 
@@ -11283,25 +11146,20 @@
         </p:nvSpPr>
         <p:spPr/>
         <p:txBody>
-          <a:bodyPr>
-            <a:normAutofit fontScale="90000"/>
-          </a:bodyPr>
+          <a:bodyPr/>
           <a:lstStyle/>
           <a:p>
             <a:r>
               <a:rPr lang="en-US" altLang="zh-CN" b="1" dirty="0" smtClean="0"/>
-              <a:t>1.3 </a:t>
+              <a:t>1.2 </a:t>
+            </a:r>
+            <a:r>
+              <a:rPr lang="en-US" altLang="zh-CN" b="1" dirty="0"/>
+              <a:t>C++</a:t>
             </a:r>
             <a:r>
               <a:rPr lang="zh-CN" altLang="zh-CN" b="1" dirty="0"/>
-              <a:t>开发环境</a:t>
-            </a:r>
-            <a:br>
-              <a:rPr lang="zh-CN" altLang="zh-CN" b="1" dirty="0"/>
-            </a:br>
-            <a:r>
-              <a:rPr lang="zh-CN" altLang="zh-CN" b="1" dirty="0"/>
-              <a:t/>
+              <a:t>语言概述</a:t>
             </a:r>
             <a:br>
               <a:rPr lang="zh-CN" altLang="zh-CN" b="1" dirty="0"/>
@@ -11326,28 +11184,221 @@
           <a:lstStyle/>
           <a:p>
             <a:r>
+              <a:rPr lang="en-US" altLang="zh-CN" b="1" dirty="0"/>
+              <a:t>C++</a:t>
+            </a:r>
+            <a:r>
+              <a:rPr lang="zh-CN" altLang="zh-CN" b="1" dirty="0"/>
+              <a:t>的起源与发展历程</a:t>
+            </a:r>
+          </a:p>
+          <a:p>
+            <a:pPr marL="0" indent="0">
+              <a:buNone/>
+            </a:pPr>
+            <a:r>
+              <a:rPr lang="en-US" altLang="zh-CN" dirty="0" smtClean="0"/>
+              <a:t>	C</a:t>
+            </a:r>
+            <a:r>
               <a:rPr lang="en-US" altLang="zh-CN" dirty="0"/>
+              <a:t>++</a:t>
+            </a:r>
+            <a:r>
+              <a:rPr lang="zh-CN" altLang="zh-CN" dirty="0"/>
+              <a:t>最初由</a:t>
+            </a:r>
+            <a:r>
+              <a:rPr lang="en-US" altLang="zh-CN" dirty="0"/>
+              <a:t>Bjarne </a:t>
+            </a:r>
+            <a:r>
+              <a:rPr lang="en-US" altLang="zh-CN" dirty="0" err="1"/>
+              <a:t>Stroustrup</a:t>
+            </a:r>
+            <a:r>
+              <a:rPr lang="zh-CN" altLang="zh-CN" dirty="0"/>
+              <a:t>于</a:t>
+            </a:r>
+            <a:r>
+              <a:rPr lang="en-US" altLang="zh-CN" dirty="0"/>
+              <a:t>1979</a:t>
+            </a:r>
+            <a:r>
+              <a:rPr lang="zh-CN" altLang="zh-CN" dirty="0"/>
+              <a:t>年在贝尔实验室开发，旨在扩展</a:t>
+            </a:r>
+            <a:r>
+              <a:rPr lang="en-US" altLang="zh-CN" dirty="0"/>
+              <a:t>C</a:t>
+            </a:r>
+            <a:r>
+              <a:rPr lang="zh-CN" altLang="zh-CN" dirty="0"/>
+              <a:t>语言以</a:t>
+            </a:r>
+            <a:r>
+              <a:rPr lang="zh-CN" altLang="zh-CN" dirty="0" smtClean="0"/>
+              <a:t>支持</a:t>
+            </a:r>
+            <a:r>
+              <a:rPr lang="en-US" altLang="zh-CN" dirty="0" smtClean="0"/>
+              <a:t>	</a:t>
+            </a:r>
+            <a:r>
+              <a:rPr lang="zh-CN" altLang="zh-CN" dirty="0" smtClean="0"/>
+              <a:t>面向对象</a:t>
+            </a:r>
+            <a:r>
+              <a:rPr lang="zh-CN" altLang="zh-CN" dirty="0"/>
+              <a:t>编程。它兼具面向过程和面向对象的特性，广泛应用于系统软件、应用</a:t>
+            </a:r>
+            <a:r>
+              <a:rPr lang="zh-CN" altLang="zh-CN" dirty="0" smtClean="0"/>
+              <a:t>程</a:t>
+            </a:r>
+            <a:r>
+              <a:rPr lang="en-US" altLang="zh-CN" dirty="0" smtClean="0"/>
+              <a:t>	</a:t>
+            </a:r>
+            <a:r>
+              <a:rPr lang="zh-CN" altLang="zh-CN" dirty="0" smtClean="0"/>
+              <a:t>序</a:t>
+            </a:r>
+            <a:r>
+              <a:rPr lang="zh-CN" altLang="zh-CN" dirty="0"/>
+              <a:t>、游戏开发、嵌入式系统等多个领域</a:t>
+            </a:r>
+            <a:r>
+              <a:rPr lang="zh-CN" altLang="zh-CN" dirty="0" smtClean="0"/>
+              <a:t>。</a:t>
+            </a:r>
+            <a:endParaRPr lang="en-US" altLang="zh-CN" dirty="0" smtClean="0"/>
+          </a:p>
+          <a:p>
+            <a:r>
+              <a:rPr lang="en-US" altLang="zh-CN" b="1" dirty="0"/>
               <a:t>C++</a:t>
             </a:r>
             <a:r>
-              <a:rPr lang="zh-CN" altLang="zh-CN" dirty="0"/>
-              <a:t>的编译</a:t>
+              <a:rPr lang="zh-CN" altLang="zh-CN" b="1" dirty="0"/>
+              <a:t>与</a:t>
+            </a:r>
+            <a:r>
+              <a:rPr lang="en-US" altLang="zh-CN" b="1" dirty="0"/>
+              <a:t>C</a:t>
+            </a:r>
+            <a:r>
+              <a:rPr lang="zh-CN" altLang="zh-CN" b="1" dirty="0"/>
+              <a:t>语言的区别</a:t>
+            </a:r>
+          </a:p>
+          <a:p>
+            <a:pPr lvl="1"/>
+            <a:r>
+              <a:rPr lang="en-US" altLang="zh-CN" dirty="0" smtClean="0"/>
+              <a:t>C++</a:t>
             </a:r>
             <a:r>
               <a:rPr lang="zh-CN" altLang="zh-CN" dirty="0" smtClean="0"/>
-              <a:t>过程</a:t>
-            </a:r>
-            <a:endParaRPr lang="en-US" altLang="zh-CN" dirty="0" smtClean="0"/>
-          </a:p>
-          <a:p>
-            <a:r>
-              <a:rPr lang="en-US" altLang="zh-CN" dirty="0"/>
+              <a:t>比</a:t>
+            </a:r>
+            <a:r>
+              <a:rPr lang="en-US" altLang="zh-CN" dirty="0" smtClean="0"/>
+              <a:t>C</a:t>
+            </a:r>
+            <a:r>
+              <a:rPr lang="zh-CN" altLang="zh-CN" dirty="0" smtClean="0"/>
+              <a:t>语言在面向对象编程（</a:t>
+            </a:r>
+            <a:r>
+              <a:rPr lang="en-US" altLang="zh-CN" dirty="0" smtClean="0"/>
+              <a:t>OOP</a:t>
+            </a:r>
+            <a:r>
+              <a:rPr lang="zh-CN" altLang="zh-CN" dirty="0" smtClean="0"/>
+              <a:t>）方面做了大量扩展。以下是主要的区别：</a:t>
+            </a:r>
+          </a:p>
+          <a:p>
+            <a:pPr lvl="1"/>
+            <a:r>
+              <a:rPr lang="zh-CN" altLang="zh-CN" b="1" dirty="0" smtClean="0"/>
+              <a:t>面向对象</a:t>
+            </a:r>
+            <a:r>
+              <a:rPr lang="zh-CN" altLang="zh-CN" dirty="0" smtClean="0"/>
+              <a:t>：</a:t>
+            </a:r>
+            <a:r>
+              <a:rPr lang="en-US" altLang="zh-CN" dirty="0" smtClean="0"/>
               <a:t>C++</a:t>
             </a:r>
             <a:r>
-              <a:rPr lang="zh-CN" altLang="zh-CN" dirty="0"/>
-              <a:t>开发环境</a:t>
-            </a:r>
+              <a:rPr lang="zh-CN" altLang="zh-CN" dirty="0" smtClean="0"/>
+              <a:t>引入了类（</a:t>
+            </a:r>
+            <a:r>
+              <a:rPr lang="en-US" altLang="zh-CN" dirty="0" smtClean="0"/>
+              <a:t>Class</a:t>
+            </a:r>
+            <a:r>
+              <a:rPr lang="zh-CN" altLang="zh-CN" dirty="0" smtClean="0"/>
+              <a:t>）和对象（</a:t>
+            </a:r>
+            <a:r>
+              <a:rPr lang="en-US" altLang="zh-CN" dirty="0" smtClean="0"/>
+              <a:t>Object</a:t>
+            </a:r>
+            <a:r>
+              <a:rPr lang="zh-CN" altLang="zh-CN" dirty="0" smtClean="0"/>
+              <a:t>）的概念，支持封装、继承和多态。</a:t>
+            </a:r>
+          </a:p>
+          <a:p>
+            <a:pPr lvl="1"/>
+            <a:r>
+              <a:rPr lang="zh-CN" altLang="zh-CN" b="1" dirty="0" smtClean="0"/>
+              <a:t>构造函数与析构函数</a:t>
+            </a:r>
+            <a:r>
+              <a:rPr lang="zh-CN" altLang="zh-CN" dirty="0" smtClean="0"/>
+              <a:t>：</a:t>
+            </a:r>
+            <a:r>
+              <a:rPr lang="en-US" altLang="zh-CN" dirty="0" smtClean="0"/>
+              <a:t>C++</a:t>
+            </a:r>
+            <a:r>
+              <a:rPr lang="zh-CN" altLang="zh-CN" dirty="0" smtClean="0"/>
+              <a:t>引入了构造函数和析构函数，用于对象的初始化与销毁。</a:t>
+            </a:r>
+          </a:p>
+          <a:p>
+            <a:pPr lvl="1"/>
+            <a:r>
+              <a:rPr lang="zh-CN" altLang="zh-CN" b="1" dirty="0" smtClean="0"/>
+              <a:t>函数重载</a:t>
+            </a:r>
+            <a:r>
+              <a:rPr lang="zh-CN" altLang="zh-CN" dirty="0" smtClean="0"/>
+              <a:t>：</a:t>
+            </a:r>
+            <a:r>
+              <a:rPr lang="en-US" altLang="zh-CN" dirty="0" smtClean="0"/>
+              <a:t>C++</a:t>
+            </a:r>
+            <a:r>
+              <a:rPr lang="zh-CN" altLang="zh-CN" dirty="0" smtClean="0"/>
+              <a:t>允许函数名重载，可以根据参数类型或数量来选择不同的函数实现。</a:t>
+            </a:r>
+          </a:p>
+          <a:p>
+            <a:pPr marL="0" indent="0">
+              <a:buNone/>
+            </a:pPr>
+            <a:endParaRPr lang="zh-CN" altLang="zh-CN" dirty="0"/>
+          </a:p>
+          <a:p>
             <a:endParaRPr lang="zh-CN" altLang="en-US" dirty="0"/>
           </a:p>
         </p:txBody>
@@ -11355,13 +11406,20 @@
     </p:spTree>
     <p:extLst>
       <p:ext uri="{BB962C8B-B14F-4D97-AF65-F5344CB8AC3E}">
-        <p14:creationId xmlns:p14="http://schemas.microsoft.com/office/powerpoint/2010/main" val="3987127715"/>
+        <p14:creationId xmlns:p14="http://schemas.microsoft.com/office/powerpoint/2010/main" val="2881265208"/>
       </p:ext>
     </p:extLst>
   </p:cSld>
   <p:clrMapOvr>
     <a:masterClrMapping/>
   </p:clrMapOvr>
+  <p:timing>
+    <p:tnLst>
+      <p:par>
+        <p:cTn id="1" dur="indefinite" restart="never" nodeType="tmRoot"/>
+      </p:par>
+    </p:tnLst>
+  </p:timing>
 </p:sld>
 </file>
 
@@ -11398,140 +11456,315 @@
           <a:lstStyle/>
           <a:p>
             <a:r>
-              <a:rPr lang="en-US" altLang="zh-CN" b="1" dirty="0"/>
+              <a:rPr lang="zh-CN" altLang="en-US" dirty="0"/>
+              <a:t>最简单的</a:t>
+            </a:r>
+            <a:r>
+              <a:rPr lang="en-US" altLang="zh-CN" dirty="0" smtClean="0"/>
               <a:t>C++</a:t>
             </a:r>
             <a:r>
-              <a:rPr lang="zh-CN" altLang="zh-CN" b="1" dirty="0"/>
-              <a:t>的编译过程</a:t>
-            </a:r>
+              <a:rPr lang="zh-CN" altLang="en-US" dirty="0" smtClean="0"/>
+              <a:t>语言</a:t>
+            </a:r>
+            <a:r>
+              <a:rPr lang="zh-CN" altLang="en-US" dirty="0"/>
+              <a:t>程序</a:t>
+            </a:r>
+          </a:p>
+        </p:txBody>
+      </p:sp>
+      <p:sp>
+        <p:nvSpPr>
+          <p:cNvPr id="3" name="内容占位符 2"/>
+          <p:cNvSpPr>
+            <a:spLocks noGrp="1"/>
+          </p:cNvSpPr>
+          <p:nvPr>
+            <p:ph idx="1"/>
+          </p:nvPr>
+        </p:nvSpPr>
+        <p:spPr/>
+        <p:txBody>
+          <a:bodyPr>
+            <a:normAutofit fontScale="62500" lnSpcReduction="20000"/>
+          </a:bodyPr>
+          <a:lstStyle/>
+          <a:p>
+            <a:pPr marL="0" indent="0">
+              <a:buNone/>
+            </a:pPr>
             <a:r>
               <a:rPr lang="en-US" altLang="zh-CN" dirty="0"/>
-              <a:t/>
-            </a:r>
-            <a:br>
+              <a:t>#include &lt;</a:t>
+            </a:r>
+            <a:r>
+              <a:rPr lang="en-US" altLang="zh-CN" dirty="0" err="1"/>
+              <a:t>iostream</a:t>
+            </a:r>
+            <a:r>
               <a:rPr lang="en-US" altLang="zh-CN" dirty="0"/>
-            </a:br>
+              <a:t>&gt; // </a:t>
+            </a:r>
+            <a:r>
+              <a:rPr lang="zh-CN" altLang="en-US" dirty="0"/>
+              <a:t>引入输入输出流库</a:t>
+            </a:r>
+          </a:p>
+          <a:p>
+            <a:pPr marL="0" indent="0">
+              <a:buNone/>
+            </a:pPr>
             <a:endParaRPr lang="zh-CN" altLang="en-US" dirty="0"/>
           </a:p>
-        </p:txBody>
-      </p:sp>
-      <p:sp>
-        <p:nvSpPr>
-          <p:cNvPr id="3" name="内容占位符 2"/>
-          <p:cNvSpPr>
-            <a:spLocks noGrp="1"/>
-          </p:cNvSpPr>
-          <p:nvPr>
-            <p:ph idx="1"/>
-          </p:nvPr>
-        </p:nvSpPr>
-        <p:spPr/>
-        <p:txBody>
-          <a:bodyPr/>
-          <a:lstStyle/>
-          <a:p>
+          <a:p>
+            <a:pPr marL="0" indent="0">
+              <a:buNone/>
+            </a:pPr>
             <a:r>
               <a:rPr lang="en-US" altLang="zh-CN" dirty="0"/>
-              <a:t>C++</a:t>
-            </a:r>
-            <a:r>
-              <a:rPr lang="zh-CN" altLang="en-US" dirty="0"/>
-              <a:t>的编译过程通常包括以下几个步骤：</a:t>
-            </a:r>
-          </a:p>
-          <a:p>
-            <a:pPr lvl="1"/>
+              <a:t>// </a:t>
+            </a:r>
+            <a:r>
+              <a:rPr lang="zh-CN" altLang="en-US" dirty="0"/>
+              <a:t>定义一个类，负责输出</a:t>
+            </a:r>
             <a:r>
               <a:rPr lang="en-US" altLang="zh-CN" dirty="0"/>
-              <a:t>1.	</a:t>
-            </a:r>
-            <a:r>
-              <a:rPr lang="zh-CN" altLang="en-US" dirty="0"/>
-              <a:t>预处理：编译器将源代码中的预处理指令（如</a:t>
-            </a:r>
+              <a:t>Hello World</a:t>
+            </a:r>
+          </a:p>
+          <a:p>
+            <a:pPr marL="0" indent="0">
+              <a:buNone/>
+            </a:pPr>
             <a:r>
               <a:rPr lang="en-US" altLang="zh-CN" dirty="0"/>
-              <a:t>#include</a:t>
-            </a:r>
-            <a:r>
-              <a:rPr lang="zh-CN" altLang="en-US" dirty="0"/>
-              <a:t>、</a:t>
-            </a:r>
+              <a:t>class HelloWorld {</a:t>
+            </a:r>
+          </a:p>
+          <a:p>
+            <a:pPr marL="0" indent="0">
+              <a:buNone/>
+            </a:pPr>
             <a:r>
               <a:rPr lang="en-US" altLang="zh-CN" dirty="0"/>
-              <a:t>#define</a:t>
-            </a:r>
-            <a:r>
-              <a:rPr lang="zh-CN" altLang="en-US" dirty="0"/>
-              <a:t>等）进行处理，生成一个预处理后的代码文件。</a:t>
-            </a:r>
-          </a:p>
-          <a:p>
-            <a:pPr lvl="1"/>
+              <a:t>public:</a:t>
+            </a:r>
+          </a:p>
+          <a:p>
+            <a:pPr marL="0" indent="0">
+              <a:buNone/>
+            </a:pPr>
             <a:r>
               <a:rPr lang="en-US" altLang="zh-CN" dirty="0"/>
-              <a:t>2.	</a:t>
-            </a:r>
-            <a:r>
-              <a:rPr lang="zh-CN" altLang="en-US" dirty="0"/>
-              <a:t>编译：预处理后的代码被编译器转换为汇编语言，生成目标文件（</a:t>
+              <a:t>    void </a:t>
+            </a:r>
+            <a:r>
+              <a:rPr lang="en-US" altLang="zh-CN" dirty="0" err="1"/>
+              <a:t>printMessage</a:t>
             </a:r>
             <a:r>
               <a:rPr lang="en-US" altLang="zh-CN" dirty="0"/>
-              <a:t>.o</a:t>
-            </a:r>
-            <a:r>
-              <a:rPr lang="zh-CN" altLang="en-US" dirty="0"/>
-              <a:t>或</a:t>
+              <a:t>() </a:t>
+            </a:r>
+            <a:r>
+              <a:rPr lang="en-US" altLang="zh-CN" dirty="0" err="1"/>
+              <a:t>const</a:t>
             </a:r>
             <a:r>
               <a:rPr lang="en-US" altLang="zh-CN" dirty="0"/>
-              <a:t>.</a:t>
+              <a:t> {</a:t>
+            </a:r>
+          </a:p>
+          <a:p>
+            <a:pPr marL="0" indent="0">
+              <a:buNone/>
+            </a:pPr>
+            <a:r>
+              <a:rPr lang="en-US" altLang="zh-CN" dirty="0"/>
+              <a:t>        </a:t>
             </a:r>
             <a:r>
               <a:rPr lang="en-US" altLang="zh-CN" dirty="0" err="1"/>
-              <a:t>obj</a:t>
-            </a:r>
-            <a:r>
-              <a:rPr lang="zh-CN" altLang="en-US" dirty="0"/>
-              <a:t>）。</a:t>
-            </a:r>
-          </a:p>
-          <a:p>
-            <a:pPr lvl="1"/>
+              <a:t>std</a:t>
+            </a:r>
             <a:r>
               <a:rPr lang="en-US" altLang="zh-CN" dirty="0"/>
-              <a:t>3.	</a:t>
-            </a:r>
-            <a:r>
-              <a:rPr lang="zh-CN" altLang="en-US" dirty="0"/>
-              <a:t>链接：链接器将目标文件和库文件合并，生成可执行文件。</a:t>
-            </a:r>
-          </a:p>
-          <a:p>
-            <a:pPr lvl="1"/>
+              <a:t>::</a:t>
+            </a:r>
+            <a:r>
+              <a:rPr lang="en-US" altLang="zh-CN" dirty="0" err="1"/>
+              <a:t>cout</a:t>
+            </a:r>
             <a:r>
               <a:rPr lang="en-US" altLang="zh-CN" dirty="0"/>
-              <a:t>4.	</a:t>
-            </a:r>
-            <a:r>
-              <a:rPr lang="zh-CN" altLang="en-US" dirty="0"/>
-              <a:t>执行：执行生成的可执行文件。</a:t>
-            </a:r>
+              <a:t> &lt;&lt; "Hello, World!" &lt;&lt; </a:t>
+            </a:r>
+            <a:r>
+              <a:rPr lang="en-US" altLang="zh-CN" dirty="0" err="1"/>
+              <a:t>std</a:t>
+            </a:r>
+            <a:r>
+              <a:rPr lang="en-US" altLang="zh-CN" dirty="0"/>
+              <a:t>::</a:t>
+            </a:r>
+            <a:r>
+              <a:rPr lang="en-US" altLang="zh-CN" dirty="0" err="1"/>
+              <a:t>endl</a:t>
+            </a:r>
+            <a:r>
+              <a:rPr lang="en-US" altLang="zh-CN" dirty="0"/>
+              <a:t>; // </a:t>
+            </a:r>
+            <a:r>
+              <a:rPr lang="zh-CN" altLang="en-US" dirty="0"/>
+              <a:t>输出 </a:t>
+            </a:r>
+            <a:r>
+              <a:rPr lang="en-US" altLang="zh-CN" dirty="0"/>
+              <a:t>"Hello, World!"</a:t>
+            </a:r>
+          </a:p>
+          <a:p>
+            <a:pPr marL="0" indent="0">
+              <a:buNone/>
+            </a:pPr>
+            <a:r>
+              <a:rPr lang="en-US" altLang="zh-CN" dirty="0"/>
+              <a:t>    }</a:t>
+            </a:r>
+          </a:p>
+          <a:p>
+            <a:pPr marL="0" indent="0">
+              <a:buNone/>
+            </a:pPr>
+            <a:r>
+              <a:rPr lang="en-US" altLang="zh-CN" dirty="0"/>
+              <a:t>};</a:t>
+            </a:r>
+          </a:p>
+          <a:p>
+            <a:pPr marL="0" indent="0">
+              <a:buNone/>
+            </a:pPr>
+            <a:r>
+              <a:rPr lang="en-US" altLang="zh-CN" dirty="0" err="1" smtClean="0"/>
+              <a:t>int</a:t>
+            </a:r>
+            <a:r>
+              <a:rPr lang="en-US" altLang="zh-CN" dirty="0" smtClean="0"/>
+              <a:t> </a:t>
+            </a:r>
+            <a:r>
+              <a:rPr lang="en-US" altLang="zh-CN" dirty="0"/>
+              <a:t>main() {</a:t>
+            </a:r>
+          </a:p>
+          <a:p>
+            <a:pPr marL="0" indent="0">
+              <a:buNone/>
+            </a:pPr>
+            <a:r>
+              <a:rPr lang="en-US" altLang="zh-CN" dirty="0"/>
+              <a:t>    HelloWorld hello;  // </a:t>
+            </a:r>
+            <a:r>
+              <a:rPr lang="zh-CN" altLang="en-US" dirty="0"/>
+              <a:t>创建一个</a:t>
+            </a:r>
+            <a:r>
+              <a:rPr lang="en-US" altLang="zh-CN" dirty="0"/>
+              <a:t>HelloWorld</a:t>
+            </a:r>
+            <a:r>
+              <a:rPr lang="zh-CN" altLang="en-US" dirty="0"/>
+              <a:t>类的对象</a:t>
+            </a:r>
+          </a:p>
+          <a:p>
+            <a:pPr marL="0" indent="0">
+              <a:buNone/>
+            </a:pPr>
+            <a:r>
+              <a:rPr lang="zh-CN" altLang="en-US" dirty="0"/>
+              <a:t>    </a:t>
+            </a:r>
+            <a:r>
+              <a:rPr lang="en-US" altLang="zh-CN" dirty="0" err="1"/>
+              <a:t>hello.printMessage</a:t>
+            </a:r>
+            <a:r>
+              <a:rPr lang="en-US" altLang="zh-CN" dirty="0"/>
+              <a:t>(); // </a:t>
+            </a:r>
+            <a:r>
+              <a:rPr lang="zh-CN" altLang="en-US" dirty="0"/>
+              <a:t>调用</a:t>
+            </a:r>
+            <a:r>
+              <a:rPr lang="en-US" altLang="zh-CN" dirty="0" err="1"/>
+              <a:t>printMessage</a:t>
+            </a:r>
+            <a:r>
+              <a:rPr lang="zh-CN" altLang="en-US" dirty="0"/>
+              <a:t>方法输出信息</a:t>
+            </a:r>
+          </a:p>
+          <a:p>
+            <a:pPr marL="0" indent="0">
+              <a:buNone/>
+            </a:pPr>
+            <a:r>
+              <a:rPr lang="zh-CN" altLang="en-US" dirty="0"/>
+              <a:t>    </a:t>
+            </a:r>
+            <a:r>
+              <a:rPr lang="en-US" altLang="zh-CN" dirty="0"/>
+              <a:t>return 0; // </a:t>
+            </a:r>
+            <a:r>
+              <a:rPr lang="zh-CN" altLang="en-US" dirty="0"/>
+              <a:t>返回 </a:t>
+            </a:r>
+            <a:r>
+              <a:rPr lang="en-US" altLang="zh-CN" dirty="0"/>
+              <a:t>0</a:t>
+            </a:r>
+            <a:r>
+              <a:rPr lang="zh-CN" altLang="en-US" dirty="0"/>
+              <a:t>，表示程序成功结束</a:t>
+            </a:r>
+          </a:p>
+          <a:p>
+            <a:pPr marL="0" indent="0">
+              <a:buNone/>
+            </a:pPr>
+            <a:r>
+              <a:rPr lang="en-US" altLang="zh-CN" dirty="0"/>
+              <a:t>}</a:t>
+            </a:r>
+            <a:endParaRPr lang="en-US" altLang="zh-CN" dirty="0"/>
           </a:p>
         </p:txBody>
       </p:sp>
     </p:spTree>
     <p:extLst>
       <p:ext uri="{BB962C8B-B14F-4D97-AF65-F5344CB8AC3E}">
-        <p14:creationId xmlns:p14="http://schemas.microsoft.com/office/powerpoint/2010/main" val="1203553544"/>
+        <p14:creationId xmlns:p14="http://schemas.microsoft.com/office/powerpoint/2010/main" val="3060536385"/>
       </p:ext>
     </p:extLst>
   </p:cSld>
   <p:clrMapOvr>
     <a:masterClrMapping/>
   </p:clrMapOvr>
+  <p:timing>
+    <p:tnLst>
+      <p:par>
+        <p:cTn id="1" dur="indefinite" restart="never" nodeType="tmRoot"/>
+      </p:par>
+    </p:tnLst>
+  </p:timing>
 </p:sld>
 </file>
 

--- a/learn_cpp/docs/C++语言培训.pptx
+++ b/learn_cpp/docs/C++语言培训.pptx
@@ -20,16 +20,39 @@
     <p:sldId id="272" r:id="rId14"/>
     <p:sldId id="277" r:id="rId15"/>
     <p:sldId id="258" r:id="rId16"/>
-    <p:sldId id="259" r:id="rId17"/>
-    <p:sldId id="260" r:id="rId18"/>
-    <p:sldId id="261" r:id="rId19"/>
-    <p:sldId id="262" r:id="rId20"/>
-    <p:sldId id="263" r:id="rId21"/>
-    <p:sldId id="264" r:id="rId22"/>
-    <p:sldId id="265" r:id="rId23"/>
-    <p:sldId id="266" r:id="rId24"/>
-    <p:sldId id="267" r:id="rId25"/>
-    <p:sldId id="268" r:id="rId26"/>
+    <p:sldId id="282" r:id="rId17"/>
+    <p:sldId id="283" r:id="rId18"/>
+    <p:sldId id="297" r:id="rId19"/>
+    <p:sldId id="303" r:id="rId20"/>
+    <p:sldId id="304" r:id="rId21"/>
+    <p:sldId id="298" r:id="rId22"/>
+    <p:sldId id="299" r:id="rId23"/>
+    <p:sldId id="302" r:id="rId24"/>
+    <p:sldId id="300" r:id="rId25"/>
+    <p:sldId id="301" r:id="rId26"/>
+    <p:sldId id="284" r:id="rId27"/>
+    <p:sldId id="285" r:id="rId28"/>
+    <p:sldId id="286" r:id="rId29"/>
+    <p:sldId id="287" r:id="rId30"/>
+    <p:sldId id="259" r:id="rId31"/>
+    <p:sldId id="260" r:id="rId32"/>
+    <p:sldId id="288" r:id="rId33"/>
+    <p:sldId id="289" r:id="rId34"/>
+    <p:sldId id="290" r:id="rId35"/>
+    <p:sldId id="291" r:id="rId36"/>
+    <p:sldId id="292" r:id="rId37"/>
+    <p:sldId id="293" r:id="rId38"/>
+    <p:sldId id="294" r:id="rId39"/>
+    <p:sldId id="295" r:id="rId40"/>
+    <p:sldId id="296" r:id="rId41"/>
+    <p:sldId id="261" r:id="rId42"/>
+    <p:sldId id="262" r:id="rId43"/>
+    <p:sldId id="263" r:id="rId44"/>
+    <p:sldId id="264" r:id="rId45"/>
+    <p:sldId id="265" r:id="rId46"/>
+    <p:sldId id="266" r:id="rId47"/>
+    <p:sldId id="267" r:id="rId48"/>
+    <p:sldId id="268" r:id="rId49"/>
   </p:sldIdLst>
   <p:sldSz cx="12192000" cy="6858000"/>
   <p:notesSz cx="6858000" cy="9144000"/>
@@ -325,7 +348,7 @@
             <a:fld id="{B61BEF0D-F0BB-DE4B-95CE-6DB70DBA9567}" type="datetimeFigureOut">
               <a:rPr lang="en-US" dirty="0"/>
               <a:pPr/>
-              <a:t>2/25/2025</a:t>
+              <a:t>2/27/2025</a:t>
             </a:fld>
             <a:endParaRPr lang="en-US" dirty="0"/>
           </a:p>
@@ -660,7 +683,7 @@
             <a:fld id="{B61BEF0D-F0BB-DE4B-95CE-6DB70DBA9567}" type="datetimeFigureOut">
               <a:rPr lang="en-US" dirty="0"/>
               <a:pPr/>
-              <a:t>2/25/2025</a:t>
+              <a:t>2/27/2025</a:t>
             </a:fld>
             <a:endParaRPr lang="en-US" dirty="0"/>
           </a:p>
@@ -1058,7 +1081,7 @@
             <a:fld id="{B61BEF0D-F0BB-DE4B-95CE-6DB70DBA9567}" type="datetimeFigureOut">
               <a:rPr lang="en-US" dirty="0"/>
               <a:pPr/>
-              <a:t>2/25/2025</a:t>
+              <a:t>2/27/2025</a:t>
             </a:fld>
             <a:endParaRPr lang="en-US" dirty="0"/>
           </a:p>
@@ -1391,7 +1414,7 @@
             <a:fld id="{B61BEF0D-F0BB-DE4B-95CE-6DB70DBA9567}" type="datetimeFigureOut">
               <a:rPr lang="en-US" dirty="0"/>
               <a:pPr/>
-              <a:t>2/25/2025</a:t>
+              <a:t>2/27/2025</a:t>
             </a:fld>
             <a:endParaRPr lang="en-US" dirty="0"/>
           </a:p>
@@ -1708,7 +1731,7 @@
             <a:fld id="{B61BEF0D-F0BB-DE4B-95CE-6DB70DBA9567}" type="datetimeFigureOut">
               <a:rPr lang="en-US" dirty="0"/>
               <a:pPr/>
-              <a:t>2/25/2025</a:t>
+              <a:t>2/27/2025</a:t>
             </a:fld>
             <a:endParaRPr lang="en-US" dirty="0"/>
           </a:p>
@@ -2101,7 +2124,7 @@
             <a:fld id="{B61BEF0D-F0BB-DE4B-95CE-6DB70DBA9567}" type="datetimeFigureOut">
               <a:rPr lang="en-US" dirty="0"/>
               <a:pPr/>
-              <a:t>2/25/2025</a:t>
+              <a:t>2/27/2025</a:t>
             </a:fld>
             <a:endParaRPr lang="en-US" dirty="0"/>
           </a:p>
@@ -2355,7 +2378,7 @@
             <a:fld id="{B61BEF0D-F0BB-DE4B-95CE-6DB70DBA9567}" type="datetimeFigureOut">
               <a:rPr lang="en-US" dirty="0"/>
               <a:pPr/>
-              <a:t>2/25/2025</a:t>
+              <a:t>2/27/2025</a:t>
             </a:fld>
             <a:endParaRPr lang="en-US" dirty="0"/>
           </a:p>
@@ -2614,7 +2637,7 @@
             <a:fld id="{B61BEF0D-F0BB-DE4B-95CE-6DB70DBA9567}" type="datetimeFigureOut">
               <a:rPr lang="en-US" dirty="0"/>
               <a:pPr/>
-              <a:t>2/25/2025</a:t>
+              <a:t>2/27/2025</a:t>
             </a:fld>
             <a:endParaRPr lang="en-US" dirty="0"/>
           </a:p>
@@ -2873,7 +2896,7 @@
             <a:fld id="{B61BEF0D-F0BB-DE4B-95CE-6DB70DBA9567}" type="datetimeFigureOut">
               <a:rPr lang="en-US" dirty="0"/>
               <a:pPr/>
-              <a:t>2/25/2025</a:t>
+              <a:t>2/27/2025</a:t>
             </a:fld>
             <a:endParaRPr lang="en-US" dirty="0"/>
           </a:p>
@@ -3199,7 +3222,7 @@
             <a:fld id="{B61BEF0D-F0BB-DE4B-95CE-6DB70DBA9567}" type="datetimeFigureOut">
               <a:rPr lang="en-US" dirty="0"/>
               <a:pPr/>
-              <a:t>2/25/2025</a:t>
+              <a:t>2/27/2025</a:t>
             </a:fld>
             <a:endParaRPr lang="en-US" dirty="0"/>
           </a:p>
@@ -3519,7 +3542,7 @@
             <a:fld id="{B61BEF0D-F0BB-DE4B-95CE-6DB70DBA9567}" type="datetimeFigureOut">
               <a:rPr lang="en-US" dirty="0"/>
               <a:pPr/>
-              <a:t>2/25/2025</a:t>
+              <a:t>2/27/2025</a:t>
             </a:fld>
             <a:endParaRPr lang="en-US" dirty="0"/>
           </a:p>
@@ -4002,7 +4025,7 @@
             <a:fld id="{B61BEF0D-F0BB-DE4B-95CE-6DB70DBA9567}" type="datetimeFigureOut">
               <a:rPr lang="en-US" dirty="0"/>
               <a:pPr/>
-              <a:t>2/25/2025</a:t>
+              <a:t>2/27/2025</a:t>
             </a:fld>
             <a:endParaRPr lang="en-US" dirty="0"/>
           </a:p>
@@ -4204,7 +4227,7 @@
             <a:fld id="{B61BEF0D-F0BB-DE4B-95CE-6DB70DBA9567}" type="datetimeFigureOut">
               <a:rPr lang="en-US" dirty="0"/>
               <a:pPr/>
-              <a:t>2/25/2025</a:t>
+              <a:t>2/27/2025</a:t>
             </a:fld>
             <a:endParaRPr lang="en-US" dirty="0"/>
           </a:p>
@@ -4378,7 +4401,7 @@
             <a:fld id="{B61BEF0D-F0BB-DE4B-95CE-6DB70DBA9567}" type="datetimeFigureOut">
               <a:rPr lang="en-US" dirty="0"/>
               <a:pPr/>
-              <a:t>2/25/2025</a:t>
+              <a:t>2/27/2025</a:t>
             </a:fld>
             <a:endParaRPr lang="en-US" dirty="0"/>
           </a:p>
@@ -4708,7 +4731,7 @@
             <a:fld id="{B61BEF0D-F0BB-DE4B-95CE-6DB70DBA9567}" type="datetimeFigureOut">
               <a:rPr lang="en-US" dirty="0"/>
               <a:pPr/>
-              <a:t>2/25/2025</a:t>
+              <a:t>2/27/2025</a:t>
             </a:fld>
             <a:endParaRPr lang="en-US" dirty="0"/>
           </a:p>
@@ -5050,7 +5073,7 @@
             <a:fld id="{B61BEF0D-F0BB-DE4B-95CE-6DB70DBA9567}" type="datetimeFigureOut">
               <a:rPr lang="en-US" dirty="0"/>
               <a:pPr/>
-              <a:t>2/25/2025</a:t>
+              <a:t>2/27/2025</a:t>
             </a:fld>
             <a:endParaRPr lang="en-US" dirty="0"/>
           </a:p>
@@ -7164,7 +7187,7 @@
             <a:fld id="{B61BEF0D-F0BB-DE4B-95CE-6DB70DBA9567}" type="datetimeFigureOut">
               <a:rPr lang="en-US" dirty="0"/>
               <a:pPr/>
-              <a:t>2/25/2025</a:t>
+              <a:t>2/27/2025</a:t>
             </a:fld>
             <a:endParaRPr lang="en-US" dirty="0"/>
           </a:p>
@@ -8563,7 +8586,7 @@
                 <a:latin typeface="华文楷体" pitchFamily="2" charset="-122"/>
                 <a:ea typeface="华文楷体" pitchFamily="2" charset="-122"/>
               </a:rPr>
-              <a:t>基础语法</a:t>
+              <a:t>基础数据类型与变量</a:t>
             </a:r>
             <a:endParaRPr lang="zh-CN" altLang="en-US" dirty="0"/>
           </a:p>
@@ -8586,112 +8609,46 @@
           <a:p>
             <a:r>
               <a:rPr lang="zh-CN" altLang="en-US" dirty="0"/>
-              <a:t>数据类型与变量：整数、浮点数、字符、布尔类型。</a:t>
-            </a:r>
-          </a:p>
-          <a:p>
-            <a:r>
-              <a:rPr lang="zh-CN" altLang="en-US" dirty="0"/>
-              <a:t>常量与枚举：常量、</a:t>
-            </a:r>
-            <a:r>
-              <a:rPr lang="en-US" altLang="zh-CN" dirty="0"/>
-              <a:t>#define</a:t>
-            </a:r>
-            <a:r>
-              <a:rPr lang="zh-CN" altLang="en-US" dirty="0"/>
-              <a:t>、</a:t>
-            </a:r>
-            <a:r>
-              <a:rPr lang="en-US" altLang="zh-CN" dirty="0" err="1"/>
-              <a:t>enum</a:t>
-            </a:r>
-            <a:r>
-              <a:rPr lang="zh-CN" altLang="en-US" dirty="0"/>
-              <a:t>。</a:t>
-            </a:r>
-          </a:p>
-          <a:p>
-            <a:r>
-              <a:rPr lang="zh-CN" altLang="en-US" dirty="0"/>
-              <a:t>运算符：算术运算符、关系运算符、逻辑运算符、位运算符、赋值运算符。</a:t>
-            </a:r>
-          </a:p>
-          <a:p>
-            <a:r>
-              <a:rPr lang="zh-CN" altLang="en-US" dirty="0"/>
-              <a:t>控制语句：条件语句（</a:t>
-            </a:r>
-            <a:r>
-              <a:rPr lang="en-US" altLang="zh-CN" dirty="0"/>
-              <a:t>if</a:t>
-            </a:r>
-            <a:r>
-              <a:rPr lang="zh-CN" altLang="en-US" dirty="0"/>
-              <a:t>、</a:t>
-            </a:r>
-            <a:r>
-              <a:rPr lang="en-US" altLang="zh-CN" dirty="0"/>
-              <a:t>else</a:t>
-            </a:r>
-            <a:r>
-              <a:rPr lang="zh-CN" altLang="en-US" dirty="0"/>
-              <a:t>、</a:t>
-            </a:r>
-            <a:r>
-              <a:rPr lang="en-US" altLang="zh-CN" dirty="0"/>
-              <a:t>switch</a:t>
-            </a:r>
-            <a:r>
-              <a:rPr lang="zh-CN" altLang="en-US" dirty="0"/>
-              <a:t>）、循环语句（</a:t>
-            </a:r>
-            <a:r>
-              <a:rPr lang="en-US" altLang="zh-CN" dirty="0"/>
-              <a:t>for</a:t>
-            </a:r>
-            <a:r>
-              <a:rPr lang="zh-CN" altLang="en-US" dirty="0"/>
-              <a:t>、</a:t>
-            </a:r>
-            <a:r>
-              <a:rPr lang="en-US" altLang="zh-CN" dirty="0"/>
-              <a:t>while</a:t>
-            </a:r>
-            <a:r>
-              <a:rPr lang="zh-CN" altLang="en-US" dirty="0"/>
-              <a:t>、</a:t>
-            </a:r>
-            <a:r>
-              <a:rPr lang="en-US" altLang="zh-CN" dirty="0"/>
-              <a:t>do-while</a:t>
-            </a:r>
-            <a:r>
-              <a:rPr lang="zh-CN" altLang="en-US" dirty="0"/>
-              <a:t>）。</a:t>
-            </a:r>
-          </a:p>
-          <a:p>
-            <a:r>
-              <a:rPr lang="zh-CN" altLang="en-US" dirty="0"/>
-              <a:t>输入与输出：使用</a:t>
-            </a:r>
-            <a:r>
-              <a:rPr lang="en-US" altLang="zh-CN" dirty="0" err="1"/>
-              <a:t>cin</a:t>
-            </a:r>
-            <a:r>
-              <a:rPr lang="zh-CN" altLang="en-US" dirty="0"/>
-              <a:t>和</a:t>
-            </a:r>
-            <a:r>
-              <a:rPr lang="en-US" altLang="zh-CN" dirty="0" err="1"/>
-              <a:t>cout</a:t>
-            </a:r>
-            <a:r>
-              <a:rPr lang="zh-CN" altLang="en-US" dirty="0"/>
-              <a:t>进行数据输入输出。</a:t>
-            </a:r>
+              <a:t>基本</a:t>
+            </a:r>
+            <a:r>
+              <a:rPr lang="zh-CN" altLang="en-US" dirty="0" smtClean="0"/>
+              <a:t>数据类型</a:t>
+            </a:r>
+            <a:endParaRPr lang="zh-CN" altLang="en-US" dirty="0" smtClean="0"/>
+          </a:p>
+          <a:p>
+            <a:r>
+              <a:rPr lang="zh-CN" altLang="en-US" dirty="0"/>
+              <a:t>常量与</a:t>
+            </a:r>
+            <a:r>
+              <a:rPr lang="zh-CN" altLang="en-US" dirty="0" smtClean="0"/>
+              <a:t>枚举</a:t>
+            </a:r>
+            <a:endParaRPr lang="en-US" altLang="zh-CN" dirty="0" smtClean="0"/>
+          </a:p>
+          <a:p>
+            <a:r>
+              <a:rPr lang="zh-CN" altLang="en-US" dirty="0"/>
+              <a:t>复合</a:t>
+            </a:r>
+            <a:r>
+              <a:rPr lang="zh-CN" altLang="en-US" dirty="0" smtClean="0"/>
+              <a:t>类型</a:t>
+            </a:r>
+            <a:endParaRPr lang="en-US" altLang="zh-CN" dirty="0" smtClean="0"/>
+          </a:p>
+          <a:p>
+            <a:r>
+              <a:rPr lang="zh-CN" altLang="en-US" dirty="0"/>
+              <a:t>变量的作用域与存储</a:t>
+            </a:r>
+            <a:r>
+              <a:rPr lang="zh-CN" altLang="en-US" dirty="0" smtClean="0"/>
+              <a:t>类型</a:t>
+            </a:r>
+            <a:endParaRPr lang="zh-CN" altLang="en-US" dirty="0" smtClean="0"/>
           </a:p>
         </p:txBody>
       </p:sp>
@@ -8748,68 +8705,297 @@
           <a:lstStyle/>
           <a:p>
             <a:r>
-              <a:rPr lang="zh-CN" altLang="en-US" b="1" dirty="0" smtClean="0">
-                <a:latin typeface="华文楷体" pitchFamily="2" charset="-122"/>
-                <a:ea typeface="华文楷体" pitchFamily="2" charset="-122"/>
-              </a:rPr>
-              <a:t>第</a:t>
-            </a:r>
-            <a:r>
-              <a:rPr lang="en-US" altLang="zh-CN" b="1" dirty="0" smtClean="0">
-                <a:latin typeface="华文楷体" pitchFamily="2" charset="-122"/>
-                <a:ea typeface="华文楷体" pitchFamily="2" charset="-122"/>
-              </a:rPr>
-              <a:t>3</a:t>
-            </a:r>
-            <a:r>
-              <a:rPr lang="zh-CN" altLang="en-US" b="1" dirty="0">
-                <a:latin typeface="华文楷体" pitchFamily="2" charset="-122"/>
-                <a:ea typeface="华文楷体" pitchFamily="2" charset="-122"/>
-              </a:rPr>
-              <a:t>章函数与数组</a:t>
+              <a:rPr lang="en-US" altLang="zh-CN" b="1" dirty="0" smtClean="0"/>
+              <a:t>2.1 </a:t>
+            </a:r>
+            <a:r>
+              <a:rPr lang="zh-CN" altLang="en-US" b="1" dirty="0" smtClean="0"/>
+              <a:t>基本</a:t>
+            </a:r>
+            <a:r>
+              <a:rPr lang="zh-CN" altLang="en-US" b="1" dirty="0"/>
+              <a:t>数据类型</a:t>
+            </a:r>
+            <a:endParaRPr lang="zh-CN" altLang="en-US" b="1" dirty="0"/>
+          </a:p>
+        </p:txBody>
+      </p:sp>
+      <p:sp>
+        <p:nvSpPr>
+          <p:cNvPr id="3" name="内容占位符 2"/>
+          <p:cNvSpPr>
+            <a:spLocks noGrp="1"/>
+          </p:cNvSpPr>
+          <p:nvPr>
+            <p:ph idx="1"/>
+          </p:nvPr>
+        </p:nvSpPr>
+        <p:spPr/>
+        <p:txBody>
+          <a:bodyPr>
+            <a:normAutofit fontScale="70000" lnSpcReduction="20000"/>
+          </a:bodyPr>
+          <a:lstStyle/>
+          <a:p>
+            <a:pPr marL="0" indent="0">
+              <a:buNone/>
+            </a:pPr>
+            <a:r>
+              <a:rPr lang="zh-CN" altLang="en-US" b="1" dirty="0"/>
+              <a:t>在 </a:t>
+            </a:r>
+            <a:r>
+              <a:rPr lang="en-US" altLang="zh-CN" b="1" dirty="0"/>
+              <a:t>C++ </a:t>
+            </a:r>
+            <a:r>
+              <a:rPr lang="zh-CN" altLang="en-US" b="1" dirty="0"/>
+              <a:t>中，变量是存储数据的内存空间，可以用来存储不同类型的数据</a:t>
+            </a:r>
+            <a:r>
+              <a:rPr lang="zh-CN" altLang="en-US" b="1" dirty="0" smtClean="0"/>
+              <a:t>。</a:t>
+            </a:r>
+            <a:endParaRPr lang="en-US" altLang="zh-CN" b="1" dirty="0" smtClean="0"/>
+          </a:p>
+          <a:p>
+            <a:r>
+              <a:rPr lang="zh-CN" altLang="en-US" b="1" dirty="0"/>
+              <a:t>整数类型：</a:t>
+            </a:r>
+          </a:p>
+          <a:p>
+            <a:pPr lvl="1"/>
+            <a:r>
+              <a:rPr lang="en-US" altLang="zh-CN" dirty="0" err="1"/>
+              <a:t>int</a:t>
+            </a:r>
+            <a:r>
+              <a:rPr lang="zh-CN" altLang="en-US" dirty="0"/>
+              <a:t>：用于存储整数，大小通常为 </a:t>
+            </a:r>
+            <a:r>
+              <a:rPr lang="en-US" altLang="zh-CN" dirty="0"/>
+              <a:t>4 </a:t>
+            </a:r>
+            <a:r>
+              <a:rPr lang="zh-CN" altLang="en-US" dirty="0"/>
+              <a:t>字节。</a:t>
+            </a:r>
+          </a:p>
+          <a:p>
+            <a:pPr lvl="1"/>
+            <a:r>
+              <a:rPr lang="en-US" altLang="zh-CN" dirty="0"/>
+              <a:t>short</a:t>
+            </a:r>
+            <a:r>
+              <a:rPr lang="zh-CN" altLang="en-US" dirty="0"/>
+              <a:t>：短整数类型，通常为 </a:t>
+            </a:r>
+            <a:r>
+              <a:rPr lang="en-US" altLang="zh-CN" dirty="0"/>
+              <a:t>2 </a:t>
+            </a:r>
+            <a:r>
+              <a:rPr lang="zh-CN" altLang="en-US" dirty="0"/>
+              <a:t>字节。</a:t>
+            </a:r>
+          </a:p>
+          <a:p>
+            <a:pPr lvl="1"/>
+            <a:r>
+              <a:rPr lang="en-US" altLang="zh-CN" dirty="0"/>
+              <a:t>long</a:t>
+            </a:r>
+            <a:r>
+              <a:rPr lang="zh-CN" altLang="en-US" dirty="0"/>
+              <a:t>：长整数类型，通常为 </a:t>
+            </a:r>
+            <a:r>
+              <a:rPr lang="en-US" altLang="zh-CN" dirty="0"/>
+              <a:t>4 </a:t>
+            </a:r>
+            <a:r>
+              <a:rPr lang="zh-CN" altLang="en-US" dirty="0"/>
+              <a:t>或 </a:t>
+            </a:r>
+            <a:r>
+              <a:rPr lang="en-US" altLang="zh-CN" dirty="0"/>
+              <a:t>8 </a:t>
+            </a:r>
+            <a:r>
+              <a:rPr lang="zh-CN" altLang="en-US" dirty="0"/>
+              <a:t>字节。</a:t>
+            </a:r>
+          </a:p>
+          <a:p>
+            <a:pPr lvl="1"/>
+            <a:r>
+              <a:rPr lang="en-US" altLang="zh-CN" dirty="0"/>
+              <a:t>long </a:t>
+            </a:r>
+            <a:r>
+              <a:rPr lang="en-US" altLang="zh-CN" dirty="0" err="1"/>
+              <a:t>long</a:t>
+            </a:r>
+            <a:r>
+              <a:rPr lang="zh-CN" altLang="en-US" dirty="0"/>
+              <a:t>：更长的整数类型，通常为 </a:t>
+            </a:r>
+            <a:r>
+              <a:rPr lang="en-US" altLang="zh-CN" dirty="0"/>
+              <a:t>8 </a:t>
+            </a:r>
+            <a:r>
+              <a:rPr lang="zh-CN" altLang="en-US" dirty="0"/>
+              <a:t>字节。</a:t>
+            </a:r>
+          </a:p>
+          <a:p>
+            <a:r>
+              <a:rPr lang="zh-CN" altLang="en-US" b="1" dirty="0"/>
+              <a:t>浮点数类型：</a:t>
+            </a:r>
+          </a:p>
+          <a:p>
+            <a:pPr lvl="1"/>
+            <a:r>
+              <a:rPr lang="en-US" altLang="zh-CN" dirty="0"/>
+              <a:t>float</a:t>
+            </a:r>
+            <a:r>
+              <a:rPr lang="zh-CN" altLang="en-US" dirty="0"/>
+              <a:t>：单精度浮点数，通常占用 </a:t>
+            </a:r>
+            <a:r>
+              <a:rPr lang="en-US" altLang="zh-CN" dirty="0"/>
+              <a:t>4 </a:t>
+            </a:r>
+            <a:r>
+              <a:rPr lang="zh-CN" altLang="en-US" dirty="0"/>
+              <a:t>字节。</a:t>
+            </a:r>
+          </a:p>
+          <a:p>
+            <a:pPr lvl="1"/>
+            <a:r>
+              <a:rPr lang="en-US" altLang="zh-CN" dirty="0"/>
+              <a:t>double</a:t>
+            </a:r>
+            <a:r>
+              <a:rPr lang="zh-CN" altLang="en-US" dirty="0"/>
+              <a:t>：双精度浮点数，通常占用 </a:t>
+            </a:r>
+            <a:r>
+              <a:rPr lang="en-US" altLang="zh-CN" dirty="0"/>
+              <a:t>8 </a:t>
+            </a:r>
+            <a:r>
+              <a:rPr lang="zh-CN" altLang="en-US" dirty="0"/>
+              <a:t>字节。</a:t>
+            </a:r>
+          </a:p>
+          <a:p>
+            <a:pPr lvl="1"/>
+            <a:r>
+              <a:rPr lang="en-US" altLang="zh-CN" dirty="0"/>
+              <a:t>long double</a:t>
+            </a:r>
+            <a:r>
+              <a:rPr lang="zh-CN" altLang="en-US" dirty="0"/>
+              <a:t>：长双精度浮点数，通常占用 </a:t>
+            </a:r>
+            <a:r>
+              <a:rPr lang="en-US" altLang="zh-CN" dirty="0"/>
+              <a:t>12 </a:t>
+            </a:r>
+            <a:r>
+              <a:rPr lang="zh-CN" altLang="en-US" dirty="0"/>
+              <a:t>或 </a:t>
+            </a:r>
+            <a:r>
+              <a:rPr lang="en-US" altLang="zh-CN" dirty="0"/>
+              <a:t>16 </a:t>
+            </a:r>
+            <a:r>
+              <a:rPr lang="zh-CN" altLang="en-US" dirty="0"/>
+              <a:t>字节。</a:t>
+            </a:r>
+          </a:p>
+          <a:p>
+            <a:r>
+              <a:rPr lang="zh-CN" altLang="en-US" b="1" dirty="0"/>
+              <a:t>字符类型：</a:t>
+            </a:r>
+          </a:p>
+          <a:p>
+            <a:pPr lvl="1"/>
+            <a:r>
+              <a:rPr lang="en-US" altLang="zh-CN" dirty="0"/>
+              <a:t>char</a:t>
+            </a:r>
+            <a:r>
+              <a:rPr lang="zh-CN" altLang="en-US" dirty="0"/>
+              <a:t>：字符类型，通常占用 </a:t>
+            </a:r>
+            <a:r>
+              <a:rPr lang="en-US" altLang="zh-CN" dirty="0"/>
+              <a:t>1 </a:t>
+            </a:r>
+            <a:r>
+              <a:rPr lang="zh-CN" altLang="en-US" dirty="0"/>
+              <a:t>字节，表示单个字符。</a:t>
+            </a:r>
+          </a:p>
+          <a:p>
+            <a:r>
+              <a:rPr lang="zh-CN" altLang="en-US" b="1" dirty="0"/>
+              <a:t>布尔类型：</a:t>
+            </a:r>
+          </a:p>
+          <a:p>
+            <a:pPr lvl="1"/>
+            <a:r>
+              <a:rPr lang="en-US" altLang="zh-CN" dirty="0"/>
+              <a:t>bool</a:t>
+            </a:r>
+            <a:r>
+              <a:rPr lang="zh-CN" altLang="en-US" dirty="0"/>
+              <a:t>：用于表示布尔值 </a:t>
+            </a:r>
+            <a:r>
+              <a:rPr lang="en-US" altLang="zh-CN" dirty="0"/>
+              <a:t>true </a:t>
+            </a:r>
+            <a:r>
+              <a:rPr lang="zh-CN" altLang="en-US" dirty="0"/>
+              <a:t>或 </a:t>
+            </a:r>
+            <a:r>
+              <a:rPr lang="en-US" altLang="zh-CN" dirty="0"/>
+              <a:t>false</a:t>
+            </a:r>
+            <a:r>
+              <a:rPr lang="zh-CN" altLang="en-US" dirty="0"/>
+              <a:t>，通常占用 </a:t>
+            </a:r>
+            <a:r>
+              <a:rPr lang="en-US" altLang="zh-CN" dirty="0"/>
+              <a:t>1 </a:t>
+            </a:r>
+            <a:r>
+              <a:rPr lang="zh-CN" altLang="en-US" dirty="0"/>
+              <a:t>字节</a:t>
             </a:r>
             <a:endParaRPr lang="zh-CN" altLang="en-US" dirty="0"/>
-          </a:p>
-        </p:txBody>
-      </p:sp>
-      <p:sp>
-        <p:nvSpPr>
-          <p:cNvPr id="3" name="内容占位符 2"/>
-          <p:cNvSpPr>
-            <a:spLocks noGrp="1"/>
-          </p:cNvSpPr>
-          <p:nvPr>
-            <p:ph idx="1"/>
-          </p:nvPr>
-        </p:nvSpPr>
-        <p:spPr/>
-        <p:txBody>
-          <a:bodyPr/>
-          <a:lstStyle/>
-          <a:p>
-            <a:r>
-              <a:rPr lang="zh-CN" altLang="en-US" dirty="0"/>
-              <a:t>函数定义与调用：参数传递（值传递、引用传递）、返回值。</a:t>
-            </a:r>
-          </a:p>
-          <a:p>
-            <a:r>
-              <a:rPr lang="zh-CN" altLang="en-US" dirty="0"/>
-              <a:t>函数重载与递归：函数重载规则、递归函数的使用与优化。</a:t>
-            </a:r>
-          </a:p>
-          <a:p>
-            <a:r>
-              <a:rPr lang="zh-CN" altLang="en-US" dirty="0"/>
-              <a:t>数组：一维数组、二维数组的定义与使用，数组与指针的关系。</a:t>
-            </a:r>
           </a:p>
         </p:txBody>
       </p:sp>
     </p:spTree>
     <p:extLst>
       <p:ext uri="{BB962C8B-B14F-4D97-AF65-F5344CB8AC3E}">
-        <p14:creationId xmlns:p14="http://schemas.microsoft.com/office/powerpoint/2010/main" val="3528018120"/>
+        <p14:creationId xmlns:p14="http://schemas.microsoft.com/office/powerpoint/2010/main" val="234242219"/>
       </p:ext>
     </p:extLst>
   </p:cSld>
@@ -8859,40 +9045,24 @@
           <a:lstStyle/>
           <a:p>
             <a:r>
-              <a:rPr lang="zh-CN" altLang="en-US" b="1" dirty="0" smtClean="0">
-                <a:latin typeface="华文楷体" pitchFamily="2" charset="-122"/>
-                <a:ea typeface="华文楷体" pitchFamily="2" charset="-122"/>
-              </a:rPr>
-              <a:t>第</a:t>
-            </a:r>
-            <a:r>
-              <a:rPr lang="en-US" altLang="zh-CN" b="1" dirty="0" smtClean="0">
-                <a:latin typeface="华文楷体" pitchFamily="2" charset="-122"/>
-                <a:ea typeface="华文楷体" pitchFamily="2" charset="-122"/>
-              </a:rPr>
-              <a:t>4</a:t>
-            </a:r>
-            <a:r>
-              <a:rPr lang="zh-CN" altLang="en-US" b="1" dirty="0">
-                <a:latin typeface="华文楷体" pitchFamily="2" charset="-122"/>
-                <a:ea typeface="华文楷体" pitchFamily="2" charset="-122"/>
-              </a:rPr>
-              <a:t>章面向对象编程（</a:t>
-            </a:r>
-            <a:r>
-              <a:rPr lang="en-US" altLang="zh-CN" b="1" dirty="0">
-                <a:latin typeface="华文楷体" pitchFamily="2" charset="-122"/>
-                <a:ea typeface="华文楷体" pitchFamily="2" charset="-122"/>
-              </a:rPr>
-              <a:t>OOP</a:t>
-            </a:r>
-            <a:r>
-              <a:rPr lang="zh-CN" altLang="en-US" b="1" dirty="0">
-                <a:latin typeface="华文楷体" pitchFamily="2" charset="-122"/>
-                <a:ea typeface="华文楷体" pitchFamily="2" charset="-122"/>
-              </a:rPr>
-              <a:t>）基础</a:t>
-            </a:r>
+              <a:rPr lang="en-US" altLang="zh-CN" b="1" dirty="0" smtClean="0"/>
+              <a:t>2.2 </a:t>
+            </a:r>
+            <a:r>
+              <a:rPr lang="zh-CN" altLang="en-US" b="1" dirty="0" smtClean="0"/>
+              <a:t>常量</a:t>
+            </a:r>
+            <a:r>
+              <a:rPr lang="zh-CN" altLang="en-US" b="1" dirty="0"/>
+              <a:t>与枚举</a:t>
+            </a:r>
+            <a:r>
+              <a:rPr lang="zh-CN" altLang="zh-CN" b="1" dirty="0"/>
+              <a:t/>
+            </a:r>
+            <a:br>
+              <a:rPr lang="zh-CN" altLang="zh-CN" b="1" dirty="0"/>
+            </a:br>
             <a:endParaRPr lang="zh-CN" altLang="en-US" dirty="0"/>
           </a:p>
         </p:txBody>
@@ -8913,58 +9083,93 @@
           <a:lstStyle/>
           <a:p>
             <a:r>
-              <a:rPr lang="zh-CN" altLang="en-US" dirty="0"/>
-              <a:t>类与对象：定义类、创建对象、构造函数与析构函数。</a:t>
-            </a:r>
-          </a:p>
-          <a:p>
-            <a:r>
-              <a:rPr lang="zh-CN" altLang="en-US" dirty="0"/>
-              <a:t>封装：访问控制修饰符（</a:t>
-            </a:r>
-            <a:r>
-              <a:rPr lang="en-US" altLang="zh-CN" dirty="0"/>
-              <a:t>public</a:t>
-            </a:r>
-            <a:r>
-              <a:rPr lang="zh-CN" altLang="en-US" dirty="0"/>
-              <a:t>、</a:t>
-            </a:r>
-            <a:r>
-              <a:rPr lang="en-US" altLang="zh-CN" dirty="0"/>
-              <a:t>private</a:t>
-            </a:r>
-            <a:r>
-              <a:rPr lang="zh-CN" altLang="en-US" dirty="0"/>
-              <a:t>、</a:t>
-            </a:r>
-            <a:r>
-              <a:rPr lang="en-US" altLang="zh-CN" dirty="0"/>
-              <a:t>protected</a:t>
-            </a:r>
-            <a:r>
-              <a:rPr lang="zh-CN" altLang="en-US" dirty="0"/>
-              <a:t>）。</a:t>
-            </a:r>
-          </a:p>
-          <a:p>
-            <a:r>
-              <a:rPr lang="zh-CN" altLang="en-US" dirty="0"/>
-              <a:t>继承：继承的概念、基类与派生类、多重继承。</a:t>
-            </a:r>
-          </a:p>
-          <a:p>
-            <a:r>
-              <a:rPr lang="zh-CN" altLang="en-US" dirty="0"/>
-              <a:t>多态：虚函数、纯虚函数、虚函数的重写、运行时多态。</a:t>
-            </a:r>
+              <a:rPr lang="zh-CN" altLang="en-US" dirty="0" smtClean="0"/>
+              <a:t>常量</a:t>
+            </a:r>
+            <a:endParaRPr lang="en-US" altLang="zh-CN" dirty="0" smtClean="0"/>
+          </a:p>
+          <a:p>
+            <a:pPr marL="0" indent="0">
+              <a:buNone/>
+            </a:pPr>
+            <a:r>
+              <a:rPr lang="en-US" altLang="zh-CN" dirty="0"/>
+              <a:t>	</a:t>
+            </a:r>
+            <a:r>
+              <a:rPr lang="zh-CN" altLang="en-US" dirty="0"/>
+              <a:t>常量是值不可更改的量。可以使用 </a:t>
+            </a:r>
+            <a:r>
+              <a:rPr lang="en-US" altLang="zh-CN" dirty="0" err="1"/>
+              <a:t>const</a:t>
+            </a:r>
+            <a:r>
+              <a:rPr lang="en-US" altLang="zh-CN" dirty="0"/>
+              <a:t> </a:t>
+            </a:r>
+            <a:r>
+              <a:rPr lang="zh-CN" altLang="en-US" dirty="0"/>
+              <a:t>关键字定义常量</a:t>
+            </a:r>
+            <a:endParaRPr lang="en-US" altLang="zh-CN" dirty="0" smtClean="0"/>
+          </a:p>
+          <a:p>
+            <a:r>
+              <a:rPr lang="en-US" altLang="zh-CN" dirty="0"/>
+              <a:t>#define </a:t>
+            </a:r>
+            <a:r>
+              <a:rPr lang="zh-CN" altLang="en-US" dirty="0" smtClean="0"/>
+              <a:t>宏定义</a:t>
+            </a:r>
+            <a:endParaRPr lang="en-US" altLang="zh-CN" dirty="0"/>
+          </a:p>
+          <a:p>
+            <a:pPr marL="0" indent="0">
+              <a:buNone/>
+            </a:pPr>
+            <a:r>
+              <a:rPr lang="en-US" altLang="zh-CN" dirty="0"/>
+              <a:t>	#define </a:t>
+            </a:r>
+            <a:r>
+              <a:rPr lang="zh-CN" altLang="en-US" dirty="0"/>
+              <a:t>是预处理指令，用于定义常量或宏函数，常量值在编译前会被替换。</a:t>
+            </a:r>
+            <a:endParaRPr lang="en-US" altLang="zh-CN" dirty="0" smtClean="0"/>
+          </a:p>
+          <a:p>
+            <a:r>
+              <a:rPr lang="zh-CN" altLang="en-US" dirty="0"/>
+              <a:t>枚举</a:t>
+            </a:r>
+            <a:r>
+              <a:rPr lang="zh-CN" altLang="en-US" dirty="0" smtClean="0"/>
+              <a:t>类型</a:t>
+            </a:r>
+            <a:endParaRPr lang="en-US" altLang="zh-CN" dirty="0" smtClean="0"/>
+          </a:p>
+          <a:p>
+            <a:pPr marL="0" indent="0">
+              <a:buNone/>
+            </a:pPr>
+            <a:r>
+              <a:rPr lang="en-US" altLang="zh-CN" dirty="0"/>
+              <a:t>	</a:t>
+            </a:r>
+            <a:r>
+              <a:rPr lang="zh-CN" altLang="en-US" dirty="0"/>
+              <a:t>枚举类型用于定义一个具有固定值集合的变量。</a:t>
+            </a:r>
+            <a:endParaRPr lang="zh-CN" altLang="en-US" dirty="0"/>
           </a:p>
         </p:txBody>
       </p:sp>
     </p:spTree>
     <p:extLst>
       <p:ext uri="{BB962C8B-B14F-4D97-AF65-F5344CB8AC3E}">
-        <p14:creationId xmlns:p14="http://schemas.microsoft.com/office/powerpoint/2010/main" val="2413468171"/>
+        <p14:creationId xmlns:p14="http://schemas.microsoft.com/office/powerpoint/2010/main" val="2998995535"/>
       </p:ext>
     </p:extLst>
   </p:cSld>
@@ -9014,34 +9219,17 @@
           <a:lstStyle/>
           <a:p>
             <a:r>
-              <a:rPr lang="zh-CN" altLang="en-US" b="1" dirty="0" smtClean="0">
-                <a:latin typeface="华文楷体" pitchFamily="2" charset="-122"/>
-                <a:ea typeface="华文楷体" pitchFamily="2" charset="-122"/>
-              </a:rPr>
-              <a:t>第</a:t>
-            </a:r>
-            <a:r>
-              <a:rPr lang="en-US" altLang="zh-CN" b="1" dirty="0" smtClean="0">
-                <a:latin typeface="华文楷体" pitchFamily="2" charset="-122"/>
-                <a:ea typeface="华文楷体" pitchFamily="2" charset="-122"/>
-              </a:rPr>
-              <a:t>5</a:t>
-            </a:r>
-            <a:r>
-              <a:rPr lang="zh-CN" altLang="en-US" b="1" dirty="0" smtClean="0">
-                <a:latin typeface="华文楷体" pitchFamily="2" charset="-122"/>
-                <a:ea typeface="华文楷体" pitchFamily="2" charset="-122"/>
-              </a:rPr>
-              <a:t>章 指针</a:t>
-            </a:r>
-            <a:r>
-              <a:rPr lang="zh-CN" altLang="en-US" b="1" dirty="0">
-                <a:latin typeface="华文楷体" pitchFamily="2" charset="-122"/>
-                <a:ea typeface="华文楷体" pitchFamily="2" charset="-122"/>
-              </a:rPr>
-              <a:t>与动态内存管理</a:t>
-            </a:r>
-            <a:endParaRPr lang="zh-CN" altLang="en-US" dirty="0"/>
+              <a:rPr lang="en-US" altLang="zh-CN" b="1" dirty="0" smtClean="0"/>
+              <a:t>2.3 </a:t>
+            </a:r>
+            <a:r>
+              <a:rPr lang="zh-CN" altLang="en-US" b="1" dirty="0" smtClean="0"/>
+              <a:t>复合</a:t>
+            </a:r>
+            <a:r>
+              <a:rPr lang="zh-CN" altLang="en-US" b="1" dirty="0"/>
+              <a:t>类型</a:t>
+            </a:r>
           </a:p>
         </p:txBody>
       </p:sp>
@@ -9057,28 +9245,174 @@
         </p:nvSpPr>
         <p:spPr/>
         <p:txBody>
-          <a:bodyPr/>
+          <a:bodyPr>
+            <a:normAutofit fontScale="85000" lnSpcReduction="20000"/>
+          </a:bodyPr>
           <a:lstStyle/>
           <a:p>
             <a:r>
+              <a:rPr lang="zh-CN" altLang="en-US" b="1" dirty="0"/>
+              <a:t>数组（</a:t>
+            </a:r>
+            <a:r>
+              <a:rPr lang="en-US" altLang="zh-CN" b="1" dirty="0"/>
+              <a:t>Array</a:t>
+            </a:r>
+            <a:r>
+              <a:rPr lang="zh-CN" altLang="en-US" b="1" dirty="0"/>
+              <a:t>）</a:t>
+            </a:r>
+          </a:p>
+          <a:p>
+            <a:pPr marL="0" indent="0">
+              <a:buNone/>
+            </a:pPr>
+            <a:r>
+              <a:rPr lang="en-US" altLang="zh-CN" b="1" dirty="0" smtClean="0"/>
+              <a:t>	</a:t>
+            </a:r>
+            <a:r>
+              <a:rPr lang="zh-CN" altLang="en-US" b="1" dirty="0" smtClean="0"/>
+              <a:t>数组</a:t>
+            </a:r>
+            <a:r>
+              <a:rPr lang="zh-CN" altLang="en-US" dirty="0"/>
+              <a:t>是一种固定大小的相同类型数据的集合，数据通过下标访问。</a:t>
+            </a:r>
+            <a:r>
+              <a:rPr lang="en-US" altLang="zh-CN" dirty="0"/>
+              <a:t>C++ </a:t>
+            </a:r>
+            <a:r>
+              <a:rPr lang="zh-CN" altLang="en-US" dirty="0"/>
+              <a:t>中的</a:t>
+            </a:r>
+            <a:r>
               <a:rPr lang="zh-CN" altLang="en-US" dirty="0" smtClean="0"/>
-              <a:t>指针基础：指针的定义、解引用、指针运算。</a:t>
-            </a:r>
-          </a:p>
-          <a:p>
+              <a:t>数组</a:t>
+            </a:r>
+            <a:r>
+              <a:rPr lang="en-US" altLang="zh-CN" dirty="0" smtClean="0"/>
+              <a:t>	</a:t>
+            </a:r>
             <a:r>
               <a:rPr lang="zh-CN" altLang="en-US" dirty="0" smtClean="0"/>
-              <a:t>指针与数组：数组名作为指针，指针与数组的关系。</a:t>
-            </a:r>
-          </a:p>
-          <a:p>
+              <a:t>可以</a:t>
+            </a:r>
+            <a:r>
+              <a:rPr lang="zh-CN" altLang="en-US" dirty="0"/>
+              <a:t>存储</a:t>
+            </a:r>
             <a:r>
               <a:rPr lang="zh-CN" altLang="en-US" dirty="0" smtClean="0"/>
-              <a:t>动态内存管理：</a:t>
+              <a:t>一系列</a:t>
             </a:r>
             <a:r>
               <a:rPr lang="en-US" altLang="zh-CN" dirty="0" smtClean="0"/>
-              <a:t>new</a:t>
+              <a:t>	</a:t>
+            </a:r>
+            <a:r>
+              <a:rPr lang="zh-CN" altLang="en-US" dirty="0" smtClean="0"/>
+              <a:t>相同</a:t>
+            </a:r>
+            <a:r>
+              <a:rPr lang="zh-CN" altLang="en-US" dirty="0"/>
+              <a:t>类型的元素。</a:t>
+            </a:r>
+          </a:p>
+          <a:p>
+            <a:r>
+              <a:rPr lang="zh-CN" altLang="en-US" b="1" dirty="0"/>
+              <a:t>字符串（</a:t>
+            </a:r>
+            <a:r>
+              <a:rPr lang="en-US" altLang="zh-CN" b="1" dirty="0"/>
+              <a:t>String</a:t>
+            </a:r>
+            <a:r>
+              <a:rPr lang="zh-CN" altLang="en-US" b="1" dirty="0"/>
+              <a:t>）</a:t>
+            </a:r>
+          </a:p>
+          <a:p>
+            <a:pPr marL="0" indent="0">
+              <a:buNone/>
+            </a:pPr>
+            <a:r>
+              <a:rPr lang="en-US" altLang="zh-CN" dirty="0" smtClean="0"/>
+              <a:t>	</a:t>
+            </a:r>
+            <a:r>
+              <a:rPr lang="zh-CN" altLang="en-US" dirty="0" smtClean="0"/>
+              <a:t>在 </a:t>
+            </a:r>
+            <a:r>
+              <a:rPr lang="en-US" altLang="zh-CN" dirty="0"/>
+              <a:t>C++ </a:t>
+            </a:r>
+            <a:r>
+              <a:rPr lang="zh-CN" altLang="en-US" dirty="0"/>
+              <a:t>中，</a:t>
+            </a:r>
+            <a:r>
+              <a:rPr lang="en-US" altLang="zh-CN" dirty="0"/>
+              <a:t>string </a:t>
+            </a:r>
+            <a:r>
+              <a:rPr lang="zh-CN" altLang="en-US" dirty="0"/>
+              <a:t>是一个标准库类（</a:t>
+            </a:r>
+            <a:r>
+              <a:rPr lang="en-US" altLang="zh-CN" dirty="0" err="1"/>
+              <a:t>std</a:t>
+            </a:r>
+            <a:r>
+              <a:rPr lang="en-US" altLang="zh-CN" dirty="0"/>
+              <a:t>::string</a:t>
+            </a:r>
+            <a:r>
+              <a:rPr lang="zh-CN" altLang="en-US" dirty="0"/>
+              <a:t>），用于表示字符序列。它比</a:t>
+            </a:r>
+            <a:r>
+              <a:rPr lang="zh-CN" altLang="en-US" dirty="0" smtClean="0"/>
+              <a:t>传统</a:t>
+            </a:r>
+            <a:r>
+              <a:rPr lang="en-US" altLang="zh-CN" dirty="0" smtClean="0"/>
+              <a:t>	</a:t>
+            </a:r>
+            <a:r>
+              <a:rPr lang="zh-CN" altLang="en-US" dirty="0" smtClean="0"/>
+              <a:t>的 </a:t>
+            </a:r>
+            <a:r>
+              <a:rPr lang="en-US" altLang="zh-CN" dirty="0"/>
+              <a:t>C </a:t>
+            </a:r>
+            <a:r>
+              <a:rPr lang="zh-CN" altLang="en-US" dirty="0"/>
+              <a:t>风格</a:t>
+            </a:r>
+            <a:r>
+              <a:rPr lang="zh-CN" altLang="en-US" dirty="0" smtClean="0"/>
+              <a:t>字符串</a:t>
+            </a:r>
+            <a:r>
+              <a:rPr lang="en-US" altLang="zh-CN" dirty="0" smtClean="0"/>
+              <a:t>	</a:t>
+            </a:r>
+            <a:r>
+              <a:rPr lang="zh-CN" altLang="en-US" dirty="0" smtClean="0"/>
+              <a:t>（</a:t>
+            </a:r>
+            <a:r>
+              <a:rPr lang="en-US" altLang="zh-CN" dirty="0" smtClean="0"/>
+              <a:t>char </a:t>
+            </a:r>
+            <a:r>
+              <a:rPr lang="zh-CN" altLang="en-US" dirty="0"/>
+              <a:t>数组）更加灵活和方便，支持许多字符串操作，如拼接</a:t>
             </a:r>
             <a:r>
               <a:rPr lang="zh-CN" altLang="en-US" dirty="0" smtClean="0"/>
@@ -9086,34 +9420,214 @@
             </a:r>
             <a:r>
               <a:rPr lang="en-US" altLang="zh-CN" dirty="0" smtClean="0"/>
-              <a:t>delete</a:t>
+              <a:t>	</a:t>
             </a:r>
             <a:r>
               <a:rPr lang="zh-CN" altLang="en-US" dirty="0" smtClean="0"/>
-              <a:t>、</a:t>
-            </a:r>
-            <a:r>
-              <a:rPr lang="en-US" altLang="zh-CN" dirty="0" smtClean="0"/>
-              <a:t>new[]</a:t>
-            </a:r>
-            <a:r>
-              <a:rPr lang="zh-CN" altLang="en-US" dirty="0" smtClean="0"/>
-              <a:t>、</a:t>
-            </a:r>
-            <a:r>
-              <a:rPr lang="en-US" altLang="zh-CN" dirty="0" smtClean="0"/>
-              <a:t>delete[]</a:t>
+              <a:t>查找、替换</a:t>
+            </a:r>
+            <a:r>
+              <a:rPr lang="zh-CN" altLang="en-US" dirty="0"/>
+              <a:t>等</a:t>
             </a:r>
             <a:r>
               <a:rPr lang="zh-CN" altLang="en-US" dirty="0" smtClean="0"/>
               <a:t>。</a:t>
             </a:r>
-          </a:p>
-          <a:p>
+            <a:endParaRPr lang="en-US" altLang="zh-CN" dirty="0" smtClean="0"/>
+          </a:p>
+          <a:p>
+            <a:r>
+              <a:rPr lang="zh-CN" altLang="en-US" b="1" dirty="0"/>
+              <a:t>结构体（</a:t>
+            </a:r>
+            <a:r>
+              <a:rPr lang="en-US" altLang="zh-CN" b="1" dirty="0" err="1"/>
+              <a:t>struct</a:t>
+            </a:r>
+            <a:r>
+              <a:rPr lang="zh-CN" altLang="en-US" b="1" dirty="0" smtClean="0"/>
+              <a:t>）</a:t>
+            </a:r>
+            <a:endParaRPr lang="en-US" altLang="zh-CN" b="1" dirty="0" smtClean="0"/>
+          </a:p>
+          <a:p>
+            <a:pPr marL="0" indent="0">
+              <a:buNone/>
+            </a:pPr>
+            <a:r>
+              <a:rPr lang="en-US" altLang="zh-CN" b="1" dirty="0"/>
+              <a:t>	</a:t>
+            </a:r>
+            <a:r>
+              <a:rPr lang="zh-CN" altLang="en-US" b="1" dirty="0"/>
+              <a:t>结构体</a:t>
+            </a:r>
+            <a:r>
+              <a:rPr lang="zh-CN" altLang="en-US" dirty="0"/>
+              <a:t>是 </a:t>
+            </a:r>
+            <a:r>
+              <a:rPr lang="en-US" altLang="zh-CN" dirty="0"/>
+              <a:t>C++ </a:t>
+            </a:r>
+            <a:r>
+              <a:rPr lang="zh-CN" altLang="en-US" dirty="0"/>
+              <a:t>中的一种复合数据类型，它可以存储多个不同类型的变量（成员变</a:t>
+            </a:r>
+            <a:r>
+              <a:rPr lang="en-US" altLang="zh-CN" dirty="0"/>
+              <a:t>	</a:t>
+            </a:r>
+            <a:r>
+              <a:rPr lang="zh-CN" altLang="en-US" dirty="0"/>
+              <a:t>量）。结构体</a:t>
+            </a:r>
             <a:r>
               <a:rPr lang="zh-CN" altLang="en-US" dirty="0" smtClean="0"/>
-              <a:t>内存泄漏与指针悬挂：避免内存泄漏，指针的安全使用。</a:t>
-            </a:r>
+              <a:t>允</a:t>
+            </a:r>
+            <a:r>
+              <a:rPr lang="en-US" altLang="zh-CN" dirty="0" smtClean="0"/>
+              <a:t>	</a:t>
+            </a:r>
+            <a:r>
+              <a:rPr lang="zh-CN" altLang="en-US" dirty="0" smtClean="0"/>
+              <a:t>许</a:t>
+            </a:r>
+            <a:r>
+              <a:rPr lang="zh-CN" altLang="en-US" dirty="0"/>
+              <a:t>你</a:t>
+            </a:r>
+            <a:r>
+              <a:rPr lang="zh-CN" altLang="en-US" dirty="0" smtClean="0"/>
+              <a:t>将不同</a:t>
+            </a:r>
+            <a:r>
+              <a:rPr lang="zh-CN" altLang="en-US" dirty="0"/>
+              <a:t>的变量聚集在一起，形成一个整体。</a:t>
+            </a:r>
+            <a:endParaRPr lang="en-US" altLang="zh-CN" dirty="0"/>
+          </a:p>
+          <a:p>
+            <a:r>
+              <a:rPr lang="zh-CN" altLang="en-US" b="1" dirty="0" smtClean="0"/>
+              <a:t>联合体</a:t>
+            </a:r>
+            <a:r>
+              <a:rPr lang="zh-CN" altLang="en-US" b="1" dirty="0"/>
+              <a:t>（</a:t>
+            </a:r>
+            <a:r>
+              <a:rPr lang="en-US" altLang="zh-CN" b="1" dirty="0"/>
+              <a:t>Union</a:t>
+            </a:r>
+            <a:r>
+              <a:rPr lang="zh-CN" altLang="en-US" b="1" dirty="0"/>
+              <a:t>）</a:t>
+            </a:r>
+          </a:p>
+          <a:p>
+            <a:pPr marL="0" indent="0">
+              <a:buNone/>
+            </a:pPr>
+            <a:r>
+              <a:rPr lang="en-US" altLang="zh-CN" b="1" dirty="0" smtClean="0"/>
+              <a:t>	</a:t>
+            </a:r>
+            <a:r>
+              <a:rPr lang="zh-CN" altLang="en-US" dirty="0" smtClean="0"/>
+              <a:t>联合体</a:t>
+            </a:r>
+            <a:r>
+              <a:rPr lang="zh-CN" altLang="en-US" dirty="0"/>
+              <a:t>（</a:t>
+            </a:r>
+            <a:r>
+              <a:rPr lang="en-US" altLang="zh-CN" dirty="0"/>
+              <a:t>union</a:t>
+            </a:r>
+            <a:r>
+              <a:rPr lang="zh-CN" altLang="en-US" dirty="0"/>
+              <a:t>）是 </a:t>
+            </a:r>
+            <a:r>
+              <a:rPr lang="en-US" altLang="zh-CN" dirty="0"/>
+              <a:t>C++ </a:t>
+            </a:r>
+            <a:r>
+              <a:rPr lang="zh-CN" altLang="en-US" dirty="0"/>
+              <a:t>中的一个特殊数据类型，它可以存储不同类型的数据，但</a:t>
+            </a:r>
+            <a:r>
+              <a:rPr lang="zh-CN" altLang="en-US" dirty="0" smtClean="0"/>
+              <a:t>所</a:t>
+            </a:r>
+            <a:r>
+              <a:rPr lang="en-US" altLang="zh-CN" dirty="0" smtClean="0"/>
+              <a:t>	</a:t>
+            </a:r>
+            <a:r>
+              <a:rPr lang="zh-CN" altLang="en-US" dirty="0" smtClean="0"/>
+              <a:t>有</a:t>
+            </a:r>
+            <a:r>
+              <a:rPr lang="zh-CN" altLang="en-US" dirty="0"/>
+              <a:t>成员</a:t>
+            </a:r>
+            <a:r>
+              <a:rPr lang="zh-CN" altLang="en-US" dirty="0" smtClean="0"/>
+              <a:t>共享</a:t>
+            </a:r>
+            <a:r>
+              <a:rPr lang="en-US" altLang="zh-CN" dirty="0" smtClean="0"/>
+              <a:t>	</a:t>
+            </a:r>
+            <a:r>
+              <a:rPr lang="zh-CN" altLang="en-US" dirty="0" smtClean="0"/>
+              <a:t>同</a:t>
+            </a:r>
+            <a:r>
+              <a:rPr lang="zh-CN" altLang="en-US" dirty="0"/>
+              <a:t>一块内存空间。也就是说，联合体的成员变量占用的内存是最大的成员</a:t>
+            </a:r>
+            <a:r>
+              <a:rPr lang="zh-CN" altLang="en-US" dirty="0" smtClean="0"/>
+              <a:t>变</a:t>
+            </a:r>
+            <a:r>
+              <a:rPr lang="en-US" altLang="zh-CN" dirty="0" smtClean="0"/>
+              <a:t>	</a:t>
+            </a:r>
+            <a:r>
+              <a:rPr lang="zh-CN" altLang="en-US" dirty="0" smtClean="0"/>
+              <a:t>量</a:t>
+            </a:r>
+            <a:r>
+              <a:rPr lang="zh-CN" altLang="en-US" dirty="0"/>
+              <a:t>所需要的内存。</a:t>
+            </a:r>
+          </a:p>
+          <a:p>
+            <a:pPr marL="0" indent="0">
+              <a:buNone/>
+            </a:pPr>
+            <a:r>
+              <a:rPr lang="en-US" altLang="zh-CN" b="1" dirty="0" smtClean="0"/>
+              <a:t>	</a:t>
+            </a:r>
+            <a:endParaRPr lang="en-US" altLang="zh-CN" dirty="0" smtClean="0"/>
+          </a:p>
+          <a:p>
+            <a:pPr marL="0" indent="0">
+              <a:buNone/>
+            </a:pPr>
+            <a:endParaRPr lang="zh-CN" altLang="en-US" dirty="0"/>
+          </a:p>
+          <a:p>
+            <a:pPr marL="0" indent="0">
+              <a:buNone/>
+            </a:pPr>
             <a:endParaRPr lang="zh-CN" altLang="en-US" dirty="0"/>
           </a:p>
         </p:txBody>
@@ -9121,7 +9635,7 @@
     </p:spTree>
     <p:extLst>
       <p:ext uri="{BB962C8B-B14F-4D97-AF65-F5344CB8AC3E}">
-        <p14:creationId xmlns:p14="http://schemas.microsoft.com/office/powerpoint/2010/main" val="3183063327"/>
+        <p14:creationId xmlns:p14="http://schemas.microsoft.com/office/powerpoint/2010/main" val="2888587339"/>
       </p:ext>
     </p:extLst>
   </p:cSld>
@@ -9171,41 +9685,21 @@
           <a:lstStyle/>
           <a:p>
             <a:r>
-              <a:rPr lang="zh-CN" altLang="en-US" b="1" dirty="0" smtClean="0">
-                <a:latin typeface="华文楷体" pitchFamily="2" charset="-122"/>
-                <a:ea typeface="华文楷体" pitchFamily="2" charset="-122"/>
-              </a:rPr>
-              <a:t>第</a:t>
-            </a:r>
-            <a:r>
-              <a:rPr lang="en-US" altLang="zh-CN" b="1" dirty="0" smtClean="0">
-                <a:latin typeface="华文楷体" pitchFamily="2" charset="-122"/>
-                <a:ea typeface="华文楷体" pitchFamily="2" charset="-122"/>
-              </a:rPr>
-              <a:t>6</a:t>
-            </a:r>
-            <a:r>
-              <a:rPr lang="zh-CN" altLang="en-US" b="1" dirty="0" smtClean="0">
-                <a:latin typeface="华文楷体" pitchFamily="2" charset="-122"/>
-                <a:ea typeface="华文楷体" pitchFamily="2" charset="-122"/>
-              </a:rPr>
-              <a:t>章  </a:t>
-            </a:r>
-            <a:r>
-              <a:rPr lang="en-US" altLang="zh-CN" b="1" dirty="0">
-                <a:latin typeface="华文楷体" pitchFamily="2" charset="-122"/>
-                <a:ea typeface="华文楷体" pitchFamily="2" charset="-122"/>
-              </a:rPr>
-              <a:t>STL</a:t>
-            </a:r>
-            <a:r>
-              <a:rPr lang="zh-CN" altLang="en-US" b="1" dirty="0">
-                <a:latin typeface="华文楷体" pitchFamily="2" charset="-122"/>
-                <a:ea typeface="华文楷体" pitchFamily="2" charset="-122"/>
-              </a:rPr>
-              <a:t>（标准模板库）</a:t>
-            </a:r>
-            <a:endParaRPr lang="zh-CN" altLang="en-US" dirty="0"/>
+              <a:rPr lang="en-US" altLang="zh-CN" b="1" dirty="0"/>
+              <a:t>C++ </a:t>
+            </a:r>
+            <a:r>
+              <a:rPr lang="zh-CN" altLang="en-US" b="1" dirty="0"/>
+              <a:t>字符串和 </a:t>
+            </a:r>
+            <a:r>
+              <a:rPr lang="en-US" altLang="zh-CN" b="1" dirty="0"/>
+              <a:t>C </a:t>
+            </a:r>
+            <a:r>
+              <a:rPr lang="zh-CN" altLang="en-US" b="1" dirty="0"/>
+              <a:t>字符数组的区别</a:t>
+            </a:r>
           </a:p>
         </p:txBody>
       </p:sp>
@@ -9225,108 +9719,231 @@
           <a:lstStyle/>
           <a:p>
             <a:r>
-              <a:rPr lang="en-US" altLang="zh-CN" dirty="0"/>
-              <a:t>STL</a:t>
-            </a:r>
-            <a:r>
-              <a:rPr lang="zh-CN" altLang="en-US" dirty="0"/>
-              <a:t>概述：</a:t>
-            </a:r>
-            <a:r>
-              <a:rPr lang="en-US" altLang="zh-CN" dirty="0"/>
-              <a:t>STL</a:t>
-            </a:r>
-            <a:r>
-              <a:rPr lang="zh-CN" altLang="en-US" dirty="0"/>
-              <a:t>的组成部分（容器、算法、迭代器）。</a:t>
-            </a:r>
-          </a:p>
-          <a:p>
-            <a:r>
-              <a:rPr lang="zh-CN" altLang="en-US" dirty="0"/>
-              <a:t>容器：</a:t>
-            </a:r>
-            <a:r>
-              <a:rPr lang="en-US" altLang="zh-CN" dirty="0"/>
-              <a:t>vector</a:t>
-            </a:r>
-            <a:r>
-              <a:rPr lang="zh-CN" altLang="en-US" dirty="0"/>
-              <a:t>、</a:t>
-            </a:r>
-            <a:r>
-              <a:rPr lang="en-US" altLang="zh-CN" dirty="0"/>
-              <a:t>list</a:t>
-            </a:r>
-            <a:r>
-              <a:rPr lang="zh-CN" altLang="en-US" dirty="0"/>
-              <a:t>、</a:t>
-            </a:r>
-            <a:r>
-              <a:rPr lang="en-US" altLang="zh-CN" dirty="0"/>
-              <a:t>map</a:t>
-            </a:r>
-            <a:r>
-              <a:rPr lang="zh-CN" altLang="en-US" dirty="0"/>
-              <a:t>、</a:t>
-            </a:r>
-            <a:r>
-              <a:rPr lang="en-US" altLang="zh-CN" dirty="0"/>
-              <a:t>set</a:t>
-            </a:r>
-            <a:r>
-              <a:rPr lang="zh-CN" altLang="en-US" dirty="0"/>
-              <a:t>、</a:t>
+              <a:rPr lang="zh-CN" altLang="en-US" dirty="0"/>
+              <a:t>在 </a:t>
+            </a:r>
+            <a:r>
+              <a:rPr lang="en-US" altLang="zh-CN" dirty="0"/>
+              <a:t>C++ </a:t>
+            </a:r>
+            <a:r>
+              <a:rPr lang="zh-CN" altLang="en-US" dirty="0" smtClean="0"/>
+              <a:t>中，</a:t>
+            </a:r>
+            <a:r>
+              <a:rPr lang="zh-CN" altLang="en-US" dirty="0"/>
+              <a:t>定义字符串变量有两种常见方式</a:t>
+            </a:r>
+            <a:r>
+              <a:rPr lang="zh-CN" altLang="en-US" dirty="0" smtClean="0"/>
+              <a:t>：</a:t>
+            </a:r>
+            <a:endParaRPr lang="en-US" altLang="zh-CN" dirty="0" smtClean="0"/>
+          </a:p>
+          <a:p>
+            <a:pPr marL="0" indent="0">
+              <a:buNone/>
+            </a:pPr>
+            <a:r>
+              <a:rPr lang="en-US" altLang="zh-CN" dirty="0"/>
+              <a:t>	</a:t>
+            </a:r>
+            <a:r>
+              <a:rPr lang="zh-CN" altLang="en-US" dirty="0"/>
+              <a:t>使用字符数组和使用 </a:t>
             </a:r>
             <a:r>
               <a:rPr lang="en-US" altLang="zh-CN" dirty="0" err="1"/>
-              <a:t>deque</a:t>
+              <a:t>std</a:t>
+            </a:r>
+            <a:r>
+              <a:rPr lang="en-US" altLang="zh-CN" dirty="0"/>
+              <a:t>::string </a:t>
+            </a:r>
+            <a:r>
+              <a:rPr lang="zh-CN" altLang="en-US" dirty="0"/>
+              <a:t>类</a:t>
+            </a:r>
+            <a:endParaRPr lang="en-US" altLang="zh-CN" dirty="0"/>
+          </a:p>
+          <a:p>
+            <a:r>
+              <a:rPr lang="zh-CN" altLang="en-US" dirty="0" smtClean="0"/>
+              <a:t>使用字符</a:t>
+            </a:r>
+            <a:r>
+              <a:rPr lang="zh-CN" altLang="en-US" dirty="0"/>
+              <a:t>数组（</a:t>
+            </a:r>
+            <a:r>
+              <a:rPr lang="en-US" altLang="zh-CN" dirty="0"/>
+              <a:t>C </a:t>
+            </a:r>
+            <a:r>
+              <a:rPr lang="zh-CN" altLang="en-US" dirty="0"/>
+              <a:t>风格字符串</a:t>
+            </a:r>
+            <a:r>
+              <a:rPr lang="zh-CN" altLang="en-US" dirty="0" smtClean="0"/>
+              <a:t>）</a:t>
+            </a:r>
+            <a:endParaRPr lang="en-US" altLang="zh-CN" dirty="0" smtClean="0"/>
+          </a:p>
+          <a:p>
+            <a:pPr marL="0" indent="0">
+              <a:buNone/>
+            </a:pPr>
+            <a:r>
+              <a:rPr lang="en-US" altLang="zh-CN" dirty="0"/>
+              <a:t>	</a:t>
+            </a:r>
+            <a:r>
+              <a:rPr lang="zh-CN" altLang="en-US" dirty="0"/>
+              <a:t>在 </a:t>
+            </a:r>
+            <a:r>
+              <a:rPr lang="en-US" altLang="zh-CN" dirty="0"/>
+              <a:t>C </a:t>
+            </a:r>
+            <a:r>
+              <a:rPr lang="zh-CN" altLang="en-US" dirty="0"/>
+              <a:t>中，字符串通常是一个字符数组，并以 </a:t>
+            </a:r>
+            <a:r>
+              <a:rPr lang="en-US" altLang="zh-CN" dirty="0"/>
+              <a:t>'\0'</a:t>
+            </a:r>
+            <a:r>
+              <a:rPr lang="zh-CN" altLang="en-US" dirty="0"/>
+              <a:t>（空字符）结尾来标识字符串的结 </a:t>
+            </a:r>
+            <a:r>
+              <a:rPr lang="en-US" altLang="zh-CN" dirty="0"/>
+              <a:t>	</a:t>
+            </a:r>
+            <a:r>
+              <a:rPr lang="zh-CN" altLang="en-US" dirty="0"/>
+              <a:t>束。</a:t>
+            </a:r>
+            <a:endParaRPr lang="en-US" altLang="zh-CN" dirty="0" smtClean="0"/>
+          </a:p>
+          <a:p>
+            <a:r>
+              <a:rPr lang="zh-CN" altLang="en-US" dirty="0"/>
+              <a:t>使用 </a:t>
+            </a:r>
+            <a:r>
+              <a:rPr lang="en-US" altLang="zh-CN" dirty="0" err="1"/>
+              <a:t>std</a:t>
+            </a:r>
+            <a:r>
+              <a:rPr lang="en-US" altLang="zh-CN" dirty="0"/>
+              <a:t>::string </a:t>
+            </a:r>
+            <a:r>
+              <a:rPr lang="zh-CN" altLang="en-US" dirty="0"/>
+              <a:t>类（</a:t>
+            </a:r>
+            <a:r>
+              <a:rPr lang="en-US" altLang="zh-CN" dirty="0"/>
+              <a:t>C++ </a:t>
+            </a:r>
+            <a:r>
+              <a:rPr lang="zh-CN" altLang="en-US" dirty="0"/>
+              <a:t>风格字符串）</a:t>
+            </a:r>
+            <a:endParaRPr lang="en-US" altLang="zh-CN" dirty="0" smtClean="0"/>
+          </a:p>
+          <a:p>
+            <a:pPr marL="0" indent="0">
+              <a:buNone/>
+            </a:pPr>
+            <a:r>
+              <a:rPr lang="en-US" altLang="zh-CN" dirty="0"/>
+              <a:t>	</a:t>
+            </a:r>
+            <a:r>
+              <a:rPr lang="zh-CN" altLang="en-US" dirty="0"/>
+              <a:t>在 </a:t>
+            </a:r>
+            <a:r>
+              <a:rPr lang="en-US" altLang="zh-CN" dirty="0"/>
+              <a:t>C++ </a:t>
+            </a:r>
+            <a:r>
+              <a:rPr lang="zh-CN" altLang="en-US" dirty="0"/>
+              <a:t>中，</a:t>
+            </a:r>
+            <a:r>
+              <a:rPr lang="en-US" altLang="zh-CN" dirty="0" err="1"/>
+              <a:t>std</a:t>
+            </a:r>
+            <a:r>
+              <a:rPr lang="en-US" altLang="zh-CN" dirty="0"/>
+              <a:t>::string </a:t>
+            </a:r>
+            <a:r>
+              <a:rPr lang="zh-CN" altLang="en-US" dirty="0"/>
+              <a:t>是一个标准库类，专门用于处理字符串。它封装了字符</a:t>
+            </a:r>
+            <a:r>
+              <a:rPr lang="zh-CN" altLang="en-US" dirty="0" smtClean="0"/>
+              <a:t>数</a:t>
+            </a:r>
+            <a:r>
+              <a:rPr lang="en-US" altLang="zh-CN" dirty="0" smtClean="0"/>
+              <a:t>	</a:t>
+            </a:r>
+            <a:r>
+              <a:rPr lang="zh-CN" altLang="en-US" dirty="0" smtClean="0"/>
+              <a:t>组</a:t>
+            </a:r>
+            <a:r>
+              <a:rPr lang="zh-CN" altLang="en-US" dirty="0"/>
+              <a:t>，提供了更便捷的字符串操作方法</a:t>
+            </a:r>
+            <a:r>
+              <a:rPr lang="zh-CN" altLang="en-US" dirty="0" smtClean="0"/>
+              <a:t>。</a:t>
+            </a:r>
+            <a:endParaRPr lang="en-US" altLang="zh-CN" dirty="0" smtClean="0"/>
+          </a:p>
+          <a:p>
+            <a:pPr lvl="1"/>
+            <a:r>
+              <a:rPr lang="en-US" altLang="zh-CN" dirty="0" err="1"/>
+              <a:t>std</a:t>
+            </a:r>
+            <a:r>
+              <a:rPr lang="en-US" altLang="zh-CN" dirty="0"/>
+              <a:t>::string </a:t>
+            </a:r>
+            <a:r>
+              <a:rPr lang="zh-CN" altLang="en-US" dirty="0"/>
+              <a:t>类自动管理内存，可以动态调整大小。</a:t>
+            </a:r>
+          </a:p>
+          <a:p>
+            <a:pPr lvl="1"/>
+            <a:r>
+              <a:rPr lang="zh-CN" altLang="en-US" dirty="0"/>
+              <a:t>字符串操作更方便，提供了许多内置方法，如 </a:t>
+            </a:r>
+            <a:r>
+              <a:rPr lang="en-US" altLang="zh-CN" dirty="0"/>
+              <a:t>length(), append(), </a:t>
+            </a:r>
+            <a:r>
+              <a:rPr lang="en-US" altLang="zh-CN" dirty="0" err="1"/>
+              <a:t>substr</a:t>
+            </a:r>
+            <a:r>
+              <a:rPr lang="en-US" altLang="zh-CN" dirty="0"/>
+              <a:t>() </a:t>
             </a:r>
             <a:r>
               <a:rPr lang="zh-CN" altLang="en-US" dirty="0"/>
               <a:t>等。</a:t>
-            </a:r>
-          </a:p>
-          <a:p>
-            <a:r>
-              <a:rPr lang="zh-CN" altLang="en-US" dirty="0"/>
-              <a:t>算法：排序、查找、删除、替换等常用算法。</a:t>
-            </a:r>
-          </a:p>
-          <a:p>
-            <a:r>
-              <a:rPr lang="zh-CN" altLang="en-US" dirty="0"/>
-              <a:t>迭代器：容器的迭代器使用方法。</a:t>
-            </a:r>
-          </a:p>
-          <a:p>
-            <a:r>
-              <a:rPr lang="zh-CN" altLang="en-US" dirty="0"/>
-              <a:t>智能指针：</a:t>
-            </a:r>
-            <a:r>
-              <a:rPr lang="en-US" altLang="zh-CN" dirty="0" err="1"/>
-              <a:t>shared_ptr</a:t>
-            </a:r>
-            <a:r>
-              <a:rPr lang="zh-CN" altLang="en-US" dirty="0"/>
-              <a:t>、</a:t>
-            </a:r>
-            <a:r>
-              <a:rPr lang="en-US" altLang="zh-CN" dirty="0" err="1"/>
-              <a:t>unique_ptr</a:t>
-            </a:r>
-            <a:r>
-              <a:rPr lang="zh-CN" altLang="en-US" dirty="0"/>
-              <a:t>、</a:t>
-            </a:r>
-            <a:r>
-              <a:rPr lang="en-US" altLang="zh-CN" dirty="0" err="1"/>
-              <a:t>weak_ptr</a:t>
-            </a:r>
-            <a:r>
-              <a:rPr lang="zh-CN" altLang="en-US" dirty="0"/>
-              <a:t>。</a:t>
             </a:r>
           </a:p>
         </p:txBody>
@@ -9334,20 +9951,13 @@
     </p:spTree>
     <p:extLst>
       <p:ext uri="{BB962C8B-B14F-4D97-AF65-F5344CB8AC3E}">
-        <p14:creationId xmlns:p14="http://schemas.microsoft.com/office/powerpoint/2010/main" val="201415056"/>
+        <p14:creationId xmlns:p14="http://schemas.microsoft.com/office/powerpoint/2010/main" val="3452621968"/>
       </p:ext>
     </p:extLst>
   </p:cSld>
   <p:clrMapOvr>
     <a:masterClrMapping/>
   </p:clrMapOvr>
-  <p:timing>
-    <p:tnLst>
-      <p:par>
-        <p:cTn id="1" dur="indefinite" restart="never" nodeType="tmRoot"/>
-      </p:par>
-    </p:tnLst>
-  </p:timing>
 </p:sld>
 </file>
 
@@ -9536,91 +10146,418 @@
           <a:lstStyle/>
           <a:p>
             <a:r>
-              <a:rPr lang="zh-CN" altLang="en-US" b="1" dirty="0" smtClean="0">
-                <a:latin typeface="华文楷体" pitchFamily="2" charset="-122"/>
-                <a:ea typeface="华文楷体" pitchFamily="2" charset="-122"/>
-              </a:rPr>
-              <a:t>第</a:t>
-            </a:r>
-            <a:r>
-              <a:rPr lang="en-US" altLang="zh-CN" b="1" dirty="0" smtClean="0">
-                <a:latin typeface="华文楷体" pitchFamily="2" charset="-122"/>
-                <a:ea typeface="华文楷体" pitchFamily="2" charset="-122"/>
-              </a:rPr>
-              <a:t>7</a:t>
-            </a:r>
-            <a:r>
-              <a:rPr lang="zh-CN" altLang="en-US" b="1" dirty="0">
-                <a:latin typeface="华文楷体" pitchFamily="2" charset="-122"/>
-                <a:ea typeface="华文楷体" pitchFamily="2" charset="-122"/>
-              </a:rPr>
-              <a:t>章异常处理</a:t>
+              <a:rPr lang="en-US" altLang="zh-CN" b="1" dirty="0"/>
+              <a:t>C++ </a:t>
+            </a:r>
+            <a:r>
+              <a:rPr lang="zh-CN" altLang="en-US" b="1" dirty="0"/>
+              <a:t>字符串和 </a:t>
+            </a:r>
+            <a:r>
+              <a:rPr lang="en-US" altLang="zh-CN" b="1" dirty="0"/>
+              <a:t>C </a:t>
+            </a:r>
+            <a:r>
+              <a:rPr lang="zh-CN" altLang="en-US" b="1" dirty="0"/>
+              <a:t>字符数组的区别</a:t>
             </a:r>
             <a:endParaRPr lang="zh-CN" altLang="en-US" dirty="0"/>
           </a:p>
         </p:txBody>
       </p:sp>
-      <p:sp>
-        <p:nvSpPr>
-          <p:cNvPr id="3" name="内容占位符 2"/>
-          <p:cNvSpPr>
-            <a:spLocks noGrp="1"/>
-          </p:cNvSpPr>
+      <p:graphicFrame>
+        <p:nvGraphicFramePr>
+          <p:cNvPr id="4" name="内容占位符 3"/>
+          <p:cNvGraphicFramePr>
+            <a:graphicFrameLocks noGrp="1"/>
+          </p:cNvGraphicFramePr>
           <p:nvPr>
             <p:ph idx="1"/>
-          </p:nvPr>
-        </p:nvSpPr>
-        <p:spPr/>
-        <p:txBody>
-          <a:bodyPr/>
-          <a:lstStyle/>
-          <a:p>
-            <a:r>
-              <a:rPr lang="zh-CN" altLang="en-US" dirty="0"/>
-              <a:t>异常概念：异常的定义、捕获、抛出。</a:t>
-            </a:r>
-          </a:p>
-          <a:p>
-            <a:r>
-              <a:rPr lang="en-US" altLang="zh-CN" dirty="0"/>
-              <a:t>try-catch</a:t>
-            </a:r>
-            <a:r>
-              <a:rPr lang="zh-CN" altLang="en-US" dirty="0"/>
-              <a:t>语句：基本语法、捕获多种异常。</a:t>
-            </a:r>
-          </a:p>
-          <a:p>
-            <a:r>
-              <a:rPr lang="zh-CN" altLang="en-US" dirty="0"/>
-              <a:t>自定义异常类：如何创建自定义异常类型。</a:t>
-            </a:r>
-          </a:p>
-          <a:p>
-            <a:r>
-              <a:rPr lang="zh-CN" altLang="en-US" dirty="0"/>
-              <a:t>异常安全：异常安全的编程原则（基本保证、强保证）。</a:t>
-            </a:r>
-          </a:p>
-        </p:txBody>
-      </p:sp>
+            <p:extLst>
+              <p:ext uri="{D42A27DB-BD31-4B8C-83A1-F6EECF244321}">
+                <p14:modId xmlns:p14="http://schemas.microsoft.com/office/powerpoint/2010/main" val="1704445036"/>
+              </p:ext>
+            </p:extLst>
+          </p:nvPr>
+        </p:nvGraphicFramePr>
+        <p:xfrm>
+          <a:off x="2589213" y="2133600"/>
+          <a:ext cx="8915400" cy="2854960"/>
+        </p:xfrm>
+        <a:graphic>
+          <a:graphicData uri="http://schemas.openxmlformats.org/drawingml/2006/table">
+            <a:tbl>
+              <a:tblPr firstRow="1" bandRow="1">
+                <a:tableStyleId>{5C22544A-7EE6-4342-B048-85BDC9FD1C3A}</a:tableStyleId>
+              </a:tblPr>
+              <a:tblGrid>
+                <a:gridCol w="1192212"/>
+                <a:gridCol w="4751388"/>
+                <a:gridCol w="2971800"/>
+              </a:tblGrid>
+              <a:tr h="370840">
+                <a:tc>
+                  <a:txBody>
+                    <a:bodyPr/>
+                    <a:lstStyle/>
+                    <a:p>
+                      <a:r>
+                        <a:rPr lang="zh-CN" altLang="en-US" sz="1200" b="1" dirty="0"/>
+                        <a:t>特性</a:t>
+                      </a:r>
+                      <a:endParaRPr lang="zh-CN" altLang="en-US" sz="1200" dirty="0"/>
+                    </a:p>
+                  </a:txBody>
+                  <a:tcPr anchor="ctr"/>
+                </a:tc>
+                <a:tc>
+                  <a:txBody>
+                    <a:bodyPr/>
+                    <a:lstStyle/>
+                    <a:p>
+                      <a:r>
+                        <a:rPr lang="zh-CN" altLang="en-US" sz="1200" b="1"/>
+                        <a:t>字符数组</a:t>
+                      </a:r>
+                      <a:endParaRPr lang="zh-CN" altLang="en-US" sz="1200"/>
+                    </a:p>
+                  </a:txBody>
+                  <a:tcPr anchor="ctr"/>
+                </a:tc>
+                <a:tc>
+                  <a:txBody>
+                    <a:bodyPr/>
+                    <a:lstStyle/>
+                    <a:p>
+                      <a:r>
+                        <a:rPr lang="en-US" sz="1200" b="1" dirty="0" err="1"/>
+                        <a:t>std</a:t>
+                      </a:r>
+                      <a:r>
+                        <a:rPr lang="en-US" sz="1200" b="1" dirty="0"/>
+                        <a:t>::string</a:t>
+                      </a:r>
+                      <a:endParaRPr lang="en-US" sz="1200" dirty="0"/>
+                    </a:p>
+                  </a:txBody>
+                  <a:tcPr anchor="ctr"/>
+                </a:tc>
+              </a:tr>
+              <a:tr h="370840">
+                <a:tc>
+                  <a:txBody>
+                    <a:bodyPr/>
+                    <a:lstStyle/>
+                    <a:p>
+                      <a:r>
+                        <a:rPr lang="zh-CN" altLang="en-US" sz="1200" b="1" dirty="0"/>
+                        <a:t>定义</a:t>
+                      </a:r>
+                      <a:endParaRPr lang="zh-CN" altLang="en-US" sz="1200" dirty="0"/>
+                    </a:p>
+                  </a:txBody>
+                  <a:tcPr anchor="ctr"/>
+                </a:tc>
+                <a:tc>
+                  <a:txBody>
+                    <a:bodyPr/>
+                    <a:lstStyle/>
+                    <a:p>
+                      <a:r>
+                        <a:rPr lang="zh-CN" altLang="en-US" sz="1200"/>
+                        <a:t>使用字符数组来存储字符串，末尾需要 </a:t>
+                      </a:r>
+                      <a:r>
+                        <a:rPr lang="en-US" altLang="zh-CN" sz="1200"/>
+                        <a:t>'\0' </a:t>
+                      </a:r>
+                      <a:r>
+                        <a:rPr lang="zh-CN" altLang="en-US" sz="1200"/>
+                        <a:t>标识结束</a:t>
+                      </a:r>
+                    </a:p>
+                  </a:txBody>
+                  <a:tcPr anchor="ctr"/>
+                </a:tc>
+                <a:tc>
+                  <a:txBody>
+                    <a:bodyPr/>
+                    <a:lstStyle/>
+                    <a:p>
+                      <a:r>
+                        <a:rPr lang="zh-CN" altLang="en-US" sz="1200" dirty="0"/>
+                        <a:t>使用 </a:t>
+                      </a:r>
+                      <a:r>
+                        <a:rPr lang="en-US" sz="1200" dirty="0" err="1"/>
+                        <a:t>std</a:t>
+                      </a:r>
+                      <a:r>
+                        <a:rPr lang="en-US" sz="1200" dirty="0"/>
+                        <a:t>::string </a:t>
+                      </a:r>
+                      <a:r>
+                        <a:rPr lang="zh-CN" altLang="en-US" sz="1200" dirty="0"/>
+                        <a:t>类，自动管理字符串长度和内存</a:t>
+                      </a:r>
+                    </a:p>
+                  </a:txBody>
+                  <a:tcPr anchor="ctr"/>
+                </a:tc>
+              </a:tr>
+              <a:tr h="370840">
+                <a:tc>
+                  <a:txBody>
+                    <a:bodyPr/>
+                    <a:lstStyle/>
+                    <a:p>
+                      <a:r>
+                        <a:rPr lang="zh-CN" altLang="en-US" sz="1200" b="1" dirty="0"/>
+                        <a:t>内存管理</a:t>
+                      </a:r>
+                      <a:endParaRPr lang="zh-CN" altLang="en-US" sz="1200" dirty="0"/>
+                    </a:p>
+                  </a:txBody>
+                  <a:tcPr anchor="ctr"/>
+                </a:tc>
+                <a:tc>
+                  <a:txBody>
+                    <a:bodyPr/>
+                    <a:lstStyle/>
+                    <a:p>
+                      <a:r>
+                        <a:rPr lang="zh-CN" altLang="en-US" sz="1200"/>
+                        <a:t>手动管理，程序员需要确保足够的空间，且必须管理字符串结束符 </a:t>
+                      </a:r>
+                      <a:r>
+                        <a:rPr lang="en-US" altLang="zh-CN" sz="1200"/>
+                        <a:t>'\0'</a:t>
+                      </a:r>
+                    </a:p>
+                  </a:txBody>
+                  <a:tcPr anchor="ctr"/>
+                </a:tc>
+                <a:tc>
+                  <a:txBody>
+                    <a:bodyPr/>
+                    <a:lstStyle/>
+                    <a:p>
+                      <a:r>
+                        <a:rPr lang="zh-CN" altLang="en-US" sz="1200" dirty="0"/>
+                        <a:t>自动管理内存，不需要手动管理</a:t>
+                      </a:r>
+                    </a:p>
+                  </a:txBody>
+                  <a:tcPr anchor="ctr"/>
+                </a:tc>
+              </a:tr>
+              <a:tr h="370840">
+                <a:tc>
+                  <a:txBody>
+                    <a:bodyPr/>
+                    <a:lstStyle/>
+                    <a:p>
+                      <a:r>
+                        <a:rPr lang="zh-CN" altLang="en-US" sz="1200" b="1" dirty="0"/>
+                        <a:t>灵活性</a:t>
+                      </a:r>
+                      <a:endParaRPr lang="zh-CN" altLang="en-US" sz="1200" dirty="0"/>
+                    </a:p>
+                  </a:txBody>
+                  <a:tcPr anchor="ctr"/>
+                </a:tc>
+                <a:tc>
+                  <a:txBody>
+                    <a:bodyPr/>
+                    <a:lstStyle/>
+                    <a:p>
+                      <a:r>
+                        <a:rPr lang="zh-CN" altLang="en-US" sz="1200"/>
+                        <a:t>需要确定数组的大小，不能动态调整</a:t>
+                      </a:r>
+                    </a:p>
+                  </a:txBody>
+                  <a:tcPr anchor="ctr"/>
+                </a:tc>
+                <a:tc>
+                  <a:txBody>
+                    <a:bodyPr/>
+                    <a:lstStyle/>
+                    <a:p>
+                      <a:r>
+                        <a:rPr lang="zh-CN" altLang="en-US" sz="1200" dirty="0"/>
+                        <a:t>动态大小，支持自动扩展</a:t>
+                      </a:r>
+                    </a:p>
+                  </a:txBody>
+                  <a:tcPr anchor="ctr"/>
+                </a:tc>
+              </a:tr>
+              <a:tr h="370840">
+                <a:tc>
+                  <a:txBody>
+                    <a:bodyPr/>
+                    <a:lstStyle/>
+                    <a:p>
+                      <a:r>
+                        <a:rPr lang="zh-CN" altLang="en-US" sz="1200" b="1" dirty="0"/>
+                        <a:t>安全性</a:t>
+                      </a:r>
+                      <a:endParaRPr lang="zh-CN" altLang="en-US" sz="1200" dirty="0"/>
+                    </a:p>
+                  </a:txBody>
+                  <a:tcPr anchor="ctr"/>
+                </a:tc>
+                <a:tc>
+                  <a:txBody>
+                    <a:bodyPr/>
+                    <a:lstStyle/>
+                    <a:p>
+                      <a:r>
+                        <a:rPr lang="zh-CN" altLang="en-US" sz="1200"/>
+                        <a:t>容易发生缓冲区溢出、越界错误等</a:t>
+                      </a:r>
+                    </a:p>
+                  </a:txBody>
+                  <a:tcPr anchor="ctr"/>
+                </a:tc>
+                <a:tc>
+                  <a:txBody>
+                    <a:bodyPr/>
+                    <a:lstStyle/>
+                    <a:p>
+                      <a:r>
+                        <a:rPr lang="zh-CN" altLang="en-US" sz="1200" dirty="0"/>
+                        <a:t>内置安全检查，避免越界问题</a:t>
+                      </a:r>
+                    </a:p>
+                  </a:txBody>
+                  <a:tcPr anchor="ctr"/>
+                </a:tc>
+              </a:tr>
+              <a:tr h="370840">
+                <a:tc>
+                  <a:txBody>
+                    <a:bodyPr/>
+                    <a:lstStyle/>
+                    <a:p>
+                      <a:r>
+                        <a:rPr lang="zh-CN" altLang="en-US" sz="1200" b="1" dirty="0"/>
+                        <a:t>操作方式</a:t>
+                      </a:r>
+                      <a:endParaRPr lang="zh-CN" altLang="en-US" sz="1200" dirty="0"/>
+                    </a:p>
+                  </a:txBody>
+                  <a:tcPr anchor="ctr"/>
+                </a:tc>
+                <a:tc>
+                  <a:txBody>
+                    <a:bodyPr/>
+                    <a:lstStyle/>
+                    <a:p>
+                      <a:r>
+                        <a:rPr lang="zh-CN" altLang="en-US" sz="1200"/>
+                        <a:t>需要使用标准库函数（如 </a:t>
+                      </a:r>
+                      <a:r>
+                        <a:rPr lang="en-US" sz="1200"/>
+                        <a:t>strlen, strcpy, strcmp </a:t>
+                      </a:r>
+                      <a:r>
+                        <a:rPr lang="zh-CN" altLang="en-US" sz="1200"/>
+                        <a:t>等）</a:t>
+                      </a:r>
+                    </a:p>
+                  </a:txBody>
+                  <a:tcPr anchor="ctr"/>
+                </a:tc>
+                <a:tc>
+                  <a:txBody>
+                    <a:bodyPr/>
+                    <a:lstStyle/>
+                    <a:p>
+                      <a:r>
+                        <a:rPr lang="zh-CN" altLang="en-US" sz="1200" dirty="0"/>
+                        <a:t>提供许多便捷的成员函数（如 </a:t>
+                      </a:r>
+                      <a:r>
+                        <a:rPr lang="en-US" sz="1200" dirty="0"/>
+                        <a:t>size(), append(), </a:t>
+                      </a:r>
+                      <a:r>
+                        <a:rPr lang="en-US" sz="1200" dirty="0" err="1"/>
+                        <a:t>substr</a:t>
+                      </a:r>
+                      <a:r>
+                        <a:rPr lang="en-US" sz="1200" dirty="0"/>
+                        <a:t>() </a:t>
+                      </a:r>
+                      <a:r>
+                        <a:rPr lang="zh-CN" altLang="en-US" sz="1200" dirty="0"/>
+                        <a:t>等）</a:t>
+                      </a:r>
+                    </a:p>
+                  </a:txBody>
+                  <a:tcPr anchor="ctr"/>
+                </a:tc>
+              </a:tr>
+              <a:tr h="370840">
+                <a:tc>
+                  <a:txBody>
+                    <a:bodyPr/>
+                    <a:lstStyle/>
+                    <a:p>
+                      <a:r>
+                        <a:rPr lang="zh-CN" altLang="en-US" sz="1200" b="1" dirty="0"/>
+                        <a:t>效率</a:t>
+                      </a:r>
+                      <a:endParaRPr lang="zh-CN" altLang="en-US" sz="1200" dirty="0"/>
+                    </a:p>
+                  </a:txBody>
+                  <a:tcPr anchor="ctr"/>
+                </a:tc>
+                <a:tc>
+                  <a:txBody>
+                    <a:bodyPr/>
+                    <a:lstStyle/>
+                    <a:p>
+                      <a:r>
+                        <a:rPr lang="zh-CN" altLang="en-US" sz="1200" dirty="0"/>
+                        <a:t>通常性能更好，尤其是在无需动态分配的场景</a:t>
+                      </a:r>
+                    </a:p>
+                  </a:txBody>
+                  <a:tcPr anchor="ctr"/>
+                </a:tc>
+                <a:tc>
+                  <a:txBody>
+                    <a:bodyPr/>
+                    <a:lstStyle/>
+                    <a:p>
+                      <a:r>
+                        <a:rPr lang="zh-CN" altLang="en-US" sz="1200" dirty="0" smtClean="0"/>
+                        <a:t>可能稍慢，但对大多数应用来说影响不大</a:t>
+                      </a:r>
+                      <a:endParaRPr lang="zh-CN" altLang="en-US" sz="1200" dirty="0"/>
+                    </a:p>
+                  </a:txBody>
+                  <a:tcPr/>
+                </a:tc>
+              </a:tr>
+            </a:tbl>
+          </a:graphicData>
+        </a:graphic>
+      </p:graphicFrame>
     </p:spTree>
     <p:extLst>
       <p:ext uri="{BB962C8B-B14F-4D97-AF65-F5344CB8AC3E}">
-        <p14:creationId xmlns:p14="http://schemas.microsoft.com/office/powerpoint/2010/main" val="2102593440"/>
+        <p14:creationId xmlns:p14="http://schemas.microsoft.com/office/powerpoint/2010/main" val="1491382170"/>
       </p:ext>
     </p:extLst>
   </p:cSld>
   <p:clrMapOvr>
     <a:masterClrMapping/>
   </p:clrMapOvr>
-  <p:timing>
-    <p:tnLst>
-      <p:par>
-        <p:cTn id="1" dur="indefinite" restart="never" nodeType="tmRoot"/>
-      </p:par>
-    </p:tnLst>
-  </p:timing>
 </p:sld>
 </file>
 
@@ -9657,27 +10594,17 @@
           <a:lstStyle/>
           <a:p>
             <a:r>
-              <a:rPr lang="zh-CN" altLang="en-US" b="1" dirty="0" smtClean="0">
-                <a:latin typeface="华文楷体" pitchFamily="2" charset="-122"/>
-                <a:ea typeface="华文楷体" pitchFamily="2" charset="-122"/>
-              </a:rPr>
-              <a:t>第</a:t>
-            </a:r>
-            <a:r>
-              <a:rPr lang="en-US" altLang="zh-CN" b="1" dirty="0" smtClean="0">
-                <a:latin typeface="华文楷体" pitchFamily="2" charset="-122"/>
-                <a:ea typeface="华文楷体" pitchFamily="2" charset="-122"/>
-              </a:rPr>
-              <a:t>8</a:t>
-            </a:r>
-            <a:r>
-              <a:rPr lang="zh-CN" altLang="en-US" b="1" dirty="0">
-                <a:latin typeface="华文楷体" pitchFamily="2" charset="-122"/>
-                <a:ea typeface="华文楷体" pitchFamily="2" charset="-122"/>
-              </a:rPr>
-              <a:t>章文件操作</a:t>
-            </a:r>
-            <a:endParaRPr lang="zh-CN" altLang="en-US" dirty="0"/>
+              <a:rPr lang="en-US" altLang="zh-CN" b="1" dirty="0" smtClean="0"/>
+              <a:t>2.4 </a:t>
+            </a:r>
+            <a:r>
+              <a:rPr lang="zh-CN" altLang="en-US" b="1" dirty="0" smtClean="0"/>
+              <a:t>变量</a:t>
+            </a:r>
+            <a:r>
+              <a:rPr lang="zh-CN" altLang="en-US" b="1" dirty="0"/>
+              <a:t>的作用域与存储类型</a:t>
+            </a:r>
           </a:p>
         </p:txBody>
       </p:sp>
@@ -9693,64 +10620,181 @@
         </p:nvSpPr>
         <p:spPr/>
         <p:txBody>
-          <a:bodyPr/>
+          <a:bodyPr>
+            <a:normAutofit fontScale="77500" lnSpcReduction="20000"/>
+          </a:bodyPr>
           <a:lstStyle/>
           <a:p>
-            <a:r>
-              <a:rPr lang="zh-CN" altLang="en-US" dirty="0"/>
-              <a:t>文件输入输出：使用</a:t>
+            <a:pPr marL="0" indent="0">
+              <a:buNone/>
+            </a:pPr>
+            <a:r>
+              <a:rPr lang="zh-CN" altLang="en-US" b="1" dirty="0"/>
+              <a:t>根据变量的作用范围和生命周期，</a:t>
+            </a:r>
+            <a:r>
+              <a:rPr lang="en-US" altLang="zh-CN" b="1" dirty="0"/>
+              <a:t>C++ </a:t>
+            </a:r>
+            <a:r>
+              <a:rPr lang="zh-CN" altLang="en-US" b="1" dirty="0"/>
+              <a:t>中的变量通常可以分为以下几类：</a:t>
+            </a:r>
+          </a:p>
+          <a:p>
+            <a:r>
+              <a:rPr lang="zh-CN" altLang="en-US" b="1" dirty="0" smtClean="0"/>
+              <a:t>全局变量</a:t>
+            </a:r>
+            <a:r>
+              <a:rPr lang="zh-CN" altLang="en-US" b="1" dirty="0"/>
+              <a:t>（</a:t>
+            </a:r>
+            <a:r>
+              <a:rPr lang="en-US" altLang="zh-CN" b="1" dirty="0"/>
+              <a:t>Global Variable</a:t>
+            </a:r>
+            <a:r>
+              <a:rPr lang="zh-CN" altLang="en-US" b="1" dirty="0"/>
+              <a:t>）</a:t>
+            </a:r>
+          </a:p>
+          <a:p>
+            <a:pPr lvl="1"/>
+            <a:r>
+              <a:rPr lang="zh-CN" altLang="en-US" dirty="0"/>
+              <a:t>定义： 在函数外部声明的变量。它们的作用域是整个程序，可以被所有函数访问。</a:t>
+            </a:r>
+          </a:p>
+          <a:p>
+            <a:pPr lvl="1"/>
+            <a:r>
+              <a:rPr lang="zh-CN" altLang="en-US" dirty="0"/>
+              <a:t>存储位置： 存储在程序的数据段中，程序运行期间一直存在。</a:t>
+            </a:r>
+          </a:p>
+          <a:p>
+            <a:r>
+              <a:rPr lang="zh-CN" altLang="en-US" b="1" dirty="0" smtClean="0"/>
+              <a:t>局部变量</a:t>
+            </a:r>
+            <a:r>
+              <a:rPr lang="zh-CN" altLang="en-US" b="1" dirty="0"/>
+              <a:t>（</a:t>
+            </a:r>
+            <a:r>
+              <a:rPr lang="en-US" altLang="zh-CN" b="1" dirty="0"/>
+              <a:t>Local Variable</a:t>
+            </a:r>
+            <a:r>
+              <a:rPr lang="zh-CN" altLang="en-US" b="1" dirty="0"/>
+              <a:t>）</a:t>
+            </a:r>
+          </a:p>
+          <a:p>
+            <a:pPr lvl="1"/>
+            <a:r>
+              <a:rPr lang="zh-CN" altLang="en-US" dirty="0"/>
+              <a:t>定义： 在函数或代码块内部声明的变量。它们的作用域仅限于所在的函数或代码块。</a:t>
+            </a:r>
+          </a:p>
+          <a:p>
+            <a:pPr lvl="1"/>
+            <a:r>
+              <a:rPr lang="zh-CN" altLang="en-US" dirty="0"/>
+              <a:t>存储位置： 存储在栈区，每次调用函数时分配内存，函数结束时销毁。</a:t>
+            </a:r>
+          </a:p>
+          <a:p>
+            <a:r>
+              <a:rPr lang="zh-CN" altLang="en-US" b="1" dirty="0" smtClean="0"/>
+              <a:t>静态</a:t>
+            </a:r>
+            <a:r>
+              <a:rPr lang="zh-CN" altLang="en-US" b="1" dirty="0"/>
+              <a:t>变量（</a:t>
+            </a:r>
+            <a:r>
+              <a:rPr lang="en-US" altLang="zh-CN" b="1" dirty="0"/>
+              <a:t>Static Variable</a:t>
+            </a:r>
+            <a:r>
+              <a:rPr lang="zh-CN" altLang="en-US" b="1" dirty="0"/>
+              <a:t>）</a:t>
+            </a:r>
+          </a:p>
+          <a:p>
+            <a:pPr lvl="1"/>
+            <a:r>
+              <a:rPr lang="zh-CN" altLang="en-US" dirty="0"/>
+              <a:t>定义： 使用 </a:t>
+            </a:r>
+            <a:r>
+              <a:rPr lang="en-US" altLang="zh-CN" dirty="0"/>
+              <a:t>static </a:t>
+            </a:r>
+            <a:r>
+              <a:rPr lang="zh-CN" altLang="en-US" dirty="0"/>
+              <a:t>关键字声明的变量。即使它们是在函数内部定义的，也能保持其值的状态。</a:t>
+            </a:r>
+          </a:p>
+          <a:p>
+            <a:pPr lvl="1"/>
+            <a:r>
+              <a:rPr lang="zh-CN" altLang="en-US" dirty="0"/>
+              <a:t>存储位置： 存储在数据段，程序运行期间一直存在，但只在函数第一次调用时初始化。</a:t>
+            </a:r>
+          </a:p>
+          <a:p>
+            <a:r>
+              <a:rPr lang="zh-CN" altLang="en-US" b="1" dirty="0" smtClean="0"/>
+              <a:t>动态</a:t>
+            </a:r>
+            <a:r>
+              <a:rPr lang="zh-CN" altLang="en-US" b="1" dirty="0"/>
+              <a:t>变量（</a:t>
+            </a:r>
+            <a:r>
+              <a:rPr lang="en-US" altLang="zh-CN" b="1" dirty="0"/>
+              <a:t>Dynamic Variable</a:t>
+            </a:r>
+            <a:r>
+              <a:rPr lang="zh-CN" altLang="en-US" b="1" dirty="0"/>
+              <a:t>）</a:t>
+            </a:r>
+          </a:p>
+          <a:p>
+            <a:pPr lvl="1"/>
+            <a:r>
+              <a:rPr lang="zh-CN" altLang="en-US" dirty="0"/>
+              <a:t>定义： 在程序运行时，通过 </a:t>
+            </a:r>
+            <a:r>
+              <a:rPr lang="en-US" altLang="zh-CN" dirty="0"/>
+              <a:t>new </a:t>
+            </a:r>
+            <a:r>
+              <a:rPr lang="zh-CN" altLang="en-US" dirty="0"/>
+              <a:t>或 </a:t>
             </a:r>
             <a:r>
               <a:rPr lang="en-US" altLang="zh-CN" dirty="0" err="1"/>
-              <a:t>fstream</a:t>
-            </a:r>
-            <a:r>
-              <a:rPr lang="zh-CN" altLang="en-US" dirty="0"/>
-              <a:t>进行文件读写。</a:t>
-            </a:r>
-          </a:p>
-          <a:p>
-            <a:r>
-              <a:rPr lang="zh-CN" altLang="en-US" dirty="0"/>
-              <a:t>文本文件与二进制文件：处理文本文件和二进制文件的不同方式。</a:t>
-            </a:r>
-          </a:p>
-          <a:p>
-            <a:r>
-              <a:rPr lang="zh-CN" altLang="en-US" dirty="0"/>
-              <a:t>文件指针与流控制：</a:t>
-            </a:r>
-            <a:r>
-              <a:rPr lang="en-US" altLang="zh-CN" dirty="0" err="1"/>
-              <a:t>seekg</a:t>
-            </a:r>
-            <a:r>
-              <a:rPr lang="zh-CN" altLang="en-US" dirty="0"/>
-              <a:t>、</a:t>
-            </a:r>
-            <a:r>
-              <a:rPr lang="en-US" altLang="zh-CN" dirty="0" err="1"/>
-              <a:t>seekp</a:t>
-            </a:r>
-            <a:r>
-              <a:rPr lang="zh-CN" altLang="en-US" dirty="0"/>
-              <a:t>、</a:t>
-            </a:r>
-            <a:r>
-              <a:rPr lang="en-US" altLang="zh-CN" dirty="0" err="1"/>
-              <a:t>tellg</a:t>
-            </a:r>
-            <a:r>
-              <a:rPr lang="zh-CN" altLang="en-US" dirty="0"/>
-              <a:t>、</a:t>
-            </a:r>
-            <a:r>
-              <a:rPr lang="en-US" altLang="zh-CN" dirty="0" err="1"/>
-              <a:t>tellp</a:t>
-            </a:r>
-            <a:r>
-              <a:rPr lang="zh-CN" altLang="en-US" dirty="0"/>
-              <a:t>。</a:t>
+              <a:t>malloc</a:t>
+            </a:r>
+            <a:r>
+              <a:rPr lang="en-US" altLang="zh-CN" dirty="0"/>
+              <a:t> </a:t>
+            </a:r>
+            <a:r>
+              <a:rPr lang="zh-CN" altLang="en-US" dirty="0"/>
+              <a:t>动态分配的变量。</a:t>
+            </a:r>
+          </a:p>
+          <a:p>
+            <a:pPr lvl="1"/>
+            <a:r>
+              <a:rPr lang="zh-CN" altLang="en-US" dirty="0"/>
+              <a:t>存储位置： 存储在堆区，程序可以手动分配和释放内存。</a:t>
             </a:r>
           </a:p>
         </p:txBody>
@@ -9758,7 +10802,7 @@
     </p:spTree>
     <p:extLst>
       <p:ext uri="{BB962C8B-B14F-4D97-AF65-F5344CB8AC3E}">
-        <p14:creationId xmlns:p14="http://schemas.microsoft.com/office/powerpoint/2010/main" val="2309702231"/>
+        <p14:creationId xmlns:p14="http://schemas.microsoft.com/office/powerpoint/2010/main" val="1487607043"/>
       </p:ext>
     </p:extLst>
   </p:cSld>
@@ -9808,41 +10852,17 @@
           <a:lstStyle/>
           <a:p>
             <a:r>
-              <a:rPr lang="zh-CN" altLang="en-US" b="1" dirty="0" smtClean="0">
-                <a:latin typeface="华文楷体" pitchFamily="2" charset="-122"/>
-                <a:ea typeface="华文楷体" pitchFamily="2" charset="-122"/>
-              </a:rPr>
-              <a:t>第</a:t>
-            </a:r>
-            <a:r>
-              <a:rPr lang="en-US" altLang="zh-CN" b="1" dirty="0" smtClean="0">
-                <a:latin typeface="华文楷体" pitchFamily="2" charset="-122"/>
-                <a:ea typeface="华文楷体" pitchFamily="2" charset="-122"/>
-              </a:rPr>
-              <a:t>9</a:t>
-            </a:r>
-            <a:r>
-              <a:rPr lang="zh-CN" altLang="en-US" b="1" dirty="0" smtClean="0">
-                <a:latin typeface="华文楷体" pitchFamily="2" charset="-122"/>
-                <a:ea typeface="华文楷体" pitchFamily="2" charset="-122"/>
-              </a:rPr>
-              <a:t>章  </a:t>
-            </a:r>
-            <a:r>
-              <a:rPr lang="en-US" altLang="zh-CN" b="1" dirty="0">
-                <a:latin typeface="华文楷体" pitchFamily="2" charset="-122"/>
-                <a:ea typeface="华文楷体" pitchFamily="2" charset="-122"/>
-              </a:rPr>
-              <a:t>C++11</a:t>
-            </a:r>
-            <a:r>
-              <a:rPr lang="zh-CN" altLang="en-US" b="1" dirty="0">
-                <a:latin typeface="华文楷体" pitchFamily="2" charset="-122"/>
-                <a:ea typeface="华文楷体" pitchFamily="2" charset="-122"/>
-              </a:rPr>
-              <a:t>及以后特性</a:t>
-            </a:r>
-            <a:endParaRPr lang="zh-CN" altLang="en-US" dirty="0"/>
+              <a:rPr lang="en-US" altLang="zh-CN" b="1" dirty="0" smtClean="0"/>
+              <a:t>2.5 </a:t>
+            </a:r>
+            <a:r>
+              <a:rPr lang="zh-CN" altLang="en-US" b="1" dirty="0" smtClean="0"/>
+              <a:t>内存</a:t>
+            </a:r>
+            <a:r>
+              <a:rPr lang="zh-CN" altLang="en-US" b="1" dirty="0"/>
+              <a:t>分布</a:t>
+            </a:r>
           </a:p>
         </p:txBody>
       </p:sp>
@@ -9862,140 +10882,34 @@
           <a:lstStyle/>
           <a:p>
             <a:r>
-              <a:rPr lang="en-US" altLang="zh-CN" dirty="0"/>
-              <a:t>Lambda</a:t>
-            </a:r>
-            <a:r>
-              <a:rPr lang="zh-CN" altLang="en-US" dirty="0"/>
-              <a:t>表达式：如何使用</a:t>
-            </a:r>
-            <a:r>
-              <a:rPr lang="en-US" altLang="zh-CN" dirty="0"/>
-              <a:t>Lambda</a:t>
-            </a:r>
-            <a:r>
-              <a:rPr lang="zh-CN" altLang="en-US" dirty="0"/>
-              <a:t>简化代码。</a:t>
-            </a:r>
-          </a:p>
-          <a:p>
-            <a:r>
-              <a:rPr lang="zh-CN" altLang="en-US" dirty="0"/>
-              <a:t>智能指针：如何使用</a:t>
-            </a:r>
-            <a:r>
-              <a:rPr lang="en-US" altLang="zh-CN" dirty="0" err="1"/>
-              <a:t>shared_ptr</a:t>
-            </a:r>
-            <a:r>
-              <a:rPr lang="zh-CN" altLang="en-US" dirty="0"/>
-              <a:t>、</a:t>
-            </a:r>
-            <a:r>
-              <a:rPr lang="en-US" altLang="zh-CN" dirty="0" err="1"/>
-              <a:t>unique_ptr</a:t>
-            </a:r>
-            <a:r>
-              <a:rPr lang="zh-CN" altLang="en-US" dirty="0"/>
-              <a:t>等智能指针管理内存。</a:t>
-            </a:r>
-          </a:p>
-          <a:p>
-            <a:r>
-              <a:rPr lang="zh-CN" altLang="en-US" dirty="0"/>
-              <a:t>线程与并发：</a:t>
-            </a:r>
-            <a:r>
-              <a:rPr lang="en-US" altLang="zh-CN" dirty="0" err="1"/>
-              <a:t>std</a:t>
-            </a:r>
-            <a:r>
-              <a:rPr lang="en-US" altLang="zh-CN" dirty="0"/>
-              <a:t>::thread</a:t>
-            </a:r>
-            <a:r>
-              <a:rPr lang="zh-CN" altLang="en-US" dirty="0"/>
-              <a:t>、</a:t>
-            </a:r>
-            <a:r>
-              <a:rPr lang="en-US" altLang="zh-CN" dirty="0" err="1"/>
-              <a:t>std</a:t>
-            </a:r>
-            <a:r>
-              <a:rPr lang="en-US" altLang="zh-CN" dirty="0"/>
-              <a:t>::</a:t>
-            </a:r>
-            <a:r>
-              <a:rPr lang="en-US" altLang="zh-CN" dirty="0" err="1"/>
-              <a:t>mutex</a:t>
-            </a:r>
-            <a:r>
-              <a:rPr lang="zh-CN" altLang="en-US" dirty="0"/>
-              <a:t>、</a:t>
-            </a:r>
-            <a:r>
-              <a:rPr lang="en-US" altLang="zh-CN" dirty="0" err="1"/>
-              <a:t>std</a:t>
-            </a:r>
-            <a:r>
-              <a:rPr lang="en-US" altLang="zh-CN" dirty="0"/>
-              <a:t>::</a:t>
-            </a:r>
-            <a:r>
-              <a:rPr lang="en-US" altLang="zh-CN" dirty="0" err="1"/>
-              <a:t>async</a:t>
-            </a:r>
-            <a:r>
-              <a:rPr lang="zh-CN" altLang="en-US" dirty="0"/>
-              <a:t>等并发编程工具。</a:t>
-            </a:r>
-          </a:p>
-          <a:p>
-            <a:r>
-              <a:rPr lang="zh-CN" altLang="en-US" dirty="0"/>
-              <a:t>右值引用与移动语义：</a:t>
-            </a:r>
-            <a:r>
-              <a:rPr lang="en-US" altLang="zh-CN" dirty="0" err="1"/>
-              <a:t>std</a:t>
-            </a:r>
-            <a:r>
-              <a:rPr lang="en-US" altLang="zh-CN" dirty="0"/>
-              <a:t>::move</a:t>
-            </a:r>
-            <a:r>
-              <a:rPr lang="zh-CN" altLang="en-US" dirty="0"/>
-              <a:t>、</a:t>
-            </a:r>
-            <a:r>
-              <a:rPr lang="en-US" altLang="zh-CN" dirty="0" err="1"/>
-              <a:t>std</a:t>
-            </a:r>
-            <a:r>
-              <a:rPr lang="en-US" altLang="zh-CN" dirty="0"/>
-              <a:t>::forward</a:t>
-            </a:r>
-            <a:r>
-              <a:rPr lang="zh-CN" altLang="en-US" dirty="0"/>
-              <a:t>、移动构造函数和移动赋值运算符。</a:t>
-            </a:r>
-          </a:p>
-          <a:p>
-            <a:r>
-              <a:rPr lang="en-US" altLang="zh-CN" dirty="0" err="1"/>
-              <a:t>std</a:t>
-            </a:r>
-            <a:r>
-              <a:rPr lang="en-US" altLang="zh-CN" dirty="0"/>
-              <a:t>::</a:t>
-            </a:r>
-            <a:r>
-              <a:rPr lang="en-US" altLang="zh-CN" dirty="0" err="1"/>
-              <a:t>chrono</a:t>
-            </a:r>
-            <a:r>
-              <a:rPr lang="zh-CN" altLang="en-US" dirty="0"/>
-              <a:t>库：时间测量和延时功能。</a:t>
+              <a:rPr lang="zh-CN" altLang="en-US" dirty="0"/>
+              <a:t>栈区：存储局部变量，每次函数调用时分配内存，调用结束时销毁。</a:t>
+            </a:r>
+          </a:p>
+          <a:p>
+            <a:r>
+              <a:rPr lang="zh-CN" altLang="en-US" dirty="0"/>
+              <a:t>堆区：用于存储动态分配的变量，程序员手动管理内存（使用 </a:t>
+            </a:r>
+            <a:r>
+              <a:rPr lang="en-US" altLang="zh-CN" dirty="0"/>
+              <a:t>new/delete</a:t>
+            </a:r>
+            <a:r>
+              <a:rPr lang="zh-CN" altLang="en-US" dirty="0"/>
+              <a:t>）。</a:t>
+            </a:r>
+          </a:p>
+          <a:p>
+            <a:r>
+              <a:rPr lang="zh-CN" altLang="en-US" dirty="0"/>
+              <a:t>数据段：用于存储全局变量、静态变量和常量。</a:t>
+            </a:r>
+          </a:p>
+          <a:p>
+            <a:r>
+              <a:rPr lang="zh-CN" altLang="en-US" dirty="0"/>
+              <a:t>代码段：用于存储程序的代码。</a:t>
             </a:r>
           </a:p>
         </p:txBody>
@@ -10003,7 +10917,7 @@
     </p:spTree>
     <p:extLst>
       <p:ext uri="{BB962C8B-B14F-4D97-AF65-F5344CB8AC3E}">
-        <p14:creationId xmlns:p14="http://schemas.microsoft.com/office/powerpoint/2010/main" val="1295629135"/>
+        <p14:creationId xmlns:p14="http://schemas.microsoft.com/office/powerpoint/2010/main" val="304803519"/>
       </p:ext>
     </p:extLst>
   </p:cSld>
@@ -10053,88 +10967,43 @@
           <a:lstStyle/>
           <a:p>
             <a:r>
-              <a:rPr lang="zh-CN" altLang="en-US" b="1" dirty="0">
-                <a:latin typeface="华文楷体" pitchFamily="2" charset="-122"/>
-                <a:ea typeface="华文楷体" pitchFamily="2" charset="-122"/>
-              </a:rPr>
-              <a:t>第</a:t>
-            </a:r>
-            <a:r>
-              <a:rPr lang="en-US" altLang="zh-CN" b="1" dirty="0" smtClean="0">
-                <a:latin typeface="华文楷体" pitchFamily="2" charset="-122"/>
-                <a:ea typeface="华文楷体" pitchFamily="2" charset="-122"/>
-              </a:rPr>
-              <a:t>10</a:t>
-            </a:r>
-            <a:r>
-              <a:rPr lang="zh-CN" altLang="en-US" b="1" dirty="0" smtClean="0">
-                <a:latin typeface="华文楷体" pitchFamily="2" charset="-122"/>
-                <a:ea typeface="华文楷体" pitchFamily="2" charset="-122"/>
-              </a:rPr>
-              <a:t>章  </a:t>
-            </a:r>
-            <a:r>
-              <a:rPr lang="en-US" altLang="zh-CN" b="1" dirty="0">
-                <a:latin typeface="华文楷体" pitchFamily="2" charset="-122"/>
-                <a:ea typeface="华文楷体" pitchFamily="2" charset="-122"/>
-              </a:rPr>
-              <a:t>C++</a:t>
-            </a:r>
-            <a:r>
-              <a:rPr lang="zh-CN" altLang="en-US" b="1" dirty="0">
-                <a:latin typeface="华文楷体" pitchFamily="2" charset="-122"/>
-                <a:ea typeface="华文楷体" pitchFamily="2" charset="-122"/>
-              </a:rPr>
-              <a:t>设计模式</a:t>
+              <a:rPr lang="zh-CN" altLang="en-US" b="1" dirty="0"/>
+              <a:t>内存分布</a:t>
             </a:r>
             <a:endParaRPr lang="zh-CN" altLang="en-US" dirty="0"/>
           </a:p>
         </p:txBody>
       </p:sp>
-      <p:sp>
-        <p:nvSpPr>
-          <p:cNvPr id="3" name="内容占位符 2"/>
-          <p:cNvSpPr>
-            <a:spLocks noGrp="1"/>
-          </p:cNvSpPr>
+      <p:pic>
+        <p:nvPicPr>
+          <p:cNvPr id="4" name="内容占位符 3"/>
+          <p:cNvPicPr>
+            <a:picLocks noGrp="1" noChangeAspect="1"/>
+          </p:cNvPicPr>
           <p:nvPr>
             <p:ph idx="1"/>
           </p:nvPr>
-        </p:nvSpPr>
-        <p:spPr/>
-        <p:txBody>
-          <a:bodyPr/>
-          <a:lstStyle/>
-          <a:p>
-            <a:r>
-              <a:rPr lang="zh-CN" altLang="en-US" dirty="0"/>
-              <a:t>单例模式：如何实现和应用单例模式。</a:t>
-            </a:r>
-          </a:p>
-          <a:p>
-            <a:r>
-              <a:rPr lang="zh-CN" altLang="en-US" dirty="0"/>
-              <a:t>工厂模式：使用工厂模式来创建对象。</a:t>
-            </a:r>
-          </a:p>
-          <a:p>
-            <a:r>
-              <a:rPr lang="zh-CN" altLang="en-US" dirty="0"/>
-              <a:t>观察者模式：如何实现和应用观察者模式。</a:t>
-            </a:r>
-          </a:p>
-          <a:p>
-            <a:r>
-              <a:rPr lang="zh-CN" altLang="en-US" dirty="0"/>
-              <a:t>策略模式：定义一系列算法，将每一个算法封装起来。</a:t>
-            </a:r>
-          </a:p>
-        </p:txBody>
-      </p:sp>
+        </p:nvPicPr>
+        <p:blipFill>
+          <a:blip r:embed="rId2"/>
+          <a:stretch>
+            <a:fillRect/>
+          </a:stretch>
+        </p:blipFill>
+        <p:spPr>
+          <a:xfrm>
+            <a:off x="3113904" y="1656281"/>
+            <a:ext cx="5107714" cy="4058633"/>
+          </a:xfrm>
+          <a:prstGeom prst="rect">
+            <a:avLst/>
+          </a:prstGeom>
+        </p:spPr>
+      </p:pic>
     </p:spTree>
     <p:extLst>
       <p:ext uri="{BB962C8B-B14F-4D97-AF65-F5344CB8AC3E}">
-        <p14:creationId xmlns:p14="http://schemas.microsoft.com/office/powerpoint/2010/main" val="4116617042"/>
+        <p14:creationId xmlns:p14="http://schemas.microsoft.com/office/powerpoint/2010/main" val="1277324842"/>
       </p:ext>
     </p:extLst>
   </p:cSld>
@@ -10184,41 +11053,14 @@
           <a:lstStyle/>
           <a:p>
             <a:r>
-              <a:rPr lang="zh-CN" altLang="en-US" b="1" dirty="0">
-                <a:latin typeface="华文楷体" pitchFamily="2" charset="-122"/>
-                <a:ea typeface="华文楷体" pitchFamily="2" charset="-122"/>
-              </a:rPr>
-              <a:t>第</a:t>
-            </a:r>
-            <a:r>
-              <a:rPr lang="en-US" altLang="zh-CN" b="1" dirty="0" smtClean="0">
-                <a:latin typeface="华文楷体" pitchFamily="2" charset="-122"/>
-                <a:ea typeface="华文楷体" pitchFamily="2" charset="-122"/>
-              </a:rPr>
-              <a:t>11</a:t>
-            </a:r>
-            <a:r>
-              <a:rPr lang="zh-CN" altLang="en-US" b="1" dirty="0" smtClean="0">
-                <a:latin typeface="华文楷体" pitchFamily="2" charset="-122"/>
-                <a:ea typeface="华文楷体" pitchFamily="2" charset="-122"/>
-              </a:rPr>
-              <a:t>章  </a:t>
-            </a:r>
-            <a:r>
-              <a:rPr lang="en-US" altLang="zh-CN" b="1" dirty="0">
-                <a:latin typeface="华文楷体" pitchFamily="2" charset="-122"/>
-                <a:ea typeface="华文楷体" pitchFamily="2" charset="-122"/>
-              </a:rPr>
-              <a:t>C++</a:t>
-            </a:r>
-            <a:r>
-              <a:rPr lang="zh-CN" altLang="en-US" b="1" dirty="0">
-                <a:latin typeface="华文楷体" pitchFamily="2" charset="-122"/>
-                <a:ea typeface="华文楷体" pitchFamily="2" charset="-122"/>
-              </a:rPr>
-              <a:t>进阶</a:t>
-            </a:r>
-            <a:endParaRPr lang="zh-CN" altLang="en-US" dirty="0"/>
+              <a:rPr lang="en-US" altLang="zh-CN" b="1" dirty="0" smtClean="0"/>
+              <a:t>2.6 </a:t>
+            </a:r>
+            <a:r>
+              <a:rPr lang="zh-CN" altLang="zh-CN" b="1" dirty="0"/>
+              <a:t>课后练习</a:t>
+            </a:r>
+            <a:endParaRPr lang="zh-CN" altLang="en-US" b="1" dirty="0"/>
           </a:p>
         </p:txBody>
       </p:sp>
@@ -10238,76 +11080,82 @@
           <a:lstStyle/>
           <a:p>
             <a:r>
-              <a:rPr lang="zh-CN" altLang="en-US" dirty="0"/>
-              <a:t>模板编程：函数模板、类模板、模板特化与偏特化、模板元编程。</a:t>
-            </a:r>
-          </a:p>
-          <a:p>
-            <a:r>
-              <a:rPr lang="en-US" altLang="zh-CN" dirty="0"/>
-              <a:t>C++</a:t>
-            </a:r>
-            <a:r>
-              <a:rPr lang="zh-CN" altLang="en-US" dirty="0"/>
-              <a:t>与</a:t>
-            </a:r>
-            <a:r>
-              <a:rPr lang="en-US" altLang="zh-CN" dirty="0"/>
-              <a:t>C</a:t>
-            </a:r>
-            <a:r>
-              <a:rPr lang="zh-CN" altLang="en-US" dirty="0"/>
-              <a:t>的互操作性：如何在</a:t>
-            </a:r>
-            <a:r>
-              <a:rPr lang="en-US" altLang="zh-CN" dirty="0"/>
-              <a:t>C++</a:t>
-            </a:r>
-            <a:r>
-              <a:rPr lang="zh-CN" altLang="en-US" dirty="0"/>
-              <a:t>中调用</a:t>
-            </a:r>
-            <a:r>
-              <a:rPr lang="en-US" altLang="zh-CN" dirty="0"/>
-              <a:t>C</a:t>
-            </a:r>
-            <a:r>
-              <a:rPr lang="zh-CN" altLang="en-US" dirty="0"/>
-              <a:t>语言代码。</a:t>
-            </a:r>
-          </a:p>
-          <a:p>
-            <a:r>
-              <a:rPr lang="en-US" altLang="zh-CN" dirty="0"/>
-              <a:t>C++</a:t>
-            </a:r>
-            <a:r>
-              <a:rPr lang="zh-CN" altLang="en-US" dirty="0"/>
-              <a:t>与外部库集成：使用外部库（如</a:t>
-            </a:r>
-            <a:r>
-              <a:rPr lang="en-US" altLang="zh-CN" dirty="0"/>
-              <a:t>Boost</a:t>
-            </a:r>
-            <a:r>
-              <a:rPr lang="zh-CN" altLang="en-US" dirty="0"/>
-              <a:t>、</a:t>
+              <a:rPr lang="zh-CN" altLang="en-US" dirty="0" smtClean="0"/>
+              <a:t>列举 </a:t>
+            </a:r>
+            <a:r>
+              <a:rPr lang="en-US" altLang="zh-CN" dirty="0"/>
+              <a:t>C++ </a:t>
+            </a:r>
+            <a:r>
+              <a:rPr lang="zh-CN" altLang="en-US" dirty="0"/>
+              <a:t>中的常见基本数据类型，并简述它们的特点（例如，大小、存储范围等</a:t>
+            </a:r>
+            <a:r>
+              <a:rPr lang="zh-CN" altLang="en-US" dirty="0" smtClean="0"/>
+              <a:t>）</a:t>
+            </a:r>
+            <a:endParaRPr lang="en-US" altLang="zh-CN" dirty="0" smtClean="0"/>
+          </a:p>
+          <a:p>
+            <a:r>
+              <a:rPr lang="zh-CN" altLang="en-US" dirty="0"/>
+              <a:t>请简述 </a:t>
             </a:r>
             <a:r>
               <a:rPr lang="en-US" altLang="zh-CN" dirty="0" err="1"/>
-              <a:t>Qt</a:t>
-            </a:r>
-            <a:r>
-              <a:rPr lang="zh-CN" altLang="en-US" dirty="0"/>
-              <a:t>、</a:t>
-            </a:r>
-            <a:r>
-              <a:rPr lang="en-US" altLang="zh-CN" dirty="0" err="1"/>
-              <a:t>OpenCV</a:t>
-            </a:r>
-            <a:r>
-              <a:rPr lang="zh-CN" altLang="en-US" dirty="0"/>
-              <a:t>等）进行开发。</a:t>
+              <a:t>struct</a:t>
+            </a:r>
+            <a:r>
+              <a:rPr lang="en-US" altLang="zh-CN" dirty="0"/>
+              <a:t> </a:t>
+            </a:r>
+            <a:r>
+              <a:rPr lang="zh-CN" altLang="en-US" dirty="0"/>
+              <a:t>和 </a:t>
+            </a:r>
+            <a:r>
+              <a:rPr lang="en-US" altLang="zh-CN" dirty="0"/>
+              <a:t>union </a:t>
+            </a:r>
+            <a:r>
+              <a:rPr lang="zh-CN" altLang="en-US" dirty="0"/>
+              <a:t>的区别。你会在什么场景下使用它们？</a:t>
+            </a:r>
+          </a:p>
+          <a:p>
+            <a:r>
+              <a:rPr lang="en-US" altLang="zh-CN" dirty="0"/>
+              <a:t>C++ </a:t>
+            </a:r>
+            <a:r>
+              <a:rPr lang="zh-CN" altLang="en-US" dirty="0"/>
+              <a:t>中如何定义一个字符串变量？与 </a:t>
+            </a:r>
+            <a:r>
+              <a:rPr lang="en-US" altLang="zh-CN" dirty="0"/>
+              <a:t>C </a:t>
+            </a:r>
+            <a:r>
+              <a:rPr lang="zh-CN" altLang="en-US" dirty="0"/>
+              <a:t>中的字符数组有什么区别</a:t>
+            </a:r>
+            <a:r>
+              <a:rPr lang="zh-CN" altLang="en-US" dirty="0" smtClean="0"/>
+              <a:t>？</a:t>
+            </a:r>
+            <a:endParaRPr lang="en-US" altLang="zh-CN" dirty="0" smtClean="0"/>
+          </a:p>
+          <a:p>
+            <a:r>
+              <a:rPr lang="zh-CN" altLang="en-US" dirty="0"/>
+              <a:t>解释什么是 全局变量 和 局部变量。它们在内存中存储的位置有什么区别？</a:t>
+            </a:r>
+          </a:p>
+          <a:p>
+            <a:r>
+              <a:rPr lang="zh-CN" altLang="en-US" dirty="0"/>
+              <a:t>什么是 静态变量，它与普通的局部变量有什么不同？</a:t>
             </a:r>
           </a:p>
         </p:txBody>
@@ -10315,7 +11163,7 @@
     </p:spTree>
     <p:extLst>
       <p:ext uri="{BB962C8B-B14F-4D97-AF65-F5344CB8AC3E}">
-        <p14:creationId xmlns:p14="http://schemas.microsoft.com/office/powerpoint/2010/main" val="2783617826"/>
+        <p14:creationId xmlns:p14="http://schemas.microsoft.com/office/powerpoint/2010/main" val="1194947922"/>
       </p:ext>
     </p:extLst>
   </p:cSld>
@@ -10365,25 +11213,32 @@
           <a:lstStyle/>
           <a:p>
             <a:r>
+              <a:rPr lang="zh-CN" altLang="en-US" b="1" dirty="0" smtClean="0">
+                <a:latin typeface="华文楷体" pitchFamily="2" charset="-122"/>
+                <a:ea typeface="华文楷体" pitchFamily="2" charset="-122"/>
+              </a:rPr>
+              <a:t>第</a:t>
+            </a:r>
+            <a:r>
+              <a:rPr lang="en-US" altLang="zh-CN" b="1" dirty="0" smtClean="0">
+                <a:latin typeface="华文楷体" pitchFamily="2" charset="-122"/>
+                <a:ea typeface="华文楷体" pitchFamily="2" charset="-122"/>
+              </a:rPr>
+              <a:t>3</a:t>
+            </a:r>
+            <a:r>
+              <a:rPr lang="zh-CN" altLang="en-US" b="1" dirty="0" smtClean="0">
+                <a:latin typeface="华文楷体" pitchFamily="2" charset="-122"/>
+                <a:ea typeface="华文楷体" pitchFamily="2" charset="-122"/>
+              </a:rPr>
+              <a:t>章 运算符</a:t>
+            </a:r>
+            <a:r>
               <a:rPr lang="zh-CN" altLang="en-US" b="1" dirty="0">
                 <a:latin typeface="华文楷体" pitchFamily="2" charset="-122"/>
                 <a:ea typeface="华文楷体" pitchFamily="2" charset="-122"/>
               </a:rPr>
-              <a:t>第</a:t>
-            </a:r>
-            <a:r>
-              <a:rPr lang="en-US" altLang="zh-CN" b="1" dirty="0" smtClean="0">
-                <a:latin typeface="华文楷体" pitchFamily="2" charset="-122"/>
-                <a:ea typeface="华文楷体" pitchFamily="2" charset="-122"/>
-              </a:rPr>
-              <a:t>12</a:t>
-            </a:r>
-            <a:r>
-              <a:rPr lang="zh-CN" altLang="en-US" b="1" smtClean="0">
-                <a:latin typeface="华文楷体" pitchFamily="2" charset="-122"/>
-                <a:ea typeface="华文楷体" pitchFamily="2" charset="-122"/>
-              </a:rPr>
-              <a:t>章  总和练习</a:t>
+              <a:t>、控制语句与输入输出</a:t>
             </a:r>
             <a:endParaRPr lang="zh-CN" altLang="en-US" dirty="0"/>
           </a:p>
@@ -10405,17 +11260,87 @@
           <a:lstStyle/>
           <a:p>
             <a:r>
-              <a:rPr lang="en-US" altLang="zh-CN" dirty="0"/>
-              <a:t>1.1 </a:t>
-            </a:r>
-            <a:r>
-              <a:rPr lang="zh-CN" altLang="en-US" dirty="0"/>
-              <a:t>什么是</a:t>
-            </a:r>
-            <a:r>
-              <a:rPr lang="zh-CN" altLang="en-US" dirty="0" smtClean="0"/>
-              <a:t>计算机程序</a:t>
-            </a:r>
+              <a:rPr lang="zh-CN" altLang="en-US" dirty="0"/>
+              <a:t>运算符：算术运算符、关系运算符、逻辑运算符、位运算符、赋值运算符。</a:t>
+            </a:r>
+          </a:p>
+          <a:p>
+            <a:r>
+              <a:rPr lang="zh-CN" altLang="en-US" dirty="0"/>
+              <a:t>控制语句：条件语句（</a:t>
+            </a:r>
+            <a:r>
+              <a:rPr lang="en-US" altLang="zh-CN" dirty="0"/>
+              <a:t>if</a:t>
+            </a:r>
+            <a:r>
+              <a:rPr lang="zh-CN" altLang="en-US" dirty="0"/>
+              <a:t>、</a:t>
+            </a:r>
+            <a:r>
+              <a:rPr lang="en-US" altLang="zh-CN" dirty="0"/>
+              <a:t>else</a:t>
+            </a:r>
+            <a:r>
+              <a:rPr lang="zh-CN" altLang="en-US" dirty="0"/>
+              <a:t>、</a:t>
+            </a:r>
+            <a:r>
+              <a:rPr lang="en-US" altLang="zh-CN" dirty="0"/>
+              <a:t>switch</a:t>
+            </a:r>
+            <a:r>
+              <a:rPr lang="zh-CN" altLang="en-US" dirty="0"/>
+              <a:t>）、循环语句（</a:t>
+            </a:r>
+            <a:r>
+              <a:rPr lang="en-US" altLang="zh-CN" dirty="0"/>
+              <a:t>for</a:t>
+            </a:r>
+            <a:r>
+              <a:rPr lang="zh-CN" altLang="en-US" dirty="0"/>
+              <a:t>、</a:t>
+            </a:r>
+            <a:r>
+              <a:rPr lang="en-US" altLang="zh-CN" dirty="0"/>
+              <a:t>while</a:t>
+            </a:r>
+            <a:r>
+              <a:rPr lang="zh-CN" altLang="en-US" dirty="0"/>
+              <a:t>、</a:t>
+            </a:r>
+            <a:r>
+              <a:rPr lang="en-US" altLang="zh-CN" dirty="0"/>
+              <a:t>do-while</a:t>
+            </a:r>
+            <a:r>
+              <a:rPr lang="zh-CN" altLang="en-US" dirty="0"/>
+              <a:t>）。</a:t>
+            </a:r>
+          </a:p>
+          <a:p>
+            <a:r>
+              <a:rPr lang="zh-CN" altLang="en-US" dirty="0"/>
+              <a:t>输入与输出：使用</a:t>
+            </a:r>
+            <a:r>
+              <a:rPr lang="en-US" altLang="zh-CN" dirty="0" err="1"/>
+              <a:t>cin</a:t>
+            </a:r>
+            <a:r>
+              <a:rPr lang="zh-CN" altLang="en-US" dirty="0"/>
+              <a:t>和</a:t>
+            </a:r>
+            <a:r>
+              <a:rPr lang="en-US" altLang="zh-CN" dirty="0" err="1"/>
+              <a:t>cout</a:t>
+            </a:r>
+            <a:r>
+              <a:rPr lang="zh-CN" altLang="en-US" dirty="0"/>
+              <a:t>进行数据输入输出。</a:t>
+            </a:r>
+          </a:p>
+          <a:p>
             <a:endParaRPr lang="zh-CN" altLang="en-US" dirty="0"/>
           </a:p>
         </p:txBody>
@@ -10423,7 +11348,519 @@
     </p:spTree>
     <p:extLst>
       <p:ext uri="{BB962C8B-B14F-4D97-AF65-F5344CB8AC3E}">
-        <p14:creationId xmlns:p14="http://schemas.microsoft.com/office/powerpoint/2010/main" val="1064233169"/>
+        <p14:creationId xmlns:p14="http://schemas.microsoft.com/office/powerpoint/2010/main" val="2453226186"/>
+      </p:ext>
+    </p:extLst>
+  </p:cSld>
+  <p:clrMapOvr>
+    <a:masterClrMapping/>
+  </p:clrMapOvr>
+  <p:timing>
+    <p:tnLst>
+      <p:par>
+        <p:cTn id="1" dur="indefinite" restart="never" nodeType="tmRoot"/>
+      </p:par>
+    </p:tnLst>
+  </p:timing>
+</p:sld>
+</file>
+
+<file path=ppt/slides/slide26.xml><?xml version="1.0" encoding="utf-8"?>
+<p:sld xmlns:a="http://schemas.openxmlformats.org/drawingml/2006/main" xmlns:r="http://schemas.openxmlformats.org/officeDocument/2006/relationships" xmlns:p="http://schemas.openxmlformats.org/presentationml/2006/main">
+  <p:cSld>
+    <p:spTree>
+      <p:nvGrpSpPr>
+        <p:cNvPr id="1" name=""/>
+        <p:cNvGrpSpPr/>
+        <p:nvPr/>
+      </p:nvGrpSpPr>
+      <p:grpSpPr>
+        <a:xfrm>
+          <a:off x="0" y="0"/>
+          <a:ext cx="0" cy="0"/>
+          <a:chOff x="0" y="0"/>
+          <a:chExt cx="0" cy="0"/>
+        </a:xfrm>
+      </p:grpSpPr>
+      <p:sp>
+        <p:nvSpPr>
+          <p:cNvPr id="2" name="标题 1"/>
+          <p:cNvSpPr>
+            <a:spLocks noGrp="1"/>
+          </p:cNvSpPr>
+          <p:nvPr>
+            <p:ph type="title"/>
+          </p:nvPr>
+        </p:nvSpPr>
+        <p:spPr/>
+        <p:txBody>
+          <a:bodyPr/>
+          <a:lstStyle/>
+          <a:p>
+            <a:r>
+              <a:rPr lang="en-US" altLang="zh-CN" b="1" dirty="0" smtClean="0"/>
+              <a:t>3.1 </a:t>
+            </a:r>
+            <a:r>
+              <a:rPr lang="zh-CN" altLang="zh-CN" b="1" dirty="0"/>
+              <a:t>运算符</a:t>
+            </a:r>
+            <a:br>
+              <a:rPr lang="zh-CN" altLang="zh-CN" b="1" dirty="0"/>
+            </a:br>
+            <a:endParaRPr lang="zh-CN" altLang="en-US" dirty="0"/>
+          </a:p>
+        </p:txBody>
+      </p:sp>
+      <p:sp>
+        <p:nvSpPr>
+          <p:cNvPr id="3" name="内容占位符 2"/>
+          <p:cNvSpPr>
+            <a:spLocks noGrp="1"/>
+          </p:cNvSpPr>
+          <p:nvPr>
+            <p:ph idx="1"/>
+          </p:nvPr>
+        </p:nvSpPr>
+        <p:spPr/>
+        <p:txBody>
+          <a:bodyPr/>
+          <a:lstStyle/>
+          <a:p>
+            <a:r>
+              <a:rPr lang="zh-CN" altLang="en-US" dirty="0"/>
+              <a:t>算术运算</a:t>
+            </a:r>
+            <a:r>
+              <a:rPr lang="zh-CN" altLang="en-US" dirty="0" smtClean="0"/>
+              <a:t>符</a:t>
+            </a:r>
+            <a:endParaRPr lang="en-US" altLang="zh-CN" dirty="0" smtClean="0"/>
+          </a:p>
+          <a:p>
+            <a:r>
+              <a:rPr lang="zh-CN" altLang="en-US" dirty="0"/>
+              <a:t>关系</a:t>
+            </a:r>
+            <a:r>
+              <a:rPr lang="zh-CN" altLang="en-US" dirty="0" smtClean="0"/>
+              <a:t>运算符</a:t>
+            </a:r>
+            <a:endParaRPr lang="en-US" altLang="zh-CN" dirty="0" smtClean="0"/>
+          </a:p>
+          <a:p>
+            <a:r>
+              <a:rPr lang="zh-CN" altLang="en-US" dirty="0"/>
+              <a:t>逻辑运算</a:t>
+            </a:r>
+            <a:r>
+              <a:rPr lang="zh-CN" altLang="en-US" dirty="0" smtClean="0"/>
+              <a:t>符</a:t>
+            </a:r>
+            <a:endParaRPr lang="en-US" altLang="zh-CN" dirty="0" smtClean="0"/>
+          </a:p>
+          <a:p>
+            <a:r>
+              <a:rPr lang="zh-CN" altLang="en-US" dirty="0"/>
+              <a:t>位</a:t>
+            </a:r>
+            <a:r>
+              <a:rPr lang="zh-CN" altLang="en-US" dirty="0" smtClean="0"/>
+              <a:t>运算符</a:t>
+            </a:r>
+            <a:endParaRPr lang="en-US" altLang="zh-CN" dirty="0" smtClean="0"/>
+          </a:p>
+          <a:p>
+            <a:r>
+              <a:rPr lang="zh-CN" altLang="en-US" dirty="0"/>
+              <a:t>赋值</a:t>
+            </a:r>
+            <a:r>
+              <a:rPr lang="zh-CN" altLang="en-US" dirty="0" smtClean="0"/>
+              <a:t>运算符</a:t>
+            </a:r>
+            <a:endParaRPr lang="en-US" altLang="zh-CN" dirty="0" smtClean="0"/>
+          </a:p>
+          <a:p>
+            <a:endParaRPr lang="zh-CN" altLang="en-US" dirty="0"/>
+          </a:p>
+        </p:txBody>
+      </p:sp>
+    </p:spTree>
+    <p:extLst>
+      <p:ext uri="{BB962C8B-B14F-4D97-AF65-F5344CB8AC3E}">
+        <p14:creationId xmlns:p14="http://schemas.microsoft.com/office/powerpoint/2010/main" val="1108715177"/>
+      </p:ext>
+    </p:extLst>
+  </p:cSld>
+  <p:clrMapOvr>
+    <a:masterClrMapping/>
+  </p:clrMapOvr>
+  <p:timing>
+    <p:tnLst>
+      <p:par>
+        <p:cTn id="1" dur="indefinite" restart="never" nodeType="tmRoot"/>
+      </p:par>
+    </p:tnLst>
+  </p:timing>
+</p:sld>
+</file>
+
+<file path=ppt/slides/slide27.xml><?xml version="1.0" encoding="utf-8"?>
+<p:sld xmlns:a="http://schemas.openxmlformats.org/drawingml/2006/main" xmlns:r="http://schemas.openxmlformats.org/officeDocument/2006/relationships" xmlns:p="http://schemas.openxmlformats.org/presentationml/2006/main">
+  <p:cSld>
+    <p:spTree>
+      <p:nvGrpSpPr>
+        <p:cNvPr id="1" name=""/>
+        <p:cNvGrpSpPr/>
+        <p:nvPr/>
+      </p:nvGrpSpPr>
+      <p:grpSpPr>
+        <a:xfrm>
+          <a:off x="0" y="0"/>
+          <a:ext cx="0" cy="0"/>
+          <a:chOff x="0" y="0"/>
+          <a:chExt cx="0" cy="0"/>
+        </a:xfrm>
+      </p:grpSpPr>
+      <p:sp>
+        <p:nvSpPr>
+          <p:cNvPr id="2" name="标题 1"/>
+          <p:cNvSpPr>
+            <a:spLocks noGrp="1"/>
+          </p:cNvSpPr>
+          <p:nvPr>
+            <p:ph type="title"/>
+          </p:nvPr>
+        </p:nvSpPr>
+        <p:spPr/>
+        <p:txBody>
+          <a:bodyPr/>
+          <a:lstStyle/>
+          <a:p>
+            <a:r>
+              <a:rPr lang="en-US" altLang="zh-CN" b="1" dirty="0" smtClean="0"/>
+              <a:t>3.2 </a:t>
+            </a:r>
+            <a:r>
+              <a:rPr lang="zh-CN" altLang="zh-CN" b="1" dirty="0"/>
+              <a:t>控制语句</a:t>
+            </a:r>
+            <a:br>
+              <a:rPr lang="zh-CN" altLang="zh-CN" b="1" dirty="0"/>
+            </a:br>
+            <a:endParaRPr lang="zh-CN" altLang="en-US" dirty="0"/>
+          </a:p>
+        </p:txBody>
+      </p:sp>
+      <p:sp>
+        <p:nvSpPr>
+          <p:cNvPr id="3" name="内容占位符 2"/>
+          <p:cNvSpPr>
+            <a:spLocks noGrp="1"/>
+          </p:cNvSpPr>
+          <p:nvPr>
+            <p:ph idx="1"/>
+          </p:nvPr>
+        </p:nvSpPr>
+        <p:spPr/>
+        <p:txBody>
+          <a:bodyPr/>
+          <a:lstStyle/>
+          <a:p>
+            <a:r>
+              <a:rPr lang="zh-CN" altLang="en-US" dirty="0"/>
+              <a:t>条件</a:t>
+            </a:r>
+            <a:r>
+              <a:rPr lang="zh-CN" altLang="en-US" dirty="0" smtClean="0"/>
+              <a:t>语句</a:t>
+            </a:r>
+            <a:endParaRPr lang="en-US" altLang="zh-CN" dirty="0" smtClean="0"/>
+          </a:p>
+          <a:p>
+            <a:r>
+              <a:rPr lang="zh-CN" altLang="en-US" dirty="0"/>
+              <a:t>循环</a:t>
+            </a:r>
+            <a:r>
+              <a:rPr lang="zh-CN" altLang="en-US" dirty="0" smtClean="0"/>
+              <a:t>语句</a:t>
+            </a:r>
+            <a:endParaRPr lang="en-US" altLang="zh-CN" dirty="0" smtClean="0"/>
+          </a:p>
+          <a:p>
+            <a:endParaRPr lang="zh-CN" altLang="en-US" dirty="0"/>
+          </a:p>
+        </p:txBody>
+      </p:sp>
+    </p:spTree>
+    <p:extLst>
+      <p:ext uri="{BB962C8B-B14F-4D97-AF65-F5344CB8AC3E}">
+        <p14:creationId xmlns:p14="http://schemas.microsoft.com/office/powerpoint/2010/main" val="883460551"/>
+      </p:ext>
+    </p:extLst>
+  </p:cSld>
+  <p:clrMapOvr>
+    <a:masterClrMapping/>
+  </p:clrMapOvr>
+  <p:timing>
+    <p:tnLst>
+      <p:par>
+        <p:cTn id="1" dur="indefinite" restart="never" nodeType="tmRoot"/>
+      </p:par>
+    </p:tnLst>
+  </p:timing>
+</p:sld>
+</file>
+
+<file path=ppt/slides/slide28.xml><?xml version="1.0" encoding="utf-8"?>
+<p:sld xmlns:a="http://schemas.openxmlformats.org/drawingml/2006/main" xmlns:r="http://schemas.openxmlformats.org/officeDocument/2006/relationships" xmlns:p="http://schemas.openxmlformats.org/presentationml/2006/main">
+  <p:cSld>
+    <p:spTree>
+      <p:nvGrpSpPr>
+        <p:cNvPr id="1" name=""/>
+        <p:cNvGrpSpPr/>
+        <p:nvPr/>
+      </p:nvGrpSpPr>
+      <p:grpSpPr>
+        <a:xfrm>
+          <a:off x="0" y="0"/>
+          <a:ext cx="0" cy="0"/>
+          <a:chOff x="0" y="0"/>
+          <a:chExt cx="0" cy="0"/>
+        </a:xfrm>
+      </p:grpSpPr>
+      <p:sp>
+        <p:nvSpPr>
+          <p:cNvPr id="2" name="标题 1"/>
+          <p:cNvSpPr>
+            <a:spLocks noGrp="1"/>
+          </p:cNvSpPr>
+          <p:nvPr>
+            <p:ph type="title"/>
+          </p:nvPr>
+        </p:nvSpPr>
+        <p:spPr/>
+        <p:txBody>
+          <a:bodyPr/>
+          <a:lstStyle/>
+          <a:p>
+            <a:r>
+              <a:rPr lang="en-US" altLang="zh-CN" b="1" dirty="0" smtClean="0"/>
+              <a:t>3.3 </a:t>
+            </a:r>
+            <a:r>
+              <a:rPr lang="zh-CN" altLang="zh-CN" b="1" dirty="0"/>
+              <a:t>输入与输出</a:t>
+            </a:r>
+            <a:br>
+              <a:rPr lang="zh-CN" altLang="zh-CN" b="1" dirty="0"/>
+            </a:br>
+            <a:endParaRPr lang="zh-CN" altLang="en-US" dirty="0"/>
+          </a:p>
+        </p:txBody>
+      </p:sp>
+      <p:sp>
+        <p:nvSpPr>
+          <p:cNvPr id="3" name="内容占位符 2"/>
+          <p:cNvSpPr>
+            <a:spLocks noGrp="1"/>
+          </p:cNvSpPr>
+          <p:nvPr>
+            <p:ph idx="1"/>
+          </p:nvPr>
+        </p:nvSpPr>
+        <p:spPr/>
+        <p:txBody>
+          <a:bodyPr/>
+          <a:lstStyle/>
+          <a:p>
+            <a:r>
+              <a:rPr lang="zh-CN" altLang="en-US" dirty="0"/>
+              <a:t>使用 </a:t>
+            </a:r>
+            <a:r>
+              <a:rPr lang="en-US" altLang="zh-CN" dirty="0" err="1"/>
+              <a:t>cin</a:t>
+            </a:r>
+            <a:r>
+              <a:rPr lang="en-US" altLang="zh-CN" dirty="0"/>
+              <a:t> </a:t>
+            </a:r>
+            <a:r>
+              <a:rPr lang="zh-CN" altLang="en-US" dirty="0" smtClean="0"/>
+              <a:t>输入数据</a:t>
+            </a:r>
+            <a:endParaRPr lang="en-US" altLang="zh-CN" dirty="0" smtClean="0"/>
+          </a:p>
+          <a:p>
+            <a:r>
+              <a:rPr lang="zh-CN" altLang="en-US" dirty="0"/>
+              <a:t>使用 </a:t>
+            </a:r>
+            <a:r>
+              <a:rPr lang="en-US" altLang="zh-CN" dirty="0" err="1"/>
+              <a:t>cout</a:t>
+            </a:r>
+            <a:r>
+              <a:rPr lang="en-US" altLang="zh-CN" dirty="0"/>
+              <a:t> </a:t>
+            </a:r>
+            <a:r>
+              <a:rPr lang="zh-CN" altLang="en-US" dirty="0" smtClean="0"/>
+              <a:t>输出数据</a:t>
+            </a:r>
+            <a:endParaRPr lang="en-US" altLang="zh-CN" dirty="0" smtClean="0"/>
+          </a:p>
+          <a:p>
+            <a:r>
+              <a:rPr lang="zh-CN" altLang="en-US" dirty="0"/>
+              <a:t>使用格式化输出</a:t>
+            </a:r>
+          </a:p>
+        </p:txBody>
+      </p:sp>
+    </p:spTree>
+    <p:extLst>
+      <p:ext uri="{BB962C8B-B14F-4D97-AF65-F5344CB8AC3E}">
+        <p14:creationId xmlns:p14="http://schemas.microsoft.com/office/powerpoint/2010/main" val="2406778273"/>
+      </p:ext>
+    </p:extLst>
+  </p:cSld>
+  <p:clrMapOvr>
+    <a:masterClrMapping/>
+  </p:clrMapOvr>
+  <p:timing>
+    <p:tnLst>
+      <p:par>
+        <p:cTn id="1" dur="indefinite" restart="never" nodeType="tmRoot"/>
+      </p:par>
+    </p:tnLst>
+  </p:timing>
+</p:sld>
+</file>
+
+<file path=ppt/slides/slide29.xml><?xml version="1.0" encoding="utf-8"?>
+<p:sld xmlns:a="http://schemas.openxmlformats.org/drawingml/2006/main" xmlns:r="http://schemas.openxmlformats.org/officeDocument/2006/relationships" xmlns:p="http://schemas.openxmlformats.org/presentationml/2006/main">
+  <p:cSld>
+    <p:spTree>
+      <p:nvGrpSpPr>
+        <p:cNvPr id="1" name=""/>
+        <p:cNvGrpSpPr/>
+        <p:nvPr/>
+      </p:nvGrpSpPr>
+      <p:grpSpPr>
+        <a:xfrm>
+          <a:off x="0" y="0"/>
+          <a:ext cx="0" cy="0"/>
+          <a:chOff x="0" y="0"/>
+          <a:chExt cx="0" cy="0"/>
+        </a:xfrm>
+      </p:grpSpPr>
+      <p:sp>
+        <p:nvSpPr>
+          <p:cNvPr id="2" name="标题 1"/>
+          <p:cNvSpPr>
+            <a:spLocks noGrp="1"/>
+          </p:cNvSpPr>
+          <p:nvPr>
+            <p:ph type="title"/>
+          </p:nvPr>
+        </p:nvSpPr>
+        <p:spPr/>
+        <p:txBody>
+          <a:bodyPr/>
+          <a:lstStyle/>
+          <a:p>
+            <a:r>
+              <a:rPr lang="en-US" altLang="zh-CN" dirty="0" smtClean="0"/>
+              <a:t>3.4 </a:t>
+            </a:r>
+            <a:r>
+              <a:rPr lang="zh-CN" altLang="zh-CN" b="1" dirty="0"/>
+              <a:t>课后练习</a:t>
+            </a:r>
+            <a:endParaRPr lang="zh-CN" altLang="en-US" dirty="0"/>
+          </a:p>
+        </p:txBody>
+      </p:sp>
+      <p:sp>
+        <p:nvSpPr>
+          <p:cNvPr id="3" name="内容占位符 2"/>
+          <p:cNvSpPr>
+            <a:spLocks noGrp="1"/>
+          </p:cNvSpPr>
+          <p:nvPr>
+            <p:ph idx="1"/>
+          </p:nvPr>
+        </p:nvSpPr>
+        <p:spPr/>
+        <p:txBody>
+          <a:bodyPr/>
+          <a:lstStyle/>
+          <a:p>
+            <a:r>
+              <a:rPr lang="zh-CN" altLang="en-US" dirty="0"/>
+              <a:t>编写一个程序，接收两个整数输入，输出它们的和、差、积和商。</a:t>
+            </a:r>
+          </a:p>
+          <a:p>
+            <a:r>
+              <a:rPr lang="zh-CN" altLang="en-US" dirty="0"/>
+              <a:t>编写一个程序，判断输入的整数是正数、负数还是零。</a:t>
+            </a:r>
+          </a:p>
+          <a:p>
+            <a:r>
+              <a:rPr lang="zh-CN" altLang="en-US" dirty="0"/>
+              <a:t>编写一个程序，输出从</a:t>
+            </a:r>
+            <a:r>
+              <a:rPr lang="en-US" altLang="zh-CN" dirty="0"/>
+              <a:t>1</a:t>
+            </a:r>
+            <a:r>
+              <a:rPr lang="zh-CN" altLang="en-US" dirty="0"/>
+              <a:t>到</a:t>
+            </a:r>
+            <a:r>
+              <a:rPr lang="en-US" altLang="zh-CN" dirty="0"/>
+              <a:t>100</a:t>
+            </a:r>
+            <a:r>
+              <a:rPr lang="zh-CN" altLang="en-US" dirty="0"/>
+              <a:t>的所有奇数。</a:t>
+            </a:r>
+          </a:p>
+          <a:p>
+            <a:r>
+              <a:rPr lang="zh-CN" altLang="en-US" dirty="0"/>
+              <a:t>使用 </a:t>
+            </a:r>
+            <a:r>
+              <a:rPr lang="en-US" altLang="zh-CN" dirty="0"/>
+              <a:t>switch </a:t>
+            </a:r>
+            <a:r>
+              <a:rPr lang="zh-CN" altLang="en-US" dirty="0"/>
+              <a:t>语句编写一个程序，根据输入的星期数字（</a:t>
+            </a:r>
+            <a:r>
+              <a:rPr lang="en-US" altLang="zh-CN" dirty="0"/>
+              <a:t>1-7</a:t>
+            </a:r>
+            <a:r>
+              <a:rPr lang="zh-CN" altLang="en-US" dirty="0"/>
+              <a:t>）输出对应的星期名称</a:t>
+            </a:r>
+          </a:p>
+        </p:txBody>
+      </p:sp>
+    </p:spTree>
+    <p:extLst>
+      <p:ext uri="{BB962C8B-B14F-4D97-AF65-F5344CB8AC3E}">
+        <p14:creationId xmlns:p14="http://schemas.microsoft.com/office/powerpoint/2010/main" val="1980070636"/>
       </p:ext>
     </p:extLst>
   </p:cSld>
@@ -10635,6 +12072,1736 @@
 </p:sld>
 </file>
 
+<file path=ppt/slides/slide30.xml><?xml version="1.0" encoding="utf-8"?>
+<p:sld xmlns:a="http://schemas.openxmlformats.org/drawingml/2006/main" xmlns:r="http://schemas.openxmlformats.org/officeDocument/2006/relationships" xmlns:p="http://schemas.openxmlformats.org/presentationml/2006/main">
+  <p:cSld>
+    <p:spTree>
+      <p:nvGrpSpPr>
+        <p:cNvPr id="1" name=""/>
+        <p:cNvGrpSpPr/>
+        <p:nvPr/>
+      </p:nvGrpSpPr>
+      <p:grpSpPr>
+        <a:xfrm>
+          <a:off x="0" y="0"/>
+          <a:ext cx="0" cy="0"/>
+          <a:chOff x="0" y="0"/>
+          <a:chExt cx="0" cy="0"/>
+        </a:xfrm>
+      </p:grpSpPr>
+      <p:sp>
+        <p:nvSpPr>
+          <p:cNvPr id="2" name="标题 1"/>
+          <p:cNvSpPr>
+            <a:spLocks noGrp="1"/>
+          </p:cNvSpPr>
+          <p:nvPr>
+            <p:ph type="title"/>
+          </p:nvPr>
+        </p:nvSpPr>
+        <p:spPr/>
+        <p:txBody>
+          <a:bodyPr/>
+          <a:lstStyle/>
+          <a:p>
+            <a:r>
+              <a:rPr lang="zh-CN" altLang="en-US" b="1" dirty="0" smtClean="0">
+                <a:latin typeface="华文楷体" pitchFamily="2" charset="-122"/>
+                <a:ea typeface="华文楷体" pitchFamily="2" charset="-122"/>
+              </a:rPr>
+              <a:t>第</a:t>
+            </a:r>
+            <a:r>
+              <a:rPr lang="en-US" altLang="zh-CN" b="1" dirty="0" smtClean="0">
+                <a:latin typeface="华文楷体" pitchFamily="2" charset="-122"/>
+                <a:ea typeface="华文楷体" pitchFamily="2" charset="-122"/>
+              </a:rPr>
+              <a:t>4</a:t>
+            </a:r>
+            <a:r>
+              <a:rPr lang="zh-CN" altLang="en-US" b="1" dirty="0" smtClean="0">
+                <a:latin typeface="华文楷体" pitchFamily="2" charset="-122"/>
+                <a:ea typeface="华文楷体" pitchFamily="2" charset="-122"/>
+              </a:rPr>
+              <a:t>章</a:t>
+            </a:r>
+            <a:r>
+              <a:rPr lang="zh-CN" altLang="en-US" b="1" dirty="0">
+                <a:latin typeface="华文楷体" pitchFamily="2" charset="-122"/>
+                <a:ea typeface="华文楷体" pitchFamily="2" charset="-122"/>
+              </a:rPr>
+              <a:t>函数与数组</a:t>
+            </a:r>
+            <a:endParaRPr lang="zh-CN" altLang="en-US" dirty="0"/>
+          </a:p>
+        </p:txBody>
+      </p:sp>
+      <p:sp>
+        <p:nvSpPr>
+          <p:cNvPr id="3" name="内容占位符 2"/>
+          <p:cNvSpPr>
+            <a:spLocks noGrp="1"/>
+          </p:cNvSpPr>
+          <p:nvPr>
+            <p:ph idx="1"/>
+          </p:nvPr>
+        </p:nvSpPr>
+        <p:spPr/>
+        <p:txBody>
+          <a:bodyPr/>
+          <a:lstStyle/>
+          <a:p>
+            <a:r>
+              <a:rPr lang="zh-CN" altLang="en-US" dirty="0"/>
+              <a:t>函数定义与调用：参数传递（值传递、引用传递）、返回值。</a:t>
+            </a:r>
+          </a:p>
+          <a:p>
+            <a:r>
+              <a:rPr lang="zh-CN" altLang="en-US" dirty="0"/>
+              <a:t>函数重载与递归：函数重载规则、递归函数的使用与优化。</a:t>
+            </a:r>
+          </a:p>
+          <a:p>
+            <a:r>
+              <a:rPr lang="zh-CN" altLang="en-US" dirty="0"/>
+              <a:t>数组：一维数组、二维数组的定义与使用，数组与指针的关系。</a:t>
+            </a:r>
+          </a:p>
+        </p:txBody>
+      </p:sp>
+    </p:spTree>
+    <p:extLst>
+      <p:ext uri="{BB962C8B-B14F-4D97-AF65-F5344CB8AC3E}">
+        <p14:creationId xmlns:p14="http://schemas.microsoft.com/office/powerpoint/2010/main" val="3528018120"/>
+      </p:ext>
+    </p:extLst>
+  </p:cSld>
+  <p:clrMapOvr>
+    <a:masterClrMapping/>
+  </p:clrMapOvr>
+  <p:timing>
+    <p:tnLst>
+      <p:par>
+        <p:cTn id="1" dur="indefinite" restart="never" nodeType="tmRoot"/>
+      </p:par>
+    </p:tnLst>
+  </p:timing>
+</p:sld>
+</file>
+
+<file path=ppt/slides/slide31.xml><?xml version="1.0" encoding="utf-8"?>
+<p:sld xmlns:a="http://schemas.openxmlformats.org/drawingml/2006/main" xmlns:r="http://schemas.openxmlformats.org/officeDocument/2006/relationships" xmlns:p="http://schemas.openxmlformats.org/presentationml/2006/main">
+  <p:cSld>
+    <p:spTree>
+      <p:nvGrpSpPr>
+        <p:cNvPr id="1" name=""/>
+        <p:cNvGrpSpPr/>
+        <p:nvPr/>
+      </p:nvGrpSpPr>
+      <p:grpSpPr>
+        <a:xfrm>
+          <a:off x="0" y="0"/>
+          <a:ext cx="0" cy="0"/>
+          <a:chOff x="0" y="0"/>
+          <a:chExt cx="0" cy="0"/>
+        </a:xfrm>
+      </p:grpSpPr>
+      <p:sp>
+        <p:nvSpPr>
+          <p:cNvPr id="2" name="标题 1"/>
+          <p:cNvSpPr>
+            <a:spLocks noGrp="1"/>
+          </p:cNvSpPr>
+          <p:nvPr>
+            <p:ph type="title"/>
+          </p:nvPr>
+        </p:nvSpPr>
+        <p:spPr/>
+        <p:txBody>
+          <a:bodyPr/>
+          <a:lstStyle/>
+          <a:p>
+            <a:r>
+              <a:rPr lang="zh-CN" altLang="en-US" b="1" dirty="0" smtClean="0">
+                <a:latin typeface="华文楷体" pitchFamily="2" charset="-122"/>
+                <a:ea typeface="华文楷体" pitchFamily="2" charset="-122"/>
+              </a:rPr>
+              <a:t>第</a:t>
+            </a:r>
+            <a:r>
+              <a:rPr lang="en-US" altLang="zh-CN" b="1" dirty="0" smtClean="0">
+                <a:latin typeface="华文楷体" pitchFamily="2" charset="-122"/>
+                <a:ea typeface="华文楷体" pitchFamily="2" charset="-122"/>
+              </a:rPr>
+              <a:t>5</a:t>
+            </a:r>
+            <a:r>
+              <a:rPr lang="zh-CN" altLang="en-US" b="1" dirty="0" smtClean="0">
+                <a:latin typeface="华文楷体" pitchFamily="2" charset="-122"/>
+                <a:ea typeface="华文楷体" pitchFamily="2" charset="-122"/>
+              </a:rPr>
+              <a:t>章</a:t>
+            </a:r>
+            <a:r>
+              <a:rPr lang="zh-CN" altLang="en-US" b="1" dirty="0">
+                <a:latin typeface="华文楷体" pitchFamily="2" charset="-122"/>
+                <a:ea typeface="华文楷体" pitchFamily="2" charset="-122"/>
+              </a:rPr>
+              <a:t>面向对象编程（</a:t>
+            </a:r>
+            <a:r>
+              <a:rPr lang="en-US" altLang="zh-CN" b="1" dirty="0">
+                <a:latin typeface="华文楷体" pitchFamily="2" charset="-122"/>
+                <a:ea typeface="华文楷体" pitchFamily="2" charset="-122"/>
+              </a:rPr>
+              <a:t>OOP</a:t>
+            </a:r>
+            <a:r>
+              <a:rPr lang="zh-CN" altLang="en-US" b="1" dirty="0">
+                <a:latin typeface="华文楷体" pitchFamily="2" charset="-122"/>
+                <a:ea typeface="华文楷体" pitchFamily="2" charset="-122"/>
+              </a:rPr>
+              <a:t>）基础</a:t>
+            </a:r>
+            <a:endParaRPr lang="zh-CN" altLang="en-US" dirty="0"/>
+          </a:p>
+        </p:txBody>
+      </p:sp>
+      <p:sp>
+        <p:nvSpPr>
+          <p:cNvPr id="3" name="内容占位符 2"/>
+          <p:cNvSpPr>
+            <a:spLocks noGrp="1"/>
+          </p:cNvSpPr>
+          <p:nvPr>
+            <p:ph idx="1"/>
+          </p:nvPr>
+        </p:nvSpPr>
+        <p:spPr/>
+        <p:txBody>
+          <a:bodyPr/>
+          <a:lstStyle/>
+          <a:p>
+            <a:r>
+              <a:rPr lang="zh-CN" altLang="en-US" dirty="0"/>
+              <a:t>类与对象：定义类、创建对象、构造函数与析构函数。</a:t>
+            </a:r>
+          </a:p>
+          <a:p>
+            <a:r>
+              <a:rPr lang="zh-CN" altLang="en-US" dirty="0"/>
+              <a:t>封装：访问控制修饰符（</a:t>
+            </a:r>
+            <a:r>
+              <a:rPr lang="en-US" altLang="zh-CN" dirty="0"/>
+              <a:t>public</a:t>
+            </a:r>
+            <a:r>
+              <a:rPr lang="zh-CN" altLang="en-US" dirty="0"/>
+              <a:t>、</a:t>
+            </a:r>
+            <a:r>
+              <a:rPr lang="en-US" altLang="zh-CN" dirty="0"/>
+              <a:t>private</a:t>
+            </a:r>
+            <a:r>
+              <a:rPr lang="zh-CN" altLang="en-US" dirty="0"/>
+              <a:t>、</a:t>
+            </a:r>
+            <a:r>
+              <a:rPr lang="en-US" altLang="zh-CN" dirty="0"/>
+              <a:t>protected</a:t>
+            </a:r>
+            <a:r>
+              <a:rPr lang="zh-CN" altLang="en-US" dirty="0"/>
+              <a:t>）。</a:t>
+            </a:r>
+          </a:p>
+          <a:p>
+            <a:r>
+              <a:rPr lang="zh-CN" altLang="en-US" dirty="0"/>
+              <a:t>继承：继承的概念、基类与派生类、多重继承。</a:t>
+            </a:r>
+          </a:p>
+          <a:p>
+            <a:r>
+              <a:rPr lang="zh-CN" altLang="en-US" dirty="0"/>
+              <a:t>多态：虚函数、纯虚函数、虚函数的重写、运行时多态。</a:t>
+            </a:r>
+          </a:p>
+        </p:txBody>
+      </p:sp>
+    </p:spTree>
+    <p:extLst>
+      <p:ext uri="{BB962C8B-B14F-4D97-AF65-F5344CB8AC3E}">
+        <p14:creationId xmlns:p14="http://schemas.microsoft.com/office/powerpoint/2010/main" val="2413468171"/>
+      </p:ext>
+    </p:extLst>
+  </p:cSld>
+  <p:clrMapOvr>
+    <a:masterClrMapping/>
+  </p:clrMapOvr>
+  <p:timing>
+    <p:tnLst>
+      <p:par>
+        <p:cTn id="1" dur="indefinite" restart="never" nodeType="tmRoot"/>
+      </p:par>
+    </p:tnLst>
+  </p:timing>
+</p:sld>
+</file>
+
+<file path=ppt/slides/slide32.xml><?xml version="1.0" encoding="utf-8"?>
+<p:sld xmlns:a="http://schemas.openxmlformats.org/drawingml/2006/main" xmlns:r="http://schemas.openxmlformats.org/officeDocument/2006/relationships" xmlns:p="http://schemas.openxmlformats.org/presentationml/2006/main">
+  <p:cSld>
+    <p:spTree>
+      <p:nvGrpSpPr>
+        <p:cNvPr id="1" name=""/>
+        <p:cNvGrpSpPr/>
+        <p:nvPr/>
+      </p:nvGrpSpPr>
+      <p:grpSpPr>
+        <a:xfrm>
+          <a:off x="0" y="0"/>
+          <a:ext cx="0" cy="0"/>
+          <a:chOff x="0" y="0"/>
+          <a:chExt cx="0" cy="0"/>
+        </a:xfrm>
+      </p:grpSpPr>
+      <p:sp>
+        <p:nvSpPr>
+          <p:cNvPr id="2" name="标题 1"/>
+          <p:cNvSpPr>
+            <a:spLocks noGrp="1"/>
+          </p:cNvSpPr>
+          <p:nvPr>
+            <p:ph type="title"/>
+          </p:nvPr>
+        </p:nvSpPr>
+        <p:spPr/>
+        <p:txBody>
+          <a:bodyPr/>
+          <a:lstStyle/>
+          <a:p>
+            <a:r>
+              <a:rPr lang="en-US" altLang="zh-CN" b="1" dirty="0" smtClean="0"/>
+              <a:t>5.1 </a:t>
+            </a:r>
+            <a:r>
+              <a:rPr lang="zh-CN" altLang="en-US" b="1" dirty="0"/>
+              <a:t>为什么使用面向对象</a:t>
+            </a:r>
+          </a:p>
+        </p:txBody>
+      </p:sp>
+      <p:sp>
+        <p:nvSpPr>
+          <p:cNvPr id="3" name="内容占位符 2"/>
+          <p:cNvSpPr>
+            <a:spLocks noGrp="1"/>
+          </p:cNvSpPr>
+          <p:nvPr>
+            <p:ph idx="1"/>
+          </p:nvPr>
+        </p:nvSpPr>
+        <p:spPr/>
+        <p:txBody>
+          <a:bodyPr/>
+          <a:lstStyle/>
+          <a:p>
+            <a:r>
+              <a:rPr lang="zh-CN" altLang="en-US" dirty="0"/>
+              <a:t>面向对象编程（</a:t>
+            </a:r>
+            <a:r>
+              <a:rPr lang="en-US" altLang="zh-CN" dirty="0"/>
+              <a:t>OOP</a:t>
+            </a:r>
+            <a:r>
+              <a:rPr lang="zh-CN" altLang="en-US" dirty="0"/>
+              <a:t>）是软件开发中的一种编程范式，它与传统的过程化编程（如</a:t>
+            </a:r>
+            <a:r>
+              <a:rPr lang="en-US" altLang="zh-CN" dirty="0"/>
+              <a:t>C</a:t>
+            </a:r>
+            <a:r>
+              <a:rPr lang="zh-CN" altLang="en-US" dirty="0"/>
+              <a:t>语言）相比，提供了更高的灵活性和可维护性。通过将数据和操作数据的方法封装在一起，</a:t>
+            </a:r>
+            <a:r>
+              <a:rPr lang="en-US" altLang="zh-CN" dirty="0"/>
+              <a:t>OOP</a:t>
+            </a:r>
+            <a:r>
+              <a:rPr lang="zh-CN" altLang="en-US" dirty="0"/>
+              <a:t>可以使代码更加模块化、可扩展和易于维护</a:t>
+            </a:r>
+            <a:r>
+              <a:rPr lang="zh-CN" altLang="en-US" dirty="0" smtClean="0"/>
+              <a:t>。</a:t>
+            </a:r>
+            <a:endParaRPr lang="en-US" altLang="zh-CN" dirty="0" smtClean="0"/>
+          </a:p>
+          <a:p>
+            <a:r>
+              <a:rPr lang="zh-CN" altLang="en-US" dirty="0"/>
+              <a:t>面向对象的</a:t>
+            </a:r>
+            <a:r>
+              <a:rPr lang="zh-CN" altLang="en-US" dirty="0" smtClean="0"/>
+              <a:t>优势</a:t>
+            </a:r>
+            <a:endParaRPr lang="en-US" altLang="zh-CN" dirty="0" smtClean="0"/>
+          </a:p>
+          <a:p>
+            <a:r>
+              <a:rPr lang="zh-CN" altLang="en-US" dirty="0"/>
+              <a:t>与 </a:t>
+            </a:r>
+            <a:r>
+              <a:rPr lang="en-US" altLang="zh-CN" dirty="0"/>
+              <a:t>C </a:t>
+            </a:r>
+            <a:r>
+              <a:rPr lang="zh-CN" altLang="en-US" dirty="0"/>
+              <a:t>语言的</a:t>
+            </a:r>
+            <a:r>
+              <a:rPr lang="zh-CN" altLang="en-US" dirty="0" smtClean="0"/>
+              <a:t>区别</a:t>
+            </a:r>
+            <a:endParaRPr lang="en-US" altLang="zh-CN" dirty="0" smtClean="0"/>
+          </a:p>
+          <a:p>
+            <a:r>
+              <a:rPr lang="zh-CN" altLang="en-US" dirty="0"/>
+              <a:t>为什么选择面向对象编程</a:t>
+            </a:r>
+          </a:p>
+        </p:txBody>
+      </p:sp>
+    </p:spTree>
+    <p:extLst>
+      <p:ext uri="{BB962C8B-B14F-4D97-AF65-F5344CB8AC3E}">
+        <p14:creationId xmlns:p14="http://schemas.microsoft.com/office/powerpoint/2010/main" val="329754630"/>
+      </p:ext>
+    </p:extLst>
+  </p:cSld>
+  <p:clrMapOvr>
+    <a:masterClrMapping/>
+  </p:clrMapOvr>
+</p:sld>
+</file>
+
+<file path=ppt/slides/slide33.xml><?xml version="1.0" encoding="utf-8"?>
+<p:sld xmlns:a="http://schemas.openxmlformats.org/drawingml/2006/main" xmlns:r="http://schemas.openxmlformats.org/officeDocument/2006/relationships" xmlns:p="http://schemas.openxmlformats.org/presentationml/2006/main">
+  <p:cSld>
+    <p:spTree>
+      <p:nvGrpSpPr>
+        <p:cNvPr id="1" name=""/>
+        <p:cNvGrpSpPr/>
+        <p:nvPr/>
+      </p:nvGrpSpPr>
+      <p:grpSpPr>
+        <a:xfrm>
+          <a:off x="0" y="0"/>
+          <a:ext cx="0" cy="0"/>
+          <a:chOff x="0" y="0"/>
+          <a:chExt cx="0" cy="0"/>
+        </a:xfrm>
+      </p:grpSpPr>
+      <p:sp>
+        <p:nvSpPr>
+          <p:cNvPr id="2" name="标题 1"/>
+          <p:cNvSpPr>
+            <a:spLocks noGrp="1"/>
+          </p:cNvSpPr>
+          <p:nvPr>
+            <p:ph type="title"/>
+          </p:nvPr>
+        </p:nvSpPr>
+        <p:spPr/>
+        <p:txBody>
+          <a:bodyPr/>
+          <a:lstStyle/>
+          <a:p>
+            <a:r>
+              <a:rPr lang="zh-CN" altLang="en-US" b="1" dirty="0"/>
+              <a:t>面向对象的优势</a:t>
+            </a:r>
+            <a:r>
+              <a:rPr lang="en-US" altLang="zh-CN" dirty="0"/>
+              <a:t/>
+            </a:r>
+            <a:br>
+              <a:rPr lang="en-US" altLang="zh-CN" dirty="0"/>
+            </a:br>
+            <a:endParaRPr lang="zh-CN" altLang="en-US" dirty="0"/>
+          </a:p>
+        </p:txBody>
+      </p:sp>
+      <p:sp>
+        <p:nvSpPr>
+          <p:cNvPr id="3" name="内容占位符 2"/>
+          <p:cNvSpPr>
+            <a:spLocks noGrp="1"/>
+          </p:cNvSpPr>
+          <p:nvPr>
+            <p:ph idx="1"/>
+          </p:nvPr>
+        </p:nvSpPr>
+        <p:spPr/>
+        <p:txBody>
+          <a:bodyPr/>
+          <a:lstStyle/>
+          <a:p>
+            <a:r>
+              <a:rPr lang="zh-CN" altLang="en-US" dirty="0"/>
+              <a:t>封装：</a:t>
+            </a:r>
+            <a:r>
+              <a:rPr lang="en-US" altLang="zh-CN" dirty="0"/>
+              <a:t>OOP</a:t>
+            </a:r>
+            <a:r>
+              <a:rPr lang="zh-CN" altLang="en-US" dirty="0"/>
+              <a:t>鼓励将数据与数据操作封装在一起，减少数据访问的复杂性。通过封装，类的实现细节可以隐藏，外部代码只需关注接口而非实现。</a:t>
+            </a:r>
+          </a:p>
+          <a:p>
+            <a:r>
+              <a:rPr lang="zh-CN" altLang="en-US" dirty="0"/>
+              <a:t>继承：继承允许类继承另一个类的属性和方法，减少代码的重复，增强代码的重用性。</a:t>
+            </a:r>
+          </a:p>
+          <a:p>
+            <a:r>
+              <a:rPr lang="zh-CN" altLang="en-US" dirty="0"/>
+              <a:t>多态：多态使得同一操作可以在不同类型的对象上表现出不同的行为，提高了代码的灵活性。</a:t>
+            </a:r>
+          </a:p>
+          <a:p>
+            <a:r>
+              <a:rPr lang="zh-CN" altLang="en-US" dirty="0"/>
+              <a:t>模块化与可维护性：</a:t>
+            </a:r>
+            <a:r>
+              <a:rPr lang="en-US" altLang="zh-CN" dirty="0"/>
+              <a:t>OOP</a:t>
+            </a:r>
+            <a:r>
+              <a:rPr lang="zh-CN" altLang="en-US" dirty="0"/>
+              <a:t>允许将一个大程序拆分成多个小模块，每个模块负责自己独立的功能，增强了代码的可维护性和扩展性。</a:t>
+            </a:r>
+          </a:p>
+        </p:txBody>
+      </p:sp>
+    </p:spTree>
+    <p:extLst>
+      <p:ext uri="{BB962C8B-B14F-4D97-AF65-F5344CB8AC3E}">
+        <p14:creationId xmlns:p14="http://schemas.microsoft.com/office/powerpoint/2010/main" val="1941399030"/>
+      </p:ext>
+    </p:extLst>
+  </p:cSld>
+  <p:clrMapOvr>
+    <a:masterClrMapping/>
+  </p:clrMapOvr>
+</p:sld>
+</file>
+
+<file path=ppt/slides/slide34.xml><?xml version="1.0" encoding="utf-8"?>
+<p:sld xmlns:a="http://schemas.openxmlformats.org/drawingml/2006/main" xmlns:r="http://schemas.openxmlformats.org/officeDocument/2006/relationships" xmlns:p="http://schemas.openxmlformats.org/presentationml/2006/main">
+  <p:cSld>
+    <p:spTree>
+      <p:nvGrpSpPr>
+        <p:cNvPr id="1" name=""/>
+        <p:cNvGrpSpPr/>
+        <p:nvPr/>
+      </p:nvGrpSpPr>
+      <p:grpSpPr>
+        <a:xfrm>
+          <a:off x="0" y="0"/>
+          <a:ext cx="0" cy="0"/>
+          <a:chOff x="0" y="0"/>
+          <a:chExt cx="0" cy="0"/>
+        </a:xfrm>
+      </p:grpSpPr>
+      <p:sp>
+        <p:nvSpPr>
+          <p:cNvPr id="2" name="标题 1"/>
+          <p:cNvSpPr>
+            <a:spLocks noGrp="1"/>
+          </p:cNvSpPr>
+          <p:nvPr>
+            <p:ph type="title"/>
+          </p:nvPr>
+        </p:nvSpPr>
+        <p:spPr/>
+        <p:txBody>
+          <a:bodyPr/>
+          <a:lstStyle/>
+          <a:p>
+            <a:r>
+              <a:rPr lang="zh-CN" altLang="en-US" b="1" dirty="0"/>
+              <a:t>与 </a:t>
+            </a:r>
+            <a:r>
+              <a:rPr lang="en-US" altLang="zh-CN" b="1" dirty="0"/>
+              <a:t>C </a:t>
+            </a:r>
+            <a:r>
+              <a:rPr lang="zh-CN" altLang="en-US" b="1" dirty="0"/>
+              <a:t>语言的区别</a:t>
+            </a:r>
+          </a:p>
+        </p:txBody>
+      </p:sp>
+      <p:sp>
+        <p:nvSpPr>
+          <p:cNvPr id="3" name="内容占位符 2"/>
+          <p:cNvSpPr>
+            <a:spLocks noGrp="1"/>
+          </p:cNvSpPr>
+          <p:nvPr>
+            <p:ph idx="1"/>
+          </p:nvPr>
+        </p:nvSpPr>
+        <p:spPr/>
+        <p:txBody>
+          <a:bodyPr/>
+          <a:lstStyle/>
+          <a:p>
+            <a:r>
+              <a:rPr lang="en-US" altLang="zh-CN" dirty="0"/>
+              <a:t>C </a:t>
+            </a:r>
+            <a:r>
+              <a:rPr lang="zh-CN" altLang="en-US" dirty="0"/>
+              <a:t>语言是一种过程化编程语言，代码组织以函数为单位，数据与函数是分离的。而面向对象编程则将数据与操作数据的方法封装在一个实体</a:t>
+            </a:r>
+            <a:r>
+              <a:rPr lang="en-US" altLang="zh-CN" dirty="0"/>
+              <a:t>——</a:t>
+            </a:r>
+            <a:r>
+              <a:rPr lang="zh-CN" altLang="en-US" dirty="0"/>
+              <a:t>类中。</a:t>
+            </a:r>
+          </a:p>
+          <a:p>
+            <a:r>
+              <a:rPr lang="zh-CN" altLang="en-US" dirty="0"/>
+              <a:t>在</a:t>
+            </a:r>
+            <a:r>
+              <a:rPr lang="en-US" altLang="zh-CN" dirty="0"/>
+              <a:t>C</a:t>
+            </a:r>
+            <a:r>
+              <a:rPr lang="zh-CN" altLang="en-US" dirty="0"/>
+              <a:t>语言中，我们通过函数来操作数据结构中的数据。每个函数都只能操作通过参数传递的变量。虽然可以通过结构体组织数据，但没有像类那样的封装性和继承性。</a:t>
+            </a:r>
+          </a:p>
+          <a:p>
+            <a:endParaRPr lang="zh-CN" altLang="en-US" dirty="0"/>
+          </a:p>
+        </p:txBody>
+      </p:sp>
+    </p:spTree>
+    <p:extLst>
+      <p:ext uri="{BB962C8B-B14F-4D97-AF65-F5344CB8AC3E}">
+        <p14:creationId xmlns:p14="http://schemas.microsoft.com/office/powerpoint/2010/main" val="2647494434"/>
+      </p:ext>
+    </p:extLst>
+  </p:cSld>
+  <p:clrMapOvr>
+    <a:masterClrMapping/>
+  </p:clrMapOvr>
+</p:sld>
+</file>
+
+<file path=ppt/slides/slide35.xml><?xml version="1.0" encoding="utf-8"?>
+<p:sld xmlns:a="http://schemas.openxmlformats.org/drawingml/2006/main" xmlns:r="http://schemas.openxmlformats.org/officeDocument/2006/relationships" xmlns:p="http://schemas.openxmlformats.org/presentationml/2006/main">
+  <p:cSld>
+    <p:spTree>
+      <p:nvGrpSpPr>
+        <p:cNvPr id="1" name=""/>
+        <p:cNvGrpSpPr/>
+        <p:nvPr/>
+      </p:nvGrpSpPr>
+      <p:grpSpPr>
+        <a:xfrm>
+          <a:off x="0" y="0"/>
+          <a:ext cx="0" cy="0"/>
+          <a:chOff x="0" y="0"/>
+          <a:chExt cx="0" cy="0"/>
+        </a:xfrm>
+      </p:grpSpPr>
+      <p:sp>
+        <p:nvSpPr>
+          <p:cNvPr id="2" name="标题 1"/>
+          <p:cNvSpPr>
+            <a:spLocks noGrp="1"/>
+          </p:cNvSpPr>
+          <p:nvPr>
+            <p:ph type="title"/>
+          </p:nvPr>
+        </p:nvSpPr>
+        <p:spPr/>
+        <p:txBody>
+          <a:bodyPr/>
+          <a:lstStyle/>
+          <a:p>
+            <a:r>
+              <a:rPr lang="zh-CN" altLang="en-US" b="1" dirty="0"/>
+              <a:t>与 </a:t>
+            </a:r>
+            <a:r>
+              <a:rPr lang="en-US" altLang="zh-CN" b="1" dirty="0"/>
+              <a:t>C </a:t>
+            </a:r>
+            <a:r>
+              <a:rPr lang="zh-CN" altLang="en-US" b="1" dirty="0"/>
+              <a:t>语言的区别</a:t>
+            </a:r>
+          </a:p>
+        </p:txBody>
+      </p:sp>
+      <p:sp>
+        <p:nvSpPr>
+          <p:cNvPr id="3" name="内容占位符 2"/>
+          <p:cNvSpPr>
+            <a:spLocks noGrp="1"/>
+          </p:cNvSpPr>
+          <p:nvPr>
+            <p:ph idx="1"/>
+          </p:nvPr>
+        </p:nvSpPr>
+        <p:spPr/>
+        <p:txBody>
+          <a:bodyPr/>
+          <a:lstStyle/>
+          <a:p>
+            <a:r>
+              <a:rPr lang="en-US" altLang="zh-CN" dirty="0"/>
+              <a:t>C </a:t>
+            </a:r>
+            <a:r>
+              <a:rPr lang="zh-CN" altLang="en-US" dirty="0"/>
+              <a:t>语言中的代码</a:t>
+            </a:r>
+            <a:r>
+              <a:rPr lang="zh-CN" altLang="en-US" dirty="0" smtClean="0"/>
+              <a:t>组织</a:t>
+            </a:r>
+            <a:endParaRPr lang="en-US" altLang="zh-CN" dirty="0" smtClean="0"/>
+          </a:p>
+          <a:p>
+            <a:r>
+              <a:rPr lang="en-US" altLang="zh-CN" dirty="0"/>
+              <a:t>C++ </a:t>
+            </a:r>
+            <a:r>
+              <a:rPr lang="zh-CN" altLang="en-US" dirty="0"/>
+              <a:t>中的类与</a:t>
+            </a:r>
+            <a:r>
+              <a:rPr lang="zh-CN" altLang="en-US" dirty="0" smtClean="0"/>
+              <a:t>对象</a:t>
+            </a:r>
+            <a:endParaRPr lang="en-US" altLang="zh-CN" dirty="0" smtClean="0"/>
+          </a:p>
+          <a:p>
+            <a:r>
+              <a:rPr lang="en-US" altLang="zh-CN" dirty="0"/>
+              <a:t>C </a:t>
+            </a:r>
+            <a:r>
+              <a:rPr lang="zh-CN" altLang="en-US" dirty="0"/>
+              <a:t>与 </a:t>
+            </a:r>
+            <a:r>
+              <a:rPr lang="en-US" altLang="zh-CN" dirty="0"/>
+              <a:t>C++ </a:t>
+            </a:r>
+            <a:r>
+              <a:rPr lang="zh-CN" altLang="en-US" dirty="0"/>
+              <a:t>的区别</a:t>
+            </a:r>
+            <a:r>
+              <a:rPr lang="zh-CN" altLang="en-US" dirty="0" smtClean="0"/>
+              <a:t>总结</a:t>
+            </a:r>
+            <a:endParaRPr lang="en-US" altLang="zh-CN" dirty="0" smtClean="0"/>
+          </a:p>
+          <a:p>
+            <a:endParaRPr lang="en-US" altLang="zh-CN" dirty="0" smtClean="0"/>
+          </a:p>
+          <a:p>
+            <a:endParaRPr lang="zh-CN" altLang="en-US" dirty="0"/>
+          </a:p>
+        </p:txBody>
+      </p:sp>
+      <p:graphicFrame>
+        <p:nvGraphicFramePr>
+          <p:cNvPr id="13" name="表格 12"/>
+          <p:cNvGraphicFramePr>
+            <a:graphicFrameLocks noGrp="1"/>
+          </p:cNvGraphicFramePr>
+          <p:nvPr>
+            <p:extLst>
+              <p:ext uri="{D42A27DB-BD31-4B8C-83A1-F6EECF244321}">
+                <p14:modId xmlns:p14="http://schemas.microsoft.com/office/powerpoint/2010/main" val="3261493521"/>
+              </p:ext>
+            </p:extLst>
+          </p:nvPr>
+        </p:nvGraphicFramePr>
+        <p:xfrm>
+          <a:off x="2759787" y="3490858"/>
+          <a:ext cx="8127999" cy="2225040"/>
+        </p:xfrm>
+        <a:graphic>
+          <a:graphicData uri="http://schemas.openxmlformats.org/drawingml/2006/table">
+            <a:tbl>
+              <a:tblPr firstRow="1" bandRow="1">
+                <a:tableStyleId>{5C22544A-7EE6-4342-B048-85BDC9FD1C3A}</a:tableStyleId>
+              </a:tblPr>
+              <a:tblGrid>
+                <a:gridCol w="1416797"/>
+                <a:gridCol w="3163330"/>
+                <a:gridCol w="3547872"/>
+              </a:tblGrid>
+              <a:tr h="370840">
+                <a:tc>
+                  <a:txBody>
+                    <a:bodyPr/>
+                    <a:lstStyle/>
+                    <a:p>
+                      <a:r>
+                        <a:rPr lang="zh-CN" altLang="en-US" sz="1200" dirty="0"/>
+                        <a:t>特性</a:t>
+                      </a:r>
+                    </a:p>
+                  </a:txBody>
+                  <a:tcPr anchor="ctr"/>
+                </a:tc>
+                <a:tc>
+                  <a:txBody>
+                    <a:bodyPr/>
+                    <a:lstStyle/>
+                    <a:p>
+                      <a:r>
+                        <a:rPr lang="en-US" sz="1200" dirty="0"/>
+                        <a:t>C </a:t>
+                      </a:r>
+                      <a:r>
+                        <a:rPr lang="zh-CN" altLang="en-US" sz="1200" dirty="0"/>
+                        <a:t>语言</a:t>
+                      </a:r>
+                    </a:p>
+                  </a:txBody>
+                  <a:tcPr anchor="ctr"/>
+                </a:tc>
+                <a:tc>
+                  <a:txBody>
+                    <a:bodyPr/>
+                    <a:lstStyle/>
+                    <a:p>
+                      <a:r>
+                        <a:rPr lang="en-US" sz="1200" dirty="0"/>
+                        <a:t>C++ </a:t>
+                      </a:r>
+                      <a:r>
+                        <a:rPr lang="zh-CN" altLang="en-US" sz="1200" dirty="0"/>
+                        <a:t>语言</a:t>
+                      </a:r>
+                    </a:p>
+                  </a:txBody>
+                  <a:tcPr anchor="ctr"/>
+                </a:tc>
+              </a:tr>
+              <a:tr h="370840">
+                <a:tc>
+                  <a:txBody>
+                    <a:bodyPr/>
+                    <a:lstStyle/>
+                    <a:p>
+                      <a:r>
+                        <a:rPr lang="zh-CN" altLang="en-US" sz="1200" b="1" dirty="0"/>
+                        <a:t>数据与操作</a:t>
+                      </a:r>
+                      <a:endParaRPr lang="zh-CN" altLang="en-US" sz="1200" dirty="0"/>
+                    </a:p>
+                  </a:txBody>
+                  <a:tcPr anchor="ctr"/>
+                </a:tc>
+                <a:tc>
+                  <a:txBody>
+                    <a:bodyPr/>
+                    <a:lstStyle/>
+                    <a:p>
+                      <a:r>
+                        <a:rPr lang="zh-CN" altLang="en-US" sz="1200"/>
+                        <a:t>数据和操作分开，函数操作结构体数据</a:t>
+                      </a:r>
+                    </a:p>
+                  </a:txBody>
+                  <a:tcPr anchor="ctr"/>
+                </a:tc>
+                <a:tc>
+                  <a:txBody>
+                    <a:bodyPr/>
+                    <a:lstStyle/>
+                    <a:p>
+                      <a:r>
+                        <a:rPr lang="zh-CN" altLang="en-US" sz="1200" dirty="0"/>
+                        <a:t>数据和操作封装在一起，使用类和对象</a:t>
+                      </a:r>
+                    </a:p>
+                  </a:txBody>
+                  <a:tcPr anchor="ctr"/>
+                </a:tc>
+              </a:tr>
+              <a:tr h="370840">
+                <a:tc>
+                  <a:txBody>
+                    <a:bodyPr/>
+                    <a:lstStyle/>
+                    <a:p>
+                      <a:r>
+                        <a:rPr lang="zh-CN" altLang="en-US" sz="1200" b="1" dirty="0"/>
+                        <a:t>封装性</a:t>
+                      </a:r>
+                      <a:endParaRPr lang="zh-CN" altLang="en-US" sz="1200" dirty="0"/>
+                    </a:p>
+                  </a:txBody>
+                  <a:tcPr anchor="ctr"/>
+                </a:tc>
+                <a:tc>
+                  <a:txBody>
+                    <a:bodyPr/>
+                    <a:lstStyle/>
+                    <a:p>
+                      <a:r>
+                        <a:rPr lang="zh-CN" altLang="en-US" sz="1200"/>
+                        <a:t>需要手动管理数据与函数的组织</a:t>
+                      </a:r>
+                    </a:p>
+                  </a:txBody>
+                  <a:tcPr anchor="ctr"/>
+                </a:tc>
+                <a:tc>
+                  <a:txBody>
+                    <a:bodyPr/>
+                    <a:lstStyle/>
+                    <a:p>
+                      <a:r>
+                        <a:rPr lang="zh-CN" altLang="en-US" sz="1200" dirty="0"/>
+                        <a:t>类可以封装数据和函数，增强模块化与安全性</a:t>
+                      </a:r>
+                    </a:p>
+                  </a:txBody>
+                  <a:tcPr anchor="ctr"/>
+                </a:tc>
+              </a:tr>
+              <a:tr h="370840">
+                <a:tc>
+                  <a:txBody>
+                    <a:bodyPr/>
+                    <a:lstStyle/>
+                    <a:p>
+                      <a:r>
+                        <a:rPr lang="zh-CN" altLang="en-US" sz="1200" b="1" dirty="0"/>
+                        <a:t>继承与多态</a:t>
+                      </a:r>
+                      <a:endParaRPr lang="zh-CN" altLang="en-US" sz="1200" dirty="0"/>
+                    </a:p>
+                  </a:txBody>
+                  <a:tcPr anchor="ctr"/>
+                </a:tc>
+                <a:tc>
+                  <a:txBody>
+                    <a:bodyPr/>
+                    <a:lstStyle/>
+                    <a:p>
+                      <a:r>
+                        <a:rPr lang="zh-CN" altLang="en-US" sz="1200" dirty="0"/>
+                        <a:t>不支持继承和多态</a:t>
+                      </a:r>
+                    </a:p>
+                  </a:txBody>
+                  <a:tcPr anchor="ctr"/>
+                </a:tc>
+                <a:tc>
+                  <a:txBody>
+                    <a:bodyPr/>
+                    <a:lstStyle/>
+                    <a:p>
+                      <a:r>
+                        <a:rPr lang="zh-CN" altLang="en-US" sz="1200"/>
+                        <a:t>支持继承和多态，支持代码重用和灵活性</a:t>
+                      </a:r>
+                    </a:p>
+                  </a:txBody>
+                  <a:tcPr anchor="ctr"/>
+                </a:tc>
+              </a:tr>
+              <a:tr h="370840">
+                <a:tc>
+                  <a:txBody>
+                    <a:bodyPr/>
+                    <a:lstStyle/>
+                    <a:p>
+                      <a:r>
+                        <a:rPr lang="zh-CN" altLang="en-US" sz="1200" b="1" dirty="0"/>
+                        <a:t>内存管理</a:t>
+                      </a:r>
+                      <a:endParaRPr lang="zh-CN" altLang="en-US" sz="1200" dirty="0"/>
+                    </a:p>
+                  </a:txBody>
+                  <a:tcPr anchor="ctr"/>
+                </a:tc>
+                <a:tc>
+                  <a:txBody>
+                    <a:bodyPr/>
+                    <a:lstStyle/>
+                    <a:p>
+                      <a:r>
+                        <a:rPr lang="zh-CN" altLang="en-US" sz="1200" dirty="0"/>
+                        <a:t>手动管理内存</a:t>
+                      </a:r>
+                    </a:p>
+                  </a:txBody>
+                  <a:tcPr anchor="ctr"/>
+                </a:tc>
+                <a:tc>
+                  <a:txBody>
+                    <a:bodyPr/>
+                    <a:lstStyle/>
+                    <a:p>
+                      <a:r>
+                        <a:rPr lang="zh-CN" altLang="en-US" sz="1200"/>
+                        <a:t>支持智能指针、构造函数与析构函数自动管理内存</a:t>
+                      </a:r>
+                    </a:p>
+                  </a:txBody>
+                  <a:tcPr anchor="ctr"/>
+                </a:tc>
+              </a:tr>
+              <a:tr h="370840">
+                <a:tc>
+                  <a:txBody>
+                    <a:bodyPr/>
+                    <a:lstStyle/>
+                    <a:p>
+                      <a:r>
+                        <a:rPr lang="zh-CN" altLang="en-US" sz="1200" b="1"/>
+                        <a:t>代码可维护性</a:t>
+                      </a:r>
+                      <a:endParaRPr lang="zh-CN" altLang="en-US" sz="1200"/>
+                    </a:p>
+                  </a:txBody>
+                  <a:tcPr anchor="ctr"/>
+                </a:tc>
+                <a:tc>
+                  <a:txBody>
+                    <a:bodyPr/>
+                    <a:lstStyle/>
+                    <a:p>
+                      <a:r>
+                        <a:rPr lang="zh-CN" altLang="en-US" sz="1200"/>
+                        <a:t>代码容易冗余、重复</a:t>
+                      </a:r>
+                    </a:p>
+                  </a:txBody>
+                  <a:tcPr anchor="ctr"/>
+                </a:tc>
+                <a:tc>
+                  <a:txBody>
+                    <a:bodyPr/>
+                    <a:lstStyle/>
+                    <a:p>
+                      <a:r>
+                        <a:rPr lang="zh-CN" altLang="en-US" sz="1200" dirty="0"/>
+                        <a:t>代码模块化，易于维护与扩展</a:t>
+                      </a:r>
+                    </a:p>
+                  </a:txBody>
+                  <a:tcPr anchor="ctr"/>
+                </a:tc>
+              </a:tr>
+            </a:tbl>
+          </a:graphicData>
+        </a:graphic>
+      </p:graphicFrame>
+    </p:spTree>
+    <p:extLst>
+      <p:ext uri="{BB962C8B-B14F-4D97-AF65-F5344CB8AC3E}">
+        <p14:creationId xmlns:p14="http://schemas.microsoft.com/office/powerpoint/2010/main" val="1495229122"/>
+      </p:ext>
+    </p:extLst>
+  </p:cSld>
+  <p:clrMapOvr>
+    <a:masterClrMapping/>
+  </p:clrMapOvr>
+</p:sld>
+</file>
+
+<file path=ppt/slides/slide36.xml><?xml version="1.0" encoding="utf-8"?>
+<p:sld xmlns:a="http://schemas.openxmlformats.org/drawingml/2006/main" xmlns:r="http://schemas.openxmlformats.org/officeDocument/2006/relationships" xmlns:p="http://schemas.openxmlformats.org/presentationml/2006/main">
+  <p:cSld>
+    <p:spTree>
+      <p:nvGrpSpPr>
+        <p:cNvPr id="1" name=""/>
+        <p:cNvGrpSpPr/>
+        <p:nvPr/>
+      </p:nvGrpSpPr>
+      <p:grpSpPr>
+        <a:xfrm>
+          <a:off x="0" y="0"/>
+          <a:ext cx="0" cy="0"/>
+          <a:chOff x="0" y="0"/>
+          <a:chExt cx="0" cy="0"/>
+        </a:xfrm>
+      </p:grpSpPr>
+      <p:sp>
+        <p:nvSpPr>
+          <p:cNvPr id="2" name="标题 1"/>
+          <p:cNvSpPr>
+            <a:spLocks noGrp="1"/>
+          </p:cNvSpPr>
+          <p:nvPr>
+            <p:ph type="title"/>
+          </p:nvPr>
+        </p:nvSpPr>
+        <p:spPr/>
+        <p:txBody>
+          <a:bodyPr/>
+          <a:lstStyle/>
+          <a:p>
+            <a:r>
+              <a:rPr lang="en-US" altLang="zh-CN" dirty="0" smtClean="0"/>
+              <a:t>5.2 </a:t>
+            </a:r>
+            <a:r>
+              <a:rPr lang="zh-CN" altLang="en-US" dirty="0"/>
+              <a:t>类与对象</a:t>
+            </a:r>
+          </a:p>
+        </p:txBody>
+      </p:sp>
+      <p:sp>
+        <p:nvSpPr>
+          <p:cNvPr id="3" name="内容占位符 2"/>
+          <p:cNvSpPr>
+            <a:spLocks noGrp="1"/>
+          </p:cNvSpPr>
+          <p:nvPr>
+            <p:ph idx="1"/>
+          </p:nvPr>
+        </p:nvSpPr>
+        <p:spPr/>
+        <p:txBody>
+          <a:bodyPr/>
+          <a:lstStyle/>
+          <a:p>
+            <a:r>
+              <a:rPr lang="zh-CN" altLang="en-US" dirty="0"/>
+              <a:t>定义</a:t>
+            </a:r>
+            <a:r>
+              <a:rPr lang="zh-CN" altLang="en-US" dirty="0" smtClean="0"/>
+              <a:t>类</a:t>
+            </a:r>
+            <a:endParaRPr lang="en-US" altLang="zh-CN" dirty="0" smtClean="0"/>
+          </a:p>
+          <a:p>
+            <a:pPr marL="0" indent="0">
+              <a:buNone/>
+            </a:pPr>
+            <a:r>
+              <a:rPr lang="en-US" altLang="zh-CN" dirty="0"/>
+              <a:t>	</a:t>
+            </a:r>
+            <a:r>
+              <a:rPr lang="zh-CN" altLang="en-US" dirty="0"/>
+              <a:t>类是面向对象编程中的核心概念，它描述了一个对象的属性和行为。类定义包括</a:t>
+            </a:r>
+            <a:r>
+              <a:rPr lang="zh-CN" altLang="en-US" dirty="0" smtClean="0"/>
+              <a:t>成</a:t>
+            </a:r>
+            <a:r>
+              <a:rPr lang="en-US" altLang="zh-CN" dirty="0" smtClean="0"/>
+              <a:t>	</a:t>
+            </a:r>
+            <a:r>
+              <a:rPr lang="zh-CN" altLang="en-US" dirty="0" smtClean="0"/>
+              <a:t>员</a:t>
+            </a:r>
+            <a:r>
+              <a:rPr lang="zh-CN" altLang="en-US" dirty="0"/>
+              <a:t>变量（属性）和成员函数（行为）。类的实例化称为对象。</a:t>
+            </a:r>
+            <a:endParaRPr lang="en-US" altLang="zh-CN" dirty="0" smtClean="0"/>
+          </a:p>
+          <a:p>
+            <a:r>
+              <a:rPr lang="zh-CN" altLang="en-US" dirty="0"/>
+              <a:t>构造函数与</a:t>
+            </a:r>
+            <a:r>
+              <a:rPr lang="zh-CN" altLang="en-US" dirty="0" smtClean="0"/>
+              <a:t>析构函数</a:t>
+            </a:r>
+            <a:endParaRPr lang="en-US" altLang="zh-CN" dirty="0" smtClean="0"/>
+          </a:p>
+          <a:p>
+            <a:pPr marL="0" indent="0">
+              <a:buNone/>
+            </a:pPr>
+            <a:r>
+              <a:rPr lang="en-US" altLang="zh-CN" dirty="0"/>
+              <a:t>	</a:t>
+            </a:r>
+            <a:r>
+              <a:rPr lang="zh-CN" altLang="en-US" dirty="0"/>
+              <a:t>构造函数用于初始化对象的成员变量。析构函数用于在对象销毁时进行资源清理</a:t>
+            </a:r>
+            <a:r>
+              <a:rPr lang="zh-CN" altLang="en-US" dirty="0" smtClean="0"/>
+              <a:t>。</a:t>
+            </a:r>
+            <a:r>
+              <a:rPr lang="en-US" altLang="zh-CN" dirty="0" smtClean="0"/>
+              <a:t>	</a:t>
+            </a:r>
+            <a:r>
+              <a:rPr lang="zh-CN" altLang="en-US" dirty="0" smtClean="0"/>
+              <a:t>构造</a:t>
+            </a:r>
+            <a:r>
+              <a:rPr lang="zh-CN" altLang="en-US" dirty="0"/>
+              <a:t>函数和析构函数的名称与类名相同，但构造函数没有返回类型，析构函数以 </a:t>
+            </a:r>
+            <a:r>
+              <a:rPr lang="en-US" altLang="zh-CN" dirty="0"/>
+              <a:t>~ </a:t>
+            </a:r>
+            <a:r>
+              <a:rPr lang="en-US" altLang="zh-CN" dirty="0" smtClean="0"/>
+              <a:t>	</a:t>
+            </a:r>
+            <a:r>
+              <a:rPr lang="zh-CN" altLang="en-US" dirty="0" smtClean="0"/>
+              <a:t>开头</a:t>
+            </a:r>
+            <a:r>
+              <a:rPr lang="zh-CN" altLang="en-US" dirty="0"/>
+              <a:t>。</a:t>
+            </a:r>
+            <a:endParaRPr lang="en-US" altLang="zh-CN" dirty="0" smtClean="0"/>
+          </a:p>
+        </p:txBody>
+      </p:sp>
+    </p:spTree>
+    <p:extLst>
+      <p:ext uri="{BB962C8B-B14F-4D97-AF65-F5344CB8AC3E}">
+        <p14:creationId xmlns:p14="http://schemas.microsoft.com/office/powerpoint/2010/main" val="3147529873"/>
+      </p:ext>
+    </p:extLst>
+  </p:cSld>
+  <p:clrMapOvr>
+    <a:masterClrMapping/>
+  </p:clrMapOvr>
+</p:sld>
+</file>
+
+<file path=ppt/slides/slide37.xml><?xml version="1.0" encoding="utf-8"?>
+<p:sld xmlns:a="http://schemas.openxmlformats.org/drawingml/2006/main" xmlns:r="http://schemas.openxmlformats.org/officeDocument/2006/relationships" xmlns:p="http://schemas.openxmlformats.org/presentationml/2006/main">
+  <p:cSld>
+    <p:spTree>
+      <p:nvGrpSpPr>
+        <p:cNvPr id="1" name=""/>
+        <p:cNvGrpSpPr/>
+        <p:nvPr/>
+      </p:nvGrpSpPr>
+      <p:grpSpPr>
+        <a:xfrm>
+          <a:off x="0" y="0"/>
+          <a:ext cx="0" cy="0"/>
+          <a:chOff x="0" y="0"/>
+          <a:chExt cx="0" cy="0"/>
+        </a:xfrm>
+      </p:grpSpPr>
+      <p:sp>
+        <p:nvSpPr>
+          <p:cNvPr id="2" name="标题 1"/>
+          <p:cNvSpPr>
+            <a:spLocks noGrp="1"/>
+          </p:cNvSpPr>
+          <p:nvPr>
+            <p:ph type="title"/>
+          </p:nvPr>
+        </p:nvSpPr>
+        <p:spPr/>
+        <p:txBody>
+          <a:bodyPr/>
+          <a:lstStyle/>
+          <a:p>
+            <a:r>
+              <a:rPr lang="en-US" altLang="zh-CN" dirty="0" smtClean="0"/>
+              <a:t>5.2 </a:t>
+            </a:r>
+            <a:r>
+              <a:rPr lang="zh-CN" altLang="en-US" dirty="0"/>
+              <a:t>封装</a:t>
+            </a:r>
+          </a:p>
+        </p:txBody>
+      </p:sp>
+      <p:sp>
+        <p:nvSpPr>
+          <p:cNvPr id="3" name="内容占位符 2"/>
+          <p:cNvSpPr>
+            <a:spLocks noGrp="1"/>
+          </p:cNvSpPr>
+          <p:nvPr>
+            <p:ph idx="1"/>
+          </p:nvPr>
+        </p:nvSpPr>
+        <p:spPr/>
+        <p:txBody>
+          <a:bodyPr/>
+          <a:lstStyle/>
+          <a:p>
+            <a:r>
+              <a:rPr lang="zh-CN" altLang="en-US" dirty="0"/>
+              <a:t>封装是面向对象编程的四大基本特性之一。封装通过访问控制修饰符（</a:t>
+            </a:r>
+            <a:r>
+              <a:rPr lang="en-US" altLang="zh-CN" dirty="0"/>
+              <a:t>public</a:t>
+            </a:r>
+            <a:r>
+              <a:rPr lang="zh-CN" altLang="en-US" dirty="0"/>
+              <a:t>、</a:t>
+            </a:r>
+            <a:r>
+              <a:rPr lang="en-US" altLang="zh-CN" dirty="0"/>
+              <a:t>private</a:t>
+            </a:r>
+            <a:r>
+              <a:rPr lang="zh-CN" altLang="en-US" dirty="0"/>
+              <a:t>、</a:t>
+            </a:r>
+            <a:r>
+              <a:rPr lang="en-US" altLang="zh-CN" dirty="0"/>
+              <a:t>protected</a:t>
+            </a:r>
+            <a:r>
+              <a:rPr lang="zh-CN" altLang="en-US" dirty="0"/>
+              <a:t>）来控制类成员的访问权限</a:t>
+            </a:r>
+            <a:r>
+              <a:rPr lang="zh-CN" altLang="en-US" dirty="0" smtClean="0"/>
+              <a:t>。</a:t>
+            </a:r>
+            <a:endParaRPr lang="en-US" altLang="zh-CN" dirty="0" smtClean="0"/>
+          </a:p>
+          <a:p>
+            <a:r>
+              <a:rPr lang="zh-CN" altLang="en-US" dirty="0"/>
+              <a:t>访问控制修饰符</a:t>
+            </a:r>
+          </a:p>
+          <a:p>
+            <a:pPr lvl="1"/>
+            <a:r>
+              <a:rPr lang="en-US" altLang="zh-CN" dirty="0"/>
+              <a:t>public</a:t>
+            </a:r>
+            <a:r>
+              <a:rPr lang="zh-CN" altLang="en-US" dirty="0"/>
+              <a:t>：公开的成员，外部代码可以访问。</a:t>
+            </a:r>
+          </a:p>
+          <a:p>
+            <a:pPr lvl="1"/>
+            <a:r>
+              <a:rPr lang="en-US" altLang="zh-CN" dirty="0"/>
+              <a:t>private</a:t>
+            </a:r>
+            <a:r>
+              <a:rPr lang="zh-CN" altLang="en-US" dirty="0"/>
+              <a:t>：私有的成员，只能在类的内部访问。</a:t>
+            </a:r>
+          </a:p>
+          <a:p>
+            <a:pPr lvl="1"/>
+            <a:r>
+              <a:rPr lang="en-US" altLang="zh-CN" dirty="0"/>
+              <a:t>protected</a:t>
+            </a:r>
+            <a:r>
+              <a:rPr lang="zh-CN" altLang="en-US" dirty="0"/>
+              <a:t>：保护的成员，子类可以访问，但外部代码不能访问。</a:t>
+            </a:r>
+          </a:p>
+        </p:txBody>
+      </p:sp>
+    </p:spTree>
+    <p:extLst>
+      <p:ext uri="{BB962C8B-B14F-4D97-AF65-F5344CB8AC3E}">
+        <p14:creationId xmlns:p14="http://schemas.microsoft.com/office/powerpoint/2010/main" val="3887602630"/>
+      </p:ext>
+    </p:extLst>
+  </p:cSld>
+  <p:clrMapOvr>
+    <a:masterClrMapping/>
+  </p:clrMapOvr>
+</p:sld>
+</file>
+
+<file path=ppt/slides/slide38.xml><?xml version="1.0" encoding="utf-8"?>
+<p:sld xmlns:a="http://schemas.openxmlformats.org/drawingml/2006/main" xmlns:r="http://schemas.openxmlformats.org/officeDocument/2006/relationships" xmlns:p="http://schemas.openxmlformats.org/presentationml/2006/main">
+  <p:cSld>
+    <p:spTree>
+      <p:nvGrpSpPr>
+        <p:cNvPr id="1" name=""/>
+        <p:cNvGrpSpPr/>
+        <p:nvPr/>
+      </p:nvGrpSpPr>
+      <p:grpSpPr>
+        <a:xfrm>
+          <a:off x="0" y="0"/>
+          <a:ext cx="0" cy="0"/>
+          <a:chOff x="0" y="0"/>
+          <a:chExt cx="0" cy="0"/>
+        </a:xfrm>
+      </p:grpSpPr>
+      <p:sp>
+        <p:nvSpPr>
+          <p:cNvPr id="2" name="标题 1"/>
+          <p:cNvSpPr>
+            <a:spLocks noGrp="1"/>
+          </p:cNvSpPr>
+          <p:nvPr>
+            <p:ph type="title"/>
+          </p:nvPr>
+        </p:nvSpPr>
+        <p:spPr/>
+        <p:txBody>
+          <a:bodyPr/>
+          <a:lstStyle/>
+          <a:p>
+            <a:r>
+              <a:rPr lang="en-US" altLang="zh-CN" dirty="0" smtClean="0"/>
+              <a:t>5.3 </a:t>
+            </a:r>
+            <a:r>
+              <a:rPr lang="zh-CN" altLang="en-US" dirty="0"/>
+              <a:t>继承</a:t>
+            </a:r>
+          </a:p>
+        </p:txBody>
+      </p:sp>
+      <p:sp>
+        <p:nvSpPr>
+          <p:cNvPr id="3" name="内容占位符 2"/>
+          <p:cNvSpPr>
+            <a:spLocks noGrp="1"/>
+          </p:cNvSpPr>
+          <p:nvPr>
+            <p:ph idx="1"/>
+          </p:nvPr>
+        </p:nvSpPr>
+        <p:spPr/>
+        <p:txBody>
+          <a:bodyPr/>
+          <a:lstStyle/>
+          <a:p>
+            <a:r>
+              <a:rPr lang="zh-CN" altLang="en-US" dirty="0"/>
+              <a:t>通过继承，我们可以创建一个新的类（派生类），它可以继承已有类（基类）的成员变量和成员函数</a:t>
+            </a:r>
+            <a:r>
+              <a:rPr lang="zh-CN" altLang="en-US" dirty="0" smtClean="0"/>
+              <a:t>。</a:t>
+            </a:r>
+            <a:endParaRPr lang="en-US" altLang="zh-CN" dirty="0" smtClean="0"/>
+          </a:p>
+          <a:p>
+            <a:r>
+              <a:rPr lang="zh-CN" altLang="en-US" dirty="0"/>
+              <a:t>继承的</a:t>
+            </a:r>
+            <a:r>
+              <a:rPr lang="zh-CN" altLang="en-US" dirty="0" smtClean="0"/>
+              <a:t>概念</a:t>
+            </a:r>
+            <a:endParaRPr lang="en-US" altLang="zh-CN" dirty="0" smtClean="0"/>
+          </a:p>
+          <a:p>
+            <a:pPr marL="457200" lvl="1" indent="0">
+              <a:buNone/>
+            </a:pPr>
+            <a:r>
+              <a:rPr lang="zh-CN" altLang="en-US" dirty="0"/>
+              <a:t>基类和派生类的关系：</a:t>
+            </a:r>
+            <a:r>
+              <a:rPr lang="en-US" altLang="zh-CN" dirty="0"/>
+              <a:t>	</a:t>
+            </a:r>
+            <a:endParaRPr lang="zh-CN" altLang="en-US" dirty="0"/>
+          </a:p>
+          <a:p>
+            <a:pPr lvl="1"/>
+            <a:r>
+              <a:rPr lang="zh-CN" altLang="en-US" dirty="0"/>
+              <a:t>基类是被继承的类。</a:t>
+            </a:r>
+          </a:p>
+          <a:p>
+            <a:pPr lvl="1"/>
+            <a:r>
+              <a:rPr lang="zh-CN" altLang="en-US" dirty="0"/>
+              <a:t>派生类是从基类派生出来的类，可以继承基类的属性和行为。</a:t>
+            </a:r>
+          </a:p>
+          <a:p>
+            <a:r>
+              <a:rPr lang="zh-CN" altLang="en-US" dirty="0" smtClean="0"/>
+              <a:t>基</a:t>
+            </a:r>
+            <a:r>
+              <a:rPr lang="zh-CN" altLang="en-US" dirty="0"/>
+              <a:t>类与派生</a:t>
+            </a:r>
+            <a:r>
+              <a:rPr lang="zh-CN" altLang="en-US" dirty="0" smtClean="0"/>
+              <a:t>类</a:t>
+            </a:r>
+            <a:endParaRPr lang="en-US" altLang="zh-CN" dirty="0" smtClean="0"/>
+          </a:p>
+          <a:p>
+            <a:r>
+              <a:rPr lang="zh-CN" altLang="en-US" dirty="0"/>
+              <a:t>多重继承</a:t>
+            </a:r>
+            <a:endParaRPr lang="en-US" altLang="zh-CN" dirty="0" smtClean="0"/>
+          </a:p>
+        </p:txBody>
+      </p:sp>
+    </p:spTree>
+    <p:extLst>
+      <p:ext uri="{BB962C8B-B14F-4D97-AF65-F5344CB8AC3E}">
+        <p14:creationId xmlns:p14="http://schemas.microsoft.com/office/powerpoint/2010/main" val="3152470496"/>
+      </p:ext>
+    </p:extLst>
+  </p:cSld>
+  <p:clrMapOvr>
+    <a:masterClrMapping/>
+  </p:clrMapOvr>
+</p:sld>
+</file>
+
+<file path=ppt/slides/slide39.xml><?xml version="1.0" encoding="utf-8"?>
+<p:sld xmlns:a="http://schemas.openxmlformats.org/drawingml/2006/main" xmlns:r="http://schemas.openxmlformats.org/officeDocument/2006/relationships" xmlns:p="http://schemas.openxmlformats.org/presentationml/2006/main">
+  <p:cSld>
+    <p:spTree>
+      <p:nvGrpSpPr>
+        <p:cNvPr id="1" name=""/>
+        <p:cNvGrpSpPr/>
+        <p:nvPr/>
+      </p:nvGrpSpPr>
+      <p:grpSpPr>
+        <a:xfrm>
+          <a:off x="0" y="0"/>
+          <a:ext cx="0" cy="0"/>
+          <a:chOff x="0" y="0"/>
+          <a:chExt cx="0" cy="0"/>
+        </a:xfrm>
+      </p:grpSpPr>
+      <p:sp>
+        <p:nvSpPr>
+          <p:cNvPr id="2" name="标题 1"/>
+          <p:cNvSpPr>
+            <a:spLocks noGrp="1"/>
+          </p:cNvSpPr>
+          <p:nvPr>
+            <p:ph type="title"/>
+          </p:nvPr>
+        </p:nvSpPr>
+        <p:spPr/>
+        <p:txBody>
+          <a:bodyPr/>
+          <a:lstStyle/>
+          <a:p>
+            <a:r>
+              <a:rPr lang="en-US" altLang="zh-CN" dirty="0" smtClean="0"/>
+              <a:t>5.4 </a:t>
+            </a:r>
+            <a:r>
+              <a:rPr lang="zh-CN" altLang="en-US" dirty="0"/>
+              <a:t>多态</a:t>
+            </a:r>
+          </a:p>
+        </p:txBody>
+      </p:sp>
+      <p:sp>
+        <p:nvSpPr>
+          <p:cNvPr id="3" name="内容占位符 2"/>
+          <p:cNvSpPr>
+            <a:spLocks noGrp="1"/>
+          </p:cNvSpPr>
+          <p:nvPr>
+            <p:ph idx="1"/>
+          </p:nvPr>
+        </p:nvSpPr>
+        <p:spPr/>
+        <p:txBody>
+          <a:bodyPr/>
+          <a:lstStyle/>
+          <a:p>
+            <a:r>
+              <a:rPr lang="zh-CN" altLang="en-US" dirty="0"/>
+              <a:t>多态是指通过相同的接口调用不同的函数，实现不同的行为。多态有两种类型：编译时多态</a:t>
+            </a:r>
+            <a:r>
+              <a:rPr lang="zh-CN" altLang="en-US" dirty="0" smtClean="0"/>
+              <a:t>和运行</a:t>
+            </a:r>
+            <a:r>
+              <a:rPr lang="zh-CN" altLang="en-US" dirty="0"/>
+              <a:t>时多态</a:t>
+            </a:r>
+            <a:r>
+              <a:rPr lang="zh-CN" altLang="en-US" dirty="0" smtClean="0"/>
+              <a:t>。</a:t>
+            </a:r>
+            <a:endParaRPr lang="en-US" altLang="zh-CN" dirty="0" smtClean="0"/>
+          </a:p>
+          <a:p>
+            <a:r>
+              <a:rPr lang="zh-CN" altLang="en-US" dirty="0"/>
+              <a:t>虚</a:t>
+            </a:r>
+            <a:r>
+              <a:rPr lang="zh-CN" altLang="en-US" dirty="0" smtClean="0"/>
+              <a:t>函数</a:t>
+            </a:r>
+            <a:endParaRPr lang="en-US" altLang="zh-CN" dirty="0" smtClean="0"/>
+          </a:p>
+          <a:p>
+            <a:pPr marL="0" indent="0">
+              <a:buNone/>
+            </a:pPr>
+            <a:r>
+              <a:rPr lang="en-US" altLang="zh-CN" dirty="0"/>
+              <a:t>	</a:t>
+            </a:r>
+            <a:r>
+              <a:rPr lang="zh-CN" altLang="en-US" dirty="0"/>
+              <a:t>虚函数允许我们在基类中声明函数，在派生类中重写该函数，以便实现动态绑定。</a:t>
+            </a:r>
+            <a:endParaRPr lang="en-US" altLang="zh-CN" dirty="0"/>
+          </a:p>
+          <a:p>
+            <a:r>
+              <a:rPr lang="zh-CN" altLang="en-US" dirty="0" smtClean="0"/>
+              <a:t>纯</a:t>
+            </a:r>
+            <a:r>
+              <a:rPr lang="zh-CN" altLang="en-US" dirty="0"/>
+              <a:t>虚</a:t>
+            </a:r>
+            <a:r>
+              <a:rPr lang="zh-CN" altLang="en-US" dirty="0" smtClean="0"/>
+              <a:t>函数</a:t>
+            </a:r>
+            <a:endParaRPr lang="en-US" altLang="zh-CN" dirty="0" smtClean="0"/>
+          </a:p>
+          <a:p>
+            <a:pPr marL="0" indent="0">
+              <a:buNone/>
+            </a:pPr>
+            <a:r>
+              <a:rPr lang="en-US" altLang="zh-CN" dirty="0"/>
+              <a:t>	</a:t>
+            </a:r>
+            <a:r>
+              <a:rPr lang="zh-CN" altLang="en-US" dirty="0"/>
+              <a:t>纯虚函数是没有函数体的虚函数，必须在派生类中实现它。含有纯虚函数的类被称</a:t>
+            </a:r>
+            <a:r>
+              <a:rPr lang="en-US" altLang="zh-CN" dirty="0"/>
+              <a:t>	</a:t>
+            </a:r>
+            <a:r>
+              <a:rPr lang="zh-CN" altLang="en-US" dirty="0"/>
+              <a:t>为抽象类，不能直接实例化。</a:t>
+            </a:r>
+            <a:endParaRPr lang="en-US" altLang="zh-CN" dirty="0"/>
+          </a:p>
+          <a:p>
+            <a:r>
+              <a:rPr lang="zh-CN" altLang="en-US" dirty="0" smtClean="0"/>
+              <a:t>运行</a:t>
+            </a:r>
+            <a:r>
+              <a:rPr lang="zh-CN" altLang="en-US" dirty="0"/>
+              <a:t>时多态</a:t>
+            </a:r>
+            <a:endParaRPr lang="en-US" altLang="zh-CN" dirty="0" smtClean="0"/>
+          </a:p>
+          <a:p>
+            <a:pPr marL="0" indent="0">
+              <a:buNone/>
+            </a:pPr>
+            <a:r>
+              <a:rPr lang="zh-CN" altLang="en-US" dirty="0" smtClean="0"/>
+              <a:t>       运行</a:t>
+            </a:r>
+            <a:r>
+              <a:rPr lang="zh-CN" altLang="en-US" dirty="0"/>
+              <a:t>时多态是通过虚函数和指向基类的指针或引用来实现的。根据对象的实际类型</a:t>
+            </a:r>
+            <a:r>
+              <a:rPr lang="zh-CN" altLang="en-US" dirty="0" smtClean="0"/>
+              <a:t>，  </a:t>
+            </a:r>
+            <a:r>
+              <a:rPr lang="en-US" altLang="zh-CN" dirty="0" smtClean="0"/>
+              <a:t>	</a:t>
+            </a:r>
+            <a:r>
+              <a:rPr lang="zh-CN" altLang="en-US" dirty="0" smtClean="0"/>
+              <a:t>调用</a:t>
+            </a:r>
+            <a:r>
+              <a:rPr lang="zh-CN" altLang="en-US" dirty="0"/>
+              <a:t>相应的重写函数。</a:t>
+            </a:r>
+          </a:p>
+        </p:txBody>
+      </p:sp>
+    </p:spTree>
+    <p:extLst>
+      <p:ext uri="{BB962C8B-B14F-4D97-AF65-F5344CB8AC3E}">
+        <p14:creationId xmlns:p14="http://schemas.microsoft.com/office/powerpoint/2010/main" val="1103990109"/>
+      </p:ext>
+    </p:extLst>
+  </p:cSld>
+  <p:clrMapOvr>
+    <a:masterClrMapping/>
+  </p:clrMapOvr>
+</p:sld>
+</file>
+
 <file path=ppt/slides/slide4.xml><?xml version="1.0" encoding="utf-8"?>
 <p:sld xmlns:a="http://schemas.openxmlformats.org/drawingml/2006/main" xmlns:r="http://schemas.openxmlformats.org/officeDocument/2006/relationships" xmlns:p="http://schemas.openxmlformats.org/presentationml/2006/main">
   <p:cSld>
@@ -10766,6 +13933,1454 @@
     <p:extLst>
       <p:ext uri="{BB962C8B-B14F-4D97-AF65-F5344CB8AC3E}">
         <p14:creationId xmlns:p14="http://schemas.microsoft.com/office/powerpoint/2010/main" val="1754708858"/>
+      </p:ext>
+    </p:extLst>
+  </p:cSld>
+  <p:clrMapOvr>
+    <a:masterClrMapping/>
+  </p:clrMapOvr>
+  <p:timing>
+    <p:tnLst>
+      <p:par>
+        <p:cTn id="1" dur="indefinite" restart="never" nodeType="tmRoot"/>
+      </p:par>
+    </p:tnLst>
+  </p:timing>
+</p:sld>
+</file>
+
+<file path=ppt/slides/slide40.xml><?xml version="1.0" encoding="utf-8"?>
+<p:sld xmlns:a="http://schemas.openxmlformats.org/drawingml/2006/main" xmlns:r="http://schemas.openxmlformats.org/officeDocument/2006/relationships" xmlns:p="http://schemas.openxmlformats.org/presentationml/2006/main">
+  <p:cSld>
+    <p:spTree>
+      <p:nvGrpSpPr>
+        <p:cNvPr id="1" name=""/>
+        <p:cNvGrpSpPr/>
+        <p:nvPr/>
+      </p:nvGrpSpPr>
+      <p:grpSpPr>
+        <a:xfrm>
+          <a:off x="0" y="0"/>
+          <a:ext cx="0" cy="0"/>
+          <a:chOff x="0" y="0"/>
+          <a:chExt cx="0" cy="0"/>
+        </a:xfrm>
+      </p:grpSpPr>
+      <p:sp>
+        <p:nvSpPr>
+          <p:cNvPr id="2" name="标题 1"/>
+          <p:cNvSpPr>
+            <a:spLocks noGrp="1"/>
+          </p:cNvSpPr>
+          <p:nvPr>
+            <p:ph type="title"/>
+          </p:nvPr>
+        </p:nvSpPr>
+        <p:spPr/>
+        <p:txBody>
+          <a:bodyPr/>
+          <a:lstStyle/>
+          <a:p>
+            <a:r>
+              <a:rPr lang="en-US" altLang="zh-CN" dirty="0" smtClean="0"/>
+              <a:t>5.5 </a:t>
+            </a:r>
+            <a:r>
+              <a:rPr lang="zh-CN" altLang="en-US" dirty="0"/>
+              <a:t>总结</a:t>
+            </a:r>
+          </a:p>
+        </p:txBody>
+      </p:sp>
+      <p:sp>
+        <p:nvSpPr>
+          <p:cNvPr id="3" name="内容占位符 2"/>
+          <p:cNvSpPr>
+            <a:spLocks noGrp="1"/>
+          </p:cNvSpPr>
+          <p:nvPr>
+            <p:ph idx="1"/>
+          </p:nvPr>
+        </p:nvSpPr>
+        <p:spPr/>
+        <p:txBody>
+          <a:bodyPr/>
+          <a:lstStyle/>
+          <a:p>
+            <a:r>
+              <a:rPr lang="zh-CN" altLang="en-US" dirty="0"/>
+              <a:t>类与对象：类是对象的蓝图，对象是类的实例。构造函数和析构函数分别用于初始化和清理对象。</a:t>
+            </a:r>
+          </a:p>
+          <a:p>
+            <a:r>
+              <a:rPr lang="zh-CN" altLang="en-US" dirty="0"/>
+              <a:t>封装：通过访问控制修饰符（</a:t>
+            </a:r>
+            <a:r>
+              <a:rPr lang="en-US" altLang="zh-CN" dirty="0"/>
+              <a:t>public</a:t>
+            </a:r>
+            <a:r>
+              <a:rPr lang="zh-CN" altLang="en-US" dirty="0"/>
+              <a:t>、</a:t>
+            </a:r>
+            <a:r>
+              <a:rPr lang="en-US" altLang="zh-CN" dirty="0"/>
+              <a:t>private</a:t>
+            </a:r>
+            <a:r>
+              <a:rPr lang="zh-CN" altLang="en-US" dirty="0"/>
+              <a:t>、</a:t>
+            </a:r>
+            <a:r>
+              <a:rPr lang="en-US" altLang="zh-CN" dirty="0"/>
+              <a:t>protected</a:t>
+            </a:r>
+            <a:r>
+              <a:rPr lang="zh-CN" altLang="en-US" dirty="0"/>
+              <a:t>）控制成员的访问权限，保护对象的状态。</a:t>
+            </a:r>
+          </a:p>
+          <a:p>
+            <a:r>
+              <a:rPr lang="zh-CN" altLang="en-US" dirty="0"/>
+              <a:t>继承：通过继承实现代码的复用，派生类可以继承基类的属性和方法。</a:t>
+            </a:r>
+          </a:p>
+          <a:p>
+            <a:r>
+              <a:rPr lang="zh-CN" altLang="en-US" dirty="0"/>
+              <a:t>多态：通过虚函数和纯虚函数实现多态，允许在运行时根据对象的实际类型调用不同的方法</a:t>
+            </a:r>
+          </a:p>
+        </p:txBody>
+      </p:sp>
+    </p:spTree>
+    <p:extLst>
+      <p:ext uri="{BB962C8B-B14F-4D97-AF65-F5344CB8AC3E}">
+        <p14:creationId xmlns:p14="http://schemas.microsoft.com/office/powerpoint/2010/main" val="1686844325"/>
+      </p:ext>
+    </p:extLst>
+  </p:cSld>
+  <p:clrMapOvr>
+    <a:masterClrMapping/>
+  </p:clrMapOvr>
+</p:sld>
+</file>
+
+<file path=ppt/slides/slide41.xml><?xml version="1.0" encoding="utf-8"?>
+<p:sld xmlns:a="http://schemas.openxmlformats.org/drawingml/2006/main" xmlns:r="http://schemas.openxmlformats.org/officeDocument/2006/relationships" xmlns:p="http://schemas.openxmlformats.org/presentationml/2006/main">
+  <p:cSld>
+    <p:spTree>
+      <p:nvGrpSpPr>
+        <p:cNvPr id="1" name=""/>
+        <p:cNvGrpSpPr/>
+        <p:nvPr/>
+      </p:nvGrpSpPr>
+      <p:grpSpPr>
+        <a:xfrm>
+          <a:off x="0" y="0"/>
+          <a:ext cx="0" cy="0"/>
+          <a:chOff x="0" y="0"/>
+          <a:chExt cx="0" cy="0"/>
+        </a:xfrm>
+      </p:grpSpPr>
+      <p:sp>
+        <p:nvSpPr>
+          <p:cNvPr id="2" name="标题 1"/>
+          <p:cNvSpPr>
+            <a:spLocks noGrp="1"/>
+          </p:cNvSpPr>
+          <p:nvPr>
+            <p:ph type="title"/>
+          </p:nvPr>
+        </p:nvSpPr>
+        <p:spPr/>
+        <p:txBody>
+          <a:bodyPr/>
+          <a:lstStyle/>
+          <a:p>
+            <a:r>
+              <a:rPr lang="zh-CN" altLang="en-US" b="1" dirty="0" smtClean="0">
+                <a:latin typeface="华文楷体" pitchFamily="2" charset="-122"/>
+                <a:ea typeface="华文楷体" pitchFamily="2" charset="-122"/>
+              </a:rPr>
+              <a:t>第</a:t>
+            </a:r>
+            <a:r>
+              <a:rPr lang="en-US" altLang="zh-CN" b="1" dirty="0" smtClean="0">
+                <a:latin typeface="华文楷体" pitchFamily="2" charset="-122"/>
+                <a:ea typeface="华文楷体" pitchFamily="2" charset="-122"/>
+              </a:rPr>
+              <a:t>6</a:t>
+            </a:r>
+            <a:r>
+              <a:rPr lang="zh-CN" altLang="en-US" b="1" dirty="0" smtClean="0">
+                <a:latin typeface="华文楷体" pitchFamily="2" charset="-122"/>
+                <a:ea typeface="华文楷体" pitchFamily="2" charset="-122"/>
+              </a:rPr>
+              <a:t>章 </a:t>
+            </a:r>
+            <a:r>
+              <a:rPr lang="zh-CN" altLang="en-US" b="1" dirty="0" smtClean="0">
+                <a:latin typeface="华文楷体" pitchFamily="2" charset="-122"/>
+                <a:ea typeface="华文楷体" pitchFamily="2" charset="-122"/>
+              </a:rPr>
+              <a:t>指针</a:t>
+            </a:r>
+            <a:r>
+              <a:rPr lang="zh-CN" altLang="en-US" b="1" dirty="0">
+                <a:latin typeface="华文楷体" pitchFamily="2" charset="-122"/>
+                <a:ea typeface="华文楷体" pitchFamily="2" charset="-122"/>
+              </a:rPr>
+              <a:t>与动态内存管理</a:t>
+            </a:r>
+            <a:endParaRPr lang="zh-CN" altLang="en-US" dirty="0"/>
+          </a:p>
+        </p:txBody>
+      </p:sp>
+      <p:sp>
+        <p:nvSpPr>
+          <p:cNvPr id="3" name="内容占位符 2"/>
+          <p:cNvSpPr>
+            <a:spLocks noGrp="1"/>
+          </p:cNvSpPr>
+          <p:nvPr>
+            <p:ph idx="1"/>
+          </p:nvPr>
+        </p:nvSpPr>
+        <p:spPr/>
+        <p:txBody>
+          <a:bodyPr/>
+          <a:lstStyle/>
+          <a:p>
+            <a:r>
+              <a:rPr lang="zh-CN" altLang="en-US" dirty="0" smtClean="0"/>
+              <a:t>指针基础：指针的定义、解引用、指针运算。</a:t>
+            </a:r>
+          </a:p>
+          <a:p>
+            <a:r>
+              <a:rPr lang="zh-CN" altLang="en-US" dirty="0" smtClean="0"/>
+              <a:t>指针与数组：数组名作为指针，指针与数组的关系。</a:t>
+            </a:r>
+          </a:p>
+          <a:p>
+            <a:r>
+              <a:rPr lang="zh-CN" altLang="en-US" dirty="0" smtClean="0"/>
+              <a:t>动态内存管理：</a:t>
+            </a:r>
+            <a:r>
+              <a:rPr lang="en-US" altLang="zh-CN" dirty="0" smtClean="0"/>
+              <a:t>new</a:t>
+            </a:r>
+            <a:r>
+              <a:rPr lang="zh-CN" altLang="en-US" dirty="0" smtClean="0"/>
+              <a:t>、</a:t>
+            </a:r>
+            <a:r>
+              <a:rPr lang="en-US" altLang="zh-CN" dirty="0" smtClean="0"/>
+              <a:t>delete</a:t>
+            </a:r>
+            <a:r>
+              <a:rPr lang="zh-CN" altLang="en-US" dirty="0" smtClean="0"/>
+              <a:t>、</a:t>
+            </a:r>
+            <a:r>
+              <a:rPr lang="en-US" altLang="zh-CN" dirty="0" smtClean="0"/>
+              <a:t>new[]</a:t>
+            </a:r>
+            <a:r>
+              <a:rPr lang="zh-CN" altLang="en-US" dirty="0" smtClean="0"/>
+              <a:t>、</a:t>
+            </a:r>
+            <a:r>
+              <a:rPr lang="en-US" altLang="zh-CN" dirty="0" smtClean="0"/>
+              <a:t>delete[]</a:t>
+            </a:r>
+            <a:r>
+              <a:rPr lang="zh-CN" altLang="en-US" dirty="0" smtClean="0"/>
+              <a:t>。</a:t>
+            </a:r>
+          </a:p>
+          <a:p>
+            <a:r>
+              <a:rPr lang="zh-CN" altLang="en-US" dirty="0" smtClean="0"/>
+              <a:t>内存泄漏与指针悬挂：避免内存泄漏，指针的安全使用。</a:t>
+            </a:r>
+            <a:endParaRPr lang="zh-CN" altLang="en-US" dirty="0"/>
+          </a:p>
+        </p:txBody>
+      </p:sp>
+    </p:spTree>
+    <p:extLst>
+      <p:ext uri="{BB962C8B-B14F-4D97-AF65-F5344CB8AC3E}">
+        <p14:creationId xmlns:p14="http://schemas.microsoft.com/office/powerpoint/2010/main" val="3183063327"/>
+      </p:ext>
+    </p:extLst>
+  </p:cSld>
+  <p:clrMapOvr>
+    <a:masterClrMapping/>
+  </p:clrMapOvr>
+  <p:timing>
+    <p:tnLst>
+      <p:par>
+        <p:cTn id="1" dur="indefinite" restart="never" nodeType="tmRoot"/>
+      </p:par>
+    </p:tnLst>
+  </p:timing>
+</p:sld>
+</file>
+
+<file path=ppt/slides/slide42.xml><?xml version="1.0" encoding="utf-8"?>
+<p:sld xmlns:a="http://schemas.openxmlformats.org/drawingml/2006/main" xmlns:r="http://schemas.openxmlformats.org/officeDocument/2006/relationships" xmlns:p="http://schemas.openxmlformats.org/presentationml/2006/main">
+  <p:cSld>
+    <p:spTree>
+      <p:nvGrpSpPr>
+        <p:cNvPr id="1" name=""/>
+        <p:cNvGrpSpPr/>
+        <p:nvPr/>
+      </p:nvGrpSpPr>
+      <p:grpSpPr>
+        <a:xfrm>
+          <a:off x="0" y="0"/>
+          <a:ext cx="0" cy="0"/>
+          <a:chOff x="0" y="0"/>
+          <a:chExt cx="0" cy="0"/>
+        </a:xfrm>
+      </p:grpSpPr>
+      <p:sp>
+        <p:nvSpPr>
+          <p:cNvPr id="2" name="标题 1"/>
+          <p:cNvSpPr>
+            <a:spLocks noGrp="1"/>
+          </p:cNvSpPr>
+          <p:nvPr>
+            <p:ph type="title"/>
+          </p:nvPr>
+        </p:nvSpPr>
+        <p:spPr/>
+        <p:txBody>
+          <a:bodyPr/>
+          <a:lstStyle/>
+          <a:p>
+            <a:r>
+              <a:rPr lang="zh-CN" altLang="en-US" b="1" dirty="0" smtClean="0">
+                <a:latin typeface="华文楷体" pitchFamily="2" charset="-122"/>
+                <a:ea typeface="华文楷体" pitchFamily="2" charset="-122"/>
+              </a:rPr>
+              <a:t>第</a:t>
+            </a:r>
+            <a:r>
+              <a:rPr lang="en-US" altLang="zh-CN" b="1" dirty="0" smtClean="0">
+                <a:latin typeface="华文楷体" pitchFamily="2" charset="-122"/>
+                <a:ea typeface="华文楷体" pitchFamily="2" charset="-122"/>
+              </a:rPr>
+              <a:t>7</a:t>
+            </a:r>
+            <a:r>
+              <a:rPr lang="zh-CN" altLang="en-US" b="1" dirty="0" smtClean="0">
+                <a:latin typeface="华文楷体" pitchFamily="2" charset="-122"/>
+                <a:ea typeface="华文楷体" pitchFamily="2" charset="-122"/>
+              </a:rPr>
+              <a:t>章  </a:t>
+            </a:r>
+            <a:r>
+              <a:rPr lang="en-US" altLang="zh-CN" b="1" dirty="0">
+                <a:latin typeface="华文楷体" pitchFamily="2" charset="-122"/>
+                <a:ea typeface="华文楷体" pitchFamily="2" charset="-122"/>
+              </a:rPr>
+              <a:t>STL</a:t>
+            </a:r>
+            <a:r>
+              <a:rPr lang="zh-CN" altLang="en-US" b="1" dirty="0">
+                <a:latin typeface="华文楷体" pitchFamily="2" charset="-122"/>
+                <a:ea typeface="华文楷体" pitchFamily="2" charset="-122"/>
+              </a:rPr>
+              <a:t>（标准模板库）</a:t>
+            </a:r>
+            <a:endParaRPr lang="zh-CN" altLang="en-US" dirty="0"/>
+          </a:p>
+        </p:txBody>
+      </p:sp>
+      <p:sp>
+        <p:nvSpPr>
+          <p:cNvPr id="3" name="内容占位符 2"/>
+          <p:cNvSpPr>
+            <a:spLocks noGrp="1"/>
+          </p:cNvSpPr>
+          <p:nvPr>
+            <p:ph idx="1"/>
+          </p:nvPr>
+        </p:nvSpPr>
+        <p:spPr/>
+        <p:txBody>
+          <a:bodyPr/>
+          <a:lstStyle/>
+          <a:p>
+            <a:r>
+              <a:rPr lang="en-US" altLang="zh-CN" dirty="0"/>
+              <a:t>STL</a:t>
+            </a:r>
+            <a:r>
+              <a:rPr lang="zh-CN" altLang="en-US" dirty="0"/>
+              <a:t>概述：</a:t>
+            </a:r>
+            <a:r>
+              <a:rPr lang="en-US" altLang="zh-CN" dirty="0"/>
+              <a:t>STL</a:t>
+            </a:r>
+            <a:r>
+              <a:rPr lang="zh-CN" altLang="en-US" dirty="0"/>
+              <a:t>的组成部分（容器、算法、迭代器）。</a:t>
+            </a:r>
+          </a:p>
+          <a:p>
+            <a:r>
+              <a:rPr lang="zh-CN" altLang="en-US" dirty="0"/>
+              <a:t>容器：</a:t>
+            </a:r>
+            <a:r>
+              <a:rPr lang="en-US" altLang="zh-CN" dirty="0"/>
+              <a:t>vector</a:t>
+            </a:r>
+            <a:r>
+              <a:rPr lang="zh-CN" altLang="en-US" dirty="0"/>
+              <a:t>、</a:t>
+            </a:r>
+            <a:r>
+              <a:rPr lang="en-US" altLang="zh-CN" dirty="0"/>
+              <a:t>list</a:t>
+            </a:r>
+            <a:r>
+              <a:rPr lang="zh-CN" altLang="en-US" dirty="0"/>
+              <a:t>、</a:t>
+            </a:r>
+            <a:r>
+              <a:rPr lang="en-US" altLang="zh-CN" dirty="0"/>
+              <a:t>map</a:t>
+            </a:r>
+            <a:r>
+              <a:rPr lang="zh-CN" altLang="en-US" dirty="0"/>
+              <a:t>、</a:t>
+            </a:r>
+            <a:r>
+              <a:rPr lang="en-US" altLang="zh-CN" dirty="0"/>
+              <a:t>set</a:t>
+            </a:r>
+            <a:r>
+              <a:rPr lang="zh-CN" altLang="en-US" dirty="0"/>
+              <a:t>、</a:t>
+            </a:r>
+            <a:r>
+              <a:rPr lang="en-US" altLang="zh-CN" dirty="0" err="1"/>
+              <a:t>deque</a:t>
+            </a:r>
+            <a:r>
+              <a:rPr lang="zh-CN" altLang="en-US" dirty="0"/>
+              <a:t>等。</a:t>
+            </a:r>
+          </a:p>
+          <a:p>
+            <a:r>
+              <a:rPr lang="zh-CN" altLang="en-US" dirty="0"/>
+              <a:t>算法：排序、查找、删除、替换等常用算法。</a:t>
+            </a:r>
+          </a:p>
+          <a:p>
+            <a:r>
+              <a:rPr lang="zh-CN" altLang="en-US" dirty="0"/>
+              <a:t>迭代器：容器的迭代器使用方法。</a:t>
+            </a:r>
+          </a:p>
+          <a:p>
+            <a:r>
+              <a:rPr lang="zh-CN" altLang="en-US" dirty="0"/>
+              <a:t>智能指针：</a:t>
+            </a:r>
+            <a:r>
+              <a:rPr lang="en-US" altLang="zh-CN" dirty="0" err="1"/>
+              <a:t>shared_ptr</a:t>
+            </a:r>
+            <a:r>
+              <a:rPr lang="zh-CN" altLang="en-US" dirty="0"/>
+              <a:t>、</a:t>
+            </a:r>
+            <a:r>
+              <a:rPr lang="en-US" altLang="zh-CN" dirty="0" err="1"/>
+              <a:t>unique_ptr</a:t>
+            </a:r>
+            <a:r>
+              <a:rPr lang="zh-CN" altLang="en-US" dirty="0"/>
+              <a:t>、</a:t>
+            </a:r>
+            <a:r>
+              <a:rPr lang="en-US" altLang="zh-CN" dirty="0" err="1"/>
+              <a:t>weak_ptr</a:t>
+            </a:r>
+            <a:r>
+              <a:rPr lang="zh-CN" altLang="en-US" dirty="0"/>
+              <a:t>。</a:t>
+            </a:r>
+          </a:p>
+        </p:txBody>
+      </p:sp>
+    </p:spTree>
+    <p:extLst>
+      <p:ext uri="{BB962C8B-B14F-4D97-AF65-F5344CB8AC3E}">
+        <p14:creationId xmlns:p14="http://schemas.microsoft.com/office/powerpoint/2010/main" val="201415056"/>
+      </p:ext>
+    </p:extLst>
+  </p:cSld>
+  <p:clrMapOvr>
+    <a:masterClrMapping/>
+  </p:clrMapOvr>
+  <p:timing>
+    <p:tnLst>
+      <p:par>
+        <p:cTn id="1" dur="indefinite" restart="never" nodeType="tmRoot"/>
+      </p:par>
+    </p:tnLst>
+  </p:timing>
+</p:sld>
+</file>
+
+<file path=ppt/slides/slide43.xml><?xml version="1.0" encoding="utf-8"?>
+<p:sld xmlns:a="http://schemas.openxmlformats.org/drawingml/2006/main" xmlns:r="http://schemas.openxmlformats.org/officeDocument/2006/relationships" xmlns:p="http://schemas.openxmlformats.org/presentationml/2006/main">
+  <p:cSld>
+    <p:spTree>
+      <p:nvGrpSpPr>
+        <p:cNvPr id="1" name=""/>
+        <p:cNvGrpSpPr/>
+        <p:nvPr/>
+      </p:nvGrpSpPr>
+      <p:grpSpPr>
+        <a:xfrm>
+          <a:off x="0" y="0"/>
+          <a:ext cx="0" cy="0"/>
+          <a:chOff x="0" y="0"/>
+          <a:chExt cx="0" cy="0"/>
+        </a:xfrm>
+      </p:grpSpPr>
+      <p:sp>
+        <p:nvSpPr>
+          <p:cNvPr id="2" name="标题 1"/>
+          <p:cNvSpPr>
+            <a:spLocks noGrp="1"/>
+          </p:cNvSpPr>
+          <p:nvPr>
+            <p:ph type="title"/>
+          </p:nvPr>
+        </p:nvSpPr>
+        <p:spPr/>
+        <p:txBody>
+          <a:bodyPr/>
+          <a:lstStyle/>
+          <a:p>
+            <a:r>
+              <a:rPr lang="zh-CN" altLang="en-US" b="1" dirty="0" smtClean="0">
+                <a:latin typeface="华文楷体" pitchFamily="2" charset="-122"/>
+                <a:ea typeface="华文楷体" pitchFamily="2" charset="-122"/>
+              </a:rPr>
+              <a:t>第</a:t>
+            </a:r>
+            <a:r>
+              <a:rPr lang="en-US" altLang="zh-CN" b="1" dirty="0" smtClean="0">
+                <a:latin typeface="华文楷体" pitchFamily="2" charset="-122"/>
+                <a:ea typeface="华文楷体" pitchFamily="2" charset="-122"/>
+              </a:rPr>
+              <a:t>8</a:t>
+            </a:r>
+            <a:r>
+              <a:rPr lang="zh-CN" altLang="en-US" b="1" dirty="0" smtClean="0">
+                <a:latin typeface="华文楷体" pitchFamily="2" charset="-122"/>
+                <a:ea typeface="华文楷体" pitchFamily="2" charset="-122"/>
+              </a:rPr>
+              <a:t>章</a:t>
+            </a:r>
+            <a:r>
+              <a:rPr lang="zh-CN" altLang="en-US" b="1" dirty="0">
+                <a:latin typeface="华文楷体" pitchFamily="2" charset="-122"/>
+                <a:ea typeface="华文楷体" pitchFamily="2" charset="-122"/>
+              </a:rPr>
+              <a:t>异常处理</a:t>
+            </a:r>
+            <a:endParaRPr lang="zh-CN" altLang="en-US" dirty="0"/>
+          </a:p>
+        </p:txBody>
+      </p:sp>
+      <p:sp>
+        <p:nvSpPr>
+          <p:cNvPr id="3" name="内容占位符 2"/>
+          <p:cNvSpPr>
+            <a:spLocks noGrp="1"/>
+          </p:cNvSpPr>
+          <p:nvPr>
+            <p:ph idx="1"/>
+          </p:nvPr>
+        </p:nvSpPr>
+        <p:spPr/>
+        <p:txBody>
+          <a:bodyPr/>
+          <a:lstStyle/>
+          <a:p>
+            <a:r>
+              <a:rPr lang="zh-CN" altLang="en-US" dirty="0"/>
+              <a:t>异常概念：异常的定义、捕获、抛出。</a:t>
+            </a:r>
+          </a:p>
+          <a:p>
+            <a:r>
+              <a:rPr lang="en-US" altLang="zh-CN" dirty="0"/>
+              <a:t>try-catch</a:t>
+            </a:r>
+            <a:r>
+              <a:rPr lang="zh-CN" altLang="en-US" dirty="0"/>
+              <a:t>语句：基本语法、捕获多种异常。</a:t>
+            </a:r>
+          </a:p>
+          <a:p>
+            <a:r>
+              <a:rPr lang="zh-CN" altLang="en-US" dirty="0"/>
+              <a:t>自定义异常类：如何创建自定义异常类型。</a:t>
+            </a:r>
+          </a:p>
+          <a:p>
+            <a:r>
+              <a:rPr lang="zh-CN" altLang="en-US" dirty="0"/>
+              <a:t>异常安全：异常安全的编程原则（基本保证、强保证）。</a:t>
+            </a:r>
+          </a:p>
+        </p:txBody>
+      </p:sp>
+    </p:spTree>
+    <p:extLst>
+      <p:ext uri="{BB962C8B-B14F-4D97-AF65-F5344CB8AC3E}">
+        <p14:creationId xmlns:p14="http://schemas.microsoft.com/office/powerpoint/2010/main" val="2102593440"/>
+      </p:ext>
+    </p:extLst>
+  </p:cSld>
+  <p:clrMapOvr>
+    <a:masterClrMapping/>
+  </p:clrMapOvr>
+  <p:timing>
+    <p:tnLst>
+      <p:par>
+        <p:cTn id="1" dur="indefinite" restart="never" nodeType="tmRoot"/>
+      </p:par>
+    </p:tnLst>
+  </p:timing>
+</p:sld>
+</file>
+
+<file path=ppt/slides/slide44.xml><?xml version="1.0" encoding="utf-8"?>
+<p:sld xmlns:a="http://schemas.openxmlformats.org/drawingml/2006/main" xmlns:r="http://schemas.openxmlformats.org/officeDocument/2006/relationships" xmlns:p="http://schemas.openxmlformats.org/presentationml/2006/main">
+  <p:cSld>
+    <p:spTree>
+      <p:nvGrpSpPr>
+        <p:cNvPr id="1" name=""/>
+        <p:cNvGrpSpPr/>
+        <p:nvPr/>
+      </p:nvGrpSpPr>
+      <p:grpSpPr>
+        <a:xfrm>
+          <a:off x="0" y="0"/>
+          <a:ext cx="0" cy="0"/>
+          <a:chOff x="0" y="0"/>
+          <a:chExt cx="0" cy="0"/>
+        </a:xfrm>
+      </p:grpSpPr>
+      <p:sp>
+        <p:nvSpPr>
+          <p:cNvPr id="2" name="标题 1"/>
+          <p:cNvSpPr>
+            <a:spLocks noGrp="1"/>
+          </p:cNvSpPr>
+          <p:nvPr>
+            <p:ph type="title"/>
+          </p:nvPr>
+        </p:nvSpPr>
+        <p:spPr/>
+        <p:txBody>
+          <a:bodyPr/>
+          <a:lstStyle/>
+          <a:p>
+            <a:r>
+              <a:rPr lang="zh-CN" altLang="en-US" b="1" dirty="0" smtClean="0">
+                <a:latin typeface="华文楷体" pitchFamily="2" charset="-122"/>
+                <a:ea typeface="华文楷体" pitchFamily="2" charset="-122"/>
+              </a:rPr>
+              <a:t>第</a:t>
+            </a:r>
+            <a:r>
+              <a:rPr lang="en-US" altLang="zh-CN" b="1" dirty="0" smtClean="0">
+                <a:latin typeface="华文楷体" pitchFamily="2" charset="-122"/>
+                <a:ea typeface="华文楷体" pitchFamily="2" charset="-122"/>
+              </a:rPr>
+              <a:t>9</a:t>
+            </a:r>
+            <a:r>
+              <a:rPr lang="zh-CN" altLang="en-US" b="1" dirty="0" smtClean="0">
+                <a:latin typeface="华文楷体" pitchFamily="2" charset="-122"/>
+                <a:ea typeface="华文楷体" pitchFamily="2" charset="-122"/>
+              </a:rPr>
+              <a:t>章</a:t>
+            </a:r>
+            <a:r>
+              <a:rPr lang="zh-CN" altLang="en-US" b="1" dirty="0">
+                <a:latin typeface="华文楷体" pitchFamily="2" charset="-122"/>
+                <a:ea typeface="华文楷体" pitchFamily="2" charset="-122"/>
+              </a:rPr>
+              <a:t>文件操作</a:t>
+            </a:r>
+            <a:endParaRPr lang="zh-CN" altLang="en-US" dirty="0"/>
+          </a:p>
+        </p:txBody>
+      </p:sp>
+      <p:sp>
+        <p:nvSpPr>
+          <p:cNvPr id="3" name="内容占位符 2"/>
+          <p:cNvSpPr>
+            <a:spLocks noGrp="1"/>
+          </p:cNvSpPr>
+          <p:nvPr>
+            <p:ph idx="1"/>
+          </p:nvPr>
+        </p:nvSpPr>
+        <p:spPr/>
+        <p:txBody>
+          <a:bodyPr/>
+          <a:lstStyle/>
+          <a:p>
+            <a:r>
+              <a:rPr lang="zh-CN" altLang="en-US" dirty="0"/>
+              <a:t>文件输入输出：使用</a:t>
+            </a:r>
+            <a:r>
+              <a:rPr lang="en-US" altLang="zh-CN" dirty="0" err="1"/>
+              <a:t>fstream</a:t>
+            </a:r>
+            <a:r>
+              <a:rPr lang="zh-CN" altLang="en-US" dirty="0"/>
+              <a:t>进行文件读写。</a:t>
+            </a:r>
+          </a:p>
+          <a:p>
+            <a:r>
+              <a:rPr lang="zh-CN" altLang="en-US" dirty="0"/>
+              <a:t>文本文件与二进制文件：处理文本文件和二进制文件的不同方式。</a:t>
+            </a:r>
+          </a:p>
+          <a:p>
+            <a:r>
+              <a:rPr lang="zh-CN" altLang="en-US" dirty="0"/>
+              <a:t>文件指针与流控制：</a:t>
+            </a:r>
+            <a:r>
+              <a:rPr lang="en-US" altLang="zh-CN" dirty="0" err="1"/>
+              <a:t>seekg</a:t>
+            </a:r>
+            <a:r>
+              <a:rPr lang="zh-CN" altLang="en-US" dirty="0"/>
+              <a:t>、</a:t>
+            </a:r>
+            <a:r>
+              <a:rPr lang="en-US" altLang="zh-CN" dirty="0" err="1"/>
+              <a:t>seekp</a:t>
+            </a:r>
+            <a:r>
+              <a:rPr lang="zh-CN" altLang="en-US" dirty="0"/>
+              <a:t>、</a:t>
+            </a:r>
+            <a:r>
+              <a:rPr lang="en-US" altLang="zh-CN" dirty="0" err="1"/>
+              <a:t>tellg</a:t>
+            </a:r>
+            <a:r>
+              <a:rPr lang="zh-CN" altLang="en-US" dirty="0"/>
+              <a:t>、</a:t>
+            </a:r>
+            <a:r>
+              <a:rPr lang="en-US" altLang="zh-CN" dirty="0" err="1"/>
+              <a:t>tellp</a:t>
+            </a:r>
+            <a:r>
+              <a:rPr lang="zh-CN" altLang="en-US" dirty="0"/>
+              <a:t>。</a:t>
+            </a:r>
+          </a:p>
+        </p:txBody>
+      </p:sp>
+    </p:spTree>
+    <p:extLst>
+      <p:ext uri="{BB962C8B-B14F-4D97-AF65-F5344CB8AC3E}">
+        <p14:creationId xmlns:p14="http://schemas.microsoft.com/office/powerpoint/2010/main" val="2309702231"/>
+      </p:ext>
+    </p:extLst>
+  </p:cSld>
+  <p:clrMapOvr>
+    <a:masterClrMapping/>
+  </p:clrMapOvr>
+  <p:timing>
+    <p:tnLst>
+      <p:par>
+        <p:cTn id="1" dur="indefinite" restart="never" nodeType="tmRoot"/>
+      </p:par>
+    </p:tnLst>
+  </p:timing>
+</p:sld>
+</file>
+
+<file path=ppt/slides/slide45.xml><?xml version="1.0" encoding="utf-8"?>
+<p:sld xmlns:a="http://schemas.openxmlformats.org/drawingml/2006/main" xmlns:r="http://schemas.openxmlformats.org/officeDocument/2006/relationships" xmlns:p="http://schemas.openxmlformats.org/presentationml/2006/main">
+  <p:cSld>
+    <p:spTree>
+      <p:nvGrpSpPr>
+        <p:cNvPr id="1" name=""/>
+        <p:cNvGrpSpPr/>
+        <p:nvPr/>
+      </p:nvGrpSpPr>
+      <p:grpSpPr>
+        <a:xfrm>
+          <a:off x="0" y="0"/>
+          <a:ext cx="0" cy="0"/>
+          <a:chOff x="0" y="0"/>
+          <a:chExt cx="0" cy="0"/>
+        </a:xfrm>
+      </p:grpSpPr>
+      <p:sp>
+        <p:nvSpPr>
+          <p:cNvPr id="2" name="标题 1"/>
+          <p:cNvSpPr>
+            <a:spLocks noGrp="1"/>
+          </p:cNvSpPr>
+          <p:nvPr>
+            <p:ph type="title"/>
+          </p:nvPr>
+        </p:nvSpPr>
+        <p:spPr/>
+        <p:txBody>
+          <a:bodyPr/>
+          <a:lstStyle/>
+          <a:p>
+            <a:r>
+              <a:rPr lang="zh-CN" altLang="en-US" b="1" dirty="0" smtClean="0">
+                <a:latin typeface="华文楷体" pitchFamily="2" charset="-122"/>
+                <a:ea typeface="华文楷体" pitchFamily="2" charset="-122"/>
+              </a:rPr>
+              <a:t>第</a:t>
+            </a:r>
+            <a:r>
+              <a:rPr lang="en-US" altLang="zh-CN" b="1" dirty="0" smtClean="0">
+                <a:latin typeface="华文楷体" pitchFamily="2" charset="-122"/>
+                <a:ea typeface="华文楷体" pitchFamily="2" charset="-122"/>
+              </a:rPr>
+              <a:t>10</a:t>
+            </a:r>
+            <a:r>
+              <a:rPr lang="zh-CN" altLang="en-US" b="1" dirty="0" smtClean="0">
+                <a:latin typeface="华文楷体" pitchFamily="2" charset="-122"/>
+                <a:ea typeface="华文楷体" pitchFamily="2" charset="-122"/>
+              </a:rPr>
+              <a:t>章  </a:t>
+            </a:r>
+            <a:r>
+              <a:rPr lang="en-US" altLang="zh-CN" b="1" dirty="0">
+                <a:latin typeface="华文楷体" pitchFamily="2" charset="-122"/>
+                <a:ea typeface="华文楷体" pitchFamily="2" charset="-122"/>
+              </a:rPr>
+              <a:t>C++11</a:t>
+            </a:r>
+            <a:r>
+              <a:rPr lang="zh-CN" altLang="en-US" b="1" dirty="0">
+                <a:latin typeface="华文楷体" pitchFamily="2" charset="-122"/>
+                <a:ea typeface="华文楷体" pitchFamily="2" charset="-122"/>
+              </a:rPr>
+              <a:t>及以后特性</a:t>
+            </a:r>
+            <a:endParaRPr lang="zh-CN" altLang="en-US" dirty="0"/>
+          </a:p>
+        </p:txBody>
+      </p:sp>
+      <p:sp>
+        <p:nvSpPr>
+          <p:cNvPr id="3" name="内容占位符 2"/>
+          <p:cNvSpPr>
+            <a:spLocks noGrp="1"/>
+          </p:cNvSpPr>
+          <p:nvPr>
+            <p:ph idx="1"/>
+          </p:nvPr>
+        </p:nvSpPr>
+        <p:spPr/>
+        <p:txBody>
+          <a:bodyPr/>
+          <a:lstStyle/>
+          <a:p>
+            <a:r>
+              <a:rPr lang="en-US" altLang="zh-CN" dirty="0"/>
+              <a:t>Lambda</a:t>
+            </a:r>
+            <a:r>
+              <a:rPr lang="zh-CN" altLang="en-US" dirty="0"/>
+              <a:t>表达式：如何使用</a:t>
+            </a:r>
+            <a:r>
+              <a:rPr lang="en-US" altLang="zh-CN" dirty="0"/>
+              <a:t>Lambda</a:t>
+            </a:r>
+            <a:r>
+              <a:rPr lang="zh-CN" altLang="en-US" dirty="0"/>
+              <a:t>简化代码。</a:t>
+            </a:r>
+          </a:p>
+          <a:p>
+            <a:r>
+              <a:rPr lang="zh-CN" altLang="en-US" dirty="0"/>
+              <a:t>智能指针：如何使用</a:t>
+            </a:r>
+            <a:r>
+              <a:rPr lang="en-US" altLang="zh-CN" dirty="0" err="1"/>
+              <a:t>shared_ptr</a:t>
+            </a:r>
+            <a:r>
+              <a:rPr lang="zh-CN" altLang="en-US" dirty="0"/>
+              <a:t>、</a:t>
+            </a:r>
+            <a:r>
+              <a:rPr lang="en-US" altLang="zh-CN" dirty="0" err="1"/>
+              <a:t>unique_ptr</a:t>
+            </a:r>
+            <a:r>
+              <a:rPr lang="zh-CN" altLang="en-US" dirty="0"/>
+              <a:t>等智能指针管理内存。</a:t>
+            </a:r>
+          </a:p>
+          <a:p>
+            <a:r>
+              <a:rPr lang="zh-CN" altLang="en-US" dirty="0"/>
+              <a:t>线程与并发：</a:t>
+            </a:r>
+            <a:r>
+              <a:rPr lang="en-US" altLang="zh-CN" dirty="0" err="1"/>
+              <a:t>std</a:t>
+            </a:r>
+            <a:r>
+              <a:rPr lang="en-US" altLang="zh-CN" dirty="0"/>
+              <a:t>::thread</a:t>
+            </a:r>
+            <a:r>
+              <a:rPr lang="zh-CN" altLang="en-US" dirty="0"/>
+              <a:t>、</a:t>
+            </a:r>
+            <a:r>
+              <a:rPr lang="en-US" altLang="zh-CN" dirty="0" err="1"/>
+              <a:t>std</a:t>
+            </a:r>
+            <a:r>
+              <a:rPr lang="en-US" altLang="zh-CN" dirty="0"/>
+              <a:t>::</a:t>
+            </a:r>
+            <a:r>
+              <a:rPr lang="en-US" altLang="zh-CN" dirty="0" err="1"/>
+              <a:t>mutex</a:t>
+            </a:r>
+            <a:r>
+              <a:rPr lang="zh-CN" altLang="en-US" dirty="0"/>
+              <a:t>、</a:t>
+            </a:r>
+            <a:r>
+              <a:rPr lang="en-US" altLang="zh-CN" dirty="0" err="1"/>
+              <a:t>std</a:t>
+            </a:r>
+            <a:r>
+              <a:rPr lang="en-US" altLang="zh-CN" dirty="0"/>
+              <a:t>::</a:t>
+            </a:r>
+            <a:r>
+              <a:rPr lang="en-US" altLang="zh-CN" dirty="0" err="1"/>
+              <a:t>async</a:t>
+            </a:r>
+            <a:r>
+              <a:rPr lang="zh-CN" altLang="en-US" dirty="0"/>
+              <a:t>等并发编程工具。</a:t>
+            </a:r>
+          </a:p>
+          <a:p>
+            <a:r>
+              <a:rPr lang="zh-CN" altLang="en-US" dirty="0"/>
+              <a:t>右值引用与移动语义：</a:t>
+            </a:r>
+            <a:r>
+              <a:rPr lang="en-US" altLang="zh-CN" dirty="0" err="1"/>
+              <a:t>std</a:t>
+            </a:r>
+            <a:r>
+              <a:rPr lang="en-US" altLang="zh-CN" dirty="0"/>
+              <a:t>::move</a:t>
+            </a:r>
+            <a:r>
+              <a:rPr lang="zh-CN" altLang="en-US" dirty="0"/>
+              <a:t>、</a:t>
+            </a:r>
+            <a:r>
+              <a:rPr lang="en-US" altLang="zh-CN" dirty="0" err="1"/>
+              <a:t>std</a:t>
+            </a:r>
+            <a:r>
+              <a:rPr lang="en-US" altLang="zh-CN" dirty="0"/>
+              <a:t>::forward</a:t>
+            </a:r>
+            <a:r>
+              <a:rPr lang="zh-CN" altLang="en-US" dirty="0"/>
+              <a:t>、移动构造函数和移动赋值运算符。</a:t>
+            </a:r>
+          </a:p>
+          <a:p>
+            <a:r>
+              <a:rPr lang="en-US" altLang="zh-CN" dirty="0" err="1"/>
+              <a:t>std</a:t>
+            </a:r>
+            <a:r>
+              <a:rPr lang="en-US" altLang="zh-CN" dirty="0"/>
+              <a:t>::</a:t>
+            </a:r>
+            <a:r>
+              <a:rPr lang="en-US" altLang="zh-CN" dirty="0" err="1"/>
+              <a:t>chrono</a:t>
+            </a:r>
+            <a:r>
+              <a:rPr lang="zh-CN" altLang="en-US" dirty="0"/>
+              <a:t>库：时间测量和延时功能。</a:t>
+            </a:r>
+          </a:p>
+        </p:txBody>
+      </p:sp>
+    </p:spTree>
+    <p:extLst>
+      <p:ext uri="{BB962C8B-B14F-4D97-AF65-F5344CB8AC3E}">
+        <p14:creationId xmlns:p14="http://schemas.microsoft.com/office/powerpoint/2010/main" val="1295629135"/>
+      </p:ext>
+    </p:extLst>
+  </p:cSld>
+  <p:clrMapOvr>
+    <a:masterClrMapping/>
+  </p:clrMapOvr>
+  <p:timing>
+    <p:tnLst>
+      <p:par>
+        <p:cTn id="1" dur="indefinite" restart="never" nodeType="tmRoot"/>
+      </p:par>
+    </p:tnLst>
+  </p:timing>
+</p:sld>
+</file>
+
+<file path=ppt/slides/slide46.xml><?xml version="1.0" encoding="utf-8"?>
+<p:sld xmlns:a="http://schemas.openxmlformats.org/drawingml/2006/main" xmlns:r="http://schemas.openxmlformats.org/officeDocument/2006/relationships" xmlns:p="http://schemas.openxmlformats.org/presentationml/2006/main">
+  <p:cSld>
+    <p:spTree>
+      <p:nvGrpSpPr>
+        <p:cNvPr id="1" name=""/>
+        <p:cNvGrpSpPr/>
+        <p:nvPr/>
+      </p:nvGrpSpPr>
+      <p:grpSpPr>
+        <a:xfrm>
+          <a:off x="0" y="0"/>
+          <a:ext cx="0" cy="0"/>
+          <a:chOff x="0" y="0"/>
+          <a:chExt cx="0" cy="0"/>
+        </a:xfrm>
+      </p:grpSpPr>
+      <p:sp>
+        <p:nvSpPr>
+          <p:cNvPr id="2" name="标题 1"/>
+          <p:cNvSpPr>
+            <a:spLocks noGrp="1"/>
+          </p:cNvSpPr>
+          <p:nvPr>
+            <p:ph type="title"/>
+          </p:nvPr>
+        </p:nvSpPr>
+        <p:spPr/>
+        <p:txBody>
+          <a:bodyPr/>
+          <a:lstStyle/>
+          <a:p>
+            <a:r>
+              <a:rPr lang="zh-CN" altLang="en-US" b="1" dirty="0">
+                <a:latin typeface="华文楷体" pitchFamily="2" charset="-122"/>
+                <a:ea typeface="华文楷体" pitchFamily="2" charset="-122"/>
+              </a:rPr>
+              <a:t>第</a:t>
+            </a:r>
+            <a:r>
+              <a:rPr lang="en-US" altLang="zh-CN" b="1" dirty="0" smtClean="0">
+                <a:latin typeface="华文楷体" pitchFamily="2" charset="-122"/>
+                <a:ea typeface="华文楷体" pitchFamily="2" charset="-122"/>
+              </a:rPr>
+              <a:t>11</a:t>
+            </a:r>
+            <a:r>
+              <a:rPr lang="zh-CN" altLang="en-US" b="1" dirty="0" smtClean="0">
+                <a:latin typeface="华文楷体" pitchFamily="2" charset="-122"/>
+                <a:ea typeface="华文楷体" pitchFamily="2" charset="-122"/>
+              </a:rPr>
+              <a:t>章  </a:t>
+            </a:r>
+            <a:r>
+              <a:rPr lang="en-US" altLang="zh-CN" b="1" dirty="0">
+                <a:latin typeface="华文楷体" pitchFamily="2" charset="-122"/>
+                <a:ea typeface="华文楷体" pitchFamily="2" charset="-122"/>
+              </a:rPr>
+              <a:t>C++</a:t>
+            </a:r>
+            <a:r>
+              <a:rPr lang="zh-CN" altLang="en-US" b="1" dirty="0">
+                <a:latin typeface="华文楷体" pitchFamily="2" charset="-122"/>
+                <a:ea typeface="华文楷体" pitchFamily="2" charset="-122"/>
+              </a:rPr>
+              <a:t>设计模式</a:t>
+            </a:r>
+            <a:endParaRPr lang="zh-CN" altLang="en-US" dirty="0"/>
+          </a:p>
+        </p:txBody>
+      </p:sp>
+      <p:sp>
+        <p:nvSpPr>
+          <p:cNvPr id="3" name="内容占位符 2"/>
+          <p:cNvSpPr>
+            <a:spLocks noGrp="1"/>
+          </p:cNvSpPr>
+          <p:nvPr>
+            <p:ph idx="1"/>
+          </p:nvPr>
+        </p:nvSpPr>
+        <p:spPr/>
+        <p:txBody>
+          <a:bodyPr/>
+          <a:lstStyle/>
+          <a:p>
+            <a:r>
+              <a:rPr lang="zh-CN" altLang="en-US" dirty="0"/>
+              <a:t>单例模式：如何实现和应用单例模式。</a:t>
+            </a:r>
+          </a:p>
+          <a:p>
+            <a:r>
+              <a:rPr lang="zh-CN" altLang="en-US" dirty="0"/>
+              <a:t>工厂模式：使用工厂模式来创建对象。</a:t>
+            </a:r>
+          </a:p>
+          <a:p>
+            <a:r>
+              <a:rPr lang="zh-CN" altLang="en-US" dirty="0"/>
+              <a:t>观察者模式：如何实现和应用观察者模式。</a:t>
+            </a:r>
+          </a:p>
+          <a:p>
+            <a:r>
+              <a:rPr lang="zh-CN" altLang="en-US" dirty="0"/>
+              <a:t>策略模式：定义一系列算法，将每一个算法封装起来。</a:t>
+            </a:r>
+          </a:p>
+        </p:txBody>
+      </p:sp>
+    </p:spTree>
+    <p:extLst>
+      <p:ext uri="{BB962C8B-B14F-4D97-AF65-F5344CB8AC3E}">
+        <p14:creationId xmlns:p14="http://schemas.microsoft.com/office/powerpoint/2010/main" val="4116617042"/>
+      </p:ext>
+    </p:extLst>
+  </p:cSld>
+  <p:clrMapOvr>
+    <a:masterClrMapping/>
+  </p:clrMapOvr>
+  <p:timing>
+    <p:tnLst>
+      <p:par>
+        <p:cTn id="1" dur="indefinite" restart="never" nodeType="tmRoot"/>
+      </p:par>
+    </p:tnLst>
+  </p:timing>
+</p:sld>
+</file>
+
+<file path=ppt/slides/slide47.xml><?xml version="1.0" encoding="utf-8"?>
+<p:sld xmlns:a="http://schemas.openxmlformats.org/drawingml/2006/main" xmlns:r="http://schemas.openxmlformats.org/officeDocument/2006/relationships" xmlns:p="http://schemas.openxmlformats.org/presentationml/2006/main">
+  <p:cSld>
+    <p:spTree>
+      <p:nvGrpSpPr>
+        <p:cNvPr id="1" name=""/>
+        <p:cNvGrpSpPr/>
+        <p:nvPr/>
+      </p:nvGrpSpPr>
+      <p:grpSpPr>
+        <a:xfrm>
+          <a:off x="0" y="0"/>
+          <a:ext cx="0" cy="0"/>
+          <a:chOff x="0" y="0"/>
+          <a:chExt cx="0" cy="0"/>
+        </a:xfrm>
+      </p:grpSpPr>
+      <p:sp>
+        <p:nvSpPr>
+          <p:cNvPr id="2" name="标题 1"/>
+          <p:cNvSpPr>
+            <a:spLocks noGrp="1"/>
+          </p:cNvSpPr>
+          <p:nvPr>
+            <p:ph type="title"/>
+          </p:nvPr>
+        </p:nvSpPr>
+        <p:spPr/>
+        <p:txBody>
+          <a:bodyPr/>
+          <a:lstStyle/>
+          <a:p>
+            <a:r>
+              <a:rPr lang="zh-CN" altLang="en-US" b="1" dirty="0">
+                <a:latin typeface="华文楷体" pitchFamily="2" charset="-122"/>
+                <a:ea typeface="华文楷体" pitchFamily="2" charset="-122"/>
+              </a:rPr>
+              <a:t>第</a:t>
+            </a:r>
+            <a:r>
+              <a:rPr lang="en-US" altLang="zh-CN" b="1" dirty="0" smtClean="0">
+                <a:latin typeface="华文楷体" pitchFamily="2" charset="-122"/>
+                <a:ea typeface="华文楷体" pitchFamily="2" charset="-122"/>
+              </a:rPr>
+              <a:t>11</a:t>
+            </a:r>
+            <a:r>
+              <a:rPr lang="zh-CN" altLang="en-US" b="1" dirty="0" smtClean="0">
+                <a:latin typeface="华文楷体" pitchFamily="2" charset="-122"/>
+                <a:ea typeface="华文楷体" pitchFamily="2" charset="-122"/>
+              </a:rPr>
+              <a:t>章  </a:t>
+            </a:r>
+            <a:r>
+              <a:rPr lang="en-US" altLang="zh-CN" b="1" dirty="0">
+                <a:latin typeface="华文楷体" pitchFamily="2" charset="-122"/>
+                <a:ea typeface="华文楷体" pitchFamily="2" charset="-122"/>
+              </a:rPr>
+              <a:t>C++</a:t>
+            </a:r>
+            <a:r>
+              <a:rPr lang="zh-CN" altLang="en-US" b="1" dirty="0">
+                <a:latin typeface="华文楷体" pitchFamily="2" charset="-122"/>
+                <a:ea typeface="华文楷体" pitchFamily="2" charset="-122"/>
+              </a:rPr>
+              <a:t>进阶</a:t>
+            </a:r>
+            <a:endParaRPr lang="zh-CN" altLang="en-US" dirty="0"/>
+          </a:p>
+        </p:txBody>
+      </p:sp>
+      <p:sp>
+        <p:nvSpPr>
+          <p:cNvPr id="3" name="内容占位符 2"/>
+          <p:cNvSpPr>
+            <a:spLocks noGrp="1"/>
+          </p:cNvSpPr>
+          <p:nvPr>
+            <p:ph idx="1"/>
+          </p:nvPr>
+        </p:nvSpPr>
+        <p:spPr/>
+        <p:txBody>
+          <a:bodyPr/>
+          <a:lstStyle/>
+          <a:p>
+            <a:r>
+              <a:rPr lang="zh-CN" altLang="en-US" dirty="0"/>
+              <a:t>模板编程：函数模板、类模板、模板特化与偏特化、模板元编程。</a:t>
+            </a:r>
+          </a:p>
+          <a:p>
+            <a:r>
+              <a:rPr lang="en-US" altLang="zh-CN" dirty="0"/>
+              <a:t>C++</a:t>
+            </a:r>
+            <a:r>
+              <a:rPr lang="zh-CN" altLang="en-US" dirty="0"/>
+              <a:t>与</a:t>
+            </a:r>
+            <a:r>
+              <a:rPr lang="en-US" altLang="zh-CN" dirty="0"/>
+              <a:t>C</a:t>
+            </a:r>
+            <a:r>
+              <a:rPr lang="zh-CN" altLang="en-US" dirty="0"/>
+              <a:t>的互操作性：如何在</a:t>
+            </a:r>
+            <a:r>
+              <a:rPr lang="en-US" altLang="zh-CN" dirty="0"/>
+              <a:t>C++</a:t>
+            </a:r>
+            <a:r>
+              <a:rPr lang="zh-CN" altLang="en-US" dirty="0"/>
+              <a:t>中调用</a:t>
+            </a:r>
+            <a:r>
+              <a:rPr lang="en-US" altLang="zh-CN" dirty="0"/>
+              <a:t>C</a:t>
+            </a:r>
+            <a:r>
+              <a:rPr lang="zh-CN" altLang="en-US" dirty="0"/>
+              <a:t>语言代码。</a:t>
+            </a:r>
+          </a:p>
+          <a:p>
+            <a:r>
+              <a:rPr lang="en-US" altLang="zh-CN" dirty="0"/>
+              <a:t>C++</a:t>
+            </a:r>
+            <a:r>
+              <a:rPr lang="zh-CN" altLang="en-US" dirty="0"/>
+              <a:t>与外部库集成：使用外部库（如</a:t>
+            </a:r>
+            <a:r>
+              <a:rPr lang="en-US" altLang="zh-CN" dirty="0"/>
+              <a:t>Boost</a:t>
+            </a:r>
+            <a:r>
+              <a:rPr lang="zh-CN" altLang="en-US" dirty="0"/>
+              <a:t>、</a:t>
+            </a:r>
+            <a:r>
+              <a:rPr lang="en-US" altLang="zh-CN" dirty="0" err="1"/>
+              <a:t>Qt</a:t>
+            </a:r>
+            <a:r>
+              <a:rPr lang="zh-CN" altLang="en-US" dirty="0"/>
+              <a:t>、</a:t>
+            </a:r>
+            <a:r>
+              <a:rPr lang="en-US" altLang="zh-CN" dirty="0" err="1"/>
+              <a:t>OpenCV</a:t>
+            </a:r>
+            <a:r>
+              <a:rPr lang="zh-CN" altLang="en-US" dirty="0"/>
+              <a:t>等）进行开发。</a:t>
+            </a:r>
+          </a:p>
+        </p:txBody>
+      </p:sp>
+    </p:spTree>
+    <p:extLst>
+      <p:ext uri="{BB962C8B-B14F-4D97-AF65-F5344CB8AC3E}">
+        <p14:creationId xmlns:p14="http://schemas.microsoft.com/office/powerpoint/2010/main" val="2783617826"/>
+      </p:ext>
+    </p:extLst>
+  </p:cSld>
+  <p:clrMapOvr>
+    <a:masterClrMapping/>
+  </p:clrMapOvr>
+  <p:timing>
+    <p:tnLst>
+      <p:par>
+        <p:cTn id="1" dur="indefinite" restart="never" nodeType="tmRoot"/>
+      </p:par>
+    </p:tnLst>
+  </p:timing>
+</p:sld>
+</file>
+
+<file path=ppt/slides/slide48.xml><?xml version="1.0" encoding="utf-8"?>
+<p:sld xmlns:a="http://schemas.openxmlformats.org/drawingml/2006/main" xmlns:r="http://schemas.openxmlformats.org/officeDocument/2006/relationships" xmlns:p="http://schemas.openxmlformats.org/presentationml/2006/main">
+  <p:cSld>
+    <p:spTree>
+      <p:nvGrpSpPr>
+        <p:cNvPr id="1" name=""/>
+        <p:cNvGrpSpPr/>
+        <p:nvPr/>
+      </p:nvGrpSpPr>
+      <p:grpSpPr>
+        <a:xfrm>
+          <a:off x="0" y="0"/>
+          <a:ext cx="0" cy="0"/>
+          <a:chOff x="0" y="0"/>
+          <a:chExt cx="0" cy="0"/>
+        </a:xfrm>
+      </p:grpSpPr>
+      <p:sp>
+        <p:nvSpPr>
+          <p:cNvPr id="2" name="标题 1"/>
+          <p:cNvSpPr>
+            <a:spLocks noGrp="1"/>
+          </p:cNvSpPr>
+          <p:nvPr>
+            <p:ph type="title"/>
+          </p:nvPr>
+        </p:nvSpPr>
+        <p:spPr/>
+        <p:txBody>
+          <a:bodyPr/>
+          <a:lstStyle/>
+          <a:p>
+            <a:r>
+              <a:rPr lang="zh-CN" altLang="en-US" b="1" dirty="0">
+                <a:latin typeface="华文楷体" pitchFamily="2" charset="-122"/>
+                <a:ea typeface="华文楷体" pitchFamily="2" charset="-122"/>
+              </a:rPr>
+              <a:t>第</a:t>
+            </a:r>
+            <a:r>
+              <a:rPr lang="en-US" altLang="zh-CN" b="1" dirty="0" smtClean="0">
+                <a:latin typeface="华文楷体" pitchFamily="2" charset="-122"/>
+                <a:ea typeface="华文楷体" pitchFamily="2" charset="-122"/>
+              </a:rPr>
+              <a:t>12</a:t>
+            </a:r>
+            <a:r>
+              <a:rPr lang="zh-CN" altLang="en-US" b="1" smtClean="0">
+                <a:latin typeface="华文楷体" pitchFamily="2" charset="-122"/>
+                <a:ea typeface="华文楷体" pitchFamily="2" charset="-122"/>
+              </a:rPr>
+              <a:t>章  总和练习</a:t>
+            </a:r>
+            <a:endParaRPr lang="zh-CN" altLang="en-US" dirty="0"/>
+          </a:p>
+        </p:txBody>
+      </p:sp>
+      <p:sp>
+        <p:nvSpPr>
+          <p:cNvPr id="3" name="内容占位符 2"/>
+          <p:cNvSpPr>
+            <a:spLocks noGrp="1"/>
+          </p:cNvSpPr>
+          <p:nvPr>
+            <p:ph idx="1"/>
+          </p:nvPr>
+        </p:nvSpPr>
+        <p:spPr/>
+        <p:txBody>
+          <a:bodyPr/>
+          <a:lstStyle/>
+          <a:p>
+            <a:r>
+              <a:rPr lang="en-US" altLang="zh-CN" dirty="0"/>
+              <a:t>1.1 </a:t>
+            </a:r>
+            <a:r>
+              <a:rPr lang="zh-CN" altLang="en-US" dirty="0"/>
+              <a:t>什么是</a:t>
+            </a:r>
+            <a:r>
+              <a:rPr lang="zh-CN" altLang="en-US" dirty="0" smtClean="0"/>
+              <a:t>计算机程序</a:t>
+            </a:r>
+            <a:endParaRPr lang="zh-CN" altLang="en-US" dirty="0"/>
+          </a:p>
+        </p:txBody>
+      </p:sp>
+    </p:spTree>
+    <p:extLst>
+      <p:ext uri="{BB962C8B-B14F-4D97-AF65-F5344CB8AC3E}">
+        <p14:creationId xmlns:p14="http://schemas.microsoft.com/office/powerpoint/2010/main" val="1064233169"/>
       </p:ext>
     </p:extLst>
   </p:cSld>
@@ -11744,7 +16359,6 @@
               <a:rPr lang="en-US" altLang="zh-CN" dirty="0"/>
               <a:t>}</a:t>
             </a:r>
-            <a:endParaRPr lang="en-US" altLang="zh-CN" dirty="0"/>
           </a:p>
         </p:txBody>
       </p:sp>

--- a/learn_cpp/docs/C++语言培训.pptx
+++ b/learn_cpp/docs/C++语言培训.pptx
@@ -8648,6 +8648,13 @@
               <a:rPr lang="zh-CN" altLang="en-US" dirty="0" smtClean="0"/>
               <a:t>类型</a:t>
             </a:r>
+            <a:endParaRPr lang="en-US" altLang="zh-CN" dirty="0" smtClean="0"/>
+          </a:p>
+          <a:p>
+            <a:r>
+              <a:rPr lang="zh-CN" altLang="en-US" dirty="0"/>
+              <a:t>变量内存分布</a:t>
+            </a:r>
             <a:endParaRPr lang="zh-CN" altLang="en-US" dirty="0" smtClean="0"/>
           </a:p>
         </p:txBody>
@@ -9246,7 +9253,7 @@
         <p:spPr/>
         <p:txBody>
           <a:bodyPr>
-            <a:normAutofit fontScale="85000" lnSpcReduction="20000"/>
+            <a:normAutofit fontScale="70000" lnSpcReduction="20000"/>
           </a:bodyPr>
           <a:lstStyle/>
           <a:p>
@@ -9523,25 +9530,22 @@
               <a:t>Union</a:t>
             </a:r>
             <a:r>
-              <a:rPr lang="zh-CN" altLang="en-US" b="1" dirty="0"/>
+              <a:rPr lang="zh-CN" altLang="en-US" b="1" dirty="0" smtClean="0"/>
               <a:t>）</a:t>
             </a:r>
+            <a:endParaRPr lang="en-US" altLang="zh-CN" b="1" dirty="0" smtClean="0"/>
           </a:p>
           <a:p>
             <a:pPr marL="0" indent="0">
               <a:buNone/>
             </a:pPr>
             <a:r>
-              <a:rPr lang="en-US" altLang="zh-CN" b="1" dirty="0" smtClean="0"/>
+              <a:rPr lang="en-US" altLang="zh-CN" b="1" dirty="0"/>
               <a:t>	</a:t>
             </a:r>
             <a:r>
-              <a:rPr lang="zh-CN" altLang="en-US" dirty="0" smtClean="0"/>
-              <a:t>联合体</a:t>
-            </a:r>
-            <a:r>
-              <a:rPr lang="zh-CN" altLang="en-US" dirty="0"/>
-              <a:t>（</a:t>
+              <a:rPr lang="zh-CN" altLang="en-US" dirty="0"/>
+              <a:t>联合体（</a:t>
             </a:r>
             <a:r>
               <a:rPr lang="en-US" altLang="zh-CN" dirty="0"/>
@@ -9557,65 +9561,104 @@
             </a:r>
             <a:r>
               <a:rPr lang="zh-CN" altLang="en-US" dirty="0"/>
-              <a:t>中的一个特殊数据类型，它可以存储不同类型的数据，但</a:t>
-            </a:r>
-            <a:r>
-              <a:rPr lang="zh-CN" altLang="en-US" dirty="0" smtClean="0"/>
-              <a:t>所</a:t>
-            </a:r>
-            <a:r>
-              <a:rPr lang="en-US" altLang="zh-CN" dirty="0" smtClean="0"/>
+              <a:t>中的一个特殊数据类型，它可以存储不同类型的数据，但所</a:t>
+            </a:r>
+            <a:r>
+              <a:rPr lang="en-US" altLang="zh-CN" dirty="0"/>
               <a:t>	</a:t>
             </a:r>
             <a:r>
-              <a:rPr lang="zh-CN" altLang="en-US" dirty="0" smtClean="0"/>
-              <a:t>有</a:t>
-            </a:r>
-            <a:r>
-              <a:rPr lang="zh-CN" altLang="en-US" dirty="0"/>
-              <a:t>成员</a:t>
-            </a:r>
-            <a:r>
-              <a:rPr lang="zh-CN" altLang="en-US" dirty="0" smtClean="0"/>
-              <a:t>共享</a:t>
-            </a:r>
-            <a:r>
-              <a:rPr lang="en-US" altLang="zh-CN" dirty="0" smtClean="0"/>
+              <a:rPr lang="zh-CN" altLang="en-US" dirty="0"/>
+              <a:t>有成员共享</a:t>
+            </a:r>
+            <a:r>
+              <a:rPr lang="en-US" altLang="zh-CN" dirty="0"/>
               <a:t>	</a:t>
             </a:r>
             <a:r>
-              <a:rPr lang="zh-CN" altLang="en-US" dirty="0" smtClean="0"/>
-              <a:t>同</a:t>
-            </a:r>
-            <a:r>
-              <a:rPr lang="zh-CN" altLang="en-US" dirty="0"/>
-              <a:t>一块内存空间。也就是说，联合体的成员变量占用的内存是最大的成员</a:t>
-            </a:r>
-            <a:r>
-              <a:rPr lang="zh-CN" altLang="en-US" dirty="0" smtClean="0"/>
-              <a:t>变</a:t>
-            </a:r>
-            <a:r>
-              <a:rPr lang="en-US" altLang="zh-CN" dirty="0" smtClean="0"/>
+              <a:rPr lang="zh-CN" altLang="en-US" dirty="0"/>
+              <a:t>同一块内存空间。也就是说，联合体的成员变量占用的内存是最大的成员变量所需要的内存。不</a:t>
+            </a:r>
+            <a:r>
+              <a:rPr lang="en-US" altLang="zh-CN" dirty="0"/>
               <a:t>	</a:t>
             </a:r>
             <a:r>
-              <a:rPr lang="zh-CN" altLang="en-US" dirty="0" smtClean="0"/>
-              <a:t>量</a:t>
-            </a:r>
-            <a:r>
-              <a:rPr lang="zh-CN" altLang="en-US" dirty="0"/>
-              <a:t>所需要的内存。</a:t>
-            </a:r>
+              <a:rPr lang="zh-CN" altLang="en-US" dirty="0"/>
+              <a:t>同数据类型的成员共享相同的内存空间，节省内存，</a:t>
+            </a:r>
+            <a:r>
+              <a:rPr lang="zh-CN" altLang="en-US" b="1" dirty="0">
+                <a:solidFill>
+                  <a:srgbClr val="FF0000"/>
+                </a:solidFill>
+              </a:rPr>
+              <a:t>但同一时刻只能使用一个成</a:t>
+            </a:r>
+            <a:r>
+              <a:rPr lang="zh-CN" altLang="en-US" dirty="0">
+                <a:solidFill>
+                  <a:srgbClr val="FF0000"/>
+                </a:solidFill>
+              </a:rPr>
+              <a:t>员</a:t>
+            </a:r>
+            <a:r>
+              <a:rPr lang="zh-CN" altLang="en-US" dirty="0"/>
+              <a:t>。</a:t>
+            </a:r>
+          </a:p>
+          <a:p>
+            <a:r>
+              <a:rPr lang="zh-CN" altLang="en-US" b="1" dirty="0" smtClean="0"/>
+              <a:t>自定义类</a:t>
+            </a:r>
+            <a:endParaRPr lang="en-US" altLang="zh-CN" b="1" dirty="0" smtClean="0"/>
           </a:p>
           <a:p>
             <a:pPr marL="0" indent="0">
               <a:buNone/>
             </a:pPr>
             <a:r>
-              <a:rPr lang="en-US" altLang="zh-CN" b="1" dirty="0" smtClean="0"/>
+              <a:rPr lang="en-US" altLang="zh-CN" dirty="0" smtClean="0"/>
               <a:t>	</a:t>
             </a:r>
+            <a:r>
+              <a:rPr lang="zh-CN" altLang="en-US" dirty="0" smtClean="0"/>
+              <a:t>自定义</a:t>
+            </a:r>
+            <a:r>
+              <a:rPr lang="zh-CN" altLang="en-US" dirty="0"/>
+              <a:t>类通过将不同类型的成员变量和成员函数组合起来，形成一个新的类型，从而使得对象在实际使用中能够</a:t>
+            </a:r>
+            <a:r>
+              <a:rPr lang="zh-CN" altLang="en-US" dirty="0" smtClean="0"/>
+              <a:t>代</a:t>
+            </a:r>
+            <a:r>
+              <a:rPr lang="en-US" altLang="zh-CN" dirty="0" smtClean="0"/>
+              <a:t>	</a:t>
+            </a:r>
+            <a:r>
+              <a:rPr lang="zh-CN" altLang="en-US" dirty="0" smtClean="0"/>
+              <a:t>表</a:t>
+            </a:r>
+            <a:r>
+              <a:rPr lang="zh-CN" altLang="en-US" dirty="0"/>
+              <a:t>一个复杂的实体。类内部的数据成员可以是基本数据类型、结构体、其他类的对象，甚至是其他类的指针等。</a:t>
+            </a:r>
+            <a:endParaRPr lang="zh-CN" altLang="en-US" b="1" dirty="0"/>
+          </a:p>
+          <a:p>
+            <a:pPr marL="0" indent="0">
+              <a:buNone/>
+            </a:pPr>
+            <a:endParaRPr lang="en-US" altLang="zh-CN" b="1" dirty="0"/>
+          </a:p>
+          <a:p>
+            <a:pPr marL="0" indent="0">
+              <a:buNone/>
+            </a:pPr>
             <a:endParaRPr lang="en-US" altLang="zh-CN" dirty="0" smtClean="0"/>
           </a:p>
           <a:p>
@@ -10456,15 +10499,35 @@
                     <a:lstStyle/>
                     <a:p>
                       <a:r>
-                        <a:rPr lang="zh-CN" altLang="en-US" sz="1200"/>
+                        <a:rPr lang="zh-CN" altLang="en-US" sz="1200" dirty="0"/>
                         <a:t>需要使用标准库函数（如 </a:t>
                       </a:r>
                       <a:r>
-                        <a:rPr lang="en-US" sz="1200"/>
-                        <a:t>strlen, strcpy, strcmp </a:t>
+                        <a:rPr lang="en-US" sz="1200" dirty="0" err="1"/>
+                        <a:t>strlen</a:t>
                       </a:r>
                       <a:r>
-                        <a:rPr lang="zh-CN" altLang="en-US" sz="1200"/>
+                        <a:rPr lang="en-US" sz="1200" dirty="0"/>
+                        <a:t>, </a:t>
+                      </a:r>
+                      <a:r>
+                        <a:rPr lang="en-US" sz="1200" dirty="0" err="1"/>
+                        <a:t>strcpy</a:t>
+                      </a:r>
+                      <a:r>
+                        <a:rPr lang="en-US" sz="1200" dirty="0"/>
+                        <a:t>, </a:t>
+                      </a:r>
+                      <a:r>
+                        <a:rPr lang="en-US" sz="1200" dirty="0" err="1"/>
+                        <a:t>strcmp</a:t>
+                      </a:r>
+                      <a:r>
+                        <a:rPr lang="en-US" sz="1200" dirty="0"/>
+                        <a:t> </a:t>
+                      </a:r>
+                      <a:r>
+                        <a:rPr lang="zh-CN" altLang="en-US" sz="1200" dirty="0"/>
                         <a:t>等）</a:t>
                       </a:r>
                     </a:p>
@@ -10857,7 +10920,15 @@
             </a:r>
             <a:r>
               <a:rPr lang="zh-CN" altLang="en-US" b="1" dirty="0" smtClean="0"/>
-              <a:t>内存</a:t>
+              <a:t>变量</a:t>
+            </a:r>
+            <a:r>
+              <a:rPr lang="zh-CN" altLang="en-US" b="1" dirty="0"/>
+              <a:t>内</a:t>
+            </a:r>
+            <a:r>
+              <a:rPr lang="zh-CN" altLang="en-US" b="1" dirty="0" smtClean="0"/>
+              <a:t>存</a:t>
             </a:r>
             <a:r>
               <a:rPr lang="zh-CN" altLang="en-US" b="1" dirty="0"/>

--- a/learn_cpp/docs/C++语言培训.pptx
+++ b/learn_cpp/docs/C++语言培训.pptx
@@ -21,38 +21,40 @@
     <p:sldId id="277" r:id="rId15"/>
     <p:sldId id="258" r:id="rId16"/>
     <p:sldId id="282" r:id="rId17"/>
-    <p:sldId id="283" r:id="rId18"/>
-    <p:sldId id="297" r:id="rId19"/>
-    <p:sldId id="303" r:id="rId20"/>
-    <p:sldId id="304" r:id="rId21"/>
-    <p:sldId id="298" r:id="rId22"/>
-    <p:sldId id="299" r:id="rId23"/>
-    <p:sldId id="302" r:id="rId24"/>
-    <p:sldId id="300" r:id="rId25"/>
-    <p:sldId id="301" r:id="rId26"/>
-    <p:sldId id="284" r:id="rId27"/>
-    <p:sldId id="285" r:id="rId28"/>
-    <p:sldId id="286" r:id="rId29"/>
-    <p:sldId id="287" r:id="rId30"/>
-    <p:sldId id="259" r:id="rId31"/>
-    <p:sldId id="260" r:id="rId32"/>
-    <p:sldId id="288" r:id="rId33"/>
-    <p:sldId id="289" r:id="rId34"/>
-    <p:sldId id="290" r:id="rId35"/>
-    <p:sldId id="291" r:id="rId36"/>
-    <p:sldId id="292" r:id="rId37"/>
-    <p:sldId id="293" r:id="rId38"/>
-    <p:sldId id="294" r:id="rId39"/>
-    <p:sldId id="295" r:id="rId40"/>
-    <p:sldId id="296" r:id="rId41"/>
-    <p:sldId id="261" r:id="rId42"/>
-    <p:sldId id="262" r:id="rId43"/>
-    <p:sldId id="263" r:id="rId44"/>
-    <p:sldId id="264" r:id="rId45"/>
-    <p:sldId id="265" r:id="rId46"/>
-    <p:sldId id="266" r:id="rId47"/>
-    <p:sldId id="267" r:id="rId48"/>
-    <p:sldId id="268" r:id="rId49"/>
+    <p:sldId id="306" r:id="rId18"/>
+    <p:sldId id="283" r:id="rId19"/>
+    <p:sldId id="297" r:id="rId20"/>
+    <p:sldId id="303" r:id="rId21"/>
+    <p:sldId id="304" r:id="rId22"/>
+    <p:sldId id="305" r:id="rId23"/>
+    <p:sldId id="298" r:id="rId24"/>
+    <p:sldId id="299" r:id="rId25"/>
+    <p:sldId id="302" r:id="rId26"/>
+    <p:sldId id="300" r:id="rId27"/>
+    <p:sldId id="301" r:id="rId28"/>
+    <p:sldId id="284" r:id="rId29"/>
+    <p:sldId id="285" r:id="rId30"/>
+    <p:sldId id="286" r:id="rId31"/>
+    <p:sldId id="287" r:id="rId32"/>
+    <p:sldId id="259" r:id="rId33"/>
+    <p:sldId id="260" r:id="rId34"/>
+    <p:sldId id="288" r:id="rId35"/>
+    <p:sldId id="289" r:id="rId36"/>
+    <p:sldId id="290" r:id="rId37"/>
+    <p:sldId id="291" r:id="rId38"/>
+    <p:sldId id="292" r:id="rId39"/>
+    <p:sldId id="293" r:id="rId40"/>
+    <p:sldId id="294" r:id="rId41"/>
+    <p:sldId id="295" r:id="rId42"/>
+    <p:sldId id="296" r:id="rId43"/>
+    <p:sldId id="261" r:id="rId44"/>
+    <p:sldId id="262" r:id="rId45"/>
+    <p:sldId id="263" r:id="rId46"/>
+    <p:sldId id="264" r:id="rId47"/>
+    <p:sldId id="265" r:id="rId48"/>
+    <p:sldId id="266" r:id="rId49"/>
+    <p:sldId id="267" r:id="rId50"/>
+    <p:sldId id="268" r:id="rId51"/>
   </p:sldIdLst>
   <p:sldSz cx="12192000" cy="6858000"/>
   <p:notesSz cx="6858000" cy="9144000"/>
@@ -348,7 +350,7 @@
             <a:fld id="{B61BEF0D-F0BB-DE4B-95CE-6DB70DBA9567}" type="datetimeFigureOut">
               <a:rPr lang="en-US" dirty="0"/>
               <a:pPr/>
-              <a:t>2/27/2025</a:t>
+              <a:t>2/28/2025</a:t>
             </a:fld>
             <a:endParaRPr lang="en-US" dirty="0"/>
           </a:p>
@@ -683,7 +685,7 @@
             <a:fld id="{B61BEF0D-F0BB-DE4B-95CE-6DB70DBA9567}" type="datetimeFigureOut">
               <a:rPr lang="en-US" dirty="0"/>
               <a:pPr/>
-              <a:t>2/27/2025</a:t>
+              <a:t>2/28/2025</a:t>
             </a:fld>
             <a:endParaRPr lang="en-US" dirty="0"/>
           </a:p>
@@ -1081,7 +1083,7 @@
             <a:fld id="{B61BEF0D-F0BB-DE4B-95CE-6DB70DBA9567}" type="datetimeFigureOut">
               <a:rPr lang="en-US" dirty="0"/>
               <a:pPr/>
-              <a:t>2/27/2025</a:t>
+              <a:t>2/28/2025</a:t>
             </a:fld>
             <a:endParaRPr lang="en-US" dirty="0"/>
           </a:p>
@@ -1414,7 +1416,7 @@
             <a:fld id="{B61BEF0D-F0BB-DE4B-95CE-6DB70DBA9567}" type="datetimeFigureOut">
               <a:rPr lang="en-US" dirty="0"/>
               <a:pPr/>
-              <a:t>2/27/2025</a:t>
+              <a:t>2/28/2025</a:t>
             </a:fld>
             <a:endParaRPr lang="en-US" dirty="0"/>
           </a:p>
@@ -1731,7 +1733,7 @@
             <a:fld id="{B61BEF0D-F0BB-DE4B-95CE-6DB70DBA9567}" type="datetimeFigureOut">
               <a:rPr lang="en-US" dirty="0"/>
               <a:pPr/>
-              <a:t>2/27/2025</a:t>
+              <a:t>2/28/2025</a:t>
             </a:fld>
             <a:endParaRPr lang="en-US" dirty="0"/>
           </a:p>
@@ -2124,7 +2126,7 @@
             <a:fld id="{B61BEF0D-F0BB-DE4B-95CE-6DB70DBA9567}" type="datetimeFigureOut">
               <a:rPr lang="en-US" dirty="0"/>
               <a:pPr/>
-              <a:t>2/27/2025</a:t>
+              <a:t>2/28/2025</a:t>
             </a:fld>
             <a:endParaRPr lang="en-US" dirty="0"/>
           </a:p>
@@ -2378,7 +2380,7 @@
             <a:fld id="{B61BEF0D-F0BB-DE4B-95CE-6DB70DBA9567}" type="datetimeFigureOut">
               <a:rPr lang="en-US" dirty="0"/>
               <a:pPr/>
-              <a:t>2/27/2025</a:t>
+              <a:t>2/28/2025</a:t>
             </a:fld>
             <a:endParaRPr lang="en-US" dirty="0"/>
           </a:p>
@@ -2637,7 +2639,7 @@
             <a:fld id="{B61BEF0D-F0BB-DE4B-95CE-6DB70DBA9567}" type="datetimeFigureOut">
               <a:rPr lang="en-US" dirty="0"/>
               <a:pPr/>
-              <a:t>2/27/2025</a:t>
+              <a:t>2/28/2025</a:t>
             </a:fld>
             <a:endParaRPr lang="en-US" dirty="0"/>
           </a:p>
@@ -2896,7 +2898,7 @@
             <a:fld id="{B61BEF0D-F0BB-DE4B-95CE-6DB70DBA9567}" type="datetimeFigureOut">
               <a:rPr lang="en-US" dirty="0"/>
               <a:pPr/>
-              <a:t>2/27/2025</a:t>
+              <a:t>2/28/2025</a:t>
             </a:fld>
             <a:endParaRPr lang="en-US" dirty="0"/>
           </a:p>
@@ -3222,7 +3224,7 @@
             <a:fld id="{B61BEF0D-F0BB-DE4B-95CE-6DB70DBA9567}" type="datetimeFigureOut">
               <a:rPr lang="en-US" dirty="0"/>
               <a:pPr/>
-              <a:t>2/27/2025</a:t>
+              <a:t>2/28/2025</a:t>
             </a:fld>
             <a:endParaRPr lang="en-US" dirty="0"/>
           </a:p>
@@ -3542,7 +3544,7 @@
             <a:fld id="{B61BEF0D-F0BB-DE4B-95CE-6DB70DBA9567}" type="datetimeFigureOut">
               <a:rPr lang="en-US" dirty="0"/>
               <a:pPr/>
-              <a:t>2/27/2025</a:t>
+              <a:t>2/28/2025</a:t>
             </a:fld>
             <a:endParaRPr lang="en-US" dirty="0"/>
           </a:p>
@@ -4025,7 +4027,7 @@
             <a:fld id="{B61BEF0D-F0BB-DE4B-95CE-6DB70DBA9567}" type="datetimeFigureOut">
               <a:rPr lang="en-US" dirty="0"/>
               <a:pPr/>
-              <a:t>2/27/2025</a:t>
+              <a:t>2/28/2025</a:t>
             </a:fld>
             <a:endParaRPr lang="en-US" dirty="0"/>
           </a:p>
@@ -4227,7 +4229,7 @@
             <a:fld id="{B61BEF0D-F0BB-DE4B-95CE-6DB70DBA9567}" type="datetimeFigureOut">
               <a:rPr lang="en-US" dirty="0"/>
               <a:pPr/>
-              <a:t>2/27/2025</a:t>
+              <a:t>2/28/2025</a:t>
             </a:fld>
             <a:endParaRPr lang="en-US" dirty="0"/>
           </a:p>
@@ -4401,7 +4403,7 @@
             <a:fld id="{B61BEF0D-F0BB-DE4B-95CE-6DB70DBA9567}" type="datetimeFigureOut">
               <a:rPr lang="en-US" dirty="0"/>
               <a:pPr/>
-              <a:t>2/27/2025</a:t>
+              <a:t>2/28/2025</a:t>
             </a:fld>
             <a:endParaRPr lang="en-US" dirty="0"/>
           </a:p>
@@ -4731,7 +4733,7 @@
             <a:fld id="{B61BEF0D-F0BB-DE4B-95CE-6DB70DBA9567}" type="datetimeFigureOut">
               <a:rPr lang="en-US" dirty="0"/>
               <a:pPr/>
-              <a:t>2/27/2025</a:t>
+              <a:t>2/28/2025</a:t>
             </a:fld>
             <a:endParaRPr lang="en-US" dirty="0"/>
           </a:p>
@@ -5073,7 +5075,7 @@
             <a:fld id="{B61BEF0D-F0BB-DE4B-95CE-6DB70DBA9567}" type="datetimeFigureOut">
               <a:rPr lang="en-US" dirty="0"/>
               <a:pPr/>
-              <a:t>2/27/2025</a:t>
+              <a:t>2/28/2025</a:t>
             </a:fld>
             <a:endParaRPr lang="en-US" dirty="0"/>
           </a:p>
@@ -7187,7 +7189,7 @@
             <a:fld id="{B61BEF0D-F0BB-DE4B-95CE-6DB70DBA9567}" type="datetimeFigureOut">
               <a:rPr lang="en-US" dirty="0"/>
               <a:pPr/>
-              <a:t>2/27/2025</a:t>
+              <a:t>2/28/2025</a:t>
             </a:fld>
             <a:endParaRPr lang="en-US" dirty="0"/>
           </a:p>
@@ -8615,7 +8617,6 @@
               <a:rPr lang="zh-CN" altLang="en-US" dirty="0" smtClean="0"/>
               <a:t>数据类型</a:t>
             </a:r>
-            <a:endParaRPr lang="zh-CN" altLang="en-US" dirty="0" smtClean="0"/>
           </a:p>
           <a:p>
             <a:r>
@@ -8723,7 +8724,6 @@
               <a:rPr lang="zh-CN" altLang="en-US" b="1" dirty="0"/>
               <a:t>数据类型</a:t>
             </a:r>
-            <a:endParaRPr lang="zh-CN" altLang="en-US" b="1" dirty="0"/>
           </a:p>
         </p:txBody>
       </p:sp>
@@ -8995,7 +8995,6 @@
               <a:rPr lang="zh-CN" altLang="en-US" dirty="0"/>
               <a:t>字节</a:t>
             </a:r>
-            <a:endParaRPr lang="zh-CN" altLang="en-US" dirty="0"/>
           </a:p>
         </p:txBody>
       </p:sp>
@@ -9052,144 +9051,547 @@
           <a:lstStyle/>
           <a:p>
             <a:r>
-              <a:rPr lang="en-US" altLang="zh-CN" b="1" dirty="0" smtClean="0"/>
-              <a:t>2.2 </a:t>
-            </a:r>
-            <a:r>
-              <a:rPr lang="zh-CN" altLang="en-US" b="1" dirty="0" smtClean="0"/>
-              <a:t>常量</a:t>
-            </a:r>
-            <a:r>
-              <a:rPr lang="zh-CN" altLang="en-US" b="1" dirty="0"/>
-              <a:t>与枚举</a:t>
-            </a:r>
-            <a:r>
-              <a:rPr lang="zh-CN" altLang="zh-CN" b="1" dirty="0"/>
-              <a:t/>
-            </a:r>
-            <a:br>
-              <a:rPr lang="zh-CN" altLang="zh-CN" b="1" dirty="0"/>
-            </a:br>
-            <a:endParaRPr lang="zh-CN" altLang="en-US" dirty="0"/>
-          </a:p>
-        </p:txBody>
-      </p:sp>
-      <p:sp>
-        <p:nvSpPr>
-          <p:cNvPr id="3" name="内容占位符 2"/>
-          <p:cNvSpPr>
-            <a:spLocks noGrp="1"/>
-          </p:cNvSpPr>
+              <a:rPr lang="zh-CN" altLang="en-US" dirty="0"/>
+              <a:t>取值范围</a:t>
+            </a:r>
+          </a:p>
+        </p:txBody>
+      </p:sp>
+      <p:graphicFrame>
+        <p:nvGraphicFramePr>
+          <p:cNvPr id="4" name="内容占位符 3"/>
+          <p:cNvGraphicFramePr>
+            <a:graphicFrameLocks noGrp="1"/>
+          </p:cNvGraphicFramePr>
           <p:nvPr>
             <p:ph idx="1"/>
-          </p:nvPr>
-        </p:nvSpPr>
-        <p:spPr/>
-        <p:txBody>
-          <a:bodyPr/>
-          <a:lstStyle/>
-          <a:p>
-            <a:r>
-              <a:rPr lang="zh-CN" altLang="en-US" dirty="0" smtClean="0"/>
-              <a:t>常量</a:t>
-            </a:r>
-            <a:endParaRPr lang="en-US" altLang="zh-CN" dirty="0" smtClean="0"/>
-          </a:p>
-          <a:p>
-            <a:pPr marL="0" indent="0">
-              <a:buNone/>
-            </a:pPr>
-            <a:r>
-              <a:rPr lang="en-US" altLang="zh-CN" dirty="0"/>
-              <a:t>	</a:t>
-            </a:r>
-            <a:r>
-              <a:rPr lang="zh-CN" altLang="en-US" dirty="0"/>
-              <a:t>常量是值不可更改的量。可以使用 </a:t>
-            </a:r>
-            <a:r>
-              <a:rPr lang="en-US" altLang="zh-CN" dirty="0" err="1"/>
-              <a:t>const</a:t>
-            </a:r>
-            <a:r>
-              <a:rPr lang="en-US" altLang="zh-CN" dirty="0"/>
-              <a:t> </a:t>
-            </a:r>
-            <a:r>
-              <a:rPr lang="zh-CN" altLang="en-US" dirty="0"/>
-              <a:t>关键字定义常量</a:t>
-            </a:r>
-            <a:endParaRPr lang="en-US" altLang="zh-CN" dirty="0" smtClean="0"/>
-          </a:p>
-          <a:p>
-            <a:r>
-              <a:rPr lang="en-US" altLang="zh-CN" dirty="0"/>
-              <a:t>#define </a:t>
-            </a:r>
-            <a:r>
-              <a:rPr lang="zh-CN" altLang="en-US" dirty="0" smtClean="0"/>
-              <a:t>宏定义</a:t>
-            </a:r>
-            <a:endParaRPr lang="en-US" altLang="zh-CN" dirty="0"/>
-          </a:p>
-          <a:p>
-            <a:pPr marL="0" indent="0">
-              <a:buNone/>
-            </a:pPr>
-            <a:r>
-              <a:rPr lang="en-US" altLang="zh-CN" dirty="0"/>
-              <a:t>	#define </a:t>
-            </a:r>
-            <a:r>
-              <a:rPr lang="zh-CN" altLang="en-US" dirty="0"/>
-              <a:t>是预处理指令，用于定义常量或宏函数，常量值在编译前会被替换。</a:t>
-            </a:r>
-            <a:endParaRPr lang="en-US" altLang="zh-CN" dirty="0" smtClean="0"/>
-          </a:p>
-          <a:p>
-            <a:r>
-              <a:rPr lang="zh-CN" altLang="en-US" dirty="0"/>
-              <a:t>枚举</a:t>
-            </a:r>
-            <a:r>
-              <a:rPr lang="zh-CN" altLang="en-US" dirty="0" smtClean="0"/>
-              <a:t>类型</a:t>
-            </a:r>
-            <a:endParaRPr lang="en-US" altLang="zh-CN" dirty="0" smtClean="0"/>
-          </a:p>
-          <a:p>
-            <a:pPr marL="0" indent="0">
-              <a:buNone/>
-            </a:pPr>
-            <a:r>
-              <a:rPr lang="en-US" altLang="zh-CN" dirty="0"/>
-              <a:t>	</a:t>
-            </a:r>
-            <a:r>
-              <a:rPr lang="zh-CN" altLang="en-US" dirty="0"/>
-              <a:t>枚举类型用于定义一个具有固定值集合的变量。</a:t>
-            </a:r>
-            <a:endParaRPr lang="zh-CN" altLang="en-US" dirty="0"/>
-          </a:p>
-        </p:txBody>
-      </p:sp>
+            <p:extLst>
+              <p:ext uri="{D42A27DB-BD31-4B8C-83A1-F6EECF244321}">
+                <p14:modId xmlns:p14="http://schemas.microsoft.com/office/powerpoint/2010/main" val="2091166838"/>
+              </p:ext>
+            </p:extLst>
+          </p:nvPr>
+        </p:nvGraphicFramePr>
+        <p:xfrm>
+          <a:off x="2589213" y="2133600"/>
+          <a:ext cx="8915400" cy="2651760"/>
+        </p:xfrm>
+        <a:graphic>
+          <a:graphicData uri="http://schemas.openxmlformats.org/drawingml/2006/table">
+            <a:tbl>
+              <a:tblPr firstRow="1" bandRow="1">
+                <a:tableStyleId>{5C22544A-7EE6-4342-B048-85BDC9FD1C3A}</a:tableStyleId>
+              </a:tblPr>
+              <a:tblGrid>
+                <a:gridCol w="2228850"/>
+                <a:gridCol w="2228850"/>
+                <a:gridCol w="2228850"/>
+                <a:gridCol w="2228850"/>
+              </a:tblGrid>
+              <a:tr h="370840">
+                <a:tc>
+                  <a:txBody>
+                    <a:bodyPr/>
+                    <a:lstStyle/>
+                    <a:p>
+                      <a:r>
+                        <a:rPr lang="zh-CN" altLang="en-US" sz="1100" dirty="0" smtClean="0"/>
+                        <a:t>数据类型</a:t>
+                      </a:r>
+                      <a:endParaRPr lang="zh-CN" altLang="en-US" sz="1100" dirty="0"/>
+                    </a:p>
+                  </a:txBody>
+                  <a:tcPr/>
+                </a:tc>
+                <a:tc>
+                  <a:txBody>
+                    <a:bodyPr/>
+                    <a:lstStyle/>
+                    <a:p>
+                      <a:r>
+                        <a:rPr lang="zh-CN" altLang="en-US" sz="1100" dirty="0" smtClean="0"/>
+                        <a:t>位数</a:t>
+                      </a:r>
+                      <a:endParaRPr lang="zh-CN" altLang="en-US" sz="1100" dirty="0"/>
+                    </a:p>
+                  </a:txBody>
+                  <a:tcPr/>
+                </a:tc>
+                <a:tc>
+                  <a:txBody>
+                    <a:bodyPr/>
+                    <a:lstStyle/>
+                    <a:p>
+                      <a:r>
+                        <a:rPr lang="zh-CN" altLang="en-US" sz="1100" dirty="0" smtClean="0"/>
+                        <a:t>取值范围（有符号）</a:t>
+                      </a:r>
+                      <a:endParaRPr lang="zh-CN" altLang="en-US" sz="1100" dirty="0"/>
+                    </a:p>
+                  </a:txBody>
+                  <a:tcPr/>
+                </a:tc>
+                <a:tc>
+                  <a:txBody>
+                    <a:bodyPr/>
+                    <a:lstStyle/>
+                    <a:p>
+                      <a:r>
+                        <a:rPr lang="zh-CN" altLang="en-US" sz="1100" dirty="0" smtClean="0"/>
+                        <a:t>取值范围（无符号）</a:t>
+                      </a:r>
+                      <a:endParaRPr lang="zh-CN" altLang="en-US" sz="1100" dirty="0"/>
+                    </a:p>
+                  </a:txBody>
+                  <a:tcPr/>
+                </a:tc>
+              </a:tr>
+              <a:tr h="370840">
+                <a:tc>
+                  <a:txBody>
+                    <a:bodyPr/>
+                    <a:lstStyle/>
+                    <a:p>
+                      <a:r>
+                        <a:rPr lang="en-US" altLang="zh-CN" sz="1100" dirty="0" smtClean="0"/>
+                        <a:t>short</a:t>
+                      </a:r>
+                      <a:endParaRPr lang="zh-CN" altLang="en-US" sz="1100" dirty="0"/>
+                    </a:p>
+                  </a:txBody>
+                  <a:tcPr/>
+                </a:tc>
+                <a:tc>
+                  <a:txBody>
+                    <a:bodyPr/>
+                    <a:lstStyle/>
+                    <a:p>
+                      <a:r>
+                        <a:rPr lang="en-US" altLang="zh-CN" sz="1100" dirty="0" smtClean="0"/>
+                        <a:t>16</a:t>
+                      </a:r>
+                      <a:endParaRPr lang="zh-CN" altLang="en-US" sz="1100" dirty="0"/>
+                    </a:p>
+                  </a:txBody>
+                  <a:tcPr/>
+                </a:tc>
+                <a:tc>
+                  <a:txBody>
+                    <a:bodyPr/>
+                    <a:lstStyle/>
+                    <a:p>
+                      <a:r>
+                        <a:rPr lang="en-US" altLang="zh-CN" sz="1100" dirty="0" smtClean="0"/>
+                        <a:t>-32,768 -</a:t>
+                      </a:r>
+                      <a:r>
+                        <a:rPr lang="zh-CN" altLang="en-US" sz="1100" dirty="0" smtClean="0"/>
+                        <a:t> </a:t>
+                      </a:r>
+                      <a:r>
+                        <a:rPr lang="en-US" altLang="zh-CN" sz="1100" dirty="0" smtClean="0"/>
+                        <a:t>32,767</a:t>
+                      </a:r>
+                      <a:endParaRPr lang="zh-CN" altLang="en-US" sz="1100" dirty="0"/>
+                    </a:p>
+                  </a:txBody>
+                  <a:tcPr/>
+                </a:tc>
+                <a:tc>
+                  <a:txBody>
+                    <a:bodyPr/>
+                    <a:lstStyle/>
+                    <a:p>
+                      <a:r>
+                        <a:rPr lang="en-US" altLang="zh-CN" sz="1100" dirty="0" smtClean="0"/>
+                        <a:t>0~65535</a:t>
+                      </a:r>
+                      <a:endParaRPr lang="zh-CN" altLang="en-US" sz="1100" dirty="0"/>
+                    </a:p>
+                  </a:txBody>
+                  <a:tcPr/>
+                </a:tc>
+              </a:tr>
+              <a:tr h="370840">
+                <a:tc>
+                  <a:txBody>
+                    <a:bodyPr/>
+                    <a:lstStyle/>
+                    <a:p>
+                      <a:r>
+                        <a:rPr lang="en-US" altLang="zh-CN" sz="1100" dirty="0" err="1" smtClean="0"/>
+                        <a:t>int</a:t>
+                      </a:r>
+                      <a:endParaRPr lang="zh-CN" altLang="en-US" sz="1100" dirty="0"/>
+                    </a:p>
+                  </a:txBody>
+                  <a:tcPr/>
+                </a:tc>
+                <a:tc>
+                  <a:txBody>
+                    <a:bodyPr/>
+                    <a:lstStyle/>
+                    <a:p>
+                      <a:r>
+                        <a:rPr lang="en-US" altLang="zh-CN" sz="1100" dirty="0" smtClean="0"/>
+                        <a:t>32</a:t>
+                      </a:r>
+                      <a:endParaRPr lang="zh-CN" altLang="en-US" sz="1100" dirty="0"/>
+                    </a:p>
+                  </a:txBody>
+                  <a:tcPr/>
+                </a:tc>
+                <a:tc>
+                  <a:txBody>
+                    <a:bodyPr/>
+                    <a:lstStyle/>
+                    <a:p>
+                      <a:pPr marL="0" marR="0" lvl="0" indent="0" algn="l" defTabSz="457200" rtl="0" eaLnBrk="1" fontAlgn="auto" latinLnBrk="0" hangingPunct="1">
+                        <a:lnSpc>
+                          <a:spcPct val="100000"/>
+                        </a:lnSpc>
+                        <a:spcBef>
+                          <a:spcPts val="0"/>
+                        </a:spcBef>
+                        <a:spcAft>
+                          <a:spcPts val="0"/>
+                        </a:spcAft>
+                        <a:buClrTx/>
+                        <a:buSzTx/>
+                        <a:buFontTx/>
+                        <a:buNone/>
+                        <a:tabLst/>
+                        <a:defRPr/>
+                      </a:pPr>
+                      <a:r>
+                        <a:rPr lang="en-US" altLang="zh-CN" sz="1100" dirty="0" smtClean="0"/>
+                        <a:t>~2147483648~2147483647</a:t>
+                      </a:r>
+                      <a:endParaRPr lang="zh-CN" altLang="en-US" sz="1100" dirty="0" smtClean="0"/>
+                    </a:p>
+                  </a:txBody>
+                  <a:tcPr/>
+                </a:tc>
+                <a:tc>
+                  <a:txBody>
+                    <a:bodyPr/>
+                    <a:lstStyle/>
+                    <a:p>
+                      <a:pPr marL="0" marR="0" lvl="0" indent="0" algn="l" defTabSz="457200" rtl="0" eaLnBrk="1" fontAlgn="auto" latinLnBrk="0" hangingPunct="1">
+                        <a:lnSpc>
+                          <a:spcPct val="100000"/>
+                        </a:lnSpc>
+                        <a:spcBef>
+                          <a:spcPts val="0"/>
+                        </a:spcBef>
+                        <a:spcAft>
+                          <a:spcPts val="0"/>
+                        </a:spcAft>
+                        <a:buClrTx/>
+                        <a:buSzTx/>
+                        <a:buFontTx/>
+                        <a:buNone/>
+                        <a:tabLst/>
+                        <a:defRPr/>
+                      </a:pPr>
+                      <a:r>
+                        <a:rPr lang="en-US" altLang="zh-CN" sz="1100" dirty="0" smtClean="0"/>
+                        <a:t>0~4294967295</a:t>
+                      </a:r>
+                      <a:endParaRPr lang="zh-CN" altLang="en-US" sz="1100" dirty="0" smtClean="0"/>
+                    </a:p>
+                  </a:txBody>
+                  <a:tcPr/>
+                </a:tc>
+              </a:tr>
+              <a:tr h="370840">
+                <a:tc>
+                  <a:txBody>
+                    <a:bodyPr/>
+                    <a:lstStyle/>
+                    <a:p>
+                      <a:r>
+                        <a:rPr lang="en-US" altLang="zh-CN" sz="1100" dirty="0" smtClean="0"/>
+                        <a:t>long(win)</a:t>
+                      </a:r>
+                      <a:endParaRPr lang="zh-CN" altLang="en-US" sz="1100" dirty="0"/>
+                    </a:p>
+                  </a:txBody>
+                  <a:tcPr/>
+                </a:tc>
+                <a:tc>
+                  <a:txBody>
+                    <a:bodyPr/>
+                    <a:lstStyle/>
+                    <a:p>
+                      <a:r>
+                        <a:rPr lang="en-US" altLang="zh-CN" sz="1100" dirty="0" smtClean="0"/>
+                        <a:t>32</a:t>
+                      </a:r>
+                      <a:endParaRPr lang="zh-CN" altLang="en-US" sz="1100" dirty="0"/>
+                    </a:p>
+                  </a:txBody>
+                  <a:tcPr/>
+                </a:tc>
+                <a:tc>
+                  <a:txBody>
+                    <a:bodyPr/>
+                    <a:lstStyle/>
+                    <a:p>
+                      <a:r>
+                        <a:rPr lang="en-US" altLang="zh-CN" sz="1100" dirty="0" smtClean="0"/>
+                        <a:t>~2147483648~2147483647</a:t>
+                      </a:r>
+                      <a:endParaRPr lang="zh-CN" altLang="en-US" sz="1100" dirty="0"/>
+                    </a:p>
+                  </a:txBody>
+                  <a:tcPr/>
+                </a:tc>
+                <a:tc>
+                  <a:txBody>
+                    <a:bodyPr/>
+                    <a:lstStyle/>
+                    <a:p>
+                      <a:r>
+                        <a:rPr lang="en-US" altLang="zh-CN" sz="1100" dirty="0" smtClean="0"/>
+                        <a:t>0~4294967295</a:t>
+                      </a:r>
+                      <a:endParaRPr lang="zh-CN" altLang="en-US" sz="1100" dirty="0"/>
+                    </a:p>
+                  </a:txBody>
+                  <a:tcPr/>
+                </a:tc>
+              </a:tr>
+              <a:tr h="370840">
+                <a:tc>
+                  <a:txBody>
+                    <a:bodyPr/>
+                    <a:lstStyle/>
+                    <a:p>
+                      <a:r>
+                        <a:rPr lang="en-US" altLang="zh-CN" sz="1100" dirty="0" smtClean="0"/>
+                        <a:t>long(</a:t>
+                      </a:r>
+                      <a:r>
+                        <a:rPr lang="en-US" altLang="zh-CN" sz="1100" dirty="0" err="1" smtClean="0"/>
+                        <a:t>linux</a:t>
+                      </a:r>
+                      <a:r>
+                        <a:rPr lang="en-US" altLang="zh-CN" sz="1100" dirty="0" smtClean="0"/>
+                        <a:t>)</a:t>
+                      </a:r>
+                      <a:endParaRPr lang="zh-CN" altLang="en-US" sz="1100" dirty="0"/>
+                    </a:p>
+                  </a:txBody>
+                  <a:tcPr/>
+                </a:tc>
+                <a:tc>
+                  <a:txBody>
+                    <a:bodyPr/>
+                    <a:lstStyle/>
+                    <a:p>
+                      <a:pPr marL="0" marR="0" lvl="0" indent="0" algn="l" defTabSz="457200" rtl="0" eaLnBrk="1" fontAlgn="auto" latinLnBrk="0" hangingPunct="1">
+                        <a:lnSpc>
+                          <a:spcPct val="100000"/>
+                        </a:lnSpc>
+                        <a:spcBef>
+                          <a:spcPts val="0"/>
+                        </a:spcBef>
+                        <a:spcAft>
+                          <a:spcPts val="0"/>
+                        </a:spcAft>
+                        <a:buClrTx/>
+                        <a:buSzTx/>
+                        <a:buFontTx/>
+                        <a:buNone/>
+                        <a:tabLst/>
+                        <a:defRPr/>
+                      </a:pPr>
+                      <a:r>
+                        <a:rPr lang="en-US" altLang="zh-CN" sz="1100" dirty="0" smtClean="0"/>
+                        <a:t>64</a:t>
+                      </a:r>
+                      <a:endParaRPr lang="zh-CN" altLang="en-US" sz="1100" dirty="0" smtClean="0"/>
+                    </a:p>
+                  </a:txBody>
+                  <a:tcPr/>
+                </a:tc>
+                <a:tc>
+                  <a:txBody>
+                    <a:bodyPr/>
+                    <a:lstStyle/>
+                    <a:p>
+                      <a:r>
+                        <a:rPr lang="en-US" altLang="zh-CN" sz="1100" dirty="0" smtClean="0"/>
+                        <a:t>-9,223,372,036,854,775,808 </a:t>
+                      </a:r>
+                      <a:r>
+                        <a:rPr lang="zh-CN" altLang="en-US" sz="1100" dirty="0" smtClean="0"/>
+                        <a:t>～ </a:t>
+                      </a:r>
+                      <a:r>
+                        <a:rPr lang="en-US" altLang="zh-CN" sz="1100" dirty="0" smtClean="0"/>
+                        <a:t>9,223,372,036,854,775,807</a:t>
+                      </a:r>
+                      <a:endParaRPr lang="zh-CN" altLang="en-US" sz="1100" dirty="0"/>
+                    </a:p>
+                  </a:txBody>
+                  <a:tcPr/>
+                </a:tc>
+                <a:tc>
+                  <a:txBody>
+                    <a:bodyPr/>
+                    <a:lstStyle/>
+                    <a:p>
+                      <a:r>
+                        <a:rPr lang="en-US" altLang="zh-CN" sz="1100" dirty="0" smtClean="0"/>
+                        <a:t>0 </a:t>
+                      </a:r>
+                      <a:r>
+                        <a:rPr lang="zh-CN" altLang="en-US" sz="1100" dirty="0" smtClean="0"/>
+                        <a:t>～ </a:t>
+                      </a:r>
+                      <a:r>
+                        <a:rPr lang="en-US" altLang="zh-CN" sz="1100" dirty="0" smtClean="0"/>
+                        <a:t>18,446,744,073,709,551,615</a:t>
+                      </a:r>
+                      <a:endParaRPr lang="zh-CN" altLang="en-US" sz="1100" dirty="0"/>
+                    </a:p>
+                  </a:txBody>
+                  <a:tcPr/>
+                </a:tc>
+              </a:tr>
+              <a:tr h="370840">
+                <a:tc>
+                  <a:txBody>
+                    <a:bodyPr/>
+                    <a:lstStyle/>
+                    <a:p>
+                      <a:r>
+                        <a:rPr lang="en-US" altLang="zh-CN" sz="1100" dirty="0" smtClean="0"/>
+                        <a:t>float</a:t>
+                      </a:r>
+                      <a:endParaRPr lang="zh-CN" altLang="en-US" sz="1100" dirty="0"/>
+                    </a:p>
+                  </a:txBody>
+                  <a:tcPr/>
+                </a:tc>
+                <a:tc>
+                  <a:txBody>
+                    <a:bodyPr/>
+                    <a:lstStyle/>
+                    <a:p>
+                      <a:pPr marL="0" marR="0" lvl="0" indent="0" algn="l" defTabSz="457200" rtl="0" eaLnBrk="1" fontAlgn="auto" latinLnBrk="0" hangingPunct="1">
+                        <a:lnSpc>
+                          <a:spcPct val="100000"/>
+                        </a:lnSpc>
+                        <a:spcBef>
+                          <a:spcPts val="0"/>
+                        </a:spcBef>
+                        <a:spcAft>
+                          <a:spcPts val="0"/>
+                        </a:spcAft>
+                        <a:buClrTx/>
+                        <a:buSzTx/>
+                        <a:buFontTx/>
+                        <a:buNone/>
+                        <a:tabLst/>
+                        <a:defRPr/>
+                      </a:pPr>
+                      <a:r>
+                        <a:rPr lang="en-US" altLang="zh-CN" sz="1100" dirty="0" smtClean="0"/>
+                        <a:t>32</a:t>
+                      </a:r>
+                      <a:endParaRPr lang="zh-CN" altLang="en-US" sz="1100" dirty="0" smtClean="0"/>
+                    </a:p>
+                  </a:txBody>
+                  <a:tcPr/>
+                </a:tc>
+                <a:tc>
+                  <a:txBody>
+                    <a:bodyPr/>
+                    <a:lstStyle/>
+                    <a:p>
+                      <a:endParaRPr lang="zh-CN" altLang="en-US" sz="1100" dirty="0"/>
+                    </a:p>
+                  </a:txBody>
+                  <a:tcPr/>
+                </a:tc>
+                <a:tc>
+                  <a:txBody>
+                    <a:bodyPr/>
+                    <a:lstStyle/>
+                    <a:p>
+                      <a:endParaRPr lang="zh-CN" altLang="en-US" sz="1100" dirty="0"/>
+                    </a:p>
+                  </a:txBody>
+                  <a:tcPr/>
+                </a:tc>
+              </a:tr>
+              <a:tr h="370840">
+                <a:tc>
+                  <a:txBody>
+                    <a:bodyPr/>
+                    <a:lstStyle/>
+                    <a:p>
+                      <a:r>
+                        <a:rPr lang="en-US" altLang="zh-CN" sz="1100" dirty="0" smtClean="0"/>
+                        <a:t>double</a:t>
+                      </a:r>
+                      <a:endParaRPr lang="zh-CN" altLang="en-US" sz="1100" dirty="0"/>
+                    </a:p>
+                  </a:txBody>
+                  <a:tcPr/>
+                </a:tc>
+                <a:tc>
+                  <a:txBody>
+                    <a:bodyPr/>
+                    <a:lstStyle/>
+                    <a:p>
+                      <a:r>
+                        <a:rPr lang="en-US" altLang="zh-CN" sz="1100" dirty="0" smtClean="0"/>
+                        <a:t>64</a:t>
+                      </a:r>
+                      <a:endParaRPr lang="zh-CN" altLang="en-US" sz="1100" dirty="0"/>
+                    </a:p>
+                  </a:txBody>
+                  <a:tcPr/>
+                </a:tc>
+                <a:tc>
+                  <a:txBody>
+                    <a:bodyPr/>
+                    <a:lstStyle/>
+                    <a:p>
+                      <a:endParaRPr lang="zh-CN" altLang="en-US" sz="1100" dirty="0"/>
+                    </a:p>
+                  </a:txBody>
+                  <a:tcPr/>
+                </a:tc>
+                <a:tc>
+                  <a:txBody>
+                    <a:bodyPr/>
+                    <a:lstStyle/>
+                    <a:p>
+                      <a:endParaRPr lang="zh-CN" altLang="en-US" sz="1100" dirty="0"/>
+                    </a:p>
+                  </a:txBody>
+                  <a:tcPr/>
+                </a:tc>
+              </a:tr>
+            </a:tbl>
+          </a:graphicData>
+        </a:graphic>
+      </p:graphicFrame>
     </p:spTree>
     <p:extLst>
       <p:ext uri="{BB962C8B-B14F-4D97-AF65-F5344CB8AC3E}">
-        <p14:creationId xmlns:p14="http://schemas.microsoft.com/office/powerpoint/2010/main" val="2998995535"/>
+        <p14:creationId xmlns:p14="http://schemas.microsoft.com/office/powerpoint/2010/main" val="1141409956"/>
       </p:ext>
     </p:extLst>
   </p:cSld>
   <p:clrMapOvr>
     <a:masterClrMapping/>
   </p:clrMapOvr>
-  <p:timing>
-    <p:tnLst>
-      <p:par>
-        <p:cTn id="1" dur="indefinite" restart="never" nodeType="tmRoot"/>
-      </p:par>
-    </p:tnLst>
-  </p:timing>
 </p:sld>
 </file>
 
@@ -9227,16 +9629,24 @@
           <a:p>
             <a:r>
               <a:rPr lang="en-US" altLang="zh-CN" b="1" dirty="0" smtClean="0"/>
-              <a:t>2.3 </a:t>
+              <a:t>2.2 </a:t>
             </a:r>
             <a:r>
               <a:rPr lang="zh-CN" altLang="en-US" b="1" dirty="0" smtClean="0"/>
-              <a:t>复合</a:t>
+              <a:t>常量</a:t>
             </a:r>
             <a:r>
               <a:rPr lang="zh-CN" altLang="en-US" b="1" dirty="0"/>
-              <a:t>类型</a:t>
-            </a:r>
+              <a:t>与枚举</a:t>
+            </a:r>
+            <a:r>
+              <a:rPr lang="zh-CN" altLang="zh-CN" b="1" dirty="0"/>
+              <a:t/>
+            </a:r>
+            <a:br>
+              <a:rPr lang="zh-CN" altLang="zh-CN" b="1" dirty="0"/>
+            </a:br>
+            <a:endParaRPr lang="zh-CN" altLang="en-US" dirty="0"/>
           </a:p>
         </p:txBody>
       </p:sp>
@@ -9252,433 +9662,96 @@
         </p:nvSpPr>
         <p:spPr/>
         <p:txBody>
-          <a:bodyPr>
-            <a:normAutofit fontScale="70000" lnSpcReduction="20000"/>
-          </a:bodyPr>
+          <a:bodyPr/>
           <a:lstStyle/>
           <a:p>
             <a:r>
-              <a:rPr lang="zh-CN" altLang="en-US" b="1" dirty="0"/>
-              <a:t>数组（</a:t>
-            </a:r>
-            <a:r>
-              <a:rPr lang="en-US" altLang="zh-CN" b="1" dirty="0"/>
-              <a:t>Array</a:t>
-            </a:r>
-            <a:r>
-              <a:rPr lang="zh-CN" altLang="en-US" b="1" dirty="0"/>
-              <a:t>）</a:t>
-            </a:r>
+              <a:rPr lang="zh-CN" altLang="en-US" dirty="0" smtClean="0"/>
+              <a:t>常量</a:t>
+            </a:r>
+            <a:endParaRPr lang="en-US" altLang="zh-CN" dirty="0" smtClean="0"/>
           </a:p>
           <a:p>
             <a:pPr marL="0" indent="0">
               <a:buNone/>
             </a:pPr>
             <a:r>
-              <a:rPr lang="en-US" altLang="zh-CN" b="1" dirty="0" smtClean="0"/>
+              <a:rPr lang="en-US" altLang="zh-CN" dirty="0"/>
               <a:t>	</a:t>
             </a:r>
             <a:r>
-              <a:rPr lang="zh-CN" altLang="en-US" b="1" dirty="0" smtClean="0"/>
-              <a:t>数组</a:t>
-            </a:r>
-            <a:r>
-              <a:rPr lang="zh-CN" altLang="en-US" dirty="0"/>
-              <a:t>是一种固定大小的相同类型数据的集合，数据通过下标访问。</a:t>
-            </a:r>
-            <a:r>
-              <a:rPr lang="en-US" altLang="zh-CN" dirty="0"/>
-              <a:t>C++ </a:t>
-            </a:r>
-            <a:r>
-              <a:rPr lang="zh-CN" altLang="en-US" dirty="0"/>
-              <a:t>中的</a:t>
+              <a:rPr lang="zh-CN" altLang="en-US" dirty="0"/>
+              <a:t>常量是值不可更改的量。可以使用 </a:t>
+            </a:r>
+            <a:r>
+              <a:rPr lang="en-US" altLang="zh-CN" dirty="0" err="1"/>
+              <a:t>const</a:t>
+            </a:r>
+            <a:r>
+              <a:rPr lang="en-US" altLang="zh-CN" dirty="0"/>
+              <a:t> </a:t>
+            </a:r>
+            <a:r>
+              <a:rPr lang="zh-CN" altLang="en-US" dirty="0"/>
+              <a:t>关键字定义常量</a:t>
+            </a:r>
+            <a:endParaRPr lang="en-US" altLang="zh-CN" dirty="0" smtClean="0"/>
+          </a:p>
+          <a:p>
+            <a:r>
+              <a:rPr lang="en-US" altLang="zh-CN" dirty="0"/>
+              <a:t>#define </a:t>
             </a:r>
             <a:r>
               <a:rPr lang="zh-CN" altLang="en-US" dirty="0" smtClean="0"/>
-              <a:t>数组</a:t>
-            </a:r>
-            <a:r>
-              <a:rPr lang="en-US" altLang="zh-CN" dirty="0" smtClean="0"/>
-              <a:t>	</a:t>
-            </a:r>
-            <a:r>
-              <a:rPr lang="zh-CN" altLang="en-US" dirty="0" smtClean="0"/>
-              <a:t>可以</a:t>
-            </a:r>
-            <a:r>
-              <a:rPr lang="zh-CN" altLang="en-US" dirty="0"/>
-              <a:t>存储</a:t>
-            </a:r>
-            <a:r>
-              <a:rPr lang="zh-CN" altLang="en-US" dirty="0" smtClean="0"/>
-              <a:t>一系列</a:t>
-            </a:r>
-            <a:r>
-              <a:rPr lang="en-US" altLang="zh-CN" dirty="0" smtClean="0"/>
-              <a:t>	</a:t>
-            </a:r>
-            <a:r>
-              <a:rPr lang="zh-CN" altLang="en-US" dirty="0" smtClean="0"/>
-              <a:t>相同</a:t>
-            </a:r>
-            <a:r>
-              <a:rPr lang="zh-CN" altLang="en-US" dirty="0"/>
-              <a:t>类型的元素。</a:t>
-            </a:r>
-          </a:p>
-          <a:p>
-            <a:r>
-              <a:rPr lang="zh-CN" altLang="en-US" b="1" dirty="0"/>
-              <a:t>字符串（</a:t>
-            </a:r>
-            <a:r>
-              <a:rPr lang="en-US" altLang="zh-CN" b="1" dirty="0"/>
-              <a:t>String</a:t>
-            </a:r>
-            <a:r>
-              <a:rPr lang="zh-CN" altLang="en-US" b="1" dirty="0"/>
-              <a:t>）</a:t>
-            </a:r>
+              <a:t>宏定义</a:t>
+            </a:r>
+            <a:endParaRPr lang="en-US" altLang="zh-CN" dirty="0"/>
           </a:p>
           <a:p>
             <a:pPr marL="0" indent="0">
               <a:buNone/>
             </a:pPr>
             <a:r>
-              <a:rPr lang="en-US" altLang="zh-CN" dirty="0" smtClean="0"/>
-              <a:t>	</a:t>
+              <a:rPr lang="en-US" altLang="zh-CN" dirty="0"/>
+              <a:t>	#define </a:t>
+            </a:r>
+            <a:r>
+              <a:rPr lang="zh-CN" altLang="en-US" dirty="0"/>
+              <a:t>是预处理指令，用于定义常量或宏函数，常量值在编译前会被替换。</a:t>
+            </a:r>
+            <a:endParaRPr lang="en-US" altLang="zh-CN" dirty="0" smtClean="0"/>
+          </a:p>
+          <a:p>
+            <a:r>
+              <a:rPr lang="zh-CN" altLang="en-US" dirty="0"/>
+              <a:t>枚举</a:t>
             </a:r>
             <a:r>
               <a:rPr lang="zh-CN" altLang="en-US" dirty="0" smtClean="0"/>
-              <a:t>在 </a:t>
-            </a:r>
-            <a:r>
-              <a:rPr lang="en-US" altLang="zh-CN" dirty="0"/>
-              <a:t>C++ </a:t>
-            </a:r>
-            <a:r>
-              <a:rPr lang="zh-CN" altLang="en-US" dirty="0"/>
-              <a:t>中，</a:t>
-            </a:r>
-            <a:r>
-              <a:rPr lang="en-US" altLang="zh-CN" dirty="0"/>
-              <a:t>string </a:t>
-            </a:r>
-            <a:r>
-              <a:rPr lang="zh-CN" altLang="en-US" dirty="0"/>
-              <a:t>是一个标准库类（</a:t>
-            </a:r>
-            <a:r>
-              <a:rPr lang="en-US" altLang="zh-CN" dirty="0" err="1"/>
-              <a:t>std</a:t>
-            </a:r>
-            <a:r>
-              <a:rPr lang="en-US" altLang="zh-CN" dirty="0"/>
-              <a:t>::string</a:t>
-            </a:r>
-            <a:r>
-              <a:rPr lang="zh-CN" altLang="en-US" dirty="0"/>
-              <a:t>），用于表示字符序列。它比</a:t>
-            </a:r>
-            <a:r>
-              <a:rPr lang="zh-CN" altLang="en-US" dirty="0" smtClean="0"/>
-              <a:t>传统</a:t>
-            </a:r>
-            <a:r>
-              <a:rPr lang="en-US" altLang="zh-CN" dirty="0" smtClean="0"/>
-              <a:t>	</a:t>
-            </a:r>
-            <a:r>
-              <a:rPr lang="zh-CN" altLang="en-US" dirty="0" smtClean="0"/>
-              <a:t>的 </a:t>
-            </a:r>
-            <a:r>
-              <a:rPr lang="en-US" altLang="zh-CN" dirty="0"/>
-              <a:t>C </a:t>
-            </a:r>
-            <a:r>
-              <a:rPr lang="zh-CN" altLang="en-US" dirty="0"/>
-              <a:t>风格</a:t>
-            </a:r>
-            <a:r>
-              <a:rPr lang="zh-CN" altLang="en-US" dirty="0" smtClean="0"/>
-              <a:t>字符串</a:t>
-            </a:r>
-            <a:r>
-              <a:rPr lang="en-US" altLang="zh-CN" dirty="0" smtClean="0"/>
-              <a:t>	</a:t>
-            </a:r>
-            <a:r>
-              <a:rPr lang="zh-CN" altLang="en-US" dirty="0" smtClean="0"/>
-              <a:t>（</a:t>
-            </a:r>
-            <a:r>
-              <a:rPr lang="en-US" altLang="zh-CN" dirty="0" smtClean="0"/>
-              <a:t>char </a:t>
-            </a:r>
-            <a:r>
-              <a:rPr lang="zh-CN" altLang="en-US" dirty="0"/>
-              <a:t>数组）更加灵活和方便，支持许多字符串操作，如拼接</a:t>
-            </a:r>
-            <a:r>
-              <a:rPr lang="zh-CN" altLang="en-US" dirty="0" smtClean="0"/>
-              <a:t>、</a:t>
-            </a:r>
-            <a:r>
-              <a:rPr lang="en-US" altLang="zh-CN" dirty="0" smtClean="0"/>
-              <a:t>	</a:t>
-            </a:r>
-            <a:r>
-              <a:rPr lang="zh-CN" altLang="en-US" dirty="0" smtClean="0"/>
-              <a:t>查找、替换</a:t>
-            </a:r>
-            <a:r>
-              <a:rPr lang="zh-CN" altLang="en-US" dirty="0"/>
-              <a:t>等</a:t>
-            </a:r>
-            <a:r>
-              <a:rPr lang="zh-CN" altLang="en-US" dirty="0" smtClean="0"/>
-              <a:t>。</a:t>
+              <a:t>类型</a:t>
             </a:r>
             <a:endParaRPr lang="en-US" altLang="zh-CN" dirty="0" smtClean="0"/>
-          </a:p>
-          <a:p>
-            <a:r>
-              <a:rPr lang="zh-CN" altLang="en-US" b="1" dirty="0"/>
-              <a:t>结构体（</a:t>
-            </a:r>
-            <a:r>
-              <a:rPr lang="en-US" altLang="zh-CN" b="1" dirty="0" err="1"/>
-              <a:t>struct</a:t>
-            </a:r>
-            <a:r>
-              <a:rPr lang="zh-CN" altLang="en-US" b="1" dirty="0" smtClean="0"/>
-              <a:t>）</a:t>
-            </a:r>
-            <a:endParaRPr lang="en-US" altLang="zh-CN" b="1" dirty="0" smtClean="0"/>
           </a:p>
           <a:p>
             <a:pPr marL="0" indent="0">
               <a:buNone/>
             </a:pPr>
             <a:r>
-              <a:rPr lang="en-US" altLang="zh-CN" b="1" dirty="0"/>
+              <a:rPr lang="en-US" altLang="zh-CN" dirty="0"/>
               <a:t>	</a:t>
             </a:r>
             <a:r>
-              <a:rPr lang="zh-CN" altLang="en-US" b="1" dirty="0"/>
-              <a:t>结构体</a:t>
-            </a:r>
-            <a:r>
-              <a:rPr lang="zh-CN" altLang="en-US" dirty="0"/>
-              <a:t>是 </a:t>
-            </a:r>
-            <a:r>
-              <a:rPr lang="en-US" altLang="zh-CN" dirty="0"/>
-              <a:t>C++ </a:t>
-            </a:r>
-            <a:r>
-              <a:rPr lang="zh-CN" altLang="en-US" dirty="0"/>
-              <a:t>中的一种复合数据类型，它可以存储多个不同类型的变量（成员变</a:t>
-            </a:r>
-            <a:r>
-              <a:rPr lang="en-US" altLang="zh-CN" dirty="0"/>
-              <a:t>	</a:t>
-            </a:r>
-            <a:r>
-              <a:rPr lang="zh-CN" altLang="en-US" dirty="0"/>
-              <a:t>量）。结构体</a:t>
-            </a:r>
-            <a:r>
-              <a:rPr lang="zh-CN" altLang="en-US" dirty="0" smtClean="0"/>
-              <a:t>允</a:t>
-            </a:r>
-            <a:r>
-              <a:rPr lang="en-US" altLang="zh-CN" dirty="0" smtClean="0"/>
-              <a:t>	</a:t>
-            </a:r>
-            <a:r>
-              <a:rPr lang="zh-CN" altLang="en-US" dirty="0" smtClean="0"/>
-              <a:t>许</a:t>
-            </a:r>
-            <a:r>
-              <a:rPr lang="zh-CN" altLang="en-US" dirty="0"/>
-              <a:t>你</a:t>
-            </a:r>
-            <a:r>
-              <a:rPr lang="zh-CN" altLang="en-US" dirty="0" smtClean="0"/>
-              <a:t>将不同</a:t>
-            </a:r>
-            <a:r>
-              <a:rPr lang="zh-CN" altLang="en-US" dirty="0"/>
-              <a:t>的变量聚集在一起，形成一个整体。</a:t>
-            </a:r>
-            <a:endParaRPr lang="en-US" altLang="zh-CN" dirty="0"/>
-          </a:p>
-          <a:p>
-            <a:r>
-              <a:rPr lang="zh-CN" altLang="en-US" b="1" dirty="0" smtClean="0"/>
-              <a:t>联合体</a:t>
-            </a:r>
-            <a:r>
-              <a:rPr lang="zh-CN" altLang="en-US" b="1" dirty="0"/>
-              <a:t>（</a:t>
-            </a:r>
-            <a:r>
-              <a:rPr lang="en-US" altLang="zh-CN" b="1" dirty="0"/>
-              <a:t>Union</a:t>
-            </a:r>
-            <a:r>
-              <a:rPr lang="zh-CN" altLang="en-US" b="1" dirty="0" smtClean="0"/>
-              <a:t>）</a:t>
-            </a:r>
-            <a:endParaRPr lang="en-US" altLang="zh-CN" b="1" dirty="0" smtClean="0"/>
-          </a:p>
-          <a:p>
-            <a:pPr marL="0" indent="0">
-              <a:buNone/>
-            </a:pPr>
-            <a:r>
-              <a:rPr lang="en-US" altLang="zh-CN" b="1" dirty="0"/>
-              <a:t>	</a:t>
-            </a:r>
-            <a:r>
-              <a:rPr lang="zh-CN" altLang="en-US" dirty="0"/>
-              <a:t>联合体（</a:t>
-            </a:r>
-            <a:r>
-              <a:rPr lang="en-US" altLang="zh-CN" dirty="0"/>
-              <a:t>union</a:t>
-            </a:r>
-            <a:r>
-              <a:rPr lang="zh-CN" altLang="en-US" dirty="0"/>
-              <a:t>）是 </a:t>
-            </a:r>
-            <a:r>
-              <a:rPr lang="en-US" altLang="zh-CN" dirty="0"/>
-              <a:t>C++ </a:t>
-            </a:r>
-            <a:r>
-              <a:rPr lang="zh-CN" altLang="en-US" dirty="0"/>
-              <a:t>中的一个特殊数据类型，它可以存储不同类型的数据，但所</a:t>
-            </a:r>
-            <a:r>
-              <a:rPr lang="en-US" altLang="zh-CN" dirty="0"/>
-              <a:t>	</a:t>
-            </a:r>
-            <a:r>
-              <a:rPr lang="zh-CN" altLang="en-US" dirty="0"/>
-              <a:t>有成员共享</a:t>
-            </a:r>
-            <a:r>
-              <a:rPr lang="en-US" altLang="zh-CN" dirty="0"/>
-              <a:t>	</a:t>
-            </a:r>
-            <a:r>
-              <a:rPr lang="zh-CN" altLang="en-US" dirty="0"/>
-              <a:t>同一块内存空间。也就是说，联合体的成员变量占用的内存是最大的成员变量所需要的内存。不</a:t>
-            </a:r>
-            <a:r>
-              <a:rPr lang="en-US" altLang="zh-CN" dirty="0"/>
-              <a:t>	</a:t>
-            </a:r>
-            <a:r>
-              <a:rPr lang="zh-CN" altLang="en-US" dirty="0"/>
-              <a:t>同数据类型的成员共享相同的内存空间，节省内存，</a:t>
-            </a:r>
-            <a:r>
-              <a:rPr lang="zh-CN" altLang="en-US" b="1" dirty="0">
-                <a:solidFill>
-                  <a:srgbClr val="FF0000"/>
-                </a:solidFill>
-              </a:rPr>
-              <a:t>但同一时刻只能使用一个成</a:t>
-            </a:r>
-            <a:r>
-              <a:rPr lang="zh-CN" altLang="en-US" dirty="0">
-                <a:solidFill>
-                  <a:srgbClr val="FF0000"/>
-                </a:solidFill>
-              </a:rPr>
-              <a:t>员</a:t>
-            </a:r>
-            <a:r>
-              <a:rPr lang="zh-CN" altLang="en-US" dirty="0"/>
-              <a:t>。</a:t>
-            </a:r>
-          </a:p>
-          <a:p>
-            <a:r>
-              <a:rPr lang="zh-CN" altLang="en-US" b="1" dirty="0" smtClean="0"/>
-              <a:t>自定义类</a:t>
-            </a:r>
-            <a:endParaRPr lang="en-US" altLang="zh-CN" b="1" dirty="0" smtClean="0"/>
-          </a:p>
-          <a:p>
-            <a:pPr marL="0" indent="0">
-              <a:buNone/>
-            </a:pPr>
-            <a:r>
-              <a:rPr lang="en-US" altLang="zh-CN" dirty="0" smtClean="0"/>
-              <a:t>	</a:t>
-            </a:r>
-            <a:r>
-              <a:rPr lang="zh-CN" altLang="en-US" dirty="0" smtClean="0"/>
-              <a:t>自定义</a:t>
-            </a:r>
-            <a:r>
-              <a:rPr lang="zh-CN" altLang="en-US" dirty="0"/>
-              <a:t>类通过将不同类型的成员变量和成员函数组合起来，形成一个新的类型，从而使得对象在实际使用中能够</a:t>
-            </a:r>
-            <a:r>
-              <a:rPr lang="zh-CN" altLang="en-US" dirty="0" smtClean="0"/>
-              <a:t>代</a:t>
-            </a:r>
-            <a:r>
-              <a:rPr lang="en-US" altLang="zh-CN" dirty="0" smtClean="0"/>
-              <a:t>	</a:t>
-            </a:r>
-            <a:r>
-              <a:rPr lang="zh-CN" altLang="en-US" dirty="0" smtClean="0"/>
-              <a:t>表</a:t>
-            </a:r>
-            <a:r>
-              <a:rPr lang="zh-CN" altLang="en-US" dirty="0"/>
-              <a:t>一个复杂的实体。类内部的数据成员可以是基本数据类型、结构体、其他类的对象，甚至是其他类的指针等。</a:t>
-            </a:r>
-            <a:endParaRPr lang="zh-CN" altLang="en-US" b="1" dirty="0"/>
-          </a:p>
-          <a:p>
-            <a:pPr marL="0" indent="0">
-              <a:buNone/>
-            </a:pPr>
-            <a:endParaRPr lang="en-US" altLang="zh-CN" b="1" dirty="0"/>
-          </a:p>
-          <a:p>
-            <a:pPr marL="0" indent="0">
-              <a:buNone/>
-            </a:pPr>
-            <a:endParaRPr lang="en-US" altLang="zh-CN" dirty="0" smtClean="0"/>
-          </a:p>
-          <a:p>
-            <a:pPr marL="0" indent="0">
-              <a:buNone/>
-            </a:pPr>
-            <a:endParaRPr lang="zh-CN" altLang="en-US" dirty="0"/>
-          </a:p>
-          <a:p>
-            <a:pPr marL="0" indent="0">
-              <a:buNone/>
-            </a:pPr>
-            <a:endParaRPr lang="zh-CN" altLang="en-US" dirty="0"/>
+              <a:rPr lang="zh-CN" altLang="en-US" dirty="0"/>
+              <a:t>枚举类型用于定义一个具有固定值集合的变量。</a:t>
+            </a:r>
           </a:p>
         </p:txBody>
       </p:sp>
     </p:spTree>
     <p:extLst>
       <p:ext uri="{BB962C8B-B14F-4D97-AF65-F5344CB8AC3E}">
-        <p14:creationId xmlns:p14="http://schemas.microsoft.com/office/powerpoint/2010/main" val="2888587339"/>
+        <p14:creationId xmlns:p14="http://schemas.microsoft.com/office/powerpoint/2010/main" val="2998995535"/>
       </p:ext>
     </p:extLst>
   </p:cSld>
@@ -9728,152 +9801,148 @@
           <a:lstStyle/>
           <a:p>
             <a:r>
+              <a:rPr lang="en-US" altLang="zh-CN" b="1" dirty="0" smtClean="0"/>
+              <a:t>2.3 </a:t>
+            </a:r>
+            <a:r>
+              <a:rPr lang="zh-CN" altLang="en-US" b="1" dirty="0" smtClean="0"/>
+              <a:t>复合</a:t>
+            </a:r>
+            <a:r>
+              <a:rPr lang="zh-CN" altLang="en-US" b="1" dirty="0"/>
+              <a:t>类型</a:t>
+            </a:r>
+          </a:p>
+        </p:txBody>
+      </p:sp>
+      <p:sp>
+        <p:nvSpPr>
+          <p:cNvPr id="3" name="内容占位符 2"/>
+          <p:cNvSpPr>
+            <a:spLocks noGrp="1"/>
+          </p:cNvSpPr>
+          <p:nvPr>
+            <p:ph idx="1"/>
+          </p:nvPr>
+        </p:nvSpPr>
+        <p:spPr/>
+        <p:txBody>
+          <a:bodyPr>
+            <a:normAutofit fontScale="70000" lnSpcReduction="20000"/>
+          </a:bodyPr>
+          <a:lstStyle/>
+          <a:p>
+            <a:r>
+              <a:rPr lang="zh-CN" altLang="en-US" b="1" dirty="0"/>
+              <a:t>数组（</a:t>
+            </a:r>
+            <a:r>
               <a:rPr lang="en-US" altLang="zh-CN" b="1" dirty="0"/>
-              <a:t>C++ </a:t>
+              <a:t>Array</a:t>
             </a:r>
             <a:r>
               <a:rPr lang="zh-CN" altLang="en-US" b="1" dirty="0"/>
-              <a:t>字符串和 </a:t>
-            </a:r>
-            <a:r>
-              <a:rPr lang="en-US" altLang="zh-CN" b="1" dirty="0"/>
-              <a:t>C </a:t>
-            </a:r>
-            <a:r>
-              <a:rPr lang="zh-CN" altLang="en-US" b="1" dirty="0"/>
-              <a:t>字符数组的区别</a:t>
-            </a:r>
-          </a:p>
-        </p:txBody>
-      </p:sp>
-      <p:sp>
-        <p:nvSpPr>
-          <p:cNvPr id="3" name="内容占位符 2"/>
-          <p:cNvSpPr>
-            <a:spLocks noGrp="1"/>
-          </p:cNvSpPr>
-          <p:nvPr>
-            <p:ph idx="1"/>
-          </p:nvPr>
-        </p:nvSpPr>
-        <p:spPr/>
-        <p:txBody>
-          <a:bodyPr/>
-          <a:lstStyle/>
-          <a:p>
-            <a:r>
-              <a:rPr lang="zh-CN" altLang="en-US" dirty="0"/>
-              <a:t>在 </a:t>
-            </a:r>
-            <a:r>
-              <a:rPr lang="en-US" altLang="zh-CN" dirty="0"/>
-              <a:t>C++ </a:t>
-            </a:r>
-            <a:r>
-              <a:rPr lang="zh-CN" altLang="en-US" dirty="0" smtClean="0"/>
-              <a:t>中，</a:t>
-            </a:r>
-            <a:r>
-              <a:rPr lang="zh-CN" altLang="en-US" dirty="0"/>
-              <a:t>定义字符串变量有两种常见方式</a:t>
-            </a:r>
-            <a:r>
-              <a:rPr lang="zh-CN" altLang="en-US" dirty="0" smtClean="0"/>
-              <a:t>：</a:t>
-            </a:r>
-            <a:endParaRPr lang="en-US" altLang="zh-CN" dirty="0" smtClean="0"/>
+              <a:t>）</a:t>
+            </a:r>
           </a:p>
           <a:p>
             <a:pPr marL="0" indent="0">
               <a:buNone/>
             </a:pPr>
             <a:r>
-              <a:rPr lang="en-US" altLang="zh-CN" dirty="0"/>
+              <a:rPr lang="en-US" altLang="zh-CN" b="1" dirty="0" smtClean="0"/>
               <a:t>	</a:t>
             </a:r>
             <a:r>
-              <a:rPr lang="zh-CN" altLang="en-US" dirty="0"/>
-              <a:t>使用字符数组和使用 </a:t>
-            </a:r>
-            <a:r>
-              <a:rPr lang="en-US" altLang="zh-CN" dirty="0" err="1"/>
-              <a:t>std</a:t>
-            </a:r>
-            <a:r>
-              <a:rPr lang="en-US" altLang="zh-CN" dirty="0"/>
-              <a:t>::string </a:t>
-            </a:r>
-            <a:r>
-              <a:rPr lang="zh-CN" altLang="en-US" dirty="0"/>
-              <a:t>类</a:t>
-            </a:r>
-            <a:endParaRPr lang="en-US" altLang="zh-CN" dirty="0"/>
-          </a:p>
-          <a:p>
+              <a:rPr lang="zh-CN" altLang="en-US" b="1" dirty="0" smtClean="0"/>
+              <a:t>数组</a:t>
+            </a:r>
+            <a:r>
+              <a:rPr lang="zh-CN" altLang="en-US" dirty="0"/>
+              <a:t>是一种固定大小的相同类型数据的集合，数据通过下标访问。</a:t>
+            </a:r>
+            <a:r>
+              <a:rPr lang="en-US" altLang="zh-CN" dirty="0"/>
+              <a:t>C++ </a:t>
+            </a:r>
+            <a:r>
+              <a:rPr lang="zh-CN" altLang="en-US" dirty="0"/>
+              <a:t>中的</a:t>
+            </a:r>
             <a:r>
               <a:rPr lang="zh-CN" altLang="en-US" dirty="0" smtClean="0"/>
-              <a:t>使用字符</a:t>
-            </a:r>
-            <a:r>
-              <a:rPr lang="zh-CN" altLang="en-US" dirty="0"/>
-              <a:t>数组（</a:t>
-            </a:r>
-            <a:r>
-              <a:rPr lang="en-US" altLang="zh-CN" dirty="0"/>
-              <a:t>C </a:t>
-            </a:r>
-            <a:r>
-              <a:rPr lang="zh-CN" altLang="en-US" dirty="0"/>
-              <a:t>风格字符串</a:t>
+              <a:t>数组</a:t>
+            </a:r>
+            <a:r>
+              <a:rPr lang="en-US" altLang="zh-CN" dirty="0" smtClean="0"/>
+              <a:t>	</a:t>
             </a:r>
             <a:r>
               <a:rPr lang="zh-CN" altLang="en-US" dirty="0" smtClean="0"/>
+              <a:t>可以</a:t>
+            </a:r>
+            <a:r>
+              <a:rPr lang="zh-CN" altLang="en-US" dirty="0"/>
+              <a:t>存储</a:t>
+            </a:r>
+            <a:r>
+              <a:rPr lang="zh-CN" altLang="en-US" dirty="0" smtClean="0"/>
+              <a:t>一系列</a:t>
+            </a:r>
+            <a:r>
+              <a:rPr lang="en-US" altLang="zh-CN" dirty="0" smtClean="0"/>
+              <a:t>	</a:t>
+            </a:r>
+            <a:r>
+              <a:rPr lang="zh-CN" altLang="en-US" dirty="0" smtClean="0"/>
+              <a:t>相同</a:t>
+            </a:r>
+            <a:r>
+              <a:rPr lang="zh-CN" altLang="en-US" dirty="0"/>
+              <a:t>类型的元素。</a:t>
+            </a:r>
+          </a:p>
+          <a:p>
+            <a:r>
+              <a:rPr lang="zh-CN" altLang="en-US" b="1" dirty="0"/>
+              <a:t>字符串（</a:t>
+            </a:r>
+            <a:r>
+              <a:rPr lang="en-US" altLang="zh-CN" b="1" dirty="0"/>
+              <a:t>String</a:t>
+            </a:r>
+            <a:r>
+              <a:rPr lang="zh-CN" altLang="en-US" b="1" dirty="0"/>
               <a:t>）</a:t>
             </a:r>
-            <a:endParaRPr lang="en-US" altLang="zh-CN" dirty="0" smtClean="0"/>
           </a:p>
           <a:p>
             <a:pPr marL="0" indent="0">
               <a:buNone/>
             </a:pPr>
             <a:r>
-              <a:rPr lang="en-US" altLang="zh-CN" dirty="0"/>
+              <a:rPr lang="en-US" altLang="zh-CN" dirty="0" smtClean="0"/>
               <a:t>	</a:t>
             </a:r>
             <a:r>
-              <a:rPr lang="zh-CN" altLang="en-US" dirty="0"/>
+              <a:rPr lang="zh-CN" altLang="en-US" dirty="0" smtClean="0"/>
               <a:t>在 </a:t>
             </a:r>
             <a:r>
               <a:rPr lang="en-US" altLang="zh-CN" dirty="0"/>
-              <a:t>C </a:t>
-            </a:r>
-            <a:r>
-              <a:rPr lang="zh-CN" altLang="en-US" dirty="0"/>
-              <a:t>中，字符串通常是一个字符数组，并以 </a:t>
-            </a:r>
-            <a:r>
-              <a:rPr lang="en-US" altLang="zh-CN" dirty="0"/>
-              <a:t>'\0'</a:t>
-            </a:r>
-            <a:r>
-              <a:rPr lang="zh-CN" altLang="en-US" dirty="0"/>
-              <a:t>（空字符）结尾来标识字符串的结 </a:t>
-            </a:r>
-            <a:r>
-              <a:rPr lang="en-US" altLang="zh-CN" dirty="0"/>
-              <a:t>	</a:t>
-            </a:r>
-            <a:r>
-              <a:rPr lang="zh-CN" altLang="en-US" dirty="0"/>
-              <a:t>束。</a:t>
-            </a:r>
-            <a:endParaRPr lang="en-US" altLang="zh-CN" dirty="0" smtClean="0"/>
-          </a:p>
-          <a:p>
-            <a:r>
-              <a:rPr lang="zh-CN" altLang="en-US" dirty="0"/>
-              <a:t>使用 </a:t>
+              <a:t>C++ </a:t>
+            </a:r>
+            <a:r>
+              <a:rPr lang="zh-CN" altLang="en-US" dirty="0"/>
+              <a:t>中，</a:t>
+            </a:r>
+            <a:r>
+              <a:rPr lang="en-US" altLang="zh-CN" dirty="0"/>
+              <a:t>string </a:t>
+            </a:r>
+            <a:r>
+              <a:rPr lang="zh-CN" altLang="en-US" dirty="0"/>
+              <a:t>是一个标准库类（</a:t>
             </a:r>
             <a:r>
               <a:rPr lang="en-US" altLang="zh-CN" dirty="0" err="1"/>
@@ -9881,33 +9950,104 @@
             </a:r>
             <a:r>
               <a:rPr lang="en-US" altLang="zh-CN" dirty="0"/>
-              <a:t>::string </a:t>
-            </a:r>
-            <a:r>
-              <a:rPr lang="zh-CN" altLang="en-US" dirty="0"/>
-              <a:t>类（</a:t>
-            </a:r>
-            <a:r>
-              <a:rPr lang="en-US" altLang="zh-CN" dirty="0"/>
-              <a:t>C++ </a:t>
-            </a:r>
-            <a:r>
-              <a:rPr lang="zh-CN" altLang="en-US" dirty="0"/>
-              <a:t>风格字符串）</a:t>
+              <a:t>::string</a:t>
+            </a:r>
+            <a:r>
+              <a:rPr lang="zh-CN" altLang="en-US" dirty="0"/>
+              <a:t>），用于表示字符序列。它比</a:t>
+            </a:r>
+            <a:r>
+              <a:rPr lang="zh-CN" altLang="en-US" dirty="0" smtClean="0"/>
+              <a:t>传统</a:t>
+            </a:r>
+            <a:r>
+              <a:rPr lang="en-US" altLang="zh-CN" dirty="0" smtClean="0"/>
+              <a:t>	</a:t>
+            </a:r>
+            <a:r>
+              <a:rPr lang="zh-CN" altLang="en-US" dirty="0" smtClean="0"/>
+              <a:t>的 </a:t>
+            </a:r>
+            <a:r>
+              <a:rPr lang="en-US" altLang="zh-CN" dirty="0"/>
+              <a:t>C </a:t>
+            </a:r>
+            <a:r>
+              <a:rPr lang="zh-CN" altLang="en-US" dirty="0"/>
+              <a:t>风格</a:t>
+            </a:r>
+            <a:r>
+              <a:rPr lang="zh-CN" altLang="en-US" dirty="0" smtClean="0"/>
+              <a:t>字符串</a:t>
+            </a:r>
+            <a:r>
+              <a:rPr lang="en-US" altLang="zh-CN" dirty="0" smtClean="0"/>
+              <a:t>	</a:t>
+            </a:r>
+            <a:r>
+              <a:rPr lang="zh-CN" altLang="en-US" dirty="0" smtClean="0"/>
+              <a:t>（</a:t>
+            </a:r>
+            <a:r>
+              <a:rPr lang="en-US" altLang="zh-CN" dirty="0" smtClean="0"/>
+              <a:t>char </a:t>
+            </a:r>
+            <a:r>
+              <a:rPr lang="zh-CN" altLang="en-US" dirty="0"/>
+              <a:t>数组）更加灵活和方便，支持许多字符串操作，如拼接</a:t>
+            </a:r>
+            <a:r>
+              <a:rPr lang="zh-CN" altLang="en-US" dirty="0" smtClean="0"/>
+              <a:t>、</a:t>
+            </a:r>
+            <a:r>
+              <a:rPr lang="en-US" altLang="zh-CN" dirty="0" smtClean="0"/>
+              <a:t>	</a:t>
+            </a:r>
+            <a:r>
+              <a:rPr lang="zh-CN" altLang="en-US" dirty="0" smtClean="0"/>
+              <a:t>查找、替换</a:t>
+            </a:r>
+            <a:r>
+              <a:rPr lang="zh-CN" altLang="en-US" dirty="0"/>
+              <a:t>等</a:t>
+            </a:r>
+            <a:r>
+              <a:rPr lang="zh-CN" altLang="en-US" dirty="0" smtClean="0"/>
+              <a:t>。</a:t>
             </a:r>
             <a:endParaRPr lang="en-US" altLang="zh-CN" dirty="0" smtClean="0"/>
+          </a:p>
+          <a:p>
+            <a:r>
+              <a:rPr lang="zh-CN" altLang="en-US" b="1" dirty="0"/>
+              <a:t>结构体（</a:t>
+            </a:r>
+            <a:r>
+              <a:rPr lang="en-US" altLang="zh-CN" b="1" dirty="0" err="1"/>
+              <a:t>struct</a:t>
+            </a:r>
+            <a:r>
+              <a:rPr lang="zh-CN" altLang="en-US" b="1" dirty="0" smtClean="0"/>
+              <a:t>）</a:t>
+            </a:r>
+            <a:endParaRPr lang="en-US" altLang="zh-CN" b="1" dirty="0" smtClean="0"/>
           </a:p>
           <a:p>
             <a:pPr marL="0" indent="0">
               <a:buNone/>
             </a:pPr>
             <a:r>
-              <a:rPr lang="en-US" altLang="zh-CN" dirty="0"/>
+              <a:rPr lang="en-US" altLang="zh-CN" b="1" dirty="0"/>
               <a:t>	</a:t>
             </a:r>
             <a:r>
-              <a:rPr lang="zh-CN" altLang="en-US" dirty="0"/>
-              <a:t>在 </a:t>
+              <a:rPr lang="zh-CN" altLang="en-US" b="1" dirty="0"/>
+              <a:t>结构体</a:t>
+            </a:r>
+            <a:r>
+              <a:rPr lang="zh-CN" altLang="en-US" dirty="0"/>
+              <a:t>是 </a:t>
             </a:r>
             <a:r>
               <a:rPr lang="en-US" altLang="zh-CN" dirty="0"/>
@@ -9915,23 +10055,19 @@
             </a:r>
             <a:r>
               <a:rPr lang="zh-CN" altLang="en-US" dirty="0"/>
-              <a:t>中，</a:t>
-            </a:r>
-            <a:r>
-              <a:rPr lang="en-US" altLang="zh-CN" dirty="0" err="1"/>
-              <a:t>std</a:t>
-            </a:r>
-            <a:r>
-              <a:rPr lang="en-US" altLang="zh-CN" dirty="0"/>
-              <a:t>::string </a:t>
-            </a:r>
-            <a:r>
-              <a:rPr lang="zh-CN" altLang="en-US" dirty="0"/>
-              <a:t>是一个标准库类，专门用于处理字符串。它封装了字符</a:t>
+              <a:t>中的一种复合数据类型，它可以存储多个不同类型的变量（成员变</a:t>
+            </a:r>
+            <a:r>
+              <a:rPr lang="en-US" altLang="zh-CN" dirty="0"/>
+              <a:t>	</a:t>
+            </a:r>
+            <a:r>
+              <a:rPr lang="zh-CN" altLang="en-US" dirty="0"/>
+              <a:t>量）。结构体</a:t>
             </a:r>
             <a:r>
               <a:rPr lang="zh-CN" altLang="en-US" dirty="0" smtClean="0"/>
-              <a:t>数</a:t>
+              <a:t>允</a:t>
             </a:r>
             <a:r>
               <a:rPr lang="en-US" altLang="zh-CN" dirty="0" smtClean="0"/>
@@ -9939,68 +10075,198 @@
             </a:r>
             <a:r>
               <a:rPr lang="zh-CN" altLang="en-US" dirty="0" smtClean="0"/>
-              <a:t>组</a:t>
-            </a:r>
-            <a:r>
-              <a:rPr lang="zh-CN" altLang="en-US" dirty="0"/>
-              <a:t>，提供了更便捷的字符串操作方法</a:t>
+              <a:t>许</a:t>
+            </a:r>
+            <a:r>
+              <a:rPr lang="zh-CN" altLang="en-US" dirty="0"/>
+              <a:t>你</a:t>
             </a:r>
             <a:r>
               <a:rPr lang="zh-CN" altLang="en-US" dirty="0" smtClean="0"/>
+              <a:t>将不同</a:t>
+            </a:r>
+            <a:r>
+              <a:rPr lang="zh-CN" altLang="en-US" dirty="0"/>
+              <a:t>的变量聚集在一起，形成一个整体。</a:t>
+            </a:r>
+            <a:endParaRPr lang="en-US" altLang="zh-CN" dirty="0"/>
+          </a:p>
+          <a:p>
+            <a:r>
+              <a:rPr lang="zh-CN" altLang="en-US" b="1" dirty="0" smtClean="0"/>
+              <a:t>联合体</a:t>
+            </a:r>
+            <a:r>
+              <a:rPr lang="zh-CN" altLang="en-US" b="1" dirty="0"/>
+              <a:t>（</a:t>
+            </a:r>
+            <a:r>
+              <a:rPr lang="en-US" altLang="zh-CN" b="1" dirty="0"/>
+              <a:t>Union</a:t>
+            </a:r>
+            <a:r>
+              <a:rPr lang="zh-CN" altLang="en-US" b="1" dirty="0" smtClean="0"/>
+              <a:t>）</a:t>
+            </a:r>
+            <a:endParaRPr lang="en-US" altLang="zh-CN" b="1" dirty="0" smtClean="0"/>
+          </a:p>
+          <a:p>
+            <a:pPr marL="0" indent="0">
+              <a:buNone/>
+            </a:pPr>
+            <a:r>
+              <a:rPr lang="en-US" altLang="zh-CN" b="1" dirty="0"/>
+              <a:t>	</a:t>
+            </a:r>
+            <a:r>
+              <a:rPr lang="zh-CN" altLang="en-US" dirty="0"/>
+              <a:t>联合体（</a:t>
+            </a:r>
+            <a:r>
+              <a:rPr lang="en-US" altLang="zh-CN" dirty="0"/>
+              <a:t>union</a:t>
+            </a:r>
+            <a:r>
+              <a:rPr lang="zh-CN" altLang="en-US" dirty="0"/>
+              <a:t>）是 </a:t>
+            </a:r>
+            <a:r>
+              <a:rPr lang="en-US" altLang="zh-CN" dirty="0"/>
+              <a:t>C++ </a:t>
+            </a:r>
+            <a:r>
+              <a:rPr lang="zh-CN" altLang="en-US" dirty="0"/>
+              <a:t>中的一个特殊数据类型，它可以存储不同类型的数据，但所</a:t>
+            </a:r>
+            <a:r>
+              <a:rPr lang="en-US" altLang="zh-CN" dirty="0"/>
+              <a:t>	</a:t>
+            </a:r>
+            <a:r>
+              <a:rPr lang="zh-CN" altLang="en-US" dirty="0"/>
+              <a:t>有成员共享</a:t>
+            </a:r>
+            <a:r>
+              <a:rPr lang="en-US" altLang="zh-CN" dirty="0"/>
+              <a:t>	</a:t>
+            </a:r>
+            <a:r>
+              <a:rPr lang="zh-CN" altLang="en-US" dirty="0"/>
+              <a:t>同一块内存空间。也就是说，联合体的成员变量占用的内存是最大的成员变量所需要的内存。不</a:t>
+            </a:r>
+            <a:r>
+              <a:rPr lang="en-US" altLang="zh-CN" dirty="0"/>
+              <a:t>	</a:t>
+            </a:r>
+            <a:r>
+              <a:rPr lang="zh-CN" altLang="en-US" dirty="0"/>
+              <a:t>同数据类型的成员共享相同的内存空间，节省内存，</a:t>
+            </a:r>
+            <a:r>
+              <a:rPr lang="zh-CN" altLang="en-US" b="1" dirty="0">
+                <a:solidFill>
+                  <a:srgbClr val="FF0000"/>
+                </a:solidFill>
+              </a:rPr>
+              <a:t>但同一时刻只能使用一个成</a:t>
+            </a:r>
+            <a:r>
+              <a:rPr lang="zh-CN" altLang="en-US" dirty="0">
+                <a:solidFill>
+                  <a:srgbClr val="FF0000"/>
+                </a:solidFill>
+              </a:rPr>
+              <a:t>员</a:t>
+            </a:r>
+            <a:r>
+              <a:rPr lang="zh-CN" altLang="en-US" dirty="0"/>
               <a:t>。</a:t>
             </a:r>
+          </a:p>
+          <a:p>
+            <a:r>
+              <a:rPr lang="zh-CN" altLang="en-US" b="1" dirty="0" smtClean="0"/>
+              <a:t>自定义类</a:t>
+            </a:r>
+            <a:endParaRPr lang="en-US" altLang="zh-CN" b="1" dirty="0" smtClean="0"/>
+          </a:p>
+          <a:p>
+            <a:pPr marL="0" indent="0">
+              <a:buNone/>
+            </a:pPr>
+            <a:r>
+              <a:rPr lang="en-US" altLang="zh-CN" dirty="0" smtClean="0"/>
+              <a:t>	</a:t>
+            </a:r>
+            <a:r>
+              <a:rPr lang="zh-CN" altLang="en-US" dirty="0" smtClean="0"/>
+              <a:t>自定义</a:t>
+            </a:r>
+            <a:r>
+              <a:rPr lang="zh-CN" altLang="en-US" dirty="0"/>
+              <a:t>类通过将不同类型的成员变量和成员函数组合起来，形成一个新的类型，从而使得对象在实际使用中能够</a:t>
+            </a:r>
+            <a:r>
+              <a:rPr lang="zh-CN" altLang="en-US" dirty="0" smtClean="0"/>
+              <a:t>代</a:t>
+            </a:r>
+            <a:r>
+              <a:rPr lang="en-US" altLang="zh-CN" dirty="0" smtClean="0"/>
+              <a:t>	</a:t>
+            </a:r>
+            <a:r>
+              <a:rPr lang="zh-CN" altLang="en-US" dirty="0" smtClean="0"/>
+              <a:t>表</a:t>
+            </a:r>
+            <a:r>
+              <a:rPr lang="zh-CN" altLang="en-US" dirty="0"/>
+              <a:t>一个复杂的实体。类内部的数据成员可以是基本数据类型、结构体、其他类的对象，甚至是其他类的指针等。</a:t>
+            </a:r>
+            <a:endParaRPr lang="zh-CN" altLang="en-US" b="1" dirty="0"/>
+          </a:p>
+          <a:p>
+            <a:pPr marL="0" indent="0">
+              <a:buNone/>
+            </a:pPr>
+            <a:endParaRPr lang="en-US" altLang="zh-CN" b="1" dirty="0"/>
+          </a:p>
+          <a:p>
+            <a:pPr marL="0" indent="0">
+              <a:buNone/>
+            </a:pPr>
             <a:endParaRPr lang="en-US" altLang="zh-CN" dirty="0" smtClean="0"/>
           </a:p>
           <a:p>
-            <a:pPr lvl="1"/>
-            <a:r>
-              <a:rPr lang="en-US" altLang="zh-CN" dirty="0" err="1"/>
-              <a:t>std</a:t>
-            </a:r>
-            <a:r>
-              <a:rPr lang="en-US" altLang="zh-CN" dirty="0"/>
-              <a:t>::string </a:t>
-            </a:r>
-            <a:r>
-              <a:rPr lang="zh-CN" altLang="en-US" dirty="0"/>
-              <a:t>类自动管理内存，可以动态调整大小。</a:t>
-            </a:r>
-          </a:p>
-          <a:p>
-            <a:pPr lvl="1"/>
-            <a:r>
-              <a:rPr lang="zh-CN" altLang="en-US" dirty="0"/>
-              <a:t>字符串操作更方便，提供了许多内置方法，如 </a:t>
-            </a:r>
-            <a:r>
-              <a:rPr lang="en-US" altLang="zh-CN" dirty="0"/>
-              <a:t>length(), append(), </a:t>
-            </a:r>
-            <a:r>
-              <a:rPr lang="en-US" altLang="zh-CN" dirty="0" err="1"/>
-              <a:t>substr</a:t>
-            </a:r>
-            <a:r>
-              <a:rPr lang="en-US" altLang="zh-CN" dirty="0"/>
-              <a:t>() </a:t>
-            </a:r>
-            <a:r>
-              <a:rPr lang="zh-CN" altLang="en-US" dirty="0"/>
-              <a:t>等。</a:t>
-            </a:r>
+            <a:pPr marL="0" indent="0">
+              <a:buNone/>
+            </a:pPr>
+            <a:endParaRPr lang="zh-CN" altLang="en-US" dirty="0"/>
+          </a:p>
+          <a:p>
+            <a:pPr marL="0" indent="0">
+              <a:buNone/>
+            </a:pPr>
+            <a:endParaRPr lang="zh-CN" altLang="en-US" dirty="0"/>
           </a:p>
         </p:txBody>
       </p:sp>
     </p:spTree>
     <p:extLst>
       <p:ext uri="{BB962C8B-B14F-4D97-AF65-F5344CB8AC3E}">
-        <p14:creationId xmlns:p14="http://schemas.microsoft.com/office/powerpoint/2010/main" val="3452621968"/>
+        <p14:creationId xmlns:p14="http://schemas.microsoft.com/office/powerpoint/2010/main" val="2888587339"/>
       </p:ext>
     </p:extLst>
   </p:cSld>
   <p:clrMapOvr>
     <a:masterClrMapping/>
   </p:clrMapOvr>
+  <p:timing>
+    <p:tnLst>
+      <p:par>
+        <p:cTn id="1" dur="indefinite" restart="never" nodeType="tmRoot"/>
+      </p:par>
+    </p:tnLst>
+  </p:timing>
 </p:sld>
 </file>
 
@@ -10157,6 +10423,315 @@
 </file>
 
 <file path=ppt/slides/slide20.xml><?xml version="1.0" encoding="utf-8"?>
+<p:sld xmlns:a="http://schemas.openxmlformats.org/drawingml/2006/main" xmlns:r="http://schemas.openxmlformats.org/officeDocument/2006/relationships" xmlns:p="http://schemas.openxmlformats.org/presentationml/2006/main">
+  <p:cSld>
+    <p:spTree>
+      <p:nvGrpSpPr>
+        <p:cNvPr id="1" name=""/>
+        <p:cNvGrpSpPr/>
+        <p:nvPr/>
+      </p:nvGrpSpPr>
+      <p:grpSpPr>
+        <a:xfrm>
+          <a:off x="0" y="0"/>
+          <a:ext cx="0" cy="0"/>
+          <a:chOff x="0" y="0"/>
+          <a:chExt cx="0" cy="0"/>
+        </a:xfrm>
+      </p:grpSpPr>
+      <p:sp>
+        <p:nvSpPr>
+          <p:cNvPr id="2" name="标题 1"/>
+          <p:cNvSpPr>
+            <a:spLocks noGrp="1"/>
+          </p:cNvSpPr>
+          <p:nvPr>
+            <p:ph type="title"/>
+          </p:nvPr>
+        </p:nvSpPr>
+        <p:spPr/>
+        <p:txBody>
+          <a:bodyPr/>
+          <a:lstStyle/>
+          <a:p>
+            <a:r>
+              <a:rPr lang="en-US" altLang="zh-CN" b="1" dirty="0"/>
+              <a:t>C++ </a:t>
+            </a:r>
+            <a:r>
+              <a:rPr lang="zh-CN" altLang="en-US" b="1" dirty="0"/>
+              <a:t>字符串和 </a:t>
+            </a:r>
+            <a:r>
+              <a:rPr lang="en-US" altLang="zh-CN" b="1" dirty="0"/>
+              <a:t>C </a:t>
+            </a:r>
+            <a:r>
+              <a:rPr lang="zh-CN" altLang="en-US" b="1" dirty="0"/>
+              <a:t>字符数组的区别</a:t>
+            </a:r>
+          </a:p>
+        </p:txBody>
+      </p:sp>
+      <p:sp>
+        <p:nvSpPr>
+          <p:cNvPr id="3" name="内容占位符 2"/>
+          <p:cNvSpPr>
+            <a:spLocks noGrp="1"/>
+          </p:cNvSpPr>
+          <p:nvPr>
+            <p:ph idx="1"/>
+          </p:nvPr>
+        </p:nvSpPr>
+        <p:spPr/>
+        <p:txBody>
+          <a:bodyPr/>
+          <a:lstStyle/>
+          <a:p>
+            <a:r>
+              <a:rPr lang="zh-CN" altLang="en-US" dirty="0"/>
+              <a:t>在 </a:t>
+            </a:r>
+            <a:r>
+              <a:rPr lang="en-US" altLang="zh-CN" dirty="0"/>
+              <a:t>C++ </a:t>
+            </a:r>
+            <a:r>
+              <a:rPr lang="zh-CN" altLang="en-US" dirty="0" smtClean="0"/>
+              <a:t>中，</a:t>
+            </a:r>
+            <a:r>
+              <a:rPr lang="zh-CN" altLang="en-US" dirty="0"/>
+              <a:t>定义字符串变量有两种常见方式</a:t>
+            </a:r>
+            <a:r>
+              <a:rPr lang="zh-CN" altLang="en-US" dirty="0" smtClean="0"/>
+              <a:t>：</a:t>
+            </a:r>
+            <a:endParaRPr lang="en-US" altLang="zh-CN" dirty="0" smtClean="0"/>
+          </a:p>
+          <a:p>
+            <a:pPr marL="0" indent="0">
+              <a:buNone/>
+            </a:pPr>
+            <a:r>
+              <a:rPr lang="en-US" altLang="zh-CN" dirty="0"/>
+              <a:t>	</a:t>
+            </a:r>
+            <a:r>
+              <a:rPr lang="zh-CN" altLang="en-US" dirty="0"/>
+              <a:t>使用字符数组和使用 </a:t>
+            </a:r>
+            <a:r>
+              <a:rPr lang="en-US" altLang="zh-CN" dirty="0" err="1"/>
+              <a:t>std</a:t>
+            </a:r>
+            <a:r>
+              <a:rPr lang="en-US" altLang="zh-CN" dirty="0"/>
+              <a:t>::string </a:t>
+            </a:r>
+            <a:r>
+              <a:rPr lang="zh-CN" altLang="en-US" dirty="0"/>
+              <a:t>类</a:t>
+            </a:r>
+            <a:endParaRPr lang="en-US" altLang="zh-CN" dirty="0"/>
+          </a:p>
+          <a:p>
+            <a:r>
+              <a:rPr lang="zh-CN" altLang="en-US" dirty="0" smtClean="0"/>
+              <a:t>使用字符</a:t>
+            </a:r>
+            <a:r>
+              <a:rPr lang="zh-CN" altLang="en-US" dirty="0"/>
+              <a:t>数组（</a:t>
+            </a:r>
+            <a:r>
+              <a:rPr lang="en-US" altLang="zh-CN" dirty="0"/>
+              <a:t>C </a:t>
+            </a:r>
+            <a:r>
+              <a:rPr lang="zh-CN" altLang="en-US" dirty="0"/>
+              <a:t>风格字符串</a:t>
+            </a:r>
+            <a:r>
+              <a:rPr lang="zh-CN" altLang="en-US" dirty="0" smtClean="0"/>
+              <a:t>）</a:t>
+            </a:r>
+            <a:endParaRPr lang="en-US" altLang="zh-CN" dirty="0" smtClean="0"/>
+          </a:p>
+          <a:p>
+            <a:pPr marL="0" indent="0">
+              <a:buNone/>
+            </a:pPr>
+            <a:r>
+              <a:rPr lang="en-US" altLang="zh-CN" dirty="0"/>
+              <a:t>	</a:t>
+            </a:r>
+            <a:r>
+              <a:rPr lang="zh-CN" altLang="en-US" dirty="0"/>
+              <a:t>在 </a:t>
+            </a:r>
+            <a:r>
+              <a:rPr lang="en-US" altLang="zh-CN" dirty="0"/>
+              <a:t>C </a:t>
+            </a:r>
+            <a:r>
+              <a:rPr lang="zh-CN" altLang="en-US" dirty="0"/>
+              <a:t>中，字符串通常是一个字符数组，并以 </a:t>
+            </a:r>
+            <a:r>
+              <a:rPr lang="en-US" altLang="zh-CN" dirty="0"/>
+              <a:t>'\0'</a:t>
+            </a:r>
+            <a:r>
+              <a:rPr lang="zh-CN" altLang="en-US" dirty="0"/>
+              <a:t>（空字符）结尾来标识字符串的结 </a:t>
+            </a:r>
+            <a:r>
+              <a:rPr lang="en-US" altLang="zh-CN" dirty="0"/>
+              <a:t>	</a:t>
+            </a:r>
+            <a:r>
+              <a:rPr lang="zh-CN" altLang="en-US" dirty="0"/>
+              <a:t>束。</a:t>
+            </a:r>
+            <a:endParaRPr lang="en-US" altLang="zh-CN" dirty="0" smtClean="0"/>
+          </a:p>
+          <a:p>
+            <a:r>
+              <a:rPr lang="zh-CN" altLang="en-US" dirty="0"/>
+              <a:t>使用 </a:t>
+            </a:r>
+            <a:r>
+              <a:rPr lang="en-US" altLang="zh-CN" dirty="0" err="1"/>
+              <a:t>std</a:t>
+            </a:r>
+            <a:r>
+              <a:rPr lang="en-US" altLang="zh-CN" dirty="0"/>
+              <a:t>::string </a:t>
+            </a:r>
+            <a:r>
+              <a:rPr lang="zh-CN" altLang="en-US" dirty="0"/>
+              <a:t>类（</a:t>
+            </a:r>
+            <a:r>
+              <a:rPr lang="en-US" altLang="zh-CN" dirty="0"/>
+              <a:t>C++ </a:t>
+            </a:r>
+            <a:r>
+              <a:rPr lang="zh-CN" altLang="en-US" dirty="0"/>
+              <a:t>风格字符串）</a:t>
+            </a:r>
+            <a:endParaRPr lang="en-US" altLang="zh-CN" dirty="0" smtClean="0"/>
+          </a:p>
+          <a:p>
+            <a:pPr marL="0" indent="0">
+              <a:buNone/>
+            </a:pPr>
+            <a:r>
+              <a:rPr lang="en-US" altLang="zh-CN" dirty="0"/>
+              <a:t>	</a:t>
+            </a:r>
+            <a:r>
+              <a:rPr lang="zh-CN" altLang="en-US" dirty="0"/>
+              <a:t>在 </a:t>
+            </a:r>
+            <a:r>
+              <a:rPr lang="en-US" altLang="zh-CN" dirty="0"/>
+              <a:t>C++ </a:t>
+            </a:r>
+            <a:r>
+              <a:rPr lang="zh-CN" altLang="en-US" dirty="0"/>
+              <a:t>中，</a:t>
+            </a:r>
+            <a:r>
+              <a:rPr lang="en-US" altLang="zh-CN" dirty="0" err="1"/>
+              <a:t>std</a:t>
+            </a:r>
+            <a:r>
+              <a:rPr lang="en-US" altLang="zh-CN" dirty="0"/>
+              <a:t>::string </a:t>
+            </a:r>
+            <a:r>
+              <a:rPr lang="zh-CN" altLang="en-US" dirty="0"/>
+              <a:t>是一个标准库类，专门用于处理字符串。它封装了字符</a:t>
+            </a:r>
+            <a:r>
+              <a:rPr lang="zh-CN" altLang="en-US" dirty="0" smtClean="0"/>
+              <a:t>数</a:t>
+            </a:r>
+            <a:r>
+              <a:rPr lang="en-US" altLang="zh-CN" dirty="0" smtClean="0"/>
+              <a:t>	</a:t>
+            </a:r>
+            <a:r>
+              <a:rPr lang="zh-CN" altLang="en-US" dirty="0" smtClean="0"/>
+              <a:t>组</a:t>
+            </a:r>
+            <a:r>
+              <a:rPr lang="zh-CN" altLang="en-US" dirty="0"/>
+              <a:t>，提供了更便捷的字符串操作方法</a:t>
+            </a:r>
+            <a:r>
+              <a:rPr lang="zh-CN" altLang="en-US" dirty="0" smtClean="0"/>
+              <a:t>。</a:t>
+            </a:r>
+            <a:endParaRPr lang="en-US" altLang="zh-CN" dirty="0" smtClean="0"/>
+          </a:p>
+          <a:p>
+            <a:pPr lvl="1"/>
+            <a:r>
+              <a:rPr lang="en-US" altLang="zh-CN" dirty="0" err="1"/>
+              <a:t>std</a:t>
+            </a:r>
+            <a:r>
+              <a:rPr lang="en-US" altLang="zh-CN" dirty="0"/>
+              <a:t>::string </a:t>
+            </a:r>
+            <a:r>
+              <a:rPr lang="zh-CN" altLang="en-US" dirty="0"/>
+              <a:t>类自动管理内存，可以动态调整大小。</a:t>
+            </a:r>
+          </a:p>
+          <a:p>
+            <a:pPr lvl="1"/>
+            <a:r>
+              <a:rPr lang="zh-CN" altLang="en-US" dirty="0"/>
+              <a:t>字符串操作更方便，提供了许多内置方法，如 </a:t>
+            </a:r>
+            <a:r>
+              <a:rPr lang="en-US" altLang="zh-CN" dirty="0"/>
+              <a:t>length(), append(), </a:t>
+            </a:r>
+            <a:r>
+              <a:rPr lang="en-US" altLang="zh-CN" dirty="0" err="1"/>
+              <a:t>substr</a:t>
+            </a:r>
+            <a:r>
+              <a:rPr lang="en-US" altLang="zh-CN" dirty="0"/>
+              <a:t>() </a:t>
+            </a:r>
+            <a:r>
+              <a:rPr lang="zh-CN" altLang="en-US" dirty="0"/>
+              <a:t>等。</a:t>
+            </a:r>
+          </a:p>
+        </p:txBody>
+      </p:sp>
+    </p:spTree>
+    <p:extLst>
+      <p:ext uri="{BB962C8B-B14F-4D97-AF65-F5344CB8AC3E}">
+        <p14:creationId xmlns:p14="http://schemas.microsoft.com/office/powerpoint/2010/main" val="3452621968"/>
+      </p:ext>
+    </p:extLst>
+  </p:cSld>
+  <p:clrMapOvr>
+    <a:masterClrMapping/>
+  </p:clrMapOvr>
+</p:sld>
+</file>
+
+<file path=ppt/slides/slide21.xml><?xml version="1.0" encoding="utf-8"?>
 <p:sld xmlns:a="http://schemas.openxmlformats.org/drawingml/2006/main" xmlns:r="http://schemas.openxmlformats.org/officeDocument/2006/relationships" xmlns:p="http://schemas.openxmlformats.org/presentationml/2006/main">
   <p:cSld>
     <p:spTree>
@@ -10624,7 +11199,248 @@
 </p:sld>
 </file>
 
-<file path=ppt/slides/slide21.xml><?xml version="1.0" encoding="utf-8"?>
+<file path=ppt/slides/slide22.xml><?xml version="1.0" encoding="utf-8"?>
+<p:sld xmlns:a="http://schemas.openxmlformats.org/drawingml/2006/main" xmlns:r="http://schemas.openxmlformats.org/officeDocument/2006/relationships" xmlns:p="http://schemas.openxmlformats.org/presentationml/2006/main">
+  <p:cSld>
+    <p:spTree>
+      <p:nvGrpSpPr>
+        <p:cNvPr id="1" name=""/>
+        <p:cNvGrpSpPr/>
+        <p:nvPr/>
+      </p:nvGrpSpPr>
+      <p:grpSpPr>
+        <a:xfrm>
+          <a:off x="0" y="0"/>
+          <a:ext cx="0" cy="0"/>
+          <a:chOff x="0" y="0"/>
+          <a:chExt cx="0" cy="0"/>
+        </a:xfrm>
+      </p:grpSpPr>
+      <p:sp>
+        <p:nvSpPr>
+          <p:cNvPr id="2" name="标题 1"/>
+          <p:cNvSpPr>
+            <a:spLocks noGrp="1"/>
+          </p:cNvSpPr>
+          <p:nvPr>
+            <p:ph type="title"/>
+          </p:nvPr>
+        </p:nvSpPr>
+        <p:spPr/>
+        <p:txBody>
+          <a:bodyPr/>
+          <a:lstStyle/>
+          <a:p>
+            <a:r>
+              <a:rPr lang="zh-CN" altLang="en-US" b="1" dirty="0"/>
+              <a:t>类与其他复合类型的区别</a:t>
+            </a:r>
+          </a:p>
+        </p:txBody>
+      </p:sp>
+      <p:sp>
+        <p:nvSpPr>
+          <p:cNvPr id="3" name="内容占位符 2"/>
+          <p:cNvSpPr>
+            <a:spLocks noGrp="1"/>
+          </p:cNvSpPr>
+          <p:nvPr>
+            <p:ph idx="1"/>
+          </p:nvPr>
+        </p:nvSpPr>
+        <p:spPr/>
+        <p:txBody>
+          <a:bodyPr/>
+          <a:lstStyle/>
+          <a:p>
+            <a:r>
+              <a:rPr lang="zh-CN" altLang="en-US" dirty="0"/>
+              <a:t>结构体（</a:t>
+            </a:r>
+            <a:r>
+              <a:rPr lang="en-US" altLang="zh-CN" dirty="0" err="1"/>
+              <a:t>struct</a:t>
+            </a:r>
+            <a:r>
+              <a:rPr lang="zh-CN" altLang="en-US" dirty="0" smtClean="0"/>
+              <a:t>）</a:t>
+            </a:r>
+            <a:endParaRPr lang="en-US" altLang="zh-CN" dirty="0" smtClean="0"/>
+          </a:p>
+          <a:p>
+            <a:pPr marL="0" indent="0">
+              <a:buNone/>
+            </a:pPr>
+            <a:r>
+              <a:rPr lang="en-US" altLang="zh-CN" dirty="0"/>
+              <a:t>	</a:t>
+            </a:r>
+            <a:r>
+              <a:rPr lang="zh-CN" altLang="en-US" dirty="0"/>
+              <a:t>结构体与类非常相似，不同之处在于结构体默认成员是 公共（</a:t>
+            </a:r>
+            <a:r>
+              <a:rPr lang="en-US" altLang="zh-CN" dirty="0"/>
+              <a:t>public</a:t>
+            </a:r>
+            <a:r>
+              <a:rPr lang="zh-CN" altLang="en-US" dirty="0"/>
+              <a:t>） 的，而类</a:t>
+            </a:r>
+            <a:r>
+              <a:rPr lang="en-US" altLang="zh-CN" dirty="0"/>
+              <a:t>	</a:t>
+            </a:r>
+            <a:r>
+              <a:rPr lang="zh-CN" altLang="en-US" dirty="0"/>
+              <a:t>默认成员是 私有（</a:t>
+            </a:r>
+            <a:r>
+              <a:rPr lang="en-US" altLang="zh-CN" dirty="0"/>
+              <a:t>private</a:t>
+            </a:r>
+            <a:r>
+              <a:rPr lang="zh-CN" altLang="en-US" dirty="0"/>
+              <a:t>） 的</a:t>
+            </a:r>
+            <a:r>
+              <a:rPr lang="zh-CN" altLang="en-US" dirty="0" smtClean="0"/>
+              <a:t>。</a:t>
+            </a:r>
+            <a:endParaRPr lang="en-US" altLang="zh-CN" dirty="0" smtClean="0"/>
+          </a:p>
+          <a:p>
+            <a:pPr marL="0" indent="0">
+              <a:buNone/>
+            </a:pPr>
+            <a:r>
+              <a:rPr lang="en-US" altLang="zh-CN" dirty="0"/>
+              <a:t>	</a:t>
+            </a:r>
+            <a:r>
+              <a:rPr lang="zh-CN" altLang="en-US" dirty="0"/>
+              <a:t>与 </a:t>
+            </a:r>
+            <a:r>
+              <a:rPr lang="zh-CN" altLang="en-US" dirty="0" smtClean="0"/>
+              <a:t>结构</a:t>
+            </a:r>
+            <a:r>
+              <a:rPr lang="zh-CN" altLang="en-US" dirty="0"/>
+              <a:t>体相比，类除了具有成员变量外，还可以定义成员函数，并</a:t>
+            </a:r>
+            <a:r>
+              <a:rPr lang="zh-CN" altLang="en-US" dirty="0" smtClean="0"/>
+              <a:t>支</a:t>
+            </a:r>
+            <a:r>
+              <a:rPr lang="en-US" altLang="zh-CN" dirty="0" smtClean="0"/>
+              <a:t>	</a:t>
+            </a:r>
+            <a:r>
+              <a:rPr lang="zh-CN" altLang="en-US" dirty="0" smtClean="0"/>
+              <a:t>持</a:t>
+            </a:r>
+            <a:r>
+              <a:rPr lang="zh-CN" altLang="en-US" dirty="0"/>
+              <a:t>封装</a:t>
+            </a:r>
+            <a:r>
+              <a:rPr lang="zh-CN" altLang="en-US" dirty="0" smtClean="0"/>
+              <a:t>、</a:t>
+            </a:r>
+            <a:r>
+              <a:rPr lang="en-US" altLang="zh-CN" smtClean="0"/>
+              <a:t>	</a:t>
+            </a:r>
+            <a:r>
+              <a:rPr lang="zh-CN" altLang="en-US" smtClean="0"/>
+              <a:t>继承</a:t>
+            </a:r>
+            <a:r>
+              <a:rPr lang="zh-CN" altLang="en-US" dirty="0"/>
+              <a:t>和多态等面向对象的特性。</a:t>
+            </a:r>
+          </a:p>
+          <a:p>
+            <a:r>
+              <a:rPr lang="zh-CN" altLang="en-US" dirty="0" smtClean="0"/>
+              <a:t>联合体</a:t>
+            </a:r>
+            <a:r>
+              <a:rPr lang="zh-CN" altLang="en-US" dirty="0"/>
+              <a:t>（</a:t>
+            </a:r>
+            <a:r>
+              <a:rPr lang="en-US" altLang="zh-CN" dirty="0"/>
+              <a:t>union</a:t>
+            </a:r>
+            <a:r>
+              <a:rPr lang="zh-CN" altLang="en-US" dirty="0" smtClean="0"/>
+              <a:t>）</a:t>
+            </a:r>
+            <a:endParaRPr lang="en-US" altLang="zh-CN" dirty="0" smtClean="0"/>
+          </a:p>
+          <a:p>
+            <a:pPr marL="0" indent="0">
+              <a:buNone/>
+            </a:pPr>
+            <a:r>
+              <a:rPr lang="en-US" altLang="zh-CN" dirty="0"/>
+              <a:t>	</a:t>
+            </a:r>
+            <a:r>
+              <a:rPr lang="zh-CN" altLang="en-US" dirty="0" smtClean="0"/>
+              <a:t>在</a:t>
+            </a:r>
+            <a:r>
+              <a:rPr lang="zh-CN" altLang="en-US" dirty="0"/>
+              <a:t>联合体中，所有成员共享相同的内存空间。这意味着，联合体的所有成员始终</a:t>
+            </a:r>
+            <a:r>
+              <a:rPr lang="zh-CN" altLang="en-US" dirty="0" smtClean="0"/>
+              <a:t>只</a:t>
+            </a:r>
+            <a:r>
+              <a:rPr lang="en-US" altLang="zh-CN" dirty="0" smtClean="0"/>
+              <a:t>	</a:t>
+            </a:r>
+            <a:r>
+              <a:rPr lang="zh-CN" altLang="en-US" dirty="0" smtClean="0"/>
+              <a:t>会</a:t>
+            </a:r>
+            <a:r>
+              <a:rPr lang="zh-CN" altLang="en-US" dirty="0"/>
+              <a:t>有一个成员有效，而类和结构体的每个成员都有自己的内存空间。</a:t>
+            </a:r>
+            <a:endParaRPr lang="en-US" altLang="zh-CN" dirty="0" smtClean="0"/>
+          </a:p>
+          <a:p>
+            <a:pPr marL="0" indent="0">
+              <a:buNone/>
+            </a:pPr>
+            <a:r>
+              <a:rPr lang="en-US" altLang="zh-CN" dirty="0"/>
+              <a:t>	</a:t>
+            </a:r>
+            <a:endParaRPr lang="zh-CN" altLang="en-US" dirty="0"/>
+          </a:p>
+        </p:txBody>
+      </p:sp>
+    </p:spTree>
+    <p:extLst>
+      <p:ext uri="{BB962C8B-B14F-4D97-AF65-F5344CB8AC3E}">
+        <p14:creationId xmlns:p14="http://schemas.microsoft.com/office/powerpoint/2010/main" val="1780607640"/>
+      </p:ext>
+    </p:extLst>
+  </p:cSld>
+  <p:clrMapOvr>
+    <a:masterClrMapping/>
+  </p:clrMapOvr>
+</p:sld>
+</file>
+
+<file path=ppt/slides/slide23.xml><?xml version="1.0" encoding="utf-8"?>
 <p:sld xmlns:a="http://schemas.openxmlformats.org/drawingml/2006/main" xmlns:r="http://schemas.openxmlformats.org/officeDocument/2006/relationships" xmlns:p="http://schemas.openxmlformats.org/presentationml/2006/main">
   <p:cSld>
     <p:spTree>
@@ -10882,7 +11698,7 @@
 </p:sld>
 </file>
 
-<file path=ppt/slides/slide22.xml><?xml version="1.0" encoding="utf-8"?>
+<file path=ppt/slides/slide24.xml><?xml version="1.0" encoding="utf-8"?>
 <p:sld xmlns:a="http://schemas.openxmlformats.org/drawingml/2006/main" xmlns:r="http://schemas.openxmlformats.org/officeDocument/2006/relationships" xmlns:p="http://schemas.openxmlformats.org/presentationml/2006/main">
   <p:cSld>
     <p:spTree>
@@ -11005,7 +11821,7 @@
 </p:sld>
 </file>
 
-<file path=ppt/slides/slide23.xml><?xml version="1.0" encoding="utf-8"?>
+<file path=ppt/slides/slide25.xml><?xml version="1.0" encoding="utf-8"?>
 <p:sld xmlns:a="http://schemas.openxmlformats.org/drawingml/2006/main" xmlns:r="http://schemas.openxmlformats.org/officeDocument/2006/relationships" xmlns:p="http://schemas.openxmlformats.org/presentationml/2006/main">
   <p:cSld>
     <p:spTree>
@@ -11091,351 +11907,6 @@
 </p:sld>
 </file>
 
-<file path=ppt/slides/slide24.xml><?xml version="1.0" encoding="utf-8"?>
-<p:sld xmlns:a="http://schemas.openxmlformats.org/drawingml/2006/main" xmlns:r="http://schemas.openxmlformats.org/officeDocument/2006/relationships" xmlns:p="http://schemas.openxmlformats.org/presentationml/2006/main">
-  <p:cSld>
-    <p:spTree>
-      <p:nvGrpSpPr>
-        <p:cNvPr id="1" name=""/>
-        <p:cNvGrpSpPr/>
-        <p:nvPr/>
-      </p:nvGrpSpPr>
-      <p:grpSpPr>
-        <a:xfrm>
-          <a:off x="0" y="0"/>
-          <a:ext cx="0" cy="0"/>
-          <a:chOff x="0" y="0"/>
-          <a:chExt cx="0" cy="0"/>
-        </a:xfrm>
-      </p:grpSpPr>
-      <p:sp>
-        <p:nvSpPr>
-          <p:cNvPr id="2" name="标题 1"/>
-          <p:cNvSpPr>
-            <a:spLocks noGrp="1"/>
-          </p:cNvSpPr>
-          <p:nvPr>
-            <p:ph type="title"/>
-          </p:nvPr>
-        </p:nvSpPr>
-        <p:spPr/>
-        <p:txBody>
-          <a:bodyPr/>
-          <a:lstStyle/>
-          <a:p>
-            <a:r>
-              <a:rPr lang="en-US" altLang="zh-CN" b="1" dirty="0" smtClean="0"/>
-              <a:t>2.6 </a:t>
-            </a:r>
-            <a:r>
-              <a:rPr lang="zh-CN" altLang="zh-CN" b="1" dirty="0"/>
-              <a:t>课后练习</a:t>
-            </a:r>
-            <a:endParaRPr lang="zh-CN" altLang="en-US" b="1" dirty="0"/>
-          </a:p>
-        </p:txBody>
-      </p:sp>
-      <p:sp>
-        <p:nvSpPr>
-          <p:cNvPr id="3" name="内容占位符 2"/>
-          <p:cNvSpPr>
-            <a:spLocks noGrp="1"/>
-          </p:cNvSpPr>
-          <p:nvPr>
-            <p:ph idx="1"/>
-          </p:nvPr>
-        </p:nvSpPr>
-        <p:spPr/>
-        <p:txBody>
-          <a:bodyPr/>
-          <a:lstStyle/>
-          <a:p>
-            <a:r>
-              <a:rPr lang="zh-CN" altLang="en-US" dirty="0" smtClean="0"/>
-              <a:t>列举 </a:t>
-            </a:r>
-            <a:r>
-              <a:rPr lang="en-US" altLang="zh-CN" dirty="0"/>
-              <a:t>C++ </a:t>
-            </a:r>
-            <a:r>
-              <a:rPr lang="zh-CN" altLang="en-US" dirty="0"/>
-              <a:t>中的常见基本数据类型，并简述它们的特点（例如，大小、存储范围等</a:t>
-            </a:r>
-            <a:r>
-              <a:rPr lang="zh-CN" altLang="en-US" dirty="0" smtClean="0"/>
-              <a:t>）</a:t>
-            </a:r>
-            <a:endParaRPr lang="en-US" altLang="zh-CN" dirty="0" smtClean="0"/>
-          </a:p>
-          <a:p>
-            <a:r>
-              <a:rPr lang="zh-CN" altLang="en-US" dirty="0"/>
-              <a:t>请简述 </a:t>
-            </a:r>
-            <a:r>
-              <a:rPr lang="en-US" altLang="zh-CN" dirty="0" err="1"/>
-              <a:t>struct</a:t>
-            </a:r>
-            <a:r>
-              <a:rPr lang="en-US" altLang="zh-CN" dirty="0"/>
-              <a:t> </a:t>
-            </a:r>
-            <a:r>
-              <a:rPr lang="zh-CN" altLang="en-US" dirty="0"/>
-              <a:t>和 </a:t>
-            </a:r>
-            <a:r>
-              <a:rPr lang="en-US" altLang="zh-CN" dirty="0"/>
-              <a:t>union </a:t>
-            </a:r>
-            <a:r>
-              <a:rPr lang="zh-CN" altLang="en-US" dirty="0"/>
-              <a:t>的区别。你会在什么场景下使用它们？</a:t>
-            </a:r>
-          </a:p>
-          <a:p>
-            <a:r>
-              <a:rPr lang="en-US" altLang="zh-CN" dirty="0"/>
-              <a:t>C++ </a:t>
-            </a:r>
-            <a:r>
-              <a:rPr lang="zh-CN" altLang="en-US" dirty="0"/>
-              <a:t>中如何定义一个字符串变量？与 </a:t>
-            </a:r>
-            <a:r>
-              <a:rPr lang="en-US" altLang="zh-CN" dirty="0"/>
-              <a:t>C </a:t>
-            </a:r>
-            <a:r>
-              <a:rPr lang="zh-CN" altLang="en-US" dirty="0"/>
-              <a:t>中的字符数组有什么区别</a:t>
-            </a:r>
-            <a:r>
-              <a:rPr lang="zh-CN" altLang="en-US" dirty="0" smtClean="0"/>
-              <a:t>？</a:t>
-            </a:r>
-            <a:endParaRPr lang="en-US" altLang="zh-CN" dirty="0" smtClean="0"/>
-          </a:p>
-          <a:p>
-            <a:r>
-              <a:rPr lang="zh-CN" altLang="en-US" dirty="0"/>
-              <a:t>解释什么是 全局变量 和 局部变量。它们在内存中存储的位置有什么区别？</a:t>
-            </a:r>
-          </a:p>
-          <a:p>
-            <a:r>
-              <a:rPr lang="zh-CN" altLang="en-US" dirty="0"/>
-              <a:t>什么是 静态变量，它与普通的局部变量有什么不同？</a:t>
-            </a:r>
-          </a:p>
-        </p:txBody>
-      </p:sp>
-    </p:spTree>
-    <p:extLst>
-      <p:ext uri="{BB962C8B-B14F-4D97-AF65-F5344CB8AC3E}">
-        <p14:creationId xmlns:p14="http://schemas.microsoft.com/office/powerpoint/2010/main" val="1194947922"/>
-      </p:ext>
-    </p:extLst>
-  </p:cSld>
-  <p:clrMapOvr>
-    <a:masterClrMapping/>
-  </p:clrMapOvr>
-  <p:timing>
-    <p:tnLst>
-      <p:par>
-        <p:cTn id="1" dur="indefinite" restart="never" nodeType="tmRoot"/>
-      </p:par>
-    </p:tnLst>
-  </p:timing>
-</p:sld>
-</file>
-
-<file path=ppt/slides/slide25.xml><?xml version="1.0" encoding="utf-8"?>
-<p:sld xmlns:a="http://schemas.openxmlformats.org/drawingml/2006/main" xmlns:r="http://schemas.openxmlformats.org/officeDocument/2006/relationships" xmlns:p="http://schemas.openxmlformats.org/presentationml/2006/main">
-  <p:cSld>
-    <p:spTree>
-      <p:nvGrpSpPr>
-        <p:cNvPr id="1" name=""/>
-        <p:cNvGrpSpPr/>
-        <p:nvPr/>
-      </p:nvGrpSpPr>
-      <p:grpSpPr>
-        <a:xfrm>
-          <a:off x="0" y="0"/>
-          <a:ext cx="0" cy="0"/>
-          <a:chOff x="0" y="0"/>
-          <a:chExt cx="0" cy="0"/>
-        </a:xfrm>
-      </p:grpSpPr>
-      <p:sp>
-        <p:nvSpPr>
-          <p:cNvPr id="2" name="标题 1"/>
-          <p:cNvSpPr>
-            <a:spLocks noGrp="1"/>
-          </p:cNvSpPr>
-          <p:nvPr>
-            <p:ph type="title"/>
-          </p:nvPr>
-        </p:nvSpPr>
-        <p:spPr/>
-        <p:txBody>
-          <a:bodyPr/>
-          <a:lstStyle/>
-          <a:p>
-            <a:r>
-              <a:rPr lang="zh-CN" altLang="en-US" b="1" dirty="0" smtClean="0">
-                <a:latin typeface="华文楷体" pitchFamily="2" charset="-122"/>
-                <a:ea typeface="华文楷体" pitchFamily="2" charset="-122"/>
-              </a:rPr>
-              <a:t>第</a:t>
-            </a:r>
-            <a:r>
-              <a:rPr lang="en-US" altLang="zh-CN" b="1" dirty="0" smtClean="0">
-                <a:latin typeface="华文楷体" pitchFamily="2" charset="-122"/>
-                <a:ea typeface="华文楷体" pitchFamily="2" charset="-122"/>
-              </a:rPr>
-              <a:t>3</a:t>
-            </a:r>
-            <a:r>
-              <a:rPr lang="zh-CN" altLang="en-US" b="1" dirty="0" smtClean="0">
-                <a:latin typeface="华文楷体" pitchFamily="2" charset="-122"/>
-                <a:ea typeface="华文楷体" pitchFamily="2" charset="-122"/>
-              </a:rPr>
-              <a:t>章 运算符</a:t>
-            </a:r>
-            <a:r>
-              <a:rPr lang="zh-CN" altLang="en-US" b="1" dirty="0">
-                <a:latin typeface="华文楷体" pitchFamily="2" charset="-122"/>
-                <a:ea typeface="华文楷体" pitchFamily="2" charset="-122"/>
-              </a:rPr>
-              <a:t>、控制语句与输入输出</a:t>
-            </a:r>
-            <a:endParaRPr lang="zh-CN" altLang="en-US" dirty="0"/>
-          </a:p>
-        </p:txBody>
-      </p:sp>
-      <p:sp>
-        <p:nvSpPr>
-          <p:cNvPr id="3" name="内容占位符 2"/>
-          <p:cNvSpPr>
-            <a:spLocks noGrp="1"/>
-          </p:cNvSpPr>
-          <p:nvPr>
-            <p:ph idx="1"/>
-          </p:nvPr>
-        </p:nvSpPr>
-        <p:spPr/>
-        <p:txBody>
-          <a:bodyPr/>
-          <a:lstStyle/>
-          <a:p>
-            <a:r>
-              <a:rPr lang="zh-CN" altLang="en-US" dirty="0"/>
-              <a:t>运算符：算术运算符、关系运算符、逻辑运算符、位运算符、赋值运算符。</a:t>
-            </a:r>
-          </a:p>
-          <a:p>
-            <a:r>
-              <a:rPr lang="zh-CN" altLang="en-US" dirty="0"/>
-              <a:t>控制语句：条件语句（</a:t>
-            </a:r>
-            <a:r>
-              <a:rPr lang="en-US" altLang="zh-CN" dirty="0"/>
-              <a:t>if</a:t>
-            </a:r>
-            <a:r>
-              <a:rPr lang="zh-CN" altLang="en-US" dirty="0"/>
-              <a:t>、</a:t>
-            </a:r>
-            <a:r>
-              <a:rPr lang="en-US" altLang="zh-CN" dirty="0"/>
-              <a:t>else</a:t>
-            </a:r>
-            <a:r>
-              <a:rPr lang="zh-CN" altLang="en-US" dirty="0"/>
-              <a:t>、</a:t>
-            </a:r>
-            <a:r>
-              <a:rPr lang="en-US" altLang="zh-CN" dirty="0"/>
-              <a:t>switch</a:t>
-            </a:r>
-            <a:r>
-              <a:rPr lang="zh-CN" altLang="en-US" dirty="0"/>
-              <a:t>）、循环语句（</a:t>
-            </a:r>
-            <a:r>
-              <a:rPr lang="en-US" altLang="zh-CN" dirty="0"/>
-              <a:t>for</a:t>
-            </a:r>
-            <a:r>
-              <a:rPr lang="zh-CN" altLang="en-US" dirty="0"/>
-              <a:t>、</a:t>
-            </a:r>
-            <a:r>
-              <a:rPr lang="en-US" altLang="zh-CN" dirty="0"/>
-              <a:t>while</a:t>
-            </a:r>
-            <a:r>
-              <a:rPr lang="zh-CN" altLang="en-US" dirty="0"/>
-              <a:t>、</a:t>
-            </a:r>
-            <a:r>
-              <a:rPr lang="en-US" altLang="zh-CN" dirty="0"/>
-              <a:t>do-while</a:t>
-            </a:r>
-            <a:r>
-              <a:rPr lang="zh-CN" altLang="en-US" dirty="0"/>
-              <a:t>）。</a:t>
-            </a:r>
-          </a:p>
-          <a:p>
-            <a:r>
-              <a:rPr lang="zh-CN" altLang="en-US" dirty="0"/>
-              <a:t>输入与输出：使用</a:t>
-            </a:r>
-            <a:r>
-              <a:rPr lang="en-US" altLang="zh-CN" dirty="0" err="1"/>
-              <a:t>cin</a:t>
-            </a:r>
-            <a:r>
-              <a:rPr lang="zh-CN" altLang="en-US" dirty="0"/>
-              <a:t>和</a:t>
-            </a:r>
-            <a:r>
-              <a:rPr lang="en-US" altLang="zh-CN" dirty="0" err="1"/>
-              <a:t>cout</a:t>
-            </a:r>
-            <a:r>
-              <a:rPr lang="zh-CN" altLang="en-US" dirty="0"/>
-              <a:t>进行数据输入输出。</a:t>
-            </a:r>
-          </a:p>
-          <a:p>
-            <a:endParaRPr lang="zh-CN" altLang="en-US" dirty="0"/>
-          </a:p>
-        </p:txBody>
-      </p:sp>
-    </p:spTree>
-    <p:extLst>
-      <p:ext uri="{BB962C8B-B14F-4D97-AF65-F5344CB8AC3E}">
-        <p14:creationId xmlns:p14="http://schemas.microsoft.com/office/powerpoint/2010/main" val="2453226186"/>
-      </p:ext>
-    </p:extLst>
-  </p:cSld>
-  <p:clrMapOvr>
-    <a:masterClrMapping/>
-  </p:clrMapOvr>
-  <p:timing>
-    <p:tnLst>
-      <p:par>
-        <p:cTn id="1" dur="indefinite" restart="never" nodeType="tmRoot"/>
-      </p:par>
-    </p:tnLst>
-  </p:timing>
-</p:sld>
-</file>
-
 <file path=ppt/slides/slide26.xml><?xml version="1.0" encoding="utf-8"?>
 <p:sld xmlns:a="http://schemas.openxmlformats.org/drawingml/2006/main" xmlns:r="http://schemas.openxmlformats.org/officeDocument/2006/relationships" xmlns:p="http://schemas.openxmlformats.org/presentationml/2006/main">
   <p:cSld>
@@ -11470,16 +11941,13 @@
           <a:p>
             <a:r>
               <a:rPr lang="en-US" altLang="zh-CN" b="1" dirty="0" smtClean="0"/>
-              <a:t>3.1 </a:t>
+              <a:t>2.6 </a:t>
             </a:r>
             <a:r>
               <a:rPr lang="zh-CN" altLang="zh-CN" b="1" dirty="0"/>
-              <a:t>运算符</a:t>
-            </a:r>
-            <a:br>
-              <a:rPr lang="zh-CN" altLang="zh-CN" b="1" dirty="0"/>
-            </a:br>
-            <a:endParaRPr lang="zh-CN" altLang="en-US" dirty="0"/>
+              <a:t>课后练习</a:t>
+            </a:r>
+            <a:endParaRPr lang="zh-CN" altLang="en-US" b="1" dirty="0"/>
           </a:p>
         </p:txBody>
       </p:sp>
@@ -11499,68 +11967,90 @@
           <a:lstStyle/>
           <a:p>
             <a:r>
-              <a:rPr lang="zh-CN" altLang="en-US" dirty="0"/>
-              <a:t>算术运算</a:t>
-            </a:r>
-            <a:r>
               <a:rPr lang="zh-CN" altLang="en-US" dirty="0" smtClean="0"/>
-              <a:t>符</a:t>
+              <a:t>列举 </a:t>
+            </a:r>
+            <a:r>
+              <a:rPr lang="en-US" altLang="zh-CN" dirty="0"/>
+              <a:t>C++ </a:t>
+            </a:r>
+            <a:r>
+              <a:rPr lang="zh-CN" altLang="en-US" dirty="0"/>
+              <a:t>中的常见基本数据类型，并简述它们的特点（例如，大小、存储范围等</a:t>
+            </a:r>
+            <a:r>
+              <a:rPr lang="zh-CN" altLang="en-US" dirty="0" smtClean="0"/>
+              <a:t>）</a:t>
             </a:r>
             <a:endParaRPr lang="en-US" altLang="zh-CN" dirty="0" smtClean="0"/>
           </a:p>
           <a:p>
             <a:r>
               <a:rPr lang="zh-CN" altLang="en-US" dirty="0"/>
-              <a:t>关系</a:t>
+              <a:t>请简述 </a:t>
+            </a:r>
+            <a:r>
+              <a:rPr lang="en-US" altLang="zh-CN" dirty="0" err="1"/>
+              <a:t>struct</a:t>
+            </a:r>
+            <a:r>
+              <a:rPr lang="en-US" altLang="zh-CN" dirty="0"/>
+              <a:t> </a:t>
+            </a:r>
+            <a:r>
+              <a:rPr lang="zh-CN" altLang="en-US" dirty="0"/>
+              <a:t>和 </a:t>
+            </a:r>
+            <a:r>
+              <a:rPr lang="en-US" altLang="zh-CN" dirty="0"/>
+              <a:t>union </a:t>
+            </a:r>
+            <a:r>
+              <a:rPr lang="zh-CN" altLang="en-US" dirty="0"/>
+              <a:t>的区别。你会在什么场景下使用它们？</a:t>
+            </a:r>
+          </a:p>
+          <a:p>
+            <a:r>
+              <a:rPr lang="en-US" altLang="zh-CN" dirty="0"/>
+              <a:t>C++ </a:t>
+            </a:r>
+            <a:r>
+              <a:rPr lang="zh-CN" altLang="en-US" dirty="0"/>
+              <a:t>中如何定义一个字符串变量？与 </a:t>
+            </a:r>
+            <a:r>
+              <a:rPr lang="en-US" altLang="zh-CN" dirty="0"/>
+              <a:t>C </a:t>
+            </a:r>
+            <a:r>
+              <a:rPr lang="zh-CN" altLang="en-US" dirty="0"/>
+              <a:t>中的字符数组有什么区别</a:t>
             </a:r>
             <a:r>
               <a:rPr lang="zh-CN" altLang="en-US" dirty="0" smtClean="0"/>
-              <a:t>运算符</a:t>
+              <a:t>？</a:t>
             </a:r>
             <a:endParaRPr lang="en-US" altLang="zh-CN" dirty="0" smtClean="0"/>
           </a:p>
           <a:p>
             <a:r>
               <a:rPr lang="zh-CN" altLang="en-US" dirty="0"/>
-              <a:t>逻辑运算</a:t>
-            </a:r>
-            <a:r>
-              <a:rPr lang="zh-CN" altLang="en-US" dirty="0" smtClean="0"/>
-              <a:t>符</a:t>
-            </a:r>
-            <a:endParaRPr lang="en-US" altLang="zh-CN" dirty="0" smtClean="0"/>
-          </a:p>
-          <a:p>
-            <a:r>
-              <a:rPr lang="zh-CN" altLang="en-US" dirty="0"/>
-              <a:t>位</a:t>
-            </a:r>
-            <a:r>
-              <a:rPr lang="zh-CN" altLang="en-US" dirty="0" smtClean="0"/>
-              <a:t>运算符</a:t>
-            </a:r>
-            <a:endParaRPr lang="en-US" altLang="zh-CN" dirty="0" smtClean="0"/>
-          </a:p>
-          <a:p>
-            <a:r>
-              <a:rPr lang="zh-CN" altLang="en-US" dirty="0"/>
-              <a:t>赋值</a:t>
-            </a:r>
-            <a:r>
-              <a:rPr lang="zh-CN" altLang="en-US" dirty="0" smtClean="0"/>
-              <a:t>运算符</a:t>
-            </a:r>
-            <a:endParaRPr lang="en-US" altLang="zh-CN" dirty="0" smtClean="0"/>
-          </a:p>
-          <a:p>
-            <a:endParaRPr lang="zh-CN" altLang="en-US" dirty="0"/>
+              <a:t>解释什么是 全局变量 和 局部变量。它们在内存中存储的位置有什么区别？</a:t>
+            </a:r>
+          </a:p>
+          <a:p>
+            <a:r>
+              <a:rPr lang="zh-CN" altLang="en-US" dirty="0"/>
+              <a:t>什么是 静态变量，它与普通的局部变量有什么不同？</a:t>
+            </a:r>
           </a:p>
         </p:txBody>
       </p:sp>
     </p:spTree>
     <p:extLst>
       <p:ext uri="{BB962C8B-B14F-4D97-AF65-F5344CB8AC3E}">
-        <p14:creationId xmlns:p14="http://schemas.microsoft.com/office/powerpoint/2010/main" val="1108715177"/>
+        <p14:creationId xmlns:p14="http://schemas.microsoft.com/office/powerpoint/2010/main" val="1194947922"/>
       </p:ext>
     </p:extLst>
   </p:cSld>
@@ -11610,16 +12100,33 @@
           <a:lstStyle/>
           <a:p>
             <a:r>
-              <a:rPr lang="en-US" altLang="zh-CN" b="1" dirty="0" smtClean="0"/>
-              <a:t>3.2 </a:t>
-            </a:r>
-            <a:r>
-              <a:rPr lang="zh-CN" altLang="zh-CN" b="1" dirty="0"/>
-              <a:t>控制语句</a:t>
-            </a:r>
-            <a:br>
-              <a:rPr lang="zh-CN" altLang="zh-CN" b="1" dirty="0"/>
-            </a:br>
+              <a:rPr lang="zh-CN" altLang="en-US" b="1" dirty="0" smtClean="0">
+                <a:latin typeface="华文楷体" pitchFamily="2" charset="-122"/>
+                <a:ea typeface="华文楷体" pitchFamily="2" charset="-122"/>
+              </a:rPr>
+              <a:t>第</a:t>
+            </a:r>
+            <a:r>
+              <a:rPr lang="en-US" altLang="zh-CN" b="1" dirty="0" smtClean="0">
+                <a:latin typeface="华文楷体" pitchFamily="2" charset="-122"/>
+                <a:ea typeface="华文楷体" pitchFamily="2" charset="-122"/>
+              </a:rPr>
+              <a:t>3</a:t>
+            </a:r>
+            <a:r>
+              <a:rPr lang="zh-CN" altLang="en-US" b="1" dirty="0" smtClean="0">
+                <a:latin typeface="华文楷体" pitchFamily="2" charset="-122"/>
+                <a:ea typeface="华文楷体" pitchFamily="2" charset="-122"/>
+              </a:rPr>
+              <a:t>章 运算符</a:t>
+            </a:r>
+            <a:r>
+              <a:rPr lang="zh-CN" altLang="en-US" b="1" dirty="0">
+                <a:latin typeface="华文楷体" pitchFamily="2" charset="-122"/>
+                <a:ea typeface="华文楷体" pitchFamily="2" charset="-122"/>
+              </a:rPr>
+              <a:t>、控制语句与输入输出</a:t>
+            </a:r>
             <a:endParaRPr lang="zh-CN" altLang="en-US" dirty="0"/>
           </a:p>
         </p:txBody>
@@ -11641,24 +12148,84 @@
           <a:p>
             <a:r>
               <a:rPr lang="zh-CN" altLang="en-US" dirty="0"/>
-              <a:t>条件</a:t>
-            </a:r>
-            <a:r>
-              <a:rPr lang="zh-CN" altLang="en-US" dirty="0" smtClean="0"/>
-              <a:t>语句</a:t>
-            </a:r>
-            <a:endParaRPr lang="en-US" altLang="zh-CN" dirty="0" smtClean="0"/>
-          </a:p>
-          <a:p>
-            <a:r>
-              <a:rPr lang="zh-CN" altLang="en-US" dirty="0"/>
-              <a:t>循环</a:t>
-            </a:r>
-            <a:r>
-              <a:rPr lang="zh-CN" altLang="en-US" dirty="0" smtClean="0"/>
-              <a:t>语句</a:t>
-            </a:r>
-            <a:endParaRPr lang="en-US" altLang="zh-CN" dirty="0" smtClean="0"/>
+              <a:t>运算符：算术运算符、关系运算符、逻辑运算符、位运算符、赋值运算符。</a:t>
+            </a:r>
+          </a:p>
+          <a:p>
+            <a:r>
+              <a:rPr lang="zh-CN" altLang="en-US" dirty="0"/>
+              <a:t>控制语句：条件语句（</a:t>
+            </a:r>
+            <a:r>
+              <a:rPr lang="en-US" altLang="zh-CN" dirty="0"/>
+              <a:t>if</a:t>
+            </a:r>
+            <a:r>
+              <a:rPr lang="zh-CN" altLang="en-US" dirty="0"/>
+              <a:t>、</a:t>
+            </a:r>
+            <a:r>
+              <a:rPr lang="en-US" altLang="zh-CN" dirty="0"/>
+              <a:t>else</a:t>
+            </a:r>
+            <a:r>
+              <a:rPr lang="zh-CN" altLang="en-US" dirty="0"/>
+              <a:t>、</a:t>
+            </a:r>
+            <a:r>
+              <a:rPr lang="en-US" altLang="zh-CN" dirty="0"/>
+              <a:t>switch</a:t>
+            </a:r>
+            <a:r>
+              <a:rPr lang="zh-CN" altLang="en-US" dirty="0"/>
+              <a:t>）、循环语句（</a:t>
+            </a:r>
+            <a:r>
+              <a:rPr lang="en-US" altLang="zh-CN" dirty="0"/>
+              <a:t>for</a:t>
+            </a:r>
+            <a:r>
+              <a:rPr lang="zh-CN" altLang="en-US" dirty="0"/>
+              <a:t>、</a:t>
+            </a:r>
+            <a:r>
+              <a:rPr lang="en-US" altLang="zh-CN" dirty="0"/>
+              <a:t>while</a:t>
+            </a:r>
+            <a:r>
+              <a:rPr lang="zh-CN" altLang="en-US" dirty="0"/>
+              <a:t>、</a:t>
+            </a:r>
+            <a:r>
+              <a:rPr lang="en-US" altLang="zh-CN" dirty="0"/>
+              <a:t>do-while</a:t>
+            </a:r>
+            <a:r>
+              <a:rPr lang="zh-CN" altLang="en-US" dirty="0"/>
+              <a:t>）。</a:t>
+            </a:r>
+          </a:p>
+          <a:p>
+            <a:r>
+              <a:rPr lang="zh-CN" altLang="en-US" dirty="0"/>
+              <a:t>输入与输出：使用</a:t>
+            </a:r>
+            <a:r>
+              <a:rPr lang="en-US" altLang="zh-CN" dirty="0" err="1"/>
+              <a:t>cin</a:t>
+            </a:r>
+            <a:r>
+              <a:rPr lang="zh-CN" altLang="en-US" dirty="0"/>
+              <a:t>和</a:t>
+            </a:r>
+            <a:r>
+              <a:rPr lang="en-US" altLang="zh-CN" dirty="0" err="1"/>
+              <a:t>cout</a:t>
+            </a:r>
+            <a:r>
+              <a:rPr lang="zh-CN" altLang="en-US" dirty="0"/>
+              <a:t>进行数据输入输出。</a:t>
+            </a:r>
           </a:p>
           <a:p>
             <a:endParaRPr lang="zh-CN" altLang="en-US" dirty="0"/>
@@ -11668,7 +12235,7 @@
     </p:spTree>
     <p:extLst>
       <p:ext uri="{BB962C8B-B14F-4D97-AF65-F5344CB8AC3E}">
-        <p14:creationId xmlns:p14="http://schemas.microsoft.com/office/powerpoint/2010/main" val="883460551"/>
+        <p14:creationId xmlns:p14="http://schemas.microsoft.com/office/powerpoint/2010/main" val="2453226186"/>
       </p:ext>
     </p:extLst>
   </p:cSld>
@@ -11719,11 +12286,11 @@
           <a:p>
             <a:r>
               <a:rPr lang="en-US" altLang="zh-CN" b="1" dirty="0" smtClean="0"/>
-              <a:t>3.3 </a:t>
+              <a:t>3.1 </a:t>
             </a:r>
             <a:r>
               <a:rPr lang="zh-CN" altLang="zh-CN" b="1" dirty="0"/>
-              <a:t>输入与输出</a:t>
+              <a:t>运算符</a:t>
             </a:r>
             <a:br>
               <a:rPr lang="zh-CN" altLang="zh-CN" b="1" dirty="0"/>
@@ -11749,53 +12316,67 @@
           <a:p>
             <a:r>
               <a:rPr lang="zh-CN" altLang="en-US" dirty="0"/>
-              <a:t>使用 </a:t>
-            </a:r>
-            <a:r>
-              <a:rPr lang="en-US" altLang="zh-CN" dirty="0" err="1"/>
-              <a:t>cin</a:t>
-            </a:r>
-            <a:r>
-              <a:rPr lang="en-US" altLang="zh-CN" dirty="0"/>
-              <a:t> </a:t>
+              <a:t>算术运算</a:t>
             </a:r>
             <a:r>
               <a:rPr lang="zh-CN" altLang="en-US" dirty="0" smtClean="0"/>
-              <a:t>输入数据</a:t>
+              <a:t>符</a:t>
             </a:r>
             <a:endParaRPr lang="en-US" altLang="zh-CN" dirty="0" smtClean="0"/>
           </a:p>
           <a:p>
             <a:r>
               <a:rPr lang="zh-CN" altLang="en-US" dirty="0"/>
-              <a:t>使用 </a:t>
-            </a:r>
-            <a:r>
-              <a:rPr lang="en-US" altLang="zh-CN" dirty="0" err="1"/>
-              <a:t>cout</a:t>
-            </a:r>
-            <a:r>
-              <a:rPr lang="en-US" altLang="zh-CN" dirty="0"/>
-              <a:t> </a:t>
+              <a:t>关系</a:t>
             </a:r>
             <a:r>
               <a:rPr lang="zh-CN" altLang="en-US" dirty="0" smtClean="0"/>
-              <a:t>输出数据</a:t>
+              <a:t>运算符</a:t>
             </a:r>
             <a:endParaRPr lang="en-US" altLang="zh-CN" dirty="0" smtClean="0"/>
           </a:p>
           <a:p>
             <a:r>
               <a:rPr lang="zh-CN" altLang="en-US" dirty="0"/>
-              <a:t>使用格式化输出</a:t>
-            </a:r>
+              <a:t>逻辑运算</a:t>
+            </a:r>
+            <a:r>
+              <a:rPr lang="zh-CN" altLang="en-US" dirty="0" smtClean="0"/>
+              <a:t>符</a:t>
+            </a:r>
+            <a:endParaRPr lang="en-US" altLang="zh-CN" dirty="0" smtClean="0"/>
+          </a:p>
+          <a:p>
+            <a:r>
+              <a:rPr lang="zh-CN" altLang="en-US" dirty="0"/>
+              <a:t>位</a:t>
+            </a:r>
+            <a:r>
+              <a:rPr lang="zh-CN" altLang="en-US" dirty="0" smtClean="0"/>
+              <a:t>运算符</a:t>
+            </a:r>
+            <a:endParaRPr lang="en-US" altLang="zh-CN" dirty="0" smtClean="0"/>
+          </a:p>
+          <a:p>
+            <a:r>
+              <a:rPr lang="zh-CN" altLang="en-US" dirty="0"/>
+              <a:t>赋值</a:t>
+            </a:r>
+            <a:r>
+              <a:rPr lang="zh-CN" altLang="en-US" dirty="0" smtClean="0"/>
+              <a:t>运算符</a:t>
+            </a:r>
+            <a:endParaRPr lang="en-US" altLang="zh-CN" dirty="0" smtClean="0"/>
+          </a:p>
+          <a:p>
+            <a:endParaRPr lang="zh-CN" altLang="en-US" dirty="0"/>
           </a:p>
         </p:txBody>
       </p:sp>
     </p:spTree>
     <p:extLst>
       <p:ext uri="{BB962C8B-B14F-4D97-AF65-F5344CB8AC3E}">
-        <p14:creationId xmlns:p14="http://schemas.microsoft.com/office/powerpoint/2010/main" val="2406778273"/>
+        <p14:creationId xmlns:p14="http://schemas.microsoft.com/office/powerpoint/2010/main" val="1108715177"/>
       </p:ext>
     </p:extLst>
   </p:cSld>
@@ -11845,13 +12426,16 @@
           <a:lstStyle/>
           <a:p>
             <a:r>
-              <a:rPr lang="en-US" altLang="zh-CN" dirty="0" smtClean="0"/>
-              <a:t>3.4 </a:t>
+              <a:rPr lang="en-US" altLang="zh-CN" b="1" dirty="0" smtClean="0"/>
+              <a:t>3.2 </a:t>
             </a:r>
             <a:r>
               <a:rPr lang="zh-CN" altLang="zh-CN" b="1" dirty="0"/>
-              <a:t>课后练习</a:t>
-            </a:r>
+              <a:t>控制语句</a:t>
+            </a:r>
+            <a:br>
+              <a:rPr lang="zh-CN" altLang="zh-CN" b="1" dirty="0"/>
+            </a:br>
             <a:endParaRPr lang="zh-CN" altLang="en-US" dirty="0"/>
           </a:p>
         </p:txBody>
@@ -11873,65 +12457,34 @@
           <a:p>
             <a:r>
               <a:rPr lang="zh-CN" altLang="en-US" dirty="0"/>
-              <a:t>编写一个程序，接收两个整数输入，输出它们的和、差、积和商。</a:t>
-            </a:r>
-          </a:p>
-          <a:p>
-            <a:r>
-              <a:rPr lang="zh-CN" altLang="en-US" dirty="0"/>
-              <a:t>编写一个程序，判断输入的整数是正数、负数还是零。</a:t>
-            </a:r>
-          </a:p>
-          <a:p>
-            <a:r>
-              <a:rPr lang="zh-CN" altLang="en-US" dirty="0"/>
-              <a:t>编写一个程序，输出从</a:t>
-            </a:r>
-            <a:r>
-              <a:rPr lang="en-US" altLang="zh-CN" dirty="0"/>
-              <a:t>1</a:t>
-            </a:r>
-            <a:r>
-              <a:rPr lang="zh-CN" altLang="en-US" dirty="0"/>
-              <a:t>到</a:t>
-            </a:r>
-            <a:r>
-              <a:rPr lang="en-US" altLang="zh-CN" dirty="0"/>
-              <a:t>100</a:t>
-            </a:r>
-            <a:r>
-              <a:rPr lang="zh-CN" altLang="en-US" dirty="0"/>
-              <a:t>的所有奇数。</a:t>
-            </a:r>
-          </a:p>
-          <a:p>
-            <a:r>
-              <a:rPr lang="zh-CN" altLang="en-US" dirty="0"/>
-              <a:t>使用 </a:t>
-            </a:r>
-            <a:r>
-              <a:rPr lang="en-US" altLang="zh-CN" dirty="0"/>
-              <a:t>switch </a:t>
-            </a:r>
-            <a:r>
-              <a:rPr lang="zh-CN" altLang="en-US" dirty="0"/>
-              <a:t>语句编写一个程序，根据输入的星期数字（</a:t>
-            </a:r>
-            <a:r>
-              <a:rPr lang="en-US" altLang="zh-CN" dirty="0"/>
-              <a:t>1-7</a:t>
-            </a:r>
-            <a:r>
-              <a:rPr lang="zh-CN" altLang="en-US" dirty="0"/>
-              <a:t>）输出对应的星期名称</a:t>
-            </a:r>
+              <a:t>条件</a:t>
+            </a:r>
+            <a:r>
+              <a:rPr lang="zh-CN" altLang="en-US" dirty="0" smtClean="0"/>
+              <a:t>语句</a:t>
+            </a:r>
+            <a:endParaRPr lang="en-US" altLang="zh-CN" dirty="0" smtClean="0"/>
+          </a:p>
+          <a:p>
+            <a:r>
+              <a:rPr lang="zh-CN" altLang="en-US" dirty="0"/>
+              <a:t>循环</a:t>
+            </a:r>
+            <a:r>
+              <a:rPr lang="zh-CN" altLang="en-US" dirty="0" smtClean="0"/>
+              <a:t>语句</a:t>
+            </a:r>
+            <a:endParaRPr lang="en-US" altLang="zh-CN" dirty="0" smtClean="0"/>
+          </a:p>
+          <a:p>
+            <a:endParaRPr lang="zh-CN" altLang="en-US" dirty="0"/>
           </a:p>
         </p:txBody>
       </p:sp>
     </p:spTree>
     <p:extLst>
       <p:ext uri="{BB962C8B-B14F-4D97-AF65-F5344CB8AC3E}">
-        <p14:creationId xmlns:p14="http://schemas.microsoft.com/office/powerpoint/2010/main" val="1980070636"/>
+        <p14:creationId xmlns:p14="http://schemas.microsoft.com/office/powerpoint/2010/main" val="883460551"/>
       </p:ext>
     </p:extLst>
   </p:cSld>
@@ -12176,33 +12729,16 @@
           <a:lstStyle/>
           <a:p>
             <a:r>
-              <a:rPr lang="zh-CN" altLang="en-US" b="1" dirty="0" smtClean="0">
-                <a:latin typeface="华文楷体" pitchFamily="2" charset="-122"/>
-                <a:ea typeface="华文楷体" pitchFamily="2" charset="-122"/>
-              </a:rPr>
-              <a:t>第</a:t>
-            </a:r>
-            <a:r>
-              <a:rPr lang="en-US" altLang="zh-CN" b="1" dirty="0" smtClean="0">
-                <a:latin typeface="华文楷体" pitchFamily="2" charset="-122"/>
-                <a:ea typeface="华文楷体" pitchFamily="2" charset="-122"/>
-              </a:rPr>
-              <a:t>4</a:t>
-            </a:r>
-            <a:r>
-              <a:rPr lang="zh-CN" altLang="en-US" b="1" dirty="0" smtClean="0">
-                <a:latin typeface="华文楷体" pitchFamily="2" charset="-122"/>
-                <a:ea typeface="华文楷体" pitchFamily="2" charset="-122"/>
-              </a:rPr>
-              <a:t>章</a:t>
-            </a:r>
-            <a:r>
-              <a:rPr lang="zh-CN" altLang="en-US" b="1" dirty="0">
-                <a:latin typeface="华文楷体" pitchFamily="2" charset="-122"/>
-                <a:ea typeface="华文楷体" pitchFamily="2" charset="-122"/>
-              </a:rPr>
-              <a:t>函数与数组</a:t>
-            </a:r>
+              <a:rPr lang="en-US" altLang="zh-CN" b="1" dirty="0" smtClean="0"/>
+              <a:t>3.3 </a:t>
+            </a:r>
+            <a:r>
+              <a:rPr lang="zh-CN" altLang="zh-CN" b="1" dirty="0"/>
+              <a:t>输入与输出</a:t>
+            </a:r>
+            <a:br>
+              <a:rPr lang="zh-CN" altLang="zh-CN" b="1" dirty="0"/>
+            </a:br>
             <a:endParaRPr lang="zh-CN" altLang="en-US" dirty="0"/>
           </a:p>
         </p:txBody>
@@ -12224,19 +12760,45 @@
           <a:p>
             <a:r>
               <a:rPr lang="zh-CN" altLang="en-US" dirty="0"/>
-              <a:t>函数定义与调用：参数传递（值传递、引用传递）、返回值。</a:t>
-            </a:r>
-          </a:p>
-          <a:p>
-            <a:r>
-              <a:rPr lang="zh-CN" altLang="en-US" dirty="0"/>
-              <a:t>函数重载与递归：函数重载规则、递归函数的使用与优化。</a:t>
-            </a:r>
-          </a:p>
-          <a:p>
-            <a:r>
-              <a:rPr lang="zh-CN" altLang="en-US" dirty="0"/>
-              <a:t>数组：一维数组、二维数组的定义与使用，数组与指针的关系。</a:t>
+              <a:t>使用 </a:t>
+            </a:r>
+            <a:r>
+              <a:rPr lang="en-US" altLang="zh-CN" dirty="0" err="1"/>
+              <a:t>cin</a:t>
+            </a:r>
+            <a:r>
+              <a:rPr lang="en-US" altLang="zh-CN" dirty="0"/>
+              <a:t> </a:t>
+            </a:r>
+            <a:r>
+              <a:rPr lang="zh-CN" altLang="en-US" dirty="0" smtClean="0"/>
+              <a:t>输入数据</a:t>
+            </a:r>
+            <a:endParaRPr lang="en-US" altLang="zh-CN" dirty="0" smtClean="0"/>
+          </a:p>
+          <a:p>
+            <a:r>
+              <a:rPr lang="zh-CN" altLang="en-US" dirty="0"/>
+              <a:t>使用 </a:t>
+            </a:r>
+            <a:r>
+              <a:rPr lang="en-US" altLang="zh-CN" dirty="0" err="1"/>
+              <a:t>cout</a:t>
+            </a:r>
+            <a:r>
+              <a:rPr lang="en-US" altLang="zh-CN" dirty="0"/>
+              <a:t> </a:t>
+            </a:r>
+            <a:r>
+              <a:rPr lang="zh-CN" altLang="en-US" dirty="0" smtClean="0"/>
+              <a:t>输出数据</a:t>
+            </a:r>
+            <a:endParaRPr lang="en-US" altLang="zh-CN" dirty="0" smtClean="0"/>
+          </a:p>
+          <a:p>
+            <a:r>
+              <a:rPr lang="zh-CN" altLang="en-US" dirty="0"/>
+              <a:t>使用格式化输出</a:t>
             </a:r>
           </a:p>
         </p:txBody>
@@ -12244,7 +12806,7 @@
     </p:spTree>
     <p:extLst>
       <p:ext uri="{BB962C8B-B14F-4D97-AF65-F5344CB8AC3E}">
-        <p14:creationId xmlns:p14="http://schemas.microsoft.com/office/powerpoint/2010/main" val="3528018120"/>
+        <p14:creationId xmlns:p14="http://schemas.microsoft.com/office/powerpoint/2010/main" val="2406778273"/>
       </p:ext>
     </p:extLst>
   </p:cSld>
@@ -12294,46 +12856,12 @@
           <a:lstStyle/>
           <a:p>
             <a:r>
-              <a:rPr lang="zh-CN" altLang="en-US" b="1" dirty="0" smtClean="0">
-                <a:latin typeface="华文楷体" pitchFamily="2" charset="-122"/>
-                <a:ea typeface="华文楷体" pitchFamily="2" charset="-122"/>
-              </a:rPr>
-              <a:t>第</a:t>
-            </a:r>
-            <a:r>
-              <a:rPr lang="en-US" altLang="zh-CN" b="1" dirty="0" smtClean="0">
-                <a:latin typeface="华文楷体" pitchFamily="2" charset="-122"/>
-                <a:ea typeface="华文楷体" pitchFamily="2" charset="-122"/>
-              </a:rPr>
-              <a:t>5</a:t>
-            </a:r>
-            <a:r>
-              <a:rPr lang="zh-CN" altLang="en-US" b="1" dirty="0" smtClean="0">
-                <a:latin typeface="华文楷体" pitchFamily="2" charset="-122"/>
-                <a:ea typeface="华文楷体" pitchFamily="2" charset="-122"/>
-              </a:rPr>
-              <a:t>章</a:t>
-            </a:r>
-            <a:r>
-              <a:rPr lang="zh-CN" altLang="en-US" b="1" dirty="0">
-                <a:latin typeface="华文楷体" pitchFamily="2" charset="-122"/>
-                <a:ea typeface="华文楷体" pitchFamily="2" charset="-122"/>
-              </a:rPr>
-              <a:t>面向对象编程（</a:t>
-            </a:r>
-            <a:r>
-              <a:rPr lang="en-US" altLang="zh-CN" b="1" dirty="0">
-                <a:latin typeface="华文楷体" pitchFamily="2" charset="-122"/>
-                <a:ea typeface="华文楷体" pitchFamily="2" charset="-122"/>
-              </a:rPr>
-              <a:t>OOP</a:t>
-            </a:r>
-            <a:r>
-              <a:rPr lang="zh-CN" altLang="en-US" b="1" dirty="0">
-                <a:latin typeface="华文楷体" pitchFamily="2" charset="-122"/>
-                <a:ea typeface="华文楷体" pitchFamily="2" charset="-122"/>
-              </a:rPr>
-              <a:t>）基础</a:t>
+              <a:rPr lang="en-US" altLang="zh-CN" dirty="0" smtClean="0"/>
+              <a:t>3.4 </a:t>
+            </a:r>
+            <a:r>
+              <a:rPr lang="zh-CN" altLang="zh-CN" b="1" dirty="0"/>
+              <a:t>课后练习</a:t>
             </a:r>
             <a:endParaRPr lang="zh-CN" altLang="en-US" dirty="0"/>
           </a:p>
@@ -12356,49 +12884,57 @@
           <a:p>
             <a:r>
               <a:rPr lang="zh-CN" altLang="en-US" dirty="0"/>
-              <a:t>类与对象：定义类、创建对象、构造函数与析构函数。</a:t>
-            </a:r>
-          </a:p>
-          <a:p>
-            <a:r>
-              <a:rPr lang="zh-CN" altLang="en-US" dirty="0"/>
-              <a:t>封装：访问控制修饰符（</a:t>
-            </a:r>
-            <a:r>
-              <a:rPr lang="en-US" altLang="zh-CN" dirty="0"/>
-              <a:t>public</a:t>
-            </a:r>
-            <a:r>
-              <a:rPr lang="zh-CN" altLang="en-US" dirty="0"/>
-              <a:t>、</a:t>
-            </a:r>
-            <a:r>
-              <a:rPr lang="en-US" altLang="zh-CN" dirty="0"/>
-              <a:t>private</a:t>
-            </a:r>
-            <a:r>
-              <a:rPr lang="zh-CN" altLang="en-US" dirty="0"/>
-              <a:t>、</a:t>
-            </a:r>
-            <a:r>
-              <a:rPr lang="en-US" altLang="zh-CN" dirty="0"/>
-              <a:t>protected</a:t>
-            </a:r>
-            <a:r>
-              <a:rPr lang="zh-CN" altLang="en-US" dirty="0"/>
-              <a:t>）。</a:t>
-            </a:r>
-          </a:p>
-          <a:p>
-            <a:r>
-              <a:rPr lang="zh-CN" altLang="en-US" dirty="0"/>
-              <a:t>继承：继承的概念、基类与派生类、多重继承。</a:t>
-            </a:r>
-          </a:p>
-          <a:p>
-            <a:r>
-              <a:rPr lang="zh-CN" altLang="en-US" dirty="0"/>
-              <a:t>多态：虚函数、纯虚函数、虚函数的重写、运行时多态。</a:t>
+              <a:t>编写一个程序，接收两个整数输入，输出它们的和、差、积和商。</a:t>
+            </a:r>
+          </a:p>
+          <a:p>
+            <a:r>
+              <a:rPr lang="zh-CN" altLang="en-US" dirty="0"/>
+              <a:t>编写一个程序，判断输入的整数是正数、负数还是零。</a:t>
+            </a:r>
+          </a:p>
+          <a:p>
+            <a:r>
+              <a:rPr lang="zh-CN" altLang="en-US" dirty="0"/>
+              <a:t>编写一个程序，输出从</a:t>
+            </a:r>
+            <a:r>
+              <a:rPr lang="en-US" altLang="zh-CN" dirty="0"/>
+              <a:t>1</a:t>
+            </a:r>
+            <a:r>
+              <a:rPr lang="zh-CN" altLang="en-US" dirty="0"/>
+              <a:t>到</a:t>
+            </a:r>
+            <a:r>
+              <a:rPr lang="en-US" altLang="zh-CN" dirty="0"/>
+              <a:t>100</a:t>
+            </a:r>
+            <a:r>
+              <a:rPr lang="zh-CN" altLang="en-US" dirty="0"/>
+              <a:t>的所有奇数。</a:t>
+            </a:r>
+          </a:p>
+          <a:p>
+            <a:r>
+              <a:rPr lang="zh-CN" altLang="en-US" dirty="0"/>
+              <a:t>使用 </a:t>
+            </a:r>
+            <a:r>
+              <a:rPr lang="en-US" altLang="zh-CN" dirty="0"/>
+              <a:t>switch </a:t>
+            </a:r>
+            <a:r>
+              <a:rPr lang="zh-CN" altLang="en-US" dirty="0"/>
+              <a:t>语句编写一个程序，根据输入的星期数字（</a:t>
+            </a:r>
+            <a:r>
+              <a:rPr lang="en-US" altLang="zh-CN" dirty="0"/>
+              <a:t>1-7</a:t>
+            </a:r>
+            <a:r>
+              <a:rPr lang="zh-CN" altLang="en-US" dirty="0"/>
+              <a:t>）输出对应的星期名称</a:t>
             </a:r>
           </a:p>
         </p:txBody>
@@ -12406,7 +12942,7 @@
     </p:spTree>
     <p:extLst>
       <p:ext uri="{BB962C8B-B14F-4D97-AF65-F5344CB8AC3E}">
-        <p14:creationId xmlns:p14="http://schemas.microsoft.com/office/powerpoint/2010/main" val="2413468171"/>
+        <p14:creationId xmlns:p14="http://schemas.microsoft.com/office/powerpoint/2010/main" val="1980070636"/>
       </p:ext>
     </p:extLst>
   </p:cSld>
@@ -12456,13 +12992,34 @@
           <a:lstStyle/>
           <a:p>
             <a:r>
-              <a:rPr lang="en-US" altLang="zh-CN" b="1" dirty="0" smtClean="0"/>
-              <a:t>5.1 </a:t>
-            </a:r>
-            <a:r>
-              <a:rPr lang="zh-CN" altLang="en-US" b="1" dirty="0"/>
-              <a:t>为什么使用面向对象</a:t>
-            </a:r>
+              <a:rPr lang="zh-CN" altLang="en-US" b="1" dirty="0" smtClean="0">
+                <a:latin typeface="华文楷体" pitchFamily="2" charset="-122"/>
+                <a:ea typeface="华文楷体" pitchFamily="2" charset="-122"/>
+              </a:rPr>
+              <a:t>第</a:t>
+            </a:r>
+            <a:r>
+              <a:rPr lang="en-US" altLang="zh-CN" b="1" dirty="0" smtClean="0">
+                <a:latin typeface="华文楷体" pitchFamily="2" charset="-122"/>
+                <a:ea typeface="华文楷体" pitchFamily="2" charset="-122"/>
+              </a:rPr>
+              <a:t>4</a:t>
+            </a:r>
+            <a:r>
+              <a:rPr lang="zh-CN" altLang="en-US" b="1" dirty="0" smtClean="0">
+                <a:latin typeface="华文楷体" pitchFamily="2" charset="-122"/>
+                <a:ea typeface="华文楷体" pitchFamily="2" charset="-122"/>
+              </a:rPr>
+              <a:t>章</a:t>
+            </a:r>
+            <a:r>
+              <a:rPr lang="zh-CN" altLang="en-US" b="1" dirty="0">
+                <a:latin typeface="华文楷体" pitchFamily="2" charset="-122"/>
+                <a:ea typeface="华文楷体" pitchFamily="2" charset="-122"/>
+              </a:rPr>
+              <a:t>函数与数组</a:t>
+            </a:r>
+            <a:endParaRPr lang="zh-CN" altLang="en-US" dirty="0"/>
           </a:p>
         </p:txBody>
       </p:sp>
@@ -12483,72 +13040,19 @@
           <a:p>
             <a:r>
               <a:rPr lang="zh-CN" altLang="en-US" dirty="0"/>
-              <a:t>面向对象编程（</a:t>
-            </a:r>
-            <a:r>
-              <a:rPr lang="en-US" altLang="zh-CN" dirty="0"/>
-              <a:t>OOP</a:t>
-            </a:r>
-            <a:r>
-              <a:rPr lang="zh-CN" altLang="en-US" dirty="0"/>
-              <a:t>）是软件开发中的一种编程范式，它与传统的过程化编程（如</a:t>
-            </a:r>
-            <a:r>
-              <a:rPr lang="en-US" altLang="zh-CN" dirty="0"/>
-              <a:t>C</a:t>
-            </a:r>
-            <a:r>
-              <a:rPr lang="zh-CN" altLang="en-US" dirty="0"/>
-              <a:t>语言）相比，提供了更高的灵活性和可维护性。通过将数据和操作数据的方法封装在一起，</a:t>
-            </a:r>
-            <a:r>
-              <a:rPr lang="en-US" altLang="zh-CN" dirty="0"/>
-              <a:t>OOP</a:t>
-            </a:r>
-            <a:r>
-              <a:rPr lang="zh-CN" altLang="en-US" dirty="0"/>
-              <a:t>可以使代码更加模块化、可扩展和易于维护</a:t>
-            </a:r>
-            <a:r>
-              <a:rPr lang="zh-CN" altLang="en-US" dirty="0" smtClean="0"/>
-              <a:t>。</a:t>
-            </a:r>
-            <a:endParaRPr lang="en-US" altLang="zh-CN" dirty="0" smtClean="0"/>
-          </a:p>
-          <a:p>
-            <a:r>
-              <a:rPr lang="zh-CN" altLang="en-US" dirty="0"/>
-              <a:t>面向对象的</a:t>
-            </a:r>
-            <a:r>
-              <a:rPr lang="zh-CN" altLang="en-US" dirty="0" smtClean="0"/>
-              <a:t>优势</a:t>
-            </a:r>
-            <a:endParaRPr lang="en-US" altLang="zh-CN" dirty="0" smtClean="0"/>
-          </a:p>
-          <a:p>
-            <a:r>
-              <a:rPr lang="zh-CN" altLang="en-US" dirty="0"/>
-              <a:t>与 </a:t>
-            </a:r>
-            <a:r>
-              <a:rPr lang="en-US" altLang="zh-CN" dirty="0"/>
-              <a:t>C </a:t>
-            </a:r>
-            <a:r>
-              <a:rPr lang="zh-CN" altLang="en-US" dirty="0"/>
-              <a:t>语言的</a:t>
-            </a:r>
-            <a:r>
-              <a:rPr lang="zh-CN" altLang="en-US" dirty="0" smtClean="0"/>
-              <a:t>区别</a:t>
-            </a:r>
-            <a:endParaRPr lang="en-US" altLang="zh-CN" dirty="0" smtClean="0"/>
-          </a:p>
-          <a:p>
-            <a:r>
-              <a:rPr lang="zh-CN" altLang="en-US" dirty="0"/>
-              <a:t>为什么选择面向对象编程</a:t>
+              <a:t>函数定义与调用：参数传递（值传递、引用传递）、返回值。</a:t>
+            </a:r>
+          </a:p>
+          <a:p>
+            <a:r>
+              <a:rPr lang="zh-CN" altLang="en-US" dirty="0"/>
+              <a:t>函数重载与递归：函数重载规则、递归函数的使用与优化。</a:t>
+            </a:r>
+          </a:p>
+          <a:p>
+            <a:r>
+              <a:rPr lang="zh-CN" altLang="en-US" dirty="0"/>
+              <a:t>数组：一维数组、二维数组的定义与使用，数组与指针的关系。</a:t>
             </a:r>
           </a:p>
         </p:txBody>
@@ -12556,13 +13060,20 @@
     </p:spTree>
     <p:extLst>
       <p:ext uri="{BB962C8B-B14F-4D97-AF65-F5344CB8AC3E}">
-        <p14:creationId xmlns:p14="http://schemas.microsoft.com/office/powerpoint/2010/main" val="329754630"/>
+        <p14:creationId xmlns:p14="http://schemas.microsoft.com/office/powerpoint/2010/main" val="3528018120"/>
       </p:ext>
     </p:extLst>
   </p:cSld>
   <p:clrMapOvr>
     <a:masterClrMapping/>
   </p:clrMapOvr>
+  <p:timing>
+    <p:tnLst>
+      <p:par>
+        <p:cTn id="1" dur="indefinite" restart="never" nodeType="tmRoot"/>
+      </p:par>
+    </p:tnLst>
+  </p:timing>
 </p:sld>
 </file>
 
@@ -12599,16 +13110,47 @@
           <a:lstStyle/>
           <a:p>
             <a:r>
-              <a:rPr lang="zh-CN" altLang="en-US" b="1" dirty="0"/>
-              <a:t>面向对象的优势</a:t>
-            </a:r>
-            <a:r>
-              <a:rPr lang="en-US" altLang="zh-CN" dirty="0"/>
-              <a:t/>
-            </a:r>
-            <a:br>
-              <a:rPr lang="en-US" altLang="zh-CN" dirty="0"/>
-            </a:br>
+              <a:rPr lang="zh-CN" altLang="en-US" b="1" dirty="0" smtClean="0">
+                <a:latin typeface="华文楷体" pitchFamily="2" charset="-122"/>
+                <a:ea typeface="华文楷体" pitchFamily="2" charset="-122"/>
+              </a:rPr>
+              <a:t>第</a:t>
+            </a:r>
+            <a:r>
+              <a:rPr lang="en-US" altLang="zh-CN" b="1" dirty="0" smtClean="0">
+                <a:latin typeface="华文楷体" pitchFamily="2" charset="-122"/>
+                <a:ea typeface="华文楷体" pitchFamily="2" charset="-122"/>
+              </a:rPr>
+              <a:t>5</a:t>
+            </a:r>
+            <a:r>
+              <a:rPr lang="zh-CN" altLang="en-US" b="1" dirty="0" smtClean="0">
+                <a:latin typeface="华文楷体" pitchFamily="2" charset="-122"/>
+                <a:ea typeface="华文楷体" pitchFamily="2" charset="-122"/>
+              </a:rPr>
+              <a:t>章</a:t>
+            </a:r>
+            <a:r>
+              <a:rPr lang="zh-CN" altLang="en-US" b="1" dirty="0">
+                <a:latin typeface="华文楷体" pitchFamily="2" charset="-122"/>
+                <a:ea typeface="华文楷体" pitchFamily="2" charset="-122"/>
+              </a:rPr>
+              <a:t>面向对象编程（</a:t>
+            </a:r>
+            <a:r>
+              <a:rPr lang="en-US" altLang="zh-CN" b="1" dirty="0">
+                <a:latin typeface="华文楷体" pitchFamily="2" charset="-122"/>
+                <a:ea typeface="华文楷体" pitchFamily="2" charset="-122"/>
+              </a:rPr>
+              <a:t>OOP</a:t>
+            </a:r>
+            <a:r>
+              <a:rPr lang="zh-CN" altLang="en-US" b="1" dirty="0">
+                <a:latin typeface="华文楷体" pitchFamily="2" charset="-122"/>
+                <a:ea typeface="华文楷体" pitchFamily="2" charset="-122"/>
+              </a:rPr>
+              <a:t>）基础</a:t>
+            </a:r>
             <a:endParaRPr lang="zh-CN" altLang="en-US" dirty="0"/>
           </a:p>
         </p:txBody>
@@ -12630,41 +13172,49 @@
           <a:p>
             <a:r>
               <a:rPr lang="zh-CN" altLang="en-US" dirty="0"/>
-              <a:t>封装：</a:t>
-            </a:r>
-            <a:r>
-              <a:rPr lang="en-US" altLang="zh-CN" dirty="0"/>
-              <a:t>OOP</a:t>
-            </a:r>
-            <a:r>
-              <a:rPr lang="zh-CN" altLang="en-US" dirty="0"/>
-              <a:t>鼓励将数据与数据操作封装在一起，减少数据访问的复杂性。通过封装，类的实现细节可以隐藏，外部代码只需关注接口而非实现。</a:t>
-            </a:r>
-          </a:p>
-          <a:p>
-            <a:r>
-              <a:rPr lang="zh-CN" altLang="en-US" dirty="0"/>
-              <a:t>继承：继承允许类继承另一个类的属性和方法，减少代码的重复，增强代码的重用性。</a:t>
-            </a:r>
-          </a:p>
-          <a:p>
-            <a:r>
-              <a:rPr lang="zh-CN" altLang="en-US" dirty="0"/>
-              <a:t>多态：多态使得同一操作可以在不同类型的对象上表现出不同的行为，提高了代码的灵活性。</a:t>
-            </a:r>
-          </a:p>
-          <a:p>
-            <a:r>
-              <a:rPr lang="zh-CN" altLang="en-US" dirty="0"/>
-              <a:t>模块化与可维护性：</a:t>
-            </a:r>
-            <a:r>
-              <a:rPr lang="en-US" altLang="zh-CN" dirty="0"/>
-              <a:t>OOP</a:t>
-            </a:r>
-            <a:r>
-              <a:rPr lang="zh-CN" altLang="en-US" dirty="0"/>
-              <a:t>允许将一个大程序拆分成多个小模块，每个模块负责自己独立的功能，增强了代码的可维护性和扩展性。</a:t>
+              <a:t>类与对象：定义类、创建对象、构造函数与析构函数。</a:t>
+            </a:r>
+          </a:p>
+          <a:p>
+            <a:r>
+              <a:rPr lang="zh-CN" altLang="en-US" dirty="0"/>
+              <a:t>封装：访问控制修饰符（</a:t>
+            </a:r>
+            <a:r>
+              <a:rPr lang="en-US" altLang="zh-CN" dirty="0"/>
+              <a:t>public</a:t>
+            </a:r>
+            <a:r>
+              <a:rPr lang="zh-CN" altLang="en-US" dirty="0"/>
+              <a:t>、</a:t>
+            </a:r>
+            <a:r>
+              <a:rPr lang="en-US" altLang="zh-CN" dirty="0"/>
+              <a:t>private</a:t>
+            </a:r>
+            <a:r>
+              <a:rPr lang="zh-CN" altLang="en-US" dirty="0"/>
+              <a:t>、</a:t>
+            </a:r>
+            <a:r>
+              <a:rPr lang="en-US" altLang="zh-CN" dirty="0"/>
+              <a:t>protected</a:t>
+            </a:r>
+            <a:r>
+              <a:rPr lang="zh-CN" altLang="en-US" dirty="0"/>
+              <a:t>）。</a:t>
+            </a:r>
+          </a:p>
+          <a:p>
+            <a:r>
+              <a:rPr lang="zh-CN" altLang="en-US" dirty="0"/>
+              <a:t>继承：继承的概念、基类与派生类、多重继承。</a:t>
+            </a:r>
+          </a:p>
+          <a:p>
+            <a:r>
+              <a:rPr lang="zh-CN" altLang="en-US" dirty="0"/>
+              <a:t>多态：虚函数、纯虚函数、虚函数的重写、运行时多态。</a:t>
             </a:r>
           </a:p>
         </p:txBody>
@@ -12672,13 +13222,20 @@
     </p:spTree>
     <p:extLst>
       <p:ext uri="{BB962C8B-B14F-4D97-AF65-F5344CB8AC3E}">
-        <p14:creationId xmlns:p14="http://schemas.microsoft.com/office/powerpoint/2010/main" val="1941399030"/>
+        <p14:creationId xmlns:p14="http://schemas.microsoft.com/office/powerpoint/2010/main" val="2413468171"/>
       </p:ext>
     </p:extLst>
   </p:cSld>
   <p:clrMapOvr>
     <a:masterClrMapping/>
   </p:clrMapOvr>
+  <p:timing>
+    <p:tnLst>
+      <p:par>
+        <p:cTn id="1" dur="indefinite" restart="never" nodeType="tmRoot"/>
+      </p:par>
+    </p:tnLst>
+  </p:timing>
 </p:sld>
 </file>
 
@@ -12715,6 +13272,265 @@
           <a:lstStyle/>
           <a:p>
             <a:r>
+              <a:rPr lang="en-US" altLang="zh-CN" b="1" dirty="0" smtClean="0"/>
+              <a:t>5.1 </a:t>
+            </a:r>
+            <a:r>
+              <a:rPr lang="zh-CN" altLang="en-US" b="1" dirty="0"/>
+              <a:t>为什么使用面向对象</a:t>
+            </a:r>
+          </a:p>
+        </p:txBody>
+      </p:sp>
+      <p:sp>
+        <p:nvSpPr>
+          <p:cNvPr id="3" name="内容占位符 2"/>
+          <p:cNvSpPr>
+            <a:spLocks noGrp="1"/>
+          </p:cNvSpPr>
+          <p:nvPr>
+            <p:ph idx="1"/>
+          </p:nvPr>
+        </p:nvSpPr>
+        <p:spPr/>
+        <p:txBody>
+          <a:bodyPr/>
+          <a:lstStyle/>
+          <a:p>
+            <a:r>
+              <a:rPr lang="zh-CN" altLang="en-US" dirty="0"/>
+              <a:t>面向对象编程（</a:t>
+            </a:r>
+            <a:r>
+              <a:rPr lang="en-US" altLang="zh-CN" dirty="0"/>
+              <a:t>OOP</a:t>
+            </a:r>
+            <a:r>
+              <a:rPr lang="zh-CN" altLang="en-US" dirty="0"/>
+              <a:t>）是软件开发中的一种编程范式，它与传统的过程化编程（如</a:t>
+            </a:r>
+            <a:r>
+              <a:rPr lang="en-US" altLang="zh-CN" dirty="0"/>
+              <a:t>C</a:t>
+            </a:r>
+            <a:r>
+              <a:rPr lang="zh-CN" altLang="en-US" dirty="0"/>
+              <a:t>语言）相比，提供了更高的灵活性和可维护性。通过将数据和操作数据的方法封装在一起，</a:t>
+            </a:r>
+            <a:r>
+              <a:rPr lang="en-US" altLang="zh-CN" dirty="0"/>
+              <a:t>OOP</a:t>
+            </a:r>
+            <a:r>
+              <a:rPr lang="zh-CN" altLang="en-US" dirty="0"/>
+              <a:t>可以使代码更加模块化、可扩展和易于维护</a:t>
+            </a:r>
+            <a:r>
+              <a:rPr lang="zh-CN" altLang="en-US" dirty="0" smtClean="0"/>
+              <a:t>。</a:t>
+            </a:r>
+            <a:endParaRPr lang="en-US" altLang="zh-CN" dirty="0" smtClean="0"/>
+          </a:p>
+          <a:p>
+            <a:r>
+              <a:rPr lang="zh-CN" altLang="en-US" dirty="0"/>
+              <a:t>面向对象的</a:t>
+            </a:r>
+            <a:r>
+              <a:rPr lang="zh-CN" altLang="en-US" dirty="0" smtClean="0"/>
+              <a:t>优势</a:t>
+            </a:r>
+            <a:endParaRPr lang="en-US" altLang="zh-CN" dirty="0" smtClean="0"/>
+          </a:p>
+          <a:p>
+            <a:r>
+              <a:rPr lang="zh-CN" altLang="en-US" dirty="0"/>
+              <a:t>与 </a:t>
+            </a:r>
+            <a:r>
+              <a:rPr lang="en-US" altLang="zh-CN" dirty="0"/>
+              <a:t>C </a:t>
+            </a:r>
+            <a:r>
+              <a:rPr lang="zh-CN" altLang="en-US" dirty="0"/>
+              <a:t>语言的</a:t>
+            </a:r>
+            <a:r>
+              <a:rPr lang="zh-CN" altLang="en-US" dirty="0" smtClean="0"/>
+              <a:t>区别</a:t>
+            </a:r>
+            <a:endParaRPr lang="en-US" altLang="zh-CN" dirty="0" smtClean="0"/>
+          </a:p>
+          <a:p>
+            <a:r>
+              <a:rPr lang="zh-CN" altLang="en-US" dirty="0"/>
+              <a:t>为什么选择面向对象编程</a:t>
+            </a:r>
+          </a:p>
+        </p:txBody>
+      </p:sp>
+    </p:spTree>
+    <p:extLst>
+      <p:ext uri="{BB962C8B-B14F-4D97-AF65-F5344CB8AC3E}">
+        <p14:creationId xmlns:p14="http://schemas.microsoft.com/office/powerpoint/2010/main" val="329754630"/>
+      </p:ext>
+    </p:extLst>
+  </p:cSld>
+  <p:clrMapOvr>
+    <a:masterClrMapping/>
+  </p:clrMapOvr>
+</p:sld>
+</file>
+
+<file path=ppt/slides/slide35.xml><?xml version="1.0" encoding="utf-8"?>
+<p:sld xmlns:a="http://schemas.openxmlformats.org/drawingml/2006/main" xmlns:r="http://schemas.openxmlformats.org/officeDocument/2006/relationships" xmlns:p="http://schemas.openxmlformats.org/presentationml/2006/main">
+  <p:cSld>
+    <p:spTree>
+      <p:nvGrpSpPr>
+        <p:cNvPr id="1" name=""/>
+        <p:cNvGrpSpPr/>
+        <p:nvPr/>
+      </p:nvGrpSpPr>
+      <p:grpSpPr>
+        <a:xfrm>
+          <a:off x="0" y="0"/>
+          <a:ext cx="0" cy="0"/>
+          <a:chOff x="0" y="0"/>
+          <a:chExt cx="0" cy="0"/>
+        </a:xfrm>
+      </p:grpSpPr>
+      <p:sp>
+        <p:nvSpPr>
+          <p:cNvPr id="2" name="标题 1"/>
+          <p:cNvSpPr>
+            <a:spLocks noGrp="1"/>
+          </p:cNvSpPr>
+          <p:nvPr>
+            <p:ph type="title"/>
+          </p:nvPr>
+        </p:nvSpPr>
+        <p:spPr/>
+        <p:txBody>
+          <a:bodyPr/>
+          <a:lstStyle/>
+          <a:p>
+            <a:r>
+              <a:rPr lang="zh-CN" altLang="en-US" b="1" dirty="0"/>
+              <a:t>面向对象的优势</a:t>
+            </a:r>
+            <a:r>
+              <a:rPr lang="en-US" altLang="zh-CN" dirty="0"/>
+              <a:t/>
+            </a:r>
+            <a:br>
+              <a:rPr lang="en-US" altLang="zh-CN" dirty="0"/>
+            </a:br>
+            <a:endParaRPr lang="zh-CN" altLang="en-US" dirty="0"/>
+          </a:p>
+        </p:txBody>
+      </p:sp>
+      <p:sp>
+        <p:nvSpPr>
+          <p:cNvPr id="3" name="内容占位符 2"/>
+          <p:cNvSpPr>
+            <a:spLocks noGrp="1"/>
+          </p:cNvSpPr>
+          <p:nvPr>
+            <p:ph idx="1"/>
+          </p:nvPr>
+        </p:nvSpPr>
+        <p:spPr/>
+        <p:txBody>
+          <a:bodyPr/>
+          <a:lstStyle/>
+          <a:p>
+            <a:r>
+              <a:rPr lang="zh-CN" altLang="en-US" dirty="0"/>
+              <a:t>封装：</a:t>
+            </a:r>
+            <a:r>
+              <a:rPr lang="en-US" altLang="zh-CN" dirty="0"/>
+              <a:t>OOP</a:t>
+            </a:r>
+            <a:r>
+              <a:rPr lang="zh-CN" altLang="en-US" dirty="0"/>
+              <a:t>鼓励将数据与数据操作封装在一起，减少数据访问的复杂性。通过封装，类的实现细节可以隐藏，外部代码只需关注接口而非实现。</a:t>
+            </a:r>
+          </a:p>
+          <a:p>
+            <a:r>
+              <a:rPr lang="zh-CN" altLang="en-US" dirty="0"/>
+              <a:t>继承：继承允许类继承另一个类的属性和方法，减少代码的重复，增强代码的重用性。</a:t>
+            </a:r>
+          </a:p>
+          <a:p>
+            <a:r>
+              <a:rPr lang="zh-CN" altLang="en-US" dirty="0"/>
+              <a:t>多态：多态使得同一操作可以在不同类型的对象上表现出不同的行为，提高了代码的灵活性。</a:t>
+            </a:r>
+          </a:p>
+          <a:p>
+            <a:r>
+              <a:rPr lang="zh-CN" altLang="en-US" dirty="0"/>
+              <a:t>模块化与可维护性：</a:t>
+            </a:r>
+            <a:r>
+              <a:rPr lang="en-US" altLang="zh-CN" dirty="0"/>
+              <a:t>OOP</a:t>
+            </a:r>
+            <a:r>
+              <a:rPr lang="zh-CN" altLang="en-US" dirty="0"/>
+              <a:t>允许将一个大程序拆分成多个小模块，每个模块负责自己独立的功能，增强了代码的可维护性和扩展性。</a:t>
+            </a:r>
+          </a:p>
+        </p:txBody>
+      </p:sp>
+    </p:spTree>
+    <p:extLst>
+      <p:ext uri="{BB962C8B-B14F-4D97-AF65-F5344CB8AC3E}">
+        <p14:creationId xmlns:p14="http://schemas.microsoft.com/office/powerpoint/2010/main" val="1941399030"/>
+      </p:ext>
+    </p:extLst>
+  </p:cSld>
+  <p:clrMapOvr>
+    <a:masterClrMapping/>
+  </p:clrMapOvr>
+</p:sld>
+</file>
+
+<file path=ppt/slides/slide36.xml><?xml version="1.0" encoding="utf-8"?>
+<p:sld xmlns:a="http://schemas.openxmlformats.org/drawingml/2006/main" xmlns:r="http://schemas.openxmlformats.org/officeDocument/2006/relationships" xmlns:p="http://schemas.openxmlformats.org/presentationml/2006/main">
+  <p:cSld>
+    <p:spTree>
+      <p:nvGrpSpPr>
+        <p:cNvPr id="1" name=""/>
+        <p:cNvGrpSpPr/>
+        <p:nvPr/>
+      </p:nvGrpSpPr>
+      <p:grpSpPr>
+        <a:xfrm>
+          <a:off x="0" y="0"/>
+          <a:ext cx="0" cy="0"/>
+          <a:chOff x="0" y="0"/>
+          <a:chExt cx="0" cy="0"/>
+        </a:xfrm>
+      </p:grpSpPr>
+      <p:sp>
+        <p:nvSpPr>
+          <p:cNvPr id="2" name="标题 1"/>
+          <p:cNvSpPr>
+            <a:spLocks noGrp="1"/>
+          </p:cNvSpPr>
+          <p:nvPr>
+            <p:ph type="title"/>
+          </p:nvPr>
+        </p:nvSpPr>
+        <p:spPr/>
+        <p:txBody>
+          <a:bodyPr/>
+          <a:lstStyle/>
+          <a:p>
+            <a:r>
               <a:rPr lang="zh-CN" altLang="en-US" b="1" dirty="0"/>
               <a:t>与 </a:t>
             </a:r>
@@ -12793,7 +13609,7 @@
 </p:sld>
 </file>
 
-<file path=ppt/slides/slide35.xml><?xml version="1.0" encoding="utf-8"?>
+<file path=ppt/slides/slide37.xml><?xml version="1.0" encoding="utf-8"?>
 <p:sld xmlns:a="http://schemas.openxmlformats.org/drawingml/2006/main" xmlns:r="http://schemas.openxmlformats.org/officeDocument/2006/relationships" xmlns:p="http://schemas.openxmlformats.org/presentationml/2006/main">
   <p:cSld>
     <p:spTree>
@@ -13220,322 +14036,6 @@
 </p:sld>
 </file>
 
-<file path=ppt/slides/slide36.xml><?xml version="1.0" encoding="utf-8"?>
-<p:sld xmlns:a="http://schemas.openxmlformats.org/drawingml/2006/main" xmlns:r="http://schemas.openxmlformats.org/officeDocument/2006/relationships" xmlns:p="http://schemas.openxmlformats.org/presentationml/2006/main">
-  <p:cSld>
-    <p:spTree>
-      <p:nvGrpSpPr>
-        <p:cNvPr id="1" name=""/>
-        <p:cNvGrpSpPr/>
-        <p:nvPr/>
-      </p:nvGrpSpPr>
-      <p:grpSpPr>
-        <a:xfrm>
-          <a:off x="0" y="0"/>
-          <a:ext cx="0" cy="0"/>
-          <a:chOff x="0" y="0"/>
-          <a:chExt cx="0" cy="0"/>
-        </a:xfrm>
-      </p:grpSpPr>
-      <p:sp>
-        <p:nvSpPr>
-          <p:cNvPr id="2" name="标题 1"/>
-          <p:cNvSpPr>
-            <a:spLocks noGrp="1"/>
-          </p:cNvSpPr>
-          <p:nvPr>
-            <p:ph type="title"/>
-          </p:nvPr>
-        </p:nvSpPr>
-        <p:spPr/>
-        <p:txBody>
-          <a:bodyPr/>
-          <a:lstStyle/>
-          <a:p>
-            <a:r>
-              <a:rPr lang="en-US" altLang="zh-CN" dirty="0" smtClean="0"/>
-              <a:t>5.2 </a:t>
-            </a:r>
-            <a:r>
-              <a:rPr lang="zh-CN" altLang="en-US" dirty="0"/>
-              <a:t>类与对象</a:t>
-            </a:r>
-          </a:p>
-        </p:txBody>
-      </p:sp>
-      <p:sp>
-        <p:nvSpPr>
-          <p:cNvPr id="3" name="内容占位符 2"/>
-          <p:cNvSpPr>
-            <a:spLocks noGrp="1"/>
-          </p:cNvSpPr>
-          <p:nvPr>
-            <p:ph idx="1"/>
-          </p:nvPr>
-        </p:nvSpPr>
-        <p:spPr/>
-        <p:txBody>
-          <a:bodyPr/>
-          <a:lstStyle/>
-          <a:p>
-            <a:r>
-              <a:rPr lang="zh-CN" altLang="en-US" dirty="0"/>
-              <a:t>定义</a:t>
-            </a:r>
-            <a:r>
-              <a:rPr lang="zh-CN" altLang="en-US" dirty="0" smtClean="0"/>
-              <a:t>类</a:t>
-            </a:r>
-            <a:endParaRPr lang="en-US" altLang="zh-CN" dirty="0" smtClean="0"/>
-          </a:p>
-          <a:p>
-            <a:pPr marL="0" indent="0">
-              <a:buNone/>
-            </a:pPr>
-            <a:r>
-              <a:rPr lang="en-US" altLang="zh-CN" dirty="0"/>
-              <a:t>	</a:t>
-            </a:r>
-            <a:r>
-              <a:rPr lang="zh-CN" altLang="en-US" dirty="0"/>
-              <a:t>类是面向对象编程中的核心概念，它描述了一个对象的属性和行为。类定义包括</a:t>
-            </a:r>
-            <a:r>
-              <a:rPr lang="zh-CN" altLang="en-US" dirty="0" smtClean="0"/>
-              <a:t>成</a:t>
-            </a:r>
-            <a:r>
-              <a:rPr lang="en-US" altLang="zh-CN" dirty="0" smtClean="0"/>
-              <a:t>	</a:t>
-            </a:r>
-            <a:r>
-              <a:rPr lang="zh-CN" altLang="en-US" dirty="0" smtClean="0"/>
-              <a:t>员</a:t>
-            </a:r>
-            <a:r>
-              <a:rPr lang="zh-CN" altLang="en-US" dirty="0"/>
-              <a:t>变量（属性）和成员函数（行为）。类的实例化称为对象。</a:t>
-            </a:r>
-            <a:endParaRPr lang="en-US" altLang="zh-CN" dirty="0" smtClean="0"/>
-          </a:p>
-          <a:p>
-            <a:r>
-              <a:rPr lang="zh-CN" altLang="en-US" dirty="0"/>
-              <a:t>构造函数与</a:t>
-            </a:r>
-            <a:r>
-              <a:rPr lang="zh-CN" altLang="en-US" dirty="0" smtClean="0"/>
-              <a:t>析构函数</a:t>
-            </a:r>
-            <a:endParaRPr lang="en-US" altLang="zh-CN" dirty="0" smtClean="0"/>
-          </a:p>
-          <a:p>
-            <a:pPr marL="0" indent="0">
-              <a:buNone/>
-            </a:pPr>
-            <a:r>
-              <a:rPr lang="en-US" altLang="zh-CN" dirty="0"/>
-              <a:t>	</a:t>
-            </a:r>
-            <a:r>
-              <a:rPr lang="zh-CN" altLang="en-US" dirty="0"/>
-              <a:t>构造函数用于初始化对象的成员变量。析构函数用于在对象销毁时进行资源清理</a:t>
-            </a:r>
-            <a:r>
-              <a:rPr lang="zh-CN" altLang="en-US" dirty="0" smtClean="0"/>
-              <a:t>。</a:t>
-            </a:r>
-            <a:r>
-              <a:rPr lang="en-US" altLang="zh-CN" dirty="0" smtClean="0"/>
-              <a:t>	</a:t>
-            </a:r>
-            <a:r>
-              <a:rPr lang="zh-CN" altLang="en-US" dirty="0" smtClean="0"/>
-              <a:t>构造</a:t>
-            </a:r>
-            <a:r>
-              <a:rPr lang="zh-CN" altLang="en-US" dirty="0"/>
-              <a:t>函数和析构函数的名称与类名相同，但构造函数没有返回类型，析构函数以 </a:t>
-            </a:r>
-            <a:r>
-              <a:rPr lang="en-US" altLang="zh-CN" dirty="0"/>
-              <a:t>~ </a:t>
-            </a:r>
-            <a:r>
-              <a:rPr lang="en-US" altLang="zh-CN" dirty="0" smtClean="0"/>
-              <a:t>	</a:t>
-            </a:r>
-            <a:r>
-              <a:rPr lang="zh-CN" altLang="en-US" dirty="0" smtClean="0"/>
-              <a:t>开头</a:t>
-            </a:r>
-            <a:r>
-              <a:rPr lang="zh-CN" altLang="en-US" dirty="0"/>
-              <a:t>。</a:t>
-            </a:r>
-            <a:endParaRPr lang="en-US" altLang="zh-CN" dirty="0" smtClean="0"/>
-          </a:p>
-        </p:txBody>
-      </p:sp>
-    </p:spTree>
-    <p:extLst>
-      <p:ext uri="{BB962C8B-B14F-4D97-AF65-F5344CB8AC3E}">
-        <p14:creationId xmlns:p14="http://schemas.microsoft.com/office/powerpoint/2010/main" val="3147529873"/>
-      </p:ext>
-    </p:extLst>
-  </p:cSld>
-  <p:clrMapOvr>
-    <a:masterClrMapping/>
-  </p:clrMapOvr>
-</p:sld>
-</file>
-
-<file path=ppt/slides/slide37.xml><?xml version="1.0" encoding="utf-8"?>
-<p:sld xmlns:a="http://schemas.openxmlformats.org/drawingml/2006/main" xmlns:r="http://schemas.openxmlformats.org/officeDocument/2006/relationships" xmlns:p="http://schemas.openxmlformats.org/presentationml/2006/main">
-  <p:cSld>
-    <p:spTree>
-      <p:nvGrpSpPr>
-        <p:cNvPr id="1" name=""/>
-        <p:cNvGrpSpPr/>
-        <p:nvPr/>
-      </p:nvGrpSpPr>
-      <p:grpSpPr>
-        <a:xfrm>
-          <a:off x="0" y="0"/>
-          <a:ext cx="0" cy="0"/>
-          <a:chOff x="0" y="0"/>
-          <a:chExt cx="0" cy="0"/>
-        </a:xfrm>
-      </p:grpSpPr>
-      <p:sp>
-        <p:nvSpPr>
-          <p:cNvPr id="2" name="标题 1"/>
-          <p:cNvSpPr>
-            <a:spLocks noGrp="1"/>
-          </p:cNvSpPr>
-          <p:nvPr>
-            <p:ph type="title"/>
-          </p:nvPr>
-        </p:nvSpPr>
-        <p:spPr/>
-        <p:txBody>
-          <a:bodyPr/>
-          <a:lstStyle/>
-          <a:p>
-            <a:r>
-              <a:rPr lang="en-US" altLang="zh-CN" dirty="0" smtClean="0"/>
-              <a:t>5.2 </a:t>
-            </a:r>
-            <a:r>
-              <a:rPr lang="zh-CN" altLang="en-US" dirty="0"/>
-              <a:t>封装</a:t>
-            </a:r>
-          </a:p>
-        </p:txBody>
-      </p:sp>
-      <p:sp>
-        <p:nvSpPr>
-          <p:cNvPr id="3" name="内容占位符 2"/>
-          <p:cNvSpPr>
-            <a:spLocks noGrp="1"/>
-          </p:cNvSpPr>
-          <p:nvPr>
-            <p:ph idx="1"/>
-          </p:nvPr>
-        </p:nvSpPr>
-        <p:spPr/>
-        <p:txBody>
-          <a:bodyPr/>
-          <a:lstStyle/>
-          <a:p>
-            <a:r>
-              <a:rPr lang="zh-CN" altLang="en-US" dirty="0"/>
-              <a:t>封装是面向对象编程的四大基本特性之一。封装通过访问控制修饰符（</a:t>
-            </a:r>
-            <a:r>
-              <a:rPr lang="en-US" altLang="zh-CN" dirty="0"/>
-              <a:t>public</a:t>
-            </a:r>
-            <a:r>
-              <a:rPr lang="zh-CN" altLang="en-US" dirty="0"/>
-              <a:t>、</a:t>
-            </a:r>
-            <a:r>
-              <a:rPr lang="en-US" altLang="zh-CN" dirty="0"/>
-              <a:t>private</a:t>
-            </a:r>
-            <a:r>
-              <a:rPr lang="zh-CN" altLang="en-US" dirty="0"/>
-              <a:t>、</a:t>
-            </a:r>
-            <a:r>
-              <a:rPr lang="en-US" altLang="zh-CN" dirty="0"/>
-              <a:t>protected</a:t>
-            </a:r>
-            <a:r>
-              <a:rPr lang="zh-CN" altLang="en-US" dirty="0"/>
-              <a:t>）来控制类成员的访问权限</a:t>
-            </a:r>
-            <a:r>
-              <a:rPr lang="zh-CN" altLang="en-US" dirty="0" smtClean="0"/>
-              <a:t>。</a:t>
-            </a:r>
-            <a:endParaRPr lang="en-US" altLang="zh-CN" dirty="0" smtClean="0"/>
-          </a:p>
-          <a:p>
-            <a:r>
-              <a:rPr lang="zh-CN" altLang="en-US" dirty="0"/>
-              <a:t>访问控制修饰符</a:t>
-            </a:r>
-          </a:p>
-          <a:p>
-            <a:pPr lvl="1"/>
-            <a:r>
-              <a:rPr lang="en-US" altLang="zh-CN" dirty="0"/>
-              <a:t>public</a:t>
-            </a:r>
-            <a:r>
-              <a:rPr lang="zh-CN" altLang="en-US" dirty="0"/>
-              <a:t>：公开的成员，外部代码可以访问。</a:t>
-            </a:r>
-          </a:p>
-          <a:p>
-            <a:pPr lvl="1"/>
-            <a:r>
-              <a:rPr lang="en-US" altLang="zh-CN" dirty="0"/>
-              <a:t>private</a:t>
-            </a:r>
-            <a:r>
-              <a:rPr lang="zh-CN" altLang="en-US" dirty="0"/>
-              <a:t>：私有的成员，只能在类的内部访问。</a:t>
-            </a:r>
-          </a:p>
-          <a:p>
-            <a:pPr lvl="1"/>
-            <a:r>
-              <a:rPr lang="en-US" altLang="zh-CN" dirty="0"/>
-              <a:t>protected</a:t>
-            </a:r>
-            <a:r>
-              <a:rPr lang="zh-CN" altLang="en-US" dirty="0"/>
-              <a:t>：保护的成员，子类可以访问，但外部代码不能访问。</a:t>
-            </a:r>
-          </a:p>
-        </p:txBody>
-      </p:sp>
-    </p:spTree>
-    <p:extLst>
-      <p:ext uri="{BB962C8B-B14F-4D97-AF65-F5344CB8AC3E}">
-        <p14:creationId xmlns:p14="http://schemas.microsoft.com/office/powerpoint/2010/main" val="3887602630"/>
-      </p:ext>
-    </p:extLst>
-  </p:cSld>
-  <p:clrMapOvr>
-    <a:masterClrMapping/>
-  </p:clrMapOvr>
-</p:sld>
-</file>
-
 <file path=ppt/slides/slide38.xml><?xml version="1.0" encoding="utf-8"?>
 <p:sld xmlns:a="http://schemas.openxmlformats.org/drawingml/2006/main" xmlns:r="http://schemas.openxmlformats.org/officeDocument/2006/relationships" xmlns:p="http://schemas.openxmlformats.org/presentationml/2006/main">
   <p:cSld>
@@ -13570,11 +14070,11 @@
           <a:p>
             <a:r>
               <a:rPr lang="en-US" altLang="zh-CN" dirty="0" smtClean="0"/>
-              <a:t>5.3 </a:t>
-            </a:r>
-            <a:r>
-              <a:rPr lang="zh-CN" altLang="en-US" dirty="0"/>
-              <a:t>继承</a:t>
+              <a:t>5.2 </a:t>
+            </a:r>
+            <a:r>
+              <a:rPr lang="zh-CN" altLang="en-US" dirty="0"/>
+              <a:t>类与对象</a:t>
             </a:r>
           </a:p>
         </p:txBody>
@@ -13596,72 +14096,98 @@
           <a:p>
             <a:r>
               <a:rPr lang="zh-CN" altLang="en-US" dirty="0"/>
-              <a:t>通过继承，我们可以创建一个新的类（派生类），它可以继承已有类（基类）的成员变量和成员函数</a:t>
+              <a:t>定义</a:t>
+            </a:r>
+            <a:r>
+              <a:rPr lang="zh-CN" altLang="en-US" dirty="0" smtClean="0"/>
+              <a:t>类</a:t>
+            </a:r>
+            <a:endParaRPr lang="en-US" altLang="zh-CN" dirty="0" smtClean="0"/>
+          </a:p>
+          <a:p>
+            <a:pPr marL="0" indent="0">
+              <a:buNone/>
+            </a:pPr>
+            <a:r>
+              <a:rPr lang="en-US" altLang="zh-CN" dirty="0"/>
+              <a:t>	</a:t>
+            </a:r>
+            <a:r>
+              <a:rPr lang="zh-CN" altLang="en-US" dirty="0"/>
+              <a:t>类是面向对象编程中的核心概念，它描述了一个对象的属性和行为。类定义包括</a:t>
+            </a:r>
+            <a:r>
+              <a:rPr lang="zh-CN" altLang="en-US" dirty="0" smtClean="0"/>
+              <a:t>成</a:t>
+            </a:r>
+            <a:r>
+              <a:rPr lang="en-US" altLang="zh-CN" dirty="0" smtClean="0"/>
+              <a:t>	</a:t>
+            </a:r>
+            <a:r>
+              <a:rPr lang="zh-CN" altLang="en-US" dirty="0" smtClean="0"/>
+              <a:t>员</a:t>
+            </a:r>
+            <a:r>
+              <a:rPr lang="zh-CN" altLang="en-US" dirty="0"/>
+              <a:t>变量（属性）和成员函数（行为）。类的实例化称为对象。</a:t>
+            </a:r>
+            <a:endParaRPr lang="en-US" altLang="zh-CN" dirty="0" smtClean="0"/>
+          </a:p>
+          <a:p>
+            <a:r>
+              <a:rPr lang="zh-CN" altLang="en-US" dirty="0"/>
+              <a:t>构造函数与</a:t>
+            </a:r>
+            <a:r>
+              <a:rPr lang="zh-CN" altLang="en-US" dirty="0" smtClean="0"/>
+              <a:t>析构函数</a:t>
+            </a:r>
+            <a:endParaRPr lang="en-US" altLang="zh-CN" dirty="0" smtClean="0"/>
+          </a:p>
+          <a:p>
+            <a:pPr marL="0" indent="0">
+              <a:buNone/>
+            </a:pPr>
+            <a:r>
+              <a:rPr lang="en-US" altLang="zh-CN" dirty="0"/>
+              <a:t>	</a:t>
+            </a:r>
+            <a:r>
+              <a:rPr lang="zh-CN" altLang="en-US" dirty="0"/>
+              <a:t>构造函数用于初始化对象的成员变量。析构函数用于在对象销毁时进行资源清理</a:t>
             </a:r>
             <a:r>
               <a:rPr lang="zh-CN" altLang="en-US" dirty="0" smtClean="0"/>
               <a:t>。</a:t>
             </a:r>
-            <a:endParaRPr lang="en-US" altLang="zh-CN" dirty="0" smtClean="0"/>
-          </a:p>
-          <a:p>
-            <a:r>
-              <a:rPr lang="zh-CN" altLang="en-US" dirty="0"/>
-              <a:t>继承的</a:t>
+            <a:r>
+              <a:rPr lang="en-US" altLang="zh-CN" dirty="0" smtClean="0"/>
+              <a:t>	</a:t>
             </a:r>
             <a:r>
               <a:rPr lang="zh-CN" altLang="en-US" dirty="0" smtClean="0"/>
-              <a:t>概念</a:t>
-            </a:r>
-            <a:endParaRPr lang="en-US" altLang="zh-CN" dirty="0" smtClean="0"/>
-          </a:p>
-          <a:p>
-            <a:pPr marL="457200" lvl="1" indent="0">
-              <a:buNone/>
-            </a:pPr>
-            <a:r>
-              <a:rPr lang="zh-CN" altLang="en-US" dirty="0"/>
-              <a:t>基类和派生类的关系：</a:t>
-            </a:r>
-            <a:r>
-              <a:rPr lang="en-US" altLang="zh-CN" dirty="0"/>
+              <a:t>构造</a:t>
+            </a:r>
+            <a:r>
+              <a:rPr lang="zh-CN" altLang="en-US" dirty="0"/>
+              <a:t>函数和析构函数的名称与类名相同，但构造函数没有返回类型，析构函数以 </a:t>
+            </a:r>
+            <a:r>
+              <a:rPr lang="en-US" altLang="zh-CN" dirty="0"/>
+              <a:t>~ </a:t>
+            </a:r>
+            <a:r>
+              <a:rPr lang="en-US" altLang="zh-CN" dirty="0" smtClean="0"/>
               <a:t>	</a:t>
             </a:r>
-            <a:endParaRPr lang="zh-CN" altLang="en-US" dirty="0"/>
-          </a:p>
-          <a:p>
-            <a:pPr lvl="1"/>
-            <a:r>
-              <a:rPr lang="zh-CN" altLang="en-US" dirty="0"/>
-              <a:t>基类是被继承的类。</a:t>
-            </a:r>
-          </a:p>
-          <a:p>
-            <a:pPr lvl="1"/>
-            <a:r>
-              <a:rPr lang="zh-CN" altLang="en-US" dirty="0"/>
-              <a:t>派生类是从基类派生出来的类，可以继承基类的属性和行为。</a:t>
-            </a:r>
-          </a:p>
-          <a:p>
             <a:r>
               <a:rPr lang="zh-CN" altLang="en-US" dirty="0" smtClean="0"/>
-              <a:t>基</a:t>
-            </a:r>
-            <a:r>
-              <a:rPr lang="zh-CN" altLang="en-US" dirty="0"/>
-              <a:t>类与派生</a:t>
-            </a:r>
-            <a:r>
-              <a:rPr lang="zh-CN" altLang="en-US" dirty="0" smtClean="0"/>
-              <a:t>类</a:t>
-            </a:r>
-            <a:endParaRPr lang="en-US" altLang="zh-CN" dirty="0" smtClean="0"/>
-          </a:p>
-          <a:p>
-            <a:r>
-              <a:rPr lang="zh-CN" altLang="en-US" dirty="0"/>
-              <a:t>多重继承</a:t>
+              <a:t>开头</a:t>
+            </a:r>
+            <a:r>
+              <a:rPr lang="zh-CN" altLang="en-US" dirty="0"/>
+              <a:t>。</a:t>
             </a:r>
             <a:endParaRPr lang="en-US" altLang="zh-CN" dirty="0" smtClean="0"/>
           </a:p>
@@ -13670,7 +14196,7 @@
     </p:spTree>
     <p:extLst>
       <p:ext uri="{BB962C8B-B14F-4D97-AF65-F5344CB8AC3E}">
-        <p14:creationId xmlns:p14="http://schemas.microsoft.com/office/powerpoint/2010/main" val="3152470496"/>
+        <p14:creationId xmlns:p14="http://schemas.microsoft.com/office/powerpoint/2010/main" val="3147529873"/>
       </p:ext>
     </p:extLst>
   </p:cSld>
@@ -13714,11 +14240,11 @@
           <a:p>
             <a:r>
               <a:rPr lang="en-US" altLang="zh-CN" dirty="0" smtClean="0"/>
-              <a:t>5.4 </a:t>
-            </a:r>
-            <a:r>
-              <a:rPr lang="zh-CN" altLang="en-US" dirty="0"/>
-              <a:t>多态</a:t>
+              <a:t>5.2 </a:t>
+            </a:r>
+            <a:r>
+              <a:rPr lang="zh-CN" altLang="en-US" dirty="0"/>
+              <a:t>封装</a:t>
             </a:r>
           </a:p>
         </p:txBody>
@@ -13740,15 +14266,31 @@
           <a:p>
             <a:r>
               <a:rPr lang="zh-CN" altLang="en-US" dirty="0"/>
-              <a:t>多态是指通过相同的接口调用不同的函数，实现不同的行为。多态有两种类型：编译时多态</a:t>
-            </a:r>
-            <a:r>
-              <a:rPr lang="zh-CN" altLang="en-US" dirty="0" smtClean="0"/>
-              <a:t>和运行</a:t>
-            </a:r>
-            <a:r>
-              <a:rPr lang="zh-CN" altLang="en-US" dirty="0"/>
-              <a:t>时多态</a:t>
+              <a:t>封装是面向对象编程的四大基本特性之一。封装通过访问控制修饰符（</a:t>
+            </a:r>
+            <a:r>
+              <a:rPr lang="en-US" altLang="zh-CN" dirty="0"/>
+              <a:t>public</a:t>
+            </a:r>
+            <a:r>
+              <a:rPr lang="zh-CN" altLang="en-US" dirty="0"/>
+              <a:t>、</a:t>
+            </a:r>
+            <a:r>
+              <a:rPr lang="en-US" altLang="zh-CN" dirty="0"/>
+              <a:t>private</a:t>
+            </a:r>
+            <a:r>
+              <a:rPr lang="zh-CN" altLang="en-US" dirty="0"/>
+              <a:t>、</a:t>
+            </a:r>
+            <a:r>
+              <a:rPr lang="en-US" altLang="zh-CN" dirty="0"/>
+              <a:t>protected</a:t>
+            </a:r>
+            <a:r>
+              <a:rPr lang="zh-CN" altLang="en-US" dirty="0"/>
+              <a:t>）来控制类成员的访问权限</a:t>
             </a:r>
             <a:r>
               <a:rPr lang="zh-CN" altLang="en-US" dirty="0" smtClean="0"/>
@@ -13759,103 +14301,40 @@
           <a:p>
             <a:r>
               <a:rPr lang="zh-CN" altLang="en-US" dirty="0"/>
-              <a:t>虚</a:t>
-            </a:r>
-            <a:r>
-              <a:rPr lang="zh-CN" altLang="en-US" dirty="0" smtClean="0"/>
-              <a:t>函数</a:t>
-            </a:r>
-            <a:endParaRPr lang="en-US" altLang="zh-CN" dirty="0" smtClean="0"/>
-          </a:p>
-          <a:p>
-            <a:pPr marL="0" indent="0">
-              <a:buNone/>
-            </a:pPr>
-            <a:r>
-              <a:rPr lang="en-US" altLang="zh-CN" dirty="0"/>
-              <a:t>	</a:t>
-            </a:r>
-            <a:r>
-              <a:rPr lang="zh-CN" altLang="en-US" dirty="0"/>
-              <a:t>虚函数允许我们在基类中声明函数，在派生类中重写该函数，以便实现动态绑定。</a:t>
-            </a:r>
-            <a:endParaRPr lang="en-US" altLang="zh-CN" dirty="0"/>
-          </a:p>
-          <a:p>
-            <a:r>
-              <a:rPr lang="zh-CN" altLang="en-US" dirty="0" smtClean="0"/>
-              <a:t>纯</a:t>
-            </a:r>
-            <a:r>
-              <a:rPr lang="zh-CN" altLang="en-US" dirty="0"/>
-              <a:t>虚</a:t>
-            </a:r>
-            <a:r>
-              <a:rPr lang="zh-CN" altLang="en-US" dirty="0" smtClean="0"/>
-              <a:t>函数</a:t>
-            </a:r>
-            <a:endParaRPr lang="en-US" altLang="zh-CN" dirty="0" smtClean="0"/>
-          </a:p>
-          <a:p>
-            <a:pPr marL="0" indent="0">
-              <a:buNone/>
-            </a:pPr>
-            <a:r>
-              <a:rPr lang="en-US" altLang="zh-CN" dirty="0"/>
-              <a:t>	</a:t>
-            </a:r>
-            <a:r>
-              <a:rPr lang="zh-CN" altLang="en-US" dirty="0"/>
-              <a:t>纯虚函数是没有函数体的虚函数，必须在派生类中实现它。含有纯虚函数的类被称</a:t>
-            </a:r>
-            <a:r>
-              <a:rPr lang="en-US" altLang="zh-CN" dirty="0"/>
-              <a:t>	</a:t>
-            </a:r>
-            <a:r>
-              <a:rPr lang="zh-CN" altLang="en-US" dirty="0"/>
-              <a:t>为抽象类，不能直接实例化。</a:t>
-            </a:r>
-            <a:endParaRPr lang="en-US" altLang="zh-CN" dirty="0"/>
-          </a:p>
-          <a:p>
-            <a:r>
-              <a:rPr lang="zh-CN" altLang="en-US" dirty="0" smtClean="0"/>
-              <a:t>运行</a:t>
-            </a:r>
-            <a:r>
-              <a:rPr lang="zh-CN" altLang="en-US" dirty="0"/>
-              <a:t>时多态</a:t>
-            </a:r>
-            <a:endParaRPr lang="en-US" altLang="zh-CN" dirty="0" smtClean="0"/>
-          </a:p>
-          <a:p>
-            <a:pPr marL="0" indent="0">
-              <a:buNone/>
-            </a:pPr>
-            <a:r>
-              <a:rPr lang="zh-CN" altLang="en-US" dirty="0" smtClean="0"/>
-              <a:t>       运行</a:t>
-            </a:r>
-            <a:r>
-              <a:rPr lang="zh-CN" altLang="en-US" dirty="0"/>
-              <a:t>时多态是通过虚函数和指向基类的指针或引用来实现的。根据对象的实际类型</a:t>
-            </a:r>
-            <a:r>
-              <a:rPr lang="zh-CN" altLang="en-US" dirty="0" smtClean="0"/>
-              <a:t>，  </a:t>
-            </a:r>
-            <a:r>
-              <a:rPr lang="en-US" altLang="zh-CN" dirty="0" smtClean="0"/>
-              <a:t>	</a:t>
-            </a:r>
-            <a:r>
-              <a:rPr lang="zh-CN" altLang="en-US" dirty="0" smtClean="0"/>
-              <a:t>调用</a:t>
-            </a:r>
-            <a:r>
-              <a:rPr lang="zh-CN" altLang="en-US" dirty="0"/>
-              <a:t>相应的重写函数。</a:t>
+              <a:t>访问控制修饰符</a:t>
+            </a:r>
+          </a:p>
+          <a:p>
+            <a:pPr lvl="1"/>
+            <a:r>
+              <a:rPr lang="en-US" altLang="zh-CN" dirty="0"/>
+              <a:t>public</a:t>
+            </a:r>
+            <a:r>
+              <a:rPr lang="zh-CN" altLang="en-US" dirty="0"/>
+              <a:t>：公开的成员，外部代码可以访问。</a:t>
+            </a:r>
+          </a:p>
+          <a:p>
+            <a:pPr lvl="1"/>
+            <a:r>
+              <a:rPr lang="en-US" altLang="zh-CN" dirty="0"/>
+              <a:t>private</a:t>
+            </a:r>
+            <a:r>
+              <a:rPr lang="zh-CN" altLang="en-US" dirty="0"/>
+              <a:t>：私有的成员，只能在类的内部访问。</a:t>
+            </a:r>
+          </a:p>
+          <a:p>
+            <a:pPr lvl="1"/>
+            <a:r>
+              <a:rPr lang="en-US" altLang="zh-CN" dirty="0"/>
+              <a:t>protected</a:t>
+            </a:r>
+            <a:r>
+              <a:rPr lang="zh-CN" altLang="en-US" dirty="0"/>
+              <a:t>：保护的成员，子类可以访问，但外部代码不能访问。</a:t>
             </a:r>
           </a:p>
         </p:txBody>
@@ -13863,7 +14342,7 @@
     </p:spTree>
     <p:extLst>
       <p:ext uri="{BB962C8B-B14F-4D97-AF65-F5344CB8AC3E}">
-        <p14:creationId xmlns:p14="http://schemas.microsoft.com/office/powerpoint/2010/main" val="1103990109"/>
+        <p14:creationId xmlns:p14="http://schemas.microsoft.com/office/powerpoint/2010/main" val="3887602630"/>
       </p:ext>
     </p:extLst>
   </p:cSld>
@@ -14054,11 +14533,11 @@
           <a:p>
             <a:r>
               <a:rPr lang="en-US" altLang="zh-CN" dirty="0" smtClean="0"/>
-              <a:t>5.5 </a:t>
-            </a:r>
-            <a:r>
-              <a:rPr lang="zh-CN" altLang="en-US" dirty="0"/>
-              <a:t>总结</a:t>
+              <a:t>5.3 </a:t>
+            </a:r>
+            <a:r>
+              <a:rPr lang="zh-CN" altLang="en-US" dirty="0"/>
+              <a:t>继承</a:t>
             </a:r>
           </a:p>
         </p:txBody>
@@ -14080,57 +14559,81 @@
           <a:p>
             <a:r>
               <a:rPr lang="zh-CN" altLang="en-US" dirty="0"/>
-              <a:t>类与对象：类是对象的蓝图，对象是类的实例。构造函数和析构函数分别用于初始化和清理对象。</a:t>
-            </a:r>
-          </a:p>
-          <a:p>
-            <a:r>
-              <a:rPr lang="zh-CN" altLang="en-US" dirty="0"/>
-              <a:t>封装：通过访问控制修饰符（</a:t>
-            </a:r>
-            <a:r>
-              <a:rPr lang="en-US" altLang="zh-CN" dirty="0"/>
-              <a:t>public</a:t>
-            </a:r>
-            <a:r>
-              <a:rPr lang="zh-CN" altLang="en-US" dirty="0"/>
-              <a:t>、</a:t>
-            </a:r>
-            <a:r>
-              <a:rPr lang="en-US" altLang="zh-CN" dirty="0"/>
-              <a:t>private</a:t>
-            </a:r>
-            <a:r>
-              <a:rPr lang="zh-CN" altLang="en-US" dirty="0"/>
-              <a:t>、</a:t>
-            </a:r>
-            <a:r>
-              <a:rPr lang="en-US" altLang="zh-CN" dirty="0"/>
-              <a:t>protected</a:t>
-            </a:r>
-            <a:r>
-              <a:rPr lang="zh-CN" altLang="en-US" dirty="0"/>
-              <a:t>）控制成员的访问权限，保护对象的状态。</a:t>
-            </a:r>
-          </a:p>
-          <a:p>
-            <a:r>
-              <a:rPr lang="zh-CN" altLang="en-US" dirty="0"/>
-              <a:t>继承：通过继承实现代码的复用，派生类可以继承基类的属性和方法。</a:t>
-            </a:r>
-          </a:p>
-          <a:p>
-            <a:r>
-              <a:rPr lang="zh-CN" altLang="en-US" dirty="0"/>
-              <a:t>多态：通过虚函数和纯虚函数实现多态，允许在运行时根据对象的实际类型调用不同的方法</a:t>
-            </a:r>
+              <a:t>通过继承，我们可以创建一个新的类（派生类），它可以继承已有类（基类）的成员变量和成员函数</a:t>
+            </a:r>
+            <a:r>
+              <a:rPr lang="zh-CN" altLang="en-US" dirty="0" smtClean="0"/>
+              <a:t>。</a:t>
+            </a:r>
+            <a:endParaRPr lang="en-US" altLang="zh-CN" dirty="0" smtClean="0"/>
+          </a:p>
+          <a:p>
+            <a:r>
+              <a:rPr lang="zh-CN" altLang="en-US" dirty="0"/>
+              <a:t>继承的</a:t>
+            </a:r>
+            <a:r>
+              <a:rPr lang="zh-CN" altLang="en-US" dirty="0" smtClean="0"/>
+              <a:t>概念</a:t>
+            </a:r>
+            <a:endParaRPr lang="en-US" altLang="zh-CN" dirty="0" smtClean="0"/>
+          </a:p>
+          <a:p>
+            <a:pPr marL="457200" lvl="1" indent="0">
+              <a:buNone/>
+            </a:pPr>
+            <a:r>
+              <a:rPr lang="zh-CN" altLang="en-US" dirty="0"/>
+              <a:t>基类和派生类的关系：</a:t>
+            </a:r>
+            <a:r>
+              <a:rPr lang="en-US" altLang="zh-CN" dirty="0"/>
+              <a:t>	</a:t>
+            </a:r>
+            <a:endParaRPr lang="zh-CN" altLang="en-US" dirty="0"/>
+          </a:p>
+          <a:p>
+            <a:pPr lvl="1"/>
+            <a:r>
+              <a:rPr lang="zh-CN" altLang="en-US" dirty="0"/>
+              <a:t>基类是被继承的类。</a:t>
+            </a:r>
+          </a:p>
+          <a:p>
+            <a:pPr lvl="1"/>
+            <a:r>
+              <a:rPr lang="zh-CN" altLang="en-US" dirty="0"/>
+              <a:t>派生类是从基类派生出来的类，可以继承基类的属性和行为。</a:t>
+            </a:r>
+          </a:p>
+          <a:p>
+            <a:r>
+              <a:rPr lang="zh-CN" altLang="en-US" dirty="0" smtClean="0"/>
+              <a:t>基</a:t>
+            </a:r>
+            <a:r>
+              <a:rPr lang="zh-CN" altLang="en-US" dirty="0"/>
+              <a:t>类与派生</a:t>
+            </a:r>
+            <a:r>
+              <a:rPr lang="zh-CN" altLang="en-US" dirty="0" smtClean="0"/>
+              <a:t>类</a:t>
+            </a:r>
+            <a:endParaRPr lang="en-US" altLang="zh-CN" dirty="0" smtClean="0"/>
+          </a:p>
+          <a:p>
+            <a:r>
+              <a:rPr lang="zh-CN" altLang="en-US" dirty="0"/>
+              <a:t>多重继承</a:t>
+            </a:r>
+            <a:endParaRPr lang="en-US" altLang="zh-CN" dirty="0" smtClean="0"/>
           </a:p>
         </p:txBody>
       </p:sp>
     </p:spTree>
     <p:extLst>
       <p:ext uri="{BB962C8B-B14F-4D97-AF65-F5344CB8AC3E}">
-        <p14:creationId xmlns:p14="http://schemas.microsoft.com/office/powerpoint/2010/main" val="1686844325"/>
+        <p14:creationId xmlns:p14="http://schemas.microsoft.com/office/powerpoint/2010/main" val="3152470496"/>
       </p:ext>
     </p:extLst>
   </p:cSld>
@@ -14173,41 +14676,13 @@
           <a:lstStyle/>
           <a:p>
             <a:r>
-              <a:rPr lang="zh-CN" altLang="en-US" b="1" dirty="0" smtClean="0">
-                <a:latin typeface="华文楷体" pitchFamily="2" charset="-122"/>
-                <a:ea typeface="华文楷体" pitchFamily="2" charset="-122"/>
-              </a:rPr>
-              <a:t>第</a:t>
-            </a:r>
-            <a:r>
-              <a:rPr lang="en-US" altLang="zh-CN" b="1" dirty="0" smtClean="0">
-                <a:latin typeface="华文楷体" pitchFamily="2" charset="-122"/>
-                <a:ea typeface="华文楷体" pitchFamily="2" charset="-122"/>
-              </a:rPr>
-              <a:t>6</a:t>
-            </a:r>
-            <a:r>
-              <a:rPr lang="zh-CN" altLang="en-US" b="1" dirty="0" smtClean="0">
-                <a:latin typeface="华文楷体" pitchFamily="2" charset="-122"/>
-                <a:ea typeface="华文楷体" pitchFamily="2" charset="-122"/>
-              </a:rPr>
-              <a:t>章 </a:t>
-            </a:r>
-            <a:r>
-              <a:rPr lang="zh-CN" altLang="en-US" b="1" dirty="0" smtClean="0">
-                <a:latin typeface="华文楷体" pitchFamily="2" charset="-122"/>
-                <a:ea typeface="华文楷体" pitchFamily="2" charset="-122"/>
-              </a:rPr>
-              <a:t>指针</a:t>
-            </a:r>
-            <a:r>
-              <a:rPr lang="zh-CN" altLang="en-US" b="1" dirty="0">
-                <a:latin typeface="华文楷体" pitchFamily="2" charset="-122"/>
-                <a:ea typeface="华文楷体" pitchFamily="2" charset="-122"/>
-              </a:rPr>
-              <a:t>与动态内存管理</a:t>
-            </a:r>
-            <a:endParaRPr lang="zh-CN" altLang="en-US" dirty="0"/>
+              <a:rPr lang="en-US" altLang="zh-CN" dirty="0" smtClean="0"/>
+              <a:t>5.4 </a:t>
+            </a:r>
+            <a:r>
+              <a:rPr lang="zh-CN" altLang="en-US" dirty="0"/>
+              <a:t>多态</a:t>
+            </a:r>
           </a:p>
         </p:txBody>
       </p:sp>
@@ -14227,80 +14702,137 @@
           <a:lstStyle/>
           <a:p>
             <a:r>
+              <a:rPr lang="zh-CN" altLang="en-US" dirty="0"/>
+              <a:t>多态是指通过相同的接口调用不同的函数，实现不同的行为。多态有两种类型：编译时多态</a:t>
+            </a:r>
+            <a:r>
               <a:rPr lang="zh-CN" altLang="en-US" dirty="0" smtClean="0"/>
-              <a:t>指针基础：指针的定义、解引用、指针运算。</a:t>
-            </a:r>
-          </a:p>
-          <a:p>
-            <a:r>
-              <a:rPr lang="zh-CN" altLang="en-US" dirty="0" smtClean="0"/>
-              <a:t>指针与数组：数组名作为指针，指针与数组的关系。</a:t>
-            </a:r>
-          </a:p>
-          <a:p>
-            <a:r>
-              <a:rPr lang="zh-CN" altLang="en-US" dirty="0" smtClean="0"/>
-              <a:t>动态内存管理：</a:t>
-            </a:r>
-            <a:r>
-              <a:rPr lang="en-US" altLang="zh-CN" dirty="0" smtClean="0"/>
-              <a:t>new</a:t>
-            </a:r>
-            <a:r>
-              <a:rPr lang="zh-CN" altLang="en-US" dirty="0" smtClean="0"/>
-              <a:t>、</a:t>
-            </a:r>
-            <a:r>
-              <a:rPr lang="en-US" altLang="zh-CN" dirty="0" smtClean="0"/>
-              <a:t>delete</a:t>
-            </a:r>
-            <a:r>
-              <a:rPr lang="zh-CN" altLang="en-US" dirty="0" smtClean="0"/>
-              <a:t>、</a:t>
-            </a:r>
-            <a:r>
-              <a:rPr lang="en-US" altLang="zh-CN" dirty="0" smtClean="0"/>
-              <a:t>new[]</a:t>
-            </a:r>
-            <a:r>
-              <a:rPr lang="zh-CN" altLang="en-US" dirty="0" smtClean="0"/>
-              <a:t>、</a:t>
-            </a:r>
-            <a:r>
-              <a:rPr lang="en-US" altLang="zh-CN" dirty="0" smtClean="0"/>
-              <a:t>delete[]</a:t>
+              <a:t>和运行</a:t>
+            </a:r>
+            <a:r>
+              <a:rPr lang="zh-CN" altLang="en-US" dirty="0"/>
+              <a:t>时多态</a:t>
             </a:r>
             <a:r>
               <a:rPr lang="zh-CN" altLang="en-US" dirty="0" smtClean="0"/>
               <a:t>。</a:t>
             </a:r>
-          </a:p>
-          <a:p>
+            <a:endParaRPr lang="en-US" altLang="zh-CN" dirty="0" smtClean="0"/>
+          </a:p>
+          <a:p>
+            <a:r>
+              <a:rPr lang="zh-CN" altLang="en-US" dirty="0"/>
+              <a:t>虚</a:t>
+            </a:r>
             <a:r>
               <a:rPr lang="zh-CN" altLang="en-US" dirty="0" smtClean="0"/>
-              <a:t>内存泄漏与指针悬挂：避免内存泄漏，指针的安全使用。</a:t>
-            </a:r>
-            <a:endParaRPr lang="zh-CN" altLang="en-US" dirty="0"/>
+              <a:t>函数</a:t>
+            </a:r>
+            <a:endParaRPr lang="en-US" altLang="zh-CN" dirty="0" smtClean="0"/>
+          </a:p>
+          <a:p>
+            <a:pPr marL="0" indent="0">
+              <a:buNone/>
+            </a:pPr>
+            <a:r>
+              <a:rPr lang="en-US" altLang="zh-CN" dirty="0"/>
+              <a:t>	</a:t>
+            </a:r>
+            <a:r>
+              <a:rPr lang="zh-CN" altLang="en-US" dirty="0"/>
+              <a:t>虚函数允许我们在基类中声明函数，在派生类中重写该函数，以便实现动态绑定。</a:t>
+            </a:r>
+            <a:endParaRPr lang="en-US" altLang="zh-CN" dirty="0"/>
+          </a:p>
+          <a:p>
+            <a:r>
+              <a:rPr lang="zh-CN" altLang="en-US" dirty="0" smtClean="0"/>
+              <a:t>纯</a:t>
+            </a:r>
+            <a:r>
+              <a:rPr lang="zh-CN" altLang="en-US" dirty="0"/>
+              <a:t>虚</a:t>
+            </a:r>
+            <a:r>
+              <a:rPr lang="zh-CN" altLang="en-US" dirty="0" smtClean="0"/>
+              <a:t>函数</a:t>
+            </a:r>
+            <a:endParaRPr lang="en-US" altLang="zh-CN" dirty="0" smtClean="0"/>
+          </a:p>
+          <a:p>
+            <a:pPr marL="0" indent="0">
+              <a:buNone/>
+            </a:pPr>
+            <a:r>
+              <a:rPr lang="en-US" altLang="zh-CN" dirty="0"/>
+              <a:t>	</a:t>
+            </a:r>
+            <a:r>
+              <a:rPr lang="zh-CN" altLang="en-US" dirty="0"/>
+              <a:t>纯虚函数是没有函数体的虚函数，必须在派生类中实现它。含有纯虚函数的类被称</a:t>
+            </a:r>
+            <a:r>
+              <a:rPr lang="en-US" altLang="zh-CN" dirty="0"/>
+              <a:t>	</a:t>
+            </a:r>
+            <a:r>
+              <a:rPr lang="zh-CN" altLang="en-US" dirty="0"/>
+              <a:t>为抽象类，不能直接实例化。</a:t>
+            </a:r>
+            <a:endParaRPr lang="en-US" altLang="zh-CN" dirty="0"/>
+          </a:p>
+          <a:p>
+            <a:r>
+              <a:rPr lang="zh-CN" altLang="en-US" dirty="0" smtClean="0"/>
+              <a:t>运行</a:t>
+            </a:r>
+            <a:r>
+              <a:rPr lang="zh-CN" altLang="en-US" dirty="0"/>
+              <a:t>时多态</a:t>
+            </a:r>
+            <a:endParaRPr lang="en-US" altLang="zh-CN" dirty="0" smtClean="0"/>
+          </a:p>
+          <a:p>
+            <a:pPr marL="0" indent="0">
+              <a:buNone/>
+            </a:pPr>
+            <a:r>
+              <a:rPr lang="zh-CN" altLang="en-US" dirty="0" smtClean="0"/>
+              <a:t>       运行</a:t>
+            </a:r>
+            <a:r>
+              <a:rPr lang="zh-CN" altLang="en-US" dirty="0"/>
+              <a:t>时多态是通过虚函数和指向基类的指针或引用来实现的。根据对象的实际类型</a:t>
+            </a:r>
+            <a:r>
+              <a:rPr lang="zh-CN" altLang="en-US" dirty="0" smtClean="0"/>
+              <a:t>，  </a:t>
+            </a:r>
+            <a:r>
+              <a:rPr lang="en-US" altLang="zh-CN" dirty="0" smtClean="0"/>
+              <a:t>	</a:t>
+            </a:r>
+            <a:r>
+              <a:rPr lang="zh-CN" altLang="en-US" dirty="0" smtClean="0"/>
+              <a:t>调用</a:t>
+            </a:r>
+            <a:r>
+              <a:rPr lang="zh-CN" altLang="en-US" dirty="0"/>
+              <a:t>相应的重写函数。</a:t>
+            </a:r>
           </a:p>
         </p:txBody>
       </p:sp>
     </p:spTree>
     <p:extLst>
       <p:ext uri="{BB962C8B-B14F-4D97-AF65-F5344CB8AC3E}">
-        <p14:creationId xmlns:p14="http://schemas.microsoft.com/office/powerpoint/2010/main" val="3183063327"/>
+        <p14:creationId xmlns:p14="http://schemas.microsoft.com/office/powerpoint/2010/main" val="1103990109"/>
       </p:ext>
     </p:extLst>
   </p:cSld>
   <p:clrMapOvr>
     <a:masterClrMapping/>
   </p:clrMapOvr>
-  <p:timing>
-    <p:tnLst>
-      <p:par>
-        <p:cTn id="1" dur="indefinite" restart="never" nodeType="tmRoot"/>
-      </p:par>
-    </p:tnLst>
-  </p:timing>
 </p:sld>
 </file>
 
@@ -14337,41 +14869,13 @@
           <a:lstStyle/>
           <a:p>
             <a:r>
-              <a:rPr lang="zh-CN" altLang="en-US" b="1" dirty="0" smtClean="0">
-                <a:latin typeface="华文楷体" pitchFamily="2" charset="-122"/>
-                <a:ea typeface="华文楷体" pitchFamily="2" charset="-122"/>
-              </a:rPr>
-              <a:t>第</a:t>
-            </a:r>
-            <a:r>
-              <a:rPr lang="en-US" altLang="zh-CN" b="1" dirty="0" smtClean="0">
-                <a:latin typeface="华文楷体" pitchFamily="2" charset="-122"/>
-                <a:ea typeface="华文楷体" pitchFamily="2" charset="-122"/>
-              </a:rPr>
-              <a:t>7</a:t>
-            </a:r>
-            <a:r>
-              <a:rPr lang="zh-CN" altLang="en-US" b="1" dirty="0" smtClean="0">
-                <a:latin typeface="华文楷体" pitchFamily="2" charset="-122"/>
-                <a:ea typeface="华文楷体" pitchFamily="2" charset="-122"/>
-              </a:rPr>
-              <a:t>章  </a:t>
-            </a:r>
-            <a:r>
-              <a:rPr lang="en-US" altLang="zh-CN" b="1" dirty="0">
-                <a:latin typeface="华文楷体" pitchFamily="2" charset="-122"/>
-                <a:ea typeface="华文楷体" pitchFamily="2" charset="-122"/>
-              </a:rPr>
-              <a:t>STL</a:t>
-            </a:r>
-            <a:r>
-              <a:rPr lang="zh-CN" altLang="en-US" b="1" dirty="0">
-                <a:latin typeface="华文楷体" pitchFamily="2" charset="-122"/>
-                <a:ea typeface="华文楷体" pitchFamily="2" charset="-122"/>
-              </a:rPr>
-              <a:t>（标准模板库）</a:t>
-            </a:r>
-            <a:endParaRPr lang="zh-CN" altLang="en-US" dirty="0"/>
+              <a:rPr lang="en-US" altLang="zh-CN" dirty="0" smtClean="0"/>
+              <a:t>5.5 </a:t>
+            </a:r>
+            <a:r>
+              <a:rPr lang="zh-CN" altLang="en-US" dirty="0"/>
+              <a:t>总结</a:t>
+            </a:r>
           </a:p>
         </p:txBody>
       </p:sp>
@@ -14391,30 +14895,18 @@
           <a:lstStyle/>
           <a:p>
             <a:r>
-              <a:rPr lang="en-US" altLang="zh-CN" dirty="0"/>
-              <a:t>STL</a:t>
-            </a:r>
-            <a:r>
-              <a:rPr lang="zh-CN" altLang="en-US" dirty="0"/>
-              <a:t>概述：</a:t>
-            </a:r>
-            <a:r>
-              <a:rPr lang="en-US" altLang="zh-CN" dirty="0"/>
-              <a:t>STL</a:t>
-            </a:r>
-            <a:r>
-              <a:rPr lang="zh-CN" altLang="en-US" dirty="0"/>
-              <a:t>的组成部分（容器、算法、迭代器）。</a:t>
-            </a:r>
-          </a:p>
-          <a:p>
-            <a:r>
-              <a:rPr lang="zh-CN" altLang="en-US" dirty="0"/>
-              <a:t>容器：</a:t>
-            </a:r>
-            <a:r>
-              <a:rPr lang="en-US" altLang="zh-CN" dirty="0"/>
-              <a:t>vector</a:t>
+              <a:rPr lang="zh-CN" altLang="en-US" dirty="0"/>
+              <a:t>类与对象：类是对象的蓝图，对象是类的实例。构造函数和析构函数分别用于初始化和清理对象。</a:t>
+            </a:r>
+          </a:p>
+          <a:p>
+            <a:r>
+              <a:rPr lang="zh-CN" altLang="en-US" dirty="0"/>
+              <a:t>封装：通过访问控制修饰符（</a:t>
+            </a:r>
+            <a:r>
+              <a:rPr lang="en-US" altLang="zh-CN" dirty="0"/>
+              <a:t>public</a:t>
             </a:r>
             <a:r>
               <a:rPr lang="zh-CN" altLang="en-US" dirty="0"/>
@@ -14422,7 +14914,7 @@
             </a:r>
             <a:r>
               <a:rPr lang="en-US" altLang="zh-CN" dirty="0"/>
-              <a:t>list</a:t>
+              <a:t>private</a:t>
             </a:r>
             <a:r>
               <a:rPr lang="zh-CN" altLang="en-US" dirty="0"/>
@@ -14430,69 +14922,23 @@
             </a:r>
             <a:r>
               <a:rPr lang="en-US" altLang="zh-CN" dirty="0"/>
-              <a:t>map</a:t>
-            </a:r>
-            <a:r>
-              <a:rPr lang="zh-CN" altLang="en-US" dirty="0"/>
-              <a:t>、</a:t>
-            </a:r>
-            <a:r>
-              <a:rPr lang="en-US" altLang="zh-CN" dirty="0"/>
-              <a:t>set</a:t>
-            </a:r>
-            <a:r>
-              <a:rPr lang="zh-CN" altLang="en-US" dirty="0"/>
-              <a:t>、</a:t>
-            </a:r>
-            <a:r>
-              <a:rPr lang="en-US" altLang="zh-CN" dirty="0" err="1"/>
-              <a:t>deque</a:t>
-            </a:r>
-            <a:r>
-              <a:rPr lang="zh-CN" altLang="en-US" dirty="0"/>
-              <a:t>等。</a:t>
-            </a:r>
-          </a:p>
-          <a:p>
-            <a:r>
-              <a:rPr lang="zh-CN" altLang="en-US" dirty="0"/>
-              <a:t>算法：排序、查找、删除、替换等常用算法。</a:t>
-            </a:r>
-          </a:p>
-          <a:p>
-            <a:r>
-              <a:rPr lang="zh-CN" altLang="en-US" dirty="0"/>
-              <a:t>迭代器：容器的迭代器使用方法。</a:t>
-            </a:r>
-          </a:p>
-          <a:p>
-            <a:r>
-              <a:rPr lang="zh-CN" altLang="en-US" dirty="0"/>
-              <a:t>智能指针：</a:t>
-            </a:r>
-            <a:r>
-              <a:rPr lang="en-US" altLang="zh-CN" dirty="0" err="1"/>
-              <a:t>shared_ptr</a:t>
-            </a:r>
-            <a:r>
-              <a:rPr lang="zh-CN" altLang="en-US" dirty="0"/>
-              <a:t>、</a:t>
-            </a:r>
-            <a:r>
-              <a:rPr lang="en-US" altLang="zh-CN" dirty="0" err="1"/>
-              <a:t>unique_ptr</a:t>
-            </a:r>
-            <a:r>
-              <a:rPr lang="zh-CN" altLang="en-US" dirty="0"/>
-              <a:t>、</a:t>
-            </a:r>
-            <a:r>
-              <a:rPr lang="en-US" altLang="zh-CN" dirty="0" err="1"/>
-              <a:t>weak_ptr</a:t>
-            </a:r>
-            <a:r>
-              <a:rPr lang="zh-CN" altLang="en-US" dirty="0"/>
-              <a:t>。</a:t>
+              <a:t>protected</a:t>
+            </a:r>
+            <a:r>
+              <a:rPr lang="zh-CN" altLang="en-US" dirty="0"/>
+              <a:t>）控制成员的访问权限，保护对象的状态。</a:t>
+            </a:r>
+          </a:p>
+          <a:p>
+            <a:r>
+              <a:rPr lang="zh-CN" altLang="en-US" dirty="0"/>
+              <a:t>继承：通过继承实现代码的复用，派生类可以继承基类的属性和方法。</a:t>
+            </a:r>
+          </a:p>
+          <a:p>
+            <a:r>
+              <a:rPr lang="zh-CN" altLang="en-US" dirty="0"/>
+              <a:t>多态：通过虚函数和纯虚函数实现多态，允许在运行时根据对象的实际类型调用不同的方法</a:t>
             </a:r>
           </a:p>
         </p:txBody>
@@ -14500,20 +14946,13 @@
     </p:spTree>
     <p:extLst>
       <p:ext uri="{BB962C8B-B14F-4D97-AF65-F5344CB8AC3E}">
-        <p14:creationId xmlns:p14="http://schemas.microsoft.com/office/powerpoint/2010/main" val="201415056"/>
+        <p14:creationId xmlns:p14="http://schemas.microsoft.com/office/powerpoint/2010/main" val="1686844325"/>
       </p:ext>
     </p:extLst>
   </p:cSld>
   <p:clrMapOvr>
     <a:masterClrMapping/>
   </p:clrMapOvr>
-  <p:timing>
-    <p:tnLst>
-      <p:par>
-        <p:cTn id="1" dur="indefinite" restart="never" nodeType="tmRoot"/>
-      </p:par>
-    </p:tnLst>
-  </p:timing>
 </p:sld>
 </file>
 
@@ -14561,21 +15000,21 @@
                 <a:latin typeface="华文楷体" pitchFamily="2" charset="-122"/>
                 <a:ea typeface="华文楷体" pitchFamily="2" charset="-122"/>
               </a:rPr>
-              <a:t>8</a:t>
+              <a:t>6</a:t>
             </a:r>
             <a:r>
               <a:rPr lang="zh-CN" altLang="en-US" b="1" dirty="0" smtClean="0">
                 <a:latin typeface="华文楷体" pitchFamily="2" charset="-122"/>
                 <a:ea typeface="华文楷体" pitchFamily="2" charset="-122"/>
               </a:rPr>
-              <a:t>章</a:t>
+              <a:t>章 指针</a:t>
             </a:r>
             <a:r>
               <a:rPr lang="zh-CN" altLang="en-US" b="1" dirty="0">
                 <a:latin typeface="华文楷体" pitchFamily="2" charset="-122"/>
                 <a:ea typeface="华文楷体" pitchFamily="2" charset="-122"/>
               </a:rPr>
-              <a:t>异常处理</a:t>
+              <a:t>与动态内存管理</a:t>
             </a:r>
             <a:endParaRPr lang="zh-CN" altLang="en-US" dirty="0"/>
           </a:p>
@@ -14597,38 +15036,67 @@
           <a:lstStyle/>
           <a:p>
             <a:r>
-              <a:rPr lang="zh-CN" altLang="en-US" dirty="0"/>
-              <a:t>异常概念：异常的定义、捕获、抛出。</a:t>
-            </a:r>
-          </a:p>
-          <a:p>
-            <a:r>
-              <a:rPr lang="en-US" altLang="zh-CN" dirty="0"/>
-              <a:t>try-catch</a:t>
-            </a:r>
-            <a:r>
-              <a:rPr lang="zh-CN" altLang="en-US" dirty="0"/>
-              <a:t>语句：基本语法、捕获多种异常。</a:t>
-            </a:r>
-          </a:p>
-          <a:p>
-            <a:r>
-              <a:rPr lang="zh-CN" altLang="en-US" dirty="0"/>
-              <a:t>自定义异常类：如何创建自定义异常类型。</a:t>
-            </a:r>
-          </a:p>
-          <a:p>
-            <a:r>
-              <a:rPr lang="zh-CN" altLang="en-US" dirty="0"/>
-              <a:t>异常安全：异常安全的编程原则（基本保证、强保证）。</a:t>
-            </a:r>
+              <a:rPr lang="zh-CN" altLang="en-US" dirty="0" smtClean="0"/>
+              <a:t>指针基础：指针的定义、解引用、指针运算。</a:t>
+            </a:r>
+          </a:p>
+          <a:p>
+            <a:r>
+              <a:rPr lang="zh-CN" altLang="en-US" dirty="0" smtClean="0"/>
+              <a:t>指针与数组：数组名作为指针，指针与数组的关系。</a:t>
+            </a:r>
+          </a:p>
+          <a:p>
+            <a:r>
+              <a:rPr lang="zh-CN" altLang="en-US" dirty="0" smtClean="0"/>
+              <a:t>动态内存管理：</a:t>
+            </a:r>
+            <a:r>
+              <a:rPr lang="en-US" altLang="zh-CN" dirty="0" smtClean="0"/>
+              <a:t>new</a:t>
+            </a:r>
+            <a:r>
+              <a:rPr lang="zh-CN" altLang="en-US" dirty="0" smtClean="0"/>
+              <a:t>、</a:t>
+            </a:r>
+            <a:r>
+              <a:rPr lang="en-US" altLang="zh-CN" dirty="0" smtClean="0"/>
+              <a:t>delete</a:t>
+            </a:r>
+            <a:r>
+              <a:rPr lang="zh-CN" altLang="en-US" dirty="0" smtClean="0"/>
+              <a:t>、</a:t>
+            </a:r>
+            <a:r>
+              <a:rPr lang="en-US" altLang="zh-CN" dirty="0" smtClean="0"/>
+              <a:t>new[]</a:t>
+            </a:r>
+            <a:r>
+              <a:rPr lang="zh-CN" altLang="en-US" dirty="0" smtClean="0"/>
+              <a:t>、</a:t>
+            </a:r>
+            <a:r>
+              <a:rPr lang="en-US" altLang="zh-CN" dirty="0" smtClean="0"/>
+              <a:t>delete[]</a:t>
+            </a:r>
+            <a:r>
+              <a:rPr lang="zh-CN" altLang="en-US" dirty="0" smtClean="0"/>
+              <a:t>。</a:t>
+            </a:r>
+          </a:p>
+          <a:p>
+            <a:r>
+              <a:rPr lang="zh-CN" altLang="en-US" dirty="0" smtClean="0"/>
+              <a:t>内存泄漏与指针悬挂：避免内存泄漏，指针的安全使用。</a:t>
+            </a:r>
+            <a:endParaRPr lang="zh-CN" altLang="en-US" dirty="0"/>
           </a:p>
         </p:txBody>
       </p:sp>
     </p:spTree>
     <p:extLst>
       <p:ext uri="{BB962C8B-B14F-4D97-AF65-F5344CB8AC3E}">
-        <p14:creationId xmlns:p14="http://schemas.microsoft.com/office/powerpoint/2010/main" val="2102593440"/>
+        <p14:creationId xmlns:p14="http://schemas.microsoft.com/office/powerpoint/2010/main" val="3183063327"/>
       </p:ext>
     </p:extLst>
   </p:cSld>
@@ -14689,21 +15157,28 @@
                 <a:latin typeface="华文楷体" pitchFamily="2" charset="-122"/>
                 <a:ea typeface="华文楷体" pitchFamily="2" charset="-122"/>
               </a:rPr>
-              <a:t>9</a:t>
+              <a:t>7</a:t>
             </a:r>
             <a:r>
               <a:rPr lang="zh-CN" altLang="en-US" b="1" dirty="0" smtClean="0">
                 <a:latin typeface="华文楷体" pitchFamily="2" charset="-122"/>
                 <a:ea typeface="华文楷体" pitchFamily="2" charset="-122"/>
               </a:rPr>
-              <a:t>章</a:t>
+              <a:t>章  </a:t>
+            </a:r>
+            <a:r>
+              <a:rPr lang="en-US" altLang="zh-CN" b="1" dirty="0">
+                <a:latin typeface="华文楷体" pitchFamily="2" charset="-122"/>
+                <a:ea typeface="华文楷体" pitchFamily="2" charset="-122"/>
+              </a:rPr>
+              <a:t>STL</a:t>
             </a:r>
             <a:r>
               <a:rPr lang="zh-CN" altLang="en-US" b="1" dirty="0">
                 <a:latin typeface="华文楷体" pitchFamily="2" charset="-122"/>
                 <a:ea typeface="华文楷体" pitchFamily="2" charset="-122"/>
               </a:rPr>
-              <a:t>文件操作</a:t>
+              <a:t>（标准模板库）</a:t>
             </a:r>
             <a:endParaRPr lang="zh-CN" altLang="en-US" dirty="0"/>
           </a:p>
@@ -14725,32 +15200,88 @@
           <a:lstStyle/>
           <a:p>
             <a:r>
-              <a:rPr lang="zh-CN" altLang="en-US" dirty="0"/>
-              <a:t>文件输入输出：使用</a:t>
+              <a:rPr lang="en-US" altLang="zh-CN" dirty="0"/>
+              <a:t>STL</a:t>
+            </a:r>
+            <a:r>
+              <a:rPr lang="zh-CN" altLang="en-US" dirty="0"/>
+              <a:t>概述：</a:t>
+            </a:r>
+            <a:r>
+              <a:rPr lang="en-US" altLang="zh-CN" dirty="0"/>
+              <a:t>STL</a:t>
+            </a:r>
+            <a:r>
+              <a:rPr lang="zh-CN" altLang="en-US" dirty="0"/>
+              <a:t>的组成部分（容器、算法、迭代器）。</a:t>
+            </a:r>
+          </a:p>
+          <a:p>
+            <a:r>
+              <a:rPr lang="zh-CN" altLang="en-US" dirty="0"/>
+              <a:t>容器：</a:t>
+            </a:r>
+            <a:r>
+              <a:rPr lang="en-US" altLang="zh-CN" dirty="0"/>
+              <a:t>vector</a:t>
+            </a:r>
+            <a:r>
+              <a:rPr lang="zh-CN" altLang="en-US" dirty="0"/>
+              <a:t>、</a:t>
+            </a:r>
+            <a:r>
+              <a:rPr lang="en-US" altLang="zh-CN" dirty="0"/>
+              <a:t>list</a:t>
+            </a:r>
+            <a:r>
+              <a:rPr lang="zh-CN" altLang="en-US" dirty="0"/>
+              <a:t>、</a:t>
+            </a:r>
+            <a:r>
+              <a:rPr lang="en-US" altLang="zh-CN" dirty="0"/>
+              <a:t>map</a:t>
+            </a:r>
+            <a:r>
+              <a:rPr lang="zh-CN" altLang="en-US" dirty="0"/>
+              <a:t>、</a:t>
+            </a:r>
+            <a:r>
+              <a:rPr lang="en-US" altLang="zh-CN" dirty="0"/>
+              <a:t>set</a:t>
+            </a:r>
+            <a:r>
+              <a:rPr lang="zh-CN" altLang="en-US" dirty="0"/>
+              <a:t>、</a:t>
             </a:r>
             <a:r>
               <a:rPr lang="en-US" altLang="zh-CN" dirty="0" err="1"/>
-              <a:t>fstream</a:t>
-            </a:r>
-            <a:r>
-              <a:rPr lang="zh-CN" altLang="en-US" dirty="0"/>
-              <a:t>进行文件读写。</a:t>
-            </a:r>
-          </a:p>
-          <a:p>
-            <a:r>
-              <a:rPr lang="zh-CN" altLang="en-US" dirty="0"/>
-              <a:t>文本文件与二进制文件：处理文本文件和二进制文件的不同方式。</a:t>
-            </a:r>
-          </a:p>
-          <a:p>
-            <a:r>
-              <a:rPr lang="zh-CN" altLang="en-US" dirty="0"/>
-              <a:t>文件指针与流控制：</a:t>
+              <a:t>deque</a:t>
+            </a:r>
+            <a:r>
+              <a:rPr lang="zh-CN" altLang="en-US" dirty="0"/>
+              <a:t>等。</a:t>
+            </a:r>
+          </a:p>
+          <a:p>
+            <a:r>
+              <a:rPr lang="zh-CN" altLang="en-US" dirty="0"/>
+              <a:t>算法：排序、查找、删除、替换等常用算法。</a:t>
+            </a:r>
+          </a:p>
+          <a:p>
+            <a:r>
+              <a:rPr lang="zh-CN" altLang="en-US" dirty="0"/>
+              <a:t>迭代器：容器的迭代器使用方法。</a:t>
+            </a:r>
+          </a:p>
+          <a:p>
+            <a:r>
+              <a:rPr lang="zh-CN" altLang="en-US" dirty="0"/>
+              <a:t>智能指针：</a:t>
             </a:r>
             <a:r>
               <a:rPr lang="en-US" altLang="zh-CN" dirty="0" err="1"/>
-              <a:t>seekg</a:t>
+              <a:t>shared_ptr</a:t>
             </a:r>
             <a:r>
               <a:rPr lang="zh-CN" altLang="en-US" dirty="0"/>
@@ -14758,7 +15289,7 @@
             </a:r>
             <a:r>
               <a:rPr lang="en-US" altLang="zh-CN" dirty="0" err="1"/>
-              <a:t>seekp</a:t>
+              <a:t>unique_ptr</a:t>
             </a:r>
             <a:r>
               <a:rPr lang="zh-CN" altLang="en-US" dirty="0"/>
@@ -14766,15 +15297,7 @@
             </a:r>
             <a:r>
               <a:rPr lang="en-US" altLang="zh-CN" dirty="0" err="1"/>
-              <a:t>tellg</a:t>
-            </a:r>
-            <a:r>
-              <a:rPr lang="zh-CN" altLang="en-US" dirty="0"/>
-              <a:t>、</a:t>
-            </a:r>
-            <a:r>
-              <a:rPr lang="en-US" altLang="zh-CN" dirty="0" err="1"/>
-              <a:t>tellp</a:t>
+              <a:t>weak_ptr</a:t>
             </a:r>
             <a:r>
               <a:rPr lang="zh-CN" altLang="en-US" dirty="0"/>
@@ -14786,7 +15309,7 @@
     </p:spTree>
     <p:extLst>
       <p:ext uri="{BB962C8B-B14F-4D97-AF65-F5344CB8AC3E}">
-        <p14:creationId xmlns:p14="http://schemas.microsoft.com/office/powerpoint/2010/main" val="2309702231"/>
+        <p14:creationId xmlns:p14="http://schemas.microsoft.com/office/powerpoint/2010/main" val="201415056"/>
       </p:ext>
     </p:extLst>
   </p:cSld>
@@ -14847,28 +15370,21 @@
                 <a:latin typeface="华文楷体" pitchFamily="2" charset="-122"/>
                 <a:ea typeface="华文楷体" pitchFamily="2" charset="-122"/>
               </a:rPr>
-              <a:t>10</a:t>
+              <a:t>8</a:t>
             </a:r>
             <a:r>
               <a:rPr lang="zh-CN" altLang="en-US" b="1" dirty="0" smtClean="0">
                 <a:latin typeface="华文楷体" pitchFamily="2" charset="-122"/>
                 <a:ea typeface="华文楷体" pitchFamily="2" charset="-122"/>
               </a:rPr>
-              <a:t>章  </a:t>
-            </a:r>
-            <a:r>
-              <a:rPr lang="en-US" altLang="zh-CN" b="1" dirty="0">
-                <a:latin typeface="华文楷体" pitchFamily="2" charset="-122"/>
-                <a:ea typeface="华文楷体" pitchFamily="2" charset="-122"/>
-              </a:rPr>
-              <a:t>C++11</a:t>
+              <a:t>章</a:t>
             </a:r>
             <a:r>
               <a:rPr lang="zh-CN" altLang="en-US" b="1" dirty="0">
                 <a:latin typeface="华文楷体" pitchFamily="2" charset="-122"/>
                 <a:ea typeface="华文楷体" pitchFamily="2" charset="-122"/>
               </a:rPr>
-              <a:t>及以后特性</a:t>
+              <a:t>异常处理</a:t>
             </a:r>
             <a:endParaRPr lang="zh-CN" altLang="en-US" dirty="0"/>
           </a:p>
@@ -14890,140 +15406,30 @@
           <a:lstStyle/>
           <a:p>
             <a:r>
-              <a:rPr lang="en-US" altLang="zh-CN" dirty="0"/>
-              <a:t>Lambda</a:t>
-            </a:r>
-            <a:r>
-              <a:rPr lang="zh-CN" altLang="en-US" dirty="0"/>
-              <a:t>表达式：如何使用</a:t>
-            </a:r>
-            <a:r>
-              <a:rPr lang="en-US" altLang="zh-CN" dirty="0"/>
-              <a:t>Lambda</a:t>
-            </a:r>
-            <a:r>
-              <a:rPr lang="zh-CN" altLang="en-US" dirty="0"/>
-              <a:t>简化代码。</a:t>
-            </a:r>
-          </a:p>
-          <a:p>
-            <a:r>
-              <a:rPr lang="zh-CN" altLang="en-US" dirty="0"/>
-              <a:t>智能指针：如何使用</a:t>
-            </a:r>
-            <a:r>
-              <a:rPr lang="en-US" altLang="zh-CN" dirty="0" err="1"/>
-              <a:t>shared_ptr</a:t>
-            </a:r>
-            <a:r>
-              <a:rPr lang="zh-CN" altLang="en-US" dirty="0"/>
-              <a:t>、</a:t>
-            </a:r>
-            <a:r>
-              <a:rPr lang="en-US" altLang="zh-CN" dirty="0" err="1"/>
-              <a:t>unique_ptr</a:t>
-            </a:r>
-            <a:r>
-              <a:rPr lang="zh-CN" altLang="en-US" dirty="0"/>
-              <a:t>等智能指针管理内存。</a:t>
-            </a:r>
-          </a:p>
-          <a:p>
-            <a:r>
-              <a:rPr lang="zh-CN" altLang="en-US" dirty="0"/>
-              <a:t>线程与并发：</a:t>
-            </a:r>
-            <a:r>
-              <a:rPr lang="en-US" altLang="zh-CN" dirty="0" err="1"/>
-              <a:t>std</a:t>
-            </a:r>
-            <a:r>
-              <a:rPr lang="en-US" altLang="zh-CN" dirty="0"/>
-              <a:t>::thread</a:t>
-            </a:r>
-            <a:r>
-              <a:rPr lang="zh-CN" altLang="en-US" dirty="0"/>
-              <a:t>、</a:t>
-            </a:r>
-            <a:r>
-              <a:rPr lang="en-US" altLang="zh-CN" dirty="0" err="1"/>
-              <a:t>std</a:t>
-            </a:r>
-            <a:r>
-              <a:rPr lang="en-US" altLang="zh-CN" dirty="0"/>
-              <a:t>::</a:t>
-            </a:r>
-            <a:r>
-              <a:rPr lang="en-US" altLang="zh-CN" dirty="0" err="1"/>
-              <a:t>mutex</a:t>
-            </a:r>
-            <a:r>
-              <a:rPr lang="zh-CN" altLang="en-US" dirty="0"/>
-              <a:t>、</a:t>
-            </a:r>
-            <a:r>
-              <a:rPr lang="en-US" altLang="zh-CN" dirty="0" err="1"/>
-              <a:t>std</a:t>
-            </a:r>
-            <a:r>
-              <a:rPr lang="en-US" altLang="zh-CN" dirty="0"/>
-              <a:t>::</a:t>
-            </a:r>
-            <a:r>
-              <a:rPr lang="en-US" altLang="zh-CN" dirty="0" err="1"/>
-              <a:t>async</a:t>
-            </a:r>
-            <a:r>
-              <a:rPr lang="zh-CN" altLang="en-US" dirty="0"/>
-              <a:t>等并发编程工具。</a:t>
-            </a:r>
-          </a:p>
-          <a:p>
-            <a:r>
-              <a:rPr lang="zh-CN" altLang="en-US" dirty="0"/>
-              <a:t>右值引用与移动语义：</a:t>
-            </a:r>
-            <a:r>
-              <a:rPr lang="en-US" altLang="zh-CN" dirty="0" err="1"/>
-              <a:t>std</a:t>
-            </a:r>
-            <a:r>
-              <a:rPr lang="en-US" altLang="zh-CN" dirty="0"/>
-              <a:t>::move</a:t>
-            </a:r>
-            <a:r>
-              <a:rPr lang="zh-CN" altLang="en-US" dirty="0"/>
-              <a:t>、</a:t>
-            </a:r>
-            <a:r>
-              <a:rPr lang="en-US" altLang="zh-CN" dirty="0" err="1"/>
-              <a:t>std</a:t>
-            </a:r>
-            <a:r>
-              <a:rPr lang="en-US" altLang="zh-CN" dirty="0"/>
-              <a:t>::forward</a:t>
-            </a:r>
-            <a:r>
-              <a:rPr lang="zh-CN" altLang="en-US" dirty="0"/>
-              <a:t>、移动构造函数和移动赋值运算符。</a:t>
-            </a:r>
-          </a:p>
-          <a:p>
-            <a:r>
-              <a:rPr lang="en-US" altLang="zh-CN" dirty="0" err="1"/>
-              <a:t>std</a:t>
-            </a:r>
-            <a:r>
-              <a:rPr lang="en-US" altLang="zh-CN" dirty="0"/>
-              <a:t>::</a:t>
-            </a:r>
-            <a:r>
-              <a:rPr lang="en-US" altLang="zh-CN" dirty="0" err="1"/>
-              <a:t>chrono</a:t>
-            </a:r>
-            <a:r>
-              <a:rPr lang="zh-CN" altLang="en-US" dirty="0"/>
-              <a:t>库：时间测量和延时功能。</a:t>
+              <a:rPr lang="zh-CN" altLang="en-US" dirty="0"/>
+              <a:t>异常概念：异常的定义、捕获、抛出。</a:t>
+            </a:r>
+          </a:p>
+          <a:p>
+            <a:r>
+              <a:rPr lang="en-US" altLang="zh-CN" dirty="0"/>
+              <a:t>try-catch</a:t>
+            </a:r>
+            <a:r>
+              <a:rPr lang="zh-CN" altLang="en-US" dirty="0"/>
+              <a:t>语句：基本语法、捕获多种异常。</a:t>
+            </a:r>
+          </a:p>
+          <a:p>
+            <a:r>
+              <a:rPr lang="zh-CN" altLang="en-US" dirty="0"/>
+              <a:t>自定义异常类：如何创建自定义异常类型。</a:t>
+            </a:r>
+          </a:p>
+          <a:p>
+            <a:r>
+              <a:rPr lang="zh-CN" altLang="en-US" dirty="0"/>
+              <a:t>异常安全：异常安全的编程原则（基本保证、强保证）。</a:t>
             </a:r>
           </a:p>
         </p:txBody>
@@ -15031,7 +15437,7 @@
     </p:spTree>
     <p:extLst>
       <p:ext uri="{BB962C8B-B14F-4D97-AF65-F5344CB8AC3E}">
-        <p14:creationId xmlns:p14="http://schemas.microsoft.com/office/powerpoint/2010/main" val="1295629135"/>
+        <p14:creationId xmlns:p14="http://schemas.microsoft.com/office/powerpoint/2010/main" val="2102593440"/>
       </p:ext>
     </p:extLst>
   </p:cSld>
@@ -15081,39 +15487,32 @@
           <a:lstStyle/>
           <a:p>
             <a:r>
+              <a:rPr lang="zh-CN" altLang="en-US" b="1" dirty="0" smtClean="0">
+                <a:latin typeface="华文楷体" pitchFamily="2" charset="-122"/>
+                <a:ea typeface="华文楷体" pitchFamily="2" charset="-122"/>
+              </a:rPr>
+              <a:t>第</a:t>
+            </a:r>
+            <a:r>
+              <a:rPr lang="en-US" altLang="zh-CN" b="1" dirty="0" smtClean="0">
+                <a:latin typeface="华文楷体" pitchFamily="2" charset="-122"/>
+                <a:ea typeface="华文楷体" pitchFamily="2" charset="-122"/>
+              </a:rPr>
+              <a:t>9</a:t>
+            </a:r>
+            <a:r>
+              <a:rPr lang="zh-CN" altLang="en-US" b="1" dirty="0" smtClean="0">
+                <a:latin typeface="华文楷体" pitchFamily="2" charset="-122"/>
+                <a:ea typeface="华文楷体" pitchFamily="2" charset="-122"/>
+              </a:rPr>
+              <a:t>章</a:t>
+            </a:r>
+            <a:r>
               <a:rPr lang="zh-CN" altLang="en-US" b="1" dirty="0">
                 <a:latin typeface="华文楷体" pitchFamily="2" charset="-122"/>
                 <a:ea typeface="华文楷体" pitchFamily="2" charset="-122"/>
               </a:rPr>
-              <a:t>第</a:t>
-            </a:r>
-            <a:r>
-              <a:rPr lang="en-US" altLang="zh-CN" b="1" dirty="0" smtClean="0">
-                <a:latin typeface="华文楷体" pitchFamily="2" charset="-122"/>
-                <a:ea typeface="华文楷体" pitchFamily="2" charset="-122"/>
-              </a:rPr>
-              <a:t>11</a:t>
-            </a:r>
-            <a:r>
-              <a:rPr lang="zh-CN" altLang="en-US" b="1" dirty="0" smtClean="0">
-                <a:latin typeface="华文楷体" pitchFamily="2" charset="-122"/>
-                <a:ea typeface="华文楷体" pitchFamily="2" charset="-122"/>
-              </a:rPr>
-              <a:t>章  </a:t>
-            </a:r>
-            <a:r>
-              <a:rPr lang="en-US" altLang="zh-CN" b="1" dirty="0">
-                <a:latin typeface="华文楷体" pitchFamily="2" charset="-122"/>
-                <a:ea typeface="华文楷体" pitchFamily="2" charset="-122"/>
-              </a:rPr>
-              <a:t>C++</a:t>
-            </a:r>
-            <a:r>
-              <a:rPr lang="zh-CN" altLang="en-US" b="1" dirty="0">
-                <a:latin typeface="华文楷体" pitchFamily="2" charset="-122"/>
-                <a:ea typeface="华文楷体" pitchFamily="2" charset="-122"/>
-              </a:rPr>
-              <a:t>设计模式</a:t>
+              <a:t>文件操作</a:t>
             </a:r>
             <a:endParaRPr lang="zh-CN" altLang="en-US" dirty="0"/>
           </a:p>
@@ -15136,25 +15535,59 @@
           <a:p>
             <a:r>
               <a:rPr lang="zh-CN" altLang="en-US" dirty="0"/>
-              <a:t>单例模式：如何实现和应用单例模式。</a:t>
-            </a:r>
-          </a:p>
-          <a:p>
-            <a:r>
-              <a:rPr lang="zh-CN" altLang="en-US" dirty="0"/>
-              <a:t>工厂模式：使用工厂模式来创建对象。</a:t>
-            </a:r>
-          </a:p>
-          <a:p>
-            <a:r>
-              <a:rPr lang="zh-CN" altLang="en-US" dirty="0"/>
-              <a:t>观察者模式：如何实现和应用观察者模式。</a:t>
-            </a:r>
-          </a:p>
-          <a:p>
-            <a:r>
-              <a:rPr lang="zh-CN" altLang="en-US" dirty="0"/>
-              <a:t>策略模式：定义一系列算法，将每一个算法封装起来。</a:t>
+              <a:t>文件输入输出：使用</a:t>
+            </a:r>
+            <a:r>
+              <a:rPr lang="en-US" altLang="zh-CN" dirty="0" err="1"/>
+              <a:t>fstream</a:t>
+            </a:r>
+            <a:r>
+              <a:rPr lang="zh-CN" altLang="en-US" dirty="0"/>
+              <a:t>进行文件读写。</a:t>
+            </a:r>
+          </a:p>
+          <a:p>
+            <a:r>
+              <a:rPr lang="zh-CN" altLang="en-US" dirty="0"/>
+              <a:t>文本文件与二进制文件：处理文本文件和二进制文件的不同方式。</a:t>
+            </a:r>
+          </a:p>
+          <a:p>
+            <a:r>
+              <a:rPr lang="zh-CN" altLang="en-US" dirty="0"/>
+              <a:t>文件指针与流控制：</a:t>
+            </a:r>
+            <a:r>
+              <a:rPr lang="en-US" altLang="zh-CN" dirty="0" err="1"/>
+              <a:t>seekg</a:t>
+            </a:r>
+            <a:r>
+              <a:rPr lang="zh-CN" altLang="en-US" dirty="0"/>
+              <a:t>、</a:t>
+            </a:r>
+            <a:r>
+              <a:rPr lang="en-US" altLang="zh-CN" dirty="0" err="1"/>
+              <a:t>seekp</a:t>
+            </a:r>
+            <a:r>
+              <a:rPr lang="zh-CN" altLang="en-US" dirty="0"/>
+              <a:t>、</a:t>
+            </a:r>
+            <a:r>
+              <a:rPr lang="en-US" altLang="zh-CN" dirty="0" err="1"/>
+              <a:t>tellg</a:t>
+            </a:r>
+            <a:r>
+              <a:rPr lang="zh-CN" altLang="en-US" dirty="0"/>
+              <a:t>、</a:t>
+            </a:r>
+            <a:r>
+              <a:rPr lang="en-US" altLang="zh-CN" dirty="0" err="1"/>
+              <a:t>tellp</a:t>
+            </a:r>
+            <a:r>
+              <a:rPr lang="zh-CN" altLang="en-US" dirty="0"/>
+              <a:t>。</a:t>
             </a:r>
           </a:p>
         </p:txBody>
@@ -15162,7 +15595,7 @@
     </p:spTree>
     <p:extLst>
       <p:ext uri="{BB962C8B-B14F-4D97-AF65-F5344CB8AC3E}">
-        <p14:creationId xmlns:p14="http://schemas.microsoft.com/office/powerpoint/2010/main" val="4116617042"/>
+        <p14:creationId xmlns:p14="http://schemas.microsoft.com/office/powerpoint/2010/main" val="2309702231"/>
       </p:ext>
     </p:extLst>
   </p:cSld>
@@ -15212,7 +15645,7 @@
           <a:lstStyle/>
           <a:p>
             <a:r>
-              <a:rPr lang="zh-CN" altLang="en-US" b="1" dirty="0">
+              <a:rPr lang="zh-CN" altLang="en-US" b="1" dirty="0" smtClean="0">
                 <a:latin typeface="华文楷体" pitchFamily="2" charset="-122"/>
                 <a:ea typeface="华文楷体" pitchFamily="2" charset="-122"/>
               </a:rPr>
@@ -15223,7 +15656,7 @@
                 <a:latin typeface="华文楷体" pitchFamily="2" charset="-122"/>
                 <a:ea typeface="华文楷体" pitchFamily="2" charset="-122"/>
               </a:rPr>
-              <a:t>11</a:t>
+              <a:t>10</a:t>
             </a:r>
             <a:r>
               <a:rPr lang="zh-CN" altLang="en-US" b="1" dirty="0" smtClean="0">
@@ -15237,14 +15670,14 @@
                 <a:latin typeface="华文楷体" pitchFamily="2" charset="-122"/>
                 <a:ea typeface="华文楷体" pitchFamily="2" charset="-122"/>
               </a:rPr>
-              <a:t>C++</a:t>
+              <a:t>C++11</a:t>
             </a:r>
             <a:r>
               <a:rPr lang="zh-CN" altLang="en-US" b="1" dirty="0">
                 <a:latin typeface="华文楷体" pitchFamily="2" charset="-122"/>
                 <a:ea typeface="华文楷体" pitchFamily="2" charset="-122"/>
               </a:rPr>
-              <a:t>进阶</a:t>
+              <a:t>及以后特性</a:t>
             </a:r>
             <a:endParaRPr lang="zh-CN" altLang="en-US" dirty="0"/>
           </a:p>
@@ -15266,56 +15699,30 @@
           <a:lstStyle/>
           <a:p>
             <a:r>
-              <a:rPr lang="zh-CN" altLang="en-US" dirty="0"/>
-              <a:t>模板编程：函数模板、类模板、模板特化与偏特化、模板元编程。</a:t>
-            </a:r>
-          </a:p>
-          <a:p>
-            <a:r>
-              <a:rPr lang="en-US" altLang="zh-CN" dirty="0"/>
-              <a:t>C++</a:t>
-            </a:r>
-            <a:r>
-              <a:rPr lang="zh-CN" altLang="en-US" dirty="0"/>
-              <a:t>与</a:t>
-            </a:r>
-            <a:r>
-              <a:rPr lang="en-US" altLang="zh-CN" dirty="0"/>
-              <a:t>C</a:t>
-            </a:r>
-            <a:r>
-              <a:rPr lang="zh-CN" altLang="en-US" dirty="0"/>
-              <a:t>的互操作性：如何在</a:t>
-            </a:r>
-            <a:r>
-              <a:rPr lang="en-US" altLang="zh-CN" dirty="0"/>
-              <a:t>C++</a:t>
-            </a:r>
-            <a:r>
-              <a:rPr lang="zh-CN" altLang="en-US" dirty="0"/>
-              <a:t>中调用</a:t>
-            </a:r>
-            <a:r>
-              <a:rPr lang="en-US" altLang="zh-CN" dirty="0"/>
-              <a:t>C</a:t>
-            </a:r>
-            <a:r>
-              <a:rPr lang="zh-CN" altLang="en-US" dirty="0"/>
-              <a:t>语言代码。</a:t>
-            </a:r>
-          </a:p>
-          <a:p>
-            <a:r>
-              <a:rPr lang="en-US" altLang="zh-CN" dirty="0"/>
-              <a:t>C++</a:t>
-            </a:r>
-            <a:r>
-              <a:rPr lang="zh-CN" altLang="en-US" dirty="0"/>
-              <a:t>与外部库集成：使用外部库（如</a:t>
-            </a:r>
-            <a:r>
-              <a:rPr lang="en-US" altLang="zh-CN" dirty="0"/>
-              <a:t>Boost</a:t>
+              <a:rPr lang="en-US" altLang="zh-CN" dirty="0"/>
+              <a:t>Lambda</a:t>
+            </a:r>
+            <a:r>
+              <a:rPr lang="zh-CN" altLang="en-US" dirty="0"/>
+              <a:t>表达式：如何使用</a:t>
+            </a:r>
+            <a:r>
+              <a:rPr lang="en-US" altLang="zh-CN" dirty="0"/>
+              <a:t>Lambda</a:t>
+            </a:r>
+            <a:r>
+              <a:rPr lang="zh-CN" altLang="en-US" dirty="0"/>
+              <a:t>简化代码。</a:t>
+            </a:r>
+          </a:p>
+          <a:p>
+            <a:r>
+              <a:rPr lang="zh-CN" altLang="en-US" dirty="0"/>
+              <a:t>智能指针：如何使用</a:t>
+            </a:r>
+            <a:r>
+              <a:rPr lang="en-US" altLang="zh-CN" dirty="0" err="1"/>
+              <a:t>shared_ptr</a:t>
             </a:r>
             <a:r>
               <a:rPr lang="zh-CN" altLang="en-US" dirty="0"/>
@@ -15323,7 +15730,25 @@
             </a:r>
             <a:r>
               <a:rPr lang="en-US" altLang="zh-CN" dirty="0" err="1"/>
-              <a:t>Qt</a:t>
+              <a:t>unique_ptr</a:t>
+            </a:r>
+            <a:r>
+              <a:rPr lang="zh-CN" altLang="en-US" dirty="0"/>
+              <a:t>等智能指针管理内存。</a:t>
+            </a:r>
+          </a:p>
+          <a:p>
+            <a:r>
+              <a:rPr lang="zh-CN" altLang="en-US" dirty="0"/>
+              <a:t>线程与并发：</a:t>
+            </a:r>
+            <a:r>
+              <a:rPr lang="en-US" altLang="zh-CN" dirty="0" err="1"/>
+              <a:t>std</a:t>
+            </a:r>
+            <a:r>
+              <a:rPr lang="en-US" altLang="zh-CN" dirty="0"/>
+              <a:t>::thread</a:t>
             </a:r>
             <a:r>
               <a:rPr lang="zh-CN" altLang="en-US" dirty="0"/>
@@ -15331,11 +15756,83 @@
             </a:r>
             <a:r>
               <a:rPr lang="en-US" altLang="zh-CN" dirty="0" err="1"/>
-              <a:t>OpenCV</a:t>
-            </a:r>
-            <a:r>
-              <a:rPr lang="zh-CN" altLang="en-US" dirty="0"/>
-              <a:t>等）进行开发。</a:t>
+              <a:t>std</a:t>
+            </a:r>
+            <a:r>
+              <a:rPr lang="en-US" altLang="zh-CN" dirty="0"/>
+              <a:t>::</a:t>
+            </a:r>
+            <a:r>
+              <a:rPr lang="en-US" altLang="zh-CN" dirty="0" err="1"/>
+              <a:t>mutex</a:t>
+            </a:r>
+            <a:r>
+              <a:rPr lang="zh-CN" altLang="en-US" dirty="0"/>
+              <a:t>、</a:t>
+            </a:r>
+            <a:r>
+              <a:rPr lang="en-US" altLang="zh-CN" dirty="0" err="1"/>
+              <a:t>std</a:t>
+            </a:r>
+            <a:r>
+              <a:rPr lang="en-US" altLang="zh-CN" dirty="0"/>
+              <a:t>::</a:t>
+            </a:r>
+            <a:r>
+              <a:rPr lang="en-US" altLang="zh-CN" dirty="0" err="1"/>
+              <a:t>async</a:t>
+            </a:r>
+            <a:r>
+              <a:rPr lang="zh-CN" altLang="en-US" dirty="0"/>
+              <a:t>等并发编程工具。</a:t>
+            </a:r>
+          </a:p>
+          <a:p>
+            <a:r>
+              <a:rPr lang="zh-CN" altLang="en-US" dirty="0"/>
+              <a:t>右值引用与移动语义：</a:t>
+            </a:r>
+            <a:r>
+              <a:rPr lang="en-US" altLang="zh-CN" dirty="0" err="1"/>
+              <a:t>std</a:t>
+            </a:r>
+            <a:r>
+              <a:rPr lang="en-US" altLang="zh-CN" dirty="0"/>
+              <a:t>::move</a:t>
+            </a:r>
+            <a:r>
+              <a:rPr lang="zh-CN" altLang="en-US" dirty="0"/>
+              <a:t>、</a:t>
+            </a:r>
+            <a:r>
+              <a:rPr lang="en-US" altLang="zh-CN" dirty="0" err="1"/>
+              <a:t>std</a:t>
+            </a:r>
+            <a:r>
+              <a:rPr lang="en-US" altLang="zh-CN" dirty="0"/>
+              <a:t>::forward</a:t>
+            </a:r>
+            <a:r>
+              <a:rPr lang="zh-CN" altLang="en-US" dirty="0"/>
+              <a:t>、移动构造函数和移动赋值运算符。</a:t>
+            </a:r>
+          </a:p>
+          <a:p>
+            <a:r>
+              <a:rPr lang="en-US" altLang="zh-CN" dirty="0" err="1"/>
+              <a:t>std</a:t>
+            </a:r>
+            <a:r>
+              <a:rPr lang="en-US" altLang="zh-CN" dirty="0"/>
+              <a:t>::</a:t>
+            </a:r>
+            <a:r>
+              <a:rPr lang="en-US" altLang="zh-CN" dirty="0" err="1"/>
+              <a:t>chrono</a:t>
+            </a:r>
+            <a:r>
+              <a:rPr lang="zh-CN" altLang="en-US" dirty="0"/>
+              <a:t>库：时间测量和延时功能。</a:t>
             </a:r>
           </a:p>
         </p:txBody>
@@ -15343,7 +15840,7 @@
     </p:spTree>
     <p:extLst>
       <p:ext uri="{BB962C8B-B14F-4D97-AF65-F5344CB8AC3E}">
-        <p14:creationId xmlns:p14="http://schemas.microsoft.com/office/powerpoint/2010/main" val="2783617826"/>
+        <p14:creationId xmlns:p14="http://schemas.microsoft.com/office/powerpoint/2010/main" val="1295629135"/>
       </p:ext>
     </p:extLst>
   </p:cSld>
@@ -15404,14 +15901,28 @@
                 <a:latin typeface="华文楷体" pitchFamily="2" charset="-122"/>
                 <a:ea typeface="华文楷体" pitchFamily="2" charset="-122"/>
               </a:rPr>
-              <a:t>12</a:t>
-            </a:r>
-            <a:r>
-              <a:rPr lang="zh-CN" altLang="en-US" b="1" smtClean="0">
+              <a:t>11</a:t>
+            </a:r>
+            <a:r>
+              <a:rPr lang="zh-CN" altLang="en-US" b="1" dirty="0" smtClean="0">
                 <a:latin typeface="华文楷体" pitchFamily="2" charset="-122"/>
                 <a:ea typeface="华文楷体" pitchFamily="2" charset="-122"/>
               </a:rPr>
-              <a:t>章  总和练习</a:t>
+              <a:t>章  </a:t>
+            </a:r>
+            <a:r>
+              <a:rPr lang="en-US" altLang="zh-CN" b="1" dirty="0">
+                <a:latin typeface="华文楷体" pitchFamily="2" charset="-122"/>
+                <a:ea typeface="华文楷体" pitchFamily="2" charset="-122"/>
+              </a:rPr>
+              <a:t>C++</a:t>
+            </a:r>
+            <a:r>
+              <a:rPr lang="zh-CN" altLang="en-US" b="1" dirty="0">
+                <a:latin typeface="华文楷体" pitchFamily="2" charset="-122"/>
+                <a:ea typeface="华文楷体" pitchFamily="2" charset="-122"/>
+              </a:rPr>
+              <a:t>设计模式</a:t>
             </a:r>
             <a:endParaRPr lang="zh-CN" altLang="en-US" dirty="0"/>
           </a:p>
@@ -15433,25 +15944,215 @@
           <a:lstStyle/>
           <a:p>
             <a:r>
-              <a:rPr lang="en-US" altLang="zh-CN" dirty="0"/>
-              <a:t>1.1 </a:t>
-            </a:r>
-            <a:r>
-              <a:rPr lang="zh-CN" altLang="en-US" dirty="0"/>
-              <a:t>什么是</a:t>
-            </a:r>
-            <a:r>
-              <a:rPr lang="zh-CN" altLang="en-US" dirty="0" smtClean="0"/>
-              <a:t>计算机程序</a:t>
-            </a:r>
-            <a:endParaRPr lang="zh-CN" altLang="en-US" dirty="0"/>
+              <a:rPr lang="zh-CN" altLang="en-US" dirty="0"/>
+              <a:t>单例模式：如何实现和应用单例模式。</a:t>
+            </a:r>
+          </a:p>
+          <a:p>
+            <a:r>
+              <a:rPr lang="zh-CN" altLang="en-US" dirty="0"/>
+              <a:t>工厂模式：使用工厂模式来创建对象。</a:t>
+            </a:r>
+          </a:p>
+          <a:p>
+            <a:r>
+              <a:rPr lang="zh-CN" altLang="en-US" dirty="0"/>
+              <a:t>观察者模式：如何实现和应用观察者模式。</a:t>
+            </a:r>
+          </a:p>
+          <a:p>
+            <a:r>
+              <a:rPr lang="zh-CN" altLang="en-US" dirty="0"/>
+              <a:t>策略模式：定义一系列算法，将每一个算法封装起来。</a:t>
+            </a:r>
           </a:p>
         </p:txBody>
       </p:sp>
     </p:spTree>
     <p:extLst>
       <p:ext uri="{BB962C8B-B14F-4D97-AF65-F5344CB8AC3E}">
-        <p14:creationId xmlns:p14="http://schemas.microsoft.com/office/powerpoint/2010/main" val="1064233169"/>
+        <p14:creationId xmlns:p14="http://schemas.microsoft.com/office/powerpoint/2010/main" val="4116617042"/>
+      </p:ext>
+    </p:extLst>
+  </p:cSld>
+  <p:clrMapOvr>
+    <a:masterClrMapping/>
+  </p:clrMapOvr>
+  <p:timing>
+    <p:tnLst>
+      <p:par>
+        <p:cTn id="1" dur="indefinite" restart="never" nodeType="tmRoot"/>
+      </p:par>
+    </p:tnLst>
+  </p:timing>
+</p:sld>
+</file>
+
+<file path=ppt/slides/slide49.xml><?xml version="1.0" encoding="utf-8"?>
+<p:sld xmlns:a="http://schemas.openxmlformats.org/drawingml/2006/main" xmlns:r="http://schemas.openxmlformats.org/officeDocument/2006/relationships" xmlns:p="http://schemas.openxmlformats.org/presentationml/2006/main">
+  <p:cSld>
+    <p:spTree>
+      <p:nvGrpSpPr>
+        <p:cNvPr id="1" name=""/>
+        <p:cNvGrpSpPr/>
+        <p:nvPr/>
+      </p:nvGrpSpPr>
+      <p:grpSpPr>
+        <a:xfrm>
+          <a:off x="0" y="0"/>
+          <a:ext cx="0" cy="0"/>
+          <a:chOff x="0" y="0"/>
+          <a:chExt cx="0" cy="0"/>
+        </a:xfrm>
+      </p:grpSpPr>
+      <p:sp>
+        <p:nvSpPr>
+          <p:cNvPr id="2" name="标题 1"/>
+          <p:cNvSpPr>
+            <a:spLocks noGrp="1"/>
+          </p:cNvSpPr>
+          <p:nvPr>
+            <p:ph type="title"/>
+          </p:nvPr>
+        </p:nvSpPr>
+        <p:spPr/>
+        <p:txBody>
+          <a:bodyPr/>
+          <a:lstStyle/>
+          <a:p>
+            <a:r>
+              <a:rPr lang="zh-CN" altLang="en-US" b="1" dirty="0">
+                <a:latin typeface="华文楷体" pitchFamily="2" charset="-122"/>
+                <a:ea typeface="华文楷体" pitchFamily="2" charset="-122"/>
+              </a:rPr>
+              <a:t>第</a:t>
+            </a:r>
+            <a:r>
+              <a:rPr lang="en-US" altLang="zh-CN" b="1" dirty="0" smtClean="0">
+                <a:latin typeface="华文楷体" pitchFamily="2" charset="-122"/>
+                <a:ea typeface="华文楷体" pitchFamily="2" charset="-122"/>
+              </a:rPr>
+              <a:t>11</a:t>
+            </a:r>
+            <a:r>
+              <a:rPr lang="zh-CN" altLang="en-US" b="1" dirty="0" smtClean="0">
+                <a:latin typeface="华文楷体" pitchFamily="2" charset="-122"/>
+                <a:ea typeface="华文楷体" pitchFamily="2" charset="-122"/>
+              </a:rPr>
+              <a:t>章  </a:t>
+            </a:r>
+            <a:r>
+              <a:rPr lang="en-US" altLang="zh-CN" b="1" dirty="0">
+                <a:latin typeface="华文楷体" pitchFamily="2" charset="-122"/>
+                <a:ea typeface="华文楷体" pitchFamily="2" charset="-122"/>
+              </a:rPr>
+              <a:t>C++</a:t>
+            </a:r>
+            <a:r>
+              <a:rPr lang="zh-CN" altLang="en-US" b="1" dirty="0">
+                <a:latin typeface="华文楷体" pitchFamily="2" charset="-122"/>
+                <a:ea typeface="华文楷体" pitchFamily="2" charset="-122"/>
+              </a:rPr>
+              <a:t>进阶</a:t>
+            </a:r>
+            <a:endParaRPr lang="zh-CN" altLang="en-US" dirty="0"/>
+          </a:p>
+        </p:txBody>
+      </p:sp>
+      <p:sp>
+        <p:nvSpPr>
+          <p:cNvPr id="3" name="内容占位符 2"/>
+          <p:cNvSpPr>
+            <a:spLocks noGrp="1"/>
+          </p:cNvSpPr>
+          <p:nvPr>
+            <p:ph idx="1"/>
+          </p:nvPr>
+        </p:nvSpPr>
+        <p:spPr/>
+        <p:txBody>
+          <a:bodyPr/>
+          <a:lstStyle/>
+          <a:p>
+            <a:r>
+              <a:rPr lang="zh-CN" altLang="en-US" dirty="0"/>
+              <a:t>模板编程：函数模板、类模板、模板特化与偏特化、模板元编程。</a:t>
+            </a:r>
+          </a:p>
+          <a:p>
+            <a:r>
+              <a:rPr lang="en-US" altLang="zh-CN" dirty="0"/>
+              <a:t>C++</a:t>
+            </a:r>
+            <a:r>
+              <a:rPr lang="zh-CN" altLang="en-US" dirty="0"/>
+              <a:t>与</a:t>
+            </a:r>
+            <a:r>
+              <a:rPr lang="en-US" altLang="zh-CN" dirty="0"/>
+              <a:t>C</a:t>
+            </a:r>
+            <a:r>
+              <a:rPr lang="zh-CN" altLang="en-US" dirty="0"/>
+              <a:t>的互操作性：如何在</a:t>
+            </a:r>
+            <a:r>
+              <a:rPr lang="en-US" altLang="zh-CN" dirty="0"/>
+              <a:t>C++</a:t>
+            </a:r>
+            <a:r>
+              <a:rPr lang="zh-CN" altLang="en-US" dirty="0"/>
+              <a:t>中调用</a:t>
+            </a:r>
+            <a:r>
+              <a:rPr lang="en-US" altLang="zh-CN" dirty="0"/>
+              <a:t>C</a:t>
+            </a:r>
+            <a:r>
+              <a:rPr lang="zh-CN" altLang="en-US" dirty="0"/>
+              <a:t>语言代码。</a:t>
+            </a:r>
+          </a:p>
+          <a:p>
+            <a:r>
+              <a:rPr lang="en-US" altLang="zh-CN" dirty="0"/>
+              <a:t>C++</a:t>
+            </a:r>
+            <a:r>
+              <a:rPr lang="zh-CN" altLang="en-US" dirty="0"/>
+              <a:t>与外部库集成：使用外部库（如</a:t>
+            </a:r>
+            <a:r>
+              <a:rPr lang="en-US" altLang="zh-CN" dirty="0"/>
+              <a:t>Boost</a:t>
+            </a:r>
+            <a:r>
+              <a:rPr lang="zh-CN" altLang="en-US" dirty="0"/>
+              <a:t>、</a:t>
+            </a:r>
+            <a:r>
+              <a:rPr lang="en-US" altLang="zh-CN" dirty="0" err="1"/>
+              <a:t>Qt</a:t>
+            </a:r>
+            <a:r>
+              <a:rPr lang="zh-CN" altLang="en-US" dirty="0"/>
+              <a:t>、</a:t>
+            </a:r>
+            <a:r>
+              <a:rPr lang="en-US" altLang="zh-CN" dirty="0" err="1"/>
+              <a:t>OpenCV</a:t>
+            </a:r>
+            <a:r>
+              <a:rPr lang="zh-CN" altLang="en-US" dirty="0"/>
+              <a:t>等）进行开发。</a:t>
+            </a:r>
+          </a:p>
+        </p:txBody>
+      </p:sp>
+    </p:spTree>
+    <p:extLst>
+      <p:ext uri="{BB962C8B-B14F-4D97-AF65-F5344CB8AC3E}">
+        <p14:creationId xmlns:p14="http://schemas.microsoft.com/office/powerpoint/2010/main" val="2783617826"/>
       </p:ext>
     </p:extLst>
   </p:cSld>
@@ -15600,6 +16301,114 @@
     <p:extLst>
       <p:ext uri="{BB962C8B-B14F-4D97-AF65-F5344CB8AC3E}">
         <p14:creationId xmlns:p14="http://schemas.microsoft.com/office/powerpoint/2010/main" val="870103892"/>
+      </p:ext>
+    </p:extLst>
+  </p:cSld>
+  <p:clrMapOvr>
+    <a:masterClrMapping/>
+  </p:clrMapOvr>
+  <p:timing>
+    <p:tnLst>
+      <p:par>
+        <p:cTn id="1" dur="indefinite" restart="never" nodeType="tmRoot"/>
+      </p:par>
+    </p:tnLst>
+  </p:timing>
+</p:sld>
+</file>
+
+<file path=ppt/slides/slide50.xml><?xml version="1.0" encoding="utf-8"?>
+<p:sld xmlns:a="http://schemas.openxmlformats.org/drawingml/2006/main" xmlns:r="http://schemas.openxmlformats.org/officeDocument/2006/relationships" xmlns:p="http://schemas.openxmlformats.org/presentationml/2006/main">
+  <p:cSld>
+    <p:spTree>
+      <p:nvGrpSpPr>
+        <p:cNvPr id="1" name=""/>
+        <p:cNvGrpSpPr/>
+        <p:nvPr/>
+      </p:nvGrpSpPr>
+      <p:grpSpPr>
+        <a:xfrm>
+          <a:off x="0" y="0"/>
+          <a:ext cx="0" cy="0"/>
+          <a:chOff x="0" y="0"/>
+          <a:chExt cx="0" cy="0"/>
+        </a:xfrm>
+      </p:grpSpPr>
+      <p:sp>
+        <p:nvSpPr>
+          <p:cNvPr id="2" name="标题 1"/>
+          <p:cNvSpPr>
+            <a:spLocks noGrp="1"/>
+          </p:cNvSpPr>
+          <p:nvPr>
+            <p:ph type="title"/>
+          </p:nvPr>
+        </p:nvSpPr>
+        <p:spPr/>
+        <p:txBody>
+          <a:bodyPr/>
+          <a:lstStyle/>
+          <a:p>
+            <a:r>
+              <a:rPr lang="zh-CN" altLang="en-US" b="1" dirty="0">
+                <a:latin typeface="华文楷体" pitchFamily="2" charset="-122"/>
+                <a:ea typeface="华文楷体" pitchFamily="2" charset="-122"/>
+              </a:rPr>
+              <a:t>第</a:t>
+            </a:r>
+            <a:r>
+              <a:rPr lang="en-US" altLang="zh-CN" b="1" dirty="0" smtClean="0">
+                <a:latin typeface="华文楷体" pitchFamily="2" charset="-122"/>
+                <a:ea typeface="华文楷体" pitchFamily="2" charset="-122"/>
+              </a:rPr>
+              <a:t>12</a:t>
+            </a:r>
+            <a:r>
+              <a:rPr lang="zh-CN" altLang="en-US" b="1" smtClean="0">
+                <a:latin typeface="华文楷体" pitchFamily="2" charset="-122"/>
+                <a:ea typeface="华文楷体" pitchFamily="2" charset="-122"/>
+              </a:rPr>
+              <a:t>章  总和练习</a:t>
+            </a:r>
+            <a:endParaRPr lang="zh-CN" altLang="en-US" dirty="0"/>
+          </a:p>
+        </p:txBody>
+      </p:sp>
+      <p:sp>
+        <p:nvSpPr>
+          <p:cNvPr id="3" name="内容占位符 2"/>
+          <p:cNvSpPr>
+            <a:spLocks noGrp="1"/>
+          </p:cNvSpPr>
+          <p:nvPr>
+            <p:ph idx="1"/>
+          </p:nvPr>
+        </p:nvSpPr>
+        <p:spPr/>
+        <p:txBody>
+          <a:bodyPr/>
+          <a:lstStyle/>
+          <a:p>
+            <a:r>
+              <a:rPr lang="en-US" altLang="zh-CN" dirty="0"/>
+              <a:t>1.1 </a:t>
+            </a:r>
+            <a:r>
+              <a:rPr lang="zh-CN" altLang="en-US" dirty="0"/>
+              <a:t>什么是</a:t>
+            </a:r>
+            <a:r>
+              <a:rPr lang="zh-CN" altLang="en-US" dirty="0" smtClean="0"/>
+              <a:t>计算机程序</a:t>
+            </a:r>
+            <a:endParaRPr lang="zh-CN" altLang="en-US" dirty="0"/>
+          </a:p>
+        </p:txBody>
+      </p:sp>
+    </p:spTree>
+    <p:extLst>
+      <p:ext uri="{BB962C8B-B14F-4D97-AF65-F5344CB8AC3E}">
+        <p14:creationId xmlns:p14="http://schemas.microsoft.com/office/powerpoint/2010/main" val="1064233169"/>
       </p:ext>
     </p:extLst>
   </p:cSld>

--- a/learn_cpp/docs/C++语言培训.pptx
+++ b/learn_cpp/docs/C++语言培训.pptx
@@ -30,31 +30,32 @@
     <p:sldId id="298" r:id="rId24"/>
     <p:sldId id="299" r:id="rId25"/>
     <p:sldId id="302" r:id="rId26"/>
-    <p:sldId id="300" r:id="rId27"/>
-    <p:sldId id="301" r:id="rId28"/>
-    <p:sldId id="284" r:id="rId29"/>
-    <p:sldId id="285" r:id="rId30"/>
-    <p:sldId id="286" r:id="rId31"/>
-    <p:sldId id="287" r:id="rId32"/>
-    <p:sldId id="259" r:id="rId33"/>
-    <p:sldId id="260" r:id="rId34"/>
-    <p:sldId id="288" r:id="rId35"/>
-    <p:sldId id="289" r:id="rId36"/>
-    <p:sldId id="290" r:id="rId37"/>
-    <p:sldId id="291" r:id="rId38"/>
-    <p:sldId id="292" r:id="rId39"/>
-    <p:sldId id="293" r:id="rId40"/>
-    <p:sldId id="294" r:id="rId41"/>
-    <p:sldId id="295" r:id="rId42"/>
-    <p:sldId id="296" r:id="rId43"/>
-    <p:sldId id="261" r:id="rId44"/>
-    <p:sldId id="262" r:id="rId45"/>
-    <p:sldId id="263" r:id="rId46"/>
-    <p:sldId id="264" r:id="rId47"/>
-    <p:sldId id="265" r:id="rId48"/>
-    <p:sldId id="266" r:id="rId49"/>
-    <p:sldId id="267" r:id="rId50"/>
-    <p:sldId id="268" r:id="rId51"/>
+    <p:sldId id="307" r:id="rId27"/>
+    <p:sldId id="300" r:id="rId28"/>
+    <p:sldId id="301" r:id="rId29"/>
+    <p:sldId id="284" r:id="rId30"/>
+    <p:sldId id="285" r:id="rId31"/>
+    <p:sldId id="286" r:id="rId32"/>
+    <p:sldId id="287" r:id="rId33"/>
+    <p:sldId id="259" r:id="rId34"/>
+    <p:sldId id="260" r:id="rId35"/>
+    <p:sldId id="288" r:id="rId36"/>
+    <p:sldId id="289" r:id="rId37"/>
+    <p:sldId id="290" r:id="rId38"/>
+    <p:sldId id="291" r:id="rId39"/>
+    <p:sldId id="292" r:id="rId40"/>
+    <p:sldId id="293" r:id="rId41"/>
+    <p:sldId id="294" r:id="rId42"/>
+    <p:sldId id="295" r:id="rId43"/>
+    <p:sldId id="296" r:id="rId44"/>
+    <p:sldId id="261" r:id="rId45"/>
+    <p:sldId id="262" r:id="rId46"/>
+    <p:sldId id="263" r:id="rId47"/>
+    <p:sldId id="264" r:id="rId48"/>
+    <p:sldId id="265" r:id="rId49"/>
+    <p:sldId id="266" r:id="rId50"/>
+    <p:sldId id="267" r:id="rId51"/>
+    <p:sldId id="268" r:id="rId52"/>
   </p:sldIdLst>
   <p:sldSz cx="12192000" cy="6858000"/>
   <p:notesSz cx="6858000" cy="9144000"/>
@@ -11549,7 +11550,19 @@
             <a:pPr lvl="1"/>
             <a:r>
               <a:rPr lang="zh-CN" altLang="en-US" dirty="0"/>
-              <a:t>存储位置： 存储在程序的数据段中，程序运行期间一直存在。</a:t>
+              <a:t>存储位置： 存储在程序的</a:t>
+            </a:r>
+            <a:r>
+              <a:rPr lang="zh-CN" altLang="en-US" b="1" dirty="0">
+                <a:solidFill>
+                  <a:srgbClr val="FF0000"/>
+                </a:solidFill>
+              </a:rPr>
+              <a:t>数据段</a:t>
+            </a:r>
+            <a:r>
+              <a:rPr lang="zh-CN" altLang="en-US" dirty="0"/>
+              <a:t>中，程序运行期间一直存在。</a:t>
             </a:r>
           </a:p>
           <a:p>
@@ -11581,7 +11594,19 @@
             <a:pPr lvl="1"/>
             <a:r>
               <a:rPr lang="zh-CN" altLang="en-US" dirty="0"/>
-              <a:t>存储位置： 存储在栈区，每次调用函数时分配内存，函数结束时销毁。</a:t>
+              <a:t>存储位置： 存储在</a:t>
+            </a:r>
+            <a:r>
+              <a:rPr lang="zh-CN" altLang="en-US" b="1" dirty="0">
+                <a:solidFill>
+                  <a:srgbClr val="FF0000"/>
+                </a:solidFill>
+              </a:rPr>
+              <a:t>栈</a:t>
+            </a:r>
+            <a:r>
+              <a:rPr lang="zh-CN" altLang="en-US" dirty="0"/>
+              <a:t>区，每次调用函数时分配内存，函数结束时销毁。</a:t>
             </a:r>
           </a:p>
           <a:p>
@@ -11609,8 +11634,20 @@
               <a:t>定义： 使用 </a:t>
             </a:r>
             <a:r>
-              <a:rPr lang="en-US" altLang="zh-CN" dirty="0"/>
-              <a:t>static </a:t>
+              <a:rPr lang="en-US" altLang="zh-CN" b="1" dirty="0">
+                <a:solidFill>
+                  <a:srgbClr val="FF0000"/>
+                </a:solidFill>
+              </a:rPr>
+              <a:t>static</a:t>
+            </a:r>
+            <a:r>
+              <a:rPr lang="en-US" altLang="zh-CN" dirty="0">
+                <a:solidFill>
+                  <a:srgbClr val="FF0000"/>
+                </a:solidFill>
+              </a:rPr>
+              <a:t> </a:t>
             </a:r>
             <a:r>
               <a:rPr lang="zh-CN" altLang="en-US" dirty="0"/>
@@ -11621,7 +11658,19 @@
             <a:pPr lvl="1"/>
             <a:r>
               <a:rPr lang="zh-CN" altLang="en-US" dirty="0"/>
-              <a:t>存储位置： 存储在数据段，程序运行期间一直存在，但只在函数第一次调用时初始化。</a:t>
+              <a:t>存储位置： 存储在</a:t>
+            </a:r>
+            <a:r>
+              <a:rPr lang="zh-CN" altLang="en-US" b="1" dirty="0">
+                <a:solidFill>
+                  <a:srgbClr val="FF0000"/>
+                </a:solidFill>
+              </a:rPr>
+              <a:t>数据段</a:t>
+            </a:r>
+            <a:r>
+              <a:rPr lang="zh-CN" altLang="en-US" dirty="0"/>
+              <a:t>，程序运行期间一直存在，但只在函数第一次调用时初始化。</a:t>
             </a:r>
           </a:p>
           <a:p>
@@ -11673,7 +11722,19 @@
             <a:pPr lvl="1"/>
             <a:r>
               <a:rPr lang="zh-CN" altLang="en-US" dirty="0"/>
-              <a:t>存储位置： 存储在堆区，程序可以手动分配和释放内存。</a:t>
+              <a:t>存储位置： 存储在</a:t>
+            </a:r>
+            <a:r>
+              <a:rPr lang="zh-CN" altLang="en-US" b="1" dirty="0">
+                <a:solidFill>
+                  <a:srgbClr val="FF0000"/>
+                </a:solidFill>
+              </a:rPr>
+              <a:t>堆</a:t>
+            </a:r>
+            <a:r>
+              <a:rPr lang="zh-CN" altLang="en-US" dirty="0"/>
+              <a:t>区，程序可以手动分配和释放内存。</a:t>
             </a:r>
           </a:p>
         </p:txBody>
@@ -11940,14 +12001,10 @@
           <a:lstStyle/>
           <a:p>
             <a:r>
-              <a:rPr lang="en-US" altLang="zh-CN" b="1" dirty="0" smtClean="0"/>
-              <a:t>2.6 </a:t>
-            </a:r>
-            <a:r>
-              <a:rPr lang="zh-CN" altLang="zh-CN" b="1" dirty="0"/>
-              <a:t>课后练习</a:t>
-            </a:r>
-            <a:endParaRPr lang="zh-CN" altLang="en-US" b="1" dirty="0"/>
+              <a:rPr lang="zh-CN" altLang="en-US" b="1" dirty="0"/>
+              <a:t>内存分布</a:t>
+            </a:r>
+            <a:endParaRPr lang="zh-CN" altLang="en-US" dirty="0"/>
           </a:p>
         </p:txBody>
       </p:sp>
@@ -11963,86 +12020,356 @@
         </p:nvSpPr>
         <p:spPr/>
         <p:txBody>
-          <a:bodyPr/>
+          <a:bodyPr>
+            <a:normAutofit fontScale="70000" lnSpcReduction="20000"/>
+          </a:bodyPr>
           <a:lstStyle/>
           <a:p>
             <a:r>
+              <a:rPr lang="zh-CN" altLang="en-US" b="1" dirty="0" smtClean="0"/>
+              <a:t>内核</a:t>
+            </a:r>
+            <a:r>
+              <a:rPr lang="zh-CN" altLang="en-US" b="1" dirty="0"/>
+              <a:t>空间（</a:t>
+            </a:r>
+            <a:r>
+              <a:rPr lang="en-US" altLang="zh-CN" b="1" dirty="0"/>
+              <a:t>Kernel</a:t>
+            </a:r>
+            <a:r>
+              <a:rPr lang="zh-CN" altLang="en-US" b="1" dirty="0"/>
+              <a:t>）</a:t>
+            </a:r>
+            <a:r>
+              <a:rPr lang="en-US" altLang="zh-CN" b="1" dirty="0"/>
+              <a:t>:</a:t>
+            </a:r>
+          </a:p>
+          <a:p>
+            <a:pPr marL="0" indent="0">
+              <a:buNone/>
+            </a:pPr>
+            <a:r>
+              <a:rPr lang="en-US" altLang="zh-CN" dirty="0" smtClean="0"/>
+              <a:t>	</a:t>
+            </a:r>
+            <a:r>
               <a:rPr lang="zh-CN" altLang="en-US" dirty="0" smtClean="0"/>
-              <a:t>列举 </a:t>
-            </a:r>
-            <a:r>
-              <a:rPr lang="en-US" altLang="zh-CN" dirty="0"/>
-              <a:t>C++ </a:t>
-            </a:r>
-            <a:r>
-              <a:rPr lang="zh-CN" altLang="en-US" dirty="0"/>
-              <a:t>中的常见基本数据类型，并简述它们的特点（例如，大小、存储范围等</a:t>
+              <a:t>位于</a:t>
+            </a:r>
+            <a:r>
+              <a:rPr lang="zh-CN" altLang="en-US" dirty="0"/>
+              <a:t>内存的顶部（如 </a:t>
+            </a:r>
+            <a:r>
+              <a:rPr lang="en-US" altLang="zh-CN" dirty="0"/>
+              <a:t>0xC0000000 </a:t>
+            </a:r>
+            <a:r>
+              <a:rPr lang="zh-CN" altLang="en-US" dirty="0"/>
+              <a:t>以上），由操作系统内核使用。该区域存储与操作系统相关的数据和代码。</a:t>
+            </a:r>
+          </a:p>
+          <a:p>
+            <a:pPr marL="0" indent="0">
+              <a:buNone/>
+            </a:pPr>
+            <a:r>
+              <a:rPr lang="en-US" altLang="zh-CN" dirty="0" smtClean="0"/>
+              <a:t>	</a:t>
             </a:r>
             <a:r>
               <a:rPr lang="zh-CN" altLang="en-US" dirty="0" smtClean="0"/>
+              <a:t>不可</a:t>
+            </a:r>
+            <a:r>
+              <a:rPr lang="zh-CN" altLang="en-US" dirty="0"/>
+              <a:t>访问：普通用户程序无法直接访问内核空间。</a:t>
+            </a:r>
+          </a:p>
+          <a:p>
+            <a:r>
+              <a:rPr lang="zh-CN" altLang="en-US" b="1" dirty="0"/>
+              <a:t>栈区（</a:t>
+            </a:r>
+            <a:r>
+              <a:rPr lang="en-US" altLang="zh-CN" b="1" dirty="0"/>
+              <a:t>Stack</a:t>
+            </a:r>
+            <a:r>
+              <a:rPr lang="zh-CN" altLang="en-US" b="1" dirty="0"/>
+              <a:t>）：</a:t>
+            </a:r>
+          </a:p>
+          <a:p>
+            <a:pPr marL="0" indent="0">
+              <a:buNone/>
+            </a:pPr>
+            <a:r>
+              <a:rPr lang="en-US" altLang="zh-CN" dirty="0"/>
+              <a:t>	</a:t>
+            </a:r>
+            <a:r>
+              <a:rPr lang="en-US" altLang="zh-CN" dirty="0" smtClean="0"/>
+              <a:t> </a:t>
+            </a:r>
+            <a:r>
+              <a:rPr lang="zh-CN" altLang="en-US" dirty="0" smtClean="0"/>
+              <a:t>位于</a:t>
+            </a:r>
+            <a:r>
+              <a:rPr lang="zh-CN" altLang="en-US" dirty="0"/>
+              <a:t>堆区上方，用于存储局部变量和函数调用信息。栈区是一个</a:t>
+            </a:r>
+            <a:r>
+              <a:rPr lang="zh-CN" altLang="en-US" b="1" dirty="0">
+                <a:solidFill>
+                  <a:srgbClr val="FF0000"/>
+                </a:solidFill>
+              </a:rPr>
+              <a:t>后进先出（</a:t>
+            </a:r>
+            <a:r>
+              <a:rPr lang="en-US" altLang="zh-CN" b="1" dirty="0">
+                <a:solidFill>
+                  <a:srgbClr val="FF0000"/>
+                </a:solidFill>
+              </a:rPr>
+              <a:t>LIFO</a:t>
+            </a:r>
+            <a:r>
+              <a:rPr lang="zh-CN" altLang="en-US" b="1" dirty="0">
+                <a:solidFill>
+                  <a:srgbClr val="FF0000"/>
+                </a:solidFill>
+              </a:rPr>
               <a:t>）</a:t>
             </a:r>
-            <a:endParaRPr lang="en-US" altLang="zh-CN" dirty="0" smtClean="0"/>
-          </a:p>
-          <a:p>
-            <a:r>
-              <a:rPr lang="zh-CN" altLang="en-US" dirty="0"/>
-              <a:t>请简述 </a:t>
+            <a:r>
+              <a:rPr lang="zh-CN" altLang="en-US" dirty="0"/>
+              <a:t>的数据结构，随着函数的调用</a:t>
+            </a:r>
+            <a:r>
+              <a:rPr lang="zh-CN" altLang="en-US" dirty="0" smtClean="0"/>
+              <a:t>，</a:t>
+            </a:r>
+            <a:r>
+              <a:rPr lang="en-US" altLang="zh-CN" dirty="0" smtClean="0"/>
+              <a:t>	</a:t>
+            </a:r>
+            <a:r>
+              <a:rPr lang="zh-CN" altLang="en-US" dirty="0" smtClean="0"/>
+              <a:t>局部变量</a:t>
+            </a:r>
+            <a:r>
+              <a:rPr lang="zh-CN" altLang="en-US" dirty="0"/>
+              <a:t>被压入</a:t>
+            </a:r>
+            <a:r>
+              <a:rPr lang="zh-CN" altLang="en-US" dirty="0" smtClean="0"/>
+              <a:t>栈</a:t>
+            </a:r>
+            <a:r>
+              <a:rPr lang="en-US" altLang="zh-CN" dirty="0" smtClean="0"/>
+              <a:t>	</a:t>
+            </a:r>
+            <a:r>
+              <a:rPr lang="zh-CN" altLang="en-US" dirty="0" smtClean="0"/>
+              <a:t>中，函数</a:t>
+            </a:r>
+            <a:r>
+              <a:rPr lang="zh-CN" altLang="en-US" dirty="0"/>
+              <a:t>返回时栈顶的数据会被销毁</a:t>
+            </a:r>
+            <a:r>
+              <a:rPr lang="zh-CN" altLang="en-US" dirty="0" smtClean="0"/>
+              <a:t>。</a:t>
+            </a:r>
+            <a:r>
+              <a:rPr lang="zh-CN" altLang="en-US" b="1" dirty="0" smtClean="0">
+                <a:solidFill>
+                  <a:srgbClr val="FF0000"/>
+                </a:solidFill>
+              </a:rPr>
+              <a:t>栈</a:t>
+            </a:r>
+            <a:r>
+              <a:rPr lang="zh-CN" altLang="en-US" b="1" dirty="0">
+                <a:solidFill>
+                  <a:srgbClr val="FF0000"/>
+                </a:solidFill>
+              </a:rPr>
+              <a:t>区的增长方向通常是向下（从高地址向低地址）</a:t>
+            </a:r>
+            <a:r>
+              <a:rPr lang="zh-CN" altLang="en-US" dirty="0"/>
+              <a:t>。</a:t>
+            </a:r>
+          </a:p>
+          <a:p>
+            <a:r>
+              <a:rPr lang="zh-CN" altLang="en-US" b="1" dirty="0"/>
+              <a:t>堆区（</a:t>
+            </a:r>
+            <a:r>
+              <a:rPr lang="en-US" altLang="zh-CN" b="1" dirty="0"/>
+              <a:t>Heap</a:t>
+            </a:r>
+            <a:r>
+              <a:rPr lang="zh-CN" altLang="en-US" b="1" dirty="0"/>
+              <a:t>）：</a:t>
+            </a:r>
+          </a:p>
+          <a:p>
+            <a:pPr marL="0" indent="0">
+              <a:buNone/>
+            </a:pPr>
+            <a:r>
+              <a:rPr lang="en-US" altLang="zh-CN" dirty="0" smtClean="0"/>
+              <a:t>	</a:t>
+            </a:r>
+            <a:r>
+              <a:rPr lang="zh-CN" altLang="en-US" dirty="0" smtClean="0"/>
+              <a:t>位于</a:t>
+            </a:r>
+            <a:r>
+              <a:rPr lang="zh-CN" altLang="en-US" dirty="0"/>
+              <a:t>栈区的下方，用于存储动态分配的内存。通过 </a:t>
             </a:r>
             <a:r>
               <a:rPr lang="en-US" altLang="zh-CN" dirty="0" err="1"/>
-              <a:t>struct</a:t>
-            </a:r>
-            <a:r>
-              <a:rPr lang="en-US" altLang="zh-CN" dirty="0"/>
-              <a:t> </a:t>
-            </a:r>
-            <a:r>
-              <a:rPr lang="zh-CN" altLang="en-US" dirty="0"/>
-              <a:t>和 </a:t>
-            </a:r>
-            <a:r>
-              <a:rPr lang="en-US" altLang="zh-CN" dirty="0"/>
-              <a:t>union </a:t>
-            </a:r>
-            <a:r>
-              <a:rPr lang="zh-CN" altLang="en-US" dirty="0"/>
-              <a:t>的区别。你会在什么场景下使用它们？</a:t>
-            </a:r>
-          </a:p>
-          <a:p>
-            <a:r>
-              <a:rPr lang="en-US" altLang="zh-CN" dirty="0"/>
-              <a:t>C++ </a:t>
-            </a:r>
-            <a:r>
-              <a:rPr lang="zh-CN" altLang="en-US" dirty="0"/>
-              <a:t>中如何定义一个字符串变量？与 </a:t>
-            </a:r>
-            <a:r>
-              <a:rPr lang="en-US" altLang="zh-CN" dirty="0"/>
-              <a:t>C </a:t>
-            </a:r>
-            <a:r>
-              <a:rPr lang="zh-CN" altLang="en-US" dirty="0"/>
-              <a:t>中的字符数组有什么区别</a:t>
+              <a:t>malloc</a:t>
+            </a:r>
+            <a:r>
+              <a:rPr lang="zh-CN" altLang="en-US" dirty="0"/>
+              <a:t>、</a:t>
+            </a:r>
+            <a:r>
+              <a:rPr lang="en-US" altLang="zh-CN" dirty="0"/>
+              <a:t>new </a:t>
+            </a:r>
+            <a:r>
+              <a:rPr lang="zh-CN" altLang="en-US" dirty="0"/>
+              <a:t>等函数进行内存分配，程序员需要手动管理这</a:t>
             </a:r>
             <a:r>
               <a:rPr lang="zh-CN" altLang="en-US" dirty="0" smtClean="0"/>
-              <a:t>？</a:t>
-            </a:r>
-            <a:endParaRPr lang="en-US" altLang="zh-CN" dirty="0" smtClean="0"/>
-          </a:p>
-          <a:p>
-            <a:r>
-              <a:rPr lang="zh-CN" altLang="en-US" dirty="0"/>
-              <a:t>解释什么是 全局变量 和 局部变量。它们在内存中存储的位置有什么区别？</a:t>
-            </a:r>
-          </a:p>
-          <a:p>
-            <a:r>
-              <a:rPr lang="zh-CN" altLang="en-US" dirty="0"/>
-              <a:t>什么是 静态变量，它与普通的局部变量有什么不同？</a:t>
+              <a:t>块</a:t>
+            </a:r>
+            <a:r>
+              <a:rPr lang="en-US" altLang="zh-CN" dirty="0" smtClean="0"/>
+              <a:t>	</a:t>
+            </a:r>
+            <a:r>
+              <a:rPr lang="zh-CN" altLang="en-US" dirty="0" smtClean="0"/>
+              <a:t>内存</a:t>
+            </a:r>
+            <a:r>
+              <a:rPr lang="zh-CN" altLang="en-US" dirty="0"/>
+              <a:t>的分配和释放</a:t>
+            </a:r>
+            <a:r>
+              <a:rPr lang="zh-CN" altLang="en-US" dirty="0" smtClean="0"/>
+              <a:t>。堆</a:t>
+            </a:r>
+            <a:r>
+              <a:rPr lang="zh-CN" altLang="en-US" dirty="0"/>
+              <a:t>区的内存可以随程序运行时需求的变化而增长或缩小，</a:t>
+            </a:r>
+            <a:r>
+              <a:rPr lang="zh-CN" altLang="en-US" b="1" dirty="0">
+                <a:solidFill>
+                  <a:srgbClr val="FF0000"/>
+                </a:solidFill>
+              </a:rPr>
+              <a:t>通常向上增长（从低地址向</a:t>
+            </a:r>
+            <a:r>
+              <a:rPr lang="zh-CN" altLang="en-US" b="1" dirty="0" smtClean="0">
+                <a:solidFill>
+                  <a:srgbClr val="FF0000"/>
+                </a:solidFill>
+              </a:rPr>
+              <a:t>高地址</a:t>
+            </a:r>
+            <a:r>
+              <a:rPr lang="zh-CN" altLang="en-US" b="1" dirty="0">
+                <a:solidFill>
+                  <a:srgbClr val="FF0000"/>
+                </a:solidFill>
+              </a:rPr>
+              <a:t>）</a:t>
+            </a:r>
+            <a:r>
+              <a:rPr lang="zh-CN" altLang="en-US" dirty="0"/>
+              <a:t>。</a:t>
+            </a:r>
+          </a:p>
+          <a:p>
+            <a:r>
+              <a:rPr lang="zh-CN" altLang="en-US" b="1" dirty="0"/>
+              <a:t>数据段（</a:t>
+            </a:r>
+            <a:r>
+              <a:rPr lang="en-US" altLang="zh-CN" b="1" dirty="0"/>
+              <a:t>Data Segment</a:t>
+            </a:r>
+            <a:r>
+              <a:rPr lang="zh-CN" altLang="en-US" b="1" dirty="0"/>
+              <a:t>）：</a:t>
+            </a:r>
+          </a:p>
+          <a:p>
+            <a:pPr marL="0" indent="0">
+              <a:buNone/>
+            </a:pPr>
+            <a:r>
+              <a:rPr lang="en-US" altLang="zh-CN" dirty="0" smtClean="0"/>
+              <a:t>	</a:t>
+            </a:r>
+            <a:r>
+              <a:rPr lang="zh-CN" altLang="en-US" dirty="0" smtClean="0"/>
+              <a:t>用于</a:t>
+            </a:r>
+            <a:r>
+              <a:rPr lang="zh-CN" altLang="en-US" dirty="0"/>
+              <a:t>存储程序中的全局变量和静态变量。</a:t>
+            </a:r>
+          </a:p>
+          <a:p>
+            <a:r>
+              <a:rPr lang="zh-CN" altLang="en-US" b="1" dirty="0" smtClean="0"/>
+              <a:t>代码</a:t>
+            </a:r>
+            <a:r>
+              <a:rPr lang="zh-CN" altLang="en-US" b="1" dirty="0"/>
+              <a:t>段（</a:t>
+            </a:r>
+            <a:r>
+              <a:rPr lang="en-US" altLang="zh-CN" b="1" dirty="0"/>
+              <a:t>Text Segment</a:t>
+            </a:r>
+            <a:r>
+              <a:rPr lang="zh-CN" altLang="en-US" b="1" dirty="0"/>
+              <a:t>）：</a:t>
+            </a:r>
+          </a:p>
+          <a:p>
+            <a:pPr marL="0" indent="0">
+              <a:buNone/>
+            </a:pPr>
+            <a:r>
+              <a:rPr lang="en-US" altLang="zh-CN" dirty="0" smtClean="0"/>
+              <a:t>	</a:t>
+            </a:r>
+            <a:r>
+              <a:rPr lang="zh-CN" altLang="en-US" dirty="0" smtClean="0"/>
+              <a:t>存储</a:t>
+            </a:r>
+            <a:r>
+              <a:rPr lang="zh-CN" altLang="en-US" dirty="0"/>
+              <a:t>程序的机器代码，也就是程序的执行指令。该区域通常是只读的，防止程序意外修改自己的指令。</a:t>
             </a:r>
           </a:p>
         </p:txBody>
@@ -12050,20 +12377,13 @@
     </p:spTree>
     <p:extLst>
       <p:ext uri="{BB962C8B-B14F-4D97-AF65-F5344CB8AC3E}">
-        <p14:creationId xmlns:p14="http://schemas.microsoft.com/office/powerpoint/2010/main" val="1194947922"/>
+        <p14:creationId xmlns:p14="http://schemas.microsoft.com/office/powerpoint/2010/main" val="3861001087"/>
       </p:ext>
     </p:extLst>
   </p:cSld>
   <p:clrMapOvr>
     <a:masterClrMapping/>
   </p:clrMapOvr>
-  <p:timing>
-    <p:tnLst>
-      <p:par>
-        <p:cTn id="1" dur="indefinite" restart="never" nodeType="tmRoot"/>
-      </p:par>
-    </p:tnLst>
-  </p:timing>
 </p:sld>
 </file>
 
@@ -12100,34 +12420,14 @@
           <a:lstStyle/>
           <a:p>
             <a:r>
-              <a:rPr lang="zh-CN" altLang="en-US" b="1" dirty="0" smtClean="0">
-                <a:latin typeface="华文楷体" pitchFamily="2" charset="-122"/>
-                <a:ea typeface="华文楷体" pitchFamily="2" charset="-122"/>
-              </a:rPr>
-              <a:t>第</a:t>
-            </a:r>
-            <a:r>
-              <a:rPr lang="en-US" altLang="zh-CN" b="1" dirty="0" smtClean="0">
-                <a:latin typeface="华文楷体" pitchFamily="2" charset="-122"/>
-                <a:ea typeface="华文楷体" pitchFamily="2" charset="-122"/>
-              </a:rPr>
-              <a:t>3</a:t>
-            </a:r>
-            <a:r>
-              <a:rPr lang="zh-CN" altLang="en-US" b="1" dirty="0" smtClean="0">
-                <a:latin typeface="华文楷体" pitchFamily="2" charset="-122"/>
-                <a:ea typeface="华文楷体" pitchFamily="2" charset="-122"/>
-              </a:rPr>
-              <a:t>章 运算符</a:t>
-            </a:r>
-            <a:r>
-              <a:rPr lang="zh-CN" altLang="en-US" b="1" dirty="0">
-                <a:latin typeface="华文楷体" pitchFamily="2" charset="-122"/>
-                <a:ea typeface="华文楷体" pitchFamily="2" charset="-122"/>
-              </a:rPr>
-              <a:t>、控制语句与输入输出</a:t>
-            </a:r>
-            <a:endParaRPr lang="zh-CN" altLang="en-US" dirty="0"/>
+              <a:rPr lang="en-US" altLang="zh-CN" b="1" dirty="0" smtClean="0"/>
+              <a:t>2.6 </a:t>
+            </a:r>
+            <a:r>
+              <a:rPr lang="zh-CN" altLang="zh-CN" b="1" dirty="0"/>
+              <a:t>课后练习</a:t>
+            </a:r>
+            <a:endParaRPr lang="zh-CN" altLang="en-US" b="1" dirty="0"/>
           </a:p>
         </p:txBody>
       </p:sp>
@@ -12147,95 +12447,90 @@
           <a:lstStyle/>
           <a:p>
             <a:r>
-              <a:rPr lang="zh-CN" altLang="en-US" dirty="0"/>
-              <a:t>运算符：算术运算符、关系运算符、逻辑运算符、位运算符、赋值运算符。</a:t>
-            </a:r>
-          </a:p>
-          <a:p>
-            <a:r>
-              <a:rPr lang="zh-CN" altLang="en-US" dirty="0"/>
-              <a:t>控制语句：条件语句（</a:t>
-            </a:r>
-            <a:r>
-              <a:rPr lang="en-US" altLang="zh-CN" dirty="0"/>
-              <a:t>if</a:t>
-            </a:r>
-            <a:r>
-              <a:rPr lang="zh-CN" altLang="en-US" dirty="0"/>
-              <a:t>、</a:t>
-            </a:r>
-            <a:r>
-              <a:rPr lang="en-US" altLang="zh-CN" dirty="0"/>
-              <a:t>else</a:t>
-            </a:r>
-            <a:r>
-              <a:rPr lang="zh-CN" altLang="en-US" dirty="0"/>
-              <a:t>、</a:t>
-            </a:r>
-            <a:r>
-              <a:rPr lang="en-US" altLang="zh-CN" dirty="0"/>
-              <a:t>switch</a:t>
-            </a:r>
-            <a:r>
-              <a:rPr lang="zh-CN" altLang="en-US" dirty="0"/>
-              <a:t>）、循环语句（</a:t>
-            </a:r>
-            <a:r>
-              <a:rPr lang="en-US" altLang="zh-CN" dirty="0"/>
-              <a:t>for</a:t>
-            </a:r>
-            <a:r>
-              <a:rPr lang="zh-CN" altLang="en-US" dirty="0"/>
-              <a:t>、</a:t>
-            </a:r>
-            <a:r>
-              <a:rPr lang="en-US" altLang="zh-CN" dirty="0"/>
-              <a:t>while</a:t>
-            </a:r>
-            <a:r>
-              <a:rPr lang="zh-CN" altLang="en-US" dirty="0"/>
-              <a:t>、</a:t>
-            </a:r>
-            <a:r>
-              <a:rPr lang="en-US" altLang="zh-CN" dirty="0"/>
-              <a:t>do-while</a:t>
-            </a:r>
-            <a:r>
-              <a:rPr lang="zh-CN" altLang="en-US" dirty="0"/>
-              <a:t>）。</a:t>
-            </a:r>
-          </a:p>
-          <a:p>
-            <a:r>
-              <a:rPr lang="zh-CN" altLang="en-US" dirty="0"/>
-              <a:t>输入与输出：使用</a:t>
+              <a:rPr lang="zh-CN" altLang="en-US" dirty="0" smtClean="0"/>
+              <a:t>列举 </a:t>
+            </a:r>
+            <a:r>
+              <a:rPr lang="en-US" altLang="zh-CN" dirty="0"/>
+              <a:t>C++ </a:t>
+            </a:r>
+            <a:r>
+              <a:rPr lang="zh-CN" altLang="en-US" dirty="0"/>
+              <a:t>中的常见基本数据类型，并简述它们的特点（例如，大小、存储范围等</a:t>
+            </a:r>
+            <a:r>
+              <a:rPr lang="zh-CN" altLang="en-US" dirty="0" smtClean="0"/>
+              <a:t>）</a:t>
+            </a:r>
+            <a:endParaRPr lang="en-US" altLang="zh-CN" dirty="0" smtClean="0"/>
+          </a:p>
+          <a:p>
+            <a:r>
+              <a:rPr lang="zh-CN" altLang="en-US" dirty="0"/>
+              <a:t>请简述 </a:t>
             </a:r>
             <a:r>
               <a:rPr lang="en-US" altLang="zh-CN" dirty="0" err="1"/>
-              <a:t>cin</a:t>
-            </a:r>
-            <a:r>
-              <a:rPr lang="zh-CN" altLang="en-US" dirty="0"/>
-              <a:t>和</a:t>
-            </a:r>
-            <a:r>
-              <a:rPr lang="en-US" altLang="zh-CN" dirty="0" err="1"/>
-              <a:t>cout</a:t>
-            </a:r>
-            <a:r>
-              <a:rPr lang="zh-CN" altLang="en-US" dirty="0"/>
-              <a:t>进行数据输入输出。</a:t>
-            </a:r>
-          </a:p>
-          <a:p>
-            <a:endParaRPr lang="zh-CN" altLang="en-US" dirty="0"/>
+              <a:t>struct</a:t>
+            </a:r>
+            <a:r>
+              <a:rPr lang="en-US" altLang="zh-CN" dirty="0"/>
+              <a:t> </a:t>
+            </a:r>
+            <a:r>
+              <a:rPr lang="zh-CN" altLang="en-US" dirty="0"/>
+              <a:t>和 </a:t>
+            </a:r>
+            <a:r>
+              <a:rPr lang="en-US" altLang="zh-CN" dirty="0"/>
+              <a:t>union </a:t>
+            </a:r>
+            <a:r>
+              <a:rPr lang="zh-CN" altLang="en-US" dirty="0"/>
+              <a:t>的区别。你会在什么场景下使用它们？</a:t>
+            </a:r>
+          </a:p>
+          <a:p>
+            <a:r>
+              <a:rPr lang="en-US" altLang="zh-CN" dirty="0"/>
+              <a:t>C++ </a:t>
+            </a:r>
+            <a:r>
+              <a:rPr lang="zh-CN" altLang="en-US" dirty="0"/>
+              <a:t>中如何定义一个字符串变量？与 </a:t>
+            </a:r>
+            <a:r>
+              <a:rPr lang="en-US" altLang="zh-CN" dirty="0"/>
+              <a:t>C </a:t>
+            </a:r>
+            <a:r>
+              <a:rPr lang="zh-CN" altLang="en-US" dirty="0"/>
+              <a:t>中的字符数组有什么区别</a:t>
+            </a:r>
+            <a:r>
+              <a:rPr lang="zh-CN" altLang="en-US" dirty="0" smtClean="0"/>
+              <a:t>？</a:t>
+            </a:r>
+            <a:endParaRPr lang="en-US" altLang="zh-CN" dirty="0" smtClean="0"/>
+          </a:p>
+          <a:p>
+            <a:r>
+              <a:rPr lang="zh-CN" altLang="en-US" dirty="0"/>
+              <a:t>解释什么是 全局变量 和 局部变量。它们在内存中存储的位置有什么区别？</a:t>
+            </a:r>
+          </a:p>
+          <a:p>
+            <a:r>
+              <a:rPr lang="zh-CN" altLang="en-US" dirty="0"/>
+              <a:t>什么是 静态变量，它与普通的局部变量有什么不同？</a:t>
+            </a:r>
           </a:p>
         </p:txBody>
       </p:sp>
     </p:spTree>
     <p:extLst>
       <p:ext uri="{BB962C8B-B14F-4D97-AF65-F5344CB8AC3E}">
-        <p14:creationId xmlns:p14="http://schemas.microsoft.com/office/powerpoint/2010/main" val="2453226186"/>
+        <p14:creationId xmlns:p14="http://schemas.microsoft.com/office/powerpoint/2010/main" val="1194947922"/>
       </p:ext>
     </p:extLst>
   </p:cSld>
@@ -12285,16 +12580,33 @@
           <a:lstStyle/>
           <a:p>
             <a:r>
-              <a:rPr lang="en-US" altLang="zh-CN" b="1" dirty="0" smtClean="0"/>
-              <a:t>3.1 </a:t>
-            </a:r>
-            <a:r>
-              <a:rPr lang="zh-CN" altLang="zh-CN" b="1" dirty="0"/>
-              <a:t>运算符</a:t>
-            </a:r>
-            <a:br>
-              <a:rPr lang="zh-CN" altLang="zh-CN" b="1" dirty="0"/>
-            </a:br>
+              <a:rPr lang="zh-CN" altLang="en-US" b="1" dirty="0" smtClean="0">
+                <a:latin typeface="华文楷体" pitchFamily="2" charset="-122"/>
+                <a:ea typeface="华文楷体" pitchFamily="2" charset="-122"/>
+              </a:rPr>
+              <a:t>第</a:t>
+            </a:r>
+            <a:r>
+              <a:rPr lang="en-US" altLang="zh-CN" b="1" dirty="0" smtClean="0">
+                <a:latin typeface="华文楷体" pitchFamily="2" charset="-122"/>
+                <a:ea typeface="华文楷体" pitchFamily="2" charset="-122"/>
+              </a:rPr>
+              <a:t>3</a:t>
+            </a:r>
+            <a:r>
+              <a:rPr lang="zh-CN" altLang="en-US" b="1" dirty="0" smtClean="0">
+                <a:latin typeface="华文楷体" pitchFamily="2" charset="-122"/>
+                <a:ea typeface="华文楷体" pitchFamily="2" charset="-122"/>
+              </a:rPr>
+              <a:t>章 运算符</a:t>
+            </a:r>
+            <a:r>
+              <a:rPr lang="zh-CN" altLang="en-US" b="1" dirty="0">
+                <a:latin typeface="华文楷体" pitchFamily="2" charset="-122"/>
+                <a:ea typeface="华文楷体" pitchFamily="2" charset="-122"/>
+              </a:rPr>
+              <a:t>、控制语句与输入输出</a:t>
+            </a:r>
             <a:endParaRPr lang="zh-CN" altLang="en-US" dirty="0"/>
           </a:p>
         </p:txBody>
@@ -12316,57 +12628,84 @@
           <a:p>
             <a:r>
               <a:rPr lang="zh-CN" altLang="en-US" dirty="0"/>
-              <a:t>算术运算</a:t>
-            </a:r>
-            <a:r>
-              <a:rPr lang="zh-CN" altLang="en-US" dirty="0" smtClean="0"/>
-              <a:t>符</a:t>
-            </a:r>
-            <a:endParaRPr lang="en-US" altLang="zh-CN" dirty="0" smtClean="0"/>
-          </a:p>
-          <a:p>
-            <a:r>
-              <a:rPr lang="zh-CN" altLang="en-US" dirty="0"/>
-              <a:t>关系</a:t>
-            </a:r>
-            <a:r>
-              <a:rPr lang="zh-CN" altLang="en-US" dirty="0" smtClean="0"/>
-              <a:t>运算符</a:t>
-            </a:r>
-            <a:endParaRPr lang="en-US" altLang="zh-CN" dirty="0" smtClean="0"/>
-          </a:p>
-          <a:p>
-            <a:r>
-              <a:rPr lang="zh-CN" altLang="en-US" dirty="0"/>
-              <a:t>逻辑运算</a:t>
-            </a:r>
-            <a:r>
-              <a:rPr lang="zh-CN" altLang="en-US" dirty="0" smtClean="0"/>
-              <a:t>符</a:t>
-            </a:r>
-            <a:endParaRPr lang="en-US" altLang="zh-CN" dirty="0" smtClean="0"/>
-          </a:p>
-          <a:p>
-            <a:r>
-              <a:rPr lang="zh-CN" altLang="en-US" dirty="0"/>
-              <a:t>位</a:t>
-            </a:r>
-            <a:r>
-              <a:rPr lang="zh-CN" altLang="en-US" dirty="0" smtClean="0"/>
-              <a:t>运算符</a:t>
-            </a:r>
-            <a:endParaRPr lang="en-US" altLang="zh-CN" dirty="0" smtClean="0"/>
-          </a:p>
-          <a:p>
-            <a:r>
-              <a:rPr lang="zh-CN" altLang="en-US" dirty="0"/>
-              <a:t>赋值</a:t>
-            </a:r>
-            <a:r>
-              <a:rPr lang="zh-CN" altLang="en-US" dirty="0" smtClean="0"/>
-              <a:t>运算符</a:t>
-            </a:r>
-            <a:endParaRPr lang="en-US" altLang="zh-CN" dirty="0" smtClean="0"/>
+              <a:t>运算符：算术运算符、关系运算符、逻辑运算符、位运算符、赋值运算符。</a:t>
+            </a:r>
+          </a:p>
+          <a:p>
+            <a:r>
+              <a:rPr lang="zh-CN" altLang="en-US" dirty="0"/>
+              <a:t>控制语句：条件语句（</a:t>
+            </a:r>
+            <a:r>
+              <a:rPr lang="en-US" altLang="zh-CN" dirty="0"/>
+              <a:t>if</a:t>
+            </a:r>
+            <a:r>
+              <a:rPr lang="zh-CN" altLang="en-US" dirty="0"/>
+              <a:t>、</a:t>
+            </a:r>
+            <a:r>
+              <a:rPr lang="en-US" altLang="zh-CN" dirty="0"/>
+              <a:t>else</a:t>
+            </a:r>
+            <a:r>
+              <a:rPr lang="zh-CN" altLang="en-US" dirty="0"/>
+              <a:t>、</a:t>
+            </a:r>
+            <a:r>
+              <a:rPr lang="en-US" altLang="zh-CN" dirty="0"/>
+              <a:t>switch</a:t>
+            </a:r>
+            <a:r>
+              <a:rPr lang="zh-CN" altLang="en-US" dirty="0"/>
+              <a:t>）、循环语句（</a:t>
+            </a:r>
+            <a:r>
+              <a:rPr lang="en-US" altLang="zh-CN" dirty="0"/>
+              <a:t>for</a:t>
+            </a:r>
+            <a:r>
+              <a:rPr lang="zh-CN" altLang="en-US" dirty="0"/>
+              <a:t>、</a:t>
+            </a:r>
+            <a:r>
+              <a:rPr lang="en-US" altLang="zh-CN" dirty="0"/>
+              <a:t>while</a:t>
+            </a:r>
+            <a:r>
+              <a:rPr lang="zh-CN" altLang="en-US" dirty="0"/>
+              <a:t>、</a:t>
+            </a:r>
+            <a:r>
+              <a:rPr lang="en-US" altLang="zh-CN" dirty="0"/>
+              <a:t>do-while</a:t>
+            </a:r>
+            <a:r>
+              <a:rPr lang="zh-CN" altLang="en-US" dirty="0"/>
+              <a:t>）。</a:t>
+            </a:r>
+          </a:p>
+          <a:p>
+            <a:r>
+              <a:rPr lang="zh-CN" altLang="en-US" dirty="0"/>
+              <a:t>输入与输出：使用</a:t>
+            </a:r>
+            <a:r>
+              <a:rPr lang="en-US" altLang="zh-CN" dirty="0" err="1"/>
+              <a:t>cin</a:t>
+            </a:r>
+            <a:r>
+              <a:rPr lang="zh-CN" altLang="en-US" dirty="0"/>
+              <a:t>和</a:t>
+            </a:r>
+            <a:r>
+              <a:rPr lang="en-US" altLang="zh-CN" dirty="0" err="1"/>
+              <a:t>cout</a:t>
+            </a:r>
+            <a:r>
+              <a:rPr lang="zh-CN" altLang="en-US" dirty="0"/>
+              <a:t>进行数据输入输出。</a:t>
+            </a:r>
           </a:p>
           <a:p>
             <a:endParaRPr lang="zh-CN" altLang="en-US" dirty="0"/>
@@ -12376,7 +12715,7 @@
     </p:spTree>
     <p:extLst>
       <p:ext uri="{BB962C8B-B14F-4D97-AF65-F5344CB8AC3E}">
-        <p14:creationId xmlns:p14="http://schemas.microsoft.com/office/powerpoint/2010/main" val="1108715177"/>
+        <p14:creationId xmlns:p14="http://schemas.microsoft.com/office/powerpoint/2010/main" val="2453226186"/>
       </p:ext>
     </p:extLst>
   </p:cSld>
@@ -12427,11 +12766,11 @@
           <a:p>
             <a:r>
               <a:rPr lang="en-US" altLang="zh-CN" b="1" dirty="0" smtClean="0"/>
-              <a:t>3.2 </a:t>
+              <a:t>3.1 </a:t>
             </a:r>
             <a:r>
               <a:rPr lang="zh-CN" altLang="zh-CN" b="1" dirty="0"/>
-              <a:t>控制语句</a:t>
+              <a:t>运算符</a:t>
             </a:r>
             <a:br>
               <a:rPr lang="zh-CN" altLang="zh-CN" b="1" dirty="0"/>
@@ -12457,22 +12796,55 @@
           <a:p>
             <a:r>
               <a:rPr lang="zh-CN" altLang="en-US" dirty="0"/>
-              <a:t>条件</a:t>
+              <a:t>算术运算</a:t>
             </a:r>
             <a:r>
               <a:rPr lang="zh-CN" altLang="en-US" dirty="0" smtClean="0"/>
-              <a:t>语句</a:t>
+              <a:t>符</a:t>
             </a:r>
             <a:endParaRPr lang="en-US" altLang="zh-CN" dirty="0" smtClean="0"/>
           </a:p>
           <a:p>
             <a:r>
               <a:rPr lang="zh-CN" altLang="en-US" dirty="0"/>
-              <a:t>循环</a:t>
+              <a:t>关系</a:t>
             </a:r>
             <a:r>
               <a:rPr lang="zh-CN" altLang="en-US" dirty="0" smtClean="0"/>
-              <a:t>语句</a:t>
+              <a:t>运算符</a:t>
+            </a:r>
+            <a:endParaRPr lang="en-US" altLang="zh-CN" dirty="0" smtClean="0"/>
+          </a:p>
+          <a:p>
+            <a:r>
+              <a:rPr lang="zh-CN" altLang="en-US" dirty="0"/>
+              <a:t>逻辑运算</a:t>
+            </a:r>
+            <a:r>
+              <a:rPr lang="zh-CN" altLang="en-US" dirty="0" smtClean="0"/>
+              <a:t>符</a:t>
+            </a:r>
+            <a:endParaRPr lang="en-US" altLang="zh-CN" dirty="0" smtClean="0"/>
+          </a:p>
+          <a:p>
+            <a:r>
+              <a:rPr lang="zh-CN" altLang="en-US" dirty="0"/>
+              <a:t>位</a:t>
+            </a:r>
+            <a:r>
+              <a:rPr lang="zh-CN" altLang="en-US" dirty="0" smtClean="0"/>
+              <a:t>运算符</a:t>
+            </a:r>
+            <a:endParaRPr lang="en-US" altLang="zh-CN" dirty="0" smtClean="0"/>
+          </a:p>
+          <a:p>
+            <a:r>
+              <a:rPr lang="zh-CN" altLang="en-US" dirty="0"/>
+              <a:t>赋值</a:t>
+            </a:r>
+            <a:r>
+              <a:rPr lang="zh-CN" altLang="en-US" dirty="0" smtClean="0"/>
+              <a:t>运算符</a:t>
             </a:r>
             <a:endParaRPr lang="en-US" altLang="zh-CN" dirty="0" smtClean="0"/>
           </a:p>
@@ -12484,7 +12856,7 @@
     </p:spTree>
     <p:extLst>
       <p:ext uri="{BB962C8B-B14F-4D97-AF65-F5344CB8AC3E}">
-        <p14:creationId xmlns:p14="http://schemas.microsoft.com/office/powerpoint/2010/main" val="883460551"/>
+        <p14:creationId xmlns:p14="http://schemas.microsoft.com/office/powerpoint/2010/main" val="1108715177"/>
       </p:ext>
     </p:extLst>
   </p:cSld>
@@ -12730,11 +13102,11 @@
           <a:p>
             <a:r>
               <a:rPr lang="en-US" altLang="zh-CN" b="1" dirty="0" smtClean="0"/>
-              <a:t>3.3 </a:t>
+              <a:t>3.2 </a:t>
             </a:r>
             <a:r>
               <a:rPr lang="zh-CN" altLang="zh-CN" b="1" dirty="0"/>
-              <a:t>输入与输出</a:t>
+              <a:t>控制语句</a:t>
             </a:r>
             <a:br>
               <a:rPr lang="zh-CN" altLang="zh-CN" b="1" dirty="0"/>
@@ -12760,53 +13132,34 @@
           <a:p>
             <a:r>
               <a:rPr lang="zh-CN" altLang="en-US" dirty="0"/>
-              <a:t>使用 </a:t>
-            </a:r>
-            <a:r>
-              <a:rPr lang="en-US" altLang="zh-CN" dirty="0" err="1"/>
-              <a:t>cin</a:t>
-            </a:r>
-            <a:r>
-              <a:rPr lang="en-US" altLang="zh-CN" dirty="0"/>
-              <a:t> </a:t>
+              <a:t>条件</a:t>
             </a:r>
             <a:r>
               <a:rPr lang="zh-CN" altLang="en-US" dirty="0" smtClean="0"/>
-              <a:t>输入数据</a:t>
+              <a:t>语句</a:t>
             </a:r>
             <a:endParaRPr lang="en-US" altLang="zh-CN" dirty="0" smtClean="0"/>
           </a:p>
           <a:p>
             <a:r>
               <a:rPr lang="zh-CN" altLang="en-US" dirty="0"/>
-              <a:t>使用 </a:t>
-            </a:r>
-            <a:r>
-              <a:rPr lang="en-US" altLang="zh-CN" dirty="0" err="1"/>
-              <a:t>cout</a:t>
-            </a:r>
-            <a:r>
-              <a:rPr lang="en-US" altLang="zh-CN" dirty="0"/>
-              <a:t> </a:t>
+              <a:t>循环</a:t>
             </a:r>
             <a:r>
               <a:rPr lang="zh-CN" altLang="en-US" dirty="0" smtClean="0"/>
-              <a:t>输出数据</a:t>
+              <a:t>语句</a:t>
             </a:r>
             <a:endParaRPr lang="en-US" altLang="zh-CN" dirty="0" smtClean="0"/>
           </a:p>
           <a:p>
-            <a:r>
-              <a:rPr lang="zh-CN" altLang="en-US" dirty="0"/>
-              <a:t>使用格式化输出</a:t>
-            </a:r>
+            <a:endParaRPr lang="zh-CN" altLang="en-US" dirty="0"/>
           </a:p>
         </p:txBody>
       </p:sp>
     </p:spTree>
     <p:extLst>
       <p:ext uri="{BB962C8B-B14F-4D97-AF65-F5344CB8AC3E}">
-        <p14:creationId xmlns:p14="http://schemas.microsoft.com/office/powerpoint/2010/main" val="2406778273"/>
+        <p14:creationId xmlns:p14="http://schemas.microsoft.com/office/powerpoint/2010/main" val="883460551"/>
       </p:ext>
     </p:extLst>
   </p:cSld>
@@ -12856,13 +13209,16 @@
           <a:lstStyle/>
           <a:p>
             <a:r>
-              <a:rPr lang="en-US" altLang="zh-CN" dirty="0" smtClean="0"/>
-              <a:t>3.4 </a:t>
+              <a:rPr lang="en-US" altLang="zh-CN" b="1" dirty="0" smtClean="0"/>
+              <a:t>3.3 </a:t>
             </a:r>
             <a:r>
               <a:rPr lang="zh-CN" altLang="zh-CN" b="1" dirty="0"/>
-              <a:t>课后练习</a:t>
-            </a:r>
+              <a:t>输入与输出</a:t>
+            </a:r>
+            <a:br>
+              <a:rPr lang="zh-CN" altLang="zh-CN" b="1" dirty="0"/>
+            </a:br>
             <a:endParaRPr lang="zh-CN" altLang="en-US" dirty="0"/>
           </a:p>
         </p:txBody>
@@ -12884,57 +13240,45 @@
           <a:p>
             <a:r>
               <a:rPr lang="zh-CN" altLang="en-US" dirty="0"/>
-              <a:t>编写一个程序，接收两个整数输入，输出它们的和、差、积和商。</a:t>
-            </a:r>
-          </a:p>
-          <a:p>
-            <a:r>
-              <a:rPr lang="zh-CN" altLang="en-US" dirty="0"/>
-              <a:t>编写一个程序，判断输入的整数是正数、负数还是零。</a:t>
-            </a:r>
-          </a:p>
-          <a:p>
-            <a:r>
-              <a:rPr lang="zh-CN" altLang="en-US" dirty="0"/>
-              <a:t>编写一个程序，输出从</a:t>
-            </a:r>
-            <a:r>
-              <a:rPr lang="en-US" altLang="zh-CN" dirty="0"/>
-              <a:t>1</a:t>
-            </a:r>
-            <a:r>
-              <a:rPr lang="zh-CN" altLang="en-US" dirty="0"/>
-              <a:t>到</a:t>
-            </a:r>
-            <a:r>
-              <a:rPr lang="en-US" altLang="zh-CN" dirty="0"/>
-              <a:t>100</a:t>
-            </a:r>
-            <a:r>
-              <a:rPr lang="zh-CN" altLang="en-US" dirty="0"/>
-              <a:t>的所有奇数。</a:t>
-            </a:r>
-          </a:p>
-          <a:p>
-            <a:r>
-              <a:rPr lang="zh-CN" altLang="en-US" dirty="0"/>
               <a:t>使用 </a:t>
             </a:r>
             <a:r>
-              <a:rPr lang="en-US" altLang="zh-CN" dirty="0"/>
-              <a:t>switch </a:t>
-            </a:r>
-            <a:r>
-              <a:rPr lang="zh-CN" altLang="en-US" dirty="0"/>
-              <a:t>语句编写一个程序，根据输入的星期数字（</a:t>
-            </a:r>
-            <a:r>
-              <a:rPr lang="en-US" altLang="zh-CN" dirty="0"/>
-              <a:t>1-7</a:t>
-            </a:r>
-            <a:r>
-              <a:rPr lang="zh-CN" altLang="en-US" dirty="0"/>
-              <a:t>）输出对应的星期名称</a:t>
+              <a:rPr lang="en-US" altLang="zh-CN" dirty="0" err="1"/>
+              <a:t>cin</a:t>
+            </a:r>
+            <a:r>
+              <a:rPr lang="en-US" altLang="zh-CN" dirty="0"/>
+              <a:t> </a:t>
+            </a:r>
+            <a:r>
+              <a:rPr lang="zh-CN" altLang="en-US" dirty="0" smtClean="0"/>
+              <a:t>输入数据</a:t>
+            </a:r>
+            <a:endParaRPr lang="en-US" altLang="zh-CN" dirty="0" smtClean="0"/>
+          </a:p>
+          <a:p>
+            <a:r>
+              <a:rPr lang="zh-CN" altLang="en-US" dirty="0"/>
+              <a:t>使用 </a:t>
+            </a:r>
+            <a:r>
+              <a:rPr lang="en-US" altLang="zh-CN" dirty="0" err="1"/>
+              <a:t>cout</a:t>
+            </a:r>
+            <a:r>
+              <a:rPr lang="en-US" altLang="zh-CN" dirty="0"/>
+              <a:t> </a:t>
+            </a:r>
+            <a:r>
+              <a:rPr lang="zh-CN" altLang="en-US" dirty="0" smtClean="0"/>
+              <a:t>输出数据</a:t>
+            </a:r>
+            <a:endParaRPr lang="en-US" altLang="zh-CN" dirty="0" smtClean="0"/>
+          </a:p>
+          <a:p>
+            <a:r>
+              <a:rPr lang="zh-CN" altLang="en-US" dirty="0"/>
+              <a:t>使用格式化输出</a:t>
             </a:r>
           </a:p>
         </p:txBody>
@@ -12942,7 +13286,7 @@
     </p:spTree>
     <p:extLst>
       <p:ext uri="{BB962C8B-B14F-4D97-AF65-F5344CB8AC3E}">
-        <p14:creationId xmlns:p14="http://schemas.microsoft.com/office/powerpoint/2010/main" val="1980070636"/>
+        <p14:creationId xmlns:p14="http://schemas.microsoft.com/office/powerpoint/2010/main" val="2406778273"/>
       </p:ext>
     </p:extLst>
   </p:cSld>
@@ -12992,32 +13336,12 @@
           <a:lstStyle/>
           <a:p>
             <a:r>
-              <a:rPr lang="zh-CN" altLang="en-US" b="1" dirty="0" smtClean="0">
-                <a:latin typeface="华文楷体" pitchFamily="2" charset="-122"/>
-                <a:ea typeface="华文楷体" pitchFamily="2" charset="-122"/>
-              </a:rPr>
-              <a:t>第</a:t>
-            </a:r>
-            <a:r>
-              <a:rPr lang="en-US" altLang="zh-CN" b="1" dirty="0" smtClean="0">
-                <a:latin typeface="华文楷体" pitchFamily="2" charset="-122"/>
-                <a:ea typeface="华文楷体" pitchFamily="2" charset="-122"/>
-              </a:rPr>
-              <a:t>4</a:t>
-            </a:r>
-            <a:r>
-              <a:rPr lang="zh-CN" altLang="en-US" b="1" dirty="0" smtClean="0">
-                <a:latin typeface="华文楷体" pitchFamily="2" charset="-122"/>
-                <a:ea typeface="华文楷体" pitchFamily="2" charset="-122"/>
-              </a:rPr>
-              <a:t>章</a:t>
-            </a:r>
-            <a:r>
-              <a:rPr lang="zh-CN" altLang="en-US" b="1" dirty="0">
-                <a:latin typeface="华文楷体" pitchFamily="2" charset="-122"/>
-                <a:ea typeface="华文楷体" pitchFamily="2" charset="-122"/>
-              </a:rPr>
-              <a:t>函数与数组</a:t>
+              <a:rPr lang="en-US" altLang="zh-CN" dirty="0" smtClean="0"/>
+              <a:t>3.4 </a:t>
+            </a:r>
+            <a:r>
+              <a:rPr lang="zh-CN" altLang="zh-CN" b="1" dirty="0"/>
+              <a:t>课后练习</a:t>
             </a:r>
             <a:endParaRPr lang="zh-CN" altLang="en-US" dirty="0"/>
           </a:p>
@@ -13040,19 +13364,57 @@
           <a:p>
             <a:r>
               <a:rPr lang="zh-CN" altLang="en-US" dirty="0"/>
-              <a:t>函数定义与调用：参数传递（值传递、引用传递）、返回值。</a:t>
-            </a:r>
-          </a:p>
-          <a:p>
-            <a:r>
-              <a:rPr lang="zh-CN" altLang="en-US" dirty="0"/>
-              <a:t>函数重载与递归：函数重载规则、递归函数的使用与优化。</a:t>
-            </a:r>
-          </a:p>
-          <a:p>
-            <a:r>
-              <a:rPr lang="zh-CN" altLang="en-US" dirty="0"/>
-              <a:t>数组：一维数组、二维数组的定义与使用，数组与指针的关系。</a:t>
+              <a:t>编写一个程序，接收两个整数输入，输出它们的和、差、积和商。</a:t>
+            </a:r>
+          </a:p>
+          <a:p>
+            <a:r>
+              <a:rPr lang="zh-CN" altLang="en-US" dirty="0"/>
+              <a:t>编写一个程序，判断输入的整数是正数、负数还是零。</a:t>
+            </a:r>
+          </a:p>
+          <a:p>
+            <a:r>
+              <a:rPr lang="zh-CN" altLang="en-US" dirty="0"/>
+              <a:t>编写一个程序，输出从</a:t>
+            </a:r>
+            <a:r>
+              <a:rPr lang="en-US" altLang="zh-CN" dirty="0"/>
+              <a:t>1</a:t>
+            </a:r>
+            <a:r>
+              <a:rPr lang="zh-CN" altLang="en-US" dirty="0"/>
+              <a:t>到</a:t>
+            </a:r>
+            <a:r>
+              <a:rPr lang="en-US" altLang="zh-CN" dirty="0"/>
+              <a:t>100</a:t>
+            </a:r>
+            <a:r>
+              <a:rPr lang="zh-CN" altLang="en-US" dirty="0"/>
+              <a:t>的所有奇数。</a:t>
+            </a:r>
+          </a:p>
+          <a:p>
+            <a:r>
+              <a:rPr lang="zh-CN" altLang="en-US" dirty="0"/>
+              <a:t>使用 </a:t>
+            </a:r>
+            <a:r>
+              <a:rPr lang="en-US" altLang="zh-CN" dirty="0"/>
+              <a:t>switch </a:t>
+            </a:r>
+            <a:r>
+              <a:rPr lang="zh-CN" altLang="en-US" dirty="0"/>
+              <a:t>语句编写一个程序，根据输入的星期数字（</a:t>
+            </a:r>
+            <a:r>
+              <a:rPr lang="en-US" altLang="zh-CN" dirty="0"/>
+              <a:t>1-7</a:t>
+            </a:r>
+            <a:r>
+              <a:rPr lang="zh-CN" altLang="en-US" dirty="0"/>
+              <a:t>）输出对应的星期名称</a:t>
             </a:r>
           </a:p>
         </p:txBody>
@@ -13060,7 +13422,7 @@
     </p:spTree>
     <p:extLst>
       <p:ext uri="{BB962C8B-B14F-4D97-AF65-F5344CB8AC3E}">
-        <p14:creationId xmlns:p14="http://schemas.microsoft.com/office/powerpoint/2010/main" val="3528018120"/>
+        <p14:creationId xmlns:p14="http://schemas.microsoft.com/office/powerpoint/2010/main" val="1980070636"/>
       </p:ext>
     </p:extLst>
   </p:cSld>
@@ -13121,7 +13483,7 @@
                 <a:latin typeface="华文楷体" pitchFamily="2" charset="-122"/>
                 <a:ea typeface="华文楷体" pitchFamily="2" charset="-122"/>
               </a:rPr>
-              <a:t>5</a:t>
+              <a:t>4</a:t>
             </a:r>
             <a:r>
               <a:rPr lang="zh-CN" altLang="en-US" b="1" dirty="0" smtClean="0">
@@ -13135,21 +13497,7 @@
                 <a:latin typeface="华文楷体" pitchFamily="2" charset="-122"/>
                 <a:ea typeface="华文楷体" pitchFamily="2" charset="-122"/>
               </a:rPr>
-              <a:t>面向对象编程（</a:t>
-            </a:r>
-            <a:r>
-              <a:rPr lang="en-US" altLang="zh-CN" b="1" dirty="0">
-                <a:latin typeface="华文楷体" pitchFamily="2" charset="-122"/>
-                <a:ea typeface="华文楷体" pitchFamily="2" charset="-122"/>
-              </a:rPr>
-              <a:t>OOP</a:t>
-            </a:r>
-            <a:r>
-              <a:rPr lang="zh-CN" altLang="en-US" b="1" dirty="0">
-                <a:latin typeface="华文楷体" pitchFamily="2" charset="-122"/>
-                <a:ea typeface="华文楷体" pitchFamily="2" charset="-122"/>
-              </a:rPr>
-              <a:t>）基础</a:t>
+              <a:t>函数与数组</a:t>
             </a:r>
             <a:endParaRPr lang="zh-CN" altLang="en-US" dirty="0"/>
           </a:p>
@@ -13172,49 +13520,19 @@
           <a:p>
             <a:r>
               <a:rPr lang="zh-CN" altLang="en-US" dirty="0"/>
-              <a:t>类与对象：定义类、创建对象、构造函数与析构函数。</a:t>
-            </a:r>
-          </a:p>
-          <a:p>
-            <a:r>
-              <a:rPr lang="zh-CN" altLang="en-US" dirty="0"/>
-              <a:t>封装：访问控制修饰符（</a:t>
-            </a:r>
-            <a:r>
-              <a:rPr lang="en-US" altLang="zh-CN" dirty="0"/>
-              <a:t>public</a:t>
-            </a:r>
-            <a:r>
-              <a:rPr lang="zh-CN" altLang="en-US" dirty="0"/>
-              <a:t>、</a:t>
-            </a:r>
-            <a:r>
-              <a:rPr lang="en-US" altLang="zh-CN" dirty="0"/>
-              <a:t>private</a:t>
-            </a:r>
-            <a:r>
-              <a:rPr lang="zh-CN" altLang="en-US" dirty="0"/>
-              <a:t>、</a:t>
-            </a:r>
-            <a:r>
-              <a:rPr lang="en-US" altLang="zh-CN" dirty="0"/>
-              <a:t>protected</a:t>
-            </a:r>
-            <a:r>
-              <a:rPr lang="zh-CN" altLang="en-US" dirty="0"/>
-              <a:t>）。</a:t>
-            </a:r>
-          </a:p>
-          <a:p>
-            <a:r>
-              <a:rPr lang="zh-CN" altLang="en-US" dirty="0"/>
-              <a:t>继承：继承的概念、基类与派生类、多重继承。</a:t>
-            </a:r>
-          </a:p>
-          <a:p>
-            <a:r>
-              <a:rPr lang="zh-CN" altLang="en-US" dirty="0"/>
-              <a:t>多态：虚函数、纯虚函数、虚函数的重写、运行时多态。</a:t>
+              <a:t>函数定义与调用：参数传递（值传递、引用传递）、返回值。</a:t>
+            </a:r>
+          </a:p>
+          <a:p>
+            <a:r>
+              <a:rPr lang="zh-CN" altLang="en-US" dirty="0"/>
+              <a:t>函数重载与递归：函数重载规则、递归函数的使用与优化。</a:t>
+            </a:r>
+          </a:p>
+          <a:p>
+            <a:r>
+              <a:rPr lang="zh-CN" altLang="en-US" dirty="0"/>
+              <a:t>数组：一维数组、二维数组的定义与使用，数组与指针的关系。</a:t>
             </a:r>
           </a:p>
         </p:txBody>
@@ -13222,7 +13540,7 @@
     </p:spTree>
     <p:extLst>
       <p:ext uri="{BB962C8B-B14F-4D97-AF65-F5344CB8AC3E}">
-        <p14:creationId xmlns:p14="http://schemas.microsoft.com/office/powerpoint/2010/main" val="2413468171"/>
+        <p14:creationId xmlns:p14="http://schemas.microsoft.com/office/powerpoint/2010/main" val="3528018120"/>
       </p:ext>
     </p:extLst>
   </p:cSld>
@@ -13272,13 +13590,48 @@
           <a:lstStyle/>
           <a:p>
             <a:r>
-              <a:rPr lang="en-US" altLang="zh-CN" b="1" dirty="0" smtClean="0"/>
-              <a:t>5.1 </a:t>
-            </a:r>
-            <a:r>
-              <a:rPr lang="zh-CN" altLang="en-US" b="1" dirty="0"/>
-              <a:t>为什么使用面向对象</a:t>
-            </a:r>
+              <a:rPr lang="zh-CN" altLang="en-US" b="1" dirty="0" smtClean="0">
+                <a:latin typeface="华文楷体" pitchFamily="2" charset="-122"/>
+                <a:ea typeface="华文楷体" pitchFamily="2" charset="-122"/>
+              </a:rPr>
+              <a:t>第</a:t>
+            </a:r>
+            <a:r>
+              <a:rPr lang="en-US" altLang="zh-CN" b="1" dirty="0" smtClean="0">
+                <a:latin typeface="华文楷体" pitchFamily="2" charset="-122"/>
+                <a:ea typeface="华文楷体" pitchFamily="2" charset="-122"/>
+              </a:rPr>
+              <a:t>5</a:t>
+            </a:r>
+            <a:r>
+              <a:rPr lang="zh-CN" altLang="en-US" b="1" dirty="0" smtClean="0">
+                <a:latin typeface="华文楷体" pitchFamily="2" charset="-122"/>
+                <a:ea typeface="华文楷体" pitchFamily="2" charset="-122"/>
+              </a:rPr>
+              <a:t>章</a:t>
+            </a:r>
+            <a:r>
+              <a:rPr lang="zh-CN" altLang="en-US" b="1" dirty="0">
+                <a:latin typeface="华文楷体" pitchFamily="2" charset="-122"/>
+                <a:ea typeface="华文楷体" pitchFamily="2" charset="-122"/>
+              </a:rPr>
+              <a:t>面向对象编程（</a:t>
+            </a:r>
+            <a:r>
+              <a:rPr lang="en-US" altLang="zh-CN" b="1" dirty="0">
+                <a:latin typeface="华文楷体" pitchFamily="2" charset="-122"/>
+                <a:ea typeface="华文楷体" pitchFamily="2" charset="-122"/>
+              </a:rPr>
+              <a:t>OOP</a:t>
+            </a:r>
+            <a:r>
+              <a:rPr lang="zh-CN" altLang="en-US" b="1" dirty="0">
+                <a:latin typeface="华文楷体" pitchFamily="2" charset="-122"/>
+                <a:ea typeface="华文楷体" pitchFamily="2" charset="-122"/>
+              </a:rPr>
+              <a:t>）基础</a:t>
+            </a:r>
+            <a:endParaRPr lang="zh-CN" altLang="en-US" dirty="0"/>
           </a:p>
         </p:txBody>
       </p:sp>
@@ -13299,72 +13652,49 @@
           <a:p>
             <a:r>
               <a:rPr lang="zh-CN" altLang="en-US" dirty="0"/>
-              <a:t>面向对象编程（</a:t>
-            </a:r>
-            <a:r>
-              <a:rPr lang="en-US" altLang="zh-CN" dirty="0"/>
-              <a:t>OOP</a:t>
-            </a:r>
-            <a:r>
-              <a:rPr lang="zh-CN" altLang="en-US" dirty="0"/>
-              <a:t>）是软件开发中的一种编程范式，它与传统的过程化编程（如</a:t>
-            </a:r>
-            <a:r>
-              <a:rPr lang="en-US" altLang="zh-CN" dirty="0"/>
-              <a:t>C</a:t>
-            </a:r>
-            <a:r>
-              <a:rPr lang="zh-CN" altLang="en-US" dirty="0"/>
-              <a:t>语言）相比，提供了更高的灵活性和可维护性。通过将数据和操作数据的方法封装在一起，</a:t>
-            </a:r>
-            <a:r>
-              <a:rPr lang="en-US" altLang="zh-CN" dirty="0"/>
-              <a:t>OOP</a:t>
-            </a:r>
-            <a:r>
-              <a:rPr lang="zh-CN" altLang="en-US" dirty="0"/>
-              <a:t>可以使代码更加模块化、可扩展和易于维护</a:t>
-            </a:r>
-            <a:r>
-              <a:rPr lang="zh-CN" altLang="en-US" dirty="0" smtClean="0"/>
-              <a:t>。</a:t>
-            </a:r>
-            <a:endParaRPr lang="en-US" altLang="zh-CN" dirty="0" smtClean="0"/>
-          </a:p>
-          <a:p>
-            <a:r>
-              <a:rPr lang="zh-CN" altLang="en-US" dirty="0"/>
-              <a:t>面向对象的</a:t>
-            </a:r>
-            <a:r>
-              <a:rPr lang="zh-CN" altLang="en-US" dirty="0" smtClean="0"/>
-              <a:t>优势</a:t>
-            </a:r>
-            <a:endParaRPr lang="en-US" altLang="zh-CN" dirty="0" smtClean="0"/>
-          </a:p>
-          <a:p>
-            <a:r>
-              <a:rPr lang="zh-CN" altLang="en-US" dirty="0"/>
-              <a:t>与 </a:t>
-            </a:r>
-            <a:r>
-              <a:rPr lang="en-US" altLang="zh-CN" dirty="0"/>
-              <a:t>C </a:t>
-            </a:r>
-            <a:r>
-              <a:rPr lang="zh-CN" altLang="en-US" dirty="0"/>
-              <a:t>语言的</a:t>
-            </a:r>
-            <a:r>
-              <a:rPr lang="zh-CN" altLang="en-US" dirty="0" smtClean="0"/>
-              <a:t>区别</a:t>
-            </a:r>
-            <a:endParaRPr lang="en-US" altLang="zh-CN" dirty="0" smtClean="0"/>
-          </a:p>
-          <a:p>
-            <a:r>
-              <a:rPr lang="zh-CN" altLang="en-US" dirty="0"/>
-              <a:t>为什么选择面向对象编程</a:t>
+              <a:t>类与对象：定义类、创建对象、构造函数与析构函数。</a:t>
+            </a:r>
+          </a:p>
+          <a:p>
+            <a:r>
+              <a:rPr lang="zh-CN" altLang="en-US" dirty="0"/>
+              <a:t>封装：访问控制修饰符（</a:t>
+            </a:r>
+            <a:r>
+              <a:rPr lang="en-US" altLang="zh-CN" dirty="0"/>
+              <a:t>public</a:t>
+            </a:r>
+            <a:r>
+              <a:rPr lang="zh-CN" altLang="en-US" dirty="0"/>
+              <a:t>、</a:t>
+            </a:r>
+            <a:r>
+              <a:rPr lang="en-US" altLang="zh-CN" dirty="0"/>
+              <a:t>private</a:t>
+            </a:r>
+            <a:r>
+              <a:rPr lang="zh-CN" altLang="en-US" dirty="0"/>
+              <a:t>、</a:t>
+            </a:r>
+            <a:r>
+              <a:rPr lang="en-US" altLang="zh-CN" dirty="0"/>
+              <a:t>protected</a:t>
+            </a:r>
+            <a:r>
+              <a:rPr lang="zh-CN" altLang="en-US" dirty="0"/>
+              <a:t>）。</a:t>
+            </a:r>
+          </a:p>
+          <a:p>
+            <a:r>
+              <a:rPr lang="zh-CN" altLang="en-US" dirty="0"/>
+              <a:t>继承：继承的概念、基类与派生类、多重继承。</a:t>
+            </a:r>
+          </a:p>
+          <a:p>
+            <a:r>
+              <a:rPr lang="zh-CN" altLang="en-US" dirty="0"/>
+              <a:t>多态：虚函数、纯虚函数、虚函数的重写、运行时多态。</a:t>
             </a:r>
           </a:p>
         </p:txBody>
@@ -13372,13 +13702,20 @@
     </p:spTree>
     <p:extLst>
       <p:ext uri="{BB962C8B-B14F-4D97-AF65-F5344CB8AC3E}">
-        <p14:creationId xmlns:p14="http://schemas.microsoft.com/office/powerpoint/2010/main" val="329754630"/>
+        <p14:creationId xmlns:p14="http://schemas.microsoft.com/office/powerpoint/2010/main" val="2413468171"/>
       </p:ext>
     </p:extLst>
   </p:cSld>
   <p:clrMapOvr>
     <a:masterClrMapping/>
   </p:clrMapOvr>
+  <p:timing>
+    <p:tnLst>
+      <p:par>
+        <p:cTn id="1" dur="indefinite" restart="never" nodeType="tmRoot"/>
+      </p:par>
+    </p:tnLst>
+  </p:timing>
 </p:sld>
 </file>
 
@@ -13415,17 +13752,13 @@
           <a:lstStyle/>
           <a:p>
             <a:r>
+              <a:rPr lang="en-US" altLang="zh-CN" b="1" dirty="0" smtClean="0"/>
+              <a:t>5.1 </a:t>
+            </a:r>
+            <a:r>
               <a:rPr lang="zh-CN" altLang="en-US" b="1" dirty="0"/>
-              <a:t>面向对象的优势</a:t>
-            </a:r>
-            <a:r>
-              <a:rPr lang="en-US" altLang="zh-CN" dirty="0"/>
-              <a:t/>
-            </a:r>
-            <a:br>
-              <a:rPr lang="en-US" altLang="zh-CN" dirty="0"/>
-            </a:br>
-            <a:endParaRPr lang="zh-CN" altLang="en-US" dirty="0"/>
+              <a:t>为什么使用面向对象</a:t>
+            </a:r>
           </a:p>
         </p:txBody>
       </p:sp>
@@ -13446,7 +13779,7 @@
           <a:p>
             <a:r>
               <a:rPr lang="zh-CN" altLang="en-US" dirty="0"/>
-              <a:t>封装：</a:t>
+              <a:t>面向对象编程（</a:t>
             </a:r>
             <a:r>
               <a:rPr lang="en-US" altLang="zh-CN" dirty="0"/>
@@ -13454,25 +13787,15 @@
             </a:r>
             <a:r>
               <a:rPr lang="zh-CN" altLang="en-US" dirty="0"/>
-              <a:t>鼓励将数据与数据操作封装在一起，减少数据访问的复杂性。通过封装，类的实现细节可以隐藏，外部代码只需关注接口而非实现。</a:t>
-            </a:r>
-          </a:p>
-          <a:p>
-            <a:r>
-              <a:rPr lang="zh-CN" altLang="en-US" dirty="0"/>
-              <a:t>继承：继承允许类继承另一个类的属性和方法，减少代码的重复，增强代码的重用性。</a:t>
-            </a:r>
-          </a:p>
-          <a:p>
-            <a:r>
-              <a:rPr lang="zh-CN" altLang="en-US" dirty="0"/>
-              <a:t>多态：多态使得同一操作可以在不同类型的对象上表现出不同的行为，提高了代码的灵活性。</a:t>
-            </a:r>
-          </a:p>
-          <a:p>
-            <a:r>
-              <a:rPr lang="zh-CN" altLang="en-US" dirty="0"/>
-              <a:t>模块化与可维护性：</a:t>
+              <a:t>）是软件开发中的一种编程范式，它与传统的过程化编程（如</a:t>
+            </a:r>
+            <a:r>
+              <a:rPr lang="en-US" altLang="zh-CN" dirty="0"/>
+              <a:t>C</a:t>
+            </a:r>
+            <a:r>
+              <a:rPr lang="zh-CN" altLang="en-US" dirty="0"/>
+              <a:t>语言）相比，提供了更高的灵活性和可维护性。通过将数据和操作数据的方法封装在一起，</a:t>
             </a:r>
             <a:r>
               <a:rPr lang="en-US" altLang="zh-CN" dirty="0"/>
@@ -13480,7 +13803,48 @@
             </a:r>
             <a:r>
               <a:rPr lang="zh-CN" altLang="en-US" dirty="0"/>
-              <a:t>允许将一个大程序拆分成多个小模块，每个模块负责自己独立的功能，增强了代码的可维护性和扩展性。</a:t>
+              <a:t>可以使代码更加模块化、可扩展和易于维护</a:t>
+            </a:r>
+            <a:r>
+              <a:rPr lang="zh-CN" altLang="en-US" dirty="0" smtClean="0"/>
+              <a:t>。</a:t>
+            </a:r>
+            <a:endParaRPr lang="en-US" altLang="zh-CN" dirty="0" smtClean="0"/>
+          </a:p>
+          <a:p>
+            <a:r>
+              <a:rPr lang="zh-CN" altLang="en-US" dirty="0"/>
+              <a:t>面向对象的</a:t>
+            </a:r>
+            <a:r>
+              <a:rPr lang="zh-CN" altLang="en-US" dirty="0" smtClean="0"/>
+              <a:t>优势</a:t>
+            </a:r>
+            <a:endParaRPr lang="en-US" altLang="zh-CN" dirty="0" smtClean="0"/>
+          </a:p>
+          <a:p>
+            <a:r>
+              <a:rPr lang="zh-CN" altLang="en-US" dirty="0"/>
+              <a:t>与 </a:t>
+            </a:r>
+            <a:r>
+              <a:rPr lang="en-US" altLang="zh-CN" dirty="0"/>
+              <a:t>C </a:t>
+            </a:r>
+            <a:r>
+              <a:rPr lang="zh-CN" altLang="en-US" dirty="0"/>
+              <a:t>语言的</a:t>
+            </a:r>
+            <a:r>
+              <a:rPr lang="zh-CN" altLang="en-US" dirty="0" smtClean="0"/>
+              <a:t>区别</a:t>
+            </a:r>
+            <a:endParaRPr lang="en-US" altLang="zh-CN" dirty="0" smtClean="0"/>
+          </a:p>
+          <a:p>
+            <a:r>
+              <a:rPr lang="zh-CN" altLang="en-US" dirty="0"/>
+              <a:t>为什么选择面向对象编程</a:t>
             </a:r>
           </a:p>
         </p:txBody>
@@ -13488,7 +13852,7 @@
     </p:spTree>
     <p:extLst>
       <p:ext uri="{BB962C8B-B14F-4D97-AF65-F5344CB8AC3E}">
-        <p14:creationId xmlns:p14="http://schemas.microsoft.com/office/powerpoint/2010/main" val="1941399030"/>
+        <p14:creationId xmlns:p14="http://schemas.microsoft.com/office/powerpoint/2010/main" val="329754630"/>
       </p:ext>
     </p:extLst>
   </p:cSld>
@@ -13532,6 +13896,122 @@
           <a:p>
             <a:r>
               <a:rPr lang="zh-CN" altLang="en-US" b="1" dirty="0"/>
+              <a:t>面向对象的优势</a:t>
+            </a:r>
+            <a:r>
+              <a:rPr lang="en-US" altLang="zh-CN" dirty="0"/>
+              <a:t/>
+            </a:r>
+            <a:br>
+              <a:rPr lang="en-US" altLang="zh-CN" dirty="0"/>
+            </a:br>
+            <a:endParaRPr lang="zh-CN" altLang="en-US" dirty="0"/>
+          </a:p>
+        </p:txBody>
+      </p:sp>
+      <p:sp>
+        <p:nvSpPr>
+          <p:cNvPr id="3" name="内容占位符 2"/>
+          <p:cNvSpPr>
+            <a:spLocks noGrp="1"/>
+          </p:cNvSpPr>
+          <p:nvPr>
+            <p:ph idx="1"/>
+          </p:nvPr>
+        </p:nvSpPr>
+        <p:spPr/>
+        <p:txBody>
+          <a:bodyPr/>
+          <a:lstStyle/>
+          <a:p>
+            <a:r>
+              <a:rPr lang="zh-CN" altLang="en-US" dirty="0"/>
+              <a:t>封装：</a:t>
+            </a:r>
+            <a:r>
+              <a:rPr lang="en-US" altLang="zh-CN" dirty="0"/>
+              <a:t>OOP</a:t>
+            </a:r>
+            <a:r>
+              <a:rPr lang="zh-CN" altLang="en-US" dirty="0"/>
+              <a:t>鼓励将数据与数据操作封装在一起，减少数据访问的复杂性。通过封装，类的实现细节可以隐藏，外部代码只需关注接口而非实现。</a:t>
+            </a:r>
+          </a:p>
+          <a:p>
+            <a:r>
+              <a:rPr lang="zh-CN" altLang="en-US" dirty="0"/>
+              <a:t>继承：继承允许类继承另一个类的属性和方法，减少代码的重复，增强代码的重用性。</a:t>
+            </a:r>
+          </a:p>
+          <a:p>
+            <a:r>
+              <a:rPr lang="zh-CN" altLang="en-US" dirty="0"/>
+              <a:t>多态：多态使得同一操作可以在不同类型的对象上表现出不同的行为，提高了代码的灵活性。</a:t>
+            </a:r>
+          </a:p>
+          <a:p>
+            <a:r>
+              <a:rPr lang="zh-CN" altLang="en-US" dirty="0"/>
+              <a:t>模块化与可维护性：</a:t>
+            </a:r>
+            <a:r>
+              <a:rPr lang="en-US" altLang="zh-CN" dirty="0"/>
+              <a:t>OOP</a:t>
+            </a:r>
+            <a:r>
+              <a:rPr lang="zh-CN" altLang="en-US" dirty="0"/>
+              <a:t>允许将一个大程序拆分成多个小模块，每个模块负责自己独立的功能，增强了代码的可维护性和扩展性。</a:t>
+            </a:r>
+          </a:p>
+        </p:txBody>
+      </p:sp>
+    </p:spTree>
+    <p:extLst>
+      <p:ext uri="{BB962C8B-B14F-4D97-AF65-F5344CB8AC3E}">
+        <p14:creationId xmlns:p14="http://schemas.microsoft.com/office/powerpoint/2010/main" val="1941399030"/>
+      </p:ext>
+    </p:extLst>
+  </p:cSld>
+  <p:clrMapOvr>
+    <a:masterClrMapping/>
+  </p:clrMapOvr>
+</p:sld>
+</file>
+
+<file path=ppt/slides/slide37.xml><?xml version="1.0" encoding="utf-8"?>
+<p:sld xmlns:a="http://schemas.openxmlformats.org/drawingml/2006/main" xmlns:r="http://schemas.openxmlformats.org/officeDocument/2006/relationships" xmlns:p="http://schemas.openxmlformats.org/presentationml/2006/main">
+  <p:cSld>
+    <p:spTree>
+      <p:nvGrpSpPr>
+        <p:cNvPr id="1" name=""/>
+        <p:cNvGrpSpPr/>
+        <p:nvPr/>
+      </p:nvGrpSpPr>
+      <p:grpSpPr>
+        <a:xfrm>
+          <a:off x="0" y="0"/>
+          <a:ext cx="0" cy="0"/>
+          <a:chOff x="0" y="0"/>
+          <a:chExt cx="0" cy="0"/>
+        </a:xfrm>
+      </p:grpSpPr>
+      <p:sp>
+        <p:nvSpPr>
+          <p:cNvPr id="2" name="标题 1"/>
+          <p:cNvSpPr>
+            <a:spLocks noGrp="1"/>
+          </p:cNvSpPr>
+          <p:nvPr>
+            <p:ph type="title"/>
+          </p:nvPr>
+        </p:nvSpPr>
+        <p:spPr/>
+        <p:txBody>
+          <a:bodyPr/>
+          <a:lstStyle/>
+          <a:p>
+            <a:r>
+              <a:rPr lang="zh-CN" altLang="en-US" b="1" dirty="0"/>
               <a:t>与 </a:t>
             </a:r>
             <a:r>
@@ -13609,7 +14089,7 @@
 </p:sld>
 </file>
 
-<file path=ppt/slides/slide37.xml><?xml version="1.0" encoding="utf-8"?>
+<file path=ppt/slides/slide38.xml><?xml version="1.0" encoding="utf-8"?>
 <p:sld xmlns:a="http://schemas.openxmlformats.org/drawingml/2006/main" xmlns:r="http://schemas.openxmlformats.org/officeDocument/2006/relationships" xmlns:p="http://schemas.openxmlformats.org/presentationml/2006/main">
   <p:cSld>
     <p:spTree>
@@ -14036,176 +14516,6 @@
 </p:sld>
 </file>
 
-<file path=ppt/slides/slide38.xml><?xml version="1.0" encoding="utf-8"?>
-<p:sld xmlns:a="http://schemas.openxmlformats.org/drawingml/2006/main" xmlns:r="http://schemas.openxmlformats.org/officeDocument/2006/relationships" xmlns:p="http://schemas.openxmlformats.org/presentationml/2006/main">
-  <p:cSld>
-    <p:spTree>
-      <p:nvGrpSpPr>
-        <p:cNvPr id="1" name=""/>
-        <p:cNvGrpSpPr/>
-        <p:nvPr/>
-      </p:nvGrpSpPr>
-      <p:grpSpPr>
-        <a:xfrm>
-          <a:off x="0" y="0"/>
-          <a:ext cx="0" cy="0"/>
-          <a:chOff x="0" y="0"/>
-          <a:chExt cx="0" cy="0"/>
-        </a:xfrm>
-      </p:grpSpPr>
-      <p:sp>
-        <p:nvSpPr>
-          <p:cNvPr id="2" name="标题 1"/>
-          <p:cNvSpPr>
-            <a:spLocks noGrp="1"/>
-          </p:cNvSpPr>
-          <p:nvPr>
-            <p:ph type="title"/>
-          </p:nvPr>
-        </p:nvSpPr>
-        <p:spPr/>
-        <p:txBody>
-          <a:bodyPr/>
-          <a:lstStyle/>
-          <a:p>
-            <a:r>
-              <a:rPr lang="en-US" altLang="zh-CN" dirty="0" smtClean="0"/>
-              <a:t>5.2 </a:t>
-            </a:r>
-            <a:r>
-              <a:rPr lang="zh-CN" altLang="en-US" dirty="0"/>
-              <a:t>类与对象</a:t>
-            </a:r>
-          </a:p>
-        </p:txBody>
-      </p:sp>
-      <p:sp>
-        <p:nvSpPr>
-          <p:cNvPr id="3" name="内容占位符 2"/>
-          <p:cNvSpPr>
-            <a:spLocks noGrp="1"/>
-          </p:cNvSpPr>
-          <p:nvPr>
-            <p:ph idx="1"/>
-          </p:nvPr>
-        </p:nvSpPr>
-        <p:spPr/>
-        <p:txBody>
-          <a:bodyPr/>
-          <a:lstStyle/>
-          <a:p>
-            <a:r>
-              <a:rPr lang="zh-CN" altLang="en-US" dirty="0"/>
-              <a:t>定义</a:t>
-            </a:r>
-            <a:r>
-              <a:rPr lang="zh-CN" altLang="en-US" dirty="0" smtClean="0"/>
-              <a:t>类</a:t>
-            </a:r>
-            <a:endParaRPr lang="en-US" altLang="zh-CN" dirty="0" smtClean="0"/>
-          </a:p>
-          <a:p>
-            <a:pPr marL="0" indent="0">
-              <a:buNone/>
-            </a:pPr>
-            <a:r>
-              <a:rPr lang="en-US" altLang="zh-CN" dirty="0"/>
-              <a:t>	</a:t>
-            </a:r>
-            <a:r>
-              <a:rPr lang="zh-CN" altLang="en-US" dirty="0"/>
-              <a:t>类是面向对象编程中的核心概念，它描述了一个对象的属性和行为。类定义包括</a:t>
-            </a:r>
-            <a:r>
-              <a:rPr lang="zh-CN" altLang="en-US" dirty="0" smtClean="0"/>
-              <a:t>成</a:t>
-            </a:r>
-            <a:r>
-              <a:rPr lang="en-US" altLang="zh-CN" dirty="0" smtClean="0"/>
-              <a:t>	</a:t>
-            </a:r>
-            <a:r>
-              <a:rPr lang="zh-CN" altLang="en-US" dirty="0" smtClean="0"/>
-              <a:t>员</a:t>
-            </a:r>
-            <a:r>
-              <a:rPr lang="zh-CN" altLang="en-US" dirty="0"/>
-              <a:t>变量（属性）和成员函数（行为）。类的实例化称为对象。</a:t>
-            </a:r>
-            <a:endParaRPr lang="en-US" altLang="zh-CN" dirty="0" smtClean="0"/>
-          </a:p>
-          <a:p>
-            <a:r>
-              <a:rPr lang="zh-CN" altLang="en-US" dirty="0"/>
-              <a:t>构造函数与</a:t>
-            </a:r>
-            <a:r>
-              <a:rPr lang="zh-CN" altLang="en-US" dirty="0" smtClean="0"/>
-              <a:t>析构函数</a:t>
-            </a:r>
-            <a:endParaRPr lang="en-US" altLang="zh-CN" dirty="0" smtClean="0"/>
-          </a:p>
-          <a:p>
-            <a:pPr marL="0" indent="0">
-              <a:buNone/>
-            </a:pPr>
-            <a:r>
-              <a:rPr lang="en-US" altLang="zh-CN" dirty="0"/>
-              <a:t>	</a:t>
-            </a:r>
-            <a:r>
-              <a:rPr lang="zh-CN" altLang="en-US" dirty="0"/>
-              <a:t>构造函数用于初始化对象的成员变量。析构函数用于在对象销毁时进行资源清理</a:t>
-            </a:r>
-            <a:r>
-              <a:rPr lang="zh-CN" altLang="en-US" dirty="0" smtClean="0"/>
-              <a:t>。</a:t>
-            </a:r>
-            <a:r>
-              <a:rPr lang="en-US" altLang="zh-CN" dirty="0" smtClean="0"/>
-              <a:t>	</a:t>
-            </a:r>
-            <a:r>
-              <a:rPr lang="zh-CN" altLang="en-US" dirty="0" smtClean="0"/>
-              <a:t>构造</a:t>
-            </a:r>
-            <a:r>
-              <a:rPr lang="zh-CN" altLang="en-US" dirty="0"/>
-              <a:t>函数和析构函数的名称与类名相同，但构造函数没有返回类型，析构函数以 </a:t>
-            </a:r>
-            <a:r>
-              <a:rPr lang="en-US" altLang="zh-CN" dirty="0"/>
-              <a:t>~ </a:t>
-            </a:r>
-            <a:r>
-              <a:rPr lang="en-US" altLang="zh-CN" dirty="0" smtClean="0"/>
-              <a:t>	</a:t>
-            </a:r>
-            <a:r>
-              <a:rPr lang="zh-CN" altLang="en-US" dirty="0" smtClean="0"/>
-              <a:t>开头</a:t>
-            </a:r>
-            <a:r>
-              <a:rPr lang="zh-CN" altLang="en-US" dirty="0"/>
-              <a:t>。</a:t>
-            </a:r>
-            <a:endParaRPr lang="en-US" altLang="zh-CN" dirty="0" smtClean="0"/>
-          </a:p>
-        </p:txBody>
-      </p:sp>
-    </p:spTree>
-    <p:extLst>
-      <p:ext uri="{BB962C8B-B14F-4D97-AF65-F5344CB8AC3E}">
-        <p14:creationId xmlns:p14="http://schemas.microsoft.com/office/powerpoint/2010/main" val="3147529873"/>
-      </p:ext>
-    </p:extLst>
-  </p:cSld>
-  <p:clrMapOvr>
-    <a:masterClrMapping/>
-  </p:clrMapOvr>
-</p:sld>
-</file>
-
 <file path=ppt/slides/slide39.xml><?xml version="1.0" encoding="utf-8"?>
 <p:sld xmlns:a="http://schemas.openxmlformats.org/drawingml/2006/main" xmlns:r="http://schemas.openxmlformats.org/officeDocument/2006/relationships" xmlns:p="http://schemas.openxmlformats.org/presentationml/2006/main">
   <p:cSld>
@@ -14244,7 +14554,7 @@
             </a:r>
             <a:r>
               <a:rPr lang="zh-CN" altLang="en-US" dirty="0"/>
-              <a:t>封装</a:t>
+              <a:t>类与对象</a:t>
             </a:r>
           </a:p>
         </p:txBody>
@@ -14266,83 +14576,107 @@
           <a:p>
             <a:r>
               <a:rPr lang="zh-CN" altLang="en-US" dirty="0"/>
-              <a:t>封装是面向对象编程的四大基本特性之一。封装通过访问控制修饰符（</a:t>
-            </a:r>
-            <a:r>
-              <a:rPr lang="en-US" altLang="zh-CN" dirty="0"/>
-              <a:t>public</a:t>
-            </a:r>
-            <a:r>
-              <a:rPr lang="zh-CN" altLang="en-US" dirty="0"/>
-              <a:t>、</a:t>
-            </a:r>
-            <a:r>
-              <a:rPr lang="en-US" altLang="zh-CN" dirty="0"/>
-              <a:t>private</a:t>
-            </a:r>
-            <a:r>
-              <a:rPr lang="zh-CN" altLang="en-US" dirty="0"/>
-              <a:t>、</a:t>
-            </a:r>
-            <a:r>
-              <a:rPr lang="en-US" altLang="zh-CN" dirty="0"/>
-              <a:t>protected</a:t>
-            </a:r>
-            <a:r>
-              <a:rPr lang="zh-CN" altLang="en-US" dirty="0"/>
-              <a:t>）来控制类成员的访问权限</a:t>
+              <a:t>定义</a:t>
+            </a:r>
+            <a:r>
+              <a:rPr lang="zh-CN" altLang="en-US" dirty="0" smtClean="0"/>
+              <a:t>类</a:t>
+            </a:r>
+            <a:endParaRPr lang="en-US" altLang="zh-CN" dirty="0" smtClean="0"/>
+          </a:p>
+          <a:p>
+            <a:pPr marL="0" indent="0">
+              <a:buNone/>
+            </a:pPr>
+            <a:r>
+              <a:rPr lang="en-US" altLang="zh-CN" dirty="0"/>
+              <a:t>	</a:t>
+            </a:r>
+            <a:r>
+              <a:rPr lang="zh-CN" altLang="en-US" dirty="0"/>
+              <a:t>类是面向对象编程中的核心概念，它描述了一个对象的属性和行为。类定义包括</a:t>
+            </a:r>
+            <a:r>
+              <a:rPr lang="zh-CN" altLang="en-US" dirty="0" smtClean="0"/>
+              <a:t>成</a:t>
+            </a:r>
+            <a:r>
+              <a:rPr lang="en-US" altLang="zh-CN" dirty="0" smtClean="0"/>
+              <a:t>	</a:t>
+            </a:r>
+            <a:r>
+              <a:rPr lang="zh-CN" altLang="en-US" dirty="0" smtClean="0"/>
+              <a:t>员</a:t>
+            </a:r>
+            <a:r>
+              <a:rPr lang="zh-CN" altLang="en-US" dirty="0"/>
+              <a:t>变量（属性）和成员函数（行为）。类的实例化称为对象。</a:t>
+            </a:r>
+            <a:endParaRPr lang="en-US" altLang="zh-CN" dirty="0" smtClean="0"/>
+          </a:p>
+          <a:p>
+            <a:r>
+              <a:rPr lang="zh-CN" altLang="en-US" dirty="0"/>
+              <a:t>构造函数与</a:t>
+            </a:r>
+            <a:r>
+              <a:rPr lang="zh-CN" altLang="en-US" dirty="0" smtClean="0"/>
+              <a:t>析构函数</a:t>
+            </a:r>
+            <a:endParaRPr lang="en-US" altLang="zh-CN" dirty="0" smtClean="0"/>
+          </a:p>
+          <a:p>
+            <a:pPr marL="0" indent="0">
+              <a:buNone/>
+            </a:pPr>
+            <a:r>
+              <a:rPr lang="en-US" altLang="zh-CN" dirty="0"/>
+              <a:t>	</a:t>
+            </a:r>
+            <a:r>
+              <a:rPr lang="zh-CN" altLang="en-US" dirty="0"/>
+              <a:t>构造函数用于初始化对象的成员变量。析构函数用于在对象销毁时进行资源清理</a:t>
             </a:r>
             <a:r>
               <a:rPr lang="zh-CN" altLang="en-US" dirty="0" smtClean="0"/>
               <a:t>。</a:t>
             </a:r>
+            <a:r>
+              <a:rPr lang="en-US" altLang="zh-CN" dirty="0" smtClean="0"/>
+              <a:t>	</a:t>
+            </a:r>
+            <a:r>
+              <a:rPr lang="zh-CN" altLang="en-US" dirty="0" smtClean="0"/>
+              <a:t>构造</a:t>
+            </a:r>
+            <a:r>
+              <a:rPr lang="zh-CN" altLang="en-US" dirty="0"/>
+              <a:t>函数和析构函数的名称与类名相同，但构造函数没有返回类型，析构函数以 </a:t>
+            </a:r>
+            <a:r>
+              <a:rPr lang="en-US" altLang="zh-CN" dirty="0"/>
+              <a:t>~ </a:t>
+            </a:r>
+            <a:r>
+              <a:rPr lang="en-US" altLang="zh-CN" dirty="0" smtClean="0"/>
+              <a:t>	</a:t>
+            </a:r>
+            <a:r>
+              <a:rPr lang="zh-CN" altLang="en-US" dirty="0" smtClean="0"/>
+              <a:t>开头</a:t>
+            </a:r>
+            <a:r>
+              <a:rPr lang="zh-CN" altLang="en-US" dirty="0"/>
+              <a:t>。</a:t>
+            </a:r>
             <a:endParaRPr lang="en-US" altLang="zh-CN" dirty="0" smtClean="0"/>
-          </a:p>
-          <a:p>
-            <a:r>
-              <a:rPr lang="zh-CN" altLang="en-US" dirty="0"/>
-              <a:t>访问控制修饰符</a:t>
-            </a:r>
-          </a:p>
-          <a:p>
-            <a:pPr lvl="1"/>
-            <a:r>
-              <a:rPr lang="en-US" altLang="zh-CN" dirty="0"/>
-              <a:t>public</a:t>
-            </a:r>
-            <a:r>
-              <a:rPr lang="zh-CN" altLang="en-US" dirty="0"/>
-              <a:t>：公开的成员，外部代码可以访问。</a:t>
-            </a:r>
-          </a:p>
-          <a:p>
-            <a:pPr lvl="1"/>
-            <a:r>
-              <a:rPr lang="en-US" altLang="zh-CN" dirty="0"/>
-              <a:t>private</a:t>
-            </a:r>
-            <a:r>
-              <a:rPr lang="zh-CN" altLang="en-US" dirty="0"/>
-              <a:t>：私有的成员，只能在类的内部访问。</a:t>
-            </a:r>
-          </a:p>
-          <a:p>
-            <a:pPr lvl="1"/>
-            <a:r>
-              <a:rPr lang="en-US" altLang="zh-CN" dirty="0"/>
-              <a:t>protected</a:t>
-            </a:r>
-            <a:r>
-              <a:rPr lang="zh-CN" altLang="en-US" dirty="0"/>
-              <a:t>：保护的成员，子类可以访问，但外部代码不能访问。</a:t>
-            </a:r>
           </a:p>
         </p:txBody>
       </p:sp>
     </p:spTree>
     <p:extLst>
       <p:ext uri="{BB962C8B-B14F-4D97-AF65-F5344CB8AC3E}">
-        <p14:creationId xmlns:p14="http://schemas.microsoft.com/office/powerpoint/2010/main" val="3887602630"/>
+        <p14:creationId xmlns:p14="http://schemas.microsoft.com/office/powerpoint/2010/main" val="3147529873"/>
       </p:ext>
     </p:extLst>
   </p:cSld>
@@ -14533,11 +14867,11 @@
           <a:p>
             <a:r>
               <a:rPr lang="en-US" altLang="zh-CN" dirty="0" smtClean="0"/>
-              <a:t>5.3 </a:t>
-            </a:r>
-            <a:r>
-              <a:rPr lang="zh-CN" altLang="en-US" dirty="0"/>
-              <a:t>继承</a:t>
+              <a:t>5.2 </a:t>
+            </a:r>
+            <a:r>
+              <a:rPr lang="zh-CN" altLang="en-US" dirty="0"/>
+              <a:t>封装</a:t>
             </a:r>
           </a:p>
         </p:txBody>
@@ -14559,7 +14893,31 @@
           <a:p>
             <a:r>
               <a:rPr lang="zh-CN" altLang="en-US" dirty="0"/>
-              <a:t>通过继承，我们可以创建一个新的类（派生类），它可以继承已有类（基类）的成员变量和成员函数</a:t>
+              <a:t>封装是面向对象编程的四大基本特性之一。封装通过访问控制修饰符（</a:t>
+            </a:r>
+            <a:r>
+              <a:rPr lang="en-US" altLang="zh-CN" dirty="0"/>
+              <a:t>public</a:t>
+            </a:r>
+            <a:r>
+              <a:rPr lang="zh-CN" altLang="en-US" dirty="0"/>
+              <a:t>、</a:t>
+            </a:r>
+            <a:r>
+              <a:rPr lang="en-US" altLang="zh-CN" dirty="0"/>
+              <a:t>private</a:t>
+            </a:r>
+            <a:r>
+              <a:rPr lang="zh-CN" altLang="en-US" dirty="0"/>
+              <a:t>、</a:t>
+            </a:r>
+            <a:r>
+              <a:rPr lang="en-US" altLang="zh-CN" dirty="0"/>
+              <a:t>protected</a:t>
+            </a:r>
+            <a:r>
+              <a:rPr lang="zh-CN" altLang="en-US" dirty="0"/>
+              <a:t>）来控制类成员的访问权限</a:t>
             </a:r>
             <a:r>
               <a:rPr lang="zh-CN" altLang="en-US" dirty="0" smtClean="0"/>
@@ -14570,70 +14928,48 @@
           <a:p>
             <a:r>
               <a:rPr lang="zh-CN" altLang="en-US" dirty="0"/>
-              <a:t>继承的</a:t>
-            </a:r>
-            <a:r>
-              <a:rPr lang="zh-CN" altLang="en-US" dirty="0" smtClean="0"/>
-              <a:t>概念</a:t>
-            </a:r>
-            <a:endParaRPr lang="en-US" altLang="zh-CN" dirty="0" smtClean="0"/>
-          </a:p>
-          <a:p>
-            <a:pPr marL="457200" lvl="1" indent="0">
-              <a:buNone/>
-            </a:pPr>
-            <a:r>
-              <a:rPr lang="zh-CN" altLang="en-US" dirty="0"/>
-              <a:t>基类和派生类的关系：</a:t>
-            </a:r>
-            <a:r>
-              <a:rPr lang="en-US" altLang="zh-CN" dirty="0"/>
-              <a:t>	</a:t>
-            </a:r>
-            <a:endParaRPr lang="zh-CN" altLang="en-US" dirty="0"/>
+              <a:t>访问控制修饰符</a:t>
+            </a:r>
           </a:p>
           <a:p>
             <a:pPr lvl="1"/>
             <a:r>
-              <a:rPr lang="zh-CN" altLang="en-US" dirty="0"/>
-              <a:t>基类是被继承的类。</a:t>
+              <a:rPr lang="en-US" altLang="zh-CN" dirty="0"/>
+              <a:t>public</a:t>
+            </a:r>
+            <a:r>
+              <a:rPr lang="zh-CN" altLang="en-US" dirty="0"/>
+              <a:t>：公开的成员，外部代码可以访问。</a:t>
             </a:r>
           </a:p>
           <a:p>
             <a:pPr lvl="1"/>
             <a:r>
-              <a:rPr lang="zh-CN" altLang="en-US" dirty="0"/>
-              <a:t>派生类是从基类派生出来的类，可以继承基类的属性和行为。</a:t>
-            </a:r>
-          </a:p>
-          <a:p>
-            <a:r>
-              <a:rPr lang="zh-CN" altLang="en-US" dirty="0" smtClean="0"/>
-              <a:t>基</a:t>
-            </a:r>
-            <a:r>
-              <a:rPr lang="zh-CN" altLang="en-US" dirty="0"/>
-              <a:t>类与派生</a:t>
-            </a:r>
-            <a:r>
-              <a:rPr lang="zh-CN" altLang="en-US" dirty="0" smtClean="0"/>
-              <a:t>类</a:t>
-            </a:r>
-            <a:endParaRPr lang="en-US" altLang="zh-CN" dirty="0" smtClean="0"/>
-          </a:p>
-          <a:p>
-            <a:r>
-              <a:rPr lang="zh-CN" altLang="en-US" dirty="0"/>
-              <a:t>多重继承</a:t>
-            </a:r>
-            <a:endParaRPr lang="en-US" altLang="zh-CN" dirty="0" smtClean="0"/>
+              <a:rPr lang="en-US" altLang="zh-CN" dirty="0"/>
+              <a:t>private</a:t>
+            </a:r>
+            <a:r>
+              <a:rPr lang="zh-CN" altLang="en-US" dirty="0"/>
+              <a:t>：私有的成员，只能在类的内部访问。</a:t>
+            </a:r>
+          </a:p>
+          <a:p>
+            <a:pPr lvl="1"/>
+            <a:r>
+              <a:rPr lang="en-US" altLang="zh-CN" dirty="0"/>
+              <a:t>protected</a:t>
+            </a:r>
+            <a:r>
+              <a:rPr lang="zh-CN" altLang="en-US" dirty="0"/>
+              <a:t>：保护的成员，子类可以访问，但外部代码不能访问。</a:t>
+            </a:r>
           </a:p>
         </p:txBody>
       </p:sp>
     </p:spTree>
     <p:extLst>
       <p:ext uri="{BB962C8B-B14F-4D97-AF65-F5344CB8AC3E}">
-        <p14:creationId xmlns:p14="http://schemas.microsoft.com/office/powerpoint/2010/main" val="3152470496"/>
+        <p14:creationId xmlns:p14="http://schemas.microsoft.com/office/powerpoint/2010/main" val="3887602630"/>
       </p:ext>
     </p:extLst>
   </p:cSld>
@@ -14677,11 +15013,11 @@
           <a:p>
             <a:r>
               <a:rPr lang="en-US" altLang="zh-CN" dirty="0" smtClean="0"/>
-              <a:t>5.4 </a:t>
-            </a:r>
-            <a:r>
-              <a:rPr lang="zh-CN" altLang="en-US" dirty="0"/>
-              <a:t>多态</a:t>
+              <a:t>5.3 </a:t>
+            </a:r>
+            <a:r>
+              <a:rPr lang="zh-CN" altLang="en-US" dirty="0"/>
+              <a:t>继承</a:t>
             </a:r>
           </a:p>
         </p:txBody>
@@ -14703,15 +15039,7 @@
           <a:p>
             <a:r>
               <a:rPr lang="zh-CN" altLang="en-US" dirty="0"/>
-              <a:t>多态是指通过相同的接口调用不同的函数，实现不同的行为。多态有两种类型：编译时多态</a:t>
-            </a:r>
-            <a:r>
-              <a:rPr lang="zh-CN" altLang="en-US" dirty="0" smtClean="0"/>
-              <a:t>和运行</a:t>
-            </a:r>
-            <a:r>
-              <a:rPr lang="zh-CN" altLang="en-US" dirty="0"/>
-              <a:t>时多态</a:t>
+              <a:t>通过继承，我们可以创建一个新的类（派生类），它可以继承已有类（基类）的成员变量和成员函数</a:t>
             </a:r>
             <a:r>
               <a:rPr lang="zh-CN" altLang="en-US" dirty="0" smtClean="0"/>
@@ -14722,111 +15050,70 @@
           <a:p>
             <a:r>
               <a:rPr lang="zh-CN" altLang="en-US" dirty="0"/>
-              <a:t>虚</a:t>
+              <a:t>继承的</a:t>
             </a:r>
             <a:r>
               <a:rPr lang="zh-CN" altLang="en-US" dirty="0" smtClean="0"/>
-              <a:t>函数</a:t>
+              <a:t>概念</a:t>
             </a:r>
             <a:endParaRPr lang="en-US" altLang="zh-CN" dirty="0" smtClean="0"/>
           </a:p>
           <a:p>
-            <a:pPr marL="0" indent="0">
+            <a:pPr marL="457200" lvl="1" indent="0">
               <a:buNone/>
             </a:pPr>
             <a:r>
+              <a:rPr lang="zh-CN" altLang="en-US" dirty="0"/>
+              <a:t>基类和派生类的关系：</a:t>
+            </a:r>
+            <a:r>
               <a:rPr lang="en-US" altLang="zh-CN" dirty="0"/>
               <a:t>	</a:t>
             </a:r>
-            <a:r>
-              <a:rPr lang="zh-CN" altLang="en-US" dirty="0"/>
-              <a:t>虚函数允许我们在基类中声明函数，在派生类中重写该函数，以便实现动态绑定。</a:t>
-            </a:r>
-            <a:endParaRPr lang="en-US" altLang="zh-CN" dirty="0"/>
+            <a:endParaRPr lang="zh-CN" altLang="en-US" dirty="0"/>
+          </a:p>
+          <a:p>
+            <a:pPr lvl="1"/>
+            <a:r>
+              <a:rPr lang="zh-CN" altLang="en-US" dirty="0"/>
+              <a:t>基类是被继承的类。</a:t>
+            </a:r>
+          </a:p>
+          <a:p>
+            <a:pPr lvl="1"/>
+            <a:r>
+              <a:rPr lang="zh-CN" altLang="en-US" dirty="0"/>
+              <a:t>派生类是从基类派生出来的类，可以继承基类的属性和行为。</a:t>
+            </a:r>
           </a:p>
           <a:p>
             <a:r>
               <a:rPr lang="zh-CN" altLang="en-US" dirty="0" smtClean="0"/>
-              <a:t>纯</a:t>
-            </a:r>
-            <a:r>
-              <a:rPr lang="zh-CN" altLang="en-US" dirty="0"/>
-              <a:t>虚</a:t>
+              <a:t>基</a:t>
+            </a:r>
+            <a:r>
+              <a:rPr lang="zh-CN" altLang="en-US" dirty="0"/>
+              <a:t>类与派生</a:t>
             </a:r>
             <a:r>
               <a:rPr lang="zh-CN" altLang="en-US" dirty="0" smtClean="0"/>
-              <a:t>函数</a:t>
+              <a:t>类</a:t>
             </a:r>
             <a:endParaRPr lang="en-US" altLang="zh-CN" dirty="0" smtClean="0"/>
           </a:p>
           <a:p>
-            <a:pPr marL="0" indent="0">
-              <a:buNone/>
-            </a:pPr>
-            <a:r>
-              <a:rPr lang="en-US" altLang="zh-CN" dirty="0"/>
-              <a:t>	</a:t>
-            </a:r>
-            <a:r>
-              <a:rPr lang="zh-CN" altLang="en-US" dirty="0"/>
-              <a:t>纯虚函数是没有函数体的虚函数，必须在派生类中实现它。含有纯虚函数的类被称</a:t>
-            </a:r>
-            <a:r>
-              <a:rPr lang="en-US" altLang="zh-CN" dirty="0"/>
-              <a:t>	</a:t>
-            </a:r>
-            <a:r>
-              <a:rPr lang="zh-CN" altLang="en-US" dirty="0"/>
-              <a:t>为抽象类，不能直接实例化。</a:t>
-            </a:r>
-            <a:endParaRPr lang="en-US" altLang="zh-CN" dirty="0"/>
-          </a:p>
-          <a:p>
-            <a:r>
-              <a:rPr lang="zh-CN" altLang="en-US" dirty="0" smtClean="0"/>
-              <a:t>运行</a:t>
-            </a:r>
-            <a:r>
-              <a:rPr lang="zh-CN" altLang="en-US" dirty="0"/>
-              <a:t>时多态</a:t>
+            <a:r>
+              <a:rPr lang="zh-CN" altLang="en-US" dirty="0"/>
+              <a:t>多重继承</a:t>
             </a:r>
             <a:endParaRPr lang="en-US" altLang="zh-CN" dirty="0" smtClean="0"/>
-          </a:p>
-          <a:p>
-            <a:pPr marL="0" indent="0">
-              <a:buNone/>
-            </a:pPr>
-            <a:r>
-              <a:rPr lang="zh-CN" altLang="en-US" dirty="0" smtClean="0"/>
-              <a:t>       运行</a:t>
-            </a:r>
-            <a:r>
-              <a:rPr lang="zh-CN" altLang="en-US" dirty="0"/>
-              <a:t>时多态是通过虚函数和指向基类的指针或引用来实现的。根据对象的实际类型</a:t>
-            </a:r>
-            <a:r>
-              <a:rPr lang="zh-CN" altLang="en-US" dirty="0" smtClean="0"/>
-              <a:t>，  </a:t>
-            </a:r>
-            <a:r>
-              <a:rPr lang="en-US" altLang="zh-CN" dirty="0" smtClean="0"/>
-              <a:t>	</a:t>
-            </a:r>
-            <a:r>
-              <a:rPr lang="zh-CN" altLang="en-US" dirty="0" smtClean="0"/>
-              <a:t>调用</a:t>
-            </a:r>
-            <a:r>
-              <a:rPr lang="zh-CN" altLang="en-US" dirty="0"/>
-              <a:t>相应的重写函数。</a:t>
-            </a:r>
           </a:p>
         </p:txBody>
       </p:sp>
     </p:spTree>
     <p:extLst>
       <p:ext uri="{BB962C8B-B14F-4D97-AF65-F5344CB8AC3E}">
-        <p14:creationId xmlns:p14="http://schemas.microsoft.com/office/powerpoint/2010/main" val="1103990109"/>
+        <p14:creationId xmlns:p14="http://schemas.microsoft.com/office/powerpoint/2010/main" val="3152470496"/>
       </p:ext>
     </p:extLst>
   </p:cSld>
@@ -14870,11 +15157,11 @@
           <a:p>
             <a:r>
               <a:rPr lang="en-US" altLang="zh-CN" dirty="0" smtClean="0"/>
-              <a:t>5.5 </a:t>
-            </a:r>
-            <a:r>
-              <a:rPr lang="zh-CN" altLang="en-US" dirty="0"/>
-              <a:t>总结</a:t>
+              <a:t>5.4 </a:t>
+            </a:r>
+            <a:r>
+              <a:rPr lang="zh-CN" altLang="en-US" dirty="0"/>
+              <a:t>多态</a:t>
             </a:r>
           </a:p>
         </p:txBody>
@@ -14896,49 +15183,122 @@
           <a:p>
             <a:r>
               <a:rPr lang="zh-CN" altLang="en-US" dirty="0"/>
-              <a:t>类与对象：类是对象的蓝图，对象是类的实例。构造函数和析构函数分别用于初始化和清理对象。</a:t>
-            </a:r>
-          </a:p>
-          <a:p>
-            <a:r>
-              <a:rPr lang="zh-CN" altLang="en-US" dirty="0"/>
-              <a:t>封装：通过访问控制修饰符（</a:t>
-            </a:r>
-            <a:r>
-              <a:rPr lang="en-US" altLang="zh-CN" dirty="0"/>
-              <a:t>public</a:t>
-            </a:r>
-            <a:r>
-              <a:rPr lang="zh-CN" altLang="en-US" dirty="0"/>
-              <a:t>、</a:t>
-            </a:r>
-            <a:r>
-              <a:rPr lang="en-US" altLang="zh-CN" dirty="0"/>
-              <a:t>private</a:t>
-            </a:r>
-            <a:r>
-              <a:rPr lang="zh-CN" altLang="en-US" dirty="0"/>
-              <a:t>、</a:t>
-            </a:r>
-            <a:r>
-              <a:rPr lang="en-US" altLang="zh-CN" dirty="0"/>
-              <a:t>protected</a:t>
-            </a:r>
-            <a:r>
-              <a:rPr lang="zh-CN" altLang="en-US" dirty="0"/>
-              <a:t>）控制成员的访问权限，保护对象的状态。</a:t>
-            </a:r>
-          </a:p>
-          <a:p>
-            <a:r>
-              <a:rPr lang="zh-CN" altLang="en-US" dirty="0"/>
-              <a:t>继承：通过继承实现代码的复用，派生类可以继承基类的属性和方法。</a:t>
-            </a:r>
-          </a:p>
-          <a:p>
-            <a:r>
-              <a:rPr lang="zh-CN" altLang="en-US" dirty="0"/>
-              <a:t>多态：通过虚函数和纯虚函数实现多态，允许在运行时根据对象的实际类型调用不同的方法</a:t>
+              <a:t>多态是指通过相同的接口调用不同的函数，实现不同的行为。多态有两种类型：编译时多态</a:t>
+            </a:r>
+            <a:r>
+              <a:rPr lang="zh-CN" altLang="en-US" dirty="0" smtClean="0"/>
+              <a:t>和运行</a:t>
+            </a:r>
+            <a:r>
+              <a:rPr lang="zh-CN" altLang="en-US" dirty="0"/>
+              <a:t>时多态</a:t>
+            </a:r>
+            <a:r>
+              <a:rPr lang="zh-CN" altLang="en-US" dirty="0" smtClean="0"/>
+              <a:t>。</a:t>
+            </a:r>
+            <a:endParaRPr lang="en-US" altLang="zh-CN" dirty="0" smtClean="0"/>
+          </a:p>
+          <a:p>
+            <a:r>
+              <a:rPr lang="zh-CN" altLang="en-US" dirty="0"/>
+              <a:t>虚</a:t>
+            </a:r>
+            <a:r>
+              <a:rPr lang="zh-CN" altLang="en-US" dirty="0" smtClean="0"/>
+              <a:t>函数</a:t>
+            </a:r>
+            <a:endParaRPr lang="en-US" altLang="zh-CN" dirty="0" smtClean="0"/>
+          </a:p>
+          <a:p>
+            <a:pPr marL="0" indent="0">
+              <a:buNone/>
+            </a:pPr>
+            <a:r>
+              <a:rPr lang="en-US" altLang="zh-CN" dirty="0"/>
+              <a:t>	</a:t>
+            </a:r>
+            <a:r>
+              <a:rPr lang="zh-CN" altLang="en-US" dirty="0"/>
+              <a:t>虚函数允许我们在基类中声明函数，在派生类中重写该函数，以便实现动态绑定。</a:t>
+            </a:r>
+            <a:endParaRPr lang="en-US" altLang="zh-CN" dirty="0"/>
+          </a:p>
+          <a:p>
+            <a:r>
+              <a:rPr lang="zh-CN" altLang="en-US" dirty="0" smtClean="0"/>
+              <a:t>纯</a:t>
+            </a:r>
+            <a:r>
+              <a:rPr lang="zh-CN" altLang="en-US" dirty="0"/>
+              <a:t>虚</a:t>
+            </a:r>
+            <a:r>
+              <a:rPr lang="zh-CN" altLang="en-US" dirty="0" smtClean="0"/>
+              <a:t>函数</a:t>
+            </a:r>
+            <a:endParaRPr lang="en-US" altLang="zh-CN" dirty="0" smtClean="0"/>
+          </a:p>
+          <a:p>
+            <a:pPr marL="0" indent="0">
+              <a:buNone/>
+            </a:pPr>
+            <a:r>
+              <a:rPr lang="en-US" altLang="zh-CN" dirty="0"/>
+              <a:t>	</a:t>
+            </a:r>
+            <a:r>
+              <a:rPr lang="zh-CN" altLang="en-US" dirty="0"/>
+              <a:t>纯虚函数是没有函数体的虚函数，必须在派生类中实现它。含有纯虚函数的类被称</a:t>
+            </a:r>
+            <a:r>
+              <a:rPr lang="en-US" altLang="zh-CN" dirty="0"/>
+              <a:t>	</a:t>
+            </a:r>
+            <a:r>
+              <a:rPr lang="zh-CN" altLang="en-US" dirty="0"/>
+              <a:t>为抽象类，不能直接实例化。</a:t>
+            </a:r>
+            <a:endParaRPr lang="en-US" altLang="zh-CN" dirty="0"/>
+          </a:p>
+          <a:p>
+            <a:r>
+              <a:rPr lang="zh-CN" altLang="en-US" dirty="0" smtClean="0"/>
+              <a:t>运行</a:t>
+            </a:r>
+            <a:r>
+              <a:rPr lang="zh-CN" altLang="en-US" dirty="0"/>
+              <a:t>时多态</a:t>
+            </a:r>
+            <a:endParaRPr lang="en-US" altLang="zh-CN" dirty="0" smtClean="0"/>
+          </a:p>
+          <a:p>
+            <a:pPr marL="0" indent="0">
+              <a:buNone/>
+            </a:pPr>
+            <a:r>
+              <a:rPr lang="zh-CN" altLang="en-US" dirty="0" smtClean="0"/>
+              <a:t>       运行</a:t>
+            </a:r>
+            <a:r>
+              <a:rPr lang="zh-CN" altLang="en-US" dirty="0"/>
+              <a:t>时多态是通过虚函数和指向基类的指针或引用来实现的。根据对象的实际类型</a:t>
+            </a:r>
+            <a:r>
+              <a:rPr lang="zh-CN" altLang="en-US" dirty="0" smtClean="0"/>
+              <a:t>，  </a:t>
+            </a:r>
+            <a:r>
+              <a:rPr lang="en-US" altLang="zh-CN" dirty="0" smtClean="0"/>
+              <a:t>	</a:t>
+            </a:r>
+            <a:r>
+              <a:rPr lang="zh-CN" altLang="en-US" dirty="0" smtClean="0"/>
+              <a:t>调用</a:t>
+            </a:r>
+            <a:r>
+              <a:rPr lang="zh-CN" altLang="en-US" dirty="0"/>
+              <a:t>相应的重写函数。</a:t>
             </a:r>
           </a:p>
         </p:txBody>
@@ -14946,7 +15306,7 @@
     </p:spTree>
     <p:extLst>
       <p:ext uri="{BB962C8B-B14F-4D97-AF65-F5344CB8AC3E}">
-        <p14:creationId xmlns:p14="http://schemas.microsoft.com/office/powerpoint/2010/main" val="1686844325"/>
+        <p14:creationId xmlns:p14="http://schemas.microsoft.com/office/powerpoint/2010/main" val="1103990109"/>
       </p:ext>
     </p:extLst>
   </p:cSld>
@@ -14989,34 +15349,13 @@
           <a:lstStyle/>
           <a:p>
             <a:r>
-              <a:rPr lang="zh-CN" altLang="en-US" b="1" dirty="0" smtClean="0">
-                <a:latin typeface="华文楷体" pitchFamily="2" charset="-122"/>
-                <a:ea typeface="华文楷体" pitchFamily="2" charset="-122"/>
-              </a:rPr>
-              <a:t>第</a:t>
-            </a:r>
-            <a:r>
-              <a:rPr lang="en-US" altLang="zh-CN" b="1" dirty="0" smtClean="0">
-                <a:latin typeface="华文楷体" pitchFamily="2" charset="-122"/>
-                <a:ea typeface="华文楷体" pitchFamily="2" charset="-122"/>
-              </a:rPr>
-              <a:t>6</a:t>
-            </a:r>
-            <a:r>
-              <a:rPr lang="zh-CN" altLang="en-US" b="1" dirty="0" smtClean="0">
-                <a:latin typeface="华文楷体" pitchFamily="2" charset="-122"/>
-                <a:ea typeface="华文楷体" pitchFamily="2" charset="-122"/>
-              </a:rPr>
-              <a:t>章 指针</a:t>
-            </a:r>
-            <a:r>
-              <a:rPr lang="zh-CN" altLang="en-US" b="1" dirty="0">
-                <a:latin typeface="华文楷体" pitchFamily="2" charset="-122"/>
-                <a:ea typeface="华文楷体" pitchFamily="2" charset="-122"/>
-              </a:rPr>
-              <a:t>与动态内存管理</a:t>
-            </a:r>
-            <a:endParaRPr lang="zh-CN" altLang="en-US" dirty="0"/>
+              <a:rPr lang="en-US" altLang="zh-CN" dirty="0" smtClean="0"/>
+              <a:t>5.5 </a:t>
+            </a:r>
+            <a:r>
+              <a:rPr lang="zh-CN" altLang="en-US" dirty="0"/>
+              <a:t>总结</a:t>
+            </a:r>
           </a:p>
         </p:txBody>
       </p:sp>
@@ -15036,80 +15375,64 @@
           <a:lstStyle/>
           <a:p>
             <a:r>
-              <a:rPr lang="zh-CN" altLang="en-US" dirty="0" smtClean="0"/>
-              <a:t>指针基础：指针的定义、解引用、指针运算。</a:t>
-            </a:r>
-          </a:p>
-          <a:p>
-            <a:r>
-              <a:rPr lang="zh-CN" altLang="en-US" dirty="0" smtClean="0"/>
-              <a:t>指针与数组：数组名作为指针，指针与数组的关系。</a:t>
-            </a:r>
-          </a:p>
-          <a:p>
-            <a:r>
-              <a:rPr lang="zh-CN" altLang="en-US" dirty="0" smtClean="0"/>
-              <a:t>动态内存管理：</a:t>
-            </a:r>
-            <a:r>
-              <a:rPr lang="en-US" altLang="zh-CN" dirty="0" smtClean="0"/>
-              <a:t>new</a:t>
-            </a:r>
-            <a:r>
-              <a:rPr lang="zh-CN" altLang="en-US" dirty="0" smtClean="0"/>
+              <a:rPr lang="zh-CN" altLang="en-US" dirty="0"/>
+              <a:t>类与对象：类是对象的蓝图，对象是类的实例。构造函数和析构函数分别用于初始化和清理对象。</a:t>
+            </a:r>
+          </a:p>
+          <a:p>
+            <a:r>
+              <a:rPr lang="zh-CN" altLang="en-US" dirty="0"/>
+              <a:t>封装：通过访问控制修饰符（</a:t>
+            </a:r>
+            <a:r>
+              <a:rPr lang="en-US" altLang="zh-CN" dirty="0"/>
+              <a:t>public</a:t>
+            </a:r>
+            <a:r>
+              <a:rPr lang="zh-CN" altLang="en-US" dirty="0"/>
               <a:t>、</a:t>
             </a:r>
             <a:r>
-              <a:rPr lang="en-US" altLang="zh-CN" dirty="0" smtClean="0"/>
-              <a:t>delete</a:t>
-            </a:r>
-            <a:r>
-              <a:rPr lang="zh-CN" altLang="en-US" dirty="0" smtClean="0"/>
+              <a:rPr lang="en-US" altLang="zh-CN" dirty="0"/>
+              <a:t>private</a:t>
+            </a:r>
+            <a:r>
+              <a:rPr lang="zh-CN" altLang="en-US" dirty="0"/>
               <a:t>、</a:t>
             </a:r>
             <a:r>
-              <a:rPr lang="en-US" altLang="zh-CN" dirty="0" smtClean="0"/>
-              <a:t>new[]</a:t>
-            </a:r>
-            <a:r>
-              <a:rPr lang="zh-CN" altLang="en-US" dirty="0" smtClean="0"/>
-              <a:t>、</a:t>
-            </a:r>
-            <a:r>
-              <a:rPr lang="en-US" altLang="zh-CN" dirty="0" smtClean="0"/>
-              <a:t>delete[]</a:t>
-            </a:r>
-            <a:r>
-              <a:rPr lang="zh-CN" altLang="en-US" dirty="0" smtClean="0"/>
-              <a:t>。</a:t>
-            </a:r>
-          </a:p>
-          <a:p>
-            <a:r>
-              <a:rPr lang="zh-CN" altLang="en-US" dirty="0" smtClean="0"/>
-              <a:t>内存泄漏与指针悬挂：避免内存泄漏，指针的安全使用。</a:t>
-            </a:r>
-            <a:endParaRPr lang="zh-CN" altLang="en-US" dirty="0"/>
+              <a:rPr lang="en-US" altLang="zh-CN" dirty="0"/>
+              <a:t>protected</a:t>
+            </a:r>
+            <a:r>
+              <a:rPr lang="zh-CN" altLang="en-US" dirty="0"/>
+              <a:t>）控制成员的访问权限，保护对象的状态。</a:t>
+            </a:r>
+          </a:p>
+          <a:p>
+            <a:r>
+              <a:rPr lang="zh-CN" altLang="en-US" dirty="0"/>
+              <a:t>继承：通过继承实现代码的复用，派生类可以继承基类的属性和方法。</a:t>
+            </a:r>
+          </a:p>
+          <a:p>
+            <a:r>
+              <a:rPr lang="zh-CN" altLang="en-US" dirty="0"/>
+              <a:t>多态：通过虚函数和纯虚函数实现多态，允许在运行时根据对象的实际类型调用不同的方法</a:t>
+            </a:r>
           </a:p>
         </p:txBody>
       </p:sp>
     </p:spTree>
     <p:extLst>
       <p:ext uri="{BB962C8B-B14F-4D97-AF65-F5344CB8AC3E}">
-        <p14:creationId xmlns:p14="http://schemas.microsoft.com/office/powerpoint/2010/main" val="3183063327"/>
+        <p14:creationId xmlns:p14="http://schemas.microsoft.com/office/powerpoint/2010/main" val="1686844325"/>
       </p:ext>
     </p:extLst>
   </p:cSld>
   <p:clrMapOvr>
     <a:masterClrMapping/>
   </p:clrMapOvr>
-  <p:timing>
-    <p:tnLst>
-      <p:par>
-        <p:cTn id="1" dur="indefinite" restart="never" nodeType="tmRoot"/>
-      </p:par>
-    </p:tnLst>
-  </p:timing>
 </p:sld>
 </file>
 
@@ -15157,28 +15480,21 @@
                 <a:latin typeface="华文楷体" pitchFamily="2" charset="-122"/>
                 <a:ea typeface="华文楷体" pitchFamily="2" charset="-122"/>
               </a:rPr>
-              <a:t>7</a:t>
+              <a:t>6</a:t>
             </a:r>
             <a:r>
               <a:rPr lang="zh-CN" altLang="en-US" b="1" dirty="0" smtClean="0">
                 <a:latin typeface="华文楷体" pitchFamily="2" charset="-122"/>
                 <a:ea typeface="华文楷体" pitchFamily="2" charset="-122"/>
               </a:rPr>
-              <a:t>章  </a:t>
-            </a:r>
-            <a:r>
-              <a:rPr lang="en-US" altLang="zh-CN" b="1" dirty="0">
-                <a:latin typeface="华文楷体" pitchFamily="2" charset="-122"/>
-                <a:ea typeface="华文楷体" pitchFamily="2" charset="-122"/>
-              </a:rPr>
-              <a:t>STL</a:t>
+              <a:t>章 指针</a:t>
             </a:r>
             <a:r>
               <a:rPr lang="zh-CN" altLang="en-US" b="1" dirty="0">
                 <a:latin typeface="华文楷体" pitchFamily="2" charset="-122"/>
                 <a:ea typeface="华文楷体" pitchFamily="2" charset="-122"/>
               </a:rPr>
-              <a:t>（标准模板库）</a:t>
+              <a:t>与动态内存管理</a:t>
             </a:r>
             <a:endParaRPr lang="zh-CN" altLang="en-US" dirty="0"/>
           </a:p>
@@ -15200,116 +15516,67 @@
           <a:lstStyle/>
           <a:p>
             <a:r>
-              <a:rPr lang="en-US" altLang="zh-CN" dirty="0"/>
-              <a:t>STL</a:t>
-            </a:r>
-            <a:r>
-              <a:rPr lang="zh-CN" altLang="en-US" dirty="0"/>
-              <a:t>概述：</a:t>
-            </a:r>
-            <a:r>
-              <a:rPr lang="en-US" altLang="zh-CN" dirty="0"/>
-              <a:t>STL</a:t>
-            </a:r>
-            <a:r>
-              <a:rPr lang="zh-CN" altLang="en-US" dirty="0"/>
-              <a:t>的组成部分（容器、算法、迭代器）。</a:t>
-            </a:r>
-          </a:p>
-          <a:p>
-            <a:r>
-              <a:rPr lang="zh-CN" altLang="en-US" dirty="0"/>
-              <a:t>容器：</a:t>
-            </a:r>
-            <a:r>
-              <a:rPr lang="en-US" altLang="zh-CN" dirty="0"/>
-              <a:t>vector</a:t>
-            </a:r>
-            <a:r>
-              <a:rPr lang="zh-CN" altLang="en-US" dirty="0"/>
+              <a:rPr lang="zh-CN" altLang="en-US" dirty="0" smtClean="0"/>
+              <a:t>指针基础：指针的定义、解引用、指针运算。</a:t>
+            </a:r>
+          </a:p>
+          <a:p>
+            <a:r>
+              <a:rPr lang="zh-CN" altLang="en-US" dirty="0" smtClean="0"/>
+              <a:t>指针与数组：数组名作为指针，指针与数组的关系。</a:t>
+            </a:r>
+          </a:p>
+          <a:p>
+            <a:r>
+              <a:rPr lang="zh-CN" altLang="en-US" dirty="0" smtClean="0"/>
+              <a:t>动态内存管理：</a:t>
+            </a:r>
+            <a:r>
+              <a:rPr lang="en-US" altLang="zh-CN" dirty="0" smtClean="0"/>
+              <a:t>new</a:t>
+            </a:r>
+            <a:r>
+              <a:rPr lang="zh-CN" altLang="en-US" dirty="0" smtClean="0"/>
               <a:t>、</a:t>
             </a:r>
             <a:r>
-              <a:rPr lang="en-US" altLang="zh-CN" dirty="0"/>
-              <a:t>list</a:t>
-            </a:r>
-            <a:r>
-              <a:rPr lang="zh-CN" altLang="en-US" dirty="0"/>
+              <a:rPr lang="en-US" altLang="zh-CN" dirty="0" smtClean="0"/>
+              <a:t>delete</a:t>
+            </a:r>
+            <a:r>
+              <a:rPr lang="zh-CN" altLang="en-US" dirty="0" smtClean="0"/>
               <a:t>、</a:t>
             </a:r>
             <a:r>
-              <a:rPr lang="en-US" altLang="zh-CN" dirty="0"/>
-              <a:t>map</a:t>
-            </a:r>
-            <a:r>
-              <a:rPr lang="zh-CN" altLang="en-US" dirty="0"/>
+              <a:rPr lang="en-US" altLang="zh-CN" dirty="0" smtClean="0"/>
+              <a:t>new[]</a:t>
+            </a:r>
+            <a:r>
+              <a:rPr lang="zh-CN" altLang="en-US" dirty="0" smtClean="0"/>
               <a:t>、</a:t>
             </a:r>
             <a:r>
-              <a:rPr lang="en-US" altLang="zh-CN" dirty="0"/>
-              <a:t>set</a:t>
-            </a:r>
-            <a:r>
-              <a:rPr lang="zh-CN" altLang="en-US" dirty="0"/>
-              <a:t>、</a:t>
-            </a:r>
-            <a:r>
-              <a:rPr lang="en-US" altLang="zh-CN" dirty="0" err="1"/>
-              <a:t>deque</a:t>
-            </a:r>
-            <a:r>
-              <a:rPr lang="zh-CN" altLang="en-US" dirty="0"/>
-              <a:t>等。</a:t>
-            </a:r>
-          </a:p>
-          <a:p>
-            <a:r>
-              <a:rPr lang="zh-CN" altLang="en-US" dirty="0"/>
-              <a:t>算法：排序、查找、删除、替换等常用算法。</a:t>
-            </a:r>
-          </a:p>
-          <a:p>
-            <a:r>
-              <a:rPr lang="zh-CN" altLang="en-US" dirty="0"/>
-              <a:t>迭代器：容器的迭代器使用方法。</a:t>
-            </a:r>
-          </a:p>
-          <a:p>
-            <a:r>
-              <a:rPr lang="zh-CN" altLang="en-US" dirty="0"/>
-              <a:t>智能指针：</a:t>
-            </a:r>
-            <a:r>
-              <a:rPr lang="en-US" altLang="zh-CN" dirty="0" err="1"/>
-              <a:t>shared_ptr</a:t>
-            </a:r>
-            <a:r>
-              <a:rPr lang="zh-CN" altLang="en-US" dirty="0"/>
-              <a:t>、</a:t>
-            </a:r>
-            <a:r>
-              <a:rPr lang="en-US" altLang="zh-CN" dirty="0" err="1"/>
-              <a:t>unique_ptr</a:t>
-            </a:r>
-            <a:r>
-              <a:rPr lang="zh-CN" altLang="en-US" dirty="0"/>
-              <a:t>、</a:t>
-            </a:r>
-            <a:r>
-              <a:rPr lang="en-US" altLang="zh-CN" dirty="0" err="1"/>
-              <a:t>weak_ptr</a:t>
-            </a:r>
-            <a:r>
-              <a:rPr lang="zh-CN" altLang="en-US" dirty="0"/>
+              <a:rPr lang="en-US" altLang="zh-CN" dirty="0" smtClean="0"/>
+              <a:t>delete[]</a:t>
+            </a:r>
+            <a:r>
+              <a:rPr lang="zh-CN" altLang="en-US" dirty="0" smtClean="0"/>
               <a:t>。</a:t>
             </a:r>
+          </a:p>
+          <a:p>
+            <a:r>
+              <a:rPr lang="zh-CN" altLang="en-US" dirty="0" smtClean="0"/>
+              <a:t>内存泄漏与指针悬挂：避免内存泄漏，指针的安全使用。</a:t>
+            </a:r>
+            <a:endParaRPr lang="zh-CN" altLang="en-US" dirty="0"/>
           </a:p>
         </p:txBody>
       </p:sp>
     </p:spTree>
     <p:extLst>
       <p:ext uri="{BB962C8B-B14F-4D97-AF65-F5344CB8AC3E}">
-        <p14:creationId xmlns:p14="http://schemas.microsoft.com/office/powerpoint/2010/main" val="201415056"/>
+        <p14:creationId xmlns:p14="http://schemas.microsoft.com/office/powerpoint/2010/main" val="3183063327"/>
       </p:ext>
     </p:extLst>
   </p:cSld>
@@ -15370,21 +15637,28 @@
                 <a:latin typeface="华文楷体" pitchFamily="2" charset="-122"/>
                 <a:ea typeface="华文楷体" pitchFamily="2" charset="-122"/>
               </a:rPr>
-              <a:t>8</a:t>
+              <a:t>7</a:t>
             </a:r>
             <a:r>
               <a:rPr lang="zh-CN" altLang="en-US" b="1" dirty="0" smtClean="0">
                 <a:latin typeface="华文楷体" pitchFamily="2" charset="-122"/>
                 <a:ea typeface="华文楷体" pitchFamily="2" charset="-122"/>
               </a:rPr>
-              <a:t>章</a:t>
+              <a:t>章  </a:t>
+            </a:r>
+            <a:r>
+              <a:rPr lang="en-US" altLang="zh-CN" b="1" dirty="0">
+                <a:latin typeface="华文楷体" pitchFamily="2" charset="-122"/>
+                <a:ea typeface="华文楷体" pitchFamily="2" charset="-122"/>
+              </a:rPr>
+              <a:t>STL</a:t>
             </a:r>
             <a:r>
               <a:rPr lang="zh-CN" altLang="en-US" b="1" dirty="0">
                 <a:latin typeface="华文楷体" pitchFamily="2" charset="-122"/>
                 <a:ea typeface="华文楷体" pitchFamily="2" charset="-122"/>
               </a:rPr>
-              <a:t>异常处理</a:t>
+              <a:t>（标准模板库）</a:t>
             </a:r>
             <a:endParaRPr lang="zh-CN" altLang="en-US" dirty="0"/>
           </a:p>
@@ -15406,30 +15680,108 @@
           <a:lstStyle/>
           <a:p>
             <a:r>
-              <a:rPr lang="zh-CN" altLang="en-US" dirty="0"/>
-              <a:t>异常概念：异常的定义、捕获、抛出。</a:t>
-            </a:r>
-          </a:p>
-          <a:p>
-            <a:r>
-              <a:rPr lang="en-US" altLang="zh-CN" dirty="0"/>
-              <a:t>try-catch</a:t>
-            </a:r>
-            <a:r>
-              <a:rPr lang="zh-CN" altLang="en-US" dirty="0"/>
-              <a:t>语句：基本语法、捕获多种异常。</a:t>
-            </a:r>
-          </a:p>
-          <a:p>
-            <a:r>
-              <a:rPr lang="zh-CN" altLang="en-US" dirty="0"/>
-              <a:t>自定义异常类：如何创建自定义异常类型。</a:t>
-            </a:r>
-          </a:p>
-          <a:p>
-            <a:r>
-              <a:rPr lang="zh-CN" altLang="en-US" dirty="0"/>
-              <a:t>异常安全：异常安全的编程原则（基本保证、强保证）。</a:t>
+              <a:rPr lang="en-US" altLang="zh-CN" dirty="0"/>
+              <a:t>STL</a:t>
+            </a:r>
+            <a:r>
+              <a:rPr lang="zh-CN" altLang="en-US" dirty="0"/>
+              <a:t>概述：</a:t>
+            </a:r>
+            <a:r>
+              <a:rPr lang="en-US" altLang="zh-CN" dirty="0"/>
+              <a:t>STL</a:t>
+            </a:r>
+            <a:r>
+              <a:rPr lang="zh-CN" altLang="en-US" dirty="0"/>
+              <a:t>的组成部分（容器、算法、迭代器）。</a:t>
+            </a:r>
+          </a:p>
+          <a:p>
+            <a:r>
+              <a:rPr lang="zh-CN" altLang="en-US" dirty="0"/>
+              <a:t>容器：</a:t>
+            </a:r>
+            <a:r>
+              <a:rPr lang="en-US" altLang="zh-CN" dirty="0"/>
+              <a:t>vector</a:t>
+            </a:r>
+            <a:r>
+              <a:rPr lang="zh-CN" altLang="en-US" dirty="0"/>
+              <a:t>、</a:t>
+            </a:r>
+            <a:r>
+              <a:rPr lang="en-US" altLang="zh-CN" dirty="0"/>
+              <a:t>list</a:t>
+            </a:r>
+            <a:r>
+              <a:rPr lang="zh-CN" altLang="en-US" dirty="0"/>
+              <a:t>、</a:t>
+            </a:r>
+            <a:r>
+              <a:rPr lang="en-US" altLang="zh-CN" dirty="0"/>
+              <a:t>map</a:t>
+            </a:r>
+            <a:r>
+              <a:rPr lang="zh-CN" altLang="en-US" dirty="0"/>
+              <a:t>、</a:t>
+            </a:r>
+            <a:r>
+              <a:rPr lang="en-US" altLang="zh-CN" dirty="0"/>
+              <a:t>set</a:t>
+            </a:r>
+            <a:r>
+              <a:rPr lang="zh-CN" altLang="en-US" dirty="0"/>
+              <a:t>、</a:t>
+            </a:r>
+            <a:r>
+              <a:rPr lang="en-US" altLang="zh-CN" dirty="0" err="1"/>
+              <a:t>deque</a:t>
+            </a:r>
+            <a:r>
+              <a:rPr lang="zh-CN" altLang="en-US" dirty="0"/>
+              <a:t>等。</a:t>
+            </a:r>
+          </a:p>
+          <a:p>
+            <a:r>
+              <a:rPr lang="zh-CN" altLang="en-US" dirty="0"/>
+              <a:t>算法：排序、查找、删除、替换等常用算法。</a:t>
+            </a:r>
+          </a:p>
+          <a:p>
+            <a:r>
+              <a:rPr lang="zh-CN" altLang="en-US" dirty="0"/>
+              <a:t>迭代器：容器的迭代器使用方法。</a:t>
+            </a:r>
+          </a:p>
+          <a:p>
+            <a:r>
+              <a:rPr lang="zh-CN" altLang="en-US" dirty="0"/>
+              <a:t>智能指针：</a:t>
+            </a:r>
+            <a:r>
+              <a:rPr lang="en-US" altLang="zh-CN" dirty="0" err="1"/>
+              <a:t>shared_ptr</a:t>
+            </a:r>
+            <a:r>
+              <a:rPr lang="zh-CN" altLang="en-US" dirty="0"/>
+              <a:t>、</a:t>
+            </a:r>
+            <a:r>
+              <a:rPr lang="en-US" altLang="zh-CN" dirty="0" err="1"/>
+              <a:t>unique_ptr</a:t>
+            </a:r>
+            <a:r>
+              <a:rPr lang="zh-CN" altLang="en-US" dirty="0"/>
+              <a:t>、</a:t>
+            </a:r>
+            <a:r>
+              <a:rPr lang="en-US" altLang="zh-CN" dirty="0" err="1"/>
+              <a:t>weak_ptr</a:t>
+            </a:r>
+            <a:r>
+              <a:rPr lang="zh-CN" altLang="en-US" dirty="0"/>
+              <a:t>。</a:t>
             </a:r>
           </a:p>
         </p:txBody>
@@ -15437,7 +15789,7 @@
     </p:spTree>
     <p:extLst>
       <p:ext uri="{BB962C8B-B14F-4D97-AF65-F5344CB8AC3E}">
-        <p14:creationId xmlns:p14="http://schemas.microsoft.com/office/powerpoint/2010/main" val="2102593440"/>
+        <p14:creationId xmlns:p14="http://schemas.microsoft.com/office/powerpoint/2010/main" val="201415056"/>
       </p:ext>
     </p:extLst>
   </p:cSld>
@@ -15498,7 +15850,7 @@
                 <a:latin typeface="华文楷体" pitchFamily="2" charset="-122"/>
                 <a:ea typeface="华文楷体" pitchFamily="2" charset="-122"/>
               </a:rPr>
-              <a:t>9</a:t>
+              <a:t>8</a:t>
             </a:r>
             <a:r>
               <a:rPr lang="zh-CN" altLang="en-US" b="1" dirty="0" smtClean="0">
@@ -15512,7 +15864,7 @@
                 <a:latin typeface="华文楷体" pitchFamily="2" charset="-122"/>
                 <a:ea typeface="华文楷体" pitchFamily="2" charset="-122"/>
               </a:rPr>
-              <a:t>文件操作</a:t>
+              <a:t>异常处理</a:t>
             </a:r>
             <a:endParaRPr lang="zh-CN" altLang="en-US" dirty="0"/>
           </a:p>
@@ -15535,59 +15887,29 @@
           <a:p>
             <a:r>
               <a:rPr lang="zh-CN" altLang="en-US" dirty="0"/>
-              <a:t>文件输入输出：使用</a:t>
-            </a:r>
-            <a:r>
-              <a:rPr lang="en-US" altLang="zh-CN" dirty="0" err="1"/>
-              <a:t>fstream</a:t>
-            </a:r>
-            <a:r>
-              <a:rPr lang="zh-CN" altLang="en-US" dirty="0"/>
-              <a:t>进行文件读写。</a:t>
-            </a:r>
-          </a:p>
-          <a:p>
-            <a:r>
-              <a:rPr lang="zh-CN" altLang="en-US" dirty="0"/>
-              <a:t>文本文件与二进制文件：处理文本文件和二进制文件的不同方式。</a:t>
-            </a:r>
-          </a:p>
-          <a:p>
-            <a:r>
-              <a:rPr lang="zh-CN" altLang="en-US" dirty="0"/>
-              <a:t>文件指针与流控制：</a:t>
-            </a:r>
-            <a:r>
-              <a:rPr lang="en-US" altLang="zh-CN" dirty="0" err="1"/>
-              <a:t>seekg</a:t>
-            </a:r>
-            <a:r>
-              <a:rPr lang="zh-CN" altLang="en-US" dirty="0"/>
-              <a:t>、</a:t>
-            </a:r>
-            <a:r>
-              <a:rPr lang="en-US" altLang="zh-CN" dirty="0" err="1"/>
-              <a:t>seekp</a:t>
-            </a:r>
-            <a:r>
-              <a:rPr lang="zh-CN" altLang="en-US" dirty="0"/>
-              <a:t>、</a:t>
-            </a:r>
-            <a:r>
-              <a:rPr lang="en-US" altLang="zh-CN" dirty="0" err="1"/>
-              <a:t>tellg</a:t>
-            </a:r>
-            <a:r>
-              <a:rPr lang="zh-CN" altLang="en-US" dirty="0"/>
-              <a:t>、</a:t>
-            </a:r>
-            <a:r>
-              <a:rPr lang="en-US" altLang="zh-CN" dirty="0" err="1"/>
-              <a:t>tellp</a:t>
-            </a:r>
-            <a:r>
-              <a:rPr lang="zh-CN" altLang="en-US" dirty="0"/>
-              <a:t>。</a:t>
+              <a:t>异常概念：异常的定义、捕获、抛出。</a:t>
+            </a:r>
+          </a:p>
+          <a:p>
+            <a:r>
+              <a:rPr lang="en-US" altLang="zh-CN" dirty="0"/>
+              <a:t>try-catch</a:t>
+            </a:r>
+            <a:r>
+              <a:rPr lang="zh-CN" altLang="en-US" dirty="0"/>
+              <a:t>语句：基本语法、捕获多种异常。</a:t>
+            </a:r>
+          </a:p>
+          <a:p>
+            <a:r>
+              <a:rPr lang="zh-CN" altLang="en-US" dirty="0"/>
+              <a:t>自定义异常类：如何创建自定义异常类型。</a:t>
+            </a:r>
+          </a:p>
+          <a:p>
+            <a:r>
+              <a:rPr lang="zh-CN" altLang="en-US" dirty="0"/>
+              <a:t>异常安全：异常安全的编程原则（基本保证、强保证）。</a:t>
             </a:r>
           </a:p>
         </p:txBody>
@@ -15595,7 +15917,7 @@
     </p:spTree>
     <p:extLst>
       <p:ext uri="{BB962C8B-B14F-4D97-AF65-F5344CB8AC3E}">
-        <p14:creationId xmlns:p14="http://schemas.microsoft.com/office/powerpoint/2010/main" val="2309702231"/>
+        <p14:creationId xmlns:p14="http://schemas.microsoft.com/office/powerpoint/2010/main" val="2102593440"/>
       </p:ext>
     </p:extLst>
   </p:cSld>
@@ -15656,28 +15978,21 @@
                 <a:latin typeface="华文楷体" pitchFamily="2" charset="-122"/>
                 <a:ea typeface="华文楷体" pitchFamily="2" charset="-122"/>
               </a:rPr>
-              <a:t>10</a:t>
+              <a:t>9</a:t>
             </a:r>
             <a:r>
               <a:rPr lang="zh-CN" altLang="en-US" b="1" dirty="0" smtClean="0">
                 <a:latin typeface="华文楷体" pitchFamily="2" charset="-122"/>
                 <a:ea typeface="华文楷体" pitchFamily="2" charset="-122"/>
               </a:rPr>
-              <a:t>章  </a:t>
-            </a:r>
-            <a:r>
-              <a:rPr lang="en-US" altLang="zh-CN" b="1" dirty="0">
-                <a:latin typeface="华文楷体" pitchFamily="2" charset="-122"/>
-                <a:ea typeface="华文楷体" pitchFamily="2" charset="-122"/>
-              </a:rPr>
-              <a:t>C++11</a:t>
+              <a:t>章</a:t>
             </a:r>
             <a:r>
               <a:rPr lang="zh-CN" altLang="en-US" b="1" dirty="0">
                 <a:latin typeface="华文楷体" pitchFamily="2" charset="-122"/>
                 <a:ea typeface="华文楷体" pitchFamily="2" charset="-122"/>
               </a:rPr>
-              <a:t>及以后特性</a:t>
+              <a:t>文件操作</a:t>
             </a:r>
             <a:endParaRPr lang="zh-CN" altLang="en-US" dirty="0"/>
           </a:p>
@@ -15699,30 +16014,32 @@
           <a:lstStyle/>
           <a:p>
             <a:r>
-              <a:rPr lang="en-US" altLang="zh-CN" dirty="0"/>
-              <a:t>Lambda</a:t>
-            </a:r>
-            <a:r>
-              <a:rPr lang="zh-CN" altLang="en-US" dirty="0"/>
-              <a:t>表达式：如何使用</a:t>
-            </a:r>
-            <a:r>
-              <a:rPr lang="en-US" altLang="zh-CN" dirty="0"/>
-              <a:t>Lambda</a:t>
-            </a:r>
-            <a:r>
-              <a:rPr lang="zh-CN" altLang="en-US" dirty="0"/>
-              <a:t>简化代码。</a:t>
-            </a:r>
-          </a:p>
-          <a:p>
-            <a:r>
-              <a:rPr lang="zh-CN" altLang="en-US" dirty="0"/>
-              <a:t>智能指针：如何使用</a:t>
+              <a:rPr lang="zh-CN" altLang="en-US" dirty="0"/>
+              <a:t>文件输入输出：使用</a:t>
             </a:r>
             <a:r>
               <a:rPr lang="en-US" altLang="zh-CN" dirty="0" err="1"/>
-              <a:t>shared_ptr</a:t>
+              <a:t>fstream</a:t>
+            </a:r>
+            <a:r>
+              <a:rPr lang="zh-CN" altLang="en-US" dirty="0"/>
+              <a:t>进行文件读写。</a:t>
+            </a:r>
+          </a:p>
+          <a:p>
+            <a:r>
+              <a:rPr lang="zh-CN" altLang="en-US" dirty="0"/>
+              <a:t>文本文件与二进制文件：处理文本文件和二进制文件的不同方式。</a:t>
+            </a:r>
+          </a:p>
+          <a:p>
+            <a:r>
+              <a:rPr lang="zh-CN" altLang="en-US" dirty="0"/>
+              <a:t>文件指针与流控制：</a:t>
+            </a:r>
+            <a:r>
+              <a:rPr lang="en-US" altLang="zh-CN" dirty="0" err="1"/>
+              <a:t>seekg</a:t>
             </a:r>
             <a:r>
               <a:rPr lang="zh-CN" altLang="en-US" dirty="0"/>
@@ -15730,25 +16047,15 @@
             </a:r>
             <a:r>
               <a:rPr lang="en-US" altLang="zh-CN" dirty="0" err="1"/>
-              <a:t>unique_ptr</a:t>
-            </a:r>
-            <a:r>
-              <a:rPr lang="zh-CN" altLang="en-US" dirty="0"/>
-              <a:t>等智能指针管理内存。</a:t>
-            </a:r>
-          </a:p>
-          <a:p>
-            <a:r>
-              <a:rPr lang="zh-CN" altLang="en-US" dirty="0"/>
-              <a:t>线程与并发：</a:t>
+              <a:t>seekp</a:t>
+            </a:r>
+            <a:r>
+              <a:rPr lang="zh-CN" altLang="en-US" dirty="0"/>
+              <a:t>、</a:t>
             </a:r>
             <a:r>
               <a:rPr lang="en-US" altLang="zh-CN" dirty="0" err="1"/>
-              <a:t>std</a:t>
-            </a:r>
-            <a:r>
-              <a:rPr lang="en-US" altLang="zh-CN" dirty="0"/>
-              <a:t>::thread</a:t>
+              <a:t>tellg</a:t>
             </a:r>
             <a:r>
               <a:rPr lang="zh-CN" altLang="en-US" dirty="0"/>
@@ -15756,83 +16063,11 @@
             </a:r>
             <a:r>
               <a:rPr lang="en-US" altLang="zh-CN" dirty="0" err="1"/>
-              <a:t>std</a:t>
-            </a:r>
-            <a:r>
-              <a:rPr lang="en-US" altLang="zh-CN" dirty="0"/>
-              <a:t>::</a:t>
-            </a:r>
-            <a:r>
-              <a:rPr lang="en-US" altLang="zh-CN" dirty="0" err="1"/>
-              <a:t>mutex</a:t>
-            </a:r>
-            <a:r>
-              <a:rPr lang="zh-CN" altLang="en-US" dirty="0"/>
-              <a:t>、</a:t>
-            </a:r>
-            <a:r>
-              <a:rPr lang="en-US" altLang="zh-CN" dirty="0" err="1"/>
-              <a:t>std</a:t>
-            </a:r>
-            <a:r>
-              <a:rPr lang="en-US" altLang="zh-CN" dirty="0"/>
-              <a:t>::</a:t>
-            </a:r>
-            <a:r>
-              <a:rPr lang="en-US" altLang="zh-CN" dirty="0" err="1"/>
-              <a:t>async</a:t>
-            </a:r>
-            <a:r>
-              <a:rPr lang="zh-CN" altLang="en-US" dirty="0"/>
-              <a:t>等并发编程工具。</a:t>
-            </a:r>
-          </a:p>
-          <a:p>
-            <a:r>
-              <a:rPr lang="zh-CN" altLang="en-US" dirty="0"/>
-              <a:t>右值引用与移动语义：</a:t>
-            </a:r>
-            <a:r>
-              <a:rPr lang="en-US" altLang="zh-CN" dirty="0" err="1"/>
-              <a:t>std</a:t>
-            </a:r>
-            <a:r>
-              <a:rPr lang="en-US" altLang="zh-CN" dirty="0"/>
-              <a:t>::move</a:t>
-            </a:r>
-            <a:r>
-              <a:rPr lang="zh-CN" altLang="en-US" dirty="0"/>
-              <a:t>、</a:t>
-            </a:r>
-            <a:r>
-              <a:rPr lang="en-US" altLang="zh-CN" dirty="0" err="1"/>
-              <a:t>std</a:t>
-            </a:r>
-            <a:r>
-              <a:rPr lang="en-US" altLang="zh-CN" dirty="0"/>
-              <a:t>::forward</a:t>
-            </a:r>
-            <a:r>
-              <a:rPr lang="zh-CN" altLang="en-US" dirty="0"/>
-              <a:t>、移动构造函数和移动赋值运算符。</a:t>
-            </a:r>
-          </a:p>
-          <a:p>
-            <a:r>
-              <a:rPr lang="en-US" altLang="zh-CN" dirty="0" err="1"/>
-              <a:t>std</a:t>
-            </a:r>
-            <a:r>
-              <a:rPr lang="en-US" altLang="zh-CN" dirty="0"/>
-              <a:t>::</a:t>
-            </a:r>
-            <a:r>
-              <a:rPr lang="en-US" altLang="zh-CN" dirty="0" err="1"/>
-              <a:t>chrono</a:t>
-            </a:r>
-            <a:r>
-              <a:rPr lang="zh-CN" altLang="en-US" dirty="0"/>
-              <a:t>库：时间测量和延时功能。</a:t>
+              <a:t>tellp</a:t>
+            </a:r>
+            <a:r>
+              <a:rPr lang="zh-CN" altLang="en-US" dirty="0"/>
+              <a:t>。</a:t>
             </a:r>
           </a:p>
         </p:txBody>
@@ -15840,7 +16075,7 @@
     </p:spTree>
     <p:extLst>
       <p:ext uri="{BB962C8B-B14F-4D97-AF65-F5344CB8AC3E}">
-        <p14:creationId xmlns:p14="http://schemas.microsoft.com/office/powerpoint/2010/main" val="1295629135"/>
+        <p14:creationId xmlns:p14="http://schemas.microsoft.com/office/powerpoint/2010/main" val="2309702231"/>
       </p:ext>
     </p:extLst>
   </p:cSld>
@@ -15890,7 +16125,7 @@
           <a:lstStyle/>
           <a:p>
             <a:r>
-              <a:rPr lang="zh-CN" altLang="en-US" b="1" dirty="0">
+              <a:rPr lang="zh-CN" altLang="en-US" b="1" dirty="0" smtClean="0">
                 <a:latin typeface="华文楷体" pitchFamily="2" charset="-122"/>
                 <a:ea typeface="华文楷体" pitchFamily="2" charset="-122"/>
               </a:rPr>
@@ -15901,7 +16136,7 @@
                 <a:latin typeface="华文楷体" pitchFamily="2" charset="-122"/>
                 <a:ea typeface="华文楷体" pitchFamily="2" charset="-122"/>
               </a:rPr>
-              <a:t>11</a:t>
+              <a:t>10</a:t>
             </a:r>
             <a:r>
               <a:rPr lang="zh-CN" altLang="en-US" b="1" dirty="0" smtClean="0">
@@ -15915,14 +16150,14 @@
                 <a:latin typeface="华文楷体" pitchFamily="2" charset="-122"/>
                 <a:ea typeface="华文楷体" pitchFamily="2" charset="-122"/>
               </a:rPr>
-              <a:t>C++</a:t>
+              <a:t>C++11</a:t>
             </a:r>
             <a:r>
               <a:rPr lang="zh-CN" altLang="en-US" b="1" dirty="0">
                 <a:latin typeface="华文楷体" pitchFamily="2" charset="-122"/>
                 <a:ea typeface="华文楷体" pitchFamily="2" charset="-122"/>
               </a:rPr>
-              <a:t>设计模式</a:t>
+              <a:t>及以后特性</a:t>
             </a:r>
             <a:endParaRPr lang="zh-CN" altLang="en-US" dirty="0"/>
           </a:p>
@@ -15944,26 +16179,140 @@
           <a:lstStyle/>
           <a:p>
             <a:r>
-              <a:rPr lang="zh-CN" altLang="en-US" dirty="0"/>
-              <a:t>单例模式：如何实现和应用单例模式。</a:t>
-            </a:r>
-          </a:p>
-          <a:p>
-            <a:r>
-              <a:rPr lang="zh-CN" altLang="en-US" dirty="0"/>
-              <a:t>工厂模式：使用工厂模式来创建对象。</a:t>
-            </a:r>
-          </a:p>
-          <a:p>
-            <a:r>
-              <a:rPr lang="zh-CN" altLang="en-US" dirty="0"/>
-              <a:t>观察者模式：如何实现和应用观察者模式。</a:t>
-            </a:r>
-          </a:p>
-          <a:p>
-            <a:r>
-              <a:rPr lang="zh-CN" altLang="en-US" dirty="0"/>
-              <a:t>策略模式：定义一系列算法，将每一个算法封装起来。</a:t>
+              <a:rPr lang="en-US" altLang="zh-CN" dirty="0"/>
+              <a:t>Lambda</a:t>
+            </a:r>
+            <a:r>
+              <a:rPr lang="zh-CN" altLang="en-US" dirty="0"/>
+              <a:t>表达式：如何使用</a:t>
+            </a:r>
+            <a:r>
+              <a:rPr lang="en-US" altLang="zh-CN" dirty="0"/>
+              <a:t>Lambda</a:t>
+            </a:r>
+            <a:r>
+              <a:rPr lang="zh-CN" altLang="en-US" dirty="0"/>
+              <a:t>简化代码。</a:t>
+            </a:r>
+          </a:p>
+          <a:p>
+            <a:r>
+              <a:rPr lang="zh-CN" altLang="en-US" dirty="0"/>
+              <a:t>智能指针：如何使用</a:t>
+            </a:r>
+            <a:r>
+              <a:rPr lang="en-US" altLang="zh-CN" dirty="0" err="1"/>
+              <a:t>shared_ptr</a:t>
+            </a:r>
+            <a:r>
+              <a:rPr lang="zh-CN" altLang="en-US" dirty="0"/>
+              <a:t>、</a:t>
+            </a:r>
+            <a:r>
+              <a:rPr lang="en-US" altLang="zh-CN" dirty="0" err="1"/>
+              <a:t>unique_ptr</a:t>
+            </a:r>
+            <a:r>
+              <a:rPr lang="zh-CN" altLang="en-US" dirty="0"/>
+              <a:t>等智能指针管理内存。</a:t>
+            </a:r>
+          </a:p>
+          <a:p>
+            <a:r>
+              <a:rPr lang="zh-CN" altLang="en-US" dirty="0"/>
+              <a:t>线程与并发：</a:t>
+            </a:r>
+            <a:r>
+              <a:rPr lang="en-US" altLang="zh-CN" dirty="0" err="1"/>
+              <a:t>std</a:t>
+            </a:r>
+            <a:r>
+              <a:rPr lang="en-US" altLang="zh-CN" dirty="0"/>
+              <a:t>::thread</a:t>
+            </a:r>
+            <a:r>
+              <a:rPr lang="zh-CN" altLang="en-US" dirty="0"/>
+              <a:t>、</a:t>
+            </a:r>
+            <a:r>
+              <a:rPr lang="en-US" altLang="zh-CN" dirty="0" err="1"/>
+              <a:t>std</a:t>
+            </a:r>
+            <a:r>
+              <a:rPr lang="en-US" altLang="zh-CN" dirty="0"/>
+              <a:t>::</a:t>
+            </a:r>
+            <a:r>
+              <a:rPr lang="en-US" altLang="zh-CN" dirty="0" err="1"/>
+              <a:t>mutex</a:t>
+            </a:r>
+            <a:r>
+              <a:rPr lang="zh-CN" altLang="en-US" dirty="0"/>
+              <a:t>、</a:t>
+            </a:r>
+            <a:r>
+              <a:rPr lang="en-US" altLang="zh-CN" dirty="0" err="1"/>
+              <a:t>std</a:t>
+            </a:r>
+            <a:r>
+              <a:rPr lang="en-US" altLang="zh-CN" dirty="0"/>
+              <a:t>::</a:t>
+            </a:r>
+            <a:r>
+              <a:rPr lang="en-US" altLang="zh-CN" dirty="0" err="1"/>
+              <a:t>async</a:t>
+            </a:r>
+            <a:r>
+              <a:rPr lang="zh-CN" altLang="en-US" dirty="0"/>
+              <a:t>等并发编程工具。</a:t>
+            </a:r>
+          </a:p>
+          <a:p>
+            <a:r>
+              <a:rPr lang="zh-CN" altLang="en-US" dirty="0"/>
+              <a:t>右值引用与移动语义：</a:t>
+            </a:r>
+            <a:r>
+              <a:rPr lang="en-US" altLang="zh-CN" dirty="0" err="1"/>
+              <a:t>std</a:t>
+            </a:r>
+            <a:r>
+              <a:rPr lang="en-US" altLang="zh-CN" dirty="0"/>
+              <a:t>::move</a:t>
+            </a:r>
+            <a:r>
+              <a:rPr lang="zh-CN" altLang="en-US" dirty="0"/>
+              <a:t>、</a:t>
+            </a:r>
+            <a:r>
+              <a:rPr lang="en-US" altLang="zh-CN" dirty="0" err="1"/>
+              <a:t>std</a:t>
+            </a:r>
+            <a:r>
+              <a:rPr lang="en-US" altLang="zh-CN" dirty="0"/>
+              <a:t>::forward</a:t>
+            </a:r>
+            <a:r>
+              <a:rPr lang="zh-CN" altLang="en-US" dirty="0"/>
+              <a:t>、移动构造函数和移动赋值运算符。</a:t>
+            </a:r>
+          </a:p>
+          <a:p>
+            <a:r>
+              <a:rPr lang="en-US" altLang="zh-CN" dirty="0" err="1"/>
+              <a:t>std</a:t>
+            </a:r>
+            <a:r>
+              <a:rPr lang="en-US" altLang="zh-CN" dirty="0"/>
+              <a:t>::</a:t>
+            </a:r>
+            <a:r>
+              <a:rPr lang="en-US" altLang="zh-CN" dirty="0" err="1"/>
+              <a:t>chrono</a:t>
+            </a:r>
+            <a:r>
+              <a:rPr lang="zh-CN" altLang="en-US" dirty="0"/>
+              <a:t>库：时间测量和延时功能。</a:t>
             </a:r>
           </a:p>
         </p:txBody>
@@ -15971,7 +16320,7 @@
     </p:spTree>
     <p:extLst>
       <p:ext uri="{BB962C8B-B14F-4D97-AF65-F5344CB8AC3E}">
-        <p14:creationId xmlns:p14="http://schemas.microsoft.com/office/powerpoint/2010/main" val="4116617042"/>
+        <p14:creationId xmlns:p14="http://schemas.microsoft.com/office/powerpoint/2010/main" val="1295629135"/>
       </p:ext>
     </p:extLst>
   </p:cSld>
@@ -16053,7 +16402,7 @@
                 <a:latin typeface="华文楷体" pitchFamily="2" charset="-122"/>
                 <a:ea typeface="华文楷体" pitchFamily="2" charset="-122"/>
               </a:rPr>
-              <a:t>进阶</a:t>
+              <a:t>设计模式</a:t>
             </a:r>
             <a:endParaRPr lang="zh-CN" altLang="en-US" dirty="0"/>
           </a:p>
@@ -16076,75 +16425,25 @@
           <a:p>
             <a:r>
               <a:rPr lang="zh-CN" altLang="en-US" dirty="0"/>
-              <a:t>模板编程：函数模板、类模板、模板特化与偏特化、模板元编程。</a:t>
-            </a:r>
-          </a:p>
-          <a:p>
-            <a:r>
-              <a:rPr lang="en-US" altLang="zh-CN" dirty="0"/>
-              <a:t>C++</a:t>
-            </a:r>
-            <a:r>
-              <a:rPr lang="zh-CN" altLang="en-US" dirty="0"/>
-              <a:t>与</a:t>
-            </a:r>
-            <a:r>
-              <a:rPr lang="en-US" altLang="zh-CN" dirty="0"/>
-              <a:t>C</a:t>
-            </a:r>
-            <a:r>
-              <a:rPr lang="zh-CN" altLang="en-US" dirty="0"/>
-              <a:t>的互操作性：如何在</a:t>
-            </a:r>
-            <a:r>
-              <a:rPr lang="en-US" altLang="zh-CN" dirty="0"/>
-              <a:t>C++</a:t>
-            </a:r>
-            <a:r>
-              <a:rPr lang="zh-CN" altLang="en-US" dirty="0"/>
-              <a:t>中调用</a:t>
-            </a:r>
-            <a:r>
-              <a:rPr lang="en-US" altLang="zh-CN" dirty="0"/>
-              <a:t>C</a:t>
-            </a:r>
-            <a:r>
-              <a:rPr lang="zh-CN" altLang="en-US" dirty="0"/>
-              <a:t>语言代码。</a:t>
-            </a:r>
-          </a:p>
-          <a:p>
-            <a:r>
-              <a:rPr lang="en-US" altLang="zh-CN" dirty="0"/>
-              <a:t>C++</a:t>
-            </a:r>
-            <a:r>
-              <a:rPr lang="zh-CN" altLang="en-US" dirty="0"/>
-              <a:t>与外部库集成：使用外部库（如</a:t>
-            </a:r>
-            <a:r>
-              <a:rPr lang="en-US" altLang="zh-CN" dirty="0"/>
-              <a:t>Boost</a:t>
-            </a:r>
-            <a:r>
-              <a:rPr lang="zh-CN" altLang="en-US" dirty="0"/>
-              <a:t>、</a:t>
-            </a:r>
-            <a:r>
-              <a:rPr lang="en-US" altLang="zh-CN" dirty="0" err="1"/>
-              <a:t>Qt</a:t>
-            </a:r>
-            <a:r>
-              <a:rPr lang="zh-CN" altLang="en-US" dirty="0"/>
-              <a:t>、</a:t>
-            </a:r>
-            <a:r>
-              <a:rPr lang="en-US" altLang="zh-CN" dirty="0" err="1"/>
-              <a:t>OpenCV</a:t>
-            </a:r>
-            <a:r>
-              <a:rPr lang="zh-CN" altLang="en-US" dirty="0"/>
-              <a:t>等）进行开发。</a:t>
+              <a:t>单例模式：如何实现和应用单例模式。</a:t>
+            </a:r>
+          </a:p>
+          <a:p>
+            <a:r>
+              <a:rPr lang="zh-CN" altLang="en-US" dirty="0"/>
+              <a:t>工厂模式：使用工厂模式来创建对象。</a:t>
+            </a:r>
+          </a:p>
+          <a:p>
+            <a:r>
+              <a:rPr lang="zh-CN" altLang="en-US" dirty="0"/>
+              <a:t>观察者模式：如何实现和应用观察者模式。</a:t>
+            </a:r>
+          </a:p>
+          <a:p>
+            <a:r>
+              <a:rPr lang="zh-CN" altLang="en-US" dirty="0"/>
+              <a:t>策略模式：定义一系列算法，将每一个算法封装起来。</a:t>
             </a:r>
           </a:p>
         </p:txBody>
@@ -16152,7 +16451,7 @@
     </p:spTree>
     <p:extLst>
       <p:ext uri="{BB962C8B-B14F-4D97-AF65-F5344CB8AC3E}">
-        <p14:creationId xmlns:p14="http://schemas.microsoft.com/office/powerpoint/2010/main" val="2783617826"/>
+        <p14:creationId xmlns:p14="http://schemas.microsoft.com/office/powerpoint/2010/main" val="4116617042"/>
       </p:ext>
     </p:extLst>
   </p:cSld>
@@ -16318,6 +16617,187 @@
 </file>
 
 <file path=ppt/slides/slide50.xml><?xml version="1.0" encoding="utf-8"?>
+<p:sld xmlns:a="http://schemas.openxmlformats.org/drawingml/2006/main" xmlns:r="http://schemas.openxmlformats.org/officeDocument/2006/relationships" xmlns:p="http://schemas.openxmlformats.org/presentationml/2006/main">
+  <p:cSld>
+    <p:spTree>
+      <p:nvGrpSpPr>
+        <p:cNvPr id="1" name=""/>
+        <p:cNvGrpSpPr/>
+        <p:nvPr/>
+      </p:nvGrpSpPr>
+      <p:grpSpPr>
+        <a:xfrm>
+          <a:off x="0" y="0"/>
+          <a:ext cx="0" cy="0"/>
+          <a:chOff x="0" y="0"/>
+          <a:chExt cx="0" cy="0"/>
+        </a:xfrm>
+      </p:grpSpPr>
+      <p:sp>
+        <p:nvSpPr>
+          <p:cNvPr id="2" name="标题 1"/>
+          <p:cNvSpPr>
+            <a:spLocks noGrp="1"/>
+          </p:cNvSpPr>
+          <p:nvPr>
+            <p:ph type="title"/>
+          </p:nvPr>
+        </p:nvSpPr>
+        <p:spPr/>
+        <p:txBody>
+          <a:bodyPr/>
+          <a:lstStyle/>
+          <a:p>
+            <a:r>
+              <a:rPr lang="zh-CN" altLang="en-US" b="1" dirty="0">
+                <a:latin typeface="华文楷体" pitchFamily="2" charset="-122"/>
+                <a:ea typeface="华文楷体" pitchFamily="2" charset="-122"/>
+              </a:rPr>
+              <a:t>第</a:t>
+            </a:r>
+            <a:r>
+              <a:rPr lang="en-US" altLang="zh-CN" b="1" dirty="0" smtClean="0">
+                <a:latin typeface="华文楷体" pitchFamily="2" charset="-122"/>
+                <a:ea typeface="华文楷体" pitchFamily="2" charset="-122"/>
+              </a:rPr>
+              <a:t>11</a:t>
+            </a:r>
+            <a:r>
+              <a:rPr lang="zh-CN" altLang="en-US" b="1" dirty="0" smtClean="0">
+                <a:latin typeface="华文楷体" pitchFamily="2" charset="-122"/>
+                <a:ea typeface="华文楷体" pitchFamily="2" charset="-122"/>
+              </a:rPr>
+              <a:t>章  </a:t>
+            </a:r>
+            <a:r>
+              <a:rPr lang="en-US" altLang="zh-CN" b="1" dirty="0">
+                <a:latin typeface="华文楷体" pitchFamily="2" charset="-122"/>
+                <a:ea typeface="华文楷体" pitchFamily="2" charset="-122"/>
+              </a:rPr>
+              <a:t>C++</a:t>
+            </a:r>
+            <a:r>
+              <a:rPr lang="zh-CN" altLang="en-US" b="1" dirty="0">
+                <a:latin typeface="华文楷体" pitchFamily="2" charset="-122"/>
+                <a:ea typeface="华文楷体" pitchFamily="2" charset="-122"/>
+              </a:rPr>
+              <a:t>进阶</a:t>
+            </a:r>
+            <a:endParaRPr lang="zh-CN" altLang="en-US" dirty="0"/>
+          </a:p>
+        </p:txBody>
+      </p:sp>
+      <p:sp>
+        <p:nvSpPr>
+          <p:cNvPr id="3" name="内容占位符 2"/>
+          <p:cNvSpPr>
+            <a:spLocks noGrp="1"/>
+          </p:cNvSpPr>
+          <p:nvPr>
+            <p:ph idx="1"/>
+          </p:nvPr>
+        </p:nvSpPr>
+        <p:spPr/>
+        <p:txBody>
+          <a:bodyPr/>
+          <a:lstStyle/>
+          <a:p>
+            <a:r>
+              <a:rPr lang="zh-CN" altLang="en-US" dirty="0"/>
+              <a:t>模板编程：函数模板、类模板、模板特化与偏特化、模板元编程。</a:t>
+            </a:r>
+          </a:p>
+          <a:p>
+            <a:r>
+              <a:rPr lang="en-US" altLang="zh-CN" dirty="0"/>
+              <a:t>C++</a:t>
+            </a:r>
+            <a:r>
+              <a:rPr lang="zh-CN" altLang="en-US" dirty="0"/>
+              <a:t>与</a:t>
+            </a:r>
+            <a:r>
+              <a:rPr lang="en-US" altLang="zh-CN" dirty="0"/>
+              <a:t>C</a:t>
+            </a:r>
+            <a:r>
+              <a:rPr lang="zh-CN" altLang="en-US" dirty="0"/>
+              <a:t>的互操作性：如何在</a:t>
+            </a:r>
+            <a:r>
+              <a:rPr lang="en-US" altLang="zh-CN" dirty="0"/>
+              <a:t>C++</a:t>
+            </a:r>
+            <a:r>
+              <a:rPr lang="zh-CN" altLang="en-US" dirty="0"/>
+              <a:t>中调用</a:t>
+            </a:r>
+            <a:r>
+              <a:rPr lang="en-US" altLang="zh-CN" dirty="0"/>
+              <a:t>C</a:t>
+            </a:r>
+            <a:r>
+              <a:rPr lang="zh-CN" altLang="en-US" dirty="0"/>
+              <a:t>语言代码。</a:t>
+            </a:r>
+          </a:p>
+          <a:p>
+            <a:r>
+              <a:rPr lang="en-US" altLang="zh-CN" dirty="0"/>
+              <a:t>C++</a:t>
+            </a:r>
+            <a:r>
+              <a:rPr lang="zh-CN" altLang="en-US" dirty="0"/>
+              <a:t>与外部库集成：使用外部库（如</a:t>
+            </a:r>
+            <a:r>
+              <a:rPr lang="en-US" altLang="zh-CN" dirty="0"/>
+              <a:t>Boost</a:t>
+            </a:r>
+            <a:r>
+              <a:rPr lang="zh-CN" altLang="en-US" dirty="0"/>
+              <a:t>、</a:t>
+            </a:r>
+            <a:r>
+              <a:rPr lang="en-US" altLang="zh-CN" dirty="0" err="1"/>
+              <a:t>Qt</a:t>
+            </a:r>
+            <a:r>
+              <a:rPr lang="zh-CN" altLang="en-US" dirty="0"/>
+              <a:t>、</a:t>
+            </a:r>
+            <a:r>
+              <a:rPr lang="en-US" altLang="zh-CN" dirty="0" err="1"/>
+              <a:t>OpenCV</a:t>
+            </a:r>
+            <a:r>
+              <a:rPr lang="zh-CN" altLang="en-US" dirty="0"/>
+              <a:t>等）进行开发。</a:t>
+            </a:r>
+          </a:p>
+        </p:txBody>
+      </p:sp>
+    </p:spTree>
+    <p:extLst>
+      <p:ext uri="{BB962C8B-B14F-4D97-AF65-F5344CB8AC3E}">
+        <p14:creationId xmlns:p14="http://schemas.microsoft.com/office/powerpoint/2010/main" val="2783617826"/>
+      </p:ext>
+    </p:extLst>
+  </p:cSld>
+  <p:clrMapOvr>
+    <a:masterClrMapping/>
+  </p:clrMapOvr>
+  <p:timing>
+    <p:tnLst>
+      <p:par>
+        <p:cTn id="1" dur="indefinite" restart="never" nodeType="tmRoot"/>
+      </p:par>
+    </p:tnLst>
+  </p:timing>
+</p:sld>
+</file>
+
+<file path=ppt/slides/slide51.xml><?xml version="1.0" encoding="utf-8"?>
 <p:sld xmlns:a="http://schemas.openxmlformats.org/drawingml/2006/main" xmlns:r="http://schemas.openxmlformats.org/officeDocument/2006/relationships" xmlns:p="http://schemas.openxmlformats.org/presentationml/2006/main">
   <p:cSld>
     <p:spTree>

--- a/learn_cpp/docs/C++语言培训.pptx
+++ b/learn_cpp/docs/C++语言培训.pptx
@@ -16443,8 +16443,28 @@
           <a:p>
             <a:r>
               <a:rPr lang="zh-CN" altLang="en-US" dirty="0"/>
-              <a:t>策略模式：定义一系列算法，将每一个算法封装起来。</a:t>
-            </a:r>
+              <a:t>策略模式：定义一系列算法，将每一个算法封装起来</a:t>
+            </a:r>
+            <a:r>
+              <a:rPr lang="zh-CN" altLang="en-US" dirty="0" smtClean="0"/>
+              <a:t>。</a:t>
+            </a:r>
+            <a:endParaRPr lang="en-US" altLang="zh-CN" dirty="0" smtClean="0"/>
+          </a:p>
+          <a:p>
+            <a:r>
+              <a:rPr lang="zh-CN" altLang="en-US"/>
+              <a:t>高</a:t>
+            </a:r>
+            <a:r>
+              <a:rPr lang="zh-CN" altLang="en-US"/>
+              <a:t>内</a:t>
+            </a:r>
+            <a:r>
+              <a:rPr lang="zh-CN" altLang="en-US" smtClean="0"/>
+              <a:t>聚，低耦合</a:t>
+            </a:r>
+            <a:endParaRPr lang="zh-CN" altLang="en-US" dirty="0"/>
           </a:p>
         </p:txBody>
       </p:sp>

--- a/learn_cpp/docs/C++语言培训.pptx
+++ b/learn_cpp/docs/C++语言培训.pptx
@@ -9053,8 +9053,25 @@
           <a:p>
             <a:r>
               <a:rPr lang="zh-CN" altLang="en-US" dirty="0"/>
-              <a:t>取值范围</a:t>
-            </a:r>
+              <a:t>取值</a:t>
+            </a:r>
+            <a:r>
+              <a:rPr lang="zh-CN" altLang="en-US" dirty="0" smtClean="0"/>
+              <a:t>范围 </a:t>
+            </a:r>
+            <a:r>
+              <a:rPr lang="en-US" altLang="zh-CN" dirty="0" smtClean="0"/>
+              <a:t>– </a:t>
+            </a:r>
+            <a:r>
+              <a:rPr lang="en-US" altLang="zh-CN" dirty="0" err="1" smtClean="0"/>
+              <a:t>sizeof</a:t>
+            </a:r>
+            <a:r>
+              <a:rPr lang="en-US" altLang="zh-CN" smtClean="0"/>
+              <a:t>()</a:t>
+            </a:r>
+            <a:endParaRPr lang="zh-CN" altLang="en-US" dirty="0"/>
           </a:p>
         </p:txBody>
       </p:sp>
@@ -16454,11 +16471,7 @@
           <a:p>
             <a:r>
               <a:rPr lang="zh-CN" altLang="en-US"/>
-              <a:t>高</a:t>
-            </a:r>
-            <a:r>
-              <a:rPr lang="zh-CN" altLang="en-US"/>
-              <a:t>内</a:t>
+              <a:t>高内</a:t>
             </a:r>
             <a:r>
               <a:rPr lang="zh-CN" altLang="en-US" smtClean="0"/>

--- a/learn_cpp/docs/C++语言培训.pptx
+++ b/learn_cpp/docs/C++语言培训.pptx
@@ -9068,7 +9068,7 @@
               <a:t>sizeof</a:t>
             </a:r>
             <a:r>
-              <a:rPr lang="en-US" altLang="zh-CN" smtClean="0"/>
+              <a:rPr lang="en-US" altLang="zh-CN" dirty="0" smtClean="0"/>
               <a:t>()</a:t>
             </a:r>
             <a:endParaRPr lang="zh-CN" altLang="en-US" dirty="0"/>
@@ -11314,7 +11314,11 @@
               <a:t>默认成员是 私有（</a:t>
             </a:r>
             <a:r>
-              <a:rPr lang="en-US" altLang="zh-CN" dirty="0"/>
+              <a:rPr lang="en-US" altLang="zh-CN" dirty="0">
+                <a:solidFill>
+                  <a:srgbClr val="FF0000"/>
+                </a:solidFill>
+              </a:rPr>
               <a:t>private</a:t>
             </a:r>
             <a:r>
@@ -11368,11 +11372,11 @@
               <a:t>、</a:t>
             </a:r>
             <a:r>
-              <a:rPr lang="en-US" altLang="zh-CN" smtClean="0"/>
+              <a:rPr lang="en-US" altLang="zh-CN" dirty="0" smtClean="0"/>
               <a:t>	</a:t>
             </a:r>
             <a:r>
-              <a:rPr lang="zh-CN" altLang="en-US" smtClean="0"/>
+              <a:rPr lang="zh-CN" altLang="en-US" dirty="0" smtClean="0"/>
               <a:t>继承</a:t>
             </a:r>
             <a:r>
@@ -11429,7 +11433,19 @@
             </a:r>
             <a:r>
               <a:rPr lang="zh-CN" altLang="en-US" dirty="0"/>
-              <a:t>有一个成员有效，而类和结构体的每个成员都有自己的内存空间。</a:t>
+              <a:t>有一个成员有效，而类和结构体的每个成员都有</a:t>
+            </a:r>
+            <a:r>
+              <a:rPr lang="zh-CN" altLang="en-US" b="1" dirty="0">
+                <a:solidFill>
+                  <a:srgbClr val="FF0000"/>
+                </a:solidFill>
+              </a:rPr>
+              <a:t>自己的内存空间</a:t>
+            </a:r>
+            <a:r>
+              <a:rPr lang="zh-CN" altLang="en-US" dirty="0"/>
+              <a:t>。</a:t>
             </a:r>
             <a:endParaRPr lang="en-US" altLang="zh-CN" dirty="0" smtClean="0"/>
           </a:p>

--- a/learn_cpp/docs/C++语言培训.pptx
+++ b/learn_cpp/docs/C++语言培训.pptx
@@ -11595,7 +11595,19 @@
             </a:r>
             <a:r>
               <a:rPr lang="zh-CN" altLang="en-US" dirty="0"/>
-              <a:t>中，程序运行期间一直存在。</a:t>
+              <a:t>中，</a:t>
+            </a:r>
+            <a:r>
+              <a:rPr lang="zh-CN" altLang="en-US" b="1" dirty="0">
+                <a:solidFill>
+                  <a:srgbClr val="FF0000"/>
+                </a:solidFill>
+              </a:rPr>
+              <a:t>程序运行期间一直存在</a:t>
+            </a:r>
+            <a:r>
+              <a:rPr lang="zh-CN" altLang="en-US" dirty="0"/>
+              <a:t>。</a:t>
             </a:r>
           </a:p>
           <a:p>
@@ -11639,7 +11651,19 @@
             </a:r>
             <a:r>
               <a:rPr lang="zh-CN" altLang="en-US" dirty="0"/>
-              <a:t>区，每次调用函数时分配内存，函数结束时销毁。</a:t>
+              <a:t>区，每次调用函数时分配内存，</a:t>
+            </a:r>
+            <a:r>
+              <a:rPr lang="zh-CN" altLang="en-US" b="1" dirty="0">
+                <a:solidFill>
+                  <a:srgbClr val="FF0000"/>
+                </a:solidFill>
+              </a:rPr>
+              <a:t>函数结束时销毁</a:t>
+            </a:r>
+            <a:r>
+              <a:rPr lang="zh-CN" altLang="en-US" dirty="0"/>
+              <a:t>。</a:t>
             </a:r>
           </a:p>
           <a:p>
@@ -11703,7 +11727,19 @@
             </a:r>
             <a:r>
               <a:rPr lang="zh-CN" altLang="en-US" dirty="0"/>
-              <a:t>，程序运行期间一直存在，但只在函数第一次调用时初始化。</a:t>
+              <a:t>，程序运行期间一直存在，但只在函数</a:t>
+            </a:r>
+            <a:r>
+              <a:rPr lang="zh-CN" altLang="en-US" b="1" dirty="0">
+                <a:solidFill>
+                  <a:srgbClr val="FF0000"/>
+                </a:solidFill>
+              </a:rPr>
+              <a:t>第一次调用时初始化</a:t>
+            </a:r>
+            <a:r>
+              <a:rPr lang="zh-CN" altLang="en-US" dirty="0"/>
+              <a:t>。</a:t>
             </a:r>
           </a:p>
           <a:p>
@@ -11767,7 +11803,19 @@
             </a:r>
             <a:r>
               <a:rPr lang="zh-CN" altLang="en-US" dirty="0"/>
-              <a:t>区，程序可以手动分配和释放内存。</a:t>
+              <a:t>区，程序可以</a:t>
+            </a:r>
+            <a:r>
+              <a:rPr lang="zh-CN" altLang="en-US" b="1" dirty="0">
+                <a:solidFill>
+                  <a:srgbClr val="FF0000"/>
+                </a:solidFill>
+              </a:rPr>
+              <a:t>手动分配和释放内存</a:t>
+            </a:r>
+            <a:r>
+              <a:rPr lang="zh-CN" altLang="en-US" dirty="0"/>
+              <a:t>。</a:t>
             </a:r>
           </a:p>
         </p:txBody>

--- a/learn_cpp/docs/C++语言培训.pptx
+++ b/learn_cpp/docs/C++语言培训.pptx
@@ -351,7 +351,7 @@
             <a:fld id="{B61BEF0D-F0BB-DE4B-95CE-6DB70DBA9567}" type="datetimeFigureOut">
               <a:rPr lang="en-US" dirty="0"/>
               <a:pPr/>
-              <a:t>2/28/2025</a:t>
+              <a:t>3/3/2025</a:t>
             </a:fld>
             <a:endParaRPr lang="en-US" dirty="0"/>
           </a:p>
@@ -686,7 +686,7 @@
             <a:fld id="{B61BEF0D-F0BB-DE4B-95CE-6DB70DBA9567}" type="datetimeFigureOut">
               <a:rPr lang="en-US" dirty="0"/>
               <a:pPr/>
-              <a:t>2/28/2025</a:t>
+              <a:t>3/3/2025</a:t>
             </a:fld>
             <a:endParaRPr lang="en-US" dirty="0"/>
           </a:p>
@@ -1084,7 +1084,7 @@
             <a:fld id="{B61BEF0D-F0BB-DE4B-95CE-6DB70DBA9567}" type="datetimeFigureOut">
               <a:rPr lang="en-US" dirty="0"/>
               <a:pPr/>
-              <a:t>2/28/2025</a:t>
+              <a:t>3/3/2025</a:t>
             </a:fld>
             <a:endParaRPr lang="en-US" dirty="0"/>
           </a:p>
@@ -1417,7 +1417,7 @@
             <a:fld id="{B61BEF0D-F0BB-DE4B-95CE-6DB70DBA9567}" type="datetimeFigureOut">
               <a:rPr lang="en-US" dirty="0"/>
               <a:pPr/>
-              <a:t>2/28/2025</a:t>
+              <a:t>3/3/2025</a:t>
             </a:fld>
             <a:endParaRPr lang="en-US" dirty="0"/>
           </a:p>
@@ -1734,7 +1734,7 @@
             <a:fld id="{B61BEF0D-F0BB-DE4B-95CE-6DB70DBA9567}" type="datetimeFigureOut">
               <a:rPr lang="en-US" dirty="0"/>
               <a:pPr/>
-              <a:t>2/28/2025</a:t>
+              <a:t>3/3/2025</a:t>
             </a:fld>
             <a:endParaRPr lang="en-US" dirty="0"/>
           </a:p>
@@ -2127,7 +2127,7 @@
             <a:fld id="{B61BEF0D-F0BB-DE4B-95CE-6DB70DBA9567}" type="datetimeFigureOut">
               <a:rPr lang="en-US" dirty="0"/>
               <a:pPr/>
-              <a:t>2/28/2025</a:t>
+              <a:t>3/3/2025</a:t>
             </a:fld>
             <a:endParaRPr lang="en-US" dirty="0"/>
           </a:p>
@@ -2381,7 +2381,7 @@
             <a:fld id="{B61BEF0D-F0BB-DE4B-95CE-6DB70DBA9567}" type="datetimeFigureOut">
               <a:rPr lang="en-US" dirty="0"/>
               <a:pPr/>
-              <a:t>2/28/2025</a:t>
+              <a:t>3/3/2025</a:t>
             </a:fld>
             <a:endParaRPr lang="en-US" dirty="0"/>
           </a:p>
@@ -2640,7 +2640,7 @@
             <a:fld id="{B61BEF0D-F0BB-DE4B-95CE-6DB70DBA9567}" type="datetimeFigureOut">
               <a:rPr lang="en-US" dirty="0"/>
               <a:pPr/>
-              <a:t>2/28/2025</a:t>
+              <a:t>3/3/2025</a:t>
             </a:fld>
             <a:endParaRPr lang="en-US" dirty="0"/>
           </a:p>
@@ -2899,7 +2899,7 @@
             <a:fld id="{B61BEF0D-F0BB-DE4B-95CE-6DB70DBA9567}" type="datetimeFigureOut">
               <a:rPr lang="en-US" dirty="0"/>
               <a:pPr/>
-              <a:t>2/28/2025</a:t>
+              <a:t>3/3/2025</a:t>
             </a:fld>
             <a:endParaRPr lang="en-US" dirty="0"/>
           </a:p>
@@ -3225,7 +3225,7 @@
             <a:fld id="{B61BEF0D-F0BB-DE4B-95CE-6DB70DBA9567}" type="datetimeFigureOut">
               <a:rPr lang="en-US" dirty="0"/>
               <a:pPr/>
-              <a:t>2/28/2025</a:t>
+              <a:t>3/3/2025</a:t>
             </a:fld>
             <a:endParaRPr lang="en-US" dirty="0"/>
           </a:p>
@@ -3545,7 +3545,7 @@
             <a:fld id="{B61BEF0D-F0BB-DE4B-95CE-6DB70DBA9567}" type="datetimeFigureOut">
               <a:rPr lang="en-US" dirty="0"/>
               <a:pPr/>
-              <a:t>2/28/2025</a:t>
+              <a:t>3/3/2025</a:t>
             </a:fld>
             <a:endParaRPr lang="en-US" dirty="0"/>
           </a:p>
@@ -4028,7 +4028,7 @@
             <a:fld id="{B61BEF0D-F0BB-DE4B-95CE-6DB70DBA9567}" type="datetimeFigureOut">
               <a:rPr lang="en-US" dirty="0"/>
               <a:pPr/>
-              <a:t>2/28/2025</a:t>
+              <a:t>3/3/2025</a:t>
             </a:fld>
             <a:endParaRPr lang="en-US" dirty="0"/>
           </a:p>
@@ -4230,7 +4230,7 @@
             <a:fld id="{B61BEF0D-F0BB-DE4B-95CE-6DB70DBA9567}" type="datetimeFigureOut">
               <a:rPr lang="en-US" dirty="0"/>
               <a:pPr/>
-              <a:t>2/28/2025</a:t>
+              <a:t>3/3/2025</a:t>
             </a:fld>
             <a:endParaRPr lang="en-US" dirty="0"/>
           </a:p>
@@ -4404,7 +4404,7 @@
             <a:fld id="{B61BEF0D-F0BB-DE4B-95CE-6DB70DBA9567}" type="datetimeFigureOut">
               <a:rPr lang="en-US" dirty="0"/>
               <a:pPr/>
-              <a:t>2/28/2025</a:t>
+              <a:t>3/3/2025</a:t>
             </a:fld>
             <a:endParaRPr lang="en-US" dirty="0"/>
           </a:p>
@@ -4734,7 +4734,7 @@
             <a:fld id="{B61BEF0D-F0BB-DE4B-95CE-6DB70DBA9567}" type="datetimeFigureOut">
               <a:rPr lang="en-US" dirty="0"/>
               <a:pPr/>
-              <a:t>2/28/2025</a:t>
+              <a:t>3/3/2025</a:t>
             </a:fld>
             <a:endParaRPr lang="en-US" dirty="0"/>
           </a:p>
@@ -5076,7 +5076,7 @@
             <a:fld id="{B61BEF0D-F0BB-DE4B-95CE-6DB70DBA9567}" type="datetimeFigureOut">
               <a:rPr lang="en-US" dirty="0"/>
               <a:pPr/>
-              <a:t>2/28/2025</a:t>
+              <a:t>3/3/2025</a:t>
             </a:fld>
             <a:endParaRPr lang="en-US" dirty="0"/>
           </a:p>
@@ -7190,7 +7190,7 @@
             <a:fld id="{B61BEF0D-F0BB-DE4B-95CE-6DB70DBA9567}" type="datetimeFigureOut">
               <a:rPr lang="en-US" dirty="0"/>
               <a:pPr/>
-              <a:t>2/28/2025</a:t>
+              <a:t>3/3/2025</a:t>
             </a:fld>
             <a:endParaRPr lang="en-US" dirty="0"/>
           </a:p>
@@ -13495,8 +13495,9 @@
             </a:r>
             <a:r>
               <a:rPr lang="zh-CN" altLang="en-US" dirty="0"/>
-              <a:t>）输出对应的星期名称</a:t>
-            </a:r>
+              <a:t>）输出对应的星期名称。</a:t>
+            </a:r>
+            <a:endParaRPr lang="zh-CN" altLang="en-US" dirty="0"/>
           </a:p>
         </p:txBody>
       </p:sp>

--- a/learn_cpp/docs/C++语言培训.pptx
+++ b/learn_cpp/docs/C++语言培训.pptx
@@ -33,29 +33,30 @@
     <p:sldId id="307" r:id="rId27"/>
     <p:sldId id="300" r:id="rId28"/>
     <p:sldId id="301" r:id="rId29"/>
-    <p:sldId id="284" r:id="rId30"/>
-    <p:sldId id="285" r:id="rId31"/>
-    <p:sldId id="286" r:id="rId32"/>
-    <p:sldId id="287" r:id="rId33"/>
-    <p:sldId id="259" r:id="rId34"/>
-    <p:sldId id="260" r:id="rId35"/>
-    <p:sldId id="288" r:id="rId36"/>
-    <p:sldId id="289" r:id="rId37"/>
-    <p:sldId id="290" r:id="rId38"/>
-    <p:sldId id="291" r:id="rId39"/>
-    <p:sldId id="292" r:id="rId40"/>
-    <p:sldId id="293" r:id="rId41"/>
-    <p:sldId id="294" r:id="rId42"/>
-    <p:sldId id="295" r:id="rId43"/>
-    <p:sldId id="296" r:id="rId44"/>
-    <p:sldId id="261" r:id="rId45"/>
-    <p:sldId id="262" r:id="rId46"/>
-    <p:sldId id="263" r:id="rId47"/>
-    <p:sldId id="264" r:id="rId48"/>
-    <p:sldId id="265" r:id="rId49"/>
-    <p:sldId id="266" r:id="rId50"/>
-    <p:sldId id="267" r:id="rId51"/>
-    <p:sldId id="268" r:id="rId52"/>
+    <p:sldId id="308" r:id="rId30"/>
+    <p:sldId id="284" r:id="rId31"/>
+    <p:sldId id="285" r:id="rId32"/>
+    <p:sldId id="286" r:id="rId33"/>
+    <p:sldId id="287" r:id="rId34"/>
+    <p:sldId id="259" r:id="rId35"/>
+    <p:sldId id="260" r:id="rId36"/>
+    <p:sldId id="288" r:id="rId37"/>
+    <p:sldId id="289" r:id="rId38"/>
+    <p:sldId id="290" r:id="rId39"/>
+    <p:sldId id="291" r:id="rId40"/>
+    <p:sldId id="292" r:id="rId41"/>
+    <p:sldId id="293" r:id="rId42"/>
+    <p:sldId id="294" r:id="rId43"/>
+    <p:sldId id="295" r:id="rId44"/>
+    <p:sldId id="296" r:id="rId45"/>
+    <p:sldId id="261" r:id="rId46"/>
+    <p:sldId id="262" r:id="rId47"/>
+    <p:sldId id="263" r:id="rId48"/>
+    <p:sldId id="264" r:id="rId49"/>
+    <p:sldId id="265" r:id="rId50"/>
+    <p:sldId id="266" r:id="rId51"/>
+    <p:sldId id="267" r:id="rId52"/>
+    <p:sldId id="268" r:id="rId53"/>
   </p:sldIdLst>
   <p:sldSz cx="12192000" cy="6858000"/>
   <p:notesSz cx="6858000" cy="9144000"/>
@@ -351,7 +352,7 @@
             <a:fld id="{B61BEF0D-F0BB-DE4B-95CE-6DB70DBA9567}" type="datetimeFigureOut">
               <a:rPr lang="en-US" dirty="0"/>
               <a:pPr/>
-              <a:t>3/3/2025</a:t>
+              <a:t>3/6/2025</a:t>
             </a:fld>
             <a:endParaRPr lang="en-US" dirty="0"/>
           </a:p>
@@ -686,7 +687,7 @@
             <a:fld id="{B61BEF0D-F0BB-DE4B-95CE-6DB70DBA9567}" type="datetimeFigureOut">
               <a:rPr lang="en-US" dirty="0"/>
               <a:pPr/>
-              <a:t>3/3/2025</a:t>
+              <a:t>3/6/2025</a:t>
             </a:fld>
             <a:endParaRPr lang="en-US" dirty="0"/>
           </a:p>
@@ -1084,7 +1085,7 @@
             <a:fld id="{B61BEF0D-F0BB-DE4B-95CE-6DB70DBA9567}" type="datetimeFigureOut">
               <a:rPr lang="en-US" dirty="0"/>
               <a:pPr/>
-              <a:t>3/3/2025</a:t>
+              <a:t>3/6/2025</a:t>
             </a:fld>
             <a:endParaRPr lang="en-US" dirty="0"/>
           </a:p>
@@ -1417,7 +1418,7 @@
             <a:fld id="{B61BEF0D-F0BB-DE4B-95CE-6DB70DBA9567}" type="datetimeFigureOut">
               <a:rPr lang="en-US" dirty="0"/>
               <a:pPr/>
-              <a:t>3/3/2025</a:t>
+              <a:t>3/6/2025</a:t>
             </a:fld>
             <a:endParaRPr lang="en-US" dirty="0"/>
           </a:p>
@@ -1734,7 +1735,7 @@
             <a:fld id="{B61BEF0D-F0BB-DE4B-95CE-6DB70DBA9567}" type="datetimeFigureOut">
               <a:rPr lang="en-US" dirty="0"/>
               <a:pPr/>
-              <a:t>3/3/2025</a:t>
+              <a:t>3/6/2025</a:t>
             </a:fld>
             <a:endParaRPr lang="en-US" dirty="0"/>
           </a:p>
@@ -2127,7 +2128,7 @@
             <a:fld id="{B61BEF0D-F0BB-DE4B-95CE-6DB70DBA9567}" type="datetimeFigureOut">
               <a:rPr lang="en-US" dirty="0"/>
               <a:pPr/>
-              <a:t>3/3/2025</a:t>
+              <a:t>3/6/2025</a:t>
             </a:fld>
             <a:endParaRPr lang="en-US" dirty="0"/>
           </a:p>
@@ -2381,7 +2382,7 @@
             <a:fld id="{B61BEF0D-F0BB-DE4B-95CE-6DB70DBA9567}" type="datetimeFigureOut">
               <a:rPr lang="en-US" dirty="0"/>
               <a:pPr/>
-              <a:t>3/3/2025</a:t>
+              <a:t>3/6/2025</a:t>
             </a:fld>
             <a:endParaRPr lang="en-US" dirty="0"/>
           </a:p>
@@ -2640,7 +2641,7 @@
             <a:fld id="{B61BEF0D-F0BB-DE4B-95CE-6DB70DBA9567}" type="datetimeFigureOut">
               <a:rPr lang="en-US" dirty="0"/>
               <a:pPr/>
-              <a:t>3/3/2025</a:t>
+              <a:t>3/6/2025</a:t>
             </a:fld>
             <a:endParaRPr lang="en-US" dirty="0"/>
           </a:p>
@@ -2899,7 +2900,7 @@
             <a:fld id="{B61BEF0D-F0BB-DE4B-95CE-6DB70DBA9567}" type="datetimeFigureOut">
               <a:rPr lang="en-US" dirty="0"/>
               <a:pPr/>
-              <a:t>3/3/2025</a:t>
+              <a:t>3/6/2025</a:t>
             </a:fld>
             <a:endParaRPr lang="en-US" dirty="0"/>
           </a:p>
@@ -3225,7 +3226,7 @@
             <a:fld id="{B61BEF0D-F0BB-DE4B-95CE-6DB70DBA9567}" type="datetimeFigureOut">
               <a:rPr lang="en-US" dirty="0"/>
               <a:pPr/>
-              <a:t>3/3/2025</a:t>
+              <a:t>3/6/2025</a:t>
             </a:fld>
             <a:endParaRPr lang="en-US" dirty="0"/>
           </a:p>
@@ -3545,7 +3546,7 @@
             <a:fld id="{B61BEF0D-F0BB-DE4B-95CE-6DB70DBA9567}" type="datetimeFigureOut">
               <a:rPr lang="en-US" dirty="0"/>
               <a:pPr/>
-              <a:t>3/3/2025</a:t>
+              <a:t>3/6/2025</a:t>
             </a:fld>
             <a:endParaRPr lang="en-US" dirty="0"/>
           </a:p>
@@ -4028,7 +4029,7 @@
             <a:fld id="{B61BEF0D-F0BB-DE4B-95CE-6DB70DBA9567}" type="datetimeFigureOut">
               <a:rPr lang="en-US" dirty="0"/>
               <a:pPr/>
-              <a:t>3/3/2025</a:t>
+              <a:t>3/6/2025</a:t>
             </a:fld>
             <a:endParaRPr lang="en-US" dirty="0"/>
           </a:p>
@@ -4230,7 +4231,7 @@
             <a:fld id="{B61BEF0D-F0BB-DE4B-95CE-6DB70DBA9567}" type="datetimeFigureOut">
               <a:rPr lang="en-US" dirty="0"/>
               <a:pPr/>
-              <a:t>3/3/2025</a:t>
+              <a:t>3/6/2025</a:t>
             </a:fld>
             <a:endParaRPr lang="en-US" dirty="0"/>
           </a:p>
@@ -4404,7 +4405,7 @@
             <a:fld id="{B61BEF0D-F0BB-DE4B-95CE-6DB70DBA9567}" type="datetimeFigureOut">
               <a:rPr lang="en-US" dirty="0"/>
               <a:pPr/>
-              <a:t>3/3/2025</a:t>
+              <a:t>3/6/2025</a:t>
             </a:fld>
             <a:endParaRPr lang="en-US" dirty="0"/>
           </a:p>
@@ -4734,7 +4735,7 @@
             <a:fld id="{B61BEF0D-F0BB-DE4B-95CE-6DB70DBA9567}" type="datetimeFigureOut">
               <a:rPr lang="en-US" dirty="0"/>
               <a:pPr/>
-              <a:t>3/3/2025</a:t>
+              <a:t>3/6/2025</a:t>
             </a:fld>
             <a:endParaRPr lang="en-US" dirty="0"/>
           </a:p>
@@ -5076,7 +5077,7 @@
             <a:fld id="{B61BEF0D-F0BB-DE4B-95CE-6DB70DBA9567}" type="datetimeFigureOut">
               <a:rPr lang="en-US" dirty="0"/>
               <a:pPr/>
-              <a:t>3/3/2025</a:t>
+              <a:t>3/6/2025</a:t>
             </a:fld>
             <a:endParaRPr lang="en-US" dirty="0"/>
           </a:p>
@@ -7190,7 +7191,7 @@
             <a:fld id="{B61BEF0D-F0BB-DE4B-95CE-6DB70DBA9567}" type="datetimeFigureOut">
               <a:rPr lang="en-US" dirty="0"/>
               <a:pPr/>
-              <a:t>3/3/2025</a:t>
+              <a:t>3/6/2025</a:t>
             </a:fld>
             <a:endParaRPr lang="en-US" dirty="0"/>
           </a:p>
@@ -12709,7 +12710,34 @@
           <a:p>
             <a:r>
               <a:rPr lang="zh-CN" altLang="en-US" dirty="0"/>
-              <a:t>运算符：算术运算符、关系运算符、逻辑运算符、位运算符、赋值运算符。</a:t>
+              <a:t>程序</a:t>
+            </a:r>
+            <a:r>
+              <a:rPr lang="en-US" altLang="zh-CN" dirty="0"/>
+              <a:t>=</a:t>
+            </a:r>
+            <a:r>
+              <a:rPr lang="zh-CN" altLang="en-US" dirty="0"/>
+              <a:t>算法</a:t>
+            </a:r>
+            <a:r>
+              <a:rPr lang="en-US" altLang="zh-CN" dirty="0"/>
+              <a:t>+</a:t>
+            </a:r>
+            <a:r>
+              <a:rPr lang="zh-CN" altLang="en-US" dirty="0"/>
+              <a:t>数据</a:t>
+            </a:r>
+            <a:endParaRPr lang="en-US" altLang="zh-CN" dirty="0" smtClean="0"/>
+          </a:p>
+          <a:p>
+            <a:r>
+              <a:rPr lang="zh-CN" altLang="en-US" dirty="0" smtClean="0"/>
+              <a:t>运算符</a:t>
+            </a:r>
+            <a:r>
+              <a:rPr lang="zh-CN" altLang="en-US" dirty="0"/>
+              <a:t>：算术运算符、关系运算符、逻辑运算符、位运算符、赋值运算符。</a:t>
             </a:r>
           </a:p>
           <a:p>
@@ -12850,11 +12878,31 @@
               <a:t>3.1 </a:t>
             </a:r>
             <a:r>
-              <a:rPr lang="zh-CN" altLang="zh-CN" b="1" dirty="0"/>
-              <a:t>运算符</a:t>
+              <a:rPr lang="zh-CN" altLang="en-US" b="1" dirty="0" smtClean="0"/>
+              <a:t>程序</a:t>
+            </a:r>
+            <a:r>
+              <a:rPr lang="en-US" altLang="zh-CN" b="1" dirty="0"/>
+              <a:t>=</a:t>
+            </a:r>
+            <a:r>
+              <a:rPr lang="zh-CN" altLang="en-US" b="1" dirty="0"/>
+              <a:t>算法</a:t>
+            </a:r>
+            <a:r>
+              <a:rPr lang="en-US" altLang="zh-CN" b="1" dirty="0"/>
+              <a:t>+</a:t>
+            </a:r>
+            <a:r>
+              <a:rPr lang="zh-CN" altLang="en-US" b="1" dirty="0"/>
+              <a:t>数据</a:t>
+            </a:r>
+            <a:r>
+              <a:rPr lang="en-US" altLang="zh-CN" dirty="0"/>
+              <a:t/>
             </a:r>
             <a:br>
-              <a:rPr lang="zh-CN" altLang="zh-CN" b="1" dirty="0"/>
+              <a:rPr lang="en-US" altLang="zh-CN" dirty="0"/>
             </a:br>
             <a:endParaRPr lang="zh-CN" altLang="en-US" dirty="0"/>
           </a:p>
@@ -12874,61 +12922,6 @@
         <p:txBody>
           <a:bodyPr/>
           <a:lstStyle/>
-          <a:p>
-            <a:r>
-              <a:rPr lang="zh-CN" altLang="en-US" dirty="0"/>
-              <a:t>算术运算</a:t>
-            </a:r>
-            <a:r>
-              <a:rPr lang="zh-CN" altLang="en-US" dirty="0" smtClean="0"/>
-              <a:t>符</a:t>
-            </a:r>
-            <a:endParaRPr lang="en-US" altLang="zh-CN" dirty="0" smtClean="0"/>
-          </a:p>
-          <a:p>
-            <a:r>
-              <a:rPr lang="zh-CN" altLang="en-US" dirty="0"/>
-              <a:t>关系</a:t>
-            </a:r>
-            <a:r>
-              <a:rPr lang="zh-CN" altLang="en-US" dirty="0" smtClean="0"/>
-              <a:t>运算符</a:t>
-            </a:r>
-            <a:endParaRPr lang="en-US" altLang="zh-CN" dirty="0" smtClean="0"/>
-          </a:p>
-          <a:p>
-            <a:r>
-              <a:rPr lang="zh-CN" altLang="en-US" dirty="0"/>
-              <a:t>逻辑运算</a:t>
-            </a:r>
-            <a:r>
-              <a:rPr lang="zh-CN" altLang="en-US" dirty="0" smtClean="0"/>
-              <a:t>符</a:t>
-            </a:r>
-            <a:endParaRPr lang="en-US" altLang="zh-CN" dirty="0" smtClean="0"/>
-          </a:p>
-          <a:p>
-            <a:r>
-              <a:rPr lang="zh-CN" altLang="en-US" dirty="0"/>
-              <a:t>位</a:t>
-            </a:r>
-            <a:r>
-              <a:rPr lang="zh-CN" altLang="en-US" dirty="0" smtClean="0"/>
-              <a:t>运算符</a:t>
-            </a:r>
-            <a:endParaRPr lang="en-US" altLang="zh-CN" dirty="0" smtClean="0"/>
-          </a:p>
-          <a:p>
-            <a:r>
-              <a:rPr lang="zh-CN" altLang="en-US" dirty="0"/>
-              <a:t>赋值</a:t>
-            </a:r>
-            <a:r>
-              <a:rPr lang="zh-CN" altLang="en-US" dirty="0" smtClean="0"/>
-              <a:t>运算符</a:t>
-            </a:r>
-            <a:endParaRPr lang="en-US" altLang="zh-CN" dirty="0" smtClean="0"/>
-          </a:p>
           <a:p>
             <a:endParaRPr lang="zh-CN" altLang="en-US" dirty="0"/>
           </a:p>
@@ -12937,20 +12930,13 @@
     </p:spTree>
     <p:extLst>
       <p:ext uri="{BB962C8B-B14F-4D97-AF65-F5344CB8AC3E}">
-        <p14:creationId xmlns:p14="http://schemas.microsoft.com/office/powerpoint/2010/main" val="1108715177"/>
+        <p14:creationId xmlns:p14="http://schemas.microsoft.com/office/powerpoint/2010/main" val="2275022729"/>
       </p:ext>
     </p:extLst>
   </p:cSld>
   <p:clrMapOvr>
     <a:masterClrMapping/>
   </p:clrMapOvr>
-  <p:timing>
-    <p:tnLst>
-      <p:par>
-        <p:cTn id="1" dur="indefinite" restart="never" nodeType="tmRoot"/>
-      </p:par>
-    </p:tnLst>
-  </p:timing>
 </p:sld>
 </file>
 
@@ -13187,7 +13173,7 @@
             </a:r>
             <a:r>
               <a:rPr lang="zh-CN" altLang="zh-CN" b="1" dirty="0"/>
-              <a:t>控制语句</a:t>
+              <a:t>运算符</a:t>
             </a:r>
             <a:br>
               <a:rPr lang="zh-CN" altLang="zh-CN" b="1" dirty="0"/>
@@ -13213,22 +13199,55 @@
           <a:p>
             <a:r>
               <a:rPr lang="zh-CN" altLang="en-US" dirty="0"/>
-              <a:t>条件</a:t>
+              <a:t>算术运算</a:t>
             </a:r>
             <a:r>
               <a:rPr lang="zh-CN" altLang="en-US" dirty="0" smtClean="0"/>
-              <a:t>语句</a:t>
+              <a:t>符</a:t>
             </a:r>
             <a:endParaRPr lang="en-US" altLang="zh-CN" dirty="0" smtClean="0"/>
           </a:p>
           <a:p>
             <a:r>
               <a:rPr lang="zh-CN" altLang="en-US" dirty="0"/>
-              <a:t>循环</a:t>
+              <a:t>关系</a:t>
             </a:r>
             <a:r>
               <a:rPr lang="zh-CN" altLang="en-US" dirty="0" smtClean="0"/>
-              <a:t>语句</a:t>
+              <a:t>运算符</a:t>
+            </a:r>
+            <a:endParaRPr lang="en-US" altLang="zh-CN" dirty="0" smtClean="0"/>
+          </a:p>
+          <a:p>
+            <a:r>
+              <a:rPr lang="zh-CN" altLang="en-US" dirty="0"/>
+              <a:t>逻辑运算</a:t>
+            </a:r>
+            <a:r>
+              <a:rPr lang="zh-CN" altLang="en-US" dirty="0" smtClean="0"/>
+              <a:t>符</a:t>
+            </a:r>
+            <a:endParaRPr lang="en-US" altLang="zh-CN" dirty="0" smtClean="0"/>
+          </a:p>
+          <a:p>
+            <a:r>
+              <a:rPr lang="zh-CN" altLang="en-US" dirty="0"/>
+              <a:t>位</a:t>
+            </a:r>
+            <a:r>
+              <a:rPr lang="zh-CN" altLang="en-US" dirty="0" smtClean="0"/>
+              <a:t>运算符</a:t>
+            </a:r>
+            <a:endParaRPr lang="en-US" altLang="zh-CN" dirty="0" smtClean="0"/>
+          </a:p>
+          <a:p>
+            <a:r>
+              <a:rPr lang="zh-CN" altLang="en-US" dirty="0"/>
+              <a:t>赋值</a:t>
+            </a:r>
+            <a:r>
+              <a:rPr lang="zh-CN" altLang="en-US" dirty="0" smtClean="0"/>
+              <a:t>运算符</a:t>
             </a:r>
             <a:endParaRPr lang="en-US" altLang="zh-CN" dirty="0" smtClean="0"/>
           </a:p>
@@ -13240,7 +13259,7 @@
     </p:spTree>
     <p:extLst>
       <p:ext uri="{BB962C8B-B14F-4D97-AF65-F5344CB8AC3E}">
-        <p14:creationId xmlns:p14="http://schemas.microsoft.com/office/powerpoint/2010/main" val="883460551"/>
+        <p14:creationId xmlns:p14="http://schemas.microsoft.com/office/powerpoint/2010/main" val="1108715177"/>
       </p:ext>
     </p:extLst>
   </p:cSld>
@@ -13295,7 +13314,7 @@
             </a:r>
             <a:r>
               <a:rPr lang="zh-CN" altLang="zh-CN" b="1" dirty="0"/>
-              <a:t>输入与输出</a:t>
+              <a:t>控制语句</a:t>
             </a:r>
             <a:br>
               <a:rPr lang="zh-CN" altLang="zh-CN" b="1" dirty="0"/>
@@ -13321,53 +13340,34 @@
           <a:p>
             <a:r>
               <a:rPr lang="zh-CN" altLang="en-US" dirty="0"/>
-              <a:t>使用 </a:t>
-            </a:r>
-            <a:r>
-              <a:rPr lang="en-US" altLang="zh-CN" dirty="0" err="1"/>
-              <a:t>cin</a:t>
-            </a:r>
-            <a:r>
-              <a:rPr lang="en-US" altLang="zh-CN" dirty="0"/>
-              <a:t> </a:t>
+              <a:t>条件</a:t>
             </a:r>
             <a:r>
               <a:rPr lang="zh-CN" altLang="en-US" dirty="0" smtClean="0"/>
-              <a:t>输入数据</a:t>
+              <a:t>语句</a:t>
             </a:r>
             <a:endParaRPr lang="en-US" altLang="zh-CN" dirty="0" smtClean="0"/>
           </a:p>
           <a:p>
             <a:r>
               <a:rPr lang="zh-CN" altLang="en-US" dirty="0"/>
-              <a:t>使用 </a:t>
-            </a:r>
-            <a:r>
-              <a:rPr lang="en-US" altLang="zh-CN" dirty="0" err="1"/>
-              <a:t>cout</a:t>
-            </a:r>
-            <a:r>
-              <a:rPr lang="en-US" altLang="zh-CN" dirty="0"/>
-              <a:t> </a:t>
+              <a:t>循环</a:t>
             </a:r>
             <a:r>
               <a:rPr lang="zh-CN" altLang="en-US" dirty="0" smtClean="0"/>
-              <a:t>输出数据</a:t>
+              <a:t>语句</a:t>
             </a:r>
             <a:endParaRPr lang="en-US" altLang="zh-CN" dirty="0" smtClean="0"/>
           </a:p>
           <a:p>
-            <a:r>
-              <a:rPr lang="zh-CN" altLang="en-US" dirty="0"/>
-              <a:t>使用格式化输出</a:t>
-            </a:r>
+            <a:endParaRPr lang="zh-CN" altLang="en-US" dirty="0"/>
           </a:p>
         </p:txBody>
       </p:sp>
     </p:spTree>
     <p:extLst>
       <p:ext uri="{BB962C8B-B14F-4D97-AF65-F5344CB8AC3E}">
-        <p14:creationId xmlns:p14="http://schemas.microsoft.com/office/powerpoint/2010/main" val="2406778273"/>
+        <p14:creationId xmlns:p14="http://schemas.microsoft.com/office/powerpoint/2010/main" val="883460551"/>
       </p:ext>
     </p:extLst>
   </p:cSld>
@@ -13417,13 +13417,16 @@
           <a:lstStyle/>
           <a:p>
             <a:r>
-              <a:rPr lang="en-US" altLang="zh-CN" dirty="0" smtClean="0"/>
+              <a:rPr lang="en-US" altLang="zh-CN" b="1" dirty="0" smtClean="0"/>
               <a:t>3.4 </a:t>
             </a:r>
             <a:r>
               <a:rPr lang="zh-CN" altLang="zh-CN" b="1" dirty="0"/>
-              <a:t>课后练习</a:t>
-            </a:r>
+              <a:t>输入与输出</a:t>
+            </a:r>
+            <a:br>
+              <a:rPr lang="zh-CN" altLang="zh-CN" b="1" dirty="0"/>
+            </a:br>
             <a:endParaRPr lang="zh-CN" altLang="en-US" dirty="0"/>
           </a:p>
         </p:txBody>
@@ -13445,66 +13448,53 @@
           <a:p>
             <a:r>
               <a:rPr lang="zh-CN" altLang="en-US" dirty="0"/>
-              <a:t>编写一个程序，接收两个整数输入，输出它们的和、差、积和商。</a:t>
-            </a:r>
-          </a:p>
-          <a:p>
-            <a:r>
-              <a:rPr lang="zh-CN" altLang="en-US" dirty="0"/>
-              <a:t>编写一个程序，判断输入的整数是正数、负数还是零。</a:t>
-            </a:r>
-          </a:p>
-          <a:p>
-            <a:r>
-              <a:rPr lang="zh-CN" altLang="en-US" dirty="0"/>
-              <a:t>编写一个程序，输出从</a:t>
-            </a:r>
-            <a:r>
-              <a:rPr lang="en-US" altLang="zh-CN" dirty="0"/>
-              <a:t>1</a:t>
-            </a:r>
-            <a:r>
-              <a:rPr lang="zh-CN" altLang="en-US" dirty="0"/>
-              <a:t>到</a:t>
-            </a:r>
-            <a:r>
-              <a:rPr lang="en-US" altLang="zh-CN" dirty="0"/>
-              <a:t>100</a:t>
-            </a:r>
-            <a:r>
-              <a:rPr lang="zh-CN" altLang="en-US" dirty="0"/>
-              <a:t>的所有奇数。</a:t>
-            </a:r>
-          </a:p>
-          <a:p>
-            <a:r>
-              <a:rPr lang="zh-CN" altLang="en-US" dirty="0"/>
               <a:t>使用 </a:t>
             </a:r>
             <a:r>
-              <a:rPr lang="en-US" altLang="zh-CN" dirty="0"/>
-              <a:t>switch </a:t>
-            </a:r>
-            <a:r>
-              <a:rPr lang="zh-CN" altLang="en-US" dirty="0"/>
-              <a:t>语句编写一个程序，根据输入的星期数字（</a:t>
-            </a:r>
-            <a:r>
-              <a:rPr lang="en-US" altLang="zh-CN" dirty="0"/>
-              <a:t>1-7</a:t>
-            </a:r>
-            <a:r>
-              <a:rPr lang="zh-CN" altLang="en-US" dirty="0"/>
-              <a:t>）输出对应的星期名称。</a:t>
-            </a:r>
-            <a:endParaRPr lang="zh-CN" altLang="en-US" dirty="0"/>
+              <a:rPr lang="en-US" altLang="zh-CN" dirty="0" err="1"/>
+              <a:t>cin</a:t>
+            </a:r>
+            <a:r>
+              <a:rPr lang="en-US" altLang="zh-CN" dirty="0"/>
+              <a:t> </a:t>
+            </a:r>
+            <a:r>
+              <a:rPr lang="zh-CN" altLang="en-US" dirty="0" smtClean="0"/>
+              <a:t>输入数据</a:t>
+            </a:r>
+            <a:endParaRPr lang="en-US" altLang="zh-CN" dirty="0" smtClean="0"/>
+          </a:p>
+          <a:p>
+            <a:r>
+              <a:rPr lang="zh-CN" altLang="en-US" dirty="0"/>
+              <a:t>使用 </a:t>
+            </a:r>
+            <a:r>
+              <a:rPr lang="en-US" altLang="zh-CN" dirty="0" err="1"/>
+              <a:t>cout</a:t>
+            </a:r>
+            <a:r>
+              <a:rPr lang="en-US" altLang="zh-CN" dirty="0"/>
+              <a:t> </a:t>
+            </a:r>
+            <a:r>
+              <a:rPr lang="zh-CN" altLang="en-US" dirty="0" smtClean="0"/>
+              <a:t>输出数据</a:t>
+            </a:r>
+            <a:endParaRPr lang="en-US" altLang="zh-CN" dirty="0" smtClean="0"/>
+          </a:p>
+          <a:p>
+            <a:r>
+              <a:rPr lang="zh-CN" altLang="en-US" dirty="0"/>
+              <a:t>使用格式化输出</a:t>
+            </a:r>
           </a:p>
         </p:txBody>
       </p:sp>
     </p:spTree>
     <p:extLst>
       <p:ext uri="{BB962C8B-B14F-4D97-AF65-F5344CB8AC3E}">
-        <p14:creationId xmlns:p14="http://schemas.microsoft.com/office/powerpoint/2010/main" val="1980070636"/>
+        <p14:creationId xmlns:p14="http://schemas.microsoft.com/office/powerpoint/2010/main" val="2406778273"/>
       </p:ext>
     </p:extLst>
   </p:cSld>
@@ -13554,32 +13544,12 @@
           <a:lstStyle/>
           <a:p>
             <a:r>
-              <a:rPr lang="zh-CN" altLang="en-US" b="1" dirty="0" smtClean="0">
-                <a:latin typeface="华文楷体" pitchFamily="2" charset="-122"/>
-                <a:ea typeface="华文楷体" pitchFamily="2" charset="-122"/>
-              </a:rPr>
-              <a:t>第</a:t>
-            </a:r>
-            <a:r>
-              <a:rPr lang="en-US" altLang="zh-CN" b="1" dirty="0" smtClean="0">
-                <a:latin typeface="华文楷体" pitchFamily="2" charset="-122"/>
-                <a:ea typeface="华文楷体" pitchFamily="2" charset="-122"/>
-              </a:rPr>
-              <a:t>4</a:t>
-            </a:r>
-            <a:r>
-              <a:rPr lang="zh-CN" altLang="en-US" b="1" dirty="0" smtClean="0">
-                <a:latin typeface="华文楷体" pitchFamily="2" charset="-122"/>
-                <a:ea typeface="华文楷体" pitchFamily="2" charset="-122"/>
-              </a:rPr>
-              <a:t>章</a:t>
-            </a:r>
-            <a:r>
-              <a:rPr lang="zh-CN" altLang="en-US" b="1" dirty="0">
-                <a:latin typeface="华文楷体" pitchFamily="2" charset="-122"/>
-                <a:ea typeface="华文楷体" pitchFamily="2" charset="-122"/>
-              </a:rPr>
-              <a:t>函数与数组</a:t>
+              <a:rPr lang="en-US" altLang="zh-CN" smtClean="0"/>
+              <a:t>3.5 </a:t>
+            </a:r>
+            <a:r>
+              <a:rPr lang="zh-CN" altLang="zh-CN" b="1" dirty="0"/>
+              <a:t>课后练习</a:t>
             </a:r>
             <a:endParaRPr lang="zh-CN" altLang="en-US" dirty="0"/>
           </a:p>
@@ -13602,19 +13572,57 @@
           <a:p>
             <a:r>
               <a:rPr lang="zh-CN" altLang="en-US" dirty="0"/>
-              <a:t>函数定义与调用：参数传递（值传递、引用传递）、返回值。</a:t>
-            </a:r>
-          </a:p>
-          <a:p>
-            <a:r>
-              <a:rPr lang="zh-CN" altLang="en-US" dirty="0"/>
-              <a:t>函数重载与递归：函数重载规则、递归函数的使用与优化。</a:t>
-            </a:r>
-          </a:p>
-          <a:p>
-            <a:r>
-              <a:rPr lang="zh-CN" altLang="en-US" dirty="0"/>
-              <a:t>数组：一维数组、二维数组的定义与使用，数组与指针的关系。</a:t>
+              <a:t>编写一个程序，接收两个整数输入，输出它们的和、差、积和商。</a:t>
+            </a:r>
+          </a:p>
+          <a:p>
+            <a:r>
+              <a:rPr lang="zh-CN" altLang="en-US" dirty="0"/>
+              <a:t>编写一个程序，判断输入的整数是正数、负数还是零。</a:t>
+            </a:r>
+          </a:p>
+          <a:p>
+            <a:r>
+              <a:rPr lang="zh-CN" altLang="en-US" dirty="0"/>
+              <a:t>编写一个程序，输出从</a:t>
+            </a:r>
+            <a:r>
+              <a:rPr lang="en-US" altLang="zh-CN" dirty="0"/>
+              <a:t>1</a:t>
+            </a:r>
+            <a:r>
+              <a:rPr lang="zh-CN" altLang="en-US" dirty="0"/>
+              <a:t>到</a:t>
+            </a:r>
+            <a:r>
+              <a:rPr lang="en-US" altLang="zh-CN" dirty="0"/>
+              <a:t>100</a:t>
+            </a:r>
+            <a:r>
+              <a:rPr lang="zh-CN" altLang="en-US" dirty="0"/>
+              <a:t>的所有奇数。</a:t>
+            </a:r>
+          </a:p>
+          <a:p>
+            <a:r>
+              <a:rPr lang="zh-CN" altLang="en-US" dirty="0"/>
+              <a:t>使用 </a:t>
+            </a:r>
+            <a:r>
+              <a:rPr lang="en-US" altLang="zh-CN" dirty="0"/>
+              <a:t>switch </a:t>
+            </a:r>
+            <a:r>
+              <a:rPr lang="zh-CN" altLang="en-US" dirty="0"/>
+              <a:t>语句编写一个程序，根据输入的星期数字（</a:t>
+            </a:r>
+            <a:r>
+              <a:rPr lang="en-US" altLang="zh-CN" dirty="0"/>
+              <a:t>1-7</a:t>
+            </a:r>
+            <a:r>
+              <a:rPr lang="zh-CN" altLang="en-US" dirty="0"/>
+              <a:t>）输出对应的星期名称。</a:t>
             </a:r>
           </a:p>
         </p:txBody>
@@ -13622,7 +13630,7 @@
     </p:spTree>
     <p:extLst>
       <p:ext uri="{BB962C8B-B14F-4D97-AF65-F5344CB8AC3E}">
-        <p14:creationId xmlns:p14="http://schemas.microsoft.com/office/powerpoint/2010/main" val="3528018120"/>
+        <p14:creationId xmlns:p14="http://schemas.microsoft.com/office/powerpoint/2010/main" val="1980070636"/>
       </p:ext>
     </p:extLst>
   </p:cSld>
@@ -13683,7 +13691,7 @@
                 <a:latin typeface="华文楷体" pitchFamily="2" charset="-122"/>
                 <a:ea typeface="华文楷体" pitchFamily="2" charset="-122"/>
               </a:rPr>
-              <a:t>5</a:t>
+              <a:t>4</a:t>
             </a:r>
             <a:r>
               <a:rPr lang="zh-CN" altLang="en-US" b="1" dirty="0" smtClean="0">
@@ -13697,21 +13705,7 @@
                 <a:latin typeface="华文楷体" pitchFamily="2" charset="-122"/>
                 <a:ea typeface="华文楷体" pitchFamily="2" charset="-122"/>
               </a:rPr>
-              <a:t>面向对象编程（</a:t>
-            </a:r>
-            <a:r>
-              <a:rPr lang="en-US" altLang="zh-CN" b="1" dirty="0">
-                <a:latin typeface="华文楷体" pitchFamily="2" charset="-122"/>
-                <a:ea typeface="华文楷体" pitchFamily="2" charset="-122"/>
-              </a:rPr>
-              <a:t>OOP</a:t>
-            </a:r>
-            <a:r>
-              <a:rPr lang="zh-CN" altLang="en-US" b="1" dirty="0">
-                <a:latin typeface="华文楷体" pitchFamily="2" charset="-122"/>
-                <a:ea typeface="华文楷体" pitchFamily="2" charset="-122"/>
-              </a:rPr>
-              <a:t>）基础</a:t>
+              <a:t>函数与数组</a:t>
             </a:r>
             <a:endParaRPr lang="zh-CN" altLang="en-US" dirty="0"/>
           </a:p>
@@ -13734,49 +13728,19 @@
           <a:p>
             <a:r>
               <a:rPr lang="zh-CN" altLang="en-US" dirty="0"/>
-              <a:t>类与对象：定义类、创建对象、构造函数与析构函数。</a:t>
-            </a:r>
-          </a:p>
-          <a:p>
-            <a:r>
-              <a:rPr lang="zh-CN" altLang="en-US" dirty="0"/>
-              <a:t>封装：访问控制修饰符（</a:t>
-            </a:r>
-            <a:r>
-              <a:rPr lang="en-US" altLang="zh-CN" dirty="0"/>
-              <a:t>public</a:t>
-            </a:r>
-            <a:r>
-              <a:rPr lang="zh-CN" altLang="en-US" dirty="0"/>
-              <a:t>、</a:t>
-            </a:r>
-            <a:r>
-              <a:rPr lang="en-US" altLang="zh-CN" dirty="0"/>
-              <a:t>private</a:t>
-            </a:r>
-            <a:r>
-              <a:rPr lang="zh-CN" altLang="en-US" dirty="0"/>
-              <a:t>、</a:t>
-            </a:r>
-            <a:r>
-              <a:rPr lang="en-US" altLang="zh-CN" dirty="0"/>
-              <a:t>protected</a:t>
-            </a:r>
-            <a:r>
-              <a:rPr lang="zh-CN" altLang="en-US" dirty="0"/>
-              <a:t>）。</a:t>
-            </a:r>
-          </a:p>
-          <a:p>
-            <a:r>
-              <a:rPr lang="zh-CN" altLang="en-US" dirty="0"/>
-              <a:t>继承：继承的概念、基类与派生类、多重继承。</a:t>
-            </a:r>
-          </a:p>
-          <a:p>
-            <a:r>
-              <a:rPr lang="zh-CN" altLang="en-US" dirty="0"/>
-              <a:t>多态：虚函数、纯虚函数、虚函数的重写、运行时多态。</a:t>
+              <a:t>函数定义与调用：参数传递（值传递、引用传递）、返回值。</a:t>
+            </a:r>
+          </a:p>
+          <a:p>
+            <a:r>
+              <a:rPr lang="zh-CN" altLang="en-US" dirty="0"/>
+              <a:t>函数重载与递归：函数重载规则、递归函数的使用与优化。</a:t>
+            </a:r>
+          </a:p>
+          <a:p>
+            <a:r>
+              <a:rPr lang="zh-CN" altLang="en-US" dirty="0"/>
+              <a:t>数组：一维数组、二维数组的定义与使用，数组与指针的关系。</a:t>
             </a:r>
           </a:p>
         </p:txBody>
@@ -13784,7 +13748,7 @@
     </p:spTree>
     <p:extLst>
       <p:ext uri="{BB962C8B-B14F-4D97-AF65-F5344CB8AC3E}">
-        <p14:creationId xmlns:p14="http://schemas.microsoft.com/office/powerpoint/2010/main" val="2413468171"/>
+        <p14:creationId xmlns:p14="http://schemas.microsoft.com/office/powerpoint/2010/main" val="3528018120"/>
       </p:ext>
     </p:extLst>
   </p:cSld>
@@ -13834,13 +13798,48 @@
           <a:lstStyle/>
           <a:p>
             <a:r>
-              <a:rPr lang="en-US" altLang="zh-CN" b="1" dirty="0" smtClean="0"/>
-              <a:t>5.1 </a:t>
-            </a:r>
-            <a:r>
-              <a:rPr lang="zh-CN" altLang="en-US" b="1" dirty="0"/>
-              <a:t>为什么使用面向对象</a:t>
-            </a:r>
+              <a:rPr lang="zh-CN" altLang="en-US" b="1" dirty="0" smtClean="0">
+                <a:latin typeface="华文楷体" pitchFamily="2" charset="-122"/>
+                <a:ea typeface="华文楷体" pitchFamily="2" charset="-122"/>
+              </a:rPr>
+              <a:t>第</a:t>
+            </a:r>
+            <a:r>
+              <a:rPr lang="en-US" altLang="zh-CN" b="1" dirty="0" smtClean="0">
+                <a:latin typeface="华文楷体" pitchFamily="2" charset="-122"/>
+                <a:ea typeface="华文楷体" pitchFamily="2" charset="-122"/>
+              </a:rPr>
+              <a:t>5</a:t>
+            </a:r>
+            <a:r>
+              <a:rPr lang="zh-CN" altLang="en-US" b="1" dirty="0" smtClean="0">
+                <a:latin typeface="华文楷体" pitchFamily="2" charset="-122"/>
+                <a:ea typeface="华文楷体" pitchFamily="2" charset="-122"/>
+              </a:rPr>
+              <a:t>章</a:t>
+            </a:r>
+            <a:r>
+              <a:rPr lang="zh-CN" altLang="en-US" b="1" dirty="0">
+                <a:latin typeface="华文楷体" pitchFamily="2" charset="-122"/>
+                <a:ea typeface="华文楷体" pitchFamily="2" charset="-122"/>
+              </a:rPr>
+              <a:t>面向对象编程（</a:t>
+            </a:r>
+            <a:r>
+              <a:rPr lang="en-US" altLang="zh-CN" b="1" dirty="0">
+                <a:latin typeface="华文楷体" pitchFamily="2" charset="-122"/>
+                <a:ea typeface="华文楷体" pitchFamily="2" charset="-122"/>
+              </a:rPr>
+              <a:t>OOP</a:t>
+            </a:r>
+            <a:r>
+              <a:rPr lang="zh-CN" altLang="en-US" b="1" dirty="0">
+                <a:latin typeface="华文楷体" pitchFamily="2" charset="-122"/>
+                <a:ea typeface="华文楷体" pitchFamily="2" charset="-122"/>
+              </a:rPr>
+              <a:t>）基础</a:t>
+            </a:r>
+            <a:endParaRPr lang="zh-CN" altLang="en-US" dirty="0"/>
           </a:p>
         </p:txBody>
       </p:sp>
@@ -13861,72 +13860,49 @@
           <a:p>
             <a:r>
               <a:rPr lang="zh-CN" altLang="en-US" dirty="0"/>
-              <a:t>面向对象编程（</a:t>
-            </a:r>
-            <a:r>
-              <a:rPr lang="en-US" altLang="zh-CN" dirty="0"/>
-              <a:t>OOP</a:t>
-            </a:r>
-            <a:r>
-              <a:rPr lang="zh-CN" altLang="en-US" dirty="0"/>
-              <a:t>）是软件开发中的一种编程范式，它与传统的过程化编程（如</a:t>
-            </a:r>
-            <a:r>
-              <a:rPr lang="en-US" altLang="zh-CN" dirty="0"/>
-              <a:t>C</a:t>
-            </a:r>
-            <a:r>
-              <a:rPr lang="zh-CN" altLang="en-US" dirty="0"/>
-              <a:t>语言）相比，提供了更高的灵活性和可维护性。通过将数据和操作数据的方法封装在一起，</a:t>
-            </a:r>
-            <a:r>
-              <a:rPr lang="en-US" altLang="zh-CN" dirty="0"/>
-              <a:t>OOP</a:t>
-            </a:r>
-            <a:r>
-              <a:rPr lang="zh-CN" altLang="en-US" dirty="0"/>
-              <a:t>可以使代码更加模块化、可扩展和易于维护</a:t>
-            </a:r>
-            <a:r>
-              <a:rPr lang="zh-CN" altLang="en-US" dirty="0" smtClean="0"/>
-              <a:t>。</a:t>
-            </a:r>
-            <a:endParaRPr lang="en-US" altLang="zh-CN" dirty="0" smtClean="0"/>
-          </a:p>
-          <a:p>
-            <a:r>
-              <a:rPr lang="zh-CN" altLang="en-US" dirty="0"/>
-              <a:t>面向对象的</a:t>
-            </a:r>
-            <a:r>
-              <a:rPr lang="zh-CN" altLang="en-US" dirty="0" smtClean="0"/>
-              <a:t>优势</a:t>
-            </a:r>
-            <a:endParaRPr lang="en-US" altLang="zh-CN" dirty="0" smtClean="0"/>
-          </a:p>
-          <a:p>
-            <a:r>
-              <a:rPr lang="zh-CN" altLang="en-US" dirty="0"/>
-              <a:t>与 </a:t>
-            </a:r>
-            <a:r>
-              <a:rPr lang="en-US" altLang="zh-CN" dirty="0"/>
-              <a:t>C </a:t>
-            </a:r>
-            <a:r>
-              <a:rPr lang="zh-CN" altLang="en-US" dirty="0"/>
-              <a:t>语言的</a:t>
-            </a:r>
-            <a:r>
-              <a:rPr lang="zh-CN" altLang="en-US" dirty="0" smtClean="0"/>
-              <a:t>区别</a:t>
-            </a:r>
-            <a:endParaRPr lang="en-US" altLang="zh-CN" dirty="0" smtClean="0"/>
-          </a:p>
-          <a:p>
-            <a:r>
-              <a:rPr lang="zh-CN" altLang="en-US" dirty="0"/>
-              <a:t>为什么选择面向对象编程</a:t>
+              <a:t>类与对象：定义类、创建对象、构造函数与析构函数。</a:t>
+            </a:r>
+          </a:p>
+          <a:p>
+            <a:r>
+              <a:rPr lang="zh-CN" altLang="en-US" dirty="0"/>
+              <a:t>封装：访问控制修饰符（</a:t>
+            </a:r>
+            <a:r>
+              <a:rPr lang="en-US" altLang="zh-CN" dirty="0"/>
+              <a:t>public</a:t>
+            </a:r>
+            <a:r>
+              <a:rPr lang="zh-CN" altLang="en-US" dirty="0"/>
+              <a:t>、</a:t>
+            </a:r>
+            <a:r>
+              <a:rPr lang="en-US" altLang="zh-CN" dirty="0"/>
+              <a:t>private</a:t>
+            </a:r>
+            <a:r>
+              <a:rPr lang="zh-CN" altLang="en-US" dirty="0"/>
+              <a:t>、</a:t>
+            </a:r>
+            <a:r>
+              <a:rPr lang="en-US" altLang="zh-CN" dirty="0"/>
+              <a:t>protected</a:t>
+            </a:r>
+            <a:r>
+              <a:rPr lang="zh-CN" altLang="en-US" dirty="0"/>
+              <a:t>）。</a:t>
+            </a:r>
+          </a:p>
+          <a:p>
+            <a:r>
+              <a:rPr lang="zh-CN" altLang="en-US" dirty="0"/>
+              <a:t>继承：继承的概念、基类与派生类、多重继承。</a:t>
+            </a:r>
+          </a:p>
+          <a:p>
+            <a:r>
+              <a:rPr lang="zh-CN" altLang="en-US" dirty="0"/>
+              <a:t>多态：虚函数、纯虚函数、虚函数的重写、运行时多态。</a:t>
             </a:r>
           </a:p>
         </p:txBody>
@@ -13934,13 +13910,20 @@
     </p:spTree>
     <p:extLst>
       <p:ext uri="{BB962C8B-B14F-4D97-AF65-F5344CB8AC3E}">
-        <p14:creationId xmlns:p14="http://schemas.microsoft.com/office/powerpoint/2010/main" val="329754630"/>
+        <p14:creationId xmlns:p14="http://schemas.microsoft.com/office/powerpoint/2010/main" val="2413468171"/>
       </p:ext>
     </p:extLst>
   </p:cSld>
   <p:clrMapOvr>
     <a:masterClrMapping/>
   </p:clrMapOvr>
+  <p:timing>
+    <p:tnLst>
+      <p:par>
+        <p:cTn id="1" dur="indefinite" restart="never" nodeType="tmRoot"/>
+      </p:par>
+    </p:tnLst>
+  </p:timing>
 </p:sld>
 </file>
 
@@ -13977,17 +13960,13 @@
           <a:lstStyle/>
           <a:p>
             <a:r>
+              <a:rPr lang="en-US" altLang="zh-CN" b="1" dirty="0" smtClean="0"/>
+              <a:t>5.1 </a:t>
+            </a:r>
+            <a:r>
               <a:rPr lang="zh-CN" altLang="en-US" b="1" dirty="0"/>
-              <a:t>面向对象的优势</a:t>
-            </a:r>
-            <a:r>
-              <a:rPr lang="en-US" altLang="zh-CN" dirty="0"/>
-              <a:t/>
-            </a:r>
-            <a:br>
-              <a:rPr lang="en-US" altLang="zh-CN" dirty="0"/>
-            </a:br>
-            <a:endParaRPr lang="zh-CN" altLang="en-US" dirty="0"/>
+              <a:t>为什么使用面向对象</a:t>
+            </a:r>
           </a:p>
         </p:txBody>
       </p:sp>
@@ -14008,7 +13987,7 @@
           <a:p>
             <a:r>
               <a:rPr lang="zh-CN" altLang="en-US" dirty="0"/>
-              <a:t>封装：</a:t>
+              <a:t>面向对象编程（</a:t>
             </a:r>
             <a:r>
               <a:rPr lang="en-US" altLang="zh-CN" dirty="0"/>
@@ -14016,25 +13995,15 @@
             </a:r>
             <a:r>
               <a:rPr lang="zh-CN" altLang="en-US" dirty="0"/>
-              <a:t>鼓励将数据与数据操作封装在一起，减少数据访问的复杂性。通过封装，类的实现细节可以隐藏，外部代码只需关注接口而非实现。</a:t>
-            </a:r>
-          </a:p>
-          <a:p>
-            <a:r>
-              <a:rPr lang="zh-CN" altLang="en-US" dirty="0"/>
-              <a:t>继承：继承允许类继承另一个类的属性和方法，减少代码的重复，增强代码的重用性。</a:t>
-            </a:r>
-          </a:p>
-          <a:p>
-            <a:r>
-              <a:rPr lang="zh-CN" altLang="en-US" dirty="0"/>
-              <a:t>多态：多态使得同一操作可以在不同类型的对象上表现出不同的行为，提高了代码的灵活性。</a:t>
-            </a:r>
-          </a:p>
-          <a:p>
-            <a:r>
-              <a:rPr lang="zh-CN" altLang="en-US" dirty="0"/>
-              <a:t>模块化与可维护性：</a:t>
+              <a:t>）是软件开发中的一种编程范式，它与传统的过程化编程（如</a:t>
+            </a:r>
+            <a:r>
+              <a:rPr lang="en-US" altLang="zh-CN" dirty="0"/>
+              <a:t>C</a:t>
+            </a:r>
+            <a:r>
+              <a:rPr lang="zh-CN" altLang="en-US" dirty="0"/>
+              <a:t>语言）相比，提供了更高的灵活性和可维护性。通过将数据和操作数据的方法封装在一起，</a:t>
             </a:r>
             <a:r>
               <a:rPr lang="en-US" altLang="zh-CN" dirty="0"/>
@@ -14042,7 +14011,48 @@
             </a:r>
             <a:r>
               <a:rPr lang="zh-CN" altLang="en-US" dirty="0"/>
-              <a:t>允许将一个大程序拆分成多个小模块，每个模块负责自己独立的功能，增强了代码的可维护性和扩展性。</a:t>
+              <a:t>可以使代码更加模块化、可扩展和易于维护</a:t>
+            </a:r>
+            <a:r>
+              <a:rPr lang="zh-CN" altLang="en-US" dirty="0" smtClean="0"/>
+              <a:t>。</a:t>
+            </a:r>
+            <a:endParaRPr lang="en-US" altLang="zh-CN" dirty="0" smtClean="0"/>
+          </a:p>
+          <a:p>
+            <a:r>
+              <a:rPr lang="zh-CN" altLang="en-US" dirty="0"/>
+              <a:t>面向对象的</a:t>
+            </a:r>
+            <a:r>
+              <a:rPr lang="zh-CN" altLang="en-US" dirty="0" smtClean="0"/>
+              <a:t>优势</a:t>
+            </a:r>
+            <a:endParaRPr lang="en-US" altLang="zh-CN" dirty="0" smtClean="0"/>
+          </a:p>
+          <a:p>
+            <a:r>
+              <a:rPr lang="zh-CN" altLang="en-US" dirty="0"/>
+              <a:t>与 </a:t>
+            </a:r>
+            <a:r>
+              <a:rPr lang="en-US" altLang="zh-CN" dirty="0"/>
+              <a:t>C </a:t>
+            </a:r>
+            <a:r>
+              <a:rPr lang="zh-CN" altLang="en-US" dirty="0"/>
+              <a:t>语言的</a:t>
+            </a:r>
+            <a:r>
+              <a:rPr lang="zh-CN" altLang="en-US" dirty="0" smtClean="0"/>
+              <a:t>区别</a:t>
+            </a:r>
+            <a:endParaRPr lang="en-US" altLang="zh-CN" dirty="0" smtClean="0"/>
+          </a:p>
+          <a:p>
+            <a:r>
+              <a:rPr lang="zh-CN" altLang="en-US" dirty="0"/>
+              <a:t>为什么选择面向对象编程</a:t>
             </a:r>
           </a:p>
         </p:txBody>
@@ -14050,7 +14060,7 @@
     </p:spTree>
     <p:extLst>
       <p:ext uri="{BB962C8B-B14F-4D97-AF65-F5344CB8AC3E}">
-        <p14:creationId xmlns:p14="http://schemas.microsoft.com/office/powerpoint/2010/main" val="1941399030"/>
+        <p14:creationId xmlns:p14="http://schemas.microsoft.com/office/powerpoint/2010/main" val="329754630"/>
       </p:ext>
     </p:extLst>
   </p:cSld>
@@ -14094,6 +14104,122 @@
           <a:p>
             <a:r>
               <a:rPr lang="zh-CN" altLang="en-US" b="1" dirty="0"/>
+              <a:t>面向对象的优势</a:t>
+            </a:r>
+            <a:r>
+              <a:rPr lang="en-US" altLang="zh-CN" dirty="0"/>
+              <a:t/>
+            </a:r>
+            <a:br>
+              <a:rPr lang="en-US" altLang="zh-CN" dirty="0"/>
+            </a:br>
+            <a:endParaRPr lang="zh-CN" altLang="en-US" dirty="0"/>
+          </a:p>
+        </p:txBody>
+      </p:sp>
+      <p:sp>
+        <p:nvSpPr>
+          <p:cNvPr id="3" name="内容占位符 2"/>
+          <p:cNvSpPr>
+            <a:spLocks noGrp="1"/>
+          </p:cNvSpPr>
+          <p:nvPr>
+            <p:ph idx="1"/>
+          </p:nvPr>
+        </p:nvSpPr>
+        <p:spPr/>
+        <p:txBody>
+          <a:bodyPr/>
+          <a:lstStyle/>
+          <a:p>
+            <a:r>
+              <a:rPr lang="zh-CN" altLang="en-US" dirty="0"/>
+              <a:t>封装：</a:t>
+            </a:r>
+            <a:r>
+              <a:rPr lang="en-US" altLang="zh-CN" dirty="0"/>
+              <a:t>OOP</a:t>
+            </a:r>
+            <a:r>
+              <a:rPr lang="zh-CN" altLang="en-US" dirty="0"/>
+              <a:t>鼓励将数据与数据操作封装在一起，减少数据访问的复杂性。通过封装，类的实现细节可以隐藏，外部代码只需关注接口而非实现。</a:t>
+            </a:r>
+          </a:p>
+          <a:p>
+            <a:r>
+              <a:rPr lang="zh-CN" altLang="en-US" dirty="0"/>
+              <a:t>继承：继承允许类继承另一个类的属性和方法，减少代码的重复，增强代码的重用性。</a:t>
+            </a:r>
+          </a:p>
+          <a:p>
+            <a:r>
+              <a:rPr lang="zh-CN" altLang="en-US" dirty="0"/>
+              <a:t>多态：多态使得同一操作可以在不同类型的对象上表现出不同的行为，提高了代码的灵活性。</a:t>
+            </a:r>
+          </a:p>
+          <a:p>
+            <a:r>
+              <a:rPr lang="zh-CN" altLang="en-US" dirty="0"/>
+              <a:t>模块化与可维护性：</a:t>
+            </a:r>
+            <a:r>
+              <a:rPr lang="en-US" altLang="zh-CN" dirty="0"/>
+              <a:t>OOP</a:t>
+            </a:r>
+            <a:r>
+              <a:rPr lang="zh-CN" altLang="en-US" dirty="0"/>
+              <a:t>允许将一个大程序拆分成多个小模块，每个模块负责自己独立的功能，增强了代码的可维护性和扩展性。</a:t>
+            </a:r>
+          </a:p>
+        </p:txBody>
+      </p:sp>
+    </p:spTree>
+    <p:extLst>
+      <p:ext uri="{BB962C8B-B14F-4D97-AF65-F5344CB8AC3E}">
+        <p14:creationId xmlns:p14="http://schemas.microsoft.com/office/powerpoint/2010/main" val="1941399030"/>
+      </p:ext>
+    </p:extLst>
+  </p:cSld>
+  <p:clrMapOvr>
+    <a:masterClrMapping/>
+  </p:clrMapOvr>
+</p:sld>
+</file>
+
+<file path=ppt/slides/slide38.xml><?xml version="1.0" encoding="utf-8"?>
+<p:sld xmlns:a="http://schemas.openxmlformats.org/drawingml/2006/main" xmlns:r="http://schemas.openxmlformats.org/officeDocument/2006/relationships" xmlns:p="http://schemas.openxmlformats.org/presentationml/2006/main">
+  <p:cSld>
+    <p:spTree>
+      <p:nvGrpSpPr>
+        <p:cNvPr id="1" name=""/>
+        <p:cNvGrpSpPr/>
+        <p:nvPr/>
+      </p:nvGrpSpPr>
+      <p:grpSpPr>
+        <a:xfrm>
+          <a:off x="0" y="0"/>
+          <a:ext cx="0" cy="0"/>
+          <a:chOff x="0" y="0"/>
+          <a:chExt cx="0" cy="0"/>
+        </a:xfrm>
+      </p:grpSpPr>
+      <p:sp>
+        <p:nvSpPr>
+          <p:cNvPr id="2" name="标题 1"/>
+          <p:cNvSpPr>
+            <a:spLocks noGrp="1"/>
+          </p:cNvSpPr>
+          <p:nvPr>
+            <p:ph type="title"/>
+          </p:nvPr>
+        </p:nvSpPr>
+        <p:spPr/>
+        <p:txBody>
+          <a:bodyPr/>
+          <a:lstStyle/>
+          <a:p>
+            <a:r>
+              <a:rPr lang="zh-CN" altLang="en-US" b="1" dirty="0"/>
               <a:t>与 </a:t>
             </a:r>
             <a:r>
@@ -14171,7 +14297,7 @@
 </p:sld>
 </file>
 
-<file path=ppt/slides/slide38.xml><?xml version="1.0" encoding="utf-8"?>
+<file path=ppt/slides/slide39.xml><?xml version="1.0" encoding="utf-8"?>
 <p:sld xmlns:a="http://schemas.openxmlformats.org/drawingml/2006/main" xmlns:r="http://schemas.openxmlformats.org/officeDocument/2006/relationships" xmlns:p="http://schemas.openxmlformats.org/presentationml/2006/main">
   <p:cSld>
     <p:spTree>
@@ -14598,176 +14724,6 @@
 </p:sld>
 </file>
 
-<file path=ppt/slides/slide39.xml><?xml version="1.0" encoding="utf-8"?>
-<p:sld xmlns:a="http://schemas.openxmlformats.org/drawingml/2006/main" xmlns:r="http://schemas.openxmlformats.org/officeDocument/2006/relationships" xmlns:p="http://schemas.openxmlformats.org/presentationml/2006/main">
-  <p:cSld>
-    <p:spTree>
-      <p:nvGrpSpPr>
-        <p:cNvPr id="1" name=""/>
-        <p:cNvGrpSpPr/>
-        <p:nvPr/>
-      </p:nvGrpSpPr>
-      <p:grpSpPr>
-        <a:xfrm>
-          <a:off x="0" y="0"/>
-          <a:ext cx="0" cy="0"/>
-          <a:chOff x="0" y="0"/>
-          <a:chExt cx="0" cy="0"/>
-        </a:xfrm>
-      </p:grpSpPr>
-      <p:sp>
-        <p:nvSpPr>
-          <p:cNvPr id="2" name="标题 1"/>
-          <p:cNvSpPr>
-            <a:spLocks noGrp="1"/>
-          </p:cNvSpPr>
-          <p:nvPr>
-            <p:ph type="title"/>
-          </p:nvPr>
-        </p:nvSpPr>
-        <p:spPr/>
-        <p:txBody>
-          <a:bodyPr/>
-          <a:lstStyle/>
-          <a:p>
-            <a:r>
-              <a:rPr lang="en-US" altLang="zh-CN" dirty="0" smtClean="0"/>
-              <a:t>5.2 </a:t>
-            </a:r>
-            <a:r>
-              <a:rPr lang="zh-CN" altLang="en-US" dirty="0"/>
-              <a:t>类与对象</a:t>
-            </a:r>
-          </a:p>
-        </p:txBody>
-      </p:sp>
-      <p:sp>
-        <p:nvSpPr>
-          <p:cNvPr id="3" name="内容占位符 2"/>
-          <p:cNvSpPr>
-            <a:spLocks noGrp="1"/>
-          </p:cNvSpPr>
-          <p:nvPr>
-            <p:ph idx="1"/>
-          </p:nvPr>
-        </p:nvSpPr>
-        <p:spPr/>
-        <p:txBody>
-          <a:bodyPr/>
-          <a:lstStyle/>
-          <a:p>
-            <a:r>
-              <a:rPr lang="zh-CN" altLang="en-US" dirty="0"/>
-              <a:t>定义</a:t>
-            </a:r>
-            <a:r>
-              <a:rPr lang="zh-CN" altLang="en-US" dirty="0" smtClean="0"/>
-              <a:t>类</a:t>
-            </a:r>
-            <a:endParaRPr lang="en-US" altLang="zh-CN" dirty="0" smtClean="0"/>
-          </a:p>
-          <a:p>
-            <a:pPr marL="0" indent="0">
-              <a:buNone/>
-            </a:pPr>
-            <a:r>
-              <a:rPr lang="en-US" altLang="zh-CN" dirty="0"/>
-              <a:t>	</a:t>
-            </a:r>
-            <a:r>
-              <a:rPr lang="zh-CN" altLang="en-US" dirty="0"/>
-              <a:t>类是面向对象编程中的核心概念，它描述了一个对象的属性和行为。类定义包括</a:t>
-            </a:r>
-            <a:r>
-              <a:rPr lang="zh-CN" altLang="en-US" dirty="0" smtClean="0"/>
-              <a:t>成</a:t>
-            </a:r>
-            <a:r>
-              <a:rPr lang="en-US" altLang="zh-CN" dirty="0" smtClean="0"/>
-              <a:t>	</a:t>
-            </a:r>
-            <a:r>
-              <a:rPr lang="zh-CN" altLang="en-US" dirty="0" smtClean="0"/>
-              <a:t>员</a:t>
-            </a:r>
-            <a:r>
-              <a:rPr lang="zh-CN" altLang="en-US" dirty="0"/>
-              <a:t>变量（属性）和成员函数（行为）。类的实例化称为对象。</a:t>
-            </a:r>
-            <a:endParaRPr lang="en-US" altLang="zh-CN" dirty="0" smtClean="0"/>
-          </a:p>
-          <a:p>
-            <a:r>
-              <a:rPr lang="zh-CN" altLang="en-US" dirty="0"/>
-              <a:t>构造函数与</a:t>
-            </a:r>
-            <a:r>
-              <a:rPr lang="zh-CN" altLang="en-US" dirty="0" smtClean="0"/>
-              <a:t>析构函数</a:t>
-            </a:r>
-            <a:endParaRPr lang="en-US" altLang="zh-CN" dirty="0" smtClean="0"/>
-          </a:p>
-          <a:p>
-            <a:pPr marL="0" indent="0">
-              <a:buNone/>
-            </a:pPr>
-            <a:r>
-              <a:rPr lang="en-US" altLang="zh-CN" dirty="0"/>
-              <a:t>	</a:t>
-            </a:r>
-            <a:r>
-              <a:rPr lang="zh-CN" altLang="en-US" dirty="0"/>
-              <a:t>构造函数用于初始化对象的成员变量。析构函数用于在对象销毁时进行资源清理</a:t>
-            </a:r>
-            <a:r>
-              <a:rPr lang="zh-CN" altLang="en-US" dirty="0" smtClean="0"/>
-              <a:t>。</a:t>
-            </a:r>
-            <a:r>
-              <a:rPr lang="en-US" altLang="zh-CN" dirty="0" smtClean="0"/>
-              <a:t>	</a:t>
-            </a:r>
-            <a:r>
-              <a:rPr lang="zh-CN" altLang="en-US" dirty="0" smtClean="0"/>
-              <a:t>构造</a:t>
-            </a:r>
-            <a:r>
-              <a:rPr lang="zh-CN" altLang="en-US" dirty="0"/>
-              <a:t>函数和析构函数的名称与类名相同，但构造函数没有返回类型，析构函数以 </a:t>
-            </a:r>
-            <a:r>
-              <a:rPr lang="en-US" altLang="zh-CN" dirty="0"/>
-              <a:t>~ </a:t>
-            </a:r>
-            <a:r>
-              <a:rPr lang="en-US" altLang="zh-CN" dirty="0" smtClean="0"/>
-              <a:t>	</a:t>
-            </a:r>
-            <a:r>
-              <a:rPr lang="zh-CN" altLang="en-US" dirty="0" smtClean="0"/>
-              <a:t>开头</a:t>
-            </a:r>
-            <a:r>
-              <a:rPr lang="zh-CN" altLang="en-US" dirty="0"/>
-              <a:t>。</a:t>
-            </a:r>
-            <a:endParaRPr lang="en-US" altLang="zh-CN" dirty="0" smtClean="0"/>
-          </a:p>
-        </p:txBody>
-      </p:sp>
-    </p:spTree>
-    <p:extLst>
-      <p:ext uri="{BB962C8B-B14F-4D97-AF65-F5344CB8AC3E}">
-        <p14:creationId xmlns:p14="http://schemas.microsoft.com/office/powerpoint/2010/main" val="3147529873"/>
-      </p:ext>
-    </p:extLst>
-  </p:cSld>
-  <p:clrMapOvr>
-    <a:masterClrMapping/>
-  </p:clrMapOvr>
-</p:sld>
-</file>
-
 <file path=ppt/slides/slide4.xml><?xml version="1.0" encoding="utf-8"?>
 <p:sld xmlns:a="http://schemas.openxmlformats.org/drawingml/2006/main" xmlns:r="http://schemas.openxmlformats.org/officeDocument/2006/relationships" xmlns:p="http://schemas.openxmlformats.org/presentationml/2006/main">
   <p:cSld>
@@ -14953,7 +14909,7 @@
             </a:r>
             <a:r>
               <a:rPr lang="zh-CN" altLang="en-US" dirty="0"/>
-              <a:t>封装</a:t>
+              <a:t>类与对象</a:t>
             </a:r>
           </a:p>
         </p:txBody>
@@ -14975,83 +14931,107 @@
           <a:p>
             <a:r>
               <a:rPr lang="zh-CN" altLang="en-US" dirty="0"/>
-              <a:t>封装是面向对象编程的四大基本特性之一。封装通过访问控制修饰符（</a:t>
-            </a:r>
-            <a:r>
-              <a:rPr lang="en-US" altLang="zh-CN" dirty="0"/>
-              <a:t>public</a:t>
-            </a:r>
-            <a:r>
-              <a:rPr lang="zh-CN" altLang="en-US" dirty="0"/>
-              <a:t>、</a:t>
-            </a:r>
-            <a:r>
-              <a:rPr lang="en-US" altLang="zh-CN" dirty="0"/>
-              <a:t>private</a:t>
-            </a:r>
-            <a:r>
-              <a:rPr lang="zh-CN" altLang="en-US" dirty="0"/>
-              <a:t>、</a:t>
-            </a:r>
-            <a:r>
-              <a:rPr lang="en-US" altLang="zh-CN" dirty="0"/>
-              <a:t>protected</a:t>
-            </a:r>
-            <a:r>
-              <a:rPr lang="zh-CN" altLang="en-US" dirty="0"/>
-              <a:t>）来控制类成员的访问权限</a:t>
+              <a:t>定义</a:t>
+            </a:r>
+            <a:r>
+              <a:rPr lang="zh-CN" altLang="en-US" dirty="0" smtClean="0"/>
+              <a:t>类</a:t>
+            </a:r>
+            <a:endParaRPr lang="en-US" altLang="zh-CN" dirty="0" smtClean="0"/>
+          </a:p>
+          <a:p>
+            <a:pPr marL="0" indent="0">
+              <a:buNone/>
+            </a:pPr>
+            <a:r>
+              <a:rPr lang="en-US" altLang="zh-CN" dirty="0"/>
+              <a:t>	</a:t>
+            </a:r>
+            <a:r>
+              <a:rPr lang="zh-CN" altLang="en-US" dirty="0"/>
+              <a:t>类是面向对象编程中的核心概念，它描述了一个对象的属性和行为。类定义包括</a:t>
+            </a:r>
+            <a:r>
+              <a:rPr lang="zh-CN" altLang="en-US" dirty="0" smtClean="0"/>
+              <a:t>成</a:t>
+            </a:r>
+            <a:r>
+              <a:rPr lang="en-US" altLang="zh-CN" dirty="0" smtClean="0"/>
+              <a:t>	</a:t>
+            </a:r>
+            <a:r>
+              <a:rPr lang="zh-CN" altLang="en-US" dirty="0" smtClean="0"/>
+              <a:t>员</a:t>
+            </a:r>
+            <a:r>
+              <a:rPr lang="zh-CN" altLang="en-US" dirty="0"/>
+              <a:t>变量（属性）和成员函数（行为）。类的实例化称为对象。</a:t>
+            </a:r>
+            <a:endParaRPr lang="en-US" altLang="zh-CN" dirty="0" smtClean="0"/>
+          </a:p>
+          <a:p>
+            <a:r>
+              <a:rPr lang="zh-CN" altLang="en-US" dirty="0"/>
+              <a:t>构造函数与</a:t>
+            </a:r>
+            <a:r>
+              <a:rPr lang="zh-CN" altLang="en-US" dirty="0" smtClean="0"/>
+              <a:t>析构函数</a:t>
+            </a:r>
+            <a:endParaRPr lang="en-US" altLang="zh-CN" dirty="0" smtClean="0"/>
+          </a:p>
+          <a:p>
+            <a:pPr marL="0" indent="0">
+              <a:buNone/>
+            </a:pPr>
+            <a:r>
+              <a:rPr lang="en-US" altLang="zh-CN" dirty="0"/>
+              <a:t>	</a:t>
+            </a:r>
+            <a:r>
+              <a:rPr lang="zh-CN" altLang="en-US" dirty="0"/>
+              <a:t>构造函数用于初始化对象的成员变量。析构函数用于在对象销毁时进行资源清理</a:t>
             </a:r>
             <a:r>
               <a:rPr lang="zh-CN" altLang="en-US" dirty="0" smtClean="0"/>
               <a:t>。</a:t>
             </a:r>
+            <a:r>
+              <a:rPr lang="en-US" altLang="zh-CN" dirty="0" smtClean="0"/>
+              <a:t>	</a:t>
+            </a:r>
+            <a:r>
+              <a:rPr lang="zh-CN" altLang="en-US" dirty="0" smtClean="0"/>
+              <a:t>构造</a:t>
+            </a:r>
+            <a:r>
+              <a:rPr lang="zh-CN" altLang="en-US" dirty="0"/>
+              <a:t>函数和析构函数的名称与类名相同，但构造函数没有返回类型，析构函数以 </a:t>
+            </a:r>
+            <a:r>
+              <a:rPr lang="en-US" altLang="zh-CN" dirty="0"/>
+              <a:t>~ </a:t>
+            </a:r>
+            <a:r>
+              <a:rPr lang="en-US" altLang="zh-CN" dirty="0" smtClean="0"/>
+              <a:t>	</a:t>
+            </a:r>
+            <a:r>
+              <a:rPr lang="zh-CN" altLang="en-US" dirty="0" smtClean="0"/>
+              <a:t>开头</a:t>
+            </a:r>
+            <a:r>
+              <a:rPr lang="zh-CN" altLang="en-US" dirty="0"/>
+              <a:t>。</a:t>
+            </a:r>
             <a:endParaRPr lang="en-US" altLang="zh-CN" dirty="0" smtClean="0"/>
-          </a:p>
-          <a:p>
-            <a:r>
-              <a:rPr lang="zh-CN" altLang="en-US" dirty="0"/>
-              <a:t>访问控制修饰符</a:t>
-            </a:r>
-          </a:p>
-          <a:p>
-            <a:pPr lvl="1"/>
-            <a:r>
-              <a:rPr lang="en-US" altLang="zh-CN" dirty="0"/>
-              <a:t>public</a:t>
-            </a:r>
-            <a:r>
-              <a:rPr lang="zh-CN" altLang="en-US" dirty="0"/>
-              <a:t>：公开的成员，外部代码可以访问。</a:t>
-            </a:r>
-          </a:p>
-          <a:p>
-            <a:pPr lvl="1"/>
-            <a:r>
-              <a:rPr lang="en-US" altLang="zh-CN" dirty="0"/>
-              <a:t>private</a:t>
-            </a:r>
-            <a:r>
-              <a:rPr lang="zh-CN" altLang="en-US" dirty="0"/>
-              <a:t>：私有的成员，只能在类的内部访问。</a:t>
-            </a:r>
-          </a:p>
-          <a:p>
-            <a:pPr lvl="1"/>
-            <a:r>
-              <a:rPr lang="en-US" altLang="zh-CN" dirty="0"/>
-              <a:t>protected</a:t>
-            </a:r>
-            <a:r>
-              <a:rPr lang="zh-CN" altLang="en-US" dirty="0"/>
-              <a:t>：保护的成员，子类可以访问，但外部代码不能访问。</a:t>
-            </a:r>
           </a:p>
         </p:txBody>
       </p:sp>
     </p:spTree>
     <p:extLst>
       <p:ext uri="{BB962C8B-B14F-4D97-AF65-F5344CB8AC3E}">
-        <p14:creationId xmlns:p14="http://schemas.microsoft.com/office/powerpoint/2010/main" val="3887602630"/>
+        <p14:creationId xmlns:p14="http://schemas.microsoft.com/office/powerpoint/2010/main" val="3147529873"/>
       </p:ext>
     </p:extLst>
   </p:cSld>
@@ -15095,11 +15075,11 @@
           <a:p>
             <a:r>
               <a:rPr lang="en-US" altLang="zh-CN" dirty="0" smtClean="0"/>
-              <a:t>5.3 </a:t>
-            </a:r>
-            <a:r>
-              <a:rPr lang="zh-CN" altLang="en-US" dirty="0"/>
-              <a:t>继承</a:t>
+              <a:t>5.2 </a:t>
+            </a:r>
+            <a:r>
+              <a:rPr lang="zh-CN" altLang="en-US" dirty="0"/>
+              <a:t>封装</a:t>
             </a:r>
           </a:p>
         </p:txBody>
@@ -15121,7 +15101,31 @@
           <a:p>
             <a:r>
               <a:rPr lang="zh-CN" altLang="en-US" dirty="0"/>
-              <a:t>通过继承，我们可以创建一个新的类（派生类），它可以继承已有类（基类）的成员变量和成员函数</a:t>
+              <a:t>封装是面向对象编程的四大基本特性之一。封装通过访问控制修饰符（</a:t>
+            </a:r>
+            <a:r>
+              <a:rPr lang="en-US" altLang="zh-CN" dirty="0"/>
+              <a:t>public</a:t>
+            </a:r>
+            <a:r>
+              <a:rPr lang="zh-CN" altLang="en-US" dirty="0"/>
+              <a:t>、</a:t>
+            </a:r>
+            <a:r>
+              <a:rPr lang="en-US" altLang="zh-CN" dirty="0"/>
+              <a:t>private</a:t>
+            </a:r>
+            <a:r>
+              <a:rPr lang="zh-CN" altLang="en-US" dirty="0"/>
+              <a:t>、</a:t>
+            </a:r>
+            <a:r>
+              <a:rPr lang="en-US" altLang="zh-CN" dirty="0"/>
+              <a:t>protected</a:t>
+            </a:r>
+            <a:r>
+              <a:rPr lang="zh-CN" altLang="en-US" dirty="0"/>
+              <a:t>）来控制类成员的访问权限</a:t>
             </a:r>
             <a:r>
               <a:rPr lang="zh-CN" altLang="en-US" dirty="0" smtClean="0"/>
@@ -15132,70 +15136,48 @@
           <a:p>
             <a:r>
               <a:rPr lang="zh-CN" altLang="en-US" dirty="0"/>
-              <a:t>继承的</a:t>
-            </a:r>
-            <a:r>
-              <a:rPr lang="zh-CN" altLang="en-US" dirty="0" smtClean="0"/>
-              <a:t>概念</a:t>
-            </a:r>
-            <a:endParaRPr lang="en-US" altLang="zh-CN" dirty="0" smtClean="0"/>
-          </a:p>
-          <a:p>
-            <a:pPr marL="457200" lvl="1" indent="0">
-              <a:buNone/>
-            </a:pPr>
-            <a:r>
-              <a:rPr lang="zh-CN" altLang="en-US" dirty="0"/>
-              <a:t>基类和派生类的关系：</a:t>
-            </a:r>
-            <a:r>
-              <a:rPr lang="en-US" altLang="zh-CN" dirty="0"/>
-              <a:t>	</a:t>
-            </a:r>
-            <a:endParaRPr lang="zh-CN" altLang="en-US" dirty="0"/>
+              <a:t>访问控制修饰符</a:t>
+            </a:r>
           </a:p>
           <a:p>
             <a:pPr lvl="1"/>
             <a:r>
-              <a:rPr lang="zh-CN" altLang="en-US" dirty="0"/>
-              <a:t>基类是被继承的类。</a:t>
+              <a:rPr lang="en-US" altLang="zh-CN" dirty="0"/>
+              <a:t>public</a:t>
+            </a:r>
+            <a:r>
+              <a:rPr lang="zh-CN" altLang="en-US" dirty="0"/>
+              <a:t>：公开的成员，外部代码可以访问。</a:t>
             </a:r>
           </a:p>
           <a:p>
             <a:pPr lvl="1"/>
             <a:r>
-              <a:rPr lang="zh-CN" altLang="en-US" dirty="0"/>
-              <a:t>派生类是从基类派生出来的类，可以继承基类的属性和行为。</a:t>
-            </a:r>
-          </a:p>
-          <a:p>
-            <a:r>
-              <a:rPr lang="zh-CN" altLang="en-US" dirty="0" smtClean="0"/>
-              <a:t>基</a:t>
-            </a:r>
-            <a:r>
-              <a:rPr lang="zh-CN" altLang="en-US" dirty="0"/>
-              <a:t>类与派生</a:t>
-            </a:r>
-            <a:r>
-              <a:rPr lang="zh-CN" altLang="en-US" dirty="0" smtClean="0"/>
-              <a:t>类</a:t>
-            </a:r>
-            <a:endParaRPr lang="en-US" altLang="zh-CN" dirty="0" smtClean="0"/>
-          </a:p>
-          <a:p>
-            <a:r>
-              <a:rPr lang="zh-CN" altLang="en-US" dirty="0"/>
-              <a:t>多重继承</a:t>
-            </a:r>
-            <a:endParaRPr lang="en-US" altLang="zh-CN" dirty="0" smtClean="0"/>
+              <a:rPr lang="en-US" altLang="zh-CN" dirty="0"/>
+              <a:t>private</a:t>
+            </a:r>
+            <a:r>
+              <a:rPr lang="zh-CN" altLang="en-US" dirty="0"/>
+              <a:t>：私有的成员，只能在类的内部访问。</a:t>
+            </a:r>
+          </a:p>
+          <a:p>
+            <a:pPr lvl="1"/>
+            <a:r>
+              <a:rPr lang="en-US" altLang="zh-CN" dirty="0"/>
+              <a:t>protected</a:t>
+            </a:r>
+            <a:r>
+              <a:rPr lang="zh-CN" altLang="en-US" dirty="0"/>
+              <a:t>：保护的成员，子类可以访问，但外部代码不能访问。</a:t>
+            </a:r>
           </a:p>
         </p:txBody>
       </p:sp>
     </p:spTree>
     <p:extLst>
       <p:ext uri="{BB962C8B-B14F-4D97-AF65-F5344CB8AC3E}">
-        <p14:creationId xmlns:p14="http://schemas.microsoft.com/office/powerpoint/2010/main" val="3152470496"/>
+        <p14:creationId xmlns:p14="http://schemas.microsoft.com/office/powerpoint/2010/main" val="3887602630"/>
       </p:ext>
     </p:extLst>
   </p:cSld>
@@ -15239,11 +15221,11 @@
           <a:p>
             <a:r>
               <a:rPr lang="en-US" altLang="zh-CN" dirty="0" smtClean="0"/>
-              <a:t>5.4 </a:t>
-            </a:r>
-            <a:r>
-              <a:rPr lang="zh-CN" altLang="en-US" dirty="0"/>
-              <a:t>多态</a:t>
+              <a:t>5.3 </a:t>
+            </a:r>
+            <a:r>
+              <a:rPr lang="zh-CN" altLang="en-US" dirty="0"/>
+              <a:t>继承</a:t>
             </a:r>
           </a:p>
         </p:txBody>
@@ -15265,15 +15247,7 @@
           <a:p>
             <a:r>
               <a:rPr lang="zh-CN" altLang="en-US" dirty="0"/>
-              <a:t>多态是指通过相同的接口调用不同的函数，实现不同的行为。多态有两种类型：编译时多态</a:t>
-            </a:r>
-            <a:r>
-              <a:rPr lang="zh-CN" altLang="en-US" dirty="0" smtClean="0"/>
-              <a:t>和运行</a:t>
-            </a:r>
-            <a:r>
-              <a:rPr lang="zh-CN" altLang="en-US" dirty="0"/>
-              <a:t>时多态</a:t>
+              <a:t>通过继承，我们可以创建一个新的类（派生类），它可以继承已有类（基类）的成员变量和成员函数</a:t>
             </a:r>
             <a:r>
               <a:rPr lang="zh-CN" altLang="en-US" dirty="0" smtClean="0"/>
@@ -15284,111 +15258,70 @@
           <a:p>
             <a:r>
               <a:rPr lang="zh-CN" altLang="en-US" dirty="0"/>
-              <a:t>虚</a:t>
+              <a:t>继承的</a:t>
             </a:r>
             <a:r>
               <a:rPr lang="zh-CN" altLang="en-US" dirty="0" smtClean="0"/>
-              <a:t>函数</a:t>
+              <a:t>概念</a:t>
             </a:r>
             <a:endParaRPr lang="en-US" altLang="zh-CN" dirty="0" smtClean="0"/>
           </a:p>
           <a:p>
-            <a:pPr marL="0" indent="0">
+            <a:pPr marL="457200" lvl="1" indent="0">
               <a:buNone/>
             </a:pPr>
             <a:r>
+              <a:rPr lang="zh-CN" altLang="en-US" dirty="0"/>
+              <a:t>基类和派生类的关系：</a:t>
+            </a:r>
+            <a:r>
               <a:rPr lang="en-US" altLang="zh-CN" dirty="0"/>
               <a:t>	</a:t>
             </a:r>
-            <a:r>
-              <a:rPr lang="zh-CN" altLang="en-US" dirty="0"/>
-              <a:t>虚函数允许我们在基类中声明函数，在派生类中重写该函数，以便实现动态绑定。</a:t>
-            </a:r>
-            <a:endParaRPr lang="en-US" altLang="zh-CN" dirty="0"/>
+            <a:endParaRPr lang="zh-CN" altLang="en-US" dirty="0"/>
+          </a:p>
+          <a:p>
+            <a:pPr lvl="1"/>
+            <a:r>
+              <a:rPr lang="zh-CN" altLang="en-US" dirty="0"/>
+              <a:t>基类是被继承的类。</a:t>
+            </a:r>
+          </a:p>
+          <a:p>
+            <a:pPr lvl="1"/>
+            <a:r>
+              <a:rPr lang="zh-CN" altLang="en-US" dirty="0"/>
+              <a:t>派生类是从基类派生出来的类，可以继承基类的属性和行为。</a:t>
+            </a:r>
           </a:p>
           <a:p>
             <a:r>
               <a:rPr lang="zh-CN" altLang="en-US" dirty="0" smtClean="0"/>
-              <a:t>纯</a:t>
-            </a:r>
-            <a:r>
-              <a:rPr lang="zh-CN" altLang="en-US" dirty="0"/>
-              <a:t>虚</a:t>
+              <a:t>基</a:t>
+            </a:r>
+            <a:r>
+              <a:rPr lang="zh-CN" altLang="en-US" dirty="0"/>
+              <a:t>类与派生</a:t>
             </a:r>
             <a:r>
               <a:rPr lang="zh-CN" altLang="en-US" dirty="0" smtClean="0"/>
-              <a:t>函数</a:t>
+              <a:t>类</a:t>
             </a:r>
             <a:endParaRPr lang="en-US" altLang="zh-CN" dirty="0" smtClean="0"/>
           </a:p>
           <a:p>
-            <a:pPr marL="0" indent="0">
-              <a:buNone/>
-            </a:pPr>
-            <a:r>
-              <a:rPr lang="en-US" altLang="zh-CN" dirty="0"/>
-              <a:t>	</a:t>
-            </a:r>
-            <a:r>
-              <a:rPr lang="zh-CN" altLang="en-US" dirty="0"/>
-              <a:t>纯虚函数是没有函数体的虚函数，必须在派生类中实现它。含有纯虚函数的类被称</a:t>
-            </a:r>
-            <a:r>
-              <a:rPr lang="en-US" altLang="zh-CN" dirty="0"/>
-              <a:t>	</a:t>
-            </a:r>
-            <a:r>
-              <a:rPr lang="zh-CN" altLang="en-US" dirty="0"/>
-              <a:t>为抽象类，不能直接实例化。</a:t>
-            </a:r>
-            <a:endParaRPr lang="en-US" altLang="zh-CN" dirty="0"/>
-          </a:p>
-          <a:p>
-            <a:r>
-              <a:rPr lang="zh-CN" altLang="en-US" dirty="0" smtClean="0"/>
-              <a:t>运行</a:t>
-            </a:r>
-            <a:r>
-              <a:rPr lang="zh-CN" altLang="en-US" dirty="0"/>
-              <a:t>时多态</a:t>
+            <a:r>
+              <a:rPr lang="zh-CN" altLang="en-US" dirty="0"/>
+              <a:t>多重继承</a:t>
             </a:r>
             <a:endParaRPr lang="en-US" altLang="zh-CN" dirty="0" smtClean="0"/>
-          </a:p>
-          <a:p>
-            <a:pPr marL="0" indent="0">
-              <a:buNone/>
-            </a:pPr>
-            <a:r>
-              <a:rPr lang="zh-CN" altLang="en-US" dirty="0" smtClean="0"/>
-              <a:t>       运行</a:t>
-            </a:r>
-            <a:r>
-              <a:rPr lang="zh-CN" altLang="en-US" dirty="0"/>
-              <a:t>时多态是通过虚函数和指向基类的指针或引用来实现的。根据对象的实际类型</a:t>
-            </a:r>
-            <a:r>
-              <a:rPr lang="zh-CN" altLang="en-US" dirty="0" smtClean="0"/>
-              <a:t>，  </a:t>
-            </a:r>
-            <a:r>
-              <a:rPr lang="en-US" altLang="zh-CN" dirty="0" smtClean="0"/>
-              <a:t>	</a:t>
-            </a:r>
-            <a:r>
-              <a:rPr lang="zh-CN" altLang="en-US" dirty="0" smtClean="0"/>
-              <a:t>调用</a:t>
-            </a:r>
-            <a:r>
-              <a:rPr lang="zh-CN" altLang="en-US" dirty="0"/>
-              <a:t>相应的重写函数。</a:t>
-            </a:r>
           </a:p>
         </p:txBody>
       </p:sp>
     </p:spTree>
     <p:extLst>
       <p:ext uri="{BB962C8B-B14F-4D97-AF65-F5344CB8AC3E}">
-        <p14:creationId xmlns:p14="http://schemas.microsoft.com/office/powerpoint/2010/main" val="1103990109"/>
+        <p14:creationId xmlns:p14="http://schemas.microsoft.com/office/powerpoint/2010/main" val="3152470496"/>
       </p:ext>
     </p:extLst>
   </p:cSld>
@@ -15432,11 +15365,11 @@
           <a:p>
             <a:r>
               <a:rPr lang="en-US" altLang="zh-CN" dirty="0" smtClean="0"/>
-              <a:t>5.5 </a:t>
-            </a:r>
-            <a:r>
-              <a:rPr lang="zh-CN" altLang="en-US" dirty="0"/>
-              <a:t>总结</a:t>
+              <a:t>5.4 </a:t>
+            </a:r>
+            <a:r>
+              <a:rPr lang="zh-CN" altLang="en-US" dirty="0"/>
+              <a:t>多态</a:t>
             </a:r>
           </a:p>
         </p:txBody>
@@ -15458,49 +15391,122 @@
           <a:p>
             <a:r>
               <a:rPr lang="zh-CN" altLang="en-US" dirty="0"/>
-              <a:t>类与对象：类是对象的蓝图，对象是类的实例。构造函数和析构函数分别用于初始化和清理对象。</a:t>
-            </a:r>
-          </a:p>
-          <a:p>
-            <a:r>
-              <a:rPr lang="zh-CN" altLang="en-US" dirty="0"/>
-              <a:t>封装：通过访问控制修饰符（</a:t>
-            </a:r>
-            <a:r>
-              <a:rPr lang="en-US" altLang="zh-CN" dirty="0"/>
-              <a:t>public</a:t>
-            </a:r>
-            <a:r>
-              <a:rPr lang="zh-CN" altLang="en-US" dirty="0"/>
-              <a:t>、</a:t>
-            </a:r>
-            <a:r>
-              <a:rPr lang="en-US" altLang="zh-CN" dirty="0"/>
-              <a:t>private</a:t>
-            </a:r>
-            <a:r>
-              <a:rPr lang="zh-CN" altLang="en-US" dirty="0"/>
-              <a:t>、</a:t>
-            </a:r>
-            <a:r>
-              <a:rPr lang="en-US" altLang="zh-CN" dirty="0"/>
-              <a:t>protected</a:t>
-            </a:r>
-            <a:r>
-              <a:rPr lang="zh-CN" altLang="en-US" dirty="0"/>
-              <a:t>）控制成员的访问权限，保护对象的状态。</a:t>
-            </a:r>
-          </a:p>
-          <a:p>
-            <a:r>
-              <a:rPr lang="zh-CN" altLang="en-US" dirty="0"/>
-              <a:t>继承：通过继承实现代码的复用，派生类可以继承基类的属性和方法。</a:t>
-            </a:r>
-          </a:p>
-          <a:p>
-            <a:r>
-              <a:rPr lang="zh-CN" altLang="en-US" dirty="0"/>
-              <a:t>多态：通过虚函数和纯虚函数实现多态，允许在运行时根据对象的实际类型调用不同的方法</a:t>
+              <a:t>多态是指通过相同的接口调用不同的函数，实现不同的行为。多态有两种类型：编译时多态</a:t>
+            </a:r>
+            <a:r>
+              <a:rPr lang="zh-CN" altLang="en-US" dirty="0" smtClean="0"/>
+              <a:t>和运行</a:t>
+            </a:r>
+            <a:r>
+              <a:rPr lang="zh-CN" altLang="en-US" dirty="0"/>
+              <a:t>时多态</a:t>
+            </a:r>
+            <a:r>
+              <a:rPr lang="zh-CN" altLang="en-US" dirty="0" smtClean="0"/>
+              <a:t>。</a:t>
+            </a:r>
+            <a:endParaRPr lang="en-US" altLang="zh-CN" dirty="0" smtClean="0"/>
+          </a:p>
+          <a:p>
+            <a:r>
+              <a:rPr lang="zh-CN" altLang="en-US" dirty="0"/>
+              <a:t>虚</a:t>
+            </a:r>
+            <a:r>
+              <a:rPr lang="zh-CN" altLang="en-US" dirty="0" smtClean="0"/>
+              <a:t>函数</a:t>
+            </a:r>
+            <a:endParaRPr lang="en-US" altLang="zh-CN" dirty="0" smtClean="0"/>
+          </a:p>
+          <a:p>
+            <a:pPr marL="0" indent="0">
+              <a:buNone/>
+            </a:pPr>
+            <a:r>
+              <a:rPr lang="en-US" altLang="zh-CN" dirty="0"/>
+              <a:t>	</a:t>
+            </a:r>
+            <a:r>
+              <a:rPr lang="zh-CN" altLang="en-US" dirty="0"/>
+              <a:t>虚函数允许我们在基类中声明函数，在派生类中重写该函数，以便实现动态绑定。</a:t>
+            </a:r>
+            <a:endParaRPr lang="en-US" altLang="zh-CN" dirty="0"/>
+          </a:p>
+          <a:p>
+            <a:r>
+              <a:rPr lang="zh-CN" altLang="en-US" dirty="0" smtClean="0"/>
+              <a:t>纯</a:t>
+            </a:r>
+            <a:r>
+              <a:rPr lang="zh-CN" altLang="en-US" dirty="0"/>
+              <a:t>虚</a:t>
+            </a:r>
+            <a:r>
+              <a:rPr lang="zh-CN" altLang="en-US" dirty="0" smtClean="0"/>
+              <a:t>函数</a:t>
+            </a:r>
+            <a:endParaRPr lang="en-US" altLang="zh-CN" dirty="0" smtClean="0"/>
+          </a:p>
+          <a:p>
+            <a:pPr marL="0" indent="0">
+              <a:buNone/>
+            </a:pPr>
+            <a:r>
+              <a:rPr lang="en-US" altLang="zh-CN" dirty="0"/>
+              <a:t>	</a:t>
+            </a:r>
+            <a:r>
+              <a:rPr lang="zh-CN" altLang="en-US" dirty="0"/>
+              <a:t>纯虚函数是没有函数体的虚函数，必须在派生类中实现它。含有纯虚函数的类被称</a:t>
+            </a:r>
+            <a:r>
+              <a:rPr lang="en-US" altLang="zh-CN" dirty="0"/>
+              <a:t>	</a:t>
+            </a:r>
+            <a:r>
+              <a:rPr lang="zh-CN" altLang="en-US" dirty="0"/>
+              <a:t>为抽象类，不能直接实例化。</a:t>
+            </a:r>
+            <a:endParaRPr lang="en-US" altLang="zh-CN" dirty="0"/>
+          </a:p>
+          <a:p>
+            <a:r>
+              <a:rPr lang="zh-CN" altLang="en-US" dirty="0" smtClean="0"/>
+              <a:t>运行</a:t>
+            </a:r>
+            <a:r>
+              <a:rPr lang="zh-CN" altLang="en-US" dirty="0"/>
+              <a:t>时多态</a:t>
+            </a:r>
+            <a:endParaRPr lang="en-US" altLang="zh-CN" dirty="0" smtClean="0"/>
+          </a:p>
+          <a:p>
+            <a:pPr marL="0" indent="0">
+              <a:buNone/>
+            </a:pPr>
+            <a:r>
+              <a:rPr lang="zh-CN" altLang="en-US" dirty="0" smtClean="0"/>
+              <a:t>       运行</a:t>
+            </a:r>
+            <a:r>
+              <a:rPr lang="zh-CN" altLang="en-US" dirty="0"/>
+              <a:t>时多态是通过虚函数和指向基类的指针或引用来实现的。根据对象的实际类型</a:t>
+            </a:r>
+            <a:r>
+              <a:rPr lang="zh-CN" altLang="en-US" dirty="0" smtClean="0"/>
+              <a:t>，  </a:t>
+            </a:r>
+            <a:r>
+              <a:rPr lang="en-US" altLang="zh-CN" dirty="0" smtClean="0"/>
+              <a:t>	</a:t>
+            </a:r>
+            <a:r>
+              <a:rPr lang="zh-CN" altLang="en-US" dirty="0" smtClean="0"/>
+              <a:t>调用</a:t>
+            </a:r>
+            <a:r>
+              <a:rPr lang="zh-CN" altLang="en-US" dirty="0"/>
+              <a:t>相应的重写函数。</a:t>
             </a:r>
           </a:p>
         </p:txBody>
@@ -15508,7 +15514,7 @@
     </p:spTree>
     <p:extLst>
       <p:ext uri="{BB962C8B-B14F-4D97-AF65-F5344CB8AC3E}">
-        <p14:creationId xmlns:p14="http://schemas.microsoft.com/office/powerpoint/2010/main" val="1686844325"/>
+        <p14:creationId xmlns:p14="http://schemas.microsoft.com/office/powerpoint/2010/main" val="1103990109"/>
       </p:ext>
     </p:extLst>
   </p:cSld>
@@ -15551,34 +15557,13 @@
           <a:lstStyle/>
           <a:p>
             <a:r>
-              <a:rPr lang="zh-CN" altLang="en-US" b="1" dirty="0" smtClean="0">
-                <a:latin typeface="华文楷体" pitchFamily="2" charset="-122"/>
-                <a:ea typeface="华文楷体" pitchFamily="2" charset="-122"/>
-              </a:rPr>
-              <a:t>第</a:t>
-            </a:r>
-            <a:r>
-              <a:rPr lang="en-US" altLang="zh-CN" b="1" dirty="0" smtClean="0">
-                <a:latin typeface="华文楷体" pitchFamily="2" charset="-122"/>
-                <a:ea typeface="华文楷体" pitchFamily="2" charset="-122"/>
-              </a:rPr>
-              <a:t>6</a:t>
-            </a:r>
-            <a:r>
-              <a:rPr lang="zh-CN" altLang="en-US" b="1" dirty="0" smtClean="0">
-                <a:latin typeface="华文楷体" pitchFamily="2" charset="-122"/>
-                <a:ea typeface="华文楷体" pitchFamily="2" charset="-122"/>
-              </a:rPr>
-              <a:t>章 指针</a:t>
-            </a:r>
-            <a:r>
-              <a:rPr lang="zh-CN" altLang="en-US" b="1" dirty="0">
-                <a:latin typeface="华文楷体" pitchFamily="2" charset="-122"/>
-                <a:ea typeface="华文楷体" pitchFamily="2" charset="-122"/>
-              </a:rPr>
-              <a:t>与动态内存管理</a:t>
-            </a:r>
-            <a:endParaRPr lang="zh-CN" altLang="en-US" dirty="0"/>
+              <a:rPr lang="en-US" altLang="zh-CN" dirty="0" smtClean="0"/>
+              <a:t>5.5 </a:t>
+            </a:r>
+            <a:r>
+              <a:rPr lang="zh-CN" altLang="en-US" dirty="0"/>
+              <a:t>总结</a:t>
+            </a:r>
           </a:p>
         </p:txBody>
       </p:sp>
@@ -15598,80 +15583,64 @@
           <a:lstStyle/>
           <a:p>
             <a:r>
-              <a:rPr lang="zh-CN" altLang="en-US" dirty="0" smtClean="0"/>
-              <a:t>指针基础：指针的定义、解引用、指针运算。</a:t>
-            </a:r>
-          </a:p>
-          <a:p>
-            <a:r>
-              <a:rPr lang="zh-CN" altLang="en-US" dirty="0" smtClean="0"/>
-              <a:t>指针与数组：数组名作为指针，指针与数组的关系。</a:t>
-            </a:r>
-          </a:p>
-          <a:p>
-            <a:r>
-              <a:rPr lang="zh-CN" altLang="en-US" dirty="0" smtClean="0"/>
-              <a:t>动态内存管理：</a:t>
-            </a:r>
-            <a:r>
-              <a:rPr lang="en-US" altLang="zh-CN" dirty="0" smtClean="0"/>
-              <a:t>new</a:t>
-            </a:r>
-            <a:r>
-              <a:rPr lang="zh-CN" altLang="en-US" dirty="0" smtClean="0"/>
+              <a:rPr lang="zh-CN" altLang="en-US" dirty="0"/>
+              <a:t>类与对象：类是对象的蓝图，对象是类的实例。构造函数和析构函数分别用于初始化和清理对象。</a:t>
+            </a:r>
+          </a:p>
+          <a:p>
+            <a:r>
+              <a:rPr lang="zh-CN" altLang="en-US" dirty="0"/>
+              <a:t>封装：通过访问控制修饰符（</a:t>
+            </a:r>
+            <a:r>
+              <a:rPr lang="en-US" altLang="zh-CN" dirty="0"/>
+              <a:t>public</a:t>
+            </a:r>
+            <a:r>
+              <a:rPr lang="zh-CN" altLang="en-US" dirty="0"/>
               <a:t>、</a:t>
             </a:r>
             <a:r>
-              <a:rPr lang="en-US" altLang="zh-CN" dirty="0" smtClean="0"/>
-              <a:t>delete</a:t>
-            </a:r>
-            <a:r>
-              <a:rPr lang="zh-CN" altLang="en-US" dirty="0" smtClean="0"/>
+              <a:rPr lang="en-US" altLang="zh-CN" dirty="0"/>
+              <a:t>private</a:t>
+            </a:r>
+            <a:r>
+              <a:rPr lang="zh-CN" altLang="en-US" dirty="0"/>
               <a:t>、</a:t>
             </a:r>
             <a:r>
-              <a:rPr lang="en-US" altLang="zh-CN" dirty="0" smtClean="0"/>
-              <a:t>new[]</a:t>
-            </a:r>
-            <a:r>
-              <a:rPr lang="zh-CN" altLang="en-US" dirty="0" smtClean="0"/>
-              <a:t>、</a:t>
-            </a:r>
-            <a:r>
-              <a:rPr lang="en-US" altLang="zh-CN" dirty="0" smtClean="0"/>
-              <a:t>delete[]</a:t>
-            </a:r>
-            <a:r>
-              <a:rPr lang="zh-CN" altLang="en-US" dirty="0" smtClean="0"/>
-              <a:t>。</a:t>
-            </a:r>
-          </a:p>
-          <a:p>
-            <a:r>
-              <a:rPr lang="zh-CN" altLang="en-US" dirty="0" smtClean="0"/>
-              <a:t>内存泄漏与指针悬挂：避免内存泄漏，指针的安全使用。</a:t>
-            </a:r>
-            <a:endParaRPr lang="zh-CN" altLang="en-US" dirty="0"/>
+              <a:rPr lang="en-US" altLang="zh-CN" dirty="0"/>
+              <a:t>protected</a:t>
+            </a:r>
+            <a:r>
+              <a:rPr lang="zh-CN" altLang="en-US" dirty="0"/>
+              <a:t>）控制成员的访问权限，保护对象的状态。</a:t>
+            </a:r>
+          </a:p>
+          <a:p>
+            <a:r>
+              <a:rPr lang="zh-CN" altLang="en-US" dirty="0"/>
+              <a:t>继承：通过继承实现代码的复用，派生类可以继承基类的属性和方法。</a:t>
+            </a:r>
+          </a:p>
+          <a:p>
+            <a:r>
+              <a:rPr lang="zh-CN" altLang="en-US" dirty="0"/>
+              <a:t>多态：通过虚函数和纯虚函数实现多态，允许在运行时根据对象的实际类型调用不同的方法</a:t>
+            </a:r>
           </a:p>
         </p:txBody>
       </p:sp>
     </p:spTree>
     <p:extLst>
       <p:ext uri="{BB962C8B-B14F-4D97-AF65-F5344CB8AC3E}">
-        <p14:creationId xmlns:p14="http://schemas.microsoft.com/office/powerpoint/2010/main" val="3183063327"/>
+        <p14:creationId xmlns:p14="http://schemas.microsoft.com/office/powerpoint/2010/main" val="1686844325"/>
       </p:ext>
     </p:extLst>
   </p:cSld>
   <p:clrMapOvr>
     <a:masterClrMapping/>
   </p:clrMapOvr>
-  <p:timing>
-    <p:tnLst>
-      <p:par>
-        <p:cTn id="1" dur="indefinite" restart="never" nodeType="tmRoot"/>
-      </p:par>
-    </p:tnLst>
-  </p:timing>
 </p:sld>
 </file>
 
@@ -15719,28 +15688,21 @@
                 <a:latin typeface="华文楷体" pitchFamily="2" charset="-122"/>
                 <a:ea typeface="华文楷体" pitchFamily="2" charset="-122"/>
               </a:rPr>
-              <a:t>7</a:t>
+              <a:t>6</a:t>
             </a:r>
             <a:r>
               <a:rPr lang="zh-CN" altLang="en-US" b="1" dirty="0" smtClean="0">
                 <a:latin typeface="华文楷体" pitchFamily="2" charset="-122"/>
                 <a:ea typeface="华文楷体" pitchFamily="2" charset="-122"/>
               </a:rPr>
-              <a:t>章  </a:t>
-            </a:r>
-            <a:r>
-              <a:rPr lang="en-US" altLang="zh-CN" b="1" dirty="0">
-                <a:latin typeface="华文楷体" pitchFamily="2" charset="-122"/>
-                <a:ea typeface="华文楷体" pitchFamily="2" charset="-122"/>
-              </a:rPr>
-              <a:t>STL</a:t>
+              <a:t>章 指针</a:t>
             </a:r>
             <a:r>
               <a:rPr lang="zh-CN" altLang="en-US" b="1" dirty="0">
                 <a:latin typeface="华文楷体" pitchFamily="2" charset="-122"/>
                 <a:ea typeface="华文楷体" pitchFamily="2" charset="-122"/>
               </a:rPr>
-              <a:t>（标准模板库）</a:t>
+              <a:t>与动态内存管理</a:t>
             </a:r>
             <a:endParaRPr lang="zh-CN" altLang="en-US" dirty="0"/>
           </a:p>
@@ -15762,116 +15724,67 @@
           <a:lstStyle/>
           <a:p>
             <a:r>
-              <a:rPr lang="en-US" altLang="zh-CN" dirty="0"/>
-              <a:t>STL</a:t>
-            </a:r>
-            <a:r>
-              <a:rPr lang="zh-CN" altLang="en-US" dirty="0"/>
-              <a:t>概述：</a:t>
-            </a:r>
-            <a:r>
-              <a:rPr lang="en-US" altLang="zh-CN" dirty="0"/>
-              <a:t>STL</a:t>
-            </a:r>
-            <a:r>
-              <a:rPr lang="zh-CN" altLang="en-US" dirty="0"/>
-              <a:t>的组成部分（容器、算法、迭代器）。</a:t>
-            </a:r>
-          </a:p>
-          <a:p>
-            <a:r>
-              <a:rPr lang="zh-CN" altLang="en-US" dirty="0"/>
-              <a:t>容器：</a:t>
-            </a:r>
-            <a:r>
-              <a:rPr lang="en-US" altLang="zh-CN" dirty="0"/>
-              <a:t>vector</a:t>
-            </a:r>
-            <a:r>
-              <a:rPr lang="zh-CN" altLang="en-US" dirty="0"/>
+              <a:rPr lang="zh-CN" altLang="en-US" dirty="0" smtClean="0"/>
+              <a:t>指针基础：指针的定义、解引用、指针运算。</a:t>
+            </a:r>
+          </a:p>
+          <a:p>
+            <a:r>
+              <a:rPr lang="zh-CN" altLang="en-US" dirty="0" smtClean="0"/>
+              <a:t>指针与数组：数组名作为指针，指针与数组的关系。</a:t>
+            </a:r>
+          </a:p>
+          <a:p>
+            <a:r>
+              <a:rPr lang="zh-CN" altLang="en-US" dirty="0" smtClean="0"/>
+              <a:t>动态内存管理：</a:t>
+            </a:r>
+            <a:r>
+              <a:rPr lang="en-US" altLang="zh-CN" dirty="0" smtClean="0"/>
+              <a:t>new</a:t>
+            </a:r>
+            <a:r>
+              <a:rPr lang="zh-CN" altLang="en-US" dirty="0" smtClean="0"/>
               <a:t>、</a:t>
             </a:r>
             <a:r>
-              <a:rPr lang="en-US" altLang="zh-CN" dirty="0"/>
-              <a:t>list</a:t>
-            </a:r>
-            <a:r>
-              <a:rPr lang="zh-CN" altLang="en-US" dirty="0"/>
+              <a:rPr lang="en-US" altLang="zh-CN" dirty="0" smtClean="0"/>
+              <a:t>delete</a:t>
+            </a:r>
+            <a:r>
+              <a:rPr lang="zh-CN" altLang="en-US" dirty="0" smtClean="0"/>
               <a:t>、</a:t>
             </a:r>
             <a:r>
-              <a:rPr lang="en-US" altLang="zh-CN" dirty="0"/>
-              <a:t>map</a:t>
-            </a:r>
-            <a:r>
-              <a:rPr lang="zh-CN" altLang="en-US" dirty="0"/>
+              <a:rPr lang="en-US" altLang="zh-CN" dirty="0" smtClean="0"/>
+              <a:t>new[]</a:t>
+            </a:r>
+            <a:r>
+              <a:rPr lang="zh-CN" altLang="en-US" dirty="0" smtClean="0"/>
               <a:t>、</a:t>
             </a:r>
             <a:r>
-              <a:rPr lang="en-US" altLang="zh-CN" dirty="0"/>
-              <a:t>set</a:t>
-            </a:r>
-            <a:r>
-              <a:rPr lang="zh-CN" altLang="en-US" dirty="0"/>
-              <a:t>、</a:t>
-            </a:r>
-            <a:r>
-              <a:rPr lang="en-US" altLang="zh-CN" dirty="0" err="1"/>
-              <a:t>deque</a:t>
-            </a:r>
-            <a:r>
-              <a:rPr lang="zh-CN" altLang="en-US" dirty="0"/>
-              <a:t>等。</a:t>
-            </a:r>
-          </a:p>
-          <a:p>
-            <a:r>
-              <a:rPr lang="zh-CN" altLang="en-US" dirty="0"/>
-              <a:t>算法：排序、查找、删除、替换等常用算法。</a:t>
-            </a:r>
-          </a:p>
-          <a:p>
-            <a:r>
-              <a:rPr lang="zh-CN" altLang="en-US" dirty="0"/>
-              <a:t>迭代器：容器的迭代器使用方法。</a:t>
-            </a:r>
-          </a:p>
-          <a:p>
-            <a:r>
-              <a:rPr lang="zh-CN" altLang="en-US" dirty="0"/>
-              <a:t>智能指针：</a:t>
-            </a:r>
-            <a:r>
-              <a:rPr lang="en-US" altLang="zh-CN" dirty="0" err="1"/>
-              <a:t>shared_ptr</a:t>
-            </a:r>
-            <a:r>
-              <a:rPr lang="zh-CN" altLang="en-US" dirty="0"/>
-              <a:t>、</a:t>
-            </a:r>
-            <a:r>
-              <a:rPr lang="en-US" altLang="zh-CN" dirty="0" err="1"/>
-              <a:t>unique_ptr</a:t>
-            </a:r>
-            <a:r>
-              <a:rPr lang="zh-CN" altLang="en-US" dirty="0"/>
-              <a:t>、</a:t>
-            </a:r>
-            <a:r>
-              <a:rPr lang="en-US" altLang="zh-CN" dirty="0" err="1"/>
-              <a:t>weak_ptr</a:t>
-            </a:r>
-            <a:r>
-              <a:rPr lang="zh-CN" altLang="en-US" dirty="0"/>
+              <a:rPr lang="en-US" altLang="zh-CN" dirty="0" smtClean="0"/>
+              <a:t>delete[]</a:t>
+            </a:r>
+            <a:r>
+              <a:rPr lang="zh-CN" altLang="en-US" dirty="0" smtClean="0"/>
               <a:t>。</a:t>
             </a:r>
+          </a:p>
+          <a:p>
+            <a:r>
+              <a:rPr lang="zh-CN" altLang="en-US" dirty="0" smtClean="0"/>
+              <a:t>内存泄漏与指针悬挂：避免内存泄漏，指针的安全使用。</a:t>
+            </a:r>
+            <a:endParaRPr lang="zh-CN" altLang="en-US" dirty="0"/>
           </a:p>
         </p:txBody>
       </p:sp>
     </p:spTree>
     <p:extLst>
       <p:ext uri="{BB962C8B-B14F-4D97-AF65-F5344CB8AC3E}">
-        <p14:creationId xmlns:p14="http://schemas.microsoft.com/office/powerpoint/2010/main" val="201415056"/>
+        <p14:creationId xmlns:p14="http://schemas.microsoft.com/office/powerpoint/2010/main" val="3183063327"/>
       </p:ext>
     </p:extLst>
   </p:cSld>
@@ -15932,21 +15845,28 @@
                 <a:latin typeface="华文楷体" pitchFamily="2" charset="-122"/>
                 <a:ea typeface="华文楷体" pitchFamily="2" charset="-122"/>
               </a:rPr>
-              <a:t>8</a:t>
+              <a:t>7</a:t>
             </a:r>
             <a:r>
               <a:rPr lang="zh-CN" altLang="en-US" b="1" dirty="0" smtClean="0">
                 <a:latin typeface="华文楷体" pitchFamily="2" charset="-122"/>
                 <a:ea typeface="华文楷体" pitchFamily="2" charset="-122"/>
               </a:rPr>
-              <a:t>章</a:t>
+              <a:t>章  </a:t>
+            </a:r>
+            <a:r>
+              <a:rPr lang="en-US" altLang="zh-CN" b="1" dirty="0">
+                <a:latin typeface="华文楷体" pitchFamily="2" charset="-122"/>
+                <a:ea typeface="华文楷体" pitchFamily="2" charset="-122"/>
+              </a:rPr>
+              <a:t>STL</a:t>
             </a:r>
             <a:r>
               <a:rPr lang="zh-CN" altLang="en-US" b="1" dirty="0">
                 <a:latin typeface="华文楷体" pitchFamily="2" charset="-122"/>
                 <a:ea typeface="华文楷体" pitchFamily="2" charset="-122"/>
               </a:rPr>
-              <a:t>异常处理</a:t>
+              <a:t>（标准模板库）</a:t>
             </a:r>
             <a:endParaRPr lang="zh-CN" altLang="en-US" dirty="0"/>
           </a:p>
@@ -15968,30 +15888,108 @@
           <a:lstStyle/>
           <a:p>
             <a:r>
-              <a:rPr lang="zh-CN" altLang="en-US" dirty="0"/>
-              <a:t>异常概念：异常的定义、捕获、抛出。</a:t>
-            </a:r>
-          </a:p>
-          <a:p>
-            <a:r>
-              <a:rPr lang="en-US" altLang="zh-CN" dirty="0"/>
-              <a:t>try-catch</a:t>
-            </a:r>
-            <a:r>
-              <a:rPr lang="zh-CN" altLang="en-US" dirty="0"/>
-              <a:t>语句：基本语法、捕获多种异常。</a:t>
-            </a:r>
-          </a:p>
-          <a:p>
-            <a:r>
-              <a:rPr lang="zh-CN" altLang="en-US" dirty="0"/>
-              <a:t>自定义异常类：如何创建自定义异常类型。</a:t>
-            </a:r>
-          </a:p>
-          <a:p>
-            <a:r>
-              <a:rPr lang="zh-CN" altLang="en-US" dirty="0"/>
-              <a:t>异常安全：异常安全的编程原则（基本保证、强保证）。</a:t>
+              <a:rPr lang="en-US" altLang="zh-CN" dirty="0"/>
+              <a:t>STL</a:t>
+            </a:r>
+            <a:r>
+              <a:rPr lang="zh-CN" altLang="en-US" dirty="0"/>
+              <a:t>概述：</a:t>
+            </a:r>
+            <a:r>
+              <a:rPr lang="en-US" altLang="zh-CN" dirty="0"/>
+              <a:t>STL</a:t>
+            </a:r>
+            <a:r>
+              <a:rPr lang="zh-CN" altLang="en-US" dirty="0"/>
+              <a:t>的组成部分（容器、算法、迭代器）。</a:t>
+            </a:r>
+          </a:p>
+          <a:p>
+            <a:r>
+              <a:rPr lang="zh-CN" altLang="en-US" dirty="0"/>
+              <a:t>容器：</a:t>
+            </a:r>
+            <a:r>
+              <a:rPr lang="en-US" altLang="zh-CN" dirty="0"/>
+              <a:t>vector</a:t>
+            </a:r>
+            <a:r>
+              <a:rPr lang="zh-CN" altLang="en-US" dirty="0"/>
+              <a:t>、</a:t>
+            </a:r>
+            <a:r>
+              <a:rPr lang="en-US" altLang="zh-CN" dirty="0"/>
+              <a:t>list</a:t>
+            </a:r>
+            <a:r>
+              <a:rPr lang="zh-CN" altLang="en-US" dirty="0"/>
+              <a:t>、</a:t>
+            </a:r>
+            <a:r>
+              <a:rPr lang="en-US" altLang="zh-CN" dirty="0"/>
+              <a:t>map</a:t>
+            </a:r>
+            <a:r>
+              <a:rPr lang="zh-CN" altLang="en-US" dirty="0"/>
+              <a:t>、</a:t>
+            </a:r>
+            <a:r>
+              <a:rPr lang="en-US" altLang="zh-CN" dirty="0"/>
+              <a:t>set</a:t>
+            </a:r>
+            <a:r>
+              <a:rPr lang="zh-CN" altLang="en-US" dirty="0"/>
+              <a:t>、</a:t>
+            </a:r>
+            <a:r>
+              <a:rPr lang="en-US" altLang="zh-CN" dirty="0" err="1"/>
+              <a:t>deque</a:t>
+            </a:r>
+            <a:r>
+              <a:rPr lang="zh-CN" altLang="en-US" dirty="0"/>
+              <a:t>等。</a:t>
+            </a:r>
+          </a:p>
+          <a:p>
+            <a:r>
+              <a:rPr lang="zh-CN" altLang="en-US" dirty="0"/>
+              <a:t>算法：排序、查找、删除、替换等常用算法。</a:t>
+            </a:r>
+          </a:p>
+          <a:p>
+            <a:r>
+              <a:rPr lang="zh-CN" altLang="en-US" dirty="0"/>
+              <a:t>迭代器：容器的迭代器使用方法。</a:t>
+            </a:r>
+          </a:p>
+          <a:p>
+            <a:r>
+              <a:rPr lang="zh-CN" altLang="en-US" dirty="0"/>
+              <a:t>智能指针：</a:t>
+            </a:r>
+            <a:r>
+              <a:rPr lang="en-US" altLang="zh-CN" dirty="0" err="1"/>
+              <a:t>shared_ptr</a:t>
+            </a:r>
+            <a:r>
+              <a:rPr lang="zh-CN" altLang="en-US" dirty="0"/>
+              <a:t>、</a:t>
+            </a:r>
+            <a:r>
+              <a:rPr lang="en-US" altLang="zh-CN" dirty="0" err="1"/>
+              <a:t>unique_ptr</a:t>
+            </a:r>
+            <a:r>
+              <a:rPr lang="zh-CN" altLang="en-US" dirty="0"/>
+              <a:t>、</a:t>
+            </a:r>
+            <a:r>
+              <a:rPr lang="en-US" altLang="zh-CN" dirty="0" err="1"/>
+              <a:t>weak_ptr</a:t>
+            </a:r>
+            <a:r>
+              <a:rPr lang="zh-CN" altLang="en-US" dirty="0"/>
+              <a:t>。</a:t>
             </a:r>
           </a:p>
         </p:txBody>
@@ -15999,7 +15997,7 @@
     </p:spTree>
     <p:extLst>
       <p:ext uri="{BB962C8B-B14F-4D97-AF65-F5344CB8AC3E}">
-        <p14:creationId xmlns:p14="http://schemas.microsoft.com/office/powerpoint/2010/main" val="2102593440"/>
+        <p14:creationId xmlns:p14="http://schemas.microsoft.com/office/powerpoint/2010/main" val="201415056"/>
       </p:ext>
     </p:extLst>
   </p:cSld>
@@ -16060,7 +16058,7 @@
                 <a:latin typeface="华文楷体" pitchFamily="2" charset="-122"/>
                 <a:ea typeface="华文楷体" pitchFamily="2" charset="-122"/>
               </a:rPr>
-              <a:t>9</a:t>
+              <a:t>8</a:t>
             </a:r>
             <a:r>
               <a:rPr lang="zh-CN" altLang="en-US" b="1" dirty="0" smtClean="0">
@@ -16074,7 +16072,7 @@
                 <a:latin typeface="华文楷体" pitchFamily="2" charset="-122"/>
                 <a:ea typeface="华文楷体" pitchFamily="2" charset="-122"/>
               </a:rPr>
-              <a:t>文件操作</a:t>
+              <a:t>异常处理</a:t>
             </a:r>
             <a:endParaRPr lang="zh-CN" altLang="en-US" dirty="0"/>
           </a:p>
@@ -16097,59 +16095,29 @@
           <a:p>
             <a:r>
               <a:rPr lang="zh-CN" altLang="en-US" dirty="0"/>
-              <a:t>文件输入输出：使用</a:t>
-            </a:r>
-            <a:r>
-              <a:rPr lang="en-US" altLang="zh-CN" dirty="0" err="1"/>
-              <a:t>fstream</a:t>
-            </a:r>
-            <a:r>
-              <a:rPr lang="zh-CN" altLang="en-US" dirty="0"/>
-              <a:t>进行文件读写。</a:t>
-            </a:r>
-          </a:p>
-          <a:p>
-            <a:r>
-              <a:rPr lang="zh-CN" altLang="en-US" dirty="0"/>
-              <a:t>文本文件与二进制文件：处理文本文件和二进制文件的不同方式。</a:t>
-            </a:r>
-          </a:p>
-          <a:p>
-            <a:r>
-              <a:rPr lang="zh-CN" altLang="en-US" dirty="0"/>
-              <a:t>文件指针与流控制：</a:t>
-            </a:r>
-            <a:r>
-              <a:rPr lang="en-US" altLang="zh-CN" dirty="0" err="1"/>
-              <a:t>seekg</a:t>
-            </a:r>
-            <a:r>
-              <a:rPr lang="zh-CN" altLang="en-US" dirty="0"/>
-              <a:t>、</a:t>
-            </a:r>
-            <a:r>
-              <a:rPr lang="en-US" altLang="zh-CN" dirty="0" err="1"/>
-              <a:t>seekp</a:t>
-            </a:r>
-            <a:r>
-              <a:rPr lang="zh-CN" altLang="en-US" dirty="0"/>
-              <a:t>、</a:t>
-            </a:r>
-            <a:r>
-              <a:rPr lang="en-US" altLang="zh-CN" dirty="0" err="1"/>
-              <a:t>tellg</a:t>
-            </a:r>
-            <a:r>
-              <a:rPr lang="zh-CN" altLang="en-US" dirty="0"/>
-              <a:t>、</a:t>
-            </a:r>
-            <a:r>
-              <a:rPr lang="en-US" altLang="zh-CN" dirty="0" err="1"/>
-              <a:t>tellp</a:t>
-            </a:r>
-            <a:r>
-              <a:rPr lang="zh-CN" altLang="en-US" dirty="0"/>
-              <a:t>。</a:t>
+              <a:t>异常概念：异常的定义、捕获、抛出。</a:t>
+            </a:r>
+          </a:p>
+          <a:p>
+            <a:r>
+              <a:rPr lang="en-US" altLang="zh-CN" dirty="0"/>
+              <a:t>try-catch</a:t>
+            </a:r>
+            <a:r>
+              <a:rPr lang="zh-CN" altLang="en-US" dirty="0"/>
+              <a:t>语句：基本语法、捕获多种异常。</a:t>
+            </a:r>
+          </a:p>
+          <a:p>
+            <a:r>
+              <a:rPr lang="zh-CN" altLang="en-US" dirty="0"/>
+              <a:t>自定义异常类：如何创建自定义异常类型。</a:t>
+            </a:r>
+          </a:p>
+          <a:p>
+            <a:r>
+              <a:rPr lang="zh-CN" altLang="en-US" dirty="0"/>
+              <a:t>异常安全：异常安全的编程原则（基本保证、强保证）。</a:t>
             </a:r>
           </a:p>
         </p:txBody>
@@ -16157,7 +16125,7 @@
     </p:spTree>
     <p:extLst>
       <p:ext uri="{BB962C8B-B14F-4D97-AF65-F5344CB8AC3E}">
-        <p14:creationId xmlns:p14="http://schemas.microsoft.com/office/powerpoint/2010/main" val="2309702231"/>
+        <p14:creationId xmlns:p14="http://schemas.microsoft.com/office/powerpoint/2010/main" val="2102593440"/>
       </p:ext>
     </p:extLst>
   </p:cSld>
@@ -16218,28 +16186,21 @@
                 <a:latin typeface="华文楷体" pitchFamily="2" charset="-122"/>
                 <a:ea typeface="华文楷体" pitchFamily="2" charset="-122"/>
               </a:rPr>
-              <a:t>10</a:t>
+              <a:t>9</a:t>
             </a:r>
             <a:r>
               <a:rPr lang="zh-CN" altLang="en-US" b="1" dirty="0" smtClean="0">
                 <a:latin typeface="华文楷体" pitchFamily="2" charset="-122"/>
                 <a:ea typeface="华文楷体" pitchFamily="2" charset="-122"/>
               </a:rPr>
-              <a:t>章  </a:t>
-            </a:r>
-            <a:r>
-              <a:rPr lang="en-US" altLang="zh-CN" b="1" dirty="0">
-                <a:latin typeface="华文楷体" pitchFamily="2" charset="-122"/>
-                <a:ea typeface="华文楷体" pitchFamily="2" charset="-122"/>
-              </a:rPr>
-              <a:t>C++11</a:t>
+              <a:t>章</a:t>
             </a:r>
             <a:r>
               <a:rPr lang="zh-CN" altLang="en-US" b="1" dirty="0">
                 <a:latin typeface="华文楷体" pitchFamily="2" charset="-122"/>
                 <a:ea typeface="华文楷体" pitchFamily="2" charset="-122"/>
               </a:rPr>
-              <a:t>及以后特性</a:t>
+              <a:t>文件操作</a:t>
             </a:r>
             <a:endParaRPr lang="zh-CN" altLang="en-US" dirty="0"/>
           </a:p>
@@ -16261,30 +16222,32 @@
           <a:lstStyle/>
           <a:p>
             <a:r>
-              <a:rPr lang="en-US" altLang="zh-CN" dirty="0"/>
-              <a:t>Lambda</a:t>
-            </a:r>
-            <a:r>
-              <a:rPr lang="zh-CN" altLang="en-US" dirty="0"/>
-              <a:t>表达式：如何使用</a:t>
-            </a:r>
-            <a:r>
-              <a:rPr lang="en-US" altLang="zh-CN" dirty="0"/>
-              <a:t>Lambda</a:t>
-            </a:r>
-            <a:r>
-              <a:rPr lang="zh-CN" altLang="en-US" dirty="0"/>
-              <a:t>简化代码。</a:t>
-            </a:r>
-          </a:p>
-          <a:p>
-            <a:r>
-              <a:rPr lang="zh-CN" altLang="en-US" dirty="0"/>
-              <a:t>智能指针：如何使用</a:t>
+              <a:rPr lang="zh-CN" altLang="en-US" dirty="0"/>
+              <a:t>文件输入输出：使用</a:t>
             </a:r>
             <a:r>
               <a:rPr lang="en-US" altLang="zh-CN" dirty="0" err="1"/>
-              <a:t>shared_ptr</a:t>
+              <a:t>fstream</a:t>
+            </a:r>
+            <a:r>
+              <a:rPr lang="zh-CN" altLang="en-US" dirty="0"/>
+              <a:t>进行文件读写。</a:t>
+            </a:r>
+          </a:p>
+          <a:p>
+            <a:r>
+              <a:rPr lang="zh-CN" altLang="en-US" dirty="0"/>
+              <a:t>文本文件与二进制文件：处理文本文件和二进制文件的不同方式。</a:t>
+            </a:r>
+          </a:p>
+          <a:p>
+            <a:r>
+              <a:rPr lang="zh-CN" altLang="en-US" dirty="0"/>
+              <a:t>文件指针与流控制：</a:t>
+            </a:r>
+            <a:r>
+              <a:rPr lang="en-US" altLang="zh-CN" dirty="0" err="1"/>
+              <a:t>seekg</a:t>
             </a:r>
             <a:r>
               <a:rPr lang="zh-CN" altLang="en-US" dirty="0"/>
@@ -16292,25 +16255,15 @@
             </a:r>
             <a:r>
               <a:rPr lang="en-US" altLang="zh-CN" dirty="0" err="1"/>
-              <a:t>unique_ptr</a:t>
-            </a:r>
-            <a:r>
-              <a:rPr lang="zh-CN" altLang="en-US" dirty="0"/>
-              <a:t>等智能指针管理内存。</a:t>
-            </a:r>
-          </a:p>
-          <a:p>
-            <a:r>
-              <a:rPr lang="zh-CN" altLang="en-US" dirty="0"/>
-              <a:t>线程与并发：</a:t>
+              <a:t>seekp</a:t>
+            </a:r>
+            <a:r>
+              <a:rPr lang="zh-CN" altLang="en-US" dirty="0"/>
+              <a:t>、</a:t>
             </a:r>
             <a:r>
               <a:rPr lang="en-US" altLang="zh-CN" dirty="0" err="1"/>
-              <a:t>std</a:t>
-            </a:r>
-            <a:r>
-              <a:rPr lang="en-US" altLang="zh-CN" dirty="0"/>
-              <a:t>::thread</a:t>
+              <a:t>tellg</a:t>
             </a:r>
             <a:r>
               <a:rPr lang="zh-CN" altLang="en-US" dirty="0"/>
@@ -16318,83 +16271,11 @@
             </a:r>
             <a:r>
               <a:rPr lang="en-US" altLang="zh-CN" dirty="0" err="1"/>
-              <a:t>std</a:t>
-            </a:r>
-            <a:r>
-              <a:rPr lang="en-US" altLang="zh-CN" dirty="0"/>
-              <a:t>::</a:t>
-            </a:r>
-            <a:r>
-              <a:rPr lang="en-US" altLang="zh-CN" dirty="0" err="1"/>
-              <a:t>mutex</a:t>
-            </a:r>
-            <a:r>
-              <a:rPr lang="zh-CN" altLang="en-US" dirty="0"/>
-              <a:t>、</a:t>
-            </a:r>
-            <a:r>
-              <a:rPr lang="en-US" altLang="zh-CN" dirty="0" err="1"/>
-              <a:t>std</a:t>
-            </a:r>
-            <a:r>
-              <a:rPr lang="en-US" altLang="zh-CN" dirty="0"/>
-              <a:t>::</a:t>
-            </a:r>
-            <a:r>
-              <a:rPr lang="en-US" altLang="zh-CN" dirty="0" err="1"/>
-              <a:t>async</a:t>
-            </a:r>
-            <a:r>
-              <a:rPr lang="zh-CN" altLang="en-US" dirty="0"/>
-              <a:t>等并发编程工具。</a:t>
-            </a:r>
-          </a:p>
-          <a:p>
-            <a:r>
-              <a:rPr lang="zh-CN" altLang="en-US" dirty="0"/>
-              <a:t>右值引用与移动语义：</a:t>
-            </a:r>
-            <a:r>
-              <a:rPr lang="en-US" altLang="zh-CN" dirty="0" err="1"/>
-              <a:t>std</a:t>
-            </a:r>
-            <a:r>
-              <a:rPr lang="en-US" altLang="zh-CN" dirty="0"/>
-              <a:t>::move</a:t>
-            </a:r>
-            <a:r>
-              <a:rPr lang="zh-CN" altLang="en-US" dirty="0"/>
-              <a:t>、</a:t>
-            </a:r>
-            <a:r>
-              <a:rPr lang="en-US" altLang="zh-CN" dirty="0" err="1"/>
-              <a:t>std</a:t>
-            </a:r>
-            <a:r>
-              <a:rPr lang="en-US" altLang="zh-CN" dirty="0"/>
-              <a:t>::forward</a:t>
-            </a:r>
-            <a:r>
-              <a:rPr lang="zh-CN" altLang="en-US" dirty="0"/>
-              <a:t>、移动构造函数和移动赋值运算符。</a:t>
-            </a:r>
-          </a:p>
-          <a:p>
-            <a:r>
-              <a:rPr lang="en-US" altLang="zh-CN" dirty="0" err="1"/>
-              <a:t>std</a:t>
-            </a:r>
-            <a:r>
-              <a:rPr lang="en-US" altLang="zh-CN" dirty="0"/>
-              <a:t>::</a:t>
-            </a:r>
-            <a:r>
-              <a:rPr lang="en-US" altLang="zh-CN" dirty="0" err="1"/>
-              <a:t>chrono</a:t>
-            </a:r>
-            <a:r>
-              <a:rPr lang="zh-CN" altLang="en-US" dirty="0"/>
-              <a:t>库：时间测量和延时功能。</a:t>
+              <a:t>tellp</a:t>
+            </a:r>
+            <a:r>
+              <a:rPr lang="zh-CN" altLang="en-US" dirty="0"/>
+              <a:t>。</a:t>
             </a:r>
           </a:p>
         </p:txBody>
@@ -16402,7 +16283,7 @@
     </p:spTree>
     <p:extLst>
       <p:ext uri="{BB962C8B-B14F-4D97-AF65-F5344CB8AC3E}">
-        <p14:creationId xmlns:p14="http://schemas.microsoft.com/office/powerpoint/2010/main" val="1295629135"/>
+        <p14:creationId xmlns:p14="http://schemas.microsoft.com/office/powerpoint/2010/main" val="2309702231"/>
       </p:ext>
     </p:extLst>
   </p:cSld>
@@ -16452,7 +16333,7 @@
           <a:lstStyle/>
           <a:p>
             <a:r>
-              <a:rPr lang="zh-CN" altLang="en-US" b="1" dirty="0">
+              <a:rPr lang="zh-CN" altLang="en-US" b="1" dirty="0" smtClean="0">
                 <a:latin typeface="华文楷体" pitchFamily="2" charset="-122"/>
                 <a:ea typeface="华文楷体" pitchFamily="2" charset="-122"/>
               </a:rPr>
@@ -16463,7 +16344,7 @@
                 <a:latin typeface="华文楷体" pitchFamily="2" charset="-122"/>
                 <a:ea typeface="华文楷体" pitchFamily="2" charset="-122"/>
               </a:rPr>
-              <a:t>11</a:t>
+              <a:t>10</a:t>
             </a:r>
             <a:r>
               <a:rPr lang="zh-CN" altLang="en-US" b="1" dirty="0" smtClean="0">
@@ -16477,14 +16358,14 @@
                 <a:latin typeface="华文楷体" pitchFamily="2" charset="-122"/>
                 <a:ea typeface="华文楷体" pitchFamily="2" charset="-122"/>
               </a:rPr>
-              <a:t>C++</a:t>
+              <a:t>C++11</a:t>
             </a:r>
             <a:r>
               <a:rPr lang="zh-CN" altLang="en-US" b="1" dirty="0">
                 <a:latin typeface="华文楷体" pitchFamily="2" charset="-122"/>
                 <a:ea typeface="华文楷体" pitchFamily="2" charset="-122"/>
               </a:rPr>
-              <a:t>设计模式</a:t>
+              <a:t>及以后特性</a:t>
             </a:r>
             <a:endParaRPr lang="zh-CN" altLang="en-US" dirty="0"/>
           </a:p>
@@ -16506,50 +16387,148 @@
           <a:lstStyle/>
           <a:p>
             <a:r>
-              <a:rPr lang="zh-CN" altLang="en-US" dirty="0"/>
-              <a:t>单例模式：如何实现和应用单例模式。</a:t>
-            </a:r>
-          </a:p>
-          <a:p>
-            <a:r>
-              <a:rPr lang="zh-CN" altLang="en-US" dirty="0"/>
-              <a:t>工厂模式：使用工厂模式来创建对象。</a:t>
-            </a:r>
-          </a:p>
-          <a:p>
-            <a:r>
-              <a:rPr lang="zh-CN" altLang="en-US" dirty="0"/>
-              <a:t>观察者模式：如何实现和应用观察者模式。</a:t>
-            </a:r>
-          </a:p>
-          <a:p>
-            <a:r>
-              <a:rPr lang="zh-CN" altLang="en-US" dirty="0"/>
-              <a:t>策略模式：定义一系列算法，将每一个算法封装起来</a:t>
-            </a:r>
-            <a:r>
-              <a:rPr lang="zh-CN" altLang="en-US" dirty="0" smtClean="0"/>
-              <a:t>。</a:t>
-            </a:r>
-            <a:endParaRPr lang="en-US" altLang="zh-CN" dirty="0" smtClean="0"/>
-          </a:p>
-          <a:p>
-            <a:r>
-              <a:rPr lang="zh-CN" altLang="en-US"/>
-              <a:t>高内</a:t>
-            </a:r>
-            <a:r>
-              <a:rPr lang="zh-CN" altLang="en-US" smtClean="0"/>
-              <a:t>聚，低耦合</a:t>
-            </a:r>
-            <a:endParaRPr lang="zh-CN" altLang="en-US" dirty="0"/>
+              <a:rPr lang="en-US" altLang="zh-CN" dirty="0"/>
+              <a:t>Lambda</a:t>
+            </a:r>
+            <a:r>
+              <a:rPr lang="zh-CN" altLang="en-US" dirty="0"/>
+              <a:t>表达式：如何使用</a:t>
+            </a:r>
+            <a:r>
+              <a:rPr lang="en-US" altLang="zh-CN" dirty="0"/>
+              <a:t>Lambda</a:t>
+            </a:r>
+            <a:r>
+              <a:rPr lang="zh-CN" altLang="en-US" dirty="0"/>
+              <a:t>简化代码。</a:t>
+            </a:r>
+          </a:p>
+          <a:p>
+            <a:r>
+              <a:rPr lang="zh-CN" altLang="en-US" dirty="0"/>
+              <a:t>智能指针：如何使用</a:t>
+            </a:r>
+            <a:r>
+              <a:rPr lang="en-US" altLang="zh-CN" dirty="0" err="1"/>
+              <a:t>shared_ptr</a:t>
+            </a:r>
+            <a:r>
+              <a:rPr lang="zh-CN" altLang="en-US" dirty="0"/>
+              <a:t>、</a:t>
+            </a:r>
+            <a:r>
+              <a:rPr lang="en-US" altLang="zh-CN" dirty="0" err="1"/>
+              <a:t>unique_ptr</a:t>
+            </a:r>
+            <a:r>
+              <a:rPr lang="zh-CN" altLang="en-US" dirty="0"/>
+              <a:t>等智能指针管理内存。</a:t>
+            </a:r>
+          </a:p>
+          <a:p>
+            <a:r>
+              <a:rPr lang="zh-CN" altLang="en-US" dirty="0"/>
+              <a:t>线程与并发：</a:t>
+            </a:r>
+            <a:r>
+              <a:rPr lang="en-US" altLang="zh-CN" dirty="0" err="1"/>
+              <a:t>std</a:t>
+            </a:r>
+            <a:r>
+              <a:rPr lang="en-US" altLang="zh-CN" dirty="0"/>
+              <a:t>::thread</a:t>
+            </a:r>
+            <a:r>
+              <a:rPr lang="zh-CN" altLang="en-US" dirty="0"/>
+              <a:t>、</a:t>
+            </a:r>
+            <a:r>
+              <a:rPr lang="en-US" altLang="zh-CN" dirty="0" err="1"/>
+              <a:t>std</a:t>
+            </a:r>
+            <a:r>
+              <a:rPr lang="en-US" altLang="zh-CN" dirty="0"/>
+              <a:t>::</a:t>
+            </a:r>
+            <a:r>
+              <a:rPr lang="en-US" altLang="zh-CN" dirty="0" err="1"/>
+              <a:t>mutex</a:t>
+            </a:r>
+            <a:r>
+              <a:rPr lang="zh-CN" altLang="en-US" dirty="0"/>
+              <a:t>、</a:t>
+            </a:r>
+            <a:r>
+              <a:rPr lang="en-US" altLang="zh-CN" dirty="0" err="1"/>
+              <a:t>std</a:t>
+            </a:r>
+            <a:r>
+              <a:rPr lang="en-US" altLang="zh-CN" dirty="0"/>
+              <a:t>::</a:t>
+            </a:r>
+            <a:r>
+              <a:rPr lang="en-US" altLang="zh-CN" dirty="0" err="1"/>
+              <a:t>async</a:t>
+            </a:r>
+            <a:r>
+              <a:rPr lang="zh-CN" altLang="en-US" dirty="0"/>
+              <a:t>等并发编程工具。</a:t>
+            </a:r>
+          </a:p>
+          <a:p>
+            <a:r>
+              <a:rPr lang="zh-CN" altLang="en-US" dirty="0"/>
+              <a:t>右值引用与移动语义：</a:t>
+            </a:r>
+            <a:r>
+              <a:rPr lang="en-US" altLang="zh-CN" dirty="0" err="1"/>
+              <a:t>std</a:t>
+            </a:r>
+            <a:r>
+              <a:rPr lang="en-US" altLang="zh-CN" dirty="0"/>
+              <a:t>::move</a:t>
+            </a:r>
+            <a:r>
+              <a:rPr lang="zh-CN" altLang="en-US" dirty="0"/>
+              <a:t>、</a:t>
+            </a:r>
+            <a:r>
+              <a:rPr lang="en-US" altLang="zh-CN" dirty="0" err="1"/>
+              <a:t>std</a:t>
+            </a:r>
+            <a:r>
+              <a:rPr lang="en-US" altLang="zh-CN" dirty="0"/>
+              <a:t>::forward</a:t>
+            </a:r>
+            <a:r>
+              <a:rPr lang="zh-CN" altLang="en-US" dirty="0"/>
+              <a:t>、移动构造函数和移动赋值运算符。</a:t>
+            </a:r>
+          </a:p>
+          <a:p>
+            <a:r>
+              <a:rPr lang="en-US" altLang="zh-CN" dirty="0" err="1"/>
+              <a:t>std</a:t>
+            </a:r>
+            <a:r>
+              <a:rPr lang="en-US" altLang="zh-CN" dirty="0"/>
+              <a:t>::</a:t>
+            </a:r>
+            <a:r>
+              <a:rPr lang="en-US" altLang="zh-CN" dirty="0" err="1"/>
+              <a:t>chrono</a:t>
+            </a:r>
+            <a:r>
+              <a:rPr lang="zh-CN" altLang="en-US" dirty="0"/>
+              <a:t>库：时间测量和延时功能。</a:t>
+            </a:r>
           </a:p>
         </p:txBody>
       </p:sp>
     </p:spTree>
     <p:extLst>
       <p:ext uri="{BB962C8B-B14F-4D97-AF65-F5344CB8AC3E}">
-        <p14:creationId xmlns:p14="http://schemas.microsoft.com/office/powerpoint/2010/main" val="4116617042"/>
+        <p14:creationId xmlns:p14="http://schemas.microsoft.com/office/powerpoint/2010/main" val="1295629135"/>
       </p:ext>
     </p:extLst>
   </p:cSld>
@@ -16779,6 +16758,153 @@
                 <a:latin typeface="华文楷体" pitchFamily="2" charset="-122"/>
                 <a:ea typeface="华文楷体" pitchFamily="2" charset="-122"/>
               </a:rPr>
+              <a:t>设计模式</a:t>
+            </a:r>
+            <a:endParaRPr lang="zh-CN" altLang="en-US" dirty="0"/>
+          </a:p>
+        </p:txBody>
+      </p:sp>
+      <p:sp>
+        <p:nvSpPr>
+          <p:cNvPr id="3" name="内容占位符 2"/>
+          <p:cNvSpPr>
+            <a:spLocks noGrp="1"/>
+          </p:cNvSpPr>
+          <p:nvPr>
+            <p:ph idx="1"/>
+          </p:nvPr>
+        </p:nvSpPr>
+        <p:spPr/>
+        <p:txBody>
+          <a:bodyPr/>
+          <a:lstStyle/>
+          <a:p>
+            <a:r>
+              <a:rPr lang="zh-CN" altLang="en-US" dirty="0"/>
+              <a:t>单例模式：如何实现和应用单例模式。</a:t>
+            </a:r>
+          </a:p>
+          <a:p>
+            <a:r>
+              <a:rPr lang="zh-CN" altLang="en-US" dirty="0"/>
+              <a:t>工厂模式：使用工厂模式来创建对象。</a:t>
+            </a:r>
+          </a:p>
+          <a:p>
+            <a:r>
+              <a:rPr lang="zh-CN" altLang="en-US" dirty="0"/>
+              <a:t>观察者模式：如何实现和应用观察者模式。</a:t>
+            </a:r>
+          </a:p>
+          <a:p>
+            <a:r>
+              <a:rPr lang="zh-CN" altLang="en-US" dirty="0"/>
+              <a:t>策略模式：定义一系列算法，将每一个算法封装起来</a:t>
+            </a:r>
+            <a:r>
+              <a:rPr lang="zh-CN" altLang="en-US" dirty="0" smtClean="0"/>
+              <a:t>。</a:t>
+            </a:r>
+            <a:endParaRPr lang="en-US" altLang="zh-CN" dirty="0" smtClean="0"/>
+          </a:p>
+          <a:p>
+            <a:r>
+              <a:rPr lang="zh-CN" altLang="en-US"/>
+              <a:t>高内</a:t>
+            </a:r>
+            <a:r>
+              <a:rPr lang="zh-CN" altLang="en-US" smtClean="0"/>
+              <a:t>聚，低耦合</a:t>
+            </a:r>
+            <a:endParaRPr lang="zh-CN" altLang="en-US" dirty="0"/>
+          </a:p>
+        </p:txBody>
+      </p:sp>
+    </p:spTree>
+    <p:extLst>
+      <p:ext uri="{BB962C8B-B14F-4D97-AF65-F5344CB8AC3E}">
+        <p14:creationId xmlns:p14="http://schemas.microsoft.com/office/powerpoint/2010/main" val="4116617042"/>
+      </p:ext>
+    </p:extLst>
+  </p:cSld>
+  <p:clrMapOvr>
+    <a:masterClrMapping/>
+  </p:clrMapOvr>
+  <p:timing>
+    <p:tnLst>
+      <p:par>
+        <p:cTn id="1" dur="indefinite" restart="never" nodeType="tmRoot"/>
+      </p:par>
+    </p:tnLst>
+  </p:timing>
+</p:sld>
+</file>
+
+<file path=ppt/slides/slide51.xml><?xml version="1.0" encoding="utf-8"?>
+<p:sld xmlns:a="http://schemas.openxmlformats.org/drawingml/2006/main" xmlns:r="http://schemas.openxmlformats.org/officeDocument/2006/relationships" xmlns:p="http://schemas.openxmlformats.org/presentationml/2006/main">
+  <p:cSld>
+    <p:spTree>
+      <p:nvGrpSpPr>
+        <p:cNvPr id="1" name=""/>
+        <p:cNvGrpSpPr/>
+        <p:nvPr/>
+      </p:nvGrpSpPr>
+      <p:grpSpPr>
+        <a:xfrm>
+          <a:off x="0" y="0"/>
+          <a:ext cx="0" cy="0"/>
+          <a:chOff x="0" y="0"/>
+          <a:chExt cx="0" cy="0"/>
+        </a:xfrm>
+      </p:grpSpPr>
+      <p:sp>
+        <p:nvSpPr>
+          <p:cNvPr id="2" name="标题 1"/>
+          <p:cNvSpPr>
+            <a:spLocks noGrp="1"/>
+          </p:cNvSpPr>
+          <p:nvPr>
+            <p:ph type="title"/>
+          </p:nvPr>
+        </p:nvSpPr>
+        <p:spPr/>
+        <p:txBody>
+          <a:bodyPr/>
+          <a:lstStyle/>
+          <a:p>
+            <a:r>
+              <a:rPr lang="zh-CN" altLang="en-US" b="1" dirty="0">
+                <a:latin typeface="华文楷体" pitchFamily="2" charset="-122"/>
+                <a:ea typeface="华文楷体" pitchFamily="2" charset="-122"/>
+              </a:rPr>
+              <a:t>第</a:t>
+            </a:r>
+            <a:r>
+              <a:rPr lang="en-US" altLang="zh-CN" b="1" dirty="0" smtClean="0">
+                <a:latin typeface="华文楷体" pitchFamily="2" charset="-122"/>
+                <a:ea typeface="华文楷体" pitchFamily="2" charset="-122"/>
+              </a:rPr>
+              <a:t>11</a:t>
+            </a:r>
+            <a:r>
+              <a:rPr lang="zh-CN" altLang="en-US" b="1" dirty="0" smtClean="0">
+                <a:latin typeface="华文楷体" pitchFamily="2" charset="-122"/>
+                <a:ea typeface="华文楷体" pitchFamily="2" charset="-122"/>
+              </a:rPr>
+              <a:t>章  </a:t>
+            </a:r>
+            <a:r>
+              <a:rPr lang="en-US" altLang="zh-CN" b="1" dirty="0">
+                <a:latin typeface="华文楷体" pitchFamily="2" charset="-122"/>
+                <a:ea typeface="华文楷体" pitchFamily="2" charset="-122"/>
+              </a:rPr>
+              <a:t>C++</a:t>
+            </a:r>
+            <a:r>
+              <a:rPr lang="zh-CN" altLang="en-US" b="1" dirty="0">
+                <a:latin typeface="华文楷体" pitchFamily="2" charset="-122"/>
+                <a:ea typeface="华文楷体" pitchFamily="2" charset="-122"/>
+              </a:rPr>
               <a:t>进阶</a:t>
             </a:r>
             <a:endParaRPr lang="zh-CN" altLang="en-US" dirty="0"/>
@@ -16895,7 +17021,7 @@
 </p:sld>
 </file>
 
-<file path=ppt/slides/slide51.xml><?xml version="1.0" encoding="utf-8"?>
+<file path=ppt/slides/slide52.xml><?xml version="1.0" encoding="utf-8"?>
 <p:sld xmlns:a="http://schemas.openxmlformats.org/drawingml/2006/main" xmlns:r="http://schemas.openxmlformats.org/officeDocument/2006/relationships" xmlns:p="http://schemas.openxmlformats.org/presentationml/2006/main">
   <p:cSld>
     <p:spTree>

--- a/learn_cpp/docs/C++语言培训.pptx
+++ b/learn_cpp/docs/C++语言培训.pptx
@@ -34,29 +34,32 @@
     <p:sldId id="300" r:id="rId28"/>
     <p:sldId id="301" r:id="rId29"/>
     <p:sldId id="308" r:id="rId30"/>
-    <p:sldId id="284" r:id="rId31"/>
-    <p:sldId id="285" r:id="rId32"/>
-    <p:sldId id="286" r:id="rId33"/>
-    <p:sldId id="287" r:id="rId34"/>
-    <p:sldId id="259" r:id="rId35"/>
-    <p:sldId id="260" r:id="rId36"/>
-    <p:sldId id="288" r:id="rId37"/>
-    <p:sldId id="289" r:id="rId38"/>
-    <p:sldId id="290" r:id="rId39"/>
-    <p:sldId id="291" r:id="rId40"/>
-    <p:sldId id="292" r:id="rId41"/>
-    <p:sldId id="293" r:id="rId42"/>
-    <p:sldId id="294" r:id="rId43"/>
-    <p:sldId id="295" r:id="rId44"/>
-    <p:sldId id="296" r:id="rId45"/>
-    <p:sldId id="261" r:id="rId46"/>
-    <p:sldId id="262" r:id="rId47"/>
-    <p:sldId id="263" r:id="rId48"/>
-    <p:sldId id="264" r:id="rId49"/>
-    <p:sldId id="265" r:id="rId50"/>
-    <p:sldId id="266" r:id="rId51"/>
-    <p:sldId id="267" r:id="rId52"/>
-    <p:sldId id="268" r:id="rId53"/>
+    <p:sldId id="309" r:id="rId31"/>
+    <p:sldId id="310" r:id="rId32"/>
+    <p:sldId id="311" r:id="rId33"/>
+    <p:sldId id="284" r:id="rId34"/>
+    <p:sldId id="285" r:id="rId35"/>
+    <p:sldId id="286" r:id="rId36"/>
+    <p:sldId id="287" r:id="rId37"/>
+    <p:sldId id="259" r:id="rId38"/>
+    <p:sldId id="260" r:id="rId39"/>
+    <p:sldId id="288" r:id="rId40"/>
+    <p:sldId id="289" r:id="rId41"/>
+    <p:sldId id="290" r:id="rId42"/>
+    <p:sldId id="291" r:id="rId43"/>
+    <p:sldId id="292" r:id="rId44"/>
+    <p:sldId id="293" r:id="rId45"/>
+    <p:sldId id="294" r:id="rId46"/>
+    <p:sldId id="295" r:id="rId47"/>
+    <p:sldId id="296" r:id="rId48"/>
+    <p:sldId id="261" r:id="rId49"/>
+    <p:sldId id="262" r:id="rId50"/>
+    <p:sldId id="263" r:id="rId51"/>
+    <p:sldId id="264" r:id="rId52"/>
+    <p:sldId id="265" r:id="rId53"/>
+    <p:sldId id="266" r:id="rId54"/>
+    <p:sldId id="267" r:id="rId55"/>
+    <p:sldId id="268" r:id="rId56"/>
   </p:sldIdLst>
   <p:sldSz cx="12192000" cy="6858000"/>
   <p:notesSz cx="6858000" cy="9144000"/>
@@ -12923,6 +12926,98 @@
           <a:bodyPr/>
           <a:lstStyle/>
           <a:p>
+            <a:r>
+              <a:rPr lang="zh-CN" altLang="en-US" b="1" dirty="0"/>
+              <a:t>程序 </a:t>
+            </a:r>
+            <a:r>
+              <a:rPr lang="en-US" altLang="zh-CN" b="1" dirty="0"/>
+              <a:t>= </a:t>
+            </a:r>
+            <a:r>
+              <a:rPr lang="zh-CN" altLang="en-US" b="1" dirty="0"/>
+              <a:t>算法 </a:t>
+            </a:r>
+            <a:r>
+              <a:rPr lang="en-US" altLang="zh-CN" b="1" dirty="0"/>
+              <a:t>+ </a:t>
+            </a:r>
+            <a:r>
+              <a:rPr lang="zh-CN" altLang="en-US" b="1" dirty="0"/>
+              <a:t>数据</a:t>
+            </a:r>
+            <a:r>
+              <a:rPr lang="zh-CN" altLang="en-US" dirty="0"/>
+              <a:t> 是计算机科学中的一个基本观点，强调了程序的两个核心组成部分：</a:t>
+            </a:r>
+          </a:p>
+          <a:p>
+            <a:pPr lvl="1"/>
+            <a:r>
+              <a:rPr lang="zh-CN" altLang="en-US" b="1" dirty="0"/>
+              <a:t>数据（</a:t>
+            </a:r>
+            <a:r>
+              <a:rPr lang="en-US" altLang="zh-CN" b="1" dirty="0"/>
+              <a:t>Data</a:t>
+            </a:r>
+            <a:r>
+              <a:rPr lang="zh-CN" altLang="en-US" b="1" dirty="0"/>
+              <a:t>）</a:t>
+            </a:r>
+            <a:r>
+              <a:rPr lang="zh-CN" altLang="en-US" dirty="0"/>
+              <a:t>：程序所操作的信息，包括变量、数组、结构体、对象等。</a:t>
+            </a:r>
+          </a:p>
+          <a:p>
+            <a:pPr lvl="1"/>
+            <a:r>
+              <a:rPr lang="zh-CN" altLang="en-US" b="1" dirty="0"/>
+              <a:t>算法（</a:t>
+            </a:r>
+            <a:r>
+              <a:rPr lang="en-US" altLang="zh-CN" b="1" dirty="0"/>
+              <a:t>Algorithm</a:t>
+            </a:r>
+            <a:r>
+              <a:rPr lang="zh-CN" altLang="en-US" b="1" dirty="0"/>
+              <a:t>）</a:t>
+            </a:r>
+            <a:r>
+              <a:rPr lang="zh-CN" altLang="en-US" dirty="0"/>
+              <a:t>：对数据的操作方法和步骤，用于解决问题，如排序、查找、计算等</a:t>
+            </a:r>
+            <a:r>
+              <a:rPr lang="zh-CN" altLang="en-US" dirty="0" smtClean="0"/>
+              <a:t>。</a:t>
+            </a:r>
+            <a:endParaRPr lang="en-US" altLang="zh-CN" dirty="0" smtClean="0"/>
+          </a:p>
+          <a:p>
+            <a:pPr lvl="1"/>
+            <a:r>
+              <a:rPr lang="zh-CN" altLang="en-US" dirty="0"/>
+              <a:t>程序的本质就是 </a:t>
+            </a:r>
+            <a:r>
+              <a:rPr lang="zh-CN" altLang="en-US" b="1" dirty="0"/>
+              <a:t>管理和操作数据</a:t>
+            </a:r>
+            <a:r>
+              <a:rPr lang="zh-CN" altLang="en-US" dirty="0"/>
+              <a:t>，而算法是实现数据处理的 </a:t>
+            </a:r>
+            <a:r>
+              <a:rPr lang="zh-CN" altLang="en-US" b="1" dirty="0"/>
+              <a:t>规则和步骤</a:t>
+            </a:r>
+            <a:r>
+              <a:rPr lang="zh-CN" altLang="en-US" dirty="0"/>
+              <a:t>。</a:t>
+            </a:r>
+          </a:p>
+          <a:p>
             <a:endParaRPr lang="zh-CN" altLang="en-US" dirty="0"/>
           </a:p>
         </p:txBody>
@@ -13168,17 +13263,9 @@
           <a:lstStyle/>
           <a:p>
             <a:r>
-              <a:rPr lang="en-US" altLang="zh-CN" b="1" dirty="0" smtClean="0"/>
-              <a:t>3.2 </a:t>
-            </a:r>
-            <a:r>
-              <a:rPr lang="zh-CN" altLang="zh-CN" b="1" dirty="0"/>
-              <a:t>运算符</a:t>
-            </a:r>
-            <a:br>
-              <a:rPr lang="zh-CN" altLang="zh-CN" b="1" dirty="0"/>
-            </a:br>
-            <a:endParaRPr lang="zh-CN" altLang="en-US" dirty="0"/>
+              <a:rPr lang="zh-CN" altLang="en-US" b="1" dirty="0"/>
+              <a:t>算法的组成</a:t>
+            </a:r>
           </a:p>
         </p:txBody>
       </p:sp>
@@ -13194,64 +13281,159 @@
         </p:nvSpPr>
         <p:spPr/>
         <p:txBody>
-          <a:bodyPr/>
+          <a:bodyPr>
+            <a:normAutofit/>
+          </a:bodyPr>
           <a:lstStyle/>
           <a:p>
-            <a:r>
-              <a:rPr lang="zh-CN" altLang="en-US" dirty="0"/>
-              <a:t>算术运算</a:t>
-            </a:r>
-            <a:r>
-              <a:rPr lang="zh-CN" altLang="en-US" dirty="0" smtClean="0"/>
-              <a:t>符</a:t>
-            </a:r>
-            <a:endParaRPr lang="en-US" altLang="zh-CN" dirty="0" smtClean="0"/>
-          </a:p>
-          <a:p>
-            <a:r>
-              <a:rPr lang="zh-CN" altLang="en-US" dirty="0"/>
-              <a:t>关系</a:t>
-            </a:r>
             <a:r>
               <a:rPr lang="zh-CN" altLang="en-US" dirty="0" smtClean="0"/>
               <a:t>运算符</a:t>
             </a:r>
+            <a:r>
+              <a:rPr lang="zh-CN" altLang="en-US" dirty="0"/>
+              <a:t>（算术、关系、逻辑、位运算、赋值等</a:t>
+            </a:r>
+            <a:r>
+              <a:rPr lang="zh-CN" altLang="en-US" dirty="0" smtClean="0"/>
+              <a:t>）</a:t>
+            </a:r>
             <a:endParaRPr lang="en-US" altLang="zh-CN" dirty="0" smtClean="0"/>
           </a:p>
           <a:p>
-            <a:r>
-              <a:rPr lang="zh-CN" altLang="en-US" dirty="0"/>
-              <a:t>逻辑运算</a:t>
+            <a:pPr lvl="1"/>
+            <a:r>
+              <a:rPr lang="en-US" altLang="zh-CN" dirty="0"/>
+              <a:t>+ - * / </a:t>
+            </a:r>
+            <a:r>
+              <a:rPr lang="zh-CN" altLang="en-US" dirty="0"/>
+              <a:t>进行数值计算</a:t>
+            </a:r>
+          </a:p>
+          <a:p>
+            <a:pPr lvl="1"/>
+            <a:r>
+              <a:rPr lang="en-US" altLang="zh-CN" dirty="0"/>
+              <a:t>&amp;&amp; || </a:t>
+            </a:r>
+            <a:r>
+              <a:rPr lang="zh-CN" altLang="en-US" dirty="0"/>
+              <a:t>进行逻辑判断</a:t>
+            </a:r>
+          </a:p>
+          <a:p>
+            <a:r>
+              <a:rPr lang="zh-CN" altLang="en-US" dirty="0"/>
+              <a:t>控制语句（条件判断、循环、函数调用等</a:t>
             </a:r>
             <a:r>
               <a:rPr lang="zh-CN" altLang="en-US" dirty="0" smtClean="0"/>
-              <a:t>符</a:t>
+              <a:t>）</a:t>
             </a:r>
             <a:endParaRPr lang="en-US" altLang="zh-CN" dirty="0" smtClean="0"/>
           </a:p>
           <a:p>
-            <a:r>
-              <a:rPr lang="zh-CN" altLang="en-US" dirty="0"/>
-              <a:t>位</a:t>
-            </a:r>
-            <a:r>
-              <a:rPr lang="zh-CN" altLang="en-US" dirty="0" smtClean="0"/>
-              <a:t>运算符</a:t>
+            <a:pPr lvl="1"/>
+            <a:r>
+              <a:rPr lang="en-US" altLang="zh-CN" dirty="0"/>
+              <a:t>if-else </a:t>
+            </a:r>
+            <a:r>
+              <a:rPr lang="zh-CN" altLang="en-US" dirty="0"/>
+              <a:t>选择不同的分支</a:t>
+            </a:r>
+          </a:p>
+          <a:p>
+            <a:pPr lvl="1"/>
+            <a:r>
+              <a:rPr lang="en-US" altLang="zh-CN" dirty="0"/>
+              <a:t>for/while </a:t>
+            </a:r>
+            <a:r>
+              <a:rPr lang="zh-CN" altLang="en-US" dirty="0"/>
+              <a:t>进行循环迭代</a:t>
             </a:r>
             <a:endParaRPr lang="en-US" altLang="zh-CN" dirty="0" smtClean="0"/>
           </a:p>
           <a:p>
             <a:r>
               <a:rPr lang="zh-CN" altLang="en-US" dirty="0"/>
-              <a:t>赋值</a:t>
-            </a:r>
-            <a:r>
-              <a:rPr lang="zh-CN" altLang="en-US" dirty="0" smtClean="0"/>
-              <a:t>运算符</a:t>
-            </a:r>
-            <a:endParaRPr lang="en-US" altLang="zh-CN" dirty="0" smtClean="0"/>
-          </a:p>
-          <a:p>
+              <a:t>数据（变量、数组、结构体等）</a:t>
+            </a:r>
+          </a:p>
+          <a:p>
+            <a:pPr lvl="1"/>
+            <a:r>
+              <a:rPr lang="zh-CN" altLang="en-US" dirty="0"/>
+              <a:t>变量 </a:t>
+            </a:r>
+            <a:r>
+              <a:rPr lang="en-US" altLang="zh-CN" dirty="0"/>
+              <a:t>(</a:t>
+            </a:r>
+            <a:r>
+              <a:rPr lang="en-US" altLang="zh-CN" dirty="0" err="1"/>
+              <a:t>int</a:t>
+            </a:r>
+            <a:r>
+              <a:rPr lang="en-US" altLang="zh-CN" dirty="0"/>
+              <a:t> a, b;)</a:t>
+            </a:r>
+          </a:p>
+          <a:p>
+            <a:pPr lvl="1"/>
+            <a:r>
+              <a:rPr lang="zh-CN" altLang="en-US" dirty="0"/>
+              <a:t>数组 </a:t>
+            </a:r>
+            <a:r>
+              <a:rPr lang="en-US" altLang="zh-CN" dirty="0"/>
+              <a:t>(</a:t>
+            </a:r>
+            <a:r>
+              <a:rPr lang="en-US" altLang="zh-CN" dirty="0" err="1"/>
+              <a:t>int</a:t>
+            </a:r>
+            <a:r>
+              <a:rPr lang="en-US" altLang="zh-CN" dirty="0"/>
+              <a:t> </a:t>
+            </a:r>
+            <a:r>
+              <a:rPr lang="en-US" altLang="zh-CN" dirty="0" err="1"/>
+              <a:t>arr</a:t>
+            </a:r>
+            <a:r>
+              <a:rPr lang="en-US" altLang="zh-CN" dirty="0"/>
+              <a:t>[10];)</a:t>
+            </a:r>
+          </a:p>
+          <a:p>
+            <a:pPr lvl="1"/>
+            <a:r>
+              <a:rPr lang="zh-CN" altLang="en-US" dirty="0"/>
+              <a:t>结构体 </a:t>
+            </a:r>
+            <a:r>
+              <a:rPr lang="en-US" altLang="zh-CN" dirty="0"/>
+              <a:t>(</a:t>
+            </a:r>
+            <a:r>
+              <a:rPr lang="en-US" altLang="zh-CN" dirty="0" err="1"/>
+              <a:t>struct</a:t>
+            </a:r>
+            <a:r>
+              <a:rPr lang="en-US" altLang="zh-CN" dirty="0"/>
+              <a:t> Student { </a:t>
+            </a:r>
+            <a:r>
+              <a:rPr lang="en-US" altLang="zh-CN" dirty="0" err="1"/>
+              <a:t>int</a:t>
+            </a:r>
+            <a:r>
+              <a:rPr lang="en-US" altLang="zh-CN" dirty="0"/>
+              <a:t> id; };)</a:t>
+            </a:r>
             <a:endParaRPr lang="zh-CN" altLang="en-US" dirty="0"/>
           </a:p>
         </p:txBody>
@@ -13259,20 +13441,13 @@
     </p:spTree>
     <p:extLst>
       <p:ext uri="{BB962C8B-B14F-4D97-AF65-F5344CB8AC3E}">
-        <p14:creationId xmlns:p14="http://schemas.microsoft.com/office/powerpoint/2010/main" val="1108715177"/>
+        <p14:creationId xmlns:p14="http://schemas.microsoft.com/office/powerpoint/2010/main" val="2301792727"/>
       </p:ext>
     </p:extLst>
   </p:cSld>
   <p:clrMapOvr>
     <a:masterClrMapping/>
   </p:clrMapOvr>
-  <p:timing>
-    <p:tnLst>
-      <p:par>
-        <p:cTn id="1" dur="indefinite" restart="never" nodeType="tmRoot"/>
-      </p:par>
-    </p:tnLst>
-  </p:timing>
 </p:sld>
 </file>
 
@@ -13309,78 +13484,49 @@
           <a:lstStyle/>
           <a:p>
             <a:r>
-              <a:rPr lang="en-US" altLang="zh-CN" b="1" dirty="0" smtClean="0"/>
-              <a:t>3.3 </a:t>
-            </a:r>
-            <a:r>
-              <a:rPr lang="zh-CN" altLang="zh-CN" b="1" dirty="0"/>
-              <a:t>控制语句</a:t>
-            </a:r>
-            <a:br>
-              <a:rPr lang="zh-CN" altLang="zh-CN" b="1" dirty="0"/>
-            </a:br>
+              <a:rPr lang="zh-CN" altLang="en-US" b="1" dirty="0"/>
+              <a:t>算法的组成</a:t>
+            </a:r>
             <a:endParaRPr lang="zh-CN" altLang="en-US" dirty="0"/>
           </a:p>
         </p:txBody>
       </p:sp>
-      <p:sp>
-        <p:nvSpPr>
-          <p:cNvPr id="3" name="内容占位符 2"/>
-          <p:cNvSpPr>
-            <a:spLocks noGrp="1"/>
-          </p:cNvSpPr>
+      <p:pic>
+        <p:nvPicPr>
+          <p:cNvPr id="4" name="内容占位符 3"/>
+          <p:cNvPicPr>
+            <a:picLocks noGrp="1" noChangeAspect="1"/>
+          </p:cNvPicPr>
           <p:nvPr>
             <p:ph idx="1"/>
           </p:nvPr>
-        </p:nvSpPr>
-        <p:spPr/>
-        <p:txBody>
-          <a:bodyPr/>
-          <a:lstStyle/>
-          <a:p>
-            <a:r>
-              <a:rPr lang="zh-CN" altLang="en-US" dirty="0"/>
-              <a:t>条件</a:t>
-            </a:r>
-            <a:r>
-              <a:rPr lang="zh-CN" altLang="en-US" dirty="0" smtClean="0"/>
-              <a:t>语句</a:t>
-            </a:r>
-            <a:endParaRPr lang="en-US" altLang="zh-CN" dirty="0" smtClean="0"/>
-          </a:p>
-          <a:p>
-            <a:r>
-              <a:rPr lang="zh-CN" altLang="en-US" dirty="0"/>
-              <a:t>循环</a:t>
-            </a:r>
-            <a:r>
-              <a:rPr lang="zh-CN" altLang="en-US" dirty="0" smtClean="0"/>
-              <a:t>语句</a:t>
-            </a:r>
-            <a:endParaRPr lang="en-US" altLang="zh-CN" dirty="0" smtClean="0"/>
-          </a:p>
-          <a:p>
-            <a:endParaRPr lang="zh-CN" altLang="en-US" dirty="0"/>
-          </a:p>
-        </p:txBody>
-      </p:sp>
+        </p:nvPicPr>
+        <p:blipFill>
+          <a:blip r:embed="rId2"/>
+          <a:stretch>
+            <a:fillRect/>
+          </a:stretch>
+        </p:blipFill>
+        <p:spPr>
+          <a:xfrm>
+            <a:off x="3427524" y="1905000"/>
+            <a:ext cx="2366211" cy="3746500"/>
+          </a:xfrm>
+          <a:prstGeom prst="rect">
+            <a:avLst/>
+          </a:prstGeom>
+        </p:spPr>
+      </p:pic>
     </p:spTree>
     <p:extLst>
       <p:ext uri="{BB962C8B-B14F-4D97-AF65-F5344CB8AC3E}">
-        <p14:creationId xmlns:p14="http://schemas.microsoft.com/office/powerpoint/2010/main" val="883460551"/>
+        <p14:creationId xmlns:p14="http://schemas.microsoft.com/office/powerpoint/2010/main" val="2625551037"/>
       </p:ext>
     </p:extLst>
   </p:cSld>
   <p:clrMapOvr>
     <a:masterClrMapping/>
   </p:clrMapOvr>
-  <p:timing>
-    <p:tnLst>
-      <p:par>
-        <p:cTn id="1" dur="indefinite" restart="never" nodeType="tmRoot"/>
-      </p:par>
-    </p:tnLst>
-  </p:timing>
 </p:sld>
 </file>
 
@@ -13417,16 +13563,17 @@
           <a:lstStyle/>
           <a:p>
             <a:r>
-              <a:rPr lang="en-US" altLang="zh-CN" b="1" dirty="0" smtClean="0"/>
-              <a:t>3.4 </a:t>
-            </a:r>
-            <a:r>
-              <a:rPr lang="zh-CN" altLang="zh-CN" b="1" dirty="0"/>
-              <a:t>输入与输出</a:t>
-            </a:r>
-            <a:br>
-              <a:rPr lang="zh-CN" altLang="zh-CN" b="1" dirty="0"/>
-            </a:br>
+              <a:rPr lang="zh-CN" altLang="en-US" b="1" dirty="0" smtClean="0"/>
+              <a:t>算法 </a:t>
+            </a:r>
+            <a:r>
+              <a:rPr lang="en-US" altLang="zh-CN" b="1" smtClean="0"/>
+              <a:t>- </a:t>
+            </a:r>
+            <a:r>
+              <a:rPr lang="zh-CN" altLang="en-US" b="1" smtClean="0"/>
+              <a:t>举例</a:t>
+            </a:r>
             <a:endParaRPr lang="zh-CN" altLang="en-US" dirty="0"/>
           </a:p>
         </p:txBody>
@@ -13443,31 +13590,186 @@
         </p:nvSpPr>
         <p:spPr/>
         <p:txBody>
-          <a:bodyPr/>
+          <a:bodyPr>
+            <a:normAutofit fontScale="92500" lnSpcReduction="20000"/>
+          </a:bodyPr>
           <a:lstStyle/>
           <a:p>
-            <a:r>
-              <a:rPr lang="zh-CN" altLang="en-US" dirty="0"/>
-              <a:t>使用 </a:t>
+            <a:pPr marL="0" indent="0">
+              <a:buNone/>
+            </a:pPr>
+            <a:r>
+              <a:rPr lang="en-US" altLang="zh-CN" dirty="0"/>
+              <a:t>#include &lt;</a:t>
             </a:r>
             <a:r>
               <a:rPr lang="en-US" altLang="zh-CN" dirty="0" err="1"/>
-              <a:t>cin</a:t>
+              <a:t>iostream</a:t>
+            </a:r>
+            <a:r>
+              <a:rPr lang="en-US" altLang="zh-CN" dirty="0"/>
+              <a:t>&gt;</a:t>
+            </a:r>
+          </a:p>
+          <a:p>
+            <a:pPr marL="0" indent="0">
+              <a:buNone/>
+            </a:pPr>
+            <a:r>
+              <a:rPr lang="en-US" altLang="zh-CN" dirty="0"/>
+              <a:t>using namespace </a:t>
+            </a:r>
+            <a:r>
+              <a:rPr lang="en-US" altLang="zh-CN" dirty="0" err="1"/>
+              <a:t>std</a:t>
+            </a:r>
+            <a:r>
+              <a:rPr lang="en-US" altLang="zh-CN" dirty="0"/>
+              <a:t>;</a:t>
+            </a:r>
+          </a:p>
+          <a:p>
+            <a:pPr marL="0" indent="0">
+              <a:buNone/>
+            </a:pPr>
+            <a:endParaRPr lang="en-US" altLang="zh-CN" dirty="0"/>
+          </a:p>
+          <a:p>
+            <a:pPr marL="0" indent="0">
+              <a:buNone/>
+            </a:pPr>
+            <a:r>
+              <a:rPr lang="en-US" altLang="zh-CN" dirty="0" err="1"/>
+              <a:t>int</a:t>
+            </a:r>
+            <a:r>
+              <a:rPr lang="en-US" altLang="zh-CN" dirty="0"/>
+              <a:t> main() {</a:t>
+            </a:r>
+          </a:p>
+          <a:p>
+            <a:pPr marL="0" indent="0">
+              <a:buNone/>
+            </a:pPr>
+            <a:r>
+              <a:rPr lang="en-US" altLang="zh-CN" dirty="0"/>
+              <a:t>    </a:t>
+            </a:r>
+            <a:r>
+              <a:rPr lang="en-US" altLang="zh-CN" dirty="0" err="1"/>
+              <a:t>int</a:t>
+            </a:r>
+            <a:r>
+              <a:rPr lang="en-US" altLang="zh-CN" dirty="0"/>
+              <a:t> sum = 0;  // </a:t>
+            </a:r>
+            <a:r>
+              <a:rPr lang="zh-CN" altLang="en-US" dirty="0"/>
+              <a:t>数据（变量）</a:t>
+            </a:r>
+          </a:p>
+          <a:p>
+            <a:pPr marL="0" indent="0">
+              <a:buNone/>
+            </a:pPr>
+            <a:r>
+              <a:rPr lang="zh-CN" altLang="en-US" dirty="0"/>
+              <a:t>    </a:t>
+            </a:r>
+            <a:r>
+              <a:rPr lang="en-US" altLang="zh-CN" dirty="0"/>
+              <a:t>for (</a:t>
+            </a:r>
+            <a:r>
+              <a:rPr lang="en-US" altLang="zh-CN" dirty="0" err="1"/>
+              <a:t>int</a:t>
             </a:r>
             <a:r>
               <a:rPr lang="en-US" altLang="zh-CN" dirty="0"/>
               <a:t> </a:t>
             </a:r>
             <a:r>
-              <a:rPr lang="zh-CN" altLang="en-US" dirty="0" smtClean="0"/>
-              <a:t>输入数据</a:t>
-            </a:r>
-            <a:endParaRPr lang="en-US" altLang="zh-CN" dirty="0" smtClean="0"/>
-          </a:p>
-          <a:p>
-            <a:r>
-              <a:rPr lang="zh-CN" altLang="en-US" dirty="0"/>
-              <a:t>使用 </a:t>
+              <a:rPr lang="en-US" altLang="zh-CN" dirty="0" err="1"/>
+              <a:t>i</a:t>
+            </a:r>
+            <a:r>
+              <a:rPr lang="en-US" altLang="zh-CN" dirty="0"/>
+              <a:t> = 1; </a:t>
+            </a:r>
+            <a:r>
+              <a:rPr lang="en-US" altLang="zh-CN" dirty="0" err="1"/>
+              <a:t>i</a:t>
+            </a:r>
+            <a:r>
+              <a:rPr lang="en-US" altLang="zh-CN" dirty="0"/>
+              <a:t> &lt;= 100; </a:t>
+            </a:r>
+            <a:r>
+              <a:rPr lang="en-US" altLang="zh-CN" dirty="0" err="1"/>
+              <a:t>i</a:t>
+            </a:r>
+            <a:r>
+              <a:rPr lang="en-US" altLang="zh-CN" dirty="0"/>
+              <a:t>++) {  // </a:t>
+            </a:r>
+            <a:r>
+              <a:rPr lang="zh-CN" altLang="en-US" dirty="0"/>
+              <a:t>控制语句（循环）</a:t>
+            </a:r>
+          </a:p>
+          <a:p>
+            <a:pPr marL="0" indent="0">
+              <a:buNone/>
+            </a:pPr>
+            <a:r>
+              <a:rPr lang="zh-CN" altLang="en-US" dirty="0"/>
+              <a:t>        </a:t>
+            </a:r>
+            <a:r>
+              <a:rPr lang="en-US" altLang="zh-CN" dirty="0"/>
+              <a:t>sum += </a:t>
+            </a:r>
+            <a:r>
+              <a:rPr lang="en-US" altLang="zh-CN" dirty="0" err="1"/>
+              <a:t>i</a:t>
+            </a:r>
+            <a:r>
+              <a:rPr lang="en-US" altLang="zh-CN" dirty="0"/>
+              <a:t>;  // </a:t>
+            </a:r>
+            <a:r>
+              <a:rPr lang="zh-CN" altLang="en-US" dirty="0"/>
+              <a:t>运算符（</a:t>
+            </a:r>
+            <a:r>
+              <a:rPr lang="en-US" altLang="zh-CN" dirty="0"/>
+              <a:t>+=</a:t>
+            </a:r>
+            <a:r>
+              <a:rPr lang="zh-CN" altLang="en-US" dirty="0"/>
+              <a:t>）</a:t>
+            </a:r>
+          </a:p>
+          <a:p>
+            <a:pPr marL="0" indent="0">
+              <a:buNone/>
+            </a:pPr>
+            <a:r>
+              <a:rPr lang="zh-CN" altLang="en-US" dirty="0"/>
+              <a:t>    </a:t>
+            </a:r>
+            <a:r>
+              <a:rPr lang="en-US" altLang="zh-CN" dirty="0"/>
+              <a:t>}</a:t>
+            </a:r>
+          </a:p>
+          <a:p>
+            <a:pPr marL="0" indent="0">
+              <a:buNone/>
+            </a:pPr>
+            <a:r>
+              <a:rPr lang="en-US" altLang="zh-CN" dirty="0"/>
+              <a:t>    </a:t>
             </a:r>
             <a:r>
               <a:rPr lang="en-US" altLang="zh-CN" dirty="0" err="1"/>
@@ -13475,39 +13777,58 @@
             </a:r>
             <a:r>
               <a:rPr lang="en-US" altLang="zh-CN" dirty="0"/>
-              <a:t> </a:t>
-            </a:r>
-            <a:r>
-              <a:rPr lang="zh-CN" altLang="en-US" dirty="0" smtClean="0"/>
-              <a:t>输出数据</a:t>
-            </a:r>
-            <a:endParaRPr lang="en-US" altLang="zh-CN" dirty="0" smtClean="0"/>
-          </a:p>
-          <a:p>
-            <a:r>
-              <a:rPr lang="zh-CN" altLang="en-US" dirty="0"/>
-              <a:t>使用格式化输出</a:t>
-            </a:r>
+              <a:t> &lt;&lt; "Sum = " &lt;&lt; sum &lt;&lt; </a:t>
+            </a:r>
+            <a:r>
+              <a:rPr lang="en-US" altLang="zh-CN" dirty="0" err="1"/>
+              <a:t>endl</a:t>
+            </a:r>
+            <a:r>
+              <a:rPr lang="en-US" altLang="zh-CN" dirty="0"/>
+              <a:t>;  // </a:t>
+            </a:r>
+            <a:r>
+              <a:rPr lang="zh-CN" altLang="en-US" dirty="0"/>
+              <a:t>输出结果</a:t>
+            </a:r>
+          </a:p>
+          <a:p>
+            <a:pPr marL="0" indent="0">
+              <a:buNone/>
+            </a:pPr>
+            <a:r>
+              <a:rPr lang="zh-CN" altLang="en-US" dirty="0"/>
+              <a:t>    </a:t>
+            </a:r>
+            <a:r>
+              <a:rPr lang="en-US" altLang="zh-CN" dirty="0"/>
+              <a:t>return 0;</a:t>
+            </a:r>
+          </a:p>
+          <a:p>
+            <a:pPr marL="0" indent="0">
+              <a:buNone/>
+            </a:pPr>
+            <a:r>
+              <a:rPr lang="en-US" altLang="zh-CN" dirty="0"/>
+              <a:t>}</a:t>
+            </a:r>
+          </a:p>
+          <a:p>
+            <a:endParaRPr lang="zh-CN" altLang="en-US" dirty="0"/>
           </a:p>
         </p:txBody>
       </p:sp>
     </p:spTree>
     <p:extLst>
       <p:ext uri="{BB962C8B-B14F-4D97-AF65-F5344CB8AC3E}">
-        <p14:creationId xmlns:p14="http://schemas.microsoft.com/office/powerpoint/2010/main" val="2406778273"/>
+        <p14:creationId xmlns:p14="http://schemas.microsoft.com/office/powerpoint/2010/main" val="2577616818"/>
       </p:ext>
     </p:extLst>
   </p:cSld>
   <p:clrMapOvr>
     <a:masterClrMapping/>
   </p:clrMapOvr>
-  <p:timing>
-    <p:tnLst>
-      <p:par>
-        <p:cTn id="1" dur="indefinite" restart="never" nodeType="tmRoot"/>
-      </p:par>
-    </p:tnLst>
-  </p:timing>
 </p:sld>
 </file>
 
@@ -13544,13 +13865,16 @@
           <a:lstStyle/>
           <a:p>
             <a:r>
-              <a:rPr lang="en-US" altLang="zh-CN" smtClean="0"/>
-              <a:t>3.5 </a:t>
+              <a:rPr lang="en-US" altLang="zh-CN" b="1" dirty="0" smtClean="0"/>
+              <a:t>3.2 </a:t>
             </a:r>
             <a:r>
               <a:rPr lang="zh-CN" altLang="zh-CN" b="1" dirty="0"/>
-              <a:t>课后练习</a:t>
-            </a:r>
+              <a:t>运算符</a:t>
+            </a:r>
+            <a:br>
+              <a:rPr lang="zh-CN" altLang="zh-CN" b="1" dirty="0"/>
+            </a:br>
             <a:endParaRPr lang="zh-CN" altLang="en-US" dirty="0"/>
           </a:p>
         </p:txBody>
@@ -13572,65 +13896,67 @@
           <a:p>
             <a:r>
               <a:rPr lang="zh-CN" altLang="en-US" dirty="0"/>
-              <a:t>编写一个程序，接收两个整数输入，输出它们的和、差、积和商。</a:t>
-            </a:r>
-          </a:p>
-          <a:p>
-            <a:r>
-              <a:rPr lang="zh-CN" altLang="en-US" dirty="0"/>
-              <a:t>编写一个程序，判断输入的整数是正数、负数还是零。</a:t>
-            </a:r>
-          </a:p>
-          <a:p>
-            <a:r>
-              <a:rPr lang="zh-CN" altLang="en-US" dirty="0"/>
-              <a:t>编写一个程序，输出从</a:t>
-            </a:r>
-            <a:r>
-              <a:rPr lang="en-US" altLang="zh-CN" dirty="0"/>
-              <a:t>1</a:t>
-            </a:r>
-            <a:r>
-              <a:rPr lang="zh-CN" altLang="en-US" dirty="0"/>
-              <a:t>到</a:t>
-            </a:r>
-            <a:r>
-              <a:rPr lang="en-US" altLang="zh-CN" dirty="0"/>
-              <a:t>100</a:t>
-            </a:r>
-            <a:r>
-              <a:rPr lang="zh-CN" altLang="en-US" dirty="0"/>
-              <a:t>的所有奇数。</a:t>
-            </a:r>
-          </a:p>
-          <a:p>
-            <a:r>
-              <a:rPr lang="zh-CN" altLang="en-US" dirty="0"/>
-              <a:t>使用 </a:t>
-            </a:r>
-            <a:r>
-              <a:rPr lang="en-US" altLang="zh-CN" dirty="0"/>
-              <a:t>switch </a:t>
-            </a:r>
-            <a:r>
-              <a:rPr lang="zh-CN" altLang="en-US" dirty="0"/>
-              <a:t>语句编写一个程序，根据输入的星期数字（</a:t>
-            </a:r>
-            <a:r>
-              <a:rPr lang="en-US" altLang="zh-CN" dirty="0"/>
-              <a:t>1-7</a:t>
-            </a:r>
-            <a:r>
-              <a:rPr lang="zh-CN" altLang="en-US" dirty="0"/>
-              <a:t>）输出对应的星期名称。</a:t>
-            </a:r>
+              <a:t>算术运算</a:t>
+            </a:r>
+            <a:r>
+              <a:rPr lang="zh-CN" altLang="en-US" dirty="0" smtClean="0"/>
+              <a:t>符</a:t>
+            </a:r>
+            <a:endParaRPr lang="en-US" altLang="zh-CN" dirty="0" smtClean="0"/>
+          </a:p>
+          <a:p>
+            <a:r>
+              <a:rPr lang="zh-CN" altLang="en-US" dirty="0"/>
+              <a:t>关系</a:t>
+            </a:r>
+            <a:r>
+              <a:rPr lang="zh-CN" altLang="en-US" dirty="0" smtClean="0"/>
+              <a:t>运算符</a:t>
+            </a:r>
+            <a:endParaRPr lang="en-US" altLang="zh-CN" dirty="0" smtClean="0"/>
+          </a:p>
+          <a:p>
+            <a:r>
+              <a:rPr lang="zh-CN" altLang="en-US" dirty="0"/>
+              <a:t>逻辑运算</a:t>
+            </a:r>
+            <a:r>
+              <a:rPr lang="zh-CN" altLang="en-US" dirty="0" smtClean="0"/>
+              <a:t>符</a:t>
+            </a:r>
+            <a:endParaRPr lang="en-US" altLang="zh-CN" dirty="0" smtClean="0"/>
+          </a:p>
+          <a:p>
+            <a:r>
+              <a:rPr lang="zh-CN" altLang="en-US" dirty="0"/>
+              <a:t>位</a:t>
+            </a:r>
+            <a:r>
+              <a:rPr lang="zh-CN" altLang="en-US" dirty="0" smtClean="0"/>
+              <a:t>运算符</a:t>
+            </a:r>
+            <a:endParaRPr lang="en-US" altLang="zh-CN" dirty="0" smtClean="0"/>
+          </a:p>
+          <a:p>
+            <a:r>
+              <a:rPr lang="zh-CN" altLang="en-US" dirty="0"/>
+              <a:t>赋值</a:t>
+            </a:r>
+            <a:r>
+              <a:rPr lang="zh-CN" altLang="en-US" dirty="0" smtClean="0"/>
+              <a:t>运算符</a:t>
+            </a:r>
+            <a:endParaRPr lang="en-US" altLang="zh-CN" dirty="0" smtClean="0"/>
+          </a:p>
+          <a:p>
+            <a:endParaRPr lang="zh-CN" altLang="en-US" dirty="0"/>
           </a:p>
         </p:txBody>
       </p:sp>
     </p:spTree>
     <p:extLst>
       <p:ext uri="{BB962C8B-B14F-4D97-AF65-F5344CB8AC3E}">
-        <p14:creationId xmlns:p14="http://schemas.microsoft.com/office/powerpoint/2010/main" val="1980070636"/>
+        <p14:creationId xmlns:p14="http://schemas.microsoft.com/office/powerpoint/2010/main" val="1108715177"/>
       </p:ext>
     </p:extLst>
   </p:cSld>
@@ -13680,33 +14006,16 @@
           <a:lstStyle/>
           <a:p>
             <a:r>
-              <a:rPr lang="zh-CN" altLang="en-US" b="1" dirty="0" smtClean="0">
-                <a:latin typeface="华文楷体" pitchFamily="2" charset="-122"/>
-                <a:ea typeface="华文楷体" pitchFamily="2" charset="-122"/>
-              </a:rPr>
-              <a:t>第</a:t>
-            </a:r>
-            <a:r>
-              <a:rPr lang="en-US" altLang="zh-CN" b="1" dirty="0" smtClean="0">
-                <a:latin typeface="华文楷体" pitchFamily="2" charset="-122"/>
-                <a:ea typeface="华文楷体" pitchFamily="2" charset="-122"/>
-              </a:rPr>
-              <a:t>4</a:t>
-            </a:r>
-            <a:r>
-              <a:rPr lang="zh-CN" altLang="en-US" b="1" dirty="0" smtClean="0">
-                <a:latin typeface="华文楷体" pitchFamily="2" charset="-122"/>
-                <a:ea typeface="华文楷体" pitchFamily="2" charset="-122"/>
-              </a:rPr>
-              <a:t>章</a:t>
-            </a:r>
-            <a:r>
-              <a:rPr lang="zh-CN" altLang="en-US" b="1" dirty="0">
-                <a:latin typeface="华文楷体" pitchFamily="2" charset="-122"/>
-                <a:ea typeface="华文楷体" pitchFamily="2" charset="-122"/>
-              </a:rPr>
-              <a:t>函数与数组</a:t>
-            </a:r>
+              <a:rPr lang="en-US" altLang="zh-CN" b="1" dirty="0" smtClean="0"/>
+              <a:t>3.3 </a:t>
+            </a:r>
+            <a:r>
+              <a:rPr lang="zh-CN" altLang="zh-CN" b="1" dirty="0"/>
+              <a:t>控制语句</a:t>
+            </a:r>
+            <a:br>
+              <a:rPr lang="zh-CN" altLang="zh-CN" b="1" dirty="0"/>
+            </a:br>
             <a:endParaRPr lang="zh-CN" altLang="en-US" dirty="0"/>
           </a:p>
         </p:txBody>
@@ -13728,27 +14037,34 @@
           <a:p>
             <a:r>
               <a:rPr lang="zh-CN" altLang="en-US" dirty="0"/>
-              <a:t>函数定义与调用：参数传递（值传递、引用传递）、返回值。</a:t>
-            </a:r>
-          </a:p>
-          <a:p>
-            <a:r>
-              <a:rPr lang="zh-CN" altLang="en-US" dirty="0"/>
-              <a:t>函数重载与递归：函数重载规则、递归函数的使用与优化。</a:t>
-            </a:r>
-          </a:p>
-          <a:p>
-            <a:r>
-              <a:rPr lang="zh-CN" altLang="en-US" dirty="0"/>
-              <a:t>数组：一维数组、二维数组的定义与使用，数组与指针的关系。</a:t>
-            </a:r>
+              <a:t>条件</a:t>
+            </a:r>
+            <a:r>
+              <a:rPr lang="zh-CN" altLang="en-US" dirty="0" smtClean="0"/>
+              <a:t>语句</a:t>
+            </a:r>
+            <a:endParaRPr lang="en-US" altLang="zh-CN" dirty="0" smtClean="0"/>
+          </a:p>
+          <a:p>
+            <a:r>
+              <a:rPr lang="zh-CN" altLang="en-US" dirty="0"/>
+              <a:t>循环</a:t>
+            </a:r>
+            <a:r>
+              <a:rPr lang="zh-CN" altLang="en-US" dirty="0" smtClean="0"/>
+              <a:t>语句</a:t>
+            </a:r>
+            <a:endParaRPr lang="en-US" altLang="zh-CN" dirty="0" smtClean="0"/>
+          </a:p>
+          <a:p>
+            <a:endParaRPr lang="zh-CN" altLang="en-US" dirty="0"/>
           </a:p>
         </p:txBody>
       </p:sp>
     </p:spTree>
     <p:extLst>
       <p:ext uri="{BB962C8B-B14F-4D97-AF65-F5344CB8AC3E}">
-        <p14:creationId xmlns:p14="http://schemas.microsoft.com/office/powerpoint/2010/main" val="3528018120"/>
+        <p14:creationId xmlns:p14="http://schemas.microsoft.com/office/powerpoint/2010/main" val="883460551"/>
       </p:ext>
     </p:extLst>
   </p:cSld>
@@ -13798,47 +14114,16 @@
           <a:lstStyle/>
           <a:p>
             <a:r>
-              <a:rPr lang="zh-CN" altLang="en-US" b="1" dirty="0" smtClean="0">
-                <a:latin typeface="华文楷体" pitchFamily="2" charset="-122"/>
-                <a:ea typeface="华文楷体" pitchFamily="2" charset="-122"/>
-              </a:rPr>
-              <a:t>第</a:t>
-            </a:r>
-            <a:r>
-              <a:rPr lang="en-US" altLang="zh-CN" b="1" dirty="0" smtClean="0">
-                <a:latin typeface="华文楷体" pitchFamily="2" charset="-122"/>
-                <a:ea typeface="华文楷体" pitchFamily="2" charset="-122"/>
-              </a:rPr>
-              <a:t>5</a:t>
-            </a:r>
-            <a:r>
-              <a:rPr lang="zh-CN" altLang="en-US" b="1" dirty="0" smtClean="0">
-                <a:latin typeface="华文楷体" pitchFamily="2" charset="-122"/>
-                <a:ea typeface="华文楷体" pitchFamily="2" charset="-122"/>
-              </a:rPr>
-              <a:t>章</a:t>
-            </a:r>
-            <a:r>
-              <a:rPr lang="zh-CN" altLang="en-US" b="1" dirty="0">
-                <a:latin typeface="华文楷体" pitchFamily="2" charset="-122"/>
-                <a:ea typeface="华文楷体" pitchFamily="2" charset="-122"/>
-              </a:rPr>
-              <a:t>面向对象编程（</a:t>
-            </a:r>
-            <a:r>
-              <a:rPr lang="en-US" altLang="zh-CN" b="1" dirty="0">
-                <a:latin typeface="华文楷体" pitchFamily="2" charset="-122"/>
-                <a:ea typeface="华文楷体" pitchFamily="2" charset="-122"/>
-              </a:rPr>
-              <a:t>OOP</a:t>
-            </a:r>
-            <a:r>
-              <a:rPr lang="zh-CN" altLang="en-US" b="1" dirty="0">
-                <a:latin typeface="华文楷体" pitchFamily="2" charset="-122"/>
-                <a:ea typeface="华文楷体" pitchFamily="2" charset="-122"/>
-              </a:rPr>
-              <a:t>）基础</a:t>
-            </a:r>
+              <a:rPr lang="en-US" altLang="zh-CN" b="1" dirty="0" smtClean="0"/>
+              <a:t>3.4 </a:t>
+            </a:r>
+            <a:r>
+              <a:rPr lang="zh-CN" altLang="zh-CN" b="1" dirty="0"/>
+              <a:t>输入与输出</a:t>
+            </a:r>
+            <a:br>
+              <a:rPr lang="zh-CN" altLang="zh-CN" b="1" dirty="0"/>
+            </a:br>
             <a:endParaRPr lang="zh-CN" altLang="en-US" dirty="0"/>
           </a:p>
         </p:txBody>
@@ -13860,49 +14145,45 @@
           <a:p>
             <a:r>
               <a:rPr lang="zh-CN" altLang="en-US" dirty="0"/>
-              <a:t>类与对象：定义类、创建对象、构造函数与析构函数。</a:t>
-            </a:r>
-          </a:p>
-          <a:p>
-            <a:r>
-              <a:rPr lang="zh-CN" altLang="en-US" dirty="0"/>
-              <a:t>封装：访问控制修饰符（</a:t>
-            </a:r>
-            <a:r>
-              <a:rPr lang="en-US" altLang="zh-CN" dirty="0"/>
-              <a:t>public</a:t>
-            </a:r>
-            <a:r>
-              <a:rPr lang="zh-CN" altLang="en-US" dirty="0"/>
-              <a:t>、</a:t>
-            </a:r>
-            <a:r>
-              <a:rPr lang="en-US" altLang="zh-CN" dirty="0"/>
-              <a:t>private</a:t>
-            </a:r>
-            <a:r>
-              <a:rPr lang="zh-CN" altLang="en-US" dirty="0"/>
-              <a:t>、</a:t>
-            </a:r>
-            <a:r>
-              <a:rPr lang="en-US" altLang="zh-CN" dirty="0"/>
-              <a:t>protected</a:t>
-            </a:r>
-            <a:r>
-              <a:rPr lang="zh-CN" altLang="en-US" dirty="0"/>
-              <a:t>）。</a:t>
-            </a:r>
-          </a:p>
-          <a:p>
-            <a:r>
-              <a:rPr lang="zh-CN" altLang="en-US" dirty="0"/>
-              <a:t>继承：继承的概念、基类与派生类、多重继承。</a:t>
-            </a:r>
-          </a:p>
-          <a:p>
-            <a:r>
-              <a:rPr lang="zh-CN" altLang="en-US" dirty="0"/>
-              <a:t>多态：虚函数、纯虚函数、虚函数的重写、运行时多态。</a:t>
+              <a:t>使用 </a:t>
+            </a:r>
+            <a:r>
+              <a:rPr lang="en-US" altLang="zh-CN" dirty="0" err="1"/>
+              <a:t>cin</a:t>
+            </a:r>
+            <a:r>
+              <a:rPr lang="en-US" altLang="zh-CN" dirty="0"/>
+              <a:t> </a:t>
+            </a:r>
+            <a:r>
+              <a:rPr lang="zh-CN" altLang="en-US" dirty="0" smtClean="0"/>
+              <a:t>输入数据</a:t>
+            </a:r>
+            <a:endParaRPr lang="en-US" altLang="zh-CN" dirty="0" smtClean="0"/>
+          </a:p>
+          <a:p>
+            <a:r>
+              <a:rPr lang="zh-CN" altLang="en-US" dirty="0"/>
+              <a:t>使用 </a:t>
+            </a:r>
+            <a:r>
+              <a:rPr lang="en-US" altLang="zh-CN" dirty="0" err="1"/>
+              <a:t>cout</a:t>
+            </a:r>
+            <a:r>
+              <a:rPr lang="en-US" altLang="zh-CN" dirty="0"/>
+              <a:t> </a:t>
+            </a:r>
+            <a:r>
+              <a:rPr lang="zh-CN" altLang="en-US" dirty="0" smtClean="0"/>
+              <a:t>输出数据</a:t>
+            </a:r>
+            <a:endParaRPr lang="en-US" altLang="zh-CN" dirty="0" smtClean="0"/>
+          </a:p>
+          <a:p>
+            <a:r>
+              <a:rPr lang="zh-CN" altLang="en-US" dirty="0"/>
+              <a:t>使用格式化输出</a:t>
             </a:r>
           </a:p>
         </p:txBody>
@@ -13910,7 +14191,7 @@
     </p:spTree>
     <p:extLst>
       <p:ext uri="{BB962C8B-B14F-4D97-AF65-F5344CB8AC3E}">
-        <p14:creationId xmlns:p14="http://schemas.microsoft.com/office/powerpoint/2010/main" val="2413468171"/>
+        <p14:creationId xmlns:p14="http://schemas.microsoft.com/office/powerpoint/2010/main" val="2406778273"/>
       </p:ext>
     </p:extLst>
   </p:cSld>
@@ -13960,13 +14241,14 @@
           <a:lstStyle/>
           <a:p>
             <a:r>
-              <a:rPr lang="en-US" altLang="zh-CN" b="1" dirty="0" smtClean="0"/>
-              <a:t>5.1 </a:t>
-            </a:r>
-            <a:r>
-              <a:rPr lang="zh-CN" altLang="en-US" b="1" dirty="0"/>
-              <a:t>为什么使用面向对象</a:t>
-            </a:r>
+              <a:rPr lang="en-US" altLang="zh-CN" smtClean="0"/>
+              <a:t>3.5 </a:t>
+            </a:r>
+            <a:r>
+              <a:rPr lang="zh-CN" altLang="zh-CN" b="1" dirty="0"/>
+              <a:t>课后练习</a:t>
+            </a:r>
+            <a:endParaRPr lang="zh-CN" altLang="en-US" dirty="0"/>
           </a:p>
         </p:txBody>
       </p:sp>
@@ -13987,72 +14269,57 @@
           <a:p>
             <a:r>
               <a:rPr lang="zh-CN" altLang="en-US" dirty="0"/>
-              <a:t>面向对象编程（</a:t>
-            </a:r>
-            <a:r>
-              <a:rPr lang="en-US" altLang="zh-CN" dirty="0"/>
-              <a:t>OOP</a:t>
-            </a:r>
-            <a:r>
-              <a:rPr lang="zh-CN" altLang="en-US" dirty="0"/>
-              <a:t>）是软件开发中的一种编程范式，它与传统的过程化编程（如</a:t>
-            </a:r>
-            <a:r>
-              <a:rPr lang="en-US" altLang="zh-CN" dirty="0"/>
-              <a:t>C</a:t>
-            </a:r>
-            <a:r>
-              <a:rPr lang="zh-CN" altLang="en-US" dirty="0"/>
-              <a:t>语言）相比，提供了更高的灵活性和可维护性。通过将数据和操作数据的方法封装在一起，</a:t>
-            </a:r>
-            <a:r>
-              <a:rPr lang="en-US" altLang="zh-CN" dirty="0"/>
-              <a:t>OOP</a:t>
-            </a:r>
-            <a:r>
-              <a:rPr lang="zh-CN" altLang="en-US" dirty="0"/>
-              <a:t>可以使代码更加模块化、可扩展和易于维护</a:t>
-            </a:r>
-            <a:r>
-              <a:rPr lang="zh-CN" altLang="en-US" dirty="0" smtClean="0"/>
-              <a:t>。</a:t>
-            </a:r>
-            <a:endParaRPr lang="en-US" altLang="zh-CN" dirty="0" smtClean="0"/>
-          </a:p>
-          <a:p>
-            <a:r>
-              <a:rPr lang="zh-CN" altLang="en-US" dirty="0"/>
-              <a:t>面向对象的</a:t>
-            </a:r>
-            <a:r>
-              <a:rPr lang="zh-CN" altLang="en-US" dirty="0" smtClean="0"/>
-              <a:t>优势</a:t>
-            </a:r>
-            <a:endParaRPr lang="en-US" altLang="zh-CN" dirty="0" smtClean="0"/>
-          </a:p>
-          <a:p>
-            <a:r>
-              <a:rPr lang="zh-CN" altLang="en-US" dirty="0"/>
-              <a:t>与 </a:t>
-            </a:r>
-            <a:r>
-              <a:rPr lang="en-US" altLang="zh-CN" dirty="0"/>
-              <a:t>C </a:t>
-            </a:r>
-            <a:r>
-              <a:rPr lang="zh-CN" altLang="en-US" dirty="0"/>
-              <a:t>语言的</a:t>
-            </a:r>
-            <a:r>
-              <a:rPr lang="zh-CN" altLang="en-US" dirty="0" smtClean="0"/>
-              <a:t>区别</a:t>
-            </a:r>
-            <a:endParaRPr lang="en-US" altLang="zh-CN" dirty="0" smtClean="0"/>
-          </a:p>
-          <a:p>
-            <a:r>
-              <a:rPr lang="zh-CN" altLang="en-US" dirty="0"/>
-              <a:t>为什么选择面向对象编程</a:t>
+              <a:t>编写一个程序，接收两个整数输入，输出它们的和、差、积和商。</a:t>
+            </a:r>
+          </a:p>
+          <a:p>
+            <a:r>
+              <a:rPr lang="zh-CN" altLang="en-US" dirty="0"/>
+              <a:t>编写一个程序，判断输入的整数是正数、负数还是零。</a:t>
+            </a:r>
+          </a:p>
+          <a:p>
+            <a:r>
+              <a:rPr lang="zh-CN" altLang="en-US" dirty="0"/>
+              <a:t>编写一个程序，输出从</a:t>
+            </a:r>
+            <a:r>
+              <a:rPr lang="en-US" altLang="zh-CN" dirty="0"/>
+              <a:t>1</a:t>
+            </a:r>
+            <a:r>
+              <a:rPr lang="zh-CN" altLang="en-US" dirty="0"/>
+              <a:t>到</a:t>
+            </a:r>
+            <a:r>
+              <a:rPr lang="en-US" altLang="zh-CN" dirty="0"/>
+              <a:t>100</a:t>
+            </a:r>
+            <a:r>
+              <a:rPr lang="zh-CN" altLang="en-US" dirty="0"/>
+              <a:t>的所有奇数。</a:t>
+            </a:r>
+          </a:p>
+          <a:p>
+            <a:r>
+              <a:rPr lang="zh-CN" altLang="en-US" dirty="0"/>
+              <a:t>使用 </a:t>
+            </a:r>
+            <a:r>
+              <a:rPr lang="en-US" altLang="zh-CN" dirty="0"/>
+              <a:t>switch </a:t>
+            </a:r>
+            <a:r>
+              <a:rPr lang="zh-CN" altLang="en-US" dirty="0"/>
+              <a:t>语句编写一个程序，根据输入的星期数字（</a:t>
+            </a:r>
+            <a:r>
+              <a:rPr lang="en-US" altLang="zh-CN" dirty="0"/>
+              <a:t>1-7</a:t>
+            </a:r>
+            <a:r>
+              <a:rPr lang="zh-CN" altLang="en-US" dirty="0"/>
+              <a:t>）输出对应的星期名称。</a:t>
             </a:r>
           </a:p>
         </p:txBody>
@@ -14060,13 +14327,20 @@
     </p:spTree>
     <p:extLst>
       <p:ext uri="{BB962C8B-B14F-4D97-AF65-F5344CB8AC3E}">
-        <p14:creationId xmlns:p14="http://schemas.microsoft.com/office/powerpoint/2010/main" val="329754630"/>
+        <p14:creationId xmlns:p14="http://schemas.microsoft.com/office/powerpoint/2010/main" val="1980070636"/>
       </p:ext>
     </p:extLst>
   </p:cSld>
   <p:clrMapOvr>
     <a:masterClrMapping/>
   </p:clrMapOvr>
+  <p:timing>
+    <p:tnLst>
+      <p:par>
+        <p:cTn id="1" dur="indefinite" restart="never" nodeType="tmRoot"/>
+      </p:par>
+    </p:tnLst>
+  </p:timing>
 </p:sld>
 </file>
 
@@ -14103,16 +14377,33 @@
           <a:lstStyle/>
           <a:p>
             <a:r>
-              <a:rPr lang="zh-CN" altLang="en-US" b="1" dirty="0"/>
-              <a:t>面向对象的优势</a:t>
-            </a:r>
-            <a:r>
-              <a:rPr lang="en-US" altLang="zh-CN" dirty="0"/>
-              <a:t/>
-            </a:r>
-            <a:br>
-              <a:rPr lang="en-US" altLang="zh-CN" dirty="0"/>
-            </a:br>
+              <a:rPr lang="zh-CN" altLang="en-US" b="1" dirty="0" smtClean="0">
+                <a:latin typeface="华文楷体" pitchFamily="2" charset="-122"/>
+                <a:ea typeface="华文楷体" pitchFamily="2" charset="-122"/>
+              </a:rPr>
+              <a:t>第</a:t>
+            </a:r>
+            <a:r>
+              <a:rPr lang="en-US" altLang="zh-CN" b="1" dirty="0" smtClean="0">
+                <a:latin typeface="华文楷体" pitchFamily="2" charset="-122"/>
+                <a:ea typeface="华文楷体" pitchFamily="2" charset="-122"/>
+              </a:rPr>
+              <a:t>4</a:t>
+            </a:r>
+            <a:r>
+              <a:rPr lang="zh-CN" altLang="en-US" b="1" dirty="0" smtClean="0">
+                <a:latin typeface="华文楷体" pitchFamily="2" charset="-122"/>
+                <a:ea typeface="华文楷体" pitchFamily="2" charset="-122"/>
+              </a:rPr>
+              <a:t>章</a:t>
+            </a:r>
+            <a:r>
+              <a:rPr lang="zh-CN" altLang="en-US" b="1" dirty="0">
+                <a:latin typeface="华文楷体" pitchFamily="2" charset="-122"/>
+                <a:ea typeface="华文楷体" pitchFamily="2" charset="-122"/>
+              </a:rPr>
+              <a:t>函数与数组</a:t>
+            </a:r>
             <a:endParaRPr lang="zh-CN" altLang="en-US" dirty="0"/>
           </a:p>
         </p:txBody>
@@ -14134,41 +14425,19 @@
           <a:p>
             <a:r>
               <a:rPr lang="zh-CN" altLang="en-US" dirty="0"/>
-              <a:t>封装：</a:t>
-            </a:r>
-            <a:r>
-              <a:rPr lang="en-US" altLang="zh-CN" dirty="0"/>
-              <a:t>OOP</a:t>
-            </a:r>
-            <a:r>
-              <a:rPr lang="zh-CN" altLang="en-US" dirty="0"/>
-              <a:t>鼓励将数据与数据操作封装在一起，减少数据访问的复杂性。通过封装，类的实现细节可以隐藏，外部代码只需关注接口而非实现。</a:t>
-            </a:r>
-          </a:p>
-          <a:p>
-            <a:r>
-              <a:rPr lang="zh-CN" altLang="en-US" dirty="0"/>
-              <a:t>继承：继承允许类继承另一个类的属性和方法，减少代码的重复，增强代码的重用性。</a:t>
-            </a:r>
-          </a:p>
-          <a:p>
-            <a:r>
-              <a:rPr lang="zh-CN" altLang="en-US" dirty="0"/>
-              <a:t>多态：多态使得同一操作可以在不同类型的对象上表现出不同的行为，提高了代码的灵活性。</a:t>
-            </a:r>
-          </a:p>
-          <a:p>
-            <a:r>
-              <a:rPr lang="zh-CN" altLang="en-US" dirty="0"/>
-              <a:t>模块化与可维护性：</a:t>
-            </a:r>
-            <a:r>
-              <a:rPr lang="en-US" altLang="zh-CN" dirty="0"/>
-              <a:t>OOP</a:t>
-            </a:r>
-            <a:r>
-              <a:rPr lang="zh-CN" altLang="en-US" dirty="0"/>
-              <a:t>允许将一个大程序拆分成多个小模块，每个模块负责自己独立的功能，增强了代码的可维护性和扩展性。</a:t>
+              <a:t>函数定义与调用：参数传递（值传递、引用传递）、返回值。</a:t>
+            </a:r>
+          </a:p>
+          <a:p>
+            <a:r>
+              <a:rPr lang="zh-CN" altLang="en-US" dirty="0"/>
+              <a:t>函数重载与递归：函数重载规则、递归函数的使用与优化。</a:t>
+            </a:r>
+          </a:p>
+          <a:p>
+            <a:r>
+              <a:rPr lang="zh-CN" altLang="en-US" dirty="0"/>
+              <a:t>数组：一维数组、二维数组的定义与使用，数组与指针的关系。</a:t>
             </a:r>
           </a:p>
         </p:txBody>
@@ -14176,13 +14445,20 @@
     </p:spTree>
     <p:extLst>
       <p:ext uri="{BB962C8B-B14F-4D97-AF65-F5344CB8AC3E}">
-        <p14:creationId xmlns:p14="http://schemas.microsoft.com/office/powerpoint/2010/main" val="1941399030"/>
+        <p14:creationId xmlns:p14="http://schemas.microsoft.com/office/powerpoint/2010/main" val="3528018120"/>
       </p:ext>
     </p:extLst>
   </p:cSld>
   <p:clrMapOvr>
     <a:masterClrMapping/>
   </p:clrMapOvr>
+  <p:timing>
+    <p:tnLst>
+      <p:par>
+        <p:cTn id="1" dur="indefinite" restart="never" nodeType="tmRoot"/>
+      </p:par>
+    </p:tnLst>
+  </p:timing>
 </p:sld>
 </file>
 
@@ -14219,6 +14495,574 @@
           <a:lstStyle/>
           <a:p>
             <a:r>
+              <a:rPr lang="zh-CN" altLang="en-US" b="1" dirty="0" smtClean="0">
+                <a:latin typeface="华文楷体" pitchFamily="2" charset="-122"/>
+                <a:ea typeface="华文楷体" pitchFamily="2" charset="-122"/>
+              </a:rPr>
+              <a:t>第</a:t>
+            </a:r>
+            <a:r>
+              <a:rPr lang="en-US" altLang="zh-CN" b="1" dirty="0" smtClean="0">
+                <a:latin typeface="华文楷体" pitchFamily="2" charset="-122"/>
+                <a:ea typeface="华文楷体" pitchFamily="2" charset="-122"/>
+              </a:rPr>
+              <a:t>5</a:t>
+            </a:r>
+            <a:r>
+              <a:rPr lang="zh-CN" altLang="en-US" b="1" dirty="0" smtClean="0">
+                <a:latin typeface="华文楷体" pitchFamily="2" charset="-122"/>
+                <a:ea typeface="华文楷体" pitchFamily="2" charset="-122"/>
+              </a:rPr>
+              <a:t>章</a:t>
+            </a:r>
+            <a:r>
+              <a:rPr lang="zh-CN" altLang="en-US" b="1" dirty="0">
+                <a:latin typeface="华文楷体" pitchFamily="2" charset="-122"/>
+                <a:ea typeface="华文楷体" pitchFamily="2" charset="-122"/>
+              </a:rPr>
+              <a:t>面向对象编程（</a:t>
+            </a:r>
+            <a:r>
+              <a:rPr lang="en-US" altLang="zh-CN" b="1" dirty="0">
+                <a:latin typeface="华文楷体" pitchFamily="2" charset="-122"/>
+                <a:ea typeface="华文楷体" pitchFamily="2" charset="-122"/>
+              </a:rPr>
+              <a:t>OOP</a:t>
+            </a:r>
+            <a:r>
+              <a:rPr lang="zh-CN" altLang="en-US" b="1" dirty="0">
+                <a:latin typeface="华文楷体" pitchFamily="2" charset="-122"/>
+                <a:ea typeface="华文楷体" pitchFamily="2" charset="-122"/>
+              </a:rPr>
+              <a:t>）基础</a:t>
+            </a:r>
+            <a:endParaRPr lang="zh-CN" altLang="en-US" dirty="0"/>
+          </a:p>
+        </p:txBody>
+      </p:sp>
+      <p:sp>
+        <p:nvSpPr>
+          <p:cNvPr id="3" name="内容占位符 2"/>
+          <p:cNvSpPr>
+            <a:spLocks noGrp="1"/>
+          </p:cNvSpPr>
+          <p:nvPr>
+            <p:ph idx="1"/>
+          </p:nvPr>
+        </p:nvSpPr>
+        <p:spPr/>
+        <p:txBody>
+          <a:bodyPr/>
+          <a:lstStyle/>
+          <a:p>
+            <a:r>
+              <a:rPr lang="zh-CN" altLang="en-US" dirty="0"/>
+              <a:t>类与对象：定义类、创建对象、构造函数与析构函数。</a:t>
+            </a:r>
+          </a:p>
+          <a:p>
+            <a:r>
+              <a:rPr lang="zh-CN" altLang="en-US" dirty="0"/>
+              <a:t>封装：访问控制修饰符（</a:t>
+            </a:r>
+            <a:r>
+              <a:rPr lang="en-US" altLang="zh-CN" dirty="0"/>
+              <a:t>public</a:t>
+            </a:r>
+            <a:r>
+              <a:rPr lang="zh-CN" altLang="en-US" dirty="0"/>
+              <a:t>、</a:t>
+            </a:r>
+            <a:r>
+              <a:rPr lang="en-US" altLang="zh-CN" dirty="0"/>
+              <a:t>private</a:t>
+            </a:r>
+            <a:r>
+              <a:rPr lang="zh-CN" altLang="en-US" dirty="0"/>
+              <a:t>、</a:t>
+            </a:r>
+            <a:r>
+              <a:rPr lang="en-US" altLang="zh-CN" dirty="0"/>
+              <a:t>protected</a:t>
+            </a:r>
+            <a:r>
+              <a:rPr lang="zh-CN" altLang="en-US" dirty="0"/>
+              <a:t>）。</a:t>
+            </a:r>
+          </a:p>
+          <a:p>
+            <a:r>
+              <a:rPr lang="zh-CN" altLang="en-US" dirty="0"/>
+              <a:t>继承：继承的概念、基类与派生类、多重继承。</a:t>
+            </a:r>
+          </a:p>
+          <a:p>
+            <a:r>
+              <a:rPr lang="zh-CN" altLang="en-US" dirty="0"/>
+              <a:t>多态：虚函数、纯虚函数、虚函数的重写、运行时多态。</a:t>
+            </a:r>
+          </a:p>
+        </p:txBody>
+      </p:sp>
+    </p:spTree>
+    <p:extLst>
+      <p:ext uri="{BB962C8B-B14F-4D97-AF65-F5344CB8AC3E}">
+        <p14:creationId xmlns:p14="http://schemas.microsoft.com/office/powerpoint/2010/main" val="2413468171"/>
+      </p:ext>
+    </p:extLst>
+  </p:cSld>
+  <p:clrMapOvr>
+    <a:masterClrMapping/>
+  </p:clrMapOvr>
+  <p:timing>
+    <p:tnLst>
+      <p:par>
+        <p:cTn id="1" dur="indefinite" restart="never" nodeType="tmRoot"/>
+      </p:par>
+    </p:tnLst>
+  </p:timing>
+</p:sld>
+</file>
+
+<file path=ppt/slides/slide39.xml><?xml version="1.0" encoding="utf-8"?>
+<p:sld xmlns:a="http://schemas.openxmlformats.org/drawingml/2006/main" xmlns:r="http://schemas.openxmlformats.org/officeDocument/2006/relationships" xmlns:p="http://schemas.openxmlformats.org/presentationml/2006/main">
+  <p:cSld>
+    <p:spTree>
+      <p:nvGrpSpPr>
+        <p:cNvPr id="1" name=""/>
+        <p:cNvGrpSpPr/>
+        <p:nvPr/>
+      </p:nvGrpSpPr>
+      <p:grpSpPr>
+        <a:xfrm>
+          <a:off x="0" y="0"/>
+          <a:ext cx="0" cy="0"/>
+          <a:chOff x="0" y="0"/>
+          <a:chExt cx="0" cy="0"/>
+        </a:xfrm>
+      </p:grpSpPr>
+      <p:sp>
+        <p:nvSpPr>
+          <p:cNvPr id="2" name="标题 1"/>
+          <p:cNvSpPr>
+            <a:spLocks noGrp="1"/>
+          </p:cNvSpPr>
+          <p:nvPr>
+            <p:ph type="title"/>
+          </p:nvPr>
+        </p:nvSpPr>
+        <p:spPr/>
+        <p:txBody>
+          <a:bodyPr/>
+          <a:lstStyle/>
+          <a:p>
+            <a:r>
+              <a:rPr lang="en-US" altLang="zh-CN" b="1" dirty="0" smtClean="0"/>
+              <a:t>5.1 </a:t>
+            </a:r>
+            <a:r>
+              <a:rPr lang="zh-CN" altLang="en-US" b="1" dirty="0"/>
+              <a:t>为什么使用面向对象</a:t>
+            </a:r>
+          </a:p>
+        </p:txBody>
+      </p:sp>
+      <p:sp>
+        <p:nvSpPr>
+          <p:cNvPr id="3" name="内容占位符 2"/>
+          <p:cNvSpPr>
+            <a:spLocks noGrp="1"/>
+          </p:cNvSpPr>
+          <p:nvPr>
+            <p:ph idx="1"/>
+          </p:nvPr>
+        </p:nvSpPr>
+        <p:spPr/>
+        <p:txBody>
+          <a:bodyPr/>
+          <a:lstStyle/>
+          <a:p>
+            <a:r>
+              <a:rPr lang="zh-CN" altLang="en-US" dirty="0"/>
+              <a:t>面向对象编程（</a:t>
+            </a:r>
+            <a:r>
+              <a:rPr lang="en-US" altLang="zh-CN" dirty="0"/>
+              <a:t>OOP</a:t>
+            </a:r>
+            <a:r>
+              <a:rPr lang="zh-CN" altLang="en-US" dirty="0"/>
+              <a:t>）是软件开发中的一种编程范式，它与传统的过程化编程（如</a:t>
+            </a:r>
+            <a:r>
+              <a:rPr lang="en-US" altLang="zh-CN" dirty="0"/>
+              <a:t>C</a:t>
+            </a:r>
+            <a:r>
+              <a:rPr lang="zh-CN" altLang="en-US" dirty="0"/>
+              <a:t>语言）相比，提供了更高的灵活性和可维护性。通过将数据和操作数据的方法封装在一起，</a:t>
+            </a:r>
+            <a:r>
+              <a:rPr lang="en-US" altLang="zh-CN" dirty="0"/>
+              <a:t>OOP</a:t>
+            </a:r>
+            <a:r>
+              <a:rPr lang="zh-CN" altLang="en-US" dirty="0"/>
+              <a:t>可以使代码更加模块化、可扩展和易于维护</a:t>
+            </a:r>
+            <a:r>
+              <a:rPr lang="zh-CN" altLang="en-US" dirty="0" smtClean="0"/>
+              <a:t>。</a:t>
+            </a:r>
+            <a:endParaRPr lang="en-US" altLang="zh-CN" dirty="0" smtClean="0"/>
+          </a:p>
+          <a:p>
+            <a:r>
+              <a:rPr lang="zh-CN" altLang="en-US" dirty="0"/>
+              <a:t>面向对象的</a:t>
+            </a:r>
+            <a:r>
+              <a:rPr lang="zh-CN" altLang="en-US" dirty="0" smtClean="0"/>
+              <a:t>优势</a:t>
+            </a:r>
+            <a:endParaRPr lang="en-US" altLang="zh-CN" dirty="0" smtClean="0"/>
+          </a:p>
+          <a:p>
+            <a:r>
+              <a:rPr lang="zh-CN" altLang="en-US" dirty="0"/>
+              <a:t>与 </a:t>
+            </a:r>
+            <a:r>
+              <a:rPr lang="en-US" altLang="zh-CN" dirty="0"/>
+              <a:t>C </a:t>
+            </a:r>
+            <a:r>
+              <a:rPr lang="zh-CN" altLang="en-US" dirty="0"/>
+              <a:t>语言的</a:t>
+            </a:r>
+            <a:r>
+              <a:rPr lang="zh-CN" altLang="en-US" dirty="0" smtClean="0"/>
+              <a:t>区别</a:t>
+            </a:r>
+            <a:endParaRPr lang="en-US" altLang="zh-CN" dirty="0" smtClean="0"/>
+          </a:p>
+          <a:p>
+            <a:r>
+              <a:rPr lang="zh-CN" altLang="en-US" dirty="0"/>
+              <a:t>为什么选择面向对象编程</a:t>
+            </a:r>
+          </a:p>
+        </p:txBody>
+      </p:sp>
+    </p:spTree>
+    <p:extLst>
+      <p:ext uri="{BB962C8B-B14F-4D97-AF65-F5344CB8AC3E}">
+        <p14:creationId xmlns:p14="http://schemas.microsoft.com/office/powerpoint/2010/main" val="329754630"/>
+      </p:ext>
+    </p:extLst>
+  </p:cSld>
+  <p:clrMapOvr>
+    <a:masterClrMapping/>
+  </p:clrMapOvr>
+</p:sld>
+</file>
+
+<file path=ppt/slides/slide4.xml><?xml version="1.0" encoding="utf-8"?>
+<p:sld xmlns:a="http://schemas.openxmlformats.org/drawingml/2006/main" xmlns:r="http://schemas.openxmlformats.org/officeDocument/2006/relationships" xmlns:p="http://schemas.openxmlformats.org/presentationml/2006/main">
+  <p:cSld>
+    <p:spTree>
+      <p:nvGrpSpPr>
+        <p:cNvPr id="1" name=""/>
+        <p:cNvGrpSpPr/>
+        <p:nvPr/>
+      </p:nvGrpSpPr>
+      <p:grpSpPr>
+        <a:xfrm>
+          <a:off x="0" y="0"/>
+          <a:ext cx="0" cy="0"/>
+          <a:chOff x="0" y="0"/>
+          <a:chExt cx="0" cy="0"/>
+        </a:xfrm>
+      </p:grpSpPr>
+      <p:sp>
+        <p:nvSpPr>
+          <p:cNvPr id="2" name="标题 1"/>
+          <p:cNvSpPr>
+            <a:spLocks noGrp="1"/>
+          </p:cNvSpPr>
+          <p:nvPr>
+            <p:ph type="title"/>
+          </p:nvPr>
+        </p:nvSpPr>
+        <p:spPr/>
+        <p:txBody>
+          <a:bodyPr>
+            <a:normAutofit/>
+          </a:bodyPr>
+          <a:lstStyle/>
+          <a:p>
+            <a:r>
+              <a:rPr lang="zh-CN" altLang="en-US" b="1" dirty="0"/>
+              <a:t>面向过程</a:t>
+            </a:r>
+            <a:r>
+              <a:rPr lang="zh-CN" altLang="en-US" b="1" dirty="0" smtClean="0"/>
+              <a:t>编程</a:t>
+            </a:r>
+            <a:endParaRPr lang="zh-CN" altLang="en-US" dirty="0"/>
+          </a:p>
+        </p:txBody>
+      </p:sp>
+      <p:sp>
+        <p:nvSpPr>
+          <p:cNvPr id="3" name="内容占位符 2"/>
+          <p:cNvSpPr>
+            <a:spLocks noGrp="1"/>
+          </p:cNvSpPr>
+          <p:nvPr>
+            <p:ph idx="1"/>
+          </p:nvPr>
+        </p:nvSpPr>
+        <p:spPr/>
+        <p:txBody>
+          <a:bodyPr/>
+          <a:lstStyle/>
+          <a:p>
+            <a:r>
+              <a:rPr lang="zh-CN" altLang="en-US" b="1" dirty="0" smtClean="0"/>
+              <a:t>面向过程编程</a:t>
+            </a:r>
+            <a:r>
+              <a:rPr lang="zh-CN" altLang="en-US" dirty="0" smtClean="0"/>
+              <a:t>（</a:t>
+            </a:r>
+            <a:r>
+              <a:rPr lang="en-US" altLang="zh-CN" dirty="0" smtClean="0"/>
+              <a:t>Procedural Programming</a:t>
+            </a:r>
+            <a:r>
+              <a:rPr lang="zh-CN" altLang="en-US" dirty="0" smtClean="0"/>
+              <a:t>）是一种基于过程（函数）来组织代码的编程范式。程序由一系列的过程（即函数）组成，这些过程通过操作数据来实现程序的功能。数据和功能是分离的，数据通常是通过参数传递到函数中进行处理。</a:t>
+            </a:r>
+          </a:p>
+          <a:p>
+            <a:pPr lvl="1"/>
+            <a:r>
+              <a:rPr lang="zh-CN" altLang="en-US" b="1" dirty="0" smtClean="0"/>
+              <a:t>设计理念：</a:t>
+            </a:r>
+            <a:r>
+              <a:rPr lang="zh-CN" altLang="en-US" dirty="0" smtClean="0"/>
+              <a:t> 强调功能的实现（即“如何做”），通过一系列函数来逐步完成任务。</a:t>
+            </a:r>
+          </a:p>
+          <a:p>
+            <a:pPr lvl="1"/>
+            <a:r>
+              <a:rPr lang="zh-CN" altLang="en-US" b="1" dirty="0" smtClean="0"/>
+              <a:t>程序结构：</a:t>
+            </a:r>
+            <a:r>
+              <a:rPr lang="zh-CN" altLang="en-US" dirty="0" smtClean="0"/>
+              <a:t> 程序的核心是函数，函数通过参数接收数据，并对数据进行处理。函数与数据分离。</a:t>
+            </a:r>
+          </a:p>
+          <a:p>
+            <a:pPr lvl="1"/>
+            <a:r>
+              <a:rPr lang="zh-CN" altLang="en-US" b="1" dirty="0" smtClean="0"/>
+              <a:t>优点：</a:t>
+            </a:r>
+            <a:r>
+              <a:rPr lang="zh-CN" altLang="en-US" dirty="0" smtClean="0"/>
+              <a:t> 简单、易于理解，适用于小型或功能相对简单的程序。</a:t>
+            </a:r>
+          </a:p>
+          <a:p>
+            <a:pPr lvl="1"/>
+            <a:r>
+              <a:rPr lang="zh-CN" altLang="en-US" b="1" dirty="0" smtClean="0"/>
+              <a:t>缺点：</a:t>
+            </a:r>
+            <a:r>
+              <a:rPr lang="zh-CN" altLang="en-US" dirty="0" smtClean="0"/>
+              <a:t> 随着程序复杂度增加，难以管理和扩展，代码重复度高，维护起来困难。</a:t>
+            </a:r>
+          </a:p>
+          <a:p>
+            <a:endParaRPr lang="zh-CN" altLang="en-US" dirty="0"/>
+          </a:p>
+        </p:txBody>
+      </p:sp>
+    </p:spTree>
+    <p:extLst>
+      <p:ext uri="{BB962C8B-B14F-4D97-AF65-F5344CB8AC3E}">
+        <p14:creationId xmlns:p14="http://schemas.microsoft.com/office/powerpoint/2010/main" val="1754708858"/>
+      </p:ext>
+    </p:extLst>
+  </p:cSld>
+  <p:clrMapOvr>
+    <a:masterClrMapping/>
+  </p:clrMapOvr>
+  <p:timing>
+    <p:tnLst>
+      <p:par>
+        <p:cTn id="1" dur="indefinite" restart="never" nodeType="tmRoot"/>
+      </p:par>
+    </p:tnLst>
+  </p:timing>
+</p:sld>
+</file>
+
+<file path=ppt/slides/slide40.xml><?xml version="1.0" encoding="utf-8"?>
+<p:sld xmlns:a="http://schemas.openxmlformats.org/drawingml/2006/main" xmlns:r="http://schemas.openxmlformats.org/officeDocument/2006/relationships" xmlns:p="http://schemas.openxmlformats.org/presentationml/2006/main">
+  <p:cSld>
+    <p:spTree>
+      <p:nvGrpSpPr>
+        <p:cNvPr id="1" name=""/>
+        <p:cNvGrpSpPr/>
+        <p:nvPr/>
+      </p:nvGrpSpPr>
+      <p:grpSpPr>
+        <a:xfrm>
+          <a:off x="0" y="0"/>
+          <a:ext cx="0" cy="0"/>
+          <a:chOff x="0" y="0"/>
+          <a:chExt cx="0" cy="0"/>
+        </a:xfrm>
+      </p:grpSpPr>
+      <p:sp>
+        <p:nvSpPr>
+          <p:cNvPr id="2" name="标题 1"/>
+          <p:cNvSpPr>
+            <a:spLocks noGrp="1"/>
+          </p:cNvSpPr>
+          <p:nvPr>
+            <p:ph type="title"/>
+          </p:nvPr>
+        </p:nvSpPr>
+        <p:spPr/>
+        <p:txBody>
+          <a:bodyPr/>
+          <a:lstStyle/>
+          <a:p>
+            <a:r>
+              <a:rPr lang="zh-CN" altLang="en-US" b="1" dirty="0"/>
+              <a:t>面向对象的优势</a:t>
+            </a:r>
+            <a:r>
+              <a:rPr lang="en-US" altLang="zh-CN" dirty="0"/>
+              <a:t/>
+            </a:r>
+            <a:br>
+              <a:rPr lang="en-US" altLang="zh-CN" dirty="0"/>
+            </a:br>
+            <a:endParaRPr lang="zh-CN" altLang="en-US" dirty="0"/>
+          </a:p>
+        </p:txBody>
+      </p:sp>
+      <p:sp>
+        <p:nvSpPr>
+          <p:cNvPr id="3" name="内容占位符 2"/>
+          <p:cNvSpPr>
+            <a:spLocks noGrp="1"/>
+          </p:cNvSpPr>
+          <p:nvPr>
+            <p:ph idx="1"/>
+          </p:nvPr>
+        </p:nvSpPr>
+        <p:spPr/>
+        <p:txBody>
+          <a:bodyPr/>
+          <a:lstStyle/>
+          <a:p>
+            <a:r>
+              <a:rPr lang="zh-CN" altLang="en-US" dirty="0"/>
+              <a:t>封装：</a:t>
+            </a:r>
+            <a:r>
+              <a:rPr lang="en-US" altLang="zh-CN" dirty="0"/>
+              <a:t>OOP</a:t>
+            </a:r>
+            <a:r>
+              <a:rPr lang="zh-CN" altLang="en-US" dirty="0"/>
+              <a:t>鼓励将数据与数据操作封装在一起，减少数据访问的复杂性。通过封装，类的实现细节可以隐藏，外部代码只需关注接口而非实现。</a:t>
+            </a:r>
+          </a:p>
+          <a:p>
+            <a:r>
+              <a:rPr lang="zh-CN" altLang="en-US" dirty="0"/>
+              <a:t>继承：继承允许类继承另一个类的属性和方法，减少代码的重复，增强代码的重用性。</a:t>
+            </a:r>
+          </a:p>
+          <a:p>
+            <a:r>
+              <a:rPr lang="zh-CN" altLang="en-US" dirty="0"/>
+              <a:t>多态：多态使得同一操作可以在不同类型的对象上表现出不同的行为，提高了代码的灵活性。</a:t>
+            </a:r>
+          </a:p>
+          <a:p>
+            <a:r>
+              <a:rPr lang="zh-CN" altLang="en-US" dirty="0"/>
+              <a:t>模块化与可维护性：</a:t>
+            </a:r>
+            <a:r>
+              <a:rPr lang="en-US" altLang="zh-CN" dirty="0"/>
+              <a:t>OOP</a:t>
+            </a:r>
+            <a:r>
+              <a:rPr lang="zh-CN" altLang="en-US" dirty="0"/>
+              <a:t>允许将一个大程序拆分成多个小模块，每个模块负责自己独立的功能，增强了代码的可维护性和扩展性。</a:t>
+            </a:r>
+          </a:p>
+        </p:txBody>
+      </p:sp>
+    </p:spTree>
+    <p:extLst>
+      <p:ext uri="{BB962C8B-B14F-4D97-AF65-F5344CB8AC3E}">
+        <p14:creationId xmlns:p14="http://schemas.microsoft.com/office/powerpoint/2010/main" val="1941399030"/>
+      </p:ext>
+    </p:extLst>
+  </p:cSld>
+  <p:clrMapOvr>
+    <a:masterClrMapping/>
+  </p:clrMapOvr>
+</p:sld>
+</file>
+
+<file path=ppt/slides/slide41.xml><?xml version="1.0" encoding="utf-8"?>
+<p:sld xmlns:a="http://schemas.openxmlformats.org/drawingml/2006/main" xmlns:r="http://schemas.openxmlformats.org/officeDocument/2006/relationships" xmlns:p="http://schemas.openxmlformats.org/presentationml/2006/main">
+  <p:cSld>
+    <p:spTree>
+      <p:nvGrpSpPr>
+        <p:cNvPr id="1" name=""/>
+        <p:cNvGrpSpPr/>
+        <p:nvPr/>
+      </p:nvGrpSpPr>
+      <p:grpSpPr>
+        <a:xfrm>
+          <a:off x="0" y="0"/>
+          <a:ext cx="0" cy="0"/>
+          <a:chOff x="0" y="0"/>
+          <a:chExt cx="0" cy="0"/>
+        </a:xfrm>
+      </p:grpSpPr>
+      <p:sp>
+        <p:nvSpPr>
+          <p:cNvPr id="2" name="标题 1"/>
+          <p:cNvSpPr>
+            <a:spLocks noGrp="1"/>
+          </p:cNvSpPr>
+          <p:nvPr>
+            <p:ph type="title"/>
+          </p:nvPr>
+        </p:nvSpPr>
+        <p:spPr/>
+        <p:txBody>
+          <a:bodyPr/>
+          <a:lstStyle/>
+          <a:p>
+            <a:r>
               <a:rPr lang="zh-CN" altLang="en-US" b="1" dirty="0"/>
               <a:t>与 </a:t>
             </a:r>
@@ -14297,7 +15141,7 @@
 </p:sld>
 </file>
 
-<file path=ppt/slides/slide39.xml><?xml version="1.0" encoding="utf-8"?>
+<file path=ppt/slides/slide42.xml><?xml version="1.0" encoding="utf-8"?>
 <p:sld xmlns:a="http://schemas.openxmlformats.org/drawingml/2006/main" xmlns:r="http://schemas.openxmlformats.org/officeDocument/2006/relationships" xmlns:p="http://schemas.openxmlformats.org/presentationml/2006/main">
   <p:cSld>
     <p:spTree>
@@ -14724,613 +15568,6 @@
 </p:sld>
 </file>
 
-<file path=ppt/slides/slide4.xml><?xml version="1.0" encoding="utf-8"?>
-<p:sld xmlns:a="http://schemas.openxmlformats.org/drawingml/2006/main" xmlns:r="http://schemas.openxmlformats.org/officeDocument/2006/relationships" xmlns:p="http://schemas.openxmlformats.org/presentationml/2006/main">
-  <p:cSld>
-    <p:spTree>
-      <p:nvGrpSpPr>
-        <p:cNvPr id="1" name=""/>
-        <p:cNvGrpSpPr/>
-        <p:nvPr/>
-      </p:nvGrpSpPr>
-      <p:grpSpPr>
-        <a:xfrm>
-          <a:off x="0" y="0"/>
-          <a:ext cx="0" cy="0"/>
-          <a:chOff x="0" y="0"/>
-          <a:chExt cx="0" cy="0"/>
-        </a:xfrm>
-      </p:grpSpPr>
-      <p:sp>
-        <p:nvSpPr>
-          <p:cNvPr id="2" name="标题 1"/>
-          <p:cNvSpPr>
-            <a:spLocks noGrp="1"/>
-          </p:cNvSpPr>
-          <p:nvPr>
-            <p:ph type="title"/>
-          </p:nvPr>
-        </p:nvSpPr>
-        <p:spPr/>
-        <p:txBody>
-          <a:bodyPr>
-            <a:normAutofit/>
-          </a:bodyPr>
-          <a:lstStyle/>
-          <a:p>
-            <a:r>
-              <a:rPr lang="zh-CN" altLang="en-US" b="1" dirty="0"/>
-              <a:t>面向过程</a:t>
-            </a:r>
-            <a:r>
-              <a:rPr lang="zh-CN" altLang="en-US" b="1" dirty="0" smtClean="0"/>
-              <a:t>编程</a:t>
-            </a:r>
-            <a:endParaRPr lang="zh-CN" altLang="en-US" dirty="0"/>
-          </a:p>
-        </p:txBody>
-      </p:sp>
-      <p:sp>
-        <p:nvSpPr>
-          <p:cNvPr id="3" name="内容占位符 2"/>
-          <p:cNvSpPr>
-            <a:spLocks noGrp="1"/>
-          </p:cNvSpPr>
-          <p:nvPr>
-            <p:ph idx="1"/>
-          </p:nvPr>
-        </p:nvSpPr>
-        <p:spPr/>
-        <p:txBody>
-          <a:bodyPr/>
-          <a:lstStyle/>
-          <a:p>
-            <a:r>
-              <a:rPr lang="zh-CN" altLang="en-US" b="1" dirty="0" smtClean="0"/>
-              <a:t>面向过程编程</a:t>
-            </a:r>
-            <a:r>
-              <a:rPr lang="zh-CN" altLang="en-US" dirty="0" smtClean="0"/>
-              <a:t>（</a:t>
-            </a:r>
-            <a:r>
-              <a:rPr lang="en-US" altLang="zh-CN" dirty="0" smtClean="0"/>
-              <a:t>Procedural Programming</a:t>
-            </a:r>
-            <a:r>
-              <a:rPr lang="zh-CN" altLang="en-US" dirty="0" smtClean="0"/>
-              <a:t>）是一种基于过程（函数）来组织代码的编程范式。程序由一系列的过程（即函数）组成，这些过程通过操作数据来实现程序的功能。数据和功能是分离的，数据通常是通过参数传递到函数中进行处理。</a:t>
-            </a:r>
-          </a:p>
-          <a:p>
-            <a:pPr lvl="1"/>
-            <a:r>
-              <a:rPr lang="zh-CN" altLang="en-US" b="1" dirty="0" smtClean="0"/>
-              <a:t>设计理念：</a:t>
-            </a:r>
-            <a:r>
-              <a:rPr lang="zh-CN" altLang="en-US" dirty="0" smtClean="0"/>
-              <a:t> 强调功能的实现（即“如何做”），通过一系列函数来逐步完成任务。</a:t>
-            </a:r>
-          </a:p>
-          <a:p>
-            <a:pPr lvl="1"/>
-            <a:r>
-              <a:rPr lang="zh-CN" altLang="en-US" b="1" dirty="0" smtClean="0"/>
-              <a:t>程序结构：</a:t>
-            </a:r>
-            <a:r>
-              <a:rPr lang="zh-CN" altLang="en-US" dirty="0" smtClean="0"/>
-              <a:t> 程序的核心是函数，函数通过参数接收数据，并对数据进行处理。函数与数据分离。</a:t>
-            </a:r>
-          </a:p>
-          <a:p>
-            <a:pPr lvl="1"/>
-            <a:r>
-              <a:rPr lang="zh-CN" altLang="en-US" b="1" dirty="0" smtClean="0"/>
-              <a:t>优点：</a:t>
-            </a:r>
-            <a:r>
-              <a:rPr lang="zh-CN" altLang="en-US" dirty="0" smtClean="0"/>
-              <a:t> 简单、易于理解，适用于小型或功能相对简单的程序。</a:t>
-            </a:r>
-          </a:p>
-          <a:p>
-            <a:pPr lvl="1"/>
-            <a:r>
-              <a:rPr lang="zh-CN" altLang="en-US" b="1" dirty="0" smtClean="0"/>
-              <a:t>缺点：</a:t>
-            </a:r>
-            <a:r>
-              <a:rPr lang="zh-CN" altLang="en-US" dirty="0" smtClean="0"/>
-              <a:t> 随着程序复杂度增加，难以管理和扩展，代码重复度高，维护起来困难。</a:t>
-            </a:r>
-          </a:p>
-          <a:p>
-            <a:endParaRPr lang="zh-CN" altLang="en-US" dirty="0"/>
-          </a:p>
-        </p:txBody>
-      </p:sp>
-    </p:spTree>
-    <p:extLst>
-      <p:ext uri="{BB962C8B-B14F-4D97-AF65-F5344CB8AC3E}">
-        <p14:creationId xmlns:p14="http://schemas.microsoft.com/office/powerpoint/2010/main" val="1754708858"/>
-      </p:ext>
-    </p:extLst>
-  </p:cSld>
-  <p:clrMapOvr>
-    <a:masterClrMapping/>
-  </p:clrMapOvr>
-  <p:timing>
-    <p:tnLst>
-      <p:par>
-        <p:cTn id="1" dur="indefinite" restart="never" nodeType="tmRoot"/>
-      </p:par>
-    </p:tnLst>
-  </p:timing>
-</p:sld>
-</file>
-
-<file path=ppt/slides/slide40.xml><?xml version="1.0" encoding="utf-8"?>
-<p:sld xmlns:a="http://schemas.openxmlformats.org/drawingml/2006/main" xmlns:r="http://schemas.openxmlformats.org/officeDocument/2006/relationships" xmlns:p="http://schemas.openxmlformats.org/presentationml/2006/main">
-  <p:cSld>
-    <p:spTree>
-      <p:nvGrpSpPr>
-        <p:cNvPr id="1" name=""/>
-        <p:cNvGrpSpPr/>
-        <p:nvPr/>
-      </p:nvGrpSpPr>
-      <p:grpSpPr>
-        <a:xfrm>
-          <a:off x="0" y="0"/>
-          <a:ext cx="0" cy="0"/>
-          <a:chOff x="0" y="0"/>
-          <a:chExt cx="0" cy="0"/>
-        </a:xfrm>
-      </p:grpSpPr>
-      <p:sp>
-        <p:nvSpPr>
-          <p:cNvPr id="2" name="标题 1"/>
-          <p:cNvSpPr>
-            <a:spLocks noGrp="1"/>
-          </p:cNvSpPr>
-          <p:nvPr>
-            <p:ph type="title"/>
-          </p:nvPr>
-        </p:nvSpPr>
-        <p:spPr/>
-        <p:txBody>
-          <a:bodyPr/>
-          <a:lstStyle/>
-          <a:p>
-            <a:r>
-              <a:rPr lang="en-US" altLang="zh-CN" dirty="0" smtClean="0"/>
-              <a:t>5.2 </a:t>
-            </a:r>
-            <a:r>
-              <a:rPr lang="zh-CN" altLang="en-US" dirty="0"/>
-              <a:t>类与对象</a:t>
-            </a:r>
-          </a:p>
-        </p:txBody>
-      </p:sp>
-      <p:sp>
-        <p:nvSpPr>
-          <p:cNvPr id="3" name="内容占位符 2"/>
-          <p:cNvSpPr>
-            <a:spLocks noGrp="1"/>
-          </p:cNvSpPr>
-          <p:nvPr>
-            <p:ph idx="1"/>
-          </p:nvPr>
-        </p:nvSpPr>
-        <p:spPr/>
-        <p:txBody>
-          <a:bodyPr/>
-          <a:lstStyle/>
-          <a:p>
-            <a:r>
-              <a:rPr lang="zh-CN" altLang="en-US" dirty="0"/>
-              <a:t>定义</a:t>
-            </a:r>
-            <a:r>
-              <a:rPr lang="zh-CN" altLang="en-US" dirty="0" smtClean="0"/>
-              <a:t>类</a:t>
-            </a:r>
-            <a:endParaRPr lang="en-US" altLang="zh-CN" dirty="0" smtClean="0"/>
-          </a:p>
-          <a:p>
-            <a:pPr marL="0" indent="0">
-              <a:buNone/>
-            </a:pPr>
-            <a:r>
-              <a:rPr lang="en-US" altLang="zh-CN" dirty="0"/>
-              <a:t>	</a:t>
-            </a:r>
-            <a:r>
-              <a:rPr lang="zh-CN" altLang="en-US" dirty="0"/>
-              <a:t>类是面向对象编程中的核心概念，它描述了一个对象的属性和行为。类定义包括</a:t>
-            </a:r>
-            <a:r>
-              <a:rPr lang="zh-CN" altLang="en-US" dirty="0" smtClean="0"/>
-              <a:t>成</a:t>
-            </a:r>
-            <a:r>
-              <a:rPr lang="en-US" altLang="zh-CN" dirty="0" smtClean="0"/>
-              <a:t>	</a:t>
-            </a:r>
-            <a:r>
-              <a:rPr lang="zh-CN" altLang="en-US" dirty="0" smtClean="0"/>
-              <a:t>员</a:t>
-            </a:r>
-            <a:r>
-              <a:rPr lang="zh-CN" altLang="en-US" dirty="0"/>
-              <a:t>变量（属性）和成员函数（行为）。类的实例化称为对象。</a:t>
-            </a:r>
-            <a:endParaRPr lang="en-US" altLang="zh-CN" dirty="0" smtClean="0"/>
-          </a:p>
-          <a:p>
-            <a:r>
-              <a:rPr lang="zh-CN" altLang="en-US" dirty="0"/>
-              <a:t>构造函数与</a:t>
-            </a:r>
-            <a:r>
-              <a:rPr lang="zh-CN" altLang="en-US" dirty="0" smtClean="0"/>
-              <a:t>析构函数</a:t>
-            </a:r>
-            <a:endParaRPr lang="en-US" altLang="zh-CN" dirty="0" smtClean="0"/>
-          </a:p>
-          <a:p>
-            <a:pPr marL="0" indent="0">
-              <a:buNone/>
-            </a:pPr>
-            <a:r>
-              <a:rPr lang="en-US" altLang="zh-CN" dirty="0"/>
-              <a:t>	</a:t>
-            </a:r>
-            <a:r>
-              <a:rPr lang="zh-CN" altLang="en-US" dirty="0"/>
-              <a:t>构造函数用于初始化对象的成员变量。析构函数用于在对象销毁时进行资源清理</a:t>
-            </a:r>
-            <a:r>
-              <a:rPr lang="zh-CN" altLang="en-US" dirty="0" smtClean="0"/>
-              <a:t>。</a:t>
-            </a:r>
-            <a:r>
-              <a:rPr lang="en-US" altLang="zh-CN" dirty="0" smtClean="0"/>
-              <a:t>	</a:t>
-            </a:r>
-            <a:r>
-              <a:rPr lang="zh-CN" altLang="en-US" dirty="0" smtClean="0"/>
-              <a:t>构造</a:t>
-            </a:r>
-            <a:r>
-              <a:rPr lang="zh-CN" altLang="en-US" dirty="0"/>
-              <a:t>函数和析构函数的名称与类名相同，但构造函数没有返回类型，析构函数以 </a:t>
-            </a:r>
-            <a:r>
-              <a:rPr lang="en-US" altLang="zh-CN" dirty="0"/>
-              <a:t>~ </a:t>
-            </a:r>
-            <a:r>
-              <a:rPr lang="en-US" altLang="zh-CN" dirty="0" smtClean="0"/>
-              <a:t>	</a:t>
-            </a:r>
-            <a:r>
-              <a:rPr lang="zh-CN" altLang="en-US" dirty="0" smtClean="0"/>
-              <a:t>开头</a:t>
-            </a:r>
-            <a:r>
-              <a:rPr lang="zh-CN" altLang="en-US" dirty="0"/>
-              <a:t>。</a:t>
-            </a:r>
-            <a:endParaRPr lang="en-US" altLang="zh-CN" dirty="0" smtClean="0"/>
-          </a:p>
-        </p:txBody>
-      </p:sp>
-    </p:spTree>
-    <p:extLst>
-      <p:ext uri="{BB962C8B-B14F-4D97-AF65-F5344CB8AC3E}">
-        <p14:creationId xmlns:p14="http://schemas.microsoft.com/office/powerpoint/2010/main" val="3147529873"/>
-      </p:ext>
-    </p:extLst>
-  </p:cSld>
-  <p:clrMapOvr>
-    <a:masterClrMapping/>
-  </p:clrMapOvr>
-</p:sld>
-</file>
-
-<file path=ppt/slides/slide41.xml><?xml version="1.0" encoding="utf-8"?>
-<p:sld xmlns:a="http://schemas.openxmlformats.org/drawingml/2006/main" xmlns:r="http://schemas.openxmlformats.org/officeDocument/2006/relationships" xmlns:p="http://schemas.openxmlformats.org/presentationml/2006/main">
-  <p:cSld>
-    <p:spTree>
-      <p:nvGrpSpPr>
-        <p:cNvPr id="1" name=""/>
-        <p:cNvGrpSpPr/>
-        <p:nvPr/>
-      </p:nvGrpSpPr>
-      <p:grpSpPr>
-        <a:xfrm>
-          <a:off x="0" y="0"/>
-          <a:ext cx="0" cy="0"/>
-          <a:chOff x="0" y="0"/>
-          <a:chExt cx="0" cy="0"/>
-        </a:xfrm>
-      </p:grpSpPr>
-      <p:sp>
-        <p:nvSpPr>
-          <p:cNvPr id="2" name="标题 1"/>
-          <p:cNvSpPr>
-            <a:spLocks noGrp="1"/>
-          </p:cNvSpPr>
-          <p:nvPr>
-            <p:ph type="title"/>
-          </p:nvPr>
-        </p:nvSpPr>
-        <p:spPr/>
-        <p:txBody>
-          <a:bodyPr/>
-          <a:lstStyle/>
-          <a:p>
-            <a:r>
-              <a:rPr lang="en-US" altLang="zh-CN" dirty="0" smtClean="0"/>
-              <a:t>5.2 </a:t>
-            </a:r>
-            <a:r>
-              <a:rPr lang="zh-CN" altLang="en-US" dirty="0"/>
-              <a:t>封装</a:t>
-            </a:r>
-          </a:p>
-        </p:txBody>
-      </p:sp>
-      <p:sp>
-        <p:nvSpPr>
-          <p:cNvPr id="3" name="内容占位符 2"/>
-          <p:cNvSpPr>
-            <a:spLocks noGrp="1"/>
-          </p:cNvSpPr>
-          <p:nvPr>
-            <p:ph idx="1"/>
-          </p:nvPr>
-        </p:nvSpPr>
-        <p:spPr/>
-        <p:txBody>
-          <a:bodyPr/>
-          <a:lstStyle/>
-          <a:p>
-            <a:r>
-              <a:rPr lang="zh-CN" altLang="en-US" dirty="0"/>
-              <a:t>封装是面向对象编程的四大基本特性之一。封装通过访问控制修饰符（</a:t>
-            </a:r>
-            <a:r>
-              <a:rPr lang="en-US" altLang="zh-CN" dirty="0"/>
-              <a:t>public</a:t>
-            </a:r>
-            <a:r>
-              <a:rPr lang="zh-CN" altLang="en-US" dirty="0"/>
-              <a:t>、</a:t>
-            </a:r>
-            <a:r>
-              <a:rPr lang="en-US" altLang="zh-CN" dirty="0"/>
-              <a:t>private</a:t>
-            </a:r>
-            <a:r>
-              <a:rPr lang="zh-CN" altLang="en-US" dirty="0"/>
-              <a:t>、</a:t>
-            </a:r>
-            <a:r>
-              <a:rPr lang="en-US" altLang="zh-CN" dirty="0"/>
-              <a:t>protected</a:t>
-            </a:r>
-            <a:r>
-              <a:rPr lang="zh-CN" altLang="en-US" dirty="0"/>
-              <a:t>）来控制类成员的访问权限</a:t>
-            </a:r>
-            <a:r>
-              <a:rPr lang="zh-CN" altLang="en-US" dirty="0" smtClean="0"/>
-              <a:t>。</a:t>
-            </a:r>
-            <a:endParaRPr lang="en-US" altLang="zh-CN" dirty="0" smtClean="0"/>
-          </a:p>
-          <a:p>
-            <a:r>
-              <a:rPr lang="zh-CN" altLang="en-US" dirty="0"/>
-              <a:t>访问控制修饰符</a:t>
-            </a:r>
-          </a:p>
-          <a:p>
-            <a:pPr lvl="1"/>
-            <a:r>
-              <a:rPr lang="en-US" altLang="zh-CN" dirty="0"/>
-              <a:t>public</a:t>
-            </a:r>
-            <a:r>
-              <a:rPr lang="zh-CN" altLang="en-US" dirty="0"/>
-              <a:t>：公开的成员，外部代码可以访问。</a:t>
-            </a:r>
-          </a:p>
-          <a:p>
-            <a:pPr lvl="1"/>
-            <a:r>
-              <a:rPr lang="en-US" altLang="zh-CN" dirty="0"/>
-              <a:t>private</a:t>
-            </a:r>
-            <a:r>
-              <a:rPr lang="zh-CN" altLang="en-US" dirty="0"/>
-              <a:t>：私有的成员，只能在类的内部访问。</a:t>
-            </a:r>
-          </a:p>
-          <a:p>
-            <a:pPr lvl="1"/>
-            <a:r>
-              <a:rPr lang="en-US" altLang="zh-CN" dirty="0"/>
-              <a:t>protected</a:t>
-            </a:r>
-            <a:r>
-              <a:rPr lang="zh-CN" altLang="en-US" dirty="0"/>
-              <a:t>：保护的成员，子类可以访问，但外部代码不能访问。</a:t>
-            </a:r>
-          </a:p>
-        </p:txBody>
-      </p:sp>
-    </p:spTree>
-    <p:extLst>
-      <p:ext uri="{BB962C8B-B14F-4D97-AF65-F5344CB8AC3E}">
-        <p14:creationId xmlns:p14="http://schemas.microsoft.com/office/powerpoint/2010/main" val="3887602630"/>
-      </p:ext>
-    </p:extLst>
-  </p:cSld>
-  <p:clrMapOvr>
-    <a:masterClrMapping/>
-  </p:clrMapOvr>
-</p:sld>
-</file>
-
-<file path=ppt/slides/slide42.xml><?xml version="1.0" encoding="utf-8"?>
-<p:sld xmlns:a="http://schemas.openxmlformats.org/drawingml/2006/main" xmlns:r="http://schemas.openxmlformats.org/officeDocument/2006/relationships" xmlns:p="http://schemas.openxmlformats.org/presentationml/2006/main">
-  <p:cSld>
-    <p:spTree>
-      <p:nvGrpSpPr>
-        <p:cNvPr id="1" name=""/>
-        <p:cNvGrpSpPr/>
-        <p:nvPr/>
-      </p:nvGrpSpPr>
-      <p:grpSpPr>
-        <a:xfrm>
-          <a:off x="0" y="0"/>
-          <a:ext cx="0" cy="0"/>
-          <a:chOff x="0" y="0"/>
-          <a:chExt cx="0" cy="0"/>
-        </a:xfrm>
-      </p:grpSpPr>
-      <p:sp>
-        <p:nvSpPr>
-          <p:cNvPr id="2" name="标题 1"/>
-          <p:cNvSpPr>
-            <a:spLocks noGrp="1"/>
-          </p:cNvSpPr>
-          <p:nvPr>
-            <p:ph type="title"/>
-          </p:nvPr>
-        </p:nvSpPr>
-        <p:spPr/>
-        <p:txBody>
-          <a:bodyPr/>
-          <a:lstStyle/>
-          <a:p>
-            <a:r>
-              <a:rPr lang="en-US" altLang="zh-CN" dirty="0" smtClean="0"/>
-              <a:t>5.3 </a:t>
-            </a:r>
-            <a:r>
-              <a:rPr lang="zh-CN" altLang="en-US" dirty="0"/>
-              <a:t>继承</a:t>
-            </a:r>
-          </a:p>
-        </p:txBody>
-      </p:sp>
-      <p:sp>
-        <p:nvSpPr>
-          <p:cNvPr id="3" name="内容占位符 2"/>
-          <p:cNvSpPr>
-            <a:spLocks noGrp="1"/>
-          </p:cNvSpPr>
-          <p:nvPr>
-            <p:ph idx="1"/>
-          </p:nvPr>
-        </p:nvSpPr>
-        <p:spPr/>
-        <p:txBody>
-          <a:bodyPr/>
-          <a:lstStyle/>
-          <a:p>
-            <a:r>
-              <a:rPr lang="zh-CN" altLang="en-US" dirty="0"/>
-              <a:t>通过继承，我们可以创建一个新的类（派生类），它可以继承已有类（基类）的成员变量和成员函数</a:t>
-            </a:r>
-            <a:r>
-              <a:rPr lang="zh-CN" altLang="en-US" dirty="0" smtClean="0"/>
-              <a:t>。</a:t>
-            </a:r>
-            <a:endParaRPr lang="en-US" altLang="zh-CN" dirty="0" smtClean="0"/>
-          </a:p>
-          <a:p>
-            <a:r>
-              <a:rPr lang="zh-CN" altLang="en-US" dirty="0"/>
-              <a:t>继承的</a:t>
-            </a:r>
-            <a:r>
-              <a:rPr lang="zh-CN" altLang="en-US" dirty="0" smtClean="0"/>
-              <a:t>概念</a:t>
-            </a:r>
-            <a:endParaRPr lang="en-US" altLang="zh-CN" dirty="0" smtClean="0"/>
-          </a:p>
-          <a:p>
-            <a:pPr marL="457200" lvl="1" indent="0">
-              <a:buNone/>
-            </a:pPr>
-            <a:r>
-              <a:rPr lang="zh-CN" altLang="en-US" dirty="0"/>
-              <a:t>基类和派生类的关系：</a:t>
-            </a:r>
-            <a:r>
-              <a:rPr lang="en-US" altLang="zh-CN" dirty="0"/>
-              <a:t>	</a:t>
-            </a:r>
-            <a:endParaRPr lang="zh-CN" altLang="en-US" dirty="0"/>
-          </a:p>
-          <a:p>
-            <a:pPr lvl="1"/>
-            <a:r>
-              <a:rPr lang="zh-CN" altLang="en-US" dirty="0"/>
-              <a:t>基类是被继承的类。</a:t>
-            </a:r>
-          </a:p>
-          <a:p>
-            <a:pPr lvl="1"/>
-            <a:r>
-              <a:rPr lang="zh-CN" altLang="en-US" dirty="0"/>
-              <a:t>派生类是从基类派生出来的类，可以继承基类的属性和行为。</a:t>
-            </a:r>
-          </a:p>
-          <a:p>
-            <a:r>
-              <a:rPr lang="zh-CN" altLang="en-US" dirty="0" smtClean="0"/>
-              <a:t>基</a:t>
-            </a:r>
-            <a:r>
-              <a:rPr lang="zh-CN" altLang="en-US" dirty="0"/>
-              <a:t>类与派生</a:t>
-            </a:r>
-            <a:r>
-              <a:rPr lang="zh-CN" altLang="en-US" dirty="0" smtClean="0"/>
-              <a:t>类</a:t>
-            </a:r>
-            <a:endParaRPr lang="en-US" altLang="zh-CN" dirty="0" smtClean="0"/>
-          </a:p>
-          <a:p>
-            <a:r>
-              <a:rPr lang="zh-CN" altLang="en-US" dirty="0"/>
-              <a:t>多重继承</a:t>
-            </a:r>
-            <a:endParaRPr lang="en-US" altLang="zh-CN" dirty="0" smtClean="0"/>
-          </a:p>
-        </p:txBody>
-      </p:sp>
-    </p:spTree>
-    <p:extLst>
-      <p:ext uri="{BB962C8B-B14F-4D97-AF65-F5344CB8AC3E}">
-        <p14:creationId xmlns:p14="http://schemas.microsoft.com/office/powerpoint/2010/main" val="3152470496"/>
-      </p:ext>
-    </p:extLst>
-  </p:cSld>
-  <p:clrMapOvr>
-    <a:masterClrMapping/>
-  </p:clrMapOvr>
-</p:sld>
-</file>
-
 <file path=ppt/slides/slide43.xml><?xml version="1.0" encoding="utf-8"?>
 <p:sld xmlns:a="http://schemas.openxmlformats.org/drawingml/2006/main" xmlns:r="http://schemas.openxmlformats.org/officeDocument/2006/relationships" xmlns:p="http://schemas.openxmlformats.org/presentationml/2006/main">
   <p:cSld>
@@ -15365,11 +15602,11 @@
           <a:p>
             <a:r>
               <a:rPr lang="en-US" altLang="zh-CN" dirty="0" smtClean="0"/>
-              <a:t>5.4 </a:t>
-            </a:r>
-            <a:r>
-              <a:rPr lang="zh-CN" altLang="en-US" dirty="0"/>
-              <a:t>多态</a:t>
+              <a:t>5.2 </a:t>
+            </a:r>
+            <a:r>
+              <a:rPr lang="zh-CN" altLang="en-US" dirty="0"/>
+              <a:t>类与对象</a:t>
             </a:r>
           </a:p>
         </p:txBody>
@@ -15391,30 +15628,11 @@
           <a:p>
             <a:r>
               <a:rPr lang="zh-CN" altLang="en-US" dirty="0"/>
-              <a:t>多态是指通过相同的接口调用不同的函数，实现不同的行为。多态有两种类型：编译时多态</a:t>
+              <a:t>定义</a:t>
             </a:r>
             <a:r>
               <a:rPr lang="zh-CN" altLang="en-US" dirty="0" smtClean="0"/>
-              <a:t>和运行</a:t>
-            </a:r>
-            <a:r>
-              <a:rPr lang="zh-CN" altLang="en-US" dirty="0"/>
-              <a:t>时多态</a:t>
-            </a:r>
-            <a:r>
-              <a:rPr lang="zh-CN" altLang="en-US" dirty="0" smtClean="0"/>
-              <a:t>。</a:t>
-            </a:r>
-            <a:endParaRPr lang="en-US" altLang="zh-CN" dirty="0" smtClean="0"/>
-          </a:p>
-          <a:p>
-            <a:r>
-              <a:rPr lang="zh-CN" altLang="en-US" dirty="0"/>
-              <a:t>虚</a:t>
-            </a:r>
-            <a:r>
-              <a:rPr lang="zh-CN" altLang="en-US" dirty="0" smtClean="0"/>
-              <a:t>函数</a:t>
+              <a:t>类</a:t>
             </a:r>
             <a:endParaRPr lang="en-US" altLang="zh-CN" dirty="0" smtClean="0"/>
           </a:p>
@@ -15428,22 +15646,34 @@
             </a:r>
             <a:r>
               <a:rPr lang="zh-CN" altLang="en-US" dirty="0"/>
-              <a:t>虚函数允许我们在基类中声明函数，在派生类中重写该函数，以便实现动态绑定。</a:t>
-            </a:r>
-            <a:endParaRPr lang="en-US" altLang="zh-CN" dirty="0"/>
-          </a:p>
-          <a:p>
+              <a:t>类是面向对象编程中的核心概念，它描述了一个对象的属性和行为。类定义包括</a:t>
+            </a:r>
             <a:r>
               <a:rPr lang="zh-CN" altLang="en-US" dirty="0" smtClean="0"/>
-              <a:t>纯</a:t>
-            </a:r>
-            <a:r>
-              <a:rPr lang="zh-CN" altLang="en-US" dirty="0"/>
-              <a:t>虚</a:t>
+              <a:t>成</a:t>
+            </a:r>
+            <a:r>
+              <a:rPr lang="en-US" altLang="zh-CN" dirty="0" smtClean="0"/>
+              <a:t>	</a:t>
             </a:r>
             <a:r>
               <a:rPr lang="zh-CN" altLang="en-US" dirty="0" smtClean="0"/>
-              <a:t>函数</a:t>
+              <a:t>员</a:t>
+            </a:r>
+            <a:r>
+              <a:rPr lang="zh-CN" altLang="en-US" dirty="0"/>
+              <a:t>变量（属性）和成员函数（行为）。类的实例化称为对象。</a:t>
+            </a:r>
+            <a:endParaRPr lang="en-US" altLang="zh-CN" dirty="0" smtClean="0"/>
+          </a:p>
+          <a:p>
+            <a:r>
+              <a:rPr lang="zh-CN" altLang="en-US" dirty="0"/>
+              <a:t>构造函数与</a:t>
+            </a:r>
+            <a:r>
+              <a:rPr lang="zh-CN" altLang="en-US" dirty="0" smtClean="0"/>
+              <a:t>析构函数</a:t>
             </a:r>
             <a:endParaRPr lang="en-US" altLang="zh-CN" dirty="0" smtClean="0"/>
           </a:p>
@@ -15457,44 +15687,11 @@
             </a:r>
             <a:r>
               <a:rPr lang="zh-CN" altLang="en-US" dirty="0"/>
-              <a:t>纯虚函数是没有函数体的虚函数，必须在派生类中实现它。含有纯虚函数的类被称</a:t>
-            </a:r>
-            <a:r>
-              <a:rPr lang="en-US" altLang="zh-CN" dirty="0"/>
-              <a:t>	</a:t>
-            </a:r>
-            <a:r>
-              <a:rPr lang="zh-CN" altLang="en-US" dirty="0"/>
-              <a:t>为抽象类，不能直接实例化。</a:t>
-            </a:r>
-            <a:endParaRPr lang="en-US" altLang="zh-CN" dirty="0"/>
-          </a:p>
-          <a:p>
+              <a:t>构造函数用于初始化对象的成员变量。析构函数用于在对象销毁时进行资源清理</a:t>
+            </a:r>
             <a:r>
               <a:rPr lang="zh-CN" altLang="en-US" dirty="0" smtClean="0"/>
-              <a:t>运行</a:t>
-            </a:r>
-            <a:r>
-              <a:rPr lang="zh-CN" altLang="en-US" dirty="0"/>
-              <a:t>时多态</a:t>
-            </a:r>
-            <a:endParaRPr lang="en-US" altLang="zh-CN" dirty="0" smtClean="0"/>
-          </a:p>
-          <a:p>
-            <a:pPr marL="0" indent="0">
-              <a:buNone/>
-            </a:pPr>
-            <a:r>
-              <a:rPr lang="zh-CN" altLang="en-US" dirty="0" smtClean="0"/>
-              <a:t>       运行</a:t>
-            </a:r>
-            <a:r>
-              <a:rPr lang="zh-CN" altLang="en-US" dirty="0"/>
-              <a:t>时多态是通过虚函数和指向基类的指针或引用来实现的。根据对象的实际类型</a:t>
-            </a:r>
-            <a:r>
-              <a:rPr lang="zh-CN" altLang="en-US" dirty="0" smtClean="0"/>
-              <a:t>，  </a:t>
+              <a:t>。</a:t>
             </a:r>
             <a:r>
               <a:rPr lang="en-US" altLang="zh-CN" dirty="0" smtClean="0"/>
@@ -15502,19 +15699,36 @@
             </a:r>
             <a:r>
               <a:rPr lang="zh-CN" altLang="en-US" dirty="0" smtClean="0"/>
-              <a:t>调用</a:t>
-            </a:r>
-            <a:r>
-              <a:rPr lang="zh-CN" altLang="en-US" dirty="0"/>
-              <a:t>相应的重写函数。</a:t>
-            </a:r>
+              <a:t>构造</a:t>
+            </a:r>
+            <a:r>
+              <a:rPr lang="zh-CN" altLang="en-US" dirty="0"/>
+              <a:t>函数和析构函数的名称与类名相同，但构造函数没有返回类型，析构函数以 </a:t>
+            </a:r>
+            <a:r>
+              <a:rPr lang="en-US" altLang="zh-CN" dirty="0"/>
+              <a:t>~ </a:t>
+            </a:r>
+            <a:r>
+              <a:rPr lang="en-US" altLang="zh-CN" dirty="0" smtClean="0"/>
+              <a:t>	</a:t>
+            </a:r>
+            <a:r>
+              <a:rPr lang="zh-CN" altLang="en-US" dirty="0" smtClean="0"/>
+              <a:t>开头</a:t>
+            </a:r>
+            <a:r>
+              <a:rPr lang="zh-CN" altLang="en-US" dirty="0"/>
+              <a:t>。</a:t>
+            </a:r>
+            <a:endParaRPr lang="en-US" altLang="zh-CN" dirty="0" smtClean="0"/>
           </a:p>
         </p:txBody>
       </p:sp>
     </p:spTree>
     <p:extLst>
       <p:ext uri="{BB962C8B-B14F-4D97-AF65-F5344CB8AC3E}">
-        <p14:creationId xmlns:p14="http://schemas.microsoft.com/office/powerpoint/2010/main" val="1103990109"/>
+        <p14:creationId xmlns:p14="http://schemas.microsoft.com/office/powerpoint/2010/main" val="3147529873"/>
       </p:ext>
     </p:extLst>
   </p:cSld>
@@ -15558,11 +15772,11 @@
           <a:p>
             <a:r>
               <a:rPr lang="en-US" altLang="zh-CN" dirty="0" smtClean="0"/>
-              <a:t>5.5 </a:t>
-            </a:r>
-            <a:r>
-              <a:rPr lang="zh-CN" altLang="en-US" dirty="0"/>
-              <a:t>总结</a:t>
+              <a:t>5.2 </a:t>
+            </a:r>
+            <a:r>
+              <a:rPr lang="zh-CN" altLang="en-US" dirty="0"/>
+              <a:t>封装</a:t>
             </a:r>
           </a:p>
         </p:txBody>
@@ -15584,13 +15798,7 @@
           <a:p>
             <a:r>
               <a:rPr lang="zh-CN" altLang="en-US" dirty="0"/>
-              <a:t>类与对象：类是对象的蓝图，对象是类的实例。构造函数和析构函数分别用于初始化和清理对象。</a:t>
-            </a:r>
-          </a:p>
-          <a:p>
-            <a:r>
-              <a:rPr lang="zh-CN" altLang="en-US" dirty="0"/>
-              <a:t>封装：通过访问控制修饰符（</a:t>
+              <a:t>封装是面向对象编程的四大基本特性之一。封装通过访问控制修饰符（</a:t>
             </a:r>
             <a:r>
               <a:rPr lang="en-US" altLang="zh-CN" dirty="0"/>
@@ -15614,19 +15822,51 @@
             </a:r>
             <a:r>
               <a:rPr lang="zh-CN" altLang="en-US" dirty="0"/>
-              <a:t>）控制成员的访问权限，保护对象的状态。</a:t>
-            </a:r>
-          </a:p>
-          <a:p>
-            <a:r>
-              <a:rPr lang="zh-CN" altLang="en-US" dirty="0"/>
-              <a:t>继承：通过继承实现代码的复用，派生类可以继承基类的属性和方法。</a:t>
-            </a:r>
-          </a:p>
-          <a:p>
-            <a:r>
-              <a:rPr lang="zh-CN" altLang="en-US" dirty="0"/>
-              <a:t>多态：通过虚函数和纯虚函数实现多态，允许在运行时根据对象的实际类型调用不同的方法</a:t>
+              <a:t>）来控制类成员的访问权限</a:t>
+            </a:r>
+            <a:r>
+              <a:rPr lang="zh-CN" altLang="en-US" dirty="0" smtClean="0"/>
+              <a:t>。</a:t>
+            </a:r>
+            <a:endParaRPr lang="en-US" altLang="zh-CN" dirty="0" smtClean="0"/>
+          </a:p>
+          <a:p>
+            <a:r>
+              <a:rPr lang="zh-CN" altLang="en-US" dirty="0"/>
+              <a:t>访问控制修饰符</a:t>
+            </a:r>
+          </a:p>
+          <a:p>
+            <a:pPr lvl="1"/>
+            <a:r>
+              <a:rPr lang="en-US" altLang="zh-CN" dirty="0"/>
+              <a:t>public</a:t>
+            </a:r>
+            <a:r>
+              <a:rPr lang="zh-CN" altLang="en-US" dirty="0"/>
+              <a:t>：公开的成员，外部代码可以访问。</a:t>
+            </a:r>
+          </a:p>
+          <a:p>
+            <a:pPr lvl="1"/>
+            <a:r>
+              <a:rPr lang="en-US" altLang="zh-CN" dirty="0"/>
+              <a:t>private</a:t>
+            </a:r>
+            <a:r>
+              <a:rPr lang="zh-CN" altLang="en-US" dirty="0"/>
+              <a:t>：私有的成员，只能在类的内部访问。</a:t>
+            </a:r>
+          </a:p>
+          <a:p>
+            <a:pPr lvl="1"/>
+            <a:r>
+              <a:rPr lang="en-US" altLang="zh-CN" dirty="0"/>
+              <a:t>protected</a:t>
+            </a:r>
+            <a:r>
+              <a:rPr lang="zh-CN" altLang="en-US" dirty="0"/>
+              <a:t>：保护的成员，子类可以访问，但外部代码不能访问。</a:t>
             </a:r>
           </a:p>
         </p:txBody>
@@ -15634,7 +15874,7 @@
     </p:spTree>
     <p:extLst>
       <p:ext uri="{BB962C8B-B14F-4D97-AF65-F5344CB8AC3E}">
-        <p14:creationId xmlns:p14="http://schemas.microsoft.com/office/powerpoint/2010/main" val="1686844325"/>
+        <p14:creationId xmlns:p14="http://schemas.microsoft.com/office/powerpoint/2010/main" val="3887602630"/>
       </p:ext>
     </p:extLst>
   </p:cSld>
@@ -15677,34 +15917,13 @@
           <a:lstStyle/>
           <a:p>
             <a:r>
-              <a:rPr lang="zh-CN" altLang="en-US" b="1" dirty="0" smtClean="0">
-                <a:latin typeface="华文楷体" pitchFamily="2" charset="-122"/>
-                <a:ea typeface="华文楷体" pitchFamily="2" charset="-122"/>
-              </a:rPr>
-              <a:t>第</a:t>
-            </a:r>
-            <a:r>
-              <a:rPr lang="en-US" altLang="zh-CN" b="1" dirty="0" smtClean="0">
-                <a:latin typeface="华文楷体" pitchFamily="2" charset="-122"/>
-                <a:ea typeface="华文楷体" pitchFamily="2" charset="-122"/>
-              </a:rPr>
-              <a:t>6</a:t>
-            </a:r>
-            <a:r>
-              <a:rPr lang="zh-CN" altLang="en-US" b="1" dirty="0" smtClean="0">
-                <a:latin typeface="华文楷体" pitchFamily="2" charset="-122"/>
-                <a:ea typeface="华文楷体" pitchFamily="2" charset="-122"/>
-              </a:rPr>
-              <a:t>章 指针</a:t>
-            </a:r>
-            <a:r>
-              <a:rPr lang="zh-CN" altLang="en-US" b="1" dirty="0">
-                <a:latin typeface="华文楷体" pitchFamily="2" charset="-122"/>
-                <a:ea typeface="华文楷体" pitchFamily="2" charset="-122"/>
-              </a:rPr>
-              <a:t>与动态内存管理</a:t>
-            </a:r>
-            <a:endParaRPr lang="zh-CN" altLang="en-US" dirty="0"/>
+              <a:rPr lang="en-US" altLang="zh-CN" dirty="0" smtClean="0"/>
+              <a:t>5.3 </a:t>
+            </a:r>
+            <a:r>
+              <a:rPr lang="zh-CN" altLang="en-US" dirty="0"/>
+              <a:t>继承</a:t>
+            </a:r>
           </a:p>
         </p:txBody>
       </p:sp>
@@ -15724,80 +15943,88 @@
           <a:lstStyle/>
           <a:p>
             <a:r>
-              <a:rPr lang="zh-CN" altLang="en-US" dirty="0" smtClean="0"/>
-              <a:t>指针基础：指针的定义、解引用、指针运算。</a:t>
-            </a:r>
-          </a:p>
-          <a:p>
-            <a:r>
-              <a:rPr lang="zh-CN" altLang="en-US" dirty="0" smtClean="0"/>
-              <a:t>指针与数组：数组名作为指针，指针与数组的关系。</a:t>
-            </a:r>
-          </a:p>
-          <a:p>
-            <a:r>
-              <a:rPr lang="zh-CN" altLang="en-US" dirty="0" smtClean="0"/>
-              <a:t>动态内存管理：</a:t>
-            </a:r>
-            <a:r>
-              <a:rPr lang="en-US" altLang="zh-CN" dirty="0" smtClean="0"/>
-              <a:t>new</a:t>
-            </a:r>
-            <a:r>
-              <a:rPr lang="zh-CN" altLang="en-US" dirty="0" smtClean="0"/>
-              <a:t>、</a:t>
-            </a:r>
-            <a:r>
-              <a:rPr lang="en-US" altLang="zh-CN" dirty="0" smtClean="0"/>
-              <a:t>delete</a:t>
-            </a:r>
-            <a:r>
-              <a:rPr lang="zh-CN" altLang="en-US" dirty="0" smtClean="0"/>
-              <a:t>、</a:t>
-            </a:r>
-            <a:r>
-              <a:rPr lang="en-US" altLang="zh-CN" dirty="0" smtClean="0"/>
-              <a:t>new[]</a:t>
-            </a:r>
-            <a:r>
-              <a:rPr lang="zh-CN" altLang="en-US" dirty="0" smtClean="0"/>
-              <a:t>、</a:t>
-            </a:r>
-            <a:r>
-              <a:rPr lang="en-US" altLang="zh-CN" dirty="0" smtClean="0"/>
-              <a:t>delete[]</a:t>
+              <a:rPr lang="zh-CN" altLang="en-US" dirty="0"/>
+              <a:t>通过继承，我们可以创建一个新的类（派生类），它可以继承已有类（基类）的成员变量和成员函数</a:t>
             </a:r>
             <a:r>
               <a:rPr lang="zh-CN" altLang="en-US" dirty="0" smtClean="0"/>
               <a:t>。</a:t>
             </a:r>
-          </a:p>
-          <a:p>
+            <a:endParaRPr lang="en-US" altLang="zh-CN" dirty="0" smtClean="0"/>
+          </a:p>
+          <a:p>
+            <a:r>
+              <a:rPr lang="zh-CN" altLang="en-US" dirty="0"/>
+              <a:t>继承的</a:t>
+            </a:r>
             <a:r>
               <a:rPr lang="zh-CN" altLang="en-US" dirty="0" smtClean="0"/>
-              <a:t>内存泄漏与指针悬挂：避免内存泄漏，指针的安全使用。</a:t>
+              <a:t>概念</a:t>
+            </a:r>
+            <a:endParaRPr lang="en-US" altLang="zh-CN" dirty="0" smtClean="0"/>
+          </a:p>
+          <a:p>
+            <a:pPr marL="457200" lvl="1" indent="0">
+              <a:buNone/>
+            </a:pPr>
+            <a:r>
+              <a:rPr lang="zh-CN" altLang="en-US" dirty="0"/>
+              <a:t>基类和派生类的关系：</a:t>
+            </a:r>
+            <a:r>
+              <a:rPr lang="en-US" altLang="zh-CN" dirty="0"/>
+              <a:t>	</a:t>
             </a:r>
             <a:endParaRPr lang="zh-CN" altLang="en-US" dirty="0"/>
+          </a:p>
+          <a:p>
+            <a:pPr lvl="1"/>
+            <a:r>
+              <a:rPr lang="zh-CN" altLang="en-US" dirty="0"/>
+              <a:t>基类是被继承的类。</a:t>
+            </a:r>
+          </a:p>
+          <a:p>
+            <a:pPr lvl="1"/>
+            <a:r>
+              <a:rPr lang="zh-CN" altLang="en-US" dirty="0"/>
+              <a:t>派生类是从基类派生出来的类，可以继承基类的属性和行为。</a:t>
+            </a:r>
+          </a:p>
+          <a:p>
+            <a:r>
+              <a:rPr lang="zh-CN" altLang="en-US" dirty="0" smtClean="0"/>
+              <a:t>基</a:t>
+            </a:r>
+            <a:r>
+              <a:rPr lang="zh-CN" altLang="en-US" dirty="0"/>
+              <a:t>类与派生</a:t>
+            </a:r>
+            <a:r>
+              <a:rPr lang="zh-CN" altLang="en-US" dirty="0" smtClean="0"/>
+              <a:t>类</a:t>
+            </a:r>
+            <a:endParaRPr lang="en-US" altLang="zh-CN" dirty="0" smtClean="0"/>
+          </a:p>
+          <a:p>
+            <a:r>
+              <a:rPr lang="zh-CN" altLang="en-US" dirty="0"/>
+              <a:t>多重继承</a:t>
+            </a:r>
+            <a:endParaRPr lang="en-US" altLang="zh-CN" dirty="0" smtClean="0"/>
           </a:p>
         </p:txBody>
       </p:sp>
     </p:spTree>
     <p:extLst>
       <p:ext uri="{BB962C8B-B14F-4D97-AF65-F5344CB8AC3E}">
-        <p14:creationId xmlns:p14="http://schemas.microsoft.com/office/powerpoint/2010/main" val="3183063327"/>
+        <p14:creationId xmlns:p14="http://schemas.microsoft.com/office/powerpoint/2010/main" val="3152470496"/>
       </p:ext>
     </p:extLst>
   </p:cSld>
   <p:clrMapOvr>
     <a:masterClrMapping/>
   </p:clrMapOvr>
-  <p:timing>
-    <p:tnLst>
-      <p:par>
-        <p:cTn id="1" dur="indefinite" restart="never" nodeType="tmRoot"/>
-      </p:par>
-    </p:tnLst>
-  </p:timing>
 </p:sld>
 </file>
 
@@ -15834,41 +16061,13 @@
           <a:lstStyle/>
           <a:p>
             <a:r>
-              <a:rPr lang="zh-CN" altLang="en-US" b="1" dirty="0" smtClean="0">
-                <a:latin typeface="华文楷体" pitchFamily="2" charset="-122"/>
-                <a:ea typeface="华文楷体" pitchFamily="2" charset="-122"/>
-              </a:rPr>
-              <a:t>第</a:t>
-            </a:r>
-            <a:r>
-              <a:rPr lang="en-US" altLang="zh-CN" b="1" dirty="0" smtClean="0">
-                <a:latin typeface="华文楷体" pitchFamily="2" charset="-122"/>
-                <a:ea typeface="华文楷体" pitchFamily="2" charset="-122"/>
-              </a:rPr>
-              <a:t>7</a:t>
-            </a:r>
-            <a:r>
-              <a:rPr lang="zh-CN" altLang="en-US" b="1" dirty="0" smtClean="0">
-                <a:latin typeface="华文楷体" pitchFamily="2" charset="-122"/>
-                <a:ea typeface="华文楷体" pitchFamily="2" charset="-122"/>
-              </a:rPr>
-              <a:t>章  </a:t>
-            </a:r>
-            <a:r>
-              <a:rPr lang="en-US" altLang="zh-CN" b="1" dirty="0">
-                <a:latin typeface="华文楷体" pitchFamily="2" charset="-122"/>
-                <a:ea typeface="华文楷体" pitchFamily="2" charset="-122"/>
-              </a:rPr>
-              <a:t>STL</a:t>
-            </a:r>
-            <a:r>
-              <a:rPr lang="zh-CN" altLang="en-US" b="1" dirty="0">
-                <a:latin typeface="华文楷体" pitchFamily="2" charset="-122"/>
-                <a:ea typeface="华文楷体" pitchFamily="2" charset="-122"/>
-              </a:rPr>
-              <a:t>（标准模板库）</a:t>
-            </a:r>
-            <a:endParaRPr lang="zh-CN" altLang="en-US" dirty="0"/>
+              <a:rPr lang="en-US" altLang="zh-CN" dirty="0" smtClean="0"/>
+              <a:t>5.4 </a:t>
+            </a:r>
+            <a:r>
+              <a:rPr lang="zh-CN" altLang="en-US" dirty="0"/>
+              <a:t>多态</a:t>
+            </a:r>
           </a:p>
         </p:txBody>
       </p:sp>
@@ -15888,108 +16087,123 @@
           <a:lstStyle/>
           <a:p>
             <a:r>
-              <a:rPr lang="en-US" altLang="zh-CN" dirty="0"/>
-              <a:t>STL</a:t>
-            </a:r>
-            <a:r>
-              <a:rPr lang="zh-CN" altLang="en-US" dirty="0"/>
-              <a:t>概述：</a:t>
-            </a:r>
-            <a:r>
-              <a:rPr lang="en-US" altLang="zh-CN" dirty="0"/>
-              <a:t>STL</a:t>
-            </a:r>
-            <a:r>
-              <a:rPr lang="zh-CN" altLang="en-US" dirty="0"/>
-              <a:t>的组成部分（容器、算法、迭代器）。</a:t>
-            </a:r>
-          </a:p>
-          <a:p>
-            <a:r>
-              <a:rPr lang="zh-CN" altLang="en-US" dirty="0"/>
-              <a:t>容器：</a:t>
-            </a:r>
-            <a:r>
-              <a:rPr lang="en-US" altLang="zh-CN" dirty="0"/>
-              <a:t>vector</a:t>
-            </a:r>
-            <a:r>
-              <a:rPr lang="zh-CN" altLang="en-US" dirty="0"/>
-              <a:t>、</a:t>
-            </a:r>
-            <a:r>
-              <a:rPr lang="en-US" altLang="zh-CN" dirty="0"/>
-              <a:t>list</a:t>
-            </a:r>
-            <a:r>
-              <a:rPr lang="zh-CN" altLang="en-US" dirty="0"/>
-              <a:t>、</a:t>
-            </a:r>
-            <a:r>
-              <a:rPr lang="en-US" altLang="zh-CN" dirty="0"/>
-              <a:t>map</a:t>
-            </a:r>
-            <a:r>
-              <a:rPr lang="zh-CN" altLang="en-US" dirty="0"/>
-              <a:t>、</a:t>
-            </a:r>
-            <a:r>
-              <a:rPr lang="en-US" altLang="zh-CN" dirty="0"/>
-              <a:t>set</a:t>
-            </a:r>
-            <a:r>
-              <a:rPr lang="zh-CN" altLang="en-US" dirty="0"/>
-              <a:t>、</a:t>
-            </a:r>
-            <a:r>
-              <a:rPr lang="en-US" altLang="zh-CN" dirty="0" err="1"/>
-              <a:t>deque</a:t>
-            </a:r>
-            <a:r>
-              <a:rPr lang="zh-CN" altLang="en-US" dirty="0"/>
-              <a:t>等。</a:t>
-            </a:r>
-          </a:p>
-          <a:p>
-            <a:r>
-              <a:rPr lang="zh-CN" altLang="en-US" dirty="0"/>
-              <a:t>算法：排序、查找、删除、替换等常用算法。</a:t>
-            </a:r>
-          </a:p>
-          <a:p>
-            <a:r>
-              <a:rPr lang="zh-CN" altLang="en-US" dirty="0"/>
-              <a:t>迭代器：容器的迭代器使用方法。</a:t>
-            </a:r>
-          </a:p>
-          <a:p>
-            <a:r>
-              <a:rPr lang="zh-CN" altLang="en-US" dirty="0"/>
-              <a:t>智能指针：</a:t>
-            </a:r>
-            <a:r>
-              <a:rPr lang="en-US" altLang="zh-CN" dirty="0" err="1"/>
-              <a:t>shared_ptr</a:t>
-            </a:r>
-            <a:r>
-              <a:rPr lang="zh-CN" altLang="en-US" dirty="0"/>
-              <a:t>、</a:t>
-            </a:r>
-            <a:r>
-              <a:rPr lang="en-US" altLang="zh-CN" dirty="0" err="1"/>
-              <a:t>unique_ptr</a:t>
-            </a:r>
-            <a:r>
-              <a:rPr lang="zh-CN" altLang="en-US" dirty="0"/>
-              <a:t>、</a:t>
-            </a:r>
-            <a:r>
-              <a:rPr lang="en-US" altLang="zh-CN" dirty="0" err="1"/>
-              <a:t>weak_ptr</a:t>
-            </a:r>
-            <a:r>
-              <a:rPr lang="zh-CN" altLang="en-US" dirty="0"/>
+              <a:rPr lang="zh-CN" altLang="en-US" dirty="0"/>
+              <a:t>多态是指通过相同的接口调用不同的函数，实现不同的行为。多态有两种类型：编译时多态</a:t>
+            </a:r>
+            <a:r>
+              <a:rPr lang="zh-CN" altLang="en-US" dirty="0" smtClean="0"/>
+              <a:t>和运行</a:t>
+            </a:r>
+            <a:r>
+              <a:rPr lang="zh-CN" altLang="en-US" dirty="0"/>
+              <a:t>时多态</a:t>
+            </a:r>
+            <a:r>
+              <a:rPr lang="zh-CN" altLang="en-US" dirty="0" smtClean="0"/>
               <a:t>。</a:t>
+            </a:r>
+            <a:endParaRPr lang="en-US" altLang="zh-CN" dirty="0" smtClean="0"/>
+          </a:p>
+          <a:p>
+            <a:r>
+              <a:rPr lang="zh-CN" altLang="en-US" dirty="0"/>
+              <a:t>虚</a:t>
+            </a:r>
+            <a:r>
+              <a:rPr lang="zh-CN" altLang="en-US" dirty="0" smtClean="0"/>
+              <a:t>函数</a:t>
+            </a:r>
+            <a:endParaRPr lang="en-US" altLang="zh-CN" dirty="0" smtClean="0"/>
+          </a:p>
+          <a:p>
+            <a:pPr marL="0" indent="0">
+              <a:buNone/>
+            </a:pPr>
+            <a:r>
+              <a:rPr lang="en-US" altLang="zh-CN" dirty="0"/>
+              <a:t>	</a:t>
+            </a:r>
+            <a:r>
+              <a:rPr lang="zh-CN" altLang="en-US" dirty="0"/>
+              <a:t>虚函数允许我们在基类中声明函数，在派生类中重写该函数，以便实现动态绑定。</a:t>
+            </a:r>
+            <a:endParaRPr lang="en-US" altLang="zh-CN" dirty="0"/>
+          </a:p>
+          <a:p>
+            <a:r>
+              <a:rPr lang="zh-CN" altLang="en-US" dirty="0" smtClean="0"/>
+              <a:t>纯</a:t>
+            </a:r>
+            <a:r>
+              <a:rPr lang="zh-CN" altLang="en-US" dirty="0"/>
+              <a:t>虚</a:t>
+            </a:r>
+            <a:r>
+              <a:rPr lang="zh-CN" altLang="en-US" dirty="0" smtClean="0"/>
+              <a:t>函数</a:t>
+            </a:r>
+            <a:endParaRPr lang="en-US" altLang="zh-CN" dirty="0" smtClean="0"/>
+          </a:p>
+          <a:p>
+            <a:pPr marL="0" indent="0">
+              <a:buNone/>
+            </a:pPr>
+            <a:r>
+              <a:rPr lang="en-US" altLang="zh-CN" dirty="0"/>
+              <a:t>	</a:t>
+            </a:r>
+            <a:r>
+              <a:rPr lang="zh-CN" altLang="en-US" dirty="0"/>
+              <a:t>纯虚函数是没有函数体的虚函数，必须在派生类中实现它。含有纯虚函数的类被称</a:t>
+            </a:r>
+            <a:r>
+              <a:rPr lang="en-US" altLang="zh-CN" dirty="0"/>
+              <a:t>	</a:t>
+            </a:r>
+            <a:r>
+              <a:rPr lang="zh-CN" altLang="en-US" dirty="0"/>
+              <a:t>为抽象类，不能直接实例化。</a:t>
+            </a:r>
+            <a:endParaRPr lang="en-US" altLang="zh-CN" dirty="0"/>
+          </a:p>
+          <a:p>
+            <a:r>
+              <a:rPr lang="zh-CN" altLang="en-US" dirty="0" smtClean="0"/>
+              <a:t>运行</a:t>
+            </a:r>
+            <a:r>
+              <a:rPr lang="zh-CN" altLang="en-US" dirty="0"/>
+              <a:t>时多态</a:t>
+            </a:r>
+            <a:endParaRPr lang="en-US" altLang="zh-CN" dirty="0" smtClean="0"/>
+          </a:p>
+          <a:p>
+            <a:pPr marL="0" indent="0">
+              <a:buNone/>
+            </a:pPr>
+            <a:r>
+              <a:rPr lang="zh-CN" altLang="en-US" dirty="0" smtClean="0"/>
+              <a:t>       运行</a:t>
+            </a:r>
+            <a:r>
+              <a:rPr lang="zh-CN" altLang="en-US" dirty="0"/>
+              <a:t>时多态是通过虚函数和指向基类的指针或引用来实现的。根据对象的实际类型</a:t>
+            </a:r>
+            <a:r>
+              <a:rPr lang="zh-CN" altLang="en-US" dirty="0" smtClean="0"/>
+              <a:t>，  </a:t>
+            </a:r>
+            <a:r>
+              <a:rPr lang="en-US" altLang="zh-CN" dirty="0" smtClean="0"/>
+              <a:t>	</a:t>
+            </a:r>
+            <a:r>
+              <a:rPr lang="zh-CN" altLang="en-US" dirty="0" smtClean="0"/>
+              <a:t>调用</a:t>
+            </a:r>
+            <a:r>
+              <a:rPr lang="zh-CN" altLang="en-US" dirty="0"/>
+              <a:t>相应的重写函数。</a:t>
             </a:r>
           </a:p>
         </p:txBody>
@@ -15997,20 +16211,13 @@
     </p:spTree>
     <p:extLst>
       <p:ext uri="{BB962C8B-B14F-4D97-AF65-F5344CB8AC3E}">
-        <p14:creationId xmlns:p14="http://schemas.microsoft.com/office/powerpoint/2010/main" val="201415056"/>
+        <p14:creationId xmlns:p14="http://schemas.microsoft.com/office/powerpoint/2010/main" val="1103990109"/>
       </p:ext>
     </p:extLst>
   </p:cSld>
   <p:clrMapOvr>
     <a:masterClrMapping/>
   </p:clrMapOvr>
-  <p:timing>
-    <p:tnLst>
-      <p:par>
-        <p:cTn id="1" dur="indefinite" restart="never" nodeType="tmRoot"/>
-      </p:par>
-    </p:tnLst>
-  </p:timing>
 </p:sld>
 </file>
 
@@ -16047,34 +16254,13 @@
           <a:lstStyle/>
           <a:p>
             <a:r>
-              <a:rPr lang="zh-CN" altLang="en-US" b="1" dirty="0" smtClean="0">
-                <a:latin typeface="华文楷体" pitchFamily="2" charset="-122"/>
-                <a:ea typeface="华文楷体" pitchFamily="2" charset="-122"/>
-              </a:rPr>
-              <a:t>第</a:t>
-            </a:r>
-            <a:r>
-              <a:rPr lang="en-US" altLang="zh-CN" b="1" dirty="0" smtClean="0">
-                <a:latin typeface="华文楷体" pitchFamily="2" charset="-122"/>
-                <a:ea typeface="华文楷体" pitchFamily="2" charset="-122"/>
-              </a:rPr>
-              <a:t>8</a:t>
-            </a:r>
-            <a:r>
-              <a:rPr lang="zh-CN" altLang="en-US" b="1" dirty="0" smtClean="0">
-                <a:latin typeface="华文楷体" pitchFamily="2" charset="-122"/>
-                <a:ea typeface="华文楷体" pitchFamily="2" charset="-122"/>
-              </a:rPr>
-              <a:t>章</a:t>
-            </a:r>
-            <a:r>
-              <a:rPr lang="zh-CN" altLang="en-US" b="1" dirty="0">
-                <a:latin typeface="华文楷体" pitchFamily="2" charset="-122"/>
-                <a:ea typeface="华文楷体" pitchFamily="2" charset="-122"/>
-              </a:rPr>
-              <a:t>异常处理</a:t>
-            </a:r>
-            <a:endParaRPr lang="zh-CN" altLang="en-US" dirty="0"/>
+              <a:rPr lang="en-US" altLang="zh-CN" dirty="0" smtClean="0"/>
+              <a:t>5.5 </a:t>
+            </a:r>
+            <a:r>
+              <a:rPr lang="zh-CN" altLang="en-US" dirty="0"/>
+              <a:t>总结</a:t>
+            </a:r>
           </a:p>
         </p:txBody>
       </p:sp>
@@ -16095,29 +16281,49 @@
           <a:p>
             <a:r>
               <a:rPr lang="zh-CN" altLang="en-US" dirty="0"/>
-              <a:t>异常概念：异常的定义、捕获、抛出。</a:t>
-            </a:r>
-          </a:p>
-          <a:p>
-            <a:r>
-              <a:rPr lang="en-US" altLang="zh-CN" dirty="0"/>
-              <a:t>try-catch</a:t>
-            </a:r>
-            <a:r>
-              <a:rPr lang="zh-CN" altLang="en-US" dirty="0"/>
-              <a:t>语句：基本语法、捕获多种异常。</a:t>
-            </a:r>
-          </a:p>
-          <a:p>
-            <a:r>
-              <a:rPr lang="zh-CN" altLang="en-US" dirty="0"/>
-              <a:t>自定义异常类：如何创建自定义异常类型。</a:t>
-            </a:r>
-          </a:p>
-          <a:p>
-            <a:r>
-              <a:rPr lang="zh-CN" altLang="en-US" dirty="0"/>
-              <a:t>异常安全：异常安全的编程原则（基本保证、强保证）。</a:t>
+              <a:t>类与对象：类是对象的蓝图，对象是类的实例。构造函数和析构函数分别用于初始化和清理对象。</a:t>
+            </a:r>
+          </a:p>
+          <a:p>
+            <a:r>
+              <a:rPr lang="zh-CN" altLang="en-US" dirty="0"/>
+              <a:t>封装：通过访问控制修饰符（</a:t>
+            </a:r>
+            <a:r>
+              <a:rPr lang="en-US" altLang="zh-CN" dirty="0"/>
+              <a:t>public</a:t>
+            </a:r>
+            <a:r>
+              <a:rPr lang="zh-CN" altLang="en-US" dirty="0"/>
+              <a:t>、</a:t>
+            </a:r>
+            <a:r>
+              <a:rPr lang="en-US" altLang="zh-CN" dirty="0"/>
+              <a:t>private</a:t>
+            </a:r>
+            <a:r>
+              <a:rPr lang="zh-CN" altLang="en-US" dirty="0"/>
+              <a:t>、</a:t>
+            </a:r>
+            <a:r>
+              <a:rPr lang="en-US" altLang="zh-CN" dirty="0"/>
+              <a:t>protected</a:t>
+            </a:r>
+            <a:r>
+              <a:rPr lang="zh-CN" altLang="en-US" dirty="0"/>
+              <a:t>）控制成员的访问权限，保护对象的状态。</a:t>
+            </a:r>
+          </a:p>
+          <a:p>
+            <a:r>
+              <a:rPr lang="zh-CN" altLang="en-US" dirty="0"/>
+              <a:t>继承：通过继承实现代码的复用，派生类可以继承基类的属性和方法。</a:t>
+            </a:r>
+          </a:p>
+          <a:p>
+            <a:r>
+              <a:rPr lang="zh-CN" altLang="en-US" dirty="0"/>
+              <a:t>多态：通过虚函数和纯虚函数实现多态，允许在运行时根据对象的实际类型调用不同的方法</a:t>
             </a:r>
           </a:p>
         </p:txBody>
@@ -16125,20 +16331,13 @@
     </p:spTree>
     <p:extLst>
       <p:ext uri="{BB962C8B-B14F-4D97-AF65-F5344CB8AC3E}">
-        <p14:creationId xmlns:p14="http://schemas.microsoft.com/office/powerpoint/2010/main" val="2102593440"/>
+        <p14:creationId xmlns:p14="http://schemas.microsoft.com/office/powerpoint/2010/main" val="1686844325"/>
       </p:ext>
     </p:extLst>
   </p:cSld>
   <p:clrMapOvr>
     <a:masterClrMapping/>
   </p:clrMapOvr>
-  <p:timing>
-    <p:tnLst>
-      <p:par>
-        <p:cTn id="1" dur="indefinite" restart="never" nodeType="tmRoot"/>
-      </p:par>
-    </p:tnLst>
-  </p:timing>
 </p:sld>
 </file>
 
@@ -16186,21 +16385,21 @@
                 <a:latin typeface="华文楷体" pitchFamily="2" charset="-122"/>
                 <a:ea typeface="华文楷体" pitchFamily="2" charset="-122"/>
               </a:rPr>
-              <a:t>9</a:t>
+              <a:t>6</a:t>
             </a:r>
             <a:r>
               <a:rPr lang="zh-CN" altLang="en-US" b="1" dirty="0" smtClean="0">
                 <a:latin typeface="华文楷体" pitchFamily="2" charset="-122"/>
                 <a:ea typeface="华文楷体" pitchFamily="2" charset="-122"/>
               </a:rPr>
-              <a:t>章</a:t>
+              <a:t>章 指针</a:t>
             </a:r>
             <a:r>
               <a:rPr lang="zh-CN" altLang="en-US" b="1" dirty="0">
                 <a:latin typeface="华文楷体" pitchFamily="2" charset="-122"/>
                 <a:ea typeface="华文楷体" pitchFamily="2" charset="-122"/>
               </a:rPr>
-              <a:t>文件操作</a:t>
+              <a:t>与动态内存管理</a:t>
             </a:r>
             <a:endParaRPr lang="zh-CN" altLang="en-US" dirty="0"/>
           </a:p>
@@ -16222,68 +16421,67 @@
           <a:lstStyle/>
           <a:p>
             <a:r>
-              <a:rPr lang="zh-CN" altLang="en-US" dirty="0"/>
-              <a:t>文件输入输出：使用</a:t>
-            </a:r>
-            <a:r>
-              <a:rPr lang="en-US" altLang="zh-CN" dirty="0" err="1"/>
-              <a:t>fstream</a:t>
-            </a:r>
-            <a:r>
-              <a:rPr lang="zh-CN" altLang="en-US" dirty="0"/>
-              <a:t>进行文件读写。</a:t>
-            </a:r>
-          </a:p>
-          <a:p>
-            <a:r>
-              <a:rPr lang="zh-CN" altLang="en-US" dirty="0"/>
-              <a:t>文本文件与二进制文件：处理文本文件和二进制文件的不同方式。</a:t>
-            </a:r>
-          </a:p>
-          <a:p>
-            <a:r>
-              <a:rPr lang="zh-CN" altLang="en-US" dirty="0"/>
-              <a:t>文件指针与流控制：</a:t>
-            </a:r>
-            <a:r>
-              <a:rPr lang="en-US" altLang="zh-CN" dirty="0" err="1"/>
-              <a:t>seekg</a:t>
-            </a:r>
-            <a:r>
-              <a:rPr lang="zh-CN" altLang="en-US" dirty="0"/>
+              <a:rPr lang="zh-CN" altLang="en-US" dirty="0" smtClean="0"/>
+              <a:t>指针基础：指针的定义、解引用、指针运算。</a:t>
+            </a:r>
+          </a:p>
+          <a:p>
+            <a:r>
+              <a:rPr lang="zh-CN" altLang="en-US" dirty="0" smtClean="0"/>
+              <a:t>指针与数组：数组名作为指针，指针与数组的关系。</a:t>
+            </a:r>
+          </a:p>
+          <a:p>
+            <a:r>
+              <a:rPr lang="zh-CN" altLang="en-US" dirty="0" smtClean="0"/>
+              <a:t>动态内存管理：</a:t>
+            </a:r>
+            <a:r>
+              <a:rPr lang="en-US" altLang="zh-CN" dirty="0" smtClean="0"/>
+              <a:t>new</a:t>
+            </a:r>
+            <a:r>
+              <a:rPr lang="zh-CN" altLang="en-US" dirty="0" smtClean="0"/>
               <a:t>、</a:t>
             </a:r>
             <a:r>
-              <a:rPr lang="en-US" altLang="zh-CN" dirty="0" err="1"/>
-              <a:t>seekp</a:t>
-            </a:r>
-            <a:r>
-              <a:rPr lang="zh-CN" altLang="en-US" dirty="0"/>
+              <a:rPr lang="en-US" altLang="zh-CN" dirty="0" smtClean="0"/>
+              <a:t>delete</a:t>
+            </a:r>
+            <a:r>
+              <a:rPr lang="zh-CN" altLang="en-US" dirty="0" smtClean="0"/>
               <a:t>、</a:t>
             </a:r>
             <a:r>
-              <a:rPr lang="en-US" altLang="zh-CN" dirty="0" err="1"/>
-              <a:t>tellg</a:t>
-            </a:r>
-            <a:r>
-              <a:rPr lang="zh-CN" altLang="en-US" dirty="0"/>
+              <a:rPr lang="en-US" altLang="zh-CN" dirty="0" smtClean="0"/>
+              <a:t>new[]</a:t>
+            </a:r>
+            <a:r>
+              <a:rPr lang="zh-CN" altLang="en-US" dirty="0" smtClean="0"/>
               <a:t>、</a:t>
             </a:r>
             <a:r>
-              <a:rPr lang="en-US" altLang="zh-CN" dirty="0" err="1"/>
-              <a:t>tellp</a:t>
-            </a:r>
-            <a:r>
-              <a:rPr lang="zh-CN" altLang="en-US" dirty="0"/>
+              <a:rPr lang="en-US" altLang="zh-CN" dirty="0" smtClean="0"/>
+              <a:t>delete[]</a:t>
+            </a:r>
+            <a:r>
+              <a:rPr lang="zh-CN" altLang="en-US" dirty="0" smtClean="0"/>
               <a:t>。</a:t>
             </a:r>
+          </a:p>
+          <a:p>
+            <a:r>
+              <a:rPr lang="zh-CN" altLang="en-US" dirty="0" smtClean="0"/>
+              <a:t>内存泄漏与指针悬挂：避免内存泄漏，指针的安全使用。</a:t>
+            </a:r>
+            <a:endParaRPr lang="zh-CN" altLang="en-US" dirty="0"/>
           </a:p>
         </p:txBody>
       </p:sp>
     </p:spTree>
     <p:extLst>
       <p:ext uri="{BB962C8B-B14F-4D97-AF65-F5344CB8AC3E}">
-        <p14:creationId xmlns:p14="http://schemas.microsoft.com/office/powerpoint/2010/main" val="2309702231"/>
+        <p14:creationId xmlns:p14="http://schemas.microsoft.com/office/powerpoint/2010/main" val="3183063327"/>
       </p:ext>
     </p:extLst>
   </p:cSld>
@@ -16344,7 +16542,7 @@
                 <a:latin typeface="华文楷体" pitchFamily="2" charset="-122"/>
                 <a:ea typeface="华文楷体" pitchFamily="2" charset="-122"/>
               </a:rPr>
-              <a:t>10</a:t>
+              <a:t>7</a:t>
             </a:r>
             <a:r>
               <a:rPr lang="zh-CN" altLang="en-US" b="1" dirty="0" smtClean="0">
@@ -16358,14 +16556,14 @@
                 <a:latin typeface="华文楷体" pitchFamily="2" charset="-122"/>
                 <a:ea typeface="华文楷体" pitchFamily="2" charset="-122"/>
               </a:rPr>
-              <a:t>C++11</a:t>
+              <a:t>STL</a:t>
             </a:r>
             <a:r>
               <a:rPr lang="zh-CN" altLang="en-US" b="1" dirty="0">
                 <a:latin typeface="华文楷体" pitchFamily="2" charset="-122"/>
                 <a:ea typeface="华文楷体" pitchFamily="2" charset="-122"/>
               </a:rPr>
-              <a:t>及以后特性</a:t>
+              <a:t>（标准模板库）</a:t>
             </a:r>
             <a:endParaRPr lang="zh-CN" altLang="en-US" dirty="0"/>
           </a:p>
@@ -16388,25 +16586,83 @@
           <a:p>
             <a:r>
               <a:rPr lang="en-US" altLang="zh-CN" dirty="0"/>
-              <a:t>Lambda</a:t>
-            </a:r>
-            <a:r>
-              <a:rPr lang="zh-CN" altLang="en-US" dirty="0"/>
-              <a:t>表达式：如何使用</a:t>
-            </a:r>
-            <a:r>
-              <a:rPr lang="en-US" altLang="zh-CN" dirty="0"/>
-              <a:t>Lambda</a:t>
-            </a:r>
-            <a:r>
-              <a:rPr lang="zh-CN" altLang="en-US" dirty="0"/>
-              <a:t>简化代码。</a:t>
-            </a:r>
-          </a:p>
-          <a:p>
-            <a:r>
-              <a:rPr lang="zh-CN" altLang="en-US" dirty="0"/>
-              <a:t>智能指针：如何使用</a:t>
+              <a:t>STL</a:t>
+            </a:r>
+            <a:r>
+              <a:rPr lang="zh-CN" altLang="en-US" dirty="0"/>
+              <a:t>概述：</a:t>
+            </a:r>
+            <a:r>
+              <a:rPr lang="en-US" altLang="zh-CN" dirty="0"/>
+              <a:t>STL</a:t>
+            </a:r>
+            <a:r>
+              <a:rPr lang="zh-CN" altLang="en-US" dirty="0"/>
+              <a:t>的组成部分（容器、算法、迭代器）。</a:t>
+            </a:r>
+          </a:p>
+          <a:p>
+            <a:r>
+              <a:rPr lang="zh-CN" altLang="en-US" dirty="0"/>
+              <a:t>容器：</a:t>
+            </a:r>
+            <a:r>
+              <a:rPr lang="en-US" altLang="zh-CN" dirty="0"/>
+              <a:t>vector</a:t>
+            </a:r>
+            <a:r>
+              <a:rPr lang="zh-CN" altLang="en-US" dirty="0"/>
+              <a:t>、</a:t>
+            </a:r>
+            <a:r>
+              <a:rPr lang="en-US" altLang="zh-CN" dirty="0"/>
+              <a:t>list</a:t>
+            </a:r>
+            <a:r>
+              <a:rPr lang="zh-CN" altLang="en-US" dirty="0"/>
+              <a:t>、</a:t>
+            </a:r>
+            <a:r>
+              <a:rPr lang="en-US" altLang="zh-CN" dirty="0"/>
+              <a:t>map</a:t>
+            </a:r>
+            <a:r>
+              <a:rPr lang="zh-CN" altLang="en-US" dirty="0"/>
+              <a:t>、</a:t>
+            </a:r>
+            <a:r>
+              <a:rPr lang="en-US" altLang="zh-CN" dirty="0"/>
+              <a:t>set</a:t>
+            </a:r>
+            <a:r>
+              <a:rPr lang="zh-CN" altLang="en-US" dirty="0"/>
+              <a:t>、</a:t>
+            </a:r>
+            <a:r>
+              <a:rPr lang="en-US" altLang="zh-CN" dirty="0" err="1"/>
+              <a:t>deque</a:t>
+            </a:r>
+            <a:r>
+              <a:rPr lang="zh-CN" altLang="en-US" dirty="0"/>
+              <a:t>等。</a:t>
+            </a:r>
+          </a:p>
+          <a:p>
+            <a:r>
+              <a:rPr lang="zh-CN" altLang="en-US" dirty="0"/>
+              <a:t>算法：排序、查找、删除、替换等常用算法。</a:t>
+            </a:r>
+          </a:p>
+          <a:p>
+            <a:r>
+              <a:rPr lang="zh-CN" altLang="en-US" dirty="0"/>
+              <a:t>迭代器：容器的迭代器使用方法。</a:t>
+            </a:r>
+          </a:p>
+          <a:p>
+            <a:r>
+              <a:rPr lang="zh-CN" altLang="en-US" dirty="0"/>
+              <a:t>智能指针：</a:t>
             </a:r>
             <a:r>
               <a:rPr lang="en-US" altLang="zh-CN" dirty="0" err="1"/>
@@ -16422,105 +16678,15 @@
             </a:r>
             <a:r>
               <a:rPr lang="zh-CN" altLang="en-US" dirty="0"/>
-              <a:t>等智能指针管理内存。</a:t>
-            </a:r>
-          </a:p>
-          <a:p>
-            <a:r>
-              <a:rPr lang="zh-CN" altLang="en-US" dirty="0"/>
-              <a:t>线程与并发：</a:t>
+              <a:t>、</a:t>
             </a:r>
             <a:r>
               <a:rPr lang="en-US" altLang="zh-CN" dirty="0" err="1"/>
-              <a:t>std</a:t>
-            </a:r>
-            <a:r>
-              <a:rPr lang="en-US" altLang="zh-CN" dirty="0"/>
-              <a:t>::thread</a:t>
-            </a:r>
-            <a:r>
-              <a:rPr lang="zh-CN" altLang="en-US" dirty="0"/>
-              <a:t>、</a:t>
-            </a:r>
-            <a:r>
-              <a:rPr lang="en-US" altLang="zh-CN" dirty="0" err="1"/>
-              <a:t>std</a:t>
-            </a:r>
-            <a:r>
-              <a:rPr lang="en-US" altLang="zh-CN" dirty="0"/>
-              <a:t>::</a:t>
-            </a:r>
-            <a:r>
-              <a:rPr lang="en-US" altLang="zh-CN" dirty="0" err="1"/>
-              <a:t>mutex</a:t>
-            </a:r>
-            <a:r>
-              <a:rPr lang="zh-CN" altLang="en-US" dirty="0"/>
-              <a:t>、</a:t>
-            </a:r>
-            <a:r>
-              <a:rPr lang="en-US" altLang="zh-CN" dirty="0" err="1"/>
-              <a:t>std</a:t>
-            </a:r>
-            <a:r>
-              <a:rPr lang="en-US" altLang="zh-CN" dirty="0"/>
-              <a:t>::</a:t>
-            </a:r>
-            <a:r>
-              <a:rPr lang="en-US" altLang="zh-CN" dirty="0" err="1"/>
-              <a:t>async</a:t>
-            </a:r>
-            <a:r>
-              <a:rPr lang="zh-CN" altLang="en-US" dirty="0"/>
-              <a:t>等并发编程工具。</a:t>
-            </a:r>
-          </a:p>
-          <a:p>
-            <a:r>
-              <a:rPr lang="zh-CN" altLang="en-US" dirty="0"/>
-              <a:t>右值引用与移动语义：</a:t>
-            </a:r>
-            <a:r>
-              <a:rPr lang="en-US" altLang="zh-CN" dirty="0" err="1"/>
-              <a:t>std</a:t>
-            </a:r>
-            <a:r>
-              <a:rPr lang="en-US" altLang="zh-CN" dirty="0"/>
-              <a:t>::move</a:t>
-            </a:r>
-            <a:r>
-              <a:rPr lang="zh-CN" altLang="en-US" dirty="0"/>
-              <a:t>、</a:t>
-            </a:r>
-            <a:r>
-              <a:rPr lang="en-US" altLang="zh-CN" dirty="0" err="1"/>
-              <a:t>std</a:t>
-            </a:r>
-            <a:r>
-              <a:rPr lang="en-US" altLang="zh-CN" dirty="0"/>
-              <a:t>::forward</a:t>
-            </a:r>
-            <a:r>
-              <a:rPr lang="zh-CN" altLang="en-US" dirty="0"/>
-              <a:t>、移动构造函数和移动赋值运算符。</a:t>
-            </a:r>
-          </a:p>
-          <a:p>
-            <a:r>
-              <a:rPr lang="en-US" altLang="zh-CN" dirty="0" err="1"/>
-              <a:t>std</a:t>
-            </a:r>
-            <a:r>
-              <a:rPr lang="en-US" altLang="zh-CN" dirty="0"/>
-              <a:t>::</a:t>
-            </a:r>
-            <a:r>
-              <a:rPr lang="en-US" altLang="zh-CN" dirty="0" err="1"/>
-              <a:t>chrono</a:t>
-            </a:r>
-            <a:r>
-              <a:rPr lang="zh-CN" altLang="en-US" dirty="0"/>
-              <a:t>库：时间测量和延时功能。</a:t>
+              <a:t>weak_ptr</a:t>
+            </a:r>
+            <a:r>
+              <a:rPr lang="zh-CN" altLang="en-US" dirty="0"/>
+              <a:t>。</a:t>
             </a:r>
           </a:p>
         </p:txBody>
@@ -16528,7 +16694,7 @@
     </p:spTree>
     <p:extLst>
       <p:ext uri="{BB962C8B-B14F-4D97-AF65-F5344CB8AC3E}">
-        <p14:creationId xmlns:p14="http://schemas.microsoft.com/office/powerpoint/2010/main" val="1295629135"/>
+        <p14:creationId xmlns:p14="http://schemas.microsoft.com/office/powerpoint/2010/main" val="201415056"/>
       </p:ext>
     </p:extLst>
   </p:cSld>
@@ -16726,39 +16892,32 @@
           <a:lstStyle/>
           <a:p>
             <a:r>
+              <a:rPr lang="zh-CN" altLang="en-US" b="1" dirty="0" smtClean="0">
+                <a:latin typeface="华文楷体" pitchFamily="2" charset="-122"/>
+                <a:ea typeface="华文楷体" pitchFamily="2" charset="-122"/>
+              </a:rPr>
+              <a:t>第</a:t>
+            </a:r>
+            <a:r>
+              <a:rPr lang="en-US" altLang="zh-CN" b="1" dirty="0" smtClean="0">
+                <a:latin typeface="华文楷体" pitchFamily="2" charset="-122"/>
+                <a:ea typeface="华文楷体" pitchFamily="2" charset="-122"/>
+              </a:rPr>
+              <a:t>8</a:t>
+            </a:r>
+            <a:r>
+              <a:rPr lang="zh-CN" altLang="en-US" b="1" dirty="0" smtClean="0">
+                <a:latin typeface="华文楷体" pitchFamily="2" charset="-122"/>
+                <a:ea typeface="华文楷体" pitchFamily="2" charset="-122"/>
+              </a:rPr>
+              <a:t>章</a:t>
+            </a:r>
+            <a:r>
               <a:rPr lang="zh-CN" altLang="en-US" b="1" dirty="0">
                 <a:latin typeface="华文楷体" pitchFamily="2" charset="-122"/>
                 <a:ea typeface="华文楷体" pitchFamily="2" charset="-122"/>
               </a:rPr>
-              <a:t>第</a:t>
-            </a:r>
-            <a:r>
-              <a:rPr lang="en-US" altLang="zh-CN" b="1" dirty="0" smtClean="0">
-                <a:latin typeface="华文楷体" pitchFamily="2" charset="-122"/>
-                <a:ea typeface="华文楷体" pitchFamily="2" charset="-122"/>
-              </a:rPr>
-              <a:t>11</a:t>
-            </a:r>
-            <a:r>
-              <a:rPr lang="zh-CN" altLang="en-US" b="1" dirty="0" smtClean="0">
-                <a:latin typeface="华文楷体" pitchFamily="2" charset="-122"/>
-                <a:ea typeface="华文楷体" pitchFamily="2" charset="-122"/>
-              </a:rPr>
-              <a:t>章  </a:t>
-            </a:r>
-            <a:r>
-              <a:rPr lang="en-US" altLang="zh-CN" b="1" dirty="0">
-                <a:latin typeface="华文楷体" pitchFamily="2" charset="-122"/>
-                <a:ea typeface="华文楷体" pitchFamily="2" charset="-122"/>
-              </a:rPr>
-              <a:t>C++</a:t>
-            </a:r>
-            <a:r>
-              <a:rPr lang="zh-CN" altLang="en-US" b="1" dirty="0">
-                <a:latin typeface="华文楷体" pitchFamily="2" charset="-122"/>
-                <a:ea typeface="华文楷体" pitchFamily="2" charset="-122"/>
-              </a:rPr>
-              <a:t>设计模式</a:t>
+              <a:t>异常处理</a:t>
             </a:r>
             <a:endParaRPr lang="zh-CN" altLang="en-US" dirty="0"/>
           </a:p>
@@ -16781,49 +16940,37 @@
           <a:p>
             <a:r>
               <a:rPr lang="zh-CN" altLang="en-US" dirty="0"/>
-              <a:t>单例模式：如何实现和应用单例模式。</a:t>
-            </a:r>
-          </a:p>
-          <a:p>
-            <a:r>
-              <a:rPr lang="zh-CN" altLang="en-US" dirty="0"/>
-              <a:t>工厂模式：使用工厂模式来创建对象。</a:t>
-            </a:r>
-          </a:p>
-          <a:p>
-            <a:r>
-              <a:rPr lang="zh-CN" altLang="en-US" dirty="0"/>
-              <a:t>观察者模式：如何实现和应用观察者模式。</a:t>
-            </a:r>
-          </a:p>
-          <a:p>
-            <a:r>
-              <a:rPr lang="zh-CN" altLang="en-US" dirty="0"/>
-              <a:t>策略模式：定义一系列算法，将每一个算法封装起来</a:t>
-            </a:r>
-            <a:r>
-              <a:rPr lang="zh-CN" altLang="en-US" dirty="0" smtClean="0"/>
-              <a:t>。</a:t>
-            </a:r>
-            <a:endParaRPr lang="en-US" altLang="zh-CN" dirty="0" smtClean="0"/>
-          </a:p>
-          <a:p>
-            <a:r>
-              <a:rPr lang="zh-CN" altLang="en-US"/>
-              <a:t>高内</a:t>
-            </a:r>
-            <a:r>
-              <a:rPr lang="zh-CN" altLang="en-US" smtClean="0"/>
-              <a:t>聚，低耦合</a:t>
-            </a:r>
-            <a:endParaRPr lang="zh-CN" altLang="en-US" dirty="0"/>
+              <a:t>异常概念：异常的定义、捕获、抛出。</a:t>
+            </a:r>
+          </a:p>
+          <a:p>
+            <a:r>
+              <a:rPr lang="en-US" altLang="zh-CN" dirty="0"/>
+              <a:t>try-catch</a:t>
+            </a:r>
+            <a:r>
+              <a:rPr lang="zh-CN" altLang="en-US" dirty="0"/>
+              <a:t>语句：基本语法、捕获多种异常。</a:t>
+            </a:r>
+          </a:p>
+          <a:p>
+            <a:r>
+              <a:rPr lang="zh-CN" altLang="en-US" dirty="0"/>
+              <a:t>自定义异常类：如何创建自定义异常类型。</a:t>
+            </a:r>
+          </a:p>
+          <a:p>
+            <a:r>
+              <a:rPr lang="zh-CN" altLang="en-US" dirty="0"/>
+              <a:t>异常安全：异常安全的编程原则（基本保证、强保证）。</a:t>
+            </a:r>
           </a:p>
         </p:txBody>
       </p:sp>
     </p:spTree>
     <p:extLst>
       <p:ext uri="{BB962C8B-B14F-4D97-AF65-F5344CB8AC3E}">
-        <p14:creationId xmlns:p14="http://schemas.microsoft.com/office/powerpoint/2010/main" val="4116617042"/>
+        <p14:creationId xmlns:p14="http://schemas.microsoft.com/office/powerpoint/2010/main" val="2102593440"/>
       </p:ext>
     </p:extLst>
   </p:cSld>
@@ -16873,6 +17020,556 @@
           <a:lstStyle/>
           <a:p>
             <a:r>
+              <a:rPr lang="zh-CN" altLang="en-US" b="1" dirty="0" smtClean="0">
+                <a:latin typeface="华文楷体" pitchFamily="2" charset="-122"/>
+                <a:ea typeface="华文楷体" pitchFamily="2" charset="-122"/>
+              </a:rPr>
+              <a:t>第</a:t>
+            </a:r>
+            <a:r>
+              <a:rPr lang="en-US" altLang="zh-CN" b="1" dirty="0" smtClean="0">
+                <a:latin typeface="华文楷体" pitchFamily="2" charset="-122"/>
+                <a:ea typeface="华文楷体" pitchFamily="2" charset="-122"/>
+              </a:rPr>
+              <a:t>9</a:t>
+            </a:r>
+            <a:r>
+              <a:rPr lang="zh-CN" altLang="en-US" b="1" dirty="0" smtClean="0">
+                <a:latin typeface="华文楷体" pitchFamily="2" charset="-122"/>
+                <a:ea typeface="华文楷体" pitchFamily="2" charset="-122"/>
+              </a:rPr>
+              <a:t>章</a:t>
+            </a:r>
+            <a:r>
+              <a:rPr lang="zh-CN" altLang="en-US" b="1" dirty="0">
+                <a:latin typeface="华文楷体" pitchFamily="2" charset="-122"/>
+                <a:ea typeface="华文楷体" pitchFamily="2" charset="-122"/>
+              </a:rPr>
+              <a:t>文件操作</a:t>
+            </a:r>
+            <a:endParaRPr lang="zh-CN" altLang="en-US" dirty="0"/>
+          </a:p>
+        </p:txBody>
+      </p:sp>
+      <p:sp>
+        <p:nvSpPr>
+          <p:cNvPr id="3" name="内容占位符 2"/>
+          <p:cNvSpPr>
+            <a:spLocks noGrp="1"/>
+          </p:cNvSpPr>
+          <p:nvPr>
+            <p:ph idx="1"/>
+          </p:nvPr>
+        </p:nvSpPr>
+        <p:spPr/>
+        <p:txBody>
+          <a:bodyPr/>
+          <a:lstStyle/>
+          <a:p>
+            <a:r>
+              <a:rPr lang="zh-CN" altLang="en-US" dirty="0"/>
+              <a:t>文件输入输出：使用</a:t>
+            </a:r>
+            <a:r>
+              <a:rPr lang="en-US" altLang="zh-CN" dirty="0" err="1"/>
+              <a:t>fstream</a:t>
+            </a:r>
+            <a:r>
+              <a:rPr lang="zh-CN" altLang="en-US" dirty="0"/>
+              <a:t>进行文件读写。</a:t>
+            </a:r>
+          </a:p>
+          <a:p>
+            <a:r>
+              <a:rPr lang="zh-CN" altLang="en-US" dirty="0"/>
+              <a:t>文本文件与二进制文件：处理文本文件和二进制文件的不同方式。</a:t>
+            </a:r>
+          </a:p>
+          <a:p>
+            <a:r>
+              <a:rPr lang="zh-CN" altLang="en-US" dirty="0"/>
+              <a:t>文件指针与流控制：</a:t>
+            </a:r>
+            <a:r>
+              <a:rPr lang="en-US" altLang="zh-CN" dirty="0" err="1"/>
+              <a:t>seekg</a:t>
+            </a:r>
+            <a:r>
+              <a:rPr lang="zh-CN" altLang="en-US" dirty="0"/>
+              <a:t>、</a:t>
+            </a:r>
+            <a:r>
+              <a:rPr lang="en-US" altLang="zh-CN" dirty="0" err="1"/>
+              <a:t>seekp</a:t>
+            </a:r>
+            <a:r>
+              <a:rPr lang="zh-CN" altLang="en-US" dirty="0"/>
+              <a:t>、</a:t>
+            </a:r>
+            <a:r>
+              <a:rPr lang="en-US" altLang="zh-CN" dirty="0" err="1"/>
+              <a:t>tellg</a:t>
+            </a:r>
+            <a:r>
+              <a:rPr lang="zh-CN" altLang="en-US" dirty="0"/>
+              <a:t>、</a:t>
+            </a:r>
+            <a:r>
+              <a:rPr lang="en-US" altLang="zh-CN" dirty="0" err="1"/>
+              <a:t>tellp</a:t>
+            </a:r>
+            <a:r>
+              <a:rPr lang="zh-CN" altLang="en-US" dirty="0"/>
+              <a:t>。</a:t>
+            </a:r>
+          </a:p>
+        </p:txBody>
+      </p:sp>
+    </p:spTree>
+    <p:extLst>
+      <p:ext uri="{BB962C8B-B14F-4D97-AF65-F5344CB8AC3E}">
+        <p14:creationId xmlns:p14="http://schemas.microsoft.com/office/powerpoint/2010/main" val="2309702231"/>
+      </p:ext>
+    </p:extLst>
+  </p:cSld>
+  <p:clrMapOvr>
+    <a:masterClrMapping/>
+  </p:clrMapOvr>
+  <p:timing>
+    <p:tnLst>
+      <p:par>
+        <p:cTn id="1" dur="indefinite" restart="never" nodeType="tmRoot"/>
+      </p:par>
+    </p:tnLst>
+  </p:timing>
+</p:sld>
+</file>
+
+<file path=ppt/slides/slide52.xml><?xml version="1.0" encoding="utf-8"?>
+<p:sld xmlns:a="http://schemas.openxmlformats.org/drawingml/2006/main" xmlns:r="http://schemas.openxmlformats.org/officeDocument/2006/relationships" xmlns:p="http://schemas.openxmlformats.org/presentationml/2006/main">
+  <p:cSld>
+    <p:spTree>
+      <p:nvGrpSpPr>
+        <p:cNvPr id="1" name=""/>
+        <p:cNvGrpSpPr/>
+        <p:nvPr/>
+      </p:nvGrpSpPr>
+      <p:grpSpPr>
+        <a:xfrm>
+          <a:off x="0" y="0"/>
+          <a:ext cx="0" cy="0"/>
+          <a:chOff x="0" y="0"/>
+          <a:chExt cx="0" cy="0"/>
+        </a:xfrm>
+      </p:grpSpPr>
+      <p:sp>
+        <p:nvSpPr>
+          <p:cNvPr id="2" name="标题 1"/>
+          <p:cNvSpPr>
+            <a:spLocks noGrp="1"/>
+          </p:cNvSpPr>
+          <p:nvPr>
+            <p:ph type="title"/>
+          </p:nvPr>
+        </p:nvSpPr>
+        <p:spPr/>
+        <p:txBody>
+          <a:bodyPr/>
+          <a:lstStyle/>
+          <a:p>
+            <a:r>
+              <a:rPr lang="zh-CN" altLang="en-US" b="1" dirty="0" smtClean="0">
+                <a:latin typeface="华文楷体" pitchFamily="2" charset="-122"/>
+                <a:ea typeface="华文楷体" pitchFamily="2" charset="-122"/>
+              </a:rPr>
+              <a:t>第</a:t>
+            </a:r>
+            <a:r>
+              <a:rPr lang="en-US" altLang="zh-CN" b="1" dirty="0" smtClean="0">
+                <a:latin typeface="华文楷体" pitchFamily="2" charset="-122"/>
+                <a:ea typeface="华文楷体" pitchFamily="2" charset="-122"/>
+              </a:rPr>
+              <a:t>10</a:t>
+            </a:r>
+            <a:r>
+              <a:rPr lang="zh-CN" altLang="en-US" b="1" dirty="0" smtClean="0">
+                <a:latin typeface="华文楷体" pitchFamily="2" charset="-122"/>
+                <a:ea typeface="华文楷体" pitchFamily="2" charset="-122"/>
+              </a:rPr>
+              <a:t>章  </a:t>
+            </a:r>
+            <a:r>
+              <a:rPr lang="en-US" altLang="zh-CN" b="1" dirty="0">
+                <a:latin typeface="华文楷体" pitchFamily="2" charset="-122"/>
+                <a:ea typeface="华文楷体" pitchFamily="2" charset="-122"/>
+              </a:rPr>
+              <a:t>C++11</a:t>
+            </a:r>
+            <a:r>
+              <a:rPr lang="zh-CN" altLang="en-US" b="1" dirty="0">
+                <a:latin typeface="华文楷体" pitchFamily="2" charset="-122"/>
+                <a:ea typeface="华文楷体" pitchFamily="2" charset="-122"/>
+              </a:rPr>
+              <a:t>及以后特性</a:t>
+            </a:r>
+            <a:endParaRPr lang="zh-CN" altLang="en-US" dirty="0"/>
+          </a:p>
+        </p:txBody>
+      </p:sp>
+      <p:sp>
+        <p:nvSpPr>
+          <p:cNvPr id="3" name="内容占位符 2"/>
+          <p:cNvSpPr>
+            <a:spLocks noGrp="1"/>
+          </p:cNvSpPr>
+          <p:nvPr>
+            <p:ph idx="1"/>
+          </p:nvPr>
+        </p:nvSpPr>
+        <p:spPr/>
+        <p:txBody>
+          <a:bodyPr/>
+          <a:lstStyle/>
+          <a:p>
+            <a:r>
+              <a:rPr lang="en-US" altLang="zh-CN" dirty="0"/>
+              <a:t>Lambda</a:t>
+            </a:r>
+            <a:r>
+              <a:rPr lang="zh-CN" altLang="en-US" dirty="0"/>
+              <a:t>表达式：如何使用</a:t>
+            </a:r>
+            <a:r>
+              <a:rPr lang="en-US" altLang="zh-CN" dirty="0"/>
+              <a:t>Lambda</a:t>
+            </a:r>
+            <a:r>
+              <a:rPr lang="zh-CN" altLang="en-US" dirty="0"/>
+              <a:t>简化代码。</a:t>
+            </a:r>
+          </a:p>
+          <a:p>
+            <a:r>
+              <a:rPr lang="zh-CN" altLang="en-US" dirty="0"/>
+              <a:t>智能指针：如何使用</a:t>
+            </a:r>
+            <a:r>
+              <a:rPr lang="en-US" altLang="zh-CN" dirty="0" err="1"/>
+              <a:t>shared_ptr</a:t>
+            </a:r>
+            <a:r>
+              <a:rPr lang="zh-CN" altLang="en-US" dirty="0"/>
+              <a:t>、</a:t>
+            </a:r>
+            <a:r>
+              <a:rPr lang="en-US" altLang="zh-CN" dirty="0" err="1"/>
+              <a:t>unique_ptr</a:t>
+            </a:r>
+            <a:r>
+              <a:rPr lang="zh-CN" altLang="en-US" dirty="0"/>
+              <a:t>等智能指针管理内存。</a:t>
+            </a:r>
+          </a:p>
+          <a:p>
+            <a:r>
+              <a:rPr lang="zh-CN" altLang="en-US" dirty="0"/>
+              <a:t>线程与并发：</a:t>
+            </a:r>
+            <a:r>
+              <a:rPr lang="en-US" altLang="zh-CN" dirty="0" err="1"/>
+              <a:t>std</a:t>
+            </a:r>
+            <a:r>
+              <a:rPr lang="en-US" altLang="zh-CN" dirty="0"/>
+              <a:t>::thread</a:t>
+            </a:r>
+            <a:r>
+              <a:rPr lang="zh-CN" altLang="en-US" dirty="0"/>
+              <a:t>、</a:t>
+            </a:r>
+            <a:r>
+              <a:rPr lang="en-US" altLang="zh-CN" dirty="0" err="1"/>
+              <a:t>std</a:t>
+            </a:r>
+            <a:r>
+              <a:rPr lang="en-US" altLang="zh-CN" dirty="0"/>
+              <a:t>::</a:t>
+            </a:r>
+            <a:r>
+              <a:rPr lang="en-US" altLang="zh-CN" dirty="0" err="1"/>
+              <a:t>mutex</a:t>
+            </a:r>
+            <a:r>
+              <a:rPr lang="zh-CN" altLang="en-US" dirty="0"/>
+              <a:t>、</a:t>
+            </a:r>
+            <a:r>
+              <a:rPr lang="en-US" altLang="zh-CN" dirty="0" err="1"/>
+              <a:t>std</a:t>
+            </a:r>
+            <a:r>
+              <a:rPr lang="en-US" altLang="zh-CN" dirty="0"/>
+              <a:t>::</a:t>
+            </a:r>
+            <a:r>
+              <a:rPr lang="en-US" altLang="zh-CN" dirty="0" err="1"/>
+              <a:t>async</a:t>
+            </a:r>
+            <a:r>
+              <a:rPr lang="zh-CN" altLang="en-US" dirty="0"/>
+              <a:t>等并发编程工具。</a:t>
+            </a:r>
+          </a:p>
+          <a:p>
+            <a:r>
+              <a:rPr lang="zh-CN" altLang="en-US" dirty="0"/>
+              <a:t>右值引用与移动语义：</a:t>
+            </a:r>
+            <a:r>
+              <a:rPr lang="en-US" altLang="zh-CN" dirty="0" err="1"/>
+              <a:t>std</a:t>
+            </a:r>
+            <a:r>
+              <a:rPr lang="en-US" altLang="zh-CN" dirty="0"/>
+              <a:t>::move</a:t>
+            </a:r>
+            <a:r>
+              <a:rPr lang="zh-CN" altLang="en-US" dirty="0"/>
+              <a:t>、</a:t>
+            </a:r>
+            <a:r>
+              <a:rPr lang="en-US" altLang="zh-CN" dirty="0" err="1"/>
+              <a:t>std</a:t>
+            </a:r>
+            <a:r>
+              <a:rPr lang="en-US" altLang="zh-CN" dirty="0"/>
+              <a:t>::forward</a:t>
+            </a:r>
+            <a:r>
+              <a:rPr lang="zh-CN" altLang="en-US" dirty="0"/>
+              <a:t>、移动构造函数和移动赋值运算符。</a:t>
+            </a:r>
+          </a:p>
+          <a:p>
+            <a:r>
+              <a:rPr lang="en-US" altLang="zh-CN" dirty="0" err="1"/>
+              <a:t>std</a:t>
+            </a:r>
+            <a:r>
+              <a:rPr lang="en-US" altLang="zh-CN" dirty="0"/>
+              <a:t>::</a:t>
+            </a:r>
+            <a:r>
+              <a:rPr lang="en-US" altLang="zh-CN" dirty="0" err="1"/>
+              <a:t>chrono</a:t>
+            </a:r>
+            <a:r>
+              <a:rPr lang="zh-CN" altLang="en-US" dirty="0"/>
+              <a:t>库：时间测量和延时功能。</a:t>
+            </a:r>
+          </a:p>
+        </p:txBody>
+      </p:sp>
+    </p:spTree>
+    <p:extLst>
+      <p:ext uri="{BB962C8B-B14F-4D97-AF65-F5344CB8AC3E}">
+        <p14:creationId xmlns:p14="http://schemas.microsoft.com/office/powerpoint/2010/main" val="1295629135"/>
+      </p:ext>
+    </p:extLst>
+  </p:cSld>
+  <p:clrMapOvr>
+    <a:masterClrMapping/>
+  </p:clrMapOvr>
+  <p:timing>
+    <p:tnLst>
+      <p:par>
+        <p:cTn id="1" dur="indefinite" restart="never" nodeType="tmRoot"/>
+      </p:par>
+    </p:tnLst>
+  </p:timing>
+</p:sld>
+</file>
+
+<file path=ppt/slides/slide53.xml><?xml version="1.0" encoding="utf-8"?>
+<p:sld xmlns:a="http://schemas.openxmlformats.org/drawingml/2006/main" xmlns:r="http://schemas.openxmlformats.org/officeDocument/2006/relationships" xmlns:p="http://schemas.openxmlformats.org/presentationml/2006/main">
+  <p:cSld>
+    <p:spTree>
+      <p:nvGrpSpPr>
+        <p:cNvPr id="1" name=""/>
+        <p:cNvGrpSpPr/>
+        <p:nvPr/>
+      </p:nvGrpSpPr>
+      <p:grpSpPr>
+        <a:xfrm>
+          <a:off x="0" y="0"/>
+          <a:ext cx="0" cy="0"/>
+          <a:chOff x="0" y="0"/>
+          <a:chExt cx="0" cy="0"/>
+        </a:xfrm>
+      </p:grpSpPr>
+      <p:sp>
+        <p:nvSpPr>
+          <p:cNvPr id="2" name="标题 1"/>
+          <p:cNvSpPr>
+            <a:spLocks noGrp="1"/>
+          </p:cNvSpPr>
+          <p:nvPr>
+            <p:ph type="title"/>
+          </p:nvPr>
+        </p:nvSpPr>
+        <p:spPr/>
+        <p:txBody>
+          <a:bodyPr/>
+          <a:lstStyle/>
+          <a:p>
+            <a:r>
+              <a:rPr lang="zh-CN" altLang="en-US" b="1" dirty="0">
+                <a:latin typeface="华文楷体" pitchFamily="2" charset="-122"/>
+                <a:ea typeface="华文楷体" pitchFamily="2" charset="-122"/>
+              </a:rPr>
+              <a:t>第</a:t>
+            </a:r>
+            <a:r>
+              <a:rPr lang="en-US" altLang="zh-CN" b="1" dirty="0" smtClean="0">
+                <a:latin typeface="华文楷体" pitchFamily="2" charset="-122"/>
+                <a:ea typeface="华文楷体" pitchFamily="2" charset="-122"/>
+              </a:rPr>
+              <a:t>11</a:t>
+            </a:r>
+            <a:r>
+              <a:rPr lang="zh-CN" altLang="en-US" b="1" dirty="0" smtClean="0">
+                <a:latin typeface="华文楷体" pitchFamily="2" charset="-122"/>
+                <a:ea typeface="华文楷体" pitchFamily="2" charset="-122"/>
+              </a:rPr>
+              <a:t>章  </a:t>
+            </a:r>
+            <a:r>
+              <a:rPr lang="en-US" altLang="zh-CN" b="1" dirty="0">
+                <a:latin typeface="华文楷体" pitchFamily="2" charset="-122"/>
+                <a:ea typeface="华文楷体" pitchFamily="2" charset="-122"/>
+              </a:rPr>
+              <a:t>C++</a:t>
+            </a:r>
+            <a:r>
+              <a:rPr lang="zh-CN" altLang="en-US" b="1" dirty="0">
+                <a:latin typeface="华文楷体" pitchFamily="2" charset="-122"/>
+                <a:ea typeface="华文楷体" pitchFamily="2" charset="-122"/>
+              </a:rPr>
+              <a:t>设计模式</a:t>
+            </a:r>
+            <a:endParaRPr lang="zh-CN" altLang="en-US" dirty="0"/>
+          </a:p>
+        </p:txBody>
+      </p:sp>
+      <p:sp>
+        <p:nvSpPr>
+          <p:cNvPr id="3" name="内容占位符 2"/>
+          <p:cNvSpPr>
+            <a:spLocks noGrp="1"/>
+          </p:cNvSpPr>
+          <p:nvPr>
+            <p:ph idx="1"/>
+          </p:nvPr>
+        </p:nvSpPr>
+        <p:spPr/>
+        <p:txBody>
+          <a:bodyPr/>
+          <a:lstStyle/>
+          <a:p>
+            <a:r>
+              <a:rPr lang="zh-CN" altLang="en-US" dirty="0"/>
+              <a:t>单例模式：如何实现和应用单例模式。</a:t>
+            </a:r>
+          </a:p>
+          <a:p>
+            <a:r>
+              <a:rPr lang="zh-CN" altLang="en-US" dirty="0"/>
+              <a:t>工厂模式：使用工厂模式来创建对象。</a:t>
+            </a:r>
+          </a:p>
+          <a:p>
+            <a:r>
+              <a:rPr lang="zh-CN" altLang="en-US" dirty="0"/>
+              <a:t>观察者模式：如何实现和应用观察者模式。</a:t>
+            </a:r>
+          </a:p>
+          <a:p>
+            <a:r>
+              <a:rPr lang="zh-CN" altLang="en-US" dirty="0"/>
+              <a:t>策略模式：定义一系列算法，将每一个算法封装起来</a:t>
+            </a:r>
+            <a:r>
+              <a:rPr lang="zh-CN" altLang="en-US" dirty="0" smtClean="0"/>
+              <a:t>。</a:t>
+            </a:r>
+            <a:endParaRPr lang="en-US" altLang="zh-CN" dirty="0" smtClean="0"/>
+          </a:p>
+          <a:p>
+            <a:r>
+              <a:rPr lang="zh-CN" altLang="en-US"/>
+              <a:t>高内</a:t>
+            </a:r>
+            <a:r>
+              <a:rPr lang="zh-CN" altLang="en-US" smtClean="0"/>
+              <a:t>聚，低耦合</a:t>
+            </a:r>
+            <a:endParaRPr lang="zh-CN" altLang="en-US" dirty="0"/>
+          </a:p>
+        </p:txBody>
+      </p:sp>
+    </p:spTree>
+    <p:extLst>
+      <p:ext uri="{BB962C8B-B14F-4D97-AF65-F5344CB8AC3E}">
+        <p14:creationId xmlns:p14="http://schemas.microsoft.com/office/powerpoint/2010/main" val="4116617042"/>
+      </p:ext>
+    </p:extLst>
+  </p:cSld>
+  <p:clrMapOvr>
+    <a:masterClrMapping/>
+  </p:clrMapOvr>
+  <p:timing>
+    <p:tnLst>
+      <p:par>
+        <p:cTn id="1" dur="indefinite" restart="never" nodeType="tmRoot"/>
+      </p:par>
+    </p:tnLst>
+  </p:timing>
+</p:sld>
+</file>
+
+<file path=ppt/slides/slide54.xml><?xml version="1.0" encoding="utf-8"?>
+<p:sld xmlns:a="http://schemas.openxmlformats.org/drawingml/2006/main" xmlns:r="http://schemas.openxmlformats.org/officeDocument/2006/relationships" xmlns:p="http://schemas.openxmlformats.org/presentationml/2006/main">
+  <p:cSld>
+    <p:spTree>
+      <p:nvGrpSpPr>
+        <p:cNvPr id="1" name=""/>
+        <p:cNvGrpSpPr/>
+        <p:nvPr/>
+      </p:nvGrpSpPr>
+      <p:grpSpPr>
+        <a:xfrm>
+          <a:off x="0" y="0"/>
+          <a:ext cx="0" cy="0"/>
+          <a:chOff x="0" y="0"/>
+          <a:chExt cx="0" cy="0"/>
+        </a:xfrm>
+      </p:grpSpPr>
+      <p:sp>
+        <p:nvSpPr>
+          <p:cNvPr id="2" name="标题 1"/>
+          <p:cNvSpPr>
+            <a:spLocks noGrp="1"/>
+          </p:cNvSpPr>
+          <p:nvPr>
+            <p:ph type="title"/>
+          </p:nvPr>
+        </p:nvSpPr>
+        <p:spPr/>
+        <p:txBody>
+          <a:bodyPr/>
+          <a:lstStyle/>
+          <a:p>
+            <a:r>
               <a:rPr lang="zh-CN" altLang="en-US" b="1" dirty="0">
                 <a:latin typeface="华文楷体" pitchFamily="2" charset="-122"/>
                 <a:ea typeface="华文楷体" pitchFamily="2" charset="-122"/>
@@ -17021,7 +17718,7 @@
 </p:sld>
 </file>
 
-<file path=ppt/slides/slide52.xml><?xml version="1.0" encoding="utf-8"?>
+<file path=ppt/slides/slide55.xml><?xml version="1.0" encoding="utf-8"?>
 <p:sld xmlns:a="http://schemas.openxmlformats.org/drawingml/2006/main" xmlns:r="http://schemas.openxmlformats.org/officeDocument/2006/relationships" xmlns:p="http://schemas.openxmlformats.org/presentationml/2006/main">
   <p:cSld>
     <p:spTree>

--- a/learn_cpp/docs/C++语言培训.pptx
+++ b/learn_cpp/docs/C++语言培训.pptx
@@ -13567,11 +13567,11 @@
               <a:t>算法 </a:t>
             </a:r>
             <a:r>
-              <a:rPr lang="en-US" altLang="zh-CN" b="1" smtClean="0"/>
+              <a:rPr lang="en-US" altLang="zh-CN" b="1" dirty="0" smtClean="0"/>
               <a:t>- </a:t>
             </a:r>
             <a:r>
-              <a:rPr lang="zh-CN" altLang="en-US" b="1" smtClean="0"/>
+              <a:rPr lang="zh-CN" altLang="en-US" b="1" dirty="0" smtClean="0"/>
               <a:t>举例</a:t>
             </a:r>
             <a:endParaRPr lang="zh-CN" altLang="en-US" dirty="0"/>
@@ -13591,16 +13591,50 @@
         <p:spPr/>
         <p:txBody>
           <a:bodyPr>
-            <a:normAutofit fontScale="92500" lnSpcReduction="20000"/>
+            <a:normAutofit fontScale="70000" lnSpcReduction="20000"/>
           </a:bodyPr>
           <a:lstStyle/>
+          <a:p>
+            <a:r>
+              <a:rPr lang="zh-CN" altLang="en-US" b="1" dirty="0"/>
+              <a:t>示例：求 </a:t>
+            </a:r>
+            <a:r>
+              <a:rPr lang="en-US" altLang="zh-CN" b="1" dirty="0"/>
+              <a:t>1 </a:t>
+            </a:r>
+            <a:r>
+              <a:rPr lang="zh-CN" altLang="en-US" b="1" dirty="0"/>
+              <a:t>到 </a:t>
+            </a:r>
+            <a:r>
+              <a:rPr lang="en-US" altLang="zh-CN" b="1" dirty="0"/>
+              <a:t>100 </a:t>
+            </a:r>
+            <a:r>
+              <a:rPr lang="zh-CN" altLang="en-US" b="1" dirty="0"/>
+              <a:t>的累加</a:t>
+            </a:r>
+            <a:r>
+              <a:rPr lang="zh-CN" altLang="en-US" b="1" dirty="0" smtClean="0"/>
+              <a:t>和</a:t>
+            </a:r>
+            <a:endParaRPr lang="en-US" altLang="zh-CN" b="1" dirty="0" smtClean="0"/>
+          </a:p>
+          <a:p>
+            <a:endParaRPr lang="en-US" altLang="zh-CN" dirty="0" smtClean="0"/>
+          </a:p>
           <a:p>
             <a:pPr marL="0" indent="0">
               <a:buNone/>
             </a:pPr>
             <a:r>
-              <a:rPr lang="en-US" altLang="zh-CN" dirty="0"/>
-              <a:t>#include &lt;</a:t>
+              <a:rPr lang="en-US" altLang="zh-CN" dirty="0" smtClean="0"/>
+              <a:t>#</a:t>
+            </a:r>
+            <a:r>
+              <a:rPr lang="en-US" altLang="zh-CN" dirty="0"/>
+              <a:t>include &lt;</a:t>
             </a:r>
             <a:r>
               <a:rPr lang="en-US" altLang="zh-CN" dirty="0" err="1"/>

--- a/learn_cpp/docs/C++语言培训.pptx
+++ b/learn_cpp/docs/C++语言培训.pptx
@@ -34,8 +34,8 @@
     <p:sldId id="300" r:id="rId28"/>
     <p:sldId id="301" r:id="rId29"/>
     <p:sldId id="308" r:id="rId30"/>
-    <p:sldId id="309" r:id="rId31"/>
-    <p:sldId id="310" r:id="rId32"/>
+    <p:sldId id="310" r:id="rId31"/>
+    <p:sldId id="309" r:id="rId32"/>
     <p:sldId id="311" r:id="rId33"/>
     <p:sldId id="284" r:id="rId34"/>
     <p:sldId id="285" r:id="rId35"/>
@@ -355,7 +355,7 @@
             <a:fld id="{B61BEF0D-F0BB-DE4B-95CE-6DB70DBA9567}" type="datetimeFigureOut">
               <a:rPr lang="en-US" dirty="0"/>
               <a:pPr/>
-              <a:t>3/6/2025</a:t>
+              <a:t>3/10/2025</a:t>
             </a:fld>
             <a:endParaRPr lang="en-US" dirty="0"/>
           </a:p>
@@ -690,7 +690,7 @@
             <a:fld id="{B61BEF0D-F0BB-DE4B-95CE-6DB70DBA9567}" type="datetimeFigureOut">
               <a:rPr lang="en-US" dirty="0"/>
               <a:pPr/>
-              <a:t>3/6/2025</a:t>
+              <a:t>3/10/2025</a:t>
             </a:fld>
             <a:endParaRPr lang="en-US" dirty="0"/>
           </a:p>
@@ -1088,7 +1088,7 @@
             <a:fld id="{B61BEF0D-F0BB-DE4B-95CE-6DB70DBA9567}" type="datetimeFigureOut">
               <a:rPr lang="en-US" dirty="0"/>
               <a:pPr/>
-              <a:t>3/6/2025</a:t>
+              <a:t>3/10/2025</a:t>
             </a:fld>
             <a:endParaRPr lang="en-US" dirty="0"/>
           </a:p>
@@ -1421,7 +1421,7 @@
             <a:fld id="{B61BEF0D-F0BB-DE4B-95CE-6DB70DBA9567}" type="datetimeFigureOut">
               <a:rPr lang="en-US" dirty="0"/>
               <a:pPr/>
-              <a:t>3/6/2025</a:t>
+              <a:t>3/10/2025</a:t>
             </a:fld>
             <a:endParaRPr lang="en-US" dirty="0"/>
           </a:p>
@@ -1738,7 +1738,7 @@
             <a:fld id="{B61BEF0D-F0BB-DE4B-95CE-6DB70DBA9567}" type="datetimeFigureOut">
               <a:rPr lang="en-US" dirty="0"/>
               <a:pPr/>
-              <a:t>3/6/2025</a:t>
+              <a:t>3/10/2025</a:t>
             </a:fld>
             <a:endParaRPr lang="en-US" dirty="0"/>
           </a:p>
@@ -2131,7 +2131,7 @@
             <a:fld id="{B61BEF0D-F0BB-DE4B-95CE-6DB70DBA9567}" type="datetimeFigureOut">
               <a:rPr lang="en-US" dirty="0"/>
               <a:pPr/>
-              <a:t>3/6/2025</a:t>
+              <a:t>3/10/2025</a:t>
             </a:fld>
             <a:endParaRPr lang="en-US" dirty="0"/>
           </a:p>
@@ -2385,7 +2385,7 @@
             <a:fld id="{B61BEF0D-F0BB-DE4B-95CE-6DB70DBA9567}" type="datetimeFigureOut">
               <a:rPr lang="en-US" dirty="0"/>
               <a:pPr/>
-              <a:t>3/6/2025</a:t>
+              <a:t>3/10/2025</a:t>
             </a:fld>
             <a:endParaRPr lang="en-US" dirty="0"/>
           </a:p>
@@ -2644,7 +2644,7 @@
             <a:fld id="{B61BEF0D-F0BB-DE4B-95CE-6DB70DBA9567}" type="datetimeFigureOut">
               <a:rPr lang="en-US" dirty="0"/>
               <a:pPr/>
-              <a:t>3/6/2025</a:t>
+              <a:t>3/10/2025</a:t>
             </a:fld>
             <a:endParaRPr lang="en-US" dirty="0"/>
           </a:p>
@@ -2903,7 +2903,7 @@
             <a:fld id="{B61BEF0D-F0BB-DE4B-95CE-6DB70DBA9567}" type="datetimeFigureOut">
               <a:rPr lang="en-US" dirty="0"/>
               <a:pPr/>
-              <a:t>3/6/2025</a:t>
+              <a:t>3/10/2025</a:t>
             </a:fld>
             <a:endParaRPr lang="en-US" dirty="0"/>
           </a:p>
@@ -3229,7 +3229,7 @@
             <a:fld id="{B61BEF0D-F0BB-DE4B-95CE-6DB70DBA9567}" type="datetimeFigureOut">
               <a:rPr lang="en-US" dirty="0"/>
               <a:pPr/>
-              <a:t>3/6/2025</a:t>
+              <a:t>3/10/2025</a:t>
             </a:fld>
             <a:endParaRPr lang="en-US" dirty="0"/>
           </a:p>
@@ -3549,7 +3549,7 @@
             <a:fld id="{B61BEF0D-F0BB-DE4B-95CE-6DB70DBA9567}" type="datetimeFigureOut">
               <a:rPr lang="en-US" dirty="0"/>
               <a:pPr/>
-              <a:t>3/6/2025</a:t>
+              <a:t>3/10/2025</a:t>
             </a:fld>
             <a:endParaRPr lang="en-US" dirty="0"/>
           </a:p>
@@ -4032,7 +4032,7 @@
             <a:fld id="{B61BEF0D-F0BB-DE4B-95CE-6DB70DBA9567}" type="datetimeFigureOut">
               <a:rPr lang="en-US" dirty="0"/>
               <a:pPr/>
-              <a:t>3/6/2025</a:t>
+              <a:t>3/10/2025</a:t>
             </a:fld>
             <a:endParaRPr lang="en-US" dirty="0"/>
           </a:p>
@@ -4234,7 +4234,7 @@
             <a:fld id="{B61BEF0D-F0BB-DE4B-95CE-6DB70DBA9567}" type="datetimeFigureOut">
               <a:rPr lang="en-US" dirty="0"/>
               <a:pPr/>
-              <a:t>3/6/2025</a:t>
+              <a:t>3/10/2025</a:t>
             </a:fld>
             <a:endParaRPr lang="en-US" dirty="0"/>
           </a:p>
@@ -4408,7 +4408,7 @@
             <a:fld id="{B61BEF0D-F0BB-DE4B-95CE-6DB70DBA9567}" type="datetimeFigureOut">
               <a:rPr lang="en-US" dirty="0"/>
               <a:pPr/>
-              <a:t>3/6/2025</a:t>
+              <a:t>3/10/2025</a:t>
             </a:fld>
             <a:endParaRPr lang="en-US" dirty="0"/>
           </a:p>
@@ -4738,7 +4738,7 @@
             <a:fld id="{B61BEF0D-F0BB-DE4B-95CE-6DB70DBA9567}" type="datetimeFigureOut">
               <a:rPr lang="en-US" dirty="0"/>
               <a:pPr/>
-              <a:t>3/6/2025</a:t>
+              <a:t>3/10/2025</a:t>
             </a:fld>
             <a:endParaRPr lang="en-US" dirty="0"/>
           </a:p>
@@ -5080,7 +5080,7 @@
             <a:fld id="{B61BEF0D-F0BB-DE4B-95CE-6DB70DBA9567}" type="datetimeFigureOut">
               <a:rPr lang="en-US" dirty="0"/>
               <a:pPr/>
-              <a:t>3/6/2025</a:t>
+              <a:t>3/10/2025</a:t>
             </a:fld>
             <a:endParaRPr lang="en-US" dirty="0"/>
           </a:p>
@@ -7194,7 +7194,7 @@
             <a:fld id="{B61BEF0D-F0BB-DE4B-95CE-6DB70DBA9567}" type="datetimeFigureOut">
               <a:rPr lang="en-US" dirty="0"/>
               <a:pPr/>
-              <a:t>3/6/2025</a:t>
+              <a:t>3/10/2025</a:t>
             </a:fld>
             <a:endParaRPr lang="en-US" dirty="0"/>
           </a:p>
@@ -12995,7 +12995,6 @@
             <a:endParaRPr lang="en-US" altLang="zh-CN" dirty="0" smtClean="0"/>
           </a:p>
           <a:p>
-            <a:pPr lvl="1"/>
             <a:r>
               <a:rPr lang="zh-CN" altLang="en-US" dirty="0"/>
               <a:t>程序的本质就是 </a:t>
@@ -13266,227 +13265,6 @@
               <a:rPr lang="zh-CN" altLang="en-US" b="1" dirty="0"/>
               <a:t>算法的组成</a:t>
             </a:r>
-          </a:p>
-        </p:txBody>
-      </p:sp>
-      <p:sp>
-        <p:nvSpPr>
-          <p:cNvPr id="3" name="内容占位符 2"/>
-          <p:cNvSpPr>
-            <a:spLocks noGrp="1"/>
-          </p:cNvSpPr>
-          <p:nvPr>
-            <p:ph idx="1"/>
-          </p:nvPr>
-        </p:nvSpPr>
-        <p:spPr/>
-        <p:txBody>
-          <a:bodyPr>
-            <a:normAutofit/>
-          </a:bodyPr>
-          <a:lstStyle/>
-          <a:p>
-            <a:r>
-              <a:rPr lang="zh-CN" altLang="en-US" dirty="0" smtClean="0"/>
-              <a:t>运算符</a:t>
-            </a:r>
-            <a:r>
-              <a:rPr lang="zh-CN" altLang="en-US" dirty="0"/>
-              <a:t>（算术、关系、逻辑、位运算、赋值等</a:t>
-            </a:r>
-            <a:r>
-              <a:rPr lang="zh-CN" altLang="en-US" dirty="0" smtClean="0"/>
-              <a:t>）</a:t>
-            </a:r>
-            <a:endParaRPr lang="en-US" altLang="zh-CN" dirty="0" smtClean="0"/>
-          </a:p>
-          <a:p>
-            <a:pPr lvl="1"/>
-            <a:r>
-              <a:rPr lang="en-US" altLang="zh-CN" dirty="0"/>
-              <a:t>+ - * / </a:t>
-            </a:r>
-            <a:r>
-              <a:rPr lang="zh-CN" altLang="en-US" dirty="0"/>
-              <a:t>进行数值计算</a:t>
-            </a:r>
-          </a:p>
-          <a:p>
-            <a:pPr lvl="1"/>
-            <a:r>
-              <a:rPr lang="en-US" altLang="zh-CN" dirty="0"/>
-              <a:t>&amp;&amp; || </a:t>
-            </a:r>
-            <a:r>
-              <a:rPr lang="zh-CN" altLang="en-US" dirty="0"/>
-              <a:t>进行逻辑判断</a:t>
-            </a:r>
-          </a:p>
-          <a:p>
-            <a:r>
-              <a:rPr lang="zh-CN" altLang="en-US" dirty="0"/>
-              <a:t>控制语句（条件判断、循环、函数调用等</a:t>
-            </a:r>
-            <a:r>
-              <a:rPr lang="zh-CN" altLang="en-US" dirty="0" smtClean="0"/>
-              <a:t>）</a:t>
-            </a:r>
-            <a:endParaRPr lang="en-US" altLang="zh-CN" dirty="0" smtClean="0"/>
-          </a:p>
-          <a:p>
-            <a:pPr lvl="1"/>
-            <a:r>
-              <a:rPr lang="en-US" altLang="zh-CN" dirty="0"/>
-              <a:t>if-else </a:t>
-            </a:r>
-            <a:r>
-              <a:rPr lang="zh-CN" altLang="en-US" dirty="0"/>
-              <a:t>选择不同的分支</a:t>
-            </a:r>
-          </a:p>
-          <a:p>
-            <a:pPr lvl="1"/>
-            <a:r>
-              <a:rPr lang="en-US" altLang="zh-CN" dirty="0"/>
-              <a:t>for/while </a:t>
-            </a:r>
-            <a:r>
-              <a:rPr lang="zh-CN" altLang="en-US" dirty="0"/>
-              <a:t>进行循环迭代</a:t>
-            </a:r>
-            <a:endParaRPr lang="en-US" altLang="zh-CN" dirty="0" smtClean="0"/>
-          </a:p>
-          <a:p>
-            <a:r>
-              <a:rPr lang="zh-CN" altLang="en-US" dirty="0"/>
-              <a:t>数据（变量、数组、结构体等）</a:t>
-            </a:r>
-          </a:p>
-          <a:p>
-            <a:pPr lvl="1"/>
-            <a:r>
-              <a:rPr lang="zh-CN" altLang="en-US" dirty="0"/>
-              <a:t>变量 </a:t>
-            </a:r>
-            <a:r>
-              <a:rPr lang="en-US" altLang="zh-CN" dirty="0"/>
-              <a:t>(</a:t>
-            </a:r>
-            <a:r>
-              <a:rPr lang="en-US" altLang="zh-CN" dirty="0" err="1"/>
-              <a:t>int</a:t>
-            </a:r>
-            <a:r>
-              <a:rPr lang="en-US" altLang="zh-CN" dirty="0"/>
-              <a:t> a, b;)</a:t>
-            </a:r>
-          </a:p>
-          <a:p>
-            <a:pPr lvl="1"/>
-            <a:r>
-              <a:rPr lang="zh-CN" altLang="en-US" dirty="0"/>
-              <a:t>数组 </a:t>
-            </a:r>
-            <a:r>
-              <a:rPr lang="en-US" altLang="zh-CN" dirty="0"/>
-              <a:t>(</a:t>
-            </a:r>
-            <a:r>
-              <a:rPr lang="en-US" altLang="zh-CN" dirty="0" err="1"/>
-              <a:t>int</a:t>
-            </a:r>
-            <a:r>
-              <a:rPr lang="en-US" altLang="zh-CN" dirty="0"/>
-              <a:t> </a:t>
-            </a:r>
-            <a:r>
-              <a:rPr lang="en-US" altLang="zh-CN" dirty="0" err="1"/>
-              <a:t>arr</a:t>
-            </a:r>
-            <a:r>
-              <a:rPr lang="en-US" altLang="zh-CN" dirty="0"/>
-              <a:t>[10];)</a:t>
-            </a:r>
-          </a:p>
-          <a:p>
-            <a:pPr lvl="1"/>
-            <a:r>
-              <a:rPr lang="zh-CN" altLang="en-US" dirty="0"/>
-              <a:t>结构体 </a:t>
-            </a:r>
-            <a:r>
-              <a:rPr lang="en-US" altLang="zh-CN" dirty="0"/>
-              <a:t>(</a:t>
-            </a:r>
-            <a:r>
-              <a:rPr lang="en-US" altLang="zh-CN" dirty="0" err="1"/>
-              <a:t>struct</a:t>
-            </a:r>
-            <a:r>
-              <a:rPr lang="en-US" altLang="zh-CN" dirty="0"/>
-              <a:t> Student { </a:t>
-            </a:r>
-            <a:r>
-              <a:rPr lang="en-US" altLang="zh-CN" dirty="0" err="1"/>
-              <a:t>int</a:t>
-            </a:r>
-            <a:r>
-              <a:rPr lang="en-US" altLang="zh-CN" dirty="0"/>
-              <a:t> id; };)</a:t>
-            </a:r>
-            <a:endParaRPr lang="zh-CN" altLang="en-US" dirty="0"/>
-          </a:p>
-        </p:txBody>
-      </p:sp>
-    </p:spTree>
-    <p:extLst>
-      <p:ext uri="{BB962C8B-B14F-4D97-AF65-F5344CB8AC3E}">
-        <p14:creationId xmlns:p14="http://schemas.microsoft.com/office/powerpoint/2010/main" val="2301792727"/>
-      </p:ext>
-    </p:extLst>
-  </p:cSld>
-  <p:clrMapOvr>
-    <a:masterClrMapping/>
-  </p:clrMapOvr>
-</p:sld>
-</file>
-
-<file path=ppt/slides/slide31.xml><?xml version="1.0" encoding="utf-8"?>
-<p:sld xmlns:a="http://schemas.openxmlformats.org/drawingml/2006/main" xmlns:r="http://schemas.openxmlformats.org/officeDocument/2006/relationships" xmlns:p="http://schemas.openxmlformats.org/presentationml/2006/main">
-  <p:cSld>
-    <p:spTree>
-      <p:nvGrpSpPr>
-        <p:cNvPr id="1" name=""/>
-        <p:cNvGrpSpPr/>
-        <p:nvPr/>
-      </p:nvGrpSpPr>
-      <p:grpSpPr>
-        <a:xfrm>
-          <a:off x="0" y="0"/>
-          <a:ext cx="0" cy="0"/>
-          <a:chOff x="0" y="0"/>
-          <a:chExt cx="0" cy="0"/>
-        </a:xfrm>
-      </p:grpSpPr>
-      <p:sp>
-        <p:nvSpPr>
-          <p:cNvPr id="2" name="标题 1"/>
-          <p:cNvSpPr>
-            <a:spLocks noGrp="1"/>
-          </p:cNvSpPr>
-          <p:nvPr>
-            <p:ph type="title"/>
-          </p:nvPr>
-        </p:nvSpPr>
-        <p:spPr/>
-        <p:txBody>
-          <a:bodyPr/>
-          <a:lstStyle/>
-          <a:p>
-            <a:r>
-              <a:rPr lang="zh-CN" altLang="en-US" b="1" dirty="0"/>
-              <a:t>算法的组成</a:t>
-            </a:r>
             <a:endParaRPr lang="zh-CN" altLang="en-US" dirty="0"/>
           </a:p>
         </p:txBody>
@@ -13530,6 +13308,227 @@
 </p:sld>
 </file>
 
+<file path=ppt/slides/slide31.xml><?xml version="1.0" encoding="utf-8"?>
+<p:sld xmlns:a="http://schemas.openxmlformats.org/drawingml/2006/main" xmlns:r="http://schemas.openxmlformats.org/officeDocument/2006/relationships" xmlns:p="http://schemas.openxmlformats.org/presentationml/2006/main">
+  <p:cSld>
+    <p:spTree>
+      <p:nvGrpSpPr>
+        <p:cNvPr id="1" name=""/>
+        <p:cNvGrpSpPr/>
+        <p:nvPr/>
+      </p:nvGrpSpPr>
+      <p:grpSpPr>
+        <a:xfrm>
+          <a:off x="0" y="0"/>
+          <a:ext cx="0" cy="0"/>
+          <a:chOff x="0" y="0"/>
+          <a:chExt cx="0" cy="0"/>
+        </a:xfrm>
+      </p:grpSpPr>
+      <p:sp>
+        <p:nvSpPr>
+          <p:cNvPr id="2" name="标题 1"/>
+          <p:cNvSpPr>
+            <a:spLocks noGrp="1"/>
+          </p:cNvSpPr>
+          <p:nvPr>
+            <p:ph type="title"/>
+          </p:nvPr>
+        </p:nvSpPr>
+        <p:spPr/>
+        <p:txBody>
+          <a:bodyPr/>
+          <a:lstStyle/>
+          <a:p>
+            <a:r>
+              <a:rPr lang="zh-CN" altLang="en-US" b="1" dirty="0"/>
+              <a:t>算法的组成</a:t>
+            </a:r>
+          </a:p>
+        </p:txBody>
+      </p:sp>
+      <p:sp>
+        <p:nvSpPr>
+          <p:cNvPr id="3" name="内容占位符 2"/>
+          <p:cNvSpPr>
+            <a:spLocks noGrp="1"/>
+          </p:cNvSpPr>
+          <p:nvPr>
+            <p:ph idx="1"/>
+          </p:nvPr>
+        </p:nvSpPr>
+        <p:spPr/>
+        <p:txBody>
+          <a:bodyPr>
+            <a:normAutofit/>
+          </a:bodyPr>
+          <a:lstStyle/>
+          <a:p>
+            <a:r>
+              <a:rPr lang="zh-CN" altLang="en-US" dirty="0" smtClean="0"/>
+              <a:t>运算符</a:t>
+            </a:r>
+            <a:r>
+              <a:rPr lang="zh-CN" altLang="en-US" dirty="0"/>
+              <a:t>（算术、关系、逻辑、位运算、赋值等</a:t>
+            </a:r>
+            <a:r>
+              <a:rPr lang="zh-CN" altLang="en-US" dirty="0" smtClean="0"/>
+              <a:t>）</a:t>
+            </a:r>
+            <a:endParaRPr lang="en-US" altLang="zh-CN" dirty="0" smtClean="0"/>
+          </a:p>
+          <a:p>
+            <a:pPr lvl="1"/>
+            <a:r>
+              <a:rPr lang="en-US" altLang="zh-CN" dirty="0"/>
+              <a:t>+ - * / </a:t>
+            </a:r>
+            <a:r>
+              <a:rPr lang="zh-CN" altLang="en-US" dirty="0"/>
+              <a:t>进行数值计算</a:t>
+            </a:r>
+          </a:p>
+          <a:p>
+            <a:pPr lvl="1"/>
+            <a:r>
+              <a:rPr lang="en-US" altLang="zh-CN" dirty="0"/>
+              <a:t>&amp;&amp; || </a:t>
+            </a:r>
+            <a:r>
+              <a:rPr lang="zh-CN" altLang="en-US" dirty="0"/>
+              <a:t>进行逻辑判断</a:t>
+            </a:r>
+          </a:p>
+          <a:p>
+            <a:r>
+              <a:rPr lang="zh-CN" altLang="en-US" dirty="0"/>
+              <a:t>控制语句（条件判断、循环、函数调用等</a:t>
+            </a:r>
+            <a:r>
+              <a:rPr lang="zh-CN" altLang="en-US" dirty="0" smtClean="0"/>
+              <a:t>）</a:t>
+            </a:r>
+            <a:endParaRPr lang="en-US" altLang="zh-CN" dirty="0" smtClean="0"/>
+          </a:p>
+          <a:p>
+            <a:pPr lvl="1"/>
+            <a:r>
+              <a:rPr lang="en-US" altLang="zh-CN" dirty="0"/>
+              <a:t>if-else </a:t>
+            </a:r>
+            <a:r>
+              <a:rPr lang="zh-CN" altLang="en-US" dirty="0"/>
+              <a:t>选择不同的分支</a:t>
+            </a:r>
+          </a:p>
+          <a:p>
+            <a:pPr lvl="1"/>
+            <a:r>
+              <a:rPr lang="en-US" altLang="zh-CN" dirty="0"/>
+              <a:t>for/while </a:t>
+            </a:r>
+            <a:r>
+              <a:rPr lang="zh-CN" altLang="en-US" dirty="0"/>
+              <a:t>进行循环迭代</a:t>
+            </a:r>
+            <a:endParaRPr lang="en-US" altLang="zh-CN" dirty="0" smtClean="0"/>
+          </a:p>
+          <a:p>
+            <a:r>
+              <a:rPr lang="zh-CN" altLang="en-US" dirty="0"/>
+              <a:t>数据（变量、数组、结构体等）</a:t>
+            </a:r>
+          </a:p>
+          <a:p>
+            <a:pPr lvl="1"/>
+            <a:r>
+              <a:rPr lang="zh-CN" altLang="en-US" dirty="0"/>
+              <a:t>变量 </a:t>
+            </a:r>
+            <a:r>
+              <a:rPr lang="en-US" altLang="zh-CN" dirty="0"/>
+              <a:t>(</a:t>
+            </a:r>
+            <a:r>
+              <a:rPr lang="en-US" altLang="zh-CN" dirty="0" err="1"/>
+              <a:t>int</a:t>
+            </a:r>
+            <a:r>
+              <a:rPr lang="en-US" altLang="zh-CN" dirty="0"/>
+              <a:t> a, b;)</a:t>
+            </a:r>
+          </a:p>
+          <a:p>
+            <a:pPr lvl="1"/>
+            <a:r>
+              <a:rPr lang="zh-CN" altLang="en-US" dirty="0"/>
+              <a:t>数组 </a:t>
+            </a:r>
+            <a:r>
+              <a:rPr lang="en-US" altLang="zh-CN" dirty="0"/>
+              <a:t>(</a:t>
+            </a:r>
+            <a:r>
+              <a:rPr lang="en-US" altLang="zh-CN" dirty="0" err="1"/>
+              <a:t>int</a:t>
+            </a:r>
+            <a:r>
+              <a:rPr lang="en-US" altLang="zh-CN" dirty="0"/>
+              <a:t> </a:t>
+            </a:r>
+            <a:r>
+              <a:rPr lang="en-US" altLang="zh-CN" dirty="0" err="1"/>
+              <a:t>arr</a:t>
+            </a:r>
+            <a:r>
+              <a:rPr lang="en-US" altLang="zh-CN" dirty="0"/>
+              <a:t>[10];)</a:t>
+            </a:r>
+          </a:p>
+          <a:p>
+            <a:pPr lvl="1"/>
+            <a:r>
+              <a:rPr lang="zh-CN" altLang="en-US" dirty="0"/>
+              <a:t>结构体 </a:t>
+            </a:r>
+            <a:r>
+              <a:rPr lang="en-US" altLang="zh-CN" dirty="0"/>
+              <a:t>(</a:t>
+            </a:r>
+            <a:r>
+              <a:rPr lang="en-US" altLang="zh-CN" dirty="0" err="1"/>
+              <a:t>struct</a:t>
+            </a:r>
+            <a:r>
+              <a:rPr lang="en-US" altLang="zh-CN" dirty="0"/>
+              <a:t> Student { </a:t>
+            </a:r>
+            <a:r>
+              <a:rPr lang="en-US" altLang="zh-CN" dirty="0" err="1"/>
+              <a:t>int</a:t>
+            </a:r>
+            <a:r>
+              <a:rPr lang="en-US" altLang="zh-CN" dirty="0"/>
+              <a:t> id; };)</a:t>
+            </a:r>
+            <a:endParaRPr lang="zh-CN" altLang="en-US" dirty="0"/>
+          </a:p>
+        </p:txBody>
+      </p:sp>
+    </p:spTree>
+    <p:extLst>
+      <p:ext uri="{BB962C8B-B14F-4D97-AF65-F5344CB8AC3E}">
+        <p14:creationId xmlns:p14="http://schemas.microsoft.com/office/powerpoint/2010/main" val="2301792727"/>
+      </p:ext>
+    </p:extLst>
+  </p:cSld>
+  <p:clrMapOvr>
+    <a:masterClrMapping/>
+  </p:clrMapOvr>
+</p:sld>
+</file>
+
 <file path=ppt/slides/slide32.xml><?xml version="1.0" encoding="utf-8"?>
 <p:sld xmlns:a="http://schemas.openxmlformats.org/drawingml/2006/main" xmlns:r="http://schemas.openxmlformats.org/officeDocument/2006/relationships" xmlns:p="http://schemas.openxmlformats.org/presentationml/2006/main">
   <p:cSld>
@@ -13698,7 +13697,11 @@
               <a:t> sum = 0;  // </a:t>
             </a:r>
             <a:r>
-              <a:rPr lang="zh-CN" altLang="en-US" dirty="0"/>
+              <a:rPr lang="zh-CN" altLang="en-US" dirty="0">
+                <a:solidFill>
+                  <a:srgbClr val="FF0000"/>
+                </a:solidFill>
+              </a:rPr>
               <a:t>数据（变量）</a:t>
             </a:r>
           </a:p>
@@ -13747,7 +13750,11 @@
               <a:t>++) {  // </a:t>
             </a:r>
             <a:r>
-              <a:rPr lang="zh-CN" altLang="en-US" dirty="0"/>
+              <a:rPr lang="zh-CN" altLang="en-US" dirty="0">
+                <a:solidFill>
+                  <a:srgbClr val="FF0000"/>
+                </a:solidFill>
+              </a:rPr>
               <a:t>控制语句（循环）</a:t>
             </a:r>
           </a:p>
@@ -13772,11 +13779,19 @@
               <a:t>;  // </a:t>
             </a:r>
             <a:r>
-              <a:rPr lang="zh-CN" altLang="en-US" dirty="0"/>
+              <a:rPr lang="zh-CN" altLang="en-US" dirty="0">
+                <a:solidFill>
+                  <a:srgbClr val="FF0000"/>
+                </a:solidFill>
+              </a:rPr>
               <a:t>运算符（</a:t>
             </a:r>
             <a:r>
-              <a:rPr lang="en-US" altLang="zh-CN" dirty="0"/>
+              <a:rPr lang="en-US" altLang="zh-CN" dirty="0">
+                <a:solidFill>
+                  <a:srgbClr val="FF0000"/>
+                </a:solidFill>
+              </a:rPr>
               <a:t>+=</a:t>
             </a:r>
             <a:r>
@@ -13822,7 +13837,11 @@
               <a:t>;  // </a:t>
             </a:r>
             <a:r>
-              <a:rPr lang="zh-CN" altLang="en-US" dirty="0"/>
+              <a:rPr lang="zh-CN" altLang="en-US" dirty="0">
+                <a:solidFill>
+                  <a:srgbClr val="FF0000"/>
+                </a:solidFill>
+              </a:rPr>
               <a:t>输出结果</a:t>
             </a:r>
           </a:p>
@@ -13925,7 +13944,9 @@
         </p:nvSpPr>
         <p:spPr/>
         <p:txBody>
-          <a:bodyPr/>
+          <a:bodyPr>
+            <a:normAutofit lnSpcReduction="10000"/>
+          </a:bodyPr>
           <a:lstStyle/>
           <a:p>
             <a:r>
@@ -13939,46 +13960,98 @@
             <a:endParaRPr lang="en-US" altLang="zh-CN" dirty="0" smtClean="0"/>
           </a:p>
           <a:p>
-            <a:r>
-              <a:rPr lang="zh-CN" altLang="en-US" dirty="0"/>
-              <a:t>关系</a:t>
-            </a:r>
+            <a:pPr lvl="1"/>
+            <a:r>
+              <a:rPr lang="en-US" altLang="zh-CN" dirty="0" smtClean="0"/>
+              <a:t>+</a:t>
+            </a:r>
+            <a:r>
+              <a:rPr lang="en-US" altLang="zh-CN" dirty="0"/>
+              <a:t>,</a:t>
+            </a:r>
+            <a:r>
+              <a:rPr lang="en-US" altLang="zh-CN" dirty="0" smtClean="0"/>
+              <a:t> -</a:t>
+            </a:r>
+            <a:r>
+              <a:rPr lang="en-US" altLang="zh-CN" dirty="0"/>
+              <a:t>,</a:t>
+            </a:r>
+            <a:r>
+              <a:rPr lang="en-US" altLang="zh-CN" dirty="0" smtClean="0"/>
+              <a:t> *</a:t>
+            </a:r>
+            <a:r>
+              <a:rPr lang="en-US" altLang="zh-CN" dirty="0"/>
+              <a:t>,</a:t>
+            </a:r>
+            <a:r>
+              <a:rPr lang="en-US" altLang="zh-CN" dirty="0" smtClean="0"/>
+              <a:t> </a:t>
+            </a:r>
+            <a:r>
+              <a:rPr lang="en-US" altLang="zh-CN" dirty="0"/>
+              <a:t>/ </a:t>
+            </a:r>
+            <a:endParaRPr lang="en-US" altLang="zh-CN" dirty="0" smtClean="0"/>
+          </a:p>
+          <a:p>
             <a:r>
               <a:rPr lang="zh-CN" altLang="en-US" dirty="0" smtClean="0"/>
-              <a:t>运算符</a:t>
+              <a:t>关系运算符</a:t>
             </a:r>
             <a:endParaRPr lang="en-US" altLang="zh-CN" dirty="0" smtClean="0"/>
           </a:p>
           <a:p>
-            <a:r>
-              <a:rPr lang="zh-CN" altLang="en-US" dirty="0"/>
-              <a:t>逻辑运算</a:t>
-            </a:r>
+            <a:pPr lvl="1"/>
+            <a:r>
+              <a:rPr lang="en-US" altLang="zh-CN" dirty="0" smtClean="0"/>
+              <a:t>&gt;,&lt;,==,!=</a:t>
+            </a:r>
+            <a:endParaRPr lang="zh-CN" altLang="en-US" dirty="0"/>
+          </a:p>
+          <a:p>
             <a:r>
               <a:rPr lang="zh-CN" altLang="en-US" dirty="0" smtClean="0"/>
-              <a:t>符</a:t>
+              <a:t>逻辑运算符</a:t>
             </a:r>
             <a:endParaRPr lang="en-US" altLang="zh-CN" dirty="0" smtClean="0"/>
           </a:p>
           <a:p>
-            <a:r>
-              <a:rPr lang="zh-CN" altLang="en-US" dirty="0"/>
-              <a:t>位</a:t>
-            </a:r>
+            <a:pPr lvl="1"/>
+            <a:r>
+              <a:rPr lang="en-US" altLang="zh-CN" dirty="0" smtClean="0"/>
+              <a:t>&amp;&amp;,||,!</a:t>
+            </a:r>
+            <a:endParaRPr lang="zh-CN" altLang="en-US" dirty="0"/>
+          </a:p>
+          <a:p>
             <a:r>
               <a:rPr lang="zh-CN" altLang="en-US" dirty="0" smtClean="0"/>
-              <a:t>运算符</a:t>
+              <a:t>位运算符</a:t>
             </a:r>
             <a:endParaRPr lang="en-US" altLang="zh-CN" dirty="0" smtClean="0"/>
           </a:p>
           <a:p>
-            <a:r>
-              <a:rPr lang="zh-CN" altLang="en-US" dirty="0"/>
-              <a:t>赋值</a:t>
-            </a:r>
+            <a:pPr lvl="1"/>
+            <a:r>
+              <a:rPr lang="en-US" altLang="zh-CN" dirty="0"/>
+              <a:t>&amp;, |, ^, &lt;&lt; , &gt;&gt;</a:t>
+            </a:r>
+            <a:endParaRPr lang="en-US" altLang="zh-CN" dirty="0" smtClean="0"/>
+          </a:p>
+          <a:p>
             <a:r>
               <a:rPr lang="zh-CN" altLang="en-US" dirty="0" smtClean="0"/>
-              <a:t>运算符</a:t>
+              <a:t>赋值运算符</a:t>
+            </a:r>
+            <a:endParaRPr lang="en-US" altLang="zh-CN" dirty="0" smtClean="0"/>
+          </a:p>
+          <a:p>
+            <a:pPr lvl="1"/>
+            <a:r>
+              <a:rPr lang="en-US" altLang="zh-CN" dirty="0"/>
+              <a:t>+=, -=, *=</a:t>
             </a:r>
             <a:endParaRPr lang="en-US" altLang="zh-CN" dirty="0" smtClean="0"/>
           </a:p>
@@ -14080,6 +14153,21 @@
             <a:endParaRPr lang="en-US" altLang="zh-CN" dirty="0" smtClean="0"/>
           </a:p>
           <a:p>
+            <a:pPr lvl="1"/>
+            <a:r>
+              <a:rPr lang="en-US" altLang="zh-CN" dirty="0" smtClean="0"/>
+              <a:t>If</a:t>
+            </a:r>
+          </a:p>
+          <a:p>
+            <a:pPr lvl="1"/>
+            <a:r>
+              <a:rPr lang="en-US" altLang="zh-CN" dirty="0"/>
+              <a:t>switch</a:t>
+            </a:r>
+            <a:endParaRPr lang="en-US" altLang="zh-CN" dirty="0" smtClean="0"/>
+          </a:p>
+          <a:p>
             <a:r>
               <a:rPr lang="zh-CN" altLang="en-US" dirty="0"/>
               <a:t>循环</a:t>
@@ -14087,6 +14175,28 @@
             <a:r>
               <a:rPr lang="zh-CN" altLang="en-US" dirty="0" smtClean="0"/>
               <a:t>语句</a:t>
+            </a:r>
+            <a:endParaRPr lang="en-US" altLang="zh-CN" dirty="0" smtClean="0"/>
+          </a:p>
+          <a:p>
+            <a:pPr lvl="1"/>
+            <a:r>
+              <a:rPr lang="en-US" altLang="zh-CN" dirty="0" smtClean="0"/>
+              <a:t>for</a:t>
+            </a:r>
+          </a:p>
+          <a:p>
+            <a:pPr lvl="1"/>
+            <a:r>
+              <a:rPr lang="en-US" altLang="zh-CN" dirty="0" smtClean="0"/>
+              <a:t>while</a:t>
+            </a:r>
+          </a:p>
+          <a:p>
+            <a:pPr lvl="1"/>
+            <a:r>
+              <a:rPr lang="en-US" altLang="zh-CN" dirty="0" smtClean="0"/>
+              <a:t>Do…while</a:t>
             </a:r>
             <a:endParaRPr lang="en-US" altLang="zh-CN" dirty="0" smtClean="0"/>
           </a:p>

--- a/learn_cpp/docs/C++语言培训.pptx
+++ b/learn_cpp/docs/C++语言培训.pptx
@@ -42,24 +42,32 @@
     <p:sldId id="286" r:id="rId36"/>
     <p:sldId id="287" r:id="rId37"/>
     <p:sldId id="259" r:id="rId38"/>
-    <p:sldId id="260" r:id="rId39"/>
-    <p:sldId id="288" r:id="rId40"/>
-    <p:sldId id="289" r:id="rId41"/>
-    <p:sldId id="290" r:id="rId42"/>
-    <p:sldId id="291" r:id="rId43"/>
-    <p:sldId id="292" r:id="rId44"/>
-    <p:sldId id="293" r:id="rId45"/>
-    <p:sldId id="294" r:id="rId46"/>
-    <p:sldId id="295" r:id="rId47"/>
-    <p:sldId id="296" r:id="rId48"/>
-    <p:sldId id="261" r:id="rId49"/>
-    <p:sldId id="262" r:id="rId50"/>
-    <p:sldId id="263" r:id="rId51"/>
-    <p:sldId id="264" r:id="rId52"/>
-    <p:sldId id="265" r:id="rId53"/>
-    <p:sldId id="266" r:id="rId54"/>
-    <p:sldId id="267" r:id="rId55"/>
-    <p:sldId id="268" r:id="rId56"/>
+    <p:sldId id="316" r:id="rId39"/>
+    <p:sldId id="312" r:id="rId40"/>
+    <p:sldId id="319" r:id="rId41"/>
+    <p:sldId id="313" r:id="rId42"/>
+    <p:sldId id="314" r:id="rId43"/>
+    <p:sldId id="317" r:id="rId44"/>
+    <p:sldId id="318" r:id="rId45"/>
+    <p:sldId id="315" r:id="rId46"/>
+    <p:sldId id="260" r:id="rId47"/>
+    <p:sldId id="288" r:id="rId48"/>
+    <p:sldId id="289" r:id="rId49"/>
+    <p:sldId id="290" r:id="rId50"/>
+    <p:sldId id="291" r:id="rId51"/>
+    <p:sldId id="292" r:id="rId52"/>
+    <p:sldId id="293" r:id="rId53"/>
+    <p:sldId id="294" r:id="rId54"/>
+    <p:sldId id="295" r:id="rId55"/>
+    <p:sldId id="296" r:id="rId56"/>
+    <p:sldId id="261" r:id="rId57"/>
+    <p:sldId id="262" r:id="rId58"/>
+    <p:sldId id="263" r:id="rId59"/>
+    <p:sldId id="264" r:id="rId60"/>
+    <p:sldId id="265" r:id="rId61"/>
+    <p:sldId id="266" r:id="rId62"/>
+    <p:sldId id="267" r:id="rId63"/>
+    <p:sldId id="268" r:id="rId64"/>
   </p:sldIdLst>
   <p:sldSz cx="12192000" cy="6858000"/>
   <p:notesSz cx="6858000" cy="9144000"/>
@@ -355,7 +363,7 @@
             <a:fld id="{B61BEF0D-F0BB-DE4B-95CE-6DB70DBA9567}" type="datetimeFigureOut">
               <a:rPr lang="en-US" dirty="0"/>
               <a:pPr/>
-              <a:t>3/10/2025</a:t>
+              <a:t>3/11/2025</a:t>
             </a:fld>
             <a:endParaRPr lang="en-US" dirty="0"/>
           </a:p>
@@ -690,7 +698,7 @@
             <a:fld id="{B61BEF0D-F0BB-DE4B-95CE-6DB70DBA9567}" type="datetimeFigureOut">
               <a:rPr lang="en-US" dirty="0"/>
               <a:pPr/>
-              <a:t>3/10/2025</a:t>
+              <a:t>3/11/2025</a:t>
             </a:fld>
             <a:endParaRPr lang="en-US" dirty="0"/>
           </a:p>
@@ -1088,7 +1096,7 @@
             <a:fld id="{B61BEF0D-F0BB-DE4B-95CE-6DB70DBA9567}" type="datetimeFigureOut">
               <a:rPr lang="en-US" dirty="0"/>
               <a:pPr/>
-              <a:t>3/10/2025</a:t>
+              <a:t>3/11/2025</a:t>
             </a:fld>
             <a:endParaRPr lang="en-US" dirty="0"/>
           </a:p>
@@ -1421,7 +1429,7 @@
             <a:fld id="{B61BEF0D-F0BB-DE4B-95CE-6DB70DBA9567}" type="datetimeFigureOut">
               <a:rPr lang="en-US" dirty="0"/>
               <a:pPr/>
-              <a:t>3/10/2025</a:t>
+              <a:t>3/11/2025</a:t>
             </a:fld>
             <a:endParaRPr lang="en-US" dirty="0"/>
           </a:p>
@@ -1738,7 +1746,7 @@
             <a:fld id="{B61BEF0D-F0BB-DE4B-95CE-6DB70DBA9567}" type="datetimeFigureOut">
               <a:rPr lang="en-US" dirty="0"/>
               <a:pPr/>
-              <a:t>3/10/2025</a:t>
+              <a:t>3/11/2025</a:t>
             </a:fld>
             <a:endParaRPr lang="en-US" dirty="0"/>
           </a:p>
@@ -2131,7 +2139,7 @@
             <a:fld id="{B61BEF0D-F0BB-DE4B-95CE-6DB70DBA9567}" type="datetimeFigureOut">
               <a:rPr lang="en-US" dirty="0"/>
               <a:pPr/>
-              <a:t>3/10/2025</a:t>
+              <a:t>3/11/2025</a:t>
             </a:fld>
             <a:endParaRPr lang="en-US" dirty="0"/>
           </a:p>
@@ -2385,7 +2393,7 @@
             <a:fld id="{B61BEF0D-F0BB-DE4B-95CE-6DB70DBA9567}" type="datetimeFigureOut">
               <a:rPr lang="en-US" dirty="0"/>
               <a:pPr/>
-              <a:t>3/10/2025</a:t>
+              <a:t>3/11/2025</a:t>
             </a:fld>
             <a:endParaRPr lang="en-US" dirty="0"/>
           </a:p>
@@ -2644,7 +2652,7 @@
             <a:fld id="{B61BEF0D-F0BB-DE4B-95CE-6DB70DBA9567}" type="datetimeFigureOut">
               <a:rPr lang="en-US" dirty="0"/>
               <a:pPr/>
-              <a:t>3/10/2025</a:t>
+              <a:t>3/11/2025</a:t>
             </a:fld>
             <a:endParaRPr lang="en-US" dirty="0"/>
           </a:p>
@@ -2903,7 +2911,7 @@
             <a:fld id="{B61BEF0D-F0BB-DE4B-95CE-6DB70DBA9567}" type="datetimeFigureOut">
               <a:rPr lang="en-US" dirty="0"/>
               <a:pPr/>
-              <a:t>3/10/2025</a:t>
+              <a:t>3/11/2025</a:t>
             </a:fld>
             <a:endParaRPr lang="en-US" dirty="0"/>
           </a:p>
@@ -3229,7 +3237,7 @@
             <a:fld id="{B61BEF0D-F0BB-DE4B-95CE-6DB70DBA9567}" type="datetimeFigureOut">
               <a:rPr lang="en-US" dirty="0"/>
               <a:pPr/>
-              <a:t>3/10/2025</a:t>
+              <a:t>3/11/2025</a:t>
             </a:fld>
             <a:endParaRPr lang="en-US" dirty="0"/>
           </a:p>
@@ -3549,7 +3557,7 @@
             <a:fld id="{B61BEF0D-F0BB-DE4B-95CE-6DB70DBA9567}" type="datetimeFigureOut">
               <a:rPr lang="en-US" dirty="0"/>
               <a:pPr/>
-              <a:t>3/10/2025</a:t>
+              <a:t>3/11/2025</a:t>
             </a:fld>
             <a:endParaRPr lang="en-US" dirty="0"/>
           </a:p>
@@ -4032,7 +4040,7 @@
             <a:fld id="{B61BEF0D-F0BB-DE4B-95CE-6DB70DBA9567}" type="datetimeFigureOut">
               <a:rPr lang="en-US" dirty="0"/>
               <a:pPr/>
-              <a:t>3/10/2025</a:t>
+              <a:t>3/11/2025</a:t>
             </a:fld>
             <a:endParaRPr lang="en-US" dirty="0"/>
           </a:p>
@@ -4234,7 +4242,7 @@
             <a:fld id="{B61BEF0D-F0BB-DE4B-95CE-6DB70DBA9567}" type="datetimeFigureOut">
               <a:rPr lang="en-US" dirty="0"/>
               <a:pPr/>
-              <a:t>3/10/2025</a:t>
+              <a:t>3/11/2025</a:t>
             </a:fld>
             <a:endParaRPr lang="en-US" dirty="0"/>
           </a:p>
@@ -4408,7 +4416,7 @@
             <a:fld id="{B61BEF0D-F0BB-DE4B-95CE-6DB70DBA9567}" type="datetimeFigureOut">
               <a:rPr lang="en-US" dirty="0"/>
               <a:pPr/>
-              <a:t>3/10/2025</a:t>
+              <a:t>3/11/2025</a:t>
             </a:fld>
             <a:endParaRPr lang="en-US" dirty="0"/>
           </a:p>
@@ -4738,7 +4746,7 @@
             <a:fld id="{B61BEF0D-F0BB-DE4B-95CE-6DB70DBA9567}" type="datetimeFigureOut">
               <a:rPr lang="en-US" dirty="0"/>
               <a:pPr/>
-              <a:t>3/10/2025</a:t>
+              <a:t>3/11/2025</a:t>
             </a:fld>
             <a:endParaRPr lang="en-US" dirty="0"/>
           </a:p>
@@ -5080,7 +5088,7 @@
             <a:fld id="{B61BEF0D-F0BB-DE4B-95CE-6DB70DBA9567}" type="datetimeFigureOut">
               <a:rPr lang="en-US" dirty="0"/>
               <a:pPr/>
-              <a:t>3/10/2025</a:t>
+              <a:t>3/11/2025</a:t>
             </a:fld>
             <a:endParaRPr lang="en-US" dirty="0"/>
           </a:p>
@@ -7194,7 +7202,7 @@
             <a:fld id="{B61BEF0D-F0BB-DE4B-95CE-6DB70DBA9567}" type="datetimeFigureOut">
               <a:rPr lang="en-US" dirty="0"/>
               <a:pPr/>
-              <a:t>3/10/2025</a:t>
+              <a:t>3/11/2025</a:t>
             </a:fld>
             <a:endParaRPr lang="en-US" dirty="0"/>
           </a:p>
@@ -14198,7 +14206,6 @@
               <a:rPr lang="en-US" altLang="zh-CN" dirty="0" smtClean="0"/>
               <a:t>Do…while</a:t>
             </a:r>
-            <a:endParaRPr lang="en-US" altLang="zh-CN" dirty="0" smtClean="0"/>
           </a:p>
           <a:p>
             <a:endParaRPr lang="zh-CN" altLang="en-US" dirty="0"/>
@@ -14385,7 +14392,7 @@
           <a:lstStyle/>
           <a:p>
             <a:r>
-              <a:rPr lang="en-US" altLang="zh-CN" smtClean="0"/>
+              <a:rPr lang="en-US" altLang="zh-CN" dirty="0" smtClean="0"/>
               <a:t>3.5 </a:t>
             </a:r>
             <a:r>
@@ -14542,7 +14549,7 @@
               <a:t>章</a:t>
             </a:r>
             <a:r>
-              <a:rPr lang="zh-CN" altLang="en-US" b="1" dirty="0">
+              <a:rPr lang="zh-CN" altLang="en-US" b="1" dirty="0" smtClean="0">
                 <a:latin typeface="华文楷体" pitchFamily="2" charset="-122"/>
                 <a:ea typeface="华文楷体" pitchFamily="2" charset="-122"/>
               </a:rPr>
@@ -14569,7 +14576,18 @@
           <a:p>
             <a:r>
               <a:rPr lang="zh-CN" altLang="en-US" dirty="0"/>
-              <a:t>函数定义与调用：参数传递（值传递、引用传递）、返回值。</a:t>
+              <a:t>函数的作用</a:t>
+            </a:r>
+            <a:endParaRPr lang="en-US" altLang="zh-CN" dirty="0"/>
+          </a:p>
+          <a:p>
+            <a:r>
+              <a:rPr lang="zh-CN" altLang="en-US" dirty="0" smtClean="0"/>
+              <a:t>函数</a:t>
+            </a:r>
+            <a:r>
+              <a:rPr lang="zh-CN" altLang="en-US" dirty="0"/>
+              <a:t>定义与调用：参数传递（值传递、引用传递）、返回值。</a:t>
             </a:r>
           </a:p>
           <a:p>
@@ -14581,8 +14599,20 @@
           <a:p>
             <a:r>
               <a:rPr lang="zh-CN" altLang="en-US" dirty="0"/>
-              <a:t>数组：一维数组、二维数组的定义与使用，数组与指针的关系。</a:t>
-            </a:r>
+              <a:t>数组：一维数组、二维数组的定义与使用，数组与指针的关系</a:t>
+            </a:r>
+            <a:r>
+              <a:rPr lang="zh-CN" altLang="en-US" dirty="0" smtClean="0"/>
+              <a:t>。</a:t>
+            </a:r>
+            <a:endParaRPr lang="en-US" altLang="zh-CN" dirty="0" smtClean="0"/>
+          </a:p>
+          <a:p>
+            <a:r>
+              <a:rPr lang="zh-CN" altLang="en-US" dirty="0"/>
+              <a:t>函数参数使用数组</a:t>
+            </a:r>
+            <a:endParaRPr lang="zh-CN" altLang="en-US" dirty="0"/>
           </a:p>
         </p:txBody>
       </p:sp>
@@ -14639,47 +14669,24 @@
           <a:lstStyle/>
           <a:p>
             <a:r>
-              <a:rPr lang="zh-CN" altLang="en-US" b="1" dirty="0" smtClean="0">
-                <a:latin typeface="华文楷体" pitchFamily="2" charset="-122"/>
-                <a:ea typeface="华文楷体" pitchFamily="2" charset="-122"/>
-              </a:rPr>
-              <a:t>第</a:t>
-            </a:r>
-            <a:r>
-              <a:rPr lang="en-US" altLang="zh-CN" b="1" dirty="0" smtClean="0">
-                <a:latin typeface="华文楷体" pitchFamily="2" charset="-122"/>
-                <a:ea typeface="华文楷体" pitchFamily="2" charset="-122"/>
-              </a:rPr>
-              <a:t>5</a:t>
-            </a:r>
-            <a:r>
-              <a:rPr lang="zh-CN" altLang="en-US" b="1" dirty="0" smtClean="0">
-                <a:latin typeface="华文楷体" pitchFamily="2" charset="-122"/>
-                <a:ea typeface="华文楷体" pitchFamily="2" charset="-122"/>
-              </a:rPr>
-              <a:t>章</a:t>
-            </a:r>
-            <a:r>
-              <a:rPr lang="zh-CN" altLang="en-US" b="1" dirty="0">
-                <a:latin typeface="华文楷体" pitchFamily="2" charset="-122"/>
-                <a:ea typeface="华文楷体" pitchFamily="2" charset="-122"/>
-              </a:rPr>
-              <a:t>面向对象编程（</a:t>
-            </a:r>
-            <a:r>
-              <a:rPr lang="en-US" altLang="zh-CN" b="1" dirty="0">
-                <a:latin typeface="华文楷体" pitchFamily="2" charset="-122"/>
-                <a:ea typeface="华文楷体" pitchFamily="2" charset="-122"/>
-              </a:rPr>
-              <a:t>OOP</a:t>
-            </a:r>
-            <a:r>
-              <a:rPr lang="zh-CN" altLang="en-US" b="1" dirty="0">
-                <a:latin typeface="华文楷体" pitchFamily="2" charset="-122"/>
-                <a:ea typeface="华文楷体" pitchFamily="2" charset="-122"/>
-              </a:rPr>
-              <a:t>）基础</a:t>
-            </a:r>
+              <a:rPr lang="en-US" altLang="zh-CN" b="1" dirty="0" smtClean="0"/>
+              <a:t>4.1</a:t>
+            </a:r>
+            <a:r>
+              <a:rPr lang="zh-CN" altLang="en-US" b="1" dirty="0" smtClean="0"/>
+              <a:t>函数</a:t>
+            </a:r>
+            <a:r>
+              <a:rPr lang="zh-CN" altLang="en-US" b="1" dirty="0"/>
+              <a:t>的作用</a:t>
+            </a:r>
+            <a:r>
+              <a:rPr lang="en-US" altLang="zh-CN" dirty="0"/>
+              <a:t/>
+            </a:r>
+            <a:br>
+              <a:rPr lang="en-US" altLang="zh-CN" dirty="0"/>
+            </a:br>
             <a:endParaRPr lang="zh-CN" altLang="en-US" dirty="0"/>
           </a:p>
         </p:txBody>
@@ -14701,49 +14708,25 @@
           <a:p>
             <a:r>
               <a:rPr lang="zh-CN" altLang="en-US" dirty="0"/>
-              <a:t>类与对象：定义类、创建对象、构造函数与析构函数。</a:t>
-            </a:r>
-          </a:p>
-          <a:p>
-            <a:r>
-              <a:rPr lang="zh-CN" altLang="en-US" dirty="0"/>
-              <a:t>封装：访问控制修饰符（</a:t>
-            </a:r>
-            <a:r>
-              <a:rPr lang="en-US" altLang="zh-CN" dirty="0"/>
-              <a:t>public</a:t>
-            </a:r>
-            <a:r>
-              <a:rPr lang="zh-CN" altLang="en-US" dirty="0"/>
-              <a:t>、</a:t>
-            </a:r>
-            <a:r>
-              <a:rPr lang="en-US" altLang="zh-CN" dirty="0"/>
-              <a:t>private</a:t>
-            </a:r>
-            <a:r>
-              <a:rPr lang="zh-CN" altLang="en-US" dirty="0"/>
-              <a:t>、</a:t>
-            </a:r>
-            <a:r>
-              <a:rPr lang="en-US" altLang="zh-CN" dirty="0"/>
-              <a:t>protected</a:t>
-            </a:r>
-            <a:r>
-              <a:rPr lang="zh-CN" altLang="en-US" dirty="0"/>
-              <a:t>）。</a:t>
-            </a:r>
-          </a:p>
-          <a:p>
-            <a:r>
-              <a:rPr lang="zh-CN" altLang="en-US" dirty="0"/>
-              <a:t>继承：继承的概念、基类与派生类、多重继承。</a:t>
-            </a:r>
-          </a:p>
-          <a:p>
-            <a:r>
-              <a:rPr lang="zh-CN" altLang="en-US" dirty="0"/>
-              <a:t>多态：虚函数、纯虚函数、虚函数的重写、运行时多态。</a:t>
+              <a:t>提高代码的可读性：通过函数将逻辑分块，使代码更加清晰易懂。</a:t>
+            </a:r>
+          </a:p>
+          <a:p>
+            <a:r>
+              <a:rPr lang="zh-CN" altLang="en-US" dirty="0"/>
+              <a:t>增强代码的复用性：相同的功能可以封装为一个函数，在不同的地方重复调用，而不需要复制代码。</a:t>
+            </a:r>
+          </a:p>
+          <a:p>
+            <a:r>
+              <a:rPr lang="zh-CN" altLang="en-US" dirty="0"/>
+              <a:t>简化代码的维护：如果程序需要修改，只需修改函数内部的实现，而不影响整个程序。</a:t>
+            </a:r>
+          </a:p>
+          <a:p>
+            <a:r>
+              <a:rPr lang="zh-CN" altLang="en-US" dirty="0"/>
+              <a:t>模块化编程：将大程序拆分成多个小的、可管理的单元，提高开发效率。</a:t>
             </a:r>
           </a:p>
         </p:txBody>
@@ -14751,20 +14734,13 @@
     </p:spTree>
     <p:extLst>
       <p:ext uri="{BB962C8B-B14F-4D97-AF65-F5344CB8AC3E}">
-        <p14:creationId xmlns:p14="http://schemas.microsoft.com/office/powerpoint/2010/main" val="2413468171"/>
+        <p14:creationId xmlns:p14="http://schemas.microsoft.com/office/powerpoint/2010/main" val="3732899416"/>
       </p:ext>
     </p:extLst>
   </p:cSld>
   <p:clrMapOvr>
     <a:masterClrMapping/>
   </p:clrMapOvr>
-  <p:timing>
-    <p:tnLst>
-      <p:par>
-        <p:cTn id="1" dur="indefinite" restart="never" nodeType="tmRoot"/>
-      </p:par>
-    </p:tnLst>
-  </p:timing>
 </p:sld>
 </file>
 
@@ -14802,11 +14778,15 @@
           <a:p>
             <a:r>
               <a:rPr lang="en-US" altLang="zh-CN" b="1" dirty="0" smtClean="0"/>
-              <a:t>5.1 </a:t>
+              <a:t>4.2 </a:t>
+            </a:r>
+            <a:r>
+              <a:rPr lang="zh-CN" altLang="en-US" b="1" dirty="0" smtClean="0"/>
+              <a:t>函数</a:t>
             </a:r>
             <a:r>
               <a:rPr lang="zh-CN" altLang="en-US" b="1" dirty="0"/>
-              <a:t>为什么使用面向对象</a:t>
+              <a:t>定义与调用</a:t>
             </a:r>
           </a:p>
         </p:txBody>
@@ -14823,36 +14803,66 @@
         </p:nvSpPr>
         <p:spPr/>
         <p:txBody>
-          <a:bodyPr/>
+          <a:bodyPr>
+            <a:normAutofit fontScale="92500" lnSpcReduction="20000"/>
+          </a:bodyPr>
           <a:lstStyle/>
           <a:p>
             <a:r>
               <a:rPr lang="zh-CN" altLang="en-US" dirty="0"/>
-              <a:t>面向对象编程（</a:t>
-            </a:r>
-            <a:r>
-              <a:rPr lang="en-US" altLang="zh-CN" dirty="0"/>
-              <a:t>OOP</a:t>
-            </a:r>
-            <a:r>
-              <a:rPr lang="zh-CN" altLang="en-US" dirty="0"/>
-              <a:t>）是软件开发中的一种编程范式，它与传统的过程化编程（如</a:t>
-            </a:r>
-            <a:r>
-              <a:rPr lang="en-US" altLang="zh-CN" dirty="0"/>
-              <a:t>C</a:t>
-            </a:r>
-            <a:r>
-              <a:rPr lang="zh-CN" altLang="en-US" dirty="0"/>
-              <a:t>语言）相比，提供了更高的灵活性和可维护性。通过将数据和操作数据的方法封装在一起，</a:t>
-            </a:r>
-            <a:r>
-              <a:rPr lang="en-US" altLang="zh-CN" dirty="0"/>
-              <a:t>OOP</a:t>
-            </a:r>
-            <a:r>
-              <a:rPr lang="zh-CN" altLang="en-US" dirty="0"/>
-              <a:t>可以使代码更加模块化、可扩展和易于维护</a:t>
+              <a:t>函数用于封装特定的操作或计算。定义函数时需要指定</a:t>
+            </a:r>
+            <a:r>
+              <a:rPr lang="zh-CN" altLang="en-US" dirty="0">
+                <a:solidFill>
+                  <a:srgbClr val="FF0000"/>
+                </a:solidFill>
+              </a:rPr>
+              <a:t>返回类型</a:t>
+            </a:r>
+            <a:r>
+              <a:rPr lang="zh-CN" altLang="en-US" dirty="0"/>
+              <a:t>、</a:t>
+            </a:r>
+            <a:r>
+              <a:rPr lang="zh-CN" altLang="en-US" dirty="0">
+                <a:solidFill>
+                  <a:srgbClr val="FF0000"/>
+                </a:solidFill>
+              </a:rPr>
+              <a:t>函数名称</a:t>
+            </a:r>
+            <a:r>
+              <a:rPr lang="zh-CN" altLang="en-US" dirty="0"/>
+              <a:t>、</a:t>
+            </a:r>
+            <a:r>
+              <a:rPr lang="zh-CN" altLang="en-US" dirty="0">
+                <a:solidFill>
+                  <a:srgbClr val="FF0000"/>
+                </a:solidFill>
+              </a:rPr>
+              <a:t>参数</a:t>
+            </a:r>
+            <a:r>
+              <a:rPr lang="zh-CN" altLang="en-US" dirty="0" smtClean="0">
+                <a:solidFill>
+                  <a:srgbClr val="FF0000"/>
+                </a:solidFill>
+              </a:rPr>
+              <a:t>类型</a:t>
+            </a:r>
+            <a:r>
+              <a:rPr lang="zh-CN" altLang="en-US" dirty="0" smtClean="0"/>
+              <a:t>以及</a:t>
+            </a:r>
+            <a:r>
+              <a:rPr lang="zh-CN" altLang="en-US" dirty="0">
+                <a:solidFill>
+                  <a:srgbClr val="FF0000"/>
+                </a:solidFill>
+              </a:rPr>
+              <a:t>函数体</a:t>
             </a:r>
             <a:r>
               <a:rPr lang="zh-CN" altLang="en-US" dirty="0" smtClean="0"/>
@@ -14862,38 +14872,147 @@
           </a:p>
           <a:p>
             <a:r>
-              <a:rPr lang="zh-CN" altLang="en-US" dirty="0"/>
-              <a:t>面向对象的</a:t>
-            </a:r>
-            <a:r>
               <a:rPr lang="zh-CN" altLang="en-US" dirty="0" smtClean="0"/>
-              <a:t>优势</a:t>
+              <a:t>函数定义</a:t>
             </a:r>
             <a:endParaRPr lang="en-US" altLang="zh-CN" dirty="0" smtClean="0"/>
           </a:p>
           <a:p>
-            <a:r>
-              <a:rPr lang="zh-CN" altLang="en-US" dirty="0"/>
-              <a:t>与 </a:t>
-            </a:r>
-            <a:r>
-              <a:rPr lang="en-US" altLang="zh-CN" dirty="0"/>
-              <a:t>C </a:t>
-            </a:r>
-            <a:r>
-              <a:rPr lang="zh-CN" altLang="en-US" dirty="0"/>
-              <a:t>语言的</a:t>
-            </a:r>
-            <a:r>
-              <a:rPr lang="zh-CN" altLang="en-US" dirty="0" smtClean="0"/>
-              <a:t>区别</a:t>
-            </a:r>
-            <a:endParaRPr lang="en-US" altLang="zh-CN" dirty="0" smtClean="0"/>
-          </a:p>
-          <a:p>
-            <a:r>
-              <a:rPr lang="zh-CN" altLang="en-US" dirty="0"/>
-              <a:t>为什么选择面向对象编程</a:t>
+            <a:pPr marL="0" indent="0">
+              <a:buNone/>
+            </a:pPr>
+            <a:r>
+              <a:rPr lang="en-US" altLang="zh-CN" dirty="0"/>
+              <a:t>	// </a:t>
+            </a:r>
+            <a:r>
+              <a:rPr lang="zh-CN" altLang="en-US" dirty="0"/>
+              <a:t>定义一个加法函数</a:t>
+            </a:r>
+          </a:p>
+          <a:p>
+            <a:pPr marL="400050" lvl="1" indent="0">
+              <a:buNone/>
+            </a:pPr>
+            <a:r>
+              <a:rPr lang="en-US" altLang="zh-CN" dirty="0" err="1"/>
+              <a:t>int</a:t>
+            </a:r>
+            <a:r>
+              <a:rPr lang="en-US" altLang="zh-CN" dirty="0"/>
+              <a:t> add(</a:t>
+            </a:r>
+            <a:r>
+              <a:rPr lang="en-US" altLang="zh-CN" dirty="0" err="1"/>
+              <a:t>int</a:t>
+            </a:r>
+            <a:r>
+              <a:rPr lang="en-US" altLang="zh-CN" dirty="0"/>
+              <a:t> a, </a:t>
+            </a:r>
+            <a:r>
+              <a:rPr lang="en-US" altLang="zh-CN" dirty="0" err="1"/>
+              <a:t>int</a:t>
+            </a:r>
+            <a:r>
+              <a:rPr lang="en-US" altLang="zh-CN" dirty="0"/>
+              <a:t> b) {</a:t>
+            </a:r>
+          </a:p>
+          <a:p>
+            <a:pPr marL="400050" lvl="1" indent="0">
+              <a:buNone/>
+            </a:pPr>
+            <a:r>
+              <a:rPr lang="en-US" altLang="zh-CN" dirty="0"/>
+              <a:t>    return a + b;</a:t>
+            </a:r>
+          </a:p>
+          <a:p>
+            <a:pPr marL="400050" lvl="1" indent="0">
+              <a:buNone/>
+            </a:pPr>
+            <a:r>
+              <a:rPr lang="en-US" altLang="zh-CN" dirty="0" smtClean="0"/>
+              <a:t>}</a:t>
+            </a:r>
+            <a:endParaRPr lang="en-US" altLang="zh-CN" dirty="0"/>
+          </a:p>
+          <a:p>
+            <a:pPr marL="400050" lvl="1" indent="0">
+              <a:buNone/>
+            </a:pPr>
+            <a:r>
+              <a:rPr lang="en-US" altLang="zh-CN" dirty="0" err="1"/>
+              <a:t>int</a:t>
+            </a:r>
+            <a:r>
+              <a:rPr lang="en-US" altLang="zh-CN" dirty="0"/>
+              <a:t> main() {</a:t>
+            </a:r>
+          </a:p>
+          <a:p>
+            <a:pPr marL="400050" lvl="1" indent="0">
+              <a:buNone/>
+            </a:pPr>
+            <a:r>
+              <a:rPr lang="en-US" altLang="zh-CN" dirty="0"/>
+              <a:t>    </a:t>
+            </a:r>
+            <a:r>
+              <a:rPr lang="en-US" altLang="zh-CN" dirty="0" err="1"/>
+              <a:t>int</a:t>
+            </a:r>
+            <a:r>
+              <a:rPr lang="en-US" altLang="zh-CN" dirty="0"/>
+              <a:t> result = add(3, 4);  // </a:t>
+            </a:r>
+            <a:r>
+              <a:rPr lang="zh-CN" altLang="en-US" dirty="0"/>
+              <a:t>调用函数</a:t>
+            </a:r>
+          </a:p>
+          <a:p>
+            <a:pPr marL="400050" lvl="1" indent="0">
+              <a:buNone/>
+            </a:pPr>
+            <a:r>
+              <a:rPr lang="zh-CN" altLang="en-US" dirty="0"/>
+              <a:t>    </a:t>
+            </a:r>
+            <a:r>
+              <a:rPr lang="en-US" altLang="zh-CN" dirty="0" err="1"/>
+              <a:t>cout</a:t>
+            </a:r>
+            <a:r>
+              <a:rPr lang="en-US" altLang="zh-CN" dirty="0"/>
+              <a:t> &lt;&lt; "Result: " &lt;&lt; result &lt;&lt; </a:t>
+            </a:r>
+            <a:r>
+              <a:rPr lang="en-US" altLang="zh-CN" dirty="0" err="1"/>
+              <a:t>endl</a:t>
+            </a:r>
+            <a:r>
+              <a:rPr lang="en-US" altLang="zh-CN" dirty="0"/>
+              <a:t>;</a:t>
+            </a:r>
+          </a:p>
+          <a:p>
+            <a:pPr marL="400050" lvl="1" indent="0">
+              <a:buNone/>
+            </a:pPr>
+            <a:r>
+              <a:rPr lang="en-US" altLang="zh-CN" dirty="0"/>
+              <a:t>    return 0;</a:t>
+            </a:r>
+          </a:p>
+          <a:p>
+            <a:pPr marL="400050" lvl="1" indent="0">
+              <a:buNone/>
+            </a:pPr>
+            <a:r>
+              <a:rPr lang="en-US" altLang="zh-CN" dirty="0" smtClean="0"/>
+              <a:t>}</a:t>
             </a:r>
           </a:p>
         </p:txBody>
@@ -14901,7 +15020,7 @@
     </p:spTree>
     <p:extLst>
       <p:ext uri="{BB962C8B-B14F-4D97-AF65-F5344CB8AC3E}">
-        <p14:creationId xmlns:p14="http://schemas.microsoft.com/office/powerpoint/2010/main" val="329754630"/>
+        <p14:creationId xmlns:p14="http://schemas.microsoft.com/office/powerpoint/2010/main" val="3706298998"/>
       </p:ext>
     </p:extLst>
   </p:cSld>
@@ -15092,14 +15211,14 @@
           <a:p>
             <a:r>
               <a:rPr lang="zh-CN" altLang="en-US" b="1" dirty="0"/>
-              <a:t>面向对象的优势</a:t>
-            </a:r>
-            <a:r>
-              <a:rPr lang="en-US" altLang="zh-CN" dirty="0"/>
+              <a:t>参数传递</a:t>
+            </a:r>
+            <a:r>
+              <a:rPr lang="zh-CN" altLang="en-US" dirty="0"/>
               <a:t/>
             </a:r>
             <a:br>
-              <a:rPr lang="en-US" altLang="zh-CN" dirty="0"/>
+              <a:rPr lang="zh-CN" altLang="en-US" dirty="0"/>
             </a:br>
             <a:endParaRPr lang="zh-CN" altLang="en-US" dirty="0"/>
           </a:p>
@@ -15122,49 +15241,68 @@
           <a:p>
             <a:r>
               <a:rPr lang="zh-CN" altLang="en-US" dirty="0"/>
-              <a:t>封装：</a:t>
-            </a:r>
-            <a:r>
-              <a:rPr lang="en-US" altLang="zh-CN" dirty="0"/>
-              <a:t>OOP</a:t>
-            </a:r>
-            <a:r>
-              <a:rPr lang="zh-CN" altLang="en-US" dirty="0"/>
-              <a:t>鼓励将数据与数据操作封装在一起，减少数据访问的复杂性。通过封装，类的实现细节可以隐藏，外部代码只需关注接口而非实现。</a:t>
-            </a:r>
-          </a:p>
-          <a:p>
-            <a:r>
-              <a:rPr lang="zh-CN" altLang="en-US" dirty="0"/>
-              <a:t>继承：继承允许类继承另一个类的属性和方法，减少代码的重复，增强代码的重用性。</a:t>
-            </a:r>
-          </a:p>
-          <a:p>
-            <a:r>
-              <a:rPr lang="zh-CN" altLang="en-US" dirty="0"/>
-              <a:t>多态：多态使得同一操作可以在不同类型的对象上表现出不同的行为，提高了代码的灵活性。</a:t>
-            </a:r>
-          </a:p>
-          <a:p>
-            <a:r>
-              <a:rPr lang="zh-CN" altLang="en-US" dirty="0"/>
-              <a:t>模块化与可维护性：</a:t>
-            </a:r>
-            <a:r>
-              <a:rPr lang="en-US" altLang="zh-CN" dirty="0"/>
-              <a:t>OOP</a:t>
-            </a:r>
-            <a:r>
-              <a:rPr lang="zh-CN" altLang="en-US" dirty="0"/>
-              <a:t>允许将一个大程序拆分成多个小模块，每个模块负责自己独立的功能，增强了代码的可维护性和扩展性。</a:t>
-            </a:r>
+              <a:t>值传递</a:t>
+            </a:r>
+            <a:r>
+              <a:rPr lang="zh-CN" altLang="en-US" dirty="0" smtClean="0"/>
+              <a:t>：</a:t>
+            </a:r>
+            <a:endParaRPr lang="en-US" altLang="zh-CN" dirty="0" smtClean="0"/>
+          </a:p>
+          <a:p>
+            <a:pPr marL="0" indent="0">
+              <a:buNone/>
+            </a:pPr>
+            <a:r>
+              <a:rPr lang="en-US" altLang="zh-CN" dirty="0"/>
+              <a:t>	</a:t>
+            </a:r>
+            <a:r>
+              <a:rPr lang="zh-CN" altLang="en-US" dirty="0" smtClean="0"/>
+              <a:t>将</a:t>
+            </a:r>
+            <a:r>
+              <a:rPr lang="zh-CN" altLang="en-US" dirty="0"/>
+              <a:t>参数的值复制给函数的参数变量。</a:t>
+            </a:r>
+          </a:p>
+          <a:p>
+            <a:r>
+              <a:rPr lang="zh-CN" altLang="en-US" dirty="0"/>
+              <a:t>引用传递</a:t>
+            </a:r>
+            <a:r>
+              <a:rPr lang="zh-CN" altLang="en-US" dirty="0" smtClean="0"/>
+              <a:t>：</a:t>
+            </a:r>
+            <a:endParaRPr lang="en-US" altLang="zh-CN" dirty="0" smtClean="0"/>
+          </a:p>
+          <a:p>
+            <a:pPr marL="0" indent="0">
+              <a:buNone/>
+            </a:pPr>
+            <a:r>
+              <a:rPr lang="en-US" altLang="zh-CN" dirty="0"/>
+              <a:t>	</a:t>
+            </a:r>
+            <a:r>
+              <a:rPr lang="zh-CN" altLang="en-US" dirty="0" smtClean="0"/>
+              <a:t>传递</a:t>
+            </a:r>
+            <a:r>
+              <a:rPr lang="zh-CN" altLang="en-US" dirty="0"/>
+              <a:t>参数的引用，函数内对参数的修改会影响原变量。</a:t>
+            </a:r>
+          </a:p>
+          <a:p>
+            <a:endParaRPr lang="zh-CN" altLang="en-US" dirty="0"/>
           </a:p>
         </p:txBody>
       </p:sp>
     </p:spTree>
     <p:extLst>
       <p:ext uri="{BB962C8B-B14F-4D97-AF65-F5344CB8AC3E}">
-        <p14:creationId xmlns:p14="http://schemas.microsoft.com/office/powerpoint/2010/main" val="1941399030"/>
+        <p14:creationId xmlns:p14="http://schemas.microsoft.com/office/powerpoint/2010/main" val="4032471405"/>
       </p:ext>
     </p:extLst>
   </p:cSld>
@@ -15207,6 +15345,1717 @@
           <a:lstStyle/>
           <a:p>
             <a:r>
+              <a:rPr lang="en-US" altLang="zh-CN" b="1" dirty="0" smtClean="0"/>
+              <a:t>4.3 </a:t>
+            </a:r>
+            <a:r>
+              <a:rPr lang="zh-CN" altLang="en-US" b="1" dirty="0"/>
+              <a:t>函数重载与递归</a:t>
+            </a:r>
+          </a:p>
+        </p:txBody>
+      </p:sp>
+      <p:sp>
+        <p:nvSpPr>
+          <p:cNvPr id="3" name="内容占位符 2"/>
+          <p:cNvSpPr>
+            <a:spLocks noGrp="1"/>
+          </p:cNvSpPr>
+          <p:nvPr>
+            <p:ph idx="1"/>
+          </p:nvPr>
+        </p:nvSpPr>
+        <p:spPr/>
+        <p:txBody>
+          <a:bodyPr/>
+          <a:lstStyle/>
+          <a:p>
+            <a:r>
+              <a:rPr lang="zh-CN" altLang="en-US" b="1" dirty="0"/>
+              <a:t>函数重载</a:t>
+            </a:r>
+          </a:p>
+          <a:p>
+            <a:pPr marL="0" indent="0">
+              <a:buNone/>
+            </a:pPr>
+            <a:r>
+              <a:rPr lang="en-US" altLang="zh-CN" dirty="0" smtClean="0"/>
+              <a:t>	</a:t>
+            </a:r>
+            <a:r>
+              <a:rPr lang="zh-CN" altLang="en-US" dirty="0" smtClean="0"/>
+              <a:t>函数</a:t>
+            </a:r>
+            <a:r>
+              <a:rPr lang="zh-CN" altLang="en-US" dirty="0"/>
+              <a:t>重载是指在同一作用域内可以定义多个同名的函数，只要它们的参数类型或</a:t>
+            </a:r>
+            <a:r>
+              <a:rPr lang="zh-CN" altLang="en-US" dirty="0" smtClean="0"/>
+              <a:t>个</a:t>
+            </a:r>
+            <a:r>
+              <a:rPr lang="en-US" altLang="zh-CN" dirty="0" smtClean="0"/>
+              <a:t>	</a:t>
+            </a:r>
+            <a:r>
+              <a:rPr lang="zh-CN" altLang="en-US" dirty="0" smtClean="0"/>
+              <a:t>数</a:t>
+            </a:r>
+            <a:r>
+              <a:rPr lang="zh-CN" altLang="en-US" dirty="0"/>
+              <a:t>不同。</a:t>
+            </a:r>
+          </a:p>
+          <a:p>
+            <a:r>
+              <a:rPr lang="zh-CN" altLang="en-US" b="1" dirty="0"/>
+              <a:t>递归函数</a:t>
+            </a:r>
+          </a:p>
+          <a:p>
+            <a:pPr marL="0" indent="0">
+              <a:buNone/>
+            </a:pPr>
+            <a:r>
+              <a:rPr lang="en-US" altLang="zh-CN" dirty="0" smtClean="0"/>
+              <a:t>	</a:t>
+            </a:r>
+            <a:r>
+              <a:rPr lang="zh-CN" altLang="en-US" dirty="0" smtClean="0"/>
+              <a:t>递归</a:t>
+            </a:r>
+            <a:r>
+              <a:rPr lang="zh-CN" altLang="en-US" dirty="0"/>
+              <a:t>是函数调用自身。递归函数通常包括基准情况和递归调用。</a:t>
+            </a:r>
+          </a:p>
+          <a:p>
+            <a:endParaRPr lang="zh-CN" altLang="en-US" dirty="0"/>
+          </a:p>
+        </p:txBody>
+      </p:sp>
+    </p:spTree>
+    <p:extLst>
+      <p:ext uri="{BB962C8B-B14F-4D97-AF65-F5344CB8AC3E}">
+        <p14:creationId xmlns:p14="http://schemas.microsoft.com/office/powerpoint/2010/main" val="3246053325"/>
+      </p:ext>
+    </p:extLst>
+  </p:cSld>
+  <p:clrMapOvr>
+    <a:masterClrMapping/>
+  </p:clrMapOvr>
+</p:sld>
+</file>
+
+<file path=ppt/slides/slide42.xml><?xml version="1.0" encoding="utf-8"?>
+<p:sld xmlns:a="http://schemas.openxmlformats.org/drawingml/2006/main" xmlns:r="http://schemas.openxmlformats.org/officeDocument/2006/relationships" xmlns:p="http://schemas.openxmlformats.org/presentationml/2006/main">
+  <p:cSld>
+    <p:spTree>
+      <p:nvGrpSpPr>
+        <p:cNvPr id="1" name=""/>
+        <p:cNvGrpSpPr/>
+        <p:nvPr/>
+      </p:nvGrpSpPr>
+      <p:grpSpPr>
+        <a:xfrm>
+          <a:off x="0" y="0"/>
+          <a:ext cx="0" cy="0"/>
+          <a:chOff x="0" y="0"/>
+          <a:chExt cx="0" cy="0"/>
+        </a:xfrm>
+      </p:grpSpPr>
+      <p:sp>
+        <p:nvSpPr>
+          <p:cNvPr id="2" name="标题 1"/>
+          <p:cNvSpPr>
+            <a:spLocks noGrp="1"/>
+          </p:cNvSpPr>
+          <p:nvPr>
+            <p:ph type="title"/>
+          </p:nvPr>
+        </p:nvSpPr>
+        <p:spPr/>
+        <p:txBody>
+          <a:bodyPr/>
+          <a:lstStyle/>
+          <a:p>
+            <a:r>
+              <a:rPr lang="en-US" altLang="zh-CN" b="1" dirty="0" smtClean="0"/>
+              <a:t>4.4 </a:t>
+            </a:r>
+            <a:r>
+              <a:rPr lang="zh-CN" altLang="en-US" b="1" dirty="0"/>
+              <a:t>数组</a:t>
+            </a:r>
+          </a:p>
+        </p:txBody>
+      </p:sp>
+      <p:sp>
+        <p:nvSpPr>
+          <p:cNvPr id="3" name="内容占位符 2"/>
+          <p:cNvSpPr>
+            <a:spLocks noGrp="1"/>
+          </p:cNvSpPr>
+          <p:nvPr>
+            <p:ph idx="1"/>
+          </p:nvPr>
+        </p:nvSpPr>
+        <p:spPr/>
+        <p:txBody>
+          <a:bodyPr>
+            <a:normAutofit/>
+          </a:bodyPr>
+          <a:lstStyle/>
+          <a:p>
+            <a:r>
+              <a:rPr lang="zh-CN" altLang="en-US" b="1" dirty="0"/>
+              <a:t>一维数组</a:t>
+            </a:r>
+          </a:p>
+          <a:p>
+            <a:pPr marL="0" indent="0">
+              <a:buNone/>
+            </a:pPr>
+            <a:r>
+              <a:rPr lang="en-US" altLang="zh-CN" dirty="0" smtClean="0"/>
+              <a:t>	</a:t>
+            </a:r>
+            <a:r>
+              <a:rPr lang="zh-CN" altLang="en-US" dirty="0" smtClean="0"/>
+              <a:t>一</a:t>
+            </a:r>
+            <a:r>
+              <a:rPr lang="zh-CN" altLang="en-US" dirty="0"/>
+              <a:t>维数组是具有相同类型元素的集合，元素通过索引访问。</a:t>
+            </a:r>
+          </a:p>
+          <a:p>
+            <a:r>
+              <a:rPr lang="zh-CN" altLang="en-US" b="1" dirty="0"/>
+              <a:t>二维数组</a:t>
+            </a:r>
+          </a:p>
+          <a:p>
+            <a:pPr marL="0" indent="0">
+              <a:buNone/>
+            </a:pPr>
+            <a:r>
+              <a:rPr lang="en-US" altLang="zh-CN" dirty="0" smtClean="0"/>
+              <a:t>	</a:t>
+            </a:r>
+            <a:r>
+              <a:rPr lang="zh-CN" altLang="en-US" dirty="0" smtClean="0"/>
+              <a:t>二</a:t>
+            </a:r>
+            <a:r>
+              <a:rPr lang="zh-CN" altLang="en-US" dirty="0"/>
+              <a:t>维数组是数组的数组。可以通过指定两个索引访问元素。</a:t>
+            </a:r>
+          </a:p>
+          <a:p>
+            <a:r>
+              <a:rPr lang="zh-CN" altLang="en-US" b="1" dirty="0"/>
+              <a:t>数组与指针的</a:t>
+            </a:r>
+            <a:r>
+              <a:rPr lang="zh-CN" altLang="en-US" b="1" dirty="0" smtClean="0"/>
+              <a:t>关系</a:t>
+            </a:r>
+            <a:endParaRPr lang="en-US" altLang="zh-CN" b="1" dirty="0" smtClean="0"/>
+          </a:p>
+          <a:p>
+            <a:pPr marL="0" indent="0">
+              <a:buNone/>
+            </a:pPr>
+            <a:r>
+              <a:rPr lang="en-US" altLang="zh-CN" dirty="0" smtClean="0"/>
+              <a:t>	</a:t>
+            </a:r>
+            <a:r>
+              <a:rPr lang="zh-CN" altLang="en-US" dirty="0" smtClean="0"/>
+              <a:t>数组</a:t>
+            </a:r>
+            <a:r>
+              <a:rPr lang="zh-CN" altLang="en-US" dirty="0"/>
+              <a:t>名在很多情况下会退化为指向数组首元素的指针。因此，可以使用指针来访问</a:t>
+            </a:r>
+            <a:r>
+              <a:rPr lang="en-US" altLang="zh-CN" dirty="0"/>
+              <a:t>	</a:t>
+            </a:r>
+            <a:r>
+              <a:rPr lang="zh-CN" altLang="en-US" dirty="0"/>
+              <a:t>数组元素</a:t>
+            </a:r>
+            <a:r>
+              <a:rPr lang="zh-CN" altLang="en-US" dirty="0" smtClean="0"/>
+              <a:t>。</a:t>
+            </a:r>
+            <a:endParaRPr lang="en-US" altLang="zh-CN" dirty="0"/>
+          </a:p>
+        </p:txBody>
+      </p:sp>
+    </p:spTree>
+    <p:extLst>
+      <p:ext uri="{BB962C8B-B14F-4D97-AF65-F5344CB8AC3E}">
+        <p14:creationId xmlns:p14="http://schemas.microsoft.com/office/powerpoint/2010/main" val="2859311749"/>
+      </p:ext>
+    </p:extLst>
+  </p:cSld>
+  <p:clrMapOvr>
+    <a:masterClrMapping/>
+  </p:clrMapOvr>
+</p:sld>
+</file>
+
+<file path=ppt/slides/slide43.xml><?xml version="1.0" encoding="utf-8"?>
+<p:sld xmlns:a="http://schemas.openxmlformats.org/drawingml/2006/main" xmlns:r="http://schemas.openxmlformats.org/officeDocument/2006/relationships" xmlns:p="http://schemas.openxmlformats.org/presentationml/2006/main">
+  <p:cSld>
+    <p:spTree>
+      <p:nvGrpSpPr>
+        <p:cNvPr id="1" name=""/>
+        <p:cNvGrpSpPr/>
+        <p:nvPr/>
+      </p:nvGrpSpPr>
+      <p:grpSpPr>
+        <a:xfrm>
+          <a:off x="0" y="0"/>
+          <a:ext cx="0" cy="0"/>
+          <a:chOff x="0" y="0"/>
+          <a:chExt cx="0" cy="0"/>
+        </a:xfrm>
+      </p:grpSpPr>
+      <p:sp>
+        <p:nvSpPr>
+          <p:cNvPr id="2" name="标题 1"/>
+          <p:cNvSpPr>
+            <a:spLocks noGrp="1"/>
+          </p:cNvSpPr>
+          <p:nvPr>
+            <p:ph type="title"/>
+          </p:nvPr>
+        </p:nvSpPr>
+        <p:spPr/>
+        <p:txBody>
+          <a:bodyPr/>
+          <a:lstStyle/>
+          <a:p>
+            <a:r>
+              <a:rPr lang="en-US" altLang="zh-CN" b="1" dirty="0" smtClean="0"/>
+              <a:t>4.5 </a:t>
+            </a:r>
+            <a:r>
+              <a:rPr lang="zh-CN" altLang="en-US" b="1" dirty="0" smtClean="0"/>
+              <a:t>函数</a:t>
+            </a:r>
+            <a:r>
+              <a:rPr lang="zh-CN" altLang="en-US" b="1" dirty="0"/>
+              <a:t>参数</a:t>
+            </a:r>
+            <a:r>
+              <a:rPr lang="zh-CN" altLang="en-US" b="1" dirty="0" smtClean="0"/>
+              <a:t>使用数组</a:t>
+            </a:r>
+            <a:endParaRPr lang="zh-CN" altLang="en-US" b="1" dirty="0"/>
+          </a:p>
+        </p:txBody>
+      </p:sp>
+      <p:sp>
+        <p:nvSpPr>
+          <p:cNvPr id="3" name="内容占位符 2"/>
+          <p:cNvSpPr>
+            <a:spLocks noGrp="1"/>
+          </p:cNvSpPr>
+          <p:nvPr>
+            <p:ph idx="1"/>
+          </p:nvPr>
+        </p:nvSpPr>
+        <p:spPr/>
+        <p:txBody>
+          <a:bodyPr/>
+          <a:lstStyle/>
+          <a:p>
+            <a:r>
+              <a:rPr lang="zh-CN" altLang="en-US" dirty="0"/>
+              <a:t>在 </a:t>
+            </a:r>
+            <a:r>
+              <a:rPr lang="en-US" altLang="zh-CN" dirty="0"/>
+              <a:t>C++ </a:t>
+            </a:r>
+            <a:r>
+              <a:rPr lang="zh-CN" altLang="en-US" dirty="0"/>
+              <a:t>中，</a:t>
+            </a:r>
+            <a:r>
+              <a:rPr lang="zh-CN" altLang="en-US" b="1" dirty="0"/>
+              <a:t>数组可以作为函数的参数</a:t>
+            </a:r>
+            <a:r>
+              <a:rPr lang="zh-CN" altLang="en-US" dirty="0"/>
+              <a:t> 进行传递</a:t>
+            </a:r>
+            <a:r>
+              <a:rPr lang="zh-CN" altLang="en-US" dirty="0" smtClean="0"/>
+              <a:t>。</a:t>
+            </a:r>
+            <a:endParaRPr lang="en-US" altLang="zh-CN" dirty="0" smtClean="0"/>
+          </a:p>
+          <a:p>
+            <a:pPr marL="0" indent="0">
+              <a:buNone/>
+            </a:pPr>
+            <a:r>
+              <a:rPr lang="en-US" altLang="zh-CN" dirty="0"/>
+              <a:t>	</a:t>
+            </a:r>
+            <a:r>
+              <a:rPr lang="zh-CN" altLang="en-US" dirty="0" smtClean="0"/>
+              <a:t>由于</a:t>
+            </a:r>
+            <a:r>
+              <a:rPr lang="zh-CN" altLang="en-US" dirty="0"/>
+              <a:t>数组本质上是指针，传递数组参数时，实际上传递的是</a:t>
+            </a:r>
+            <a:r>
+              <a:rPr lang="zh-CN" altLang="en-US" b="1" dirty="0"/>
+              <a:t>数组的地址</a:t>
+            </a:r>
+            <a:r>
+              <a:rPr lang="zh-CN" altLang="en-US" dirty="0"/>
+              <a:t>，这</a:t>
+            </a:r>
+            <a:r>
+              <a:rPr lang="zh-CN" altLang="en-US" dirty="0" smtClean="0"/>
+              <a:t>意味着</a:t>
+            </a:r>
+            <a:endParaRPr lang="en-US" altLang="zh-CN" dirty="0" smtClean="0"/>
+          </a:p>
+          <a:p>
+            <a:pPr marL="0" indent="0">
+              <a:buNone/>
+            </a:pPr>
+            <a:r>
+              <a:rPr lang="en-US" altLang="zh-CN" dirty="0"/>
+              <a:t>	</a:t>
+            </a:r>
+            <a:r>
+              <a:rPr lang="zh-CN" altLang="en-US" dirty="0" smtClean="0"/>
+              <a:t>函数</a:t>
+            </a:r>
+            <a:r>
+              <a:rPr lang="zh-CN" altLang="en-US" dirty="0"/>
+              <a:t>内部可以修改原数组的内容</a:t>
+            </a:r>
+            <a:r>
+              <a:rPr lang="zh-CN" altLang="en-US" dirty="0" smtClean="0"/>
+              <a:t>。</a:t>
+            </a:r>
+            <a:endParaRPr lang="en-US" altLang="zh-CN" dirty="0" smtClean="0"/>
+          </a:p>
+          <a:p>
+            <a:r>
+              <a:rPr lang="zh-CN" altLang="en-US" dirty="0"/>
+              <a:t>语法格式</a:t>
+            </a:r>
+            <a:r>
+              <a:rPr lang="zh-CN" altLang="en-US" dirty="0" smtClean="0"/>
+              <a:t>：</a:t>
+            </a:r>
+            <a:endParaRPr lang="en-US" altLang="zh-CN" dirty="0" smtClean="0"/>
+          </a:p>
+          <a:p>
+            <a:pPr marL="0" indent="0">
+              <a:buNone/>
+            </a:pPr>
+            <a:r>
+              <a:rPr lang="en-US" altLang="zh-CN" dirty="0" smtClean="0"/>
+              <a:t>	void </a:t>
+            </a:r>
+            <a:r>
+              <a:rPr lang="en-US" altLang="zh-CN" dirty="0" err="1"/>
+              <a:t>functionName</a:t>
+            </a:r>
+            <a:r>
+              <a:rPr lang="en-US" altLang="zh-CN" dirty="0"/>
+              <a:t>(</a:t>
+            </a:r>
+            <a:r>
+              <a:rPr lang="en-US" altLang="zh-CN" dirty="0" err="1"/>
+              <a:t>dataType</a:t>
+            </a:r>
+            <a:r>
+              <a:rPr lang="en-US" altLang="zh-CN" dirty="0"/>
+              <a:t> </a:t>
+            </a:r>
+            <a:r>
+              <a:rPr lang="en-US" altLang="zh-CN" dirty="0" err="1"/>
+              <a:t>arrayName</a:t>
+            </a:r>
+            <a:r>
+              <a:rPr lang="en-US" altLang="zh-CN" dirty="0"/>
+              <a:t>[], </a:t>
+            </a:r>
+            <a:r>
+              <a:rPr lang="en-US" altLang="zh-CN" dirty="0" err="1"/>
+              <a:t>int</a:t>
+            </a:r>
+            <a:r>
+              <a:rPr lang="en-US" altLang="zh-CN" dirty="0"/>
+              <a:t> size</a:t>
+            </a:r>
+            <a:r>
+              <a:rPr lang="en-US" altLang="zh-CN" dirty="0" smtClean="0"/>
+              <a:t>);</a:t>
+            </a:r>
+          </a:p>
+          <a:p>
+            <a:pPr marL="0" indent="0">
+              <a:buNone/>
+            </a:pPr>
+            <a:r>
+              <a:rPr lang="en-US" altLang="zh-CN" dirty="0"/>
+              <a:t>	</a:t>
+            </a:r>
+            <a:r>
+              <a:rPr lang="en-US" altLang="zh-CN" dirty="0" smtClean="0"/>
+              <a:t>void </a:t>
+            </a:r>
+            <a:r>
+              <a:rPr lang="en-US" altLang="zh-CN" dirty="0" err="1"/>
+              <a:t>functionName</a:t>
+            </a:r>
+            <a:r>
+              <a:rPr lang="en-US" altLang="zh-CN" dirty="0"/>
+              <a:t>(</a:t>
+            </a:r>
+            <a:r>
+              <a:rPr lang="en-US" altLang="zh-CN" dirty="0" err="1"/>
+              <a:t>dataType</a:t>
+            </a:r>
+            <a:r>
+              <a:rPr lang="en-US" altLang="zh-CN" dirty="0"/>
+              <a:t>* </a:t>
+            </a:r>
+            <a:r>
+              <a:rPr lang="en-US" altLang="zh-CN" dirty="0" err="1"/>
+              <a:t>arrayName</a:t>
+            </a:r>
+            <a:r>
+              <a:rPr lang="en-US" altLang="zh-CN" dirty="0"/>
+              <a:t>, </a:t>
+            </a:r>
+            <a:r>
+              <a:rPr lang="en-US" altLang="zh-CN" dirty="0" err="1"/>
+              <a:t>int</a:t>
+            </a:r>
+            <a:r>
+              <a:rPr lang="en-US" altLang="zh-CN" dirty="0"/>
+              <a:t> size);</a:t>
+            </a:r>
+          </a:p>
+          <a:p>
+            <a:r>
+              <a:rPr lang="zh-CN" altLang="en-US" dirty="0" smtClean="0"/>
+              <a:t>注意</a:t>
+            </a:r>
+            <a:endParaRPr lang="en-US" altLang="zh-CN" dirty="0" smtClean="0"/>
+          </a:p>
+          <a:p>
+            <a:pPr lvl="1"/>
+            <a:r>
+              <a:rPr lang="zh-CN" altLang="en-US" dirty="0"/>
+              <a:t>由于数组作为参数时实际传递的是指针，所以函数内部对数组的修改会影响原数组。</a:t>
+            </a:r>
+          </a:p>
+          <a:p>
+            <a:pPr lvl="1"/>
+            <a:r>
+              <a:rPr lang="zh-CN" altLang="en-US" dirty="0"/>
+              <a:t>需要提供数组的 大小（</a:t>
+            </a:r>
+            <a:r>
+              <a:rPr lang="en-US" altLang="zh-CN" dirty="0"/>
+              <a:t>size</a:t>
+            </a:r>
+            <a:r>
+              <a:rPr lang="zh-CN" altLang="en-US" dirty="0"/>
+              <a:t>），否则无法正确遍历数组。</a:t>
+            </a:r>
+          </a:p>
+        </p:txBody>
+      </p:sp>
+    </p:spTree>
+    <p:extLst>
+      <p:ext uri="{BB962C8B-B14F-4D97-AF65-F5344CB8AC3E}">
+        <p14:creationId xmlns:p14="http://schemas.microsoft.com/office/powerpoint/2010/main" val="1038020837"/>
+      </p:ext>
+    </p:extLst>
+  </p:cSld>
+  <p:clrMapOvr>
+    <a:masterClrMapping/>
+  </p:clrMapOvr>
+</p:sld>
+</file>
+
+<file path=ppt/slides/slide44.xml><?xml version="1.0" encoding="utf-8"?>
+<p:sld xmlns:a="http://schemas.openxmlformats.org/drawingml/2006/main" xmlns:r="http://schemas.openxmlformats.org/officeDocument/2006/relationships" xmlns:p="http://schemas.openxmlformats.org/presentationml/2006/main">
+  <p:cSld>
+    <p:spTree>
+      <p:nvGrpSpPr>
+        <p:cNvPr id="1" name=""/>
+        <p:cNvGrpSpPr/>
+        <p:nvPr/>
+      </p:nvGrpSpPr>
+      <p:grpSpPr>
+        <a:xfrm>
+          <a:off x="0" y="0"/>
+          <a:ext cx="0" cy="0"/>
+          <a:chOff x="0" y="0"/>
+          <a:chExt cx="0" cy="0"/>
+        </a:xfrm>
+      </p:grpSpPr>
+      <p:sp>
+        <p:nvSpPr>
+          <p:cNvPr id="2" name="标题 1"/>
+          <p:cNvSpPr>
+            <a:spLocks noGrp="1"/>
+          </p:cNvSpPr>
+          <p:nvPr>
+            <p:ph type="title"/>
+          </p:nvPr>
+        </p:nvSpPr>
+        <p:spPr/>
+        <p:txBody>
+          <a:bodyPr/>
+          <a:lstStyle/>
+          <a:p>
+            <a:r>
+              <a:rPr lang="zh-CN" altLang="en-US" b="1" dirty="0" smtClean="0"/>
+              <a:t>示例</a:t>
+            </a:r>
+            <a:endParaRPr lang="zh-CN" altLang="en-US" b="1" dirty="0"/>
+          </a:p>
+        </p:txBody>
+      </p:sp>
+      <p:sp>
+        <p:nvSpPr>
+          <p:cNvPr id="3" name="内容占位符 2"/>
+          <p:cNvSpPr>
+            <a:spLocks noGrp="1"/>
+          </p:cNvSpPr>
+          <p:nvPr>
+            <p:ph idx="1"/>
+          </p:nvPr>
+        </p:nvSpPr>
+        <p:spPr/>
+        <p:txBody>
+          <a:bodyPr/>
+          <a:lstStyle/>
+          <a:p>
+            <a:r>
+              <a:rPr lang="zh-CN" altLang="en-US" dirty="0"/>
+              <a:t>数组</a:t>
+            </a:r>
+            <a:r>
+              <a:rPr lang="zh-CN" altLang="en-US" dirty="0" smtClean="0"/>
+              <a:t>求和</a:t>
+            </a:r>
+            <a:endParaRPr lang="en-US" altLang="zh-CN" dirty="0" smtClean="0"/>
+          </a:p>
+          <a:p>
+            <a:r>
+              <a:rPr lang="zh-CN" altLang="en-US" dirty="0"/>
+              <a:t>修改数组中</a:t>
+            </a:r>
+            <a:r>
+              <a:rPr lang="zh-CN" altLang="en-US" dirty="0" smtClean="0"/>
+              <a:t>的元素</a:t>
+            </a:r>
+            <a:endParaRPr lang="en-US" altLang="zh-CN" dirty="0" smtClean="0"/>
+          </a:p>
+          <a:p>
+            <a:r>
+              <a:rPr lang="zh-CN" altLang="en-US" dirty="0"/>
+              <a:t>传递二维数</a:t>
+            </a:r>
+            <a:r>
+              <a:rPr lang="zh-CN" altLang="en-US" dirty="0" smtClean="0"/>
+              <a:t>组</a:t>
+            </a:r>
+            <a:endParaRPr lang="en-US" altLang="zh-CN" dirty="0" smtClean="0"/>
+          </a:p>
+          <a:p>
+            <a:r>
+              <a:rPr lang="zh-CN" altLang="en-US" dirty="0"/>
+              <a:t>使用指针修改数组元素</a:t>
+            </a:r>
+          </a:p>
+        </p:txBody>
+      </p:sp>
+    </p:spTree>
+    <p:extLst>
+      <p:ext uri="{BB962C8B-B14F-4D97-AF65-F5344CB8AC3E}">
+        <p14:creationId xmlns:p14="http://schemas.microsoft.com/office/powerpoint/2010/main" val="4022824451"/>
+      </p:ext>
+    </p:extLst>
+  </p:cSld>
+  <p:clrMapOvr>
+    <a:masterClrMapping/>
+  </p:clrMapOvr>
+</p:sld>
+</file>
+
+<file path=ppt/slides/slide45.xml><?xml version="1.0" encoding="utf-8"?>
+<p:sld xmlns:a="http://schemas.openxmlformats.org/drawingml/2006/main" xmlns:r="http://schemas.openxmlformats.org/officeDocument/2006/relationships" xmlns:p="http://schemas.openxmlformats.org/presentationml/2006/main">
+  <p:cSld>
+    <p:spTree>
+      <p:nvGrpSpPr>
+        <p:cNvPr id="1" name=""/>
+        <p:cNvGrpSpPr/>
+        <p:nvPr/>
+      </p:nvGrpSpPr>
+      <p:grpSpPr>
+        <a:xfrm>
+          <a:off x="0" y="0"/>
+          <a:ext cx="0" cy="0"/>
+          <a:chOff x="0" y="0"/>
+          <a:chExt cx="0" cy="0"/>
+        </a:xfrm>
+      </p:grpSpPr>
+      <p:sp>
+        <p:nvSpPr>
+          <p:cNvPr id="2" name="标题 1"/>
+          <p:cNvSpPr>
+            <a:spLocks noGrp="1"/>
+          </p:cNvSpPr>
+          <p:nvPr>
+            <p:ph type="title"/>
+          </p:nvPr>
+        </p:nvSpPr>
+        <p:spPr/>
+        <p:txBody>
+          <a:bodyPr/>
+          <a:lstStyle/>
+          <a:p>
+            <a:r>
+              <a:rPr lang="en-US" altLang="zh-CN" dirty="0" smtClean="0"/>
+              <a:t>4.6 </a:t>
+            </a:r>
+            <a:r>
+              <a:rPr lang="zh-CN" altLang="zh-CN" b="1" dirty="0"/>
+              <a:t>课后练习</a:t>
+            </a:r>
+            <a:endParaRPr lang="zh-CN" altLang="en-US" dirty="0"/>
+          </a:p>
+        </p:txBody>
+      </p:sp>
+      <p:sp>
+        <p:nvSpPr>
+          <p:cNvPr id="3" name="内容占位符 2"/>
+          <p:cNvSpPr>
+            <a:spLocks noGrp="1"/>
+          </p:cNvSpPr>
+          <p:nvPr>
+            <p:ph idx="1"/>
+          </p:nvPr>
+        </p:nvSpPr>
+        <p:spPr/>
+        <p:txBody>
+          <a:bodyPr>
+            <a:normAutofit fontScale="55000" lnSpcReduction="20000"/>
+          </a:bodyPr>
+          <a:lstStyle/>
+          <a:p>
+            <a:r>
+              <a:rPr lang="zh-CN" altLang="en-US" dirty="0"/>
+              <a:t>基本函数调用</a:t>
+            </a:r>
+            <a:endParaRPr lang="en-US" altLang="zh-CN" dirty="0" smtClean="0"/>
+          </a:p>
+          <a:p>
+            <a:pPr marL="0" indent="0">
+              <a:buNone/>
+            </a:pPr>
+            <a:r>
+              <a:rPr lang="en-US" altLang="zh-CN" dirty="0" smtClean="0"/>
+              <a:t>	</a:t>
+            </a:r>
+            <a:r>
+              <a:rPr lang="zh-CN" altLang="en-US" dirty="0" smtClean="0"/>
+              <a:t>编写</a:t>
+            </a:r>
+            <a:r>
+              <a:rPr lang="zh-CN" altLang="en-US" dirty="0"/>
+              <a:t>一个函数 </a:t>
+            </a:r>
+            <a:r>
+              <a:rPr lang="en-US" altLang="zh-CN" dirty="0" err="1"/>
+              <a:t>maxValue</a:t>
+            </a:r>
+            <a:r>
+              <a:rPr lang="en-US" altLang="zh-CN" dirty="0"/>
+              <a:t>(</a:t>
+            </a:r>
+            <a:r>
+              <a:rPr lang="en-US" altLang="zh-CN" dirty="0" err="1"/>
+              <a:t>int</a:t>
+            </a:r>
+            <a:r>
+              <a:rPr lang="en-US" altLang="zh-CN" dirty="0"/>
+              <a:t> a, </a:t>
+            </a:r>
+            <a:r>
+              <a:rPr lang="en-US" altLang="zh-CN" dirty="0" err="1"/>
+              <a:t>int</a:t>
+            </a:r>
+            <a:r>
+              <a:rPr lang="en-US" altLang="zh-CN" dirty="0"/>
+              <a:t> b)</a:t>
+            </a:r>
+            <a:r>
+              <a:rPr lang="zh-CN" altLang="en-US" dirty="0"/>
+              <a:t>，返回两个整数中的较大值，并在 </a:t>
+            </a:r>
+            <a:r>
+              <a:rPr lang="en-US" altLang="zh-CN" dirty="0"/>
+              <a:t>main </a:t>
+            </a:r>
+            <a:r>
+              <a:rPr lang="zh-CN" altLang="en-US" dirty="0"/>
+              <a:t>函数中测试。</a:t>
+            </a:r>
+          </a:p>
+          <a:p>
+            <a:r>
+              <a:rPr lang="zh-CN" altLang="en-US" dirty="0"/>
+              <a:t>值传递与引用传递</a:t>
+            </a:r>
+          </a:p>
+          <a:p>
+            <a:pPr marL="0" indent="0">
+              <a:buNone/>
+            </a:pPr>
+            <a:r>
+              <a:rPr lang="en-US" altLang="zh-CN" dirty="0" smtClean="0"/>
+              <a:t>	</a:t>
+            </a:r>
+            <a:r>
+              <a:rPr lang="zh-CN" altLang="en-US" dirty="0" smtClean="0"/>
+              <a:t>编写</a:t>
+            </a:r>
+            <a:r>
+              <a:rPr lang="zh-CN" altLang="en-US" dirty="0"/>
+              <a:t>一个函数 </a:t>
+            </a:r>
+            <a:r>
+              <a:rPr lang="en-US" altLang="zh-CN" dirty="0"/>
+              <a:t>swap(</a:t>
+            </a:r>
+            <a:r>
+              <a:rPr lang="en-US" altLang="zh-CN" dirty="0" err="1"/>
+              <a:t>int</a:t>
+            </a:r>
+            <a:r>
+              <a:rPr lang="en-US" altLang="zh-CN" dirty="0"/>
+              <a:t>&amp; a, </a:t>
+            </a:r>
+            <a:r>
+              <a:rPr lang="en-US" altLang="zh-CN" dirty="0" err="1"/>
+              <a:t>int</a:t>
+            </a:r>
+            <a:r>
+              <a:rPr lang="en-US" altLang="zh-CN" dirty="0"/>
+              <a:t>&amp; b)</a:t>
+            </a:r>
+            <a:r>
+              <a:rPr lang="zh-CN" altLang="en-US" dirty="0"/>
+              <a:t>，交换两个整数的值，并在 </a:t>
+            </a:r>
+            <a:r>
+              <a:rPr lang="en-US" altLang="zh-CN" dirty="0"/>
+              <a:t>main </a:t>
+            </a:r>
+            <a:r>
+              <a:rPr lang="zh-CN" altLang="en-US" dirty="0"/>
+              <a:t>函数中测试。</a:t>
+            </a:r>
+          </a:p>
+          <a:p>
+            <a:r>
+              <a:rPr lang="zh-CN" altLang="en-US" dirty="0"/>
+              <a:t>递归函数</a:t>
+            </a:r>
+          </a:p>
+          <a:p>
+            <a:pPr marL="0" indent="0">
+              <a:buNone/>
+            </a:pPr>
+            <a:r>
+              <a:rPr lang="en-US" altLang="zh-CN" dirty="0" smtClean="0"/>
+              <a:t>	</a:t>
+            </a:r>
+            <a:r>
+              <a:rPr lang="zh-CN" altLang="en-US" dirty="0" smtClean="0"/>
+              <a:t>编写</a:t>
+            </a:r>
+            <a:r>
+              <a:rPr lang="zh-CN" altLang="en-US" dirty="0"/>
+              <a:t>一个递归函数 </a:t>
+            </a:r>
+            <a:r>
+              <a:rPr lang="en-US" altLang="zh-CN" dirty="0" err="1"/>
+              <a:t>int</a:t>
+            </a:r>
+            <a:r>
+              <a:rPr lang="en-US" altLang="zh-CN" dirty="0"/>
+              <a:t> </a:t>
+            </a:r>
+            <a:r>
+              <a:rPr lang="en-US" altLang="zh-CN" dirty="0" err="1"/>
+              <a:t>fibonacci</a:t>
+            </a:r>
+            <a:r>
+              <a:rPr lang="en-US" altLang="zh-CN" dirty="0"/>
+              <a:t>(</a:t>
+            </a:r>
+            <a:r>
+              <a:rPr lang="en-US" altLang="zh-CN" dirty="0" err="1"/>
+              <a:t>int</a:t>
+            </a:r>
+            <a:r>
+              <a:rPr lang="en-US" altLang="zh-CN" dirty="0"/>
+              <a:t> n)</a:t>
+            </a:r>
+            <a:r>
+              <a:rPr lang="zh-CN" altLang="en-US" dirty="0"/>
+              <a:t>，计算并返回斐波那契数列的第 </a:t>
+            </a:r>
+            <a:r>
+              <a:rPr lang="en-US" altLang="zh-CN" dirty="0"/>
+              <a:t>n </a:t>
+            </a:r>
+            <a:r>
+              <a:rPr lang="zh-CN" altLang="en-US" dirty="0"/>
+              <a:t>项。（</a:t>
+            </a:r>
+            <a:r>
+              <a:rPr lang="en-US" altLang="zh-CN" dirty="0"/>
+              <a:t>F(0) = 0, F(1) = 1, F(n) = F(n-1) + F(n-2)</a:t>
+            </a:r>
+            <a:r>
+              <a:rPr lang="zh-CN" altLang="en-US" dirty="0"/>
+              <a:t>）</a:t>
+            </a:r>
+          </a:p>
+          <a:p>
+            <a:pPr marL="0" indent="0">
+              <a:buNone/>
+            </a:pPr>
+            <a:r>
+              <a:rPr lang="en-US" altLang="zh-CN" dirty="0" smtClean="0"/>
+              <a:t>	</a:t>
+            </a:r>
+            <a:r>
+              <a:rPr lang="zh-CN" altLang="en-US" dirty="0" smtClean="0"/>
+              <a:t>编写</a:t>
+            </a:r>
+            <a:r>
+              <a:rPr lang="zh-CN" altLang="en-US" dirty="0"/>
+              <a:t>一个函数 </a:t>
+            </a:r>
+            <a:r>
+              <a:rPr lang="en-US" altLang="zh-CN" dirty="0" err="1"/>
+              <a:t>int</a:t>
+            </a:r>
+            <a:r>
+              <a:rPr lang="en-US" altLang="zh-CN" dirty="0"/>
+              <a:t> </a:t>
+            </a:r>
+            <a:r>
+              <a:rPr lang="en-US" altLang="zh-CN" dirty="0" err="1"/>
+              <a:t>sumArray</a:t>
+            </a:r>
+            <a:r>
+              <a:rPr lang="en-US" altLang="zh-CN" dirty="0"/>
+              <a:t>(</a:t>
+            </a:r>
+            <a:r>
+              <a:rPr lang="en-US" altLang="zh-CN" dirty="0" err="1"/>
+              <a:t>int</a:t>
+            </a:r>
+            <a:r>
+              <a:rPr lang="en-US" altLang="zh-CN" dirty="0"/>
+              <a:t> </a:t>
+            </a:r>
+            <a:r>
+              <a:rPr lang="en-US" altLang="zh-CN" dirty="0" err="1"/>
+              <a:t>arr</a:t>
+            </a:r>
+            <a:r>
+              <a:rPr lang="en-US" altLang="zh-CN" dirty="0"/>
+              <a:t>[], </a:t>
+            </a:r>
+            <a:r>
+              <a:rPr lang="en-US" altLang="zh-CN" dirty="0" err="1"/>
+              <a:t>int</a:t>
+            </a:r>
+            <a:r>
+              <a:rPr lang="en-US" altLang="zh-CN" dirty="0"/>
+              <a:t> size)</a:t>
+            </a:r>
+            <a:r>
+              <a:rPr lang="zh-CN" altLang="en-US" dirty="0"/>
+              <a:t>，计算并返回数组元素的总和。在 </a:t>
+            </a:r>
+            <a:r>
+              <a:rPr lang="en-US" altLang="zh-CN" dirty="0"/>
+              <a:t>main </a:t>
+            </a:r>
+            <a:r>
+              <a:rPr lang="zh-CN" altLang="en-US" dirty="0"/>
+              <a:t>函数中测试该函数。</a:t>
+            </a:r>
+          </a:p>
+          <a:p>
+            <a:r>
+              <a:rPr lang="zh-CN" altLang="en-US" dirty="0"/>
+              <a:t>数组最大值</a:t>
+            </a:r>
+          </a:p>
+          <a:p>
+            <a:pPr marL="0" indent="0">
+              <a:buNone/>
+            </a:pPr>
+            <a:r>
+              <a:rPr lang="en-US" altLang="zh-CN" dirty="0" smtClean="0"/>
+              <a:t>	</a:t>
+            </a:r>
+            <a:r>
+              <a:rPr lang="zh-CN" altLang="en-US" dirty="0" smtClean="0"/>
+              <a:t>编写</a:t>
+            </a:r>
+            <a:r>
+              <a:rPr lang="zh-CN" altLang="en-US" dirty="0"/>
+              <a:t>一个函数 </a:t>
+            </a:r>
+            <a:r>
+              <a:rPr lang="en-US" altLang="zh-CN" dirty="0" err="1"/>
+              <a:t>int</a:t>
+            </a:r>
+            <a:r>
+              <a:rPr lang="en-US" altLang="zh-CN" dirty="0"/>
+              <a:t> </a:t>
+            </a:r>
+            <a:r>
+              <a:rPr lang="en-US" altLang="zh-CN" dirty="0" err="1"/>
+              <a:t>maxInArray</a:t>
+            </a:r>
+            <a:r>
+              <a:rPr lang="en-US" altLang="zh-CN" dirty="0"/>
+              <a:t>(</a:t>
+            </a:r>
+            <a:r>
+              <a:rPr lang="en-US" altLang="zh-CN" dirty="0" err="1"/>
+              <a:t>int</a:t>
+            </a:r>
+            <a:r>
+              <a:rPr lang="en-US" altLang="zh-CN" dirty="0"/>
+              <a:t> </a:t>
+            </a:r>
+            <a:r>
+              <a:rPr lang="en-US" altLang="zh-CN" dirty="0" err="1"/>
+              <a:t>arr</a:t>
+            </a:r>
+            <a:r>
+              <a:rPr lang="en-US" altLang="zh-CN" dirty="0"/>
+              <a:t>[], </a:t>
+            </a:r>
+            <a:r>
+              <a:rPr lang="en-US" altLang="zh-CN" dirty="0" err="1"/>
+              <a:t>int</a:t>
+            </a:r>
+            <a:r>
+              <a:rPr lang="en-US" altLang="zh-CN" dirty="0"/>
+              <a:t> size)</a:t>
+            </a:r>
+            <a:r>
+              <a:rPr lang="zh-CN" altLang="en-US" dirty="0"/>
+              <a:t>，返回数组中的最大值，并在 </a:t>
+            </a:r>
+            <a:r>
+              <a:rPr lang="en-US" altLang="zh-CN" dirty="0"/>
+              <a:t>main </a:t>
+            </a:r>
+            <a:r>
+              <a:rPr lang="zh-CN" altLang="en-US" dirty="0"/>
+              <a:t>函数中测试。</a:t>
+            </a:r>
+          </a:p>
+          <a:p>
+            <a:r>
+              <a:rPr lang="zh-CN" altLang="en-US" dirty="0"/>
+              <a:t>二维数组遍历</a:t>
+            </a:r>
+          </a:p>
+          <a:p>
+            <a:pPr marL="0" indent="0">
+              <a:buNone/>
+            </a:pPr>
+            <a:r>
+              <a:rPr lang="en-US" altLang="zh-CN" dirty="0" smtClean="0"/>
+              <a:t>	</a:t>
+            </a:r>
+            <a:r>
+              <a:rPr lang="zh-CN" altLang="en-US" dirty="0" smtClean="0"/>
+              <a:t>定义</a:t>
+            </a:r>
+            <a:r>
+              <a:rPr lang="zh-CN" altLang="en-US" dirty="0"/>
+              <a:t>一个 </a:t>
+            </a:r>
+            <a:r>
+              <a:rPr lang="en-US" altLang="zh-CN" dirty="0"/>
+              <a:t>3×3 </a:t>
+            </a:r>
+            <a:r>
+              <a:rPr lang="zh-CN" altLang="en-US" dirty="0"/>
+              <a:t>的二维数组，并使用嵌套 </a:t>
+            </a:r>
+            <a:r>
+              <a:rPr lang="en-US" altLang="zh-CN" dirty="0"/>
+              <a:t>for </a:t>
+            </a:r>
+            <a:r>
+              <a:rPr lang="zh-CN" altLang="en-US" dirty="0"/>
+              <a:t>循环输出所有元素。</a:t>
+            </a:r>
+          </a:p>
+          <a:p>
+            <a:r>
+              <a:rPr lang="zh-CN" altLang="en-US" dirty="0"/>
+              <a:t>数组与指针</a:t>
+            </a:r>
+          </a:p>
+          <a:p>
+            <a:pPr marL="0" indent="0">
+              <a:buNone/>
+            </a:pPr>
+            <a:r>
+              <a:rPr lang="en-US" altLang="zh-CN" dirty="0" smtClean="0"/>
+              <a:t>	</a:t>
+            </a:r>
+            <a:r>
+              <a:rPr lang="zh-CN" altLang="en-US" dirty="0" smtClean="0"/>
+              <a:t>编写</a:t>
+            </a:r>
+            <a:r>
+              <a:rPr lang="zh-CN" altLang="en-US" dirty="0"/>
+              <a:t>一个函数 </a:t>
+            </a:r>
+            <a:r>
+              <a:rPr lang="en-US" altLang="zh-CN" dirty="0"/>
+              <a:t>void </a:t>
+            </a:r>
+            <a:r>
+              <a:rPr lang="en-US" altLang="zh-CN" dirty="0" err="1"/>
+              <a:t>printArray</a:t>
+            </a:r>
+            <a:r>
+              <a:rPr lang="en-US" altLang="zh-CN" dirty="0"/>
+              <a:t>(</a:t>
+            </a:r>
+            <a:r>
+              <a:rPr lang="en-US" altLang="zh-CN" dirty="0" err="1"/>
+              <a:t>int</a:t>
+            </a:r>
+            <a:r>
+              <a:rPr lang="en-US" altLang="zh-CN" dirty="0"/>
+              <a:t>* </a:t>
+            </a:r>
+            <a:r>
+              <a:rPr lang="en-US" altLang="zh-CN" dirty="0" err="1"/>
+              <a:t>arr</a:t>
+            </a:r>
+            <a:r>
+              <a:rPr lang="en-US" altLang="zh-CN" dirty="0"/>
+              <a:t>, </a:t>
+            </a:r>
+            <a:r>
+              <a:rPr lang="en-US" altLang="zh-CN" dirty="0" err="1"/>
+              <a:t>int</a:t>
+            </a:r>
+            <a:r>
+              <a:rPr lang="en-US" altLang="zh-CN" dirty="0"/>
+              <a:t> size)</a:t>
+            </a:r>
+            <a:r>
+              <a:rPr lang="zh-CN" altLang="en-US" dirty="0"/>
+              <a:t>，使用指针遍历并输出数组中的所有元素。</a:t>
+            </a:r>
+          </a:p>
+          <a:p>
+            <a:r>
+              <a:rPr lang="zh-CN" altLang="en-US" dirty="0"/>
+              <a:t>数组元素查找</a:t>
+            </a:r>
+          </a:p>
+          <a:p>
+            <a:pPr marL="0" indent="0">
+              <a:buNone/>
+            </a:pPr>
+            <a:r>
+              <a:rPr lang="en-US" altLang="zh-CN" dirty="0" smtClean="0"/>
+              <a:t>	</a:t>
+            </a:r>
+            <a:r>
+              <a:rPr lang="zh-CN" altLang="en-US" dirty="0" smtClean="0"/>
+              <a:t>编写</a:t>
+            </a:r>
+            <a:r>
+              <a:rPr lang="zh-CN" altLang="en-US" dirty="0"/>
+              <a:t>一个函数 </a:t>
+            </a:r>
+            <a:r>
+              <a:rPr lang="en-US" altLang="zh-CN" dirty="0" err="1"/>
+              <a:t>int</a:t>
+            </a:r>
+            <a:r>
+              <a:rPr lang="en-US" altLang="zh-CN" dirty="0"/>
+              <a:t> </a:t>
+            </a:r>
+            <a:r>
+              <a:rPr lang="en-US" altLang="zh-CN" dirty="0" err="1"/>
+              <a:t>findElement</a:t>
+            </a:r>
+            <a:r>
+              <a:rPr lang="en-US" altLang="zh-CN" dirty="0"/>
+              <a:t>(</a:t>
+            </a:r>
+            <a:r>
+              <a:rPr lang="en-US" altLang="zh-CN" dirty="0" err="1"/>
+              <a:t>int</a:t>
+            </a:r>
+            <a:r>
+              <a:rPr lang="en-US" altLang="zh-CN" dirty="0"/>
+              <a:t> </a:t>
+            </a:r>
+            <a:r>
+              <a:rPr lang="en-US" altLang="zh-CN" dirty="0" err="1"/>
+              <a:t>arr</a:t>
+            </a:r>
+            <a:r>
+              <a:rPr lang="en-US" altLang="zh-CN" dirty="0"/>
+              <a:t>[], </a:t>
+            </a:r>
+            <a:r>
+              <a:rPr lang="en-US" altLang="zh-CN" dirty="0" err="1"/>
+              <a:t>int</a:t>
+            </a:r>
+            <a:r>
+              <a:rPr lang="en-US" altLang="zh-CN" dirty="0"/>
+              <a:t> size, </a:t>
+            </a:r>
+            <a:r>
+              <a:rPr lang="en-US" altLang="zh-CN" dirty="0" err="1"/>
+              <a:t>int</a:t>
+            </a:r>
+            <a:r>
+              <a:rPr lang="en-US" altLang="zh-CN" dirty="0"/>
+              <a:t> key)</a:t>
+            </a:r>
+            <a:r>
+              <a:rPr lang="zh-CN" altLang="en-US" dirty="0"/>
+              <a:t>，如果 </a:t>
+            </a:r>
+            <a:r>
+              <a:rPr lang="en-US" altLang="zh-CN" dirty="0"/>
+              <a:t>key </a:t>
+            </a:r>
+            <a:r>
+              <a:rPr lang="zh-CN" altLang="en-US" dirty="0"/>
+              <a:t>存在于数组中，则返回索引，否则返回 </a:t>
+            </a:r>
+            <a:r>
+              <a:rPr lang="en-US" altLang="zh-CN" dirty="0"/>
+              <a:t>-1</a:t>
+            </a:r>
+            <a:r>
+              <a:rPr lang="zh-CN" altLang="en-US" dirty="0"/>
+              <a:t>。</a:t>
+            </a:r>
+          </a:p>
+        </p:txBody>
+      </p:sp>
+    </p:spTree>
+    <p:extLst>
+      <p:ext uri="{BB962C8B-B14F-4D97-AF65-F5344CB8AC3E}">
+        <p14:creationId xmlns:p14="http://schemas.microsoft.com/office/powerpoint/2010/main" val="271248110"/>
+      </p:ext>
+    </p:extLst>
+  </p:cSld>
+  <p:clrMapOvr>
+    <a:masterClrMapping/>
+  </p:clrMapOvr>
+</p:sld>
+</file>
+
+<file path=ppt/slides/slide46.xml><?xml version="1.0" encoding="utf-8"?>
+<p:sld xmlns:a="http://schemas.openxmlformats.org/drawingml/2006/main" xmlns:r="http://schemas.openxmlformats.org/officeDocument/2006/relationships" xmlns:p="http://schemas.openxmlformats.org/presentationml/2006/main">
+  <p:cSld>
+    <p:spTree>
+      <p:nvGrpSpPr>
+        <p:cNvPr id="1" name=""/>
+        <p:cNvGrpSpPr/>
+        <p:nvPr/>
+      </p:nvGrpSpPr>
+      <p:grpSpPr>
+        <a:xfrm>
+          <a:off x="0" y="0"/>
+          <a:ext cx="0" cy="0"/>
+          <a:chOff x="0" y="0"/>
+          <a:chExt cx="0" cy="0"/>
+        </a:xfrm>
+      </p:grpSpPr>
+      <p:sp>
+        <p:nvSpPr>
+          <p:cNvPr id="2" name="标题 1"/>
+          <p:cNvSpPr>
+            <a:spLocks noGrp="1"/>
+          </p:cNvSpPr>
+          <p:nvPr>
+            <p:ph type="title"/>
+          </p:nvPr>
+        </p:nvSpPr>
+        <p:spPr/>
+        <p:txBody>
+          <a:bodyPr/>
+          <a:lstStyle/>
+          <a:p>
+            <a:r>
+              <a:rPr lang="zh-CN" altLang="en-US" b="1" dirty="0" smtClean="0">
+                <a:latin typeface="华文楷体" pitchFamily="2" charset="-122"/>
+                <a:ea typeface="华文楷体" pitchFamily="2" charset="-122"/>
+              </a:rPr>
+              <a:t>第</a:t>
+            </a:r>
+            <a:r>
+              <a:rPr lang="en-US" altLang="zh-CN" b="1" dirty="0" smtClean="0">
+                <a:latin typeface="华文楷体" pitchFamily="2" charset="-122"/>
+                <a:ea typeface="华文楷体" pitchFamily="2" charset="-122"/>
+              </a:rPr>
+              <a:t>5</a:t>
+            </a:r>
+            <a:r>
+              <a:rPr lang="zh-CN" altLang="en-US" b="1" dirty="0" smtClean="0">
+                <a:latin typeface="华文楷体" pitchFamily="2" charset="-122"/>
+                <a:ea typeface="华文楷体" pitchFamily="2" charset="-122"/>
+              </a:rPr>
+              <a:t>章</a:t>
+            </a:r>
+            <a:r>
+              <a:rPr lang="zh-CN" altLang="en-US" b="1" dirty="0">
+                <a:latin typeface="华文楷体" pitchFamily="2" charset="-122"/>
+                <a:ea typeface="华文楷体" pitchFamily="2" charset="-122"/>
+              </a:rPr>
+              <a:t>面向对象编程（</a:t>
+            </a:r>
+            <a:r>
+              <a:rPr lang="en-US" altLang="zh-CN" b="1" dirty="0">
+                <a:latin typeface="华文楷体" pitchFamily="2" charset="-122"/>
+                <a:ea typeface="华文楷体" pitchFamily="2" charset="-122"/>
+              </a:rPr>
+              <a:t>OOP</a:t>
+            </a:r>
+            <a:r>
+              <a:rPr lang="zh-CN" altLang="en-US" b="1" dirty="0">
+                <a:latin typeface="华文楷体" pitchFamily="2" charset="-122"/>
+                <a:ea typeface="华文楷体" pitchFamily="2" charset="-122"/>
+              </a:rPr>
+              <a:t>）基础</a:t>
+            </a:r>
+            <a:endParaRPr lang="zh-CN" altLang="en-US" dirty="0"/>
+          </a:p>
+        </p:txBody>
+      </p:sp>
+      <p:sp>
+        <p:nvSpPr>
+          <p:cNvPr id="3" name="内容占位符 2"/>
+          <p:cNvSpPr>
+            <a:spLocks noGrp="1"/>
+          </p:cNvSpPr>
+          <p:nvPr>
+            <p:ph idx="1"/>
+          </p:nvPr>
+        </p:nvSpPr>
+        <p:spPr/>
+        <p:txBody>
+          <a:bodyPr/>
+          <a:lstStyle/>
+          <a:p>
+            <a:r>
+              <a:rPr lang="zh-CN" altLang="en-US" dirty="0"/>
+              <a:t>类与对象：定义类、创建对象、构造函数与析构函数。</a:t>
+            </a:r>
+          </a:p>
+          <a:p>
+            <a:r>
+              <a:rPr lang="zh-CN" altLang="en-US" dirty="0"/>
+              <a:t>封装：访问控制修饰符（</a:t>
+            </a:r>
+            <a:r>
+              <a:rPr lang="en-US" altLang="zh-CN" dirty="0"/>
+              <a:t>public</a:t>
+            </a:r>
+            <a:r>
+              <a:rPr lang="zh-CN" altLang="en-US" dirty="0"/>
+              <a:t>、</a:t>
+            </a:r>
+            <a:r>
+              <a:rPr lang="en-US" altLang="zh-CN" dirty="0"/>
+              <a:t>private</a:t>
+            </a:r>
+            <a:r>
+              <a:rPr lang="zh-CN" altLang="en-US" dirty="0"/>
+              <a:t>、</a:t>
+            </a:r>
+            <a:r>
+              <a:rPr lang="en-US" altLang="zh-CN" dirty="0"/>
+              <a:t>protected</a:t>
+            </a:r>
+            <a:r>
+              <a:rPr lang="zh-CN" altLang="en-US" dirty="0"/>
+              <a:t>）。</a:t>
+            </a:r>
+          </a:p>
+          <a:p>
+            <a:r>
+              <a:rPr lang="zh-CN" altLang="en-US" dirty="0"/>
+              <a:t>继承：继承的概念、基类与派生类、多重继承。</a:t>
+            </a:r>
+          </a:p>
+          <a:p>
+            <a:r>
+              <a:rPr lang="zh-CN" altLang="en-US" dirty="0"/>
+              <a:t>多态：虚函数、纯虚函数、虚函数的重写、运行时多态。</a:t>
+            </a:r>
+          </a:p>
+        </p:txBody>
+      </p:sp>
+    </p:spTree>
+    <p:extLst>
+      <p:ext uri="{BB962C8B-B14F-4D97-AF65-F5344CB8AC3E}">
+        <p14:creationId xmlns:p14="http://schemas.microsoft.com/office/powerpoint/2010/main" val="2413468171"/>
+      </p:ext>
+    </p:extLst>
+  </p:cSld>
+  <p:clrMapOvr>
+    <a:masterClrMapping/>
+  </p:clrMapOvr>
+  <p:timing>
+    <p:tnLst>
+      <p:par>
+        <p:cTn id="1" dur="indefinite" restart="never" nodeType="tmRoot"/>
+      </p:par>
+    </p:tnLst>
+  </p:timing>
+</p:sld>
+</file>
+
+<file path=ppt/slides/slide47.xml><?xml version="1.0" encoding="utf-8"?>
+<p:sld xmlns:a="http://schemas.openxmlformats.org/drawingml/2006/main" xmlns:r="http://schemas.openxmlformats.org/officeDocument/2006/relationships" xmlns:p="http://schemas.openxmlformats.org/presentationml/2006/main">
+  <p:cSld>
+    <p:spTree>
+      <p:nvGrpSpPr>
+        <p:cNvPr id="1" name=""/>
+        <p:cNvGrpSpPr/>
+        <p:nvPr/>
+      </p:nvGrpSpPr>
+      <p:grpSpPr>
+        <a:xfrm>
+          <a:off x="0" y="0"/>
+          <a:ext cx="0" cy="0"/>
+          <a:chOff x="0" y="0"/>
+          <a:chExt cx="0" cy="0"/>
+        </a:xfrm>
+      </p:grpSpPr>
+      <p:sp>
+        <p:nvSpPr>
+          <p:cNvPr id="2" name="标题 1"/>
+          <p:cNvSpPr>
+            <a:spLocks noGrp="1"/>
+          </p:cNvSpPr>
+          <p:nvPr>
+            <p:ph type="title"/>
+          </p:nvPr>
+        </p:nvSpPr>
+        <p:spPr/>
+        <p:txBody>
+          <a:bodyPr/>
+          <a:lstStyle/>
+          <a:p>
+            <a:r>
+              <a:rPr lang="en-US" altLang="zh-CN" b="1" dirty="0" smtClean="0"/>
+              <a:t>5.1 </a:t>
+            </a:r>
+            <a:r>
+              <a:rPr lang="zh-CN" altLang="en-US" b="1" dirty="0"/>
+              <a:t>为什么使用面向对象</a:t>
+            </a:r>
+          </a:p>
+        </p:txBody>
+      </p:sp>
+      <p:sp>
+        <p:nvSpPr>
+          <p:cNvPr id="3" name="内容占位符 2"/>
+          <p:cNvSpPr>
+            <a:spLocks noGrp="1"/>
+          </p:cNvSpPr>
+          <p:nvPr>
+            <p:ph idx="1"/>
+          </p:nvPr>
+        </p:nvSpPr>
+        <p:spPr/>
+        <p:txBody>
+          <a:bodyPr/>
+          <a:lstStyle/>
+          <a:p>
+            <a:r>
+              <a:rPr lang="zh-CN" altLang="en-US" dirty="0"/>
+              <a:t>面向对象编程（</a:t>
+            </a:r>
+            <a:r>
+              <a:rPr lang="en-US" altLang="zh-CN" dirty="0"/>
+              <a:t>OOP</a:t>
+            </a:r>
+            <a:r>
+              <a:rPr lang="zh-CN" altLang="en-US" dirty="0"/>
+              <a:t>）是软件开发中的一种编程范式，它与传统的过程化编程（如</a:t>
+            </a:r>
+            <a:r>
+              <a:rPr lang="en-US" altLang="zh-CN" dirty="0"/>
+              <a:t>C</a:t>
+            </a:r>
+            <a:r>
+              <a:rPr lang="zh-CN" altLang="en-US" dirty="0"/>
+              <a:t>语言）相比，提供了更高的灵活性和可维护性。通过将数据和操作数据的方法封装在一起，</a:t>
+            </a:r>
+            <a:r>
+              <a:rPr lang="en-US" altLang="zh-CN" dirty="0"/>
+              <a:t>OOP</a:t>
+            </a:r>
+            <a:r>
+              <a:rPr lang="zh-CN" altLang="en-US" dirty="0"/>
+              <a:t>可以使代码更加模块化、可扩展和易于维护</a:t>
+            </a:r>
+            <a:r>
+              <a:rPr lang="zh-CN" altLang="en-US" dirty="0" smtClean="0"/>
+              <a:t>。</a:t>
+            </a:r>
+            <a:endParaRPr lang="en-US" altLang="zh-CN" dirty="0" smtClean="0"/>
+          </a:p>
+          <a:p>
+            <a:r>
+              <a:rPr lang="zh-CN" altLang="en-US" dirty="0"/>
+              <a:t>面向对象的</a:t>
+            </a:r>
+            <a:r>
+              <a:rPr lang="zh-CN" altLang="en-US" dirty="0" smtClean="0"/>
+              <a:t>优势</a:t>
+            </a:r>
+            <a:endParaRPr lang="en-US" altLang="zh-CN" dirty="0" smtClean="0"/>
+          </a:p>
+          <a:p>
+            <a:r>
+              <a:rPr lang="zh-CN" altLang="en-US" dirty="0"/>
+              <a:t>与 </a:t>
+            </a:r>
+            <a:r>
+              <a:rPr lang="en-US" altLang="zh-CN" dirty="0"/>
+              <a:t>C </a:t>
+            </a:r>
+            <a:r>
+              <a:rPr lang="zh-CN" altLang="en-US" dirty="0"/>
+              <a:t>语言的</a:t>
+            </a:r>
+            <a:r>
+              <a:rPr lang="zh-CN" altLang="en-US" dirty="0" smtClean="0"/>
+              <a:t>区别</a:t>
+            </a:r>
+            <a:endParaRPr lang="en-US" altLang="zh-CN" dirty="0" smtClean="0"/>
+          </a:p>
+          <a:p>
+            <a:r>
+              <a:rPr lang="zh-CN" altLang="en-US" dirty="0"/>
+              <a:t>为什么选择面向对象编程</a:t>
+            </a:r>
+          </a:p>
+        </p:txBody>
+      </p:sp>
+    </p:spTree>
+    <p:extLst>
+      <p:ext uri="{BB962C8B-B14F-4D97-AF65-F5344CB8AC3E}">
+        <p14:creationId xmlns:p14="http://schemas.microsoft.com/office/powerpoint/2010/main" val="329754630"/>
+      </p:ext>
+    </p:extLst>
+  </p:cSld>
+  <p:clrMapOvr>
+    <a:masterClrMapping/>
+  </p:clrMapOvr>
+</p:sld>
+</file>
+
+<file path=ppt/slides/slide48.xml><?xml version="1.0" encoding="utf-8"?>
+<p:sld xmlns:a="http://schemas.openxmlformats.org/drawingml/2006/main" xmlns:r="http://schemas.openxmlformats.org/officeDocument/2006/relationships" xmlns:p="http://schemas.openxmlformats.org/presentationml/2006/main">
+  <p:cSld>
+    <p:spTree>
+      <p:nvGrpSpPr>
+        <p:cNvPr id="1" name=""/>
+        <p:cNvGrpSpPr/>
+        <p:nvPr/>
+      </p:nvGrpSpPr>
+      <p:grpSpPr>
+        <a:xfrm>
+          <a:off x="0" y="0"/>
+          <a:ext cx="0" cy="0"/>
+          <a:chOff x="0" y="0"/>
+          <a:chExt cx="0" cy="0"/>
+        </a:xfrm>
+      </p:grpSpPr>
+      <p:sp>
+        <p:nvSpPr>
+          <p:cNvPr id="2" name="标题 1"/>
+          <p:cNvSpPr>
+            <a:spLocks noGrp="1"/>
+          </p:cNvSpPr>
+          <p:nvPr>
+            <p:ph type="title"/>
+          </p:nvPr>
+        </p:nvSpPr>
+        <p:spPr/>
+        <p:txBody>
+          <a:bodyPr/>
+          <a:lstStyle/>
+          <a:p>
+            <a:r>
+              <a:rPr lang="zh-CN" altLang="en-US" b="1" dirty="0"/>
+              <a:t>面向对象的优势</a:t>
+            </a:r>
+            <a:r>
+              <a:rPr lang="en-US" altLang="zh-CN" dirty="0"/>
+              <a:t/>
+            </a:r>
+            <a:br>
+              <a:rPr lang="en-US" altLang="zh-CN" dirty="0"/>
+            </a:br>
+            <a:endParaRPr lang="zh-CN" altLang="en-US" dirty="0"/>
+          </a:p>
+        </p:txBody>
+      </p:sp>
+      <p:sp>
+        <p:nvSpPr>
+          <p:cNvPr id="3" name="内容占位符 2"/>
+          <p:cNvSpPr>
+            <a:spLocks noGrp="1"/>
+          </p:cNvSpPr>
+          <p:nvPr>
+            <p:ph idx="1"/>
+          </p:nvPr>
+        </p:nvSpPr>
+        <p:spPr/>
+        <p:txBody>
+          <a:bodyPr/>
+          <a:lstStyle/>
+          <a:p>
+            <a:r>
+              <a:rPr lang="zh-CN" altLang="en-US" dirty="0"/>
+              <a:t>封装：</a:t>
+            </a:r>
+            <a:r>
+              <a:rPr lang="en-US" altLang="zh-CN" dirty="0"/>
+              <a:t>OOP</a:t>
+            </a:r>
+            <a:r>
+              <a:rPr lang="zh-CN" altLang="en-US" dirty="0"/>
+              <a:t>鼓励将数据与数据操作封装在一起，减少数据访问的复杂性。通过封装，类的实现细节可以隐藏，外部代码只需关注接口而非实现。</a:t>
+            </a:r>
+          </a:p>
+          <a:p>
+            <a:r>
+              <a:rPr lang="zh-CN" altLang="en-US" dirty="0"/>
+              <a:t>继承：继承允许类继承另一个类的属性和方法，减少代码的重复，增强代码的重用性。</a:t>
+            </a:r>
+          </a:p>
+          <a:p>
+            <a:r>
+              <a:rPr lang="zh-CN" altLang="en-US" dirty="0"/>
+              <a:t>多态：多态使得同一操作可以在不同类型的对象上表现出不同的行为，提高了代码的灵活性。</a:t>
+            </a:r>
+          </a:p>
+          <a:p>
+            <a:r>
+              <a:rPr lang="zh-CN" altLang="en-US" dirty="0"/>
+              <a:t>模块化与可维护性：</a:t>
+            </a:r>
+            <a:r>
+              <a:rPr lang="en-US" altLang="zh-CN" dirty="0"/>
+              <a:t>OOP</a:t>
+            </a:r>
+            <a:r>
+              <a:rPr lang="zh-CN" altLang="en-US" dirty="0"/>
+              <a:t>允许将一个大程序拆分成多个小模块，每个模块负责自己独立的功能，增强了代码的可维护性和扩展性。</a:t>
+            </a:r>
+          </a:p>
+        </p:txBody>
+      </p:sp>
+    </p:spTree>
+    <p:extLst>
+      <p:ext uri="{BB962C8B-B14F-4D97-AF65-F5344CB8AC3E}">
+        <p14:creationId xmlns:p14="http://schemas.microsoft.com/office/powerpoint/2010/main" val="1941399030"/>
+      </p:ext>
+    </p:extLst>
+  </p:cSld>
+  <p:clrMapOvr>
+    <a:masterClrMapping/>
+  </p:clrMapOvr>
+</p:sld>
+</file>
+
+<file path=ppt/slides/slide49.xml><?xml version="1.0" encoding="utf-8"?>
+<p:sld xmlns:a="http://schemas.openxmlformats.org/drawingml/2006/main" xmlns:r="http://schemas.openxmlformats.org/officeDocument/2006/relationships" xmlns:p="http://schemas.openxmlformats.org/presentationml/2006/main">
+  <p:cSld>
+    <p:spTree>
+      <p:nvGrpSpPr>
+        <p:cNvPr id="1" name=""/>
+        <p:cNvGrpSpPr/>
+        <p:nvPr/>
+      </p:nvGrpSpPr>
+      <p:grpSpPr>
+        <a:xfrm>
+          <a:off x="0" y="0"/>
+          <a:ext cx="0" cy="0"/>
+          <a:chOff x="0" y="0"/>
+          <a:chExt cx="0" cy="0"/>
+        </a:xfrm>
+      </p:grpSpPr>
+      <p:sp>
+        <p:nvSpPr>
+          <p:cNvPr id="2" name="标题 1"/>
+          <p:cNvSpPr>
+            <a:spLocks noGrp="1"/>
+          </p:cNvSpPr>
+          <p:nvPr>
+            <p:ph type="title"/>
+          </p:nvPr>
+        </p:nvSpPr>
+        <p:spPr/>
+        <p:txBody>
+          <a:bodyPr/>
+          <a:lstStyle/>
+          <a:p>
+            <a:r>
               <a:rPr lang="zh-CN" altLang="en-US" b="1" dirty="0"/>
               <a:t>与 </a:t>
             </a:r>
@@ -15285,7 +17134,155 @@
 </p:sld>
 </file>
 
-<file path=ppt/slides/slide42.xml><?xml version="1.0" encoding="utf-8"?>
+<file path=ppt/slides/slide5.xml><?xml version="1.0" encoding="utf-8"?>
+<p:sld xmlns:a="http://schemas.openxmlformats.org/drawingml/2006/main" xmlns:r="http://schemas.openxmlformats.org/officeDocument/2006/relationships" xmlns:p="http://schemas.openxmlformats.org/presentationml/2006/main">
+  <p:cSld>
+    <p:spTree>
+      <p:nvGrpSpPr>
+        <p:cNvPr id="1" name=""/>
+        <p:cNvGrpSpPr/>
+        <p:nvPr/>
+      </p:nvGrpSpPr>
+      <p:grpSpPr>
+        <a:xfrm>
+          <a:off x="0" y="0"/>
+          <a:ext cx="0" cy="0"/>
+          <a:chOff x="0" y="0"/>
+          <a:chExt cx="0" cy="0"/>
+        </a:xfrm>
+      </p:grpSpPr>
+      <p:sp>
+        <p:nvSpPr>
+          <p:cNvPr id="2" name="标题 1"/>
+          <p:cNvSpPr>
+            <a:spLocks noGrp="1"/>
+          </p:cNvSpPr>
+          <p:nvPr>
+            <p:ph type="title"/>
+          </p:nvPr>
+        </p:nvSpPr>
+        <p:spPr/>
+        <p:txBody>
+          <a:bodyPr/>
+          <a:lstStyle/>
+          <a:p>
+            <a:r>
+              <a:rPr lang="zh-CN" altLang="en-US" b="1" dirty="0"/>
+              <a:t>面向对象编程</a:t>
+            </a:r>
+          </a:p>
+        </p:txBody>
+      </p:sp>
+      <p:sp>
+        <p:nvSpPr>
+          <p:cNvPr id="3" name="内容占位符 2"/>
+          <p:cNvSpPr>
+            <a:spLocks noGrp="1"/>
+          </p:cNvSpPr>
+          <p:nvPr>
+            <p:ph idx="1"/>
+          </p:nvPr>
+        </p:nvSpPr>
+        <p:spPr/>
+        <p:txBody>
+          <a:bodyPr/>
+          <a:lstStyle/>
+          <a:p>
+            <a:r>
+              <a:rPr lang="zh-CN" altLang="en-US" b="1" dirty="0"/>
+              <a:t>面向对象编程</a:t>
+            </a:r>
+            <a:r>
+              <a:rPr lang="zh-CN" altLang="en-US" dirty="0"/>
+              <a:t>（</a:t>
+            </a:r>
+            <a:r>
+              <a:rPr lang="en-US" altLang="zh-CN" dirty="0"/>
+              <a:t>Object-Oriented Programming</a:t>
+            </a:r>
+            <a:r>
+              <a:rPr lang="zh-CN" altLang="en-US" dirty="0"/>
+              <a:t>）是一种将数据和对数据的操作结合在一起，封装成对象的编程范式。每个对象都有自己的数据和操作这些数据的方法。</a:t>
+            </a:r>
+            <a:r>
+              <a:rPr lang="en-US" altLang="zh-CN" dirty="0"/>
+              <a:t>OOP</a:t>
+            </a:r>
+            <a:r>
+              <a:rPr lang="zh-CN" altLang="en-US" dirty="0"/>
+              <a:t>强调通过类和对象来组织程序，以便实现更高效的代码复用和更好的模块化设计。</a:t>
+            </a:r>
+          </a:p>
+          <a:p>
+            <a:pPr lvl="1"/>
+            <a:r>
+              <a:rPr lang="zh-CN" altLang="en-US" b="1" dirty="0"/>
+              <a:t>设计理念：</a:t>
+            </a:r>
+            <a:r>
+              <a:rPr lang="zh-CN" altLang="en-US" dirty="0"/>
+              <a:t> 强调“做什么”的问题，通过定义类来封装数据和行为（即“什么做什么”），更关注系统的行为。</a:t>
+            </a:r>
+          </a:p>
+          <a:p>
+            <a:pPr lvl="1"/>
+            <a:r>
+              <a:rPr lang="zh-CN" altLang="en-US" b="1" dirty="0"/>
+              <a:t>程序结构：</a:t>
+            </a:r>
+            <a:r>
+              <a:rPr lang="zh-CN" altLang="en-US" dirty="0"/>
+              <a:t> 程序的核心是类和对象。类是对现实世界的抽象，类中既包含数据（成员变量），也包含操作数据的行为（成员方法）。</a:t>
+            </a:r>
+          </a:p>
+          <a:p>
+            <a:pPr lvl="1"/>
+            <a:r>
+              <a:rPr lang="zh-CN" altLang="en-US" b="1" dirty="0"/>
+              <a:t>优点：</a:t>
+            </a:r>
+            <a:r>
+              <a:rPr lang="zh-CN" altLang="en-US" dirty="0"/>
+              <a:t> 代码重用性高，易于扩展，具有更好的模块化和维护性。</a:t>
+            </a:r>
+          </a:p>
+          <a:p>
+            <a:pPr lvl="1"/>
+            <a:r>
+              <a:rPr lang="zh-CN" altLang="en-US" b="1" dirty="0"/>
+              <a:t>缺点：</a:t>
+            </a:r>
+            <a:r>
+              <a:rPr lang="zh-CN" altLang="en-US" dirty="0"/>
+              <a:t> 对比面向过程，初学者可能会觉得更加复杂。</a:t>
+            </a:r>
+          </a:p>
+          <a:p>
+            <a:endParaRPr lang="zh-CN" altLang="en-US" dirty="0"/>
+          </a:p>
+        </p:txBody>
+      </p:sp>
+    </p:spTree>
+    <p:extLst>
+      <p:ext uri="{BB962C8B-B14F-4D97-AF65-F5344CB8AC3E}">
+        <p14:creationId xmlns:p14="http://schemas.microsoft.com/office/powerpoint/2010/main" val="870103892"/>
+      </p:ext>
+    </p:extLst>
+  </p:cSld>
+  <p:clrMapOvr>
+    <a:masterClrMapping/>
+  </p:clrMapOvr>
+  <p:timing>
+    <p:tnLst>
+      <p:par>
+        <p:cTn id="1" dur="indefinite" restart="never" nodeType="tmRoot"/>
+      </p:par>
+    </p:tnLst>
+  </p:timing>
+</p:sld>
+</file>
+
+<file path=ppt/slides/slide50.xml><?xml version="1.0" encoding="utf-8"?>
 <p:sld xmlns:a="http://schemas.openxmlformats.org/drawingml/2006/main" xmlns:r="http://schemas.openxmlformats.org/officeDocument/2006/relationships" xmlns:p="http://schemas.openxmlformats.org/presentationml/2006/main">
   <p:cSld>
     <p:spTree>
@@ -15712,7 +17709,7 @@
 </p:sld>
 </file>
 
-<file path=ppt/slides/slide43.xml><?xml version="1.0" encoding="utf-8"?>
+<file path=ppt/slides/slide51.xml><?xml version="1.0" encoding="utf-8"?>
 <p:sld xmlns:a="http://schemas.openxmlformats.org/drawingml/2006/main" xmlns:r="http://schemas.openxmlformats.org/officeDocument/2006/relationships" xmlns:p="http://schemas.openxmlformats.org/presentationml/2006/main">
   <p:cSld>
     <p:spTree>
@@ -15882,7 +17879,7 @@
 </p:sld>
 </file>
 
-<file path=ppt/slides/slide44.xml><?xml version="1.0" encoding="utf-8"?>
+<file path=ppt/slides/slide52.xml><?xml version="1.0" encoding="utf-8"?>
 <p:sld xmlns:a="http://schemas.openxmlformats.org/drawingml/2006/main" xmlns:r="http://schemas.openxmlformats.org/officeDocument/2006/relationships" xmlns:p="http://schemas.openxmlformats.org/presentationml/2006/main">
   <p:cSld>
     <p:spTree>
@@ -16028,7 +18025,7 @@
 </p:sld>
 </file>
 
-<file path=ppt/slides/slide45.xml><?xml version="1.0" encoding="utf-8"?>
+<file path=ppt/slides/slide53.xml><?xml version="1.0" encoding="utf-8"?>
 <p:sld xmlns:a="http://schemas.openxmlformats.org/drawingml/2006/main" xmlns:r="http://schemas.openxmlformats.org/officeDocument/2006/relationships" xmlns:p="http://schemas.openxmlformats.org/presentationml/2006/main">
   <p:cSld>
     <p:spTree>
@@ -16172,7 +18169,7 @@
 </p:sld>
 </file>
 
-<file path=ppt/slides/slide46.xml><?xml version="1.0" encoding="utf-8"?>
+<file path=ppt/slides/slide54.xml><?xml version="1.0" encoding="utf-8"?>
 <p:sld xmlns:a="http://schemas.openxmlformats.org/drawingml/2006/main" xmlns:r="http://schemas.openxmlformats.org/officeDocument/2006/relationships" xmlns:p="http://schemas.openxmlformats.org/presentationml/2006/main">
   <p:cSld>
     <p:spTree>
@@ -16365,7 +18362,7 @@
 </p:sld>
 </file>
 
-<file path=ppt/slides/slide47.xml><?xml version="1.0" encoding="utf-8"?>
+<file path=ppt/slides/slide55.xml><?xml version="1.0" encoding="utf-8"?>
 <p:sld xmlns:a="http://schemas.openxmlformats.org/drawingml/2006/main" xmlns:r="http://schemas.openxmlformats.org/officeDocument/2006/relationships" xmlns:p="http://schemas.openxmlformats.org/presentationml/2006/main">
   <p:cSld>
     <p:spTree>
@@ -16485,7 +18482,7 @@
 </p:sld>
 </file>
 
-<file path=ppt/slides/slide48.xml><?xml version="1.0" encoding="utf-8"?>
+<file path=ppt/slides/slide56.xml><?xml version="1.0" encoding="utf-8"?>
 <p:sld xmlns:a="http://schemas.openxmlformats.org/drawingml/2006/main" xmlns:r="http://schemas.openxmlformats.org/officeDocument/2006/relationships" xmlns:p="http://schemas.openxmlformats.org/presentationml/2006/main">
   <p:cSld>
     <p:spTree>
@@ -16642,7 +18639,7 @@
 </p:sld>
 </file>
 
-<file path=ppt/slides/slide49.xml><?xml version="1.0" encoding="utf-8"?>
+<file path=ppt/slides/slide57.xml><?xml version="1.0" encoding="utf-8"?>
 <p:sld xmlns:a="http://schemas.openxmlformats.org/drawingml/2006/main" xmlns:r="http://schemas.openxmlformats.org/officeDocument/2006/relationships" xmlns:p="http://schemas.openxmlformats.org/presentationml/2006/main">
   <p:cSld>
     <p:spTree>
@@ -16855,155 +18852,7 @@
 </p:sld>
 </file>
 
-<file path=ppt/slides/slide5.xml><?xml version="1.0" encoding="utf-8"?>
-<p:sld xmlns:a="http://schemas.openxmlformats.org/drawingml/2006/main" xmlns:r="http://schemas.openxmlformats.org/officeDocument/2006/relationships" xmlns:p="http://schemas.openxmlformats.org/presentationml/2006/main">
-  <p:cSld>
-    <p:spTree>
-      <p:nvGrpSpPr>
-        <p:cNvPr id="1" name=""/>
-        <p:cNvGrpSpPr/>
-        <p:nvPr/>
-      </p:nvGrpSpPr>
-      <p:grpSpPr>
-        <a:xfrm>
-          <a:off x="0" y="0"/>
-          <a:ext cx="0" cy="0"/>
-          <a:chOff x="0" y="0"/>
-          <a:chExt cx="0" cy="0"/>
-        </a:xfrm>
-      </p:grpSpPr>
-      <p:sp>
-        <p:nvSpPr>
-          <p:cNvPr id="2" name="标题 1"/>
-          <p:cNvSpPr>
-            <a:spLocks noGrp="1"/>
-          </p:cNvSpPr>
-          <p:nvPr>
-            <p:ph type="title"/>
-          </p:nvPr>
-        </p:nvSpPr>
-        <p:spPr/>
-        <p:txBody>
-          <a:bodyPr/>
-          <a:lstStyle/>
-          <a:p>
-            <a:r>
-              <a:rPr lang="zh-CN" altLang="en-US" b="1" dirty="0"/>
-              <a:t>面向对象编程</a:t>
-            </a:r>
-          </a:p>
-        </p:txBody>
-      </p:sp>
-      <p:sp>
-        <p:nvSpPr>
-          <p:cNvPr id="3" name="内容占位符 2"/>
-          <p:cNvSpPr>
-            <a:spLocks noGrp="1"/>
-          </p:cNvSpPr>
-          <p:nvPr>
-            <p:ph idx="1"/>
-          </p:nvPr>
-        </p:nvSpPr>
-        <p:spPr/>
-        <p:txBody>
-          <a:bodyPr/>
-          <a:lstStyle/>
-          <a:p>
-            <a:r>
-              <a:rPr lang="zh-CN" altLang="en-US" b="1" dirty="0"/>
-              <a:t>面向对象编程</a:t>
-            </a:r>
-            <a:r>
-              <a:rPr lang="zh-CN" altLang="en-US" dirty="0"/>
-              <a:t>（</a:t>
-            </a:r>
-            <a:r>
-              <a:rPr lang="en-US" altLang="zh-CN" dirty="0"/>
-              <a:t>Object-Oriented Programming</a:t>
-            </a:r>
-            <a:r>
-              <a:rPr lang="zh-CN" altLang="en-US" dirty="0"/>
-              <a:t>）是一种将数据和对数据的操作结合在一起，封装成对象的编程范式。每个对象都有自己的数据和操作这些数据的方法。</a:t>
-            </a:r>
-            <a:r>
-              <a:rPr lang="en-US" altLang="zh-CN" dirty="0"/>
-              <a:t>OOP</a:t>
-            </a:r>
-            <a:r>
-              <a:rPr lang="zh-CN" altLang="en-US" dirty="0"/>
-              <a:t>强调通过类和对象来组织程序，以便实现更高效的代码复用和更好的模块化设计。</a:t>
-            </a:r>
-          </a:p>
-          <a:p>
-            <a:pPr lvl="1"/>
-            <a:r>
-              <a:rPr lang="zh-CN" altLang="en-US" b="1" dirty="0"/>
-              <a:t>设计理念：</a:t>
-            </a:r>
-            <a:r>
-              <a:rPr lang="zh-CN" altLang="en-US" dirty="0"/>
-              <a:t> 强调“做什么”的问题，通过定义类来封装数据和行为（即“什么做什么”），更关注系统的行为。</a:t>
-            </a:r>
-          </a:p>
-          <a:p>
-            <a:pPr lvl="1"/>
-            <a:r>
-              <a:rPr lang="zh-CN" altLang="en-US" b="1" dirty="0"/>
-              <a:t>程序结构：</a:t>
-            </a:r>
-            <a:r>
-              <a:rPr lang="zh-CN" altLang="en-US" dirty="0"/>
-              <a:t> 程序的核心是类和对象。类是对现实世界的抽象，类中既包含数据（成员变量），也包含操作数据的行为（成员方法）。</a:t>
-            </a:r>
-          </a:p>
-          <a:p>
-            <a:pPr lvl="1"/>
-            <a:r>
-              <a:rPr lang="zh-CN" altLang="en-US" b="1" dirty="0"/>
-              <a:t>优点：</a:t>
-            </a:r>
-            <a:r>
-              <a:rPr lang="zh-CN" altLang="en-US" dirty="0"/>
-              <a:t> 代码重用性高，易于扩展，具有更好的模块化和维护性。</a:t>
-            </a:r>
-          </a:p>
-          <a:p>
-            <a:pPr lvl="1"/>
-            <a:r>
-              <a:rPr lang="zh-CN" altLang="en-US" b="1" dirty="0"/>
-              <a:t>缺点：</a:t>
-            </a:r>
-            <a:r>
-              <a:rPr lang="zh-CN" altLang="en-US" dirty="0"/>
-              <a:t> 对比面向过程，初学者可能会觉得更加复杂。</a:t>
-            </a:r>
-          </a:p>
-          <a:p>
-            <a:endParaRPr lang="zh-CN" altLang="en-US" dirty="0"/>
-          </a:p>
-        </p:txBody>
-      </p:sp>
-    </p:spTree>
-    <p:extLst>
-      <p:ext uri="{BB962C8B-B14F-4D97-AF65-F5344CB8AC3E}">
-        <p14:creationId xmlns:p14="http://schemas.microsoft.com/office/powerpoint/2010/main" val="870103892"/>
-      </p:ext>
-    </p:extLst>
-  </p:cSld>
-  <p:clrMapOvr>
-    <a:masterClrMapping/>
-  </p:clrMapOvr>
-  <p:timing>
-    <p:tnLst>
-      <p:par>
-        <p:cTn id="1" dur="indefinite" restart="never" nodeType="tmRoot"/>
-      </p:par>
-    </p:tnLst>
-  </p:timing>
-</p:sld>
-</file>
-
-<file path=ppt/slides/slide50.xml><?xml version="1.0" encoding="utf-8"?>
+<file path=ppt/slides/slide58.xml><?xml version="1.0" encoding="utf-8"?>
 <p:sld xmlns:a="http://schemas.openxmlformats.org/drawingml/2006/main" xmlns:r="http://schemas.openxmlformats.org/officeDocument/2006/relationships" xmlns:p="http://schemas.openxmlformats.org/presentationml/2006/main">
   <p:cSld>
     <p:spTree>
@@ -17131,7 +18980,7 @@
 </p:sld>
 </file>
 
-<file path=ppt/slides/slide51.xml><?xml version="1.0" encoding="utf-8"?>
+<file path=ppt/slides/slide59.xml><?xml version="1.0" encoding="utf-8"?>
 <p:sld xmlns:a="http://schemas.openxmlformats.org/drawingml/2006/main" xmlns:r="http://schemas.openxmlformats.org/officeDocument/2006/relationships" xmlns:p="http://schemas.openxmlformats.org/presentationml/2006/main">
   <p:cSld>
     <p:spTree>
@@ -17273,687 +19122,6 @@
     <p:extLst>
       <p:ext uri="{BB962C8B-B14F-4D97-AF65-F5344CB8AC3E}">
         <p14:creationId xmlns:p14="http://schemas.microsoft.com/office/powerpoint/2010/main" val="2309702231"/>
-      </p:ext>
-    </p:extLst>
-  </p:cSld>
-  <p:clrMapOvr>
-    <a:masterClrMapping/>
-  </p:clrMapOvr>
-  <p:timing>
-    <p:tnLst>
-      <p:par>
-        <p:cTn id="1" dur="indefinite" restart="never" nodeType="tmRoot"/>
-      </p:par>
-    </p:tnLst>
-  </p:timing>
-</p:sld>
-</file>
-
-<file path=ppt/slides/slide52.xml><?xml version="1.0" encoding="utf-8"?>
-<p:sld xmlns:a="http://schemas.openxmlformats.org/drawingml/2006/main" xmlns:r="http://schemas.openxmlformats.org/officeDocument/2006/relationships" xmlns:p="http://schemas.openxmlformats.org/presentationml/2006/main">
-  <p:cSld>
-    <p:spTree>
-      <p:nvGrpSpPr>
-        <p:cNvPr id="1" name=""/>
-        <p:cNvGrpSpPr/>
-        <p:nvPr/>
-      </p:nvGrpSpPr>
-      <p:grpSpPr>
-        <a:xfrm>
-          <a:off x="0" y="0"/>
-          <a:ext cx="0" cy="0"/>
-          <a:chOff x="0" y="0"/>
-          <a:chExt cx="0" cy="0"/>
-        </a:xfrm>
-      </p:grpSpPr>
-      <p:sp>
-        <p:nvSpPr>
-          <p:cNvPr id="2" name="标题 1"/>
-          <p:cNvSpPr>
-            <a:spLocks noGrp="1"/>
-          </p:cNvSpPr>
-          <p:nvPr>
-            <p:ph type="title"/>
-          </p:nvPr>
-        </p:nvSpPr>
-        <p:spPr/>
-        <p:txBody>
-          <a:bodyPr/>
-          <a:lstStyle/>
-          <a:p>
-            <a:r>
-              <a:rPr lang="zh-CN" altLang="en-US" b="1" dirty="0" smtClean="0">
-                <a:latin typeface="华文楷体" pitchFamily="2" charset="-122"/>
-                <a:ea typeface="华文楷体" pitchFamily="2" charset="-122"/>
-              </a:rPr>
-              <a:t>第</a:t>
-            </a:r>
-            <a:r>
-              <a:rPr lang="en-US" altLang="zh-CN" b="1" dirty="0" smtClean="0">
-                <a:latin typeface="华文楷体" pitchFamily="2" charset="-122"/>
-                <a:ea typeface="华文楷体" pitchFamily="2" charset="-122"/>
-              </a:rPr>
-              <a:t>10</a:t>
-            </a:r>
-            <a:r>
-              <a:rPr lang="zh-CN" altLang="en-US" b="1" dirty="0" smtClean="0">
-                <a:latin typeface="华文楷体" pitchFamily="2" charset="-122"/>
-                <a:ea typeface="华文楷体" pitchFamily="2" charset="-122"/>
-              </a:rPr>
-              <a:t>章  </a:t>
-            </a:r>
-            <a:r>
-              <a:rPr lang="en-US" altLang="zh-CN" b="1" dirty="0">
-                <a:latin typeface="华文楷体" pitchFamily="2" charset="-122"/>
-                <a:ea typeface="华文楷体" pitchFamily="2" charset="-122"/>
-              </a:rPr>
-              <a:t>C++11</a:t>
-            </a:r>
-            <a:r>
-              <a:rPr lang="zh-CN" altLang="en-US" b="1" dirty="0">
-                <a:latin typeface="华文楷体" pitchFamily="2" charset="-122"/>
-                <a:ea typeface="华文楷体" pitchFamily="2" charset="-122"/>
-              </a:rPr>
-              <a:t>及以后特性</a:t>
-            </a:r>
-            <a:endParaRPr lang="zh-CN" altLang="en-US" dirty="0"/>
-          </a:p>
-        </p:txBody>
-      </p:sp>
-      <p:sp>
-        <p:nvSpPr>
-          <p:cNvPr id="3" name="内容占位符 2"/>
-          <p:cNvSpPr>
-            <a:spLocks noGrp="1"/>
-          </p:cNvSpPr>
-          <p:nvPr>
-            <p:ph idx="1"/>
-          </p:nvPr>
-        </p:nvSpPr>
-        <p:spPr/>
-        <p:txBody>
-          <a:bodyPr/>
-          <a:lstStyle/>
-          <a:p>
-            <a:r>
-              <a:rPr lang="en-US" altLang="zh-CN" dirty="0"/>
-              <a:t>Lambda</a:t>
-            </a:r>
-            <a:r>
-              <a:rPr lang="zh-CN" altLang="en-US" dirty="0"/>
-              <a:t>表达式：如何使用</a:t>
-            </a:r>
-            <a:r>
-              <a:rPr lang="en-US" altLang="zh-CN" dirty="0"/>
-              <a:t>Lambda</a:t>
-            </a:r>
-            <a:r>
-              <a:rPr lang="zh-CN" altLang="en-US" dirty="0"/>
-              <a:t>简化代码。</a:t>
-            </a:r>
-          </a:p>
-          <a:p>
-            <a:r>
-              <a:rPr lang="zh-CN" altLang="en-US" dirty="0"/>
-              <a:t>智能指针：如何使用</a:t>
-            </a:r>
-            <a:r>
-              <a:rPr lang="en-US" altLang="zh-CN" dirty="0" err="1"/>
-              <a:t>shared_ptr</a:t>
-            </a:r>
-            <a:r>
-              <a:rPr lang="zh-CN" altLang="en-US" dirty="0"/>
-              <a:t>、</a:t>
-            </a:r>
-            <a:r>
-              <a:rPr lang="en-US" altLang="zh-CN" dirty="0" err="1"/>
-              <a:t>unique_ptr</a:t>
-            </a:r>
-            <a:r>
-              <a:rPr lang="zh-CN" altLang="en-US" dirty="0"/>
-              <a:t>等智能指针管理内存。</a:t>
-            </a:r>
-          </a:p>
-          <a:p>
-            <a:r>
-              <a:rPr lang="zh-CN" altLang="en-US" dirty="0"/>
-              <a:t>线程与并发：</a:t>
-            </a:r>
-            <a:r>
-              <a:rPr lang="en-US" altLang="zh-CN" dirty="0" err="1"/>
-              <a:t>std</a:t>
-            </a:r>
-            <a:r>
-              <a:rPr lang="en-US" altLang="zh-CN" dirty="0"/>
-              <a:t>::thread</a:t>
-            </a:r>
-            <a:r>
-              <a:rPr lang="zh-CN" altLang="en-US" dirty="0"/>
-              <a:t>、</a:t>
-            </a:r>
-            <a:r>
-              <a:rPr lang="en-US" altLang="zh-CN" dirty="0" err="1"/>
-              <a:t>std</a:t>
-            </a:r>
-            <a:r>
-              <a:rPr lang="en-US" altLang="zh-CN" dirty="0"/>
-              <a:t>::</a:t>
-            </a:r>
-            <a:r>
-              <a:rPr lang="en-US" altLang="zh-CN" dirty="0" err="1"/>
-              <a:t>mutex</a:t>
-            </a:r>
-            <a:r>
-              <a:rPr lang="zh-CN" altLang="en-US" dirty="0"/>
-              <a:t>、</a:t>
-            </a:r>
-            <a:r>
-              <a:rPr lang="en-US" altLang="zh-CN" dirty="0" err="1"/>
-              <a:t>std</a:t>
-            </a:r>
-            <a:r>
-              <a:rPr lang="en-US" altLang="zh-CN" dirty="0"/>
-              <a:t>::</a:t>
-            </a:r>
-            <a:r>
-              <a:rPr lang="en-US" altLang="zh-CN" dirty="0" err="1"/>
-              <a:t>async</a:t>
-            </a:r>
-            <a:r>
-              <a:rPr lang="zh-CN" altLang="en-US" dirty="0"/>
-              <a:t>等并发编程工具。</a:t>
-            </a:r>
-          </a:p>
-          <a:p>
-            <a:r>
-              <a:rPr lang="zh-CN" altLang="en-US" dirty="0"/>
-              <a:t>右值引用与移动语义：</a:t>
-            </a:r>
-            <a:r>
-              <a:rPr lang="en-US" altLang="zh-CN" dirty="0" err="1"/>
-              <a:t>std</a:t>
-            </a:r>
-            <a:r>
-              <a:rPr lang="en-US" altLang="zh-CN" dirty="0"/>
-              <a:t>::move</a:t>
-            </a:r>
-            <a:r>
-              <a:rPr lang="zh-CN" altLang="en-US" dirty="0"/>
-              <a:t>、</a:t>
-            </a:r>
-            <a:r>
-              <a:rPr lang="en-US" altLang="zh-CN" dirty="0" err="1"/>
-              <a:t>std</a:t>
-            </a:r>
-            <a:r>
-              <a:rPr lang="en-US" altLang="zh-CN" dirty="0"/>
-              <a:t>::forward</a:t>
-            </a:r>
-            <a:r>
-              <a:rPr lang="zh-CN" altLang="en-US" dirty="0"/>
-              <a:t>、移动构造函数和移动赋值运算符。</a:t>
-            </a:r>
-          </a:p>
-          <a:p>
-            <a:r>
-              <a:rPr lang="en-US" altLang="zh-CN" dirty="0" err="1"/>
-              <a:t>std</a:t>
-            </a:r>
-            <a:r>
-              <a:rPr lang="en-US" altLang="zh-CN" dirty="0"/>
-              <a:t>::</a:t>
-            </a:r>
-            <a:r>
-              <a:rPr lang="en-US" altLang="zh-CN" dirty="0" err="1"/>
-              <a:t>chrono</a:t>
-            </a:r>
-            <a:r>
-              <a:rPr lang="zh-CN" altLang="en-US" dirty="0"/>
-              <a:t>库：时间测量和延时功能。</a:t>
-            </a:r>
-          </a:p>
-        </p:txBody>
-      </p:sp>
-    </p:spTree>
-    <p:extLst>
-      <p:ext uri="{BB962C8B-B14F-4D97-AF65-F5344CB8AC3E}">
-        <p14:creationId xmlns:p14="http://schemas.microsoft.com/office/powerpoint/2010/main" val="1295629135"/>
-      </p:ext>
-    </p:extLst>
-  </p:cSld>
-  <p:clrMapOvr>
-    <a:masterClrMapping/>
-  </p:clrMapOvr>
-  <p:timing>
-    <p:tnLst>
-      <p:par>
-        <p:cTn id="1" dur="indefinite" restart="never" nodeType="tmRoot"/>
-      </p:par>
-    </p:tnLst>
-  </p:timing>
-</p:sld>
-</file>
-
-<file path=ppt/slides/slide53.xml><?xml version="1.0" encoding="utf-8"?>
-<p:sld xmlns:a="http://schemas.openxmlformats.org/drawingml/2006/main" xmlns:r="http://schemas.openxmlformats.org/officeDocument/2006/relationships" xmlns:p="http://schemas.openxmlformats.org/presentationml/2006/main">
-  <p:cSld>
-    <p:spTree>
-      <p:nvGrpSpPr>
-        <p:cNvPr id="1" name=""/>
-        <p:cNvGrpSpPr/>
-        <p:nvPr/>
-      </p:nvGrpSpPr>
-      <p:grpSpPr>
-        <a:xfrm>
-          <a:off x="0" y="0"/>
-          <a:ext cx="0" cy="0"/>
-          <a:chOff x="0" y="0"/>
-          <a:chExt cx="0" cy="0"/>
-        </a:xfrm>
-      </p:grpSpPr>
-      <p:sp>
-        <p:nvSpPr>
-          <p:cNvPr id="2" name="标题 1"/>
-          <p:cNvSpPr>
-            <a:spLocks noGrp="1"/>
-          </p:cNvSpPr>
-          <p:nvPr>
-            <p:ph type="title"/>
-          </p:nvPr>
-        </p:nvSpPr>
-        <p:spPr/>
-        <p:txBody>
-          <a:bodyPr/>
-          <a:lstStyle/>
-          <a:p>
-            <a:r>
-              <a:rPr lang="zh-CN" altLang="en-US" b="1" dirty="0">
-                <a:latin typeface="华文楷体" pitchFamily="2" charset="-122"/>
-                <a:ea typeface="华文楷体" pitchFamily="2" charset="-122"/>
-              </a:rPr>
-              <a:t>第</a:t>
-            </a:r>
-            <a:r>
-              <a:rPr lang="en-US" altLang="zh-CN" b="1" dirty="0" smtClean="0">
-                <a:latin typeface="华文楷体" pitchFamily="2" charset="-122"/>
-                <a:ea typeface="华文楷体" pitchFamily="2" charset="-122"/>
-              </a:rPr>
-              <a:t>11</a:t>
-            </a:r>
-            <a:r>
-              <a:rPr lang="zh-CN" altLang="en-US" b="1" dirty="0" smtClean="0">
-                <a:latin typeface="华文楷体" pitchFamily="2" charset="-122"/>
-                <a:ea typeface="华文楷体" pitchFamily="2" charset="-122"/>
-              </a:rPr>
-              <a:t>章  </a:t>
-            </a:r>
-            <a:r>
-              <a:rPr lang="en-US" altLang="zh-CN" b="1" dirty="0">
-                <a:latin typeface="华文楷体" pitchFamily="2" charset="-122"/>
-                <a:ea typeface="华文楷体" pitchFamily="2" charset="-122"/>
-              </a:rPr>
-              <a:t>C++</a:t>
-            </a:r>
-            <a:r>
-              <a:rPr lang="zh-CN" altLang="en-US" b="1" dirty="0">
-                <a:latin typeface="华文楷体" pitchFamily="2" charset="-122"/>
-                <a:ea typeface="华文楷体" pitchFamily="2" charset="-122"/>
-              </a:rPr>
-              <a:t>设计模式</a:t>
-            </a:r>
-            <a:endParaRPr lang="zh-CN" altLang="en-US" dirty="0"/>
-          </a:p>
-        </p:txBody>
-      </p:sp>
-      <p:sp>
-        <p:nvSpPr>
-          <p:cNvPr id="3" name="内容占位符 2"/>
-          <p:cNvSpPr>
-            <a:spLocks noGrp="1"/>
-          </p:cNvSpPr>
-          <p:nvPr>
-            <p:ph idx="1"/>
-          </p:nvPr>
-        </p:nvSpPr>
-        <p:spPr/>
-        <p:txBody>
-          <a:bodyPr/>
-          <a:lstStyle/>
-          <a:p>
-            <a:r>
-              <a:rPr lang="zh-CN" altLang="en-US" dirty="0"/>
-              <a:t>单例模式：如何实现和应用单例模式。</a:t>
-            </a:r>
-          </a:p>
-          <a:p>
-            <a:r>
-              <a:rPr lang="zh-CN" altLang="en-US" dirty="0"/>
-              <a:t>工厂模式：使用工厂模式来创建对象。</a:t>
-            </a:r>
-          </a:p>
-          <a:p>
-            <a:r>
-              <a:rPr lang="zh-CN" altLang="en-US" dirty="0"/>
-              <a:t>观察者模式：如何实现和应用观察者模式。</a:t>
-            </a:r>
-          </a:p>
-          <a:p>
-            <a:r>
-              <a:rPr lang="zh-CN" altLang="en-US" dirty="0"/>
-              <a:t>策略模式：定义一系列算法，将每一个算法封装起来</a:t>
-            </a:r>
-            <a:r>
-              <a:rPr lang="zh-CN" altLang="en-US" dirty="0" smtClean="0"/>
-              <a:t>。</a:t>
-            </a:r>
-            <a:endParaRPr lang="en-US" altLang="zh-CN" dirty="0" smtClean="0"/>
-          </a:p>
-          <a:p>
-            <a:r>
-              <a:rPr lang="zh-CN" altLang="en-US"/>
-              <a:t>高内</a:t>
-            </a:r>
-            <a:r>
-              <a:rPr lang="zh-CN" altLang="en-US" smtClean="0"/>
-              <a:t>聚，低耦合</a:t>
-            </a:r>
-            <a:endParaRPr lang="zh-CN" altLang="en-US" dirty="0"/>
-          </a:p>
-        </p:txBody>
-      </p:sp>
-    </p:spTree>
-    <p:extLst>
-      <p:ext uri="{BB962C8B-B14F-4D97-AF65-F5344CB8AC3E}">
-        <p14:creationId xmlns:p14="http://schemas.microsoft.com/office/powerpoint/2010/main" val="4116617042"/>
-      </p:ext>
-    </p:extLst>
-  </p:cSld>
-  <p:clrMapOvr>
-    <a:masterClrMapping/>
-  </p:clrMapOvr>
-  <p:timing>
-    <p:tnLst>
-      <p:par>
-        <p:cTn id="1" dur="indefinite" restart="never" nodeType="tmRoot"/>
-      </p:par>
-    </p:tnLst>
-  </p:timing>
-</p:sld>
-</file>
-
-<file path=ppt/slides/slide54.xml><?xml version="1.0" encoding="utf-8"?>
-<p:sld xmlns:a="http://schemas.openxmlformats.org/drawingml/2006/main" xmlns:r="http://schemas.openxmlformats.org/officeDocument/2006/relationships" xmlns:p="http://schemas.openxmlformats.org/presentationml/2006/main">
-  <p:cSld>
-    <p:spTree>
-      <p:nvGrpSpPr>
-        <p:cNvPr id="1" name=""/>
-        <p:cNvGrpSpPr/>
-        <p:nvPr/>
-      </p:nvGrpSpPr>
-      <p:grpSpPr>
-        <a:xfrm>
-          <a:off x="0" y="0"/>
-          <a:ext cx="0" cy="0"/>
-          <a:chOff x="0" y="0"/>
-          <a:chExt cx="0" cy="0"/>
-        </a:xfrm>
-      </p:grpSpPr>
-      <p:sp>
-        <p:nvSpPr>
-          <p:cNvPr id="2" name="标题 1"/>
-          <p:cNvSpPr>
-            <a:spLocks noGrp="1"/>
-          </p:cNvSpPr>
-          <p:nvPr>
-            <p:ph type="title"/>
-          </p:nvPr>
-        </p:nvSpPr>
-        <p:spPr/>
-        <p:txBody>
-          <a:bodyPr/>
-          <a:lstStyle/>
-          <a:p>
-            <a:r>
-              <a:rPr lang="zh-CN" altLang="en-US" b="1" dirty="0">
-                <a:latin typeface="华文楷体" pitchFamily="2" charset="-122"/>
-                <a:ea typeface="华文楷体" pitchFamily="2" charset="-122"/>
-              </a:rPr>
-              <a:t>第</a:t>
-            </a:r>
-            <a:r>
-              <a:rPr lang="en-US" altLang="zh-CN" b="1" dirty="0" smtClean="0">
-                <a:latin typeface="华文楷体" pitchFamily="2" charset="-122"/>
-                <a:ea typeface="华文楷体" pitchFamily="2" charset="-122"/>
-              </a:rPr>
-              <a:t>11</a:t>
-            </a:r>
-            <a:r>
-              <a:rPr lang="zh-CN" altLang="en-US" b="1" dirty="0" smtClean="0">
-                <a:latin typeface="华文楷体" pitchFamily="2" charset="-122"/>
-                <a:ea typeface="华文楷体" pitchFamily="2" charset="-122"/>
-              </a:rPr>
-              <a:t>章  </a:t>
-            </a:r>
-            <a:r>
-              <a:rPr lang="en-US" altLang="zh-CN" b="1" dirty="0">
-                <a:latin typeface="华文楷体" pitchFamily="2" charset="-122"/>
-                <a:ea typeface="华文楷体" pitchFamily="2" charset="-122"/>
-              </a:rPr>
-              <a:t>C++</a:t>
-            </a:r>
-            <a:r>
-              <a:rPr lang="zh-CN" altLang="en-US" b="1" dirty="0">
-                <a:latin typeface="华文楷体" pitchFamily="2" charset="-122"/>
-                <a:ea typeface="华文楷体" pitchFamily="2" charset="-122"/>
-              </a:rPr>
-              <a:t>进阶</a:t>
-            </a:r>
-            <a:endParaRPr lang="zh-CN" altLang="en-US" dirty="0"/>
-          </a:p>
-        </p:txBody>
-      </p:sp>
-      <p:sp>
-        <p:nvSpPr>
-          <p:cNvPr id="3" name="内容占位符 2"/>
-          <p:cNvSpPr>
-            <a:spLocks noGrp="1"/>
-          </p:cNvSpPr>
-          <p:nvPr>
-            <p:ph idx="1"/>
-          </p:nvPr>
-        </p:nvSpPr>
-        <p:spPr/>
-        <p:txBody>
-          <a:bodyPr/>
-          <a:lstStyle/>
-          <a:p>
-            <a:r>
-              <a:rPr lang="zh-CN" altLang="en-US" dirty="0"/>
-              <a:t>模板编程：函数模板、类模板、模板特化与偏特化、模板元编程。</a:t>
-            </a:r>
-          </a:p>
-          <a:p>
-            <a:r>
-              <a:rPr lang="en-US" altLang="zh-CN" dirty="0"/>
-              <a:t>C++</a:t>
-            </a:r>
-            <a:r>
-              <a:rPr lang="zh-CN" altLang="en-US" dirty="0"/>
-              <a:t>与</a:t>
-            </a:r>
-            <a:r>
-              <a:rPr lang="en-US" altLang="zh-CN" dirty="0"/>
-              <a:t>C</a:t>
-            </a:r>
-            <a:r>
-              <a:rPr lang="zh-CN" altLang="en-US" dirty="0"/>
-              <a:t>的互操作性：如何在</a:t>
-            </a:r>
-            <a:r>
-              <a:rPr lang="en-US" altLang="zh-CN" dirty="0"/>
-              <a:t>C++</a:t>
-            </a:r>
-            <a:r>
-              <a:rPr lang="zh-CN" altLang="en-US" dirty="0"/>
-              <a:t>中调用</a:t>
-            </a:r>
-            <a:r>
-              <a:rPr lang="en-US" altLang="zh-CN" dirty="0"/>
-              <a:t>C</a:t>
-            </a:r>
-            <a:r>
-              <a:rPr lang="zh-CN" altLang="en-US" dirty="0"/>
-              <a:t>语言代码。</a:t>
-            </a:r>
-          </a:p>
-          <a:p>
-            <a:r>
-              <a:rPr lang="en-US" altLang="zh-CN" dirty="0"/>
-              <a:t>C++</a:t>
-            </a:r>
-            <a:r>
-              <a:rPr lang="zh-CN" altLang="en-US" dirty="0"/>
-              <a:t>与外部库集成：使用外部库（如</a:t>
-            </a:r>
-            <a:r>
-              <a:rPr lang="en-US" altLang="zh-CN" dirty="0"/>
-              <a:t>Boost</a:t>
-            </a:r>
-            <a:r>
-              <a:rPr lang="zh-CN" altLang="en-US" dirty="0"/>
-              <a:t>、</a:t>
-            </a:r>
-            <a:r>
-              <a:rPr lang="en-US" altLang="zh-CN" dirty="0" err="1"/>
-              <a:t>Qt</a:t>
-            </a:r>
-            <a:r>
-              <a:rPr lang="zh-CN" altLang="en-US" dirty="0"/>
-              <a:t>、</a:t>
-            </a:r>
-            <a:r>
-              <a:rPr lang="en-US" altLang="zh-CN" dirty="0" err="1"/>
-              <a:t>OpenCV</a:t>
-            </a:r>
-            <a:r>
-              <a:rPr lang="zh-CN" altLang="en-US" dirty="0"/>
-              <a:t>等）进行开发。</a:t>
-            </a:r>
-          </a:p>
-        </p:txBody>
-      </p:sp>
-    </p:spTree>
-    <p:extLst>
-      <p:ext uri="{BB962C8B-B14F-4D97-AF65-F5344CB8AC3E}">
-        <p14:creationId xmlns:p14="http://schemas.microsoft.com/office/powerpoint/2010/main" val="2783617826"/>
-      </p:ext>
-    </p:extLst>
-  </p:cSld>
-  <p:clrMapOvr>
-    <a:masterClrMapping/>
-  </p:clrMapOvr>
-  <p:timing>
-    <p:tnLst>
-      <p:par>
-        <p:cTn id="1" dur="indefinite" restart="never" nodeType="tmRoot"/>
-      </p:par>
-    </p:tnLst>
-  </p:timing>
-</p:sld>
-</file>
-
-<file path=ppt/slides/slide55.xml><?xml version="1.0" encoding="utf-8"?>
-<p:sld xmlns:a="http://schemas.openxmlformats.org/drawingml/2006/main" xmlns:r="http://schemas.openxmlformats.org/officeDocument/2006/relationships" xmlns:p="http://schemas.openxmlformats.org/presentationml/2006/main">
-  <p:cSld>
-    <p:spTree>
-      <p:nvGrpSpPr>
-        <p:cNvPr id="1" name=""/>
-        <p:cNvGrpSpPr/>
-        <p:nvPr/>
-      </p:nvGrpSpPr>
-      <p:grpSpPr>
-        <a:xfrm>
-          <a:off x="0" y="0"/>
-          <a:ext cx="0" cy="0"/>
-          <a:chOff x="0" y="0"/>
-          <a:chExt cx="0" cy="0"/>
-        </a:xfrm>
-      </p:grpSpPr>
-      <p:sp>
-        <p:nvSpPr>
-          <p:cNvPr id="2" name="标题 1"/>
-          <p:cNvSpPr>
-            <a:spLocks noGrp="1"/>
-          </p:cNvSpPr>
-          <p:nvPr>
-            <p:ph type="title"/>
-          </p:nvPr>
-        </p:nvSpPr>
-        <p:spPr/>
-        <p:txBody>
-          <a:bodyPr/>
-          <a:lstStyle/>
-          <a:p>
-            <a:r>
-              <a:rPr lang="zh-CN" altLang="en-US" b="1" dirty="0">
-                <a:latin typeface="华文楷体" pitchFamily="2" charset="-122"/>
-                <a:ea typeface="华文楷体" pitchFamily="2" charset="-122"/>
-              </a:rPr>
-              <a:t>第</a:t>
-            </a:r>
-            <a:r>
-              <a:rPr lang="en-US" altLang="zh-CN" b="1" dirty="0" smtClean="0">
-                <a:latin typeface="华文楷体" pitchFamily="2" charset="-122"/>
-                <a:ea typeface="华文楷体" pitchFamily="2" charset="-122"/>
-              </a:rPr>
-              <a:t>12</a:t>
-            </a:r>
-            <a:r>
-              <a:rPr lang="zh-CN" altLang="en-US" b="1" smtClean="0">
-                <a:latin typeface="华文楷体" pitchFamily="2" charset="-122"/>
-                <a:ea typeface="华文楷体" pitchFamily="2" charset="-122"/>
-              </a:rPr>
-              <a:t>章  总和练习</a:t>
-            </a:r>
-            <a:endParaRPr lang="zh-CN" altLang="en-US" dirty="0"/>
-          </a:p>
-        </p:txBody>
-      </p:sp>
-      <p:sp>
-        <p:nvSpPr>
-          <p:cNvPr id="3" name="内容占位符 2"/>
-          <p:cNvSpPr>
-            <a:spLocks noGrp="1"/>
-          </p:cNvSpPr>
-          <p:nvPr>
-            <p:ph idx="1"/>
-          </p:nvPr>
-        </p:nvSpPr>
-        <p:spPr/>
-        <p:txBody>
-          <a:bodyPr/>
-          <a:lstStyle/>
-          <a:p>
-            <a:r>
-              <a:rPr lang="en-US" altLang="zh-CN" dirty="0"/>
-              <a:t>1.1 </a:t>
-            </a:r>
-            <a:r>
-              <a:rPr lang="zh-CN" altLang="en-US" dirty="0"/>
-              <a:t>什么是</a:t>
-            </a:r>
-            <a:r>
-              <a:rPr lang="zh-CN" altLang="en-US" dirty="0" smtClean="0"/>
-              <a:t>计算机程序</a:t>
-            </a:r>
-            <a:endParaRPr lang="zh-CN" altLang="en-US" dirty="0"/>
-          </a:p>
-        </p:txBody>
-      </p:sp>
-    </p:spTree>
-    <p:extLst>
-      <p:ext uri="{BB962C8B-B14F-4D97-AF65-F5344CB8AC3E}">
-        <p14:creationId xmlns:p14="http://schemas.microsoft.com/office/powerpoint/2010/main" val="1064233169"/>
       </p:ext>
     </p:extLst>
   </p:cSld>
@@ -18048,6 +19216,687 @@
     <p:extLst>
       <p:ext uri="{BB962C8B-B14F-4D97-AF65-F5344CB8AC3E}">
         <p14:creationId xmlns:p14="http://schemas.microsoft.com/office/powerpoint/2010/main" val="2001259653"/>
+      </p:ext>
+    </p:extLst>
+  </p:cSld>
+  <p:clrMapOvr>
+    <a:masterClrMapping/>
+  </p:clrMapOvr>
+  <p:timing>
+    <p:tnLst>
+      <p:par>
+        <p:cTn id="1" dur="indefinite" restart="never" nodeType="tmRoot"/>
+      </p:par>
+    </p:tnLst>
+  </p:timing>
+</p:sld>
+</file>
+
+<file path=ppt/slides/slide60.xml><?xml version="1.0" encoding="utf-8"?>
+<p:sld xmlns:a="http://schemas.openxmlformats.org/drawingml/2006/main" xmlns:r="http://schemas.openxmlformats.org/officeDocument/2006/relationships" xmlns:p="http://schemas.openxmlformats.org/presentationml/2006/main">
+  <p:cSld>
+    <p:spTree>
+      <p:nvGrpSpPr>
+        <p:cNvPr id="1" name=""/>
+        <p:cNvGrpSpPr/>
+        <p:nvPr/>
+      </p:nvGrpSpPr>
+      <p:grpSpPr>
+        <a:xfrm>
+          <a:off x="0" y="0"/>
+          <a:ext cx="0" cy="0"/>
+          <a:chOff x="0" y="0"/>
+          <a:chExt cx="0" cy="0"/>
+        </a:xfrm>
+      </p:grpSpPr>
+      <p:sp>
+        <p:nvSpPr>
+          <p:cNvPr id="2" name="标题 1"/>
+          <p:cNvSpPr>
+            <a:spLocks noGrp="1"/>
+          </p:cNvSpPr>
+          <p:nvPr>
+            <p:ph type="title"/>
+          </p:nvPr>
+        </p:nvSpPr>
+        <p:spPr/>
+        <p:txBody>
+          <a:bodyPr/>
+          <a:lstStyle/>
+          <a:p>
+            <a:r>
+              <a:rPr lang="zh-CN" altLang="en-US" b="1" dirty="0" smtClean="0">
+                <a:latin typeface="华文楷体" pitchFamily="2" charset="-122"/>
+                <a:ea typeface="华文楷体" pitchFamily="2" charset="-122"/>
+              </a:rPr>
+              <a:t>第</a:t>
+            </a:r>
+            <a:r>
+              <a:rPr lang="en-US" altLang="zh-CN" b="1" dirty="0" smtClean="0">
+                <a:latin typeface="华文楷体" pitchFamily="2" charset="-122"/>
+                <a:ea typeface="华文楷体" pitchFamily="2" charset="-122"/>
+              </a:rPr>
+              <a:t>10</a:t>
+            </a:r>
+            <a:r>
+              <a:rPr lang="zh-CN" altLang="en-US" b="1" dirty="0" smtClean="0">
+                <a:latin typeface="华文楷体" pitchFamily="2" charset="-122"/>
+                <a:ea typeface="华文楷体" pitchFamily="2" charset="-122"/>
+              </a:rPr>
+              <a:t>章  </a:t>
+            </a:r>
+            <a:r>
+              <a:rPr lang="en-US" altLang="zh-CN" b="1" dirty="0">
+                <a:latin typeface="华文楷体" pitchFamily="2" charset="-122"/>
+                <a:ea typeface="华文楷体" pitchFamily="2" charset="-122"/>
+              </a:rPr>
+              <a:t>C++11</a:t>
+            </a:r>
+            <a:r>
+              <a:rPr lang="zh-CN" altLang="en-US" b="1" dirty="0">
+                <a:latin typeface="华文楷体" pitchFamily="2" charset="-122"/>
+                <a:ea typeface="华文楷体" pitchFamily="2" charset="-122"/>
+              </a:rPr>
+              <a:t>及以后特性</a:t>
+            </a:r>
+            <a:endParaRPr lang="zh-CN" altLang="en-US" dirty="0"/>
+          </a:p>
+        </p:txBody>
+      </p:sp>
+      <p:sp>
+        <p:nvSpPr>
+          <p:cNvPr id="3" name="内容占位符 2"/>
+          <p:cNvSpPr>
+            <a:spLocks noGrp="1"/>
+          </p:cNvSpPr>
+          <p:nvPr>
+            <p:ph idx="1"/>
+          </p:nvPr>
+        </p:nvSpPr>
+        <p:spPr/>
+        <p:txBody>
+          <a:bodyPr/>
+          <a:lstStyle/>
+          <a:p>
+            <a:r>
+              <a:rPr lang="en-US" altLang="zh-CN" dirty="0"/>
+              <a:t>Lambda</a:t>
+            </a:r>
+            <a:r>
+              <a:rPr lang="zh-CN" altLang="en-US" dirty="0"/>
+              <a:t>表达式：如何使用</a:t>
+            </a:r>
+            <a:r>
+              <a:rPr lang="en-US" altLang="zh-CN" dirty="0"/>
+              <a:t>Lambda</a:t>
+            </a:r>
+            <a:r>
+              <a:rPr lang="zh-CN" altLang="en-US" dirty="0"/>
+              <a:t>简化代码。</a:t>
+            </a:r>
+          </a:p>
+          <a:p>
+            <a:r>
+              <a:rPr lang="zh-CN" altLang="en-US" dirty="0"/>
+              <a:t>智能指针：如何使用</a:t>
+            </a:r>
+            <a:r>
+              <a:rPr lang="en-US" altLang="zh-CN" dirty="0" err="1"/>
+              <a:t>shared_ptr</a:t>
+            </a:r>
+            <a:r>
+              <a:rPr lang="zh-CN" altLang="en-US" dirty="0"/>
+              <a:t>、</a:t>
+            </a:r>
+            <a:r>
+              <a:rPr lang="en-US" altLang="zh-CN" dirty="0" err="1"/>
+              <a:t>unique_ptr</a:t>
+            </a:r>
+            <a:r>
+              <a:rPr lang="zh-CN" altLang="en-US" dirty="0"/>
+              <a:t>等智能指针管理内存。</a:t>
+            </a:r>
+          </a:p>
+          <a:p>
+            <a:r>
+              <a:rPr lang="zh-CN" altLang="en-US" dirty="0"/>
+              <a:t>线程与并发：</a:t>
+            </a:r>
+            <a:r>
+              <a:rPr lang="en-US" altLang="zh-CN" dirty="0" err="1"/>
+              <a:t>std</a:t>
+            </a:r>
+            <a:r>
+              <a:rPr lang="en-US" altLang="zh-CN" dirty="0"/>
+              <a:t>::thread</a:t>
+            </a:r>
+            <a:r>
+              <a:rPr lang="zh-CN" altLang="en-US" dirty="0"/>
+              <a:t>、</a:t>
+            </a:r>
+            <a:r>
+              <a:rPr lang="en-US" altLang="zh-CN" dirty="0" err="1"/>
+              <a:t>std</a:t>
+            </a:r>
+            <a:r>
+              <a:rPr lang="en-US" altLang="zh-CN" dirty="0"/>
+              <a:t>::</a:t>
+            </a:r>
+            <a:r>
+              <a:rPr lang="en-US" altLang="zh-CN" dirty="0" err="1"/>
+              <a:t>mutex</a:t>
+            </a:r>
+            <a:r>
+              <a:rPr lang="zh-CN" altLang="en-US" dirty="0"/>
+              <a:t>、</a:t>
+            </a:r>
+            <a:r>
+              <a:rPr lang="en-US" altLang="zh-CN" dirty="0" err="1"/>
+              <a:t>std</a:t>
+            </a:r>
+            <a:r>
+              <a:rPr lang="en-US" altLang="zh-CN" dirty="0"/>
+              <a:t>::</a:t>
+            </a:r>
+            <a:r>
+              <a:rPr lang="en-US" altLang="zh-CN" dirty="0" err="1"/>
+              <a:t>async</a:t>
+            </a:r>
+            <a:r>
+              <a:rPr lang="zh-CN" altLang="en-US" dirty="0"/>
+              <a:t>等并发编程工具。</a:t>
+            </a:r>
+          </a:p>
+          <a:p>
+            <a:r>
+              <a:rPr lang="zh-CN" altLang="en-US" dirty="0"/>
+              <a:t>右值引用与移动语义：</a:t>
+            </a:r>
+            <a:r>
+              <a:rPr lang="en-US" altLang="zh-CN" dirty="0" err="1"/>
+              <a:t>std</a:t>
+            </a:r>
+            <a:r>
+              <a:rPr lang="en-US" altLang="zh-CN" dirty="0"/>
+              <a:t>::move</a:t>
+            </a:r>
+            <a:r>
+              <a:rPr lang="zh-CN" altLang="en-US" dirty="0"/>
+              <a:t>、</a:t>
+            </a:r>
+            <a:r>
+              <a:rPr lang="en-US" altLang="zh-CN" dirty="0" err="1"/>
+              <a:t>std</a:t>
+            </a:r>
+            <a:r>
+              <a:rPr lang="en-US" altLang="zh-CN" dirty="0"/>
+              <a:t>::forward</a:t>
+            </a:r>
+            <a:r>
+              <a:rPr lang="zh-CN" altLang="en-US" dirty="0"/>
+              <a:t>、移动构造函数和移动赋值运算符。</a:t>
+            </a:r>
+          </a:p>
+          <a:p>
+            <a:r>
+              <a:rPr lang="en-US" altLang="zh-CN" dirty="0" err="1"/>
+              <a:t>std</a:t>
+            </a:r>
+            <a:r>
+              <a:rPr lang="en-US" altLang="zh-CN" dirty="0"/>
+              <a:t>::</a:t>
+            </a:r>
+            <a:r>
+              <a:rPr lang="en-US" altLang="zh-CN" dirty="0" err="1"/>
+              <a:t>chrono</a:t>
+            </a:r>
+            <a:r>
+              <a:rPr lang="zh-CN" altLang="en-US" dirty="0"/>
+              <a:t>库：时间测量和延时功能。</a:t>
+            </a:r>
+          </a:p>
+        </p:txBody>
+      </p:sp>
+    </p:spTree>
+    <p:extLst>
+      <p:ext uri="{BB962C8B-B14F-4D97-AF65-F5344CB8AC3E}">
+        <p14:creationId xmlns:p14="http://schemas.microsoft.com/office/powerpoint/2010/main" val="1295629135"/>
+      </p:ext>
+    </p:extLst>
+  </p:cSld>
+  <p:clrMapOvr>
+    <a:masterClrMapping/>
+  </p:clrMapOvr>
+  <p:timing>
+    <p:tnLst>
+      <p:par>
+        <p:cTn id="1" dur="indefinite" restart="never" nodeType="tmRoot"/>
+      </p:par>
+    </p:tnLst>
+  </p:timing>
+</p:sld>
+</file>
+
+<file path=ppt/slides/slide61.xml><?xml version="1.0" encoding="utf-8"?>
+<p:sld xmlns:a="http://schemas.openxmlformats.org/drawingml/2006/main" xmlns:r="http://schemas.openxmlformats.org/officeDocument/2006/relationships" xmlns:p="http://schemas.openxmlformats.org/presentationml/2006/main">
+  <p:cSld>
+    <p:spTree>
+      <p:nvGrpSpPr>
+        <p:cNvPr id="1" name=""/>
+        <p:cNvGrpSpPr/>
+        <p:nvPr/>
+      </p:nvGrpSpPr>
+      <p:grpSpPr>
+        <a:xfrm>
+          <a:off x="0" y="0"/>
+          <a:ext cx="0" cy="0"/>
+          <a:chOff x="0" y="0"/>
+          <a:chExt cx="0" cy="0"/>
+        </a:xfrm>
+      </p:grpSpPr>
+      <p:sp>
+        <p:nvSpPr>
+          <p:cNvPr id="2" name="标题 1"/>
+          <p:cNvSpPr>
+            <a:spLocks noGrp="1"/>
+          </p:cNvSpPr>
+          <p:nvPr>
+            <p:ph type="title"/>
+          </p:nvPr>
+        </p:nvSpPr>
+        <p:spPr/>
+        <p:txBody>
+          <a:bodyPr/>
+          <a:lstStyle/>
+          <a:p>
+            <a:r>
+              <a:rPr lang="zh-CN" altLang="en-US" b="1" dirty="0">
+                <a:latin typeface="华文楷体" pitchFamily="2" charset="-122"/>
+                <a:ea typeface="华文楷体" pitchFamily="2" charset="-122"/>
+              </a:rPr>
+              <a:t>第</a:t>
+            </a:r>
+            <a:r>
+              <a:rPr lang="en-US" altLang="zh-CN" b="1" dirty="0" smtClean="0">
+                <a:latin typeface="华文楷体" pitchFamily="2" charset="-122"/>
+                <a:ea typeface="华文楷体" pitchFamily="2" charset="-122"/>
+              </a:rPr>
+              <a:t>11</a:t>
+            </a:r>
+            <a:r>
+              <a:rPr lang="zh-CN" altLang="en-US" b="1" dirty="0" smtClean="0">
+                <a:latin typeface="华文楷体" pitchFamily="2" charset="-122"/>
+                <a:ea typeface="华文楷体" pitchFamily="2" charset="-122"/>
+              </a:rPr>
+              <a:t>章  </a:t>
+            </a:r>
+            <a:r>
+              <a:rPr lang="en-US" altLang="zh-CN" b="1" dirty="0">
+                <a:latin typeface="华文楷体" pitchFamily="2" charset="-122"/>
+                <a:ea typeface="华文楷体" pitchFamily="2" charset="-122"/>
+              </a:rPr>
+              <a:t>C++</a:t>
+            </a:r>
+            <a:r>
+              <a:rPr lang="zh-CN" altLang="en-US" b="1" dirty="0">
+                <a:latin typeface="华文楷体" pitchFamily="2" charset="-122"/>
+                <a:ea typeface="华文楷体" pitchFamily="2" charset="-122"/>
+              </a:rPr>
+              <a:t>设计模式</a:t>
+            </a:r>
+            <a:endParaRPr lang="zh-CN" altLang="en-US" dirty="0"/>
+          </a:p>
+        </p:txBody>
+      </p:sp>
+      <p:sp>
+        <p:nvSpPr>
+          <p:cNvPr id="3" name="内容占位符 2"/>
+          <p:cNvSpPr>
+            <a:spLocks noGrp="1"/>
+          </p:cNvSpPr>
+          <p:nvPr>
+            <p:ph idx="1"/>
+          </p:nvPr>
+        </p:nvSpPr>
+        <p:spPr/>
+        <p:txBody>
+          <a:bodyPr/>
+          <a:lstStyle/>
+          <a:p>
+            <a:r>
+              <a:rPr lang="zh-CN" altLang="en-US" dirty="0"/>
+              <a:t>单例模式：如何实现和应用单例模式。</a:t>
+            </a:r>
+          </a:p>
+          <a:p>
+            <a:r>
+              <a:rPr lang="zh-CN" altLang="en-US" dirty="0"/>
+              <a:t>工厂模式：使用工厂模式来创建对象。</a:t>
+            </a:r>
+          </a:p>
+          <a:p>
+            <a:r>
+              <a:rPr lang="zh-CN" altLang="en-US" dirty="0"/>
+              <a:t>观察者模式：如何实现和应用观察者模式。</a:t>
+            </a:r>
+          </a:p>
+          <a:p>
+            <a:r>
+              <a:rPr lang="zh-CN" altLang="en-US" dirty="0"/>
+              <a:t>策略模式：定义一系列算法，将每一个算法封装起来</a:t>
+            </a:r>
+            <a:r>
+              <a:rPr lang="zh-CN" altLang="en-US" dirty="0" smtClean="0"/>
+              <a:t>。</a:t>
+            </a:r>
+            <a:endParaRPr lang="en-US" altLang="zh-CN" dirty="0" smtClean="0"/>
+          </a:p>
+          <a:p>
+            <a:r>
+              <a:rPr lang="zh-CN" altLang="en-US"/>
+              <a:t>高内</a:t>
+            </a:r>
+            <a:r>
+              <a:rPr lang="zh-CN" altLang="en-US" smtClean="0"/>
+              <a:t>聚，低耦合</a:t>
+            </a:r>
+            <a:endParaRPr lang="zh-CN" altLang="en-US" dirty="0"/>
+          </a:p>
+        </p:txBody>
+      </p:sp>
+    </p:spTree>
+    <p:extLst>
+      <p:ext uri="{BB962C8B-B14F-4D97-AF65-F5344CB8AC3E}">
+        <p14:creationId xmlns:p14="http://schemas.microsoft.com/office/powerpoint/2010/main" val="4116617042"/>
+      </p:ext>
+    </p:extLst>
+  </p:cSld>
+  <p:clrMapOvr>
+    <a:masterClrMapping/>
+  </p:clrMapOvr>
+  <p:timing>
+    <p:tnLst>
+      <p:par>
+        <p:cTn id="1" dur="indefinite" restart="never" nodeType="tmRoot"/>
+      </p:par>
+    </p:tnLst>
+  </p:timing>
+</p:sld>
+</file>
+
+<file path=ppt/slides/slide62.xml><?xml version="1.0" encoding="utf-8"?>
+<p:sld xmlns:a="http://schemas.openxmlformats.org/drawingml/2006/main" xmlns:r="http://schemas.openxmlformats.org/officeDocument/2006/relationships" xmlns:p="http://schemas.openxmlformats.org/presentationml/2006/main">
+  <p:cSld>
+    <p:spTree>
+      <p:nvGrpSpPr>
+        <p:cNvPr id="1" name=""/>
+        <p:cNvGrpSpPr/>
+        <p:nvPr/>
+      </p:nvGrpSpPr>
+      <p:grpSpPr>
+        <a:xfrm>
+          <a:off x="0" y="0"/>
+          <a:ext cx="0" cy="0"/>
+          <a:chOff x="0" y="0"/>
+          <a:chExt cx="0" cy="0"/>
+        </a:xfrm>
+      </p:grpSpPr>
+      <p:sp>
+        <p:nvSpPr>
+          <p:cNvPr id="2" name="标题 1"/>
+          <p:cNvSpPr>
+            <a:spLocks noGrp="1"/>
+          </p:cNvSpPr>
+          <p:nvPr>
+            <p:ph type="title"/>
+          </p:nvPr>
+        </p:nvSpPr>
+        <p:spPr/>
+        <p:txBody>
+          <a:bodyPr/>
+          <a:lstStyle/>
+          <a:p>
+            <a:r>
+              <a:rPr lang="zh-CN" altLang="en-US" b="1" dirty="0">
+                <a:latin typeface="华文楷体" pitchFamily="2" charset="-122"/>
+                <a:ea typeface="华文楷体" pitchFamily="2" charset="-122"/>
+              </a:rPr>
+              <a:t>第</a:t>
+            </a:r>
+            <a:r>
+              <a:rPr lang="en-US" altLang="zh-CN" b="1" dirty="0" smtClean="0">
+                <a:latin typeface="华文楷体" pitchFamily="2" charset="-122"/>
+                <a:ea typeface="华文楷体" pitchFamily="2" charset="-122"/>
+              </a:rPr>
+              <a:t>11</a:t>
+            </a:r>
+            <a:r>
+              <a:rPr lang="zh-CN" altLang="en-US" b="1" dirty="0" smtClean="0">
+                <a:latin typeface="华文楷体" pitchFamily="2" charset="-122"/>
+                <a:ea typeface="华文楷体" pitchFamily="2" charset="-122"/>
+              </a:rPr>
+              <a:t>章  </a:t>
+            </a:r>
+            <a:r>
+              <a:rPr lang="en-US" altLang="zh-CN" b="1" dirty="0">
+                <a:latin typeface="华文楷体" pitchFamily="2" charset="-122"/>
+                <a:ea typeface="华文楷体" pitchFamily="2" charset="-122"/>
+              </a:rPr>
+              <a:t>C++</a:t>
+            </a:r>
+            <a:r>
+              <a:rPr lang="zh-CN" altLang="en-US" b="1" dirty="0">
+                <a:latin typeface="华文楷体" pitchFamily="2" charset="-122"/>
+                <a:ea typeface="华文楷体" pitchFamily="2" charset="-122"/>
+              </a:rPr>
+              <a:t>进阶</a:t>
+            </a:r>
+            <a:endParaRPr lang="zh-CN" altLang="en-US" dirty="0"/>
+          </a:p>
+        </p:txBody>
+      </p:sp>
+      <p:sp>
+        <p:nvSpPr>
+          <p:cNvPr id="3" name="内容占位符 2"/>
+          <p:cNvSpPr>
+            <a:spLocks noGrp="1"/>
+          </p:cNvSpPr>
+          <p:nvPr>
+            <p:ph idx="1"/>
+          </p:nvPr>
+        </p:nvSpPr>
+        <p:spPr/>
+        <p:txBody>
+          <a:bodyPr/>
+          <a:lstStyle/>
+          <a:p>
+            <a:r>
+              <a:rPr lang="zh-CN" altLang="en-US" dirty="0"/>
+              <a:t>模板编程：函数模板、类模板、模板特化与偏特化、模板元编程。</a:t>
+            </a:r>
+          </a:p>
+          <a:p>
+            <a:r>
+              <a:rPr lang="en-US" altLang="zh-CN" dirty="0"/>
+              <a:t>C++</a:t>
+            </a:r>
+            <a:r>
+              <a:rPr lang="zh-CN" altLang="en-US" dirty="0"/>
+              <a:t>与</a:t>
+            </a:r>
+            <a:r>
+              <a:rPr lang="en-US" altLang="zh-CN" dirty="0"/>
+              <a:t>C</a:t>
+            </a:r>
+            <a:r>
+              <a:rPr lang="zh-CN" altLang="en-US" dirty="0"/>
+              <a:t>的互操作性：如何在</a:t>
+            </a:r>
+            <a:r>
+              <a:rPr lang="en-US" altLang="zh-CN" dirty="0"/>
+              <a:t>C++</a:t>
+            </a:r>
+            <a:r>
+              <a:rPr lang="zh-CN" altLang="en-US" dirty="0"/>
+              <a:t>中调用</a:t>
+            </a:r>
+            <a:r>
+              <a:rPr lang="en-US" altLang="zh-CN" dirty="0"/>
+              <a:t>C</a:t>
+            </a:r>
+            <a:r>
+              <a:rPr lang="zh-CN" altLang="en-US" dirty="0"/>
+              <a:t>语言代码。</a:t>
+            </a:r>
+          </a:p>
+          <a:p>
+            <a:r>
+              <a:rPr lang="en-US" altLang="zh-CN" dirty="0"/>
+              <a:t>C++</a:t>
+            </a:r>
+            <a:r>
+              <a:rPr lang="zh-CN" altLang="en-US" dirty="0"/>
+              <a:t>与外部库集成：使用外部库（如</a:t>
+            </a:r>
+            <a:r>
+              <a:rPr lang="en-US" altLang="zh-CN" dirty="0"/>
+              <a:t>Boost</a:t>
+            </a:r>
+            <a:r>
+              <a:rPr lang="zh-CN" altLang="en-US" dirty="0"/>
+              <a:t>、</a:t>
+            </a:r>
+            <a:r>
+              <a:rPr lang="en-US" altLang="zh-CN" dirty="0" err="1"/>
+              <a:t>Qt</a:t>
+            </a:r>
+            <a:r>
+              <a:rPr lang="zh-CN" altLang="en-US" dirty="0"/>
+              <a:t>、</a:t>
+            </a:r>
+            <a:r>
+              <a:rPr lang="en-US" altLang="zh-CN" dirty="0" err="1"/>
+              <a:t>OpenCV</a:t>
+            </a:r>
+            <a:r>
+              <a:rPr lang="zh-CN" altLang="en-US" dirty="0"/>
+              <a:t>等）进行开发。</a:t>
+            </a:r>
+          </a:p>
+        </p:txBody>
+      </p:sp>
+    </p:spTree>
+    <p:extLst>
+      <p:ext uri="{BB962C8B-B14F-4D97-AF65-F5344CB8AC3E}">
+        <p14:creationId xmlns:p14="http://schemas.microsoft.com/office/powerpoint/2010/main" val="2783617826"/>
+      </p:ext>
+    </p:extLst>
+  </p:cSld>
+  <p:clrMapOvr>
+    <a:masterClrMapping/>
+  </p:clrMapOvr>
+  <p:timing>
+    <p:tnLst>
+      <p:par>
+        <p:cTn id="1" dur="indefinite" restart="never" nodeType="tmRoot"/>
+      </p:par>
+    </p:tnLst>
+  </p:timing>
+</p:sld>
+</file>
+
+<file path=ppt/slides/slide63.xml><?xml version="1.0" encoding="utf-8"?>
+<p:sld xmlns:a="http://schemas.openxmlformats.org/drawingml/2006/main" xmlns:r="http://schemas.openxmlformats.org/officeDocument/2006/relationships" xmlns:p="http://schemas.openxmlformats.org/presentationml/2006/main">
+  <p:cSld>
+    <p:spTree>
+      <p:nvGrpSpPr>
+        <p:cNvPr id="1" name=""/>
+        <p:cNvGrpSpPr/>
+        <p:nvPr/>
+      </p:nvGrpSpPr>
+      <p:grpSpPr>
+        <a:xfrm>
+          <a:off x="0" y="0"/>
+          <a:ext cx="0" cy="0"/>
+          <a:chOff x="0" y="0"/>
+          <a:chExt cx="0" cy="0"/>
+        </a:xfrm>
+      </p:grpSpPr>
+      <p:sp>
+        <p:nvSpPr>
+          <p:cNvPr id="2" name="标题 1"/>
+          <p:cNvSpPr>
+            <a:spLocks noGrp="1"/>
+          </p:cNvSpPr>
+          <p:nvPr>
+            <p:ph type="title"/>
+          </p:nvPr>
+        </p:nvSpPr>
+        <p:spPr/>
+        <p:txBody>
+          <a:bodyPr/>
+          <a:lstStyle/>
+          <a:p>
+            <a:r>
+              <a:rPr lang="zh-CN" altLang="en-US" b="1" dirty="0">
+                <a:latin typeface="华文楷体" pitchFamily="2" charset="-122"/>
+                <a:ea typeface="华文楷体" pitchFamily="2" charset="-122"/>
+              </a:rPr>
+              <a:t>第</a:t>
+            </a:r>
+            <a:r>
+              <a:rPr lang="en-US" altLang="zh-CN" b="1" dirty="0" smtClean="0">
+                <a:latin typeface="华文楷体" pitchFamily="2" charset="-122"/>
+                <a:ea typeface="华文楷体" pitchFamily="2" charset="-122"/>
+              </a:rPr>
+              <a:t>12</a:t>
+            </a:r>
+            <a:r>
+              <a:rPr lang="zh-CN" altLang="en-US" b="1" smtClean="0">
+                <a:latin typeface="华文楷体" pitchFamily="2" charset="-122"/>
+                <a:ea typeface="华文楷体" pitchFamily="2" charset="-122"/>
+              </a:rPr>
+              <a:t>章  总和练习</a:t>
+            </a:r>
+            <a:endParaRPr lang="zh-CN" altLang="en-US" dirty="0"/>
+          </a:p>
+        </p:txBody>
+      </p:sp>
+      <p:sp>
+        <p:nvSpPr>
+          <p:cNvPr id="3" name="内容占位符 2"/>
+          <p:cNvSpPr>
+            <a:spLocks noGrp="1"/>
+          </p:cNvSpPr>
+          <p:nvPr>
+            <p:ph idx="1"/>
+          </p:nvPr>
+        </p:nvSpPr>
+        <p:spPr/>
+        <p:txBody>
+          <a:bodyPr/>
+          <a:lstStyle/>
+          <a:p>
+            <a:r>
+              <a:rPr lang="en-US" altLang="zh-CN" dirty="0"/>
+              <a:t>1.1 </a:t>
+            </a:r>
+            <a:r>
+              <a:rPr lang="zh-CN" altLang="en-US" dirty="0"/>
+              <a:t>什么是</a:t>
+            </a:r>
+            <a:r>
+              <a:rPr lang="zh-CN" altLang="en-US" dirty="0" smtClean="0"/>
+              <a:t>计算机程序</a:t>
+            </a:r>
+            <a:endParaRPr lang="zh-CN" altLang="en-US" dirty="0"/>
+          </a:p>
+        </p:txBody>
+      </p:sp>
+    </p:spTree>
+    <p:extLst>
+      <p:ext uri="{BB962C8B-B14F-4D97-AF65-F5344CB8AC3E}">
+        <p14:creationId xmlns:p14="http://schemas.microsoft.com/office/powerpoint/2010/main" val="1064233169"/>
       </p:ext>
     </p:extLst>
   </p:cSld>

--- a/learn_cpp/docs/C++语言培训.pptx
+++ b/learn_cpp/docs/C++语言培训.pptx
@@ -45,29 +45,30 @@
     <p:sldId id="316" r:id="rId39"/>
     <p:sldId id="312" r:id="rId40"/>
     <p:sldId id="319" r:id="rId41"/>
-    <p:sldId id="313" r:id="rId42"/>
-    <p:sldId id="314" r:id="rId43"/>
-    <p:sldId id="317" r:id="rId44"/>
-    <p:sldId id="318" r:id="rId45"/>
-    <p:sldId id="315" r:id="rId46"/>
-    <p:sldId id="260" r:id="rId47"/>
-    <p:sldId id="288" r:id="rId48"/>
-    <p:sldId id="289" r:id="rId49"/>
-    <p:sldId id="290" r:id="rId50"/>
-    <p:sldId id="291" r:id="rId51"/>
-    <p:sldId id="292" r:id="rId52"/>
-    <p:sldId id="293" r:id="rId53"/>
-    <p:sldId id="294" r:id="rId54"/>
-    <p:sldId id="295" r:id="rId55"/>
-    <p:sldId id="296" r:id="rId56"/>
-    <p:sldId id="261" r:id="rId57"/>
-    <p:sldId id="262" r:id="rId58"/>
-    <p:sldId id="263" r:id="rId59"/>
-    <p:sldId id="264" r:id="rId60"/>
-    <p:sldId id="265" r:id="rId61"/>
-    <p:sldId id="266" r:id="rId62"/>
-    <p:sldId id="267" r:id="rId63"/>
-    <p:sldId id="268" r:id="rId64"/>
+    <p:sldId id="320" r:id="rId42"/>
+    <p:sldId id="313" r:id="rId43"/>
+    <p:sldId id="314" r:id="rId44"/>
+    <p:sldId id="317" r:id="rId45"/>
+    <p:sldId id="318" r:id="rId46"/>
+    <p:sldId id="315" r:id="rId47"/>
+    <p:sldId id="260" r:id="rId48"/>
+    <p:sldId id="288" r:id="rId49"/>
+    <p:sldId id="289" r:id="rId50"/>
+    <p:sldId id="290" r:id="rId51"/>
+    <p:sldId id="291" r:id="rId52"/>
+    <p:sldId id="292" r:id="rId53"/>
+    <p:sldId id="293" r:id="rId54"/>
+    <p:sldId id="294" r:id="rId55"/>
+    <p:sldId id="295" r:id="rId56"/>
+    <p:sldId id="296" r:id="rId57"/>
+    <p:sldId id="261" r:id="rId58"/>
+    <p:sldId id="262" r:id="rId59"/>
+    <p:sldId id="263" r:id="rId60"/>
+    <p:sldId id="264" r:id="rId61"/>
+    <p:sldId id="265" r:id="rId62"/>
+    <p:sldId id="266" r:id="rId63"/>
+    <p:sldId id="267" r:id="rId64"/>
+    <p:sldId id="268" r:id="rId65"/>
   </p:sldIdLst>
   <p:sldSz cx="12192000" cy="6858000"/>
   <p:notesSz cx="6858000" cy="9144000"/>
@@ -15345,13 +15346,10 @@
           <a:lstStyle/>
           <a:p>
             <a:r>
-              <a:rPr lang="en-US" altLang="zh-CN" b="1" dirty="0" smtClean="0"/>
-              <a:t>4.3 </a:t>
-            </a:r>
-            <a:r>
-              <a:rPr lang="zh-CN" altLang="en-US" b="1" dirty="0"/>
-              <a:t>函数重载与递归</a:t>
-            </a:r>
+              <a:rPr lang="zh-CN" altLang="en-US" b="1" dirty="0" smtClean="0"/>
+              <a:t>参数类型</a:t>
+            </a:r>
+            <a:endParaRPr lang="zh-CN" altLang="en-US" dirty="0"/>
           </a:p>
         </p:txBody>
       </p:sp>
@@ -15371,67 +15369,46 @@
           <a:lstStyle/>
           <a:p>
             <a:r>
-              <a:rPr lang="zh-CN" altLang="en-US" b="1" dirty="0"/>
-              <a:t>函数重载</a:t>
-            </a:r>
-          </a:p>
-          <a:p>
-            <a:pPr marL="0" indent="0">
-              <a:buNone/>
-            </a:pPr>
+              <a:rPr lang="zh-CN" altLang="en-US" dirty="0" smtClean="0"/>
+              <a:t>基本类型</a:t>
+            </a:r>
+            <a:endParaRPr lang="en-US" altLang="zh-CN" dirty="0" smtClean="0"/>
+          </a:p>
+          <a:p>
+            <a:r>
+              <a:rPr lang="en-US" altLang="zh-CN" dirty="0"/>
+              <a:t>s</a:t>
+            </a:r>
             <a:r>
               <a:rPr lang="en-US" altLang="zh-CN" dirty="0" smtClean="0"/>
-              <a:t>	</a:t>
+              <a:t>tring</a:t>
             </a:r>
             <a:r>
               <a:rPr lang="zh-CN" altLang="en-US" dirty="0" smtClean="0"/>
-              <a:t>函数</a:t>
-            </a:r>
-            <a:r>
-              <a:rPr lang="zh-CN" altLang="en-US" dirty="0"/>
-              <a:t>重载是指在同一作用域内可以定义多个同名的函数，只要它们的参数类型或</a:t>
-            </a:r>
+              <a:t>对象</a:t>
+            </a:r>
+            <a:endParaRPr lang="en-US" altLang="zh-CN" dirty="0" smtClean="0"/>
+          </a:p>
+          <a:p>
             <a:r>
               <a:rPr lang="zh-CN" altLang="en-US" dirty="0" smtClean="0"/>
-              <a:t>个</a:t>
+              <a:t>结构 </a:t>
             </a:r>
             <a:r>
               <a:rPr lang="en-US" altLang="zh-CN" dirty="0" smtClean="0"/>
-              <a:t>	</a:t>
-            </a:r>
-            <a:r>
-              <a:rPr lang="zh-CN" altLang="en-US" dirty="0" smtClean="0"/>
-              <a:t>数</a:t>
-            </a:r>
-            <a:r>
-              <a:rPr lang="zh-CN" altLang="en-US" dirty="0"/>
-              <a:t>不同。</a:t>
-            </a:r>
-          </a:p>
-          <a:p>
-            <a:r>
-              <a:rPr lang="zh-CN" altLang="en-US" b="1" dirty="0"/>
-              <a:t>递归函数</a:t>
-            </a:r>
-          </a:p>
-          <a:p>
-            <a:pPr marL="0" indent="0">
-              <a:buNone/>
-            </a:pPr>
-            <a:r>
-              <a:rPr lang="en-US" altLang="zh-CN" dirty="0" smtClean="0"/>
-              <a:t>	</a:t>
-            </a:r>
-            <a:r>
-              <a:rPr lang="zh-CN" altLang="en-US" dirty="0" smtClean="0"/>
-              <a:t>递归</a:t>
-            </a:r>
-            <a:r>
-              <a:rPr lang="zh-CN" altLang="en-US" dirty="0"/>
-              <a:t>是函数调用自身。递归函数通常包括基准情况和递归调用。</a:t>
-            </a:r>
-          </a:p>
-          <a:p>
+              <a:t>– </a:t>
+            </a:r>
+            <a:r>
+              <a:rPr lang="en-US" altLang="zh-CN" dirty="0" err="1" smtClean="0"/>
+              <a:t>stuct</a:t>
+            </a:r>
+            <a:endParaRPr lang="en-US" altLang="zh-CN" dirty="0" smtClean="0"/>
+          </a:p>
+          <a:p>
+            <a:r>
+              <a:rPr lang="zh-CN" altLang="en-US"/>
+              <a:t>数组</a:t>
+            </a:r>
             <a:endParaRPr lang="zh-CN" altLang="en-US" dirty="0"/>
           </a:p>
         </p:txBody>
@@ -15439,7 +15416,7 @@
     </p:spTree>
     <p:extLst>
       <p:ext uri="{BB962C8B-B14F-4D97-AF65-F5344CB8AC3E}">
-        <p14:creationId xmlns:p14="http://schemas.microsoft.com/office/powerpoint/2010/main" val="3246053325"/>
+        <p14:creationId xmlns:p14="http://schemas.microsoft.com/office/powerpoint/2010/main" val="874589675"/>
       </p:ext>
     </p:extLst>
   </p:cSld>
@@ -15483,11 +15460,11 @@
           <a:p>
             <a:r>
               <a:rPr lang="en-US" altLang="zh-CN" b="1" dirty="0" smtClean="0"/>
-              <a:t>4.4 </a:t>
+              <a:t>4.3 </a:t>
             </a:r>
             <a:r>
               <a:rPr lang="zh-CN" altLang="en-US" b="1" dirty="0"/>
-              <a:t>数组</a:t>
+              <a:t>函数重载与递归</a:t>
             </a:r>
           </a:p>
         </p:txBody>
@@ -15504,14 +15481,12 @@
         </p:nvSpPr>
         <p:spPr/>
         <p:txBody>
-          <a:bodyPr>
-            <a:normAutofit/>
-          </a:bodyPr>
+          <a:bodyPr/>
           <a:lstStyle/>
           <a:p>
             <a:r>
               <a:rPr lang="zh-CN" altLang="en-US" b="1" dirty="0"/>
-              <a:t>一维数组</a:t>
+              <a:t>函数重载</a:t>
             </a:r>
           </a:p>
           <a:p>
@@ -15524,17 +15499,33 @@
             </a:r>
             <a:r>
               <a:rPr lang="zh-CN" altLang="en-US" dirty="0" smtClean="0"/>
-              <a:t>一</a:t>
-            </a:r>
-            <a:r>
-              <a:rPr lang="zh-CN" altLang="en-US" dirty="0"/>
-              <a:t>维数组是具有相同类型元素的集合，元素通过索引访问。</a:t>
+              <a:t>函数</a:t>
+            </a:r>
+            <a:r>
+              <a:rPr lang="zh-CN" altLang="en-US" dirty="0"/>
+              <a:t>重载是指在同一作用域内可以定义多个同名的函数，只要它们的参数类型或</a:t>
+            </a:r>
+            <a:r>
+              <a:rPr lang="zh-CN" altLang="en-US" dirty="0" smtClean="0"/>
+              <a:t>个</a:t>
+            </a:r>
+            <a:r>
+              <a:rPr lang="en-US" altLang="zh-CN" dirty="0" smtClean="0"/>
+              <a:t>	</a:t>
+            </a:r>
+            <a:r>
+              <a:rPr lang="zh-CN" altLang="en-US" dirty="0" smtClean="0"/>
+              <a:t>数</a:t>
+            </a:r>
+            <a:r>
+              <a:rPr lang="zh-CN" altLang="en-US" dirty="0"/>
+              <a:t>不同。</a:t>
             </a:r>
           </a:p>
           <a:p>
             <a:r>
               <a:rPr lang="zh-CN" altLang="en-US" b="1" dirty="0"/>
-              <a:t>二维数组</a:t>
+              <a:t>递归函数</a:t>
             </a:r>
           </a:p>
           <a:p>
@@ -15547,60 +15538,22 @@
             </a:r>
             <a:r>
               <a:rPr lang="zh-CN" altLang="en-US" dirty="0" smtClean="0"/>
-              <a:t>二</a:t>
-            </a:r>
-            <a:r>
-              <a:rPr lang="zh-CN" altLang="en-US" dirty="0"/>
-              <a:t>维数组是数组的数组。可以通过指定两个索引访问元素。</a:t>
-            </a:r>
-          </a:p>
-          <a:p>
-            <a:r>
-              <a:rPr lang="zh-CN" altLang="en-US" b="1" dirty="0"/>
-              <a:t>数组与指针的</a:t>
-            </a:r>
-            <a:r>
-              <a:rPr lang="zh-CN" altLang="en-US" b="1" dirty="0" smtClean="0"/>
-              <a:t>关系</a:t>
-            </a:r>
-            <a:endParaRPr lang="en-US" altLang="zh-CN" b="1" dirty="0" smtClean="0"/>
-          </a:p>
-          <a:p>
-            <a:pPr marL="0" indent="0">
-              <a:buNone/>
-            </a:pPr>
-            <a:r>
-              <a:rPr lang="en-US" altLang="zh-CN" dirty="0" smtClean="0"/>
-              <a:t>	</a:t>
-            </a:r>
-            <a:r>
-              <a:rPr lang="zh-CN" altLang="en-US" dirty="0" smtClean="0"/>
-              <a:t>数组</a:t>
-            </a:r>
-            <a:r>
-              <a:rPr lang="zh-CN" altLang="en-US" dirty="0"/>
-              <a:t>名在很多情况下会退化为指向数组首元素的指针。因此，可以使用指针来访问</a:t>
-            </a:r>
-            <a:r>
-              <a:rPr lang="en-US" altLang="zh-CN" dirty="0"/>
-              <a:t>	</a:t>
-            </a:r>
-            <a:r>
-              <a:rPr lang="zh-CN" altLang="en-US" dirty="0"/>
-              <a:t>数组元素</a:t>
-            </a:r>
-            <a:r>
-              <a:rPr lang="zh-CN" altLang="en-US" dirty="0" smtClean="0"/>
-              <a:t>。</a:t>
-            </a:r>
-            <a:endParaRPr lang="en-US" altLang="zh-CN" dirty="0"/>
+              <a:t>递归</a:t>
+            </a:r>
+            <a:r>
+              <a:rPr lang="zh-CN" altLang="en-US" dirty="0"/>
+              <a:t>是函数调用自身。递归函数通常包括基准情况和递归调用。</a:t>
+            </a:r>
+          </a:p>
+          <a:p>
+            <a:endParaRPr lang="zh-CN" altLang="en-US" dirty="0"/>
           </a:p>
         </p:txBody>
       </p:sp>
     </p:spTree>
     <p:extLst>
       <p:ext uri="{BB962C8B-B14F-4D97-AF65-F5344CB8AC3E}">
-        <p14:creationId xmlns:p14="http://schemas.microsoft.com/office/powerpoint/2010/main" val="2859311749"/>
+        <p14:creationId xmlns:p14="http://schemas.microsoft.com/office/powerpoint/2010/main" val="3246053325"/>
       </p:ext>
     </p:extLst>
   </p:cSld>
@@ -15644,21 +15597,12 @@
           <a:p>
             <a:r>
               <a:rPr lang="en-US" altLang="zh-CN" b="1" dirty="0" smtClean="0"/>
-              <a:t>4.5 </a:t>
-            </a:r>
-            <a:r>
-              <a:rPr lang="zh-CN" altLang="en-US" b="1" dirty="0" smtClean="0"/>
-              <a:t>函数</a:t>
+              <a:t>4.4 </a:t>
             </a:r>
             <a:r>
               <a:rPr lang="zh-CN" altLang="en-US" b="1" dirty="0"/>
-              <a:t>参数</a:t>
-            </a:r>
-            <a:r>
-              <a:rPr lang="zh-CN" altLang="en-US" b="1" dirty="0" smtClean="0"/>
-              <a:t>使用数组</a:t>
-            </a:r>
-            <a:endParaRPr lang="zh-CN" altLang="en-US" b="1" dirty="0"/>
+              <a:t>数组</a:t>
+            </a:r>
           </a:p>
         </p:txBody>
       </p:sp>
@@ -15674,97 +15618,66 @@
         </p:nvSpPr>
         <p:spPr/>
         <p:txBody>
-          <a:bodyPr/>
+          <a:bodyPr>
+            <a:normAutofit/>
+          </a:bodyPr>
           <a:lstStyle/>
           <a:p>
             <a:r>
-              <a:rPr lang="zh-CN" altLang="en-US" dirty="0"/>
-              <a:t>在 </a:t>
-            </a:r>
-            <a:r>
-              <a:rPr lang="en-US" altLang="zh-CN" dirty="0"/>
-              <a:t>C++ </a:t>
-            </a:r>
-            <a:r>
-              <a:rPr lang="zh-CN" altLang="en-US" dirty="0"/>
-              <a:t>中，</a:t>
-            </a:r>
-            <a:r>
               <a:rPr lang="zh-CN" altLang="en-US" b="1" dirty="0"/>
-              <a:t>数组可以作为函数的参数</a:t>
-            </a:r>
-            <a:r>
-              <a:rPr lang="zh-CN" altLang="en-US" dirty="0"/>
-              <a:t> 进行传递</a:t>
-            </a:r>
-            <a:r>
-              <a:rPr lang="zh-CN" altLang="en-US" dirty="0" smtClean="0"/>
-              <a:t>。</a:t>
-            </a:r>
-            <a:endParaRPr lang="en-US" altLang="zh-CN" dirty="0" smtClean="0"/>
+              <a:t>一维数组</a:t>
+            </a:r>
           </a:p>
           <a:p>
             <a:pPr marL="0" indent="0">
               <a:buNone/>
             </a:pPr>
             <a:r>
-              <a:rPr lang="en-US" altLang="zh-CN" dirty="0"/>
+              <a:rPr lang="en-US" altLang="zh-CN" dirty="0" smtClean="0"/>
               <a:t>	</a:t>
             </a:r>
             <a:r>
               <a:rPr lang="zh-CN" altLang="en-US" dirty="0" smtClean="0"/>
-              <a:t>由于</a:t>
-            </a:r>
-            <a:r>
-              <a:rPr lang="zh-CN" altLang="en-US" dirty="0"/>
-              <a:t>数组本质上是指针，传递数组参数时，实际上传递的是</a:t>
-            </a:r>
+              <a:t>一</a:t>
+            </a:r>
+            <a:r>
+              <a:rPr lang="zh-CN" altLang="en-US" dirty="0"/>
+              <a:t>维数组是具有相同类型元素的集合，元素通过索引访问。</a:t>
+            </a:r>
+          </a:p>
+          <a:p>
             <a:r>
               <a:rPr lang="zh-CN" altLang="en-US" b="1" dirty="0"/>
-              <a:t>数组的地址</a:t>
-            </a:r>
-            <a:r>
-              <a:rPr lang="zh-CN" altLang="en-US" dirty="0"/>
-              <a:t>，这</a:t>
-            </a:r>
-            <a:r>
-              <a:rPr lang="zh-CN" altLang="en-US" dirty="0" smtClean="0"/>
-              <a:t>意味着</a:t>
-            </a:r>
-            <a:endParaRPr lang="en-US" altLang="zh-CN" dirty="0" smtClean="0"/>
+              <a:t>二维数组</a:t>
+            </a:r>
           </a:p>
           <a:p>
             <a:pPr marL="0" indent="0">
               <a:buNone/>
             </a:pPr>
             <a:r>
-              <a:rPr lang="en-US" altLang="zh-CN" dirty="0"/>
+              <a:rPr lang="en-US" altLang="zh-CN" dirty="0" smtClean="0"/>
               <a:t>	</a:t>
             </a:r>
             <a:r>
               <a:rPr lang="zh-CN" altLang="en-US" dirty="0" smtClean="0"/>
-              <a:t>函数</a:t>
-            </a:r>
-            <a:r>
-              <a:rPr lang="zh-CN" altLang="en-US" dirty="0"/>
-              <a:t>内部可以修改原数组的内容</a:t>
-            </a:r>
-            <a:r>
-              <a:rPr lang="zh-CN" altLang="en-US" dirty="0" smtClean="0"/>
-              <a:t>。</a:t>
-            </a:r>
-            <a:endParaRPr lang="en-US" altLang="zh-CN" dirty="0" smtClean="0"/>
-          </a:p>
-          <a:p>
-            <a:r>
-              <a:rPr lang="zh-CN" altLang="en-US" dirty="0"/>
-              <a:t>语法格式</a:t>
-            </a:r>
-            <a:r>
-              <a:rPr lang="zh-CN" altLang="en-US" dirty="0" smtClean="0"/>
-              <a:t>：</a:t>
-            </a:r>
-            <a:endParaRPr lang="en-US" altLang="zh-CN" dirty="0" smtClean="0"/>
+              <a:t>二</a:t>
+            </a:r>
+            <a:r>
+              <a:rPr lang="zh-CN" altLang="en-US" dirty="0"/>
+              <a:t>维数组是数组的数组。可以通过指定两个索引访问元素。</a:t>
+            </a:r>
+          </a:p>
+          <a:p>
+            <a:r>
+              <a:rPr lang="zh-CN" altLang="en-US" b="1" dirty="0"/>
+              <a:t>数组与指针的</a:t>
+            </a:r>
+            <a:r>
+              <a:rPr lang="zh-CN" altLang="en-US" b="1" dirty="0" smtClean="0"/>
+              <a:t>关系</a:t>
+            </a:r>
+            <a:endParaRPr lang="en-US" altLang="zh-CN" b="1" dirty="0" smtClean="0"/>
           </a:p>
           <a:p>
             <a:pPr marL="0" indent="0">
@@ -15772,125 +15685,36 @@
             </a:pPr>
             <a:r>
               <a:rPr lang="en-US" altLang="zh-CN" dirty="0" smtClean="0"/>
-              <a:t>	void </a:t>
-            </a:r>
-            <a:r>
-              <a:rPr lang="en-US" altLang="zh-CN" dirty="0" err="1"/>
-              <a:t>functionName</a:t>
-            </a:r>
-            <a:r>
-              <a:rPr lang="en-US" altLang="zh-CN" dirty="0"/>
-              <a:t>(</a:t>
-            </a:r>
-            <a:r>
-              <a:rPr lang="en-US" altLang="zh-CN" dirty="0" err="1"/>
-              <a:t>dataType</a:t>
-            </a:r>
-            <a:r>
-              <a:rPr lang="en-US" altLang="zh-CN" dirty="0"/>
-              <a:t> </a:t>
-            </a:r>
-            <a:r>
-              <a:rPr lang="en-US" altLang="zh-CN" dirty="0" err="1"/>
-              <a:t>arrayName</a:t>
-            </a:r>
-            <a:r>
-              <a:rPr lang="en-US" altLang="zh-CN" dirty="0"/>
-              <a:t>[], </a:t>
-            </a:r>
-            <a:r>
-              <a:rPr lang="en-US" altLang="zh-CN" dirty="0" err="1"/>
-              <a:t>int</a:t>
-            </a:r>
-            <a:r>
-              <a:rPr lang="en-US" altLang="zh-CN" dirty="0"/>
-              <a:t> size</a:t>
-            </a:r>
-            <a:r>
-              <a:rPr lang="en-US" altLang="zh-CN" dirty="0" smtClean="0"/>
-              <a:t>);</a:t>
-            </a:r>
-          </a:p>
-          <a:p>
-            <a:pPr marL="0" indent="0">
-              <a:buNone/>
-            </a:pPr>
-            <a:r>
-              <a:rPr lang="en-US" altLang="zh-CN" dirty="0"/>
               <a:t>	</a:t>
             </a:r>
             <a:r>
-              <a:rPr lang="en-US" altLang="zh-CN" dirty="0" smtClean="0"/>
-              <a:t>void </a:t>
-            </a:r>
-            <a:r>
-              <a:rPr lang="en-US" altLang="zh-CN" dirty="0" err="1"/>
-              <a:t>functionName</a:t>
-            </a:r>
-            <a:r>
-              <a:rPr lang="en-US" altLang="zh-CN" dirty="0"/>
-              <a:t>(</a:t>
-            </a:r>
-            <a:r>
-              <a:rPr lang="en-US" altLang="zh-CN" dirty="0" err="1"/>
-              <a:t>dataType</a:t>
-            </a:r>
-            <a:r>
-              <a:rPr lang="en-US" altLang="zh-CN" dirty="0"/>
-              <a:t>* </a:t>
-            </a:r>
-            <a:r>
-              <a:rPr lang="en-US" altLang="zh-CN" dirty="0" err="1"/>
-              <a:t>arrayName</a:t>
-            </a:r>
-            <a:r>
-              <a:rPr lang="en-US" altLang="zh-CN" dirty="0"/>
-              <a:t>, </a:t>
-            </a:r>
-            <a:r>
-              <a:rPr lang="en-US" altLang="zh-CN" dirty="0" err="1"/>
-              <a:t>int</a:t>
-            </a:r>
-            <a:r>
-              <a:rPr lang="en-US" altLang="zh-CN" dirty="0"/>
-              <a:t> size);</a:t>
-            </a:r>
-          </a:p>
-          <a:p>
-            <a:r>
               <a:rPr lang="zh-CN" altLang="en-US" dirty="0" smtClean="0"/>
-              <a:t>注意</a:t>
-            </a:r>
-            <a:endParaRPr lang="en-US" altLang="zh-CN" dirty="0" smtClean="0"/>
-          </a:p>
-          <a:p>
-            <a:pPr lvl="1"/>
-            <a:r>
-              <a:rPr lang="zh-CN" altLang="en-US" dirty="0"/>
-              <a:t>由于数组作为参数时实际传递的是指针，所以函数内部对数组的修改会影响原数组。</a:t>
-            </a:r>
-          </a:p>
-          <a:p>
-            <a:pPr lvl="1"/>
-            <a:r>
-              <a:rPr lang="zh-CN" altLang="en-US" dirty="0"/>
-              <a:t>需要提供数组的 大小（</a:t>
-            </a:r>
-            <a:r>
-              <a:rPr lang="en-US" altLang="zh-CN" dirty="0"/>
-              <a:t>size</a:t>
-            </a:r>
-            <a:r>
-              <a:rPr lang="zh-CN" altLang="en-US" dirty="0"/>
-              <a:t>），否则无法正确遍历数组。</a:t>
-            </a:r>
+              <a:t>数组</a:t>
+            </a:r>
+            <a:r>
+              <a:rPr lang="zh-CN" altLang="en-US" dirty="0"/>
+              <a:t>名在很多情况下会退化为指向数组首元素的指针。因此，可以使用指针来访问</a:t>
+            </a:r>
+            <a:r>
+              <a:rPr lang="en-US" altLang="zh-CN" dirty="0"/>
+              <a:t>	</a:t>
+            </a:r>
+            <a:r>
+              <a:rPr lang="zh-CN" altLang="en-US" dirty="0"/>
+              <a:t>数组元素</a:t>
+            </a:r>
+            <a:r>
+              <a:rPr lang="zh-CN" altLang="en-US" dirty="0" smtClean="0"/>
+              <a:t>。</a:t>
+            </a:r>
+            <a:endParaRPr lang="en-US" altLang="zh-CN" dirty="0"/>
           </a:p>
         </p:txBody>
       </p:sp>
     </p:spTree>
     <p:extLst>
       <p:ext uri="{BB962C8B-B14F-4D97-AF65-F5344CB8AC3E}">
-        <p14:creationId xmlns:p14="http://schemas.microsoft.com/office/powerpoint/2010/main" val="1038020837"/>
+        <p14:creationId xmlns:p14="http://schemas.microsoft.com/office/powerpoint/2010/main" val="2859311749"/>
       </p:ext>
     </p:extLst>
   </p:cSld>
@@ -15933,8 +15757,20 @@
           <a:lstStyle/>
           <a:p>
             <a:r>
+              <a:rPr lang="en-US" altLang="zh-CN" b="1" dirty="0" smtClean="0"/>
+              <a:t>4.5 </a:t>
+            </a:r>
+            <a:r>
               <a:rPr lang="zh-CN" altLang="en-US" b="1" dirty="0" smtClean="0"/>
-              <a:t>示例</a:t>
+              <a:t>函数</a:t>
+            </a:r>
+            <a:r>
+              <a:rPr lang="zh-CN" altLang="en-US" b="1" dirty="0"/>
+              <a:t>参数</a:t>
+            </a:r>
+            <a:r>
+              <a:rPr lang="zh-CN" altLang="en-US" b="1" dirty="0" smtClean="0"/>
+              <a:t>使用数组</a:t>
             </a:r>
             <a:endParaRPr lang="zh-CN" altLang="en-US" b="1" dirty="0"/>
           </a:p>
@@ -15957,40 +15793,210 @@
           <a:p>
             <a:r>
               <a:rPr lang="zh-CN" altLang="en-US" dirty="0"/>
-              <a:t>数组</a:t>
+              <a:t>在 </a:t>
+            </a:r>
+            <a:r>
+              <a:rPr lang="en-US" altLang="zh-CN" dirty="0"/>
+              <a:t>C++ </a:t>
+            </a:r>
+            <a:r>
+              <a:rPr lang="zh-CN" altLang="en-US" dirty="0"/>
+              <a:t>中，</a:t>
+            </a:r>
+            <a:r>
+              <a:rPr lang="zh-CN" altLang="en-US" b="1" dirty="0"/>
+              <a:t>数组可以作为函数的参数</a:t>
+            </a:r>
+            <a:r>
+              <a:rPr lang="zh-CN" altLang="en-US" dirty="0"/>
+              <a:t> 进行传递</a:t>
             </a:r>
             <a:r>
               <a:rPr lang="zh-CN" altLang="en-US" dirty="0" smtClean="0"/>
-              <a:t>求和</a:t>
+              <a:t>。</a:t>
             </a:r>
             <a:endParaRPr lang="en-US" altLang="zh-CN" dirty="0" smtClean="0"/>
           </a:p>
           <a:p>
-            <a:r>
-              <a:rPr lang="zh-CN" altLang="en-US" dirty="0"/>
-              <a:t>修改数组中</a:t>
+            <a:pPr marL="0" indent="0">
+              <a:buNone/>
+            </a:pPr>
+            <a:r>
+              <a:rPr lang="en-US" altLang="zh-CN" dirty="0"/>
+              <a:t>	</a:t>
             </a:r>
             <a:r>
               <a:rPr lang="zh-CN" altLang="en-US" dirty="0" smtClean="0"/>
-              <a:t>的元素</a:t>
+              <a:t>由于</a:t>
+            </a:r>
+            <a:r>
+              <a:rPr lang="zh-CN" altLang="en-US" dirty="0"/>
+              <a:t>数组本质上是指针，传递数组参数时，实际上传递的是</a:t>
+            </a:r>
+            <a:r>
+              <a:rPr lang="zh-CN" altLang="en-US" b="1" dirty="0"/>
+              <a:t>数组的地址</a:t>
+            </a:r>
+            <a:r>
+              <a:rPr lang="zh-CN" altLang="en-US" dirty="0"/>
+              <a:t>，这</a:t>
+            </a:r>
+            <a:r>
+              <a:rPr lang="zh-CN" altLang="en-US" dirty="0" smtClean="0"/>
+              <a:t>意味着</a:t>
             </a:r>
             <a:endParaRPr lang="en-US" altLang="zh-CN" dirty="0" smtClean="0"/>
           </a:p>
           <a:p>
-            <a:r>
-              <a:rPr lang="zh-CN" altLang="en-US" dirty="0"/>
-              <a:t>传递二维数</a:t>
+            <a:pPr marL="0" indent="0">
+              <a:buNone/>
+            </a:pPr>
+            <a:r>
+              <a:rPr lang="en-US" altLang="zh-CN" dirty="0"/>
+              <a:t>	</a:t>
             </a:r>
             <a:r>
               <a:rPr lang="zh-CN" altLang="en-US" dirty="0" smtClean="0"/>
-              <a:t>组</a:t>
+              <a:t>函数</a:t>
+            </a:r>
+            <a:r>
+              <a:rPr lang="zh-CN" altLang="en-US" dirty="0"/>
+              <a:t>内部可以修改原数组的内容</a:t>
+            </a:r>
+            <a:r>
+              <a:rPr lang="zh-CN" altLang="en-US" dirty="0" smtClean="0"/>
+              <a:t>。</a:t>
             </a:r>
             <a:endParaRPr lang="en-US" altLang="zh-CN" dirty="0" smtClean="0"/>
           </a:p>
           <a:p>
             <a:r>
               <a:rPr lang="zh-CN" altLang="en-US" dirty="0"/>
-              <a:t>使用指针修改数组元素</a:t>
+              <a:t>语法格式</a:t>
+            </a:r>
+            <a:r>
+              <a:rPr lang="zh-CN" altLang="en-US" dirty="0" smtClean="0"/>
+              <a:t>：</a:t>
+            </a:r>
+            <a:endParaRPr lang="en-US" altLang="zh-CN" dirty="0" smtClean="0"/>
+          </a:p>
+          <a:p>
+            <a:pPr marL="0" indent="0">
+              <a:buNone/>
+            </a:pPr>
+            <a:r>
+              <a:rPr lang="en-US" altLang="zh-CN" dirty="0" smtClean="0"/>
+              <a:t>	void </a:t>
+            </a:r>
+            <a:r>
+              <a:rPr lang="en-US" altLang="zh-CN" dirty="0" err="1"/>
+              <a:t>functionName</a:t>
+            </a:r>
+            <a:r>
+              <a:rPr lang="en-US" altLang="zh-CN" dirty="0"/>
+              <a:t>(</a:t>
+            </a:r>
+            <a:r>
+              <a:rPr lang="en-US" altLang="zh-CN" dirty="0" err="1"/>
+              <a:t>dataType</a:t>
+            </a:r>
+            <a:r>
+              <a:rPr lang="en-US" altLang="zh-CN" dirty="0"/>
+              <a:t> </a:t>
+            </a:r>
+            <a:r>
+              <a:rPr lang="en-US" altLang="zh-CN" dirty="0" err="1"/>
+              <a:t>arrayName</a:t>
+            </a:r>
+            <a:r>
+              <a:rPr lang="en-US" altLang="zh-CN" dirty="0"/>
+              <a:t>[], </a:t>
+            </a:r>
+            <a:r>
+              <a:rPr lang="en-US" altLang="zh-CN" dirty="0" err="1"/>
+              <a:t>int</a:t>
+            </a:r>
+            <a:r>
+              <a:rPr lang="en-US" altLang="zh-CN" dirty="0"/>
+              <a:t> size</a:t>
+            </a:r>
+            <a:r>
+              <a:rPr lang="en-US" altLang="zh-CN" dirty="0" smtClean="0"/>
+              <a:t>);</a:t>
+            </a:r>
+          </a:p>
+          <a:p>
+            <a:pPr marL="0" indent="0">
+              <a:buNone/>
+            </a:pPr>
+            <a:r>
+              <a:rPr lang="en-US" altLang="zh-CN" dirty="0"/>
+              <a:t>	</a:t>
+            </a:r>
+            <a:r>
+              <a:rPr lang="en-US" altLang="zh-CN" dirty="0" smtClean="0"/>
+              <a:t>void </a:t>
+            </a:r>
+            <a:r>
+              <a:rPr lang="en-US" altLang="zh-CN" dirty="0" err="1"/>
+              <a:t>functionName</a:t>
+            </a:r>
+            <a:r>
+              <a:rPr lang="en-US" altLang="zh-CN" dirty="0"/>
+              <a:t>(</a:t>
+            </a:r>
+            <a:r>
+              <a:rPr lang="en-US" altLang="zh-CN" dirty="0" err="1"/>
+              <a:t>dataType</a:t>
+            </a:r>
+            <a:r>
+              <a:rPr lang="en-US" altLang="zh-CN" dirty="0"/>
+              <a:t>* </a:t>
+            </a:r>
+            <a:r>
+              <a:rPr lang="en-US" altLang="zh-CN" dirty="0" err="1"/>
+              <a:t>arrayName</a:t>
+            </a:r>
+            <a:r>
+              <a:rPr lang="en-US" altLang="zh-CN" dirty="0"/>
+              <a:t>, </a:t>
+            </a:r>
+            <a:r>
+              <a:rPr lang="en-US" altLang="zh-CN" dirty="0" err="1"/>
+              <a:t>int</a:t>
+            </a:r>
+            <a:r>
+              <a:rPr lang="en-US" altLang="zh-CN" dirty="0"/>
+              <a:t> size);</a:t>
+            </a:r>
+          </a:p>
+          <a:p>
+            <a:r>
+              <a:rPr lang="zh-CN" altLang="en-US" dirty="0" smtClean="0"/>
+              <a:t>注意</a:t>
+            </a:r>
+            <a:endParaRPr lang="en-US" altLang="zh-CN" dirty="0" smtClean="0"/>
+          </a:p>
+          <a:p>
+            <a:pPr lvl="1"/>
+            <a:r>
+              <a:rPr lang="zh-CN" altLang="en-US" dirty="0"/>
+              <a:t>由于数组作为参数时实际传递的是指针，所以函数内部对数组的修改会影响原数组。</a:t>
+            </a:r>
+          </a:p>
+          <a:p>
+            <a:pPr lvl="1"/>
+            <a:r>
+              <a:rPr lang="zh-CN" altLang="en-US" dirty="0"/>
+              <a:t>需要提供数组的 大小（</a:t>
+            </a:r>
+            <a:r>
+              <a:rPr lang="en-US" altLang="zh-CN" dirty="0"/>
+              <a:t>size</a:t>
+            </a:r>
+            <a:r>
+              <a:rPr lang="zh-CN" altLang="en-US" dirty="0"/>
+              <a:t>），否则无法正确遍历数组。</a:t>
             </a:r>
           </a:p>
         </p:txBody>
@@ -15998,7 +16004,7 @@
     </p:spTree>
     <p:extLst>
       <p:ext uri="{BB962C8B-B14F-4D97-AF65-F5344CB8AC3E}">
-        <p14:creationId xmlns:p14="http://schemas.microsoft.com/office/powerpoint/2010/main" val="4022824451"/>
+        <p14:creationId xmlns:p14="http://schemas.microsoft.com/office/powerpoint/2010/main" val="1038020837"/>
       </p:ext>
     </p:extLst>
   </p:cSld>
@@ -16041,14 +16047,10 @@
           <a:lstStyle/>
           <a:p>
             <a:r>
-              <a:rPr lang="en-US" altLang="zh-CN" dirty="0" smtClean="0"/>
-              <a:t>4.6 </a:t>
-            </a:r>
-            <a:r>
-              <a:rPr lang="zh-CN" altLang="zh-CN" b="1" dirty="0"/>
-              <a:t>课后练习</a:t>
-            </a:r>
-            <a:endParaRPr lang="zh-CN" altLang="en-US" dirty="0"/>
+              <a:rPr lang="zh-CN" altLang="en-US" b="1" dirty="0" smtClean="0"/>
+              <a:t>示例</a:t>
+            </a:r>
+            <a:endParaRPr lang="zh-CN" altLang="en-US" b="1" dirty="0"/>
           </a:p>
         </p:txBody>
       </p:sp>
@@ -16064,527 +16066,45 @@
         </p:nvSpPr>
         <p:spPr/>
         <p:txBody>
-          <a:bodyPr>
-            <a:normAutofit fontScale="55000" lnSpcReduction="20000"/>
-          </a:bodyPr>
+          <a:bodyPr/>
           <a:lstStyle/>
           <a:p>
             <a:r>
               <a:rPr lang="zh-CN" altLang="en-US" dirty="0"/>
-              <a:t>基本函数调用</a:t>
+              <a:t>数组</a:t>
+            </a:r>
+            <a:r>
+              <a:rPr lang="zh-CN" altLang="en-US" dirty="0" smtClean="0"/>
+              <a:t>求和</a:t>
             </a:r>
             <a:endParaRPr lang="en-US" altLang="zh-CN" dirty="0" smtClean="0"/>
           </a:p>
           <a:p>
-            <a:pPr marL="0" indent="0">
-              <a:buNone/>
-            </a:pPr>
-            <a:r>
-              <a:rPr lang="en-US" altLang="zh-CN" dirty="0" smtClean="0"/>
-              <a:t>	</a:t>
+            <a:r>
+              <a:rPr lang="zh-CN" altLang="en-US" dirty="0"/>
+              <a:t>修改数组中</a:t>
             </a:r>
             <a:r>
               <a:rPr lang="zh-CN" altLang="en-US" dirty="0" smtClean="0"/>
-              <a:t>编写</a:t>
-            </a:r>
-            <a:r>
-              <a:rPr lang="zh-CN" altLang="en-US" dirty="0"/>
-              <a:t>一个函数 </a:t>
-            </a:r>
-            <a:r>
-              <a:rPr lang="en-US" altLang="zh-CN" dirty="0" err="1"/>
-              <a:t>maxValue</a:t>
-            </a:r>
-            <a:r>
-              <a:rPr lang="en-US" altLang="zh-CN" dirty="0"/>
-              <a:t>(</a:t>
-            </a:r>
-            <a:r>
-              <a:rPr lang="en-US" altLang="zh-CN" dirty="0" err="1"/>
-              <a:t>int</a:t>
-            </a:r>
-            <a:r>
-              <a:rPr lang="en-US" altLang="zh-CN" dirty="0"/>
-              <a:t> a, </a:t>
-            </a:r>
-            <a:r>
-              <a:rPr lang="en-US" altLang="zh-CN" dirty="0" err="1"/>
-              <a:t>int</a:t>
-            </a:r>
-            <a:r>
-              <a:rPr lang="en-US" altLang="zh-CN" dirty="0"/>
-              <a:t> b)</a:t>
-            </a:r>
-            <a:r>
-              <a:rPr lang="zh-CN" altLang="en-US" dirty="0"/>
-              <a:t>，返回两个整数中的较大值，并在 </a:t>
-            </a:r>
-            <a:r>
-              <a:rPr lang="en-US" altLang="zh-CN" dirty="0"/>
-              <a:t>main </a:t>
-            </a:r>
-            <a:r>
-              <a:rPr lang="zh-CN" altLang="en-US" dirty="0"/>
-              <a:t>函数中测试。</a:t>
-            </a:r>
-          </a:p>
-          <a:p>
-            <a:r>
-              <a:rPr lang="zh-CN" altLang="en-US" dirty="0"/>
-              <a:t>值传递与引用传递</a:t>
-            </a:r>
-          </a:p>
-          <a:p>
-            <a:pPr marL="0" indent="0">
-              <a:buNone/>
-            </a:pPr>
-            <a:r>
-              <a:rPr lang="en-US" altLang="zh-CN" dirty="0" smtClean="0"/>
-              <a:t>	</a:t>
+              <a:t>的元素</a:t>
+            </a:r>
+            <a:endParaRPr lang="en-US" altLang="zh-CN" dirty="0" smtClean="0"/>
+          </a:p>
+          <a:p>
+            <a:r>
+              <a:rPr lang="zh-CN" altLang="en-US" dirty="0"/>
+              <a:t>传递二维数</a:t>
             </a:r>
             <a:r>
               <a:rPr lang="zh-CN" altLang="en-US" dirty="0" smtClean="0"/>
-              <a:t>编写</a:t>
-            </a:r>
-            <a:r>
-              <a:rPr lang="zh-CN" altLang="en-US" dirty="0"/>
-              <a:t>一个函数 </a:t>
-            </a:r>
-            <a:r>
-              <a:rPr lang="en-US" altLang="zh-CN" dirty="0"/>
-              <a:t>swap(</a:t>
-            </a:r>
-            <a:r>
-              <a:rPr lang="en-US" altLang="zh-CN" dirty="0" err="1"/>
-              <a:t>int</a:t>
-            </a:r>
-            <a:r>
-              <a:rPr lang="en-US" altLang="zh-CN" dirty="0"/>
-              <a:t>&amp; a, </a:t>
-            </a:r>
-            <a:r>
-              <a:rPr lang="en-US" altLang="zh-CN" dirty="0" err="1"/>
-              <a:t>int</a:t>
-            </a:r>
-            <a:r>
-              <a:rPr lang="en-US" altLang="zh-CN" dirty="0"/>
-              <a:t>&amp; b)</a:t>
-            </a:r>
-            <a:r>
-              <a:rPr lang="zh-CN" altLang="en-US" dirty="0"/>
-              <a:t>，交换两个整数的值，并在 </a:t>
-            </a:r>
-            <a:r>
-              <a:rPr lang="en-US" altLang="zh-CN" dirty="0"/>
-              <a:t>main </a:t>
-            </a:r>
-            <a:r>
-              <a:rPr lang="zh-CN" altLang="en-US" dirty="0"/>
-              <a:t>函数中测试。</a:t>
-            </a:r>
-          </a:p>
-          <a:p>
-            <a:r>
-              <a:rPr lang="zh-CN" altLang="en-US" dirty="0"/>
-              <a:t>递归函数</a:t>
-            </a:r>
-          </a:p>
-          <a:p>
-            <a:pPr marL="0" indent="0">
-              <a:buNone/>
-            </a:pPr>
-            <a:r>
-              <a:rPr lang="en-US" altLang="zh-CN" dirty="0" smtClean="0"/>
-              <a:t>	</a:t>
-            </a:r>
-            <a:r>
-              <a:rPr lang="zh-CN" altLang="en-US" dirty="0" smtClean="0"/>
-              <a:t>编写</a:t>
-            </a:r>
-            <a:r>
-              <a:rPr lang="zh-CN" altLang="en-US" dirty="0"/>
-              <a:t>一个递归函数 </a:t>
-            </a:r>
-            <a:r>
-              <a:rPr lang="en-US" altLang="zh-CN" dirty="0" err="1"/>
-              <a:t>int</a:t>
-            </a:r>
-            <a:r>
-              <a:rPr lang="en-US" altLang="zh-CN" dirty="0"/>
-              <a:t> </a:t>
-            </a:r>
-            <a:r>
-              <a:rPr lang="en-US" altLang="zh-CN" dirty="0" err="1"/>
-              <a:t>fibonacci</a:t>
-            </a:r>
-            <a:r>
-              <a:rPr lang="en-US" altLang="zh-CN" dirty="0"/>
-              <a:t>(</a:t>
-            </a:r>
-            <a:r>
-              <a:rPr lang="en-US" altLang="zh-CN" dirty="0" err="1"/>
-              <a:t>int</a:t>
-            </a:r>
-            <a:r>
-              <a:rPr lang="en-US" altLang="zh-CN" dirty="0"/>
-              <a:t> n)</a:t>
-            </a:r>
-            <a:r>
-              <a:rPr lang="zh-CN" altLang="en-US" dirty="0"/>
-              <a:t>，计算并返回斐波那契数列的第 </a:t>
-            </a:r>
-            <a:r>
-              <a:rPr lang="en-US" altLang="zh-CN" dirty="0"/>
-              <a:t>n </a:t>
-            </a:r>
-            <a:r>
-              <a:rPr lang="zh-CN" altLang="en-US" dirty="0"/>
-              <a:t>项。（</a:t>
-            </a:r>
-            <a:r>
-              <a:rPr lang="en-US" altLang="zh-CN" dirty="0"/>
-              <a:t>F(0) = 0, F(1) = 1, F(n) = F(n-1) + F(n-2)</a:t>
-            </a:r>
-            <a:r>
-              <a:rPr lang="zh-CN" altLang="en-US" dirty="0"/>
-              <a:t>）</a:t>
-            </a:r>
-          </a:p>
-          <a:p>
-            <a:pPr marL="0" indent="0">
-              <a:buNone/>
-            </a:pPr>
-            <a:r>
-              <a:rPr lang="en-US" altLang="zh-CN" dirty="0" smtClean="0"/>
-              <a:t>	</a:t>
-            </a:r>
-            <a:r>
-              <a:rPr lang="zh-CN" altLang="en-US" dirty="0" smtClean="0"/>
-              <a:t>编写</a:t>
-            </a:r>
-            <a:r>
-              <a:rPr lang="zh-CN" altLang="en-US" dirty="0"/>
-              <a:t>一个函数 </a:t>
-            </a:r>
-            <a:r>
-              <a:rPr lang="en-US" altLang="zh-CN" dirty="0" err="1"/>
-              <a:t>int</a:t>
-            </a:r>
-            <a:r>
-              <a:rPr lang="en-US" altLang="zh-CN" dirty="0"/>
-              <a:t> </a:t>
-            </a:r>
-            <a:r>
-              <a:rPr lang="en-US" altLang="zh-CN" dirty="0" err="1"/>
-              <a:t>sumArray</a:t>
-            </a:r>
-            <a:r>
-              <a:rPr lang="en-US" altLang="zh-CN" dirty="0"/>
-              <a:t>(</a:t>
-            </a:r>
-            <a:r>
-              <a:rPr lang="en-US" altLang="zh-CN" dirty="0" err="1"/>
-              <a:t>int</a:t>
-            </a:r>
-            <a:r>
-              <a:rPr lang="en-US" altLang="zh-CN" dirty="0"/>
-              <a:t> </a:t>
-            </a:r>
-            <a:r>
-              <a:rPr lang="en-US" altLang="zh-CN" dirty="0" err="1"/>
-              <a:t>arr</a:t>
-            </a:r>
-            <a:r>
-              <a:rPr lang="en-US" altLang="zh-CN" dirty="0"/>
-              <a:t>[], </a:t>
-            </a:r>
-            <a:r>
-              <a:rPr lang="en-US" altLang="zh-CN" dirty="0" err="1"/>
-              <a:t>int</a:t>
-            </a:r>
-            <a:r>
-              <a:rPr lang="en-US" altLang="zh-CN" dirty="0"/>
-              <a:t> size)</a:t>
-            </a:r>
-            <a:r>
-              <a:rPr lang="zh-CN" altLang="en-US" dirty="0"/>
-              <a:t>，计算并返回数组元素的总和。在 </a:t>
-            </a:r>
-            <a:r>
-              <a:rPr lang="en-US" altLang="zh-CN" dirty="0"/>
-              <a:t>main </a:t>
-            </a:r>
-            <a:r>
-              <a:rPr lang="zh-CN" altLang="en-US" dirty="0"/>
-              <a:t>函数中测试该函数。</a:t>
-            </a:r>
-          </a:p>
-          <a:p>
-            <a:r>
-              <a:rPr lang="zh-CN" altLang="en-US" dirty="0"/>
-              <a:t>数组最大值</a:t>
-            </a:r>
-          </a:p>
-          <a:p>
-            <a:pPr marL="0" indent="0">
-              <a:buNone/>
-            </a:pPr>
-            <a:r>
-              <a:rPr lang="en-US" altLang="zh-CN" dirty="0" smtClean="0"/>
-              <a:t>	</a:t>
-            </a:r>
-            <a:r>
-              <a:rPr lang="zh-CN" altLang="en-US" dirty="0" smtClean="0"/>
-              <a:t>编写</a:t>
-            </a:r>
-            <a:r>
-              <a:rPr lang="zh-CN" altLang="en-US" dirty="0"/>
-              <a:t>一个函数 </a:t>
-            </a:r>
-            <a:r>
-              <a:rPr lang="en-US" altLang="zh-CN" dirty="0" err="1"/>
-              <a:t>int</a:t>
-            </a:r>
-            <a:r>
-              <a:rPr lang="en-US" altLang="zh-CN" dirty="0"/>
-              <a:t> </a:t>
-            </a:r>
-            <a:r>
-              <a:rPr lang="en-US" altLang="zh-CN" dirty="0" err="1"/>
-              <a:t>maxInArray</a:t>
-            </a:r>
-            <a:r>
-              <a:rPr lang="en-US" altLang="zh-CN" dirty="0"/>
-              <a:t>(</a:t>
-            </a:r>
-            <a:r>
-              <a:rPr lang="en-US" altLang="zh-CN" dirty="0" err="1"/>
-              <a:t>int</a:t>
-            </a:r>
-            <a:r>
-              <a:rPr lang="en-US" altLang="zh-CN" dirty="0"/>
-              <a:t> </a:t>
-            </a:r>
-            <a:r>
-              <a:rPr lang="en-US" altLang="zh-CN" dirty="0" err="1"/>
-              <a:t>arr</a:t>
-            </a:r>
-            <a:r>
-              <a:rPr lang="en-US" altLang="zh-CN" dirty="0"/>
-              <a:t>[], </a:t>
-            </a:r>
-            <a:r>
-              <a:rPr lang="en-US" altLang="zh-CN" dirty="0" err="1"/>
-              <a:t>int</a:t>
-            </a:r>
-            <a:r>
-              <a:rPr lang="en-US" altLang="zh-CN" dirty="0"/>
-              <a:t> size)</a:t>
-            </a:r>
-            <a:r>
-              <a:rPr lang="zh-CN" altLang="en-US" dirty="0"/>
-              <a:t>，返回数组中的最大值，并在 </a:t>
-            </a:r>
-            <a:r>
-              <a:rPr lang="en-US" altLang="zh-CN" dirty="0"/>
-              <a:t>main </a:t>
-            </a:r>
-            <a:r>
-              <a:rPr lang="zh-CN" altLang="en-US" dirty="0"/>
-              <a:t>函数中测试。</a:t>
-            </a:r>
-          </a:p>
-          <a:p>
-            <a:r>
-              <a:rPr lang="zh-CN" altLang="en-US" dirty="0"/>
-              <a:t>二维数组遍历</a:t>
-            </a:r>
-          </a:p>
-          <a:p>
-            <a:pPr marL="0" indent="0">
-              <a:buNone/>
-            </a:pPr>
-            <a:r>
-              <a:rPr lang="en-US" altLang="zh-CN" dirty="0" smtClean="0"/>
-              <a:t>	</a:t>
-            </a:r>
-            <a:r>
-              <a:rPr lang="zh-CN" altLang="en-US" dirty="0" smtClean="0"/>
-              <a:t>定义</a:t>
-            </a:r>
-            <a:r>
-              <a:rPr lang="zh-CN" altLang="en-US" dirty="0"/>
-              <a:t>一个 </a:t>
-            </a:r>
-            <a:r>
-              <a:rPr lang="en-US" altLang="zh-CN" dirty="0"/>
-              <a:t>3×3 </a:t>
-            </a:r>
-            <a:r>
-              <a:rPr lang="zh-CN" altLang="en-US" dirty="0"/>
-              <a:t>的二维数组，并使用嵌套 </a:t>
-            </a:r>
-            <a:r>
-              <a:rPr lang="en-US" altLang="zh-CN" dirty="0"/>
-              <a:t>for </a:t>
-            </a:r>
-            <a:r>
-              <a:rPr lang="zh-CN" altLang="en-US" dirty="0"/>
-              <a:t>循环输出所有元素。</a:t>
-            </a:r>
-          </a:p>
-          <a:p>
-            <a:r>
-              <a:rPr lang="zh-CN" altLang="en-US" dirty="0"/>
-              <a:t>数组与指针</a:t>
-            </a:r>
-          </a:p>
-          <a:p>
-            <a:pPr marL="0" indent="0">
-              <a:buNone/>
-            </a:pPr>
-            <a:r>
-              <a:rPr lang="en-US" altLang="zh-CN" dirty="0" smtClean="0"/>
-              <a:t>	</a:t>
-            </a:r>
-            <a:r>
-              <a:rPr lang="zh-CN" altLang="en-US" dirty="0" smtClean="0"/>
-              <a:t>编写</a:t>
-            </a:r>
-            <a:r>
-              <a:rPr lang="zh-CN" altLang="en-US" dirty="0"/>
-              <a:t>一个函数 </a:t>
-            </a:r>
-            <a:r>
-              <a:rPr lang="en-US" altLang="zh-CN" dirty="0"/>
-              <a:t>void </a:t>
-            </a:r>
-            <a:r>
-              <a:rPr lang="en-US" altLang="zh-CN" dirty="0" err="1"/>
-              <a:t>printArray</a:t>
-            </a:r>
-            <a:r>
-              <a:rPr lang="en-US" altLang="zh-CN" dirty="0"/>
-              <a:t>(</a:t>
-            </a:r>
-            <a:r>
-              <a:rPr lang="en-US" altLang="zh-CN" dirty="0" err="1"/>
-              <a:t>int</a:t>
-            </a:r>
-            <a:r>
-              <a:rPr lang="en-US" altLang="zh-CN" dirty="0"/>
-              <a:t>* </a:t>
-            </a:r>
-            <a:r>
-              <a:rPr lang="en-US" altLang="zh-CN" dirty="0" err="1"/>
-              <a:t>arr</a:t>
-            </a:r>
-            <a:r>
-              <a:rPr lang="en-US" altLang="zh-CN" dirty="0"/>
-              <a:t>, </a:t>
-            </a:r>
-            <a:r>
-              <a:rPr lang="en-US" altLang="zh-CN" dirty="0" err="1"/>
-              <a:t>int</a:t>
-            </a:r>
-            <a:r>
-              <a:rPr lang="en-US" altLang="zh-CN" dirty="0"/>
-              <a:t> size)</a:t>
-            </a:r>
-            <a:r>
-              <a:rPr lang="zh-CN" altLang="en-US" dirty="0"/>
-              <a:t>，使用指针遍历并输出数组中的所有元素。</a:t>
-            </a:r>
-          </a:p>
-          <a:p>
-            <a:r>
-              <a:rPr lang="zh-CN" altLang="en-US" dirty="0"/>
-              <a:t>数组元素查找</a:t>
-            </a:r>
-          </a:p>
-          <a:p>
-            <a:pPr marL="0" indent="0">
-              <a:buNone/>
-            </a:pPr>
-            <a:r>
-              <a:rPr lang="en-US" altLang="zh-CN" dirty="0" smtClean="0"/>
-              <a:t>	</a:t>
-            </a:r>
-            <a:r>
-              <a:rPr lang="zh-CN" altLang="en-US" dirty="0" smtClean="0"/>
-              <a:t>编写</a:t>
-            </a:r>
-            <a:r>
-              <a:rPr lang="zh-CN" altLang="en-US" dirty="0"/>
-              <a:t>一个函数 </a:t>
-            </a:r>
-            <a:r>
-              <a:rPr lang="en-US" altLang="zh-CN" dirty="0" err="1"/>
-              <a:t>int</a:t>
-            </a:r>
-            <a:r>
-              <a:rPr lang="en-US" altLang="zh-CN" dirty="0"/>
-              <a:t> </a:t>
-            </a:r>
-            <a:r>
-              <a:rPr lang="en-US" altLang="zh-CN" dirty="0" err="1"/>
-              <a:t>findElement</a:t>
-            </a:r>
-            <a:r>
-              <a:rPr lang="en-US" altLang="zh-CN" dirty="0"/>
-              <a:t>(</a:t>
-            </a:r>
-            <a:r>
-              <a:rPr lang="en-US" altLang="zh-CN" dirty="0" err="1"/>
-              <a:t>int</a:t>
-            </a:r>
-            <a:r>
-              <a:rPr lang="en-US" altLang="zh-CN" dirty="0"/>
-              <a:t> </a:t>
-            </a:r>
-            <a:r>
-              <a:rPr lang="en-US" altLang="zh-CN" dirty="0" err="1"/>
-              <a:t>arr</a:t>
-            </a:r>
-            <a:r>
-              <a:rPr lang="en-US" altLang="zh-CN" dirty="0"/>
-              <a:t>[], </a:t>
-            </a:r>
-            <a:r>
-              <a:rPr lang="en-US" altLang="zh-CN" dirty="0" err="1"/>
-              <a:t>int</a:t>
-            </a:r>
-            <a:r>
-              <a:rPr lang="en-US" altLang="zh-CN" dirty="0"/>
-              <a:t> size, </a:t>
-            </a:r>
-            <a:r>
-              <a:rPr lang="en-US" altLang="zh-CN" dirty="0" err="1"/>
-              <a:t>int</a:t>
-            </a:r>
-            <a:r>
-              <a:rPr lang="en-US" altLang="zh-CN" dirty="0"/>
-              <a:t> key)</a:t>
-            </a:r>
-            <a:r>
-              <a:rPr lang="zh-CN" altLang="en-US" dirty="0"/>
-              <a:t>，如果 </a:t>
-            </a:r>
-            <a:r>
-              <a:rPr lang="en-US" altLang="zh-CN" dirty="0"/>
-              <a:t>key </a:t>
-            </a:r>
-            <a:r>
-              <a:rPr lang="zh-CN" altLang="en-US" dirty="0"/>
-              <a:t>存在于数组中，则返回索引，否则返回 </a:t>
-            </a:r>
-            <a:r>
-              <a:rPr lang="en-US" altLang="zh-CN" dirty="0"/>
-              <a:t>-1</a:t>
-            </a:r>
-            <a:r>
-              <a:rPr lang="zh-CN" altLang="en-US" dirty="0"/>
-              <a:t>。</a:t>
+              <a:t>组</a:t>
+            </a:r>
+            <a:endParaRPr lang="en-US" altLang="zh-CN" dirty="0" smtClean="0"/>
+          </a:p>
+          <a:p>
+            <a:r>
+              <a:rPr lang="zh-CN" altLang="en-US" dirty="0"/>
+              <a:t>使用指针修改数组元素</a:t>
             </a:r>
           </a:p>
         </p:txBody>
@@ -16592,7 +16112,7 @@
     </p:spTree>
     <p:extLst>
       <p:ext uri="{BB962C8B-B14F-4D97-AF65-F5344CB8AC3E}">
-        <p14:creationId xmlns:p14="http://schemas.microsoft.com/office/powerpoint/2010/main" val="271248110"/>
+        <p14:creationId xmlns:p14="http://schemas.microsoft.com/office/powerpoint/2010/main" val="4022824451"/>
       </p:ext>
     </p:extLst>
   </p:cSld>
@@ -16635,6 +16155,600 @@
           <a:lstStyle/>
           <a:p>
             <a:r>
+              <a:rPr lang="en-US" altLang="zh-CN" dirty="0" smtClean="0"/>
+              <a:t>4.6 </a:t>
+            </a:r>
+            <a:r>
+              <a:rPr lang="zh-CN" altLang="zh-CN" b="1" dirty="0"/>
+              <a:t>课后练习</a:t>
+            </a:r>
+            <a:endParaRPr lang="zh-CN" altLang="en-US" dirty="0"/>
+          </a:p>
+        </p:txBody>
+      </p:sp>
+      <p:sp>
+        <p:nvSpPr>
+          <p:cNvPr id="3" name="内容占位符 2"/>
+          <p:cNvSpPr>
+            <a:spLocks noGrp="1"/>
+          </p:cNvSpPr>
+          <p:nvPr>
+            <p:ph idx="1"/>
+          </p:nvPr>
+        </p:nvSpPr>
+        <p:spPr/>
+        <p:txBody>
+          <a:bodyPr>
+            <a:normAutofit fontScale="55000" lnSpcReduction="20000"/>
+          </a:bodyPr>
+          <a:lstStyle/>
+          <a:p>
+            <a:r>
+              <a:rPr lang="zh-CN" altLang="en-US" dirty="0"/>
+              <a:t>基本函数调用</a:t>
+            </a:r>
+            <a:endParaRPr lang="en-US" altLang="zh-CN" dirty="0" smtClean="0"/>
+          </a:p>
+          <a:p>
+            <a:pPr marL="0" indent="0">
+              <a:buNone/>
+            </a:pPr>
+            <a:r>
+              <a:rPr lang="en-US" altLang="zh-CN" dirty="0" smtClean="0"/>
+              <a:t>	</a:t>
+            </a:r>
+            <a:r>
+              <a:rPr lang="zh-CN" altLang="en-US" dirty="0" smtClean="0"/>
+              <a:t>编写</a:t>
+            </a:r>
+            <a:r>
+              <a:rPr lang="zh-CN" altLang="en-US" dirty="0"/>
+              <a:t>一个函数 </a:t>
+            </a:r>
+            <a:r>
+              <a:rPr lang="en-US" altLang="zh-CN" dirty="0" err="1"/>
+              <a:t>maxValue</a:t>
+            </a:r>
+            <a:r>
+              <a:rPr lang="en-US" altLang="zh-CN" dirty="0"/>
+              <a:t>(</a:t>
+            </a:r>
+            <a:r>
+              <a:rPr lang="en-US" altLang="zh-CN" dirty="0" err="1"/>
+              <a:t>int</a:t>
+            </a:r>
+            <a:r>
+              <a:rPr lang="en-US" altLang="zh-CN" dirty="0"/>
+              <a:t> a, </a:t>
+            </a:r>
+            <a:r>
+              <a:rPr lang="en-US" altLang="zh-CN" dirty="0" err="1"/>
+              <a:t>int</a:t>
+            </a:r>
+            <a:r>
+              <a:rPr lang="en-US" altLang="zh-CN" dirty="0"/>
+              <a:t> b)</a:t>
+            </a:r>
+            <a:r>
+              <a:rPr lang="zh-CN" altLang="en-US" dirty="0"/>
+              <a:t>，返回两个整数中的较大值，并在 </a:t>
+            </a:r>
+            <a:r>
+              <a:rPr lang="en-US" altLang="zh-CN" dirty="0"/>
+              <a:t>main </a:t>
+            </a:r>
+            <a:r>
+              <a:rPr lang="zh-CN" altLang="en-US" dirty="0"/>
+              <a:t>函数中测试。</a:t>
+            </a:r>
+          </a:p>
+          <a:p>
+            <a:r>
+              <a:rPr lang="zh-CN" altLang="en-US" dirty="0"/>
+              <a:t>值传递与引用传递</a:t>
+            </a:r>
+          </a:p>
+          <a:p>
+            <a:pPr marL="0" indent="0">
+              <a:buNone/>
+            </a:pPr>
+            <a:r>
+              <a:rPr lang="en-US" altLang="zh-CN" dirty="0" smtClean="0"/>
+              <a:t>	</a:t>
+            </a:r>
+            <a:r>
+              <a:rPr lang="zh-CN" altLang="en-US" dirty="0" smtClean="0"/>
+              <a:t>编写</a:t>
+            </a:r>
+            <a:r>
+              <a:rPr lang="zh-CN" altLang="en-US" dirty="0"/>
+              <a:t>一个函数 </a:t>
+            </a:r>
+            <a:r>
+              <a:rPr lang="en-US" altLang="zh-CN" dirty="0"/>
+              <a:t>swap(</a:t>
+            </a:r>
+            <a:r>
+              <a:rPr lang="en-US" altLang="zh-CN" dirty="0" err="1"/>
+              <a:t>int</a:t>
+            </a:r>
+            <a:r>
+              <a:rPr lang="en-US" altLang="zh-CN" dirty="0"/>
+              <a:t>&amp; a, </a:t>
+            </a:r>
+            <a:r>
+              <a:rPr lang="en-US" altLang="zh-CN" dirty="0" err="1"/>
+              <a:t>int</a:t>
+            </a:r>
+            <a:r>
+              <a:rPr lang="en-US" altLang="zh-CN" dirty="0"/>
+              <a:t>&amp; b)</a:t>
+            </a:r>
+            <a:r>
+              <a:rPr lang="zh-CN" altLang="en-US" dirty="0"/>
+              <a:t>，交换两个整数的值，并在 </a:t>
+            </a:r>
+            <a:r>
+              <a:rPr lang="en-US" altLang="zh-CN" dirty="0"/>
+              <a:t>main </a:t>
+            </a:r>
+            <a:r>
+              <a:rPr lang="zh-CN" altLang="en-US" dirty="0"/>
+              <a:t>函数中测试。</a:t>
+            </a:r>
+          </a:p>
+          <a:p>
+            <a:r>
+              <a:rPr lang="zh-CN" altLang="en-US" dirty="0"/>
+              <a:t>递归函数</a:t>
+            </a:r>
+          </a:p>
+          <a:p>
+            <a:pPr marL="0" indent="0">
+              <a:buNone/>
+            </a:pPr>
+            <a:r>
+              <a:rPr lang="en-US" altLang="zh-CN" dirty="0" smtClean="0"/>
+              <a:t>	</a:t>
+            </a:r>
+            <a:r>
+              <a:rPr lang="zh-CN" altLang="en-US" dirty="0" smtClean="0"/>
+              <a:t>编写</a:t>
+            </a:r>
+            <a:r>
+              <a:rPr lang="zh-CN" altLang="en-US" dirty="0"/>
+              <a:t>一个递归函数 </a:t>
+            </a:r>
+            <a:r>
+              <a:rPr lang="en-US" altLang="zh-CN" dirty="0" err="1"/>
+              <a:t>int</a:t>
+            </a:r>
+            <a:r>
+              <a:rPr lang="en-US" altLang="zh-CN" dirty="0"/>
+              <a:t> </a:t>
+            </a:r>
+            <a:r>
+              <a:rPr lang="en-US" altLang="zh-CN" dirty="0" err="1"/>
+              <a:t>fibonacci</a:t>
+            </a:r>
+            <a:r>
+              <a:rPr lang="en-US" altLang="zh-CN" dirty="0"/>
+              <a:t>(</a:t>
+            </a:r>
+            <a:r>
+              <a:rPr lang="en-US" altLang="zh-CN" dirty="0" err="1"/>
+              <a:t>int</a:t>
+            </a:r>
+            <a:r>
+              <a:rPr lang="en-US" altLang="zh-CN" dirty="0"/>
+              <a:t> n)</a:t>
+            </a:r>
+            <a:r>
+              <a:rPr lang="zh-CN" altLang="en-US" dirty="0"/>
+              <a:t>，计算并返回斐波那契数列的第 </a:t>
+            </a:r>
+            <a:r>
+              <a:rPr lang="en-US" altLang="zh-CN" dirty="0"/>
+              <a:t>n </a:t>
+            </a:r>
+            <a:r>
+              <a:rPr lang="zh-CN" altLang="en-US" dirty="0"/>
+              <a:t>项。（</a:t>
+            </a:r>
+            <a:r>
+              <a:rPr lang="en-US" altLang="zh-CN" dirty="0"/>
+              <a:t>F(0) = 0, F(1) = 1, F(n) = F(n-1) + F(n-2)</a:t>
+            </a:r>
+            <a:r>
+              <a:rPr lang="zh-CN" altLang="en-US" dirty="0"/>
+              <a:t>）</a:t>
+            </a:r>
+          </a:p>
+          <a:p>
+            <a:pPr marL="0" indent="0">
+              <a:buNone/>
+            </a:pPr>
+            <a:r>
+              <a:rPr lang="en-US" altLang="zh-CN" dirty="0" smtClean="0"/>
+              <a:t>	</a:t>
+            </a:r>
+            <a:r>
+              <a:rPr lang="zh-CN" altLang="en-US" dirty="0" smtClean="0"/>
+              <a:t>编写</a:t>
+            </a:r>
+            <a:r>
+              <a:rPr lang="zh-CN" altLang="en-US" dirty="0"/>
+              <a:t>一个函数 </a:t>
+            </a:r>
+            <a:r>
+              <a:rPr lang="en-US" altLang="zh-CN" dirty="0" err="1"/>
+              <a:t>int</a:t>
+            </a:r>
+            <a:r>
+              <a:rPr lang="en-US" altLang="zh-CN" dirty="0"/>
+              <a:t> </a:t>
+            </a:r>
+            <a:r>
+              <a:rPr lang="en-US" altLang="zh-CN" dirty="0" err="1"/>
+              <a:t>sumArray</a:t>
+            </a:r>
+            <a:r>
+              <a:rPr lang="en-US" altLang="zh-CN" dirty="0"/>
+              <a:t>(</a:t>
+            </a:r>
+            <a:r>
+              <a:rPr lang="en-US" altLang="zh-CN" dirty="0" err="1"/>
+              <a:t>int</a:t>
+            </a:r>
+            <a:r>
+              <a:rPr lang="en-US" altLang="zh-CN" dirty="0"/>
+              <a:t> </a:t>
+            </a:r>
+            <a:r>
+              <a:rPr lang="en-US" altLang="zh-CN" dirty="0" err="1"/>
+              <a:t>arr</a:t>
+            </a:r>
+            <a:r>
+              <a:rPr lang="en-US" altLang="zh-CN" dirty="0"/>
+              <a:t>[], </a:t>
+            </a:r>
+            <a:r>
+              <a:rPr lang="en-US" altLang="zh-CN" dirty="0" err="1"/>
+              <a:t>int</a:t>
+            </a:r>
+            <a:r>
+              <a:rPr lang="en-US" altLang="zh-CN" dirty="0"/>
+              <a:t> size)</a:t>
+            </a:r>
+            <a:r>
+              <a:rPr lang="zh-CN" altLang="en-US" dirty="0"/>
+              <a:t>，计算并返回数组元素的总和。在 </a:t>
+            </a:r>
+            <a:r>
+              <a:rPr lang="en-US" altLang="zh-CN" dirty="0"/>
+              <a:t>main </a:t>
+            </a:r>
+            <a:r>
+              <a:rPr lang="zh-CN" altLang="en-US" dirty="0"/>
+              <a:t>函数中测试该函数。</a:t>
+            </a:r>
+          </a:p>
+          <a:p>
+            <a:r>
+              <a:rPr lang="zh-CN" altLang="en-US" dirty="0"/>
+              <a:t>数组最大值</a:t>
+            </a:r>
+          </a:p>
+          <a:p>
+            <a:pPr marL="0" indent="0">
+              <a:buNone/>
+            </a:pPr>
+            <a:r>
+              <a:rPr lang="en-US" altLang="zh-CN" dirty="0" smtClean="0"/>
+              <a:t>	</a:t>
+            </a:r>
+            <a:r>
+              <a:rPr lang="zh-CN" altLang="en-US" dirty="0" smtClean="0"/>
+              <a:t>编写</a:t>
+            </a:r>
+            <a:r>
+              <a:rPr lang="zh-CN" altLang="en-US" dirty="0"/>
+              <a:t>一个函数 </a:t>
+            </a:r>
+            <a:r>
+              <a:rPr lang="en-US" altLang="zh-CN" dirty="0" err="1"/>
+              <a:t>int</a:t>
+            </a:r>
+            <a:r>
+              <a:rPr lang="en-US" altLang="zh-CN" dirty="0"/>
+              <a:t> </a:t>
+            </a:r>
+            <a:r>
+              <a:rPr lang="en-US" altLang="zh-CN" dirty="0" err="1"/>
+              <a:t>maxInArray</a:t>
+            </a:r>
+            <a:r>
+              <a:rPr lang="en-US" altLang="zh-CN" dirty="0"/>
+              <a:t>(</a:t>
+            </a:r>
+            <a:r>
+              <a:rPr lang="en-US" altLang="zh-CN" dirty="0" err="1"/>
+              <a:t>int</a:t>
+            </a:r>
+            <a:r>
+              <a:rPr lang="en-US" altLang="zh-CN" dirty="0"/>
+              <a:t> </a:t>
+            </a:r>
+            <a:r>
+              <a:rPr lang="en-US" altLang="zh-CN" dirty="0" err="1"/>
+              <a:t>arr</a:t>
+            </a:r>
+            <a:r>
+              <a:rPr lang="en-US" altLang="zh-CN" dirty="0"/>
+              <a:t>[], </a:t>
+            </a:r>
+            <a:r>
+              <a:rPr lang="en-US" altLang="zh-CN" dirty="0" err="1"/>
+              <a:t>int</a:t>
+            </a:r>
+            <a:r>
+              <a:rPr lang="en-US" altLang="zh-CN" dirty="0"/>
+              <a:t> size)</a:t>
+            </a:r>
+            <a:r>
+              <a:rPr lang="zh-CN" altLang="en-US" dirty="0"/>
+              <a:t>，返回数组中的最大值，并在 </a:t>
+            </a:r>
+            <a:r>
+              <a:rPr lang="en-US" altLang="zh-CN" dirty="0"/>
+              <a:t>main </a:t>
+            </a:r>
+            <a:r>
+              <a:rPr lang="zh-CN" altLang="en-US" dirty="0"/>
+              <a:t>函数中测试。</a:t>
+            </a:r>
+          </a:p>
+          <a:p>
+            <a:r>
+              <a:rPr lang="zh-CN" altLang="en-US" dirty="0"/>
+              <a:t>二维数组遍历</a:t>
+            </a:r>
+          </a:p>
+          <a:p>
+            <a:pPr marL="0" indent="0">
+              <a:buNone/>
+            </a:pPr>
+            <a:r>
+              <a:rPr lang="en-US" altLang="zh-CN" dirty="0" smtClean="0"/>
+              <a:t>	</a:t>
+            </a:r>
+            <a:r>
+              <a:rPr lang="zh-CN" altLang="en-US" dirty="0" smtClean="0"/>
+              <a:t>定义</a:t>
+            </a:r>
+            <a:r>
+              <a:rPr lang="zh-CN" altLang="en-US" dirty="0"/>
+              <a:t>一个 </a:t>
+            </a:r>
+            <a:r>
+              <a:rPr lang="en-US" altLang="zh-CN" dirty="0"/>
+              <a:t>3×3 </a:t>
+            </a:r>
+            <a:r>
+              <a:rPr lang="zh-CN" altLang="en-US" dirty="0"/>
+              <a:t>的二维数组，并使用嵌套 </a:t>
+            </a:r>
+            <a:r>
+              <a:rPr lang="en-US" altLang="zh-CN" dirty="0"/>
+              <a:t>for </a:t>
+            </a:r>
+            <a:r>
+              <a:rPr lang="zh-CN" altLang="en-US" dirty="0"/>
+              <a:t>循环输出所有元素。</a:t>
+            </a:r>
+          </a:p>
+          <a:p>
+            <a:r>
+              <a:rPr lang="zh-CN" altLang="en-US" dirty="0"/>
+              <a:t>数组与指针</a:t>
+            </a:r>
+          </a:p>
+          <a:p>
+            <a:pPr marL="0" indent="0">
+              <a:buNone/>
+            </a:pPr>
+            <a:r>
+              <a:rPr lang="en-US" altLang="zh-CN" dirty="0" smtClean="0"/>
+              <a:t>	</a:t>
+            </a:r>
+            <a:r>
+              <a:rPr lang="zh-CN" altLang="en-US" dirty="0" smtClean="0"/>
+              <a:t>编写</a:t>
+            </a:r>
+            <a:r>
+              <a:rPr lang="zh-CN" altLang="en-US" dirty="0"/>
+              <a:t>一个函数 </a:t>
+            </a:r>
+            <a:r>
+              <a:rPr lang="en-US" altLang="zh-CN" dirty="0"/>
+              <a:t>void </a:t>
+            </a:r>
+            <a:r>
+              <a:rPr lang="en-US" altLang="zh-CN" dirty="0" err="1"/>
+              <a:t>printArray</a:t>
+            </a:r>
+            <a:r>
+              <a:rPr lang="en-US" altLang="zh-CN" dirty="0"/>
+              <a:t>(</a:t>
+            </a:r>
+            <a:r>
+              <a:rPr lang="en-US" altLang="zh-CN" dirty="0" err="1"/>
+              <a:t>int</a:t>
+            </a:r>
+            <a:r>
+              <a:rPr lang="en-US" altLang="zh-CN" dirty="0"/>
+              <a:t>* </a:t>
+            </a:r>
+            <a:r>
+              <a:rPr lang="en-US" altLang="zh-CN" dirty="0" err="1"/>
+              <a:t>arr</a:t>
+            </a:r>
+            <a:r>
+              <a:rPr lang="en-US" altLang="zh-CN" dirty="0"/>
+              <a:t>, </a:t>
+            </a:r>
+            <a:r>
+              <a:rPr lang="en-US" altLang="zh-CN" dirty="0" err="1"/>
+              <a:t>int</a:t>
+            </a:r>
+            <a:r>
+              <a:rPr lang="en-US" altLang="zh-CN" dirty="0"/>
+              <a:t> size)</a:t>
+            </a:r>
+            <a:r>
+              <a:rPr lang="zh-CN" altLang="en-US" dirty="0"/>
+              <a:t>，使用指针遍历并输出数组中的所有元素。</a:t>
+            </a:r>
+          </a:p>
+          <a:p>
+            <a:r>
+              <a:rPr lang="zh-CN" altLang="en-US" dirty="0"/>
+              <a:t>数组元素查找</a:t>
+            </a:r>
+          </a:p>
+          <a:p>
+            <a:pPr marL="0" indent="0">
+              <a:buNone/>
+            </a:pPr>
+            <a:r>
+              <a:rPr lang="en-US" altLang="zh-CN" dirty="0" smtClean="0"/>
+              <a:t>	</a:t>
+            </a:r>
+            <a:r>
+              <a:rPr lang="zh-CN" altLang="en-US" dirty="0" smtClean="0"/>
+              <a:t>编写</a:t>
+            </a:r>
+            <a:r>
+              <a:rPr lang="zh-CN" altLang="en-US" dirty="0"/>
+              <a:t>一个函数 </a:t>
+            </a:r>
+            <a:r>
+              <a:rPr lang="en-US" altLang="zh-CN" dirty="0" err="1"/>
+              <a:t>int</a:t>
+            </a:r>
+            <a:r>
+              <a:rPr lang="en-US" altLang="zh-CN" dirty="0"/>
+              <a:t> </a:t>
+            </a:r>
+            <a:r>
+              <a:rPr lang="en-US" altLang="zh-CN" dirty="0" err="1"/>
+              <a:t>findElement</a:t>
+            </a:r>
+            <a:r>
+              <a:rPr lang="en-US" altLang="zh-CN" dirty="0"/>
+              <a:t>(</a:t>
+            </a:r>
+            <a:r>
+              <a:rPr lang="en-US" altLang="zh-CN" dirty="0" err="1"/>
+              <a:t>int</a:t>
+            </a:r>
+            <a:r>
+              <a:rPr lang="en-US" altLang="zh-CN" dirty="0"/>
+              <a:t> </a:t>
+            </a:r>
+            <a:r>
+              <a:rPr lang="en-US" altLang="zh-CN" dirty="0" err="1"/>
+              <a:t>arr</a:t>
+            </a:r>
+            <a:r>
+              <a:rPr lang="en-US" altLang="zh-CN" dirty="0"/>
+              <a:t>[], </a:t>
+            </a:r>
+            <a:r>
+              <a:rPr lang="en-US" altLang="zh-CN" dirty="0" err="1"/>
+              <a:t>int</a:t>
+            </a:r>
+            <a:r>
+              <a:rPr lang="en-US" altLang="zh-CN" dirty="0"/>
+              <a:t> size, </a:t>
+            </a:r>
+            <a:r>
+              <a:rPr lang="en-US" altLang="zh-CN" dirty="0" err="1"/>
+              <a:t>int</a:t>
+            </a:r>
+            <a:r>
+              <a:rPr lang="en-US" altLang="zh-CN" dirty="0"/>
+              <a:t> key)</a:t>
+            </a:r>
+            <a:r>
+              <a:rPr lang="zh-CN" altLang="en-US" dirty="0"/>
+              <a:t>，如果 </a:t>
+            </a:r>
+            <a:r>
+              <a:rPr lang="en-US" altLang="zh-CN" dirty="0"/>
+              <a:t>key </a:t>
+            </a:r>
+            <a:r>
+              <a:rPr lang="zh-CN" altLang="en-US" dirty="0"/>
+              <a:t>存在于数组中，则返回索引，否则返回 </a:t>
+            </a:r>
+            <a:r>
+              <a:rPr lang="en-US" altLang="zh-CN" dirty="0"/>
+              <a:t>-1</a:t>
+            </a:r>
+            <a:r>
+              <a:rPr lang="zh-CN" altLang="en-US" dirty="0"/>
+              <a:t>。</a:t>
+            </a:r>
+          </a:p>
+        </p:txBody>
+      </p:sp>
+    </p:spTree>
+    <p:extLst>
+      <p:ext uri="{BB962C8B-B14F-4D97-AF65-F5344CB8AC3E}">
+        <p14:creationId xmlns:p14="http://schemas.microsoft.com/office/powerpoint/2010/main" val="271248110"/>
+      </p:ext>
+    </p:extLst>
+  </p:cSld>
+  <p:clrMapOvr>
+    <a:masterClrMapping/>
+  </p:clrMapOvr>
+</p:sld>
+</file>
+
+<file path=ppt/slides/slide47.xml><?xml version="1.0" encoding="utf-8"?>
+<p:sld xmlns:a="http://schemas.openxmlformats.org/drawingml/2006/main" xmlns:r="http://schemas.openxmlformats.org/officeDocument/2006/relationships" xmlns:p="http://schemas.openxmlformats.org/presentationml/2006/main">
+  <p:cSld>
+    <p:spTree>
+      <p:nvGrpSpPr>
+        <p:cNvPr id="1" name=""/>
+        <p:cNvGrpSpPr/>
+        <p:nvPr/>
+      </p:nvGrpSpPr>
+      <p:grpSpPr>
+        <a:xfrm>
+          <a:off x="0" y="0"/>
+          <a:ext cx="0" cy="0"/>
+          <a:chOff x="0" y="0"/>
+          <a:chExt cx="0" cy="0"/>
+        </a:xfrm>
+      </p:grpSpPr>
+      <p:sp>
+        <p:nvSpPr>
+          <p:cNvPr id="2" name="标题 1"/>
+          <p:cNvSpPr>
+            <a:spLocks noGrp="1"/>
+          </p:cNvSpPr>
+          <p:nvPr>
+            <p:ph type="title"/>
+          </p:nvPr>
+        </p:nvSpPr>
+        <p:spPr/>
+        <p:txBody>
+          <a:bodyPr/>
+          <a:lstStyle/>
+          <a:p>
+            <a:r>
               <a:rPr lang="zh-CN" altLang="en-US" b="1" dirty="0" smtClean="0">
                 <a:latin typeface="华文楷体" pitchFamily="2" charset="-122"/>
                 <a:ea typeface="华文楷体" pitchFamily="2" charset="-122"/>
@@ -16764,149 +16878,6 @@
 </p:sld>
 </file>
 
-<file path=ppt/slides/slide47.xml><?xml version="1.0" encoding="utf-8"?>
-<p:sld xmlns:a="http://schemas.openxmlformats.org/drawingml/2006/main" xmlns:r="http://schemas.openxmlformats.org/officeDocument/2006/relationships" xmlns:p="http://schemas.openxmlformats.org/presentationml/2006/main">
-  <p:cSld>
-    <p:spTree>
-      <p:nvGrpSpPr>
-        <p:cNvPr id="1" name=""/>
-        <p:cNvGrpSpPr/>
-        <p:nvPr/>
-      </p:nvGrpSpPr>
-      <p:grpSpPr>
-        <a:xfrm>
-          <a:off x="0" y="0"/>
-          <a:ext cx="0" cy="0"/>
-          <a:chOff x="0" y="0"/>
-          <a:chExt cx="0" cy="0"/>
-        </a:xfrm>
-      </p:grpSpPr>
-      <p:sp>
-        <p:nvSpPr>
-          <p:cNvPr id="2" name="标题 1"/>
-          <p:cNvSpPr>
-            <a:spLocks noGrp="1"/>
-          </p:cNvSpPr>
-          <p:nvPr>
-            <p:ph type="title"/>
-          </p:nvPr>
-        </p:nvSpPr>
-        <p:spPr/>
-        <p:txBody>
-          <a:bodyPr/>
-          <a:lstStyle/>
-          <a:p>
-            <a:r>
-              <a:rPr lang="en-US" altLang="zh-CN" b="1" dirty="0" smtClean="0"/>
-              <a:t>5.1 </a:t>
-            </a:r>
-            <a:r>
-              <a:rPr lang="zh-CN" altLang="en-US" b="1" dirty="0"/>
-              <a:t>为什么使用面向对象</a:t>
-            </a:r>
-          </a:p>
-        </p:txBody>
-      </p:sp>
-      <p:sp>
-        <p:nvSpPr>
-          <p:cNvPr id="3" name="内容占位符 2"/>
-          <p:cNvSpPr>
-            <a:spLocks noGrp="1"/>
-          </p:cNvSpPr>
-          <p:nvPr>
-            <p:ph idx="1"/>
-          </p:nvPr>
-        </p:nvSpPr>
-        <p:spPr/>
-        <p:txBody>
-          <a:bodyPr/>
-          <a:lstStyle/>
-          <a:p>
-            <a:r>
-              <a:rPr lang="zh-CN" altLang="en-US" dirty="0"/>
-              <a:t>面向对象编程（</a:t>
-            </a:r>
-            <a:r>
-              <a:rPr lang="en-US" altLang="zh-CN" dirty="0"/>
-              <a:t>OOP</a:t>
-            </a:r>
-            <a:r>
-              <a:rPr lang="zh-CN" altLang="en-US" dirty="0"/>
-              <a:t>）是软件开发中的一种编程范式，它与传统的过程化编程（如</a:t>
-            </a:r>
-            <a:r>
-              <a:rPr lang="en-US" altLang="zh-CN" dirty="0"/>
-              <a:t>C</a:t>
-            </a:r>
-            <a:r>
-              <a:rPr lang="zh-CN" altLang="en-US" dirty="0"/>
-              <a:t>语言）相比，提供了更高的灵活性和可维护性。通过将数据和操作数据的方法封装在一起，</a:t>
-            </a:r>
-            <a:r>
-              <a:rPr lang="en-US" altLang="zh-CN" dirty="0"/>
-              <a:t>OOP</a:t>
-            </a:r>
-            <a:r>
-              <a:rPr lang="zh-CN" altLang="en-US" dirty="0"/>
-              <a:t>可以使代码更加模块化、可扩展和易于维护</a:t>
-            </a:r>
-            <a:r>
-              <a:rPr lang="zh-CN" altLang="en-US" dirty="0" smtClean="0"/>
-              <a:t>。</a:t>
-            </a:r>
-            <a:endParaRPr lang="en-US" altLang="zh-CN" dirty="0" smtClean="0"/>
-          </a:p>
-          <a:p>
-            <a:r>
-              <a:rPr lang="zh-CN" altLang="en-US" dirty="0"/>
-              <a:t>面向对象的</a:t>
-            </a:r>
-            <a:r>
-              <a:rPr lang="zh-CN" altLang="en-US" dirty="0" smtClean="0"/>
-              <a:t>优势</a:t>
-            </a:r>
-            <a:endParaRPr lang="en-US" altLang="zh-CN" dirty="0" smtClean="0"/>
-          </a:p>
-          <a:p>
-            <a:r>
-              <a:rPr lang="zh-CN" altLang="en-US" dirty="0"/>
-              <a:t>与 </a:t>
-            </a:r>
-            <a:r>
-              <a:rPr lang="en-US" altLang="zh-CN" dirty="0"/>
-              <a:t>C </a:t>
-            </a:r>
-            <a:r>
-              <a:rPr lang="zh-CN" altLang="en-US" dirty="0"/>
-              <a:t>语言的</a:t>
-            </a:r>
-            <a:r>
-              <a:rPr lang="zh-CN" altLang="en-US" dirty="0" smtClean="0"/>
-              <a:t>区别</a:t>
-            </a:r>
-            <a:endParaRPr lang="en-US" altLang="zh-CN" dirty="0" smtClean="0"/>
-          </a:p>
-          <a:p>
-            <a:r>
-              <a:rPr lang="zh-CN" altLang="en-US" dirty="0"/>
-              <a:t>为什么选择面向对象编程</a:t>
-            </a:r>
-          </a:p>
-        </p:txBody>
-      </p:sp>
-    </p:spTree>
-    <p:extLst>
-      <p:ext uri="{BB962C8B-B14F-4D97-AF65-F5344CB8AC3E}">
-        <p14:creationId xmlns:p14="http://schemas.microsoft.com/office/powerpoint/2010/main" val="329754630"/>
-      </p:ext>
-    </p:extLst>
-  </p:cSld>
-  <p:clrMapOvr>
-    <a:masterClrMapping/>
-  </p:clrMapOvr>
-</p:sld>
-</file>
-
 <file path=ppt/slides/slide48.xml><?xml version="1.0" encoding="utf-8"?>
 <p:sld xmlns:a="http://schemas.openxmlformats.org/drawingml/2006/main" xmlns:r="http://schemas.openxmlformats.org/officeDocument/2006/relationships" xmlns:p="http://schemas.openxmlformats.org/presentationml/2006/main">
   <p:cSld>
@@ -16940,17 +16911,13 @@
           <a:lstStyle/>
           <a:p>
             <a:r>
+              <a:rPr lang="en-US" altLang="zh-CN" b="1" dirty="0" smtClean="0"/>
+              <a:t>5.1 </a:t>
+            </a:r>
+            <a:r>
               <a:rPr lang="zh-CN" altLang="en-US" b="1" dirty="0"/>
-              <a:t>面向对象的优势</a:t>
-            </a:r>
-            <a:r>
-              <a:rPr lang="en-US" altLang="zh-CN" dirty="0"/>
-              <a:t/>
-            </a:r>
-            <a:br>
-              <a:rPr lang="en-US" altLang="zh-CN" dirty="0"/>
-            </a:br>
-            <a:endParaRPr lang="zh-CN" altLang="en-US" dirty="0"/>
+              <a:t>为什么使用面向对象</a:t>
+            </a:r>
           </a:p>
         </p:txBody>
       </p:sp>
@@ -16971,7 +16938,7 @@
           <a:p>
             <a:r>
               <a:rPr lang="zh-CN" altLang="en-US" dirty="0"/>
-              <a:t>封装：</a:t>
+              <a:t>面向对象编程（</a:t>
             </a:r>
             <a:r>
               <a:rPr lang="en-US" altLang="zh-CN" dirty="0"/>
@@ -16979,25 +16946,15 @@
             </a:r>
             <a:r>
               <a:rPr lang="zh-CN" altLang="en-US" dirty="0"/>
-              <a:t>鼓励将数据与数据操作封装在一起，减少数据访问的复杂性。通过封装，类的实现细节可以隐藏，外部代码只需关注接口而非实现。</a:t>
-            </a:r>
-          </a:p>
-          <a:p>
-            <a:r>
-              <a:rPr lang="zh-CN" altLang="en-US" dirty="0"/>
-              <a:t>继承：继承允许类继承另一个类的属性和方法，减少代码的重复，增强代码的重用性。</a:t>
-            </a:r>
-          </a:p>
-          <a:p>
-            <a:r>
-              <a:rPr lang="zh-CN" altLang="en-US" dirty="0"/>
-              <a:t>多态：多态使得同一操作可以在不同类型的对象上表现出不同的行为，提高了代码的灵活性。</a:t>
-            </a:r>
-          </a:p>
-          <a:p>
-            <a:r>
-              <a:rPr lang="zh-CN" altLang="en-US" dirty="0"/>
-              <a:t>模块化与可维护性：</a:t>
+              <a:t>）是软件开发中的一种编程范式，它与传统的过程化编程（如</a:t>
+            </a:r>
+            <a:r>
+              <a:rPr lang="en-US" altLang="zh-CN" dirty="0"/>
+              <a:t>C</a:t>
+            </a:r>
+            <a:r>
+              <a:rPr lang="zh-CN" altLang="en-US" dirty="0"/>
+              <a:t>语言）相比，提供了更高的灵活性和可维护性。通过将数据和操作数据的方法封装在一起，</a:t>
             </a:r>
             <a:r>
               <a:rPr lang="en-US" altLang="zh-CN" dirty="0"/>
@@ -17005,7 +16962,48 @@
             </a:r>
             <a:r>
               <a:rPr lang="zh-CN" altLang="en-US" dirty="0"/>
-              <a:t>允许将一个大程序拆分成多个小模块，每个模块负责自己独立的功能，增强了代码的可维护性和扩展性。</a:t>
+              <a:t>可以使代码更加模块化、可扩展和易于维护</a:t>
+            </a:r>
+            <a:r>
+              <a:rPr lang="zh-CN" altLang="en-US" dirty="0" smtClean="0"/>
+              <a:t>。</a:t>
+            </a:r>
+            <a:endParaRPr lang="en-US" altLang="zh-CN" dirty="0" smtClean="0"/>
+          </a:p>
+          <a:p>
+            <a:r>
+              <a:rPr lang="zh-CN" altLang="en-US" dirty="0"/>
+              <a:t>面向对象的</a:t>
+            </a:r>
+            <a:r>
+              <a:rPr lang="zh-CN" altLang="en-US" dirty="0" smtClean="0"/>
+              <a:t>优势</a:t>
+            </a:r>
+            <a:endParaRPr lang="en-US" altLang="zh-CN" dirty="0" smtClean="0"/>
+          </a:p>
+          <a:p>
+            <a:r>
+              <a:rPr lang="zh-CN" altLang="en-US" dirty="0"/>
+              <a:t>与 </a:t>
+            </a:r>
+            <a:r>
+              <a:rPr lang="en-US" altLang="zh-CN" dirty="0"/>
+              <a:t>C </a:t>
+            </a:r>
+            <a:r>
+              <a:rPr lang="zh-CN" altLang="en-US" dirty="0"/>
+              <a:t>语言的</a:t>
+            </a:r>
+            <a:r>
+              <a:rPr lang="zh-CN" altLang="en-US" dirty="0" smtClean="0"/>
+              <a:t>区别</a:t>
+            </a:r>
+            <a:endParaRPr lang="en-US" altLang="zh-CN" dirty="0" smtClean="0"/>
+          </a:p>
+          <a:p>
+            <a:r>
+              <a:rPr lang="zh-CN" altLang="en-US" dirty="0"/>
+              <a:t>为什么选择面向对象编程</a:t>
             </a:r>
           </a:p>
         </p:txBody>
@@ -17013,7 +17011,7 @@
     </p:spTree>
     <p:extLst>
       <p:ext uri="{BB962C8B-B14F-4D97-AF65-F5344CB8AC3E}">
-        <p14:creationId xmlns:p14="http://schemas.microsoft.com/office/powerpoint/2010/main" val="1941399030"/>
+        <p14:creationId xmlns:p14="http://schemas.microsoft.com/office/powerpoint/2010/main" val="329754630"/>
       </p:ext>
     </p:extLst>
   </p:cSld>
@@ -17057,16 +17055,16 @@
           <a:p>
             <a:r>
               <a:rPr lang="zh-CN" altLang="en-US" b="1" dirty="0"/>
-              <a:t>与 </a:t>
-            </a:r>
-            <a:r>
-              <a:rPr lang="en-US" altLang="zh-CN" b="1" dirty="0"/>
-              <a:t>C </a:t>
-            </a:r>
-            <a:r>
-              <a:rPr lang="zh-CN" altLang="en-US" b="1" dirty="0"/>
-              <a:t>语言的区别</a:t>
-            </a:r>
+              <a:t>面向对象的优势</a:t>
+            </a:r>
+            <a:r>
+              <a:rPr lang="en-US" altLang="zh-CN" dirty="0"/>
+              <a:t/>
+            </a:r>
+            <a:br>
+              <a:rPr lang="en-US" altLang="zh-CN" dirty="0"/>
+            </a:br>
+            <a:endParaRPr lang="zh-CN" altLang="en-US" dirty="0"/>
           </a:p>
         </p:txBody>
       </p:sp>
@@ -17086,45 +17084,50 @@
           <a:lstStyle/>
           <a:p>
             <a:r>
-              <a:rPr lang="en-US" altLang="zh-CN" dirty="0"/>
-              <a:t>C </a:t>
-            </a:r>
-            <a:r>
-              <a:rPr lang="zh-CN" altLang="en-US" dirty="0"/>
-              <a:t>语言是一种过程化编程语言，代码组织以函数为单位，数据与函数是分离的。而面向对象编程则将数据与操作数据的方法封装在一个实体</a:t>
-            </a:r>
-            <a:r>
-              <a:rPr lang="en-US" altLang="zh-CN" dirty="0"/>
-              <a:t>——</a:t>
-            </a:r>
-            <a:r>
-              <a:rPr lang="zh-CN" altLang="en-US" dirty="0"/>
-              <a:t>类中。</a:t>
-            </a:r>
-          </a:p>
-          <a:p>
-            <a:r>
-              <a:rPr lang="zh-CN" altLang="en-US" dirty="0"/>
-              <a:t>在</a:t>
-            </a:r>
-            <a:r>
-              <a:rPr lang="en-US" altLang="zh-CN" dirty="0"/>
-              <a:t>C</a:t>
-            </a:r>
-            <a:r>
-              <a:rPr lang="zh-CN" altLang="en-US" dirty="0"/>
-              <a:t>语言中，我们通过函数来操作数据结构中的数据。每个函数都只能操作通过参数传递的变量。虽然可以通过结构体组织数据，但没有像类那样的封装性和继承性。</a:t>
-            </a:r>
-          </a:p>
-          <a:p>
-            <a:endParaRPr lang="zh-CN" altLang="en-US" dirty="0"/>
+              <a:rPr lang="zh-CN" altLang="en-US" dirty="0"/>
+              <a:t>封装：</a:t>
+            </a:r>
+            <a:r>
+              <a:rPr lang="en-US" altLang="zh-CN" dirty="0"/>
+              <a:t>OOP</a:t>
+            </a:r>
+            <a:r>
+              <a:rPr lang="zh-CN" altLang="en-US" dirty="0"/>
+              <a:t>鼓励将数据与数据操作封装在一起，减少数据访问的复杂性。通过封装，类的实现细节可以隐藏，外部代码只需关注接口而非实现。</a:t>
+            </a:r>
+          </a:p>
+          <a:p>
+            <a:r>
+              <a:rPr lang="zh-CN" altLang="en-US" dirty="0"/>
+              <a:t>继承：继承允许类继承另一个类的属性和方法，减少代码的重复，增强代码的重用性。</a:t>
+            </a:r>
+          </a:p>
+          <a:p>
+            <a:r>
+              <a:rPr lang="zh-CN" altLang="en-US" dirty="0"/>
+              <a:t>多态：多态使得同一操作可以在不同类型的对象上表现出不同的行为，提高了代码的灵活性。</a:t>
+            </a:r>
+          </a:p>
+          <a:p>
+            <a:r>
+              <a:rPr lang="zh-CN" altLang="en-US" dirty="0"/>
+              <a:t>模块化与可维护性：</a:t>
+            </a:r>
+            <a:r>
+              <a:rPr lang="en-US" altLang="zh-CN" dirty="0"/>
+              <a:t>OOP</a:t>
+            </a:r>
+            <a:r>
+              <a:rPr lang="zh-CN" altLang="en-US" dirty="0"/>
+              <a:t>允许将一个大程序拆分成多个小模块，每个模块负责自己独立的功能，增强了代码的可维护性和扩展性。</a:t>
+            </a:r>
           </a:p>
         </p:txBody>
       </p:sp>
     </p:spTree>
     <p:extLst>
       <p:ext uri="{BB962C8B-B14F-4D97-AF65-F5344CB8AC3E}">
-        <p14:creationId xmlns:p14="http://schemas.microsoft.com/office/powerpoint/2010/main" val="2647494434"/>
+        <p14:creationId xmlns:p14="http://schemas.microsoft.com/office/powerpoint/2010/main" val="1941399030"/>
       </p:ext>
     </p:extLst>
   </p:cSld>
@@ -17283,6 +17286,117 @@
 </file>
 
 <file path=ppt/slides/slide50.xml><?xml version="1.0" encoding="utf-8"?>
+<p:sld xmlns:a="http://schemas.openxmlformats.org/drawingml/2006/main" xmlns:r="http://schemas.openxmlformats.org/officeDocument/2006/relationships" xmlns:p="http://schemas.openxmlformats.org/presentationml/2006/main">
+  <p:cSld>
+    <p:spTree>
+      <p:nvGrpSpPr>
+        <p:cNvPr id="1" name=""/>
+        <p:cNvGrpSpPr/>
+        <p:nvPr/>
+      </p:nvGrpSpPr>
+      <p:grpSpPr>
+        <a:xfrm>
+          <a:off x="0" y="0"/>
+          <a:ext cx="0" cy="0"/>
+          <a:chOff x="0" y="0"/>
+          <a:chExt cx="0" cy="0"/>
+        </a:xfrm>
+      </p:grpSpPr>
+      <p:sp>
+        <p:nvSpPr>
+          <p:cNvPr id="2" name="标题 1"/>
+          <p:cNvSpPr>
+            <a:spLocks noGrp="1"/>
+          </p:cNvSpPr>
+          <p:nvPr>
+            <p:ph type="title"/>
+          </p:nvPr>
+        </p:nvSpPr>
+        <p:spPr/>
+        <p:txBody>
+          <a:bodyPr/>
+          <a:lstStyle/>
+          <a:p>
+            <a:r>
+              <a:rPr lang="zh-CN" altLang="en-US" b="1" dirty="0"/>
+              <a:t>与 </a:t>
+            </a:r>
+            <a:r>
+              <a:rPr lang="en-US" altLang="zh-CN" b="1" dirty="0"/>
+              <a:t>C </a:t>
+            </a:r>
+            <a:r>
+              <a:rPr lang="zh-CN" altLang="en-US" b="1" dirty="0"/>
+              <a:t>语言的区别</a:t>
+            </a:r>
+          </a:p>
+        </p:txBody>
+      </p:sp>
+      <p:sp>
+        <p:nvSpPr>
+          <p:cNvPr id="3" name="内容占位符 2"/>
+          <p:cNvSpPr>
+            <a:spLocks noGrp="1"/>
+          </p:cNvSpPr>
+          <p:nvPr>
+            <p:ph idx="1"/>
+          </p:nvPr>
+        </p:nvSpPr>
+        <p:spPr/>
+        <p:txBody>
+          <a:bodyPr/>
+          <a:lstStyle/>
+          <a:p>
+            <a:r>
+              <a:rPr lang="en-US" altLang="zh-CN" dirty="0"/>
+              <a:t>C </a:t>
+            </a:r>
+            <a:r>
+              <a:rPr lang="zh-CN" altLang="en-US" dirty="0"/>
+              <a:t>语言是一种过程化编程语言，代码组织以函数为单位，数据与函数是分离的。而面向对象编程则将数据与操作数据的方法封装在一个实体</a:t>
+            </a:r>
+            <a:r>
+              <a:rPr lang="en-US" altLang="zh-CN" dirty="0"/>
+              <a:t>——</a:t>
+            </a:r>
+            <a:r>
+              <a:rPr lang="zh-CN" altLang="en-US" dirty="0"/>
+              <a:t>类中。</a:t>
+            </a:r>
+          </a:p>
+          <a:p>
+            <a:r>
+              <a:rPr lang="zh-CN" altLang="en-US" dirty="0"/>
+              <a:t>在</a:t>
+            </a:r>
+            <a:r>
+              <a:rPr lang="en-US" altLang="zh-CN" dirty="0"/>
+              <a:t>C</a:t>
+            </a:r>
+            <a:r>
+              <a:rPr lang="zh-CN" altLang="en-US" dirty="0"/>
+              <a:t>语言中，我们通过函数来操作数据结构中的数据。每个函数都只能操作通过参数传递的变量。虽然可以通过结构体组织数据，但没有像类那样的封装性和继承性。</a:t>
+            </a:r>
+          </a:p>
+          <a:p>
+            <a:endParaRPr lang="zh-CN" altLang="en-US" dirty="0"/>
+          </a:p>
+        </p:txBody>
+      </p:sp>
+    </p:spTree>
+    <p:extLst>
+      <p:ext uri="{BB962C8B-B14F-4D97-AF65-F5344CB8AC3E}">
+        <p14:creationId xmlns:p14="http://schemas.microsoft.com/office/powerpoint/2010/main" val="2647494434"/>
+      </p:ext>
+    </p:extLst>
+  </p:cSld>
+  <p:clrMapOvr>
+    <a:masterClrMapping/>
+  </p:clrMapOvr>
+</p:sld>
+</file>
+
+<file path=ppt/slides/slide51.xml><?xml version="1.0" encoding="utf-8"?>
 <p:sld xmlns:a="http://schemas.openxmlformats.org/drawingml/2006/main" xmlns:r="http://schemas.openxmlformats.org/officeDocument/2006/relationships" xmlns:p="http://schemas.openxmlformats.org/presentationml/2006/main">
   <p:cSld>
     <p:spTree>
@@ -17709,176 +17823,6 @@
 </p:sld>
 </file>
 
-<file path=ppt/slides/slide51.xml><?xml version="1.0" encoding="utf-8"?>
-<p:sld xmlns:a="http://schemas.openxmlformats.org/drawingml/2006/main" xmlns:r="http://schemas.openxmlformats.org/officeDocument/2006/relationships" xmlns:p="http://schemas.openxmlformats.org/presentationml/2006/main">
-  <p:cSld>
-    <p:spTree>
-      <p:nvGrpSpPr>
-        <p:cNvPr id="1" name=""/>
-        <p:cNvGrpSpPr/>
-        <p:nvPr/>
-      </p:nvGrpSpPr>
-      <p:grpSpPr>
-        <a:xfrm>
-          <a:off x="0" y="0"/>
-          <a:ext cx="0" cy="0"/>
-          <a:chOff x="0" y="0"/>
-          <a:chExt cx="0" cy="0"/>
-        </a:xfrm>
-      </p:grpSpPr>
-      <p:sp>
-        <p:nvSpPr>
-          <p:cNvPr id="2" name="标题 1"/>
-          <p:cNvSpPr>
-            <a:spLocks noGrp="1"/>
-          </p:cNvSpPr>
-          <p:nvPr>
-            <p:ph type="title"/>
-          </p:nvPr>
-        </p:nvSpPr>
-        <p:spPr/>
-        <p:txBody>
-          <a:bodyPr/>
-          <a:lstStyle/>
-          <a:p>
-            <a:r>
-              <a:rPr lang="en-US" altLang="zh-CN" dirty="0" smtClean="0"/>
-              <a:t>5.2 </a:t>
-            </a:r>
-            <a:r>
-              <a:rPr lang="zh-CN" altLang="en-US" dirty="0"/>
-              <a:t>类与对象</a:t>
-            </a:r>
-          </a:p>
-        </p:txBody>
-      </p:sp>
-      <p:sp>
-        <p:nvSpPr>
-          <p:cNvPr id="3" name="内容占位符 2"/>
-          <p:cNvSpPr>
-            <a:spLocks noGrp="1"/>
-          </p:cNvSpPr>
-          <p:nvPr>
-            <p:ph idx="1"/>
-          </p:nvPr>
-        </p:nvSpPr>
-        <p:spPr/>
-        <p:txBody>
-          <a:bodyPr/>
-          <a:lstStyle/>
-          <a:p>
-            <a:r>
-              <a:rPr lang="zh-CN" altLang="en-US" dirty="0"/>
-              <a:t>定义</a:t>
-            </a:r>
-            <a:r>
-              <a:rPr lang="zh-CN" altLang="en-US" dirty="0" smtClean="0"/>
-              <a:t>类</a:t>
-            </a:r>
-            <a:endParaRPr lang="en-US" altLang="zh-CN" dirty="0" smtClean="0"/>
-          </a:p>
-          <a:p>
-            <a:pPr marL="0" indent="0">
-              <a:buNone/>
-            </a:pPr>
-            <a:r>
-              <a:rPr lang="en-US" altLang="zh-CN" dirty="0"/>
-              <a:t>	</a:t>
-            </a:r>
-            <a:r>
-              <a:rPr lang="zh-CN" altLang="en-US" dirty="0"/>
-              <a:t>类是面向对象编程中的核心概念，它描述了一个对象的属性和行为。类定义包括</a:t>
-            </a:r>
-            <a:r>
-              <a:rPr lang="zh-CN" altLang="en-US" dirty="0" smtClean="0"/>
-              <a:t>成</a:t>
-            </a:r>
-            <a:r>
-              <a:rPr lang="en-US" altLang="zh-CN" dirty="0" smtClean="0"/>
-              <a:t>	</a:t>
-            </a:r>
-            <a:r>
-              <a:rPr lang="zh-CN" altLang="en-US" dirty="0" smtClean="0"/>
-              <a:t>员</a:t>
-            </a:r>
-            <a:r>
-              <a:rPr lang="zh-CN" altLang="en-US" dirty="0"/>
-              <a:t>变量（属性）和成员函数（行为）。类的实例化称为对象。</a:t>
-            </a:r>
-            <a:endParaRPr lang="en-US" altLang="zh-CN" dirty="0" smtClean="0"/>
-          </a:p>
-          <a:p>
-            <a:r>
-              <a:rPr lang="zh-CN" altLang="en-US" dirty="0"/>
-              <a:t>构造函数与</a:t>
-            </a:r>
-            <a:r>
-              <a:rPr lang="zh-CN" altLang="en-US" dirty="0" smtClean="0"/>
-              <a:t>析构函数</a:t>
-            </a:r>
-            <a:endParaRPr lang="en-US" altLang="zh-CN" dirty="0" smtClean="0"/>
-          </a:p>
-          <a:p>
-            <a:pPr marL="0" indent="0">
-              <a:buNone/>
-            </a:pPr>
-            <a:r>
-              <a:rPr lang="en-US" altLang="zh-CN" dirty="0"/>
-              <a:t>	</a:t>
-            </a:r>
-            <a:r>
-              <a:rPr lang="zh-CN" altLang="en-US" dirty="0"/>
-              <a:t>构造函数用于初始化对象的成员变量。析构函数用于在对象销毁时进行资源清理</a:t>
-            </a:r>
-            <a:r>
-              <a:rPr lang="zh-CN" altLang="en-US" dirty="0" smtClean="0"/>
-              <a:t>。</a:t>
-            </a:r>
-            <a:r>
-              <a:rPr lang="en-US" altLang="zh-CN" dirty="0" smtClean="0"/>
-              <a:t>	</a:t>
-            </a:r>
-            <a:r>
-              <a:rPr lang="zh-CN" altLang="en-US" dirty="0" smtClean="0"/>
-              <a:t>构造</a:t>
-            </a:r>
-            <a:r>
-              <a:rPr lang="zh-CN" altLang="en-US" dirty="0"/>
-              <a:t>函数和析构函数的名称与类名相同，但构造函数没有返回类型，析构函数以 </a:t>
-            </a:r>
-            <a:r>
-              <a:rPr lang="en-US" altLang="zh-CN" dirty="0"/>
-              <a:t>~ </a:t>
-            </a:r>
-            <a:r>
-              <a:rPr lang="en-US" altLang="zh-CN" dirty="0" smtClean="0"/>
-              <a:t>	</a:t>
-            </a:r>
-            <a:r>
-              <a:rPr lang="zh-CN" altLang="en-US" dirty="0" smtClean="0"/>
-              <a:t>开头</a:t>
-            </a:r>
-            <a:r>
-              <a:rPr lang="zh-CN" altLang="en-US" dirty="0"/>
-              <a:t>。</a:t>
-            </a:r>
-            <a:endParaRPr lang="en-US" altLang="zh-CN" dirty="0" smtClean="0"/>
-          </a:p>
-        </p:txBody>
-      </p:sp>
-    </p:spTree>
-    <p:extLst>
-      <p:ext uri="{BB962C8B-B14F-4D97-AF65-F5344CB8AC3E}">
-        <p14:creationId xmlns:p14="http://schemas.microsoft.com/office/powerpoint/2010/main" val="3147529873"/>
-      </p:ext>
-    </p:extLst>
-  </p:cSld>
-  <p:clrMapOvr>
-    <a:masterClrMapping/>
-  </p:clrMapOvr>
-</p:sld>
-</file>
-
 <file path=ppt/slides/slide52.xml><?xml version="1.0" encoding="utf-8"?>
 <p:sld xmlns:a="http://schemas.openxmlformats.org/drawingml/2006/main" xmlns:r="http://schemas.openxmlformats.org/officeDocument/2006/relationships" xmlns:p="http://schemas.openxmlformats.org/presentationml/2006/main">
   <p:cSld>
@@ -17917,7 +17861,7 @@
             </a:r>
             <a:r>
               <a:rPr lang="zh-CN" altLang="en-US" dirty="0"/>
-              <a:t>封装</a:t>
+              <a:t>类与对象</a:t>
             </a:r>
           </a:p>
         </p:txBody>
@@ -17939,83 +17883,107 @@
           <a:p>
             <a:r>
               <a:rPr lang="zh-CN" altLang="en-US" dirty="0"/>
-              <a:t>封装是面向对象编程的四大基本特性之一。封装通过访问控制修饰符（</a:t>
-            </a:r>
-            <a:r>
-              <a:rPr lang="en-US" altLang="zh-CN" dirty="0"/>
-              <a:t>public</a:t>
-            </a:r>
-            <a:r>
-              <a:rPr lang="zh-CN" altLang="en-US" dirty="0"/>
-              <a:t>、</a:t>
-            </a:r>
-            <a:r>
-              <a:rPr lang="en-US" altLang="zh-CN" dirty="0"/>
-              <a:t>private</a:t>
-            </a:r>
-            <a:r>
-              <a:rPr lang="zh-CN" altLang="en-US" dirty="0"/>
-              <a:t>、</a:t>
-            </a:r>
-            <a:r>
-              <a:rPr lang="en-US" altLang="zh-CN" dirty="0"/>
-              <a:t>protected</a:t>
-            </a:r>
-            <a:r>
-              <a:rPr lang="zh-CN" altLang="en-US" dirty="0"/>
-              <a:t>）来控制类成员的访问权限</a:t>
+              <a:t>定义</a:t>
+            </a:r>
+            <a:r>
+              <a:rPr lang="zh-CN" altLang="en-US" dirty="0" smtClean="0"/>
+              <a:t>类</a:t>
+            </a:r>
+            <a:endParaRPr lang="en-US" altLang="zh-CN" dirty="0" smtClean="0"/>
+          </a:p>
+          <a:p>
+            <a:pPr marL="0" indent="0">
+              <a:buNone/>
+            </a:pPr>
+            <a:r>
+              <a:rPr lang="en-US" altLang="zh-CN" dirty="0"/>
+              <a:t>	</a:t>
+            </a:r>
+            <a:r>
+              <a:rPr lang="zh-CN" altLang="en-US" dirty="0"/>
+              <a:t>类是面向对象编程中的核心概念，它描述了一个对象的属性和行为。类定义包括</a:t>
+            </a:r>
+            <a:r>
+              <a:rPr lang="zh-CN" altLang="en-US" dirty="0" smtClean="0"/>
+              <a:t>成</a:t>
+            </a:r>
+            <a:r>
+              <a:rPr lang="en-US" altLang="zh-CN" dirty="0" smtClean="0"/>
+              <a:t>	</a:t>
+            </a:r>
+            <a:r>
+              <a:rPr lang="zh-CN" altLang="en-US" dirty="0" smtClean="0"/>
+              <a:t>员</a:t>
+            </a:r>
+            <a:r>
+              <a:rPr lang="zh-CN" altLang="en-US" dirty="0"/>
+              <a:t>变量（属性）和成员函数（行为）。类的实例化称为对象。</a:t>
+            </a:r>
+            <a:endParaRPr lang="en-US" altLang="zh-CN" dirty="0" smtClean="0"/>
+          </a:p>
+          <a:p>
+            <a:r>
+              <a:rPr lang="zh-CN" altLang="en-US" dirty="0"/>
+              <a:t>构造函数与</a:t>
+            </a:r>
+            <a:r>
+              <a:rPr lang="zh-CN" altLang="en-US" dirty="0" smtClean="0"/>
+              <a:t>析构函数</a:t>
+            </a:r>
+            <a:endParaRPr lang="en-US" altLang="zh-CN" dirty="0" smtClean="0"/>
+          </a:p>
+          <a:p>
+            <a:pPr marL="0" indent="0">
+              <a:buNone/>
+            </a:pPr>
+            <a:r>
+              <a:rPr lang="en-US" altLang="zh-CN" dirty="0"/>
+              <a:t>	</a:t>
+            </a:r>
+            <a:r>
+              <a:rPr lang="zh-CN" altLang="en-US" dirty="0"/>
+              <a:t>构造函数用于初始化对象的成员变量。析构函数用于在对象销毁时进行资源清理</a:t>
             </a:r>
             <a:r>
               <a:rPr lang="zh-CN" altLang="en-US" dirty="0" smtClean="0"/>
               <a:t>。</a:t>
             </a:r>
+            <a:r>
+              <a:rPr lang="en-US" altLang="zh-CN" dirty="0" smtClean="0"/>
+              <a:t>	</a:t>
+            </a:r>
+            <a:r>
+              <a:rPr lang="zh-CN" altLang="en-US" dirty="0" smtClean="0"/>
+              <a:t>构造</a:t>
+            </a:r>
+            <a:r>
+              <a:rPr lang="zh-CN" altLang="en-US" dirty="0"/>
+              <a:t>函数和析构函数的名称与类名相同，但构造函数没有返回类型，析构函数以 </a:t>
+            </a:r>
+            <a:r>
+              <a:rPr lang="en-US" altLang="zh-CN" dirty="0"/>
+              <a:t>~ </a:t>
+            </a:r>
+            <a:r>
+              <a:rPr lang="en-US" altLang="zh-CN" dirty="0" smtClean="0"/>
+              <a:t>	</a:t>
+            </a:r>
+            <a:r>
+              <a:rPr lang="zh-CN" altLang="en-US" dirty="0" smtClean="0"/>
+              <a:t>开头</a:t>
+            </a:r>
+            <a:r>
+              <a:rPr lang="zh-CN" altLang="en-US" dirty="0"/>
+              <a:t>。</a:t>
+            </a:r>
             <a:endParaRPr lang="en-US" altLang="zh-CN" dirty="0" smtClean="0"/>
-          </a:p>
-          <a:p>
-            <a:r>
-              <a:rPr lang="zh-CN" altLang="en-US" dirty="0"/>
-              <a:t>访问控制修饰符</a:t>
-            </a:r>
-          </a:p>
-          <a:p>
-            <a:pPr lvl="1"/>
-            <a:r>
-              <a:rPr lang="en-US" altLang="zh-CN" dirty="0"/>
-              <a:t>public</a:t>
-            </a:r>
-            <a:r>
-              <a:rPr lang="zh-CN" altLang="en-US" dirty="0"/>
-              <a:t>：公开的成员，外部代码可以访问。</a:t>
-            </a:r>
-          </a:p>
-          <a:p>
-            <a:pPr lvl="1"/>
-            <a:r>
-              <a:rPr lang="en-US" altLang="zh-CN" dirty="0"/>
-              <a:t>private</a:t>
-            </a:r>
-            <a:r>
-              <a:rPr lang="zh-CN" altLang="en-US" dirty="0"/>
-              <a:t>：私有的成员，只能在类的内部访问。</a:t>
-            </a:r>
-          </a:p>
-          <a:p>
-            <a:pPr lvl="1"/>
-            <a:r>
-              <a:rPr lang="en-US" altLang="zh-CN" dirty="0"/>
-              <a:t>protected</a:t>
-            </a:r>
-            <a:r>
-              <a:rPr lang="zh-CN" altLang="en-US" dirty="0"/>
-              <a:t>：保护的成员，子类可以访问，但外部代码不能访问。</a:t>
-            </a:r>
           </a:p>
         </p:txBody>
       </p:sp>
     </p:spTree>
     <p:extLst>
       <p:ext uri="{BB962C8B-B14F-4D97-AF65-F5344CB8AC3E}">
-        <p14:creationId xmlns:p14="http://schemas.microsoft.com/office/powerpoint/2010/main" val="3887602630"/>
+        <p14:creationId xmlns:p14="http://schemas.microsoft.com/office/powerpoint/2010/main" val="3147529873"/>
       </p:ext>
     </p:extLst>
   </p:cSld>
@@ -18059,11 +18027,11 @@
           <a:p>
             <a:r>
               <a:rPr lang="en-US" altLang="zh-CN" dirty="0" smtClean="0"/>
-              <a:t>5.3 </a:t>
-            </a:r>
-            <a:r>
-              <a:rPr lang="zh-CN" altLang="en-US" dirty="0"/>
-              <a:t>继承</a:t>
+              <a:t>5.2 </a:t>
+            </a:r>
+            <a:r>
+              <a:rPr lang="zh-CN" altLang="en-US" dirty="0"/>
+              <a:t>封装</a:t>
             </a:r>
           </a:p>
         </p:txBody>
@@ -18085,7 +18053,31 @@
           <a:p>
             <a:r>
               <a:rPr lang="zh-CN" altLang="en-US" dirty="0"/>
-              <a:t>通过继承，我们可以创建一个新的类（派生类），它可以继承已有类（基类）的成员变量和成员函数</a:t>
+              <a:t>封装是面向对象编程的四大基本特性之一。封装通过访问控制修饰符（</a:t>
+            </a:r>
+            <a:r>
+              <a:rPr lang="en-US" altLang="zh-CN" dirty="0"/>
+              <a:t>public</a:t>
+            </a:r>
+            <a:r>
+              <a:rPr lang="zh-CN" altLang="en-US" dirty="0"/>
+              <a:t>、</a:t>
+            </a:r>
+            <a:r>
+              <a:rPr lang="en-US" altLang="zh-CN" dirty="0"/>
+              <a:t>private</a:t>
+            </a:r>
+            <a:r>
+              <a:rPr lang="zh-CN" altLang="en-US" dirty="0"/>
+              <a:t>、</a:t>
+            </a:r>
+            <a:r>
+              <a:rPr lang="en-US" altLang="zh-CN" dirty="0"/>
+              <a:t>protected</a:t>
+            </a:r>
+            <a:r>
+              <a:rPr lang="zh-CN" altLang="en-US" dirty="0"/>
+              <a:t>）来控制类成员的访问权限</a:t>
             </a:r>
             <a:r>
               <a:rPr lang="zh-CN" altLang="en-US" dirty="0" smtClean="0"/>
@@ -18096,70 +18088,48 @@
           <a:p>
             <a:r>
               <a:rPr lang="zh-CN" altLang="en-US" dirty="0"/>
-              <a:t>继承的</a:t>
-            </a:r>
-            <a:r>
-              <a:rPr lang="zh-CN" altLang="en-US" dirty="0" smtClean="0"/>
-              <a:t>概念</a:t>
-            </a:r>
-            <a:endParaRPr lang="en-US" altLang="zh-CN" dirty="0" smtClean="0"/>
-          </a:p>
-          <a:p>
-            <a:pPr marL="457200" lvl="1" indent="0">
-              <a:buNone/>
-            </a:pPr>
-            <a:r>
-              <a:rPr lang="zh-CN" altLang="en-US" dirty="0"/>
-              <a:t>基类和派生类的关系：</a:t>
-            </a:r>
-            <a:r>
-              <a:rPr lang="en-US" altLang="zh-CN" dirty="0"/>
-              <a:t>	</a:t>
-            </a:r>
-            <a:endParaRPr lang="zh-CN" altLang="en-US" dirty="0"/>
+              <a:t>访问控制修饰符</a:t>
+            </a:r>
           </a:p>
           <a:p>
             <a:pPr lvl="1"/>
             <a:r>
-              <a:rPr lang="zh-CN" altLang="en-US" dirty="0"/>
-              <a:t>基类是被继承的类。</a:t>
+              <a:rPr lang="en-US" altLang="zh-CN" dirty="0"/>
+              <a:t>public</a:t>
+            </a:r>
+            <a:r>
+              <a:rPr lang="zh-CN" altLang="en-US" dirty="0"/>
+              <a:t>：公开的成员，外部代码可以访问。</a:t>
             </a:r>
           </a:p>
           <a:p>
             <a:pPr lvl="1"/>
             <a:r>
-              <a:rPr lang="zh-CN" altLang="en-US" dirty="0"/>
-              <a:t>派生类是从基类派生出来的类，可以继承基类的属性和行为。</a:t>
-            </a:r>
-          </a:p>
-          <a:p>
-            <a:r>
-              <a:rPr lang="zh-CN" altLang="en-US" dirty="0" smtClean="0"/>
-              <a:t>基</a:t>
-            </a:r>
-            <a:r>
-              <a:rPr lang="zh-CN" altLang="en-US" dirty="0"/>
-              <a:t>类与派生</a:t>
-            </a:r>
-            <a:r>
-              <a:rPr lang="zh-CN" altLang="en-US" dirty="0" smtClean="0"/>
-              <a:t>类</a:t>
-            </a:r>
-            <a:endParaRPr lang="en-US" altLang="zh-CN" dirty="0" smtClean="0"/>
-          </a:p>
-          <a:p>
-            <a:r>
-              <a:rPr lang="zh-CN" altLang="en-US" dirty="0"/>
-              <a:t>多重继承</a:t>
-            </a:r>
-            <a:endParaRPr lang="en-US" altLang="zh-CN" dirty="0" smtClean="0"/>
+              <a:rPr lang="en-US" altLang="zh-CN" dirty="0"/>
+              <a:t>private</a:t>
+            </a:r>
+            <a:r>
+              <a:rPr lang="zh-CN" altLang="en-US" dirty="0"/>
+              <a:t>：私有的成员，只能在类的内部访问。</a:t>
+            </a:r>
+          </a:p>
+          <a:p>
+            <a:pPr lvl="1"/>
+            <a:r>
+              <a:rPr lang="en-US" altLang="zh-CN" dirty="0"/>
+              <a:t>protected</a:t>
+            </a:r>
+            <a:r>
+              <a:rPr lang="zh-CN" altLang="en-US" dirty="0"/>
+              <a:t>：保护的成员，子类可以访问，但外部代码不能访问。</a:t>
+            </a:r>
           </a:p>
         </p:txBody>
       </p:sp>
     </p:spTree>
     <p:extLst>
       <p:ext uri="{BB962C8B-B14F-4D97-AF65-F5344CB8AC3E}">
-        <p14:creationId xmlns:p14="http://schemas.microsoft.com/office/powerpoint/2010/main" val="3152470496"/>
+        <p14:creationId xmlns:p14="http://schemas.microsoft.com/office/powerpoint/2010/main" val="3887602630"/>
       </p:ext>
     </p:extLst>
   </p:cSld>
@@ -18203,11 +18173,11 @@
           <a:p>
             <a:r>
               <a:rPr lang="en-US" altLang="zh-CN" dirty="0" smtClean="0"/>
-              <a:t>5.4 </a:t>
-            </a:r>
-            <a:r>
-              <a:rPr lang="zh-CN" altLang="en-US" dirty="0"/>
-              <a:t>多态</a:t>
+              <a:t>5.3 </a:t>
+            </a:r>
+            <a:r>
+              <a:rPr lang="zh-CN" altLang="en-US" dirty="0"/>
+              <a:t>继承</a:t>
             </a:r>
           </a:p>
         </p:txBody>
@@ -18229,15 +18199,7 @@
           <a:p>
             <a:r>
               <a:rPr lang="zh-CN" altLang="en-US" dirty="0"/>
-              <a:t>多态是指通过相同的接口调用不同的函数，实现不同的行为。多态有两种类型：编译时多态</a:t>
-            </a:r>
-            <a:r>
-              <a:rPr lang="zh-CN" altLang="en-US" dirty="0" smtClean="0"/>
-              <a:t>和运行</a:t>
-            </a:r>
-            <a:r>
-              <a:rPr lang="zh-CN" altLang="en-US" dirty="0"/>
-              <a:t>时多态</a:t>
+              <a:t>通过继承，我们可以创建一个新的类（派生类），它可以继承已有类（基类）的成员变量和成员函数</a:t>
             </a:r>
             <a:r>
               <a:rPr lang="zh-CN" altLang="en-US" dirty="0" smtClean="0"/>
@@ -18248,111 +18210,70 @@
           <a:p>
             <a:r>
               <a:rPr lang="zh-CN" altLang="en-US" dirty="0"/>
-              <a:t>虚</a:t>
+              <a:t>继承的</a:t>
             </a:r>
             <a:r>
               <a:rPr lang="zh-CN" altLang="en-US" dirty="0" smtClean="0"/>
-              <a:t>函数</a:t>
+              <a:t>概念</a:t>
             </a:r>
             <a:endParaRPr lang="en-US" altLang="zh-CN" dirty="0" smtClean="0"/>
           </a:p>
           <a:p>
-            <a:pPr marL="0" indent="0">
+            <a:pPr marL="457200" lvl="1" indent="0">
               <a:buNone/>
             </a:pPr>
             <a:r>
+              <a:rPr lang="zh-CN" altLang="en-US" dirty="0"/>
+              <a:t>基类和派生类的关系：</a:t>
+            </a:r>
+            <a:r>
               <a:rPr lang="en-US" altLang="zh-CN" dirty="0"/>
               <a:t>	</a:t>
             </a:r>
-            <a:r>
-              <a:rPr lang="zh-CN" altLang="en-US" dirty="0"/>
-              <a:t>虚函数允许我们在基类中声明函数，在派生类中重写该函数，以便实现动态绑定。</a:t>
-            </a:r>
-            <a:endParaRPr lang="en-US" altLang="zh-CN" dirty="0"/>
+            <a:endParaRPr lang="zh-CN" altLang="en-US" dirty="0"/>
+          </a:p>
+          <a:p>
+            <a:pPr lvl="1"/>
+            <a:r>
+              <a:rPr lang="zh-CN" altLang="en-US" dirty="0"/>
+              <a:t>基类是被继承的类。</a:t>
+            </a:r>
+          </a:p>
+          <a:p>
+            <a:pPr lvl="1"/>
+            <a:r>
+              <a:rPr lang="zh-CN" altLang="en-US" dirty="0"/>
+              <a:t>派生类是从基类派生出来的类，可以继承基类的属性和行为。</a:t>
+            </a:r>
           </a:p>
           <a:p>
             <a:r>
               <a:rPr lang="zh-CN" altLang="en-US" dirty="0" smtClean="0"/>
-              <a:t>纯</a:t>
-            </a:r>
-            <a:r>
-              <a:rPr lang="zh-CN" altLang="en-US" dirty="0"/>
-              <a:t>虚</a:t>
+              <a:t>基</a:t>
+            </a:r>
+            <a:r>
+              <a:rPr lang="zh-CN" altLang="en-US" dirty="0"/>
+              <a:t>类与派生</a:t>
             </a:r>
             <a:r>
               <a:rPr lang="zh-CN" altLang="en-US" dirty="0" smtClean="0"/>
-              <a:t>函数</a:t>
+              <a:t>类</a:t>
             </a:r>
             <a:endParaRPr lang="en-US" altLang="zh-CN" dirty="0" smtClean="0"/>
           </a:p>
           <a:p>
-            <a:pPr marL="0" indent="0">
-              <a:buNone/>
-            </a:pPr>
-            <a:r>
-              <a:rPr lang="en-US" altLang="zh-CN" dirty="0"/>
-              <a:t>	</a:t>
-            </a:r>
-            <a:r>
-              <a:rPr lang="zh-CN" altLang="en-US" dirty="0"/>
-              <a:t>纯虚函数是没有函数体的虚函数，必须在派生类中实现它。含有纯虚函数的类被称</a:t>
-            </a:r>
-            <a:r>
-              <a:rPr lang="en-US" altLang="zh-CN" dirty="0"/>
-              <a:t>	</a:t>
-            </a:r>
-            <a:r>
-              <a:rPr lang="zh-CN" altLang="en-US" dirty="0"/>
-              <a:t>为抽象类，不能直接实例化。</a:t>
-            </a:r>
-            <a:endParaRPr lang="en-US" altLang="zh-CN" dirty="0"/>
-          </a:p>
-          <a:p>
-            <a:r>
-              <a:rPr lang="zh-CN" altLang="en-US" dirty="0" smtClean="0"/>
-              <a:t>运行</a:t>
-            </a:r>
-            <a:r>
-              <a:rPr lang="zh-CN" altLang="en-US" dirty="0"/>
-              <a:t>时多态</a:t>
+            <a:r>
+              <a:rPr lang="zh-CN" altLang="en-US" dirty="0"/>
+              <a:t>多重继承</a:t>
             </a:r>
             <a:endParaRPr lang="en-US" altLang="zh-CN" dirty="0" smtClean="0"/>
-          </a:p>
-          <a:p>
-            <a:pPr marL="0" indent="0">
-              <a:buNone/>
-            </a:pPr>
-            <a:r>
-              <a:rPr lang="zh-CN" altLang="en-US" dirty="0" smtClean="0"/>
-              <a:t>       运行</a:t>
-            </a:r>
-            <a:r>
-              <a:rPr lang="zh-CN" altLang="en-US" dirty="0"/>
-              <a:t>时多态是通过虚函数和指向基类的指针或引用来实现的。根据对象的实际类型</a:t>
-            </a:r>
-            <a:r>
-              <a:rPr lang="zh-CN" altLang="en-US" dirty="0" smtClean="0"/>
-              <a:t>，  </a:t>
-            </a:r>
-            <a:r>
-              <a:rPr lang="en-US" altLang="zh-CN" dirty="0" smtClean="0"/>
-              <a:t>	</a:t>
-            </a:r>
-            <a:r>
-              <a:rPr lang="zh-CN" altLang="en-US" dirty="0" smtClean="0"/>
-              <a:t>调用</a:t>
-            </a:r>
-            <a:r>
-              <a:rPr lang="zh-CN" altLang="en-US" dirty="0"/>
-              <a:t>相应的重写函数。</a:t>
-            </a:r>
           </a:p>
         </p:txBody>
       </p:sp>
     </p:spTree>
     <p:extLst>
       <p:ext uri="{BB962C8B-B14F-4D97-AF65-F5344CB8AC3E}">
-        <p14:creationId xmlns:p14="http://schemas.microsoft.com/office/powerpoint/2010/main" val="1103990109"/>
+        <p14:creationId xmlns:p14="http://schemas.microsoft.com/office/powerpoint/2010/main" val="3152470496"/>
       </p:ext>
     </p:extLst>
   </p:cSld>
@@ -18396,11 +18317,11 @@
           <a:p>
             <a:r>
               <a:rPr lang="en-US" altLang="zh-CN" dirty="0" smtClean="0"/>
-              <a:t>5.5 </a:t>
-            </a:r>
-            <a:r>
-              <a:rPr lang="zh-CN" altLang="en-US" dirty="0"/>
-              <a:t>总结</a:t>
+              <a:t>5.4 </a:t>
+            </a:r>
+            <a:r>
+              <a:rPr lang="zh-CN" altLang="en-US" dirty="0"/>
+              <a:t>多态</a:t>
             </a:r>
           </a:p>
         </p:txBody>
@@ -18422,49 +18343,122 @@
           <a:p>
             <a:r>
               <a:rPr lang="zh-CN" altLang="en-US" dirty="0"/>
-              <a:t>类与对象：类是对象的蓝图，对象是类的实例。构造函数和析构函数分别用于初始化和清理对象。</a:t>
-            </a:r>
-          </a:p>
-          <a:p>
-            <a:r>
-              <a:rPr lang="zh-CN" altLang="en-US" dirty="0"/>
-              <a:t>封装：通过访问控制修饰符（</a:t>
-            </a:r>
-            <a:r>
-              <a:rPr lang="en-US" altLang="zh-CN" dirty="0"/>
-              <a:t>public</a:t>
-            </a:r>
-            <a:r>
-              <a:rPr lang="zh-CN" altLang="en-US" dirty="0"/>
-              <a:t>、</a:t>
-            </a:r>
-            <a:r>
-              <a:rPr lang="en-US" altLang="zh-CN" dirty="0"/>
-              <a:t>private</a:t>
-            </a:r>
-            <a:r>
-              <a:rPr lang="zh-CN" altLang="en-US" dirty="0"/>
-              <a:t>、</a:t>
-            </a:r>
-            <a:r>
-              <a:rPr lang="en-US" altLang="zh-CN" dirty="0"/>
-              <a:t>protected</a:t>
-            </a:r>
-            <a:r>
-              <a:rPr lang="zh-CN" altLang="en-US" dirty="0"/>
-              <a:t>）控制成员的访问权限，保护对象的状态。</a:t>
-            </a:r>
-          </a:p>
-          <a:p>
-            <a:r>
-              <a:rPr lang="zh-CN" altLang="en-US" dirty="0"/>
-              <a:t>继承：通过继承实现代码的复用，派生类可以继承基类的属性和方法。</a:t>
-            </a:r>
-          </a:p>
-          <a:p>
-            <a:r>
-              <a:rPr lang="zh-CN" altLang="en-US" dirty="0"/>
-              <a:t>多态：通过虚函数和纯虚函数实现多态，允许在运行时根据对象的实际类型调用不同的方法</a:t>
+              <a:t>多态是指通过相同的接口调用不同的函数，实现不同的行为。多态有两种类型：编译时多态</a:t>
+            </a:r>
+            <a:r>
+              <a:rPr lang="zh-CN" altLang="en-US" dirty="0" smtClean="0"/>
+              <a:t>和运行</a:t>
+            </a:r>
+            <a:r>
+              <a:rPr lang="zh-CN" altLang="en-US" dirty="0"/>
+              <a:t>时多态</a:t>
+            </a:r>
+            <a:r>
+              <a:rPr lang="zh-CN" altLang="en-US" dirty="0" smtClean="0"/>
+              <a:t>。</a:t>
+            </a:r>
+            <a:endParaRPr lang="en-US" altLang="zh-CN" dirty="0" smtClean="0"/>
+          </a:p>
+          <a:p>
+            <a:r>
+              <a:rPr lang="zh-CN" altLang="en-US" dirty="0"/>
+              <a:t>虚</a:t>
+            </a:r>
+            <a:r>
+              <a:rPr lang="zh-CN" altLang="en-US" dirty="0" smtClean="0"/>
+              <a:t>函数</a:t>
+            </a:r>
+            <a:endParaRPr lang="en-US" altLang="zh-CN" dirty="0" smtClean="0"/>
+          </a:p>
+          <a:p>
+            <a:pPr marL="0" indent="0">
+              <a:buNone/>
+            </a:pPr>
+            <a:r>
+              <a:rPr lang="en-US" altLang="zh-CN" dirty="0"/>
+              <a:t>	</a:t>
+            </a:r>
+            <a:r>
+              <a:rPr lang="zh-CN" altLang="en-US" dirty="0"/>
+              <a:t>虚函数允许我们在基类中声明函数，在派生类中重写该函数，以便实现动态绑定。</a:t>
+            </a:r>
+            <a:endParaRPr lang="en-US" altLang="zh-CN" dirty="0"/>
+          </a:p>
+          <a:p>
+            <a:r>
+              <a:rPr lang="zh-CN" altLang="en-US" dirty="0" smtClean="0"/>
+              <a:t>纯</a:t>
+            </a:r>
+            <a:r>
+              <a:rPr lang="zh-CN" altLang="en-US" dirty="0"/>
+              <a:t>虚</a:t>
+            </a:r>
+            <a:r>
+              <a:rPr lang="zh-CN" altLang="en-US" dirty="0" smtClean="0"/>
+              <a:t>函数</a:t>
+            </a:r>
+            <a:endParaRPr lang="en-US" altLang="zh-CN" dirty="0" smtClean="0"/>
+          </a:p>
+          <a:p>
+            <a:pPr marL="0" indent="0">
+              <a:buNone/>
+            </a:pPr>
+            <a:r>
+              <a:rPr lang="en-US" altLang="zh-CN" dirty="0"/>
+              <a:t>	</a:t>
+            </a:r>
+            <a:r>
+              <a:rPr lang="zh-CN" altLang="en-US" dirty="0"/>
+              <a:t>纯虚函数是没有函数体的虚函数，必须在派生类中实现它。含有纯虚函数的类被称</a:t>
+            </a:r>
+            <a:r>
+              <a:rPr lang="en-US" altLang="zh-CN" dirty="0"/>
+              <a:t>	</a:t>
+            </a:r>
+            <a:r>
+              <a:rPr lang="zh-CN" altLang="en-US" dirty="0"/>
+              <a:t>为抽象类，不能直接实例化。</a:t>
+            </a:r>
+            <a:endParaRPr lang="en-US" altLang="zh-CN" dirty="0"/>
+          </a:p>
+          <a:p>
+            <a:r>
+              <a:rPr lang="zh-CN" altLang="en-US" dirty="0" smtClean="0"/>
+              <a:t>运行</a:t>
+            </a:r>
+            <a:r>
+              <a:rPr lang="zh-CN" altLang="en-US" dirty="0"/>
+              <a:t>时多态</a:t>
+            </a:r>
+            <a:endParaRPr lang="en-US" altLang="zh-CN" dirty="0" smtClean="0"/>
+          </a:p>
+          <a:p>
+            <a:pPr marL="0" indent="0">
+              <a:buNone/>
+            </a:pPr>
+            <a:r>
+              <a:rPr lang="zh-CN" altLang="en-US" dirty="0" smtClean="0"/>
+              <a:t>       运行</a:t>
+            </a:r>
+            <a:r>
+              <a:rPr lang="zh-CN" altLang="en-US" dirty="0"/>
+              <a:t>时多态是通过虚函数和指向基类的指针或引用来实现的。根据对象的实际类型</a:t>
+            </a:r>
+            <a:r>
+              <a:rPr lang="zh-CN" altLang="en-US" dirty="0" smtClean="0"/>
+              <a:t>，  </a:t>
+            </a:r>
+            <a:r>
+              <a:rPr lang="en-US" altLang="zh-CN" dirty="0" smtClean="0"/>
+              <a:t>	</a:t>
+            </a:r>
+            <a:r>
+              <a:rPr lang="zh-CN" altLang="en-US" dirty="0" smtClean="0"/>
+              <a:t>调用</a:t>
+            </a:r>
+            <a:r>
+              <a:rPr lang="zh-CN" altLang="en-US" dirty="0"/>
+              <a:t>相应的重写函数。</a:t>
             </a:r>
           </a:p>
         </p:txBody>
@@ -18472,7 +18466,7 @@
     </p:spTree>
     <p:extLst>
       <p:ext uri="{BB962C8B-B14F-4D97-AF65-F5344CB8AC3E}">
-        <p14:creationId xmlns:p14="http://schemas.microsoft.com/office/powerpoint/2010/main" val="1686844325"/>
+        <p14:creationId xmlns:p14="http://schemas.microsoft.com/office/powerpoint/2010/main" val="1103990109"/>
       </p:ext>
     </p:extLst>
   </p:cSld>
@@ -18515,34 +18509,13 @@
           <a:lstStyle/>
           <a:p>
             <a:r>
-              <a:rPr lang="zh-CN" altLang="en-US" b="1" dirty="0" smtClean="0">
-                <a:latin typeface="华文楷体" pitchFamily="2" charset="-122"/>
-                <a:ea typeface="华文楷体" pitchFamily="2" charset="-122"/>
-              </a:rPr>
-              <a:t>第</a:t>
-            </a:r>
-            <a:r>
-              <a:rPr lang="en-US" altLang="zh-CN" b="1" dirty="0" smtClean="0">
-                <a:latin typeface="华文楷体" pitchFamily="2" charset="-122"/>
-                <a:ea typeface="华文楷体" pitchFamily="2" charset="-122"/>
-              </a:rPr>
-              <a:t>6</a:t>
-            </a:r>
-            <a:r>
-              <a:rPr lang="zh-CN" altLang="en-US" b="1" dirty="0" smtClean="0">
-                <a:latin typeface="华文楷体" pitchFamily="2" charset="-122"/>
-                <a:ea typeface="华文楷体" pitchFamily="2" charset="-122"/>
-              </a:rPr>
-              <a:t>章 指针</a:t>
-            </a:r>
-            <a:r>
-              <a:rPr lang="zh-CN" altLang="en-US" b="1" dirty="0">
-                <a:latin typeface="华文楷体" pitchFamily="2" charset="-122"/>
-                <a:ea typeface="华文楷体" pitchFamily="2" charset="-122"/>
-              </a:rPr>
-              <a:t>与动态内存管理</a:t>
-            </a:r>
-            <a:endParaRPr lang="zh-CN" altLang="en-US" dirty="0"/>
+              <a:rPr lang="en-US" altLang="zh-CN" dirty="0" smtClean="0"/>
+              <a:t>5.5 </a:t>
+            </a:r>
+            <a:r>
+              <a:rPr lang="zh-CN" altLang="en-US" dirty="0"/>
+              <a:t>总结</a:t>
+            </a:r>
           </a:p>
         </p:txBody>
       </p:sp>
@@ -18562,80 +18535,64 @@
           <a:lstStyle/>
           <a:p>
             <a:r>
-              <a:rPr lang="zh-CN" altLang="en-US" dirty="0" smtClean="0"/>
-              <a:t>指针基础：指针的定义、解引用、指针运算。</a:t>
-            </a:r>
-          </a:p>
-          <a:p>
-            <a:r>
-              <a:rPr lang="zh-CN" altLang="en-US" dirty="0" smtClean="0"/>
-              <a:t>指针与数组：数组名作为指针，指针与数组的关系。</a:t>
-            </a:r>
-          </a:p>
-          <a:p>
-            <a:r>
-              <a:rPr lang="zh-CN" altLang="en-US" dirty="0" smtClean="0"/>
-              <a:t>动态内存管理：</a:t>
-            </a:r>
-            <a:r>
-              <a:rPr lang="en-US" altLang="zh-CN" dirty="0" smtClean="0"/>
-              <a:t>new</a:t>
-            </a:r>
-            <a:r>
-              <a:rPr lang="zh-CN" altLang="en-US" dirty="0" smtClean="0"/>
+              <a:rPr lang="zh-CN" altLang="en-US" dirty="0"/>
+              <a:t>类与对象：类是对象的蓝图，对象是类的实例。构造函数和析构函数分别用于初始化和清理对象。</a:t>
+            </a:r>
+          </a:p>
+          <a:p>
+            <a:r>
+              <a:rPr lang="zh-CN" altLang="en-US" dirty="0"/>
+              <a:t>封装：通过访问控制修饰符（</a:t>
+            </a:r>
+            <a:r>
+              <a:rPr lang="en-US" altLang="zh-CN" dirty="0"/>
+              <a:t>public</a:t>
+            </a:r>
+            <a:r>
+              <a:rPr lang="zh-CN" altLang="en-US" dirty="0"/>
               <a:t>、</a:t>
             </a:r>
             <a:r>
-              <a:rPr lang="en-US" altLang="zh-CN" dirty="0" smtClean="0"/>
-              <a:t>delete</a:t>
-            </a:r>
-            <a:r>
-              <a:rPr lang="zh-CN" altLang="en-US" dirty="0" smtClean="0"/>
+              <a:rPr lang="en-US" altLang="zh-CN" dirty="0"/>
+              <a:t>private</a:t>
+            </a:r>
+            <a:r>
+              <a:rPr lang="zh-CN" altLang="en-US" dirty="0"/>
               <a:t>、</a:t>
             </a:r>
             <a:r>
-              <a:rPr lang="en-US" altLang="zh-CN" dirty="0" smtClean="0"/>
-              <a:t>new[]</a:t>
-            </a:r>
-            <a:r>
-              <a:rPr lang="zh-CN" altLang="en-US" dirty="0" smtClean="0"/>
-              <a:t>、</a:t>
-            </a:r>
-            <a:r>
-              <a:rPr lang="en-US" altLang="zh-CN" dirty="0" smtClean="0"/>
-              <a:t>delete[]</a:t>
-            </a:r>
-            <a:r>
-              <a:rPr lang="zh-CN" altLang="en-US" dirty="0" smtClean="0"/>
-              <a:t>。</a:t>
-            </a:r>
-          </a:p>
-          <a:p>
-            <a:r>
-              <a:rPr lang="zh-CN" altLang="en-US" dirty="0" smtClean="0"/>
-              <a:t>内存泄漏与指针悬挂：避免内存泄漏，指针的安全使用。</a:t>
-            </a:r>
-            <a:endParaRPr lang="zh-CN" altLang="en-US" dirty="0"/>
+              <a:rPr lang="en-US" altLang="zh-CN" dirty="0"/>
+              <a:t>protected</a:t>
+            </a:r>
+            <a:r>
+              <a:rPr lang="zh-CN" altLang="en-US" dirty="0"/>
+              <a:t>）控制成员的访问权限，保护对象的状态。</a:t>
+            </a:r>
+          </a:p>
+          <a:p>
+            <a:r>
+              <a:rPr lang="zh-CN" altLang="en-US" dirty="0"/>
+              <a:t>继承：通过继承实现代码的复用，派生类可以继承基类的属性和方法。</a:t>
+            </a:r>
+          </a:p>
+          <a:p>
+            <a:r>
+              <a:rPr lang="zh-CN" altLang="en-US" dirty="0"/>
+              <a:t>多态：通过虚函数和纯虚函数实现多态，允许在运行时根据对象的实际类型调用不同的方法</a:t>
+            </a:r>
           </a:p>
         </p:txBody>
       </p:sp>
     </p:spTree>
     <p:extLst>
       <p:ext uri="{BB962C8B-B14F-4D97-AF65-F5344CB8AC3E}">
-        <p14:creationId xmlns:p14="http://schemas.microsoft.com/office/powerpoint/2010/main" val="3183063327"/>
+        <p14:creationId xmlns:p14="http://schemas.microsoft.com/office/powerpoint/2010/main" val="1686844325"/>
       </p:ext>
     </p:extLst>
   </p:cSld>
   <p:clrMapOvr>
     <a:masterClrMapping/>
   </p:clrMapOvr>
-  <p:timing>
-    <p:tnLst>
-      <p:par>
-        <p:cTn id="1" dur="indefinite" restart="never" nodeType="tmRoot"/>
-      </p:par>
-    </p:tnLst>
-  </p:timing>
 </p:sld>
 </file>
 
@@ -18683,28 +18640,21 @@
                 <a:latin typeface="华文楷体" pitchFamily="2" charset="-122"/>
                 <a:ea typeface="华文楷体" pitchFamily="2" charset="-122"/>
               </a:rPr>
-              <a:t>7</a:t>
+              <a:t>6</a:t>
             </a:r>
             <a:r>
               <a:rPr lang="zh-CN" altLang="en-US" b="1" dirty="0" smtClean="0">
                 <a:latin typeface="华文楷体" pitchFamily="2" charset="-122"/>
                 <a:ea typeface="华文楷体" pitchFamily="2" charset="-122"/>
               </a:rPr>
-              <a:t>章  </a:t>
-            </a:r>
-            <a:r>
-              <a:rPr lang="en-US" altLang="zh-CN" b="1" dirty="0">
-                <a:latin typeface="华文楷体" pitchFamily="2" charset="-122"/>
-                <a:ea typeface="华文楷体" pitchFamily="2" charset="-122"/>
-              </a:rPr>
-              <a:t>STL</a:t>
+              <a:t>章 指针</a:t>
             </a:r>
             <a:r>
               <a:rPr lang="zh-CN" altLang="en-US" b="1" dirty="0">
                 <a:latin typeface="华文楷体" pitchFamily="2" charset="-122"/>
                 <a:ea typeface="华文楷体" pitchFamily="2" charset="-122"/>
               </a:rPr>
-              <a:t>（标准模板库）</a:t>
+              <a:t>与动态内存管理</a:t>
             </a:r>
             <a:endParaRPr lang="zh-CN" altLang="en-US" dirty="0"/>
           </a:p>
@@ -18726,116 +18676,67 @@
           <a:lstStyle/>
           <a:p>
             <a:r>
-              <a:rPr lang="en-US" altLang="zh-CN" dirty="0"/>
-              <a:t>STL</a:t>
-            </a:r>
-            <a:r>
-              <a:rPr lang="zh-CN" altLang="en-US" dirty="0"/>
-              <a:t>概述：</a:t>
-            </a:r>
-            <a:r>
-              <a:rPr lang="en-US" altLang="zh-CN" dirty="0"/>
-              <a:t>STL</a:t>
-            </a:r>
-            <a:r>
-              <a:rPr lang="zh-CN" altLang="en-US" dirty="0"/>
-              <a:t>的组成部分（容器、算法、迭代器）。</a:t>
-            </a:r>
-          </a:p>
-          <a:p>
-            <a:r>
-              <a:rPr lang="zh-CN" altLang="en-US" dirty="0"/>
-              <a:t>容器：</a:t>
-            </a:r>
-            <a:r>
-              <a:rPr lang="en-US" altLang="zh-CN" dirty="0"/>
-              <a:t>vector</a:t>
-            </a:r>
-            <a:r>
-              <a:rPr lang="zh-CN" altLang="en-US" dirty="0"/>
+              <a:rPr lang="zh-CN" altLang="en-US" dirty="0" smtClean="0"/>
+              <a:t>指针基础：指针的定义、解引用、指针运算。</a:t>
+            </a:r>
+          </a:p>
+          <a:p>
+            <a:r>
+              <a:rPr lang="zh-CN" altLang="en-US" dirty="0" smtClean="0"/>
+              <a:t>指针与数组：数组名作为指针，指针与数组的关系。</a:t>
+            </a:r>
+          </a:p>
+          <a:p>
+            <a:r>
+              <a:rPr lang="zh-CN" altLang="en-US" dirty="0" smtClean="0"/>
+              <a:t>动态内存管理：</a:t>
+            </a:r>
+            <a:r>
+              <a:rPr lang="en-US" altLang="zh-CN" dirty="0" smtClean="0"/>
+              <a:t>new</a:t>
+            </a:r>
+            <a:r>
+              <a:rPr lang="zh-CN" altLang="en-US" dirty="0" smtClean="0"/>
               <a:t>、</a:t>
             </a:r>
             <a:r>
-              <a:rPr lang="en-US" altLang="zh-CN" dirty="0"/>
-              <a:t>list</a:t>
-            </a:r>
-            <a:r>
-              <a:rPr lang="zh-CN" altLang="en-US" dirty="0"/>
+              <a:rPr lang="en-US" altLang="zh-CN" dirty="0" smtClean="0"/>
+              <a:t>delete</a:t>
+            </a:r>
+            <a:r>
+              <a:rPr lang="zh-CN" altLang="en-US" dirty="0" smtClean="0"/>
               <a:t>、</a:t>
             </a:r>
             <a:r>
-              <a:rPr lang="en-US" altLang="zh-CN" dirty="0"/>
-              <a:t>map</a:t>
-            </a:r>
-            <a:r>
-              <a:rPr lang="zh-CN" altLang="en-US" dirty="0"/>
+              <a:rPr lang="en-US" altLang="zh-CN" dirty="0" smtClean="0"/>
+              <a:t>new[]</a:t>
+            </a:r>
+            <a:r>
+              <a:rPr lang="zh-CN" altLang="en-US" dirty="0" smtClean="0"/>
               <a:t>、</a:t>
             </a:r>
             <a:r>
-              <a:rPr lang="en-US" altLang="zh-CN" dirty="0"/>
-              <a:t>set</a:t>
-            </a:r>
-            <a:r>
-              <a:rPr lang="zh-CN" altLang="en-US" dirty="0"/>
-              <a:t>、</a:t>
-            </a:r>
-            <a:r>
-              <a:rPr lang="en-US" altLang="zh-CN" dirty="0" err="1"/>
-              <a:t>deque</a:t>
-            </a:r>
-            <a:r>
-              <a:rPr lang="zh-CN" altLang="en-US" dirty="0"/>
-              <a:t>等。</a:t>
-            </a:r>
-          </a:p>
-          <a:p>
-            <a:r>
-              <a:rPr lang="zh-CN" altLang="en-US" dirty="0"/>
-              <a:t>算法：排序、查找、删除、替换等常用算法。</a:t>
-            </a:r>
-          </a:p>
-          <a:p>
-            <a:r>
-              <a:rPr lang="zh-CN" altLang="en-US" dirty="0"/>
-              <a:t>迭代器：容器的迭代器使用方法。</a:t>
-            </a:r>
-          </a:p>
-          <a:p>
-            <a:r>
-              <a:rPr lang="zh-CN" altLang="en-US" dirty="0"/>
-              <a:t>智能指针：</a:t>
-            </a:r>
-            <a:r>
-              <a:rPr lang="en-US" altLang="zh-CN" dirty="0" err="1"/>
-              <a:t>shared_ptr</a:t>
-            </a:r>
-            <a:r>
-              <a:rPr lang="zh-CN" altLang="en-US" dirty="0"/>
-              <a:t>、</a:t>
-            </a:r>
-            <a:r>
-              <a:rPr lang="en-US" altLang="zh-CN" dirty="0" err="1"/>
-              <a:t>unique_ptr</a:t>
-            </a:r>
-            <a:r>
-              <a:rPr lang="zh-CN" altLang="en-US" dirty="0"/>
-              <a:t>、</a:t>
-            </a:r>
-            <a:r>
-              <a:rPr lang="en-US" altLang="zh-CN" dirty="0" err="1"/>
-              <a:t>weak_ptr</a:t>
-            </a:r>
-            <a:r>
-              <a:rPr lang="zh-CN" altLang="en-US" dirty="0"/>
+              <a:rPr lang="en-US" altLang="zh-CN" dirty="0" smtClean="0"/>
+              <a:t>delete[]</a:t>
+            </a:r>
+            <a:r>
+              <a:rPr lang="zh-CN" altLang="en-US" dirty="0" smtClean="0"/>
               <a:t>。</a:t>
             </a:r>
+          </a:p>
+          <a:p>
+            <a:r>
+              <a:rPr lang="zh-CN" altLang="en-US" dirty="0" smtClean="0"/>
+              <a:t>内存泄漏与指针悬挂：避免内存泄漏，指针的安全使用。</a:t>
+            </a:r>
+            <a:endParaRPr lang="zh-CN" altLang="en-US" dirty="0"/>
           </a:p>
         </p:txBody>
       </p:sp>
     </p:spTree>
     <p:extLst>
       <p:ext uri="{BB962C8B-B14F-4D97-AF65-F5344CB8AC3E}">
-        <p14:creationId xmlns:p14="http://schemas.microsoft.com/office/powerpoint/2010/main" val="201415056"/>
+        <p14:creationId xmlns:p14="http://schemas.microsoft.com/office/powerpoint/2010/main" val="3183063327"/>
       </p:ext>
     </p:extLst>
   </p:cSld>
@@ -18896,21 +18797,28 @@
                 <a:latin typeface="华文楷体" pitchFamily="2" charset="-122"/>
                 <a:ea typeface="华文楷体" pitchFamily="2" charset="-122"/>
               </a:rPr>
-              <a:t>8</a:t>
+              <a:t>7</a:t>
             </a:r>
             <a:r>
               <a:rPr lang="zh-CN" altLang="en-US" b="1" dirty="0" smtClean="0">
                 <a:latin typeface="华文楷体" pitchFamily="2" charset="-122"/>
                 <a:ea typeface="华文楷体" pitchFamily="2" charset="-122"/>
               </a:rPr>
-              <a:t>章</a:t>
+              <a:t>章  </a:t>
+            </a:r>
+            <a:r>
+              <a:rPr lang="en-US" altLang="zh-CN" b="1" dirty="0">
+                <a:latin typeface="华文楷体" pitchFamily="2" charset="-122"/>
+                <a:ea typeface="华文楷体" pitchFamily="2" charset="-122"/>
+              </a:rPr>
+              <a:t>STL</a:t>
             </a:r>
             <a:r>
               <a:rPr lang="zh-CN" altLang="en-US" b="1" dirty="0">
                 <a:latin typeface="华文楷体" pitchFamily="2" charset="-122"/>
                 <a:ea typeface="华文楷体" pitchFamily="2" charset="-122"/>
               </a:rPr>
-              <a:t>异常处理</a:t>
+              <a:t>（标准模板库）</a:t>
             </a:r>
             <a:endParaRPr lang="zh-CN" altLang="en-US" dirty="0"/>
           </a:p>
@@ -18932,30 +18840,108 @@
           <a:lstStyle/>
           <a:p>
             <a:r>
-              <a:rPr lang="zh-CN" altLang="en-US" dirty="0"/>
-              <a:t>异常概念：异常的定义、捕获、抛出。</a:t>
-            </a:r>
-          </a:p>
-          <a:p>
-            <a:r>
-              <a:rPr lang="en-US" altLang="zh-CN" dirty="0"/>
-              <a:t>try-catch</a:t>
-            </a:r>
-            <a:r>
-              <a:rPr lang="zh-CN" altLang="en-US" dirty="0"/>
-              <a:t>语句：基本语法、捕获多种异常。</a:t>
-            </a:r>
-          </a:p>
-          <a:p>
-            <a:r>
-              <a:rPr lang="zh-CN" altLang="en-US" dirty="0"/>
-              <a:t>自定义异常类：如何创建自定义异常类型。</a:t>
-            </a:r>
-          </a:p>
-          <a:p>
-            <a:r>
-              <a:rPr lang="zh-CN" altLang="en-US" dirty="0"/>
-              <a:t>异常安全：异常安全的编程原则（基本保证、强保证）。</a:t>
+              <a:rPr lang="en-US" altLang="zh-CN" dirty="0"/>
+              <a:t>STL</a:t>
+            </a:r>
+            <a:r>
+              <a:rPr lang="zh-CN" altLang="en-US" dirty="0"/>
+              <a:t>概述：</a:t>
+            </a:r>
+            <a:r>
+              <a:rPr lang="en-US" altLang="zh-CN" dirty="0"/>
+              <a:t>STL</a:t>
+            </a:r>
+            <a:r>
+              <a:rPr lang="zh-CN" altLang="en-US" dirty="0"/>
+              <a:t>的组成部分（容器、算法、迭代器）。</a:t>
+            </a:r>
+          </a:p>
+          <a:p>
+            <a:r>
+              <a:rPr lang="zh-CN" altLang="en-US" dirty="0"/>
+              <a:t>容器：</a:t>
+            </a:r>
+            <a:r>
+              <a:rPr lang="en-US" altLang="zh-CN" dirty="0"/>
+              <a:t>vector</a:t>
+            </a:r>
+            <a:r>
+              <a:rPr lang="zh-CN" altLang="en-US" dirty="0"/>
+              <a:t>、</a:t>
+            </a:r>
+            <a:r>
+              <a:rPr lang="en-US" altLang="zh-CN" dirty="0"/>
+              <a:t>list</a:t>
+            </a:r>
+            <a:r>
+              <a:rPr lang="zh-CN" altLang="en-US" dirty="0"/>
+              <a:t>、</a:t>
+            </a:r>
+            <a:r>
+              <a:rPr lang="en-US" altLang="zh-CN" dirty="0"/>
+              <a:t>map</a:t>
+            </a:r>
+            <a:r>
+              <a:rPr lang="zh-CN" altLang="en-US" dirty="0"/>
+              <a:t>、</a:t>
+            </a:r>
+            <a:r>
+              <a:rPr lang="en-US" altLang="zh-CN" dirty="0"/>
+              <a:t>set</a:t>
+            </a:r>
+            <a:r>
+              <a:rPr lang="zh-CN" altLang="en-US" dirty="0"/>
+              <a:t>、</a:t>
+            </a:r>
+            <a:r>
+              <a:rPr lang="en-US" altLang="zh-CN" dirty="0" err="1"/>
+              <a:t>deque</a:t>
+            </a:r>
+            <a:r>
+              <a:rPr lang="zh-CN" altLang="en-US" dirty="0"/>
+              <a:t>等。</a:t>
+            </a:r>
+          </a:p>
+          <a:p>
+            <a:r>
+              <a:rPr lang="zh-CN" altLang="en-US" dirty="0"/>
+              <a:t>算法：排序、查找、删除、替换等常用算法。</a:t>
+            </a:r>
+          </a:p>
+          <a:p>
+            <a:r>
+              <a:rPr lang="zh-CN" altLang="en-US" dirty="0"/>
+              <a:t>迭代器：容器的迭代器使用方法。</a:t>
+            </a:r>
+          </a:p>
+          <a:p>
+            <a:r>
+              <a:rPr lang="zh-CN" altLang="en-US" dirty="0"/>
+              <a:t>智能指针：</a:t>
+            </a:r>
+            <a:r>
+              <a:rPr lang="en-US" altLang="zh-CN" dirty="0" err="1"/>
+              <a:t>shared_ptr</a:t>
+            </a:r>
+            <a:r>
+              <a:rPr lang="zh-CN" altLang="en-US" dirty="0"/>
+              <a:t>、</a:t>
+            </a:r>
+            <a:r>
+              <a:rPr lang="en-US" altLang="zh-CN" dirty="0" err="1"/>
+              <a:t>unique_ptr</a:t>
+            </a:r>
+            <a:r>
+              <a:rPr lang="zh-CN" altLang="en-US" dirty="0"/>
+              <a:t>、</a:t>
+            </a:r>
+            <a:r>
+              <a:rPr lang="en-US" altLang="zh-CN" dirty="0" err="1"/>
+              <a:t>weak_ptr</a:t>
+            </a:r>
+            <a:r>
+              <a:rPr lang="zh-CN" altLang="en-US" dirty="0"/>
+              <a:t>。</a:t>
             </a:r>
           </a:p>
         </p:txBody>
@@ -18963,7 +18949,7 @@
     </p:spTree>
     <p:extLst>
       <p:ext uri="{BB962C8B-B14F-4D97-AF65-F5344CB8AC3E}">
-        <p14:creationId xmlns:p14="http://schemas.microsoft.com/office/powerpoint/2010/main" val="2102593440"/>
+        <p14:creationId xmlns:p14="http://schemas.microsoft.com/office/powerpoint/2010/main" val="201415056"/>
       </p:ext>
     </p:extLst>
   </p:cSld>
@@ -19024,7 +19010,7 @@
                 <a:latin typeface="华文楷体" pitchFamily="2" charset="-122"/>
                 <a:ea typeface="华文楷体" pitchFamily="2" charset="-122"/>
               </a:rPr>
-              <a:t>9</a:t>
+              <a:t>8</a:t>
             </a:r>
             <a:r>
               <a:rPr lang="zh-CN" altLang="en-US" b="1" dirty="0" smtClean="0">
@@ -19038,7 +19024,7 @@
                 <a:latin typeface="华文楷体" pitchFamily="2" charset="-122"/>
                 <a:ea typeface="华文楷体" pitchFamily="2" charset="-122"/>
               </a:rPr>
-              <a:t>文件操作</a:t>
+              <a:t>异常处理</a:t>
             </a:r>
             <a:endParaRPr lang="zh-CN" altLang="en-US" dirty="0"/>
           </a:p>
@@ -19061,59 +19047,29 @@
           <a:p>
             <a:r>
               <a:rPr lang="zh-CN" altLang="en-US" dirty="0"/>
-              <a:t>文件输入输出：使用</a:t>
-            </a:r>
-            <a:r>
-              <a:rPr lang="en-US" altLang="zh-CN" dirty="0" err="1"/>
-              <a:t>fstream</a:t>
-            </a:r>
-            <a:r>
-              <a:rPr lang="zh-CN" altLang="en-US" dirty="0"/>
-              <a:t>进行文件读写。</a:t>
-            </a:r>
-          </a:p>
-          <a:p>
-            <a:r>
-              <a:rPr lang="zh-CN" altLang="en-US" dirty="0"/>
-              <a:t>文本文件与二进制文件：处理文本文件和二进制文件的不同方式。</a:t>
-            </a:r>
-          </a:p>
-          <a:p>
-            <a:r>
-              <a:rPr lang="zh-CN" altLang="en-US" dirty="0"/>
-              <a:t>文件指针与流控制：</a:t>
-            </a:r>
-            <a:r>
-              <a:rPr lang="en-US" altLang="zh-CN" dirty="0" err="1"/>
-              <a:t>seekg</a:t>
-            </a:r>
-            <a:r>
-              <a:rPr lang="zh-CN" altLang="en-US" dirty="0"/>
-              <a:t>、</a:t>
-            </a:r>
-            <a:r>
-              <a:rPr lang="en-US" altLang="zh-CN" dirty="0" err="1"/>
-              <a:t>seekp</a:t>
-            </a:r>
-            <a:r>
-              <a:rPr lang="zh-CN" altLang="en-US" dirty="0"/>
-              <a:t>、</a:t>
-            </a:r>
-            <a:r>
-              <a:rPr lang="en-US" altLang="zh-CN" dirty="0" err="1"/>
-              <a:t>tellg</a:t>
-            </a:r>
-            <a:r>
-              <a:rPr lang="zh-CN" altLang="en-US" dirty="0"/>
-              <a:t>、</a:t>
-            </a:r>
-            <a:r>
-              <a:rPr lang="en-US" altLang="zh-CN" dirty="0" err="1"/>
-              <a:t>tellp</a:t>
-            </a:r>
-            <a:r>
-              <a:rPr lang="zh-CN" altLang="en-US" dirty="0"/>
-              <a:t>。</a:t>
+              <a:t>异常概念：异常的定义、捕获、抛出。</a:t>
+            </a:r>
+          </a:p>
+          <a:p>
+            <a:r>
+              <a:rPr lang="en-US" altLang="zh-CN" dirty="0"/>
+              <a:t>try-catch</a:t>
+            </a:r>
+            <a:r>
+              <a:rPr lang="zh-CN" altLang="en-US" dirty="0"/>
+              <a:t>语句：基本语法、捕获多种异常。</a:t>
+            </a:r>
+          </a:p>
+          <a:p>
+            <a:r>
+              <a:rPr lang="zh-CN" altLang="en-US" dirty="0"/>
+              <a:t>自定义异常类：如何创建自定义异常类型。</a:t>
+            </a:r>
+          </a:p>
+          <a:p>
+            <a:r>
+              <a:rPr lang="zh-CN" altLang="en-US" dirty="0"/>
+              <a:t>异常安全：异常安全的编程原则（基本保证、强保证）。</a:t>
             </a:r>
           </a:p>
         </p:txBody>
@@ -19121,7 +19077,7 @@
     </p:spTree>
     <p:extLst>
       <p:ext uri="{BB962C8B-B14F-4D97-AF65-F5344CB8AC3E}">
-        <p14:creationId xmlns:p14="http://schemas.microsoft.com/office/powerpoint/2010/main" val="2309702231"/>
+        <p14:creationId xmlns:p14="http://schemas.microsoft.com/office/powerpoint/2010/main" val="2102593440"/>
       </p:ext>
     </p:extLst>
   </p:cSld>
@@ -19276,28 +19232,21 @@
                 <a:latin typeface="华文楷体" pitchFamily="2" charset="-122"/>
                 <a:ea typeface="华文楷体" pitchFamily="2" charset="-122"/>
               </a:rPr>
-              <a:t>10</a:t>
+              <a:t>9</a:t>
             </a:r>
             <a:r>
               <a:rPr lang="zh-CN" altLang="en-US" b="1" dirty="0" smtClean="0">
                 <a:latin typeface="华文楷体" pitchFamily="2" charset="-122"/>
                 <a:ea typeface="华文楷体" pitchFamily="2" charset="-122"/>
               </a:rPr>
-              <a:t>章  </a:t>
-            </a:r>
-            <a:r>
-              <a:rPr lang="en-US" altLang="zh-CN" b="1" dirty="0">
-                <a:latin typeface="华文楷体" pitchFamily="2" charset="-122"/>
-                <a:ea typeface="华文楷体" pitchFamily="2" charset="-122"/>
-              </a:rPr>
-              <a:t>C++11</a:t>
+              <a:t>章</a:t>
             </a:r>
             <a:r>
               <a:rPr lang="zh-CN" altLang="en-US" b="1" dirty="0">
                 <a:latin typeface="华文楷体" pitchFamily="2" charset="-122"/>
                 <a:ea typeface="华文楷体" pitchFamily="2" charset="-122"/>
               </a:rPr>
-              <a:t>及以后特性</a:t>
+              <a:t>文件操作</a:t>
             </a:r>
             <a:endParaRPr lang="zh-CN" altLang="en-US" dirty="0"/>
           </a:p>
@@ -19319,30 +19268,32 @@
           <a:lstStyle/>
           <a:p>
             <a:r>
-              <a:rPr lang="en-US" altLang="zh-CN" dirty="0"/>
-              <a:t>Lambda</a:t>
-            </a:r>
-            <a:r>
-              <a:rPr lang="zh-CN" altLang="en-US" dirty="0"/>
-              <a:t>表达式：如何使用</a:t>
-            </a:r>
-            <a:r>
-              <a:rPr lang="en-US" altLang="zh-CN" dirty="0"/>
-              <a:t>Lambda</a:t>
-            </a:r>
-            <a:r>
-              <a:rPr lang="zh-CN" altLang="en-US" dirty="0"/>
-              <a:t>简化代码。</a:t>
-            </a:r>
-          </a:p>
-          <a:p>
-            <a:r>
-              <a:rPr lang="zh-CN" altLang="en-US" dirty="0"/>
-              <a:t>智能指针：如何使用</a:t>
+              <a:rPr lang="zh-CN" altLang="en-US" dirty="0"/>
+              <a:t>文件输入输出：使用</a:t>
             </a:r>
             <a:r>
               <a:rPr lang="en-US" altLang="zh-CN" dirty="0" err="1"/>
-              <a:t>shared_ptr</a:t>
+              <a:t>fstream</a:t>
+            </a:r>
+            <a:r>
+              <a:rPr lang="zh-CN" altLang="en-US" dirty="0"/>
+              <a:t>进行文件读写。</a:t>
+            </a:r>
+          </a:p>
+          <a:p>
+            <a:r>
+              <a:rPr lang="zh-CN" altLang="en-US" dirty="0"/>
+              <a:t>文本文件与二进制文件：处理文本文件和二进制文件的不同方式。</a:t>
+            </a:r>
+          </a:p>
+          <a:p>
+            <a:r>
+              <a:rPr lang="zh-CN" altLang="en-US" dirty="0"/>
+              <a:t>文件指针与流控制：</a:t>
+            </a:r>
+            <a:r>
+              <a:rPr lang="en-US" altLang="zh-CN" dirty="0" err="1"/>
+              <a:t>seekg</a:t>
             </a:r>
             <a:r>
               <a:rPr lang="zh-CN" altLang="en-US" dirty="0"/>
@@ -19350,25 +19301,15 @@
             </a:r>
             <a:r>
               <a:rPr lang="en-US" altLang="zh-CN" dirty="0" err="1"/>
-              <a:t>unique_ptr</a:t>
-            </a:r>
-            <a:r>
-              <a:rPr lang="zh-CN" altLang="en-US" dirty="0"/>
-              <a:t>等智能指针管理内存。</a:t>
-            </a:r>
-          </a:p>
-          <a:p>
-            <a:r>
-              <a:rPr lang="zh-CN" altLang="en-US" dirty="0"/>
-              <a:t>线程与并发：</a:t>
+              <a:t>seekp</a:t>
+            </a:r>
+            <a:r>
+              <a:rPr lang="zh-CN" altLang="en-US" dirty="0"/>
+              <a:t>、</a:t>
             </a:r>
             <a:r>
               <a:rPr lang="en-US" altLang="zh-CN" dirty="0" err="1"/>
-              <a:t>std</a:t>
-            </a:r>
-            <a:r>
-              <a:rPr lang="en-US" altLang="zh-CN" dirty="0"/>
-              <a:t>::thread</a:t>
+              <a:t>tellg</a:t>
             </a:r>
             <a:r>
               <a:rPr lang="zh-CN" altLang="en-US" dirty="0"/>
@@ -19376,83 +19317,11 @@
             </a:r>
             <a:r>
               <a:rPr lang="en-US" altLang="zh-CN" dirty="0" err="1"/>
-              <a:t>std</a:t>
-            </a:r>
-            <a:r>
-              <a:rPr lang="en-US" altLang="zh-CN" dirty="0"/>
-              <a:t>::</a:t>
-            </a:r>
-            <a:r>
-              <a:rPr lang="en-US" altLang="zh-CN" dirty="0" err="1"/>
-              <a:t>mutex</a:t>
-            </a:r>
-            <a:r>
-              <a:rPr lang="zh-CN" altLang="en-US" dirty="0"/>
-              <a:t>、</a:t>
-            </a:r>
-            <a:r>
-              <a:rPr lang="en-US" altLang="zh-CN" dirty="0" err="1"/>
-              <a:t>std</a:t>
-            </a:r>
-            <a:r>
-              <a:rPr lang="en-US" altLang="zh-CN" dirty="0"/>
-              <a:t>::</a:t>
-            </a:r>
-            <a:r>
-              <a:rPr lang="en-US" altLang="zh-CN" dirty="0" err="1"/>
-              <a:t>async</a:t>
-            </a:r>
-            <a:r>
-              <a:rPr lang="zh-CN" altLang="en-US" dirty="0"/>
-              <a:t>等并发编程工具。</a:t>
-            </a:r>
-          </a:p>
-          <a:p>
-            <a:r>
-              <a:rPr lang="zh-CN" altLang="en-US" dirty="0"/>
-              <a:t>右值引用与移动语义：</a:t>
-            </a:r>
-            <a:r>
-              <a:rPr lang="en-US" altLang="zh-CN" dirty="0" err="1"/>
-              <a:t>std</a:t>
-            </a:r>
-            <a:r>
-              <a:rPr lang="en-US" altLang="zh-CN" dirty="0"/>
-              <a:t>::move</a:t>
-            </a:r>
-            <a:r>
-              <a:rPr lang="zh-CN" altLang="en-US" dirty="0"/>
-              <a:t>、</a:t>
-            </a:r>
-            <a:r>
-              <a:rPr lang="en-US" altLang="zh-CN" dirty="0" err="1"/>
-              <a:t>std</a:t>
-            </a:r>
-            <a:r>
-              <a:rPr lang="en-US" altLang="zh-CN" dirty="0"/>
-              <a:t>::forward</a:t>
-            </a:r>
-            <a:r>
-              <a:rPr lang="zh-CN" altLang="en-US" dirty="0"/>
-              <a:t>、移动构造函数和移动赋值运算符。</a:t>
-            </a:r>
-          </a:p>
-          <a:p>
-            <a:r>
-              <a:rPr lang="en-US" altLang="zh-CN" dirty="0" err="1"/>
-              <a:t>std</a:t>
-            </a:r>
-            <a:r>
-              <a:rPr lang="en-US" altLang="zh-CN" dirty="0"/>
-              <a:t>::</a:t>
-            </a:r>
-            <a:r>
-              <a:rPr lang="en-US" altLang="zh-CN" dirty="0" err="1"/>
-              <a:t>chrono</a:t>
-            </a:r>
-            <a:r>
-              <a:rPr lang="zh-CN" altLang="en-US" dirty="0"/>
-              <a:t>库：时间测量和延时功能。</a:t>
+              <a:t>tellp</a:t>
+            </a:r>
+            <a:r>
+              <a:rPr lang="zh-CN" altLang="en-US" dirty="0"/>
+              <a:t>。</a:t>
             </a:r>
           </a:p>
         </p:txBody>
@@ -19460,7 +19329,7 @@
     </p:spTree>
     <p:extLst>
       <p:ext uri="{BB962C8B-B14F-4D97-AF65-F5344CB8AC3E}">
-        <p14:creationId xmlns:p14="http://schemas.microsoft.com/office/powerpoint/2010/main" val="1295629135"/>
+        <p14:creationId xmlns:p14="http://schemas.microsoft.com/office/powerpoint/2010/main" val="2309702231"/>
       </p:ext>
     </p:extLst>
   </p:cSld>
@@ -19510,7 +19379,7 @@
           <a:lstStyle/>
           <a:p>
             <a:r>
-              <a:rPr lang="zh-CN" altLang="en-US" b="1" dirty="0">
+              <a:rPr lang="zh-CN" altLang="en-US" b="1" dirty="0" smtClean="0">
                 <a:latin typeface="华文楷体" pitchFamily="2" charset="-122"/>
                 <a:ea typeface="华文楷体" pitchFamily="2" charset="-122"/>
               </a:rPr>
@@ -19521,7 +19390,7 @@
                 <a:latin typeface="华文楷体" pitchFamily="2" charset="-122"/>
                 <a:ea typeface="华文楷体" pitchFamily="2" charset="-122"/>
               </a:rPr>
-              <a:t>11</a:t>
+              <a:t>10</a:t>
             </a:r>
             <a:r>
               <a:rPr lang="zh-CN" altLang="en-US" b="1" dirty="0" smtClean="0">
@@ -19535,14 +19404,14 @@
                 <a:latin typeface="华文楷体" pitchFamily="2" charset="-122"/>
                 <a:ea typeface="华文楷体" pitchFamily="2" charset="-122"/>
               </a:rPr>
-              <a:t>C++</a:t>
+              <a:t>C++11</a:t>
             </a:r>
             <a:r>
               <a:rPr lang="zh-CN" altLang="en-US" b="1" dirty="0">
                 <a:latin typeface="华文楷体" pitchFamily="2" charset="-122"/>
                 <a:ea typeface="华文楷体" pitchFamily="2" charset="-122"/>
               </a:rPr>
-              <a:t>设计模式</a:t>
+              <a:t>及以后特性</a:t>
             </a:r>
             <a:endParaRPr lang="zh-CN" altLang="en-US" dirty="0"/>
           </a:p>
@@ -19564,50 +19433,148 @@
           <a:lstStyle/>
           <a:p>
             <a:r>
-              <a:rPr lang="zh-CN" altLang="en-US" dirty="0"/>
-              <a:t>单例模式：如何实现和应用单例模式。</a:t>
-            </a:r>
-          </a:p>
-          <a:p>
-            <a:r>
-              <a:rPr lang="zh-CN" altLang="en-US" dirty="0"/>
-              <a:t>工厂模式：使用工厂模式来创建对象。</a:t>
-            </a:r>
-          </a:p>
-          <a:p>
-            <a:r>
-              <a:rPr lang="zh-CN" altLang="en-US" dirty="0"/>
-              <a:t>观察者模式：如何实现和应用观察者模式。</a:t>
-            </a:r>
-          </a:p>
-          <a:p>
-            <a:r>
-              <a:rPr lang="zh-CN" altLang="en-US" dirty="0"/>
-              <a:t>策略模式：定义一系列算法，将每一个算法封装起来</a:t>
-            </a:r>
-            <a:r>
-              <a:rPr lang="zh-CN" altLang="en-US" dirty="0" smtClean="0"/>
-              <a:t>。</a:t>
-            </a:r>
-            <a:endParaRPr lang="en-US" altLang="zh-CN" dirty="0" smtClean="0"/>
-          </a:p>
-          <a:p>
-            <a:r>
-              <a:rPr lang="zh-CN" altLang="en-US"/>
-              <a:t>高内</a:t>
-            </a:r>
-            <a:r>
-              <a:rPr lang="zh-CN" altLang="en-US" smtClean="0"/>
-              <a:t>聚，低耦合</a:t>
-            </a:r>
-            <a:endParaRPr lang="zh-CN" altLang="en-US" dirty="0"/>
+              <a:rPr lang="en-US" altLang="zh-CN" dirty="0"/>
+              <a:t>Lambda</a:t>
+            </a:r>
+            <a:r>
+              <a:rPr lang="zh-CN" altLang="en-US" dirty="0"/>
+              <a:t>表达式：如何使用</a:t>
+            </a:r>
+            <a:r>
+              <a:rPr lang="en-US" altLang="zh-CN" dirty="0"/>
+              <a:t>Lambda</a:t>
+            </a:r>
+            <a:r>
+              <a:rPr lang="zh-CN" altLang="en-US" dirty="0"/>
+              <a:t>简化代码。</a:t>
+            </a:r>
+          </a:p>
+          <a:p>
+            <a:r>
+              <a:rPr lang="zh-CN" altLang="en-US" dirty="0"/>
+              <a:t>智能指针：如何使用</a:t>
+            </a:r>
+            <a:r>
+              <a:rPr lang="en-US" altLang="zh-CN" dirty="0" err="1"/>
+              <a:t>shared_ptr</a:t>
+            </a:r>
+            <a:r>
+              <a:rPr lang="zh-CN" altLang="en-US" dirty="0"/>
+              <a:t>、</a:t>
+            </a:r>
+            <a:r>
+              <a:rPr lang="en-US" altLang="zh-CN" dirty="0" err="1"/>
+              <a:t>unique_ptr</a:t>
+            </a:r>
+            <a:r>
+              <a:rPr lang="zh-CN" altLang="en-US" dirty="0"/>
+              <a:t>等智能指针管理内存。</a:t>
+            </a:r>
+          </a:p>
+          <a:p>
+            <a:r>
+              <a:rPr lang="zh-CN" altLang="en-US" dirty="0"/>
+              <a:t>线程与并发：</a:t>
+            </a:r>
+            <a:r>
+              <a:rPr lang="en-US" altLang="zh-CN" dirty="0" err="1"/>
+              <a:t>std</a:t>
+            </a:r>
+            <a:r>
+              <a:rPr lang="en-US" altLang="zh-CN" dirty="0"/>
+              <a:t>::thread</a:t>
+            </a:r>
+            <a:r>
+              <a:rPr lang="zh-CN" altLang="en-US" dirty="0"/>
+              <a:t>、</a:t>
+            </a:r>
+            <a:r>
+              <a:rPr lang="en-US" altLang="zh-CN" dirty="0" err="1"/>
+              <a:t>std</a:t>
+            </a:r>
+            <a:r>
+              <a:rPr lang="en-US" altLang="zh-CN" dirty="0"/>
+              <a:t>::</a:t>
+            </a:r>
+            <a:r>
+              <a:rPr lang="en-US" altLang="zh-CN" dirty="0" err="1"/>
+              <a:t>mutex</a:t>
+            </a:r>
+            <a:r>
+              <a:rPr lang="zh-CN" altLang="en-US" dirty="0"/>
+              <a:t>、</a:t>
+            </a:r>
+            <a:r>
+              <a:rPr lang="en-US" altLang="zh-CN" dirty="0" err="1"/>
+              <a:t>std</a:t>
+            </a:r>
+            <a:r>
+              <a:rPr lang="en-US" altLang="zh-CN" dirty="0"/>
+              <a:t>::</a:t>
+            </a:r>
+            <a:r>
+              <a:rPr lang="en-US" altLang="zh-CN" dirty="0" err="1"/>
+              <a:t>async</a:t>
+            </a:r>
+            <a:r>
+              <a:rPr lang="zh-CN" altLang="en-US" dirty="0"/>
+              <a:t>等并发编程工具。</a:t>
+            </a:r>
+          </a:p>
+          <a:p>
+            <a:r>
+              <a:rPr lang="zh-CN" altLang="en-US" dirty="0"/>
+              <a:t>右值引用与移动语义：</a:t>
+            </a:r>
+            <a:r>
+              <a:rPr lang="en-US" altLang="zh-CN" dirty="0" err="1"/>
+              <a:t>std</a:t>
+            </a:r>
+            <a:r>
+              <a:rPr lang="en-US" altLang="zh-CN" dirty="0"/>
+              <a:t>::move</a:t>
+            </a:r>
+            <a:r>
+              <a:rPr lang="zh-CN" altLang="en-US" dirty="0"/>
+              <a:t>、</a:t>
+            </a:r>
+            <a:r>
+              <a:rPr lang="en-US" altLang="zh-CN" dirty="0" err="1"/>
+              <a:t>std</a:t>
+            </a:r>
+            <a:r>
+              <a:rPr lang="en-US" altLang="zh-CN" dirty="0"/>
+              <a:t>::forward</a:t>
+            </a:r>
+            <a:r>
+              <a:rPr lang="zh-CN" altLang="en-US" dirty="0"/>
+              <a:t>、移动构造函数和移动赋值运算符。</a:t>
+            </a:r>
+          </a:p>
+          <a:p>
+            <a:r>
+              <a:rPr lang="en-US" altLang="zh-CN" dirty="0" err="1"/>
+              <a:t>std</a:t>
+            </a:r>
+            <a:r>
+              <a:rPr lang="en-US" altLang="zh-CN" dirty="0"/>
+              <a:t>::</a:t>
+            </a:r>
+            <a:r>
+              <a:rPr lang="en-US" altLang="zh-CN" dirty="0" err="1"/>
+              <a:t>chrono</a:t>
+            </a:r>
+            <a:r>
+              <a:rPr lang="zh-CN" altLang="en-US" dirty="0"/>
+              <a:t>库：时间测量和延时功能。</a:t>
+            </a:r>
           </a:p>
         </p:txBody>
       </p:sp>
     </p:spTree>
     <p:extLst>
       <p:ext uri="{BB962C8B-B14F-4D97-AF65-F5344CB8AC3E}">
-        <p14:creationId xmlns:p14="http://schemas.microsoft.com/office/powerpoint/2010/main" val="4116617042"/>
+        <p14:creationId xmlns:p14="http://schemas.microsoft.com/office/powerpoint/2010/main" val="1295629135"/>
       </p:ext>
     </p:extLst>
   </p:cSld>
@@ -19689,6 +19656,153 @@
                 <a:latin typeface="华文楷体" pitchFamily="2" charset="-122"/>
                 <a:ea typeface="华文楷体" pitchFamily="2" charset="-122"/>
               </a:rPr>
+              <a:t>设计模式</a:t>
+            </a:r>
+            <a:endParaRPr lang="zh-CN" altLang="en-US" dirty="0"/>
+          </a:p>
+        </p:txBody>
+      </p:sp>
+      <p:sp>
+        <p:nvSpPr>
+          <p:cNvPr id="3" name="内容占位符 2"/>
+          <p:cNvSpPr>
+            <a:spLocks noGrp="1"/>
+          </p:cNvSpPr>
+          <p:nvPr>
+            <p:ph idx="1"/>
+          </p:nvPr>
+        </p:nvSpPr>
+        <p:spPr/>
+        <p:txBody>
+          <a:bodyPr/>
+          <a:lstStyle/>
+          <a:p>
+            <a:r>
+              <a:rPr lang="zh-CN" altLang="en-US" dirty="0"/>
+              <a:t>单例模式：如何实现和应用单例模式。</a:t>
+            </a:r>
+          </a:p>
+          <a:p>
+            <a:r>
+              <a:rPr lang="zh-CN" altLang="en-US" dirty="0"/>
+              <a:t>工厂模式：使用工厂模式来创建对象。</a:t>
+            </a:r>
+          </a:p>
+          <a:p>
+            <a:r>
+              <a:rPr lang="zh-CN" altLang="en-US" dirty="0"/>
+              <a:t>观察者模式：如何实现和应用观察者模式。</a:t>
+            </a:r>
+          </a:p>
+          <a:p>
+            <a:r>
+              <a:rPr lang="zh-CN" altLang="en-US" dirty="0"/>
+              <a:t>策略模式：定义一系列算法，将每一个算法封装起来</a:t>
+            </a:r>
+            <a:r>
+              <a:rPr lang="zh-CN" altLang="en-US" dirty="0" smtClean="0"/>
+              <a:t>。</a:t>
+            </a:r>
+            <a:endParaRPr lang="en-US" altLang="zh-CN" dirty="0" smtClean="0"/>
+          </a:p>
+          <a:p>
+            <a:r>
+              <a:rPr lang="zh-CN" altLang="en-US"/>
+              <a:t>高内</a:t>
+            </a:r>
+            <a:r>
+              <a:rPr lang="zh-CN" altLang="en-US" smtClean="0"/>
+              <a:t>聚，低耦合</a:t>
+            </a:r>
+            <a:endParaRPr lang="zh-CN" altLang="en-US" dirty="0"/>
+          </a:p>
+        </p:txBody>
+      </p:sp>
+    </p:spTree>
+    <p:extLst>
+      <p:ext uri="{BB962C8B-B14F-4D97-AF65-F5344CB8AC3E}">
+        <p14:creationId xmlns:p14="http://schemas.microsoft.com/office/powerpoint/2010/main" val="4116617042"/>
+      </p:ext>
+    </p:extLst>
+  </p:cSld>
+  <p:clrMapOvr>
+    <a:masterClrMapping/>
+  </p:clrMapOvr>
+  <p:timing>
+    <p:tnLst>
+      <p:par>
+        <p:cTn id="1" dur="indefinite" restart="never" nodeType="tmRoot"/>
+      </p:par>
+    </p:tnLst>
+  </p:timing>
+</p:sld>
+</file>
+
+<file path=ppt/slides/slide63.xml><?xml version="1.0" encoding="utf-8"?>
+<p:sld xmlns:a="http://schemas.openxmlformats.org/drawingml/2006/main" xmlns:r="http://schemas.openxmlformats.org/officeDocument/2006/relationships" xmlns:p="http://schemas.openxmlformats.org/presentationml/2006/main">
+  <p:cSld>
+    <p:spTree>
+      <p:nvGrpSpPr>
+        <p:cNvPr id="1" name=""/>
+        <p:cNvGrpSpPr/>
+        <p:nvPr/>
+      </p:nvGrpSpPr>
+      <p:grpSpPr>
+        <a:xfrm>
+          <a:off x="0" y="0"/>
+          <a:ext cx="0" cy="0"/>
+          <a:chOff x="0" y="0"/>
+          <a:chExt cx="0" cy="0"/>
+        </a:xfrm>
+      </p:grpSpPr>
+      <p:sp>
+        <p:nvSpPr>
+          <p:cNvPr id="2" name="标题 1"/>
+          <p:cNvSpPr>
+            <a:spLocks noGrp="1"/>
+          </p:cNvSpPr>
+          <p:nvPr>
+            <p:ph type="title"/>
+          </p:nvPr>
+        </p:nvSpPr>
+        <p:spPr/>
+        <p:txBody>
+          <a:bodyPr/>
+          <a:lstStyle/>
+          <a:p>
+            <a:r>
+              <a:rPr lang="zh-CN" altLang="en-US" b="1" dirty="0">
+                <a:latin typeface="华文楷体" pitchFamily="2" charset="-122"/>
+                <a:ea typeface="华文楷体" pitchFamily="2" charset="-122"/>
+              </a:rPr>
+              <a:t>第</a:t>
+            </a:r>
+            <a:r>
+              <a:rPr lang="en-US" altLang="zh-CN" b="1" dirty="0" smtClean="0">
+                <a:latin typeface="华文楷体" pitchFamily="2" charset="-122"/>
+                <a:ea typeface="华文楷体" pitchFamily="2" charset="-122"/>
+              </a:rPr>
+              <a:t>11</a:t>
+            </a:r>
+            <a:r>
+              <a:rPr lang="zh-CN" altLang="en-US" b="1" dirty="0" smtClean="0">
+                <a:latin typeface="华文楷体" pitchFamily="2" charset="-122"/>
+                <a:ea typeface="华文楷体" pitchFamily="2" charset="-122"/>
+              </a:rPr>
+              <a:t>章  </a:t>
+            </a:r>
+            <a:r>
+              <a:rPr lang="en-US" altLang="zh-CN" b="1" dirty="0">
+                <a:latin typeface="华文楷体" pitchFamily="2" charset="-122"/>
+                <a:ea typeface="华文楷体" pitchFamily="2" charset="-122"/>
+              </a:rPr>
+              <a:t>C++</a:t>
+            </a:r>
+            <a:r>
+              <a:rPr lang="zh-CN" altLang="en-US" b="1" dirty="0">
+                <a:latin typeface="华文楷体" pitchFamily="2" charset="-122"/>
+                <a:ea typeface="华文楷体" pitchFamily="2" charset="-122"/>
+              </a:rPr>
               <a:t>进阶</a:t>
             </a:r>
             <a:endParaRPr lang="zh-CN" altLang="en-US" dirty="0"/>
@@ -19805,7 +19919,7 @@
 </p:sld>
 </file>
 
-<file path=ppt/slides/slide63.xml><?xml version="1.0" encoding="utf-8"?>
+<file path=ppt/slides/slide64.xml><?xml version="1.0" encoding="utf-8"?>
 <p:sld xmlns:a="http://schemas.openxmlformats.org/drawingml/2006/main" xmlns:r="http://schemas.openxmlformats.org/officeDocument/2006/relationships" xmlns:p="http://schemas.openxmlformats.org/presentationml/2006/main">
   <p:cSld>
     <p:spTree>

--- a/learn_cpp/docs/C++语言培训.pptx
+++ b/learn_cpp/docs/C++语言培训.pptx
@@ -46,10 +46,10 @@
     <p:sldId id="312" r:id="rId40"/>
     <p:sldId id="319" r:id="rId41"/>
     <p:sldId id="320" r:id="rId42"/>
-    <p:sldId id="313" r:id="rId43"/>
-    <p:sldId id="314" r:id="rId44"/>
-    <p:sldId id="317" r:id="rId45"/>
-    <p:sldId id="318" r:id="rId46"/>
+    <p:sldId id="314" r:id="rId43"/>
+    <p:sldId id="317" r:id="rId44"/>
+    <p:sldId id="318" r:id="rId45"/>
+    <p:sldId id="313" r:id="rId46"/>
     <p:sldId id="315" r:id="rId47"/>
     <p:sldId id="260" r:id="rId48"/>
     <p:sldId id="288" r:id="rId49"/>
@@ -15406,10 +15406,9 @@
           </a:p>
           <a:p>
             <a:r>
-              <a:rPr lang="zh-CN" altLang="en-US"/>
+              <a:rPr lang="zh-CN" altLang="en-US" dirty="0"/>
               <a:t>数组</a:t>
             </a:r>
-            <a:endParaRPr lang="zh-CN" altLang="en-US" dirty="0"/>
           </a:p>
         </p:txBody>
       </p:sp>
@@ -15463,30 +15462,33 @@
               <a:t>4.3 </a:t>
             </a:r>
             <a:r>
+              <a:rPr lang="zh-CN" altLang="en-US" b="1" dirty="0" smtClean="0"/>
+              <a:t>数组</a:t>
+            </a:r>
+            <a:endParaRPr lang="zh-CN" altLang="en-US" b="1" dirty="0"/>
+          </a:p>
+        </p:txBody>
+      </p:sp>
+      <p:sp>
+        <p:nvSpPr>
+          <p:cNvPr id="3" name="内容占位符 2"/>
+          <p:cNvSpPr>
+            <a:spLocks noGrp="1"/>
+          </p:cNvSpPr>
+          <p:nvPr>
+            <p:ph idx="1"/>
+          </p:nvPr>
+        </p:nvSpPr>
+        <p:spPr/>
+        <p:txBody>
+          <a:bodyPr>
+            <a:normAutofit/>
+          </a:bodyPr>
+          <a:lstStyle/>
+          <a:p>
+            <a:r>
               <a:rPr lang="zh-CN" altLang="en-US" b="1" dirty="0"/>
-              <a:t>函数重载与递归</a:t>
-            </a:r>
-          </a:p>
-        </p:txBody>
-      </p:sp>
-      <p:sp>
-        <p:nvSpPr>
-          <p:cNvPr id="3" name="内容占位符 2"/>
-          <p:cNvSpPr>
-            <a:spLocks noGrp="1"/>
-          </p:cNvSpPr>
-          <p:nvPr>
-            <p:ph idx="1"/>
-          </p:nvPr>
-        </p:nvSpPr>
-        <p:spPr/>
-        <p:txBody>
-          <a:bodyPr/>
-          <a:lstStyle/>
-          <a:p>
-            <a:r>
-              <a:rPr lang="zh-CN" altLang="en-US" b="1" dirty="0"/>
-              <a:t>函数重载</a:t>
+              <a:t>一维数组</a:t>
             </a:r>
           </a:p>
           <a:p>
@@ -15499,33 +15501,17 @@
             </a:r>
             <a:r>
               <a:rPr lang="zh-CN" altLang="en-US" dirty="0" smtClean="0"/>
-              <a:t>函数</a:t>
-            </a:r>
-            <a:r>
-              <a:rPr lang="zh-CN" altLang="en-US" dirty="0"/>
-              <a:t>重载是指在同一作用域内可以定义多个同名的函数，只要它们的参数类型或</a:t>
-            </a:r>
-            <a:r>
-              <a:rPr lang="zh-CN" altLang="en-US" dirty="0" smtClean="0"/>
-              <a:t>个</a:t>
-            </a:r>
-            <a:r>
-              <a:rPr lang="en-US" altLang="zh-CN" dirty="0" smtClean="0"/>
-              <a:t>	</a:t>
-            </a:r>
-            <a:r>
-              <a:rPr lang="zh-CN" altLang="en-US" dirty="0" smtClean="0"/>
-              <a:t>数</a:t>
-            </a:r>
-            <a:r>
-              <a:rPr lang="zh-CN" altLang="en-US" dirty="0"/>
-              <a:t>不同。</a:t>
+              <a:t>一</a:t>
+            </a:r>
+            <a:r>
+              <a:rPr lang="zh-CN" altLang="en-US" dirty="0"/>
+              <a:t>维数组是具有相同类型元素的集合，元素通过索引访问。</a:t>
             </a:r>
           </a:p>
           <a:p>
             <a:r>
               <a:rPr lang="zh-CN" altLang="en-US" b="1" dirty="0"/>
-              <a:t>递归函数</a:t>
+              <a:t>二维数组</a:t>
             </a:r>
           </a:p>
           <a:p>
@@ -15538,22 +15524,60 @@
             </a:r>
             <a:r>
               <a:rPr lang="zh-CN" altLang="en-US" dirty="0" smtClean="0"/>
-              <a:t>递归</a:t>
-            </a:r>
-            <a:r>
-              <a:rPr lang="zh-CN" altLang="en-US" dirty="0"/>
-              <a:t>是函数调用自身。递归函数通常包括基准情况和递归调用。</a:t>
-            </a:r>
-          </a:p>
-          <a:p>
-            <a:endParaRPr lang="zh-CN" altLang="en-US" dirty="0"/>
+              <a:t>二</a:t>
+            </a:r>
+            <a:r>
+              <a:rPr lang="zh-CN" altLang="en-US" dirty="0"/>
+              <a:t>维数组是数组的数组。可以通过指定两个索引访问元素。</a:t>
+            </a:r>
+          </a:p>
+          <a:p>
+            <a:r>
+              <a:rPr lang="zh-CN" altLang="en-US" b="1" dirty="0"/>
+              <a:t>数组与指针的</a:t>
+            </a:r>
+            <a:r>
+              <a:rPr lang="zh-CN" altLang="en-US" b="1" dirty="0" smtClean="0"/>
+              <a:t>关系</a:t>
+            </a:r>
+            <a:endParaRPr lang="en-US" altLang="zh-CN" b="1" dirty="0" smtClean="0"/>
+          </a:p>
+          <a:p>
+            <a:pPr marL="0" indent="0">
+              <a:buNone/>
+            </a:pPr>
+            <a:r>
+              <a:rPr lang="en-US" altLang="zh-CN" dirty="0" smtClean="0"/>
+              <a:t>	</a:t>
+            </a:r>
+            <a:r>
+              <a:rPr lang="zh-CN" altLang="en-US" dirty="0" smtClean="0"/>
+              <a:t>数组</a:t>
+            </a:r>
+            <a:r>
+              <a:rPr lang="zh-CN" altLang="en-US" dirty="0"/>
+              <a:t>名在很多情况下会退化为指向数组首元素的指针。因此，可以使用指针来访问</a:t>
+            </a:r>
+            <a:r>
+              <a:rPr lang="en-US" altLang="zh-CN" dirty="0"/>
+              <a:t>	</a:t>
+            </a:r>
+            <a:r>
+              <a:rPr lang="zh-CN" altLang="en-US" dirty="0"/>
+              <a:t>数组元素</a:t>
+            </a:r>
+            <a:r>
+              <a:rPr lang="zh-CN" altLang="en-US" dirty="0" smtClean="0"/>
+              <a:t>。</a:t>
+            </a:r>
+            <a:endParaRPr lang="en-US" altLang="zh-CN" dirty="0"/>
           </a:p>
         </p:txBody>
       </p:sp>
     </p:spTree>
     <p:extLst>
       <p:ext uri="{BB962C8B-B14F-4D97-AF65-F5344CB8AC3E}">
-        <p14:creationId xmlns:p14="http://schemas.microsoft.com/office/powerpoint/2010/main" val="3246053325"/>
+        <p14:creationId xmlns:p14="http://schemas.microsoft.com/office/powerpoint/2010/main" val="2859311749"/>
       </p:ext>
     </p:extLst>
   </p:cSld>
@@ -15600,84 +15624,124 @@
               <a:t>4.4 </a:t>
             </a:r>
             <a:r>
+              <a:rPr lang="zh-CN" altLang="en-US" b="1" dirty="0" smtClean="0"/>
+              <a:t>参数类型 </a:t>
+            </a:r>
+            <a:r>
+              <a:rPr lang="en-US" altLang="zh-CN" b="1" dirty="0" smtClean="0"/>
+              <a:t>- </a:t>
+            </a:r>
+            <a:r>
+              <a:rPr lang="zh-CN" altLang="en-US" b="1" dirty="0" smtClean="0"/>
+              <a:t>数组</a:t>
+            </a:r>
+            <a:endParaRPr lang="zh-CN" altLang="en-US" b="1" dirty="0"/>
+          </a:p>
+        </p:txBody>
+      </p:sp>
+      <p:sp>
+        <p:nvSpPr>
+          <p:cNvPr id="3" name="内容占位符 2"/>
+          <p:cNvSpPr>
+            <a:spLocks noGrp="1"/>
+          </p:cNvSpPr>
+          <p:nvPr>
+            <p:ph idx="1"/>
+          </p:nvPr>
+        </p:nvSpPr>
+        <p:spPr/>
+        <p:txBody>
+          <a:bodyPr/>
+          <a:lstStyle/>
+          <a:p>
+            <a:r>
+              <a:rPr lang="zh-CN" altLang="en-US" dirty="0"/>
+              <a:t>在 </a:t>
+            </a:r>
+            <a:r>
+              <a:rPr lang="en-US" altLang="zh-CN" dirty="0"/>
+              <a:t>C++ </a:t>
+            </a:r>
+            <a:r>
+              <a:rPr lang="zh-CN" altLang="en-US" dirty="0"/>
+              <a:t>中，</a:t>
+            </a:r>
+            <a:r>
               <a:rPr lang="zh-CN" altLang="en-US" b="1" dirty="0"/>
-              <a:t>数组</a:t>
-            </a:r>
-          </a:p>
-        </p:txBody>
-      </p:sp>
-      <p:sp>
-        <p:nvSpPr>
-          <p:cNvPr id="3" name="内容占位符 2"/>
-          <p:cNvSpPr>
-            <a:spLocks noGrp="1"/>
-          </p:cNvSpPr>
-          <p:nvPr>
-            <p:ph idx="1"/>
-          </p:nvPr>
-        </p:nvSpPr>
-        <p:spPr/>
-        <p:txBody>
-          <a:bodyPr>
-            <a:normAutofit/>
-          </a:bodyPr>
-          <a:lstStyle/>
-          <a:p>
-            <a:r>
-              <a:rPr lang="zh-CN" altLang="en-US" b="1" dirty="0"/>
-              <a:t>一维数组</a:t>
-            </a:r>
+              <a:t>数组可以作为函数的参数</a:t>
+            </a:r>
+            <a:r>
+              <a:rPr lang="zh-CN" altLang="en-US" dirty="0"/>
+              <a:t> 进行传递</a:t>
+            </a:r>
+            <a:r>
+              <a:rPr lang="zh-CN" altLang="en-US" dirty="0" smtClean="0"/>
+              <a:t>。</a:t>
+            </a:r>
+            <a:endParaRPr lang="en-US" altLang="zh-CN" dirty="0" smtClean="0"/>
           </a:p>
           <a:p>
             <a:pPr marL="0" indent="0">
               <a:buNone/>
             </a:pPr>
             <a:r>
-              <a:rPr lang="en-US" altLang="zh-CN" dirty="0" smtClean="0"/>
+              <a:rPr lang="en-US" altLang="zh-CN" dirty="0"/>
               <a:t>	</a:t>
             </a:r>
             <a:r>
               <a:rPr lang="zh-CN" altLang="en-US" dirty="0" smtClean="0"/>
-              <a:t>一</a:t>
-            </a:r>
-            <a:r>
-              <a:rPr lang="zh-CN" altLang="en-US" dirty="0"/>
-              <a:t>维数组是具有相同类型元素的集合，元素通过索引访问。</a:t>
-            </a:r>
-          </a:p>
-          <a:p>
+              <a:t>由于</a:t>
+            </a:r>
+            <a:r>
+              <a:rPr lang="zh-CN" altLang="en-US" dirty="0"/>
+              <a:t>数组本质上是指针，传递数组参数时，实际上传递的是</a:t>
+            </a:r>
             <a:r>
               <a:rPr lang="zh-CN" altLang="en-US" b="1" dirty="0"/>
-              <a:t>二维数组</a:t>
-            </a:r>
+              <a:t>数组的地址</a:t>
+            </a:r>
+            <a:r>
+              <a:rPr lang="zh-CN" altLang="en-US" dirty="0"/>
+              <a:t>，这</a:t>
+            </a:r>
+            <a:r>
+              <a:rPr lang="zh-CN" altLang="en-US" dirty="0" smtClean="0"/>
+              <a:t>意味着</a:t>
+            </a:r>
+            <a:endParaRPr lang="en-US" altLang="zh-CN" dirty="0" smtClean="0"/>
           </a:p>
           <a:p>
             <a:pPr marL="0" indent="0">
               <a:buNone/>
             </a:pPr>
             <a:r>
-              <a:rPr lang="en-US" altLang="zh-CN" dirty="0" smtClean="0"/>
+              <a:rPr lang="en-US" altLang="zh-CN" dirty="0"/>
               <a:t>	</a:t>
             </a:r>
             <a:r>
               <a:rPr lang="zh-CN" altLang="en-US" dirty="0" smtClean="0"/>
-              <a:t>二</a:t>
-            </a:r>
-            <a:r>
-              <a:rPr lang="zh-CN" altLang="en-US" dirty="0"/>
-              <a:t>维数组是数组的数组。可以通过指定两个索引访问元素。</a:t>
-            </a:r>
-          </a:p>
-          <a:p>
-            <a:r>
-              <a:rPr lang="zh-CN" altLang="en-US" b="1" dirty="0"/>
-              <a:t>数组与指针的</a:t>
-            </a:r>
-            <a:r>
-              <a:rPr lang="zh-CN" altLang="en-US" b="1" dirty="0" smtClean="0"/>
-              <a:t>关系</a:t>
-            </a:r>
-            <a:endParaRPr lang="en-US" altLang="zh-CN" b="1" dirty="0" smtClean="0"/>
+              <a:t>函数</a:t>
+            </a:r>
+            <a:r>
+              <a:rPr lang="zh-CN" altLang="en-US" dirty="0"/>
+              <a:t>内部可以修改原数组的内容</a:t>
+            </a:r>
+            <a:r>
+              <a:rPr lang="zh-CN" altLang="en-US" dirty="0" smtClean="0"/>
+              <a:t>。</a:t>
+            </a:r>
+            <a:endParaRPr lang="en-US" altLang="zh-CN" dirty="0" smtClean="0"/>
+          </a:p>
+          <a:p>
+            <a:r>
+              <a:rPr lang="zh-CN" altLang="en-US" dirty="0"/>
+              <a:t>语法格式</a:t>
+            </a:r>
+            <a:r>
+              <a:rPr lang="zh-CN" altLang="en-US" dirty="0" smtClean="0"/>
+              <a:t>：</a:t>
+            </a:r>
+            <a:endParaRPr lang="en-US" altLang="zh-CN" dirty="0" smtClean="0"/>
           </a:p>
           <a:p>
             <a:pPr marL="0" indent="0">
@@ -15685,36 +15749,125 @@
             </a:pPr>
             <a:r>
               <a:rPr lang="en-US" altLang="zh-CN" dirty="0" smtClean="0"/>
+              <a:t>	void </a:t>
+            </a:r>
+            <a:r>
+              <a:rPr lang="en-US" altLang="zh-CN" dirty="0" err="1"/>
+              <a:t>functionName</a:t>
+            </a:r>
+            <a:r>
+              <a:rPr lang="en-US" altLang="zh-CN" dirty="0"/>
+              <a:t>(</a:t>
+            </a:r>
+            <a:r>
+              <a:rPr lang="en-US" altLang="zh-CN" dirty="0" err="1"/>
+              <a:t>dataType</a:t>
+            </a:r>
+            <a:r>
+              <a:rPr lang="en-US" altLang="zh-CN" dirty="0"/>
+              <a:t> </a:t>
+            </a:r>
+            <a:r>
+              <a:rPr lang="en-US" altLang="zh-CN" dirty="0" err="1"/>
+              <a:t>arrayName</a:t>
+            </a:r>
+            <a:r>
+              <a:rPr lang="en-US" altLang="zh-CN" dirty="0"/>
+              <a:t>[], </a:t>
+            </a:r>
+            <a:r>
+              <a:rPr lang="en-US" altLang="zh-CN" dirty="0" err="1"/>
+              <a:t>int</a:t>
+            </a:r>
+            <a:r>
+              <a:rPr lang="en-US" altLang="zh-CN" dirty="0"/>
+              <a:t> size</a:t>
+            </a:r>
+            <a:r>
+              <a:rPr lang="en-US" altLang="zh-CN" dirty="0" smtClean="0"/>
+              <a:t>);</a:t>
+            </a:r>
+          </a:p>
+          <a:p>
+            <a:pPr marL="0" indent="0">
+              <a:buNone/>
+            </a:pPr>
+            <a:r>
+              <a:rPr lang="en-US" altLang="zh-CN" dirty="0"/>
               <a:t>	</a:t>
             </a:r>
             <a:r>
+              <a:rPr lang="en-US" altLang="zh-CN" dirty="0" smtClean="0"/>
+              <a:t>void </a:t>
+            </a:r>
+            <a:r>
+              <a:rPr lang="en-US" altLang="zh-CN" dirty="0" err="1"/>
+              <a:t>functionName</a:t>
+            </a:r>
+            <a:r>
+              <a:rPr lang="en-US" altLang="zh-CN" dirty="0"/>
+              <a:t>(</a:t>
+            </a:r>
+            <a:r>
+              <a:rPr lang="en-US" altLang="zh-CN" dirty="0" err="1"/>
+              <a:t>dataType</a:t>
+            </a:r>
+            <a:r>
+              <a:rPr lang="en-US" altLang="zh-CN" dirty="0"/>
+              <a:t>* </a:t>
+            </a:r>
+            <a:r>
+              <a:rPr lang="en-US" altLang="zh-CN" dirty="0" err="1"/>
+              <a:t>arrayName</a:t>
+            </a:r>
+            <a:r>
+              <a:rPr lang="en-US" altLang="zh-CN" dirty="0"/>
+              <a:t>, </a:t>
+            </a:r>
+            <a:r>
+              <a:rPr lang="en-US" altLang="zh-CN" dirty="0" err="1"/>
+              <a:t>int</a:t>
+            </a:r>
+            <a:r>
+              <a:rPr lang="en-US" altLang="zh-CN" dirty="0"/>
+              <a:t> size);</a:t>
+            </a:r>
+          </a:p>
+          <a:p>
+            <a:r>
               <a:rPr lang="zh-CN" altLang="en-US" dirty="0" smtClean="0"/>
-              <a:t>数组</a:t>
-            </a:r>
-            <a:r>
-              <a:rPr lang="zh-CN" altLang="en-US" dirty="0"/>
-              <a:t>名在很多情况下会退化为指向数组首元素的指针。因此，可以使用指针来访问</a:t>
-            </a:r>
-            <a:r>
-              <a:rPr lang="en-US" altLang="zh-CN" dirty="0"/>
-              <a:t>	</a:t>
-            </a:r>
-            <a:r>
-              <a:rPr lang="zh-CN" altLang="en-US" dirty="0"/>
-              <a:t>数组元素</a:t>
-            </a:r>
-            <a:r>
-              <a:rPr lang="zh-CN" altLang="en-US" dirty="0" smtClean="0"/>
-              <a:t>。</a:t>
-            </a:r>
-            <a:endParaRPr lang="en-US" altLang="zh-CN" dirty="0"/>
+              <a:t>注意</a:t>
+            </a:r>
+            <a:endParaRPr lang="en-US" altLang="zh-CN" dirty="0" smtClean="0"/>
+          </a:p>
+          <a:p>
+            <a:pPr lvl="1"/>
+            <a:r>
+              <a:rPr lang="zh-CN" altLang="en-US" dirty="0"/>
+              <a:t>由于数组作为参数时实际传递的是指针，所以函数内部对数组的修改会影响原数组。</a:t>
+            </a:r>
+          </a:p>
+          <a:p>
+            <a:pPr lvl="1"/>
+            <a:r>
+              <a:rPr lang="zh-CN" altLang="en-US" dirty="0"/>
+              <a:t>需要提供数组的 大小（</a:t>
+            </a:r>
+            <a:r>
+              <a:rPr lang="en-US" altLang="zh-CN" dirty="0"/>
+              <a:t>size</a:t>
+            </a:r>
+            <a:r>
+              <a:rPr lang="zh-CN" altLang="en-US" dirty="0"/>
+              <a:t>），否则无法正确遍历数组。</a:t>
+            </a:r>
           </a:p>
         </p:txBody>
       </p:sp>
     </p:spTree>
     <p:extLst>
       <p:ext uri="{BB962C8B-B14F-4D97-AF65-F5344CB8AC3E}">
-        <p14:creationId xmlns:p14="http://schemas.microsoft.com/office/powerpoint/2010/main" val="2859311749"/>
+        <p14:creationId xmlns:p14="http://schemas.microsoft.com/office/powerpoint/2010/main" val="1038020837"/>
       </p:ext>
     </p:extLst>
   </p:cSld>
@@ -15757,20 +15910,24 @@
           <a:lstStyle/>
           <a:p>
             <a:r>
+              <a:rPr lang="zh-CN" altLang="en-US" b="1" dirty="0"/>
+              <a:t>参数类型 </a:t>
+            </a:r>
+            <a:r>
+              <a:rPr lang="en-US" altLang="zh-CN" b="1" dirty="0"/>
+              <a:t>- </a:t>
+            </a:r>
+            <a:r>
+              <a:rPr lang="zh-CN" altLang="en-US" b="1" dirty="0" smtClean="0"/>
+              <a:t>数组 </a:t>
+            </a:r>
+            <a:r>
               <a:rPr lang="en-US" altLang="zh-CN" b="1" dirty="0" smtClean="0"/>
-              <a:t>4.5 </a:t>
+              <a:t>- </a:t>
             </a:r>
             <a:r>
               <a:rPr lang="zh-CN" altLang="en-US" b="1" dirty="0" smtClean="0"/>
-              <a:t>函数</a:t>
-            </a:r>
-            <a:r>
-              <a:rPr lang="zh-CN" altLang="en-US" b="1" dirty="0"/>
-              <a:t>参数</a:t>
-            </a:r>
-            <a:r>
-              <a:rPr lang="zh-CN" altLang="en-US" b="1" dirty="0" smtClean="0"/>
-              <a:t>使用数组</a:t>
+              <a:t>示例</a:t>
             </a:r>
             <a:endParaRPr lang="zh-CN" altLang="en-US" b="1" dirty="0"/>
           </a:p>
@@ -15793,210 +15950,40 @@
           <a:p>
             <a:r>
               <a:rPr lang="zh-CN" altLang="en-US" dirty="0"/>
-              <a:t>在 </a:t>
-            </a:r>
-            <a:r>
-              <a:rPr lang="en-US" altLang="zh-CN" dirty="0"/>
-              <a:t>C++ </a:t>
-            </a:r>
-            <a:r>
-              <a:rPr lang="zh-CN" altLang="en-US" dirty="0"/>
-              <a:t>中，</a:t>
-            </a:r>
-            <a:r>
-              <a:rPr lang="zh-CN" altLang="en-US" b="1" dirty="0"/>
-              <a:t>数组可以作为函数的参数</a:t>
-            </a:r>
-            <a:r>
-              <a:rPr lang="zh-CN" altLang="en-US" dirty="0"/>
-              <a:t> 进行传递</a:t>
+              <a:t>数组</a:t>
             </a:r>
             <a:r>
               <a:rPr lang="zh-CN" altLang="en-US" dirty="0" smtClean="0"/>
-              <a:t>。</a:t>
+              <a:t>求和</a:t>
             </a:r>
             <a:endParaRPr lang="en-US" altLang="zh-CN" dirty="0" smtClean="0"/>
           </a:p>
           <a:p>
-            <a:pPr marL="0" indent="0">
-              <a:buNone/>
-            </a:pPr>
-            <a:r>
-              <a:rPr lang="en-US" altLang="zh-CN" dirty="0"/>
-              <a:t>	</a:t>
+            <a:r>
+              <a:rPr lang="zh-CN" altLang="en-US" dirty="0"/>
+              <a:t>修改数组中</a:t>
             </a:r>
             <a:r>
               <a:rPr lang="zh-CN" altLang="en-US" dirty="0" smtClean="0"/>
-              <a:t>由于</a:t>
-            </a:r>
-            <a:r>
-              <a:rPr lang="zh-CN" altLang="en-US" dirty="0"/>
-              <a:t>数组本质上是指针，传递数组参数时，实际上传递的是</a:t>
-            </a:r>
-            <a:r>
-              <a:rPr lang="zh-CN" altLang="en-US" b="1" dirty="0"/>
-              <a:t>数组的地址</a:t>
-            </a:r>
-            <a:r>
-              <a:rPr lang="zh-CN" altLang="en-US" dirty="0"/>
-              <a:t>，这</a:t>
+              <a:t>的元素</a:t>
+            </a:r>
+            <a:endParaRPr lang="en-US" altLang="zh-CN" dirty="0" smtClean="0"/>
+          </a:p>
+          <a:p>
+            <a:r>
+              <a:rPr lang="zh-CN" altLang="en-US" dirty="0"/>
+              <a:t>传递二维数</a:t>
             </a:r>
             <a:r>
               <a:rPr lang="zh-CN" altLang="en-US" dirty="0" smtClean="0"/>
-              <a:t>意味着</a:t>
+              <a:t>组</a:t>
             </a:r>
             <a:endParaRPr lang="en-US" altLang="zh-CN" dirty="0" smtClean="0"/>
           </a:p>
           <a:p>
-            <a:pPr marL="0" indent="0">
-              <a:buNone/>
-            </a:pPr>
-            <a:r>
-              <a:rPr lang="en-US" altLang="zh-CN" dirty="0"/>
-              <a:t>	</a:t>
-            </a:r>
-            <a:r>
-              <a:rPr lang="zh-CN" altLang="en-US" dirty="0" smtClean="0"/>
-              <a:t>函数</a:t>
-            </a:r>
-            <a:r>
-              <a:rPr lang="zh-CN" altLang="en-US" dirty="0"/>
-              <a:t>内部可以修改原数组的内容</a:t>
-            </a:r>
-            <a:r>
-              <a:rPr lang="zh-CN" altLang="en-US" dirty="0" smtClean="0"/>
-              <a:t>。</a:t>
-            </a:r>
-            <a:endParaRPr lang="en-US" altLang="zh-CN" dirty="0" smtClean="0"/>
-          </a:p>
-          <a:p>
-            <a:r>
-              <a:rPr lang="zh-CN" altLang="en-US" dirty="0"/>
-              <a:t>语法格式</a:t>
-            </a:r>
-            <a:r>
-              <a:rPr lang="zh-CN" altLang="en-US" dirty="0" smtClean="0"/>
-              <a:t>：</a:t>
-            </a:r>
-            <a:endParaRPr lang="en-US" altLang="zh-CN" dirty="0" smtClean="0"/>
-          </a:p>
-          <a:p>
-            <a:pPr marL="0" indent="0">
-              <a:buNone/>
-            </a:pPr>
-            <a:r>
-              <a:rPr lang="en-US" altLang="zh-CN" dirty="0" smtClean="0"/>
-              <a:t>	void </a:t>
-            </a:r>
-            <a:r>
-              <a:rPr lang="en-US" altLang="zh-CN" dirty="0" err="1"/>
-              <a:t>functionName</a:t>
-            </a:r>
-            <a:r>
-              <a:rPr lang="en-US" altLang="zh-CN" dirty="0"/>
-              <a:t>(</a:t>
-            </a:r>
-            <a:r>
-              <a:rPr lang="en-US" altLang="zh-CN" dirty="0" err="1"/>
-              <a:t>dataType</a:t>
-            </a:r>
-            <a:r>
-              <a:rPr lang="en-US" altLang="zh-CN" dirty="0"/>
-              <a:t> </a:t>
-            </a:r>
-            <a:r>
-              <a:rPr lang="en-US" altLang="zh-CN" dirty="0" err="1"/>
-              <a:t>arrayName</a:t>
-            </a:r>
-            <a:r>
-              <a:rPr lang="en-US" altLang="zh-CN" dirty="0"/>
-              <a:t>[], </a:t>
-            </a:r>
-            <a:r>
-              <a:rPr lang="en-US" altLang="zh-CN" dirty="0" err="1"/>
-              <a:t>int</a:t>
-            </a:r>
-            <a:r>
-              <a:rPr lang="en-US" altLang="zh-CN" dirty="0"/>
-              <a:t> size</a:t>
-            </a:r>
-            <a:r>
-              <a:rPr lang="en-US" altLang="zh-CN" dirty="0" smtClean="0"/>
-              <a:t>);</a:t>
-            </a:r>
-          </a:p>
-          <a:p>
-            <a:pPr marL="0" indent="0">
-              <a:buNone/>
-            </a:pPr>
-            <a:r>
-              <a:rPr lang="en-US" altLang="zh-CN" dirty="0"/>
-              <a:t>	</a:t>
-            </a:r>
-            <a:r>
-              <a:rPr lang="en-US" altLang="zh-CN" dirty="0" smtClean="0"/>
-              <a:t>void </a:t>
-            </a:r>
-            <a:r>
-              <a:rPr lang="en-US" altLang="zh-CN" dirty="0" err="1"/>
-              <a:t>functionName</a:t>
-            </a:r>
-            <a:r>
-              <a:rPr lang="en-US" altLang="zh-CN" dirty="0"/>
-              <a:t>(</a:t>
-            </a:r>
-            <a:r>
-              <a:rPr lang="en-US" altLang="zh-CN" dirty="0" err="1"/>
-              <a:t>dataType</a:t>
-            </a:r>
-            <a:r>
-              <a:rPr lang="en-US" altLang="zh-CN" dirty="0"/>
-              <a:t>* </a:t>
-            </a:r>
-            <a:r>
-              <a:rPr lang="en-US" altLang="zh-CN" dirty="0" err="1"/>
-              <a:t>arrayName</a:t>
-            </a:r>
-            <a:r>
-              <a:rPr lang="en-US" altLang="zh-CN" dirty="0"/>
-              <a:t>, </a:t>
-            </a:r>
-            <a:r>
-              <a:rPr lang="en-US" altLang="zh-CN" dirty="0" err="1"/>
-              <a:t>int</a:t>
-            </a:r>
-            <a:r>
-              <a:rPr lang="en-US" altLang="zh-CN" dirty="0"/>
-              <a:t> size);</a:t>
-            </a:r>
-          </a:p>
-          <a:p>
-            <a:r>
-              <a:rPr lang="zh-CN" altLang="en-US" dirty="0" smtClean="0"/>
-              <a:t>注意</a:t>
-            </a:r>
-            <a:endParaRPr lang="en-US" altLang="zh-CN" dirty="0" smtClean="0"/>
-          </a:p>
-          <a:p>
-            <a:pPr lvl="1"/>
-            <a:r>
-              <a:rPr lang="zh-CN" altLang="en-US" dirty="0"/>
-              <a:t>由于数组作为参数时实际传递的是指针，所以函数内部对数组的修改会影响原数组。</a:t>
-            </a:r>
-          </a:p>
-          <a:p>
-            <a:pPr lvl="1"/>
-            <a:r>
-              <a:rPr lang="zh-CN" altLang="en-US" dirty="0"/>
-              <a:t>需要提供数组的 大小（</a:t>
-            </a:r>
-            <a:r>
-              <a:rPr lang="en-US" altLang="zh-CN" dirty="0"/>
-              <a:t>size</a:t>
-            </a:r>
-            <a:r>
-              <a:rPr lang="zh-CN" altLang="en-US" dirty="0"/>
-              <a:t>），否则无法正确遍历数组。</a:t>
+            <a:r>
+              <a:rPr lang="zh-CN" altLang="en-US" dirty="0"/>
+              <a:t>使用指针修改数组元素</a:t>
             </a:r>
           </a:p>
         </p:txBody>
@@ -16004,7 +15991,7 @@
     </p:spTree>
     <p:extLst>
       <p:ext uri="{BB962C8B-B14F-4D97-AF65-F5344CB8AC3E}">
-        <p14:creationId xmlns:p14="http://schemas.microsoft.com/office/powerpoint/2010/main" val="1038020837"/>
+        <p14:creationId xmlns:p14="http://schemas.microsoft.com/office/powerpoint/2010/main" val="4022824451"/>
       </p:ext>
     </p:extLst>
   </p:cSld>
@@ -16047,10 +16034,13 @@
           <a:lstStyle/>
           <a:p>
             <a:r>
-              <a:rPr lang="zh-CN" altLang="en-US" b="1" dirty="0" smtClean="0"/>
-              <a:t>示例</a:t>
-            </a:r>
-            <a:endParaRPr lang="zh-CN" altLang="en-US" b="1" dirty="0"/>
+              <a:rPr lang="en-US" altLang="zh-CN" b="1" smtClean="0"/>
+              <a:t>4.5 </a:t>
+            </a:r>
+            <a:r>
+              <a:rPr lang="zh-CN" altLang="en-US" b="1" dirty="0"/>
+              <a:t>函数重载与递归</a:t>
+            </a:r>
           </a:p>
         </p:txBody>
       </p:sp>
@@ -16070,49 +16060,75 @@
           <a:lstStyle/>
           <a:p>
             <a:r>
-              <a:rPr lang="zh-CN" altLang="en-US" dirty="0"/>
-              <a:t>数组</a:t>
+              <a:rPr lang="zh-CN" altLang="en-US" b="1" dirty="0"/>
+              <a:t>函数重载</a:t>
+            </a:r>
+          </a:p>
+          <a:p>
+            <a:pPr marL="0" indent="0">
+              <a:buNone/>
+            </a:pPr>
+            <a:r>
+              <a:rPr lang="en-US" altLang="zh-CN" dirty="0" smtClean="0"/>
+              <a:t>	</a:t>
             </a:r>
             <a:r>
               <a:rPr lang="zh-CN" altLang="en-US" dirty="0" smtClean="0"/>
-              <a:t>求和</a:t>
-            </a:r>
-            <a:endParaRPr lang="en-US" altLang="zh-CN" dirty="0" smtClean="0"/>
-          </a:p>
-          <a:p>
-            <a:r>
-              <a:rPr lang="zh-CN" altLang="en-US" dirty="0"/>
-              <a:t>修改数组中</a:t>
+              <a:t>函数</a:t>
+            </a:r>
+            <a:r>
+              <a:rPr lang="zh-CN" altLang="en-US" dirty="0"/>
+              <a:t>重载是指在同一作用域内可以定义多个同名的函数，只要它们的参数类型或</a:t>
             </a:r>
             <a:r>
               <a:rPr lang="zh-CN" altLang="en-US" dirty="0" smtClean="0"/>
-              <a:t>的元素</a:t>
-            </a:r>
-            <a:endParaRPr lang="en-US" altLang="zh-CN" dirty="0" smtClean="0"/>
-          </a:p>
-          <a:p>
-            <a:r>
-              <a:rPr lang="zh-CN" altLang="en-US" dirty="0"/>
-              <a:t>传递二维数</a:t>
+              <a:t>个</a:t>
+            </a:r>
+            <a:r>
+              <a:rPr lang="en-US" altLang="zh-CN" dirty="0" smtClean="0"/>
+              <a:t>	</a:t>
             </a:r>
             <a:r>
               <a:rPr lang="zh-CN" altLang="en-US" dirty="0" smtClean="0"/>
-              <a:t>组</a:t>
-            </a:r>
-            <a:endParaRPr lang="en-US" altLang="zh-CN" dirty="0" smtClean="0"/>
-          </a:p>
-          <a:p>
-            <a:r>
-              <a:rPr lang="zh-CN" altLang="en-US" dirty="0"/>
-              <a:t>使用指针修改数组元素</a:t>
-            </a:r>
+              <a:t>数</a:t>
+            </a:r>
+            <a:r>
+              <a:rPr lang="zh-CN" altLang="en-US" dirty="0"/>
+              <a:t>不同。</a:t>
+            </a:r>
+          </a:p>
+          <a:p>
+            <a:r>
+              <a:rPr lang="zh-CN" altLang="en-US" b="1" dirty="0"/>
+              <a:t>递归函数</a:t>
+            </a:r>
+          </a:p>
+          <a:p>
+            <a:pPr marL="0" indent="0">
+              <a:buNone/>
+            </a:pPr>
+            <a:r>
+              <a:rPr lang="en-US" altLang="zh-CN" dirty="0" smtClean="0"/>
+              <a:t>	</a:t>
+            </a:r>
+            <a:r>
+              <a:rPr lang="zh-CN" altLang="en-US" dirty="0" smtClean="0"/>
+              <a:t>递归</a:t>
+            </a:r>
+            <a:r>
+              <a:rPr lang="zh-CN" altLang="en-US" dirty="0"/>
+              <a:t>是函数调用自身。递归函数通常包括基准情况和递归调用。</a:t>
+            </a:r>
+          </a:p>
+          <a:p>
+            <a:endParaRPr lang="zh-CN" altLang="en-US" dirty="0"/>
           </a:p>
         </p:txBody>
       </p:sp>
     </p:spTree>
     <p:extLst>
       <p:ext uri="{BB962C8B-B14F-4D97-AF65-F5344CB8AC3E}">
-        <p14:creationId xmlns:p14="http://schemas.microsoft.com/office/powerpoint/2010/main" val="4022824451"/>
+        <p14:creationId xmlns:p14="http://schemas.microsoft.com/office/powerpoint/2010/main" val="3246053325"/>
       </p:ext>
     </p:extLst>
   </p:cSld>

--- a/learn_cpp/docs/C++语言培训.pptx
+++ b/learn_cpp/docs/C++语言培训.pptx
@@ -15237,7 +15237,9 @@
         </p:nvSpPr>
         <p:spPr/>
         <p:txBody>
-          <a:bodyPr/>
+          <a:bodyPr>
+            <a:normAutofit fontScale="70000" lnSpcReduction="20000"/>
+          </a:bodyPr>
           <a:lstStyle/>
           <a:p>
             <a:r>
@@ -15259,12 +15261,70 @@
               <a:t>	</a:t>
             </a:r>
             <a:r>
+              <a:rPr lang="zh-CN" altLang="en-US" dirty="0"/>
+              <a:t>值传递是指</a:t>
+            </a:r>
+            <a:r>
+              <a:rPr lang="zh-CN" altLang="en-US" b="1" dirty="0">
+                <a:solidFill>
+                  <a:srgbClr val="FF0000"/>
+                </a:solidFill>
+              </a:rPr>
+              <a:t>将实参的值复制一份</a:t>
+            </a:r>
+            <a:r>
+              <a:rPr lang="zh-CN" altLang="en-US" dirty="0"/>
+              <a:t>，然后传递给函数的形参。函数内部对形参的</a:t>
+            </a:r>
+            <a:r>
               <a:rPr lang="zh-CN" altLang="en-US" dirty="0" smtClean="0"/>
-              <a:t>将</a:t>
-            </a:r>
-            <a:r>
-              <a:rPr lang="zh-CN" altLang="en-US" dirty="0"/>
-              <a:t>参数的值复制给函数的参数变量。</a:t>
+              <a:t>修改不会</a:t>
+            </a:r>
+            <a:r>
+              <a:rPr lang="zh-CN" altLang="en-US" dirty="0"/>
+              <a:t>影响原始变量，因为它们</a:t>
+            </a:r>
+            <a:r>
+              <a:rPr lang="zh-CN" altLang="en-US" dirty="0" smtClean="0"/>
+              <a:t>是</a:t>
+            </a:r>
+            <a:r>
+              <a:rPr lang="en-US" altLang="zh-CN" smtClean="0"/>
+              <a:t>	</a:t>
+            </a:r>
+            <a:r>
+              <a:rPr lang="zh-CN" altLang="en-US" smtClean="0"/>
+              <a:t>两</a:t>
+            </a:r>
+            <a:r>
+              <a:rPr lang="zh-CN" altLang="en-US" dirty="0"/>
+              <a:t>个独立的变量</a:t>
+            </a:r>
+            <a:r>
+              <a:rPr lang="zh-CN" altLang="en-US" dirty="0" smtClean="0"/>
+              <a:t>。</a:t>
+            </a:r>
+            <a:endParaRPr lang="en-US" altLang="zh-CN" dirty="0" smtClean="0"/>
+          </a:p>
+          <a:p>
+            <a:pPr lvl="1"/>
+            <a:r>
+              <a:rPr lang="zh-CN" altLang="en-US" dirty="0"/>
+              <a:t>形参和实参占用不同的内存空间。</a:t>
+            </a:r>
+          </a:p>
+          <a:p>
+            <a:pPr lvl="1"/>
+            <a:r>
+              <a:rPr lang="zh-CN" altLang="en-US" dirty="0"/>
+              <a:t>形参的修改不会影响实参的值。</a:t>
+            </a:r>
+          </a:p>
+          <a:p>
+            <a:pPr lvl="1"/>
+            <a:r>
+              <a:rPr lang="zh-CN" altLang="en-US" dirty="0"/>
+              <a:t>适用于基本数据类型（如整数、浮点数、字符等）。</a:t>
             </a:r>
           </a:p>
           <a:p>
@@ -15288,14 +15348,148 @@
             </a:r>
             <a:r>
               <a:rPr lang="zh-CN" altLang="en-US" dirty="0" smtClean="0"/>
+              <a:t>引用</a:t>
+            </a:r>
+            <a:r>
+              <a:rPr lang="zh-CN" altLang="en-US" dirty="0"/>
+              <a:t>传递是</a:t>
+            </a:r>
+            <a:r>
+              <a:rPr lang="zh-CN" altLang="en-US" b="1" dirty="0">
+                <a:solidFill>
+                  <a:srgbClr val="FF0000"/>
+                </a:solidFill>
+              </a:rPr>
+              <a:t>将变量的地址</a:t>
+            </a:r>
+            <a:r>
+              <a:rPr lang="zh-CN" altLang="en-US" b="1" dirty="0"/>
               <a:t>传递</a:t>
             </a:r>
             <a:r>
               <a:rPr lang="zh-CN" altLang="en-US" dirty="0"/>
-              <a:t>参数的引用，函数内对参数的修改会影响原变量。</a:t>
-            </a:r>
-          </a:p>
-          <a:p>
+              <a:t>给函数，使得函数内的操作直接作用于原变量。</a:t>
+            </a:r>
+          </a:p>
+          <a:p>
+            <a:pPr lvl="1"/>
+            <a:r>
+              <a:rPr lang="zh-CN" altLang="en-US" dirty="0"/>
+              <a:t>形参和实参共享</a:t>
+            </a:r>
+            <a:r>
+              <a:rPr lang="zh-CN" altLang="en-US" dirty="0">
+                <a:solidFill>
+                  <a:srgbClr val="FF0000"/>
+                </a:solidFill>
+              </a:rPr>
+              <a:t>相同的内存地址</a:t>
+            </a:r>
+            <a:r>
+              <a:rPr lang="zh-CN" altLang="en-US" dirty="0"/>
+              <a:t>。</a:t>
+            </a:r>
+          </a:p>
+          <a:p>
+            <a:pPr lvl="1"/>
+            <a:r>
+              <a:rPr lang="zh-CN" altLang="en-US" dirty="0"/>
+              <a:t>形参的修改会直接影响实参的值。</a:t>
+            </a:r>
+          </a:p>
+          <a:p>
+            <a:pPr lvl="1"/>
+            <a:r>
+              <a:rPr lang="zh-CN" altLang="en-US" dirty="0"/>
+              <a:t>适用于复杂数据类型（如数组、对象、结构体）</a:t>
+            </a:r>
+            <a:r>
+              <a:rPr lang="zh-CN" altLang="en-US" dirty="0" smtClean="0"/>
+              <a:t>。</a:t>
+            </a:r>
+            <a:endParaRPr lang="en-US" altLang="zh-CN" dirty="0" smtClean="0"/>
+          </a:p>
+          <a:p>
+            <a:r>
+              <a:rPr lang="zh-CN" altLang="en-US" dirty="0" smtClean="0"/>
+              <a:t>使用场景</a:t>
+            </a:r>
+            <a:endParaRPr lang="en-US" altLang="zh-CN" dirty="0" smtClean="0"/>
+          </a:p>
+          <a:p>
+            <a:pPr lvl="1"/>
+            <a:r>
+              <a:rPr lang="zh-CN" altLang="en-US" dirty="0"/>
+              <a:t>基本数据类型（如 </a:t>
+            </a:r>
+            <a:r>
+              <a:rPr lang="en-US" altLang="zh-CN" dirty="0" err="1"/>
+              <a:t>int</a:t>
+            </a:r>
+            <a:r>
+              <a:rPr lang="zh-CN" altLang="en-US" dirty="0"/>
+              <a:t>，</a:t>
+            </a:r>
+            <a:r>
+              <a:rPr lang="en-US" altLang="zh-CN" dirty="0"/>
+              <a:t>float</a:t>
+            </a:r>
+            <a:r>
+              <a:rPr lang="zh-CN" altLang="en-US" dirty="0"/>
+              <a:t>）一般使用</a:t>
+            </a:r>
+            <a:r>
+              <a:rPr lang="zh-CN" altLang="en-US" dirty="0">
+                <a:solidFill>
+                  <a:srgbClr val="FF0000"/>
+                </a:solidFill>
+              </a:rPr>
+              <a:t>值传递</a:t>
+            </a:r>
+            <a:r>
+              <a:rPr lang="zh-CN" altLang="en-US" dirty="0"/>
+              <a:t>，以保证数据安全。</a:t>
+            </a:r>
+          </a:p>
+          <a:p>
+            <a:pPr lvl="1"/>
+            <a:r>
+              <a:rPr lang="zh-CN" altLang="en-US" dirty="0"/>
+              <a:t>复杂数据类型（如数组、对象）使用</a:t>
+            </a:r>
+            <a:r>
+              <a:rPr lang="zh-CN" altLang="en-US" dirty="0">
+                <a:solidFill>
+                  <a:srgbClr val="FF0000"/>
+                </a:solidFill>
+              </a:rPr>
+              <a:t>引用传递</a:t>
+            </a:r>
+            <a:r>
+              <a:rPr lang="zh-CN" altLang="en-US" dirty="0"/>
+              <a:t>，以提高效率，</a:t>
+            </a:r>
+            <a:r>
+              <a:rPr lang="zh-CN" altLang="en-US" dirty="0">
+                <a:solidFill>
+                  <a:srgbClr val="FF0000"/>
+                </a:solidFill>
+              </a:rPr>
+              <a:t>避免不必要的复制</a:t>
+            </a:r>
+            <a:r>
+              <a:rPr lang="zh-CN" altLang="en-US" dirty="0"/>
+              <a:t>。</a:t>
+            </a:r>
+            <a:endParaRPr lang="en-US" altLang="zh-CN" dirty="0" smtClean="0"/>
+          </a:p>
+          <a:p>
+            <a:endParaRPr lang="zh-CN" altLang="en-US" dirty="0" smtClean="0"/>
+          </a:p>
+          <a:p>
+            <a:pPr marL="457200" lvl="1" indent="0">
+              <a:buNone/>
+            </a:pPr>
             <a:endParaRPr lang="zh-CN" altLang="en-US" dirty="0"/>
           </a:p>
         </p:txBody>
@@ -16034,7 +16228,7 @@
           <a:lstStyle/>
           <a:p>
             <a:r>
-              <a:rPr lang="en-US" altLang="zh-CN" b="1" smtClean="0"/>
+              <a:rPr lang="en-US" altLang="zh-CN" b="1" dirty="0" smtClean="0"/>
               <a:t>4.5 </a:t>
             </a:r>
             <a:r>

--- a/learn_cpp/docs/C++语言培训.pptx
+++ b/learn_cpp/docs/C++语言培训.pptx
@@ -44,31 +44,35 @@
     <p:sldId id="259" r:id="rId38"/>
     <p:sldId id="316" r:id="rId39"/>
     <p:sldId id="312" r:id="rId40"/>
-    <p:sldId id="319" r:id="rId41"/>
-    <p:sldId id="320" r:id="rId42"/>
-    <p:sldId id="314" r:id="rId43"/>
-    <p:sldId id="317" r:id="rId44"/>
-    <p:sldId id="318" r:id="rId45"/>
-    <p:sldId id="313" r:id="rId46"/>
-    <p:sldId id="315" r:id="rId47"/>
-    <p:sldId id="260" r:id="rId48"/>
-    <p:sldId id="288" r:id="rId49"/>
-    <p:sldId id="289" r:id="rId50"/>
-    <p:sldId id="290" r:id="rId51"/>
-    <p:sldId id="291" r:id="rId52"/>
-    <p:sldId id="292" r:id="rId53"/>
-    <p:sldId id="293" r:id="rId54"/>
-    <p:sldId id="294" r:id="rId55"/>
-    <p:sldId id="295" r:id="rId56"/>
-    <p:sldId id="296" r:id="rId57"/>
-    <p:sldId id="261" r:id="rId58"/>
-    <p:sldId id="262" r:id="rId59"/>
-    <p:sldId id="263" r:id="rId60"/>
-    <p:sldId id="264" r:id="rId61"/>
-    <p:sldId id="265" r:id="rId62"/>
-    <p:sldId id="266" r:id="rId63"/>
-    <p:sldId id="267" r:id="rId64"/>
-    <p:sldId id="268" r:id="rId65"/>
+    <p:sldId id="324" r:id="rId41"/>
+    <p:sldId id="321" r:id="rId42"/>
+    <p:sldId id="319" r:id="rId43"/>
+    <p:sldId id="322" r:id="rId44"/>
+    <p:sldId id="323" r:id="rId45"/>
+    <p:sldId id="320" r:id="rId46"/>
+    <p:sldId id="314" r:id="rId47"/>
+    <p:sldId id="317" r:id="rId48"/>
+    <p:sldId id="318" r:id="rId49"/>
+    <p:sldId id="313" r:id="rId50"/>
+    <p:sldId id="315" r:id="rId51"/>
+    <p:sldId id="260" r:id="rId52"/>
+    <p:sldId id="288" r:id="rId53"/>
+    <p:sldId id="289" r:id="rId54"/>
+    <p:sldId id="290" r:id="rId55"/>
+    <p:sldId id="291" r:id="rId56"/>
+    <p:sldId id="292" r:id="rId57"/>
+    <p:sldId id="293" r:id="rId58"/>
+    <p:sldId id="294" r:id="rId59"/>
+    <p:sldId id="295" r:id="rId60"/>
+    <p:sldId id="296" r:id="rId61"/>
+    <p:sldId id="261" r:id="rId62"/>
+    <p:sldId id="262" r:id="rId63"/>
+    <p:sldId id="263" r:id="rId64"/>
+    <p:sldId id="264" r:id="rId65"/>
+    <p:sldId id="265" r:id="rId66"/>
+    <p:sldId id="266" r:id="rId67"/>
+    <p:sldId id="267" r:id="rId68"/>
+    <p:sldId id="268" r:id="rId69"/>
   </p:sldIdLst>
   <p:sldSz cx="12192000" cy="6858000"/>
   <p:notesSz cx="6858000" cy="9144000"/>
@@ -364,7 +368,7 @@
             <a:fld id="{B61BEF0D-F0BB-DE4B-95CE-6DB70DBA9567}" type="datetimeFigureOut">
               <a:rPr lang="en-US" dirty="0"/>
               <a:pPr/>
-              <a:t>3/11/2025</a:t>
+              <a:t>3/12/2025</a:t>
             </a:fld>
             <a:endParaRPr lang="en-US" dirty="0"/>
           </a:p>
@@ -699,7 +703,7 @@
             <a:fld id="{B61BEF0D-F0BB-DE4B-95CE-6DB70DBA9567}" type="datetimeFigureOut">
               <a:rPr lang="en-US" dirty="0"/>
               <a:pPr/>
-              <a:t>3/11/2025</a:t>
+              <a:t>3/12/2025</a:t>
             </a:fld>
             <a:endParaRPr lang="en-US" dirty="0"/>
           </a:p>
@@ -1097,7 +1101,7 @@
             <a:fld id="{B61BEF0D-F0BB-DE4B-95CE-6DB70DBA9567}" type="datetimeFigureOut">
               <a:rPr lang="en-US" dirty="0"/>
               <a:pPr/>
-              <a:t>3/11/2025</a:t>
+              <a:t>3/12/2025</a:t>
             </a:fld>
             <a:endParaRPr lang="en-US" dirty="0"/>
           </a:p>
@@ -1430,7 +1434,7 @@
             <a:fld id="{B61BEF0D-F0BB-DE4B-95CE-6DB70DBA9567}" type="datetimeFigureOut">
               <a:rPr lang="en-US" dirty="0"/>
               <a:pPr/>
-              <a:t>3/11/2025</a:t>
+              <a:t>3/12/2025</a:t>
             </a:fld>
             <a:endParaRPr lang="en-US" dirty="0"/>
           </a:p>
@@ -1747,7 +1751,7 @@
             <a:fld id="{B61BEF0D-F0BB-DE4B-95CE-6DB70DBA9567}" type="datetimeFigureOut">
               <a:rPr lang="en-US" dirty="0"/>
               <a:pPr/>
-              <a:t>3/11/2025</a:t>
+              <a:t>3/12/2025</a:t>
             </a:fld>
             <a:endParaRPr lang="en-US" dirty="0"/>
           </a:p>
@@ -2140,7 +2144,7 @@
             <a:fld id="{B61BEF0D-F0BB-DE4B-95CE-6DB70DBA9567}" type="datetimeFigureOut">
               <a:rPr lang="en-US" dirty="0"/>
               <a:pPr/>
-              <a:t>3/11/2025</a:t>
+              <a:t>3/12/2025</a:t>
             </a:fld>
             <a:endParaRPr lang="en-US" dirty="0"/>
           </a:p>
@@ -2394,7 +2398,7 @@
             <a:fld id="{B61BEF0D-F0BB-DE4B-95CE-6DB70DBA9567}" type="datetimeFigureOut">
               <a:rPr lang="en-US" dirty="0"/>
               <a:pPr/>
-              <a:t>3/11/2025</a:t>
+              <a:t>3/12/2025</a:t>
             </a:fld>
             <a:endParaRPr lang="en-US" dirty="0"/>
           </a:p>
@@ -2653,7 +2657,7 @@
             <a:fld id="{B61BEF0D-F0BB-DE4B-95CE-6DB70DBA9567}" type="datetimeFigureOut">
               <a:rPr lang="en-US" dirty="0"/>
               <a:pPr/>
-              <a:t>3/11/2025</a:t>
+              <a:t>3/12/2025</a:t>
             </a:fld>
             <a:endParaRPr lang="en-US" dirty="0"/>
           </a:p>
@@ -2912,7 +2916,7 @@
             <a:fld id="{B61BEF0D-F0BB-DE4B-95CE-6DB70DBA9567}" type="datetimeFigureOut">
               <a:rPr lang="en-US" dirty="0"/>
               <a:pPr/>
-              <a:t>3/11/2025</a:t>
+              <a:t>3/12/2025</a:t>
             </a:fld>
             <a:endParaRPr lang="en-US" dirty="0"/>
           </a:p>
@@ -3238,7 +3242,7 @@
             <a:fld id="{B61BEF0D-F0BB-DE4B-95CE-6DB70DBA9567}" type="datetimeFigureOut">
               <a:rPr lang="en-US" dirty="0"/>
               <a:pPr/>
-              <a:t>3/11/2025</a:t>
+              <a:t>3/12/2025</a:t>
             </a:fld>
             <a:endParaRPr lang="en-US" dirty="0"/>
           </a:p>
@@ -3558,7 +3562,7 @@
             <a:fld id="{B61BEF0D-F0BB-DE4B-95CE-6DB70DBA9567}" type="datetimeFigureOut">
               <a:rPr lang="en-US" dirty="0"/>
               <a:pPr/>
-              <a:t>3/11/2025</a:t>
+              <a:t>3/12/2025</a:t>
             </a:fld>
             <a:endParaRPr lang="en-US" dirty="0"/>
           </a:p>
@@ -4041,7 +4045,7 @@
             <a:fld id="{B61BEF0D-F0BB-DE4B-95CE-6DB70DBA9567}" type="datetimeFigureOut">
               <a:rPr lang="en-US" dirty="0"/>
               <a:pPr/>
-              <a:t>3/11/2025</a:t>
+              <a:t>3/12/2025</a:t>
             </a:fld>
             <a:endParaRPr lang="en-US" dirty="0"/>
           </a:p>
@@ -4243,7 +4247,7 @@
             <a:fld id="{B61BEF0D-F0BB-DE4B-95CE-6DB70DBA9567}" type="datetimeFigureOut">
               <a:rPr lang="en-US" dirty="0"/>
               <a:pPr/>
-              <a:t>3/11/2025</a:t>
+              <a:t>3/12/2025</a:t>
             </a:fld>
             <a:endParaRPr lang="en-US" dirty="0"/>
           </a:p>
@@ -4417,7 +4421,7 @@
             <a:fld id="{B61BEF0D-F0BB-DE4B-95CE-6DB70DBA9567}" type="datetimeFigureOut">
               <a:rPr lang="en-US" dirty="0"/>
               <a:pPr/>
-              <a:t>3/11/2025</a:t>
+              <a:t>3/12/2025</a:t>
             </a:fld>
             <a:endParaRPr lang="en-US" dirty="0"/>
           </a:p>
@@ -4747,7 +4751,7 @@
             <a:fld id="{B61BEF0D-F0BB-DE4B-95CE-6DB70DBA9567}" type="datetimeFigureOut">
               <a:rPr lang="en-US" dirty="0"/>
               <a:pPr/>
-              <a:t>3/11/2025</a:t>
+              <a:t>3/12/2025</a:t>
             </a:fld>
             <a:endParaRPr lang="en-US" dirty="0"/>
           </a:p>
@@ -5089,7 +5093,7 @@
             <a:fld id="{B61BEF0D-F0BB-DE4B-95CE-6DB70DBA9567}" type="datetimeFigureOut">
               <a:rPr lang="en-US" dirty="0"/>
               <a:pPr/>
-              <a:t>3/11/2025</a:t>
+              <a:t>3/12/2025</a:t>
             </a:fld>
             <a:endParaRPr lang="en-US" dirty="0"/>
           </a:p>
@@ -7203,7 +7207,7 @@
             <a:fld id="{B61BEF0D-F0BB-DE4B-95CE-6DB70DBA9567}" type="datetimeFigureOut">
               <a:rPr lang="en-US" dirty="0"/>
               <a:pPr/>
-              <a:t>3/11/2025</a:t>
+              <a:t>3/12/2025</a:t>
             </a:fld>
             <a:endParaRPr lang="en-US" dirty="0"/>
           </a:p>
@@ -9930,7 +9934,23 @@
             </a:r>
             <a:r>
               <a:rPr lang="zh-CN" altLang="en-US" dirty="0"/>
-              <a:t>类型的元素。</a:t>
+              <a:t>类型</a:t>
+            </a:r>
+            <a:r>
+              <a:rPr lang="zh-CN" altLang="en-US" dirty="0" smtClean="0"/>
+              <a:t>的</a:t>
+            </a:r>
+            <a:r>
+              <a:rPr lang="en-US" altLang="zh-CN" dirty="0" smtClean="0"/>
+              <a:t>	</a:t>
+            </a:r>
+            <a:r>
+              <a:rPr lang="zh-CN" altLang="en-US" dirty="0" smtClean="0"/>
+              <a:t>元素</a:t>
+            </a:r>
+            <a:r>
+              <a:rPr lang="zh-CN" altLang="en-US" dirty="0"/>
+              <a:t>。</a:t>
             </a:r>
           </a:p>
           <a:p>
@@ -10025,7 +10045,23 @@
             </a:r>
             <a:r>
               <a:rPr lang="zh-CN" altLang="en-US" dirty="0"/>
-              <a:t>数组）更加灵活和方便，支持许多字符串操作，如拼接</a:t>
+              <a:t>数组</a:t>
+            </a:r>
+            <a:r>
+              <a:rPr lang="zh-CN" altLang="en-US" dirty="0" smtClean="0"/>
+              <a:t>）</a:t>
+            </a:r>
+            <a:r>
+              <a:rPr lang="en-US" altLang="zh-CN" dirty="0" smtClean="0"/>
+              <a:t>	</a:t>
+            </a:r>
+            <a:r>
+              <a:rPr lang="zh-CN" altLang="en-US" dirty="0" smtClean="0"/>
+              <a:t>更加</a:t>
+            </a:r>
+            <a:r>
+              <a:rPr lang="zh-CN" altLang="en-US" dirty="0"/>
+              <a:t>灵活和方便，支持许多字符串操作，如拼接</a:t>
             </a:r>
             <a:r>
               <a:rPr lang="zh-CN" altLang="en-US" dirty="0" smtClean="0"/>
@@ -10114,11 +10150,23 @@
             </a:r>
             <a:r>
               <a:rPr lang="zh-CN" altLang="en-US" dirty="0" smtClean="0"/>
-              <a:t>将不同</a:t>
-            </a:r>
-            <a:r>
-              <a:rPr lang="zh-CN" altLang="en-US" dirty="0"/>
-              <a:t>的变量聚集在一起，形成一个整体。</a:t>
+              <a:t>将</a:t>
+            </a:r>
+            <a:r>
+              <a:rPr lang="zh-CN" altLang="en-US" dirty="0" smtClean="0"/>
+              <a:t>不同</a:t>
+            </a:r>
+            <a:r>
+              <a:rPr lang="en-US" altLang="zh-CN" dirty="0" smtClean="0"/>
+              <a:t>	</a:t>
+            </a:r>
+            <a:r>
+              <a:rPr lang="zh-CN" altLang="en-US" dirty="0" smtClean="0"/>
+              <a:t>的</a:t>
+            </a:r>
+            <a:r>
+              <a:rPr lang="zh-CN" altLang="en-US" dirty="0"/>
+              <a:t>变量聚集在一起，形成一个整体。</a:t>
             </a:r>
             <a:endParaRPr lang="en-US" altLang="zh-CN" dirty="0"/>
           </a:p>
@@ -10183,15 +10231,47 @@
             </a:r>
             <a:r>
               <a:rPr lang="zh-CN" altLang="en-US" dirty="0"/>
-              <a:t>同一块内存空间。也就是说，联合体的成员变量占用的内存是最大的成员变量所需要的内存。不</a:t>
-            </a:r>
-            <a:r>
-              <a:rPr lang="en-US" altLang="zh-CN" dirty="0"/>
+              <a:t>同一块</a:t>
+            </a:r>
+            <a:r>
+              <a:rPr lang="zh-CN" altLang="en-US" dirty="0" smtClean="0"/>
+              <a:t>内存</a:t>
+            </a:r>
+            <a:r>
+              <a:rPr lang="en-US" altLang="zh-CN" dirty="0" smtClean="0"/>
               <a:t>	</a:t>
             </a:r>
             <a:r>
-              <a:rPr lang="zh-CN" altLang="en-US" dirty="0"/>
-              <a:t>同数据类型的成员共享相同的内存空间，节省内存，</a:t>
+              <a:rPr lang="zh-CN" altLang="en-US" dirty="0" smtClean="0"/>
+              <a:t>空间</a:t>
+            </a:r>
+            <a:r>
+              <a:rPr lang="zh-CN" altLang="en-US" dirty="0"/>
+              <a:t>。也就是说，联合体的成员变量占用的内存是最大的成员变量所需要的内存。不</a:t>
+            </a:r>
+            <a:r>
+              <a:rPr lang="en-US" altLang="zh-CN" dirty="0"/>
+              <a:t>	</a:t>
+            </a:r>
+            <a:r>
+              <a:rPr lang="zh-CN" altLang="en-US" dirty="0"/>
+              <a:t>同数据类型的成员共享</a:t>
+            </a:r>
+            <a:r>
+              <a:rPr lang="zh-CN" altLang="en-US" dirty="0" smtClean="0"/>
+              <a:t>相</a:t>
+            </a:r>
+            <a:r>
+              <a:rPr lang="en-US" altLang="zh-CN" dirty="0" smtClean="0"/>
+              <a:t>	</a:t>
+            </a:r>
+            <a:r>
+              <a:rPr lang="zh-CN" altLang="en-US" dirty="0" smtClean="0"/>
+              <a:t>同</a:t>
+            </a:r>
+            <a:r>
+              <a:rPr lang="zh-CN" altLang="en-US" dirty="0"/>
+              <a:t>的内存空间，节省内存，</a:t>
             </a:r>
             <a:r>
               <a:rPr lang="zh-CN" altLang="en-US" b="1" dirty="0">
@@ -14547,14 +14627,7 @@
                 <a:latin typeface="华文楷体" pitchFamily="2" charset="-122"/>
                 <a:ea typeface="华文楷体" pitchFamily="2" charset="-122"/>
               </a:rPr>
-              <a:t>章</a:t>
-            </a:r>
-            <a:r>
-              <a:rPr lang="zh-CN" altLang="en-US" b="1" dirty="0" smtClean="0">
-                <a:latin typeface="华文楷体" pitchFamily="2" charset="-122"/>
-                <a:ea typeface="华文楷体" pitchFamily="2" charset="-122"/>
-              </a:rPr>
-              <a:t>函数与数组</a:t>
+              <a:t>章函数与数组</a:t>
             </a:r>
             <a:endParaRPr lang="zh-CN" altLang="en-US" dirty="0"/>
           </a:p>
@@ -14593,27 +14666,34 @@
           </a:p>
           <a:p>
             <a:r>
+              <a:rPr lang="zh-CN" altLang="en-US" dirty="0" smtClean="0"/>
+              <a:t>数组</a:t>
+            </a:r>
+            <a:r>
+              <a:rPr lang="zh-CN" altLang="en-US" dirty="0"/>
+              <a:t>：一维数组、二维数组的定义与使用，数组与指针的关系</a:t>
+            </a:r>
+            <a:r>
+              <a:rPr lang="zh-CN" altLang="en-US" dirty="0" smtClean="0"/>
+              <a:t>。</a:t>
+            </a:r>
+            <a:endParaRPr lang="en-US" altLang="zh-CN" dirty="0" smtClean="0"/>
+          </a:p>
+          <a:p>
+            <a:r>
               <a:rPr lang="zh-CN" altLang="en-US" dirty="0"/>
               <a:t>函数重载与递归：函数重载规则、递归函数的使用与优化。</a:t>
             </a:r>
           </a:p>
           <a:p>
             <a:r>
-              <a:rPr lang="zh-CN" altLang="en-US" dirty="0"/>
-              <a:t>数组：一维数组、二维数组的定义与使用，数组与指针的关系</a:t>
-            </a:r>
-            <a:r>
-              <a:rPr lang="zh-CN" altLang="en-US" dirty="0" smtClean="0"/>
-              <a:t>。</a:t>
-            </a:r>
-            <a:endParaRPr lang="en-US" altLang="zh-CN" dirty="0" smtClean="0"/>
-          </a:p>
-          <a:p>
-            <a:r>
-              <a:rPr lang="zh-CN" altLang="en-US" dirty="0"/>
-              <a:t>函数参数使用数组</a:t>
-            </a:r>
-            <a:endParaRPr lang="zh-CN" altLang="en-US" dirty="0"/>
+              <a:rPr lang="zh-CN" altLang="en-US" dirty="0" smtClean="0"/>
+              <a:t>函数</a:t>
+            </a:r>
+            <a:r>
+              <a:rPr lang="zh-CN" altLang="en-US" dirty="0"/>
+              <a:t>参数使用数组</a:t>
+            </a:r>
           </a:p>
         </p:txBody>
       </p:sp>
@@ -14709,25 +14789,109 @@
           <a:p>
             <a:r>
               <a:rPr lang="zh-CN" altLang="en-US" dirty="0"/>
-              <a:t>提高代码的可读性：通过函数将逻辑分块，使代码更加清晰易懂。</a:t>
-            </a:r>
-          </a:p>
-          <a:p>
-            <a:r>
-              <a:rPr lang="zh-CN" altLang="en-US" dirty="0"/>
-              <a:t>增强代码的复用性：相同的功能可以封装为一个函数，在不同的地方重复调用，而不需要复制代码。</a:t>
-            </a:r>
-          </a:p>
-          <a:p>
-            <a:r>
-              <a:rPr lang="zh-CN" altLang="en-US" dirty="0"/>
-              <a:t>简化代码的维护：如果程序需要修改，只需修改函数内部的实现，而不影响整个程序。</a:t>
-            </a:r>
-          </a:p>
-          <a:p>
-            <a:r>
-              <a:rPr lang="zh-CN" altLang="en-US" dirty="0"/>
-              <a:t>模块化编程：将大程序拆分成多个小的、可管理的单元，提高开发效率。</a:t>
+              <a:t>提高代码的可读性</a:t>
+            </a:r>
+            <a:r>
+              <a:rPr lang="zh-CN" altLang="en-US" dirty="0" smtClean="0"/>
+              <a:t>：</a:t>
+            </a:r>
+            <a:endParaRPr lang="en-US" altLang="zh-CN" dirty="0" smtClean="0"/>
+          </a:p>
+          <a:p>
+            <a:pPr marL="0" indent="0">
+              <a:buNone/>
+            </a:pPr>
+            <a:r>
+              <a:rPr lang="en-US" altLang="zh-CN" dirty="0"/>
+              <a:t>	</a:t>
+            </a:r>
+            <a:r>
+              <a:rPr lang="zh-CN" altLang="en-US" dirty="0" smtClean="0"/>
+              <a:t>通过</a:t>
+            </a:r>
+            <a:r>
+              <a:rPr lang="zh-CN" altLang="en-US" dirty="0"/>
+              <a:t>函数将逻辑分块，使代码更加清晰易懂。</a:t>
+            </a:r>
+          </a:p>
+          <a:p>
+            <a:r>
+              <a:rPr lang="zh-CN" altLang="en-US" dirty="0"/>
+              <a:t>增强代码的复用性</a:t>
+            </a:r>
+            <a:r>
+              <a:rPr lang="zh-CN" altLang="en-US" dirty="0" smtClean="0"/>
+              <a:t>：</a:t>
+            </a:r>
+            <a:endParaRPr lang="en-US" altLang="zh-CN" dirty="0" smtClean="0"/>
+          </a:p>
+          <a:p>
+            <a:pPr marL="457200" lvl="1" indent="0">
+              <a:buNone/>
+            </a:pPr>
+            <a:r>
+              <a:rPr lang="zh-CN" altLang="en-US" dirty="0" smtClean="0"/>
+              <a:t>相同</a:t>
+            </a:r>
+            <a:r>
+              <a:rPr lang="zh-CN" altLang="en-US" dirty="0"/>
+              <a:t>的功能可以封装为一个函数，在不同的地方重复调用，而不需要复制代码。</a:t>
+            </a:r>
+          </a:p>
+          <a:p>
+            <a:r>
+              <a:rPr lang="zh-CN" altLang="en-US" dirty="0"/>
+              <a:t>简化代码的维护</a:t>
+            </a:r>
+            <a:r>
+              <a:rPr lang="zh-CN" altLang="en-US" dirty="0" smtClean="0"/>
+              <a:t>：</a:t>
+            </a:r>
+            <a:endParaRPr lang="en-US" altLang="zh-CN" dirty="0" smtClean="0"/>
+          </a:p>
+          <a:p>
+            <a:pPr marL="0" indent="0">
+              <a:buNone/>
+            </a:pPr>
+            <a:r>
+              <a:rPr lang="en-US" altLang="zh-CN" dirty="0"/>
+              <a:t>	</a:t>
+            </a:r>
+            <a:r>
+              <a:rPr lang="zh-CN" altLang="en-US" dirty="0" smtClean="0"/>
+              <a:t>如果</a:t>
+            </a:r>
+            <a:r>
+              <a:rPr lang="zh-CN" altLang="en-US" dirty="0"/>
+              <a:t>程序需要修改，只需修改函数内部的实现，而不影响整个程序。</a:t>
+            </a:r>
+          </a:p>
+          <a:p>
+            <a:r>
+              <a:rPr lang="zh-CN" altLang="en-US" dirty="0"/>
+              <a:t>模块化编程</a:t>
+            </a:r>
+            <a:r>
+              <a:rPr lang="zh-CN" altLang="en-US" dirty="0" smtClean="0"/>
+              <a:t>：</a:t>
+            </a:r>
+            <a:endParaRPr lang="en-US" altLang="zh-CN" dirty="0" smtClean="0"/>
+          </a:p>
+          <a:p>
+            <a:pPr marL="0" indent="0">
+              <a:buNone/>
+            </a:pPr>
+            <a:r>
+              <a:rPr lang="en-US" altLang="zh-CN" dirty="0"/>
+              <a:t>	</a:t>
+            </a:r>
+            <a:r>
+              <a:rPr lang="zh-CN" altLang="en-US" dirty="0" smtClean="0"/>
+              <a:t>将</a:t>
+            </a:r>
+            <a:r>
+              <a:rPr lang="zh-CN" altLang="en-US" dirty="0"/>
+              <a:t>大程序拆分成多个小的、可管理的单元，提高开发效率。</a:t>
             </a:r>
           </a:p>
         </p:txBody>
@@ -14874,7 +15038,11 @@
           <a:p>
             <a:r>
               <a:rPr lang="zh-CN" altLang="en-US" dirty="0" smtClean="0"/>
-              <a:t>函数定义</a:t>
+              <a:t>函数</a:t>
+            </a:r>
+            <a:r>
+              <a:rPr lang="zh-CN" altLang="en-US" dirty="0" smtClean="0"/>
+              <a:t>定义</a:t>
             </a:r>
             <a:endParaRPr lang="en-US" altLang="zh-CN" dirty="0" smtClean="0"/>
           </a:p>
@@ -15211,293 +15379,43 @@
           <a:lstStyle/>
           <a:p>
             <a:r>
-              <a:rPr lang="zh-CN" altLang="en-US" b="1" dirty="0"/>
-              <a:t>参数传递</a:t>
-            </a:r>
-            <a:r>
-              <a:rPr lang="zh-CN" altLang="en-US" dirty="0"/>
-              <a:t/>
-            </a:r>
-            <a:br>
-              <a:rPr lang="zh-CN" altLang="en-US" dirty="0"/>
-            </a:br>
+              <a:rPr lang="zh-CN" altLang="en-US" b="1" dirty="0" smtClean="0"/>
+              <a:t>函数调用过程</a:t>
+            </a:r>
             <a:endParaRPr lang="zh-CN" altLang="en-US" dirty="0"/>
           </a:p>
         </p:txBody>
       </p:sp>
-      <p:sp>
-        <p:nvSpPr>
-          <p:cNvPr id="3" name="内容占位符 2"/>
-          <p:cNvSpPr>
-            <a:spLocks noGrp="1"/>
-          </p:cNvSpPr>
+      <p:pic>
+        <p:nvPicPr>
+          <p:cNvPr id="6" name="内容占位符 5"/>
+          <p:cNvPicPr>
+            <a:picLocks noGrp="1" noChangeAspect="1"/>
+          </p:cNvPicPr>
           <p:nvPr>
             <p:ph idx="1"/>
           </p:nvPr>
-        </p:nvSpPr>
-        <p:spPr/>
-        <p:txBody>
-          <a:bodyPr>
-            <a:normAutofit fontScale="70000" lnSpcReduction="20000"/>
-          </a:bodyPr>
-          <a:lstStyle/>
-          <a:p>
-            <a:r>
-              <a:rPr lang="zh-CN" altLang="en-US" dirty="0"/>
-              <a:t>值传递</a:t>
-            </a:r>
-            <a:r>
-              <a:rPr lang="zh-CN" altLang="en-US" dirty="0" smtClean="0"/>
-              <a:t>：</a:t>
-            </a:r>
-            <a:endParaRPr lang="en-US" altLang="zh-CN" dirty="0" smtClean="0"/>
-          </a:p>
-          <a:p>
-            <a:pPr marL="0" indent="0">
-              <a:buNone/>
-            </a:pPr>
-            <a:r>
-              <a:rPr lang="en-US" altLang="zh-CN" dirty="0"/>
-              <a:t>	</a:t>
-            </a:r>
-            <a:r>
-              <a:rPr lang="zh-CN" altLang="en-US" dirty="0"/>
-              <a:t>值传递是指</a:t>
-            </a:r>
-            <a:r>
-              <a:rPr lang="zh-CN" altLang="en-US" b="1" dirty="0">
-                <a:solidFill>
-                  <a:srgbClr val="FF0000"/>
-                </a:solidFill>
-              </a:rPr>
-              <a:t>将实参的值复制一份</a:t>
-            </a:r>
-            <a:r>
-              <a:rPr lang="zh-CN" altLang="en-US" dirty="0"/>
-              <a:t>，然后传递给函数的形参。函数内部对形参的</a:t>
-            </a:r>
-            <a:r>
-              <a:rPr lang="zh-CN" altLang="en-US" dirty="0" smtClean="0"/>
-              <a:t>修改不会</a:t>
-            </a:r>
-            <a:r>
-              <a:rPr lang="zh-CN" altLang="en-US" dirty="0"/>
-              <a:t>影响原始变量，因为它们</a:t>
-            </a:r>
-            <a:r>
-              <a:rPr lang="zh-CN" altLang="en-US" dirty="0" smtClean="0"/>
-              <a:t>是</a:t>
-            </a:r>
-            <a:r>
-              <a:rPr lang="en-US" altLang="zh-CN" smtClean="0"/>
-              <a:t>	</a:t>
-            </a:r>
-            <a:r>
-              <a:rPr lang="zh-CN" altLang="en-US" smtClean="0"/>
-              <a:t>两</a:t>
-            </a:r>
-            <a:r>
-              <a:rPr lang="zh-CN" altLang="en-US" dirty="0"/>
-              <a:t>个独立的变量</a:t>
-            </a:r>
-            <a:r>
-              <a:rPr lang="zh-CN" altLang="en-US" dirty="0" smtClean="0"/>
-              <a:t>。</a:t>
-            </a:r>
-            <a:endParaRPr lang="en-US" altLang="zh-CN" dirty="0" smtClean="0"/>
-          </a:p>
-          <a:p>
-            <a:pPr lvl="1"/>
-            <a:r>
-              <a:rPr lang="zh-CN" altLang="en-US" dirty="0"/>
-              <a:t>形参和实参占用不同的内存空间。</a:t>
-            </a:r>
-          </a:p>
-          <a:p>
-            <a:pPr lvl="1"/>
-            <a:r>
-              <a:rPr lang="zh-CN" altLang="en-US" dirty="0"/>
-              <a:t>形参的修改不会影响实参的值。</a:t>
-            </a:r>
-          </a:p>
-          <a:p>
-            <a:pPr lvl="1"/>
-            <a:r>
-              <a:rPr lang="zh-CN" altLang="en-US" dirty="0"/>
-              <a:t>适用于基本数据类型（如整数、浮点数、字符等）。</a:t>
-            </a:r>
-          </a:p>
-          <a:p>
-            <a:r>
-              <a:rPr lang="zh-CN" altLang="en-US" dirty="0"/>
-              <a:t>引用传递</a:t>
-            </a:r>
-            <a:r>
-              <a:rPr lang="zh-CN" altLang="en-US" dirty="0" smtClean="0"/>
-              <a:t>：</a:t>
-            </a:r>
-            <a:endParaRPr lang="en-US" altLang="zh-CN" dirty="0" smtClean="0"/>
-          </a:p>
-          <a:p>
-            <a:pPr marL="0" indent="0">
-              <a:buNone/>
-            </a:pPr>
-            <a:r>
-              <a:rPr lang="en-US" altLang="zh-CN" dirty="0"/>
-              <a:t>	</a:t>
-            </a:r>
-            <a:r>
-              <a:rPr lang="zh-CN" altLang="en-US" dirty="0" smtClean="0"/>
-              <a:t>引用</a:t>
-            </a:r>
-            <a:r>
-              <a:rPr lang="zh-CN" altLang="en-US" dirty="0"/>
-              <a:t>传递是</a:t>
-            </a:r>
-            <a:r>
-              <a:rPr lang="zh-CN" altLang="en-US" b="1" dirty="0">
-                <a:solidFill>
-                  <a:srgbClr val="FF0000"/>
-                </a:solidFill>
-              </a:rPr>
-              <a:t>将变量的地址</a:t>
-            </a:r>
-            <a:r>
-              <a:rPr lang="zh-CN" altLang="en-US" b="1" dirty="0"/>
-              <a:t>传递</a:t>
-            </a:r>
-            <a:r>
-              <a:rPr lang="zh-CN" altLang="en-US" dirty="0"/>
-              <a:t>给函数，使得函数内的操作直接作用于原变量。</a:t>
-            </a:r>
-          </a:p>
-          <a:p>
-            <a:pPr lvl="1"/>
-            <a:r>
-              <a:rPr lang="zh-CN" altLang="en-US" dirty="0"/>
-              <a:t>形参和实参共享</a:t>
-            </a:r>
-            <a:r>
-              <a:rPr lang="zh-CN" altLang="en-US" dirty="0">
-                <a:solidFill>
-                  <a:srgbClr val="FF0000"/>
-                </a:solidFill>
-              </a:rPr>
-              <a:t>相同的内存地址</a:t>
-            </a:r>
-            <a:r>
-              <a:rPr lang="zh-CN" altLang="en-US" dirty="0"/>
-              <a:t>。</a:t>
-            </a:r>
-          </a:p>
-          <a:p>
-            <a:pPr lvl="1"/>
-            <a:r>
-              <a:rPr lang="zh-CN" altLang="en-US" dirty="0"/>
-              <a:t>形参的修改会直接影响实参的值。</a:t>
-            </a:r>
-          </a:p>
-          <a:p>
-            <a:pPr lvl="1"/>
-            <a:r>
-              <a:rPr lang="zh-CN" altLang="en-US" dirty="0"/>
-              <a:t>适用于复杂数据类型（如数组、对象、结构体）</a:t>
-            </a:r>
-            <a:r>
-              <a:rPr lang="zh-CN" altLang="en-US" dirty="0" smtClean="0"/>
-              <a:t>。</a:t>
-            </a:r>
-            <a:endParaRPr lang="en-US" altLang="zh-CN" dirty="0" smtClean="0"/>
-          </a:p>
-          <a:p>
-            <a:r>
-              <a:rPr lang="zh-CN" altLang="en-US" dirty="0" smtClean="0"/>
-              <a:t>使用场景</a:t>
-            </a:r>
-            <a:endParaRPr lang="en-US" altLang="zh-CN" dirty="0" smtClean="0"/>
-          </a:p>
-          <a:p>
-            <a:pPr lvl="1"/>
-            <a:r>
-              <a:rPr lang="zh-CN" altLang="en-US" dirty="0"/>
-              <a:t>基本数据类型（如 </a:t>
-            </a:r>
-            <a:r>
-              <a:rPr lang="en-US" altLang="zh-CN" dirty="0" err="1"/>
-              <a:t>int</a:t>
-            </a:r>
-            <a:r>
-              <a:rPr lang="zh-CN" altLang="en-US" dirty="0"/>
-              <a:t>，</a:t>
-            </a:r>
-            <a:r>
-              <a:rPr lang="en-US" altLang="zh-CN" dirty="0"/>
-              <a:t>float</a:t>
-            </a:r>
-            <a:r>
-              <a:rPr lang="zh-CN" altLang="en-US" dirty="0"/>
-              <a:t>）一般使用</a:t>
-            </a:r>
-            <a:r>
-              <a:rPr lang="zh-CN" altLang="en-US" dirty="0">
-                <a:solidFill>
-                  <a:srgbClr val="FF0000"/>
-                </a:solidFill>
-              </a:rPr>
-              <a:t>值传递</a:t>
-            </a:r>
-            <a:r>
-              <a:rPr lang="zh-CN" altLang="en-US" dirty="0"/>
-              <a:t>，以保证数据安全。</a:t>
-            </a:r>
-          </a:p>
-          <a:p>
-            <a:pPr lvl="1"/>
-            <a:r>
-              <a:rPr lang="zh-CN" altLang="en-US" dirty="0"/>
-              <a:t>复杂数据类型（如数组、对象）使用</a:t>
-            </a:r>
-            <a:r>
-              <a:rPr lang="zh-CN" altLang="en-US" dirty="0">
-                <a:solidFill>
-                  <a:srgbClr val="FF0000"/>
-                </a:solidFill>
-              </a:rPr>
-              <a:t>引用传递</a:t>
-            </a:r>
-            <a:r>
-              <a:rPr lang="zh-CN" altLang="en-US" dirty="0"/>
-              <a:t>，以提高效率，</a:t>
-            </a:r>
-            <a:r>
-              <a:rPr lang="zh-CN" altLang="en-US" dirty="0">
-                <a:solidFill>
-                  <a:srgbClr val="FF0000"/>
-                </a:solidFill>
-              </a:rPr>
-              <a:t>避免不必要的复制</a:t>
-            </a:r>
-            <a:r>
-              <a:rPr lang="zh-CN" altLang="en-US" dirty="0"/>
-              <a:t>。</a:t>
-            </a:r>
-            <a:endParaRPr lang="en-US" altLang="zh-CN" dirty="0" smtClean="0"/>
-          </a:p>
-          <a:p>
-            <a:endParaRPr lang="zh-CN" altLang="en-US" dirty="0" smtClean="0"/>
-          </a:p>
-          <a:p>
-            <a:pPr marL="457200" lvl="1" indent="0">
-              <a:buNone/>
-            </a:pPr>
-            <a:endParaRPr lang="zh-CN" altLang="en-US" dirty="0"/>
-          </a:p>
-        </p:txBody>
-      </p:sp>
+        </p:nvPicPr>
+        <p:blipFill>
+          <a:blip r:embed="rId2"/>
+          <a:stretch>
+            <a:fillRect/>
+          </a:stretch>
+        </p:blipFill>
+        <p:spPr>
+          <a:xfrm>
+            <a:off x="3194707" y="2059459"/>
+            <a:ext cx="6007417" cy="3778250"/>
+          </a:xfrm>
+          <a:prstGeom prst="rect">
+            <a:avLst/>
+          </a:prstGeom>
+        </p:spPr>
+      </p:pic>
     </p:spTree>
     <p:extLst>
       <p:ext uri="{BB962C8B-B14F-4D97-AF65-F5344CB8AC3E}">
-        <p14:creationId xmlns:p14="http://schemas.microsoft.com/office/powerpoint/2010/main" val="4032471405"/>
+        <p14:creationId xmlns:p14="http://schemas.microsoft.com/office/powerpoint/2010/main" val="861192913"/>
       </p:ext>
     </p:extLst>
   </p:cSld>
@@ -15540,9 +15458,28 @@
           <a:lstStyle/>
           <a:p>
             <a:r>
-              <a:rPr lang="zh-CN" altLang="en-US" b="1" dirty="0" smtClean="0"/>
-              <a:t>参数类型</a:t>
-            </a:r>
+              <a:rPr lang="zh-CN" altLang="en-US" dirty="0" smtClean="0"/>
+              <a:t>参数 </a:t>
+            </a:r>
+            <a:r>
+              <a:rPr lang="en-US" altLang="zh-CN" dirty="0" smtClean="0"/>
+              <a:t>- </a:t>
+            </a:r>
+            <a:r>
+              <a:rPr lang="zh-CN" altLang="en-US" dirty="0" smtClean="0"/>
+              <a:t>形参</a:t>
+            </a:r>
+            <a:r>
+              <a:rPr lang="zh-CN" altLang="en-US" dirty="0"/>
+              <a:t>与实参</a:t>
+            </a:r>
+            <a:r>
+              <a:rPr lang="en-US" altLang="zh-CN" dirty="0"/>
+              <a:t/>
+            </a:r>
+            <a:br>
+              <a:rPr lang="en-US" altLang="zh-CN" dirty="0"/>
+            </a:br>
             <a:endParaRPr lang="zh-CN" altLang="en-US" dirty="0"/>
           </a:p>
         </p:txBody>
@@ -15559,57 +15496,186 @@
         </p:nvSpPr>
         <p:spPr/>
         <p:txBody>
-          <a:bodyPr/>
+          <a:bodyPr>
+            <a:normAutofit fontScale="92500" lnSpcReduction="20000"/>
+          </a:bodyPr>
           <a:lstStyle/>
           <a:p>
             <a:r>
-              <a:rPr lang="zh-CN" altLang="en-US" dirty="0" smtClean="0"/>
-              <a:t>基本类型</a:t>
+              <a:rPr lang="zh-CN" altLang="en-US" dirty="0"/>
+              <a:t>形参（</a:t>
+            </a:r>
+            <a:r>
+              <a:rPr lang="en-US" altLang="zh-CN" dirty="0"/>
+              <a:t>Formal Parameter</a:t>
+            </a:r>
+            <a:r>
+              <a:rPr lang="zh-CN" altLang="en-US" dirty="0" smtClean="0"/>
+              <a:t>）</a:t>
             </a:r>
             <a:endParaRPr lang="en-US" altLang="zh-CN" dirty="0" smtClean="0"/>
           </a:p>
           <a:p>
-            <a:r>
-              <a:rPr lang="en-US" altLang="zh-CN" dirty="0"/>
-              <a:t>s</a:t>
-            </a:r>
+            <a:pPr marL="0" indent="0">
+              <a:buNone/>
+            </a:pPr>
+            <a:r>
+              <a:rPr lang="en-US" altLang="zh-CN" dirty="0"/>
+              <a:t>	</a:t>
+            </a:r>
+            <a:r>
+              <a:rPr lang="zh-CN" altLang="en-US" dirty="0"/>
+              <a:t>形参是</a:t>
+            </a:r>
+            <a:r>
+              <a:rPr lang="zh-CN" altLang="en-US" b="1" dirty="0"/>
+              <a:t>函数定义</a:t>
+            </a:r>
+            <a:r>
+              <a:rPr lang="zh-CN" altLang="en-US" dirty="0"/>
+              <a:t>时指定的参数，作为占位符，表示调用时需要传入的值。形参在</a:t>
+            </a:r>
+            <a:r>
+              <a:rPr lang="zh-CN" altLang="en-US" dirty="0" smtClean="0"/>
+              <a:t>函数被</a:t>
+            </a:r>
+            <a:r>
+              <a:rPr lang="en-US" altLang="zh-CN" smtClean="0"/>
+              <a:t>	</a:t>
+            </a:r>
+            <a:r>
+              <a:rPr lang="zh-CN" altLang="en-US" smtClean="0"/>
+              <a:t>调用</a:t>
+            </a:r>
+            <a:r>
+              <a:rPr lang="zh-CN" altLang="en-US" dirty="0"/>
+              <a:t>时才会被赋值</a:t>
+            </a:r>
+            <a:r>
+              <a:rPr lang="zh-CN" altLang="en-US" dirty="0" smtClean="0"/>
+              <a:t>。</a:t>
+            </a:r>
+            <a:endParaRPr lang="en-US" altLang="zh-CN" dirty="0" smtClean="0"/>
+          </a:p>
+          <a:p>
+            <a:pPr lvl="1"/>
+            <a:r>
+              <a:rPr lang="zh-CN" altLang="en-US" dirty="0"/>
+              <a:t>形参在函数定义中声明，不分配具体值。</a:t>
+            </a:r>
+          </a:p>
+          <a:p>
+            <a:pPr lvl="1"/>
+            <a:r>
+              <a:rPr lang="zh-CN" altLang="en-US" dirty="0"/>
+              <a:t>形参在函数调用时被赋值，即接收实参的数据。</a:t>
+            </a:r>
+          </a:p>
+          <a:p>
+            <a:pPr lvl="1"/>
+            <a:r>
+              <a:rPr lang="zh-CN" altLang="en-US" dirty="0"/>
+              <a:t>形参的作用范围仅限于当前函数，函数执行结束后，形参的内存会被释放。</a:t>
+            </a:r>
+          </a:p>
+          <a:p>
+            <a:pPr lvl="1"/>
+            <a:r>
+              <a:rPr lang="zh-CN" altLang="en-US" dirty="0"/>
+              <a:t>在值传递模式下，形参和实参占用不同的内存空间</a:t>
+            </a:r>
+            <a:r>
+              <a:rPr lang="zh-CN" altLang="en-US" dirty="0" smtClean="0"/>
+              <a:t>。</a:t>
+            </a:r>
+            <a:endParaRPr lang="en-US" altLang="zh-CN" dirty="0" smtClean="0"/>
+          </a:p>
+          <a:p>
+            <a:r>
+              <a:rPr lang="zh-CN" altLang="en-US" dirty="0"/>
+              <a:t>实参（</a:t>
+            </a:r>
+            <a:r>
+              <a:rPr lang="en-US" altLang="zh-CN" dirty="0"/>
+              <a:t>Actual Parameter</a:t>
+            </a:r>
+            <a:r>
+              <a:rPr lang="zh-CN" altLang="en-US" dirty="0" smtClean="0"/>
+              <a:t>）</a:t>
+            </a:r>
+            <a:endParaRPr lang="en-US" altLang="zh-CN" dirty="0" smtClean="0"/>
+          </a:p>
+          <a:p>
+            <a:pPr marL="0" indent="0">
+              <a:buNone/>
+            </a:pPr>
             <a:r>
               <a:rPr lang="en-US" altLang="zh-CN" dirty="0" smtClean="0"/>
-              <a:t>tring</a:t>
-            </a:r>
-            <a:r>
-              <a:rPr lang="zh-CN" altLang="en-US" dirty="0" smtClean="0"/>
-              <a:t>对象</a:t>
+              <a:t>	</a:t>
+            </a:r>
+            <a:r>
+              <a:rPr lang="zh-CN" altLang="en-US" dirty="0" smtClean="0"/>
+              <a:t>实参</a:t>
+            </a:r>
+            <a:r>
+              <a:rPr lang="zh-CN" altLang="en-US" dirty="0"/>
+              <a:t>是</a:t>
+            </a:r>
+            <a:r>
+              <a:rPr lang="zh-CN" altLang="en-US" b="1" dirty="0"/>
+              <a:t>函数调用时</a:t>
+            </a:r>
+            <a:r>
+              <a:rPr lang="zh-CN" altLang="en-US" dirty="0"/>
+              <a:t>传递给形参的具体值或变量</a:t>
+            </a:r>
+            <a:r>
+              <a:rPr lang="zh-CN" altLang="en-US" dirty="0" smtClean="0"/>
+              <a:t>。</a:t>
             </a:r>
             <a:endParaRPr lang="en-US" altLang="zh-CN" dirty="0" smtClean="0"/>
           </a:p>
           <a:p>
-            <a:r>
-              <a:rPr lang="zh-CN" altLang="en-US" dirty="0" smtClean="0"/>
-              <a:t>结构 </a:t>
-            </a:r>
-            <a:r>
-              <a:rPr lang="en-US" altLang="zh-CN" dirty="0" smtClean="0"/>
-              <a:t>– </a:t>
-            </a:r>
-            <a:r>
-              <a:rPr lang="en-US" altLang="zh-CN" dirty="0" err="1" smtClean="0"/>
-              <a:t>stuct</a:t>
+            <a:pPr lvl="1"/>
+            <a:r>
+              <a:rPr lang="zh-CN" altLang="en-US" dirty="0"/>
+              <a:t>实参是在函数调用时提供的值或变量。</a:t>
+            </a:r>
+          </a:p>
+          <a:p>
+            <a:pPr lvl="1"/>
+            <a:r>
+              <a:rPr lang="zh-CN" altLang="en-US" dirty="0"/>
+              <a:t>实参与形参数据类型必须匹配（或可以隐式转换）。</a:t>
+            </a:r>
+          </a:p>
+          <a:p>
+            <a:pPr lvl="1"/>
+            <a:r>
+              <a:rPr lang="zh-CN" altLang="en-US" dirty="0"/>
+              <a:t>传递方式可以是值传递、引用传递或指针传递</a:t>
+            </a:r>
+            <a:r>
+              <a:rPr lang="zh-CN" altLang="en-US" dirty="0" smtClean="0"/>
+              <a:t>。</a:t>
             </a:r>
             <a:endParaRPr lang="en-US" altLang="zh-CN" dirty="0" smtClean="0"/>
           </a:p>
           <a:p>
-            <a:r>
-              <a:rPr lang="zh-CN" altLang="en-US" dirty="0"/>
-              <a:t>数组</a:t>
-            </a:r>
+            <a:pPr marL="0" indent="0">
+              <a:buNone/>
+            </a:pPr>
+            <a:endParaRPr lang="zh-CN" altLang="en-US" dirty="0"/>
+          </a:p>
+          <a:p>
+            <a:endParaRPr lang="zh-CN" altLang="en-US" dirty="0"/>
           </a:p>
         </p:txBody>
       </p:sp>
     </p:spTree>
     <p:extLst>
       <p:ext uri="{BB962C8B-B14F-4D97-AF65-F5344CB8AC3E}">
-        <p14:creationId xmlns:p14="http://schemas.microsoft.com/office/powerpoint/2010/main" val="874589675"/>
+        <p14:creationId xmlns:p14="http://schemas.microsoft.com/office/powerpoint/2010/main" val="1185473136"/>
       </p:ext>
     </p:extLst>
   </p:cSld>
@@ -15652,14 +15718,17 @@
           <a:lstStyle/>
           <a:p>
             <a:r>
-              <a:rPr lang="en-US" altLang="zh-CN" b="1" dirty="0" smtClean="0"/>
-              <a:t>4.3 </a:t>
-            </a:r>
-            <a:r>
-              <a:rPr lang="zh-CN" altLang="en-US" b="1" dirty="0" smtClean="0"/>
-              <a:t>数组</a:t>
-            </a:r>
-            <a:endParaRPr lang="zh-CN" altLang="en-US" b="1" dirty="0"/>
+              <a:rPr lang="zh-CN" altLang="en-US" b="1" dirty="0"/>
+              <a:t>参数传递</a:t>
+            </a:r>
+            <a:r>
+              <a:rPr lang="zh-CN" altLang="en-US" dirty="0"/>
+              <a:t/>
+            </a:r>
+            <a:br>
+              <a:rPr lang="zh-CN" altLang="en-US" dirty="0"/>
+            </a:br>
+            <a:endParaRPr lang="zh-CN" altLang="en-US" dirty="0"/>
           </a:p>
         </p:txBody>
       </p:sp>
@@ -15676,102 +15745,253 @@
         <p:spPr/>
         <p:txBody>
           <a:bodyPr>
-            <a:normAutofit/>
+            <a:normAutofit fontScale="77500" lnSpcReduction="20000"/>
           </a:bodyPr>
           <a:lstStyle/>
           <a:p>
             <a:r>
-              <a:rPr lang="zh-CN" altLang="en-US" b="1" dirty="0"/>
-              <a:t>一维数组</a:t>
-            </a:r>
+              <a:rPr lang="zh-CN" altLang="en-US" dirty="0"/>
+              <a:t>值传递</a:t>
+            </a:r>
+            <a:r>
+              <a:rPr lang="zh-CN" altLang="en-US" dirty="0" smtClean="0"/>
+              <a:t>：</a:t>
+            </a:r>
+            <a:endParaRPr lang="en-US" altLang="zh-CN" dirty="0" smtClean="0"/>
           </a:p>
           <a:p>
             <a:pPr marL="0" indent="0">
               <a:buNone/>
             </a:pPr>
             <a:r>
+              <a:rPr lang="en-US" altLang="zh-CN" dirty="0"/>
+              <a:t>	</a:t>
+            </a:r>
+            <a:r>
+              <a:rPr lang="zh-CN" altLang="en-US" dirty="0"/>
+              <a:t>值传递是指</a:t>
+            </a:r>
+            <a:r>
+              <a:rPr lang="zh-CN" altLang="en-US" b="1" dirty="0">
+                <a:solidFill>
+                  <a:srgbClr val="FF0000"/>
+                </a:solidFill>
+              </a:rPr>
+              <a:t>将实参的值复制一份</a:t>
+            </a:r>
+            <a:r>
+              <a:rPr lang="zh-CN" altLang="en-US" dirty="0"/>
+              <a:t>，然后传递给函数的形参。函数内部对形参的</a:t>
+            </a:r>
+            <a:r>
+              <a:rPr lang="zh-CN" altLang="en-US" dirty="0" smtClean="0"/>
+              <a:t>修改</a:t>
+            </a:r>
+            <a:r>
+              <a:rPr lang="zh-CN" altLang="en-US" dirty="0" smtClean="0"/>
+              <a:t>不会</a:t>
+            </a:r>
+            <a:r>
               <a:rPr lang="en-US" altLang="zh-CN" dirty="0" smtClean="0"/>
               <a:t>	</a:t>
             </a:r>
             <a:r>
               <a:rPr lang="zh-CN" altLang="en-US" dirty="0" smtClean="0"/>
-              <a:t>一</a:t>
-            </a:r>
-            <a:r>
-              <a:rPr lang="zh-CN" altLang="en-US" dirty="0"/>
-              <a:t>维数组是具有相同类型元素的集合，元素通过索引访问。</a:t>
-            </a:r>
-          </a:p>
-          <a:p>
-            <a:r>
-              <a:rPr lang="zh-CN" altLang="en-US" b="1" dirty="0"/>
-              <a:t>二维数组</a:t>
-            </a:r>
+              <a:t>影响</a:t>
+            </a:r>
+            <a:r>
+              <a:rPr lang="zh-CN" altLang="en-US" dirty="0"/>
+              <a:t>原始变量</a:t>
+            </a:r>
+            <a:r>
+              <a:rPr lang="zh-CN" altLang="en-US" dirty="0" smtClean="0"/>
+              <a:t>，</a:t>
+            </a:r>
+            <a:r>
+              <a:rPr lang="en-US" altLang="zh-CN" dirty="0" smtClean="0"/>
+              <a:t>	</a:t>
+            </a:r>
+            <a:r>
+              <a:rPr lang="zh-CN" altLang="en-US" dirty="0" smtClean="0"/>
+              <a:t>因为</a:t>
+            </a:r>
+            <a:r>
+              <a:rPr lang="zh-CN" altLang="en-US" dirty="0"/>
+              <a:t>它们</a:t>
+            </a:r>
+            <a:r>
+              <a:rPr lang="zh-CN" altLang="en-US" dirty="0" smtClean="0"/>
+              <a:t>是</a:t>
+            </a:r>
+            <a:r>
+              <a:rPr lang="en-US" altLang="zh-CN" dirty="0" smtClean="0"/>
+              <a:t>	</a:t>
+            </a:r>
+            <a:r>
+              <a:rPr lang="zh-CN" altLang="en-US" dirty="0" smtClean="0"/>
+              <a:t>两</a:t>
+            </a:r>
+            <a:r>
+              <a:rPr lang="zh-CN" altLang="en-US" dirty="0"/>
+              <a:t>个独立的变量</a:t>
+            </a:r>
+            <a:r>
+              <a:rPr lang="zh-CN" altLang="en-US" dirty="0" smtClean="0"/>
+              <a:t>。</a:t>
+            </a:r>
+            <a:endParaRPr lang="en-US" altLang="zh-CN" dirty="0" smtClean="0"/>
+          </a:p>
+          <a:p>
+            <a:pPr lvl="1"/>
+            <a:r>
+              <a:rPr lang="zh-CN" altLang="en-US" dirty="0"/>
+              <a:t>形参和实参占用不同的内存空间。</a:t>
+            </a:r>
+          </a:p>
+          <a:p>
+            <a:pPr lvl="1"/>
+            <a:r>
+              <a:rPr lang="zh-CN" altLang="en-US" dirty="0"/>
+              <a:t>形参的修改不会影响实参的值。</a:t>
+            </a:r>
+          </a:p>
+          <a:p>
+            <a:pPr lvl="1"/>
+            <a:r>
+              <a:rPr lang="zh-CN" altLang="en-US" dirty="0"/>
+              <a:t>适用于基本数据类型（如整数、浮点数、字符等）。</a:t>
+            </a:r>
+          </a:p>
+          <a:p>
+            <a:r>
+              <a:rPr lang="zh-CN" altLang="en-US" dirty="0"/>
+              <a:t>引用传递</a:t>
+            </a:r>
+            <a:r>
+              <a:rPr lang="zh-CN" altLang="en-US" dirty="0" smtClean="0"/>
+              <a:t>：</a:t>
+            </a:r>
+            <a:endParaRPr lang="en-US" altLang="zh-CN" dirty="0" smtClean="0"/>
           </a:p>
           <a:p>
             <a:pPr marL="0" indent="0">
               <a:buNone/>
             </a:pPr>
             <a:r>
-              <a:rPr lang="en-US" altLang="zh-CN" dirty="0" smtClean="0"/>
+              <a:rPr lang="en-US" altLang="zh-CN" dirty="0"/>
               <a:t>	</a:t>
             </a:r>
             <a:r>
               <a:rPr lang="zh-CN" altLang="en-US" dirty="0" smtClean="0"/>
-              <a:t>二</a:t>
-            </a:r>
-            <a:r>
-              <a:rPr lang="zh-CN" altLang="en-US" dirty="0"/>
-              <a:t>维数组是数组的数组。可以通过指定两个索引访问元素。</a:t>
-            </a:r>
-          </a:p>
-          <a:p>
+              <a:t>引用</a:t>
+            </a:r>
+            <a:r>
+              <a:rPr lang="zh-CN" altLang="en-US" dirty="0"/>
+              <a:t>传递是</a:t>
+            </a:r>
+            <a:r>
+              <a:rPr lang="zh-CN" altLang="en-US" b="1" dirty="0">
+                <a:solidFill>
+                  <a:srgbClr val="FF0000"/>
+                </a:solidFill>
+              </a:rPr>
+              <a:t>将变量的地址</a:t>
+            </a:r>
             <a:r>
               <a:rPr lang="zh-CN" altLang="en-US" b="1" dirty="0"/>
-              <a:t>数组与指针的</a:t>
-            </a:r>
-            <a:r>
-              <a:rPr lang="zh-CN" altLang="en-US" b="1" dirty="0" smtClean="0"/>
-              <a:t>关系</a:t>
-            </a:r>
-            <a:endParaRPr lang="en-US" altLang="zh-CN" b="1" dirty="0" smtClean="0"/>
+              <a:t>传递</a:t>
+            </a:r>
+            <a:r>
+              <a:rPr lang="zh-CN" altLang="en-US" dirty="0"/>
+              <a:t>给函数，使得函数内的操作直接作用于原变量。</a:t>
+            </a:r>
+          </a:p>
+          <a:p>
+            <a:pPr lvl="1"/>
+            <a:r>
+              <a:rPr lang="zh-CN" altLang="en-US" dirty="0"/>
+              <a:t>形参和实参共享</a:t>
+            </a:r>
+            <a:r>
+              <a:rPr lang="zh-CN" altLang="en-US" dirty="0">
+                <a:solidFill>
+                  <a:srgbClr val="FF0000"/>
+                </a:solidFill>
+              </a:rPr>
+              <a:t>相同的内存地址</a:t>
+            </a:r>
+            <a:r>
+              <a:rPr lang="zh-CN" altLang="en-US" dirty="0"/>
+              <a:t>。</a:t>
+            </a:r>
+          </a:p>
+          <a:p>
+            <a:pPr lvl="1"/>
+            <a:r>
+              <a:rPr lang="zh-CN" altLang="en-US" dirty="0"/>
+              <a:t>形参的修改会直接影响实参的值。</a:t>
+            </a:r>
+          </a:p>
+          <a:p>
+            <a:pPr lvl="1"/>
+            <a:r>
+              <a:rPr lang="zh-CN" altLang="en-US" dirty="0"/>
+              <a:t>适用于复杂数据类型（如数组、对象、结构体）</a:t>
+            </a:r>
+            <a:r>
+              <a:rPr lang="zh-CN" altLang="en-US" dirty="0" smtClean="0"/>
+              <a:t>。</a:t>
+            </a:r>
+            <a:endParaRPr lang="en-US" altLang="zh-CN" dirty="0" smtClean="0"/>
+          </a:p>
+          <a:p>
+            <a:r>
+              <a:rPr lang="zh-CN" altLang="en-US" dirty="0"/>
+              <a:t>指针传递</a:t>
+            </a:r>
+            <a:r>
+              <a:rPr lang="zh-CN" altLang="en-US" dirty="0" smtClean="0"/>
+              <a:t>：</a:t>
+            </a:r>
+            <a:endParaRPr lang="en-US" altLang="zh-CN" dirty="0" smtClean="0"/>
           </a:p>
           <a:p>
             <a:pPr marL="0" indent="0">
               <a:buNone/>
             </a:pPr>
             <a:r>
-              <a:rPr lang="en-US" altLang="zh-CN" dirty="0" smtClean="0"/>
+              <a:rPr lang="en-US" altLang="zh-CN" dirty="0"/>
               <a:t>	</a:t>
             </a:r>
             <a:r>
               <a:rPr lang="zh-CN" altLang="en-US" dirty="0" smtClean="0"/>
-              <a:t>数组</a:t>
-            </a:r>
-            <a:r>
-              <a:rPr lang="zh-CN" altLang="en-US" dirty="0"/>
-              <a:t>名在很多情况下会退化为指向数组首元素的指针。因此，可以使用指针来访问</a:t>
-            </a:r>
-            <a:r>
-              <a:rPr lang="en-US" altLang="zh-CN" dirty="0"/>
-              <a:t>	</a:t>
-            </a:r>
-            <a:r>
-              <a:rPr lang="zh-CN" altLang="en-US" dirty="0"/>
-              <a:t>数组元素</a:t>
-            </a:r>
-            <a:r>
-              <a:rPr lang="zh-CN" altLang="en-US" dirty="0" smtClean="0"/>
-              <a:t>。</a:t>
-            </a:r>
-            <a:endParaRPr lang="en-US" altLang="zh-CN" dirty="0"/>
+              <a:t>变量</a:t>
+            </a:r>
+            <a:r>
+              <a:rPr lang="zh-CN" altLang="en-US" dirty="0"/>
+              <a:t>的</a:t>
+            </a:r>
+            <a:r>
+              <a:rPr lang="zh-CN" altLang="en-US" dirty="0" smtClean="0"/>
+              <a:t>地址</a:t>
+            </a:r>
+            <a:endParaRPr lang="en-US" altLang="zh-CN" dirty="0" smtClean="0"/>
+          </a:p>
+          <a:p>
+            <a:endParaRPr lang="zh-CN" altLang="en-US" dirty="0" smtClean="0"/>
+          </a:p>
+          <a:p>
+            <a:pPr marL="457200" lvl="1" indent="0">
+              <a:buNone/>
+            </a:pPr>
+            <a:endParaRPr lang="zh-CN" altLang="en-US" dirty="0"/>
           </a:p>
         </p:txBody>
       </p:sp>
     </p:spTree>
     <p:extLst>
       <p:ext uri="{BB962C8B-B14F-4D97-AF65-F5344CB8AC3E}">
-        <p14:creationId xmlns:p14="http://schemas.microsoft.com/office/powerpoint/2010/main" val="2859311749"/>
+        <p14:creationId xmlns:p14="http://schemas.microsoft.com/office/powerpoint/2010/main" val="4032471405"/>
       </p:ext>
     </p:extLst>
   </p:cSld>
@@ -15814,22 +16034,17 @@
           <a:lstStyle/>
           <a:p>
             <a:r>
-              <a:rPr lang="en-US" altLang="zh-CN" b="1" dirty="0" smtClean="0"/>
-              <a:t>4.4 </a:t>
-            </a:r>
-            <a:r>
-              <a:rPr lang="zh-CN" altLang="en-US" b="1" dirty="0" smtClean="0"/>
-              <a:t>参数类型 </a:t>
-            </a:r>
-            <a:r>
-              <a:rPr lang="en-US" altLang="zh-CN" b="1" dirty="0" smtClean="0"/>
-              <a:t>- </a:t>
-            </a:r>
-            <a:r>
-              <a:rPr lang="zh-CN" altLang="en-US" b="1" dirty="0" smtClean="0"/>
-              <a:t>数组</a:t>
-            </a:r>
-            <a:endParaRPr lang="zh-CN" altLang="en-US" b="1" dirty="0"/>
+              <a:rPr lang="zh-CN" altLang="en-US" b="1" dirty="0"/>
+              <a:t>形参和实参的内存关系</a:t>
+            </a:r>
+            <a:r>
+              <a:rPr lang="en-US" altLang="zh-CN" dirty="0"/>
+              <a:t/>
+            </a:r>
+            <a:br>
+              <a:rPr lang="en-US" altLang="zh-CN" dirty="0"/>
+            </a:br>
+            <a:endParaRPr lang="zh-CN" altLang="en-US" dirty="0"/>
           </a:p>
         </p:txBody>
       </p:sp>
@@ -15849,30 +16064,13 @@
           <a:lstStyle/>
           <a:p>
             <a:r>
-              <a:rPr lang="zh-CN" altLang="en-US" dirty="0"/>
-              <a:t>在 </a:t>
-            </a:r>
-            <a:r>
-              <a:rPr lang="en-US" altLang="zh-CN" dirty="0"/>
-              <a:t>C++ </a:t>
-            </a:r>
-            <a:r>
-              <a:rPr lang="zh-CN" altLang="en-US" dirty="0"/>
-              <a:t>中，</a:t>
+              <a:rPr lang="zh-CN" altLang="en-US" b="1" dirty="0" smtClean="0"/>
+              <a:t>值</a:t>
             </a:r>
             <a:r>
               <a:rPr lang="zh-CN" altLang="en-US" b="1" dirty="0"/>
-              <a:t>数组可以作为函数的参数</a:t>
-            </a:r>
-            <a:r>
-              <a:rPr lang="zh-CN" altLang="en-US" dirty="0"/>
-              <a:t> 进行传递</a:t>
-            </a:r>
-            <a:r>
-              <a:rPr lang="zh-CN" altLang="en-US" dirty="0" smtClean="0"/>
-              <a:t>。</a:t>
-            </a:r>
-            <a:endParaRPr lang="en-US" altLang="zh-CN" dirty="0" smtClean="0"/>
+              <a:t>传递情况下（占用不同内存空间）</a:t>
+            </a:r>
           </a:p>
           <a:p>
             <a:pPr marL="0" indent="0">
@@ -15884,56 +16082,71 @@
             </a:r>
             <a:r>
               <a:rPr lang="zh-CN" altLang="en-US" dirty="0" smtClean="0"/>
-              <a:t>由于</a:t>
-            </a:r>
-            <a:r>
-              <a:rPr lang="zh-CN" altLang="en-US" dirty="0"/>
-              <a:t>数组本质上是指针，传递数组参数时，实际上传递的是</a:t>
+              <a:t>在</a:t>
             </a:r>
             <a:r>
               <a:rPr lang="zh-CN" altLang="en-US" b="1" dirty="0"/>
-              <a:t>数组的地址</a:t>
-            </a:r>
-            <a:r>
-              <a:rPr lang="zh-CN" altLang="en-US" dirty="0"/>
-              <a:t>，这</a:t>
-            </a:r>
-            <a:r>
-              <a:rPr lang="zh-CN" altLang="en-US" dirty="0" smtClean="0"/>
-              <a:t>意味着</a:t>
-            </a:r>
-            <a:endParaRPr lang="en-US" altLang="zh-CN" dirty="0" smtClean="0"/>
+              <a:t>值传递</a:t>
+            </a:r>
+            <a:r>
+              <a:rPr lang="zh-CN" altLang="en-US" dirty="0"/>
+              <a:t>模式下，形参是</a:t>
+            </a:r>
+            <a:r>
+              <a:rPr lang="zh-CN" altLang="en-US" b="1" dirty="0"/>
+              <a:t>实参的拷贝</a:t>
+            </a:r>
+            <a:r>
+              <a:rPr lang="zh-CN" altLang="en-US" dirty="0"/>
+              <a:t>，它们存储在不同的内存空间中，互不影响。</a:t>
+            </a:r>
+            <a:endParaRPr lang="en-US" altLang="zh-CN" dirty="0"/>
+          </a:p>
+          <a:p>
+            <a:r>
+              <a:rPr lang="zh-CN" altLang="en-US" b="1" dirty="0"/>
+              <a:t>引用传递情况下（占用相同内存空间）</a:t>
+            </a:r>
           </a:p>
           <a:p>
             <a:pPr marL="0" indent="0">
               <a:buNone/>
             </a:pPr>
             <a:r>
-              <a:rPr lang="en-US" altLang="zh-CN" dirty="0"/>
+              <a:rPr lang="en-US" altLang="zh-CN" dirty="0" smtClean="0"/>
               <a:t>	</a:t>
             </a:r>
             <a:r>
-              <a:rPr lang="zh-CN" altLang="en-US" dirty="0" smtClean="0"/>
-              <a:t>函数</a:t>
-            </a:r>
-            <a:r>
-              <a:rPr lang="zh-CN" altLang="en-US" dirty="0"/>
-              <a:t>内部可以修改原数组的内容</a:t>
-            </a:r>
-            <a:r>
-              <a:rPr lang="zh-CN" altLang="en-US" dirty="0" smtClean="0"/>
-              <a:t>。</a:t>
-            </a:r>
-            <a:endParaRPr lang="en-US" altLang="zh-CN" dirty="0" smtClean="0"/>
-          </a:p>
-          <a:p>
-            <a:r>
-              <a:rPr lang="zh-CN" altLang="en-US" dirty="0"/>
-              <a:t>语法格式</a:t>
-            </a:r>
-            <a:r>
-              <a:rPr lang="zh-CN" altLang="en-US" dirty="0" smtClean="0"/>
-              <a:t>：</a:t>
+              <a:rPr lang="en-US" altLang="zh-CN" dirty="0"/>
+              <a:t> </a:t>
+            </a:r>
+            <a:r>
+              <a:rPr lang="zh-CN" altLang="en-US" dirty="0" smtClean="0"/>
+              <a:t>如果</a:t>
+            </a:r>
+            <a:r>
+              <a:rPr lang="zh-CN" altLang="en-US" dirty="0"/>
+              <a:t>采用</a:t>
+            </a:r>
+            <a:r>
+              <a:rPr lang="zh-CN" altLang="en-US" b="1" dirty="0"/>
+              <a:t>引用传递</a:t>
+            </a:r>
+            <a:r>
+              <a:rPr lang="zh-CN" altLang="en-US" dirty="0"/>
+              <a:t>，形参和实参会</a:t>
+            </a:r>
+            <a:r>
+              <a:rPr lang="zh-CN" altLang="en-US" b="1" dirty="0"/>
+              <a:t>共享相同的内存地址</a:t>
+            </a:r>
+            <a:r>
+              <a:rPr lang="zh-CN" altLang="en-US" dirty="0"/>
+              <a:t>，修改形参的值会影响</a:t>
+            </a:r>
+            <a:r>
+              <a:rPr lang="zh-CN" altLang="en-US" dirty="0" smtClean="0"/>
+              <a:t>实</a:t>
             </a:r>
             <a:endParaRPr lang="en-US" altLang="zh-CN" dirty="0" smtClean="0"/>
           </a:p>
@@ -15942,126 +16155,27 @@
               <a:buNone/>
             </a:pPr>
             <a:r>
-              <a:rPr lang="en-US" altLang="zh-CN" dirty="0" smtClean="0"/>
-              <a:t>	void </a:t>
-            </a:r>
-            <a:r>
-              <a:rPr lang="en-US" altLang="zh-CN" dirty="0" err="1"/>
-              <a:t>functionName</a:t>
-            </a:r>
-            <a:r>
-              <a:rPr lang="en-US" altLang="zh-CN" dirty="0"/>
-              <a:t>(</a:t>
-            </a:r>
-            <a:r>
-              <a:rPr lang="en-US" altLang="zh-CN" dirty="0" err="1"/>
-              <a:t>dataType</a:t>
-            </a:r>
-            <a:r>
-              <a:rPr lang="en-US" altLang="zh-CN" dirty="0"/>
-              <a:t> </a:t>
-            </a:r>
-            <a:r>
-              <a:rPr lang="en-US" altLang="zh-CN" dirty="0" err="1"/>
-              <a:t>arrayName</a:t>
-            </a:r>
-            <a:r>
-              <a:rPr lang="en-US" altLang="zh-CN" dirty="0"/>
-              <a:t>[], </a:t>
-            </a:r>
-            <a:r>
-              <a:rPr lang="en-US" altLang="zh-CN" dirty="0" err="1"/>
-              <a:t>int</a:t>
-            </a:r>
-            <a:r>
-              <a:rPr lang="en-US" altLang="zh-CN" dirty="0"/>
-              <a:t> size</a:t>
-            </a:r>
-            <a:r>
-              <a:rPr lang="en-US" altLang="zh-CN" dirty="0" smtClean="0"/>
-              <a:t>);</a:t>
-            </a:r>
-          </a:p>
-          <a:p>
-            <a:pPr marL="0" indent="0">
-              <a:buNone/>
-            </a:pPr>
-            <a:r>
               <a:rPr lang="en-US" altLang="zh-CN" dirty="0"/>
               <a:t>	</a:t>
             </a:r>
             <a:r>
-              <a:rPr lang="en-US" altLang="zh-CN" dirty="0" smtClean="0"/>
-              <a:t>void </a:t>
-            </a:r>
-            <a:r>
-              <a:rPr lang="en-US" altLang="zh-CN" dirty="0" err="1"/>
-              <a:t>functionName</a:t>
-            </a:r>
-            <a:r>
-              <a:rPr lang="en-US" altLang="zh-CN" dirty="0"/>
-              <a:t>(</a:t>
-            </a:r>
-            <a:r>
-              <a:rPr lang="en-US" altLang="zh-CN" dirty="0" err="1"/>
-              <a:t>dataType</a:t>
-            </a:r>
-            <a:r>
-              <a:rPr lang="en-US" altLang="zh-CN" dirty="0"/>
-              <a:t>* </a:t>
-            </a:r>
-            <a:r>
-              <a:rPr lang="en-US" altLang="zh-CN" dirty="0" err="1"/>
-              <a:t>arrayName</a:t>
-            </a:r>
-            <a:r>
-              <a:rPr lang="en-US" altLang="zh-CN" dirty="0"/>
-              <a:t>, </a:t>
-            </a:r>
-            <a:r>
-              <a:rPr lang="en-US" altLang="zh-CN" dirty="0" err="1"/>
-              <a:t>int</a:t>
-            </a:r>
-            <a:r>
-              <a:rPr lang="en-US" altLang="zh-CN" dirty="0"/>
-              <a:t> size);</a:t>
-            </a:r>
-          </a:p>
-          <a:p>
-            <a:r>
-              <a:rPr lang="zh-CN" altLang="en-US" dirty="0" smtClean="0"/>
-              <a:t>注意</a:t>
-            </a:r>
-            <a:endParaRPr lang="en-US" altLang="zh-CN" dirty="0" smtClean="0"/>
-          </a:p>
-          <a:p>
-            <a:pPr lvl="1"/>
-            <a:r>
-              <a:rPr lang="zh-CN" altLang="en-US" dirty="0"/>
-              <a:t>由于数组作为参数时实际传递的是指针，所以函数内部对数组的修改会影响原数组。</a:t>
-            </a:r>
-          </a:p>
-          <a:p>
-            <a:pPr lvl="1"/>
-            <a:r>
-              <a:rPr lang="zh-CN" altLang="en-US" dirty="0"/>
-              <a:t>需要提供数组的 大小（</a:t>
-            </a:r>
-            <a:r>
-              <a:rPr lang="en-US" altLang="zh-CN" dirty="0"/>
-              <a:t>size</a:t>
-            </a:r>
-            <a:r>
-              <a:rPr lang="zh-CN" altLang="en-US" dirty="0"/>
-              <a:t>），否则无法正确遍历数组。</a:t>
-            </a:r>
+              <a:rPr lang="zh-CN" altLang="en-US" dirty="0" smtClean="0"/>
+              <a:t>参</a:t>
+            </a:r>
+            <a:r>
+              <a:rPr lang="zh-CN" altLang="en-US" dirty="0"/>
+              <a:t>。</a:t>
+            </a:r>
+          </a:p>
+          <a:p>
+            <a:endParaRPr lang="zh-CN" altLang="en-US" dirty="0"/>
           </a:p>
         </p:txBody>
       </p:sp>
     </p:spTree>
     <p:extLst>
       <p:ext uri="{BB962C8B-B14F-4D97-AF65-F5344CB8AC3E}">
-        <p14:creationId xmlns:p14="http://schemas.microsoft.com/office/powerpoint/2010/main" val="1038020837"/>
+        <p14:creationId xmlns:p14="http://schemas.microsoft.com/office/powerpoint/2010/main" val="3437197801"/>
       </p:ext>
     </p:extLst>
   </p:cSld>
@@ -16105,15 +16219,11 @@
           <a:p>
             <a:r>
               <a:rPr lang="zh-CN" altLang="en-US" b="1" dirty="0"/>
-              <a:t>参数类型 </a:t>
-            </a:r>
-            <a:r>
-              <a:rPr lang="en-US" altLang="zh-CN" b="1" dirty="0"/>
-              <a:t>- </a:t>
+              <a:t>参数</a:t>
             </a:r>
             <a:r>
               <a:rPr lang="zh-CN" altLang="en-US" b="1" dirty="0" smtClean="0"/>
-              <a:t>数组 </a:t>
+              <a:t>传递 </a:t>
             </a:r>
             <a:r>
               <a:rPr lang="en-US" altLang="zh-CN" b="1" dirty="0" smtClean="0"/>
@@ -16121,9 +16231,20 @@
             </a:r>
             <a:r>
               <a:rPr lang="zh-CN" altLang="en-US" b="1" dirty="0" smtClean="0"/>
-              <a:t>示例</a:t>
-            </a:r>
-            <a:endParaRPr lang="zh-CN" altLang="en-US" b="1" dirty="0"/>
+              <a:t>使用</a:t>
+            </a:r>
+            <a:r>
+              <a:rPr lang="zh-CN" altLang="en-US" b="1" dirty="0"/>
+              <a:t>场景</a:t>
+            </a:r>
+            <a:r>
+              <a:rPr lang="en-US" altLang="zh-CN" dirty="0"/>
+              <a:t/>
+            </a:r>
+            <a:br>
+              <a:rPr lang="en-US" altLang="zh-CN" dirty="0"/>
+            </a:br>
+            <a:endParaRPr lang="zh-CN" altLang="en-US" dirty="0"/>
           </a:p>
         </p:txBody>
       </p:sp>
@@ -16144,48 +16265,80 @@
           <a:p>
             <a:r>
               <a:rPr lang="zh-CN" altLang="en-US" dirty="0"/>
-              <a:t>数组</a:t>
-            </a:r>
-            <a:r>
-              <a:rPr lang="zh-CN" altLang="en-US" dirty="0" smtClean="0"/>
-              <a:t>求和</a:t>
-            </a:r>
-            <a:endParaRPr lang="en-US" altLang="zh-CN" dirty="0" smtClean="0"/>
-          </a:p>
-          <a:p>
-            <a:r>
-              <a:rPr lang="zh-CN" altLang="en-US" dirty="0"/>
-              <a:t>修改数组中</a:t>
-            </a:r>
-            <a:r>
-              <a:rPr lang="zh-CN" altLang="en-US" dirty="0" smtClean="0"/>
-              <a:t>的元素</a:t>
-            </a:r>
-            <a:endParaRPr lang="en-US" altLang="zh-CN" dirty="0" smtClean="0"/>
-          </a:p>
-          <a:p>
-            <a:r>
-              <a:rPr lang="zh-CN" altLang="en-US" dirty="0"/>
-              <a:t>传递二维数</a:t>
-            </a:r>
-            <a:r>
-              <a:rPr lang="zh-CN" altLang="en-US" dirty="0" smtClean="0"/>
-              <a:t>组</a:t>
-            </a:r>
-            <a:endParaRPr lang="en-US" altLang="zh-CN" dirty="0" smtClean="0"/>
-          </a:p>
-          <a:p>
-            <a:r>
-              <a:rPr lang="zh-CN" altLang="en-US" dirty="0"/>
-              <a:t>使用指针修改数组元素</a:t>
-            </a:r>
+              <a:t>基本数据类型（如 </a:t>
+            </a:r>
+            <a:r>
+              <a:rPr lang="en-US" altLang="zh-CN" dirty="0" err="1"/>
+              <a:t>int</a:t>
+            </a:r>
+            <a:r>
+              <a:rPr lang="zh-CN" altLang="en-US" dirty="0"/>
+              <a:t>，</a:t>
+            </a:r>
+            <a:r>
+              <a:rPr lang="en-US" altLang="zh-CN" dirty="0"/>
+              <a:t>float</a:t>
+            </a:r>
+            <a:r>
+              <a:rPr lang="zh-CN" altLang="en-US" dirty="0"/>
+              <a:t>）一般使用</a:t>
+            </a:r>
+            <a:r>
+              <a:rPr lang="zh-CN" altLang="en-US" dirty="0">
+                <a:solidFill>
+                  <a:srgbClr val="FF0000"/>
+                </a:solidFill>
+              </a:rPr>
+              <a:t>值传递</a:t>
+            </a:r>
+            <a:r>
+              <a:rPr lang="zh-CN" altLang="en-US" dirty="0"/>
+              <a:t>，以保证数据安全。</a:t>
+            </a:r>
+          </a:p>
+          <a:p>
+            <a:r>
+              <a:rPr lang="zh-CN" altLang="en-US" dirty="0"/>
+              <a:t>复杂数据类型（如数组、对象）使用</a:t>
+            </a:r>
+            <a:r>
+              <a:rPr lang="zh-CN" altLang="en-US" dirty="0">
+                <a:solidFill>
+                  <a:srgbClr val="FF0000"/>
+                </a:solidFill>
+              </a:rPr>
+              <a:t>引用传递</a:t>
+            </a:r>
+            <a:r>
+              <a:rPr lang="zh-CN" altLang="en-US" dirty="0"/>
+              <a:t>，以提高效率，</a:t>
+            </a:r>
+            <a:r>
+              <a:rPr lang="zh-CN" altLang="en-US" dirty="0">
+                <a:solidFill>
+                  <a:srgbClr val="FF0000"/>
+                </a:solidFill>
+              </a:rPr>
+              <a:t>避免不必要的复制</a:t>
+            </a:r>
+            <a:r>
+              <a:rPr lang="zh-CN" altLang="en-US" dirty="0"/>
+              <a:t>。</a:t>
+            </a:r>
+            <a:endParaRPr lang="en-US" altLang="zh-CN" dirty="0"/>
+          </a:p>
+          <a:p>
+            <a:pPr marL="0" indent="0">
+              <a:buNone/>
+            </a:pPr>
+            <a:endParaRPr lang="zh-CN" altLang="en-US" dirty="0"/>
           </a:p>
         </p:txBody>
       </p:sp>
     </p:spTree>
     <p:extLst>
       <p:ext uri="{BB962C8B-B14F-4D97-AF65-F5344CB8AC3E}">
-        <p14:creationId xmlns:p14="http://schemas.microsoft.com/office/powerpoint/2010/main" val="4022824451"/>
+        <p14:creationId xmlns:p14="http://schemas.microsoft.com/office/powerpoint/2010/main" val="219102014"/>
       </p:ext>
     </p:extLst>
   </p:cSld>
@@ -16228,13 +16381,10 @@
           <a:lstStyle/>
           <a:p>
             <a:r>
-              <a:rPr lang="en-US" altLang="zh-CN" b="1" dirty="0" smtClean="0"/>
-              <a:t>4.5 </a:t>
-            </a:r>
-            <a:r>
-              <a:rPr lang="zh-CN" altLang="en-US" b="1" dirty="0"/>
-              <a:t>函数重载与递归</a:t>
-            </a:r>
+              <a:rPr lang="zh-CN" altLang="en-US" b="1" dirty="0" smtClean="0"/>
+              <a:t>参数类型</a:t>
+            </a:r>
+            <a:endParaRPr lang="zh-CN" altLang="en-US" dirty="0"/>
           </a:p>
         </p:txBody>
       </p:sp>
@@ -16254,75 +16404,60 @@
           <a:lstStyle/>
           <a:p>
             <a:r>
-              <a:rPr lang="zh-CN" altLang="en-US" b="1" dirty="0"/>
-              <a:t>函数重载</a:t>
-            </a:r>
-          </a:p>
-          <a:p>
-            <a:pPr marL="0" indent="0">
-              <a:buNone/>
-            </a:pPr>
+              <a:rPr lang="zh-CN" altLang="en-US" dirty="0" smtClean="0"/>
+              <a:t>基本类型</a:t>
+            </a:r>
+            <a:endParaRPr lang="en-US" altLang="zh-CN" dirty="0" smtClean="0"/>
+          </a:p>
+          <a:p>
+            <a:r>
+              <a:rPr lang="en-US" altLang="zh-CN" dirty="0"/>
+              <a:t>s</a:t>
+            </a:r>
             <a:r>
               <a:rPr lang="en-US" altLang="zh-CN" dirty="0" smtClean="0"/>
-              <a:t>	</a:t>
-            </a:r>
-            <a:r>
-              <a:rPr lang="zh-CN" altLang="en-US" dirty="0" smtClean="0"/>
-              <a:t>函数</a:t>
-            </a:r>
-            <a:r>
-              <a:rPr lang="zh-CN" altLang="en-US" dirty="0"/>
-              <a:t>重载是指在同一作用域内可以定义多个同名的函数，只要它们的参数类型或</a:t>
-            </a:r>
-            <a:r>
-              <a:rPr lang="zh-CN" altLang="en-US" dirty="0" smtClean="0"/>
-              <a:t>个</a:t>
+              <a:t>tring</a:t>
+            </a:r>
+            <a:r>
+              <a:rPr lang="zh-CN" altLang="en-US" dirty="0" smtClean="0"/>
+              <a:t>对象</a:t>
+            </a:r>
+            <a:endParaRPr lang="en-US" altLang="zh-CN" dirty="0" smtClean="0"/>
+          </a:p>
+          <a:p>
+            <a:r>
+              <a:rPr lang="zh-CN" altLang="en-US" dirty="0" smtClean="0"/>
+              <a:t>结构 </a:t>
             </a:r>
             <a:r>
               <a:rPr lang="en-US" altLang="zh-CN" dirty="0" smtClean="0"/>
-              <a:t>	</a:t>
-            </a:r>
-            <a:r>
-              <a:rPr lang="zh-CN" altLang="en-US" dirty="0" smtClean="0"/>
-              <a:t>数</a:t>
-            </a:r>
-            <a:r>
-              <a:rPr lang="zh-CN" altLang="en-US" dirty="0"/>
-              <a:t>不同。</a:t>
-            </a:r>
-          </a:p>
-          <a:p>
-            <a:r>
-              <a:rPr lang="zh-CN" altLang="en-US" b="1" dirty="0"/>
-              <a:t>递归函数</a:t>
-            </a:r>
-          </a:p>
-          <a:p>
-            <a:pPr marL="0" indent="0">
-              <a:buNone/>
-            </a:pPr>
-            <a:r>
-              <a:rPr lang="en-US" altLang="zh-CN" dirty="0" smtClean="0"/>
-              <a:t>	</a:t>
-            </a:r>
-            <a:r>
-              <a:rPr lang="zh-CN" altLang="en-US" dirty="0" smtClean="0"/>
-              <a:t>递归</a:t>
-            </a:r>
-            <a:r>
-              <a:rPr lang="zh-CN" altLang="en-US" dirty="0"/>
-              <a:t>是函数调用自身。递归函数通常包括基准情况和递归调用。</a:t>
-            </a:r>
-          </a:p>
-          <a:p>
-            <a:endParaRPr lang="zh-CN" altLang="en-US" dirty="0"/>
+              <a:t>– </a:t>
+            </a:r>
+            <a:r>
+              <a:rPr lang="en-US" altLang="zh-CN" dirty="0" err="1" smtClean="0"/>
+              <a:t>stuct</a:t>
+            </a:r>
+            <a:endParaRPr lang="en-US" altLang="zh-CN" dirty="0" smtClean="0"/>
+          </a:p>
+          <a:p>
+            <a:r>
+              <a:rPr lang="zh-CN" altLang="en-US" dirty="0"/>
+              <a:t>对象</a:t>
+            </a:r>
+            <a:endParaRPr lang="en-US" altLang="zh-CN" dirty="0" smtClean="0"/>
+          </a:p>
+          <a:p>
+            <a:r>
+              <a:rPr lang="zh-CN" altLang="en-US" dirty="0"/>
+              <a:t>数组</a:t>
+            </a:r>
           </a:p>
         </p:txBody>
       </p:sp>
     </p:spTree>
     <p:extLst>
       <p:ext uri="{BB962C8B-B14F-4D97-AF65-F5344CB8AC3E}">
-        <p14:creationId xmlns:p14="http://schemas.microsoft.com/office/powerpoint/2010/main" val="3246053325"/>
+        <p14:creationId xmlns:p14="http://schemas.microsoft.com/office/powerpoint/2010/main" val="874589675"/>
       </p:ext>
     </p:extLst>
   </p:cSld>
@@ -16365,14 +16500,14 @@
           <a:lstStyle/>
           <a:p>
             <a:r>
-              <a:rPr lang="en-US" altLang="zh-CN" dirty="0" smtClean="0"/>
-              <a:t>4.6 </a:t>
-            </a:r>
-            <a:r>
-              <a:rPr lang="zh-CN" altLang="zh-CN" b="1" dirty="0"/>
-              <a:t>课后练习</a:t>
-            </a:r>
-            <a:endParaRPr lang="zh-CN" altLang="en-US" dirty="0"/>
+              <a:rPr lang="en-US" altLang="zh-CN" b="1" dirty="0" smtClean="0"/>
+              <a:t>4.3 </a:t>
+            </a:r>
+            <a:r>
+              <a:rPr lang="zh-CN" altLang="en-US" b="1" dirty="0" smtClean="0"/>
+              <a:t>数组</a:t>
+            </a:r>
+            <a:endParaRPr lang="zh-CN" altLang="en-US" b="1" dirty="0"/>
           </a:p>
         </p:txBody>
       </p:sp>
@@ -16389,15 +16524,14 @@
         <p:spPr/>
         <p:txBody>
           <a:bodyPr>
-            <a:normAutofit fontScale="55000" lnSpcReduction="20000"/>
+            <a:normAutofit/>
           </a:bodyPr>
           <a:lstStyle/>
           <a:p>
             <a:r>
-              <a:rPr lang="zh-CN" altLang="en-US" dirty="0"/>
-              <a:t>基本函数调用</a:t>
-            </a:r>
-            <a:endParaRPr lang="en-US" altLang="zh-CN" dirty="0" smtClean="0"/>
+              <a:rPr lang="zh-CN" altLang="en-US" b="1" dirty="0"/>
+              <a:t>一维数组</a:t>
+            </a:r>
           </a:p>
           <a:p>
             <a:pPr marL="0" indent="0">
@@ -16409,53 +16543,17 @@
             </a:r>
             <a:r>
               <a:rPr lang="zh-CN" altLang="en-US" dirty="0" smtClean="0"/>
-              <a:t>编写</a:t>
-            </a:r>
-            <a:r>
-              <a:rPr lang="zh-CN" altLang="en-US" dirty="0"/>
-              <a:t>一个函数 </a:t>
-            </a:r>
-            <a:r>
-              <a:rPr lang="en-US" altLang="zh-CN" dirty="0" err="1"/>
-              <a:t>maxValue</a:t>
-            </a:r>
-            <a:r>
-              <a:rPr lang="en-US" altLang="zh-CN" dirty="0"/>
-              <a:t>(</a:t>
-            </a:r>
-            <a:r>
-              <a:rPr lang="en-US" altLang="zh-CN" dirty="0" err="1"/>
-              <a:t>int</a:t>
-            </a:r>
-            <a:r>
-              <a:rPr lang="en-US" altLang="zh-CN" dirty="0"/>
-              <a:t> a, </a:t>
-            </a:r>
-            <a:r>
-              <a:rPr lang="en-US" altLang="zh-CN" dirty="0" err="1"/>
-              <a:t>int</a:t>
-            </a:r>
-            <a:r>
-              <a:rPr lang="en-US" altLang="zh-CN" dirty="0"/>
-              <a:t> b)</a:t>
-            </a:r>
-            <a:r>
-              <a:rPr lang="zh-CN" altLang="en-US" dirty="0"/>
-              <a:t>，返回两个整数中的较大值，并在 </a:t>
-            </a:r>
-            <a:r>
-              <a:rPr lang="en-US" altLang="zh-CN" dirty="0"/>
-              <a:t>main </a:t>
-            </a:r>
-            <a:r>
-              <a:rPr lang="zh-CN" altLang="en-US" dirty="0"/>
-              <a:t>函数中测试。</a:t>
-            </a:r>
-          </a:p>
-          <a:p>
-            <a:r>
-              <a:rPr lang="zh-CN" altLang="en-US" dirty="0"/>
-              <a:t>值传递与引用传递</a:t>
+              <a:t>一</a:t>
+            </a:r>
+            <a:r>
+              <a:rPr lang="zh-CN" altLang="en-US" dirty="0"/>
+              <a:t>维数组是具有相同类型元素的集合，元素通过索引访问。</a:t>
+            </a:r>
+          </a:p>
+          <a:p>
+            <a:r>
+              <a:rPr lang="zh-CN" altLang="en-US" b="1" dirty="0"/>
+              <a:t>二维数组</a:t>
             </a:r>
           </a:p>
           <a:p>
@@ -16468,50 +16566,23 @@
             </a:r>
             <a:r>
               <a:rPr lang="zh-CN" altLang="en-US" dirty="0" smtClean="0"/>
-              <a:t>编写</a:t>
-            </a:r>
-            <a:r>
-              <a:rPr lang="zh-CN" altLang="en-US" dirty="0"/>
-              <a:t>一个函数 </a:t>
-            </a:r>
-            <a:r>
-              <a:rPr lang="en-US" altLang="zh-CN" dirty="0"/>
-              <a:t>swap(</a:t>
-            </a:r>
-            <a:r>
-              <a:rPr lang="en-US" altLang="zh-CN" dirty="0" err="1"/>
-              <a:t>int</a:t>
-            </a:r>
-            <a:r>
-              <a:rPr lang="en-US" altLang="zh-CN" dirty="0"/>
-              <a:t>&amp; a, </a:t>
-            </a:r>
-            <a:r>
-              <a:rPr lang="en-US" altLang="zh-CN" dirty="0" err="1"/>
-              <a:t>int</a:t>
-            </a:r>
-            <a:r>
-              <a:rPr lang="en-US" altLang="zh-CN" dirty="0"/>
-              <a:t>&amp; b)</a:t>
-            </a:r>
-            <a:r>
-              <a:rPr lang="zh-CN" altLang="en-US" dirty="0"/>
-              <a:t>，交换两个整数的值，并在 </a:t>
-            </a:r>
-            <a:r>
-              <a:rPr lang="en-US" altLang="zh-CN" dirty="0"/>
-              <a:t>main </a:t>
-            </a:r>
-            <a:r>
-              <a:rPr lang="zh-CN" altLang="en-US" dirty="0"/>
-              <a:t>函数中测试。</a:t>
-            </a:r>
-          </a:p>
-          <a:p>
-            <a:r>
-              <a:rPr lang="zh-CN" altLang="en-US" dirty="0"/>
-              <a:t>递归函数</a:t>
-            </a:r>
+              <a:t>二</a:t>
+            </a:r>
+            <a:r>
+              <a:rPr lang="zh-CN" altLang="en-US" dirty="0"/>
+              <a:t>维数组是数组的数组。可以通过指定两个索引访问元素。</a:t>
+            </a:r>
+          </a:p>
+          <a:p>
+            <a:r>
+              <a:rPr lang="zh-CN" altLang="en-US" b="1" dirty="0"/>
+              <a:t>数组与指针的</a:t>
+            </a:r>
+            <a:r>
+              <a:rPr lang="zh-CN" altLang="en-US" b="1" dirty="0" smtClean="0"/>
+              <a:t>关系</a:t>
+            </a:r>
+            <a:endParaRPr lang="en-US" altLang="zh-CN" b="1" dirty="0" smtClean="0"/>
           </a:p>
           <a:p>
             <a:pPr marL="0" indent="0">
@@ -16523,400 +16594,32 @@
             </a:r>
             <a:r>
               <a:rPr lang="zh-CN" altLang="en-US" dirty="0" smtClean="0"/>
-              <a:t>编写</a:t>
-            </a:r>
-            <a:r>
-              <a:rPr lang="zh-CN" altLang="en-US" dirty="0"/>
-              <a:t>一个递归函数 </a:t>
-            </a:r>
-            <a:r>
-              <a:rPr lang="en-US" altLang="zh-CN" dirty="0" err="1"/>
-              <a:t>int</a:t>
-            </a:r>
-            <a:r>
-              <a:rPr lang="en-US" altLang="zh-CN" dirty="0"/>
-              <a:t> </a:t>
-            </a:r>
-            <a:r>
-              <a:rPr lang="en-US" altLang="zh-CN" dirty="0" err="1"/>
-              <a:t>fibonacci</a:t>
-            </a:r>
-            <a:r>
-              <a:rPr lang="en-US" altLang="zh-CN" dirty="0"/>
-              <a:t>(</a:t>
-            </a:r>
-            <a:r>
-              <a:rPr lang="en-US" altLang="zh-CN" dirty="0" err="1"/>
-              <a:t>int</a:t>
-            </a:r>
-            <a:r>
-              <a:rPr lang="en-US" altLang="zh-CN" dirty="0"/>
-              <a:t> n)</a:t>
-            </a:r>
-            <a:r>
-              <a:rPr lang="zh-CN" altLang="en-US" dirty="0"/>
-              <a:t>，计算并返回斐波那契数列的第 </a:t>
-            </a:r>
-            <a:r>
-              <a:rPr lang="en-US" altLang="zh-CN" dirty="0"/>
-              <a:t>n </a:t>
-            </a:r>
-            <a:r>
-              <a:rPr lang="zh-CN" altLang="en-US" dirty="0"/>
-              <a:t>项。（</a:t>
-            </a:r>
-            <a:r>
-              <a:rPr lang="en-US" altLang="zh-CN" dirty="0"/>
-              <a:t>F(0) = 0, F(1) = 1, F(n) = F(n-1) + F(n-2)</a:t>
-            </a:r>
-            <a:r>
-              <a:rPr lang="zh-CN" altLang="en-US" dirty="0"/>
-              <a:t>）</a:t>
-            </a:r>
-          </a:p>
-          <a:p>
-            <a:pPr marL="0" indent="0">
-              <a:buNone/>
-            </a:pPr>
-            <a:r>
-              <a:rPr lang="en-US" altLang="zh-CN" dirty="0" smtClean="0"/>
+              <a:t>数组</a:t>
+            </a:r>
+            <a:r>
+              <a:rPr lang="zh-CN" altLang="en-US" dirty="0"/>
+              <a:t>名在很多情况下会退化为指向数组首元素的指针。因此，可以使用指针来访问</a:t>
+            </a:r>
+            <a:r>
+              <a:rPr lang="en-US" altLang="zh-CN" dirty="0"/>
               <a:t>	</a:t>
             </a:r>
             <a:r>
-              <a:rPr lang="zh-CN" altLang="en-US" dirty="0" smtClean="0"/>
-              <a:t>编写</a:t>
-            </a:r>
-            <a:r>
-              <a:rPr lang="zh-CN" altLang="en-US" dirty="0"/>
-              <a:t>一个函数 </a:t>
-            </a:r>
-            <a:r>
-              <a:rPr lang="en-US" altLang="zh-CN" dirty="0" err="1"/>
-              <a:t>int</a:t>
-            </a:r>
-            <a:r>
-              <a:rPr lang="en-US" altLang="zh-CN" dirty="0"/>
-              <a:t> </a:t>
-            </a:r>
-            <a:r>
-              <a:rPr lang="en-US" altLang="zh-CN" dirty="0" err="1"/>
-              <a:t>sumArray</a:t>
-            </a:r>
-            <a:r>
-              <a:rPr lang="en-US" altLang="zh-CN" dirty="0"/>
-              <a:t>(</a:t>
-            </a:r>
-            <a:r>
-              <a:rPr lang="en-US" altLang="zh-CN" dirty="0" err="1"/>
-              <a:t>int</a:t>
-            </a:r>
-            <a:r>
-              <a:rPr lang="en-US" altLang="zh-CN" dirty="0"/>
-              <a:t> </a:t>
-            </a:r>
-            <a:r>
-              <a:rPr lang="en-US" altLang="zh-CN" dirty="0" err="1"/>
-              <a:t>arr</a:t>
-            </a:r>
-            <a:r>
-              <a:rPr lang="en-US" altLang="zh-CN" dirty="0"/>
-              <a:t>[], </a:t>
-            </a:r>
-            <a:r>
-              <a:rPr lang="en-US" altLang="zh-CN" dirty="0" err="1"/>
-              <a:t>int</a:t>
-            </a:r>
-            <a:r>
-              <a:rPr lang="en-US" altLang="zh-CN" dirty="0"/>
-              <a:t> size)</a:t>
-            </a:r>
-            <a:r>
-              <a:rPr lang="zh-CN" altLang="en-US" dirty="0"/>
-              <a:t>，计算并返回数组元素的总和。在 </a:t>
-            </a:r>
-            <a:r>
-              <a:rPr lang="en-US" altLang="zh-CN" dirty="0"/>
-              <a:t>main </a:t>
-            </a:r>
-            <a:r>
-              <a:rPr lang="zh-CN" altLang="en-US" dirty="0"/>
-              <a:t>函数中测试该函数。</a:t>
-            </a:r>
-          </a:p>
-          <a:p>
-            <a:r>
-              <a:rPr lang="zh-CN" altLang="en-US" dirty="0"/>
-              <a:t>数组最大值</a:t>
-            </a:r>
-          </a:p>
-          <a:p>
-            <a:pPr marL="0" indent="0">
-              <a:buNone/>
-            </a:pPr>
-            <a:r>
-              <a:rPr lang="en-US" altLang="zh-CN" dirty="0" smtClean="0"/>
-              <a:t>	</a:t>
-            </a:r>
-            <a:r>
-              <a:rPr lang="zh-CN" altLang="en-US" dirty="0" smtClean="0"/>
-              <a:t>编写</a:t>
-            </a:r>
-            <a:r>
-              <a:rPr lang="zh-CN" altLang="en-US" dirty="0"/>
-              <a:t>一个函数 </a:t>
-            </a:r>
-            <a:r>
-              <a:rPr lang="en-US" altLang="zh-CN" dirty="0" err="1"/>
-              <a:t>int</a:t>
-            </a:r>
-            <a:r>
-              <a:rPr lang="en-US" altLang="zh-CN" dirty="0"/>
-              <a:t> </a:t>
-            </a:r>
-            <a:r>
-              <a:rPr lang="en-US" altLang="zh-CN" dirty="0" err="1"/>
-              <a:t>maxInArray</a:t>
-            </a:r>
-            <a:r>
-              <a:rPr lang="en-US" altLang="zh-CN" dirty="0"/>
-              <a:t>(</a:t>
-            </a:r>
-            <a:r>
-              <a:rPr lang="en-US" altLang="zh-CN" dirty="0" err="1"/>
-              <a:t>int</a:t>
-            </a:r>
-            <a:r>
-              <a:rPr lang="en-US" altLang="zh-CN" dirty="0"/>
-              <a:t> </a:t>
-            </a:r>
-            <a:r>
-              <a:rPr lang="en-US" altLang="zh-CN" dirty="0" err="1"/>
-              <a:t>arr</a:t>
-            </a:r>
-            <a:r>
-              <a:rPr lang="en-US" altLang="zh-CN" dirty="0"/>
-              <a:t>[], </a:t>
-            </a:r>
-            <a:r>
-              <a:rPr lang="en-US" altLang="zh-CN" dirty="0" err="1"/>
-              <a:t>int</a:t>
-            </a:r>
-            <a:r>
-              <a:rPr lang="en-US" altLang="zh-CN" dirty="0"/>
-              <a:t> size)</a:t>
-            </a:r>
-            <a:r>
-              <a:rPr lang="zh-CN" altLang="en-US" dirty="0"/>
-              <a:t>，返回数组中的最大值，并在 </a:t>
-            </a:r>
-            <a:r>
-              <a:rPr lang="en-US" altLang="zh-CN" dirty="0"/>
-              <a:t>main </a:t>
-            </a:r>
-            <a:r>
-              <a:rPr lang="zh-CN" altLang="en-US" dirty="0"/>
-              <a:t>函数中测试。</a:t>
-            </a:r>
-          </a:p>
-          <a:p>
-            <a:r>
-              <a:rPr lang="zh-CN" altLang="en-US" dirty="0"/>
-              <a:t>二维数组遍历</a:t>
-            </a:r>
-          </a:p>
-          <a:p>
-            <a:pPr marL="0" indent="0">
-              <a:buNone/>
-            </a:pPr>
-            <a:r>
-              <a:rPr lang="en-US" altLang="zh-CN" dirty="0" smtClean="0"/>
-              <a:t>	</a:t>
-            </a:r>
-            <a:r>
-              <a:rPr lang="zh-CN" altLang="en-US" dirty="0" smtClean="0"/>
-              <a:t>定义</a:t>
-            </a:r>
-            <a:r>
-              <a:rPr lang="zh-CN" altLang="en-US" dirty="0"/>
-              <a:t>一个 </a:t>
-            </a:r>
-            <a:r>
-              <a:rPr lang="en-US" altLang="zh-CN" dirty="0"/>
-              <a:t>3×3 </a:t>
-            </a:r>
-            <a:r>
-              <a:rPr lang="zh-CN" altLang="en-US" dirty="0"/>
-              <a:t>的二维数组，并使用嵌套 </a:t>
-            </a:r>
-            <a:r>
-              <a:rPr lang="en-US" altLang="zh-CN" dirty="0"/>
-              <a:t>for </a:t>
-            </a:r>
-            <a:r>
-              <a:rPr lang="zh-CN" altLang="en-US" dirty="0"/>
-              <a:t>循环输出所有元素。</a:t>
-            </a:r>
-          </a:p>
-          <a:p>
-            <a:r>
-              <a:rPr lang="zh-CN" altLang="en-US" dirty="0"/>
-              <a:t>数组与指针</a:t>
-            </a:r>
-          </a:p>
-          <a:p>
-            <a:pPr marL="0" indent="0">
-              <a:buNone/>
-            </a:pPr>
-            <a:r>
-              <a:rPr lang="en-US" altLang="zh-CN" dirty="0" smtClean="0"/>
-              <a:t>	</a:t>
-            </a:r>
-            <a:r>
-              <a:rPr lang="zh-CN" altLang="en-US" dirty="0" smtClean="0"/>
-              <a:t>编写</a:t>
-            </a:r>
-            <a:r>
-              <a:rPr lang="zh-CN" altLang="en-US" dirty="0"/>
-              <a:t>一个函数 </a:t>
-            </a:r>
-            <a:r>
-              <a:rPr lang="en-US" altLang="zh-CN" dirty="0"/>
-              <a:t>void </a:t>
-            </a:r>
-            <a:r>
-              <a:rPr lang="en-US" altLang="zh-CN" dirty="0" err="1"/>
-              <a:t>printArray</a:t>
-            </a:r>
-            <a:r>
-              <a:rPr lang="en-US" altLang="zh-CN" dirty="0"/>
-              <a:t>(</a:t>
-            </a:r>
-            <a:r>
-              <a:rPr lang="en-US" altLang="zh-CN" dirty="0" err="1"/>
-              <a:t>int</a:t>
-            </a:r>
-            <a:r>
-              <a:rPr lang="en-US" altLang="zh-CN" dirty="0"/>
-              <a:t>* </a:t>
-            </a:r>
-            <a:r>
-              <a:rPr lang="en-US" altLang="zh-CN" dirty="0" err="1"/>
-              <a:t>arr</a:t>
-            </a:r>
-            <a:r>
-              <a:rPr lang="en-US" altLang="zh-CN" dirty="0"/>
-              <a:t>, </a:t>
-            </a:r>
-            <a:r>
-              <a:rPr lang="en-US" altLang="zh-CN" dirty="0" err="1"/>
-              <a:t>int</a:t>
-            </a:r>
-            <a:r>
-              <a:rPr lang="en-US" altLang="zh-CN" dirty="0"/>
-              <a:t> size)</a:t>
-            </a:r>
-            <a:r>
-              <a:rPr lang="zh-CN" altLang="en-US" dirty="0"/>
-              <a:t>，使用指针遍历并输出数组中的所有元素。</a:t>
-            </a:r>
-          </a:p>
-          <a:p>
-            <a:r>
-              <a:rPr lang="zh-CN" altLang="en-US" dirty="0"/>
-              <a:t>数组元素查找</a:t>
-            </a:r>
-          </a:p>
-          <a:p>
-            <a:pPr marL="0" indent="0">
-              <a:buNone/>
-            </a:pPr>
-            <a:r>
-              <a:rPr lang="en-US" altLang="zh-CN" dirty="0" smtClean="0"/>
-              <a:t>	</a:t>
-            </a:r>
-            <a:r>
-              <a:rPr lang="zh-CN" altLang="en-US" dirty="0" smtClean="0"/>
-              <a:t>编写</a:t>
-            </a:r>
-            <a:r>
-              <a:rPr lang="zh-CN" altLang="en-US" dirty="0"/>
-              <a:t>一个函数 </a:t>
-            </a:r>
-            <a:r>
-              <a:rPr lang="en-US" altLang="zh-CN" dirty="0" err="1"/>
-              <a:t>int</a:t>
-            </a:r>
-            <a:r>
-              <a:rPr lang="en-US" altLang="zh-CN" dirty="0"/>
-              <a:t> </a:t>
-            </a:r>
-            <a:r>
-              <a:rPr lang="en-US" altLang="zh-CN" dirty="0" err="1"/>
-              <a:t>findElement</a:t>
-            </a:r>
-            <a:r>
-              <a:rPr lang="en-US" altLang="zh-CN" dirty="0"/>
-              <a:t>(</a:t>
-            </a:r>
-            <a:r>
-              <a:rPr lang="en-US" altLang="zh-CN" dirty="0" err="1"/>
-              <a:t>int</a:t>
-            </a:r>
-            <a:r>
-              <a:rPr lang="en-US" altLang="zh-CN" dirty="0"/>
-              <a:t> </a:t>
-            </a:r>
-            <a:r>
-              <a:rPr lang="en-US" altLang="zh-CN" dirty="0" err="1"/>
-              <a:t>arr</a:t>
-            </a:r>
-            <a:r>
-              <a:rPr lang="en-US" altLang="zh-CN" dirty="0"/>
-              <a:t>[], </a:t>
-            </a:r>
-            <a:r>
-              <a:rPr lang="en-US" altLang="zh-CN" dirty="0" err="1"/>
-              <a:t>int</a:t>
-            </a:r>
-            <a:r>
-              <a:rPr lang="en-US" altLang="zh-CN" dirty="0"/>
-              <a:t> size, </a:t>
-            </a:r>
-            <a:r>
-              <a:rPr lang="en-US" altLang="zh-CN" dirty="0" err="1"/>
-              <a:t>int</a:t>
-            </a:r>
-            <a:r>
-              <a:rPr lang="en-US" altLang="zh-CN" dirty="0"/>
-              <a:t> key)</a:t>
-            </a:r>
-            <a:r>
-              <a:rPr lang="zh-CN" altLang="en-US" dirty="0"/>
-              <a:t>，如果 </a:t>
-            </a:r>
-            <a:r>
-              <a:rPr lang="en-US" altLang="zh-CN" dirty="0"/>
-              <a:t>key </a:t>
-            </a:r>
-            <a:r>
-              <a:rPr lang="zh-CN" altLang="en-US" dirty="0"/>
-              <a:t>存在于数组中，则返回索引，否则返回 </a:t>
-            </a:r>
-            <a:r>
-              <a:rPr lang="en-US" altLang="zh-CN" dirty="0"/>
-              <a:t>-1</a:t>
-            </a:r>
-            <a:r>
-              <a:rPr lang="zh-CN" altLang="en-US" dirty="0"/>
+              <a:rPr lang="zh-CN" altLang="en-US" dirty="0"/>
+              <a:t>数组元素</a:t>
+            </a:r>
+            <a:r>
+              <a:rPr lang="zh-CN" altLang="en-US" dirty="0" smtClean="0"/>
               <a:t>。</a:t>
             </a:r>
+            <a:endParaRPr lang="en-US" altLang="zh-CN" dirty="0"/>
           </a:p>
         </p:txBody>
       </p:sp>
     </p:spTree>
     <p:extLst>
       <p:ext uri="{BB962C8B-B14F-4D97-AF65-F5344CB8AC3E}">
-        <p14:creationId xmlns:p14="http://schemas.microsoft.com/office/powerpoint/2010/main" val="271248110"/>
+        <p14:creationId xmlns:p14="http://schemas.microsoft.com/office/powerpoint/2010/main" val="2859311749"/>
       </p:ext>
     </p:extLst>
   </p:cSld>
@@ -16959,48 +16662,22 @@
           <a:lstStyle/>
           <a:p>
             <a:r>
-              <a:rPr lang="zh-CN" altLang="en-US" b="1" dirty="0" smtClean="0">
-                <a:latin typeface="华文楷体" pitchFamily="2" charset="-122"/>
-                <a:ea typeface="华文楷体" pitchFamily="2" charset="-122"/>
-              </a:rPr>
-              <a:t>第</a:t>
-            </a:r>
-            <a:r>
-              <a:rPr lang="en-US" altLang="zh-CN" b="1" dirty="0" smtClean="0">
-                <a:latin typeface="华文楷体" pitchFamily="2" charset="-122"/>
-                <a:ea typeface="华文楷体" pitchFamily="2" charset="-122"/>
-              </a:rPr>
-              <a:t>5</a:t>
-            </a:r>
-            <a:r>
-              <a:rPr lang="zh-CN" altLang="en-US" b="1" dirty="0" smtClean="0">
-                <a:latin typeface="华文楷体" pitchFamily="2" charset="-122"/>
-                <a:ea typeface="华文楷体" pitchFamily="2" charset="-122"/>
-              </a:rPr>
-              <a:t>章</a:t>
-            </a:r>
-            <a:r>
-              <a:rPr lang="zh-CN" altLang="en-US" b="1" dirty="0">
-                <a:latin typeface="华文楷体" pitchFamily="2" charset="-122"/>
-                <a:ea typeface="华文楷体" pitchFamily="2" charset="-122"/>
-              </a:rPr>
-              <a:t>面向对象编程（</a:t>
-            </a:r>
-            <a:r>
-              <a:rPr lang="en-US" altLang="zh-CN" b="1" dirty="0">
-                <a:latin typeface="华文楷体" pitchFamily="2" charset="-122"/>
-                <a:ea typeface="华文楷体" pitchFamily="2" charset="-122"/>
-              </a:rPr>
-              <a:t>OOP</a:t>
-            </a:r>
-            <a:r>
-              <a:rPr lang="zh-CN" altLang="en-US" b="1" dirty="0">
-                <a:latin typeface="华文楷体" pitchFamily="2" charset="-122"/>
-                <a:ea typeface="华文楷体" pitchFamily="2" charset="-122"/>
-              </a:rPr>
-              <a:t>）基础</a:t>
-            </a:r>
-            <a:endParaRPr lang="zh-CN" altLang="en-US" dirty="0"/>
+              <a:rPr lang="en-US" altLang="zh-CN" b="1" dirty="0" smtClean="0"/>
+              <a:t>4.4 </a:t>
+            </a:r>
+            <a:r>
+              <a:rPr lang="zh-CN" altLang="en-US" b="1" dirty="0" smtClean="0"/>
+              <a:t>参数类型 </a:t>
+            </a:r>
+            <a:r>
+              <a:rPr lang="en-US" altLang="zh-CN" b="1" dirty="0" smtClean="0"/>
+              <a:t>- </a:t>
+            </a:r>
+            <a:r>
+              <a:rPr lang="zh-CN" altLang="en-US" b="1" dirty="0" smtClean="0"/>
+              <a:t>数组</a:t>
+            </a:r>
+            <a:endParaRPr lang="zh-CN" altLang="en-US" b="1" dirty="0"/>
           </a:p>
         </p:txBody>
       </p:sp>
@@ -17021,49 +16698,210 @@
           <a:p>
             <a:r>
               <a:rPr lang="zh-CN" altLang="en-US" dirty="0"/>
-              <a:t>类与对象：定义类、创建对象、构造函数与析构函数。</a:t>
-            </a:r>
-          </a:p>
-          <a:p>
-            <a:r>
-              <a:rPr lang="zh-CN" altLang="en-US" dirty="0"/>
-              <a:t>封装：访问控制修饰符（</a:t>
-            </a:r>
-            <a:r>
-              <a:rPr lang="en-US" altLang="zh-CN" dirty="0"/>
-              <a:t>public</a:t>
-            </a:r>
-            <a:r>
-              <a:rPr lang="zh-CN" altLang="en-US" dirty="0"/>
-              <a:t>、</a:t>
-            </a:r>
-            <a:r>
-              <a:rPr lang="en-US" altLang="zh-CN" dirty="0"/>
-              <a:t>private</a:t>
-            </a:r>
-            <a:r>
-              <a:rPr lang="zh-CN" altLang="en-US" dirty="0"/>
-              <a:t>、</a:t>
-            </a:r>
-            <a:r>
-              <a:rPr lang="en-US" altLang="zh-CN" dirty="0"/>
-              <a:t>protected</a:t>
-            </a:r>
-            <a:r>
-              <a:rPr lang="zh-CN" altLang="en-US" dirty="0"/>
-              <a:t>）。</a:t>
-            </a:r>
-          </a:p>
-          <a:p>
-            <a:r>
-              <a:rPr lang="zh-CN" altLang="en-US" dirty="0"/>
-              <a:t>继承：继承的概念、基类与派生类、多重继承。</a:t>
-            </a:r>
-          </a:p>
-          <a:p>
-            <a:r>
-              <a:rPr lang="zh-CN" altLang="en-US" dirty="0"/>
-              <a:t>多态：虚函数、纯虚函数、虚函数的重写、运行时多态。</a:t>
+              <a:t>在 </a:t>
+            </a:r>
+            <a:r>
+              <a:rPr lang="en-US" altLang="zh-CN" dirty="0"/>
+              <a:t>C++ </a:t>
+            </a:r>
+            <a:r>
+              <a:rPr lang="zh-CN" altLang="en-US" dirty="0"/>
+              <a:t>中，</a:t>
+            </a:r>
+            <a:r>
+              <a:rPr lang="zh-CN" altLang="en-US" b="1" dirty="0"/>
+              <a:t>数组可以作为函数的参数</a:t>
+            </a:r>
+            <a:r>
+              <a:rPr lang="zh-CN" altLang="en-US" dirty="0"/>
+              <a:t> 进行传递</a:t>
+            </a:r>
+            <a:r>
+              <a:rPr lang="zh-CN" altLang="en-US" dirty="0" smtClean="0"/>
+              <a:t>。</a:t>
+            </a:r>
+            <a:endParaRPr lang="en-US" altLang="zh-CN" dirty="0" smtClean="0"/>
+          </a:p>
+          <a:p>
+            <a:pPr marL="0" indent="0">
+              <a:buNone/>
+            </a:pPr>
+            <a:r>
+              <a:rPr lang="en-US" altLang="zh-CN" dirty="0"/>
+              <a:t>	</a:t>
+            </a:r>
+            <a:r>
+              <a:rPr lang="zh-CN" altLang="en-US" dirty="0" smtClean="0"/>
+              <a:t>由于</a:t>
+            </a:r>
+            <a:r>
+              <a:rPr lang="zh-CN" altLang="en-US" dirty="0"/>
+              <a:t>数组本质上是指针，传递数组参数时，实际上传递的是</a:t>
+            </a:r>
+            <a:r>
+              <a:rPr lang="zh-CN" altLang="en-US" b="1" dirty="0"/>
+              <a:t>数组的地址</a:t>
+            </a:r>
+            <a:r>
+              <a:rPr lang="zh-CN" altLang="en-US" dirty="0"/>
+              <a:t>，这</a:t>
+            </a:r>
+            <a:r>
+              <a:rPr lang="zh-CN" altLang="en-US" dirty="0" smtClean="0"/>
+              <a:t>意味着</a:t>
+            </a:r>
+            <a:endParaRPr lang="en-US" altLang="zh-CN" dirty="0" smtClean="0"/>
+          </a:p>
+          <a:p>
+            <a:pPr marL="0" indent="0">
+              <a:buNone/>
+            </a:pPr>
+            <a:r>
+              <a:rPr lang="en-US" altLang="zh-CN" dirty="0"/>
+              <a:t>	</a:t>
+            </a:r>
+            <a:r>
+              <a:rPr lang="zh-CN" altLang="en-US" dirty="0" smtClean="0"/>
+              <a:t>函数</a:t>
+            </a:r>
+            <a:r>
+              <a:rPr lang="zh-CN" altLang="en-US" dirty="0"/>
+              <a:t>内部可以修改原数组的内容</a:t>
+            </a:r>
+            <a:r>
+              <a:rPr lang="zh-CN" altLang="en-US" dirty="0" smtClean="0"/>
+              <a:t>。</a:t>
+            </a:r>
+            <a:endParaRPr lang="en-US" altLang="zh-CN" dirty="0" smtClean="0"/>
+          </a:p>
+          <a:p>
+            <a:r>
+              <a:rPr lang="zh-CN" altLang="en-US" dirty="0"/>
+              <a:t>语法格式</a:t>
+            </a:r>
+            <a:r>
+              <a:rPr lang="zh-CN" altLang="en-US" dirty="0" smtClean="0"/>
+              <a:t>：</a:t>
+            </a:r>
+            <a:endParaRPr lang="en-US" altLang="zh-CN" dirty="0" smtClean="0"/>
+          </a:p>
+          <a:p>
+            <a:pPr marL="0" indent="0">
+              <a:buNone/>
+            </a:pPr>
+            <a:r>
+              <a:rPr lang="en-US" altLang="zh-CN" dirty="0" smtClean="0"/>
+              <a:t>	void </a:t>
+            </a:r>
+            <a:r>
+              <a:rPr lang="en-US" altLang="zh-CN" dirty="0" err="1"/>
+              <a:t>functionName</a:t>
+            </a:r>
+            <a:r>
+              <a:rPr lang="en-US" altLang="zh-CN" dirty="0"/>
+              <a:t>(</a:t>
+            </a:r>
+            <a:r>
+              <a:rPr lang="en-US" altLang="zh-CN" dirty="0" err="1"/>
+              <a:t>dataType</a:t>
+            </a:r>
+            <a:r>
+              <a:rPr lang="en-US" altLang="zh-CN" dirty="0"/>
+              <a:t> </a:t>
+            </a:r>
+            <a:r>
+              <a:rPr lang="en-US" altLang="zh-CN" dirty="0" err="1"/>
+              <a:t>arrayName</a:t>
+            </a:r>
+            <a:r>
+              <a:rPr lang="en-US" altLang="zh-CN" dirty="0"/>
+              <a:t>[], </a:t>
+            </a:r>
+            <a:r>
+              <a:rPr lang="en-US" altLang="zh-CN" dirty="0" err="1"/>
+              <a:t>int</a:t>
+            </a:r>
+            <a:r>
+              <a:rPr lang="en-US" altLang="zh-CN" dirty="0"/>
+              <a:t> size</a:t>
+            </a:r>
+            <a:r>
+              <a:rPr lang="en-US" altLang="zh-CN" dirty="0" smtClean="0"/>
+              <a:t>);</a:t>
+            </a:r>
+          </a:p>
+          <a:p>
+            <a:pPr marL="0" indent="0">
+              <a:buNone/>
+            </a:pPr>
+            <a:r>
+              <a:rPr lang="en-US" altLang="zh-CN" dirty="0"/>
+              <a:t>	</a:t>
+            </a:r>
+            <a:r>
+              <a:rPr lang="en-US" altLang="zh-CN" dirty="0" smtClean="0"/>
+              <a:t>void </a:t>
+            </a:r>
+            <a:r>
+              <a:rPr lang="en-US" altLang="zh-CN" dirty="0" err="1"/>
+              <a:t>functionName</a:t>
+            </a:r>
+            <a:r>
+              <a:rPr lang="en-US" altLang="zh-CN" dirty="0"/>
+              <a:t>(</a:t>
+            </a:r>
+            <a:r>
+              <a:rPr lang="en-US" altLang="zh-CN" dirty="0" err="1"/>
+              <a:t>dataType</a:t>
+            </a:r>
+            <a:r>
+              <a:rPr lang="en-US" altLang="zh-CN" dirty="0"/>
+              <a:t>* </a:t>
+            </a:r>
+            <a:r>
+              <a:rPr lang="en-US" altLang="zh-CN" dirty="0" err="1"/>
+              <a:t>arrayName</a:t>
+            </a:r>
+            <a:r>
+              <a:rPr lang="en-US" altLang="zh-CN" dirty="0"/>
+              <a:t>, </a:t>
+            </a:r>
+            <a:r>
+              <a:rPr lang="en-US" altLang="zh-CN" dirty="0" err="1"/>
+              <a:t>int</a:t>
+            </a:r>
+            <a:r>
+              <a:rPr lang="en-US" altLang="zh-CN" dirty="0"/>
+              <a:t> size);</a:t>
+            </a:r>
+          </a:p>
+          <a:p>
+            <a:r>
+              <a:rPr lang="zh-CN" altLang="en-US" dirty="0" smtClean="0"/>
+              <a:t>注意</a:t>
+            </a:r>
+            <a:endParaRPr lang="en-US" altLang="zh-CN" dirty="0" smtClean="0"/>
+          </a:p>
+          <a:p>
+            <a:pPr lvl="1"/>
+            <a:r>
+              <a:rPr lang="zh-CN" altLang="en-US" dirty="0"/>
+              <a:t>由于数组作为参数时实际传递的是指针，所以函数内部对数组的修改会影响原数组。</a:t>
+            </a:r>
+          </a:p>
+          <a:p>
+            <a:pPr lvl="1"/>
+            <a:r>
+              <a:rPr lang="zh-CN" altLang="en-US" dirty="0"/>
+              <a:t>需要提供数组的 大小（</a:t>
+            </a:r>
+            <a:r>
+              <a:rPr lang="en-US" altLang="zh-CN" dirty="0"/>
+              <a:t>size</a:t>
+            </a:r>
+            <a:r>
+              <a:rPr lang="zh-CN" altLang="en-US" dirty="0"/>
+              <a:t>），否则无法正确遍历数组。</a:t>
             </a:r>
           </a:p>
         </p:txBody>
@@ -17071,20 +16909,13 @@
     </p:spTree>
     <p:extLst>
       <p:ext uri="{BB962C8B-B14F-4D97-AF65-F5344CB8AC3E}">
-        <p14:creationId xmlns:p14="http://schemas.microsoft.com/office/powerpoint/2010/main" val="2413468171"/>
+        <p14:creationId xmlns:p14="http://schemas.microsoft.com/office/powerpoint/2010/main" val="1038020837"/>
       </p:ext>
     </p:extLst>
   </p:cSld>
   <p:clrMapOvr>
     <a:masterClrMapping/>
   </p:clrMapOvr>
-  <p:timing>
-    <p:tnLst>
-      <p:par>
-        <p:cTn id="1" dur="indefinite" restart="never" nodeType="tmRoot"/>
-      </p:par>
-    </p:tnLst>
-  </p:timing>
 </p:sld>
 </file>
 
@@ -17121,13 +16952,26 @@
           <a:lstStyle/>
           <a:p>
             <a:r>
+              <a:rPr lang="zh-CN" altLang="en-US" b="1" dirty="0"/>
+              <a:t>参数类型 </a:t>
+            </a:r>
+            <a:r>
+              <a:rPr lang="en-US" altLang="zh-CN" b="1" dirty="0"/>
+              <a:t>- </a:t>
+            </a:r>
+            <a:r>
+              <a:rPr lang="zh-CN" altLang="en-US" b="1" dirty="0" smtClean="0"/>
+              <a:t>数组 </a:t>
+            </a:r>
+            <a:r>
               <a:rPr lang="en-US" altLang="zh-CN" b="1" dirty="0" smtClean="0"/>
-              <a:t>5.1 </a:t>
-            </a:r>
-            <a:r>
-              <a:rPr lang="zh-CN" altLang="en-US" b="1" dirty="0"/>
-              <a:t>为什么使用面向对象</a:t>
-            </a:r>
+              <a:t>- </a:t>
+            </a:r>
+            <a:r>
+              <a:rPr lang="zh-CN" altLang="en-US" b="1" dirty="0" smtClean="0"/>
+              <a:t>示例</a:t>
+            </a:r>
+            <a:endParaRPr lang="zh-CN" altLang="en-US" b="1" dirty="0"/>
           </a:p>
         </p:txBody>
       </p:sp>
@@ -17148,72 +16992,40 @@
           <a:p>
             <a:r>
               <a:rPr lang="zh-CN" altLang="en-US" dirty="0"/>
-              <a:t>面向对象编程（</a:t>
-            </a:r>
-            <a:r>
-              <a:rPr lang="en-US" altLang="zh-CN" dirty="0"/>
-              <a:t>OOP</a:t>
-            </a:r>
-            <a:r>
-              <a:rPr lang="zh-CN" altLang="en-US" dirty="0"/>
-              <a:t>）是软件开发中的一种编程范式，它与传统的过程化编程（如</a:t>
-            </a:r>
-            <a:r>
-              <a:rPr lang="en-US" altLang="zh-CN" dirty="0"/>
-              <a:t>C</a:t>
-            </a:r>
-            <a:r>
-              <a:rPr lang="zh-CN" altLang="en-US" dirty="0"/>
-              <a:t>语言）相比，提供了更高的灵活性和可维护性。通过将数据和操作数据的方法封装在一起，</a:t>
-            </a:r>
-            <a:r>
-              <a:rPr lang="en-US" altLang="zh-CN" dirty="0"/>
-              <a:t>OOP</a:t>
-            </a:r>
-            <a:r>
-              <a:rPr lang="zh-CN" altLang="en-US" dirty="0"/>
-              <a:t>可以使代码更加模块化、可扩展和易于维护</a:t>
-            </a:r>
-            <a:r>
-              <a:rPr lang="zh-CN" altLang="en-US" dirty="0" smtClean="0"/>
-              <a:t>。</a:t>
+              <a:t>数组</a:t>
+            </a:r>
+            <a:r>
+              <a:rPr lang="zh-CN" altLang="en-US" dirty="0" smtClean="0"/>
+              <a:t>求和</a:t>
             </a:r>
             <a:endParaRPr lang="en-US" altLang="zh-CN" dirty="0" smtClean="0"/>
           </a:p>
           <a:p>
             <a:r>
               <a:rPr lang="zh-CN" altLang="en-US" dirty="0"/>
-              <a:t>面向对象的</a:t>
-            </a:r>
-            <a:r>
-              <a:rPr lang="zh-CN" altLang="en-US" dirty="0" smtClean="0"/>
-              <a:t>优势</a:t>
+              <a:t>修改数组中</a:t>
+            </a:r>
+            <a:r>
+              <a:rPr lang="zh-CN" altLang="en-US" dirty="0" smtClean="0"/>
+              <a:t>的元素</a:t>
             </a:r>
             <a:endParaRPr lang="en-US" altLang="zh-CN" dirty="0" smtClean="0"/>
           </a:p>
           <a:p>
             <a:r>
               <a:rPr lang="zh-CN" altLang="en-US" dirty="0"/>
-              <a:t>与 </a:t>
-            </a:r>
-            <a:r>
-              <a:rPr lang="en-US" altLang="zh-CN" dirty="0"/>
-              <a:t>C </a:t>
-            </a:r>
-            <a:r>
-              <a:rPr lang="zh-CN" altLang="en-US" dirty="0"/>
-              <a:t>语言的</a:t>
-            </a:r>
-            <a:r>
-              <a:rPr lang="zh-CN" altLang="en-US" dirty="0" smtClean="0"/>
-              <a:t>区别</a:t>
+              <a:t>传递二维数</a:t>
+            </a:r>
+            <a:r>
+              <a:rPr lang="zh-CN" altLang="en-US" dirty="0" smtClean="0"/>
+              <a:t>组</a:t>
             </a:r>
             <a:endParaRPr lang="en-US" altLang="zh-CN" dirty="0" smtClean="0"/>
           </a:p>
           <a:p>
             <a:r>
               <a:rPr lang="zh-CN" altLang="en-US" dirty="0"/>
-              <a:t>为什么选择面向对象编程</a:t>
+              <a:t>使用指针修改数组元素</a:t>
             </a:r>
           </a:p>
         </p:txBody>
@@ -17221,7 +17033,7 @@
     </p:spTree>
     <p:extLst>
       <p:ext uri="{BB962C8B-B14F-4D97-AF65-F5344CB8AC3E}">
-        <p14:creationId xmlns:p14="http://schemas.microsoft.com/office/powerpoint/2010/main" val="329754630"/>
+        <p14:creationId xmlns:p14="http://schemas.microsoft.com/office/powerpoint/2010/main" val="4022824451"/>
       </p:ext>
     </p:extLst>
   </p:cSld>
@@ -17264,17 +17076,13 @@
           <a:lstStyle/>
           <a:p>
             <a:r>
+              <a:rPr lang="en-US" altLang="zh-CN" b="1" dirty="0" smtClean="0"/>
+              <a:t>4.5 </a:t>
+            </a:r>
+            <a:r>
               <a:rPr lang="zh-CN" altLang="en-US" b="1" dirty="0"/>
-              <a:t>面向对象的优势</a:t>
-            </a:r>
-            <a:r>
-              <a:rPr lang="en-US" altLang="zh-CN" dirty="0"/>
-              <a:t/>
-            </a:r>
-            <a:br>
-              <a:rPr lang="en-US" altLang="zh-CN" dirty="0"/>
-            </a:br>
-            <a:endParaRPr lang="zh-CN" altLang="en-US" dirty="0"/>
+              <a:t>函数重载与递归</a:t>
+            </a:r>
           </a:p>
         </p:txBody>
       </p:sp>
@@ -17294,50 +17102,75 @@
           <a:lstStyle/>
           <a:p>
             <a:r>
-              <a:rPr lang="zh-CN" altLang="en-US" dirty="0"/>
-              <a:t>封装：</a:t>
-            </a:r>
-            <a:r>
-              <a:rPr lang="en-US" altLang="zh-CN" dirty="0"/>
-              <a:t>OOP</a:t>
-            </a:r>
-            <a:r>
-              <a:rPr lang="zh-CN" altLang="en-US" dirty="0"/>
-              <a:t>鼓励将数据与数据操作封装在一起，减少数据访问的复杂性。通过封装，类的实现细节可以隐藏，外部代码只需关注接口而非实现。</a:t>
-            </a:r>
-          </a:p>
-          <a:p>
-            <a:r>
-              <a:rPr lang="zh-CN" altLang="en-US" dirty="0"/>
-              <a:t>继承：继承允许类继承另一个类的属性和方法，减少代码的重复，增强代码的重用性。</a:t>
-            </a:r>
-          </a:p>
-          <a:p>
-            <a:r>
-              <a:rPr lang="zh-CN" altLang="en-US" dirty="0"/>
-              <a:t>多态：多态使得同一操作可以在不同类型的对象上表现出不同的行为，提高了代码的灵活性。</a:t>
-            </a:r>
-          </a:p>
-          <a:p>
-            <a:r>
-              <a:rPr lang="zh-CN" altLang="en-US" dirty="0"/>
-              <a:t>模块化与可维护性：</a:t>
-            </a:r>
-            <a:r>
-              <a:rPr lang="en-US" altLang="zh-CN" dirty="0"/>
-              <a:t>OOP</a:t>
-            </a:r>
-            <a:r>
-              <a:rPr lang="zh-CN" altLang="en-US" dirty="0"/>
-              <a:t>允许将一个大程序拆分成多个小模块，每个模块负责自己独立的功能，增强了代码的可维护性和扩展性。</a:t>
-            </a:r>
+              <a:rPr lang="zh-CN" altLang="en-US" b="1" dirty="0"/>
+              <a:t>函数重载</a:t>
+            </a:r>
+          </a:p>
+          <a:p>
+            <a:pPr marL="0" indent="0">
+              <a:buNone/>
+            </a:pPr>
+            <a:r>
+              <a:rPr lang="en-US" altLang="zh-CN" dirty="0" smtClean="0"/>
+              <a:t>	</a:t>
+            </a:r>
+            <a:r>
+              <a:rPr lang="zh-CN" altLang="en-US" dirty="0" smtClean="0"/>
+              <a:t>函数</a:t>
+            </a:r>
+            <a:r>
+              <a:rPr lang="zh-CN" altLang="en-US" dirty="0"/>
+              <a:t>重载是指在同一作用域内可以定义多个同名的函数，只要它们的参数类型或</a:t>
+            </a:r>
+            <a:r>
+              <a:rPr lang="zh-CN" altLang="en-US" dirty="0" smtClean="0"/>
+              <a:t>个</a:t>
+            </a:r>
+            <a:r>
+              <a:rPr lang="en-US" altLang="zh-CN" dirty="0" smtClean="0"/>
+              <a:t>	</a:t>
+            </a:r>
+            <a:r>
+              <a:rPr lang="zh-CN" altLang="en-US" dirty="0" smtClean="0"/>
+              <a:t>数</a:t>
+            </a:r>
+            <a:r>
+              <a:rPr lang="zh-CN" altLang="en-US" dirty="0"/>
+              <a:t>不同。</a:t>
+            </a:r>
+          </a:p>
+          <a:p>
+            <a:r>
+              <a:rPr lang="zh-CN" altLang="en-US" b="1" dirty="0"/>
+              <a:t>递归函数</a:t>
+            </a:r>
+          </a:p>
+          <a:p>
+            <a:pPr marL="0" indent="0">
+              <a:buNone/>
+            </a:pPr>
+            <a:r>
+              <a:rPr lang="en-US" altLang="zh-CN" dirty="0" smtClean="0"/>
+              <a:t>	</a:t>
+            </a:r>
+            <a:r>
+              <a:rPr lang="zh-CN" altLang="en-US" dirty="0" smtClean="0"/>
+              <a:t>递归</a:t>
+            </a:r>
+            <a:r>
+              <a:rPr lang="zh-CN" altLang="en-US" dirty="0"/>
+              <a:t>是函数调用自身。递归函数通常包括基准情况和递归调用。</a:t>
+            </a:r>
+          </a:p>
+          <a:p>
+            <a:endParaRPr lang="zh-CN" altLang="en-US" dirty="0"/>
           </a:p>
         </p:txBody>
       </p:sp>
     </p:spTree>
     <p:extLst>
       <p:ext uri="{BB962C8B-B14F-4D97-AF65-F5344CB8AC3E}">
-        <p14:creationId xmlns:p14="http://schemas.microsoft.com/office/powerpoint/2010/main" val="1941399030"/>
+        <p14:creationId xmlns:p14="http://schemas.microsoft.com/office/powerpoint/2010/main" val="3246053325"/>
       </p:ext>
     </p:extLst>
   </p:cSld>
@@ -17528,6 +17361,1021 @@
           <a:lstStyle/>
           <a:p>
             <a:r>
+              <a:rPr lang="en-US" altLang="zh-CN" dirty="0" smtClean="0"/>
+              <a:t>4.6 </a:t>
+            </a:r>
+            <a:r>
+              <a:rPr lang="zh-CN" altLang="zh-CN" b="1" dirty="0"/>
+              <a:t>课后练习</a:t>
+            </a:r>
+            <a:endParaRPr lang="zh-CN" altLang="en-US" dirty="0"/>
+          </a:p>
+        </p:txBody>
+      </p:sp>
+      <p:sp>
+        <p:nvSpPr>
+          <p:cNvPr id="3" name="内容占位符 2"/>
+          <p:cNvSpPr>
+            <a:spLocks noGrp="1"/>
+          </p:cNvSpPr>
+          <p:nvPr>
+            <p:ph idx="1"/>
+          </p:nvPr>
+        </p:nvSpPr>
+        <p:spPr/>
+        <p:txBody>
+          <a:bodyPr>
+            <a:normAutofit fontScale="55000" lnSpcReduction="20000"/>
+          </a:bodyPr>
+          <a:lstStyle/>
+          <a:p>
+            <a:r>
+              <a:rPr lang="zh-CN" altLang="en-US" dirty="0"/>
+              <a:t>基本函数调用</a:t>
+            </a:r>
+            <a:endParaRPr lang="en-US" altLang="zh-CN" dirty="0" smtClean="0"/>
+          </a:p>
+          <a:p>
+            <a:pPr marL="0" indent="0">
+              <a:buNone/>
+            </a:pPr>
+            <a:r>
+              <a:rPr lang="en-US" altLang="zh-CN" dirty="0" smtClean="0"/>
+              <a:t>	</a:t>
+            </a:r>
+            <a:r>
+              <a:rPr lang="zh-CN" altLang="en-US" dirty="0" smtClean="0"/>
+              <a:t>编写</a:t>
+            </a:r>
+            <a:r>
+              <a:rPr lang="zh-CN" altLang="en-US" dirty="0"/>
+              <a:t>一个函数 </a:t>
+            </a:r>
+            <a:r>
+              <a:rPr lang="en-US" altLang="zh-CN" dirty="0" err="1"/>
+              <a:t>maxValue</a:t>
+            </a:r>
+            <a:r>
+              <a:rPr lang="en-US" altLang="zh-CN" dirty="0"/>
+              <a:t>(</a:t>
+            </a:r>
+            <a:r>
+              <a:rPr lang="en-US" altLang="zh-CN" dirty="0" err="1"/>
+              <a:t>int</a:t>
+            </a:r>
+            <a:r>
+              <a:rPr lang="en-US" altLang="zh-CN" dirty="0"/>
+              <a:t> a, </a:t>
+            </a:r>
+            <a:r>
+              <a:rPr lang="en-US" altLang="zh-CN" dirty="0" err="1"/>
+              <a:t>int</a:t>
+            </a:r>
+            <a:r>
+              <a:rPr lang="en-US" altLang="zh-CN" dirty="0"/>
+              <a:t> b)</a:t>
+            </a:r>
+            <a:r>
+              <a:rPr lang="zh-CN" altLang="en-US" dirty="0"/>
+              <a:t>，返回两个整数中的较大值，并在 </a:t>
+            </a:r>
+            <a:r>
+              <a:rPr lang="en-US" altLang="zh-CN" dirty="0"/>
+              <a:t>main </a:t>
+            </a:r>
+            <a:r>
+              <a:rPr lang="zh-CN" altLang="en-US" dirty="0"/>
+              <a:t>函数中测试。</a:t>
+            </a:r>
+          </a:p>
+          <a:p>
+            <a:r>
+              <a:rPr lang="zh-CN" altLang="en-US" dirty="0"/>
+              <a:t>值传递与引用传递</a:t>
+            </a:r>
+          </a:p>
+          <a:p>
+            <a:pPr marL="0" indent="0">
+              <a:buNone/>
+            </a:pPr>
+            <a:r>
+              <a:rPr lang="en-US" altLang="zh-CN" dirty="0" smtClean="0"/>
+              <a:t>	</a:t>
+            </a:r>
+            <a:r>
+              <a:rPr lang="zh-CN" altLang="en-US" dirty="0" smtClean="0"/>
+              <a:t>编写</a:t>
+            </a:r>
+            <a:r>
+              <a:rPr lang="zh-CN" altLang="en-US" dirty="0"/>
+              <a:t>一个函数 </a:t>
+            </a:r>
+            <a:r>
+              <a:rPr lang="en-US" altLang="zh-CN" dirty="0"/>
+              <a:t>swap(</a:t>
+            </a:r>
+            <a:r>
+              <a:rPr lang="en-US" altLang="zh-CN" dirty="0" err="1"/>
+              <a:t>int</a:t>
+            </a:r>
+            <a:r>
+              <a:rPr lang="en-US" altLang="zh-CN" dirty="0"/>
+              <a:t>&amp; a, </a:t>
+            </a:r>
+            <a:r>
+              <a:rPr lang="en-US" altLang="zh-CN" dirty="0" err="1"/>
+              <a:t>int</a:t>
+            </a:r>
+            <a:r>
+              <a:rPr lang="en-US" altLang="zh-CN" dirty="0"/>
+              <a:t>&amp; b)</a:t>
+            </a:r>
+            <a:r>
+              <a:rPr lang="zh-CN" altLang="en-US" dirty="0"/>
+              <a:t>，交换两个整数的值，并在 </a:t>
+            </a:r>
+            <a:r>
+              <a:rPr lang="en-US" altLang="zh-CN" dirty="0"/>
+              <a:t>main </a:t>
+            </a:r>
+            <a:r>
+              <a:rPr lang="zh-CN" altLang="en-US" dirty="0"/>
+              <a:t>函数中测试。</a:t>
+            </a:r>
+          </a:p>
+          <a:p>
+            <a:r>
+              <a:rPr lang="zh-CN" altLang="en-US" dirty="0"/>
+              <a:t>递归函数</a:t>
+            </a:r>
+          </a:p>
+          <a:p>
+            <a:pPr marL="0" indent="0">
+              <a:buNone/>
+            </a:pPr>
+            <a:r>
+              <a:rPr lang="en-US" altLang="zh-CN" dirty="0" smtClean="0"/>
+              <a:t>	</a:t>
+            </a:r>
+            <a:r>
+              <a:rPr lang="zh-CN" altLang="en-US" dirty="0" smtClean="0"/>
+              <a:t>编写</a:t>
+            </a:r>
+            <a:r>
+              <a:rPr lang="zh-CN" altLang="en-US" dirty="0"/>
+              <a:t>一个递归函数 </a:t>
+            </a:r>
+            <a:r>
+              <a:rPr lang="en-US" altLang="zh-CN" dirty="0" err="1"/>
+              <a:t>int</a:t>
+            </a:r>
+            <a:r>
+              <a:rPr lang="en-US" altLang="zh-CN" dirty="0"/>
+              <a:t> </a:t>
+            </a:r>
+            <a:r>
+              <a:rPr lang="en-US" altLang="zh-CN" dirty="0" err="1"/>
+              <a:t>fibonacci</a:t>
+            </a:r>
+            <a:r>
+              <a:rPr lang="en-US" altLang="zh-CN" dirty="0"/>
+              <a:t>(</a:t>
+            </a:r>
+            <a:r>
+              <a:rPr lang="en-US" altLang="zh-CN" dirty="0" err="1"/>
+              <a:t>int</a:t>
+            </a:r>
+            <a:r>
+              <a:rPr lang="en-US" altLang="zh-CN" dirty="0"/>
+              <a:t> n)</a:t>
+            </a:r>
+            <a:r>
+              <a:rPr lang="zh-CN" altLang="en-US" dirty="0"/>
+              <a:t>，计算并返回斐波那契数列的第 </a:t>
+            </a:r>
+            <a:r>
+              <a:rPr lang="en-US" altLang="zh-CN" dirty="0"/>
+              <a:t>n </a:t>
+            </a:r>
+            <a:r>
+              <a:rPr lang="zh-CN" altLang="en-US" dirty="0"/>
+              <a:t>项。（</a:t>
+            </a:r>
+            <a:r>
+              <a:rPr lang="en-US" altLang="zh-CN" dirty="0"/>
+              <a:t>F(0) = 0, F(1) = 1, F(n) = F(n-1) + F(n-2)</a:t>
+            </a:r>
+            <a:r>
+              <a:rPr lang="zh-CN" altLang="en-US" dirty="0"/>
+              <a:t>）</a:t>
+            </a:r>
+          </a:p>
+          <a:p>
+            <a:pPr marL="0" indent="0">
+              <a:buNone/>
+            </a:pPr>
+            <a:r>
+              <a:rPr lang="en-US" altLang="zh-CN" dirty="0" smtClean="0"/>
+              <a:t>	</a:t>
+            </a:r>
+            <a:r>
+              <a:rPr lang="zh-CN" altLang="en-US" dirty="0" smtClean="0"/>
+              <a:t>编写</a:t>
+            </a:r>
+            <a:r>
+              <a:rPr lang="zh-CN" altLang="en-US" dirty="0"/>
+              <a:t>一个函数 </a:t>
+            </a:r>
+            <a:r>
+              <a:rPr lang="en-US" altLang="zh-CN" dirty="0" err="1"/>
+              <a:t>int</a:t>
+            </a:r>
+            <a:r>
+              <a:rPr lang="en-US" altLang="zh-CN" dirty="0"/>
+              <a:t> </a:t>
+            </a:r>
+            <a:r>
+              <a:rPr lang="en-US" altLang="zh-CN" dirty="0" err="1"/>
+              <a:t>sumArray</a:t>
+            </a:r>
+            <a:r>
+              <a:rPr lang="en-US" altLang="zh-CN" dirty="0"/>
+              <a:t>(</a:t>
+            </a:r>
+            <a:r>
+              <a:rPr lang="en-US" altLang="zh-CN" dirty="0" err="1"/>
+              <a:t>int</a:t>
+            </a:r>
+            <a:r>
+              <a:rPr lang="en-US" altLang="zh-CN" dirty="0"/>
+              <a:t> </a:t>
+            </a:r>
+            <a:r>
+              <a:rPr lang="en-US" altLang="zh-CN" dirty="0" err="1"/>
+              <a:t>arr</a:t>
+            </a:r>
+            <a:r>
+              <a:rPr lang="en-US" altLang="zh-CN" dirty="0"/>
+              <a:t>[], </a:t>
+            </a:r>
+            <a:r>
+              <a:rPr lang="en-US" altLang="zh-CN" dirty="0" err="1"/>
+              <a:t>int</a:t>
+            </a:r>
+            <a:r>
+              <a:rPr lang="en-US" altLang="zh-CN" dirty="0"/>
+              <a:t> size)</a:t>
+            </a:r>
+            <a:r>
+              <a:rPr lang="zh-CN" altLang="en-US" dirty="0"/>
+              <a:t>，计算并返回数组元素的总和。在 </a:t>
+            </a:r>
+            <a:r>
+              <a:rPr lang="en-US" altLang="zh-CN" dirty="0"/>
+              <a:t>main </a:t>
+            </a:r>
+            <a:r>
+              <a:rPr lang="zh-CN" altLang="en-US" dirty="0"/>
+              <a:t>函数中测试该函数。</a:t>
+            </a:r>
+          </a:p>
+          <a:p>
+            <a:r>
+              <a:rPr lang="zh-CN" altLang="en-US" dirty="0"/>
+              <a:t>数组最大值</a:t>
+            </a:r>
+          </a:p>
+          <a:p>
+            <a:pPr marL="0" indent="0">
+              <a:buNone/>
+            </a:pPr>
+            <a:r>
+              <a:rPr lang="en-US" altLang="zh-CN" dirty="0" smtClean="0"/>
+              <a:t>	</a:t>
+            </a:r>
+            <a:r>
+              <a:rPr lang="zh-CN" altLang="en-US" dirty="0" smtClean="0"/>
+              <a:t>编写</a:t>
+            </a:r>
+            <a:r>
+              <a:rPr lang="zh-CN" altLang="en-US" dirty="0"/>
+              <a:t>一个函数 </a:t>
+            </a:r>
+            <a:r>
+              <a:rPr lang="en-US" altLang="zh-CN" dirty="0" err="1"/>
+              <a:t>int</a:t>
+            </a:r>
+            <a:r>
+              <a:rPr lang="en-US" altLang="zh-CN" dirty="0"/>
+              <a:t> </a:t>
+            </a:r>
+            <a:r>
+              <a:rPr lang="en-US" altLang="zh-CN" dirty="0" err="1"/>
+              <a:t>maxInArray</a:t>
+            </a:r>
+            <a:r>
+              <a:rPr lang="en-US" altLang="zh-CN" dirty="0"/>
+              <a:t>(</a:t>
+            </a:r>
+            <a:r>
+              <a:rPr lang="en-US" altLang="zh-CN" dirty="0" err="1"/>
+              <a:t>int</a:t>
+            </a:r>
+            <a:r>
+              <a:rPr lang="en-US" altLang="zh-CN" dirty="0"/>
+              <a:t> </a:t>
+            </a:r>
+            <a:r>
+              <a:rPr lang="en-US" altLang="zh-CN" dirty="0" err="1"/>
+              <a:t>arr</a:t>
+            </a:r>
+            <a:r>
+              <a:rPr lang="en-US" altLang="zh-CN" dirty="0"/>
+              <a:t>[], </a:t>
+            </a:r>
+            <a:r>
+              <a:rPr lang="en-US" altLang="zh-CN" dirty="0" err="1"/>
+              <a:t>int</a:t>
+            </a:r>
+            <a:r>
+              <a:rPr lang="en-US" altLang="zh-CN" dirty="0"/>
+              <a:t> size)</a:t>
+            </a:r>
+            <a:r>
+              <a:rPr lang="zh-CN" altLang="en-US" dirty="0"/>
+              <a:t>，返回数组中的最大值，并在 </a:t>
+            </a:r>
+            <a:r>
+              <a:rPr lang="en-US" altLang="zh-CN" dirty="0"/>
+              <a:t>main </a:t>
+            </a:r>
+            <a:r>
+              <a:rPr lang="zh-CN" altLang="en-US" dirty="0"/>
+              <a:t>函数中测试。</a:t>
+            </a:r>
+          </a:p>
+          <a:p>
+            <a:r>
+              <a:rPr lang="zh-CN" altLang="en-US" dirty="0"/>
+              <a:t>二维数组遍历</a:t>
+            </a:r>
+          </a:p>
+          <a:p>
+            <a:pPr marL="0" indent="0">
+              <a:buNone/>
+            </a:pPr>
+            <a:r>
+              <a:rPr lang="en-US" altLang="zh-CN" dirty="0" smtClean="0"/>
+              <a:t>	</a:t>
+            </a:r>
+            <a:r>
+              <a:rPr lang="zh-CN" altLang="en-US" dirty="0" smtClean="0"/>
+              <a:t>定义</a:t>
+            </a:r>
+            <a:r>
+              <a:rPr lang="zh-CN" altLang="en-US" dirty="0"/>
+              <a:t>一个 </a:t>
+            </a:r>
+            <a:r>
+              <a:rPr lang="en-US" altLang="zh-CN" dirty="0"/>
+              <a:t>3×3 </a:t>
+            </a:r>
+            <a:r>
+              <a:rPr lang="zh-CN" altLang="en-US" dirty="0"/>
+              <a:t>的二维数组，并使用嵌套 </a:t>
+            </a:r>
+            <a:r>
+              <a:rPr lang="en-US" altLang="zh-CN" dirty="0"/>
+              <a:t>for </a:t>
+            </a:r>
+            <a:r>
+              <a:rPr lang="zh-CN" altLang="en-US" dirty="0"/>
+              <a:t>循环输出所有元素。</a:t>
+            </a:r>
+          </a:p>
+          <a:p>
+            <a:r>
+              <a:rPr lang="zh-CN" altLang="en-US" dirty="0"/>
+              <a:t>数组与指针</a:t>
+            </a:r>
+          </a:p>
+          <a:p>
+            <a:pPr marL="0" indent="0">
+              <a:buNone/>
+            </a:pPr>
+            <a:r>
+              <a:rPr lang="en-US" altLang="zh-CN" dirty="0" smtClean="0"/>
+              <a:t>	</a:t>
+            </a:r>
+            <a:r>
+              <a:rPr lang="zh-CN" altLang="en-US" dirty="0" smtClean="0"/>
+              <a:t>编写</a:t>
+            </a:r>
+            <a:r>
+              <a:rPr lang="zh-CN" altLang="en-US" dirty="0"/>
+              <a:t>一个函数 </a:t>
+            </a:r>
+            <a:r>
+              <a:rPr lang="en-US" altLang="zh-CN" dirty="0"/>
+              <a:t>void </a:t>
+            </a:r>
+            <a:r>
+              <a:rPr lang="en-US" altLang="zh-CN" dirty="0" err="1"/>
+              <a:t>printArray</a:t>
+            </a:r>
+            <a:r>
+              <a:rPr lang="en-US" altLang="zh-CN" dirty="0"/>
+              <a:t>(</a:t>
+            </a:r>
+            <a:r>
+              <a:rPr lang="en-US" altLang="zh-CN" dirty="0" err="1"/>
+              <a:t>int</a:t>
+            </a:r>
+            <a:r>
+              <a:rPr lang="en-US" altLang="zh-CN" dirty="0"/>
+              <a:t>* </a:t>
+            </a:r>
+            <a:r>
+              <a:rPr lang="en-US" altLang="zh-CN" dirty="0" err="1"/>
+              <a:t>arr</a:t>
+            </a:r>
+            <a:r>
+              <a:rPr lang="en-US" altLang="zh-CN" dirty="0"/>
+              <a:t>, </a:t>
+            </a:r>
+            <a:r>
+              <a:rPr lang="en-US" altLang="zh-CN" dirty="0" err="1"/>
+              <a:t>int</a:t>
+            </a:r>
+            <a:r>
+              <a:rPr lang="en-US" altLang="zh-CN" dirty="0"/>
+              <a:t> size)</a:t>
+            </a:r>
+            <a:r>
+              <a:rPr lang="zh-CN" altLang="en-US" dirty="0"/>
+              <a:t>，使用指针遍历并输出数组中的所有元素。</a:t>
+            </a:r>
+          </a:p>
+          <a:p>
+            <a:r>
+              <a:rPr lang="zh-CN" altLang="en-US" dirty="0"/>
+              <a:t>数组元素查找</a:t>
+            </a:r>
+          </a:p>
+          <a:p>
+            <a:pPr marL="0" indent="0">
+              <a:buNone/>
+            </a:pPr>
+            <a:r>
+              <a:rPr lang="en-US" altLang="zh-CN" dirty="0" smtClean="0"/>
+              <a:t>	</a:t>
+            </a:r>
+            <a:r>
+              <a:rPr lang="zh-CN" altLang="en-US" dirty="0" smtClean="0"/>
+              <a:t>编写</a:t>
+            </a:r>
+            <a:r>
+              <a:rPr lang="zh-CN" altLang="en-US" dirty="0"/>
+              <a:t>一个函数 </a:t>
+            </a:r>
+            <a:r>
+              <a:rPr lang="en-US" altLang="zh-CN" dirty="0" err="1"/>
+              <a:t>int</a:t>
+            </a:r>
+            <a:r>
+              <a:rPr lang="en-US" altLang="zh-CN" dirty="0"/>
+              <a:t> </a:t>
+            </a:r>
+            <a:r>
+              <a:rPr lang="en-US" altLang="zh-CN" dirty="0" err="1"/>
+              <a:t>findElement</a:t>
+            </a:r>
+            <a:r>
+              <a:rPr lang="en-US" altLang="zh-CN" dirty="0"/>
+              <a:t>(</a:t>
+            </a:r>
+            <a:r>
+              <a:rPr lang="en-US" altLang="zh-CN" dirty="0" err="1"/>
+              <a:t>int</a:t>
+            </a:r>
+            <a:r>
+              <a:rPr lang="en-US" altLang="zh-CN" dirty="0"/>
+              <a:t> </a:t>
+            </a:r>
+            <a:r>
+              <a:rPr lang="en-US" altLang="zh-CN" dirty="0" err="1"/>
+              <a:t>arr</a:t>
+            </a:r>
+            <a:r>
+              <a:rPr lang="en-US" altLang="zh-CN" dirty="0"/>
+              <a:t>[], </a:t>
+            </a:r>
+            <a:r>
+              <a:rPr lang="en-US" altLang="zh-CN" dirty="0" err="1"/>
+              <a:t>int</a:t>
+            </a:r>
+            <a:r>
+              <a:rPr lang="en-US" altLang="zh-CN" dirty="0"/>
+              <a:t> size, </a:t>
+            </a:r>
+            <a:r>
+              <a:rPr lang="en-US" altLang="zh-CN" dirty="0" err="1"/>
+              <a:t>int</a:t>
+            </a:r>
+            <a:r>
+              <a:rPr lang="en-US" altLang="zh-CN" dirty="0"/>
+              <a:t> key)</a:t>
+            </a:r>
+            <a:r>
+              <a:rPr lang="zh-CN" altLang="en-US" dirty="0"/>
+              <a:t>，如果 </a:t>
+            </a:r>
+            <a:r>
+              <a:rPr lang="en-US" altLang="zh-CN" dirty="0"/>
+              <a:t>key </a:t>
+            </a:r>
+            <a:r>
+              <a:rPr lang="zh-CN" altLang="en-US" dirty="0"/>
+              <a:t>存在于数组中，则返回索引，否则返回 </a:t>
+            </a:r>
+            <a:r>
+              <a:rPr lang="en-US" altLang="zh-CN" dirty="0"/>
+              <a:t>-1</a:t>
+            </a:r>
+            <a:r>
+              <a:rPr lang="zh-CN" altLang="en-US" dirty="0"/>
+              <a:t>。</a:t>
+            </a:r>
+          </a:p>
+        </p:txBody>
+      </p:sp>
+    </p:spTree>
+    <p:extLst>
+      <p:ext uri="{BB962C8B-B14F-4D97-AF65-F5344CB8AC3E}">
+        <p14:creationId xmlns:p14="http://schemas.microsoft.com/office/powerpoint/2010/main" val="271248110"/>
+      </p:ext>
+    </p:extLst>
+  </p:cSld>
+  <p:clrMapOvr>
+    <a:masterClrMapping/>
+  </p:clrMapOvr>
+</p:sld>
+</file>
+
+<file path=ppt/slides/slide51.xml><?xml version="1.0" encoding="utf-8"?>
+<p:sld xmlns:a="http://schemas.openxmlformats.org/drawingml/2006/main" xmlns:r="http://schemas.openxmlformats.org/officeDocument/2006/relationships" xmlns:p="http://schemas.openxmlformats.org/presentationml/2006/main">
+  <p:cSld>
+    <p:spTree>
+      <p:nvGrpSpPr>
+        <p:cNvPr id="1" name=""/>
+        <p:cNvGrpSpPr/>
+        <p:nvPr/>
+      </p:nvGrpSpPr>
+      <p:grpSpPr>
+        <a:xfrm>
+          <a:off x="0" y="0"/>
+          <a:ext cx="0" cy="0"/>
+          <a:chOff x="0" y="0"/>
+          <a:chExt cx="0" cy="0"/>
+        </a:xfrm>
+      </p:grpSpPr>
+      <p:sp>
+        <p:nvSpPr>
+          <p:cNvPr id="2" name="标题 1"/>
+          <p:cNvSpPr>
+            <a:spLocks noGrp="1"/>
+          </p:cNvSpPr>
+          <p:nvPr>
+            <p:ph type="title"/>
+          </p:nvPr>
+        </p:nvSpPr>
+        <p:spPr/>
+        <p:txBody>
+          <a:bodyPr/>
+          <a:lstStyle/>
+          <a:p>
+            <a:r>
+              <a:rPr lang="zh-CN" altLang="en-US" b="1" dirty="0" smtClean="0">
+                <a:latin typeface="华文楷体" pitchFamily="2" charset="-122"/>
+                <a:ea typeface="华文楷体" pitchFamily="2" charset="-122"/>
+              </a:rPr>
+              <a:t>第</a:t>
+            </a:r>
+            <a:r>
+              <a:rPr lang="en-US" altLang="zh-CN" b="1" dirty="0" smtClean="0">
+                <a:latin typeface="华文楷体" pitchFamily="2" charset="-122"/>
+                <a:ea typeface="华文楷体" pitchFamily="2" charset="-122"/>
+              </a:rPr>
+              <a:t>5</a:t>
+            </a:r>
+            <a:r>
+              <a:rPr lang="zh-CN" altLang="en-US" b="1" dirty="0" smtClean="0">
+                <a:latin typeface="华文楷体" pitchFamily="2" charset="-122"/>
+                <a:ea typeface="华文楷体" pitchFamily="2" charset="-122"/>
+              </a:rPr>
+              <a:t>章</a:t>
+            </a:r>
+            <a:r>
+              <a:rPr lang="zh-CN" altLang="en-US" b="1" dirty="0">
+                <a:latin typeface="华文楷体" pitchFamily="2" charset="-122"/>
+                <a:ea typeface="华文楷体" pitchFamily="2" charset="-122"/>
+              </a:rPr>
+              <a:t>面向对象编程（</a:t>
+            </a:r>
+            <a:r>
+              <a:rPr lang="en-US" altLang="zh-CN" b="1" dirty="0">
+                <a:latin typeface="华文楷体" pitchFamily="2" charset="-122"/>
+                <a:ea typeface="华文楷体" pitchFamily="2" charset="-122"/>
+              </a:rPr>
+              <a:t>OOP</a:t>
+            </a:r>
+            <a:r>
+              <a:rPr lang="zh-CN" altLang="en-US" b="1" dirty="0">
+                <a:latin typeface="华文楷体" pitchFamily="2" charset="-122"/>
+                <a:ea typeface="华文楷体" pitchFamily="2" charset="-122"/>
+              </a:rPr>
+              <a:t>）基础</a:t>
+            </a:r>
+            <a:endParaRPr lang="zh-CN" altLang="en-US" dirty="0"/>
+          </a:p>
+        </p:txBody>
+      </p:sp>
+      <p:sp>
+        <p:nvSpPr>
+          <p:cNvPr id="3" name="内容占位符 2"/>
+          <p:cNvSpPr>
+            <a:spLocks noGrp="1"/>
+          </p:cNvSpPr>
+          <p:nvPr>
+            <p:ph idx="1"/>
+          </p:nvPr>
+        </p:nvSpPr>
+        <p:spPr/>
+        <p:txBody>
+          <a:bodyPr/>
+          <a:lstStyle/>
+          <a:p>
+            <a:r>
+              <a:rPr lang="zh-CN" altLang="en-US" dirty="0"/>
+              <a:t>类与对象：定义类、创建对象、构造函数与析构函数。</a:t>
+            </a:r>
+          </a:p>
+          <a:p>
+            <a:r>
+              <a:rPr lang="zh-CN" altLang="en-US" dirty="0"/>
+              <a:t>封装：访问控制修饰符（</a:t>
+            </a:r>
+            <a:r>
+              <a:rPr lang="en-US" altLang="zh-CN" dirty="0"/>
+              <a:t>public</a:t>
+            </a:r>
+            <a:r>
+              <a:rPr lang="zh-CN" altLang="en-US" dirty="0"/>
+              <a:t>、</a:t>
+            </a:r>
+            <a:r>
+              <a:rPr lang="en-US" altLang="zh-CN" dirty="0"/>
+              <a:t>private</a:t>
+            </a:r>
+            <a:r>
+              <a:rPr lang="zh-CN" altLang="en-US" dirty="0"/>
+              <a:t>、</a:t>
+            </a:r>
+            <a:r>
+              <a:rPr lang="en-US" altLang="zh-CN" dirty="0"/>
+              <a:t>protected</a:t>
+            </a:r>
+            <a:r>
+              <a:rPr lang="zh-CN" altLang="en-US" dirty="0"/>
+              <a:t>）。</a:t>
+            </a:r>
+          </a:p>
+          <a:p>
+            <a:r>
+              <a:rPr lang="zh-CN" altLang="en-US" dirty="0"/>
+              <a:t>继承：继承的概念、基类与派生类、多重继承。</a:t>
+            </a:r>
+          </a:p>
+          <a:p>
+            <a:r>
+              <a:rPr lang="zh-CN" altLang="en-US" dirty="0"/>
+              <a:t>多态：虚函数、纯虚函数、虚函数的重写、运行时多态。</a:t>
+            </a:r>
+          </a:p>
+        </p:txBody>
+      </p:sp>
+    </p:spTree>
+    <p:extLst>
+      <p:ext uri="{BB962C8B-B14F-4D97-AF65-F5344CB8AC3E}">
+        <p14:creationId xmlns:p14="http://schemas.microsoft.com/office/powerpoint/2010/main" val="2413468171"/>
+      </p:ext>
+    </p:extLst>
+  </p:cSld>
+  <p:clrMapOvr>
+    <a:masterClrMapping/>
+  </p:clrMapOvr>
+  <p:timing>
+    <p:tnLst>
+      <p:par>
+        <p:cTn id="1" dur="indefinite" restart="never" nodeType="tmRoot"/>
+      </p:par>
+    </p:tnLst>
+  </p:timing>
+</p:sld>
+</file>
+
+<file path=ppt/slides/slide52.xml><?xml version="1.0" encoding="utf-8"?>
+<p:sld xmlns:a="http://schemas.openxmlformats.org/drawingml/2006/main" xmlns:r="http://schemas.openxmlformats.org/officeDocument/2006/relationships" xmlns:p="http://schemas.openxmlformats.org/presentationml/2006/main">
+  <p:cSld>
+    <p:spTree>
+      <p:nvGrpSpPr>
+        <p:cNvPr id="1" name=""/>
+        <p:cNvGrpSpPr/>
+        <p:nvPr/>
+      </p:nvGrpSpPr>
+      <p:grpSpPr>
+        <a:xfrm>
+          <a:off x="0" y="0"/>
+          <a:ext cx="0" cy="0"/>
+          <a:chOff x="0" y="0"/>
+          <a:chExt cx="0" cy="0"/>
+        </a:xfrm>
+      </p:grpSpPr>
+      <p:sp>
+        <p:nvSpPr>
+          <p:cNvPr id="2" name="标题 1"/>
+          <p:cNvSpPr>
+            <a:spLocks noGrp="1"/>
+          </p:cNvSpPr>
+          <p:nvPr>
+            <p:ph type="title"/>
+          </p:nvPr>
+        </p:nvSpPr>
+        <p:spPr/>
+        <p:txBody>
+          <a:bodyPr/>
+          <a:lstStyle/>
+          <a:p>
+            <a:r>
+              <a:rPr lang="en-US" altLang="zh-CN" b="1" dirty="0" smtClean="0"/>
+              <a:t>5.1 </a:t>
+            </a:r>
+            <a:r>
+              <a:rPr lang="zh-CN" altLang="en-US" b="1" dirty="0"/>
+              <a:t>为什么使用面向对象</a:t>
+            </a:r>
+          </a:p>
+        </p:txBody>
+      </p:sp>
+      <p:sp>
+        <p:nvSpPr>
+          <p:cNvPr id="3" name="内容占位符 2"/>
+          <p:cNvSpPr>
+            <a:spLocks noGrp="1"/>
+          </p:cNvSpPr>
+          <p:nvPr>
+            <p:ph idx="1"/>
+          </p:nvPr>
+        </p:nvSpPr>
+        <p:spPr/>
+        <p:txBody>
+          <a:bodyPr/>
+          <a:lstStyle/>
+          <a:p>
+            <a:r>
+              <a:rPr lang="zh-CN" altLang="en-US" dirty="0"/>
+              <a:t>面向对象编程（</a:t>
+            </a:r>
+            <a:r>
+              <a:rPr lang="en-US" altLang="zh-CN" dirty="0"/>
+              <a:t>OOP</a:t>
+            </a:r>
+            <a:r>
+              <a:rPr lang="zh-CN" altLang="en-US" dirty="0"/>
+              <a:t>）是软件开发中的一种编程范式，它与传统的过程化编程（如</a:t>
+            </a:r>
+            <a:r>
+              <a:rPr lang="en-US" altLang="zh-CN" dirty="0"/>
+              <a:t>C</a:t>
+            </a:r>
+            <a:r>
+              <a:rPr lang="zh-CN" altLang="en-US" dirty="0"/>
+              <a:t>语言）相比，提供了更高的灵活性和可维护性。通过将数据和操作数据的方法封装在一起，</a:t>
+            </a:r>
+            <a:r>
+              <a:rPr lang="en-US" altLang="zh-CN" dirty="0"/>
+              <a:t>OOP</a:t>
+            </a:r>
+            <a:r>
+              <a:rPr lang="zh-CN" altLang="en-US" dirty="0"/>
+              <a:t>可以使代码更加模块化、可扩展和易于维护</a:t>
+            </a:r>
+            <a:r>
+              <a:rPr lang="zh-CN" altLang="en-US" dirty="0" smtClean="0"/>
+              <a:t>。</a:t>
+            </a:r>
+            <a:endParaRPr lang="en-US" altLang="zh-CN" dirty="0" smtClean="0"/>
+          </a:p>
+          <a:p>
+            <a:r>
+              <a:rPr lang="zh-CN" altLang="en-US" dirty="0"/>
+              <a:t>面向对象的</a:t>
+            </a:r>
+            <a:r>
+              <a:rPr lang="zh-CN" altLang="en-US" dirty="0" smtClean="0"/>
+              <a:t>优势</a:t>
+            </a:r>
+            <a:endParaRPr lang="en-US" altLang="zh-CN" dirty="0" smtClean="0"/>
+          </a:p>
+          <a:p>
+            <a:r>
+              <a:rPr lang="zh-CN" altLang="en-US" dirty="0"/>
+              <a:t>与 </a:t>
+            </a:r>
+            <a:r>
+              <a:rPr lang="en-US" altLang="zh-CN" dirty="0"/>
+              <a:t>C </a:t>
+            </a:r>
+            <a:r>
+              <a:rPr lang="zh-CN" altLang="en-US" dirty="0"/>
+              <a:t>语言的</a:t>
+            </a:r>
+            <a:r>
+              <a:rPr lang="zh-CN" altLang="en-US" dirty="0" smtClean="0"/>
+              <a:t>区别</a:t>
+            </a:r>
+            <a:endParaRPr lang="en-US" altLang="zh-CN" dirty="0" smtClean="0"/>
+          </a:p>
+          <a:p>
+            <a:r>
+              <a:rPr lang="zh-CN" altLang="en-US" dirty="0"/>
+              <a:t>为什么选择面向对象编程</a:t>
+            </a:r>
+          </a:p>
+        </p:txBody>
+      </p:sp>
+    </p:spTree>
+    <p:extLst>
+      <p:ext uri="{BB962C8B-B14F-4D97-AF65-F5344CB8AC3E}">
+        <p14:creationId xmlns:p14="http://schemas.microsoft.com/office/powerpoint/2010/main" val="329754630"/>
+      </p:ext>
+    </p:extLst>
+  </p:cSld>
+  <p:clrMapOvr>
+    <a:masterClrMapping/>
+  </p:clrMapOvr>
+</p:sld>
+</file>
+
+<file path=ppt/slides/slide53.xml><?xml version="1.0" encoding="utf-8"?>
+<p:sld xmlns:a="http://schemas.openxmlformats.org/drawingml/2006/main" xmlns:r="http://schemas.openxmlformats.org/officeDocument/2006/relationships" xmlns:p="http://schemas.openxmlformats.org/presentationml/2006/main">
+  <p:cSld>
+    <p:spTree>
+      <p:nvGrpSpPr>
+        <p:cNvPr id="1" name=""/>
+        <p:cNvGrpSpPr/>
+        <p:nvPr/>
+      </p:nvGrpSpPr>
+      <p:grpSpPr>
+        <a:xfrm>
+          <a:off x="0" y="0"/>
+          <a:ext cx="0" cy="0"/>
+          <a:chOff x="0" y="0"/>
+          <a:chExt cx="0" cy="0"/>
+        </a:xfrm>
+      </p:grpSpPr>
+      <p:sp>
+        <p:nvSpPr>
+          <p:cNvPr id="2" name="标题 1"/>
+          <p:cNvSpPr>
+            <a:spLocks noGrp="1"/>
+          </p:cNvSpPr>
+          <p:nvPr>
+            <p:ph type="title"/>
+          </p:nvPr>
+        </p:nvSpPr>
+        <p:spPr/>
+        <p:txBody>
+          <a:bodyPr/>
+          <a:lstStyle/>
+          <a:p>
+            <a:r>
+              <a:rPr lang="zh-CN" altLang="en-US" b="1" dirty="0"/>
+              <a:t>面向对象的优势</a:t>
+            </a:r>
+            <a:r>
+              <a:rPr lang="en-US" altLang="zh-CN" dirty="0"/>
+              <a:t/>
+            </a:r>
+            <a:br>
+              <a:rPr lang="en-US" altLang="zh-CN" dirty="0"/>
+            </a:br>
+            <a:endParaRPr lang="zh-CN" altLang="en-US" dirty="0"/>
+          </a:p>
+        </p:txBody>
+      </p:sp>
+      <p:sp>
+        <p:nvSpPr>
+          <p:cNvPr id="3" name="内容占位符 2"/>
+          <p:cNvSpPr>
+            <a:spLocks noGrp="1"/>
+          </p:cNvSpPr>
+          <p:nvPr>
+            <p:ph idx="1"/>
+          </p:nvPr>
+        </p:nvSpPr>
+        <p:spPr/>
+        <p:txBody>
+          <a:bodyPr/>
+          <a:lstStyle/>
+          <a:p>
+            <a:r>
+              <a:rPr lang="zh-CN" altLang="en-US" dirty="0"/>
+              <a:t>封装：</a:t>
+            </a:r>
+            <a:r>
+              <a:rPr lang="en-US" altLang="zh-CN" dirty="0"/>
+              <a:t>OOP</a:t>
+            </a:r>
+            <a:r>
+              <a:rPr lang="zh-CN" altLang="en-US" dirty="0"/>
+              <a:t>鼓励将数据与数据操作封装在一起，减少数据访问的复杂性。通过封装，类的实现细节可以隐藏，外部代码只需关注接口而非实现。</a:t>
+            </a:r>
+          </a:p>
+          <a:p>
+            <a:r>
+              <a:rPr lang="zh-CN" altLang="en-US" dirty="0"/>
+              <a:t>继承：继承允许类继承另一个类的属性和方法，减少代码的重复，增强代码的重用性。</a:t>
+            </a:r>
+          </a:p>
+          <a:p>
+            <a:r>
+              <a:rPr lang="zh-CN" altLang="en-US" dirty="0"/>
+              <a:t>多态：多态使得同一操作可以在不同类型的对象上表现出不同的行为，提高了代码的灵活性。</a:t>
+            </a:r>
+          </a:p>
+          <a:p>
+            <a:r>
+              <a:rPr lang="zh-CN" altLang="en-US" dirty="0"/>
+              <a:t>模块化与可维护性：</a:t>
+            </a:r>
+            <a:r>
+              <a:rPr lang="en-US" altLang="zh-CN" dirty="0"/>
+              <a:t>OOP</a:t>
+            </a:r>
+            <a:r>
+              <a:rPr lang="zh-CN" altLang="en-US" dirty="0"/>
+              <a:t>允许将一个大程序拆分成多个小模块，每个模块负责自己独立的功能，增强了代码的可维护性和扩展性。</a:t>
+            </a:r>
+          </a:p>
+        </p:txBody>
+      </p:sp>
+    </p:spTree>
+    <p:extLst>
+      <p:ext uri="{BB962C8B-B14F-4D97-AF65-F5344CB8AC3E}">
+        <p14:creationId xmlns:p14="http://schemas.microsoft.com/office/powerpoint/2010/main" val="1941399030"/>
+      </p:ext>
+    </p:extLst>
+  </p:cSld>
+  <p:clrMapOvr>
+    <a:masterClrMapping/>
+  </p:clrMapOvr>
+</p:sld>
+</file>
+
+<file path=ppt/slides/slide54.xml><?xml version="1.0" encoding="utf-8"?>
+<p:sld xmlns:a="http://schemas.openxmlformats.org/drawingml/2006/main" xmlns:r="http://schemas.openxmlformats.org/officeDocument/2006/relationships" xmlns:p="http://schemas.openxmlformats.org/presentationml/2006/main">
+  <p:cSld>
+    <p:spTree>
+      <p:nvGrpSpPr>
+        <p:cNvPr id="1" name=""/>
+        <p:cNvGrpSpPr/>
+        <p:nvPr/>
+      </p:nvGrpSpPr>
+      <p:grpSpPr>
+        <a:xfrm>
+          <a:off x="0" y="0"/>
+          <a:ext cx="0" cy="0"/>
+          <a:chOff x="0" y="0"/>
+          <a:chExt cx="0" cy="0"/>
+        </a:xfrm>
+      </p:grpSpPr>
+      <p:sp>
+        <p:nvSpPr>
+          <p:cNvPr id="2" name="标题 1"/>
+          <p:cNvSpPr>
+            <a:spLocks noGrp="1"/>
+          </p:cNvSpPr>
+          <p:nvPr>
+            <p:ph type="title"/>
+          </p:nvPr>
+        </p:nvSpPr>
+        <p:spPr/>
+        <p:txBody>
+          <a:bodyPr/>
+          <a:lstStyle/>
+          <a:p>
+            <a:r>
               <a:rPr lang="zh-CN" altLang="en-US" b="1" dirty="0"/>
               <a:t>与 </a:t>
             </a:r>
@@ -17606,7 +18454,7 @@
 </p:sld>
 </file>
 
-<file path=ppt/slides/slide51.xml><?xml version="1.0" encoding="utf-8"?>
+<file path=ppt/slides/slide55.xml><?xml version="1.0" encoding="utf-8"?>
 <p:sld xmlns:a="http://schemas.openxmlformats.org/drawingml/2006/main" xmlns:r="http://schemas.openxmlformats.org/officeDocument/2006/relationships" xmlns:p="http://schemas.openxmlformats.org/presentationml/2006/main">
   <p:cSld>
     <p:spTree>
@@ -18033,659 +18881,6 @@
 </p:sld>
 </file>
 
-<file path=ppt/slides/slide52.xml><?xml version="1.0" encoding="utf-8"?>
-<p:sld xmlns:a="http://schemas.openxmlformats.org/drawingml/2006/main" xmlns:r="http://schemas.openxmlformats.org/officeDocument/2006/relationships" xmlns:p="http://schemas.openxmlformats.org/presentationml/2006/main">
-  <p:cSld>
-    <p:spTree>
-      <p:nvGrpSpPr>
-        <p:cNvPr id="1" name=""/>
-        <p:cNvGrpSpPr/>
-        <p:nvPr/>
-      </p:nvGrpSpPr>
-      <p:grpSpPr>
-        <a:xfrm>
-          <a:off x="0" y="0"/>
-          <a:ext cx="0" cy="0"/>
-          <a:chOff x="0" y="0"/>
-          <a:chExt cx="0" cy="0"/>
-        </a:xfrm>
-      </p:grpSpPr>
-      <p:sp>
-        <p:nvSpPr>
-          <p:cNvPr id="2" name="标题 1"/>
-          <p:cNvSpPr>
-            <a:spLocks noGrp="1"/>
-          </p:cNvSpPr>
-          <p:nvPr>
-            <p:ph type="title"/>
-          </p:nvPr>
-        </p:nvSpPr>
-        <p:spPr/>
-        <p:txBody>
-          <a:bodyPr/>
-          <a:lstStyle/>
-          <a:p>
-            <a:r>
-              <a:rPr lang="en-US" altLang="zh-CN" dirty="0" smtClean="0"/>
-              <a:t>5.2 </a:t>
-            </a:r>
-            <a:r>
-              <a:rPr lang="zh-CN" altLang="en-US" dirty="0"/>
-              <a:t>类与对象</a:t>
-            </a:r>
-          </a:p>
-        </p:txBody>
-      </p:sp>
-      <p:sp>
-        <p:nvSpPr>
-          <p:cNvPr id="3" name="内容占位符 2"/>
-          <p:cNvSpPr>
-            <a:spLocks noGrp="1"/>
-          </p:cNvSpPr>
-          <p:nvPr>
-            <p:ph idx="1"/>
-          </p:nvPr>
-        </p:nvSpPr>
-        <p:spPr/>
-        <p:txBody>
-          <a:bodyPr/>
-          <a:lstStyle/>
-          <a:p>
-            <a:r>
-              <a:rPr lang="zh-CN" altLang="en-US" dirty="0"/>
-              <a:t>定义</a:t>
-            </a:r>
-            <a:r>
-              <a:rPr lang="zh-CN" altLang="en-US" dirty="0" smtClean="0"/>
-              <a:t>类</a:t>
-            </a:r>
-            <a:endParaRPr lang="en-US" altLang="zh-CN" dirty="0" smtClean="0"/>
-          </a:p>
-          <a:p>
-            <a:pPr marL="0" indent="0">
-              <a:buNone/>
-            </a:pPr>
-            <a:r>
-              <a:rPr lang="en-US" altLang="zh-CN" dirty="0"/>
-              <a:t>	</a:t>
-            </a:r>
-            <a:r>
-              <a:rPr lang="zh-CN" altLang="en-US" dirty="0"/>
-              <a:t>类是面向对象编程中的核心概念，它描述了一个对象的属性和行为。类定义包括</a:t>
-            </a:r>
-            <a:r>
-              <a:rPr lang="zh-CN" altLang="en-US" dirty="0" smtClean="0"/>
-              <a:t>成</a:t>
-            </a:r>
-            <a:r>
-              <a:rPr lang="en-US" altLang="zh-CN" dirty="0" smtClean="0"/>
-              <a:t>	</a:t>
-            </a:r>
-            <a:r>
-              <a:rPr lang="zh-CN" altLang="en-US" dirty="0" smtClean="0"/>
-              <a:t>员</a:t>
-            </a:r>
-            <a:r>
-              <a:rPr lang="zh-CN" altLang="en-US" dirty="0"/>
-              <a:t>变量（属性）和成员函数（行为）。类的实例化称为对象。</a:t>
-            </a:r>
-            <a:endParaRPr lang="en-US" altLang="zh-CN" dirty="0" smtClean="0"/>
-          </a:p>
-          <a:p>
-            <a:r>
-              <a:rPr lang="zh-CN" altLang="en-US" dirty="0"/>
-              <a:t>构造函数与</a:t>
-            </a:r>
-            <a:r>
-              <a:rPr lang="zh-CN" altLang="en-US" dirty="0" smtClean="0"/>
-              <a:t>析构函数</a:t>
-            </a:r>
-            <a:endParaRPr lang="en-US" altLang="zh-CN" dirty="0" smtClean="0"/>
-          </a:p>
-          <a:p>
-            <a:pPr marL="0" indent="0">
-              <a:buNone/>
-            </a:pPr>
-            <a:r>
-              <a:rPr lang="en-US" altLang="zh-CN" dirty="0"/>
-              <a:t>	</a:t>
-            </a:r>
-            <a:r>
-              <a:rPr lang="zh-CN" altLang="en-US" dirty="0"/>
-              <a:t>构造函数用于初始化对象的成员变量。析构函数用于在对象销毁时进行资源清理</a:t>
-            </a:r>
-            <a:r>
-              <a:rPr lang="zh-CN" altLang="en-US" dirty="0" smtClean="0"/>
-              <a:t>。</a:t>
-            </a:r>
-            <a:r>
-              <a:rPr lang="en-US" altLang="zh-CN" dirty="0" smtClean="0"/>
-              <a:t>	</a:t>
-            </a:r>
-            <a:r>
-              <a:rPr lang="zh-CN" altLang="en-US" dirty="0" smtClean="0"/>
-              <a:t>构造</a:t>
-            </a:r>
-            <a:r>
-              <a:rPr lang="zh-CN" altLang="en-US" dirty="0"/>
-              <a:t>函数和析构函数的名称与类名相同，但构造函数没有返回类型，析构函数以 </a:t>
-            </a:r>
-            <a:r>
-              <a:rPr lang="en-US" altLang="zh-CN" dirty="0"/>
-              <a:t>~ </a:t>
-            </a:r>
-            <a:r>
-              <a:rPr lang="en-US" altLang="zh-CN" dirty="0" smtClean="0"/>
-              <a:t>	</a:t>
-            </a:r>
-            <a:r>
-              <a:rPr lang="zh-CN" altLang="en-US" dirty="0" smtClean="0"/>
-              <a:t>开头</a:t>
-            </a:r>
-            <a:r>
-              <a:rPr lang="zh-CN" altLang="en-US" dirty="0"/>
-              <a:t>。</a:t>
-            </a:r>
-            <a:endParaRPr lang="en-US" altLang="zh-CN" dirty="0" smtClean="0"/>
-          </a:p>
-        </p:txBody>
-      </p:sp>
-    </p:spTree>
-    <p:extLst>
-      <p:ext uri="{BB962C8B-B14F-4D97-AF65-F5344CB8AC3E}">
-        <p14:creationId xmlns:p14="http://schemas.microsoft.com/office/powerpoint/2010/main" val="3147529873"/>
-      </p:ext>
-    </p:extLst>
-  </p:cSld>
-  <p:clrMapOvr>
-    <a:masterClrMapping/>
-  </p:clrMapOvr>
-</p:sld>
-</file>
-
-<file path=ppt/slides/slide53.xml><?xml version="1.0" encoding="utf-8"?>
-<p:sld xmlns:a="http://schemas.openxmlformats.org/drawingml/2006/main" xmlns:r="http://schemas.openxmlformats.org/officeDocument/2006/relationships" xmlns:p="http://schemas.openxmlformats.org/presentationml/2006/main">
-  <p:cSld>
-    <p:spTree>
-      <p:nvGrpSpPr>
-        <p:cNvPr id="1" name=""/>
-        <p:cNvGrpSpPr/>
-        <p:nvPr/>
-      </p:nvGrpSpPr>
-      <p:grpSpPr>
-        <a:xfrm>
-          <a:off x="0" y="0"/>
-          <a:ext cx="0" cy="0"/>
-          <a:chOff x="0" y="0"/>
-          <a:chExt cx="0" cy="0"/>
-        </a:xfrm>
-      </p:grpSpPr>
-      <p:sp>
-        <p:nvSpPr>
-          <p:cNvPr id="2" name="标题 1"/>
-          <p:cNvSpPr>
-            <a:spLocks noGrp="1"/>
-          </p:cNvSpPr>
-          <p:nvPr>
-            <p:ph type="title"/>
-          </p:nvPr>
-        </p:nvSpPr>
-        <p:spPr/>
-        <p:txBody>
-          <a:bodyPr/>
-          <a:lstStyle/>
-          <a:p>
-            <a:r>
-              <a:rPr lang="en-US" altLang="zh-CN" dirty="0" smtClean="0"/>
-              <a:t>5.2 </a:t>
-            </a:r>
-            <a:r>
-              <a:rPr lang="zh-CN" altLang="en-US" dirty="0"/>
-              <a:t>封装</a:t>
-            </a:r>
-          </a:p>
-        </p:txBody>
-      </p:sp>
-      <p:sp>
-        <p:nvSpPr>
-          <p:cNvPr id="3" name="内容占位符 2"/>
-          <p:cNvSpPr>
-            <a:spLocks noGrp="1"/>
-          </p:cNvSpPr>
-          <p:nvPr>
-            <p:ph idx="1"/>
-          </p:nvPr>
-        </p:nvSpPr>
-        <p:spPr/>
-        <p:txBody>
-          <a:bodyPr/>
-          <a:lstStyle/>
-          <a:p>
-            <a:r>
-              <a:rPr lang="zh-CN" altLang="en-US" dirty="0"/>
-              <a:t>封装是面向对象编程的四大基本特性之一。封装通过访问控制修饰符（</a:t>
-            </a:r>
-            <a:r>
-              <a:rPr lang="en-US" altLang="zh-CN" dirty="0"/>
-              <a:t>public</a:t>
-            </a:r>
-            <a:r>
-              <a:rPr lang="zh-CN" altLang="en-US" dirty="0"/>
-              <a:t>、</a:t>
-            </a:r>
-            <a:r>
-              <a:rPr lang="en-US" altLang="zh-CN" dirty="0"/>
-              <a:t>private</a:t>
-            </a:r>
-            <a:r>
-              <a:rPr lang="zh-CN" altLang="en-US" dirty="0"/>
-              <a:t>、</a:t>
-            </a:r>
-            <a:r>
-              <a:rPr lang="en-US" altLang="zh-CN" dirty="0"/>
-              <a:t>protected</a:t>
-            </a:r>
-            <a:r>
-              <a:rPr lang="zh-CN" altLang="en-US" dirty="0"/>
-              <a:t>）来控制类成员的访问权限</a:t>
-            </a:r>
-            <a:r>
-              <a:rPr lang="zh-CN" altLang="en-US" dirty="0" smtClean="0"/>
-              <a:t>。</a:t>
-            </a:r>
-            <a:endParaRPr lang="en-US" altLang="zh-CN" dirty="0" smtClean="0"/>
-          </a:p>
-          <a:p>
-            <a:r>
-              <a:rPr lang="zh-CN" altLang="en-US" dirty="0"/>
-              <a:t>访问控制修饰符</a:t>
-            </a:r>
-          </a:p>
-          <a:p>
-            <a:pPr lvl="1"/>
-            <a:r>
-              <a:rPr lang="en-US" altLang="zh-CN" dirty="0"/>
-              <a:t>public</a:t>
-            </a:r>
-            <a:r>
-              <a:rPr lang="zh-CN" altLang="en-US" dirty="0"/>
-              <a:t>：公开的成员，外部代码可以访问。</a:t>
-            </a:r>
-          </a:p>
-          <a:p>
-            <a:pPr lvl="1"/>
-            <a:r>
-              <a:rPr lang="en-US" altLang="zh-CN" dirty="0"/>
-              <a:t>private</a:t>
-            </a:r>
-            <a:r>
-              <a:rPr lang="zh-CN" altLang="en-US" dirty="0"/>
-              <a:t>：私有的成员，只能在类的内部访问。</a:t>
-            </a:r>
-          </a:p>
-          <a:p>
-            <a:pPr lvl="1"/>
-            <a:r>
-              <a:rPr lang="en-US" altLang="zh-CN" dirty="0"/>
-              <a:t>protected</a:t>
-            </a:r>
-            <a:r>
-              <a:rPr lang="zh-CN" altLang="en-US" dirty="0"/>
-              <a:t>：保护的成员，子类可以访问，但外部代码不能访问。</a:t>
-            </a:r>
-          </a:p>
-        </p:txBody>
-      </p:sp>
-    </p:spTree>
-    <p:extLst>
-      <p:ext uri="{BB962C8B-B14F-4D97-AF65-F5344CB8AC3E}">
-        <p14:creationId xmlns:p14="http://schemas.microsoft.com/office/powerpoint/2010/main" val="3887602630"/>
-      </p:ext>
-    </p:extLst>
-  </p:cSld>
-  <p:clrMapOvr>
-    <a:masterClrMapping/>
-  </p:clrMapOvr>
-</p:sld>
-</file>
-
-<file path=ppt/slides/slide54.xml><?xml version="1.0" encoding="utf-8"?>
-<p:sld xmlns:a="http://schemas.openxmlformats.org/drawingml/2006/main" xmlns:r="http://schemas.openxmlformats.org/officeDocument/2006/relationships" xmlns:p="http://schemas.openxmlformats.org/presentationml/2006/main">
-  <p:cSld>
-    <p:spTree>
-      <p:nvGrpSpPr>
-        <p:cNvPr id="1" name=""/>
-        <p:cNvGrpSpPr/>
-        <p:nvPr/>
-      </p:nvGrpSpPr>
-      <p:grpSpPr>
-        <a:xfrm>
-          <a:off x="0" y="0"/>
-          <a:ext cx="0" cy="0"/>
-          <a:chOff x="0" y="0"/>
-          <a:chExt cx="0" cy="0"/>
-        </a:xfrm>
-      </p:grpSpPr>
-      <p:sp>
-        <p:nvSpPr>
-          <p:cNvPr id="2" name="标题 1"/>
-          <p:cNvSpPr>
-            <a:spLocks noGrp="1"/>
-          </p:cNvSpPr>
-          <p:nvPr>
-            <p:ph type="title"/>
-          </p:nvPr>
-        </p:nvSpPr>
-        <p:spPr/>
-        <p:txBody>
-          <a:bodyPr/>
-          <a:lstStyle/>
-          <a:p>
-            <a:r>
-              <a:rPr lang="en-US" altLang="zh-CN" dirty="0" smtClean="0"/>
-              <a:t>5.3 </a:t>
-            </a:r>
-            <a:r>
-              <a:rPr lang="zh-CN" altLang="en-US" dirty="0"/>
-              <a:t>继承</a:t>
-            </a:r>
-          </a:p>
-        </p:txBody>
-      </p:sp>
-      <p:sp>
-        <p:nvSpPr>
-          <p:cNvPr id="3" name="内容占位符 2"/>
-          <p:cNvSpPr>
-            <a:spLocks noGrp="1"/>
-          </p:cNvSpPr>
-          <p:nvPr>
-            <p:ph idx="1"/>
-          </p:nvPr>
-        </p:nvSpPr>
-        <p:spPr/>
-        <p:txBody>
-          <a:bodyPr/>
-          <a:lstStyle/>
-          <a:p>
-            <a:r>
-              <a:rPr lang="zh-CN" altLang="en-US" dirty="0"/>
-              <a:t>通过继承，我们可以创建一个新的类（派生类），它可以继承已有类（基类）的成员变量和成员函数</a:t>
-            </a:r>
-            <a:r>
-              <a:rPr lang="zh-CN" altLang="en-US" dirty="0" smtClean="0"/>
-              <a:t>。</a:t>
-            </a:r>
-            <a:endParaRPr lang="en-US" altLang="zh-CN" dirty="0" smtClean="0"/>
-          </a:p>
-          <a:p>
-            <a:r>
-              <a:rPr lang="zh-CN" altLang="en-US" dirty="0"/>
-              <a:t>继承的</a:t>
-            </a:r>
-            <a:r>
-              <a:rPr lang="zh-CN" altLang="en-US" dirty="0" smtClean="0"/>
-              <a:t>概念</a:t>
-            </a:r>
-            <a:endParaRPr lang="en-US" altLang="zh-CN" dirty="0" smtClean="0"/>
-          </a:p>
-          <a:p>
-            <a:pPr marL="457200" lvl="1" indent="0">
-              <a:buNone/>
-            </a:pPr>
-            <a:r>
-              <a:rPr lang="zh-CN" altLang="en-US" dirty="0"/>
-              <a:t>基类和派生类的关系：</a:t>
-            </a:r>
-            <a:r>
-              <a:rPr lang="en-US" altLang="zh-CN" dirty="0"/>
-              <a:t>	</a:t>
-            </a:r>
-            <a:endParaRPr lang="zh-CN" altLang="en-US" dirty="0"/>
-          </a:p>
-          <a:p>
-            <a:pPr lvl="1"/>
-            <a:r>
-              <a:rPr lang="zh-CN" altLang="en-US" dirty="0"/>
-              <a:t>基类是被继承的类。</a:t>
-            </a:r>
-          </a:p>
-          <a:p>
-            <a:pPr lvl="1"/>
-            <a:r>
-              <a:rPr lang="zh-CN" altLang="en-US" dirty="0"/>
-              <a:t>派生类是从基类派生出来的类，可以继承基类的属性和行为。</a:t>
-            </a:r>
-          </a:p>
-          <a:p>
-            <a:r>
-              <a:rPr lang="zh-CN" altLang="en-US" dirty="0" smtClean="0"/>
-              <a:t>基</a:t>
-            </a:r>
-            <a:r>
-              <a:rPr lang="zh-CN" altLang="en-US" dirty="0"/>
-              <a:t>类与派生</a:t>
-            </a:r>
-            <a:r>
-              <a:rPr lang="zh-CN" altLang="en-US" dirty="0" smtClean="0"/>
-              <a:t>类</a:t>
-            </a:r>
-            <a:endParaRPr lang="en-US" altLang="zh-CN" dirty="0" smtClean="0"/>
-          </a:p>
-          <a:p>
-            <a:r>
-              <a:rPr lang="zh-CN" altLang="en-US" dirty="0"/>
-              <a:t>多重继承</a:t>
-            </a:r>
-            <a:endParaRPr lang="en-US" altLang="zh-CN" dirty="0" smtClean="0"/>
-          </a:p>
-        </p:txBody>
-      </p:sp>
-    </p:spTree>
-    <p:extLst>
-      <p:ext uri="{BB962C8B-B14F-4D97-AF65-F5344CB8AC3E}">
-        <p14:creationId xmlns:p14="http://schemas.microsoft.com/office/powerpoint/2010/main" val="3152470496"/>
-      </p:ext>
-    </p:extLst>
-  </p:cSld>
-  <p:clrMapOvr>
-    <a:masterClrMapping/>
-  </p:clrMapOvr>
-</p:sld>
-</file>
-
-<file path=ppt/slides/slide55.xml><?xml version="1.0" encoding="utf-8"?>
-<p:sld xmlns:a="http://schemas.openxmlformats.org/drawingml/2006/main" xmlns:r="http://schemas.openxmlformats.org/officeDocument/2006/relationships" xmlns:p="http://schemas.openxmlformats.org/presentationml/2006/main">
-  <p:cSld>
-    <p:spTree>
-      <p:nvGrpSpPr>
-        <p:cNvPr id="1" name=""/>
-        <p:cNvGrpSpPr/>
-        <p:nvPr/>
-      </p:nvGrpSpPr>
-      <p:grpSpPr>
-        <a:xfrm>
-          <a:off x="0" y="0"/>
-          <a:ext cx="0" cy="0"/>
-          <a:chOff x="0" y="0"/>
-          <a:chExt cx="0" cy="0"/>
-        </a:xfrm>
-      </p:grpSpPr>
-      <p:sp>
-        <p:nvSpPr>
-          <p:cNvPr id="2" name="标题 1"/>
-          <p:cNvSpPr>
-            <a:spLocks noGrp="1"/>
-          </p:cNvSpPr>
-          <p:nvPr>
-            <p:ph type="title"/>
-          </p:nvPr>
-        </p:nvSpPr>
-        <p:spPr/>
-        <p:txBody>
-          <a:bodyPr/>
-          <a:lstStyle/>
-          <a:p>
-            <a:r>
-              <a:rPr lang="en-US" altLang="zh-CN" dirty="0" smtClean="0"/>
-              <a:t>5.4 </a:t>
-            </a:r>
-            <a:r>
-              <a:rPr lang="zh-CN" altLang="en-US" dirty="0"/>
-              <a:t>多态</a:t>
-            </a:r>
-          </a:p>
-        </p:txBody>
-      </p:sp>
-      <p:sp>
-        <p:nvSpPr>
-          <p:cNvPr id="3" name="内容占位符 2"/>
-          <p:cNvSpPr>
-            <a:spLocks noGrp="1"/>
-          </p:cNvSpPr>
-          <p:nvPr>
-            <p:ph idx="1"/>
-          </p:nvPr>
-        </p:nvSpPr>
-        <p:spPr/>
-        <p:txBody>
-          <a:bodyPr/>
-          <a:lstStyle/>
-          <a:p>
-            <a:r>
-              <a:rPr lang="zh-CN" altLang="en-US" dirty="0"/>
-              <a:t>多态是指通过相同的接口调用不同的函数，实现不同的行为。多态有两种类型：编译时多态</a:t>
-            </a:r>
-            <a:r>
-              <a:rPr lang="zh-CN" altLang="en-US" dirty="0" smtClean="0"/>
-              <a:t>和运行</a:t>
-            </a:r>
-            <a:r>
-              <a:rPr lang="zh-CN" altLang="en-US" dirty="0"/>
-              <a:t>时多态</a:t>
-            </a:r>
-            <a:r>
-              <a:rPr lang="zh-CN" altLang="en-US" dirty="0" smtClean="0"/>
-              <a:t>。</a:t>
-            </a:r>
-            <a:endParaRPr lang="en-US" altLang="zh-CN" dirty="0" smtClean="0"/>
-          </a:p>
-          <a:p>
-            <a:r>
-              <a:rPr lang="zh-CN" altLang="en-US" dirty="0"/>
-              <a:t>虚</a:t>
-            </a:r>
-            <a:r>
-              <a:rPr lang="zh-CN" altLang="en-US" dirty="0" smtClean="0"/>
-              <a:t>函数</a:t>
-            </a:r>
-            <a:endParaRPr lang="en-US" altLang="zh-CN" dirty="0" smtClean="0"/>
-          </a:p>
-          <a:p>
-            <a:pPr marL="0" indent="0">
-              <a:buNone/>
-            </a:pPr>
-            <a:r>
-              <a:rPr lang="en-US" altLang="zh-CN" dirty="0"/>
-              <a:t>	</a:t>
-            </a:r>
-            <a:r>
-              <a:rPr lang="zh-CN" altLang="en-US" dirty="0"/>
-              <a:t>虚函数允许我们在基类中声明函数，在派生类中重写该函数，以便实现动态绑定。</a:t>
-            </a:r>
-            <a:endParaRPr lang="en-US" altLang="zh-CN" dirty="0"/>
-          </a:p>
-          <a:p>
-            <a:r>
-              <a:rPr lang="zh-CN" altLang="en-US" dirty="0" smtClean="0"/>
-              <a:t>纯</a:t>
-            </a:r>
-            <a:r>
-              <a:rPr lang="zh-CN" altLang="en-US" dirty="0"/>
-              <a:t>虚</a:t>
-            </a:r>
-            <a:r>
-              <a:rPr lang="zh-CN" altLang="en-US" dirty="0" smtClean="0"/>
-              <a:t>函数</a:t>
-            </a:r>
-            <a:endParaRPr lang="en-US" altLang="zh-CN" dirty="0" smtClean="0"/>
-          </a:p>
-          <a:p>
-            <a:pPr marL="0" indent="0">
-              <a:buNone/>
-            </a:pPr>
-            <a:r>
-              <a:rPr lang="en-US" altLang="zh-CN" dirty="0"/>
-              <a:t>	</a:t>
-            </a:r>
-            <a:r>
-              <a:rPr lang="zh-CN" altLang="en-US" dirty="0"/>
-              <a:t>纯虚函数是没有函数体的虚函数，必须在派生类中实现它。含有纯虚函数的类被称</a:t>
-            </a:r>
-            <a:r>
-              <a:rPr lang="en-US" altLang="zh-CN" dirty="0"/>
-              <a:t>	</a:t>
-            </a:r>
-            <a:r>
-              <a:rPr lang="zh-CN" altLang="en-US" dirty="0"/>
-              <a:t>为抽象类，不能直接实例化。</a:t>
-            </a:r>
-            <a:endParaRPr lang="en-US" altLang="zh-CN" dirty="0"/>
-          </a:p>
-          <a:p>
-            <a:r>
-              <a:rPr lang="zh-CN" altLang="en-US" dirty="0" smtClean="0"/>
-              <a:t>运行</a:t>
-            </a:r>
-            <a:r>
-              <a:rPr lang="zh-CN" altLang="en-US" dirty="0"/>
-              <a:t>时多态</a:t>
-            </a:r>
-            <a:endParaRPr lang="en-US" altLang="zh-CN" dirty="0" smtClean="0"/>
-          </a:p>
-          <a:p>
-            <a:pPr marL="0" indent="0">
-              <a:buNone/>
-            </a:pPr>
-            <a:r>
-              <a:rPr lang="zh-CN" altLang="en-US" dirty="0" smtClean="0"/>
-              <a:t>       运行</a:t>
-            </a:r>
-            <a:r>
-              <a:rPr lang="zh-CN" altLang="en-US" dirty="0"/>
-              <a:t>时多态是通过虚函数和指向基类的指针或引用来实现的。根据对象的实际类型</a:t>
-            </a:r>
-            <a:r>
-              <a:rPr lang="zh-CN" altLang="en-US" dirty="0" smtClean="0"/>
-              <a:t>，  </a:t>
-            </a:r>
-            <a:r>
-              <a:rPr lang="en-US" altLang="zh-CN" dirty="0" smtClean="0"/>
-              <a:t>	</a:t>
-            </a:r>
-            <a:r>
-              <a:rPr lang="zh-CN" altLang="en-US" dirty="0" smtClean="0"/>
-              <a:t>调用</a:t>
-            </a:r>
-            <a:r>
-              <a:rPr lang="zh-CN" altLang="en-US" dirty="0"/>
-              <a:t>相应的重写函数。</a:t>
-            </a:r>
-          </a:p>
-        </p:txBody>
-      </p:sp>
-    </p:spTree>
-    <p:extLst>
-      <p:ext uri="{BB962C8B-B14F-4D97-AF65-F5344CB8AC3E}">
-        <p14:creationId xmlns:p14="http://schemas.microsoft.com/office/powerpoint/2010/main" val="1103990109"/>
-      </p:ext>
-    </p:extLst>
-  </p:cSld>
-  <p:clrMapOvr>
-    <a:masterClrMapping/>
-  </p:clrMapOvr>
-</p:sld>
-</file>
-
 <file path=ppt/slides/slide56.xml><?xml version="1.0" encoding="utf-8"?>
 <p:sld xmlns:a="http://schemas.openxmlformats.org/drawingml/2006/main" xmlns:r="http://schemas.openxmlformats.org/officeDocument/2006/relationships" xmlns:p="http://schemas.openxmlformats.org/presentationml/2006/main">
   <p:cSld>
@@ -18720,11 +18915,11 @@
           <a:p>
             <a:r>
               <a:rPr lang="en-US" altLang="zh-CN" dirty="0" smtClean="0"/>
-              <a:t>5.5 </a:t>
-            </a:r>
-            <a:r>
-              <a:rPr lang="zh-CN" altLang="en-US" dirty="0"/>
-              <a:t>总结</a:t>
+              <a:t>5.2 </a:t>
+            </a:r>
+            <a:r>
+              <a:rPr lang="zh-CN" altLang="en-US" dirty="0"/>
+              <a:t>类与对象</a:t>
             </a:r>
           </a:p>
         </p:txBody>
@@ -18746,57 +18941,107 @@
           <a:p>
             <a:r>
               <a:rPr lang="zh-CN" altLang="en-US" dirty="0"/>
-              <a:t>类与对象：类是对象的蓝图，对象是类的实例。构造函数和析构函数分别用于初始化和清理对象。</a:t>
-            </a:r>
-          </a:p>
-          <a:p>
-            <a:r>
-              <a:rPr lang="zh-CN" altLang="en-US" dirty="0"/>
-              <a:t>封装：通过访问控制修饰符（</a:t>
-            </a:r>
-            <a:r>
-              <a:rPr lang="en-US" altLang="zh-CN" dirty="0"/>
-              <a:t>public</a:t>
-            </a:r>
-            <a:r>
-              <a:rPr lang="zh-CN" altLang="en-US" dirty="0"/>
-              <a:t>、</a:t>
-            </a:r>
-            <a:r>
-              <a:rPr lang="en-US" altLang="zh-CN" dirty="0"/>
-              <a:t>private</a:t>
-            </a:r>
-            <a:r>
-              <a:rPr lang="zh-CN" altLang="en-US" dirty="0"/>
-              <a:t>、</a:t>
-            </a:r>
-            <a:r>
-              <a:rPr lang="en-US" altLang="zh-CN" dirty="0"/>
-              <a:t>protected</a:t>
-            </a:r>
-            <a:r>
-              <a:rPr lang="zh-CN" altLang="en-US" dirty="0"/>
-              <a:t>）控制成员的访问权限，保护对象的状态。</a:t>
-            </a:r>
-          </a:p>
-          <a:p>
-            <a:r>
-              <a:rPr lang="zh-CN" altLang="en-US" dirty="0"/>
-              <a:t>继承：通过继承实现代码的复用，派生类可以继承基类的属性和方法。</a:t>
-            </a:r>
-          </a:p>
-          <a:p>
-            <a:r>
-              <a:rPr lang="zh-CN" altLang="en-US" dirty="0"/>
-              <a:t>多态：通过虚函数和纯虚函数实现多态，允许在运行时根据对象的实际类型调用不同的方法</a:t>
-            </a:r>
+              <a:t>定义</a:t>
+            </a:r>
+            <a:r>
+              <a:rPr lang="zh-CN" altLang="en-US" dirty="0" smtClean="0"/>
+              <a:t>类</a:t>
+            </a:r>
+            <a:endParaRPr lang="en-US" altLang="zh-CN" dirty="0" smtClean="0"/>
+          </a:p>
+          <a:p>
+            <a:pPr marL="0" indent="0">
+              <a:buNone/>
+            </a:pPr>
+            <a:r>
+              <a:rPr lang="en-US" altLang="zh-CN" dirty="0"/>
+              <a:t>	</a:t>
+            </a:r>
+            <a:r>
+              <a:rPr lang="zh-CN" altLang="en-US" dirty="0"/>
+              <a:t>类是面向对象编程中的核心概念，它描述了一个对象的属性和行为。类定义包括</a:t>
+            </a:r>
+            <a:r>
+              <a:rPr lang="zh-CN" altLang="en-US" dirty="0" smtClean="0"/>
+              <a:t>成</a:t>
+            </a:r>
+            <a:r>
+              <a:rPr lang="en-US" altLang="zh-CN" dirty="0" smtClean="0"/>
+              <a:t>	</a:t>
+            </a:r>
+            <a:r>
+              <a:rPr lang="zh-CN" altLang="en-US" dirty="0" smtClean="0"/>
+              <a:t>员</a:t>
+            </a:r>
+            <a:r>
+              <a:rPr lang="zh-CN" altLang="en-US" dirty="0"/>
+              <a:t>变量（属性）和成员函数（行为）。类的实例化称为对象。</a:t>
+            </a:r>
+            <a:endParaRPr lang="en-US" altLang="zh-CN" dirty="0" smtClean="0"/>
+          </a:p>
+          <a:p>
+            <a:r>
+              <a:rPr lang="zh-CN" altLang="en-US" dirty="0"/>
+              <a:t>构造函数与</a:t>
+            </a:r>
+            <a:r>
+              <a:rPr lang="zh-CN" altLang="en-US" dirty="0" smtClean="0"/>
+              <a:t>析构函数</a:t>
+            </a:r>
+            <a:endParaRPr lang="en-US" altLang="zh-CN" dirty="0" smtClean="0"/>
+          </a:p>
+          <a:p>
+            <a:pPr marL="0" indent="0">
+              <a:buNone/>
+            </a:pPr>
+            <a:r>
+              <a:rPr lang="en-US" altLang="zh-CN" dirty="0"/>
+              <a:t>	</a:t>
+            </a:r>
+            <a:r>
+              <a:rPr lang="zh-CN" altLang="en-US" dirty="0"/>
+              <a:t>构造函数用于初始化对象的成员变量。析构函数用于在对象销毁时进行资源清理</a:t>
+            </a:r>
+            <a:r>
+              <a:rPr lang="zh-CN" altLang="en-US" dirty="0" smtClean="0"/>
+              <a:t>。</a:t>
+            </a:r>
+            <a:r>
+              <a:rPr lang="en-US" altLang="zh-CN" dirty="0" smtClean="0"/>
+              <a:t>	</a:t>
+            </a:r>
+            <a:r>
+              <a:rPr lang="zh-CN" altLang="en-US" dirty="0" smtClean="0"/>
+              <a:t>构造</a:t>
+            </a:r>
+            <a:r>
+              <a:rPr lang="zh-CN" altLang="en-US" dirty="0"/>
+              <a:t>函数和析构函数的名称与类名相同，但构造函数没有返回类型，析构函数以 </a:t>
+            </a:r>
+            <a:r>
+              <a:rPr lang="en-US" altLang="zh-CN" dirty="0"/>
+              <a:t>~ </a:t>
+            </a:r>
+            <a:r>
+              <a:rPr lang="en-US" altLang="zh-CN" dirty="0" smtClean="0"/>
+              <a:t>	</a:t>
+            </a:r>
+            <a:r>
+              <a:rPr lang="zh-CN" altLang="en-US" dirty="0" smtClean="0"/>
+              <a:t>开头</a:t>
+            </a:r>
+            <a:r>
+              <a:rPr lang="zh-CN" altLang="en-US" dirty="0"/>
+              <a:t>。</a:t>
+            </a:r>
+            <a:endParaRPr lang="en-US" altLang="zh-CN" dirty="0" smtClean="0"/>
           </a:p>
         </p:txBody>
       </p:sp>
     </p:spTree>
     <p:extLst>
       <p:ext uri="{BB962C8B-B14F-4D97-AF65-F5344CB8AC3E}">
-        <p14:creationId xmlns:p14="http://schemas.microsoft.com/office/powerpoint/2010/main" val="1686844325"/>
+        <p14:creationId xmlns:p14="http://schemas.microsoft.com/office/powerpoint/2010/main" val="3147529873"/>
       </p:ext>
     </p:extLst>
   </p:cSld>
@@ -18839,34 +19084,13 @@
           <a:lstStyle/>
           <a:p>
             <a:r>
-              <a:rPr lang="zh-CN" altLang="en-US" b="1" dirty="0" smtClean="0">
-                <a:latin typeface="华文楷体" pitchFamily="2" charset="-122"/>
-                <a:ea typeface="华文楷体" pitchFamily="2" charset="-122"/>
-              </a:rPr>
-              <a:t>第</a:t>
-            </a:r>
-            <a:r>
-              <a:rPr lang="en-US" altLang="zh-CN" b="1" dirty="0" smtClean="0">
-                <a:latin typeface="华文楷体" pitchFamily="2" charset="-122"/>
-                <a:ea typeface="华文楷体" pitchFamily="2" charset="-122"/>
-              </a:rPr>
-              <a:t>6</a:t>
-            </a:r>
-            <a:r>
-              <a:rPr lang="zh-CN" altLang="en-US" b="1" dirty="0" smtClean="0">
-                <a:latin typeface="华文楷体" pitchFamily="2" charset="-122"/>
-                <a:ea typeface="华文楷体" pitchFamily="2" charset="-122"/>
-              </a:rPr>
-              <a:t>章 指针</a:t>
-            </a:r>
-            <a:r>
-              <a:rPr lang="zh-CN" altLang="en-US" b="1" dirty="0">
-                <a:latin typeface="华文楷体" pitchFamily="2" charset="-122"/>
-                <a:ea typeface="华文楷体" pitchFamily="2" charset="-122"/>
-              </a:rPr>
-              <a:t>与动态内存管理</a:t>
-            </a:r>
-            <a:endParaRPr lang="zh-CN" altLang="en-US" dirty="0"/>
+              <a:rPr lang="en-US" altLang="zh-CN" dirty="0" smtClean="0"/>
+              <a:t>5.2 </a:t>
+            </a:r>
+            <a:r>
+              <a:rPr lang="zh-CN" altLang="en-US" dirty="0"/>
+              <a:t>封装</a:t>
+            </a:r>
           </a:p>
         </p:txBody>
       </p:sp>
@@ -18886,80 +19110,90 @@
           <a:lstStyle/>
           <a:p>
             <a:r>
-              <a:rPr lang="zh-CN" altLang="en-US" dirty="0" smtClean="0"/>
-              <a:t>指针基础：指针的定义、解引用、指针运算。</a:t>
-            </a:r>
-          </a:p>
-          <a:p>
-            <a:r>
-              <a:rPr lang="zh-CN" altLang="en-US" dirty="0" smtClean="0"/>
-              <a:t>指针与数组：数组名作为指针，指针与数组的关系。</a:t>
-            </a:r>
-          </a:p>
-          <a:p>
-            <a:r>
-              <a:rPr lang="zh-CN" altLang="en-US" dirty="0" smtClean="0"/>
-              <a:t>动态内存管理：</a:t>
-            </a:r>
-            <a:r>
-              <a:rPr lang="en-US" altLang="zh-CN" dirty="0" smtClean="0"/>
-              <a:t>new</a:t>
-            </a:r>
-            <a:r>
-              <a:rPr lang="zh-CN" altLang="en-US" dirty="0" smtClean="0"/>
+              <a:rPr lang="zh-CN" altLang="en-US" dirty="0"/>
+              <a:t>封装是面向对象编程的四大基本特性之一。封装通过访问控制修饰符（</a:t>
+            </a:r>
+            <a:r>
+              <a:rPr lang="en-US" altLang="zh-CN" dirty="0"/>
+              <a:t>public</a:t>
+            </a:r>
+            <a:r>
+              <a:rPr lang="zh-CN" altLang="en-US" dirty="0"/>
               <a:t>、</a:t>
             </a:r>
             <a:r>
-              <a:rPr lang="en-US" altLang="zh-CN" dirty="0" smtClean="0"/>
-              <a:t>delete</a:t>
-            </a:r>
-            <a:r>
-              <a:rPr lang="zh-CN" altLang="en-US" dirty="0" smtClean="0"/>
+              <a:rPr lang="en-US" altLang="zh-CN" dirty="0"/>
+              <a:t>private</a:t>
+            </a:r>
+            <a:r>
+              <a:rPr lang="zh-CN" altLang="en-US" dirty="0"/>
               <a:t>、</a:t>
             </a:r>
             <a:r>
-              <a:rPr lang="en-US" altLang="zh-CN" dirty="0" smtClean="0"/>
-              <a:t>new[]</a:t>
-            </a:r>
-            <a:r>
-              <a:rPr lang="zh-CN" altLang="en-US" dirty="0" smtClean="0"/>
-              <a:t>、</a:t>
-            </a:r>
-            <a:r>
-              <a:rPr lang="en-US" altLang="zh-CN" dirty="0" smtClean="0"/>
-              <a:t>delete[]</a:t>
+              <a:rPr lang="en-US" altLang="zh-CN" dirty="0"/>
+              <a:t>protected</a:t>
+            </a:r>
+            <a:r>
+              <a:rPr lang="zh-CN" altLang="en-US" dirty="0"/>
+              <a:t>）来控制类成员的访问权限</a:t>
             </a:r>
             <a:r>
               <a:rPr lang="zh-CN" altLang="en-US" dirty="0" smtClean="0"/>
               <a:t>。</a:t>
             </a:r>
-          </a:p>
-          <a:p>
-            <a:r>
-              <a:rPr lang="zh-CN" altLang="en-US" dirty="0" smtClean="0"/>
-              <a:t>内存泄漏与指针悬挂：避免内存泄漏，指针的安全使用。</a:t>
-            </a:r>
-            <a:endParaRPr lang="zh-CN" altLang="en-US" dirty="0"/>
+            <a:endParaRPr lang="en-US" altLang="zh-CN" dirty="0" smtClean="0"/>
+          </a:p>
+          <a:p>
+            <a:r>
+              <a:rPr lang="zh-CN" altLang="en-US" dirty="0"/>
+              <a:t>访问控制修饰符</a:t>
+            </a:r>
+          </a:p>
+          <a:p>
+            <a:pPr lvl="1"/>
+            <a:r>
+              <a:rPr lang="en-US" altLang="zh-CN" dirty="0"/>
+              <a:t>public</a:t>
+            </a:r>
+            <a:r>
+              <a:rPr lang="zh-CN" altLang="en-US" dirty="0"/>
+              <a:t>：公开的成员，外部代码可以访问。</a:t>
+            </a:r>
+          </a:p>
+          <a:p>
+            <a:pPr lvl="1"/>
+            <a:r>
+              <a:rPr lang="en-US" altLang="zh-CN" dirty="0"/>
+              <a:t>private</a:t>
+            </a:r>
+            <a:r>
+              <a:rPr lang="zh-CN" altLang="en-US" dirty="0"/>
+              <a:t>：私有的成员，只能在类的内部访问。</a:t>
+            </a:r>
+          </a:p>
+          <a:p>
+            <a:pPr lvl="1"/>
+            <a:r>
+              <a:rPr lang="en-US" altLang="zh-CN" dirty="0"/>
+              <a:t>protected</a:t>
+            </a:r>
+            <a:r>
+              <a:rPr lang="zh-CN" altLang="en-US" dirty="0"/>
+              <a:t>：保护的成员，子类可以访问，但外部代码不能访问。</a:t>
+            </a:r>
           </a:p>
         </p:txBody>
       </p:sp>
     </p:spTree>
     <p:extLst>
       <p:ext uri="{BB962C8B-B14F-4D97-AF65-F5344CB8AC3E}">
-        <p14:creationId xmlns:p14="http://schemas.microsoft.com/office/powerpoint/2010/main" val="3183063327"/>
+        <p14:creationId xmlns:p14="http://schemas.microsoft.com/office/powerpoint/2010/main" val="3887602630"/>
       </p:ext>
     </p:extLst>
   </p:cSld>
   <p:clrMapOvr>
     <a:masterClrMapping/>
   </p:clrMapOvr>
-  <p:timing>
-    <p:tnLst>
-      <p:par>
-        <p:cTn id="1" dur="indefinite" restart="never" nodeType="tmRoot"/>
-      </p:par>
-    </p:tnLst>
-  </p:timing>
 </p:sld>
 </file>
 
@@ -18996,41 +19230,13 @@
           <a:lstStyle/>
           <a:p>
             <a:r>
-              <a:rPr lang="zh-CN" altLang="en-US" b="1" dirty="0" smtClean="0">
-                <a:latin typeface="华文楷体" pitchFamily="2" charset="-122"/>
-                <a:ea typeface="华文楷体" pitchFamily="2" charset="-122"/>
-              </a:rPr>
-              <a:t>第</a:t>
-            </a:r>
-            <a:r>
-              <a:rPr lang="en-US" altLang="zh-CN" b="1" dirty="0" smtClean="0">
-                <a:latin typeface="华文楷体" pitchFamily="2" charset="-122"/>
-                <a:ea typeface="华文楷体" pitchFamily="2" charset="-122"/>
-              </a:rPr>
-              <a:t>7</a:t>
-            </a:r>
-            <a:r>
-              <a:rPr lang="zh-CN" altLang="en-US" b="1" dirty="0" smtClean="0">
-                <a:latin typeface="华文楷体" pitchFamily="2" charset="-122"/>
-                <a:ea typeface="华文楷体" pitchFamily="2" charset="-122"/>
-              </a:rPr>
-              <a:t>章  </a:t>
-            </a:r>
-            <a:r>
-              <a:rPr lang="en-US" altLang="zh-CN" b="1" dirty="0">
-                <a:latin typeface="华文楷体" pitchFamily="2" charset="-122"/>
-                <a:ea typeface="华文楷体" pitchFamily="2" charset="-122"/>
-              </a:rPr>
-              <a:t>STL</a:t>
-            </a:r>
-            <a:r>
-              <a:rPr lang="zh-CN" altLang="en-US" b="1" dirty="0">
-                <a:latin typeface="华文楷体" pitchFamily="2" charset="-122"/>
-                <a:ea typeface="华文楷体" pitchFamily="2" charset="-122"/>
-              </a:rPr>
-              <a:t>（标准模板库）</a:t>
-            </a:r>
-            <a:endParaRPr lang="zh-CN" altLang="en-US" dirty="0"/>
+              <a:rPr lang="en-US" altLang="zh-CN" dirty="0" smtClean="0"/>
+              <a:t>5.3 </a:t>
+            </a:r>
+            <a:r>
+              <a:rPr lang="zh-CN" altLang="en-US" dirty="0"/>
+              <a:t>继承</a:t>
+            </a:r>
           </a:p>
         </p:txBody>
       </p:sp>
@@ -19050,129 +19256,88 @@
           <a:lstStyle/>
           <a:p>
             <a:r>
-              <a:rPr lang="en-US" altLang="zh-CN" dirty="0"/>
-              <a:t>STL</a:t>
-            </a:r>
-            <a:r>
-              <a:rPr lang="zh-CN" altLang="en-US" dirty="0"/>
-              <a:t>概述：</a:t>
-            </a:r>
-            <a:r>
-              <a:rPr lang="en-US" altLang="zh-CN" dirty="0"/>
-              <a:t>STL</a:t>
-            </a:r>
-            <a:r>
-              <a:rPr lang="zh-CN" altLang="en-US" dirty="0"/>
-              <a:t>的组成部分（容器、算法、迭代器）。</a:t>
-            </a:r>
-          </a:p>
-          <a:p>
-            <a:r>
-              <a:rPr lang="zh-CN" altLang="en-US" dirty="0"/>
-              <a:t>容器：</a:t>
-            </a:r>
-            <a:r>
-              <a:rPr lang="en-US" altLang="zh-CN" dirty="0"/>
-              <a:t>vector</a:t>
-            </a:r>
-            <a:r>
-              <a:rPr lang="zh-CN" altLang="en-US" dirty="0"/>
-              <a:t>、</a:t>
-            </a:r>
-            <a:r>
-              <a:rPr lang="en-US" altLang="zh-CN" dirty="0"/>
-              <a:t>list</a:t>
-            </a:r>
-            <a:r>
-              <a:rPr lang="zh-CN" altLang="en-US" dirty="0"/>
-              <a:t>、</a:t>
-            </a:r>
-            <a:r>
-              <a:rPr lang="en-US" altLang="zh-CN" dirty="0"/>
-              <a:t>map</a:t>
-            </a:r>
-            <a:r>
-              <a:rPr lang="zh-CN" altLang="en-US" dirty="0"/>
-              <a:t>、</a:t>
-            </a:r>
-            <a:r>
-              <a:rPr lang="en-US" altLang="zh-CN" dirty="0"/>
-              <a:t>set</a:t>
-            </a:r>
-            <a:r>
-              <a:rPr lang="zh-CN" altLang="en-US" dirty="0"/>
-              <a:t>、</a:t>
-            </a:r>
-            <a:r>
-              <a:rPr lang="en-US" altLang="zh-CN" dirty="0" err="1"/>
-              <a:t>deque</a:t>
-            </a:r>
-            <a:r>
-              <a:rPr lang="zh-CN" altLang="en-US" dirty="0"/>
-              <a:t>等。</a:t>
-            </a:r>
-          </a:p>
-          <a:p>
-            <a:r>
-              <a:rPr lang="zh-CN" altLang="en-US" dirty="0"/>
-              <a:t>算法：排序、查找、删除、替换等常用算法。</a:t>
-            </a:r>
-          </a:p>
-          <a:p>
-            <a:r>
-              <a:rPr lang="zh-CN" altLang="en-US" dirty="0"/>
-              <a:t>迭代器：容器的迭代器使用方法。</a:t>
-            </a:r>
-          </a:p>
-          <a:p>
-            <a:r>
-              <a:rPr lang="zh-CN" altLang="en-US" dirty="0"/>
-              <a:t>智能指针：</a:t>
-            </a:r>
-            <a:r>
-              <a:rPr lang="en-US" altLang="zh-CN" dirty="0" err="1"/>
-              <a:t>shared_ptr</a:t>
-            </a:r>
-            <a:r>
-              <a:rPr lang="zh-CN" altLang="en-US" dirty="0"/>
-              <a:t>、</a:t>
-            </a:r>
-            <a:r>
-              <a:rPr lang="en-US" altLang="zh-CN" dirty="0" err="1"/>
-              <a:t>unique_ptr</a:t>
-            </a:r>
-            <a:r>
-              <a:rPr lang="zh-CN" altLang="en-US" dirty="0"/>
-              <a:t>、</a:t>
-            </a:r>
-            <a:r>
-              <a:rPr lang="en-US" altLang="zh-CN" dirty="0" err="1"/>
-              <a:t>weak_ptr</a:t>
-            </a:r>
-            <a:r>
-              <a:rPr lang="zh-CN" altLang="en-US" dirty="0"/>
+              <a:rPr lang="zh-CN" altLang="en-US" dirty="0"/>
+              <a:t>通过继承，我们可以创建一个新的类（派生类），它可以继承已有类（基类）的成员变量和成员函数</a:t>
+            </a:r>
+            <a:r>
+              <a:rPr lang="zh-CN" altLang="en-US" dirty="0" smtClean="0"/>
               <a:t>。</a:t>
             </a:r>
+            <a:endParaRPr lang="en-US" altLang="zh-CN" dirty="0" smtClean="0"/>
+          </a:p>
+          <a:p>
+            <a:r>
+              <a:rPr lang="zh-CN" altLang="en-US" dirty="0"/>
+              <a:t>继承的</a:t>
+            </a:r>
+            <a:r>
+              <a:rPr lang="zh-CN" altLang="en-US" dirty="0" smtClean="0"/>
+              <a:t>概念</a:t>
+            </a:r>
+            <a:endParaRPr lang="en-US" altLang="zh-CN" dirty="0" smtClean="0"/>
+          </a:p>
+          <a:p>
+            <a:pPr marL="457200" lvl="1" indent="0">
+              <a:buNone/>
+            </a:pPr>
+            <a:r>
+              <a:rPr lang="zh-CN" altLang="en-US" dirty="0"/>
+              <a:t>基类和派生类的关系：</a:t>
+            </a:r>
+            <a:r>
+              <a:rPr lang="en-US" altLang="zh-CN" dirty="0"/>
+              <a:t>	</a:t>
+            </a:r>
+            <a:endParaRPr lang="zh-CN" altLang="en-US" dirty="0"/>
+          </a:p>
+          <a:p>
+            <a:pPr lvl="1"/>
+            <a:r>
+              <a:rPr lang="zh-CN" altLang="en-US" dirty="0"/>
+              <a:t>基类是被继承的类。</a:t>
+            </a:r>
+          </a:p>
+          <a:p>
+            <a:pPr lvl="1"/>
+            <a:r>
+              <a:rPr lang="zh-CN" altLang="en-US" dirty="0"/>
+              <a:t>派生类是从基类派生出来的类，可以继承基类的属性和行为。</a:t>
+            </a:r>
+          </a:p>
+          <a:p>
+            <a:r>
+              <a:rPr lang="zh-CN" altLang="en-US" dirty="0" smtClean="0"/>
+              <a:t>基</a:t>
+            </a:r>
+            <a:r>
+              <a:rPr lang="zh-CN" altLang="en-US" dirty="0"/>
+              <a:t>类与派生</a:t>
+            </a:r>
+            <a:r>
+              <a:rPr lang="zh-CN" altLang="en-US" dirty="0" smtClean="0"/>
+              <a:t>类</a:t>
+            </a:r>
+            <a:endParaRPr lang="en-US" altLang="zh-CN" dirty="0" smtClean="0"/>
+          </a:p>
+          <a:p>
+            <a:r>
+              <a:rPr lang="zh-CN" altLang="en-US" dirty="0"/>
+              <a:t>多重继承</a:t>
+            </a:r>
+            <a:endParaRPr lang="en-US" altLang="zh-CN" dirty="0" smtClean="0"/>
           </a:p>
         </p:txBody>
       </p:sp>
     </p:spTree>
     <p:extLst>
       <p:ext uri="{BB962C8B-B14F-4D97-AF65-F5344CB8AC3E}">
-        <p14:creationId xmlns:p14="http://schemas.microsoft.com/office/powerpoint/2010/main" val="201415056"/>
+        <p14:creationId xmlns:p14="http://schemas.microsoft.com/office/powerpoint/2010/main" val="3152470496"/>
       </p:ext>
     </p:extLst>
   </p:cSld>
   <p:clrMapOvr>
     <a:masterClrMapping/>
   </p:clrMapOvr>
-  <p:timing>
-    <p:tnLst>
-      <p:par>
-        <p:cTn id="1" dur="indefinite" restart="never" nodeType="tmRoot"/>
-      </p:par>
-    </p:tnLst>
-  </p:timing>
 </p:sld>
 </file>
 
@@ -19209,34 +19374,13 @@
           <a:lstStyle/>
           <a:p>
             <a:r>
-              <a:rPr lang="zh-CN" altLang="en-US" b="1" dirty="0" smtClean="0">
-                <a:latin typeface="华文楷体" pitchFamily="2" charset="-122"/>
-                <a:ea typeface="华文楷体" pitchFamily="2" charset="-122"/>
-              </a:rPr>
-              <a:t>第</a:t>
-            </a:r>
-            <a:r>
-              <a:rPr lang="en-US" altLang="zh-CN" b="1" dirty="0" smtClean="0">
-                <a:latin typeface="华文楷体" pitchFamily="2" charset="-122"/>
-                <a:ea typeface="华文楷体" pitchFamily="2" charset="-122"/>
-              </a:rPr>
-              <a:t>8</a:t>
-            </a:r>
-            <a:r>
-              <a:rPr lang="zh-CN" altLang="en-US" b="1" dirty="0" smtClean="0">
-                <a:latin typeface="华文楷体" pitchFamily="2" charset="-122"/>
-                <a:ea typeface="华文楷体" pitchFamily="2" charset="-122"/>
-              </a:rPr>
-              <a:t>章</a:t>
-            </a:r>
-            <a:r>
-              <a:rPr lang="zh-CN" altLang="en-US" b="1" dirty="0">
-                <a:latin typeface="华文楷体" pitchFamily="2" charset="-122"/>
-                <a:ea typeface="华文楷体" pitchFamily="2" charset="-122"/>
-              </a:rPr>
-              <a:t>异常处理</a:t>
-            </a:r>
-            <a:endParaRPr lang="zh-CN" altLang="en-US" dirty="0"/>
+              <a:rPr lang="en-US" altLang="zh-CN" dirty="0" smtClean="0"/>
+              <a:t>5.4 </a:t>
+            </a:r>
+            <a:r>
+              <a:rPr lang="zh-CN" altLang="en-US" dirty="0"/>
+              <a:t>多态</a:t>
+            </a:r>
           </a:p>
         </p:txBody>
       </p:sp>
@@ -19257,29 +19401,122 @@
           <a:p>
             <a:r>
               <a:rPr lang="zh-CN" altLang="en-US" dirty="0"/>
-              <a:t>异常概念：异常的定义、捕获、抛出。</a:t>
-            </a:r>
-          </a:p>
-          <a:p>
-            <a:r>
-              <a:rPr lang="en-US" altLang="zh-CN" dirty="0"/>
-              <a:t>try-catch</a:t>
-            </a:r>
-            <a:r>
-              <a:rPr lang="zh-CN" altLang="en-US" dirty="0"/>
-              <a:t>语句：基本语法、捕获多种异常。</a:t>
-            </a:r>
-          </a:p>
-          <a:p>
-            <a:r>
-              <a:rPr lang="zh-CN" altLang="en-US" dirty="0"/>
-              <a:t>自定义异常类：如何创建自定义异常类型。</a:t>
-            </a:r>
-          </a:p>
-          <a:p>
-            <a:r>
-              <a:rPr lang="zh-CN" altLang="en-US" dirty="0"/>
-              <a:t>异常安全：异常安全的编程原则（基本保证、强保证）。</a:t>
+              <a:t>多态是指通过相同的接口调用不同的函数，实现不同的行为。多态有两种类型：编译时多态</a:t>
+            </a:r>
+            <a:r>
+              <a:rPr lang="zh-CN" altLang="en-US" dirty="0" smtClean="0"/>
+              <a:t>和运行</a:t>
+            </a:r>
+            <a:r>
+              <a:rPr lang="zh-CN" altLang="en-US" dirty="0"/>
+              <a:t>时多态</a:t>
+            </a:r>
+            <a:r>
+              <a:rPr lang="zh-CN" altLang="en-US" dirty="0" smtClean="0"/>
+              <a:t>。</a:t>
+            </a:r>
+            <a:endParaRPr lang="en-US" altLang="zh-CN" dirty="0" smtClean="0"/>
+          </a:p>
+          <a:p>
+            <a:r>
+              <a:rPr lang="zh-CN" altLang="en-US" dirty="0"/>
+              <a:t>虚</a:t>
+            </a:r>
+            <a:r>
+              <a:rPr lang="zh-CN" altLang="en-US" dirty="0" smtClean="0"/>
+              <a:t>函数</a:t>
+            </a:r>
+            <a:endParaRPr lang="en-US" altLang="zh-CN" dirty="0" smtClean="0"/>
+          </a:p>
+          <a:p>
+            <a:pPr marL="0" indent="0">
+              <a:buNone/>
+            </a:pPr>
+            <a:r>
+              <a:rPr lang="en-US" altLang="zh-CN" dirty="0"/>
+              <a:t>	</a:t>
+            </a:r>
+            <a:r>
+              <a:rPr lang="zh-CN" altLang="en-US" dirty="0"/>
+              <a:t>虚函数允许我们在基类中声明函数，在派生类中重写该函数，以便实现动态绑定。</a:t>
+            </a:r>
+            <a:endParaRPr lang="en-US" altLang="zh-CN" dirty="0"/>
+          </a:p>
+          <a:p>
+            <a:r>
+              <a:rPr lang="zh-CN" altLang="en-US" dirty="0" smtClean="0"/>
+              <a:t>纯</a:t>
+            </a:r>
+            <a:r>
+              <a:rPr lang="zh-CN" altLang="en-US" dirty="0"/>
+              <a:t>虚</a:t>
+            </a:r>
+            <a:r>
+              <a:rPr lang="zh-CN" altLang="en-US" dirty="0" smtClean="0"/>
+              <a:t>函数</a:t>
+            </a:r>
+            <a:endParaRPr lang="en-US" altLang="zh-CN" dirty="0" smtClean="0"/>
+          </a:p>
+          <a:p>
+            <a:pPr marL="0" indent="0">
+              <a:buNone/>
+            </a:pPr>
+            <a:r>
+              <a:rPr lang="en-US" altLang="zh-CN" dirty="0"/>
+              <a:t>	</a:t>
+            </a:r>
+            <a:r>
+              <a:rPr lang="zh-CN" altLang="en-US" dirty="0"/>
+              <a:t>纯虚函数是没有函数体的虚函数，必须在派生类中实现它。含有纯虚函数的类被称</a:t>
+            </a:r>
+            <a:r>
+              <a:rPr lang="en-US" altLang="zh-CN" dirty="0"/>
+              <a:t>	</a:t>
+            </a:r>
+            <a:r>
+              <a:rPr lang="zh-CN" altLang="en-US" dirty="0"/>
+              <a:t>为抽象类，不能直接实例化。</a:t>
+            </a:r>
+            <a:endParaRPr lang="en-US" altLang="zh-CN" dirty="0"/>
+          </a:p>
+          <a:p>
+            <a:r>
+              <a:rPr lang="zh-CN" altLang="en-US" dirty="0" smtClean="0"/>
+              <a:t>运行</a:t>
+            </a:r>
+            <a:r>
+              <a:rPr lang="zh-CN" altLang="en-US" dirty="0"/>
+              <a:t>时多态</a:t>
+            </a:r>
+            <a:endParaRPr lang="en-US" altLang="zh-CN" dirty="0" smtClean="0"/>
+          </a:p>
+          <a:p>
+            <a:pPr marL="0" indent="0">
+              <a:buNone/>
+            </a:pPr>
+            <a:r>
+              <a:rPr lang="zh-CN" altLang="en-US" dirty="0" smtClean="0"/>
+              <a:t>       运行</a:t>
+            </a:r>
+            <a:r>
+              <a:rPr lang="zh-CN" altLang="en-US" dirty="0"/>
+              <a:t>时多态是通过虚函数和指向基类的指针或引用来实现的。根据对象的实际类型</a:t>
+            </a:r>
+            <a:r>
+              <a:rPr lang="zh-CN" altLang="en-US" dirty="0" smtClean="0"/>
+              <a:t>，  </a:t>
+            </a:r>
+            <a:r>
+              <a:rPr lang="en-US" altLang="zh-CN" dirty="0" smtClean="0"/>
+              <a:t>	</a:t>
+            </a:r>
+            <a:r>
+              <a:rPr lang="zh-CN" altLang="en-US" dirty="0" smtClean="0"/>
+              <a:t>调用</a:t>
+            </a:r>
+            <a:r>
+              <a:rPr lang="zh-CN" altLang="en-US" dirty="0"/>
+              <a:t>相应的重写函数。</a:t>
             </a:r>
           </a:p>
         </p:txBody>
@@ -19287,20 +19524,13 @@
     </p:spTree>
     <p:extLst>
       <p:ext uri="{BB962C8B-B14F-4D97-AF65-F5344CB8AC3E}">
-        <p14:creationId xmlns:p14="http://schemas.microsoft.com/office/powerpoint/2010/main" val="2102593440"/>
+        <p14:creationId xmlns:p14="http://schemas.microsoft.com/office/powerpoint/2010/main" val="1103990109"/>
       </p:ext>
     </p:extLst>
   </p:cSld>
   <p:clrMapOvr>
     <a:masterClrMapping/>
   </p:clrMapOvr>
-  <p:timing>
-    <p:tnLst>
-      <p:par>
-        <p:cTn id="1" dur="indefinite" restart="never" nodeType="tmRoot"/>
-      </p:par>
-    </p:tnLst>
-  </p:timing>
 </p:sld>
 </file>
 
@@ -19431,34 +19661,13 @@
           <a:lstStyle/>
           <a:p>
             <a:r>
-              <a:rPr lang="zh-CN" altLang="en-US" b="1" dirty="0" smtClean="0">
-                <a:latin typeface="华文楷体" pitchFamily="2" charset="-122"/>
-                <a:ea typeface="华文楷体" pitchFamily="2" charset="-122"/>
-              </a:rPr>
-              <a:t>第</a:t>
-            </a:r>
-            <a:r>
-              <a:rPr lang="en-US" altLang="zh-CN" b="1" dirty="0" smtClean="0">
-                <a:latin typeface="华文楷体" pitchFamily="2" charset="-122"/>
-                <a:ea typeface="华文楷体" pitchFamily="2" charset="-122"/>
-              </a:rPr>
-              <a:t>9</a:t>
-            </a:r>
-            <a:r>
-              <a:rPr lang="zh-CN" altLang="en-US" b="1" dirty="0" smtClean="0">
-                <a:latin typeface="华文楷体" pitchFamily="2" charset="-122"/>
-                <a:ea typeface="华文楷体" pitchFamily="2" charset="-122"/>
-              </a:rPr>
-              <a:t>章</a:t>
-            </a:r>
-            <a:r>
-              <a:rPr lang="zh-CN" altLang="en-US" b="1" dirty="0">
-                <a:latin typeface="华文楷体" pitchFamily="2" charset="-122"/>
-                <a:ea typeface="华文楷体" pitchFamily="2" charset="-122"/>
-              </a:rPr>
-              <a:t>文件操作</a:t>
-            </a:r>
-            <a:endParaRPr lang="zh-CN" altLang="en-US" dirty="0"/>
+              <a:rPr lang="en-US" altLang="zh-CN" dirty="0" smtClean="0"/>
+              <a:t>5.5 </a:t>
+            </a:r>
+            <a:r>
+              <a:rPr lang="zh-CN" altLang="en-US" dirty="0"/>
+              <a:t>总结</a:t>
+            </a:r>
           </a:p>
         </p:txBody>
       </p:sp>
@@ -19479,59 +19688,49 @@
           <a:p>
             <a:r>
               <a:rPr lang="zh-CN" altLang="en-US" dirty="0"/>
-              <a:t>文件输入输出：使用</a:t>
-            </a:r>
-            <a:r>
-              <a:rPr lang="en-US" altLang="zh-CN" dirty="0" err="1"/>
-              <a:t>fstream</a:t>
-            </a:r>
-            <a:r>
-              <a:rPr lang="zh-CN" altLang="en-US" dirty="0"/>
-              <a:t>进行文件读写。</a:t>
-            </a:r>
-          </a:p>
-          <a:p>
-            <a:r>
-              <a:rPr lang="zh-CN" altLang="en-US" dirty="0"/>
-              <a:t>文本文件与二进制文件：处理文本文件和二进制文件的不同方式。</a:t>
-            </a:r>
-          </a:p>
-          <a:p>
-            <a:r>
-              <a:rPr lang="zh-CN" altLang="en-US" dirty="0"/>
-              <a:t>文件指针与流控制：</a:t>
-            </a:r>
-            <a:r>
-              <a:rPr lang="en-US" altLang="zh-CN" dirty="0" err="1"/>
-              <a:t>seekg</a:t>
+              <a:t>类与对象：类是对象的蓝图，对象是类的实例。构造函数和析构函数分别用于初始化和清理对象。</a:t>
+            </a:r>
+          </a:p>
+          <a:p>
+            <a:r>
+              <a:rPr lang="zh-CN" altLang="en-US" dirty="0"/>
+              <a:t>封装：通过访问控制修饰符（</a:t>
+            </a:r>
+            <a:r>
+              <a:rPr lang="en-US" altLang="zh-CN" dirty="0"/>
+              <a:t>public</a:t>
             </a:r>
             <a:r>
               <a:rPr lang="zh-CN" altLang="en-US" dirty="0"/>
               <a:t>、</a:t>
             </a:r>
             <a:r>
-              <a:rPr lang="en-US" altLang="zh-CN" dirty="0" err="1"/>
-              <a:t>seekp</a:t>
+              <a:rPr lang="en-US" altLang="zh-CN" dirty="0"/>
+              <a:t>private</a:t>
             </a:r>
             <a:r>
               <a:rPr lang="zh-CN" altLang="en-US" dirty="0"/>
               <a:t>、</a:t>
             </a:r>
             <a:r>
-              <a:rPr lang="en-US" altLang="zh-CN" dirty="0" err="1"/>
-              <a:t>tellg</a:t>
-            </a:r>
-            <a:r>
-              <a:rPr lang="zh-CN" altLang="en-US" dirty="0"/>
-              <a:t>、</a:t>
-            </a:r>
-            <a:r>
-              <a:rPr lang="en-US" altLang="zh-CN" dirty="0" err="1"/>
-              <a:t>tellp</a:t>
-            </a:r>
-            <a:r>
-              <a:rPr lang="zh-CN" altLang="en-US" dirty="0"/>
-              <a:t>。</a:t>
+              <a:rPr lang="en-US" altLang="zh-CN" dirty="0"/>
+              <a:t>protected</a:t>
+            </a:r>
+            <a:r>
+              <a:rPr lang="zh-CN" altLang="en-US" dirty="0"/>
+              <a:t>）控制成员的访问权限，保护对象的状态。</a:t>
+            </a:r>
+          </a:p>
+          <a:p>
+            <a:r>
+              <a:rPr lang="zh-CN" altLang="en-US" dirty="0"/>
+              <a:t>继承：通过继承实现代码的复用，派生类可以继承基类的属性和方法。</a:t>
+            </a:r>
+          </a:p>
+          <a:p>
+            <a:r>
+              <a:rPr lang="zh-CN" altLang="en-US" dirty="0"/>
+              <a:t>多态：通过虚函数和纯虚函数实现多态，允许在运行时根据对象的实际类型调用不同的方法</a:t>
             </a:r>
           </a:p>
         </p:txBody>
@@ -19539,20 +19738,13 @@
     </p:spTree>
     <p:extLst>
       <p:ext uri="{BB962C8B-B14F-4D97-AF65-F5344CB8AC3E}">
-        <p14:creationId xmlns:p14="http://schemas.microsoft.com/office/powerpoint/2010/main" val="2309702231"/>
+        <p14:creationId xmlns:p14="http://schemas.microsoft.com/office/powerpoint/2010/main" val="1686844325"/>
       </p:ext>
     </p:extLst>
   </p:cSld>
   <p:clrMapOvr>
     <a:masterClrMapping/>
   </p:clrMapOvr>
-  <p:timing>
-    <p:tnLst>
-      <p:par>
-        <p:cTn id="1" dur="indefinite" restart="never" nodeType="tmRoot"/>
-      </p:par>
-    </p:tnLst>
-  </p:timing>
 </p:sld>
 </file>
 
@@ -19600,28 +19792,21 @@
                 <a:latin typeface="华文楷体" pitchFamily="2" charset="-122"/>
                 <a:ea typeface="华文楷体" pitchFamily="2" charset="-122"/>
               </a:rPr>
-              <a:t>10</a:t>
+              <a:t>6</a:t>
             </a:r>
             <a:r>
               <a:rPr lang="zh-CN" altLang="en-US" b="1" dirty="0" smtClean="0">
                 <a:latin typeface="华文楷体" pitchFamily="2" charset="-122"/>
                 <a:ea typeface="华文楷体" pitchFamily="2" charset="-122"/>
               </a:rPr>
-              <a:t>章  </a:t>
-            </a:r>
-            <a:r>
-              <a:rPr lang="en-US" altLang="zh-CN" b="1" dirty="0">
-                <a:latin typeface="华文楷体" pitchFamily="2" charset="-122"/>
-                <a:ea typeface="华文楷体" pitchFamily="2" charset="-122"/>
-              </a:rPr>
-              <a:t>C++11</a:t>
+              <a:t>章 指针</a:t>
             </a:r>
             <a:r>
               <a:rPr lang="zh-CN" altLang="en-US" b="1" dirty="0">
                 <a:latin typeface="华文楷体" pitchFamily="2" charset="-122"/>
                 <a:ea typeface="华文楷体" pitchFamily="2" charset="-122"/>
               </a:rPr>
-              <a:t>及以后特性</a:t>
+              <a:t>与动态内存管理</a:t>
             </a:r>
             <a:endParaRPr lang="zh-CN" altLang="en-US" dirty="0"/>
           </a:p>
@@ -19643,148 +19828,67 @@
           <a:lstStyle/>
           <a:p>
             <a:r>
-              <a:rPr lang="en-US" altLang="zh-CN" dirty="0"/>
-              <a:t>Lambda</a:t>
-            </a:r>
-            <a:r>
-              <a:rPr lang="zh-CN" altLang="en-US" dirty="0"/>
-              <a:t>表达式：如何使用</a:t>
-            </a:r>
-            <a:r>
-              <a:rPr lang="en-US" altLang="zh-CN" dirty="0"/>
-              <a:t>Lambda</a:t>
-            </a:r>
-            <a:r>
-              <a:rPr lang="zh-CN" altLang="en-US" dirty="0"/>
-              <a:t>简化代码。</a:t>
-            </a:r>
-          </a:p>
-          <a:p>
-            <a:r>
-              <a:rPr lang="zh-CN" altLang="en-US" dirty="0"/>
-              <a:t>智能指针：如何使用</a:t>
-            </a:r>
-            <a:r>
-              <a:rPr lang="en-US" altLang="zh-CN" dirty="0" err="1"/>
-              <a:t>shared_ptr</a:t>
-            </a:r>
-            <a:r>
-              <a:rPr lang="zh-CN" altLang="en-US" dirty="0"/>
+              <a:rPr lang="zh-CN" altLang="en-US" dirty="0" smtClean="0"/>
+              <a:t>指针基础：指针的定义、解引用、指针运算。</a:t>
+            </a:r>
+          </a:p>
+          <a:p>
+            <a:r>
+              <a:rPr lang="zh-CN" altLang="en-US" dirty="0" smtClean="0"/>
+              <a:t>指针与数组：数组名作为指针，指针与数组的关系。</a:t>
+            </a:r>
+          </a:p>
+          <a:p>
+            <a:r>
+              <a:rPr lang="zh-CN" altLang="en-US" dirty="0" smtClean="0"/>
+              <a:t>动态内存管理：</a:t>
+            </a:r>
+            <a:r>
+              <a:rPr lang="en-US" altLang="zh-CN" dirty="0" smtClean="0"/>
+              <a:t>new</a:t>
+            </a:r>
+            <a:r>
+              <a:rPr lang="zh-CN" altLang="en-US" dirty="0" smtClean="0"/>
               <a:t>、</a:t>
             </a:r>
             <a:r>
-              <a:rPr lang="en-US" altLang="zh-CN" dirty="0" err="1"/>
-              <a:t>unique_ptr</a:t>
-            </a:r>
-            <a:r>
-              <a:rPr lang="zh-CN" altLang="en-US" dirty="0"/>
-              <a:t>等智能指针管理内存。</a:t>
-            </a:r>
-          </a:p>
-          <a:p>
-            <a:r>
-              <a:rPr lang="zh-CN" altLang="en-US" dirty="0"/>
-              <a:t>线程与并发：</a:t>
-            </a:r>
-            <a:r>
-              <a:rPr lang="en-US" altLang="zh-CN" dirty="0" err="1"/>
-              <a:t>std</a:t>
-            </a:r>
-            <a:r>
-              <a:rPr lang="en-US" altLang="zh-CN" dirty="0"/>
-              <a:t>::thread</a:t>
-            </a:r>
-            <a:r>
-              <a:rPr lang="zh-CN" altLang="en-US" dirty="0"/>
+              <a:rPr lang="en-US" altLang="zh-CN" dirty="0" smtClean="0"/>
+              <a:t>delete</a:t>
+            </a:r>
+            <a:r>
+              <a:rPr lang="zh-CN" altLang="en-US" dirty="0" smtClean="0"/>
               <a:t>、</a:t>
             </a:r>
             <a:r>
-              <a:rPr lang="en-US" altLang="zh-CN" dirty="0" err="1"/>
-              <a:t>std</a:t>
-            </a:r>
-            <a:r>
-              <a:rPr lang="en-US" altLang="zh-CN" dirty="0"/>
-              <a:t>::</a:t>
-            </a:r>
-            <a:r>
-              <a:rPr lang="en-US" altLang="zh-CN" dirty="0" err="1"/>
-              <a:t>mutex</a:t>
-            </a:r>
-            <a:r>
-              <a:rPr lang="zh-CN" altLang="en-US" dirty="0"/>
+              <a:rPr lang="en-US" altLang="zh-CN" dirty="0" smtClean="0"/>
+              <a:t>new[]</a:t>
+            </a:r>
+            <a:r>
+              <a:rPr lang="zh-CN" altLang="en-US" dirty="0" smtClean="0"/>
               <a:t>、</a:t>
             </a:r>
             <a:r>
-              <a:rPr lang="en-US" altLang="zh-CN" dirty="0" err="1"/>
-              <a:t>std</a:t>
-            </a:r>
-            <a:r>
-              <a:rPr lang="en-US" altLang="zh-CN" dirty="0"/>
-              <a:t>::</a:t>
-            </a:r>
-            <a:r>
-              <a:rPr lang="en-US" altLang="zh-CN" dirty="0" err="1"/>
-              <a:t>async</a:t>
-            </a:r>
-            <a:r>
-              <a:rPr lang="zh-CN" altLang="en-US" dirty="0"/>
-              <a:t>等并发编程工具。</a:t>
-            </a:r>
-          </a:p>
-          <a:p>
-            <a:r>
-              <a:rPr lang="zh-CN" altLang="en-US" dirty="0"/>
-              <a:t>右值引用与移动语义：</a:t>
-            </a:r>
-            <a:r>
-              <a:rPr lang="en-US" altLang="zh-CN" dirty="0" err="1"/>
-              <a:t>std</a:t>
-            </a:r>
-            <a:r>
-              <a:rPr lang="en-US" altLang="zh-CN" dirty="0"/>
-              <a:t>::move</a:t>
-            </a:r>
-            <a:r>
-              <a:rPr lang="zh-CN" altLang="en-US" dirty="0"/>
-              <a:t>、</a:t>
-            </a:r>
-            <a:r>
-              <a:rPr lang="en-US" altLang="zh-CN" dirty="0" err="1"/>
-              <a:t>std</a:t>
-            </a:r>
-            <a:r>
-              <a:rPr lang="en-US" altLang="zh-CN" dirty="0"/>
-              <a:t>::forward</a:t>
-            </a:r>
-            <a:r>
-              <a:rPr lang="zh-CN" altLang="en-US" dirty="0"/>
-              <a:t>、移动构造函数和移动赋值运算符。</a:t>
-            </a:r>
-          </a:p>
-          <a:p>
-            <a:r>
-              <a:rPr lang="en-US" altLang="zh-CN" dirty="0" err="1"/>
-              <a:t>std</a:t>
-            </a:r>
-            <a:r>
-              <a:rPr lang="en-US" altLang="zh-CN" dirty="0"/>
-              <a:t>::</a:t>
-            </a:r>
-            <a:r>
-              <a:rPr lang="en-US" altLang="zh-CN" dirty="0" err="1"/>
-              <a:t>chrono</a:t>
-            </a:r>
-            <a:r>
-              <a:rPr lang="zh-CN" altLang="en-US" dirty="0"/>
-              <a:t>库：时间测量和延时功能。</a:t>
-            </a:r>
+              <a:rPr lang="en-US" altLang="zh-CN" dirty="0" smtClean="0"/>
+              <a:t>delete[]</a:t>
+            </a:r>
+            <a:r>
+              <a:rPr lang="zh-CN" altLang="en-US" dirty="0" smtClean="0"/>
+              <a:t>。</a:t>
+            </a:r>
+          </a:p>
+          <a:p>
+            <a:r>
+              <a:rPr lang="zh-CN" altLang="en-US" dirty="0" smtClean="0"/>
+              <a:t>内存泄漏与指针悬挂：避免内存泄漏，指针的安全使用。</a:t>
+            </a:r>
+            <a:endParaRPr lang="zh-CN" altLang="en-US" dirty="0"/>
           </a:p>
         </p:txBody>
       </p:sp>
     </p:spTree>
     <p:extLst>
       <p:ext uri="{BB962C8B-B14F-4D97-AF65-F5344CB8AC3E}">
-        <p14:creationId xmlns:p14="http://schemas.microsoft.com/office/powerpoint/2010/main" val="1295629135"/>
+        <p14:creationId xmlns:p14="http://schemas.microsoft.com/office/powerpoint/2010/main" val="3183063327"/>
       </p:ext>
     </p:extLst>
   </p:cSld>
@@ -19834,7 +19938,7 @@
           <a:lstStyle/>
           <a:p>
             <a:r>
-              <a:rPr lang="zh-CN" altLang="en-US" b="1" dirty="0">
+              <a:rPr lang="zh-CN" altLang="en-US" b="1" dirty="0" smtClean="0">
                 <a:latin typeface="华文楷体" pitchFamily="2" charset="-122"/>
                 <a:ea typeface="华文楷体" pitchFamily="2" charset="-122"/>
               </a:rPr>
@@ -19845,7 +19949,7 @@
                 <a:latin typeface="华文楷体" pitchFamily="2" charset="-122"/>
                 <a:ea typeface="华文楷体" pitchFamily="2" charset="-122"/>
               </a:rPr>
-              <a:t>11</a:t>
+              <a:t>7</a:t>
             </a:r>
             <a:r>
               <a:rPr lang="zh-CN" altLang="en-US" b="1" dirty="0" smtClean="0">
@@ -19859,14 +19963,14 @@
                 <a:latin typeface="华文楷体" pitchFamily="2" charset="-122"/>
                 <a:ea typeface="华文楷体" pitchFamily="2" charset="-122"/>
               </a:rPr>
-              <a:t>C++</a:t>
+              <a:t>STL</a:t>
             </a:r>
             <a:r>
               <a:rPr lang="zh-CN" altLang="en-US" b="1" dirty="0">
                 <a:latin typeface="华文楷体" pitchFamily="2" charset="-122"/>
                 <a:ea typeface="华文楷体" pitchFamily="2" charset="-122"/>
               </a:rPr>
-              <a:t>设计模式</a:t>
+              <a:t>（标准模板库）</a:t>
             </a:r>
             <a:endParaRPr lang="zh-CN" altLang="en-US" dirty="0"/>
           </a:p>
@@ -19888,50 +19992,116 @@
           <a:lstStyle/>
           <a:p>
             <a:r>
-              <a:rPr lang="zh-CN" altLang="en-US" dirty="0"/>
-              <a:t>单例模式：如何实现和应用单例模式。</a:t>
-            </a:r>
-          </a:p>
-          <a:p>
-            <a:r>
-              <a:rPr lang="zh-CN" altLang="en-US" dirty="0"/>
-              <a:t>工厂模式：使用工厂模式来创建对象。</a:t>
-            </a:r>
-          </a:p>
-          <a:p>
-            <a:r>
-              <a:rPr lang="zh-CN" altLang="en-US" dirty="0"/>
-              <a:t>观察者模式：如何实现和应用观察者模式。</a:t>
-            </a:r>
-          </a:p>
-          <a:p>
-            <a:r>
-              <a:rPr lang="zh-CN" altLang="en-US" dirty="0"/>
-              <a:t>策略模式：定义一系列算法，将每一个算法封装起来</a:t>
-            </a:r>
-            <a:r>
-              <a:rPr lang="zh-CN" altLang="en-US" dirty="0" smtClean="0"/>
+              <a:rPr lang="en-US" altLang="zh-CN" dirty="0"/>
+              <a:t>STL</a:t>
+            </a:r>
+            <a:r>
+              <a:rPr lang="zh-CN" altLang="en-US" dirty="0"/>
+              <a:t>概述：</a:t>
+            </a:r>
+            <a:r>
+              <a:rPr lang="en-US" altLang="zh-CN" dirty="0"/>
+              <a:t>STL</a:t>
+            </a:r>
+            <a:r>
+              <a:rPr lang="zh-CN" altLang="en-US" dirty="0"/>
+              <a:t>的组成部分（容器、算法、迭代器）。</a:t>
+            </a:r>
+          </a:p>
+          <a:p>
+            <a:r>
+              <a:rPr lang="zh-CN" altLang="en-US" dirty="0"/>
+              <a:t>容器：</a:t>
+            </a:r>
+            <a:r>
+              <a:rPr lang="en-US" altLang="zh-CN" dirty="0"/>
+              <a:t>vector</a:t>
+            </a:r>
+            <a:r>
+              <a:rPr lang="zh-CN" altLang="en-US" dirty="0"/>
+              <a:t>、</a:t>
+            </a:r>
+            <a:r>
+              <a:rPr lang="en-US" altLang="zh-CN" dirty="0"/>
+              <a:t>list</a:t>
+            </a:r>
+            <a:r>
+              <a:rPr lang="zh-CN" altLang="en-US" dirty="0"/>
+              <a:t>、</a:t>
+            </a:r>
+            <a:r>
+              <a:rPr lang="en-US" altLang="zh-CN" dirty="0"/>
+              <a:t>map</a:t>
+            </a:r>
+            <a:r>
+              <a:rPr lang="zh-CN" altLang="en-US" dirty="0"/>
+              <a:t>、</a:t>
+            </a:r>
+            <a:r>
+              <a:rPr lang="en-US" altLang="zh-CN" dirty="0"/>
+              <a:t>set</a:t>
+            </a:r>
+            <a:r>
+              <a:rPr lang="zh-CN" altLang="en-US" dirty="0"/>
+              <a:t>、</a:t>
+            </a:r>
+            <a:r>
+              <a:rPr lang="en-US" altLang="zh-CN" dirty="0" err="1"/>
+              <a:t>deque</a:t>
+            </a:r>
+            <a:r>
+              <a:rPr lang="zh-CN" altLang="en-US" dirty="0"/>
+              <a:t>等。</a:t>
+            </a:r>
+          </a:p>
+          <a:p>
+            <a:r>
+              <a:rPr lang="zh-CN" altLang="en-US" dirty="0"/>
+              <a:t>算法：排序、查找、删除、替换等常用算法。</a:t>
+            </a:r>
+          </a:p>
+          <a:p>
+            <a:r>
+              <a:rPr lang="zh-CN" altLang="en-US" dirty="0"/>
+              <a:t>迭代器：容器的迭代器使用方法。</a:t>
+            </a:r>
+          </a:p>
+          <a:p>
+            <a:r>
+              <a:rPr lang="zh-CN" altLang="en-US" dirty="0"/>
+              <a:t>智能指针：</a:t>
+            </a:r>
+            <a:r>
+              <a:rPr lang="en-US" altLang="zh-CN" dirty="0" err="1"/>
+              <a:t>shared_ptr</a:t>
+            </a:r>
+            <a:r>
+              <a:rPr lang="zh-CN" altLang="en-US" dirty="0"/>
+              <a:t>、</a:t>
+            </a:r>
+            <a:r>
+              <a:rPr lang="en-US" altLang="zh-CN" dirty="0" err="1"/>
+              <a:t>unique_ptr</a:t>
+            </a:r>
+            <a:r>
+              <a:rPr lang="zh-CN" altLang="en-US" dirty="0"/>
+              <a:t>、</a:t>
+            </a:r>
+            <a:r>
+              <a:rPr lang="en-US" altLang="zh-CN" dirty="0" err="1"/>
+              <a:t>weak_ptr</a:t>
+            </a:r>
+            <a:r>
+              <a:rPr lang="zh-CN" altLang="en-US" dirty="0"/>
               <a:t>。</a:t>
             </a:r>
-            <a:endParaRPr lang="en-US" altLang="zh-CN" dirty="0" smtClean="0"/>
-          </a:p>
-          <a:p>
-            <a:r>
-              <a:rPr lang="zh-CN" altLang="en-US"/>
-              <a:t>高内</a:t>
-            </a:r>
-            <a:r>
-              <a:rPr lang="zh-CN" altLang="en-US" smtClean="0"/>
-              <a:t>聚，低耦合</a:t>
-            </a:r>
-            <a:endParaRPr lang="zh-CN" altLang="en-US" dirty="0"/>
           </a:p>
         </p:txBody>
       </p:sp>
     </p:spTree>
     <p:extLst>
       <p:ext uri="{BB962C8B-B14F-4D97-AF65-F5344CB8AC3E}">
-        <p14:creationId xmlns:p14="http://schemas.microsoft.com/office/powerpoint/2010/main" val="4116617042"/>
+        <p14:creationId xmlns:p14="http://schemas.microsoft.com/office/powerpoint/2010/main" val="201415056"/>
       </p:ext>
     </p:extLst>
   </p:cSld>
@@ -19981,6 +20151,684 @@
           <a:lstStyle/>
           <a:p>
             <a:r>
+              <a:rPr lang="zh-CN" altLang="en-US" b="1" dirty="0" smtClean="0">
+                <a:latin typeface="华文楷体" pitchFamily="2" charset="-122"/>
+                <a:ea typeface="华文楷体" pitchFamily="2" charset="-122"/>
+              </a:rPr>
+              <a:t>第</a:t>
+            </a:r>
+            <a:r>
+              <a:rPr lang="en-US" altLang="zh-CN" b="1" dirty="0" smtClean="0">
+                <a:latin typeface="华文楷体" pitchFamily="2" charset="-122"/>
+                <a:ea typeface="华文楷体" pitchFamily="2" charset="-122"/>
+              </a:rPr>
+              <a:t>8</a:t>
+            </a:r>
+            <a:r>
+              <a:rPr lang="zh-CN" altLang="en-US" b="1" dirty="0" smtClean="0">
+                <a:latin typeface="华文楷体" pitchFamily="2" charset="-122"/>
+                <a:ea typeface="华文楷体" pitchFamily="2" charset="-122"/>
+              </a:rPr>
+              <a:t>章</a:t>
+            </a:r>
+            <a:r>
+              <a:rPr lang="zh-CN" altLang="en-US" b="1" dirty="0">
+                <a:latin typeface="华文楷体" pitchFamily="2" charset="-122"/>
+                <a:ea typeface="华文楷体" pitchFamily="2" charset="-122"/>
+              </a:rPr>
+              <a:t>异常处理</a:t>
+            </a:r>
+            <a:endParaRPr lang="zh-CN" altLang="en-US" dirty="0"/>
+          </a:p>
+        </p:txBody>
+      </p:sp>
+      <p:sp>
+        <p:nvSpPr>
+          <p:cNvPr id="3" name="内容占位符 2"/>
+          <p:cNvSpPr>
+            <a:spLocks noGrp="1"/>
+          </p:cNvSpPr>
+          <p:nvPr>
+            <p:ph idx="1"/>
+          </p:nvPr>
+        </p:nvSpPr>
+        <p:spPr/>
+        <p:txBody>
+          <a:bodyPr/>
+          <a:lstStyle/>
+          <a:p>
+            <a:r>
+              <a:rPr lang="zh-CN" altLang="en-US" dirty="0"/>
+              <a:t>异常概念：异常的定义、捕获、抛出。</a:t>
+            </a:r>
+          </a:p>
+          <a:p>
+            <a:r>
+              <a:rPr lang="en-US" altLang="zh-CN" dirty="0"/>
+              <a:t>try-catch</a:t>
+            </a:r>
+            <a:r>
+              <a:rPr lang="zh-CN" altLang="en-US" dirty="0"/>
+              <a:t>语句：基本语法、捕获多种异常。</a:t>
+            </a:r>
+          </a:p>
+          <a:p>
+            <a:r>
+              <a:rPr lang="zh-CN" altLang="en-US" dirty="0"/>
+              <a:t>自定义异常类：如何创建自定义异常类型。</a:t>
+            </a:r>
+          </a:p>
+          <a:p>
+            <a:r>
+              <a:rPr lang="zh-CN" altLang="en-US" dirty="0"/>
+              <a:t>异常安全：异常安全的编程原则（基本保证、强保证）。</a:t>
+            </a:r>
+          </a:p>
+        </p:txBody>
+      </p:sp>
+    </p:spTree>
+    <p:extLst>
+      <p:ext uri="{BB962C8B-B14F-4D97-AF65-F5344CB8AC3E}">
+        <p14:creationId xmlns:p14="http://schemas.microsoft.com/office/powerpoint/2010/main" val="2102593440"/>
+      </p:ext>
+    </p:extLst>
+  </p:cSld>
+  <p:clrMapOvr>
+    <a:masterClrMapping/>
+  </p:clrMapOvr>
+  <p:timing>
+    <p:tnLst>
+      <p:par>
+        <p:cTn id="1" dur="indefinite" restart="never" nodeType="tmRoot"/>
+      </p:par>
+    </p:tnLst>
+  </p:timing>
+</p:sld>
+</file>
+
+<file path=ppt/slides/slide64.xml><?xml version="1.0" encoding="utf-8"?>
+<p:sld xmlns:a="http://schemas.openxmlformats.org/drawingml/2006/main" xmlns:r="http://schemas.openxmlformats.org/officeDocument/2006/relationships" xmlns:p="http://schemas.openxmlformats.org/presentationml/2006/main">
+  <p:cSld>
+    <p:spTree>
+      <p:nvGrpSpPr>
+        <p:cNvPr id="1" name=""/>
+        <p:cNvGrpSpPr/>
+        <p:nvPr/>
+      </p:nvGrpSpPr>
+      <p:grpSpPr>
+        <a:xfrm>
+          <a:off x="0" y="0"/>
+          <a:ext cx="0" cy="0"/>
+          <a:chOff x="0" y="0"/>
+          <a:chExt cx="0" cy="0"/>
+        </a:xfrm>
+      </p:grpSpPr>
+      <p:sp>
+        <p:nvSpPr>
+          <p:cNvPr id="2" name="标题 1"/>
+          <p:cNvSpPr>
+            <a:spLocks noGrp="1"/>
+          </p:cNvSpPr>
+          <p:nvPr>
+            <p:ph type="title"/>
+          </p:nvPr>
+        </p:nvSpPr>
+        <p:spPr/>
+        <p:txBody>
+          <a:bodyPr/>
+          <a:lstStyle/>
+          <a:p>
+            <a:r>
+              <a:rPr lang="zh-CN" altLang="en-US" b="1" dirty="0" smtClean="0">
+                <a:latin typeface="华文楷体" pitchFamily="2" charset="-122"/>
+                <a:ea typeface="华文楷体" pitchFamily="2" charset="-122"/>
+              </a:rPr>
+              <a:t>第</a:t>
+            </a:r>
+            <a:r>
+              <a:rPr lang="en-US" altLang="zh-CN" b="1" dirty="0" smtClean="0">
+                <a:latin typeface="华文楷体" pitchFamily="2" charset="-122"/>
+                <a:ea typeface="华文楷体" pitchFamily="2" charset="-122"/>
+              </a:rPr>
+              <a:t>9</a:t>
+            </a:r>
+            <a:r>
+              <a:rPr lang="zh-CN" altLang="en-US" b="1" dirty="0" smtClean="0">
+                <a:latin typeface="华文楷体" pitchFamily="2" charset="-122"/>
+                <a:ea typeface="华文楷体" pitchFamily="2" charset="-122"/>
+              </a:rPr>
+              <a:t>章</a:t>
+            </a:r>
+            <a:r>
+              <a:rPr lang="zh-CN" altLang="en-US" b="1" dirty="0">
+                <a:latin typeface="华文楷体" pitchFamily="2" charset="-122"/>
+                <a:ea typeface="华文楷体" pitchFamily="2" charset="-122"/>
+              </a:rPr>
+              <a:t>文件操作</a:t>
+            </a:r>
+            <a:endParaRPr lang="zh-CN" altLang="en-US" dirty="0"/>
+          </a:p>
+        </p:txBody>
+      </p:sp>
+      <p:sp>
+        <p:nvSpPr>
+          <p:cNvPr id="3" name="内容占位符 2"/>
+          <p:cNvSpPr>
+            <a:spLocks noGrp="1"/>
+          </p:cNvSpPr>
+          <p:nvPr>
+            <p:ph idx="1"/>
+          </p:nvPr>
+        </p:nvSpPr>
+        <p:spPr/>
+        <p:txBody>
+          <a:bodyPr/>
+          <a:lstStyle/>
+          <a:p>
+            <a:r>
+              <a:rPr lang="zh-CN" altLang="en-US" dirty="0"/>
+              <a:t>文件输入输出：使用</a:t>
+            </a:r>
+            <a:r>
+              <a:rPr lang="en-US" altLang="zh-CN" dirty="0" err="1"/>
+              <a:t>fstream</a:t>
+            </a:r>
+            <a:r>
+              <a:rPr lang="zh-CN" altLang="en-US" dirty="0"/>
+              <a:t>进行文件读写。</a:t>
+            </a:r>
+          </a:p>
+          <a:p>
+            <a:r>
+              <a:rPr lang="zh-CN" altLang="en-US" dirty="0"/>
+              <a:t>文本文件与二进制文件：处理文本文件和二进制文件的不同方式。</a:t>
+            </a:r>
+          </a:p>
+          <a:p>
+            <a:r>
+              <a:rPr lang="zh-CN" altLang="en-US" dirty="0"/>
+              <a:t>文件指针与流控制：</a:t>
+            </a:r>
+            <a:r>
+              <a:rPr lang="en-US" altLang="zh-CN" dirty="0" err="1"/>
+              <a:t>seekg</a:t>
+            </a:r>
+            <a:r>
+              <a:rPr lang="zh-CN" altLang="en-US" dirty="0"/>
+              <a:t>、</a:t>
+            </a:r>
+            <a:r>
+              <a:rPr lang="en-US" altLang="zh-CN" dirty="0" err="1"/>
+              <a:t>seekp</a:t>
+            </a:r>
+            <a:r>
+              <a:rPr lang="zh-CN" altLang="en-US" dirty="0"/>
+              <a:t>、</a:t>
+            </a:r>
+            <a:r>
+              <a:rPr lang="en-US" altLang="zh-CN" dirty="0" err="1"/>
+              <a:t>tellg</a:t>
+            </a:r>
+            <a:r>
+              <a:rPr lang="zh-CN" altLang="en-US" dirty="0"/>
+              <a:t>、</a:t>
+            </a:r>
+            <a:r>
+              <a:rPr lang="en-US" altLang="zh-CN" dirty="0" err="1"/>
+              <a:t>tellp</a:t>
+            </a:r>
+            <a:r>
+              <a:rPr lang="zh-CN" altLang="en-US" dirty="0"/>
+              <a:t>。</a:t>
+            </a:r>
+          </a:p>
+        </p:txBody>
+      </p:sp>
+    </p:spTree>
+    <p:extLst>
+      <p:ext uri="{BB962C8B-B14F-4D97-AF65-F5344CB8AC3E}">
+        <p14:creationId xmlns:p14="http://schemas.microsoft.com/office/powerpoint/2010/main" val="2309702231"/>
+      </p:ext>
+    </p:extLst>
+  </p:cSld>
+  <p:clrMapOvr>
+    <a:masterClrMapping/>
+  </p:clrMapOvr>
+  <p:timing>
+    <p:tnLst>
+      <p:par>
+        <p:cTn id="1" dur="indefinite" restart="never" nodeType="tmRoot"/>
+      </p:par>
+    </p:tnLst>
+  </p:timing>
+</p:sld>
+</file>
+
+<file path=ppt/slides/slide65.xml><?xml version="1.0" encoding="utf-8"?>
+<p:sld xmlns:a="http://schemas.openxmlformats.org/drawingml/2006/main" xmlns:r="http://schemas.openxmlformats.org/officeDocument/2006/relationships" xmlns:p="http://schemas.openxmlformats.org/presentationml/2006/main">
+  <p:cSld>
+    <p:spTree>
+      <p:nvGrpSpPr>
+        <p:cNvPr id="1" name=""/>
+        <p:cNvGrpSpPr/>
+        <p:nvPr/>
+      </p:nvGrpSpPr>
+      <p:grpSpPr>
+        <a:xfrm>
+          <a:off x="0" y="0"/>
+          <a:ext cx="0" cy="0"/>
+          <a:chOff x="0" y="0"/>
+          <a:chExt cx="0" cy="0"/>
+        </a:xfrm>
+      </p:grpSpPr>
+      <p:sp>
+        <p:nvSpPr>
+          <p:cNvPr id="2" name="标题 1"/>
+          <p:cNvSpPr>
+            <a:spLocks noGrp="1"/>
+          </p:cNvSpPr>
+          <p:nvPr>
+            <p:ph type="title"/>
+          </p:nvPr>
+        </p:nvSpPr>
+        <p:spPr/>
+        <p:txBody>
+          <a:bodyPr/>
+          <a:lstStyle/>
+          <a:p>
+            <a:r>
+              <a:rPr lang="zh-CN" altLang="en-US" b="1" dirty="0" smtClean="0">
+                <a:latin typeface="华文楷体" pitchFamily="2" charset="-122"/>
+                <a:ea typeface="华文楷体" pitchFamily="2" charset="-122"/>
+              </a:rPr>
+              <a:t>第</a:t>
+            </a:r>
+            <a:r>
+              <a:rPr lang="en-US" altLang="zh-CN" b="1" dirty="0" smtClean="0">
+                <a:latin typeface="华文楷体" pitchFamily="2" charset="-122"/>
+                <a:ea typeface="华文楷体" pitchFamily="2" charset="-122"/>
+              </a:rPr>
+              <a:t>10</a:t>
+            </a:r>
+            <a:r>
+              <a:rPr lang="zh-CN" altLang="en-US" b="1" dirty="0" smtClean="0">
+                <a:latin typeface="华文楷体" pitchFamily="2" charset="-122"/>
+                <a:ea typeface="华文楷体" pitchFamily="2" charset="-122"/>
+              </a:rPr>
+              <a:t>章  </a:t>
+            </a:r>
+            <a:r>
+              <a:rPr lang="en-US" altLang="zh-CN" b="1" dirty="0">
+                <a:latin typeface="华文楷体" pitchFamily="2" charset="-122"/>
+                <a:ea typeface="华文楷体" pitchFamily="2" charset="-122"/>
+              </a:rPr>
+              <a:t>C++11</a:t>
+            </a:r>
+            <a:r>
+              <a:rPr lang="zh-CN" altLang="en-US" b="1" dirty="0">
+                <a:latin typeface="华文楷体" pitchFamily="2" charset="-122"/>
+                <a:ea typeface="华文楷体" pitchFamily="2" charset="-122"/>
+              </a:rPr>
+              <a:t>及以后特性</a:t>
+            </a:r>
+            <a:endParaRPr lang="zh-CN" altLang="en-US" dirty="0"/>
+          </a:p>
+        </p:txBody>
+      </p:sp>
+      <p:sp>
+        <p:nvSpPr>
+          <p:cNvPr id="3" name="内容占位符 2"/>
+          <p:cNvSpPr>
+            <a:spLocks noGrp="1"/>
+          </p:cNvSpPr>
+          <p:nvPr>
+            <p:ph idx="1"/>
+          </p:nvPr>
+        </p:nvSpPr>
+        <p:spPr/>
+        <p:txBody>
+          <a:bodyPr/>
+          <a:lstStyle/>
+          <a:p>
+            <a:r>
+              <a:rPr lang="en-US" altLang="zh-CN" dirty="0"/>
+              <a:t>Lambda</a:t>
+            </a:r>
+            <a:r>
+              <a:rPr lang="zh-CN" altLang="en-US" dirty="0"/>
+              <a:t>表达式：如何使用</a:t>
+            </a:r>
+            <a:r>
+              <a:rPr lang="en-US" altLang="zh-CN" dirty="0"/>
+              <a:t>Lambda</a:t>
+            </a:r>
+            <a:r>
+              <a:rPr lang="zh-CN" altLang="en-US" dirty="0"/>
+              <a:t>简化代码。</a:t>
+            </a:r>
+          </a:p>
+          <a:p>
+            <a:r>
+              <a:rPr lang="zh-CN" altLang="en-US" dirty="0"/>
+              <a:t>智能指针：如何使用</a:t>
+            </a:r>
+            <a:r>
+              <a:rPr lang="en-US" altLang="zh-CN" dirty="0" err="1"/>
+              <a:t>shared_ptr</a:t>
+            </a:r>
+            <a:r>
+              <a:rPr lang="zh-CN" altLang="en-US" dirty="0"/>
+              <a:t>、</a:t>
+            </a:r>
+            <a:r>
+              <a:rPr lang="en-US" altLang="zh-CN" dirty="0" err="1"/>
+              <a:t>unique_ptr</a:t>
+            </a:r>
+            <a:r>
+              <a:rPr lang="zh-CN" altLang="en-US" dirty="0"/>
+              <a:t>等智能指针管理内存。</a:t>
+            </a:r>
+          </a:p>
+          <a:p>
+            <a:r>
+              <a:rPr lang="zh-CN" altLang="en-US" dirty="0"/>
+              <a:t>线程与并发：</a:t>
+            </a:r>
+            <a:r>
+              <a:rPr lang="en-US" altLang="zh-CN" dirty="0" err="1"/>
+              <a:t>std</a:t>
+            </a:r>
+            <a:r>
+              <a:rPr lang="en-US" altLang="zh-CN" dirty="0"/>
+              <a:t>::thread</a:t>
+            </a:r>
+            <a:r>
+              <a:rPr lang="zh-CN" altLang="en-US" dirty="0"/>
+              <a:t>、</a:t>
+            </a:r>
+            <a:r>
+              <a:rPr lang="en-US" altLang="zh-CN" dirty="0" err="1"/>
+              <a:t>std</a:t>
+            </a:r>
+            <a:r>
+              <a:rPr lang="en-US" altLang="zh-CN" dirty="0"/>
+              <a:t>::</a:t>
+            </a:r>
+            <a:r>
+              <a:rPr lang="en-US" altLang="zh-CN" dirty="0" err="1"/>
+              <a:t>mutex</a:t>
+            </a:r>
+            <a:r>
+              <a:rPr lang="zh-CN" altLang="en-US" dirty="0"/>
+              <a:t>、</a:t>
+            </a:r>
+            <a:r>
+              <a:rPr lang="en-US" altLang="zh-CN" dirty="0" err="1"/>
+              <a:t>std</a:t>
+            </a:r>
+            <a:r>
+              <a:rPr lang="en-US" altLang="zh-CN" dirty="0"/>
+              <a:t>::</a:t>
+            </a:r>
+            <a:r>
+              <a:rPr lang="en-US" altLang="zh-CN" dirty="0" err="1"/>
+              <a:t>async</a:t>
+            </a:r>
+            <a:r>
+              <a:rPr lang="zh-CN" altLang="en-US" dirty="0"/>
+              <a:t>等并发编程工具。</a:t>
+            </a:r>
+          </a:p>
+          <a:p>
+            <a:r>
+              <a:rPr lang="zh-CN" altLang="en-US" dirty="0"/>
+              <a:t>右值引用与移动语义：</a:t>
+            </a:r>
+            <a:r>
+              <a:rPr lang="en-US" altLang="zh-CN" dirty="0" err="1"/>
+              <a:t>std</a:t>
+            </a:r>
+            <a:r>
+              <a:rPr lang="en-US" altLang="zh-CN" dirty="0"/>
+              <a:t>::move</a:t>
+            </a:r>
+            <a:r>
+              <a:rPr lang="zh-CN" altLang="en-US" dirty="0"/>
+              <a:t>、</a:t>
+            </a:r>
+            <a:r>
+              <a:rPr lang="en-US" altLang="zh-CN" dirty="0" err="1"/>
+              <a:t>std</a:t>
+            </a:r>
+            <a:r>
+              <a:rPr lang="en-US" altLang="zh-CN" dirty="0"/>
+              <a:t>::forward</a:t>
+            </a:r>
+            <a:r>
+              <a:rPr lang="zh-CN" altLang="en-US" dirty="0"/>
+              <a:t>、移动构造函数和移动赋值运算符。</a:t>
+            </a:r>
+          </a:p>
+          <a:p>
+            <a:r>
+              <a:rPr lang="en-US" altLang="zh-CN" dirty="0" err="1"/>
+              <a:t>std</a:t>
+            </a:r>
+            <a:r>
+              <a:rPr lang="en-US" altLang="zh-CN" dirty="0"/>
+              <a:t>::</a:t>
+            </a:r>
+            <a:r>
+              <a:rPr lang="en-US" altLang="zh-CN" dirty="0" err="1"/>
+              <a:t>chrono</a:t>
+            </a:r>
+            <a:r>
+              <a:rPr lang="zh-CN" altLang="en-US" dirty="0"/>
+              <a:t>库：时间测量和延时功能。</a:t>
+            </a:r>
+          </a:p>
+        </p:txBody>
+      </p:sp>
+    </p:spTree>
+    <p:extLst>
+      <p:ext uri="{BB962C8B-B14F-4D97-AF65-F5344CB8AC3E}">
+        <p14:creationId xmlns:p14="http://schemas.microsoft.com/office/powerpoint/2010/main" val="1295629135"/>
+      </p:ext>
+    </p:extLst>
+  </p:cSld>
+  <p:clrMapOvr>
+    <a:masterClrMapping/>
+  </p:clrMapOvr>
+  <p:timing>
+    <p:tnLst>
+      <p:par>
+        <p:cTn id="1" dur="indefinite" restart="never" nodeType="tmRoot"/>
+      </p:par>
+    </p:tnLst>
+  </p:timing>
+</p:sld>
+</file>
+
+<file path=ppt/slides/slide66.xml><?xml version="1.0" encoding="utf-8"?>
+<p:sld xmlns:a="http://schemas.openxmlformats.org/drawingml/2006/main" xmlns:r="http://schemas.openxmlformats.org/officeDocument/2006/relationships" xmlns:p="http://schemas.openxmlformats.org/presentationml/2006/main">
+  <p:cSld>
+    <p:spTree>
+      <p:nvGrpSpPr>
+        <p:cNvPr id="1" name=""/>
+        <p:cNvGrpSpPr/>
+        <p:nvPr/>
+      </p:nvGrpSpPr>
+      <p:grpSpPr>
+        <a:xfrm>
+          <a:off x="0" y="0"/>
+          <a:ext cx="0" cy="0"/>
+          <a:chOff x="0" y="0"/>
+          <a:chExt cx="0" cy="0"/>
+        </a:xfrm>
+      </p:grpSpPr>
+      <p:sp>
+        <p:nvSpPr>
+          <p:cNvPr id="2" name="标题 1"/>
+          <p:cNvSpPr>
+            <a:spLocks noGrp="1"/>
+          </p:cNvSpPr>
+          <p:nvPr>
+            <p:ph type="title"/>
+          </p:nvPr>
+        </p:nvSpPr>
+        <p:spPr/>
+        <p:txBody>
+          <a:bodyPr/>
+          <a:lstStyle/>
+          <a:p>
+            <a:r>
+              <a:rPr lang="zh-CN" altLang="en-US" b="1" dirty="0">
+                <a:latin typeface="华文楷体" pitchFamily="2" charset="-122"/>
+                <a:ea typeface="华文楷体" pitchFamily="2" charset="-122"/>
+              </a:rPr>
+              <a:t>第</a:t>
+            </a:r>
+            <a:r>
+              <a:rPr lang="en-US" altLang="zh-CN" b="1" dirty="0" smtClean="0">
+                <a:latin typeface="华文楷体" pitchFamily="2" charset="-122"/>
+                <a:ea typeface="华文楷体" pitchFamily="2" charset="-122"/>
+              </a:rPr>
+              <a:t>11</a:t>
+            </a:r>
+            <a:r>
+              <a:rPr lang="zh-CN" altLang="en-US" b="1" dirty="0" smtClean="0">
+                <a:latin typeface="华文楷体" pitchFamily="2" charset="-122"/>
+                <a:ea typeface="华文楷体" pitchFamily="2" charset="-122"/>
+              </a:rPr>
+              <a:t>章  </a:t>
+            </a:r>
+            <a:r>
+              <a:rPr lang="en-US" altLang="zh-CN" b="1" dirty="0">
+                <a:latin typeface="华文楷体" pitchFamily="2" charset="-122"/>
+                <a:ea typeface="华文楷体" pitchFamily="2" charset="-122"/>
+              </a:rPr>
+              <a:t>C++</a:t>
+            </a:r>
+            <a:r>
+              <a:rPr lang="zh-CN" altLang="en-US" b="1" dirty="0">
+                <a:latin typeface="华文楷体" pitchFamily="2" charset="-122"/>
+                <a:ea typeface="华文楷体" pitchFamily="2" charset="-122"/>
+              </a:rPr>
+              <a:t>设计模式</a:t>
+            </a:r>
+            <a:endParaRPr lang="zh-CN" altLang="en-US" dirty="0"/>
+          </a:p>
+        </p:txBody>
+      </p:sp>
+      <p:sp>
+        <p:nvSpPr>
+          <p:cNvPr id="3" name="内容占位符 2"/>
+          <p:cNvSpPr>
+            <a:spLocks noGrp="1"/>
+          </p:cNvSpPr>
+          <p:nvPr>
+            <p:ph idx="1"/>
+          </p:nvPr>
+        </p:nvSpPr>
+        <p:spPr/>
+        <p:txBody>
+          <a:bodyPr/>
+          <a:lstStyle/>
+          <a:p>
+            <a:r>
+              <a:rPr lang="zh-CN" altLang="en-US" dirty="0"/>
+              <a:t>单例模式：如何实现和应用单例模式。</a:t>
+            </a:r>
+          </a:p>
+          <a:p>
+            <a:r>
+              <a:rPr lang="zh-CN" altLang="en-US" dirty="0"/>
+              <a:t>工厂模式：使用工厂模式来创建对象。</a:t>
+            </a:r>
+          </a:p>
+          <a:p>
+            <a:r>
+              <a:rPr lang="zh-CN" altLang="en-US" dirty="0"/>
+              <a:t>观察者模式：如何实现和应用观察者模式。</a:t>
+            </a:r>
+          </a:p>
+          <a:p>
+            <a:r>
+              <a:rPr lang="zh-CN" altLang="en-US" dirty="0"/>
+              <a:t>策略模式：定义一系列算法，将每一个算法封装起来</a:t>
+            </a:r>
+            <a:r>
+              <a:rPr lang="zh-CN" altLang="en-US" dirty="0" smtClean="0"/>
+              <a:t>。</a:t>
+            </a:r>
+            <a:endParaRPr lang="en-US" altLang="zh-CN" dirty="0" smtClean="0"/>
+          </a:p>
+          <a:p>
+            <a:r>
+              <a:rPr lang="zh-CN" altLang="en-US"/>
+              <a:t>高内</a:t>
+            </a:r>
+            <a:r>
+              <a:rPr lang="zh-CN" altLang="en-US" smtClean="0"/>
+              <a:t>聚，低耦合</a:t>
+            </a:r>
+            <a:endParaRPr lang="zh-CN" altLang="en-US" dirty="0"/>
+          </a:p>
+        </p:txBody>
+      </p:sp>
+    </p:spTree>
+    <p:extLst>
+      <p:ext uri="{BB962C8B-B14F-4D97-AF65-F5344CB8AC3E}">
+        <p14:creationId xmlns:p14="http://schemas.microsoft.com/office/powerpoint/2010/main" val="4116617042"/>
+      </p:ext>
+    </p:extLst>
+  </p:cSld>
+  <p:clrMapOvr>
+    <a:masterClrMapping/>
+  </p:clrMapOvr>
+  <p:timing>
+    <p:tnLst>
+      <p:par>
+        <p:cTn id="1" dur="indefinite" restart="never" nodeType="tmRoot"/>
+      </p:par>
+    </p:tnLst>
+  </p:timing>
+</p:sld>
+</file>
+
+<file path=ppt/slides/slide67.xml><?xml version="1.0" encoding="utf-8"?>
+<p:sld xmlns:a="http://schemas.openxmlformats.org/drawingml/2006/main" xmlns:r="http://schemas.openxmlformats.org/officeDocument/2006/relationships" xmlns:p="http://schemas.openxmlformats.org/presentationml/2006/main">
+  <p:cSld>
+    <p:spTree>
+      <p:nvGrpSpPr>
+        <p:cNvPr id="1" name=""/>
+        <p:cNvGrpSpPr/>
+        <p:nvPr/>
+      </p:nvGrpSpPr>
+      <p:grpSpPr>
+        <a:xfrm>
+          <a:off x="0" y="0"/>
+          <a:ext cx="0" cy="0"/>
+          <a:chOff x="0" y="0"/>
+          <a:chExt cx="0" cy="0"/>
+        </a:xfrm>
+      </p:grpSpPr>
+      <p:sp>
+        <p:nvSpPr>
+          <p:cNvPr id="2" name="标题 1"/>
+          <p:cNvSpPr>
+            <a:spLocks noGrp="1"/>
+          </p:cNvSpPr>
+          <p:nvPr>
+            <p:ph type="title"/>
+          </p:nvPr>
+        </p:nvSpPr>
+        <p:spPr/>
+        <p:txBody>
+          <a:bodyPr/>
+          <a:lstStyle/>
+          <a:p>
+            <a:r>
               <a:rPr lang="zh-CN" altLang="en-US" b="1" dirty="0">
                 <a:latin typeface="华文楷体" pitchFamily="2" charset="-122"/>
                 <a:ea typeface="华文楷体" pitchFamily="2" charset="-122"/>
@@ -20129,7 +20977,7 @@
 </p:sld>
 </file>
 
-<file path=ppt/slides/slide64.xml><?xml version="1.0" encoding="utf-8"?>
+<file path=ppt/slides/slide68.xml><?xml version="1.0" encoding="utf-8"?>
 <p:sld xmlns:a="http://schemas.openxmlformats.org/drawingml/2006/main" xmlns:r="http://schemas.openxmlformats.org/officeDocument/2006/relationships" xmlns:p="http://schemas.openxmlformats.org/presentationml/2006/main">
   <p:cSld>
     <p:spTree>

--- a/learn_cpp/docs/C++语言培训.pptx
+++ b/learn_cpp/docs/C++语言培训.pptx
@@ -47,32 +47,33 @@
     <p:sldId id="324" r:id="rId41"/>
     <p:sldId id="321" r:id="rId42"/>
     <p:sldId id="319" r:id="rId43"/>
-    <p:sldId id="322" r:id="rId44"/>
-    <p:sldId id="323" r:id="rId45"/>
-    <p:sldId id="320" r:id="rId46"/>
-    <p:sldId id="314" r:id="rId47"/>
-    <p:sldId id="317" r:id="rId48"/>
-    <p:sldId id="318" r:id="rId49"/>
-    <p:sldId id="313" r:id="rId50"/>
-    <p:sldId id="315" r:id="rId51"/>
-    <p:sldId id="260" r:id="rId52"/>
-    <p:sldId id="288" r:id="rId53"/>
-    <p:sldId id="289" r:id="rId54"/>
-    <p:sldId id="290" r:id="rId55"/>
-    <p:sldId id="291" r:id="rId56"/>
-    <p:sldId id="292" r:id="rId57"/>
-    <p:sldId id="293" r:id="rId58"/>
-    <p:sldId id="294" r:id="rId59"/>
-    <p:sldId id="295" r:id="rId60"/>
-    <p:sldId id="296" r:id="rId61"/>
-    <p:sldId id="261" r:id="rId62"/>
-    <p:sldId id="262" r:id="rId63"/>
-    <p:sldId id="263" r:id="rId64"/>
-    <p:sldId id="264" r:id="rId65"/>
-    <p:sldId id="265" r:id="rId66"/>
-    <p:sldId id="266" r:id="rId67"/>
-    <p:sldId id="267" r:id="rId68"/>
-    <p:sldId id="268" r:id="rId69"/>
+    <p:sldId id="325" r:id="rId44"/>
+    <p:sldId id="322" r:id="rId45"/>
+    <p:sldId id="323" r:id="rId46"/>
+    <p:sldId id="320" r:id="rId47"/>
+    <p:sldId id="314" r:id="rId48"/>
+    <p:sldId id="317" r:id="rId49"/>
+    <p:sldId id="318" r:id="rId50"/>
+    <p:sldId id="313" r:id="rId51"/>
+    <p:sldId id="315" r:id="rId52"/>
+    <p:sldId id="260" r:id="rId53"/>
+    <p:sldId id="288" r:id="rId54"/>
+    <p:sldId id="289" r:id="rId55"/>
+    <p:sldId id="290" r:id="rId56"/>
+    <p:sldId id="291" r:id="rId57"/>
+    <p:sldId id="292" r:id="rId58"/>
+    <p:sldId id="293" r:id="rId59"/>
+    <p:sldId id="294" r:id="rId60"/>
+    <p:sldId id="295" r:id="rId61"/>
+    <p:sldId id="296" r:id="rId62"/>
+    <p:sldId id="261" r:id="rId63"/>
+    <p:sldId id="262" r:id="rId64"/>
+    <p:sldId id="263" r:id="rId65"/>
+    <p:sldId id="264" r:id="rId66"/>
+    <p:sldId id="265" r:id="rId67"/>
+    <p:sldId id="266" r:id="rId68"/>
+    <p:sldId id="267" r:id="rId69"/>
+    <p:sldId id="268" r:id="rId70"/>
   </p:sldIdLst>
   <p:sldSz cx="12192000" cy="6858000"/>
   <p:notesSz cx="6858000" cy="9144000"/>
@@ -16034,148 +16035,610 @@
           <a:lstStyle/>
           <a:p>
             <a:r>
-              <a:rPr lang="zh-CN" altLang="en-US" b="1" dirty="0"/>
-              <a:t>形参和实参的内存关系</a:t>
-            </a:r>
-            <a:r>
-              <a:rPr lang="en-US" altLang="zh-CN" dirty="0"/>
-              <a:t/>
-            </a:r>
-            <a:br>
-              <a:rPr lang="en-US" altLang="zh-CN" dirty="0"/>
-            </a:br>
+              <a:rPr lang="zh-CN" altLang="en-US" b="1" dirty="0" smtClean="0"/>
+              <a:t>比较 </a:t>
+            </a:r>
+            <a:r>
+              <a:rPr lang="en-US" altLang="zh-CN" b="1" dirty="0" smtClean="0"/>
+              <a:t>- </a:t>
+            </a:r>
+            <a:r>
+              <a:rPr lang="zh-CN" altLang="en-US" b="1" dirty="0" smtClean="0"/>
+              <a:t>参数传递</a:t>
+            </a:r>
             <a:endParaRPr lang="zh-CN" altLang="en-US" dirty="0"/>
           </a:p>
         </p:txBody>
       </p:sp>
-      <p:sp>
-        <p:nvSpPr>
-          <p:cNvPr id="3" name="内容占位符 2"/>
-          <p:cNvSpPr>
-            <a:spLocks noGrp="1"/>
-          </p:cNvSpPr>
+      <p:graphicFrame>
+        <p:nvGraphicFramePr>
+          <p:cNvPr id="6" name="内容占位符 5"/>
+          <p:cNvGraphicFramePr>
+            <a:graphicFrameLocks noGrp="1"/>
+          </p:cNvGraphicFramePr>
           <p:nvPr>
             <p:ph idx="1"/>
-          </p:nvPr>
-        </p:nvSpPr>
-        <p:spPr/>
-        <p:txBody>
-          <a:bodyPr/>
-          <a:lstStyle/>
-          <a:p>
-            <a:r>
-              <a:rPr lang="zh-CN" altLang="en-US" b="1" dirty="0" smtClean="0"/>
-              <a:t>值</a:t>
-            </a:r>
-            <a:r>
-              <a:rPr lang="zh-CN" altLang="en-US" b="1" dirty="0"/>
-              <a:t>传递情况下（占用不同内存空间）</a:t>
-            </a:r>
-          </a:p>
-          <a:p>
-            <a:pPr marL="0" indent="0">
-              <a:buNone/>
-            </a:pPr>
-            <a:r>
-              <a:rPr lang="en-US" altLang="zh-CN" dirty="0"/>
-              <a:t>	</a:t>
-            </a:r>
-            <a:r>
-              <a:rPr lang="zh-CN" altLang="en-US" dirty="0" smtClean="0"/>
-              <a:t>在</a:t>
-            </a:r>
-            <a:r>
-              <a:rPr lang="zh-CN" altLang="en-US" b="1" dirty="0"/>
-              <a:t>值传递</a:t>
-            </a:r>
-            <a:r>
-              <a:rPr lang="zh-CN" altLang="en-US" dirty="0"/>
-              <a:t>模式下，形参是</a:t>
-            </a:r>
-            <a:r>
-              <a:rPr lang="zh-CN" altLang="en-US" b="1" dirty="0"/>
-              <a:t>实参的拷贝</a:t>
-            </a:r>
-            <a:r>
-              <a:rPr lang="zh-CN" altLang="en-US" dirty="0"/>
-              <a:t>，它们存储在不同的内存空间中，互不影响。</a:t>
-            </a:r>
-            <a:endParaRPr lang="en-US" altLang="zh-CN" dirty="0"/>
-          </a:p>
-          <a:p>
-            <a:r>
-              <a:rPr lang="zh-CN" altLang="en-US" b="1" dirty="0"/>
-              <a:t>引用传递情况下（占用相同内存空间）</a:t>
-            </a:r>
-          </a:p>
-          <a:p>
-            <a:pPr marL="0" indent="0">
-              <a:buNone/>
-            </a:pPr>
-            <a:r>
-              <a:rPr lang="en-US" altLang="zh-CN" dirty="0" smtClean="0"/>
-              <a:t>	</a:t>
-            </a:r>
-            <a:r>
-              <a:rPr lang="en-US" altLang="zh-CN" dirty="0"/>
-              <a:t> </a:t>
-            </a:r>
-            <a:r>
-              <a:rPr lang="zh-CN" altLang="en-US" dirty="0" smtClean="0"/>
-              <a:t>如果</a:t>
-            </a:r>
-            <a:r>
-              <a:rPr lang="zh-CN" altLang="en-US" dirty="0"/>
-              <a:t>采用</a:t>
-            </a:r>
-            <a:r>
-              <a:rPr lang="zh-CN" altLang="en-US" b="1" dirty="0"/>
-              <a:t>引用传递</a:t>
-            </a:r>
-            <a:r>
-              <a:rPr lang="zh-CN" altLang="en-US" dirty="0"/>
-              <a:t>，形参和实参会</a:t>
-            </a:r>
-            <a:r>
-              <a:rPr lang="zh-CN" altLang="en-US" b="1" dirty="0"/>
-              <a:t>共享相同的内存地址</a:t>
-            </a:r>
-            <a:r>
-              <a:rPr lang="zh-CN" altLang="en-US" dirty="0"/>
-              <a:t>，修改形参的值会影响</a:t>
-            </a:r>
-            <a:r>
-              <a:rPr lang="zh-CN" altLang="en-US" dirty="0" smtClean="0"/>
-              <a:t>实</a:t>
-            </a:r>
-            <a:endParaRPr lang="en-US" altLang="zh-CN" dirty="0" smtClean="0"/>
-          </a:p>
-          <a:p>
-            <a:pPr marL="0" indent="0">
-              <a:buNone/>
-            </a:pPr>
-            <a:r>
-              <a:rPr lang="en-US" altLang="zh-CN" dirty="0"/>
-              <a:t>	</a:t>
-            </a:r>
-            <a:r>
-              <a:rPr lang="zh-CN" altLang="en-US" dirty="0" smtClean="0"/>
-              <a:t>参</a:t>
-            </a:r>
-            <a:r>
-              <a:rPr lang="zh-CN" altLang="en-US" dirty="0"/>
-              <a:t>。</a:t>
-            </a:r>
-          </a:p>
-          <a:p>
-            <a:endParaRPr lang="zh-CN" altLang="en-US" dirty="0"/>
-          </a:p>
-        </p:txBody>
-      </p:sp>
+            <p:extLst>
+              <p:ext uri="{D42A27DB-BD31-4B8C-83A1-F6EECF244321}">
+                <p14:modId xmlns:p14="http://schemas.microsoft.com/office/powerpoint/2010/main" val="919972958"/>
+              </p:ext>
+            </p:extLst>
+          </p:nvPr>
+        </p:nvGraphicFramePr>
+        <p:xfrm>
+          <a:off x="2589213" y="2133600"/>
+          <a:ext cx="8915400" cy="3393440"/>
+        </p:xfrm>
+        <a:graphic>
+          <a:graphicData uri="http://schemas.openxmlformats.org/drawingml/2006/table">
+            <a:tbl>
+              <a:tblPr firstRow="1" bandRow="1">
+                <a:tableStyleId>{5C22544A-7EE6-4342-B048-85BDC9FD1C3A}</a:tableStyleId>
+              </a:tblPr>
+              <a:tblGrid>
+                <a:gridCol w="1693538"/>
+                <a:gridCol w="2764162"/>
+                <a:gridCol w="2228850"/>
+                <a:gridCol w="2228850"/>
+              </a:tblGrid>
+              <a:tr h="370840">
+                <a:tc>
+                  <a:txBody>
+                    <a:bodyPr/>
+                    <a:lstStyle/>
+                    <a:p>
+                      <a:r>
+                        <a:rPr lang="zh-CN" altLang="en-US" sz="1100" b="1" baseline="0" dirty="0"/>
+                        <a:t>对比项</a:t>
+                      </a:r>
+                      <a:endParaRPr lang="zh-CN" altLang="en-US" sz="1100" baseline="0" dirty="0"/>
+                    </a:p>
+                  </a:txBody>
+                  <a:tcPr anchor="ctr"/>
+                </a:tc>
+                <a:tc>
+                  <a:txBody>
+                    <a:bodyPr/>
+                    <a:lstStyle/>
+                    <a:p>
+                      <a:r>
+                        <a:rPr lang="zh-CN" altLang="en-US" sz="1100" b="1" baseline="0" dirty="0"/>
+                        <a:t>值传递（</a:t>
+                      </a:r>
+                      <a:r>
+                        <a:rPr lang="en-US" sz="1100" b="1" baseline="0" dirty="0"/>
+                        <a:t>Pass by Value）</a:t>
+                      </a:r>
+                      <a:endParaRPr lang="en-US" sz="1100" baseline="0" dirty="0"/>
+                    </a:p>
+                  </a:txBody>
+                  <a:tcPr anchor="ctr"/>
+                </a:tc>
+                <a:tc>
+                  <a:txBody>
+                    <a:bodyPr/>
+                    <a:lstStyle/>
+                    <a:p>
+                      <a:r>
+                        <a:rPr lang="zh-CN" altLang="en-US" sz="900" b="1" baseline="0" dirty="0"/>
+                        <a:t>引用</a:t>
+                      </a:r>
+                      <a:r>
+                        <a:rPr lang="zh-CN" altLang="en-US" sz="1100" b="1" baseline="0" dirty="0"/>
+                        <a:t>传递（</a:t>
+                      </a:r>
+                      <a:r>
+                        <a:rPr lang="en-US" sz="1100" b="1" baseline="0" dirty="0"/>
+                        <a:t>Pass by Reference）</a:t>
+                      </a:r>
+                      <a:endParaRPr lang="en-US" sz="1100" baseline="0" dirty="0"/>
+                    </a:p>
+                  </a:txBody>
+                  <a:tcPr anchor="ctr"/>
+                </a:tc>
+                <a:tc>
+                  <a:txBody>
+                    <a:bodyPr/>
+                    <a:lstStyle/>
+                    <a:p>
+                      <a:r>
+                        <a:rPr lang="zh-CN" altLang="en-US" sz="1100" b="1" baseline="0" dirty="0"/>
+                        <a:t>指针传递（</a:t>
+                      </a:r>
+                      <a:r>
+                        <a:rPr lang="en-US" sz="1100" b="1" baseline="0" dirty="0"/>
+                        <a:t>Pass by Pointer）</a:t>
+                      </a:r>
+                      <a:endParaRPr lang="en-US" sz="1100" baseline="0" dirty="0"/>
+                    </a:p>
+                  </a:txBody>
+                  <a:tcPr anchor="ctr"/>
+                </a:tc>
+              </a:tr>
+              <a:tr h="370840">
+                <a:tc>
+                  <a:txBody>
+                    <a:bodyPr/>
+                    <a:lstStyle/>
+                    <a:p>
+                      <a:r>
+                        <a:rPr lang="zh-CN" altLang="en-US" sz="1100" b="1" baseline="0" dirty="0"/>
+                        <a:t>传递内容</a:t>
+                      </a:r>
+                      <a:endParaRPr lang="zh-CN" altLang="en-US" sz="1100" baseline="0" dirty="0"/>
+                    </a:p>
+                  </a:txBody>
+                  <a:tcPr anchor="ctr"/>
+                </a:tc>
+                <a:tc>
+                  <a:txBody>
+                    <a:bodyPr/>
+                    <a:lstStyle/>
+                    <a:p>
+                      <a:r>
+                        <a:rPr lang="zh-CN" altLang="en-US" sz="1100" baseline="0"/>
+                        <a:t>变量值的副本</a:t>
+                      </a:r>
+                    </a:p>
+                  </a:txBody>
+                  <a:tcPr anchor="ctr"/>
+                </a:tc>
+                <a:tc>
+                  <a:txBody>
+                    <a:bodyPr/>
+                    <a:lstStyle/>
+                    <a:p>
+                      <a:r>
+                        <a:rPr lang="zh-CN" altLang="en-US" sz="1100" baseline="0"/>
+                        <a:t>变量的引用（别名）</a:t>
+                      </a:r>
+                    </a:p>
+                  </a:txBody>
+                  <a:tcPr anchor="ctr"/>
+                </a:tc>
+                <a:tc>
+                  <a:txBody>
+                    <a:bodyPr/>
+                    <a:lstStyle/>
+                    <a:p>
+                      <a:r>
+                        <a:rPr lang="zh-CN" altLang="en-US" sz="1100" baseline="0" dirty="0"/>
+                        <a:t>变量的地址</a:t>
+                      </a:r>
+                    </a:p>
+                  </a:txBody>
+                  <a:tcPr anchor="ctr"/>
+                </a:tc>
+              </a:tr>
+              <a:tr h="370840">
+                <a:tc>
+                  <a:txBody>
+                    <a:bodyPr/>
+                    <a:lstStyle/>
+                    <a:p>
+                      <a:r>
+                        <a:rPr lang="zh-CN" altLang="en-US" sz="1100" b="1" baseline="0" dirty="0"/>
+                        <a:t>是否修改原变量</a:t>
+                      </a:r>
+                      <a:endParaRPr lang="zh-CN" altLang="en-US" sz="1100" baseline="0" dirty="0"/>
+                    </a:p>
+                  </a:txBody>
+                  <a:tcPr anchor="ctr"/>
+                </a:tc>
+                <a:tc>
+                  <a:txBody>
+                    <a:bodyPr/>
+                    <a:lstStyle/>
+                    <a:p>
+                      <a:r>
+                        <a:rPr lang="zh-CN" altLang="en-US" sz="1100" baseline="0"/>
+                        <a:t>❌ 不能修改</a:t>
+                      </a:r>
+                    </a:p>
+                  </a:txBody>
+                  <a:tcPr anchor="ctr"/>
+                </a:tc>
+                <a:tc>
+                  <a:txBody>
+                    <a:bodyPr/>
+                    <a:lstStyle/>
+                    <a:p>
+                      <a:r>
+                        <a:rPr lang="zh-CN" altLang="en-US" sz="1100" baseline="0"/>
+                        <a:t>✅ 可以修改</a:t>
+                      </a:r>
+                    </a:p>
+                  </a:txBody>
+                  <a:tcPr anchor="ctr"/>
+                </a:tc>
+                <a:tc>
+                  <a:txBody>
+                    <a:bodyPr/>
+                    <a:lstStyle/>
+                    <a:p>
+                      <a:r>
+                        <a:rPr lang="zh-CN" altLang="en-US" sz="1100" baseline="0" dirty="0"/>
+                        <a:t>✅ 可以修改</a:t>
+                      </a:r>
+                    </a:p>
+                  </a:txBody>
+                  <a:tcPr anchor="ctr"/>
+                </a:tc>
+              </a:tr>
+              <a:tr h="370840">
+                <a:tc>
+                  <a:txBody>
+                    <a:bodyPr/>
+                    <a:lstStyle/>
+                    <a:p>
+                      <a:r>
+                        <a:rPr lang="zh-CN" altLang="en-US" sz="1100" b="1" baseline="0" dirty="0"/>
+                        <a:t>是否需要解引用 *</a:t>
+                      </a:r>
+                      <a:endParaRPr lang="zh-CN" altLang="en-US" sz="1100" baseline="0" dirty="0"/>
+                    </a:p>
+                  </a:txBody>
+                  <a:tcPr anchor="ctr"/>
+                </a:tc>
+                <a:tc>
+                  <a:txBody>
+                    <a:bodyPr/>
+                    <a:lstStyle/>
+                    <a:p>
+                      <a:r>
+                        <a:rPr lang="zh-CN" altLang="en-US" sz="1100" baseline="0"/>
+                        <a:t>❌ 不需要</a:t>
+                      </a:r>
+                    </a:p>
+                  </a:txBody>
+                  <a:tcPr anchor="ctr"/>
+                </a:tc>
+                <a:tc>
+                  <a:txBody>
+                    <a:bodyPr/>
+                    <a:lstStyle/>
+                    <a:p>
+                      <a:r>
+                        <a:rPr lang="zh-CN" altLang="en-US" sz="1100" baseline="0"/>
+                        <a:t>❌ 不需要</a:t>
+                      </a:r>
+                    </a:p>
+                  </a:txBody>
+                  <a:tcPr anchor="ctr"/>
+                </a:tc>
+                <a:tc>
+                  <a:txBody>
+                    <a:bodyPr/>
+                    <a:lstStyle/>
+                    <a:p>
+                      <a:r>
+                        <a:rPr lang="zh-CN" altLang="en-US" sz="1100" baseline="0" dirty="0"/>
+                        <a:t>✅ 需要</a:t>
+                      </a:r>
+                    </a:p>
+                  </a:txBody>
+                  <a:tcPr anchor="ctr"/>
+                </a:tc>
+              </a:tr>
+              <a:tr h="370840">
+                <a:tc>
+                  <a:txBody>
+                    <a:bodyPr/>
+                    <a:lstStyle/>
+                    <a:p>
+                      <a:r>
+                        <a:rPr lang="zh-CN" altLang="en-US" sz="1100" b="1" baseline="0" dirty="0"/>
+                        <a:t>是否需要 </a:t>
+                      </a:r>
+                      <a:r>
+                        <a:rPr lang="en-US" altLang="zh-CN" sz="1100" b="1" baseline="0" dirty="0"/>
+                        <a:t>&amp; </a:t>
+                      </a:r>
+                      <a:r>
+                        <a:rPr lang="zh-CN" altLang="en-US" sz="1100" b="1" baseline="0" dirty="0"/>
+                        <a:t>获取地址</a:t>
+                      </a:r>
+                      <a:endParaRPr lang="zh-CN" altLang="en-US" sz="1100" baseline="0" dirty="0"/>
+                    </a:p>
+                  </a:txBody>
+                  <a:tcPr anchor="ctr"/>
+                </a:tc>
+                <a:tc>
+                  <a:txBody>
+                    <a:bodyPr/>
+                    <a:lstStyle/>
+                    <a:p>
+                      <a:r>
+                        <a:rPr lang="zh-CN" altLang="en-US" sz="1100" baseline="0"/>
+                        <a:t>❌ 不需要</a:t>
+                      </a:r>
+                    </a:p>
+                  </a:txBody>
+                  <a:tcPr anchor="ctr"/>
+                </a:tc>
+                <a:tc>
+                  <a:txBody>
+                    <a:bodyPr/>
+                    <a:lstStyle/>
+                    <a:p>
+                      <a:r>
+                        <a:rPr lang="zh-CN" altLang="en-US" sz="1100" baseline="0"/>
+                        <a:t>❌ 不需要</a:t>
+                      </a:r>
+                    </a:p>
+                  </a:txBody>
+                  <a:tcPr anchor="ctr"/>
+                </a:tc>
+                <a:tc>
+                  <a:txBody>
+                    <a:bodyPr/>
+                    <a:lstStyle/>
+                    <a:p>
+                      <a:r>
+                        <a:rPr lang="zh-CN" altLang="en-US" sz="1100" baseline="0" dirty="0"/>
+                        <a:t>✅ 需要</a:t>
+                      </a:r>
+                    </a:p>
+                  </a:txBody>
+                  <a:tcPr anchor="ctr"/>
+                </a:tc>
+              </a:tr>
+              <a:tr h="370840">
+                <a:tc>
+                  <a:txBody>
+                    <a:bodyPr/>
+                    <a:lstStyle/>
+                    <a:p>
+                      <a:r>
+                        <a:rPr lang="zh-CN" altLang="en-US" sz="1100" b="1" baseline="0" dirty="0"/>
+                        <a:t>是否可为空 </a:t>
+                      </a:r>
+                      <a:r>
+                        <a:rPr lang="en-US" sz="1100" b="1" baseline="0" dirty="0" err="1"/>
+                        <a:t>nullptr</a:t>
+                      </a:r>
+                      <a:endParaRPr lang="en-US" sz="1100" baseline="0" dirty="0"/>
+                    </a:p>
+                  </a:txBody>
+                  <a:tcPr anchor="ctr"/>
+                </a:tc>
+                <a:tc>
+                  <a:txBody>
+                    <a:bodyPr/>
+                    <a:lstStyle/>
+                    <a:p>
+                      <a:r>
+                        <a:rPr lang="zh-CN" altLang="en-US" sz="1100" baseline="0"/>
+                        <a:t>❌ 不适用</a:t>
+                      </a:r>
+                    </a:p>
+                  </a:txBody>
+                  <a:tcPr anchor="ctr"/>
+                </a:tc>
+                <a:tc>
+                  <a:txBody>
+                    <a:bodyPr/>
+                    <a:lstStyle/>
+                    <a:p>
+                      <a:r>
+                        <a:rPr lang="zh-CN" altLang="en-US" sz="1100" baseline="0"/>
+                        <a:t>❌ 不能为空</a:t>
+                      </a:r>
+                    </a:p>
+                  </a:txBody>
+                  <a:tcPr anchor="ctr"/>
+                </a:tc>
+                <a:tc>
+                  <a:txBody>
+                    <a:bodyPr/>
+                    <a:lstStyle/>
+                    <a:p>
+                      <a:r>
+                        <a:rPr lang="zh-CN" altLang="en-US" sz="1100" baseline="0"/>
+                        <a:t>✅ 可以为空</a:t>
+                      </a:r>
+                    </a:p>
+                  </a:txBody>
+                  <a:tcPr anchor="ctr"/>
+                </a:tc>
+              </a:tr>
+              <a:tr h="370840">
+                <a:tc>
+                  <a:txBody>
+                    <a:bodyPr/>
+                    <a:lstStyle/>
+                    <a:p>
+                      <a:r>
+                        <a:rPr lang="zh-CN" altLang="en-US" sz="1100" b="1" baseline="0"/>
+                        <a:t>是否可修改变量的指向</a:t>
+                      </a:r>
+                      <a:endParaRPr lang="zh-CN" altLang="en-US" sz="1100" baseline="0"/>
+                    </a:p>
+                  </a:txBody>
+                  <a:tcPr anchor="ctr"/>
+                </a:tc>
+                <a:tc>
+                  <a:txBody>
+                    <a:bodyPr/>
+                    <a:lstStyle/>
+                    <a:p>
+                      <a:r>
+                        <a:rPr lang="zh-CN" altLang="en-US" sz="1100" baseline="0"/>
+                        <a:t>❌ 不能</a:t>
+                      </a:r>
+                    </a:p>
+                  </a:txBody>
+                  <a:tcPr anchor="ctr"/>
+                </a:tc>
+                <a:tc>
+                  <a:txBody>
+                    <a:bodyPr/>
+                    <a:lstStyle/>
+                    <a:p>
+                      <a:r>
+                        <a:rPr lang="zh-CN" altLang="en-US" sz="1100" baseline="0"/>
+                        <a:t>❌ 不能</a:t>
+                      </a:r>
+                    </a:p>
+                  </a:txBody>
+                  <a:tcPr anchor="ctr"/>
+                </a:tc>
+                <a:tc>
+                  <a:txBody>
+                    <a:bodyPr/>
+                    <a:lstStyle/>
+                    <a:p>
+                      <a:r>
+                        <a:rPr lang="zh-CN" altLang="en-US" sz="1100" baseline="0"/>
+                        <a:t>✅ 可以</a:t>
+                      </a:r>
+                    </a:p>
+                  </a:txBody>
+                  <a:tcPr anchor="ctr"/>
+                </a:tc>
+              </a:tr>
+              <a:tr h="370840">
+                <a:tc>
+                  <a:txBody>
+                    <a:bodyPr/>
+                    <a:lstStyle/>
+                    <a:p>
+                      <a:r>
+                        <a:rPr lang="zh-CN" altLang="en-US" sz="1100" b="1" baseline="0"/>
+                        <a:t>性能（数据大时）</a:t>
+                      </a:r>
+                      <a:endParaRPr lang="zh-CN" altLang="en-US" sz="1100" baseline="0"/>
+                    </a:p>
+                  </a:txBody>
+                  <a:tcPr anchor="ctr"/>
+                </a:tc>
+                <a:tc>
+                  <a:txBody>
+                    <a:bodyPr/>
+                    <a:lstStyle/>
+                    <a:p>
+                      <a:r>
+                        <a:rPr lang="zh-CN" altLang="en-US" sz="1100" baseline="0"/>
+                        <a:t>🚫 低（会拷贝数据）</a:t>
+                      </a:r>
+                    </a:p>
+                  </a:txBody>
+                  <a:tcPr anchor="ctr"/>
+                </a:tc>
+                <a:tc>
+                  <a:txBody>
+                    <a:bodyPr/>
+                    <a:lstStyle/>
+                    <a:p>
+                      <a:r>
+                        <a:rPr lang="zh-CN" altLang="en-US" sz="1100" baseline="0"/>
+                        <a:t>✅ 高</a:t>
+                      </a:r>
+                    </a:p>
+                  </a:txBody>
+                  <a:tcPr anchor="ctr"/>
+                </a:tc>
+                <a:tc>
+                  <a:txBody>
+                    <a:bodyPr/>
+                    <a:lstStyle/>
+                    <a:p>
+                      <a:r>
+                        <a:rPr lang="zh-CN" altLang="en-US" sz="1100" baseline="0"/>
+                        <a:t>✅ 高</a:t>
+                      </a:r>
+                    </a:p>
+                  </a:txBody>
+                  <a:tcPr anchor="ctr"/>
+                </a:tc>
+              </a:tr>
+              <a:tr h="370840">
+                <a:tc>
+                  <a:txBody>
+                    <a:bodyPr/>
+                    <a:lstStyle/>
+                    <a:p>
+                      <a:r>
+                        <a:rPr lang="zh-CN" altLang="en-US" sz="1100" b="1" baseline="0"/>
+                        <a:t>适用场景</a:t>
+                      </a:r>
+                      <a:endParaRPr lang="zh-CN" altLang="en-US" sz="1100" baseline="0"/>
+                    </a:p>
+                  </a:txBody>
+                  <a:tcPr anchor="ctr"/>
+                </a:tc>
+                <a:tc>
+                  <a:txBody>
+                    <a:bodyPr/>
+                    <a:lstStyle/>
+                    <a:p>
+                      <a:r>
+                        <a:rPr lang="zh-CN" altLang="en-US" sz="1100" baseline="0" dirty="0"/>
+                        <a:t>适用于</a:t>
+                      </a:r>
+                      <a:r>
+                        <a:rPr lang="zh-CN" altLang="en-US" sz="1100" b="1" baseline="0" dirty="0"/>
+                        <a:t>基本数据类型</a:t>
+                      </a:r>
+                      <a:r>
+                        <a:rPr lang="zh-CN" altLang="en-US" sz="1100" baseline="0" dirty="0"/>
+                        <a:t>，无需修改</a:t>
+                      </a:r>
+                    </a:p>
+                  </a:txBody>
+                  <a:tcPr anchor="ctr"/>
+                </a:tc>
+                <a:tc>
+                  <a:txBody>
+                    <a:bodyPr/>
+                    <a:lstStyle/>
+                    <a:p>
+                      <a:r>
+                        <a:rPr lang="zh-CN" altLang="en-US" sz="1100" baseline="0"/>
+                        <a:t>适用于</a:t>
+                      </a:r>
+                      <a:r>
+                        <a:rPr lang="zh-CN" altLang="en-US" sz="1100" b="1" baseline="0"/>
+                        <a:t>大对象传递</a:t>
+                      </a:r>
+                      <a:r>
+                        <a:rPr lang="zh-CN" altLang="en-US" sz="1100" baseline="0"/>
+                        <a:t>，无需拷贝但需要修改</a:t>
+                      </a:r>
+                    </a:p>
+                  </a:txBody>
+                  <a:tcPr anchor="ctr"/>
+                </a:tc>
+                <a:tc>
+                  <a:txBody>
+                    <a:bodyPr/>
+                    <a:lstStyle/>
+                    <a:p>
+                      <a:r>
+                        <a:rPr lang="zh-CN" altLang="en-US" sz="1100" baseline="0" dirty="0"/>
+                        <a:t>适用于</a:t>
+                      </a:r>
+                      <a:r>
+                        <a:rPr lang="zh-CN" altLang="en-US" sz="1100" b="1" baseline="0" dirty="0"/>
+                        <a:t>动态内存分配</a:t>
+                      </a:r>
+                      <a:r>
+                        <a:rPr lang="zh-CN" altLang="en-US" sz="1100" baseline="0" dirty="0"/>
+                        <a:t>或允许空指针</a:t>
+                      </a:r>
+                    </a:p>
+                  </a:txBody>
+                  <a:tcPr anchor="ctr"/>
+                </a:tc>
+              </a:tr>
+            </a:tbl>
+          </a:graphicData>
+        </a:graphic>
+      </p:graphicFrame>
     </p:spTree>
     <p:extLst>
       <p:ext uri="{BB962C8B-B14F-4D97-AF65-F5344CB8AC3E}">
-        <p14:creationId xmlns:p14="http://schemas.microsoft.com/office/powerpoint/2010/main" val="3437197801"/>
+        <p14:creationId xmlns:p14="http://schemas.microsoft.com/office/powerpoint/2010/main" val="3115216514"/>
       </p:ext>
     </p:extLst>
   </p:cSld>
@@ -16219,23 +16682,7 @@
           <a:p>
             <a:r>
               <a:rPr lang="zh-CN" altLang="en-US" b="1" dirty="0"/>
-              <a:t>参数</a:t>
-            </a:r>
-            <a:r>
-              <a:rPr lang="zh-CN" altLang="en-US" b="1" dirty="0" smtClean="0"/>
-              <a:t>传递 </a:t>
-            </a:r>
-            <a:r>
-              <a:rPr lang="en-US" altLang="zh-CN" b="1" dirty="0" smtClean="0"/>
-              <a:t>- </a:t>
-            </a:r>
-            <a:r>
-              <a:rPr lang="zh-CN" altLang="en-US" b="1" dirty="0" smtClean="0"/>
-              <a:t>使用</a:t>
-            </a:r>
-            <a:r>
-              <a:rPr lang="zh-CN" altLang="en-US" b="1" dirty="0"/>
-              <a:t>场景</a:t>
+              <a:t>形参和实参的内存关系</a:t>
             </a:r>
             <a:r>
               <a:rPr lang="en-US" altLang="zh-CN" dirty="0"/>
@@ -16264,73 +16711,110 @@
           <a:lstStyle/>
           <a:p>
             <a:r>
-              <a:rPr lang="zh-CN" altLang="en-US" dirty="0"/>
-              <a:t>基本数据类型（如 </a:t>
-            </a:r>
-            <a:r>
-              <a:rPr lang="en-US" altLang="zh-CN" dirty="0" err="1"/>
-              <a:t>int</a:t>
-            </a:r>
-            <a:r>
-              <a:rPr lang="zh-CN" altLang="en-US" dirty="0"/>
-              <a:t>，</a:t>
-            </a:r>
-            <a:r>
-              <a:rPr lang="en-US" altLang="zh-CN" dirty="0"/>
-              <a:t>float</a:t>
-            </a:r>
-            <a:r>
-              <a:rPr lang="zh-CN" altLang="en-US" dirty="0"/>
-              <a:t>）一般使用</a:t>
-            </a:r>
-            <a:r>
-              <a:rPr lang="zh-CN" altLang="en-US" dirty="0">
-                <a:solidFill>
-                  <a:srgbClr val="FF0000"/>
-                </a:solidFill>
-              </a:rPr>
-              <a:t>值传递</a:t>
-            </a:r>
-            <a:r>
-              <a:rPr lang="zh-CN" altLang="en-US" dirty="0"/>
-              <a:t>，以保证数据安全。</a:t>
-            </a:r>
-          </a:p>
-          <a:p>
-            <a:r>
-              <a:rPr lang="zh-CN" altLang="en-US" dirty="0"/>
-              <a:t>复杂数据类型（如数组、对象）使用</a:t>
-            </a:r>
-            <a:r>
-              <a:rPr lang="zh-CN" altLang="en-US" dirty="0">
-                <a:solidFill>
-                  <a:srgbClr val="FF0000"/>
-                </a:solidFill>
-              </a:rPr>
-              <a:t>引用传递</a:t>
-            </a:r>
-            <a:r>
-              <a:rPr lang="zh-CN" altLang="en-US" dirty="0"/>
-              <a:t>，以提高效率，</a:t>
-            </a:r>
-            <a:r>
-              <a:rPr lang="zh-CN" altLang="en-US" dirty="0">
-                <a:solidFill>
-                  <a:srgbClr val="FF0000"/>
-                </a:solidFill>
-              </a:rPr>
-              <a:t>避免不必要的复制</a:t>
-            </a:r>
-            <a:r>
-              <a:rPr lang="zh-CN" altLang="en-US" dirty="0"/>
-              <a:t>。</a:t>
-            </a:r>
-            <a:endParaRPr lang="en-US" altLang="zh-CN" dirty="0"/>
+              <a:rPr lang="zh-CN" altLang="en-US" b="1" dirty="0" smtClean="0"/>
+              <a:t>值</a:t>
+            </a:r>
+            <a:r>
+              <a:rPr lang="zh-CN" altLang="en-US" b="1" dirty="0"/>
+              <a:t>传递情况下（占用不同内存空间）</a:t>
+            </a:r>
           </a:p>
           <a:p>
             <a:pPr marL="0" indent="0">
               <a:buNone/>
             </a:pPr>
+            <a:r>
+              <a:rPr lang="en-US" altLang="zh-CN" dirty="0"/>
+              <a:t>	</a:t>
+            </a:r>
+            <a:r>
+              <a:rPr lang="zh-CN" altLang="en-US" dirty="0" smtClean="0"/>
+              <a:t>在</a:t>
+            </a:r>
+            <a:r>
+              <a:rPr lang="zh-CN" altLang="en-US" b="1" dirty="0"/>
+              <a:t>值传递</a:t>
+            </a:r>
+            <a:r>
+              <a:rPr lang="zh-CN" altLang="en-US" dirty="0"/>
+              <a:t>模式下，形参是</a:t>
+            </a:r>
+            <a:r>
+              <a:rPr lang="zh-CN" altLang="en-US" b="1" dirty="0"/>
+              <a:t>实参的拷贝</a:t>
+            </a:r>
+            <a:r>
+              <a:rPr lang="zh-CN" altLang="en-US" dirty="0"/>
+              <a:t>，它们存储在不同的内存空间中，互不影响。</a:t>
+            </a:r>
+            <a:endParaRPr lang="en-US" altLang="zh-CN" dirty="0"/>
+          </a:p>
+          <a:p>
+            <a:r>
+              <a:rPr lang="zh-CN" altLang="en-US" b="1" dirty="0"/>
+              <a:t>引用传递情况下（占用相同内存空间）</a:t>
+            </a:r>
+          </a:p>
+          <a:p>
+            <a:pPr marL="0" indent="0">
+              <a:buNone/>
+            </a:pPr>
+            <a:r>
+              <a:rPr lang="en-US" altLang="zh-CN" dirty="0" smtClean="0"/>
+              <a:t>	</a:t>
+            </a:r>
+            <a:r>
+              <a:rPr lang="en-US" altLang="zh-CN" dirty="0"/>
+              <a:t> </a:t>
+            </a:r>
+            <a:r>
+              <a:rPr lang="zh-CN" altLang="en-US" dirty="0" smtClean="0"/>
+              <a:t>如果</a:t>
+            </a:r>
+            <a:r>
+              <a:rPr lang="zh-CN" altLang="en-US" dirty="0"/>
+              <a:t>采用</a:t>
+            </a:r>
+            <a:r>
+              <a:rPr lang="zh-CN" altLang="en-US" b="1" dirty="0"/>
+              <a:t>引用传递</a:t>
+            </a:r>
+            <a:r>
+              <a:rPr lang="zh-CN" altLang="en-US" dirty="0"/>
+              <a:t>，形参和实参会</a:t>
+            </a:r>
+            <a:r>
+              <a:rPr lang="zh-CN" altLang="en-US" b="1" dirty="0"/>
+              <a:t>共享相同的内存地址</a:t>
+            </a:r>
+            <a:r>
+              <a:rPr lang="zh-CN" altLang="en-US" dirty="0"/>
+              <a:t>，修改形参的值会影响</a:t>
+            </a:r>
+            <a:r>
+              <a:rPr lang="zh-CN" altLang="en-US" dirty="0" smtClean="0"/>
+              <a:t>实</a:t>
+            </a:r>
+            <a:endParaRPr lang="en-US" altLang="zh-CN" dirty="0" smtClean="0"/>
+          </a:p>
+          <a:p>
+            <a:pPr marL="0" indent="0">
+              <a:buNone/>
+            </a:pPr>
+            <a:r>
+              <a:rPr lang="en-US" altLang="zh-CN" dirty="0"/>
+              <a:t>	</a:t>
+            </a:r>
+            <a:r>
+              <a:rPr lang="zh-CN" altLang="en-US" dirty="0" smtClean="0"/>
+              <a:t>参</a:t>
+            </a:r>
+            <a:r>
+              <a:rPr lang="zh-CN" altLang="en-US" dirty="0"/>
+              <a:t>。</a:t>
+            </a:r>
+          </a:p>
+          <a:p>
             <a:endParaRPr lang="zh-CN" altLang="en-US" dirty="0"/>
           </a:p>
         </p:txBody>
@@ -16338,7 +16822,7 @@
     </p:spTree>
     <p:extLst>
       <p:ext uri="{BB962C8B-B14F-4D97-AF65-F5344CB8AC3E}">
-        <p14:creationId xmlns:p14="http://schemas.microsoft.com/office/powerpoint/2010/main" val="219102014"/>
+        <p14:creationId xmlns:p14="http://schemas.microsoft.com/office/powerpoint/2010/main" val="3437197801"/>
       </p:ext>
     </p:extLst>
   </p:cSld>
@@ -16381,9 +16865,32 @@
           <a:lstStyle/>
           <a:p>
             <a:r>
+              <a:rPr lang="zh-CN" altLang="en-US" b="1" dirty="0"/>
+              <a:t>参数</a:t>
+            </a:r>
+            <a:r>
               <a:rPr lang="zh-CN" altLang="en-US" b="1" dirty="0" smtClean="0"/>
-              <a:t>参数类型</a:t>
-            </a:r>
+              <a:t>传递 </a:t>
+            </a:r>
+            <a:r>
+              <a:rPr lang="en-US" altLang="zh-CN" b="1" dirty="0" smtClean="0"/>
+              <a:t>- </a:t>
+            </a:r>
+            <a:r>
+              <a:rPr lang="zh-CN" altLang="en-US" b="1" dirty="0" smtClean="0"/>
+              <a:t>使用</a:t>
+            </a:r>
+            <a:r>
+              <a:rPr lang="zh-CN" altLang="en-US" b="1" dirty="0"/>
+              <a:t>场景</a:t>
+            </a:r>
+            <a:r>
+              <a:rPr lang="en-US" altLang="zh-CN" dirty="0"/>
+              <a:t/>
+            </a:r>
+            <a:br>
+              <a:rPr lang="en-US" altLang="zh-CN" dirty="0"/>
+            </a:br>
             <a:endParaRPr lang="zh-CN" altLang="en-US" dirty="0"/>
           </a:p>
         </p:txBody>
@@ -16404,60 +16911,81 @@
           <a:lstStyle/>
           <a:p>
             <a:r>
-              <a:rPr lang="zh-CN" altLang="en-US" dirty="0" smtClean="0"/>
-              <a:t>基本类型</a:t>
-            </a:r>
-            <a:endParaRPr lang="en-US" altLang="zh-CN" dirty="0" smtClean="0"/>
-          </a:p>
-          <a:p>
-            <a:r>
-              <a:rPr lang="en-US" altLang="zh-CN" dirty="0"/>
-              <a:t>s</a:t>
-            </a:r>
-            <a:r>
-              <a:rPr lang="en-US" altLang="zh-CN" dirty="0" smtClean="0"/>
-              <a:t>tring</a:t>
-            </a:r>
-            <a:r>
-              <a:rPr lang="zh-CN" altLang="en-US" dirty="0" smtClean="0"/>
-              <a:t>对象</a:t>
-            </a:r>
-            <a:endParaRPr lang="en-US" altLang="zh-CN" dirty="0" smtClean="0"/>
-          </a:p>
-          <a:p>
-            <a:r>
-              <a:rPr lang="zh-CN" altLang="en-US" dirty="0" smtClean="0"/>
-              <a:t>结构 </a:t>
-            </a:r>
-            <a:r>
-              <a:rPr lang="en-US" altLang="zh-CN" dirty="0" smtClean="0"/>
-              <a:t>– </a:t>
-            </a:r>
-            <a:r>
-              <a:rPr lang="en-US" altLang="zh-CN" dirty="0" err="1" smtClean="0"/>
-              <a:t>stuct</a:t>
-            </a:r>
-            <a:endParaRPr lang="en-US" altLang="zh-CN" dirty="0" smtClean="0"/>
-          </a:p>
-          <a:p>
-            <a:r>
-              <a:rPr lang="zh-CN" altLang="en-US" dirty="0"/>
-              <a:t>对象</a:t>
-            </a:r>
-            <a:endParaRPr lang="en-US" altLang="zh-CN" dirty="0" smtClean="0"/>
-          </a:p>
-          <a:p>
-            <a:r>
-              <a:rPr lang="zh-CN" altLang="en-US" dirty="0"/>
-              <a:t>数组</a:t>
-            </a:r>
+              <a:rPr lang="zh-CN" altLang="en-US" dirty="0"/>
+              <a:t>基本数据类型（如 </a:t>
+            </a:r>
+            <a:r>
+              <a:rPr lang="en-US" altLang="zh-CN" dirty="0" err="1"/>
+              <a:t>int</a:t>
+            </a:r>
+            <a:r>
+              <a:rPr lang="zh-CN" altLang="en-US" dirty="0"/>
+              <a:t>，</a:t>
+            </a:r>
+            <a:r>
+              <a:rPr lang="en-US" altLang="zh-CN" dirty="0"/>
+              <a:t>float</a:t>
+            </a:r>
+            <a:r>
+              <a:rPr lang="zh-CN" altLang="en-US" dirty="0"/>
+              <a:t>）一般使用</a:t>
+            </a:r>
+            <a:r>
+              <a:rPr lang="zh-CN" altLang="en-US" dirty="0">
+                <a:solidFill>
+                  <a:srgbClr val="FF0000"/>
+                </a:solidFill>
+              </a:rPr>
+              <a:t>值传递</a:t>
+            </a:r>
+            <a:r>
+              <a:rPr lang="zh-CN" altLang="en-US" dirty="0"/>
+              <a:t>，以保证数据安全。</a:t>
+            </a:r>
+          </a:p>
+          <a:p>
+            <a:r>
+              <a:rPr lang="zh-CN" altLang="en-US" dirty="0"/>
+              <a:t>复杂数据类型（如数组、对象）使用</a:t>
+            </a:r>
+            <a:r>
+              <a:rPr lang="zh-CN" altLang="en-US" dirty="0">
+                <a:solidFill>
+                  <a:srgbClr val="FF0000"/>
+                </a:solidFill>
+              </a:rPr>
+              <a:t>引用传递</a:t>
+            </a:r>
+            <a:r>
+              <a:rPr lang="zh-CN" altLang="en-US" dirty="0"/>
+              <a:t>，以提高效率，</a:t>
+            </a:r>
+            <a:r>
+              <a:rPr lang="zh-CN" altLang="en-US" dirty="0">
+                <a:solidFill>
+                  <a:srgbClr val="FF0000"/>
+                </a:solidFill>
+              </a:rPr>
+              <a:t>避免不必要的复制</a:t>
+            </a:r>
+            <a:r>
+              <a:rPr lang="zh-CN" altLang="en-US" dirty="0"/>
+              <a:t>。</a:t>
+            </a:r>
+            <a:endParaRPr lang="en-US" altLang="zh-CN" dirty="0"/>
+          </a:p>
+          <a:p>
+            <a:pPr marL="0" indent="0">
+              <a:buNone/>
+            </a:pPr>
+            <a:endParaRPr lang="zh-CN" altLang="en-US" dirty="0"/>
           </a:p>
         </p:txBody>
       </p:sp>
     </p:spTree>
     <p:extLst>
       <p:ext uri="{BB962C8B-B14F-4D97-AF65-F5344CB8AC3E}">
-        <p14:creationId xmlns:p14="http://schemas.microsoft.com/office/powerpoint/2010/main" val="874589675"/>
+        <p14:creationId xmlns:p14="http://schemas.microsoft.com/office/powerpoint/2010/main" val="219102014"/>
       </p:ext>
     </p:extLst>
   </p:cSld>
@@ -16500,14 +17028,10 @@
           <a:lstStyle/>
           <a:p>
             <a:r>
-              <a:rPr lang="en-US" altLang="zh-CN" b="1" dirty="0" smtClean="0"/>
-              <a:t>4.3 </a:t>
-            </a:r>
-            <a:r>
               <a:rPr lang="zh-CN" altLang="en-US" b="1" dirty="0" smtClean="0"/>
-              <a:t>数组</a:t>
-            </a:r>
-            <a:endParaRPr lang="zh-CN" altLang="en-US" b="1" dirty="0"/>
+              <a:t>参数类型</a:t>
+            </a:r>
+            <a:endParaRPr lang="zh-CN" altLang="en-US" dirty="0"/>
           </a:p>
         </p:txBody>
       </p:sp>
@@ -16523,103 +17047,65 @@
         </p:nvSpPr>
         <p:spPr/>
         <p:txBody>
-          <a:bodyPr>
-            <a:normAutofit/>
-          </a:bodyPr>
+          <a:bodyPr/>
           <a:lstStyle/>
           <a:p>
             <a:r>
-              <a:rPr lang="zh-CN" altLang="en-US" b="1" dirty="0"/>
-              <a:t>一维数组</a:t>
-            </a:r>
-          </a:p>
-          <a:p>
-            <a:pPr marL="0" indent="0">
-              <a:buNone/>
-            </a:pPr>
+              <a:rPr lang="zh-CN" altLang="en-US" dirty="0" smtClean="0"/>
+              <a:t>基本类型</a:t>
+            </a:r>
+            <a:endParaRPr lang="en-US" altLang="zh-CN" dirty="0" smtClean="0"/>
+          </a:p>
+          <a:p>
+            <a:r>
+              <a:rPr lang="en-US" altLang="zh-CN" dirty="0"/>
+              <a:t>s</a:t>
+            </a:r>
             <a:r>
               <a:rPr lang="en-US" altLang="zh-CN" dirty="0" smtClean="0"/>
-              <a:t>	</a:t>
-            </a:r>
-            <a:r>
-              <a:rPr lang="zh-CN" altLang="en-US" dirty="0" smtClean="0"/>
-              <a:t>一</a:t>
-            </a:r>
-            <a:r>
-              <a:rPr lang="zh-CN" altLang="en-US" dirty="0"/>
-              <a:t>维数组是具有相同类型元素的集合，元素通过索引访问。</a:t>
-            </a:r>
-          </a:p>
-          <a:p>
-            <a:r>
-              <a:rPr lang="zh-CN" altLang="en-US" b="1" dirty="0"/>
-              <a:t>二维数组</a:t>
-            </a:r>
-          </a:p>
-          <a:p>
-            <a:pPr marL="0" indent="0">
-              <a:buNone/>
-            </a:pPr>
+              <a:t>tring</a:t>
+            </a:r>
+            <a:r>
+              <a:rPr lang="zh-CN" altLang="en-US" dirty="0" smtClean="0"/>
+              <a:t>对象</a:t>
+            </a:r>
+            <a:endParaRPr lang="en-US" altLang="zh-CN" dirty="0" smtClean="0"/>
+          </a:p>
+          <a:p>
+            <a:r>
+              <a:rPr lang="zh-CN" altLang="en-US" dirty="0" smtClean="0"/>
+              <a:t>结构 </a:t>
+            </a:r>
             <a:r>
               <a:rPr lang="en-US" altLang="zh-CN" dirty="0" smtClean="0"/>
-              <a:t>	</a:t>
-            </a:r>
-            <a:r>
-              <a:rPr lang="zh-CN" altLang="en-US" dirty="0" smtClean="0"/>
-              <a:t>二</a:t>
-            </a:r>
-            <a:r>
-              <a:rPr lang="zh-CN" altLang="en-US" dirty="0"/>
-              <a:t>维数组是数组的数组。可以通过指定两个索引访问元素。</a:t>
-            </a:r>
-          </a:p>
-          <a:p>
-            <a:r>
-              <a:rPr lang="zh-CN" altLang="en-US" b="1" dirty="0"/>
-              <a:t>数组与指针的</a:t>
-            </a:r>
-            <a:r>
-              <a:rPr lang="zh-CN" altLang="en-US" b="1" dirty="0" smtClean="0"/>
-              <a:t>关系</a:t>
-            </a:r>
-            <a:endParaRPr lang="en-US" altLang="zh-CN" b="1" dirty="0" smtClean="0"/>
-          </a:p>
-          <a:p>
-            <a:pPr marL="0" indent="0">
-              <a:buNone/>
-            </a:pPr>
-            <a:r>
-              <a:rPr lang="en-US" altLang="zh-CN" dirty="0" smtClean="0"/>
-              <a:t>	</a:t>
-            </a:r>
+              <a:t>– </a:t>
+            </a:r>
+            <a:r>
+              <a:rPr lang="en-US" altLang="zh-CN" dirty="0" err="1" smtClean="0"/>
+              <a:t>stuct</a:t>
+            </a:r>
+            <a:endParaRPr lang="en-US" altLang="zh-CN" dirty="0" smtClean="0"/>
+          </a:p>
+          <a:p>
+            <a:r>
+              <a:rPr lang="zh-CN" altLang="en-US" dirty="0" smtClean="0"/>
+              <a:t>类</a:t>
+            </a:r>
+            <a:endParaRPr lang="en-US" altLang="zh-CN" dirty="0" smtClean="0"/>
+          </a:p>
+          <a:p>
             <a:r>
               <a:rPr lang="zh-CN" altLang="en-US" dirty="0" smtClean="0"/>
               <a:t>数组</a:t>
             </a:r>
-            <a:r>
-              <a:rPr lang="zh-CN" altLang="en-US" dirty="0"/>
-              <a:t>名在很多情况下会退化为指向数组首元素的指针。因此，可以使用指针来访问</a:t>
-            </a:r>
-            <a:r>
-              <a:rPr lang="en-US" altLang="zh-CN" dirty="0"/>
-              <a:t>	</a:t>
-            </a:r>
-            <a:r>
-              <a:rPr lang="zh-CN" altLang="en-US" dirty="0"/>
-              <a:t>数组元素</a:t>
-            </a:r>
-            <a:r>
-              <a:rPr lang="zh-CN" altLang="en-US" dirty="0" smtClean="0"/>
-              <a:t>。</a:t>
-            </a:r>
-            <a:endParaRPr lang="en-US" altLang="zh-CN" dirty="0"/>
+            <a:endParaRPr lang="zh-CN" altLang="en-US" dirty="0"/>
           </a:p>
         </p:txBody>
       </p:sp>
     </p:spTree>
     <p:extLst>
       <p:ext uri="{BB962C8B-B14F-4D97-AF65-F5344CB8AC3E}">
-        <p14:creationId xmlns:p14="http://schemas.microsoft.com/office/powerpoint/2010/main" val="2859311749"/>
+        <p14:creationId xmlns:p14="http://schemas.microsoft.com/office/powerpoint/2010/main" val="874589675"/>
       </p:ext>
     </p:extLst>
   </p:cSld>
@@ -16663,15 +17149,7 @@
           <a:p>
             <a:r>
               <a:rPr lang="en-US" altLang="zh-CN" b="1" dirty="0" smtClean="0"/>
-              <a:t>4.4 </a:t>
-            </a:r>
-            <a:r>
-              <a:rPr lang="zh-CN" altLang="en-US" b="1" dirty="0" smtClean="0"/>
-              <a:t>参数类型 </a:t>
-            </a:r>
-            <a:r>
-              <a:rPr lang="en-US" altLang="zh-CN" b="1" dirty="0" smtClean="0"/>
-              <a:t>- </a:t>
+              <a:t>4.3 </a:t>
             </a:r>
             <a:r>
               <a:rPr lang="zh-CN" altLang="en-US" b="1" dirty="0" smtClean="0"/>
@@ -16693,97 +17171,66 @@
         </p:nvSpPr>
         <p:spPr/>
         <p:txBody>
-          <a:bodyPr/>
+          <a:bodyPr>
+            <a:normAutofit/>
+          </a:bodyPr>
           <a:lstStyle/>
           <a:p>
             <a:r>
-              <a:rPr lang="zh-CN" altLang="en-US" dirty="0"/>
-              <a:t>在 </a:t>
-            </a:r>
-            <a:r>
-              <a:rPr lang="en-US" altLang="zh-CN" dirty="0"/>
-              <a:t>C++ </a:t>
-            </a:r>
-            <a:r>
-              <a:rPr lang="zh-CN" altLang="en-US" dirty="0"/>
-              <a:t>中，</a:t>
-            </a:r>
-            <a:r>
               <a:rPr lang="zh-CN" altLang="en-US" b="1" dirty="0"/>
-              <a:t>数组可以作为函数的参数</a:t>
-            </a:r>
-            <a:r>
-              <a:rPr lang="zh-CN" altLang="en-US" dirty="0"/>
-              <a:t> 进行传递</a:t>
-            </a:r>
-            <a:r>
-              <a:rPr lang="zh-CN" altLang="en-US" dirty="0" smtClean="0"/>
-              <a:t>。</a:t>
-            </a:r>
-            <a:endParaRPr lang="en-US" altLang="zh-CN" dirty="0" smtClean="0"/>
+              <a:t>一维数组</a:t>
+            </a:r>
           </a:p>
           <a:p>
             <a:pPr marL="0" indent="0">
               <a:buNone/>
             </a:pPr>
             <a:r>
-              <a:rPr lang="en-US" altLang="zh-CN" dirty="0"/>
+              <a:rPr lang="en-US" altLang="zh-CN" dirty="0" smtClean="0"/>
               <a:t>	</a:t>
             </a:r>
             <a:r>
               <a:rPr lang="zh-CN" altLang="en-US" dirty="0" smtClean="0"/>
-              <a:t>由于</a:t>
-            </a:r>
-            <a:r>
-              <a:rPr lang="zh-CN" altLang="en-US" dirty="0"/>
-              <a:t>数组本质上是指针，传递数组参数时，实际上传递的是</a:t>
-            </a:r>
+              <a:t>一</a:t>
+            </a:r>
+            <a:r>
+              <a:rPr lang="zh-CN" altLang="en-US" dirty="0"/>
+              <a:t>维数组是具有相同类型元素的集合，元素通过索引访问。</a:t>
+            </a:r>
+          </a:p>
+          <a:p>
             <a:r>
               <a:rPr lang="zh-CN" altLang="en-US" b="1" dirty="0"/>
-              <a:t>数组的地址</a:t>
-            </a:r>
-            <a:r>
-              <a:rPr lang="zh-CN" altLang="en-US" dirty="0"/>
-              <a:t>，这</a:t>
-            </a:r>
-            <a:r>
-              <a:rPr lang="zh-CN" altLang="en-US" dirty="0" smtClean="0"/>
-              <a:t>意味着</a:t>
-            </a:r>
-            <a:endParaRPr lang="en-US" altLang="zh-CN" dirty="0" smtClean="0"/>
+              <a:t>二维数组</a:t>
+            </a:r>
           </a:p>
           <a:p>
             <a:pPr marL="0" indent="0">
               <a:buNone/>
             </a:pPr>
             <a:r>
-              <a:rPr lang="en-US" altLang="zh-CN" dirty="0"/>
+              <a:rPr lang="en-US" altLang="zh-CN" dirty="0" smtClean="0"/>
               <a:t>	</a:t>
             </a:r>
             <a:r>
               <a:rPr lang="zh-CN" altLang="en-US" dirty="0" smtClean="0"/>
-              <a:t>函数</a:t>
-            </a:r>
-            <a:r>
-              <a:rPr lang="zh-CN" altLang="en-US" dirty="0"/>
-              <a:t>内部可以修改原数组的内容</a:t>
-            </a:r>
-            <a:r>
-              <a:rPr lang="zh-CN" altLang="en-US" dirty="0" smtClean="0"/>
-              <a:t>。</a:t>
-            </a:r>
-            <a:endParaRPr lang="en-US" altLang="zh-CN" dirty="0" smtClean="0"/>
-          </a:p>
-          <a:p>
-            <a:r>
-              <a:rPr lang="zh-CN" altLang="en-US" dirty="0"/>
-              <a:t>语法格式</a:t>
-            </a:r>
-            <a:r>
-              <a:rPr lang="zh-CN" altLang="en-US" dirty="0" smtClean="0"/>
-              <a:t>：</a:t>
-            </a:r>
-            <a:endParaRPr lang="en-US" altLang="zh-CN" dirty="0" smtClean="0"/>
+              <a:t>二</a:t>
+            </a:r>
+            <a:r>
+              <a:rPr lang="zh-CN" altLang="en-US" dirty="0"/>
+              <a:t>维数组是数组的数组。可以通过指定两个索引访问元素。</a:t>
+            </a:r>
+          </a:p>
+          <a:p>
+            <a:r>
+              <a:rPr lang="zh-CN" altLang="en-US" b="1" dirty="0"/>
+              <a:t>数组与指针的</a:t>
+            </a:r>
+            <a:r>
+              <a:rPr lang="zh-CN" altLang="en-US" b="1" dirty="0" smtClean="0"/>
+              <a:t>关系</a:t>
+            </a:r>
+            <a:endParaRPr lang="en-US" altLang="zh-CN" b="1" dirty="0" smtClean="0"/>
           </a:p>
           <a:p>
             <a:pPr marL="0" indent="0">
@@ -16791,125 +17238,36 @@
             </a:pPr>
             <a:r>
               <a:rPr lang="en-US" altLang="zh-CN" dirty="0" smtClean="0"/>
-              <a:t>	void </a:t>
-            </a:r>
-            <a:r>
-              <a:rPr lang="en-US" altLang="zh-CN" dirty="0" err="1"/>
-              <a:t>functionName</a:t>
-            </a:r>
-            <a:r>
-              <a:rPr lang="en-US" altLang="zh-CN" dirty="0"/>
-              <a:t>(</a:t>
-            </a:r>
-            <a:r>
-              <a:rPr lang="en-US" altLang="zh-CN" dirty="0" err="1"/>
-              <a:t>dataType</a:t>
-            </a:r>
-            <a:r>
-              <a:rPr lang="en-US" altLang="zh-CN" dirty="0"/>
-              <a:t> </a:t>
-            </a:r>
-            <a:r>
-              <a:rPr lang="en-US" altLang="zh-CN" dirty="0" err="1"/>
-              <a:t>arrayName</a:t>
-            </a:r>
-            <a:r>
-              <a:rPr lang="en-US" altLang="zh-CN" dirty="0"/>
-              <a:t>[], </a:t>
-            </a:r>
-            <a:r>
-              <a:rPr lang="en-US" altLang="zh-CN" dirty="0" err="1"/>
-              <a:t>int</a:t>
-            </a:r>
-            <a:r>
-              <a:rPr lang="en-US" altLang="zh-CN" dirty="0"/>
-              <a:t> size</a:t>
-            </a:r>
-            <a:r>
-              <a:rPr lang="en-US" altLang="zh-CN" dirty="0" smtClean="0"/>
-              <a:t>);</a:t>
-            </a:r>
-          </a:p>
-          <a:p>
-            <a:pPr marL="0" indent="0">
-              <a:buNone/>
-            </a:pPr>
-            <a:r>
-              <a:rPr lang="en-US" altLang="zh-CN" dirty="0"/>
               <a:t>	</a:t>
             </a:r>
             <a:r>
-              <a:rPr lang="en-US" altLang="zh-CN" dirty="0" smtClean="0"/>
-              <a:t>void </a:t>
-            </a:r>
-            <a:r>
-              <a:rPr lang="en-US" altLang="zh-CN" dirty="0" err="1"/>
-              <a:t>functionName</a:t>
-            </a:r>
-            <a:r>
-              <a:rPr lang="en-US" altLang="zh-CN" dirty="0"/>
-              <a:t>(</a:t>
-            </a:r>
-            <a:r>
-              <a:rPr lang="en-US" altLang="zh-CN" dirty="0" err="1"/>
-              <a:t>dataType</a:t>
-            </a:r>
-            <a:r>
-              <a:rPr lang="en-US" altLang="zh-CN" dirty="0"/>
-              <a:t>* </a:t>
-            </a:r>
-            <a:r>
-              <a:rPr lang="en-US" altLang="zh-CN" dirty="0" err="1"/>
-              <a:t>arrayName</a:t>
-            </a:r>
-            <a:r>
-              <a:rPr lang="en-US" altLang="zh-CN" dirty="0"/>
-              <a:t>, </a:t>
-            </a:r>
-            <a:r>
-              <a:rPr lang="en-US" altLang="zh-CN" dirty="0" err="1"/>
-              <a:t>int</a:t>
-            </a:r>
-            <a:r>
-              <a:rPr lang="en-US" altLang="zh-CN" dirty="0"/>
-              <a:t> size);</a:t>
-            </a:r>
-          </a:p>
-          <a:p>
-            <a:r>
-              <a:rPr lang="zh-CN" altLang="en-US" dirty="0" smtClean="0"/>
-              <a:t>注意</a:t>
-            </a:r>
-            <a:endParaRPr lang="en-US" altLang="zh-CN" dirty="0" smtClean="0"/>
-          </a:p>
-          <a:p>
-            <a:pPr lvl="1"/>
-            <a:r>
-              <a:rPr lang="zh-CN" altLang="en-US" dirty="0"/>
-              <a:t>由于数组作为参数时实际传递的是指针，所以函数内部对数组的修改会影响原数组。</a:t>
-            </a:r>
-          </a:p>
-          <a:p>
-            <a:pPr lvl="1"/>
-            <a:r>
-              <a:rPr lang="zh-CN" altLang="en-US" dirty="0"/>
-              <a:t>需要提供数组的 大小（</a:t>
-            </a:r>
-            <a:r>
-              <a:rPr lang="en-US" altLang="zh-CN" dirty="0"/>
-              <a:t>size</a:t>
-            </a:r>
-            <a:r>
-              <a:rPr lang="zh-CN" altLang="en-US" dirty="0"/>
-              <a:t>），否则无法正确遍历数组。</a:t>
-            </a:r>
+              <a:rPr lang="zh-CN" altLang="en-US" dirty="0" smtClean="0"/>
+              <a:t>数组</a:t>
+            </a:r>
+            <a:r>
+              <a:rPr lang="zh-CN" altLang="en-US" dirty="0"/>
+              <a:t>名在很多情况下会退化为指向数组首元素的指针。因此，可以使用指针来访问</a:t>
+            </a:r>
+            <a:r>
+              <a:rPr lang="en-US" altLang="zh-CN" dirty="0"/>
+              <a:t>	</a:t>
+            </a:r>
+            <a:r>
+              <a:rPr lang="zh-CN" altLang="en-US" dirty="0"/>
+              <a:t>数组元素</a:t>
+            </a:r>
+            <a:r>
+              <a:rPr lang="zh-CN" altLang="en-US" dirty="0" smtClean="0"/>
+              <a:t>。</a:t>
+            </a:r>
+            <a:endParaRPr lang="en-US" altLang="zh-CN" dirty="0"/>
           </a:p>
         </p:txBody>
       </p:sp>
     </p:spTree>
     <p:extLst>
       <p:ext uri="{BB962C8B-B14F-4D97-AF65-F5344CB8AC3E}">
-        <p14:creationId xmlns:p14="http://schemas.microsoft.com/office/powerpoint/2010/main" val="1038020837"/>
+        <p14:creationId xmlns:p14="http://schemas.microsoft.com/office/powerpoint/2010/main" val="2859311749"/>
       </p:ext>
     </p:extLst>
   </p:cSld>
@@ -16952,16 +17310,12 @@
           <a:lstStyle/>
           <a:p>
             <a:r>
-              <a:rPr lang="zh-CN" altLang="en-US" b="1" dirty="0"/>
+              <a:rPr lang="en-US" altLang="zh-CN" b="1" dirty="0" smtClean="0"/>
+              <a:t>4.4 </a:t>
+            </a:r>
+            <a:r>
+              <a:rPr lang="zh-CN" altLang="en-US" b="1" dirty="0" smtClean="0"/>
               <a:t>参数类型 </a:t>
-            </a:r>
-            <a:r>
-              <a:rPr lang="en-US" altLang="zh-CN" b="1" dirty="0"/>
-              <a:t>- </a:t>
-            </a:r>
-            <a:r>
-              <a:rPr lang="zh-CN" altLang="en-US" b="1" dirty="0" smtClean="0"/>
-              <a:t>数组 </a:t>
             </a:r>
             <a:r>
               <a:rPr lang="en-US" altLang="zh-CN" b="1" dirty="0" smtClean="0"/>
@@ -16969,7 +17323,7 @@
             </a:r>
             <a:r>
               <a:rPr lang="zh-CN" altLang="en-US" b="1" dirty="0" smtClean="0"/>
-              <a:t>示例</a:t>
+              <a:t>数组</a:t>
             </a:r>
             <a:endParaRPr lang="zh-CN" altLang="en-US" b="1" dirty="0"/>
           </a:p>
@@ -16992,40 +17346,210 @@
           <a:p>
             <a:r>
               <a:rPr lang="zh-CN" altLang="en-US" dirty="0"/>
-              <a:t>数组</a:t>
-            </a:r>
-            <a:r>
-              <a:rPr lang="zh-CN" altLang="en-US" dirty="0" smtClean="0"/>
-              <a:t>求和</a:t>
+              <a:t>在 </a:t>
+            </a:r>
+            <a:r>
+              <a:rPr lang="en-US" altLang="zh-CN" dirty="0"/>
+              <a:t>C++ </a:t>
+            </a:r>
+            <a:r>
+              <a:rPr lang="zh-CN" altLang="en-US" dirty="0"/>
+              <a:t>中，</a:t>
+            </a:r>
+            <a:r>
+              <a:rPr lang="zh-CN" altLang="en-US" b="1" dirty="0"/>
+              <a:t>数组可以作为函数的参数</a:t>
+            </a:r>
+            <a:r>
+              <a:rPr lang="zh-CN" altLang="en-US" dirty="0"/>
+              <a:t> 进行传递</a:t>
+            </a:r>
+            <a:r>
+              <a:rPr lang="zh-CN" altLang="en-US" dirty="0" smtClean="0"/>
+              <a:t>。</a:t>
             </a:r>
             <a:endParaRPr lang="en-US" altLang="zh-CN" dirty="0" smtClean="0"/>
           </a:p>
           <a:p>
-            <a:r>
-              <a:rPr lang="zh-CN" altLang="en-US" dirty="0"/>
-              <a:t>修改数组中</a:t>
-            </a:r>
-            <a:r>
-              <a:rPr lang="zh-CN" altLang="en-US" dirty="0" smtClean="0"/>
-              <a:t>的元素</a:t>
+            <a:pPr marL="0" indent="0">
+              <a:buNone/>
+            </a:pPr>
+            <a:r>
+              <a:rPr lang="en-US" altLang="zh-CN" dirty="0"/>
+              <a:t>	</a:t>
+            </a:r>
+            <a:r>
+              <a:rPr lang="zh-CN" altLang="en-US" dirty="0" smtClean="0"/>
+              <a:t>由于</a:t>
+            </a:r>
+            <a:r>
+              <a:rPr lang="zh-CN" altLang="en-US" dirty="0"/>
+              <a:t>数组本质上是指针，传递数组参数时，实际上传递的是</a:t>
+            </a:r>
+            <a:r>
+              <a:rPr lang="zh-CN" altLang="en-US" b="1" dirty="0"/>
+              <a:t>数组的地址</a:t>
+            </a:r>
+            <a:r>
+              <a:rPr lang="zh-CN" altLang="en-US" dirty="0"/>
+              <a:t>，这</a:t>
+            </a:r>
+            <a:r>
+              <a:rPr lang="zh-CN" altLang="en-US" dirty="0" smtClean="0"/>
+              <a:t>意味着</a:t>
             </a:r>
             <a:endParaRPr lang="en-US" altLang="zh-CN" dirty="0" smtClean="0"/>
           </a:p>
           <a:p>
-            <a:r>
-              <a:rPr lang="zh-CN" altLang="en-US" dirty="0"/>
-              <a:t>传递二维数</a:t>
-            </a:r>
-            <a:r>
-              <a:rPr lang="zh-CN" altLang="en-US" dirty="0" smtClean="0"/>
-              <a:t>组</a:t>
+            <a:pPr marL="0" indent="0">
+              <a:buNone/>
+            </a:pPr>
+            <a:r>
+              <a:rPr lang="en-US" altLang="zh-CN" dirty="0"/>
+              <a:t>	</a:t>
+            </a:r>
+            <a:r>
+              <a:rPr lang="zh-CN" altLang="en-US" dirty="0" smtClean="0"/>
+              <a:t>函数</a:t>
+            </a:r>
+            <a:r>
+              <a:rPr lang="zh-CN" altLang="en-US" dirty="0"/>
+              <a:t>内部可以修改原数组的内容</a:t>
+            </a:r>
+            <a:r>
+              <a:rPr lang="zh-CN" altLang="en-US" dirty="0" smtClean="0"/>
+              <a:t>。</a:t>
             </a:r>
             <a:endParaRPr lang="en-US" altLang="zh-CN" dirty="0" smtClean="0"/>
           </a:p>
           <a:p>
             <a:r>
               <a:rPr lang="zh-CN" altLang="en-US" dirty="0"/>
-              <a:t>使用指针修改数组元素</a:t>
+              <a:t>语法格式</a:t>
+            </a:r>
+            <a:r>
+              <a:rPr lang="zh-CN" altLang="en-US" dirty="0" smtClean="0"/>
+              <a:t>：</a:t>
+            </a:r>
+            <a:endParaRPr lang="en-US" altLang="zh-CN" dirty="0" smtClean="0"/>
+          </a:p>
+          <a:p>
+            <a:pPr marL="0" indent="0">
+              <a:buNone/>
+            </a:pPr>
+            <a:r>
+              <a:rPr lang="en-US" altLang="zh-CN" dirty="0" smtClean="0"/>
+              <a:t>	void </a:t>
+            </a:r>
+            <a:r>
+              <a:rPr lang="en-US" altLang="zh-CN" dirty="0" err="1"/>
+              <a:t>functionName</a:t>
+            </a:r>
+            <a:r>
+              <a:rPr lang="en-US" altLang="zh-CN" dirty="0"/>
+              <a:t>(</a:t>
+            </a:r>
+            <a:r>
+              <a:rPr lang="en-US" altLang="zh-CN" dirty="0" err="1"/>
+              <a:t>dataType</a:t>
+            </a:r>
+            <a:r>
+              <a:rPr lang="en-US" altLang="zh-CN" dirty="0"/>
+              <a:t> </a:t>
+            </a:r>
+            <a:r>
+              <a:rPr lang="en-US" altLang="zh-CN" dirty="0" err="1"/>
+              <a:t>arrayName</a:t>
+            </a:r>
+            <a:r>
+              <a:rPr lang="en-US" altLang="zh-CN" dirty="0"/>
+              <a:t>[], </a:t>
+            </a:r>
+            <a:r>
+              <a:rPr lang="en-US" altLang="zh-CN" dirty="0" err="1"/>
+              <a:t>int</a:t>
+            </a:r>
+            <a:r>
+              <a:rPr lang="en-US" altLang="zh-CN" dirty="0"/>
+              <a:t> size</a:t>
+            </a:r>
+            <a:r>
+              <a:rPr lang="en-US" altLang="zh-CN" dirty="0" smtClean="0"/>
+              <a:t>);</a:t>
+            </a:r>
+          </a:p>
+          <a:p>
+            <a:pPr marL="0" indent="0">
+              <a:buNone/>
+            </a:pPr>
+            <a:r>
+              <a:rPr lang="en-US" altLang="zh-CN" dirty="0"/>
+              <a:t>	</a:t>
+            </a:r>
+            <a:r>
+              <a:rPr lang="en-US" altLang="zh-CN" dirty="0" smtClean="0"/>
+              <a:t>void </a:t>
+            </a:r>
+            <a:r>
+              <a:rPr lang="en-US" altLang="zh-CN" dirty="0" err="1"/>
+              <a:t>functionName</a:t>
+            </a:r>
+            <a:r>
+              <a:rPr lang="en-US" altLang="zh-CN" dirty="0"/>
+              <a:t>(</a:t>
+            </a:r>
+            <a:r>
+              <a:rPr lang="en-US" altLang="zh-CN" dirty="0" err="1"/>
+              <a:t>dataType</a:t>
+            </a:r>
+            <a:r>
+              <a:rPr lang="en-US" altLang="zh-CN" dirty="0"/>
+              <a:t>* </a:t>
+            </a:r>
+            <a:r>
+              <a:rPr lang="en-US" altLang="zh-CN" dirty="0" err="1"/>
+              <a:t>arrayName</a:t>
+            </a:r>
+            <a:r>
+              <a:rPr lang="en-US" altLang="zh-CN" dirty="0"/>
+              <a:t>, </a:t>
+            </a:r>
+            <a:r>
+              <a:rPr lang="en-US" altLang="zh-CN" dirty="0" err="1"/>
+              <a:t>int</a:t>
+            </a:r>
+            <a:r>
+              <a:rPr lang="en-US" altLang="zh-CN" dirty="0"/>
+              <a:t> size);</a:t>
+            </a:r>
+          </a:p>
+          <a:p>
+            <a:r>
+              <a:rPr lang="zh-CN" altLang="en-US" dirty="0" smtClean="0"/>
+              <a:t>注意</a:t>
+            </a:r>
+            <a:endParaRPr lang="en-US" altLang="zh-CN" dirty="0" smtClean="0"/>
+          </a:p>
+          <a:p>
+            <a:pPr lvl="1"/>
+            <a:r>
+              <a:rPr lang="zh-CN" altLang="en-US" dirty="0"/>
+              <a:t>由于数组作为参数时实际传递的是指针，所以函数内部对数组的修改会影响原数组。</a:t>
+            </a:r>
+          </a:p>
+          <a:p>
+            <a:pPr lvl="1"/>
+            <a:r>
+              <a:rPr lang="zh-CN" altLang="en-US" dirty="0"/>
+              <a:t>需要提供数组的 大小（</a:t>
+            </a:r>
+            <a:r>
+              <a:rPr lang="en-US" altLang="zh-CN" dirty="0"/>
+              <a:t>size</a:t>
+            </a:r>
+            <a:r>
+              <a:rPr lang="zh-CN" altLang="en-US" dirty="0"/>
+              <a:t>），否则无法正确遍历数组。</a:t>
             </a:r>
           </a:p>
         </p:txBody>
@@ -17033,7 +17557,7 @@
     </p:spTree>
     <p:extLst>
       <p:ext uri="{BB962C8B-B14F-4D97-AF65-F5344CB8AC3E}">
-        <p14:creationId xmlns:p14="http://schemas.microsoft.com/office/powerpoint/2010/main" val="4022824451"/>
+        <p14:creationId xmlns:p14="http://schemas.microsoft.com/office/powerpoint/2010/main" val="1038020837"/>
       </p:ext>
     </p:extLst>
   </p:cSld>
@@ -17076,13 +17600,26 @@
           <a:lstStyle/>
           <a:p>
             <a:r>
+              <a:rPr lang="zh-CN" altLang="en-US" b="1" dirty="0"/>
+              <a:t>参数类型 </a:t>
+            </a:r>
+            <a:r>
+              <a:rPr lang="en-US" altLang="zh-CN" b="1" dirty="0"/>
+              <a:t>- </a:t>
+            </a:r>
+            <a:r>
+              <a:rPr lang="zh-CN" altLang="en-US" b="1" dirty="0" smtClean="0"/>
+              <a:t>数组 </a:t>
+            </a:r>
+            <a:r>
               <a:rPr lang="en-US" altLang="zh-CN" b="1" dirty="0" smtClean="0"/>
-              <a:t>4.5 </a:t>
-            </a:r>
-            <a:r>
-              <a:rPr lang="zh-CN" altLang="en-US" b="1" dirty="0"/>
-              <a:t>函数重载与递归</a:t>
-            </a:r>
+              <a:t>- </a:t>
+            </a:r>
+            <a:r>
+              <a:rPr lang="zh-CN" altLang="en-US" b="1" dirty="0" smtClean="0"/>
+              <a:t>示例</a:t>
+            </a:r>
+            <a:endParaRPr lang="zh-CN" altLang="en-US" b="1" dirty="0"/>
           </a:p>
         </p:txBody>
       </p:sp>
@@ -17102,75 +17639,49 @@
           <a:lstStyle/>
           <a:p>
             <a:r>
-              <a:rPr lang="zh-CN" altLang="en-US" b="1" dirty="0"/>
-              <a:t>函数重载</a:t>
-            </a:r>
-          </a:p>
-          <a:p>
-            <a:pPr marL="0" indent="0">
-              <a:buNone/>
-            </a:pPr>
-            <a:r>
-              <a:rPr lang="en-US" altLang="zh-CN" dirty="0" smtClean="0"/>
-              <a:t>	</a:t>
-            </a:r>
-            <a:r>
-              <a:rPr lang="zh-CN" altLang="en-US" dirty="0" smtClean="0"/>
-              <a:t>函数</a:t>
-            </a:r>
-            <a:r>
-              <a:rPr lang="zh-CN" altLang="en-US" dirty="0"/>
-              <a:t>重载是指在同一作用域内可以定义多个同名的函数，只要它们的参数类型或</a:t>
-            </a:r>
-            <a:r>
-              <a:rPr lang="zh-CN" altLang="en-US" dirty="0" smtClean="0"/>
-              <a:t>个</a:t>
-            </a:r>
-            <a:r>
-              <a:rPr lang="en-US" altLang="zh-CN" dirty="0" smtClean="0"/>
-              <a:t>	</a:t>
-            </a:r>
-            <a:r>
-              <a:rPr lang="zh-CN" altLang="en-US" dirty="0" smtClean="0"/>
-              <a:t>数</a:t>
-            </a:r>
-            <a:r>
-              <a:rPr lang="zh-CN" altLang="en-US" dirty="0"/>
-              <a:t>不同。</a:t>
-            </a:r>
-          </a:p>
-          <a:p>
-            <a:r>
-              <a:rPr lang="zh-CN" altLang="en-US" b="1" dirty="0"/>
-              <a:t>递归函数</a:t>
-            </a:r>
-          </a:p>
-          <a:p>
-            <a:pPr marL="0" indent="0">
-              <a:buNone/>
-            </a:pPr>
-            <a:r>
-              <a:rPr lang="en-US" altLang="zh-CN" dirty="0" smtClean="0"/>
-              <a:t>	</a:t>
-            </a:r>
-            <a:r>
-              <a:rPr lang="zh-CN" altLang="en-US" dirty="0" smtClean="0"/>
-              <a:t>递归</a:t>
-            </a:r>
-            <a:r>
-              <a:rPr lang="zh-CN" altLang="en-US" dirty="0"/>
-              <a:t>是函数调用自身。递归函数通常包括基准情况和递归调用。</a:t>
-            </a:r>
-          </a:p>
-          <a:p>
-            <a:endParaRPr lang="zh-CN" altLang="en-US" dirty="0"/>
+              <a:rPr lang="zh-CN" altLang="en-US" dirty="0"/>
+              <a:t>数组</a:t>
+            </a:r>
+            <a:r>
+              <a:rPr lang="zh-CN" altLang="en-US" dirty="0" smtClean="0"/>
+              <a:t>求和</a:t>
+            </a:r>
+            <a:endParaRPr lang="en-US" altLang="zh-CN" dirty="0" smtClean="0"/>
+          </a:p>
+          <a:p>
+            <a:r>
+              <a:rPr lang="zh-CN" altLang="en-US" dirty="0"/>
+              <a:t>修改数组中</a:t>
+            </a:r>
+            <a:r>
+              <a:rPr lang="zh-CN" altLang="en-US" dirty="0" smtClean="0"/>
+              <a:t>的元素</a:t>
+            </a:r>
+            <a:endParaRPr lang="en-US" altLang="zh-CN" dirty="0" smtClean="0"/>
+          </a:p>
+          <a:p>
+            <a:r>
+              <a:rPr lang="zh-CN" altLang="en-US" dirty="0"/>
+              <a:t>传递二维数</a:t>
+            </a:r>
+            <a:r>
+              <a:rPr lang="zh-CN" altLang="en-US" dirty="0" smtClean="0"/>
+              <a:t>组</a:t>
+            </a:r>
+            <a:endParaRPr lang="en-US" altLang="zh-CN" dirty="0" smtClean="0"/>
+          </a:p>
+          <a:p>
+            <a:r>
+              <a:rPr lang="zh-CN" altLang="en-US" dirty="0"/>
+              <a:t>使用指针修改数组元素</a:t>
+            </a:r>
           </a:p>
         </p:txBody>
       </p:sp>
     </p:spTree>
     <p:extLst>
       <p:ext uri="{BB962C8B-B14F-4D97-AF65-F5344CB8AC3E}">
-        <p14:creationId xmlns:p14="http://schemas.microsoft.com/office/powerpoint/2010/main" val="3246053325"/>
+        <p14:creationId xmlns:p14="http://schemas.microsoft.com/office/powerpoint/2010/main" val="4022824451"/>
       </p:ext>
     </p:extLst>
   </p:cSld>
@@ -17361,14 +17872,13 @@
           <a:lstStyle/>
           <a:p>
             <a:r>
-              <a:rPr lang="en-US" altLang="zh-CN" dirty="0" smtClean="0"/>
-              <a:t>4.6 </a:t>
-            </a:r>
-            <a:r>
-              <a:rPr lang="zh-CN" altLang="zh-CN" b="1" dirty="0"/>
-              <a:t>课后练习</a:t>
-            </a:r>
-            <a:endParaRPr lang="zh-CN" altLang="en-US" dirty="0"/>
+              <a:rPr lang="en-US" altLang="zh-CN" b="1" dirty="0" smtClean="0"/>
+              <a:t>4.5 </a:t>
+            </a:r>
+            <a:r>
+              <a:rPr lang="zh-CN" altLang="en-US" b="1" dirty="0"/>
+              <a:t>函数重载与递归</a:t>
+            </a:r>
           </a:p>
         </p:txBody>
       </p:sp>
@@ -17384,16 +17894,13 @@
         </p:nvSpPr>
         <p:spPr/>
         <p:txBody>
-          <a:bodyPr>
-            <a:normAutofit fontScale="55000" lnSpcReduction="20000"/>
-          </a:bodyPr>
+          <a:bodyPr/>
           <a:lstStyle/>
           <a:p>
             <a:r>
-              <a:rPr lang="zh-CN" altLang="en-US" dirty="0"/>
-              <a:t>基本函数调用</a:t>
-            </a:r>
-            <a:endParaRPr lang="en-US" altLang="zh-CN" dirty="0" smtClean="0"/>
+              <a:rPr lang="zh-CN" altLang="en-US" b="1" dirty="0"/>
+              <a:t>函数重载</a:t>
+            </a:r>
           </a:p>
           <a:p>
             <a:pPr marL="0" indent="0">
@@ -17405,53 +17912,33 @@
             </a:r>
             <a:r>
               <a:rPr lang="zh-CN" altLang="en-US" dirty="0" smtClean="0"/>
-              <a:t>编写</a:t>
-            </a:r>
-            <a:r>
-              <a:rPr lang="zh-CN" altLang="en-US" dirty="0"/>
-              <a:t>一个函数 </a:t>
-            </a:r>
-            <a:r>
-              <a:rPr lang="en-US" altLang="zh-CN" dirty="0" err="1"/>
-              <a:t>maxValue</a:t>
-            </a:r>
-            <a:r>
-              <a:rPr lang="en-US" altLang="zh-CN" dirty="0"/>
-              <a:t>(</a:t>
-            </a:r>
-            <a:r>
-              <a:rPr lang="en-US" altLang="zh-CN" dirty="0" err="1"/>
-              <a:t>int</a:t>
-            </a:r>
-            <a:r>
-              <a:rPr lang="en-US" altLang="zh-CN" dirty="0"/>
-              <a:t> a, </a:t>
-            </a:r>
-            <a:r>
-              <a:rPr lang="en-US" altLang="zh-CN" dirty="0" err="1"/>
-              <a:t>int</a:t>
-            </a:r>
-            <a:r>
-              <a:rPr lang="en-US" altLang="zh-CN" dirty="0"/>
-              <a:t> b)</a:t>
-            </a:r>
-            <a:r>
-              <a:rPr lang="zh-CN" altLang="en-US" dirty="0"/>
-              <a:t>，返回两个整数中的较大值，并在 </a:t>
-            </a:r>
-            <a:r>
-              <a:rPr lang="en-US" altLang="zh-CN" dirty="0"/>
-              <a:t>main </a:t>
-            </a:r>
-            <a:r>
-              <a:rPr lang="zh-CN" altLang="en-US" dirty="0"/>
-              <a:t>函数中测试。</a:t>
-            </a:r>
-          </a:p>
-          <a:p>
-            <a:r>
-              <a:rPr lang="zh-CN" altLang="en-US" dirty="0"/>
-              <a:t>值传递与引用传递</a:t>
+              <a:t>函数</a:t>
+            </a:r>
+            <a:r>
+              <a:rPr lang="zh-CN" altLang="en-US" dirty="0"/>
+              <a:t>重载是指在同一作用域内可以定义多个同名的函数，只要它们的参数类型或</a:t>
+            </a:r>
+            <a:r>
+              <a:rPr lang="zh-CN" altLang="en-US" dirty="0" smtClean="0"/>
+              <a:t>个</a:t>
+            </a:r>
+            <a:r>
+              <a:rPr lang="en-US" altLang="zh-CN" dirty="0" smtClean="0"/>
+              <a:t>	</a:t>
+            </a:r>
+            <a:r>
+              <a:rPr lang="zh-CN" altLang="en-US" dirty="0" smtClean="0"/>
+              <a:t>数</a:t>
+            </a:r>
+            <a:r>
+              <a:rPr lang="zh-CN" altLang="en-US" dirty="0"/>
+              <a:t>不同。</a:t>
+            </a:r>
+          </a:p>
+          <a:p>
+            <a:r>
+              <a:rPr lang="zh-CN" altLang="en-US" b="1" dirty="0"/>
+              <a:t>递归函数</a:t>
             </a:r>
           </a:p>
           <a:p>
@@ -17464,455 +17951,22 @@
             </a:r>
             <a:r>
               <a:rPr lang="zh-CN" altLang="en-US" dirty="0" smtClean="0"/>
-              <a:t>编写</a:t>
-            </a:r>
-            <a:r>
-              <a:rPr lang="zh-CN" altLang="en-US" dirty="0"/>
-              <a:t>一个函数 </a:t>
-            </a:r>
-            <a:r>
-              <a:rPr lang="en-US" altLang="zh-CN" dirty="0"/>
-              <a:t>swap(</a:t>
-            </a:r>
-            <a:r>
-              <a:rPr lang="en-US" altLang="zh-CN" dirty="0" err="1"/>
-              <a:t>int</a:t>
-            </a:r>
-            <a:r>
-              <a:rPr lang="en-US" altLang="zh-CN" dirty="0"/>
-              <a:t>&amp; a, </a:t>
-            </a:r>
-            <a:r>
-              <a:rPr lang="en-US" altLang="zh-CN" dirty="0" err="1"/>
-              <a:t>int</a:t>
-            </a:r>
-            <a:r>
-              <a:rPr lang="en-US" altLang="zh-CN" dirty="0"/>
-              <a:t>&amp; b)</a:t>
-            </a:r>
-            <a:r>
-              <a:rPr lang="zh-CN" altLang="en-US" dirty="0"/>
-              <a:t>，交换两个整数的值，并在 </a:t>
-            </a:r>
-            <a:r>
-              <a:rPr lang="en-US" altLang="zh-CN" dirty="0"/>
-              <a:t>main </a:t>
-            </a:r>
-            <a:r>
-              <a:rPr lang="zh-CN" altLang="en-US" dirty="0"/>
-              <a:t>函数中测试。</a:t>
-            </a:r>
-          </a:p>
-          <a:p>
-            <a:r>
-              <a:rPr lang="zh-CN" altLang="en-US" dirty="0"/>
-              <a:t>递归函数</a:t>
-            </a:r>
-          </a:p>
-          <a:p>
-            <a:pPr marL="0" indent="0">
-              <a:buNone/>
-            </a:pPr>
-            <a:r>
-              <a:rPr lang="en-US" altLang="zh-CN" dirty="0" smtClean="0"/>
-              <a:t>	</a:t>
-            </a:r>
-            <a:r>
-              <a:rPr lang="zh-CN" altLang="en-US" dirty="0" smtClean="0"/>
-              <a:t>编写</a:t>
-            </a:r>
-            <a:r>
-              <a:rPr lang="zh-CN" altLang="en-US" dirty="0"/>
-              <a:t>一个递归函数 </a:t>
-            </a:r>
-            <a:r>
-              <a:rPr lang="en-US" altLang="zh-CN" dirty="0" err="1"/>
-              <a:t>int</a:t>
-            </a:r>
-            <a:r>
-              <a:rPr lang="en-US" altLang="zh-CN" dirty="0"/>
-              <a:t> </a:t>
-            </a:r>
-            <a:r>
-              <a:rPr lang="en-US" altLang="zh-CN" dirty="0" err="1"/>
-              <a:t>fibonacci</a:t>
-            </a:r>
-            <a:r>
-              <a:rPr lang="en-US" altLang="zh-CN" dirty="0"/>
-              <a:t>(</a:t>
-            </a:r>
-            <a:r>
-              <a:rPr lang="en-US" altLang="zh-CN" dirty="0" err="1"/>
-              <a:t>int</a:t>
-            </a:r>
-            <a:r>
-              <a:rPr lang="en-US" altLang="zh-CN" dirty="0"/>
-              <a:t> n)</a:t>
-            </a:r>
-            <a:r>
-              <a:rPr lang="zh-CN" altLang="en-US" dirty="0"/>
-              <a:t>，计算并返回斐波那契数列的第 </a:t>
-            </a:r>
-            <a:r>
-              <a:rPr lang="en-US" altLang="zh-CN" dirty="0"/>
-              <a:t>n </a:t>
-            </a:r>
-            <a:r>
-              <a:rPr lang="zh-CN" altLang="en-US" dirty="0"/>
-              <a:t>项。（</a:t>
-            </a:r>
-            <a:r>
-              <a:rPr lang="en-US" altLang="zh-CN" dirty="0"/>
-              <a:t>F(0) = 0, F(1) = 1, F(n) = F(n-1) + F(n-2)</a:t>
-            </a:r>
-            <a:r>
-              <a:rPr lang="zh-CN" altLang="en-US" dirty="0"/>
-              <a:t>）</a:t>
-            </a:r>
-          </a:p>
-          <a:p>
-            <a:pPr marL="0" indent="0">
-              <a:buNone/>
-            </a:pPr>
-            <a:r>
-              <a:rPr lang="en-US" altLang="zh-CN" dirty="0" smtClean="0"/>
-              <a:t>	</a:t>
-            </a:r>
-            <a:r>
-              <a:rPr lang="zh-CN" altLang="en-US" dirty="0" smtClean="0"/>
-              <a:t>编写</a:t>
-            </a:r>
-            <a:r>
-              <a:rPr lang="zh-CN" altLang="en-US" dirty="0"/>
-              <a:t>一个函数 </a:t>
-            </a:r>
-            <a:r>
-              <a:rPr lang="en-US" altLang="zh-CN" dirty="0" err="1"/>
-              <a:t>int</a:t>
-            </a:r>
-            <a:r>
-              <a:rPr lang="en-US" altLang="zh-CN" dirty="0"/>
-              <a:t> </a:t>
-            </a:r>
-            <a:r>
-              <a:rPr lang="en-US" altLang="zh-CN" dirty="0" err="1"/>
-              <a:t>sumArray</a:t>
-            </a:r>
-            <a:r>
-              <a:rPr lang="en-US" altLang="zh-CN" dirty="0"/>
-              <a:t>(</a:t>
-            </a:r>
-            <a:r>
-              <a:rPr lang="en-US" altLang="zh-CN" dirty="0" err="1"/>
-              <a:t>int</a:t>
-            </a:r>
-            <a:r>
-              <a:rPr lang="en-US" altLang="zh-CN" dirty="0"/>
-              <a:t> </a:t>
-            </a:r>
-            <a:r>
-              <a:rPr lang="en-US" altLang="zh-CN" dirty="0" err="1"/>
-              <a:t>arr</a:t>
-            </a:r>
-            <a:r>
-              <a:rPr lang="en-US" altLang="zh-CN" dirty="0"/>
-              <a:t>[], </a:t>
-            </a:r>
-            <a:r>
-              <a:rPr lang="en-US" altLang="zh-CN" dirty="0" err="1"/>
-              <a:t>int</a:t>
-            </a:r>
-            <a:r>
-              <a:rPr lang="en-US" altLang="zh-CN" dirty="0"/>
-              <a:t> size)</a:t>
-            </a:r>
-            <a:r>
-              <a:rPr lang="zh-CN" altLang="en-US" dirty="0"/>
-              <a:t>，计算并返回数组元素的总和。在 </a:t>
-            </a:r>
-            <a:r>
-              <a:rPr lang="en-US" altLang="zh-CN" dirty="0"/>
-              <a:t>main </a:t>
-            </a:r>
-            <a:r>
-              <a:rPr lang="zh-CN" altLang="en-US" dirty="0"/>
-              <a:t>函数中测试该函数。</a:t>
-            </a:r>
-          </a:p>
-          <a:p>
-            <a:r>
-              <a:rPr lang="zh-CN" altLang="en-US" dirty="0"/>
-              <a:t>数组最大值</a:t>
-            </a:r>
-          </a:p>
-          <a:p>
-            <a:pPr marL="0" indent="0">
-              <a:buNone/>
-            </a:pPr>
-            <a:r>
-              <a:rPr lang="en-US" altLang="zh-CN" dirty="0" smtClean="0"/>
-              <a:t>	</a:t>
-            </a:r>
-            <a:r>
-              <a:rPr lang="zh-CN" altLang="en-US" dirty="0" smtClean="0"/>
-              <a:t>编写</a:t>
-            </a:r>
-            <a:r>
-              <a:rPr lang="zh-CN" altLang="en-US" dirty="0"/>
-              <a:t>一个函数 </a:t>
-            </a:r>
-            <a:r>
-              <a:rPr lang="en-US" altLang="zh-CN" dirty="0" err="1"/>
-              <a:t>int</a:t>
-            </a:r>
-            <a:r>
-              <a:rPr lang="en-US" altLang="zh-CN" dirty="0"/>
-              <a:t> </a:t>
-            </a:r>
-            <a:r>
-              <a:rPr lang="en-US" altLang="zh-CN" dirty="0" err="1"/>
-              <a:t>maxInArray</a:t>
-            </a:r>
-            <a:r>
-              <a:rPr lang="en-US" altLang="zh-CN" dirty="0"/>
-              <a:t>(</a:t>
-            </a:r>
-            <a:r>
-              <a:rPr lang="en-US" altLang="zh-CN" dirty="0" err="1"/>
-              <a:t>int</a:t>
-            </a:r>
-            <a:r>
-              <a:rPr lang="en-US" altLang="zh-CN" dirty="0"/>
-              <a:t> </a:t>
-            </a:r>
-            <a:r>
-              <a:rPr lang="en-US" altLang="zh-CN" dirty="0" err="1"/>
-              <a:t>arr</a:t>
-            </a:r>
-            <a:r>
-              <a:rPr lang="en-US" altLang="zh-CN" dirty="0"/>
-              <a:t>[], </a:t>
-            </a:r>
-            <a:r>
-              <a:rPr lang="en-US" altLang="zh-CN" dirty="0" err="1"/>
-              <a:t>int</a:t>
-            </a:r>
-            <a:r>
-              <a:rPr lang="en-US" altLang="zh-CN" dirty="0"/>
-              <a:t> size)</a:t>
-            </a:r>
-            <a:r>
-              <a:rPr lang="zh-CN" altLang="en-US" dirty="0"/>
-              <a:t>，返回数组中的最大值，并在 </a:t>
-            </a:r>
-            <a:r>
-              <a:rPr lang="en-US" altLang="zh-CN" dirty="0"/>
-              <a:t>main </a:t>
-            </a:r>
-            <a:r>
-              <a:rPr lang="zh-CN" altLang="en-US" dirty="0"/>
-              <a:t>函数中测试。</a:t>
-            </a:r>
-          </a:p>
-          <a:p>
-            <a:r>
-              <a:rPr lang="zh-CN" altLang="en-US" dirty="0"/>
-              <a:t>二维数组遍历</a:t>
-            </a:r>
-          </a:p>
-          <a:p>
-            <a:pPr marL="0" indent="0">
-              <a:buNone/>
-            </a:pPr>
-            <a:r>
-              <a:rPr lang="en-US" altLang="zh-CN" dirty="0" smtClean="0"/>
-              <a:t>	</a:t>
-            </a:r>
-            <a:r>
-              <a:rPr lang="zh-CN" altLang="en-US" dirty="0" smtClean="0"/>
-              <a:t>定义</a:t>
-            </a:r>
-            <a:r>
-              <a:rPr lang="zh-CN" altLang="en-US" dirty="0"/>
-              <a:t>一个 </a:t>
-            </a:r>
-            <a:r>
-              <a:rPr lang="en-US" altLang="zh-CN" dirty="0"/>
-              <a:t>3×3 </a:t>
-            </a:r>
-            <a:r>
-              <a:rPr lang="zh-CN" altLang="en-US" dirty="0"/>
-              <a:t>的二维数组，并使用嵌套 </a:t>
-            </a:r>
-            <a:r>
-              <a:rPr lang="en-US" altLang="zh-CN" dirty="0"/>
-              <a:t>for </a:t>
-            </a:r>
-            <a:r>
-              <a:rPr lang="zh-CN" altLang="en-US" dirty="0"/>
-              <a:t>循环输出所有元素。</a:t>
-            </a:r>
-          </a:p>
-          <a:p>
-            <a:r>
-              <a:rPr lang="zh-CN" altLang="en-US" dirty="0"/>
-              <a:t>数组与指针</a:t>
-            </a:r>
-          </a:p>
-          <a:p>
-            <a:pPr marL="0" indent="0">
-              <a:buNone/>
-            </a:pPr>
-            <a:r>
-              <a:rPr lang="en-US" altLang="zh-CN" dirty="0" smtClean="0"/>
-              <a:t>	</a:t>
-            </a:r>
-            <a:r>
-              <a:rPr lang="zh-CN" altLang="en-US" dirty="0" smtClean="0"/>
-              <a:t>编写</a:t>
-            </a:r>
-            <a:r>
-              <a:rPr lang="zh-CN" altLang="en-US" dirty="0"/>
-              <a:t>一个函数 </a:t>
-            </a:r>
-            <a:r>
-              <a:rPr lang="en-US" altLang="zh-CN" dirty="0"/>
-              <a:t>void </a:t>
-            </a:r>
-            <a:r>
-              <a:rPr lang="en-US" altLang="zh-CN" dirty="0" err="1"/>
-              <a:t>printArray</a:t>
-            </a:r>
-            <a:r>
-              <a:rPr lang="en-US" altLang="zh-CN" dirty="0"/>
-              <a:t>(</a:t>
-            </a:r>
-            <a:r>
-              <a:rPr lang="en-US" altLang="zh-CN" dirty="0" err="1"/>
-              <a:t>int</a:t>
-            </a:r>
-            <a:r>
-              <a:rPr lang="en-US" altLang="zh-CN" dirty="0"/>
-              <a:t>* </a:t>
-            </a:r>
-            <a:r>
-              <a:rPr lang="en-US" altLang="zh-CN" dirty="0" err="1"/>
-              <a:t>arr</a:t>
-            </a:r>
-            <a:r>
-              <a:rPr lang="en-US" altLang="zh-CN" dirty="0"/>
-              <a:t>, </a:t>
-            </a:r>
-            <a:r>
-              <a:rPr lang="en-US" altLang="zh-CN" dirty="0" err="1"/>
-              <a:t>int</a:t>
-            </a:r>
-            <a:r>
-              <a:rPr lang="en-US" altLang="zh-CN" dirty="0"/>
-              <a:t> size)</a:t>
-            </a:r>
-            <a:r>
-              <a:rPr lang="zh-CN" altLang="en-US" dirty="0"/>
-              <a:t>，使用指针遍历并输出数组中的所有元素。</a:t>
-            </a:r>
-          </a:p>
-          <a:p>
-            <a:r>
-              <a:rPr lang="zh-CN" altLang="en-US" dirty="0"/>
-              <a:t>数组元素查找</a:t>
-            </a:r>
-          </a:p>
-          <a:p>
-            <a:pPr marL="0" indent="0">
-              <a:buNone/>
-            </a:pPr>
-            <a:r>
-              <a:rPr lang="en-US" altLang="zh-CN" dirty="0" smtClean="0"/>
-              <a:t>	</a:t>
-            </a:r>
-            <a:r>
-              <a:rPr lang="zh-CN" altLang="en-US" dirty="0" smtClean="0"/>
-              <a:t>编写</a:t>
-            </a:r>
-            <a:r>
-              <a:rPr lang="zh-CN" altLang="en-US" dirty="0"/>
-              <a:t>一个函数 </a:t>
-            </a:r>
-            <a:r>
-              <a:rPr lang="en-US" altLang="zh-CN" dirty="0" err="1"/>
-              <a:t>int</a:t>
-            </a:r>
-            <a:r>
-              <a:rPr lang="en-US" altLang="zh-CN" dirty="0"/>
-              <a:t> </a:t>
-            </a:r>
-            <a:r>
-              <a:rPr lang="en-US" altLang="zh-CN" dirty="0" err="1"/>
-              <a:t>findElement</a:t>
-            </a:r>
-            <a:r>
-              <a:rPr lang="en-US" altLang="zh-CN" dirty="0"/>
-              <a:t>(</a:t>
-            </a:r>
-            <a:r>
-              <a:rPr lang="en-US" altLang="zh-CN" dirty="0" err="1"/>
-              <a:t>int</a:t>
-            </a:r>
-            <a:r>
-              <a:rPr lang="en-US" altLang="zh-CN" dirty="0"/>
-              <a:t> </a:t>
-            </a:r>
-            <a:r>
-              <a:rPr lang="en-US" altLang="zh-CN" dirty="0" err="1"/>
-              <a:t>arr</a:t>
-            </a:r>
-            <a:r>
-              <a:rPr lang="en-US" altLang="zh-CN" dirty="0"/>
-              <a:t>[], </a:t>
-            </a:r>
-            <a:r>
-              <a:rPr lang="en-US" altLang="zh-CN" dirty="0" err="1"/>
-              <a:t>int</a:t>
-            </a:r>
-            <a:r>
-              <a:rPr lang="en-US" altLang="zh-CN" dirty="0"/>
-              <a:t> size, </a:t>
-            </a:r>
-            <a:r>
-              <a:rPr lang="en-US" altLang="zh-CN" dirty="0" err="1"/>
-              <a:t>int</a:t>
-            </a:r>
-            <a:r>
-              <a:rPr lang="en-US" altLang="zh-CN" dirty="0"/>
-              <a:t> key)</a:t>
-            </a:r>
-            <a:r>
-              <a:rPr lang="zh-CN" altLang="en-US" dirty="0"/>
-              <a:t>，如果 </a:t>
-            </a:r>
-            <a:r>
-              <a:rPr lang="en-US" altLang="zh-CN" dirty="0"/>
-              <a:t>key </a:t>
-            </a:r>
-            <a:r>
-              <a:rPr lang="zh-CN" altLang="en-US" dirty="0"/>
-              <a:t>存在于数组中，则返回索引，否则返回 </a:t>
-            </a:r>
-            <a:r>
-              <a:rPr lang="en-US" altLang="zh-CN" dirty="0"/>
-              <a:t>-1</a:t>
-            </a:r>
-            <a:r>
-              <a:rPr lang="zh-CN" altLang="en-US" dirty="0"/>
-              <a:t>。</a:t>
-            </a:r>
+              <a:t>递归</a:t>
+            </a:r>
+            <a:r>
+              <a:rPr lang="zh-CN" altLang="en-US" dirty="0"/>
+              <a:t>是函数调用自身。递归函数通常包括基准情况和递归调用。</a:t>
+            </a:r>
+          </a:p>
+          <a:p>
+            <a:endParaRPr lang="zh-CN" altLang="en-US" dirty="0"/>
           </a:p>
         </p:txBody>
       </p:sp>
     </p:spTree>
     <p:extLst>
       <p:ext uri="{BB962C8B-B14F-4D97-AF65-F5344CB8AC3E}">
-        <p14:creationId xmlns:p14="http://schemas.microsoft.com/office/powerpoint/2010/main" val="271248110"/>
+        <p14:creationId xmlns:p14="http://schemas.microsoft.com/office/powerpoint/2010/main" val="3246053325"/>
       </p:ext>
     </p:extLst>
   </p:cSld>
@@ -17955,6 +18009,600 @@
           <a:lstStyle/>
           <a:p>
             <a:r>
+              <a:rPr lang="en-US" altLang="zh-CN" dirty="0" smtClean="0"/>
+              <a:t>4.6 </a:t>
+            </a:r>
+            <a:r>
+              <a:rPr lang="zh-CN" altLang="zh-CN" b="1" dirty="0"/>
+              <a:t>课后练习</a:t>
+            </a:r>
+            <a:endParaRPr lang="zh-CN" altLang="en-US" dirty="0"/>
+          </a:p>
+        </p:txBody>
+      </p:sp>
+      <p:sp>
+        <p:nvSpPr>
+          <p:cNvPr id="3" name="内容占位符 2"/>
+          <p:cNvSpPr>
+            <a:spLocks noGrp="1"/>
+          </p:cNvSpPr>
+          <p:nvPr>
+            <p:ph idx="1"/>
+          </p:nvPr>
+        </p:nvSpPr>
+        <p:spPr/>
+        <p:txBody>
+          <a:bodyPr>
+            <a:normAutofit fontScale="55000" lnSpcReduction="20000"/>
+          </a:bodyPr>
+          <a:lstStyle/>
+          <a:p>
+            <a:r>
+              <a:rPr lang="zh-CN" altLang="en-US" dirty="0"/>
+              <a:t>基本函数调用</a:t>
+            </a:r>
+            <a:endParaRPr lang="en-US" altLang="zh-CN" dirty="0" smtClean="0"/>
+          </a:p>
+          <a:p>
+            <a:pPr marL="0" indent="0">
+              <a:buNone/>
+            </a:pPr>
+            <a:r>
+              <a:rPr lang="en-US" altLang="zh-CN" dirty="0" smtClean="0"/>
+              <a:t>	</a:t>
+            </a:r>
+            <a:r>
+              <a:rPr lang="zh-CN" altLang="en-US" dirty="0" smtClean="0"/>
+              <a:t>编写</a:t>
+            </a:r>
+            <a:r>
+              <a:rPr lang="zh-CN" altLang="en-US" dirty="0"/>
+              <a:t>一个函数 </a:t>
+            </a:r>
+            <a:r>
+              <a:rPr lang="en-US" altLang="zh-CN" dirty="0" err="1"/>
+              <a:t>maxValue</a:t>
+            </a:r>
+            <a:r>
+              <a:rPr lang="en-US" altLang="zh-CN" dirty="0"/>
+              <a:t>(</a:t>
+            </a:r>
+            <a:r>
+              <a:rPr lang="en-US" altLang="zh-CN" dirty="0" err="1"/>
+              <a:t>int</a:t>
+            </a:r>
+            <a:r>
+              <a:rPr lang="en-US" altLang="zh-CN" dirty="0"/>
+              <a:t> a, </a:t>
+            </a:r>
+            <a:r>
+              <a:rPr lang="en-US" altLang="zh-CN" dirty="0" err="1"/>
+              <a:t>int</a:t>
+            </a:r>
+            <a:r>
+              <a:rPr lang="en-US" altLang="zh-CN" dirty="0"/>
+              <a:t> b)</a:t>
+            </a:r>
+            <a:r>
+              <a:rPr lang="zh-CN" altLang="en-US" dirty="0"/>
+              <a:t>，返回两个整数中的较大值，并在 </a:t>
+            </a:r>
+            <a:r>
+              <a:rPr lang="en-US" altLang="zh-CN" dirty="0"/>
+              <a:t>main </a:t>
+            </a:r>
+            <a:r>
+              <a:rPr lang="zh-CN" altLang="en-US" dirty="0"/>
+              <a:t>函数中测试。</a:t>
+            </a:r>
+          </a:p>
+          <a:p>
+            <a:r>
+              <a:rPr lang="zh-CN" altLang="en-US" dirty="0"/>
+              <a:t>值传递与引用传递</a:t>
+            </a:r>
+          </a:p>
+          <a:p>
+            <a:pPr marL="0" indent="0">
+              <a:buNone/>
+            </a:pPr>
+            <a:r>
+              <a:rPr lang="en-US" altLang="zh-CN" dirty="0" smtClean="0"/>
+              <a:t>	</a:t>
+            </a:r>
+            <a:r>
+              <a:rPr lang="zh-CN" altLang="en-US" dirty="0" smtClean="0"/>
+              <a:t>编写</a:t>
+            </a:r>
+            <a:r>
+              <a:rPr lang="zh-CN" altLang="en-US" dirty="0"/>
+              <a:t>一个函数 </a:t>
+            </a:r>
+            <a:r>
+              <a:rPr lang="en-US" altLang="zh-CN" dirty="0"/>
+              <a:t>swap(</a:t>
+            </a:r>
+            <a:r>
+              <a:rPr lang="en-US" altLang="zh-CN" dirty="0" err="1"/>
+              <a:t>int</a:t>
+            </a:r>
+            <a:r>
+              <a:rPr lang="en-US" altLang="zh-CN" dirty="0"/>
+              <a:t>&amp; a, </a:t>
+            </a:r>
+            <a:r>
+              <a:rPr lang="en-US" altLang="zh-CN" dirty="0" err="1"/>
+              <a:t>int</a:t>
+            </a:r>
+            <a:r>
+              <a:rPr lang="en-US" altLang="zh-CN" dirty="0"/>
+              <a:t>&amp; b)</a:t>
+            </a:r>
+            <a:r>
+              <a:rPr lang="zh-CN" altLang="en-US" dirty="0"/>
+              <a:t>，交换两个整数的值，并在 </a:t>
+            </a:r>
+            <a:r>
+              <a:rPr lang="en-US" altLang="zh-CN" dirty="0"/>
+              <a:t>main </a:t>
+            </a:r>
+            <a:r>
+              <a:rPr lang="zh-CN" altLang="en-US" dirty="0"/>
+              <a:t>函数中测试。</a:t>
+            </a:r>
+          </a:p>
+          <a:p>
+            <a:r>
+              <a:rPr lang="zh-CN" altLang="en-US" dirty="0"/>
+              <a:t>递归函数</a:t>
+            </a:r>
+          </a:p>
+          <a:p>
+            <a:pPr marL="0" indent="0">
+              <a:buNone/>
+            </a:pPr>
+            <a:r>
+              <a:rPr lang="en-US" altLang="zh-CN" dirty="0" smtClean="0"/>
+              <a:t>	</a:t>
+            </a:r>
+            <a:r>
+              <a:rPr lang="zh-CN" altLang="en-US" dirty="0" smtClean="0"/>
+              <a:t>编写</a:t>
+            </a:r>
+            <a:r>
+              <a:rPr lang="zh-CN" altLang="en-US" dirty="0"/>
+              <a:t>一个递归函数 </a:t>
+            </a:r>
+            <a:r>
+              <a:rPr lang="en-US" altLang="zh-CN" dirty="0" err="1"/>
+              <a:t>int</a:t>
+            </a:r>
+            <a:r>
+              <a:rPr lang="en-US" altLang="zh-CN" dirty="0"/>
+              <a:t> </a:t>
+            </a:r>
+            <a:r>
+              <a:rPr lang="en-US" altLang="zh-CN" dirty="0" err="1"/>
+              <a:t>fibonacci</a:t>
+            </a:r>
+            <a:r>
+              <a:rPr lang="en-US" altLang="zh-CN" dirty="0"/>
+              <a:t>(</a:t>
+            </a:r>
+            <a:r>
+              <a:rPr lang="en-US" altLang="zh-CN" dirty="0" err="1"/>
+              <a:t>int</a:t>
+            </a:r>
+            <a:r>
+              <a:rPr lang="en-US" altLang="zh-CN" dirty="0"/>
+              <a:t> n)</a:t>
+            </a:r>
+            <a:r>
+              <a:rPr lang="zh-CN" altLang="en-US" dirty="0"/>
+              <a:t>，计算并返回斐波那契数列的第 </a:t>
+            </a:r>
+            <a:r>
+              <a:rPr lang="en-US" altLang="zh-CN" dirty="0"/>
+              <a:t>n </a:t>
+            </a:r>
+            <a:r>
+              <a:rPr lang="zh-CN" altLang="en-US" dirty="0"/>
+              <a:t>项。（</a:t>
+            </a:r>
+            <a:r>
+              <a:rPr lang="en-US" altLang="zh-CN" dirty="0"/>
+              <a:t>F(0) = 0, F(1) = 1, F(n) = F(n-1) + F(n-2)</a:t>
+            </a:r>
+            <a:r>
+              <a:rPr lang="zh-CN" altLang="en-US" dirty="0"/>
+              <a:t>）</a:t>
+            </a:r>
+          </a:p>
+          <a:p>
+            <a:pPr marL="0" indent="0">
+              <a:buNone/>
+            </a:pPr>
+            <a:r>
+              <a:rPr lang="en-US" altLang="zh-CN" dirty="0" smtClean="0"/>
+              <a:t>	</a:t>
+            </a:r>
+            <a:r>
+              <a:rPr lang="zh-CN" altLang="en-US" dirty="0" smtClean="0"/>
+              <a:t>编写</a:t>
+            </a:r>
+            <a:r>
+              <a:rPr lang="zh-CN" altLang="en-US" dirty="0"/>
+              <a:t>一个函数 </a:t>
+            </a:r>
+            <a:r>
+              <a:rPr lang="en-US" altLang="zh-CN" dirty="0" err="1"/>
+              <a:t>int</a:t>
+            </a:r>
+            <a:r>
+              <a:rPr lang="en-US" altLang="zh-CN" dirty="0"/>
+              <a:t> </a:t>
+            </a:r>
+            <a:r>
+              <a:rPr lang="en-US" altLang="zh-CN" dirty="0" err="1"/>
+              <a:t>sumArray</a:t>
+            </a:r>
+            <a:r>
+              <a:rPr lang="en-US" altLang="zh-CN" dirty="0"/>
+              <a:t>(</a:t>
+            </a:r>
+            <a:r>
+              <a:rPr lang="en-US" altLang="zh-CN" dirty="0" err="1"/>
+              <a:t>int</a:t>
+            </a:r>
+            <a:r>
+              <a:rPr lang="en-US" altLang="zh-CN" dirty="0"/>
+              <a:t> </a:t>
+            </a:r>
+            <a:r>
+              <a:rPr lang="en-US" altLang="zh-CN" dirty="0" err="1"/>
+              <a:t>arr</a:t>
+            </a:r>
+            <a:r>
+              <a:rPr lang="en-US" altLang="zh-CN" dirty="0"/>
+              <a:t>[], </a:t>
+            </a:r>
+            <a:r>
+              <a:rPr lang="en-US" altLang="zh-CN" dirty="0" err="1"/>
+              <a:t>int</a:t>
+            </a:r>
+            <a:r>
+              <a:rPr lang="en-US" altLang="zh-CN" dirty="0"/>
+              <a:t> size)</a:t>
+            </a:r>
+            <a:r>
+              <a:rPr lang="zh-CN" altLang="en-US" dirty="0"/>
+              <a:t>，计算并返回数组元素的总和。在 </a:t>
+            </a:r>
+            <a:r>
+              <a:rPr lang="en-US" altLang="zh-CN" dirty="0"/>
+              <a:t>main </a:t>
+            </a:r>
+            <a:r>
+              <a:rPr lang="zh-CN" altLang="en-US" dirty="0"/>
+              <a:t>函数中测试该函数。</a:t>
+            </a:r>
+          </a:p>
+          <a:p>
+            <a:r>
+              <a:rPr lang="zh-CN" altLang="en-US" dirty="0"/>
+              <a:t>数组最大值</a:t>
+            </a:r>
+          </a:p>
+          <a:p>
+            <a:pPr marL="0" indent="0">
+              <a:buNone/>
+            </a:pPr>
+            <a:r>
+              <a:rPr lang="en-US" altLang="zh-CN" dirty="0" smtClean="0"/>
+              <a:t>	</a:t>
+            </a:r>
+            <a:r>
+              <a:rPr lang="zh-CN" altLang="en-US" dirty="0" smtClean="0"/>
+              <a:t>编写</a:t>
+            </a:r>
+            <a:r>
+              <a:rPr lang="zh-CN" altLang="en-US" dirty="0"/>
+              <a:t>一个函数 </a:t>
+            </a:r>
+            <a:r>
+              <a:rPr lang="en-US" altLang="zh-CN" dirty="0" err="1"/>
+              <a:t>int</a:t>
+            </a:r>
+            <a:r>
+              <a:rPr lang="en-US" altLang="zh-CN" dirty="0"/>
+              <a:t> </a:t>
+            </a:r>
+            <a:r>
+              <a:rPr lang="en-US" altLang="zh-CN" dirty="0" err="1"/>
+              <a:t>maxInArray</a:t>
+            </a:r>
+            <a:r>
+              <a:rPr lang="en-US" altLang="zh-CN" dirty="0"/>
+              <a:t>(</a:t>
+            </a:r>
+            <a:r>
+              <a:rPr lang="en-US" altLang="zh-CN" dirty="0" err="1"/>
+              <a:t>int</a:t>
+            </a:r>
+            <a:r>
+              <a:rPr lang="en-US" altLang="zh-CN" dirty="0"/>
+              <a:t> </a:t>
+            </a:r>
+            <a:r>
+              <a:rPr lang="en-US" altLang="zh-CN" dirty="0" err="1"/>
+              <a:t>arr</a:t>
+            </a:r>
+            <a:r>
+              <a:rPr lang="en-US" altLang="zh-CN" dirty="0"/>
+              <a:t>[], </a:t>
+            </a:r>
+            <a:r>
+              <a:rPr lang="en-US" altLang="zh-CN" dirty="0" err="1"/>
+              <a:t>int</a:t>
+            </a:r>
+            <a:r>
+              <a:rPr lang="en-US" altLang="zh-CN" dirty="0"/>
+              <a:t> size)</a:t>
+            </a:r>
+            <a:r>
+              <a:rPr lang="zh-CN" altLang="en-US" dirty="0"/>
+              <a:t>，返回数组中的最大值，并在 </a:t>
+            </a:r>
+            <a:r>
+              <a:rPr lang="en-US" altLang="zh-CN" dirty="0"/>
+              <a:t>main </a:t>
+            </a:r>
+            <a:r>
+              <a:rPr lang="zh-CN" altLang="en-US" dirty="0"/>
+              <a:t>函数中测试。</a:t>
+            </a:r>
+          </a:p>
+          <a:p>
+            <a:r>
+              <a:rPr lang="zh-CN" altLang="en-US" dirty="0"/>
+              <a:t>二维数组遍历</a:t>
+            </a:r>
+          </a:p>
+          <a:p>
+            <a:pPr marL="0" indent="0">
+              <a:buNone/>
+            </a:pPr>
+            <a:r>
+              <a:rPr lang="en-US" altLang="zh-CN" dirty="0" smtClean="0"/>
+              <a:t>	</a:t>
+            </a:r>
+            <a:r>
+              <a:rPr lang="zh-CN" altLang="en-US" dirty="0" smtClean="0"/>
+              <a:t>定义</a:t>
+            </a:r>
+            <a:r>
+              <a:rPr lang="zh-CN" altLang="en-US" dirty="0"/>
+              <a:t>一个 </a:t>
+            </a:r>
+            <a:r>
+              <a:rPr lang="en-US" altLang="zh-CN" dirty="0"/>
+              <a:t>3×3 </a:t>
+            </a:r>
+            <a:r>
+              <a:rPr lang="zh-CN" altLang="en-US" dirty="0"/>
+              <a:t>的二维数组，并使用嵌套 </a:t>
+            </a:r>
+            <a:r>
+              <a:rPr lang="en-US" altLang="zh-CN" dirty="0"/>
+              <a:t>for </a:t>
+            </a:r>
+            <a:r>
+              <a:rPr lang="zh-CN" altLang="en-US" dirty="0"/>
+              <a:t>循环输出所有元素。</a:t>
+            </a:r>
+          </a:p>
+          <a:p>
+            <a:r>
+              <a:rPr lang="zh-CN" altLang="en-US" dirty="0"/>
+              <a:t>数组与指针</a:t>
+            </a:r>
+          </a:p>
+          <a:p>
+            <a:pPr marL="0" indent="0">
+              <a:buNone/>
+            </a:pPr>
+            <a:r>
+              <a:rPr lang="en-US" altLang="zh-CN" dirty="0" smtClean="0"/>
+              <a:t>	</a:t>
+            </a:r>
+            <a:r>
+              <a:rPr lang="zh-CN" altLang="en-US" dirty="0" smtClean="0"/>
+              <a:t>编写</a:t>
+            </a:r>
+            <a:r>
+              <a:rPr lang="zh-CN" altLang="en-US" dirty="0"/>
+              <a:t>一个函数 </a:t>
+            </a:r>
+            <a:r>
+              <a:rPr lang="en-US" altLang="zh-CN" dirty="0"/>
+              <a:t>void </a:t>
+            </a:r>
+            <a:r>
+              <a:rPr lang="en-US" altLang="zh-CN" dirty="0" err="1"/>
+              <a:t>printArray</a:t>
+            </a:r>
+            <a:r>
+              <a:rPr lang="en-US" altLang="zh-CN" dirty="0"/>
+              <a:t>(</a:t>
+            </a:r>
+            <a:r>
+              <a:rPr lang="en-US" altLang="zh-CN" dirty="0" err="1"/>
+              <a:t>int</a:t>
+            </a:r>
+            <a:r>
+              <a:rPr lang="en-US" altLang="zh-CN" dirty="0"/>
+              <a:t>* </a:t>
+            </a:r>
+            <a:r>
+              <a:rPr lang="en-US" altLang="zh-CN" dirty="0" err="1"/>
+              <a:t>arr</a:t>
+            </a:r>
+            <a:r>
+              <a:rPr lang="en-US" altLang="zh-CN" dirty="0"/>
+              <a:t>, </a:t>
+            </a:r>
+            <a:r>
+              <a:rPr lang="en-US" altLang="zh-CN" dirty="0" err="1"/>
+              <a:t>int</a:t>
+            </a:r>
+            <a:r>
+              <a:rPr lang="en-US" altLang="zh-CN" dirty="0"/>
+              <a:t> size)</a:t>
+            </a:r>
+            <a:r>
+              <a:rPr lang="zh-CN" altLang="en-US" dirty="0"/>
+              <a:t>，使用指针遍历并输出数组中的所有元素。</a:t>
+            </a:r>
+          </a:p>
+          <a:p>
+            <a:r>
+              <a:rPr lang="zh-CN" altLang="en-US" dirty="0"/>
+              <a:t>数组元素查找</a:t>
+            </a:r>
+          </a:p>
+          <a:p>
+            <a:pPr marL="0" indent="0">
+              <a:buNone/>
+            </a:pPr>
+            <a:r>
+              <a:rPr lang="en-US" altLang="zh-CN" dirty="0" smtClean="0"/>
+              <a:t>	</a:t>
+            </a:r>
+            <a:r>
+              <a:rPr lang="zh-CN" altLang="en-US" dirty="0" smtClean="0"/>
+              <a:t>编写</a:t>
+            </a:r>
+            <a:r>
+              <a:rPr lang="zh-CN" altLang="en-US" dirty="0"/>
+              <a:t>一个函数 </a:t>
+            </a:r>
+            <a:r>
+              <a:rPr lang="en-US" altLang="zh-CN" dirty="0" err="1"/>
+              <a:t>int</a:t>
+            </a:r>
+            <a:r>
+              <a:rPr lang="en-US" altLang="zh-CN" dirty="0"/>
+              <a:t> </a:t>
+            </a:r>
+            <a:r>
+              <a:rPr lang="en-US" altLang="zh-CN" dirty="0" err="1"/>
+              <a:t>findElement</a:t>
+            </a:r>
+            <a:r>
+              <a:rPr lang="en-US" altLang="zh-CN" dirty="0"/>
+              <a:t>(</a:t>
+            </a:r>
+            <a:r>
+              <a:rPr lang="en-US" altLang="zh-CN" dirty="0" err="1"/>
+              <a:t>int</a:t>
+            </a:r>
+            <a:r>
+              <a:rPr lang="en-US" altLang="zh-CN" dirty="0"/>
+              <a:t> </a:t>
+            </a:r>
+            <a:r>
+              <a:rPr lang="en-US" altLang="zh-CN" dirty="0" err="1"/>
+              <a:t>arr</a:t>
+            </a:r>
+            <a:r>
+              <a:rPr lang="en-US" altLang="zh-CN" dirty="0"/>
+              <a:t>[], </a:t>
+            </a:r>
+            <a:r>
+              <a:rPr lang="en-US" altLang="zh-CN" dirty="0" err="1"/>
+              <a:t>int</a:t>
+            </a:r>
+            <a:r>
+              <a:rPr lang="en-US" altLang="zh-CN" dirty="0"/>
+              <a:t> size, </a:t>
+            </a:r>
+            <a:r>
+              <a:rPr lang="en-US" altLang="zh-CN" dirty="0" err="1"/>
+              <a:t>int</a:t>
+            </a:r>
+            <a:r>
+              <a:rPr lang="en-US" altLang="zh-CN" dirty="0"/>
+              <a:t> key)</a:t>
+            </a:r>
+            <a:r>
+              <a:rPr lang="zh-CN" altLang="en-US" dirty="0"/>
+              <a:t>，如果 </a:t>
+            </a:r>
+            <a:r>
+              <a:rPr lang="en-US" altLang="zh-CN" dirty="0"/>
+              <a:t>key </a:t>
+            </a:r>
+            <a:r>
+              <a:rPr lang="zh-CN" altLang="en-US" dirty="0"/>
+              <a:t>存在于数组中，则返回索引，否则返回 </a:t>
+            </a:r>
+            <a:r>
+              <a:rPr lang="en-US" altLang="zh-CN" dirty="0"/>
+              <a:t>-1</a:t>
+            </a:r>
+            <a:r>
+              <a:rPr lang="zh-CN" altLang="en-US" dirty="0"/>
+              <a:t>。</a:t>
+            </a:r>
+          </a:p>
+        </p:txBody>
+      </p:sp>
+    </p:spTree>
+    <p:extLst>
+      <p:ext uri="{BB962C8B-B14F-4D97-AF65-F5344CB8AC3E}">
+        <p14:creationId xmlns:p14="http://schemas.microsoft.com/office/powerpoint/2010/main" val="271248110"/>
+      </p:ext>
+    </p:extLst>
+  </p:cSld>
+  <p:clrMapOvr>
+    <a:masterClrMapping/>
+  </p:clrMapOvr>
+</p:sld>
+</file>
+
+<file path=ppt/slides/slide52.xml><?xml version="1.0" encoding="utf-8"?>
+<p:sld xmlns:a="http://schemas.openxmlformats.org/drawingml/2006/main" xmlns:r="http://schemas.openxmlformats.org/officeDocument/2006/relationships" xmlns:p="http://schemas.openxmlformats.org/presentationml/2006/main">
+  <p:cSld>
+    <p:spTree>
+      <p:nvGrpSpPr>
+        <p:cNvPr id="1" name=""/>
+        <p:cNvGrpSpPr/>
+        <p:nvPr/>
+      </p:nvGrpSpPr>
+      <p:grpSpPr>
+        <a:xfrm>
+          <a:off x="0" y="0"/>
+          <a:ext cx="0" cy="0"/>
+          <a:chOff x="0" y="0"/>
+          <a:chExt cx="0" cy="0"/>
+        </a:xfrm>
+      </p:grpSpPr>
+      <p:sp>
+        <p:nvSpPr>
+          <p:cNvPr id="2" name="标题 1"/>
+          <p:cNvSpPr>
+            <a:spLocks noGrp="1"/>
+          </p:cNvSpPr>
+          <p:nvPr>
+            <p:ph type="title"/>
+          </p:nvPr>
+        </p:nvSpPr>
+        <p:spPr/>
+        <p:txBody>
+          <a:bodyPr/>
+          <a:lstStyle/>
+          <a:p>
+            <a:r>
               <a:rPr lang="zh-CN" altLang="en-US" b="1" dirty="0" smtClean="0">
                 <a:latin typeface="华文楷体" pitchFamily="2" charset="-122"/>
                 <a:ea typeface="华文楷体" pitchFamily="2" charset="-122"/>
@@ -18084,149 +18732,6 @@
 </p:sld>
 </file>
 
-<file path=ppt/slides/slide52.xml><?xml version="1.0" encoding="utf-8"?>
-<p:sld xmlns:a="http://schemas.openxmlformats.org/drawingml/2006/main" xmlns:r="http://schemas.openxmlformats.org/officeDocument/2006/relationships" xmlns:p="http://schemas.openxmlformats.org/presentationml/2006/main">
-  <p:cSld>
-    <p:spTree>
-      <p:nvGrpSpPr>
-        <p:cNvPr id="1" name=""/>
-        <p:cNvGrpSpPr/>
-        <p:nvPr/>
-      </p:nvGrpSpPr>
-      <p:grpSpPr>
-        <a:xfrm>
-          <a:off x="0" y="0"/>
-          <a:ext cx="0" cy="0"/>
-          <a:chOff x="0" y="0"/>
-          <a:chExt cx="0" cy="0"/>
-        </a:xfrm>
-      </p:grpSpPr>
-      <p:sp>
-        <p:nvSpPr>
-          <p:cNvPr id="2" name="标题 1"/>
-          <p:cNvSpPr>
-            <a:spLocks noGrp="1"/>
-          </p:cNvSpPr>
-          <p:nvPr>
-            <p:ph type="title"/>
-          </p:nvPr>
-        </p:nvSpPr>
-        <p:spPr/>
-        <p:txBody>
-          <a:bodyPr/>
-          <a:lstStyle/>
-          <a:p>
-            <a:r>
-              <a:rPr lang="en-US" altLang="zh-CN" b="1" dirty="0" smtClean="0"/>
-              <a:t>5.1 </a:t>
-            </a:r>
-            <a:r>
-              <a:rPr lang="zh-CN" altLang="en-US" b="1" dirty="0"/>
-              <a:t>为什么使用面向对象</a:t>
-            </a:r>
-          </a:p>
-        </p:txBody>
-      </p:sp>
-      <p:sp>
-        <p:nvSpPr>
-          <p:cNvPr id="3" name="内容占位符 2"/>
-          <p:cNvSpPr>
-            <a:spLocks noGrp="1"/>
-          </p:cNvSpPr>
-          <p:nvPr>
-            <p:ph idx="1"/>
-          </p:nvPr>
-        </p:nvSpPr>
-        <p:spPr/>
-        <p:txBody>
-          <a:bodyPr/>
-          <a:lstStyle/>
-          <a:p>
-            <a:r>
-              <a:rPr lang="zh-CN" altLang="en-US" dirty="0"/>
-              <a:t>面向对象编程（</a:t>
-            </a:r>
-            <a:r>
-              <a:rPr lang="en-US" altLang="zh-CN" dirty="0"/>
-              <a:t>OOP</a:t>
-            </a:r>
-            <a:r>
-              <a:rPr lang="zh-CN" altLang="en-US" dirty="0"/>
-              <a:t>）是软件开发中的一种编程范式，它与传统的过程化编程（如</a:t>
-            </a:r>
-            <a:r>
-              <a:rPr lang="en-US" altLang="zh-CN" dirty="0"/>
-              <a:t>C</a:t>
-            </a:r>
-            <a:r>
-              <a:rPr lang="zh-CN" altLang="en-US" dirty="0"/>
-              <a:t>语言）相比，提供了更高的灵活性和可维护性。通过将数据和操作数据的方法封装在一起，</a:t>
-            </a:r>
-            <a:r>
-              <a:rPr lang="en-US" altLang="zh-CN" dirty="0"/>
-              <a:t>OOP</a:t>
-            </a:r>
-            <a:r>
-              <a:rPr lang="zh-CN" altLang="en-US" dirty="0"/>
-              <a:t>可以使代码更加模块化、可扩展和易于维护</a:t>
-            </a:r>
-            <a:r>
-              <a:rPr lang="zh-CN" altLang="en-US" dirty="0" smtClean="0"/>
-              <a:t>。</a:t>
-            </a:r>
-            <a:endParaRPr lang="en-US" altLang="zh-CN" dirty="0" smtClean="0"/>
-          </a:p>
-          <a:p>
-            <a:r>
-              <a:rPr lang="zh-CN" altLang="en-US" dirty="0"/>
-              <a:t>面向对象的</a:t>
-            </a:r>
-            <a:r>
-              <a:rPr lang="zh-CN" altLang="en-US" dirty="0" smtClean="0"/>
-              <a:t>优势</a:t>
-            </a:r>
-            <a:endParaRPr lang="en-US" altLang="zh-CN" dirty="0" smtClean="0"/>
-          </a:p>
-          <a:p>
-            <a:r>
-              <a:rPr lang="zh-CN" altLang="en-US" dirty="0"/>
-              <a:t>与 </a:t>
-            </a:r>
-            <a:r>
-              <a:rPr lang="en-US" altLang="zh-CN" dirty="0"/>
-              <a:t>C </a:t>
-            </a:r>
-            <a:r>
-              <a:rPr lang="zh-CN" altLang="en-US" dirty="0"/>
-              <a:t>语言的</a:t>
-            </a:r>
-            <a:r>
-              <a:rPr lang="zh-CN" altLang="en-US" dirty="0" smtClean="0"/>
-              <a:t>区别</a:t>
-            </a:r>
-            <a:endParaRPr lang="en-US" altLang="zh-CN" dirty="0" smtClean="0"/>
-          </a:p>
-          <a:p>
-            <a:r>
-              <a:rPr lang="zh-CN" altLang="en-US" dirty="0"/>
-              <a:t>为什么选择面向对象编程</a:t>
-            </a:r>
-          </a:p>
-        </p:txBody>
-      </p:sp>
-    </p:spTree>
-    <p:extLst>
-      <p:ext uri="{BB962C8B-B14F-4D97-AF65-F5344CB8AC3E}">
-        <p14:creationId xmlns:p14="http://schemas.microsoft.com/office/powerpoint/2010/main" val="329754630"/>
-      </p:ext>
-    </p:extLst>
-  </p:cSld>
-  <p:clrMapOvr>
-    <a:masterClrMapping/>
-  </p:clrMapOvr>
-</p:sld>
-</file>
-
 <file path=ppt/slides/slide53.xml><?xml version="1.0" encoding="utf-8"?>
 <p:sld xmlns:a="http://schemas.openxmlformats.org/drawingml/2006/main" xmlns:r="http://schemas.openxmlformats.org/officeDocument/2006/relationships" xmlns:p="http://schemas.openxmlformats.org/presentationml/2006/main">
   <p:cSld>
@@ -18260,17 +18765,13 @@
           <a:lstStyle/>
           <a:p>
             <a:r>
+              <a:rPr lang="en-US" altLang="zh-CN" b="1" dirty="0" smtClean="0"/>
+              <a:t>5.1 </a:t>
+            </a:r>
+            <a:r>
               <a:rPr lang="zh-CN" altLang="en-US" b="1" dirty="0"/>
-              <a:t>面向对象的优势</a:t>
-            </a:r>
-            <a:r>
-              <a:rPr lang="en-US" altLang="zh-CN" dirty="0"/>
-              <a:t/>
-            </a:r>
-            <a:br>
-              <a:rPr lang="en-US" altLang="zh-CN" dirty="0"/>
-            </a:br>
-            <a:endParaRPr lang="zh-CN" altLang="en-US" dirty="0"/>
+              <a:t>为什么使用面向对象</a:t>
+            </a:r>
           </a:p>
         </p:txBody>
       </p:sp>
@@ -18291,7 +18792,7 @@
           <a:p>
             <a:r>
               <a:rPr lang="zh-CN" altLang="en-US" dirty="0"/>
-              <a:t>封装：</a:t>
+              <a:t>面向对象编程（</a:t>
             </a:r>
             <a:r>
               <a:rPr lang="en-US" altLang="zh-CN" dirty="0"/>
@@ -18299,25 +18800,15 @@
             </a:r>
             <a:r>
               <a:rPr lang="zh-CN" altLang="en-US" dirty="0"/>
-              <a:t>鼓励将数据与数据操作封装在一起，减少数据访问的复杂性。通过封装，类的实现细节可以隐藏，外部代码只需关注接口而非实现。</a:t>
-            </a:r>
-          </a:p>
-          <a:p>
-            <a:r>
-              <a:rPr lang="zh-CN" altLang="en-US" dirty="0"/>
-              <a:t>继承：继承允许类继承另一个类的属性和方法，减少代码的重复，增强代码的重用性。</a:t>
-            </a:r>
-          </a:p>
-          <a:p>
-            <a:r>
-              <a:rPr lang="zh-CN" altLang="en-US" dirty="0"/>
-              <a:t>多态：多态使得同一操作可以在不同类型的对象上表现出不同的行为，提高了代码的灵活性。</a:t>
-            </a:r>
-          </a:p>
-          <a:p>
-            <a:r>
-              <a:rPr lang="zh-CN" altLang="en-US" dirty="0"/>
-              <a:t>模块化与可维护性：</a:t>
+              <a:t>）是软件开发中的一种编程范式，它与传统的过程化编程（如</a:t>
+            </a:r>
+            <a:r>
+              <a:rPr lang="en-US" altLang="zh-CN" dirty="0"/>
+              <a:t>C</a:t>
+            </a:r>
+            <a:r>
+              <a:rPr lang="zh-CN" altLang="en-US" dirty="0"/>
+              <a:t>语言）相比，提供了更高的灵活性和可维护性。通过将数据和操作数据的方法封装在一起，</a:t>
             </a:r>
             <a:r>
               <a:rPr lang="en-US" altLang="zh-CN" dirty="0"/>
@@ -18325,7 +18816,48 @@
             </a:r>
             <a:r>
               <a:rPr lang="zh-CN" altLang="en-US" dirty="0"/>
-              <a:t>允许将一个大程序拆分成多个小模块，每个模块负责自己独立的功能，增强了代码的可维护性和扩展性。</a:t>
+              <a:t>可以使代码更加模块化、可扩展和易于维护</a:t>
+            </a:r>
+            <a:r>
+              <a:rPr lang="zh-CN" altLang="en-US" dirty="0" smtClean="0"/>
+              <a:t>。</a:t>
+            </a:r>
+            <a:endParaRPr lang="en-US" altLang="zh-CN" dirty="0" smtClean="0"/>
+          </a:p>
+          <a:p>
+            <a:r>
+              <a:rPr lang="zh-CN" altLang="en-US" dirty="0"/>
+              <a:t>面向对象的</a:t>
+            </a:r>
+            <a:r>
+              <a:rPr lang="zh-CN" altLang="en-US" dirty="0" smtClean="0"/>
+              <a:t>优势</a:t>
+            </a:r>
+            <a:endParaRPr lang="en-US" altLang="zh-CN" dirty="0" smtClean="0"/>
+          </a:p>
+          <a:p>
+            <a:r>
+              <a:rPr lang="zh-CN" altLang="en-US" dirty="0"/>
+              <a:t>与 </a:t>
+            </a:r>
+            <a:r>
+              <a:rPr lang="en-US" altLang="zh-CN" dirty="0"/>
+              <a:t>C </a:t>
+            </a:r>
+            <a:r>
+              <a:rPr lang="zh-CN" altLang="en-US" dirty="0"/>
+              <a:t>语言的</a:t>
+            </a:r>
+            <a:r>
+              <a:rPr lang="zh-CN" altLang="en-US" dirty="0" smtClean="0"/>
+              <a:t>区别</a:t>
+            </a:r>
+            <a:endParaRPr lang="en-US" altLang="zh-CN" dirty="0" smtClean="0"/>
+          </a:p>
+          <a:p>
+            <a:r>
+              <a:rPr lang="zh-CN" altLang="en-US" dirty="0"/>
+              <a:t>为什么选择面向对象编程</a:t>
             </a:r>
           </a:p>
         </p:txBody>
@@ -18333,7 +18865,7 @@
     </p:spTree>
     <p:extLst>
       <p:ext uri="{BB962C8B-B14F-4D97-AF65-F5344CB8AC3E}">
-        <p14:creationId xmlns:p14="http://schemas.microsoft.com/office/powerpoint/2010/main" val="1941399030"/>
+        <p14:creationId xmlns:p14="http://schemas.microsoft.com/office/powerpoint/2010/main" val="329754630"/>
       </p:ext>
     </p:extLst>
   </p:cSld>
@@ -18377,6 +18909,122 @@
           <a:p>
             <a:r>
               <a:rPr lang="zh-CN" altLang="en-US" b="1" dirty="0"/>
+              <a:t>面向对象的优势</a:t>
+            </a:r>
+            <a:r>
+              <a:rPr lang="en-US" altLang="zh-CN" dirty="0"/>
+              <a:t/>
+            </a:r>
+            <a:br>
+              <a:rPr lang="en-US" altLang="zh-CN" dirty="0"/>
+            </a:br>
+            <a:endParaRPr lang="zh-CN" altLang="en-US" dirty="0"/>
+          </a:p>
+        </p:txBody>
+      </p:sp>
+      <p:sp>
+        <p:nvSpPr>
+          <p:cNvPr id="3" name="内容占位符 2"/>
+          <p:cNvSpPr>
+            <a:spLocks noGrp="1"/>
+          </p:cNvSpPr>
+          <p:nvPr>
+            <p:ph idx="1"/>
+          </p:nvPr>
+        </p:nvSpPr>
+        <p:spPr/>
+        <p:txBody>
+          <a:bodyPr/>
+          <a:lstStyle/>
+          <a:p>
+            <a:r>
+              <a:rPr lang="zh-CN" altLang="en-US" dirty="0"/>
+              <a:t>封装：</a:t>
+            </a:r>
+            <a:r>
+              <a:rPr lang="en-US" altLang="zh-CN" dirty="0"/>
+              <a:t>OOP</a:t>
+            </a:r>
+            <a:r>
+              <a:rPr lang="zh-CN" altLang="en-US" dirty="0"/>
+              <a:t>鼓励将数据与数据操作封装在一起，减少数据访问的复杂性。通过封装，类的实现细节可以隐藏，外部代码只需关注接口而非实现。</a:t>
+            </a:r>
+          </a:p>
+          <a:p>
+            <a:r>
+              <a:rPr lang="zh-CN" altLang="en-US" dirty="0"/>
+              <a:t>继承：继承允许类继承另一个类的属性和方法，减少代码的重复，增强代码的重用性。</a:t>
+            </a:r>
+          </a:p>
+          <a:p>
+            <a:r>
+              <a:rPr lang="zh-CN" altLang="en-US" dirty="0"/>
+              <a:t>多态：多态使得同一操作可以在不同类型的对象上表现出不同的行为，提高了代码的灵活性。</a:t>
+            </a:r>
+          </a:p>
+          <a:p>
+            <a:r>
+              <a:rPr lang="zh-CN" altLang="en-US" dirty="0"/>
+              <a:t>模块化与可维护性：</a:t>
+            </a:r>
+            <a:r>
+              <a:rPr lang="en-US" altLang="zh-CN" dirty="0"/>
+              <a:t>OOP</a:t>
+            </a:r>
+            <a:r>
+              <a:rPr lang="zh-CN" altLang="en-US" dirty="0"/>
+              <a:t>允许将一个大程序拆分成多个小模块，每个模块负责自己独立的功能，增强了代码的可维护性和扩展性。</a:t>
+            </a:r>
+          </a:p>
+        </p:txBody>
+      </p:sp>
+    </p:spTree>
+    <p:extLst>
+      <p:ext uri="{BB962C8B-B14F-4D97-AF65-F5344CB8AC3E}">
+        <p14:creationId xmlns:p14="http://schemas.microsoft.com/office/powerpoint/2010/main" val="1941399030"/>
+      </p:ext>
+    </p:extLst>
+  </p:cSld>
+  <p:clrMapOvr>
+    <a:masterClrMapping/>
+  </p:clrMapOvr>
+</p:sld>
+</file>
+
+<file path=ppt/slides/slide55.xml><?xml version="1.0" encoding="utf-8"?>
+<p:sld xmlns:a="http://schemas.openxmlformats.org/drawingml/2006/main" xmlns:r="http://schemas.openxmlformats.org/officeDocument/2006/relationships" xmlns:p="http://schemas.openxmlformats.org/presentationml/2006/main">
+  <p:cSld>
+    <p:spTree>
+      <p:nvGrpSpPr>
+        <p:cNvPr id="1" name=""/>
+        <p:cNvGrpSpPr/>
+        <p:nvPr/>
+      </p:nvGrpSpPr>
+      <p:grpSpPr>
+        <a:xfrm>
+          <a:off x="0" y="0"/>
+          <a:ext cx="0" cy="0"/>
+          <a:chOff x="0" y="0"/>
+          <a:chExt cx="0" cy="0"/>
+        </a:xfrm>
+      </p:grpSpPr>
+      <p:sp>
+        <p:nvSpPr>
+          <p:cNvPr id="2" name="标题 1"/>
+          <p:cNvSpPr>
+            <a:spLocks noGrp="1"/>
+          </p:cNvSpPr>
+          <p:nvPr>
+            <p:ph type="title"/>
+          </p:nvPr>
+        </p:nvSpPr>
+        <p:spPr/>
+        <p:txBody>
+          <a:bodyPr/>
+          <a:lstStyle/>
+          <a:p>
+            <a:r>
+              <a:rPr lang="zh-CN" altLang="en-US" b="1" dirty="0"/>
               <a:t>与 </a:t>
             </a:r>
             <a:r>
@@ -18454,7 +19102,7 @@
 </p:sld>
 </file>
 
-<file path=ppt/slides/slide55.xml><?xml version="1.0" encoding="utf-8"?>
+<file path=ppt/slides/slide56.xml><?xml version="1.0" encoding="utf-8"?>
 <p:sld xmlns:a="http://schemas.openxmlformats.org/drawingml/2006/main" xmlns:r="http://schemas.openxmlformats.org/officeDocument/2006/relationships" xmlns:p="http://schemas.openxmlformats.org/presentationml/2006/main">
   <p:cSld>
     <p:spTree>
@@ -18881,176 +19529,6 @@
 </p:sld>
 </file>
 
-<file path=ppt/slides/slide56.xml><?xml version="1.0" encoding="utf-8"?>
-<p:sld xmlns:a="http://schemas.openxmlformats.org/drawingml/2006/main" xmlns:r="http://schemas.openxmlformats.org/officeDocument/2006/relationships" xmlns:p="http://schemas.openxmlformats.org/presentationml/2006/main">
-  <p:cSld>
-    <p:spTree>
-      <p:nvGrpSpPr>
-        <p:cNvPr id="1" name=""/>
-        <p:cNvGrpSpPr/>
-        <p:nvPr/>
-      </p:nvGrpSpPr>
-      <p:grpSpPr>
-        <a:xfrm>
-          <a:off x="0" y="0"/>
-          <a:ext cx="0" cy="0"/>
-          <a:chOff x="0" y="0"/>
-          <a:chExt cx="0" cy="0"/>
-        </a:xfrm>
-      </p:grpSpPr>
-      <p:sp>
-        <p:nvSpPr>
-          <p:cNvPr id="2" name="标题 1"/>
-          <p:cNvSpPr>
-            <a:spLocks noGrp="1"/>
-          </p:cNvSpPr>
-          <p:nvPr>
-            <p:ph type="title"/>
-          </p:nvPr>
-        </p:nvSpPr>
-        <p:spPr/>
-        <p:txBody>
-          <a:bodyPr/>
-          <a:lstStyle/>
-          <a:p>
-            <a:r>
-              <a:rPr lang="en-US" altLang="zh-CN" dirty="0" smtClean="0"/>
-              <a:t>5.2 </a:t>
-            </a:r>
-            <a:r>
-              <a:rPr lang="zh-CN" altLang="en-US" dirty="0"/>
-              <a:t>类与对象</a:t>
-            </a:r>
-          </a:p>
-        </p:txBody>
-      </p:sp>
-      <p:sp>
-        <p:nvSpPr>
-          <p:cNvPr id="3" name="内容占位符 2"/>
-          <p:cNvSpPr>
-            <a:spLocks noGrp="1"/>
-          </p:cNvSpPr>
-          <p:nvPr>
-            <p:ph idx="1"/>
-          </p:nvPr>
-        </p:nvSpPr>
-        <p:spPr/>
-        <p:txBody>
-          <a:bodyPr/>
-          <a:lstStyle/>
-          <a:p>
-            <a:r>
-              <a:rPr lang="zh-CN" altLang="en-US" dirty="0"/>
-              <a:t>定义</a:t>
-            </a:r>
-            <a:r>
-              <a:rPr lang="zh-CN" altLang="en-US" dirty="0" smtClean="0"/>
-              <a:t>类</a:t>
-            </a:r>
-            <a:endParaRPr lang="en-US" altLang="zh-CN" dirty="0" smtClean="0"/>
-          </a:p>
-          <a:p>
-            <a:pPr marL="0" indent="0">
-              <a:buNone/>
-            </a:pPr>
-            <a:r>
-              <a:rPr lang="en-US" altLang="zh-CN" dirty="0"/>
-              <a:t>	</a:t>
-            </a:r>
-            <a:r>
-              <a:rPr lang="zh-CN" altLang="en-US" dirty="0"/>
-              <a:t>类是面向对象编程中的核心概念，它描述了一个对象的属性和行为。类定义包括</a:t>
-            </a:r>
-            <a:r>
-              <a:rPr lang="zh-CN" altLang="en-US" dirty="0" smtClean="0"/>
-              <a:t>成</a:t>
-            </a:r>
-            <a:r>
-              <a:rPr lang="en-US" altLang="zh-CN" dirty="0" smtClean="0"/>
-              <a:t>	</a:t>
-            </a:r>
-            <a:r>
-              <a:rPr lang="zh-CN" altLang="en-US" dirty="0" smtClean="0"/>
-              <a:t>员</a:t>
-            </a:r>
-            <a:r>
-              <a:rPr lang="zh-CN" altLang="en-US" dirty="0"/>
-              <a:t>变量（属性）和成员函数（行为）。类的实例化称为对象。</a:t>
-            </a:r>
-            <a:endParaRPr lang="en-US" altLang="zh-CN" dirty="0" smtClean="0"/>
-          </a:p>
-          <a:p>
-            <a:r>
-              <a:rPr lang="zh-CN" altLang="en-US" dirty="0"/>
-              <a:t>构造函数与</a:t>
-            </a:r>
-            <a:r>
-              <a:rPr lang="zh-CN" altLang="en-US" dirty="0" smtClean="0"/>
-              <a:t>析构函数</a:t>
-            </a:r>
-            <a:endParaRPr lang="en-US" altLang="zh-CN" dirty="0" smtClean="0"/>
-          </a:p>
-          <a:p>
-            <a:pPr marL="0" indent="0">
-              <a:buNone/>
-            </a:pPr>
-            <a:r>
-              <a:rPr lang="en-US" altLang="zh-CN" dirty="0"/>
-              <a:t>	</a:t>
-            </a:r>
-            <a:r>
-              <a:rPr lang="zh-CN" altLang="en-US" dirty="0"/>
-              <a:t>构造函数用于初始化对象的成员变量。析构函数用于在对象销毁时进行资源清理</a:t>
-            </a:r>
-            <a:r>
-              <a:rPr lang="zh-CN" altLang="en-US" dirty="0" smtClean="0"/>
-              <a:t>。</a:t>
-            </a:r>
-            <a:r>
-              <a:rPr lang="en-US" altLang="zh-CN" dirty="0" smtClean="0"/>
-              <a:t>	</a:t>
-            </a:r>
-            <a:r>
-              <a:rPr lang="zh-CN" altLang="en-US" dirty="0" smtClean="0"/>
-              <a:t>构造</a:t>
-            </a:r>
-            <a:r>
-              <a:rPr lang="zh-CN" altLang="en-US" dirty="0"/>
-              <a:t>函数和析构函数的名称与类名相同，但构造函数没有返回类型，析构函数以 </a:t>
-            </a:r>
-            <a:r>
-              <a:rPr lang="en-US" altLang="zh-CN" dirty="0"/>
-              <a:t>~ </a:t>
-            </a:r>
-            <a:r>
-              <a:rPr lang="en-US" altLang="zh-CN" dirty="0" smtClean="0"/>
-              <a:t>	</a:t>
-            </a:r>
-            <a:r>
-              <a:rPr lang="zh-CN" altLang="en-US" dirty="0" smtClean="0"/>
-              <a:t>开头</a:t>
-            </a:r>
-            <a:r>
-              <a:rPr lang="zh-CN" altLang="en-US" dirty="0"/>
-              <a:t>。</a:t>
-            </a:r>
-            <a:endParaRPr lang="en-US" altLang="zh-CN" dirty="0" smtClean="0"/>
-          </a:p>
-        </p:txBody>
-      </p:sp>
-    </p:spTree>
-    <p:extLst>
-      <p:ext uri="{BB962C8B-B14F-4D97-AF65-F5344CB8AC3E}">
-        <p14:creationId xmlns:p14="http://schemas.microsoft.com/office/powerpoint/2010/main" val="3147529873"/>
-      </p:ext>
-    </p:extLst>
-  </p:cSld>
-  <p:clrMapOvr>
-    <a:masterClrMapping/>
-  </p:clrMapOvr>
-</p:sld>
-</file>
-
 <file path=ppt/slides/slide57.xml><?xml version="1.0" encoding="utf-8"?>
 <p:sld xmlns:a="http://schemas.openxmlformats.org/drawingml/2006/main" xmlns:r="http://schemas.openxmlformats.org/officeDocument/2006/relationships" xmlns:p="http://schemas.openxmlformats.org/presentationml/2006/main">
   <p:cSld>
@@ -19089,7 +19567,7 @@
             </a:r>
             <a:r>
               <a:rPr lang="zh-CN" altLang="en-US" dirty="0"/>
-              <a:t>封装</a:t>
+              <a:t>类与对象</a:t>
             </a:r>
           </a:p>
         </p:txBody>
@@ -19111,83 +19589,107 @@
           <a:p>
             <a:r>
               <a:rPr lang="zh-CN" altLang="en-US" dirty="0"/>
-              <a:t>封装是面向对象编程的四大基本特性之一。封装通过访问控制修饰符（</a:t>
-            </a:r>
-            <a:r>
-              <a:rPr lang="en-US" altLang="zh-CN" dirty="0"/>
-              <a:t>public</a:t>
-            </a:r>
-            <a:r>
-              <a:rPr lang="zh-CN" altLang="en-US" dirty="0"/>
-              <a:t>、</a:t>
-            </a:r>
-            <a:r>
-              <a:rPr lang="en-US" altLang="zh-CN" dirty="0"/>
-              <a:t>private</a:t>
-            </a:r>
-            <a:r>
-              <a:rPr lang="zh-CN" altLang="en-US" dirty="0"/>
-              <a:t>、</a:t>
-            </a:r>
-            <a:r>
-              <a:rPr lang="en-US" altLang="zh-CN" dirty="0"/>
-              <a:t>protected</a:t>
-            </a:r>
-            <a:r>
-              <a:rPr lang="zh-CN" altLang="en-US" dirty="0"/>
-              <a:t>）来控制类成员的访问权限</a:t>
+              <a:t>定义</a:t>
+            </a:r>
+            <a:r>
+              <a:rPr lang="zh-CN" altLang="en-US" dirty="0" smtClean="0"/>
+              <a:t>类</a:t>
+            </a:r>
+            <a:endParaRPr lang="en-US" altLang="zh-CN" dirty="0" smtClean="0"/>
+          </a:p>
+          <a:p>
+            <a:pPr marL="0" indent="0">
+              <a:buNone/>
+            </a:pPr>
+            <a:r>
+              <a:rPr lang="en-US" altLang="zh-CN" dirty="0"/>
+              <a:t>	</a:t>
+            </a:r>
+            <a:r>
+              <a:rPr lang="zh-CN" altLang="en-US" dirty="0"/>
+              <a:t>类是面向对象编程中的核心概念，它描述了一个对象的属性和行为。类定义包括</a:t>
+            </a:r>
+            <a:r>
+              <a:rPr lang="zh-CN" altLang="en-US" dirty="0" smtClean="0"/>
+              <a:t>成</a:t>
+            </a:r>
+            <a:r>
+              <a:rPr lang="en-US" altLang="zh-CN" dirty="0" smtClean="0"/>
+              <a:t>	</a:t>
+            </a:r>
+            <a:r>
+              <a:rPr lang="zh-CN" altLang="en-US" dirty="0" smtClean="0"/>
+              <a:t>员</a:t>
+            </a:r>
+            <a:r>
+              <a:rPr lang="zh-CN" altLang="en-US" dirty="0"/>
+              <a:t>变量（属性）和成员函数（行为）。类的实例化称为对象。</a:t>
+            </a:r>
+            <a:endParaRPr lang="en-US" altLang="zh-CN" dirty="0" smtClean="0"/>
+          </a:p>
+          <a:p>
+            <a:r>
+              <a:rPr lang="zh-CN" altLang="en-US" dirty="0"/>
+              <a:t>构造函数与</a:t>
+            </a:r>
+            <a:r>
+              <a:rPr lang="zh-CN" altLang="en-US" dirty="0" smtClean="0"/>
+              <a:t>析构函数</a:t>
+            </a:r>
+            <a:endParaRPr lang="en-US" altLang="zh-CN" dirty="0" smtClean="0"/>
+          </a:p>
+          <a:p>
+            <a:pPr marL="0" indent="0">
+              <a:buNone/>
+            </a:pPr>
+            <a:r>
+              <a:rPr lang="en-US" altLang="zh-CN" dirty="0"/>
+              <a:t>	</a:t>
+            </a:r>
+            <a:r>
+              <a:rPr lang="zh-CN" altLang="en-US" dirty="0"/>
+              <a:t>构造函数用于初始化对象的成员变量。析构函数用于在对象销毁时进行资源清理</a:t>
             </a:r>
             <a:r>
               <a:rPr lang="zh-CN" altLang="en-US" dirty="0" smtClean="0"/>
               <a:t>。</a:t>
             </a:r>
+            <a:r>
+              <a:rPr lang="en-US" altLang="zh-CN" dirty="0" smtClean="0"/>
+              <a:t>	</a:t>
+            </a:r>
+            <a:r>
+              <a:rPr lang="zh-CN" altLang="en-US" dirty="0" smtClean="0"/>
+              <a:t>构造</a:t>
+            </a:r>
+            <a:r>
+              <a:rPr lang="zh-CN" altLang="en-US" dirty="0"/>
+              <a:t>函数和析构函数的名称与类名相同，但构造函数没有返回类型，析构函数以 </a:t>
+            </a:r>
+            <a:r>
+              <a:rPr lang="en-US" altLang="zh-CN" dirty="0"/>
+              <a:t>~ </a:t>
+            </a:r>
+            <a:r>
+              <a:rPr lang="en-US" altLang="zh-CN" dirty="0" smtClean="0"/>
+              <a:t>	</a:t>
+            </a:r>
+            <a:r>
+              <a:rPr lang="zh-CN" altLang="en-US" dirty="0" smtClean="0"/>
+              <a:t>开头</a:t>
+            </a:r>
+            <a:r>
+              <a:rPr lang="zh-CN" altLang="en-US" dirty="0"/>
+              <a:t>。</a:t>
+            </a:r>
             <a:endParaRPr lang="en-US" altLang="zh-CN" dirty="0" smtClean="0"/>
-          </a:p>
-          <a:p>
-            <a:r>
-              <a:rPr lang="zh-CN" altLang="en-US" dirty="0"/>
-              <a:t>访问控制修饰符</a:t>
-            </a:r>
-          </a:p>
-          <a:p>
-            <a:pPr lvl="1"/>
-            <a:r>
-              <a:rPr lang="en-US" altLang="zh-CN" dirty="0"/>
-              <a:t>public</a:t>
-            </a:r>
-            <a:r>
-              <a:rPr lang="zh-CN" altLang="en-US" dirty="0"/>
-              <a:t>：公开的成员，外部代码可以访问。</a:t>
-            </a:r>
-          </a:p>
-          <a:p>
-            <a:pPr lvl="1"/>
-            <a:r>
-              <a:rPr lang="en-US" altLang="zh-CN" dirty="0"/>
-              <a:t>private</a:t>
-            </a:r>
-            <a:r>
-              <a:rPr lang="zh-CN" altLang="en-US" dirty="0"/>
-              <a:t>：私有的成员，只能在类的内部访问。</a:t>
-            </a:r>
-          </a:p>
-          <a:p>
-            <a:pPr lvl="1"/>
-            <a:r>
-              <a:rPr lang="en-US" altLang="zh-CN" dirty="0"/>
-              <a:t>protected</a:t>
-            </a:r>
-            <a:r>
-              <a:rPr lang="zh-CN" altLang="en-US" dirty="0"/>
-              <a:t>：保护的成员，子类可以访问，但外部代码不能访问。</a:t>
-            </a:r>
           </a:p>
         </p:txBody>
       </p:sp>
     </p:spTree>
     <p:extLst>
       <p:ext uri="{BB962C8B-B14F-4D97-AF65-F5344CB8AC3E}">
-        <p14:creationId xmlns:p14="http://schemas.microsoft.com/office/powerpoint/2010/main" val="3887602630"/>
+        <p14:creationId xmlns:p14="http://schemas.microsoft.com/office/powerpoint/2010/main" val="3147529873"/>
       </p:ext>
     </p:extLst>
   </p:cSld>
@@ -19231,11 +19733,11 @@
           <a:p>
             <a:r>
               <a:rPr lang="en-US" altLang="zh-CN" dirty="0" smtClean="0"/>
-              <a:t>5.3 </a:t>
-            </a:r>
-            <a:r>
-              <a:rPr lang="zh-CN" altLang="en-US" dirty="0"/>
-              <a:t>继承</a:t>
+              <a:t>5.2 </a:t>
+            </a:r>
+            <a:r>
+              <a:rPr lang="zh-CN" altLang="en-US" dirty="0"/>
+              <a:t>封装</a:t>
             </a:r>
           </a:p>
         </p:txBody>
@@ -19257,7 +19759,31 @@
           <a:p>
             <a:r>
               <a:rPr lang="zh-CN" altLang="en-US" dirty="0"/>
-              <a:t>通过继承，我们可以创建一个新的类（派生类），它可以继承已有类（基类）的成员变量和成员函数</a:t>
+              <a:t>封装是面向对象编程的四大基本特性之一。封装通过访问控制修饰符（</a:t>
+            </a:r>
+            <a:r>
+              <a:rPr lang="en-US" altLang="zh-CN" dirty="0"/>
+              <a:t>public</a:t>
+            </a:r>
+            <a:r>
+              <a:rPr lang="zh-CN" altLang="en-US" dirty="0"/>
+              <a:t>、</a:t>
+            </a:r>
+            <a:r>
+              <a:rPr lang="en-US" altLang="zh-CN" dirty="0"/>
+              <a:t>private</a:t>
+            </a:r>
+            <a:r>
+              <a:rPr lang="zh-CN" altLang="en-US" dirty="0"/>
+              <a:t>、</a:t>
+            </a:r>
+            <a:r>
+              <a:rPr lang="en-US" altLang="zh-CN" dirty="0"/>
+              <a:t>protected</a:t>
+            </a:r>
+            <a:r>
+              <a:rPr lang="zh-CN" altLang="en-US" dirty="0"/>
+              <a:t>）来控制类成员的访问权限</a:t>
             </a:r>
             <a:r>
               <a:rPr lang="zh-CN" altLang="en-US" dirty="0" smtClean="0"/>
@@ -19268,70 +19794,48 @@
           <a:p>
             <a:r>
               <a:rPr lang="zh-CN" altLang="en-US" dirty="0"/>
-              <a:t>继承的</a:t>
-            </a:r>
-            <a:r>
-              <a:rPr lang="zh-CN" altLang="en-US" dirty="0" smtClean="0"/>
-              <a:t>概念</a:t>
-            </a:r>
-            <a:endParaRPr lang="en-US" altLang="zh-CN" dirty="0" smtClean="0"/>
-          </a:p>
-          <a:p>
-            <a:pPr marL="457200" lvl="1" indent="0">
-              <a:buNone/>
-            </a:pPr>
-            <a:r>
-              <a:rPr lang="zh-CN" altLang="en-US" dirty="0"/>
-              <a:t>基类和派生类的关系：</a:t>
-            </a:r>
-            <a:r>
-              <a:rPr lang="en-US" altLang="zh-CN" dirty="0"/>
-              <a:t>	</a:t>
-            </a:r>
-            <a:endParaRPr lang="zh-CN" altLang="en-US" dirty="0"/>
+              <a:t>访问控制修饰符</a:t>
+            </a:r>
           </a:p>
           <a:p>
             <a:pPr lvl="1"/>
             <a:r>
-              <a:rPr lang="zh-CN" altLang="en-US" dirty="0"/>
-              <a:t>基类是被继承的类。</a:t>
+              <a:rPr lang="en-US" altLang="zh-CN" dirty="0"/>
+              <a:t>public</a:t>
+            </a:r>
+            <a:r>
+              <a:rPr lang="zh-CN" altLang="en-US" dirty="0"/>
+              <a:t>：公开的成员，外部代码可以访问。</a:t>
             </a:r>
           </a:p>
           <a:p>
             <a:pPr lvl="1"/>
             <a:r>
-              <a:rPr lang="zh-CN" altLang="en-US" dirty="0"/>
-              <a:t>派生类是从基类派生出来的类，可以继承基类的属性和行为。</a:t>
-            </a:r>
-          </a:p>
-          <a:p>
-            <a:r>
-              <a:rPr lang="zh-CN" altLang="en-US" dirty="0" smtClean="0"/>
-              <a:t>基</a:t>
-            </a:r>
-            <a:r>
-              <a:rPr lang="zh-CN" altLang="en-US" dirty="0"/>
-              <a:t>类与派生</a:t>
-            </a:r>
-            <a:r>
-              <a:rPr lang="zh-CN" altLang="en-US" dirty="0" smtClean="0"/>
-              <a:t>类</a:t>
-            </a:r>
-            <a:endParaRPr lang="en-US" altLang="zh-CN" dirty="0" smtClean="0"/>
-          </a:p>
-          <a:p>
-            <a:r>
-              <a:rPr lang="zh-CN" altLang="en-US" dirty="0"/>
-              <a:t>多重继承</a:t>
-            </a:r>
-            <a:endParaRPr lang="en-US" altLang="zh-CN" dirty="0" smtClean="0"/>
+              <a:rPr lang="en-US" altLang="zh-CN" dirty="0"/>
+              <a:t>private</a:t>
+            </a:r>
+            <a:r>
+              <a:rPr lang="zh-CN" altLang="en-US" dirty="0"/>
+              <a:t>：私有的成员，只能在类的内部访问。</a:t>
+            </a:r>
+          </a:p>
+          <a:p>
+            <a:pPr lvl="1"/>
+            <a:r>
+              <a:rPr lang="en-US" altLang="zh-CN" dirty="0"/>
+              <a:t>protected</a:t>
+            </a:r>
+            <a:r>
+              <a:rPr lang="zh-CN" altLang="en-US" dirty="0"/>
+              <a:t>：保护的成员，子类可以访问，但外部代码不能访问。</a:t>
+            </a:r>
           </a:p>
         </p:txBody>
       </p:sp>
     </p:spTree>
     <p:extLst>
       <p:ext uri="{BB962C8B-B14F-4D97-AF65-F5344CB8AC3E}">
-        <p14:creationId xmlns:p14="http://schemas.microsoft.com/office/powerpoint/2010/main" val="3152470496"/>
+        <p14:creationId xmlns:p14="http://schemas.microsoft.com/office/powerpoint/2010/main" val="3887602630"/>
       </p:ext>
     </p:extLst>
   </p:cSld>
@@ -19375,11 +19879,11 @@
           <a:p>
             <a:r>
               <a:rPr lang="en-US" altLang="zh-CN" dirty="0" smtClean="0"/>
-              <a:t>5.4 </a:t>
-            </a:r>
-            <a:r>
-              <a:rPr lang="zh-CN" altLang="en-US" dirty="0"/>
-              <a:t>多态</a:t>
+              <a:t>5.3 </a:t>
+            </a:r>
+            <a:r>
+              <a:rPr lang="zh-CN" altLang="en-US" dirty="0"/>
+              <a:t>继承</a:t>
             </a:r>
           </a:p>
         </p:txBody>
@@ -19401,15 +19905,7 @@
           <a:p>
             <a:r>
               <a:rPr lang="zh-CN" altLang="en-US" dirty="0"/>
-              <a:t>多态是指通过相同的接口调用不同的函数，实现不同的行为。多态有两种类型：编译时多态</a:t>
-            </a:r>
-            <a:r>
-              <a:rPr lang="zh-CN" altLang="en-US" dirty="0" smtClean="0"/>
-              <a:t>和运行</a:t>
-            </a:r>
-            <a:r>
-              <a:rPr lang="zh-CN" altLang="en-US" dirty="0"/>
-              <a:t>时多态</a:t>
+              <a:t>通过继承，我们可以创建一个新的类（派生类），它可以继承已有类（基类）的成员变量和成员函数</a:t>
             </a:r>
             <a:r>
               <a:rPr lang="zh-CN" altLang="en-US" dirty="0" smtClean="0"/>
@@ -19420,111 +19916,70 @@
           <a:p>
             <a:r>
               <a:rPr lang="zh-CN" altLang="en-US" dirty="0"/>
-              <a:t>虚</a:t>
-            </a:r>
-            <a:r>
-              <a:rPr lang="zh-CN" altLang="en-US" dirty="0" smtClean="0"/>
-              <a:t>函数</a:t>
+              <a:t>继承的</a:t>
+            </a:r>
+            <a:r>
+              <a:rPr lang="zh-CN" altLang="en-US" dirty="0" smtClean="0"/>
+              <a:t>概念</a:t>
             </a:r>
             <a:endParaRPr lang="en-US" altLang="zh-CN" dirty="0" smtClean="0"/>
           </a:p>
           <a:p>
-            <a:pPr marL="0" indent="0">
+            <a:pPr marL="457200" lvl="1" indent="0">
               <a:buNone/>
             </a:pPr>
             <a:r>
+              <a:rPr lang="zh-CN" altLang="en-US" dirty="0"/>
+              <a:t>基类和派生类的关系：</a:t>
+            </a:r>
+            <a:r>
               <a:rPr lang="en-US" altLang="zh-CN" dirty="0"/>
               <a:t>	</a:t>
             </a:r>
-            <a:r>
-              <a:rPr lang="zh-CN" altLang="en-US" dirty="0"/>
-              <a:t>虚函数允许我们在基类中声明函数，在派生类中重写该函数，以便实现动态绑定。</a:t>
-            </a:r>
-            <a:endParaRPr lang="en-US" altLang="zh-CN" dirty="0"/>
-          </a:p>
-          <a:p>
-            <a:r>
-              <a:rPr lang="zh-CN" altLang="en-US" dirty="0" smtClean="0"/>
-              <a:t>纯</a:t>
-            </a:r>
-            <a:r>
-              <a:rPr lang="zh-CN" altLang="en-US" dirty="0"/>
-              <a:t>虚</a:t>
-            </a:r>
-            <a:r>
-              <a:rPr lang="zh-CN" altLang="en-US" dirty="0" smtClean="0"/>
-              <a:t>函数</a:t>
+            <a:endParaRPr lang="zh-CN" altLang="en-US" dirty="0"/>
+          </a:p>
+          <a:p>
+            <a:pPr lvl="1"/>
+            <a:r>
+              <a:rPr lang="zh-CN" altLang="en-US" dirty="0"/>
+              <a:t>基类是被继承的类。</a:t>
+            </a:r>
+          </a:p>
+          <a:p>
+            <a:pPr lvl="1"/>
+            <a:r>
+              <a:rPr lang="zh-CN" altLang="en-US" dirty="0"/>
+              <a:t>派生类是从基类派生出来的类，可以继承基类的属性和行为。</a:t>
+            </a:r>
+          </a:p>
+          <a:p>
+            <a:r>
+              <a:rPr lang="zh-CN" altLang="en-US" dirty="0" smtClean="0"/>
+              <a:t>基</a:t>
+            </a:r>
+            <a:r>
+              <a:rPr lang="zh-CN" altLang="en-US" dirty="0"/>
+              <a:t>类与派生</a:t>
+            </a:r>
+            <a:r>
+              <a:rPr lang="zh-CN" altLang="en-US" dirty="0" smtClean="0"/>
+              <a:t>类</a:t>
             </a:r>
             <a:endParaRPr lang="en-US" altLang="zh-CN" dirty="0" smtClean="0"/>
           </a:p>
           <a:p>
-            <a:pPr marL="0" indent="0">
-              <a:buNone/>
-            </a:pPr>
-            <a:r>
-              <a:rPr lang="en-US" altLang="zh-CN" dirty="0"/>
-              <a:t>	</a:t>
-            </a:r>
-            <a:r>
-              <a:rPr lang="zh-CN" altLang="en-US" dirty="0"/>
-              <a:t>纯虚函数是没有函数体的虚函数，必须在派生类中实现它。含有纯虚函数的类被称</a:t>
-            </a:r>
-            <a:r>
-              <a:rPr lang="en-US" altLang="zh-CN" dirty="0"/>
-              <a:t>	</a:t>
-            </a:r>
-            <a:r>
-              <a:rPr lang="zh-CN" altLang="en-US" dirty="0"/>
-              <a:t>为抽象类，不能直接实例化。</a:t>
-            </a:r>
-            <a:endParaRPr lang="en-US" altLang="zh-CN" dirty="0"/>
-          </a:p>
-          <a:p>
-            <a:r>
-              <a:rPr lang="zh-CN" altLang="en-US" dirty="0" smtClean="0"/>
-              <a:t>运行</a:t>
-            </a:r>
-            <a:r>
-              <a:rPr lang="zh-CN" altLang="en-US" dirty="0"/>
-              <a:t>时多态</a:t>
+            <a:r>
+              <a:rPr lang="zh-CN" altLang="en-US" dirty="0"/>
+              <a:t>多重继承</a:t>
             </a:r>
             <a:endParaRPr lang="en-US" altLang="zh-CN" dirty="0" smtClean="0"/>
-          </a:p>
-          <a:p>
-            <a:pPr marL="0" indent="0">
-              <a:buNone/>
-            </a:pPr>
-            <a:r>
-              <a:rPr lang="zh-CN" altLang="en-US" dirty="0" smtClean="0"/>
-              <a:t>       运行</a:t>
-            </a:r>
-            <a:r>
-              <a:rPr lang="zh-CN" altLang="en-US" dirty="0"/>
-              <a:t>时多态是通过虚函数和指向基类的指针或引用来实现的。根据对象的实际类型</a:t>
-            </a:r>
-            <a:r>
-              <a:rPr lang="zh-CN" altLang="en-US" dirty="0" smtClean="0"/>
-              <a:t>，  </a:t>
-            </a:r>
-            <a:r>
-              <a:rPr lang="en-US" altLang="zh-CN" dirty="0" smtClean="0"/>
-              <a:t>	</a:t>
-            </a:r>
-            <a:r>
-              <a:rPr lang="zh-CN" altLang="en-US" dirty="0" smtClean="0"/>
-              <a:t>调用</a:t>
-            </a:r>
-            <a:r>
-              <a:rPr lang="zh-CN" altLang="en-US" dirty="0"/>
-              <a:t>相应的重写函数。</a:t>
-            </a:r>
           </a:p>
         </p:txBody>
       </p:sp>
     </p:spTree>
     <p:extLst>
       <p:ext uri="{BB962C8B-B14F-4D97-AF65-F5344CB8AC3E}">
-        <p14:creationId xmlns:p14="http://schemas.microsoft.com/office/powerpoint/2010/main" val="1103990109"/>
+        <p14:creationId xmlns:p14="http://schemas.microsoft.com/office/powerpoint/2010/main" val="3152470496"/>
       </p:ext>
     </p:extLst>
   </p:cSld>
@@ -19662,11 +20117,11 @@
           <a:p>
             <a:r>
               <a:rPr lang="en-US" altLang="zh-CN" dirty="0" smtClean="0"/>
-              <a:t>5.5 </a:t>
-            </a:r>
-            <a:r>
-              <a:rPr lang="zh-CN" altLang="en-US" dirty="0"/>
-              <a:t>总结</a:t>
+              <a:t>5.4 </a:t>
+            </a:r>
+            <a:r>
+              <a:rPr lang="zh-CN" altLang="en-US" dirty="0"/>
+              <a:t>多态</a:t>
             </a:r>
           </a:p>
         </p:txBody>
@@ -19688,49 +20143,122 @@
           <a:p>
             <a:r>
               <a:rPr lang="zh-CN" altLang="en-US" dirty="0"/>
-              <a:t>类与对象：类是对象的蓝图，对象是类的实例。构造函数和析构函数分别用于初始化和清理对象。</a:t>
-            </a:r>
-          </a:p>
-          <a:p>
-            <a:r>
-              <a:rPr lang="zh-CN" altLang="en-US" dirty="0"/>
-              <a:t>封装：通过访问控制修饰符（</a:t>
-            </a:r>
-            <a:r>
-              <a:rPr lang="en-US" altLang="zh-CN" dirty="0"/>
-              <a:t>public</a:t>
-            </a:r>
-            <a:r>
-              <a:rPr lang="zh-CN" altLang="en-US" dirty="0"/>
-              <a:t>、</a:t>
-            </a:r>
-            <a:r>
-              <a:rPr lang="en-US" altLang="zh-CN" dirty="0"/>
-              <a:t>private</a:t>
-            </a:r>
-            <a:r>
-              <a:rPr lang="zh-CN" altLang="en-US" dirty="0"/>
-              <a:t>、</a:t>
-            </a:r>
-            <a:r>
-              <a:rPr lang="en-US" altLang="zh-CN" dirty="0"/>
-              <a:t>protected</a:t>
-            </a:r>
-            <a:r>
-              <a:rPr lang="zh-CN" altLang="en-US" dirty="0"/>
-              <a:t>）控制成员的访问权限，保护对象的状态。</a:t>
-            </a:r>
-          </a:p>
-          <a:p>
-            <a:r>
-              <a:rPr lang="zh-CN" altLang="en-US" dirty="0"/>
-              <a:t>继承：通过继承实现代码的复用，派生类可以继承基类的属性和方法。</a:t>
-            </a:r>
-          </a:p>
-          <a:p>
-            <a:r>
-              <a:rPr lang="zh-CN" altLang="en-US" dirty="0"/>
-              <a:t>多态：通过虚函数和纯虚函数实现多态，允许在运行时根据对象的实际类型调用不同的方法</a:t>
+              <a:t>多态是指通过相同的接口调用不同的函数，实现不同的行为。多态有两种类型：编译时多态</a:t>
+            </a:r>
+            <a:r>
+              <a:rPr lang="zh-CN" altLang="en-US" dirty="0" smtClean="0"/>
+              <a:t>和运行</a:t>
+            </a:r>
+            <a:r>
+              <a:rPr lang="zh-CN" altLang="en-US" dirty="0"/>
+              <a:t>时多态</a:t>
+            </a:r>
+            <a:r>
+              <a:rPr lang="zh-CN" altLang="en-US" dirty="0" smtClean="0"/>
+              <a:t>。</a:t>
+            </a:r>
+         